--- a/기획서/5조 Fit-back.pptx
+++ b/기획서/5조 Fit-back.pptx
@@ -1,23 +1,23 @@
 
 <file path=ppt/presentation.xml><?xml version="1.0" encoding="utf-8"?>
-<p:presentation xmlns:a="http://schemas.openxmlformats.org/drawingml/2006/main" xmlns:r="http://schemas.openxmlformats.org/officeDocument/2006/relationships" xmlns:p="http://schemas.openxmlformats.org/presentationml/2006/main" strictFirstAndLastChars="0" saveSubsetFonts="1" autoCompressPictures="0">
+<p:presentation xmlns:a="http://schemas.openxmlformats.org/drawingml/2006/main" xmlns:r="http://schemas.openxmlformats.org/officeDocument/2006/relationships" xmlns:p="http://schemas.openxmlformats.org/presentationml/2006/main" xmlns:p14="http://schemas.microsoft.com/office/powerpoint/2010/main" strictFirstAndLastChars="0" saveSubsetFonts="1" autoCompressPictures="0">
   <p:sldMasterIdLst>
-    <p:sldMasterId id="2147483683" r:id="rId1"/>
+    <p:sldMasterId id="2147483684" r:id="rId12"/>
   </p:sldMasterIdLst>
   <p:notesMasterIdLst>
-    <p:notesMasterId r:id="rId12"/>
+    <p:notesMasterId r:id="rId14"/>
   </p:notesMasterIdLst>
   <p:sldIdLst>
-    <p:sldId id="256" r:id="rId2"/>
-    <p:sldId id="278" r:id="rId3"/>
-    <p:sldId id="286" r:id="rId4"/>
-    <p:sldId id="280" r:id="rId5"/>
-    <p:sldId id="281" r:id="rId6"/>
-    <p:sldId id="282" r:id="rId7"/>
-    <p:sldId id="283" r:id="rId8"/>
-    <p:sldId id="284" r:id="rId9"/>
-    <p:sldId id="279" r:id="rId10"/>
-    <p:sldId id="276" r:id="rId11"/>
+    <p:sldId id="256" r:id="rId16"/>
+    <p:sldId id="278" r:id="rId18"/>
+    <p:sldId id="286" r:id="rId20"/>
+    <p:sldId id="280" r:id="rId22"/>
+    <p:sldId id="281" r:id="rId24"/>
+    <p:sldId id="282" r:id="rId26"/>
+    <p:sldId id="283" r:id="rId28"/>
+    <p:sldId id="284" r:id="rId30"/>
+    <p:sldId id="279" r:id="rId32"/>
+    <p:sldId id="276" r:id="rId33"/>
   </p:sldIdLst>
   <p:sldSz cx="18288000" cy="10287000"/>
   <p:notesSz cx="10287000" cy="18288000"/>
@@ -253,12 +253,12 @@
   <p:extLst>
     <p:ext uri="{EFAFB233-063F-42B5-8137-9DF3F51BA10A}">
       <p15:sldGuideLst xmlns:p15="http://schemas.microsoft.com/office/powerpoint/2012/main">
-        <p15:guide id="1" orient="horz" pos="2153">
+        <p15:guide id="1" orient="horz" pos="2152" userDrawn="0">
           <p15:clr>
             <a:srgbClr val="000000"/>
           </p15:clr>
         </p15:guide>
-        <p15:guide id="2" pos="2873">
+        <p15:guide id="2" pos="2872" userDrawn="0">
           <p15:clr>
             <a:srgbClr val="000000"/>
           </p15:clr>
@@ -19090,7 +19090,7 @@
 </file>
 
 <file path=ppt/slides/slide9.xml><?xml version="1.0" encoding="utf-8"?>
-<p:sld xmlns:a="http://schemas.openxmlformats.org/drawingml/2006/main" xmlns:r="http://schemas.openxmlformats.org/officeDocument/2006/relationships" xmlns:p="http://schemas.openxmlformats.org/presentationml/2006/main">
+<p:sld xmlns:a="http://schemas.openxmlformats.org/drawingml/2006/main" xmlns:r="http://schemas.openxmlformats.org/officeDocument/2006/relationships" xmlns:p="http://schemas.openxmlformats.org/presentationml/2006/main" xmlns:p14="http://schemas.microsoft.com/office/powerpoint/2010/main">
   <p:cSld>
     <p:spTree>
       <p:nvGrpSpPr>
@@ -19279,14 +19279,14 @@
       </p:sp>
       <p:pic>
         <p:nvPicPr>
-          <p:cNvPr id="205" name="그림 9"/>
+          <p:cNvPr id="205" name="그림 1" descr="C:/Users/admin/AppData/Roaming/PolarisOffice/ETemp/7532_16637176/fImage5964420541.png"/>
           <p:cNvPicPr>
             <a:picLocks noChangeAspect="1"/>
           </p:cNvPicPr>
           <p:nvPr/>
         </p:nvPicPr>
         <p:blipFill rotWithShape="1">
-          <a:blip r:embed="rId3" cstate="print">
+          <a:blip r:embed="rId4" cstate="print">
             <a:extLst>
               <a:ext uri="{28A0092B-C50C-407E-A947-70E740481C1C}">
                 <a14:useLocalDpi xmlns:a14="http://schemas.microsoft.com/office/drawing/2010/main" val="0"/>
@@ -19298,13 +19298,11 @@
           </a:stretch>
         </p:blipFill>
         <p:spPr>
-          <a:xfrm>
-            <a:off x="1974215" y="1648460"/>
-            <a:ext cx="14516100" cy="7743825"/>
+          <a:xfrm rot="0">
+            <a:off x="1918335" y="1776730"/>
+            <a:ext cx="14439900" cy="7729855"/>
           </a:xfrm>
-          <a:prstGeom prst="rect">
-            <a:avLst/>
-          </a:prstGeom>
+          <a:prstGeom prst="rect"/>
           <a:noFill/>
         </p:spPr>
       </p:pic>
@@ -19313,6 +19311,21 @@
   <p:clrMapOvr>
     <a:masterClrMapping/>
   </p:clrMapOvr>
+  <mc:AlternateContent xmlns:mc="http://schemas.openxmlformats.org/markup-compatibility/2006">
+    <mc:Choice xmlns:p14="http://schemas.microsoft.com/office/powerpoint/2010/main" Requires="p14">
+      <p:transition spd="slow" p14:dur="2000"/>
+    </mc:Choice>
+    <mc:Fallback>
+      <p:transition spd="slow"/>
+    </mc:Fallback>
+  </mc:AlternateContent>
+  <p:timing>
+    <p:tnLst>
+      <p:par>
+        <p:cTn id="1" dur="indefinite" restart="never" nodeType="tmRoot"/>
+      </p:par>
+    </p:tnLst>
+  </p:timing>
 </p:sld>
 </file>
 

--- a/기획서/5조 Fit-back.pptx
+++ b/기획서/5조 Fit-back.pptx
@@ -2,22 +2,23 @@
 <file path=ppt/presentation.xml><?xml version="1.0" encoding="utf-8"?>
 <p:presentation xmlns:a="http://schemas.openxmlformats.org/drawingml/2006/main" xmlns:r="http://schemas.openxmlformats.org/officeDocument/2006/relationships" xmlns:p="http://schemas.openxmlformats.org/presentationml/2006/main" xmlns:p14="http://schemas.microsoft.com/office/powerpoint/2010/main" strictFirstAndLastChars="0" saveSubsetFonts="1" autoCompressPictures="0">
   <p:sldMasterIdLst>
-    <p:sldMasterId id="2147483684" r:id="rId12"/>
+    <p:sldMasterId id="2147483698" r:id="rId12"/>
   </p:sldMasterIdLst>
   <p:notesMasterIdLst>
     <p:notesMasterId r:id="rId14"/>
   </p:notesMasterIdLst>
   <p:sldIdLst>
     <p:sldId id="256" r:id="rId16"/>
-    <p:sldId id="278" r:id="rId18"/>
-    <p:sldId id="286" r:id="rId20"/>
-    <p:sldId id="280" r:id="rId22"/>
+    <p:sldId id="278" r:id="rId17"/>
+    <p:sldId id="286" r:id="rId19"/>
+    <p:sldId id="280" r:id="rId21"/>
+    <p:sldId id="287" r:id="rId23"/>
     <p:sldId id="281" r:id="rId24"/>
     <p:sldId id="282" r:id="rId26"/>
-    <p:sldId id="283" r:id="rId28"/>
-    <p:sldId id="284" r:id="rId30"/>
-    <p:sldId id="279" r:id="rId32"/>
-    <p:sldId id="276" r:id="rId33"/>
+    <p:sldId id="283" r:id="rId27"/>
+    <p:sldId id="284" r:id="rId28"/>
+    <p:sldId id="279" r:id="rId30"/>
+    <p:sldId id="276" r:id="rId32"/>
   </p:sldIdLst>
   <p:sldSz cx="18288000" cy="10287000"/>
   <p:notesSz cx="10287000" cy="18288000"/>
@@ -253,12 +254,12 @@
   <p:extLst>
     <p:ext uri="{EFAFB233-063F-42B5-8137-9DF3F51BA10A}">
       <p15:sldGuideLst xmlns:p15="http://schemas.microsoft.com/office/powerpoint/2012/main">
-        <p15:guide id="1" orient="horz" pos="2152" userDrawn="0">
+        <p15:guide id="1" orient="horz" pos="2151" userDrawn="0">
           <p15:clr>
             <a:srgbClr val="000000"/>
           </p15:clr>
         </p15:guide>
-        <p15:guide id="2" pos="2872" userDrawn="0">
+        <p15:guide id="2" pos="2871" userDrawn="0">
           <p15:clr>
             <a:srgbClr val="000000"/>
           </p15:clr>
@@ -815,6 +816,165 @@
 </file>
 
 <file path=ppt/notesSlides/notesSlide10.xml><?xml version="1.0" encoding="utf-8"?>
+<mc:AlternateContent xmlns:mc="http://schemas.openxmlformats.org/markup-compatibility/2006" xmlns:p14="http://schemas.microsoft.com/office/powerpoint/2010/main">
+  <mc:Choice Requires="p14">
+    <p:notes xmlns:a="http://schemas.openxmlformats.org/drawingml/2006/main" xmlns:r="http://schemas.openxmlformats.org/officeDocument/2006/relationships" xmlns:p="http://schemas.openxmlformats.org/presentationml/2006/main">
+      <p:cSld>
+        <p:spTree>
+          <p:nvGrpSpPr>
+            <p:cNvPr id="1" name=""/>
+            <p:cNvGrpSpPr/>
+            <p:nvPr/>
+          </p:nvGrpSpPr>
+          <p:grpSpPr>
+            <a:xfrm>
+              <a:off x="0" y="0"/>
+              <a:ext cx="0" cy="0"/>
+              <a:chOff x="0" y="0"/>
+              <a:chExt cx="0" cy="0"/>
+            </a:xfrm>
+          </p:grpSpPr>
+          <p:sp>
+            <p:nvSpPr>
+              <p:cNvPr id="129" name="Google Shape;129;p3:notes"/>
+              <p:cNvSpPr txBox="1">
+                <a:spLocks noGrp="1"/>
+              </p:cNvSpPr>
+              <p:nvPr>
+                <p:ph type="body" idx="1"/>
+              </p:nvPr>
+            </p:nvSpPr>
+            <p:spPr>
+              <a:xfrm>
+                <a:off x="1028700" y="8686800"/>
+                <a:ext cx="8230870" cy="8230870"/>
+              </a:xfrm>
+              <a:prstGeom prst="rect">
+                <a:avLst/>
+              </a:prstGeom>
+              <a:noFill/>
+              <a:ln w="0">
+                <a:noFill/>
+                <a:prstDash/>
+              </a:ln>
+            </p:spPr>
+            <p:txBody>
+              <a:bodyPr vert="horz" wrap="square" lIns="91440" tIns="91440" rIns="91440" bIns="91440" numCol="1" anchor="t">
+                <a:noAutofit/>
+              </a:bodyPr>
+              <a:lstStyle/>
+              <a:p>
+                <a:pPr marL="0" indent="0" algn="l" rtl="0" latinLnBrk="0">
+                  <a:spcBef>
+                    <a:spcPts val="0"/>
+                  </a:spcBef>
+                  <a:spcAft>
+                    <a:spcPts val="0"/>
+                  </a:spcAft>
+                  <a:buFontTx/>
+                  <a:buNone/>
+                </a:pPr>
+                <a:endParaRPr/>
+              </a:p>
+            </p:txBody>
+          </p:sp>
+          <p:sp>
+            <p:nvSpPr>
+              <p:cNvPr id="130" name="Google Shape;130;p3:notes"/>
+              <p:cNvSpPr>
+                <a:spLocks noGrp="1" noRot="1" noChangeAspect="1"/>
+              </p:cNvSpPr>
+              <p:nvPr>
+                <p:ph type="sldImg"/>
+              </p:nvPr>
+            </p:nvSpPr>
+            <p:spPr>
+              <a:xfrm>
+                <a:off x="-950913" y="1371600"/>
+                <a:ext cx="12192001" cy="6859588"/>
+              </a:xfrm>
+              <a:custGeom>
+                <a:avLst/>
+                <a:gdLst>
+                  <a:gd name="TX0" fmla="*/ 0 w 120002"/>
+                  <a:gd name="TY0" fmla="*/ 0 h 120002"/>
+                  <a:gd name="TX1" fmla="*/ 120000 w 120002"/>
+                  <a:gd name="TY1" fmla="*/ 0 h 120002"/>
+                  <a:gd name="TX2" fmla="*/ 120000 w 120002"/>
+                  <a:gd name="TY2" fmla="*/ 120000 h 120002"/>
+                  <a:gd name="TX3" fmla="*/ 0 w 120002"/>
+                  <a:gd name="TY3" fmla="*/ 120000 h 120002"/>
+                </a:gdLst>
+                <a:ahLst/>
+                <a:cxnLst>
+                  <a:cxn ang="0">
+                    <a:pos x="TX0" y="TY0"/>
+                  </a:cxn>
+                  <a:cxn ang="0">
+                    <a:pos x="TX1" y="TY1"/>
+                  </a:cxn>
+                  <a:cxn ang="0">
+                    <a:pos x="TX2" y="TY2"/>
+                  </a:cxn>
+                  <a:cxn ang="0">
+                    <a:pos x="TX3" y="TY3"/>
+                  </a:cxn>
+                </a:cxnLst>
+                <a:rect l="l" t="t" r="r" b="b"/>
+                <a:pathLst>
+                  <a:path w="120002" h="120002">
+                    <a:moveTo>
+                      <a:pt x="0" y="0"/>
+                    </a:moveTo>
+                    <a:lnTo>
+                      <a:pt x="120000" y="0"/>
+                    </a:lnTo>
+                    <a:lnTo>
+                      <a:pt x="120000" y="120000"/>
+                    </a:lnTo>
+                    <a:lnTo>
+                      <a:pt x="0" y="120000"/>
+                    </a:lnTo>
+                    <a:close/>
+                  </a:path>
+                </a:pathLst>
+              </a:custGeom>
+              <a:noFill/>
+              <a:ln w="9525" cap="flat" cmpd="sng">
+                <a:solidFill>
+                  <a:srgbClr val="000000">
+                    <a:alpha val="100000"/>
+                  </a:srgbClr>
+                </a:solidFill>
+                <a:prstDash val="solid"/>
+                <a:round/>
+              </a:ln>
+            </p:spPr>
+            <p:txBody>
+              <a:bodyPr vert="horz" wrap="square" lIns="0" tIns="0" rIns="0" bIns="0" numCol="1" anchor="t">
+                <a:noAutofit/>
+              </a:bodyPr>
+              <a:lstStyle/>
+              <a:p>
+                <a:pPr marL="0" indent="0" latinLnBrk="0"/>
+                <a:endParaRPr/>
+              </a:p>
+            </p:txBody>
+          </p:sp>
+        </p:spTree>
+      </p:cSld>
+      <p:clrMapOvr>
+        <a:masterClrMapping/>
+      </p:clrMapOvr>
+    </p:notes>
+  </mc:Choice>
+  <mc:Fallback xmlns:mc="http://schemas.openxmlformats.org/markup-compatibility/2006" xmlns:p="http://schemas.openxmlformats.org/presentationml/2006/main" xmlns:r="http://schemas.openxmlformats.org/officeDocument/2006/relationships" xmlns:a="http://schemas.openxmlformats.org/drawingml/2006/main" xmlns="" xmlns:p14="http://schemas.microsoft.com/office/powerpoint/2010/main">
+    <p:transition spd="slow"/>
+  </mc:Fallback>
+</mc:AlternateContent>
+</file>
+
+<file path=ppt/notesSlides/notesSlide11.xml><?xml version="1.0" encoding="utf-8"?>
 <p:notes xmlns:a="http://schemas.openxmlformats.org/drawingml/2006/main" xmlns:r="http://schemas.openxmlformats.org/officeDocument/2006/relationships" xmlns:p="http://schemas.openxmlformats.org/presentationml/2006/main" showMasterSp="0" showMasterPhAnim="0">
   <p:cSld>
     <p:spTree>
@@ -1345,7 +1505,7 @@
 </p:notes>
 </file>
 
-<file path=ppt/notesSlides/notesSlide5.xml><?xml version="1.0" encoding="utf-8"?>
+<file path=ppt/notesSlides/notesSlide6.xml><?xml version="1.0" encoding="utf-8"?>
 <p:notes xmlns:a="http://schemas.openxmlformats.org/drawingml/2006/main" xmlns:r="http://schemas.openxmlformats.org/officeDocument/2006/relationships" xmlns:p="http://schemas.openxmlformats.org/presentationml/2006/main" showMasterSp="0" showMasterPhAnim="0">
   <p:cSld>
     <p:spTree>
@@ -1447,165 +1607,6 @@
     <a:masterClrMapping/>
   </p:clrMapOvr>
 </p:notes>
-</file>
-
-<file path=ppt/notesSlides/notesSlide6.xml><?xml version="1.0" encoding="utf-8"?>
-<mc:AlternateContent xmlns:mc="http://schemas.openxmlformats.org/markup-compatibility/2006" xmlns:p14="http://schemas.microsoft.com/office/powerpoint/2010/main">
-  <mc:Choice Requires="p14">
-    <p:notes xmlns:a="http://schemas.openxmlformats.org/drawingml/2006/main" xmlns:r="http://schemas.openxmlformats.org/officeDocument/2006/relationships" xmlns:p="http://schemas.openxmlformats.org/presentationml/2006/main">
-      <p:cSld>
-        <p:spTree>
-          <p:nvGrpSpPr>
-            <p:cNvPr id="1" name=""/>
-            <p:cNvGrpSpPr/>
-            <p:nvPr/>
-          </p:nvGrpSpPr>
-          <p:grpSpPr>
-            <a:xfrm>
-              <a:off x="0" y="0"/>
-              <a:ext cx="0" cy="0"/>
-              <a:chOff x="0" y="0"/>
-              <a:chExt cx="0" cy="0"/>
-            </a:xfrm>
-          </p:grpSpPr>
-          <p:sp>
-            <p:nvSpPr>
-              <p:cNvPr id="129" name="Google Shape;129;p3:notes"/>
-              <p:cNvSpPr txBox="1">
-                <a:spLocks noGrp="1"/>
-              </p:cNvSpPr>
-              <p:nvPr>
-                <p:ph type="body" idx="1"/>
-              </p:nvPr>
-            </p:nvSpPr>
-            <p:spPr>
-              <a:xfrm>
-                <a:off x="1028700" y="8686800"/>
-                <a:ext cx="8230235" cy="8230235"/>
-              </a:xfrm>
-              <a:prstGeom prst="rect">
-                <a:avLst/>
-              </a:prstGeom>
-              <a:noFill/>
-              <a:ln w="0">
-                <a:noFill/>
-                <a:prstDash/>
-              </a:ln>
-            </p:spPr>
-            <p:txBody>
-              <a:bodyPr vert="horz" wrap="square" lIns="91440" tIns="91440" rIns="91440" bIns="91440" numCol="1" anchor="t">
-                <a:noAutofit/>
-              </a:bodyPr>
-              <a:lstStyle/>
-              <a:p>
-                <a:pPr marL="0" indent="0" algn="l" rtl="0" latinLnBrk="0">
-                  <a:spcBef>
-                    <a:spcPts val="0"/>
-                  </a:spcBef>
-                  <a:spcAft>
-                    <a:spcPts val="0"/>
-                  </a:spcAft>
-                  <a:buFontTx/>
-                  <a:buNone/>
-                </a:pPr>
-                <a:endParaRPr/>
-              </a:p>
-            </p:txBody>
-          </p:sp>
-          <p:sp>
-            <p:nvSpPr>
-              <p:cNvPr id="130" name="Google Shape;130;p3:notes"/>
-              <p:cNvSpPr>
-                <a:spLocks noGrp="1" noRot="1" noChangeAspect="1"/>
-              </p:cNvSpPr>
-              <p:nvPr>
-                <p:ph type="sldImg"/>
-              </p:nvPr>
-            </p:nvSpPr>
-            <p:spPr>
-              <a:xfrm>
-                <a:off x="-950913" y="1371600"/>
-                <a:ext cx="12190413" cy="6858000"/>
-              </a:xfrm>
-              <a:custGeom>
-                <a:avLst/>
-                <a:gdLst>
-                  <a:gd name="TX0" fmla="*/ 0 w 120001"/>
-                  <a:gd name="TY0" fmla="*/ 0 h 120001"/>
-                  <a:gd name="TX1" fmla="*/ 120000 w 120001"/>
-                  <a:gd name="TY1" fmla="*/ 0 h 120001"/>
-                  <a:gd name="TX2" fmla="*/ 120000 w 120001"/>
-                  <a:gd name="TY2" fmla="*/ 120000 h 120001"/>
-                  <a:gd name="TX3" fmla="*/ 0 w 120001"/>
-                  <a:gd name="TY3" fmla="*/ 120000 h 120001"/>
-                </a:gdLst>
-                <a:ahLst/>
-                <a:cxnLst>
-                  <a:cxn ang="0">
-                    <a:pos x="TX0" y="TY0"/>
-                  </a:cxn>
-                  <a:cxn ang="0">
-                    <a:pos x="TX1" y="TY1"/>
-                  </a:cxn>
-                  <a:cxn ang="0">
-                    <a:pos x="TX2" y="TY2"/>
-                  </a:cxn>
-                  <a:cxn ang="0">
-                    <a:pos x="TX3" y="TY3"/>
-                  </a:cxn>
-                </a:cxnLst>
-                <a:rect l="l" t="t" r="r" b="b"/>
-                <a:pathLst>
-                  <a:path w="120001" h="120001">
-                    <a:moveTo>
-                      <a:pt x="0" y="0"/>
-                    </a:moveTo>
-                    <a:lnTo>
-                      <a:pt x="120000" y="0"/>
-                    </a:lnTo>
-                    <a:lnTo>
-                      <a:pt x="120000" y="120000"/>
-                    </a:lnTo>
-                    <a:lnTo>
-                      <a:pt x="0" y="120000"/>
-                    </a:lnTo>
-                    <a:close/>
-                  </a:path>
-                </a:pathLst>
-              </a:custGeom>
-              <a:noFill/>
-              <a:ln w="9525" cap="flat" cmpd="sng">
-                <a:solidFill>
-                  <a:srgbClr val="000000">
-                    <a:alpha val="100000"/>
-                  </a:srgbClr>
-                </a:solidFill>
-                <a:prstDash val="solid"/>
-                <a:round/>
-              </a:ln>
-            </p:spPr>
-            <p:txBody>
-              <a:bodyPr vert="horz" wrap="square" lIns="0" tIns="0" rIns="0" bIns="0" anchor="t">
-                <a:noAutofit/>
-              </a:bodyPr>
-              <a:lstStyle/>
-              <a:p>
-                <a:pPr marL="0" indent="0"/>
-                <a:endParaRPr/>
-              </a:p>
-            </p:txBody>
-          </p:sp>
-        </p:spTree>
-      </p:cSld>
-      <p:clrMapOvr>
-        <a:masterClrMapping/>
-      </p:clrMapOvr>
-    </p:notes>
-  </mc:Choice>
-  <mc:Fallback xmlns:mc="http://schemas.openxmlformats.org/markup-compatibility/2006" xmlns:p="http://schemas.openxmlformats.org/presentationml/2006/main" xmlns:r="http://schemas.openxmlformats.org/officeDocument/2006/relationships" xmlns:a="http://schemas.openxmlformats.org/drawingml/2006/main" xmlns="" xmlns:p14="http://schemas.microsoft.com/office/powerpoint/2010/main">
-    <p:transition spd="slow"/>
-  </mc:Fallback>
-</mc:AlternateContent>
 </file>
 
 <file path=ppt/notesSlides/notesSlide7.xml><?xml version="1.0" encoding="utf-8"?>
@@ -1914,18 +1915,13 @@
             </p:txBody>
           </p:sp>
         </p:spTree>
-        <p:extLst>
-          <p:ext uri="{BB962C8B-B14F-4D97-AF65-F5344CB8AC3E}">
-            <p14:creationId val="161562300"/>
-          </p:ext>
-        </p:extLst>
       </p:cSld>
       <p:clrMapOvr>
         <a:masterClrMapping/>
       </p:clrMapOvr>
     </p:notes>
   </mc:Choice>
-  <mc:Fallback xmlns:p14="http://schemas.microsoft.com/office/powerpoint/2010/main" xmlns="" xmlns:a="http://schemas.openxmlformats.org/drawingml/2006/main" xmlns:r="http://schemas.openxmlformats.org/officeDocument/2006/relationships" xmlns:p="http://schemas.openxmlformats.org/presentationml/2006/main" xmlns:mc="http://schemas.openxmlformats.org/markup-compatibility/2006">
+  <mc:Fallback xmlns:mc="http://schemas.openxmlformats.org/markup-compatibility/2006" xmlns:p="http://schemas.openxmlformats.org/presentationml/2006/main" xmlns:r="http://schemas.openxmlformats.org/officeDocument/2006/relationships" xmlns:a="http://schemas.openxmlformats.org/drawingml/2006/main" xmlns="" xmlns:p14="http://schemas.microsoft.com/office/powerpoint/2010/main">
     <p:transition spd="slow"/>
   </mc:Fallback>
 </mc:AlternateContent>
@@ -1963,7 +1959,7 @@
             <p:spPr>
               <a:xfrm>
                 <a:off x="1028700" y="8686800"/>
-                <a:ext cx="8230870" cy="8230870"/>
+                <a:ext cx="8230235" cy="8230235"/>
               </a:xfrm>
               <a:prstGeom prst="rect">
                 <a:avLst/>
@@ -2007,19 +2003,19 @@
             <p:spPr>
               <a:xfrm>
                 <a:off x="-950913" y="1371600"/>
-                <a:ext cx="12192001" cy="6859588"/>
+                <a:ext cx="12190413" cy="6858000"/>
               </a:xfrm>
               <a:custGeom>
                 <a:avLst/>
                 <a:gdLst>
-                  <a:gd name="TX0" fmla="*/ 0 w 120002"/>
-                  <a:gd name="TY0" fmla="*/ 0 h 120002"/>
-                  <a:gd name="TX1" fmla="*/ 120000 w 120002"/>
-                  <a:gd name="TY1" fmla="*/ 0 h 120002"/>
-                  <a:gd name="TX2" fmla="*/ 120000 w 120002"/>
-                  <a:gd name="TY2" fmla="*/ 120000 h 120002"/>
-                  <a:gd name="TX3" fmla="*/ 0 w 120002"/>
-                  <a:gd name="TY3" fmla="*/ 120000 h 120002"/>
+                  <a:gd name="TX0" fmla="*/ 0 w 120001"/>
+                  <a:gd name="TY0" fmla="*/ 0 h 120001"/>
+                  <a:gd name="TX1" fmla="*/ 120000 w 120001"/>
+                  <a:gd name="TY1" fmla="*/ 0 h 120001"/>
+                  <a:gd name="TX2" fmla="*/ 120000 w 120001"/>
+                  <a:gd name="TY2" fmla="*/ 120000 h 120001"/>
+                  <a:gd name="TX3" fmla="*/ 0 w 120001"/>
+                  <a:gd name="TY3" fmla="*/ 120000 h 120001"/>
                 </a:gdLst>
                 <a:ahLst/>
                 <a:cxnLst>
@@ -2038,7 +2034,7 @@
                 </a:cxnLst>
                 <a:rect l="l" t="t" r="r" b="b"/>
                 <a:pathLst>
-                  <a:path w="120002" h="120002">
+                  <a:path w="120001" h="120001">
                     <a:moveTo>
                       <a:pt x="0" y="0"/>
                     </a:moveTo>
@@ -2067,24 +2063,29 @@
               </a:ln>
             </p:spPr>
             <p:txBody>
-              <a:bodyPr vert="horz" wrap="square" lIns="0" tIns="0" rIns="0" bIns="0" numCol="1" anchor="t">
+              <a:bodyPr vert="horz" wrap="square" lIns="0" tIns="0" rIns="0" bIns="0" anchor="t">
                 <a:noAutofit/>
               </a:bodyPr>
               <a:lstStyle/>
               <a:p>
-                <a:pPr marL="0" indent="0" latinLnBrk="0"/>
+                <a:pPr marL="0" indent="0"/>
                 <a:endParaRPr/>
               </a:p>
             </p:txBody>
           </p:sp>
         </p:spTree>
+        <p:extLst>
+          <p:ext uri="{BB962C8B-B14F-4D97-AF65-F5344CB8AC3E}">
+            <p14:creationId val="161562300"/>
+          </p:ext>
+        </p:extLst>
       </p:cSld>
       <p:clrMapOvr>
         <a:masterClrMapping/>
       </p:clrMapOvr>
     </p:notes>
   </mc:Choice>
-  <mc:Fallback xmlns:mc="http://schemas.openxmlformats.org/markup-compatibility/2006" xmlns:p="http://schemas.openxmlformats.org/presentationml/2006/main" xmlns:r="http://schemas.openxmlformats.org/officeDocument/2006/relationships" xmlns:a="http://schemas.openxmlformats.org/drawingml/2006/main" xmlns="" xmlns:p14="http://schemas.microsoft.com/office/powerpoint/2010/main">
+  <mc:Fallback xmlns:p14="http://schemas.microsoft.com/office/powerpoint/2010/main" xmlns="" xmlns:a="http://schemas.openxmlformats.org/drawingml/2006/main" xmlns:r="http://schemas.openxmlformats.org/officeDocument/2006/relationships" xmlns:p="http://schemas.openxmlformats.org/presentationml/2006/main" xmlns:mc="http://schemas.openxmlformats.org/markup-compatibility/2006">
     <p:transition spd="slow"/>
   </mc:Fallback>
 </mc:AlternateContent>
@@ -11216,14 +11217,13 @@
 </file>
 
 <file path=ppt/slides/slide1.xml><?xml version="1.0" encoding="utf-8"?>
-<p:sld xmlns:a="http://schemas.openxmlformats.org/drawingml/2006/main" xmlns:r="http://schemas.openxmlformats.org/officeDocument/2006/relationships" xmlns:p="http://schemas.openxmlformats.org/presentationml/2006/main">
+<p:sld xmlns:a="http://schemas.openxmlformats.org/drawingml/2006/main" xmlns:r="http://schemas.openxmlformats.org/officeDocument/2006/relationships" xmlns:p="http://schemas.openxmlformats.org/presentationml/2006/main" xmlns:p14="http://schemas.microsoft.com/office/powerpoint/2010/main">
   <p:cSld>
     <p:bg>
       <p:bgPr>
         <a:solidFill>
           <a:srgbClr val="694680"/>
         </a:solidFill>
-        <a:effectLst/>
       </p:bgPr>
     </p:bg>
     <p:spTree>
@@ -11284,7 +11284,7 @@
         <p:spPr>
           <a:xfrm>
             <a:off x="5849620" y="6427470"/>
-            <a:ext cx="6586220" cy="353695"/>
+            <a:ext cx="6586855" cy="353695"/>
           </a:xfrm>
           <a:prstGeom prst="rect">
             <a:avLst/>
@@ -11295,12 +11295,12 @@
           </a:ln>
         </p:spPr>
         <p:txBody>
-          <a:bodyPr vert="horz" wrap="square" lIns="91440" tIns="45720" rIns="91440" bIns="45720" numCol="1" anchor="t">
+          <a:bodyPr wrap="square" lIns="91440" tIns="45720" rIns="91440" bIns="45720" numCol="1" vert="horz" anchor="t">
             <a:spAutoFit/>
           </a:bodyPr>
           <a:lstStyle/>
           <a:p>
-            <a:pPr marL="0" indent="0" algn="ctr" rtl="0" latinLnBrk="0">
+            <a:pPr marL="0" indent="0" rtl="0" algn="ctr" latinLnBrk="0">
               <a:spcBef>
                 <a:spcPts val="0"/>
               </a:spcBef>
@@ -11311,7 +11311,7 @@
               <a:buNone/>
             </a:pPr>
             <a:r>
-              <a:rPr lang="ko-KR" sz="1700" b="0" i="0" strike="noStrike" cap="none">
+              <a:rPr lang="ko-KR" sz="1700" cap="none" i="0" b="1" strike="noStrike">
                 <a:solidFill>
                   <a:srgbClr val="F5F5F5"/>
                 </a:solidFill>
@@ -11319,9 +11319,60 @@
                 <a:ea typeface="나눔바른고딕" charset="0"/>
                 <a:cs typeface="Arial" charset="0"/>
               </a:rPr>
-              <a:t>권빛나리       곽다은       신효원</a:t>
+              <a:t>권빛나리</a:t>
             </a:r>
-            <a:endParaRPr lang="ko-KR" altLang="en-US"/>
+            <a:r>
+              <a:rPr lang="ko-KR" sz="1700" cap="none" i="0" b="1" strike="noStrike">
+                <a:solidFill>
+                  <a:srgbClr val="F5F5F5"/>
+                </a:solidFill>
+                <a:latin typeface="나눔바른고딕" charset="0"/>
+                <a:ea typeface="나눔바른고딕" charset="0"/>
+                <a:cs typeface="Arial" charset="0"/>
+              </a:rPr>
+              <a:t>       </a:t>
+            </a:r>
+            <a:r>
+              <a:rPr lang="ko-KR" sz="1700" cap="none" i="0" b="1" strike="noStrike">
+                <a:solidFill>
+                  <a:srgbClr val="F5F5F5"/>
+                </a:solidFill>
+                <a:latin typeface="나눔바른고딕" charset="0"/>
+                <a:ea typeface="나눔바른고딕" charset="0"/>
+                <a:cs typeface="Arial" charset="0"/>
+              </a:rPr>
+              <a:t>곽다은</a:t>
+            </a:r>
+            <a:r>
+              <a:rPr lang="ko-KR" sz="1700" cap="none" i="0" b="1" strike="noStrike">
+                <a:solidFill>
+                  <a:srgbClr val="F5F5F5"/>
+                </a:solidFill>
+                <a:latin typeface="나눔바른고딕" charset="0"/>
+                <a:ea typeface="나눔바른고딕" charset="0"/>
+                <a:cs typeface="Arial" charset="0"/>
+              </a:rPr>
+              <a:t>       </a:t>
+            </a:r>
+            <a:r>
+              <a:rPr lang="ko-KR" sz="1700" cap="none" i="0" b="1" strike="noStrike">
+                <a:solidFill>
+                  <a:srgbClr val="F5F5F5"/>
+                </a:solidFill>
+                <a:latin typeface="나눔바른고딕" charset="0"/>
+                <a:ea typeface="나눔바른고딕" charset="0"/>
+                <a:cs typeface="Arial" charset="0"/>
+              </a:rPr>
+              <a:t>신효원</a:t>
+            </a:r>
+            <a:endParaRPr lang="ko-KR" altLang="en-US" sz="1700" cap="none" i="0" b="1" strike="noStrike">
+              <a:solidFill>
+                <a:srgbClr val="F5F5F5"/>
+              </a:solidFill>
+              <a:latin typeface="나눔바른고딕" charset="0"/>
+              <a:ea typeface="나눔바른고딕" charset="0"/>
+              <a:cs typeface="Arial" charset="0"/>
+            </a:endParaRPr>
           </a:p>
         </p:txBody>
       </p:sp>
@@ -11447,7 +11498,7 @@
         <p:spPr>
           <a:xfrm>
             <a:off x="7445375" y="1992630"/>
-            <a:ext cx="3414395" cy="353695"/>
+            <a:ext cx="3415030" cy="353695"/>
           </a:xfrm>
           <a:prstGeom prst="rect">
             <a:avLst/>
@@ -11459,12 +11510,12 @@
           </a:ln>
         </p:spPr>
         <p:txBody>
-          <a:bodyPr vert="horz" wrap="square" lIns="91440" tIns="45720" rIns="91440" bIns="45720" numCol="1" anchor="t">
+          <a:bodyPr wrap="square" lIns="91440" tIns="45720" rIns="91440" bIns="45720" numCol="1" vert="horz" anchor="t">
             <a:spAutoFit/>
           </a:bodyPr>
           <a:lstStyle/>
           <a:p>
-            <a:pPr marL="0" indent="0" algn="ctr" rtl="0" latinLnBrk="0">
+            <a:pPr marL="0" indent="0" rtl="0" algn="ctr" latinLnBrk="0">
               <a:spcBef>
                 <a:spcPts val="0"/>
               </a:spcBef>
@@ -11475,7 +11526,7 @@
               <a:buNone/>
             </a:pPr>
             <a:r>
-              <a:rPr lang="ko-KR" sz="1700" b="0" i="0" strike="noStrike" cap="none">
+              <a:rPr lang="ko-KR" sz="1700" cap="none" i="0" b="1" strike="noStrike">
                 <a:solidFill>
                   <a:srgbClr val="F5F5F5"/>
                 </a:solidFill>
@@ -11485,7 +11536,7 @@
               </a:rPr>
               <a:t>5조 YMPM</a:t>
             </a:r>
-            <a:endParaRPr lang="ko-KR" altLang="en-US" sz="1700" b="0" i="0" strike="noStrike" cap="none">
+            <a:endParaRPr lang="ko-KR" altLang="en-US" sz="1700" cap="none" i="0" b="1" strike="noStrike">
               <a:solidFill>
                 <a:srgbClr val="F5F5F5"/>
               </a:solidFill>
@@ -11499,29 +11550,30 @@
       <p:sp>
         <p:nvSpPr>
           <p:cNvPr id="88" name="Google Shape;88;p13"/>
-          <p:cNvSpPr txBox="1"/>
+          <p:cNvSpPr txBox="1">
+            <a:spLocks/>
+          </p:cNvSpPr>
           <p:nvPr/>
         </p:nvSpPr>
         <p:spPr>
-          <a:xfrm>
+          <a:xfrm rot="0">
             <a:off x="904875" y="9210040"/>
-            <a:ext cx="2736215" cy="353695"/>
+            <a:ext cx="1024890" cy="353695"/>
           </a:xfrm>
-          <a:prstGeom prst="rect">
-            <a:avLst/>
-          </a:prstGeom>
+          <a:prstGeom prst="rect"/>
           <a:noFill/>
-          <a:ln>
+          <a:ln w="0">
             <a:noFill/>
+            <a:prstDash/>
           </a:ln>
         </p:spPr>
         <p:txBody>
-          <a:bodyPr vert="horz" wrap="square" lIns="91440" tIns="45720" rIns="91440" bIns="45720" numCol="1" anchor="ctr">
+          <a:bodyPr wrap="square" lIns="91440" tIns="45720" rIns="91440" bIns="45720" numCol="1" vert="horz" anchor="ctr">
             <a:spAutoFit/>
           </a:bodyPr>
           <a:lstStyle/>
           <a:p>
-            <a:pPr marL="0" indent="0" algn="l" rtl="0" latinLnBrk="0">
+            <a:pPr marL="0" indent="0" rtl="0" algn="l" latinLnBrk="0">
               <a:spcBef>
                 <a:spcPts val="0"/>
               </a:spcBef>
@@ -11532,7 +11584,7 @@
               <a:buNone/>
             </a:pPr>
             <a:r>
-              <a:rPr lang="ko-KR" sz="1700" b="0" i="0" strike="noStrike" cap="none">
+              <a:rPr lang="ko-KR" sz="1700" cap="none" i="0" b="1" strike="noStrike">
                 <a:solidFill>
                   <a:srgbClr val="F5F5F5"/>
                 </a:solidFill>
@@ -11542,7 +11594,7 @@
               </a:rPr>
               <a:t>핏-백</a:t>
             </a:r>
-            <a:endParaRPr lang="ko-KR" altLang="en-US" sz="1700" b="0" i="0" strike="noStrike" cap="none">
+            <a:endParaRPr lang="ko-KR" altLang="en-US" sz="1700" cap="none" i="0" b="1" strike="noStrike">
               <a:solidFill>
                 <a:srgbClr val="F5F5F5"/>
               </a:solidFill>
@@ -11556,29 +11608,30 @@
       <p:sp>
         <p:nvSpPr>
           <p:cNvPr id="89" name="Google Shape;89;p13"/>
-          <p:cNvSpPr txBox="1"/>
+          <p:cNvSpPr txBox="1">
+            <a:spLocks/>
+          </p:cNvSpPr>
           <p:nvPr/>
         </p:nvSpPr>
         <p:spPr>
-          <a:xfrm>
-            <a:off x="11965305" y="9248775"/>
-            <a:ext cx="5416550" cy="307340"/>
+          <a:xfrm rot="0">
+            <a:off x="16288385" y="9248775"/>
+            <a:ext cx="1094105" cy="307340"/>
           </a:xfrm>
-          <a:prstGeom prst="rect">
-            <a:avLst/>
-          </a:prstGeom>
+          <a:prstGeom prst="rect"/>
           <a:noFill/>
-          <a:ln>
+          <a:ln w="0">
             <a:noFill/>
+            <a:prstDash/>
           </a:ln>
         </p:spPr>
         <p:txBody>
-          <a:bodyPr vert="horz" wrap="square" lIns="91440" tIns="45720" rIns="91440" bIns="45720" numCol="1" anchor="ctr">
+          <a:bodyPr wrap="square" lIns="91440" tIns="45720" rIns="91440" bIns="45720" numCol="1" vert="horz" anchor="ctr">
             <a:spAutoFit/>
           </a:bodyPr>
           <a:lstStyle/>
           <a:p>
-            <a:pPr marL="0" indent="0" algn="r" rtl="0" latinLnBrk="0">
+            <a:pPr marL="0" indent="0" rtl="0" algn="r" latinLnBrk="0">
               <a:spcBef>
                 <a:spcPts val="0"/>
               </a:spcBef>
@@ -11589,7 +11642,7 @@
               <a:buNone/>
             </a:pPr>
             <a:r>
-              <a:rPr lang="ko-KR" sz="1400">
+              <a:rPr lang="ko-KR" sz="1400" b="1">
                 <a:solidFill>
                   <a:srgbClr val="F5F5F5"/>
                 </a:solidFill>
@@ -11599,7 +11652,14 @@
               </a:rPr>
               <a:t>Fit-Back</a:t>
             </a:r>
-            <a:endParaRPr lang="ko-KR" altLang="en-US"/>
+            <a:endParaRPr lang="ko-KR" altLang="en-US" sz="1400" b="1">
+              <a:solidFill>
+                <a:srgbClr val="F5F5F5"/>
+              </a:solidFill>
+              <a:latin typeface="나눔바른고딕" charset="0"/>
+              <a:ea typeface="나눔바른고딕" charset="0"/>
+              <a:cs typeface="Arial" charset="0"/>
+            </a:endParaRPr>
           </a:p>
         </p:txBody>
       </p:sp>
@@ -11635,18 +11695,272 @@
   <p:clrMapOvr>
     <a:masterClrMapping/>
   </p:clrMapOvr>
+  <mc:AlternateContent xmlns:mc="http://schemas.openxmlformats.org/markup-compatibility/2006">
+    <mc:Choice xmlns:p14="http://schemas.microsoft.com/office/powerpoint/2010/main" Requires="p14">
+      <p:transition spd="slow" p14:dur="2000"/>
+    </mc:Choice>
+    <mc:Fallback>
+      <p:transition spd="slow"/>
+    </mc:Fallback>
+  </mc:AlternateContent>
+  <p:timing>
+    <p:tnLst>
+      <p:par>
+        <p:cTn id="1" dur="indefinite" restart="never" nodeType="tmRoot"/>
+      </p:par>
+    </p:tnLst>
+  </p:timing>
 </p:sld>
 </file>
 
 <file path=ppt/slides/slide10.xml><?xml version="1.0" encoding="utf-8"?>
-<p:sld xmlns:a="http://schemas.openxmlformats.org/drawingml/2006/main" xmlns:r="http://schemas.openxmlformats.org/officeDocument/2006/relationships" xmlns:p="http://schemas.openxmlformats.org/presentationml/2006/main">
+<p:sld xmlns:a="http://schemas.openxmlformats.org/drawingml/2006/main" xmlns:r="http://schemas.openxmlformats.org/officeDocument/2006/relationships" xmlns:p="http://schemas.openxmlformats.org/presentationml/2006/main" xmlns:p14="http://schemas.microsoft.com/office/powerpoint/2010/main">
+  <p:cSld>
+    <p:spTree>
+      <p:nvGrpSpPr>
+        <p:cNvPr id="1" name=""/>
+        <p:cNvGrpSpPr/>
+        <p:nvPr/>
+      </p:nvGrpSpPr>
+      <p:grpSpPr>
+        <a:xfrm>
+          <a:off x="0" y="0"/>
+          <a:ext cx="0" cy="0"/>
+          <a:chOff x="0" y="0"/>
+          <a:chExt cx="0" cy="0"/>
+        </a:xfrm>
+      </p:grpSpPr>
+      <p:sp>
+        <p:nvSpPr>
+          <p:cNvPr id="152" name="Rect 0"/>
+          <p:cNvSpPr txBox="1">
+            <a:spLocks/>
+          </p:cNvSpPr>
+          <p:nvPr/>
+        </p:nvSpPr>
+        <p:spPr>
+          <a:xfrm>
+            <a:off x="6019800" y="411480"/>
+            <a:ext cx="6256020" cy="861060"/>
+          </a:xfrm>
+          <a:prstGeom prst="rect">
+            <a:avLst/>
+          </a:prstGeom>
+          <a:noFill/>
+          <a:ln w="0">
+            <a:noFill/>
+            <a:prstDash/>
+          </a:ln>
+        </p:spPr>
+        <p:txBody>
+          <a:bodyPr vert="horz" wrap="square" lIns="91440" tIns="45720" rIns="91440" bIns="45720" numCol="1" anchor="t">
+            <a:spAutoFit/>
+          </a:bodyPr>
+          <a:lstStyle/>
+          <a:p>
+            <a:pPr marL="0" indent="0" algn="ctr" rtl="0" latinLnBrk="0">
+              <a:spcBef>
+                <a:spcPts val="0"/>
+              </a:spcBef>
+              <a:spcAft>
+                <a:spcPts val="0"/>
+              </a:spcAft>
+              <a:buFontTx/>
+              <a:buNone/>
+            </a:pPr>
+            <a:r>
+              <a:rPr lang="ko-KR" sz="5000" b="1" dirty="0">
+                <a:solidFill>
+                  <a:srgbClr val="694680"/>
+                </a:solidFill>
+                <a:latin typeface="나눔바른고딕" panose="020B0603020101020101" pitchFamily="50" charset="-127"/>
+                <a:ea typeface="나눔바른고딕" panose="020B0603020101020101" pitchFamily="50" charset="-127"/>
+                <a:cs typeface="Impact" charset="0"/>
+              </a:rPr>
+              <a:t>진행상황</a:t>
+            </a:r>
+            <a:endParaRPr lang="ko-KR" altLang="en-US" sz="5000" b="1" dirty="0">
+              <a:solidFill>
+                <a:srgbClr val="694680"/>
+              </a:solidFill>
+              <a:latin typeface="나눔바른고딕" panose="020B0603020101020101" pitchFamily="50" charset="-127"/>
+              <a:ea typeface="나눔바른고딕" panose="020B0603020101020101" pitchFamily="50" charset="-127"/>
+              <a:cs typeface="Impact" charset="0"/>
+            </a:endParaRPr>
+          </a:p>
+        </p:txBody>
+      </p:sp>
+      <p:sp>
+        <p:nvSpPr>
+          <p:cNvPr id="203" name="Rect 0"/>
+          <p:cNvSpPr>
+            <a:spLocks/>
+          </p:cNvSpPr>
+          <p:nvPr/>
+        </p:nvSpPr>
+        <p:spPr>
+          <a:xfrm>
+            <a:off x="208280" y="207645"/>
+            <a:ext cx="17878425" cy="9871075"/>
+          </a:xfrm>
+          <a:prstGeom prst="rect">
+            <a:avLst/>
+          </a:prstGeom>
+          <a:noFill/>
+          <a:ln w="57150" cap="flat" cmpd="sng">
+            <a:solidFill>
+              <a:srgbClr val="694680">
+                <a:alpha val="100000"/>
+              </a:srgbClr>
+            </a:solidFill>
+            <a:prstDash val="solid"/>
+            <a:round/>
+          </a:ln>
+        </p:spPr>
+        <p:style>
+          <a:lnRef idx="2">
+            <a:schemeClr val="accent1">
+              <a:shade val="50000"/>
+            </a:schemeClr>
+          </a:lnRef>
+          <a:fillRef idx="1">
+            <a:schemeClr val="accent1"/>
+          </a:fillRef>
+          <a:effectRef idx="0">
+            <a:schemeClr val="accent1"/>
+          </a:effectRef>
+          <a:fontRef idx="minor">
+            <a:schemeClr val="lt1"/>
+          </a:fontRef>
+        </p:style>
+        <p:txBody>
+          <a:bodyPr vert="horz" wrap="square" lIns="91440" tIns="45720" rIns="91440" bIns="45720" numCol="1" anchor="ctr">
+            <a:noAutofit/>
+          </a:bodyPr>
+          <a:lstStyle/>
+          <a:p>
+            <a:pPr marL="0" indent="0" algn="ctr" latinLnBrk="0" hangingPunct="1"/>
+            <a:endParaRPr lang="ko-KR" altLang="en-US" sz="1800">
+              <a:latin typeface="맑은 고딕" charset="0"/>
+              <a:ea typeface="맑은 고딕" charset="0"/>
+            </a:endParaRPr>
+          </a:p>
+        </p:txBody>
+      </p:sp>
+      <p:sp>
+        <p:nvSpPr>
+          <p:cNvPr id="204" name="Rect 0"/>
+          <p:cNvSpPr>
+            <a:spLocks/>
+          </p:cNvSpPr>
+          <p:nvPr/>
+        </p:nvSpPr>
+        <p:spPr>
+          <a:xfrm>
+            <a:off x="1108710" y="1357630"/>
+            <a:ext cx="15961360" cy="47625"/>
+          </a:xfrm>
+          <a:prstGeom prst="rect">
+            <a:avLst/>
+          </a:prstGeom>
+          <a:solidFill>
+            <a:srgbClr val="694680"/>
+          </a:solidFill>
+          <a:ln w="0">
+            <a:noFill/>
+            <a:prstDash/>
+          </a:ln>
+        </p:spPr>
+        <p:style>
+          <a:lnRef idx="2">
+            <a:schemeClr val="accent1">
+              <a:shade val="50000"/>
+            </a:schemeClr>
+          </a:lnRef>
+          <a:fillRef idx="1">
+            <a:schemeClr val="accent1"/>
+          </a:fillRef>
+          <a:effectRef idx="0">
+            <a:schemeClr val="accent1"/>
+          </a:effectRef>
+          <a:fontRef idx="minor">
+            <a:schemeClr val="lt1"/>
+          </a:fontRef>
+        </p:style>
+        <p:txBody>
+          <a:bodyPr vert="horz" wrap="square" lIns="91440" tIns="45720" rIns="91440" bIns="45720" numCol="1" anchor="ctr">
+            <a:noAutofit/>
+          </a:bodyPr>
+          <a:lstStyle/>
+          <a:p>
+            <a:pPr marL="0" indent="0" algn="ctr" latinLnBrk="0" hangingPunct="1"/>
+            <a:endParaRPr lang="ko-KR" altLang="en-US" sz="1800">
+              <a:latin typeface="맑은 고딕" charset="0"/>
+              <a:ea typeface="맑은 고딕" charset="0"/>
+            </a:endParaRPr>
+          </a:p>
+        </p:txBody>
+      </p:sp>
+      <p:pic>
+        <p:nvPicPr>
+          <p:cNvPr id="205" name="그림 1" descr="C:/Users/admin/AppData/Roaming/PolarisOffice/ETemp/7532_16637176/fImage5964420541.png"/>
+          <p:cNvPicPr>
+            <a:picLocks noChangeAspect="1"/>
+          </p:cNvPicPr>
+          <p:nvPr/>
+        </p:nvPicPr>
+        <p:blipFill rotWithShape="1">
+          <a:blip r:embed="rId4" cstate="print">
+            <a:extLst>
+              <a:ext uri="{28A0092B-C50C-407E-A947-70E740481C1C}">
+                <a14:useLocalDpi xmlns:a14="http://schemas.microsoft.com/office/drawing/2010/main" val="0"/>
+              </a:ext>
+            </a:extLst>
+          </a:blip>
+          <a:stretch>
+            <a:fillRect/>
+          </a:stretch>
+        </p:blipFill>
+        <p:spPr>
+          <a:xfrm rot="0">
+            <a:off x="1918335" y="1776730"/>
+            <a:ext cx="14439900" cy="7729855"/>
+          </a:xfrm>
+          <a:prstGeom prst="rect"/>
+          <a:noFill/>
+        </p:spPr>
+      </p:pic>
+    </p:spTree>
+  </p:cSld>
+  <p:clrMapOvr>
+    <a:masterClrMapping/>
+  </p:clrMapOvr>
+  <mc:AlternateContent xmlns:mc="http://schemas.openxmlformats.org/markup-compatibility/2006">
+    <mc:Choice xmlns:p14="http://schemas.microsoft.com/office/powerpoint/2010/main" Requires="p14">
+      <p:transition spd="slow" p14:dur="2000"/>
+    </mc:Choice>
+    <mc:Fallback>
+      <p:transition spd="slow"/>
+    </mc:Fallback>
+  </mc:AlternateContent>
+  <p:timing>
+    <p:tnLst>
+      <p:par>
+        <p:cTn id="1" dur="indefinite" restart="never" nodeType="tmRoot"/>
+      </p:par>
+    </p:tnLst>
+  </p:timing>
+</p:sld>
+</file>
+
+<file path=ppt/slides/slide11.xml><?xml version="1.0" encoding="utf-8"?>
+<p:sld xmlns:a="http://schemas.openxmlformats.org/drawingml/2006/main" xmlns:r="http://schemas.openxmlformats.org/officeDocument/2006/relationships" xmlns:p="http://schemas.openxmlformats.org/presentationml/2006/main" xmlns:p14="http://schemas.microsoft.com/office/powerpoint/2010/main">
   <p:cSld>
     <p:bg>
       <p:bgPr>
         <a:solidFill>
           <a:srgbClr val="694680"/>
         </a:solidFill>
-        <a:effectLst/>
       </p:bgPr>
     </p:bg>
     <p:spTree>
@@ -11666,111 +11980,87 @@
       <p:sp>
         <p:nvSpPr>
           <p:cNvPr id="436" name="Google Shape;436;p33"/>
-          <p:cNvSpPr txBox="1"/>
+          <p:cNvSpPr txBox="1">
+            <a:spLocks/>
+          </p:cNvSpPr>
           <p:nvPr/>
         </p:nvSpPr>
         <p:spPr>
-          <a:xfrm>
-            <a:off x="3529965" y="2458169"/>
-            <a:ext cx="11225530" cy="5370661"/>
+          <a:xfrm rot="0">
+            <a:off x="3529965" y="3571240"/>
+            <a:ext cx="11226165" cy="3168015"/>
           </a:xfrm>
-          <a:prstGeom prst="rect">
-            <a:avLst/>
-          </a:prstGeom>
+          <a:prstGeom prst="rect"/>
           <a:noFill/>
-          <a:ln>
+          <a:ln w="0">
             <a:noFill/>
+            <a:prstDash/>
           </a:ln>
         </p:spPr>
         <p:txBody>
-          <a:bodyPr spcFirstLastPara="1" wrap="square" lIns="91425" tIns="45700" rIns="91425" bIns="45700" anchor="ctr" anchorCtr="0">
+          <a:bodyPr wrap="square" lIns="91440" tIns="45720" rIns="91440" bIns="45720" numCol="1" vert="horz" anchor="ctr">
             <a:spAutoFit/>
           </a:bodyPr>
           <a:lstStyle/>
           <a:p>
-            <a:pPr marL="0" marR="0" lvl="0" indent="0" algn="ctr" rtl="0">
-              <a:spcBef>
-                <a:spcPts val="0"/>
-              </a:spcBef>
-              <a:spcAft>
-                <a:spcPts val="0"/>
-              </a:spcAft>
+            <a:pPr marL="0" indent="0" rtl="0" algn="ctr" latinLnBrk="0">
+              <a:spcBef>
+                <a:spcPts val="0"/>
+              </a:spcBef>
+              <a:spcAft>
+                <a:spcPts val="0"/>
+              </a:spcAft>
+              <a:buFontTx/>
               <a:buNone/>
             </a:pPr>
             <a:r>
-              <a:rPr lang="en-US" sz="34300" dirty="0">
+              <a:rPr lang="en-US" sz="20000">
                 <a:solidFill>
-                  <a:srgbClr val="F5F5F5">
-                    <a:alpha val="50000"/>
-                  </a:srgbClr>
+                  <a:schemeClr val="bg1"/>
                 </a:solidFill>
-                <a:latin typeface="Bahnschrift SemiBold SemiConden" panose="020B0502040204020203" pitchFamily="34" charset="0"/>
-                <a:sym typeface="Arial"/>
+                <a:latin typeface="Bahnschrift SemiBold SemiConden" charset="0"/>
               </a:rPr>
-              <a:t>Q</a:t>
+              <a:t>Q&amp;A</a:t>
             </a:r>
-            <a:r>
-              <a:rPr lang="en-US" sz="16600" dirty="0">
-                <a:solidFill>
-                  <a:srgbClr val="F5F5F5">
-                    <a:alpha val="50000"/>
-                  </a:srgbClr>
-                </a:solidFill>
-                <a:latin typeface="Bahnschrift SemiBold SemiConden" panose="020B0502040204020203" pitchFamily="34" charset="0"/>
-                <a:sym typeface="Arial"/>
-              </a:rPr>
-              <a:t>&amp;</a:t>
-            </a:r>
-            <a:r>
-              <a:rPr lang="en-US" sz="34300" dirty="0">
-                <a:solidFill>
-                  <a:srgbClr val="F5F5F5">
-                    <a:alpha val="50000"/>
-                  </a:srgbClr>
-                </a:solidFill>
-                <a:latin typeface="Bahnschrift SemiBold SemiConden" panose="020B0502040204020203" pitchFamily="34" charset="0"/>
-                <a:sym typeface="Arial"/>
-              </a:rPr>
-              <a:t>A</a:t>
-            </a:r>
-            <a:endParaRPr sz="1800" dirty="0">
+            <a:endParaRPr lang="ko-KR" altLang="en-US" sz="20000">
               <a:solidFill>
-                <a:schemeClr val="dk1">
-                  <a:alpha val="50000"/>
-                </a:schemeClr>
+                <a:schemeClr val="bg1"/>
               </a:solidFill>
-              <a:latin typeface="Bahnschrift SemiBold SemiConden" panose="020B0502040204020203" pitchFamily="34" charset="0"/>
-              <a:ea typeface="Calibri"/>
-              <a:cs typeface="Calibri"/>
-              <a:sym typeface="Calibri"/>
+              <a:latin typeface="Bahnschrift SemiBold SemiConden" charset="0"/>
             </a:endParaRPr>
           </a:p>
         </p:txBody>
       </p:sp>
       <p:pic>
         <p:nvPicPr>
-          <p:cNvPr id="440" name="Google Shape;440;p33"/>
-          <p:cNvPicPr preferRelativeResize="0"/>
+          <p:cNvPr id="441" name="그림 1" descr="C:/Users/admin/AppData/Roaming/PolarisOffice/ETemp/15032_7075696/image1.png"/>
+          <p:cNvPicPr>
+            <a:picLocks/>
+          </p:cNvPicPr>
           <p:nvPr/>
         </p:nvPicPr>
         <p:blipFill rotWithShape="1">
-          <a:blip r:embed="rId3">
-            <a:alphaModFix/>
+          <a:blip r:embed="rId4" cstate="hqprint">
+            <a:extLst>
+              <a:ext uri="{28A0092B-C50C-407E-A947-70E740481C1C}">
+                <a14:useLocalDpi xmlns:a14="http://schemas.microsoft.com/office/drawing/2010/main"/>
+              </a:ext>
+            </a:extLst>
           </a:blip>
-          <a:srcRect/>
-          <a:stretch/>
+          <a:stretch>
+            <a:fillRect/>
+          </a:stretch>
         </p:blipFill>
         <p:spPr>
-          <a:xfrm>
-            <a:off x="-533400" y="879241"/>
-            <a:ext cx="19352260" cy="46990"/>
+          <a:xfrm rot="0">
+            <a:off x="5982335" y="2212975"/>
+            <a:ext cx="6441440" cy="5878830"/>
           </a:xfrm>
-          <a:prstGeom prst="rect">
-            <a:avLst/>
-          </a:prstGeom>
+          <a:prstGeom prst="rect"/>
           <a:noFill/>
-          <a:ln>
+          <a:ln w="0">
             <a:noFill/>
+            <a:prstDash/>
           </a:ln>
         </p:spPr>
       </p:pic>
@@ -11779,6 +12069,21 @@
   <p:clrMapOvr>
     <a:masterClrMapping/>
   </p:clrMapOvr>
+  <mc:AlternateContent xmlns:mc="http://schemas.openxmlformats.org/markup-compatibility/2006">
+    <mc:Choice xmlns:p14="http://schemas.microsoft.com/office/powerpoint/2010/main" Requires="p14">
+      <p:transition spd="slow" p14:dur="2000"/>
+    </mc:Choice>
+    <mc:Fallback>
+      <p:transition spd="slow"/>
+    </mc:Fallback>
+  </mc:AlternateContent>
+  <p:timing>
+    <p:tnLst>
+      <p:par>
+        <p:cTn id="1" dur="indefinite" restart="never" nodeType="tmRoot"/>
+      </p:par>
+    </p:tnLst>
+  </p:timing>
 </p:sld>
 </file>
 
@@ -13755,6 +14060,659 @@
 </file>
 
 <file path=ppt/slides/slide5.xml><?xml version="1.0" encoding="utf-8"?>
+<p:sld xmlns:a="http://schemas.openxmlformats.org/drawingml/2006/main" xmlns:r="http://schemas.openxmlformats.org/officeDocument/2006/relationships" xmlns:p="http://schemas.openxmlformats.org/presentationml/2006/main">
+  <p:cSld>
+    <p:bg>
+      <p:bgPr>
+        <a:solidFill>
+          <a:srgbClr val="694680"/>
+        </a:solidFill>
+      </p:bgPr>
+    </p:bg>
+    <p:spTree>
+      <p:nvGrpSpPr>
+        <p:cNvPr id="1" name=""/>
+        <p:cNvGrpSpPr/>
+        <p:nvPr/>
+      </p:nvGrpSpPr>
+      <p:grpSpPr>
+        <a:xfrm>
+          <a:off x="0" y="0"/>
+          <a:ext cx="0" cy="0"/>
+          <a:chOff x="0" y="0"/>
+          <a:chExt cx="0" cy="0"/>
+        </a:xfrm>
+      </p:grpSpPr>
+      <p:pic>
+        <p:nvPicPr>
+          <p:cNvPr id="2" name="그림 23" descr="C:/Users/admin/AppData/Roaming/PolarisOffice/ETemp/15032_7075696/fImage1864931141.png"/>
+          <p:cNvPicPr>
+            <a:picLocks noChangeAspect="1"/>
+          </p:cNvPicPr>
+          <p:nvPr/>
+        </p:nvPicPr>
+        <p:blipFill rotWithShape="1">
+          <a:blip r:embed="rId2" cstate="print">
+            <a:extLst>
+              <a:ext uri="{28A0092B-C50C-407E-A947-70E740481C1C}">
+                <a14:useLocalDpi xmlns:a14="http://schemas.microsoft.com/office/drawing/2010/main" val="0"/>
+              </a:ext>
+            </a:extLst>
+          </a:blip>
+          <a:stretch>
+            <a:fillRect/>
+          </a:stretch>
+        </p:blipFill>
+        <p:spPr>
+          <a:xfrm rot="0">
+            <a:off x="6848475" y="3443605"/>
+            <a:ext cx="3391535" cy="3391535"/>
+          </a:xfrm>
+          <a:prstGeom prst="rect"/>
+          <a:noFill/>
+        </p:spPr>
+      </p:pic>
+      <p:pic>
+        <p:nvPicPr>
+          <p:cNvPr id="3" name="그림 35" descr="C:/Users/admin/AppData/Roaming/PolarisOffice/ETemp/15032_7075696/image6.png"/>
+          <p:cNvPicPr>
+            <a:picLocks/>
+          </p:cNvPicPr>
+          <p:nvPr/>
+        </p:nvPicPr>
+        <p:blipFill rotWithShape="1">
+          <a:blip r:embed="rId3" cstate="hqprint">
+            <a:extLst>
+              <a:ext uri="{28A0092B-C50C-407E-A947-70E740481C1C}">
+                <a14:useLocalDpi xmlns:a14="http://schemas.microsoft.com/office/drawing/2010/main"/>
+              </a:ext>
+            </a:extLst>
+          </a:blip>
+          <a:stretch>
+            <a:fillRect/>
+          </a:stretch>
+        </p:blipFill>
+        <p:spPr>
+          <a:xfrm rot="0">
+            <a:off x="341630" y="5101590"/>
+            <a:ext cx="17645380" cy="46990"/>
+          </a:xfrm>
+          <a:prstGeom prst="rect"/>
+          <a:noFill/>
+          <a:ln w="0">
+            <a:noFill/>
+            <a:prstDash/>
+          </a:ln>
+        </p:spPr>
+      </p:pic>
+      <p:pic>
+        <p:nvPicPr>
+          <p:cNvPr id="4" name="그림 36" descr="C:/Users/admin/AppData/Roaming/PolarisOffice/ETemp/15032_7075696/image6.png"/>
+          <p:cNvPicPr>
+            <a:picLocks/>
+          </p:cNvPicPr>
+          <p:nvPr/>
+        </p:nvPicPr>
+        <p:blipFill rotWithShape="1">
+          <a:blip r:embed="rId3" cstate="hqprint">
+            <a:extLst>
+              <a:ext uri="{28A0092B-C50C-407E-A947-70E740481C1C}">
+                <a14:useLocalDpi xmlns:a14="http://schemas.microsoft.com/office/drawing/2010/main"/>
+              </a:ext>
+            </a:extLst>
+          </a:blip>
+          <a:stretch>
+            <a:fillRect/>
+          </a:stretch>
+        </p:blipFill>
+        <p:spPr>
+          <a:xfrm rot="5400000" flipV="1">
+            <a:off x="3632200" y="5086985"/>
+            <a:ext cx="9815830" cy="46990"/>
+          </a:xfrm>
+          <a:prstGeom prst="rect"/>
+          <a:noFill/>
+          <a:ln w="0">
+            <a:noFill/>
+            <a:prstDash/>
+          </a:ln>
+        </p:spPr>
+      </p:pic>
+      <p:sp>
+        <p:nvSpPr>
+          <p:cNvPr id="5" name="텍스트 상자 38"/>
+          <p:cNvSpPr txBox="1">
+            <a:spLocks/>
+          </p:cNvSpPr>
+          <p:nvPr/>
+        </p:nvSpPr>
+        <p:spPr>
+          <a:xfrm rot="0">
+            <a:off x="489585" y="530860"/>
+            <a:ext cx="8051800" cy="3643630"/>
+          </a:xfrm>
+          <a:prstGeom prst="rect"/>
+          <a:noFill/>
+          <a:ln w="0">
+            <a:noFill/>
+            <a:prstDash/>
+          </a:ln>
+        </p:spPr>
+        <p:txBody>
+          <a:bodyPr wrap="square" lIns="91440" tIns="45720" rIns="91440" bIns="45720" numCol="1" vert="horz" anchor="t">
+            <a:spAutoFit/>
+          </a:bodyPr>
+          <a:lstStyle/>
+          <a:p>
+            <a:pPr marL="254000" indent="-254000" rtl="0" algn="l" latinLnBrk="0">
+              <a:spcBef>
+                <a:spcPts val="0"/>
+              </a:spcBef>
+              <a:spcAft>
+                <a:spcPts val="0"/>
+              </a:spcAft>
+              <a:buFontTx/>
+              <a:buNone/>
+            </a:pPr>
+            <a:r>
+              <a:rPr lang="en-US" sz="3300" b="1">
+                <a:solidFill>
+                  <a:schemeClr val="bg1"/>
+                </a:solidFill>
+                <a:latin typeface="나눔바른고딕" charset="0"/>
+                <a:ea typeface="나눔바른고딕" charset="0"/>
+                <a:cs typeface="Impact" charset="0"/>
+              </a:rPr>
+              <a:t>1. 패션에 관심이 많은 사람들의 정보 공유의 장이 될 수 있음</a:t>
+            </a:r>
+            <a:endParaRPr lang="ko-KR" altLang="en-US" sz="3300" b="1">
+              <a:solidFill>
+                <a:schemeClr val="bg1"/>
+              </a:solidFill>
+              <a:latin typeface="나눔바른고딕" charset="0"/>
+              <a:ea typeface="나눔바른고딕" charset="0"/>
+              <a:cs typeface="Impact" charset="0"/>
+            </a:endParaRPr>
+          </a:p>
+          <a:p>
+            <a:pPr marL="254000" indent="-254000" rtl="0" algn="l" latinLnBrk="0">
+              <a:spcBef>
+                <a:spcPts val="0"/>
+              </a:spcBef>
+              <a:spcAft>
+                <a:spcPts val="0"/>
+              </a:spcAft>
+            </a:pPr>
+            <a:r>
+              <a:rPr lang="en-US" sz="3300" b="1">
+                <a:solidFill>
+                  <a:schemeClr val="bg1"/>
+                </a:solidFill>
+                <a:latin typeface="나눔바른고딕" charset="0"/>
+                <a:ea typeface="나눔바른고딕" charset="0"/>
+                <a:cs typeface="Impact" charset="0"/>
+              </a:rPr>
+              <a:t>2. 그날의 착장과 감상을 매일 기록하는 개인적이고 안락한 공간으로 관리할 수 있음</a:t>
+            </a:r>
+            <a:endParaRPr lang="ko-KR" altLang="en-US" sz="3300" b="1">
+              <a:solidFill>
+                <a:schemeClr val="bg1"/>
+              </a:solidFill>
+              <a:latin typeface="나눔바른고딕" charset="0"/>
+              <a:ea typeface="나눔바른고딕" charset="0"/>
+              <a:cs typeface="Impact" charset="0"/>
+            </a:endParaRPr>
+          </a:p>
+          <a:p>
+            <a:pPr marL="254000" indent="-254000" rtl="0" algn="l" latinLnBrk="0">
+              <a:spcBef>
+                <a:spcPts val="0"/>
+              </a:spcBef>
+              <a:spcAft>
+                <a:spcPts val="0"/>
+              </a:spcAft>
+            </a:pPr>
+            <a:r>
+              <a:rPr lang="en-US" sz="3300" b="1">
+                <a:solidFill>
+                  <a:schemeClr val="bg1"/>
+                </a:solidFill>
+                <a:latin typeface="나눔바른고딕" charset="0"/>
+                <a:ea typeface="나눔바른고딕" charset="0"/>
+                <a:cs typeface="Impact" charset="0"/>
+              </a:rPr>
+              <a:t>3. 빠른 유행에 대한 분석 가능</a:t>
+            </a:r>
+            <a:endParaRPr lang="ko-KR" altLang="en-US" sz="3300" b="1">
+              <a:solidFill>
+                <a:schemeClr val="bg1"/>
+              </a:solidFill>
+              <a:latin typeface="나눔바른고딕" charset="0"/>
+              <a:ea typeface="나눔바른고딕" charset="0"/>
+              <a:cs typeface="Impact" charset="0"/>
+            </a:endParaRPr>
+          </a:p>
+          <a:p>
+            <a:pPr marL="254000" indent="-254000" rtl="0" algn="l" latinLnBrk="0">
+              <a:spcBef>
+                <a:spcPts val="0"/>
+              </a:spcBef>
+              <a:spcAft>
+                <a:spcPts val="0"/>
+              </a:spcAft>
+            </a:pPr>
+            <a:r>
+              <a:rPr lang="en-US" sz="3300" b="1">
+                <a:solidFill>
+                  <a:schemeClr val="bg1"/>
+                </a:solidFill>
+                <a:latin typeface="나눔바른고딕" charset="0"/>
+                <a:ea typeface="나눔바른고딕" charset="0"/>
+                <a:cs typeface="Impact" charset="0"/>
+              </a:rPr>
+              <a:t>4. 자신이 가진 패션아이템 관리 및 보유 아이템으로 자유롭게 코디 가능</a:t>
+            </a:r>
+            <a:endParaRPr lang="ko-KR" altLang="en-US" sz="3300" b="1">
+              <a:solidFill>
+                <a:schemeClr val="bg1"/>
+              </a:solidFill>
+              <a:latin typeface="나눔바른고딕" charset="0"/>
+              <a:ea typeface="나눔바른고딕" charset="0"/>
+              <a:cs typeface="Impact" charset="0"/>
+            </a:endParaRPr>
+          </a:p>
+        </p:txBody>
+      </p:sp>
+      <p:sp>
+        <p:nvSpPr>
+          <p:cNvPr id="6" name="텍스트 상자 39"/>
+          <p:cNvSpPr txBox="1">
+            <a:spLocks/>
+          </p:cNvSpPr>
+          <p:nvPr/>
+        </p:nvSpPr>
+        <p:spPr>
+          <a:xfrm rot="0">
+            <a:off x="9142730" y="634365"/>
+            <a:ext cx="8051800" cy="1614170"/>
+          </a:xfrm>
+          <a:prstGeom prst="rect"/>
+          <a:noFill/>
+          <a:ln w="0">
+            <a:noFill/>
+            <a:prstDash/>
+          </a:ln>
+        </p:spPr>
+        <p:txBody>
+          <a:bodyPr wrap="square" lIns="91440" tIns="45720" rIns="91440" bIns="45720" numCol="1" vert="horz" anchor="t">
+            <a:spAutoFit/>
+          </a:bodyPr>
+          <a:lstStyle/>
+          <a:p>
+            <a:pPr marL="254000" indent="-254000" rtl="0" algn="l" latinLnBrk="0">
+              <a:spcBef>
+                <a:spcPts val="0"/>
+              </a:spcBef>
+              <a:spcAft>
+                <a:spcPts val="0"/>
+              </a:spcAft>
+              <a:buFontTx/>
+              <a:buNone/>
+            </a:pPr>
+            <a:r>
+              <a:rPr lang="en-US" sz="3300" b="1">
+                <a:solidFill>
+                  <a:schemeClr val="bg1"/>
+                </a:solidFill>
+                <a:latin typeface="나눔바른고딕" charset="0"/>
+                <a:ea typeface="나눔바른고딕" charset="0"/>
+                <a:cs typeface="Impact" charset="0"/>
+              </a:rPr>
+              <a:t>1. 데일리룩/옷장 하나를 만드는 데에 시간이 다소 소요됨</a:t>
+            </a:r>
+            <a:endParaRPr lang="ko-KR" altLang="en-US" sz="3300" b="1">
+              <a:solidFill>
+                <a:schemeClr val="bg1"/>
+              </a:solidFill>
+              <a:latin typeface="나눔바른고딕" charset="0"/>
+              <a:ea typeface="나눔바른고딕" charset="0"/>
+              <a:cs typeface="Impact" charset="0"/>
+            </a:endParaRPr>
+          </a:p>
+          <a:p>
+            <a:pPr marL="254000" indent="-254000" rtl="0" algn="l" latinLnBrk="0">
+              <a:spcBef>
+                <a:spcPts val="0"/>
+              </a:spcBef>
+              <a:spcAft>
+                <a:spcPts val="0"/>
+              </a:spcAft>
+              <a:buFontTx/>
+              <a:buNone/>
+            </a:pPr>
+            <a:r>
+              <a:rPr lang="en-US" sz="3300" b="1">
+                <a:solidFill>
+                  <a:schemeClr val="bg1"/>
+                </a:solidFill>
+                <a:latin typeface="나눔바른고딕" charset="0"/>
+                <a:ea typeface="나눔바른고딕" charset="0"/>
+                <a:cs typeface="Impact" charset="0"/>
+              </a:rPr>
+              <a:t>2. 점수제의 기준 부재</a:t>
+            </a:r>
+            <a:endParaRPr lang="ko-KR" altLang="en-US" sz="3300" b="1">
+              <a:solidFill>
+                <a:schemeClr val="bg1"/>
+              </a:solidFill>
+              <a:latin typeface="나눔바른고딕" charset="0"/>
+              <a:ea typeface="나눔바른고딕" charset="0"/>
+              <a:cs typeface="Impact" charset="0"/>
+            </a:endParaRPr>
+          </a:p>
+        </p:txBody>
+      </p:sp>
+      <p:sp>
+        <p:nvSpPr>
+          <p:cNvPr id="7" name="텍스트 상자 40"/>
+          <p:cNvSpPr txBox="1">
+            <a:spLocks/>
+          </p:cNvSpPr>
+          <p:nvPr/>
+        </p:nvSpPr>
+        <p:spPr>
+          <a:xfrm rot="0">
+            <a:off x="506730" y="5365115"/>
+            <a:ext cx="6859905" cy="4658360"/>
+          </a:xfrm>
+          <a:prstGeom prst="rect"/>
+          <a:noFill/>
+          <a:ln w="0">
+            <a:noFill/>
+            <a:prstDash/>
+          </a:ln>
+        </p:spPr>
+        <p:txBody>
+          <a:bodyPr wrap="square" lIns="91440" tIns="45720" rIns="91440" bIns="45720" numCol="1" vert="horz" anchor="t">
+            <a:spAutoFit/>
+          </a:bodyPr>
+          <a:lstStyle/>
+          <a:p>
+            <a:pPr marL="254000" indent="-254000" rtl="0" algn="l" latinLnBrk="0">
+              <a:spcBef>
+                <a:spcPts val="0"/>
+              </a:spcBef>
+              <a:spcAft>
+                <a:spcPts val="0"/>
+              </a:spcAft>
+              <a:buFontTx/>
+              <a:buNone/>
+            </a:pPr>
+            <a:r>
+              <a:rPr lang="en-US" sz="3300" b="1">
+                <a:solidFill>
+                  <a:schemeClr val="bg1"/>
+                </a:solidFill>
+                <a:latin typeface="나눔바른고딕" charset="0"/>
+                <a:ea typeface="나눔바른고딕" charset="0"/>
+                <a:cs typeface="Impact" charset="0"/>
+              </a:rPr>
+              <a:t>1. sns의 #ootd 갯수가 누적 3.9억개 이상으로,  사람들의 패션에 대한 지대한 관심</a:t>
+            </a:r>
+            <a:endParaRPr lang="ko-KR" altLang="en-US" sz="3300" b="1">
+              <a:solidFill>
+                <a:schemeClr val="bg1"/>
+              </a:solidFill>
+              <a:latin typeface="나눔바른고딕" charset="0"/>
+              <a:ea typeface="나눔바른고딕" charset="0"/>
+              <a:cs typeface="Impact" charset="0"/>
+            </a:endParaRPr>
+          </a:p>
+          <a:p>
+            <a:pPr marL="254000" indent="-254000" rtl="0" algn="l" latinLnBrk="0">
+              <a:spcBef>
+                <a:spcPts val="0"/>
+              </a:spcBef>
+              <a:spcAft>
+                <a:spcPts val="0"/>
+              </a:spcAft>
+              <a:buFontTx/>
+              <a:buNone/>
+            </a:pPr>
+            <a:r>
+              <a:rPr lang="en-US" sz="3300" b="1">
+                <a:solidFill>
+                  <a:schemeClr val="bg1"/>
+                </a:solidFill>
+                <a:latin typeface="나눔바른고딕" charset="0"/>
+                <a:ea typeface="나눔바른고딕" charset="0"/>
+                <a:cs typeface="Impact" charset="0"/>
+              </a:rPr>
+              <a:t>2. 패션 개성의 다양화로 인해 패션에 대해 폭넓은 정보를 얻고자 하는 수요층 증가</a:t>
+            </a:r>
+            <a:endParaRPr lang="ko-KR" altLang="en-US" sz="3300" b="1">
+              <a:solidFill>
+                <a:schemeClr val="bg1"/>
+              </a:solidFill>
+              <a:latin typeface="나눔바른고딕" charset="0"/>
+              <a:ea typeface="나눔바른고딕" charset="0"/>
+              <a:cs typeface="Impact" charset="0"/>
+            </a:endParaRPr>
+          </a:p>
+          <a:p>
+            <a:pPr marL="254000" indent="-254000" rtl="0" algn="l" latinLnBrk="0">
+              <a:spcBef>
+                <a:spcPts val="0"/>
+              </a:spcBef>
+              <a:spcAft>
+                <a:spcPts val="0"/>
+              </a:spcAft>
+              <a:buFontTx/>
+              <a:buNone/>
+            </a:pPr>
+            <a:r>
+              <a:rPr lang="en-US" sz="3300" b="1">
+                <a:solidFill>
+                  <a:schemeClr val="bg1"/>
+                </a:solidFill>
+                <a:latin typeface="나눔바른고딕" charset="0"/>
+                <a:ea typeface="나눔바른고딕" charset="0"/>
+                <a:cs typeface="Impact" charset="0"/>
+              </a:rPr>
+              <a:t>3. 유행에 민감한 한국인들을 겨냥할 수 있음</a:t>
+            </a:r>
+            <a:endParaRPr lang="ko-KR" altLang="en-US" sz="3300" b="1">
+              <a:solidFill>
+                <a:schemeClr val="bg1"/>
+              </a:solidFill>
+              <a:latin typeface="나눔바른고딕" charset="0"/>
+              <a:ea typeface="나눔바른고딕" charset="0"/>
+              <a:cs typeface="Impact" charset="0"/>
+            </a:endParaRPr>
+          </a:p>
+          <a:p>
+            <a:pPr marL="254000" indent="-254000" rtl="0" algn="l" latinLnBrk="0">
+              <a:spcBef>
+                <a:spcPts val="0"/>
+              </a:spcBef>
+              <a:spcAft>
+                <a:spcPts val="0"/>
+              </a:spcAft>
+              <a:buFontTx/>
+              <a:buNone/>
+            </a:pPr>
+            <a:endParaRPr lang="ko-KR" altLang="en-US" sz="3300" b="1">
+              <a:solidFill>
+                <a:schemeClr val="bg1"/>
+              </a:solidFill>
+              <a:latin typeface="나눔바른고딕" charset="0"/>
+              <a:ea typeface="나눔바른고딕" charset="0"/>
+              <a:cs typeface="Impact" charset="0"/>
+            </a:endParaRPr>
+          </a:p>
+        </p:txBody>
+      </p:sp>
+      <p:sp>
+        <p:nvSpPr>
+          <p:cNvPr id="8" name="텍스트 상자 41"/>
+          <p:cNvSpPr txBox="1">
+            <a:spLocks/>
+          </p:cNvSpPr>
+          <p:nvPr/>
+        </p:nvSpPr>
+        <p:spPr>
+          <a:xfrm rot="0">
+            <a:off x="9143365" y="7009130"/>
+            <a:ext cx="8051800" cy="2121535"/>
+          </a:xfrm>
+          <a:prstGeom prst="rect"/>
+          <a:noFill/>
+          <a:ln w="0">
+            <a:noFill/>
+            <a:prstDash/>
+          </a:ln>
+        </p:spPr>
+        <p:txBody>
+          <a:bodyPr wrap="square" lIns="91440" tIns="45720" rIns="91440" bIns="45720" numCol="1" vert="horz" anchor="t">
+            <a:spAutoFit/>
+          </a:bodyPr>
+          <a:lstStyle/>
+          <a:p>
+            <a:pPr marL="254000" indent="-254000" rtl="0" algn="l" latinLnBrk="0">
+              <a:spcBef>
+                <a:spcPts val="0"/>
+              </a:spcBef>
+              <a:spcAft>
+                <a:spcPts val="0"/>
+              </a:spcAft>
+              <a:buFontTx/>
+              <a:buNone/>
+            </a:pPr>
+            <a:r>
+              <a:rPr lang="en-US" sz="3300" b="1">
+                <a:solidFill>
+                  <a:schemeClr val="bg1"/>
+                </a:solidFill>
+                <a:latin typeface="나눔바른고딕" charset="0"/>
+                <a:ea typeface="나눔바른고딕" charset="0"/>
+                <a:cs typeface="Impact" charset="0"/>
+              </a:rPr>
+              <a:t>1. 비슷한 패션 관련 서비스가 존재함(스타일쉐어, 코디북, sns의 #ootd 등)</a:t>
+            </a:r>
+            <a:endParaRPr lang="ko-KR" altLang="en-US" sz="3300" b="1">
+              <a:solidFill>
+                <a:schemeClr val="bg1"/>
+              </a:solidFill>
+              <a:latin typeface="나눔바른고딕" charset="0"/>
+              <a:ea typeface="나눔바른고딕" charset="0"/>
+              <a:cs typeface="Impact" charset="0"/>
+            </a:endParaRPr>
+          </a:p>
+          <a:p>
+            <a:pPr marL="254000" indent="-254000" rtl="0" algn="l" latinLnBrk="0">
+              <a:spcBef>
+                <a:spcPts val="0"/>
+              </a:spcBef>
+              <a:spcAft>
+                <a:spcPts val="0"/>
+              </a:spcAft>
+              <a:buFontTx/>
+              <a:buNone/>
+            </a:pPr>
+            <a:r>
+              <a:rPr lang="en-US" sz="3300" b="1">
+                <a:solidFill>
+                  <a:schemeClr val="bg1"/>
+                </a:solidFill>
+                <a:latin typeface="나눔바른고딕" charset="0"/>
+                <a:ea typeface="나눔바른고딕" charset="0"/>
+                <a:cs typeface="Impact" charset="0"/>
+              </a:rPr>
+              <a:t>2. 악의적 의도로 평가(의견)를 남기는 사용자의 출현 가능성</a:t>
+            </a:r>
+            <a:endParaRPr lang="ko-KR" altLang="en-US" sz="3300" b="1">
+              <a:solidFill>
+                <a:schemeClr val="bg1"/>
+              </a:solidFill>
+              <a:latin typeface="나눔바른고딕" charset="0"/>
+              <a:ea typeface="나눔바른고딕" charset="0"/>
+              <a:cs typeface="Impact" charset="0"/>
+            </a:endParaRPr>
+          </a:p>
+        </p:txBody>
+      </p:sp>
+      <p:sp>
+        <p:nvSpPr>
+          <p:cNvPr id="9" name="도형 42"/>
+          <p:cNvSpPr>
+            <a:spLocks/>
+          </p:cNvSpPr>
+          <p:nvPr/>
+        </p:nvSpPr>
+        <p:spPr>
+          <a:xfrm rot="0">
+            <a:off x="349250" y="238125"/>
+            <a:ext cx="17623155" cy="9763125"/>
+          </a:xfrm>
+          <a:prstGeom prst="rect"/>
+          <a:noFill/>
+          <a:ln w="57150" cap="flat" cmpd="sng">
+            <a:solidFill>
+              <a:schemeClr val="bg1">
+                <a:alpha val="100000"/>
+              </a:schemeClr>
+            </a:solidFill>
+            <a:prstDash val="solid"/>
+            <a:round/>
+          </a:ln>
+        </p:spPr>
+        <p:style>
+          <a:lnRef idx="2">
+            <a:schemeClr val="accent1">
+              <a:shade val="50000"/>
+            </a:schemeClr>
+          </a:lnRef>
+          <a:fillRef idx="1">
+            <a:schemeClr val="accent1"/>
+          </a:fillRef>
+          <a:effectRef idx="0">
+            <a:schemeClr val="accent1"/>
+          </a:effectRef>
+          <a:fontRef idx="minor">
+            <a:schemeClr val="lt1"/>
+          </a:fontRef>
+        </p:style>
+        <p:txBody>
+          <a:bodyPr wrap="square" lIns="91440" tIns="45720" rIns="91440" bIns="45720" numCol="1" vert="horz" anchor="ctr">
+            <a:noAutofit/>
+          </a:bodyPr>
+          <a:lstStyle/>
+          <a:p>
+            <a:pPr marL="0" indent="0" algn="ctr" latinLnBrk="0" hangingPunct="1"/>
+            <a:endParaRPr lang="ko-KR" altLang="en-US" sz="1800">
+              <a:latin typeface="맑은 고딕" charset="0"/>
+              <a:ea typeface="맑은 고딕" charset="0"/>
+            </a:endParaRPr>
+          </a:p>
+        </p:txBody>
+      </p:sp>
+    </p:spTree>
+  </p:cSld>
+  <p:clrMapOvr>
+    <a:masterClrMapping/>
+  </p:clrMapOvr>
+  <mc:AlternateContent xmlns:mc="http://schemas.openxmlformats.org/markup-compatibility/2006">
+    <mc:Choice xmlns:p14="http://schemas.microsoft.com/office/powerpoint/2010/main" Requires="p14">
+      <p:transition spd="slow" p14:dur="2000"/>
+    </mc:Choice>
+    <mc:Fallback>
+      <p:transition spd="slow"/>
+    </mc:Fallback>
+  </mc:AlternateContent>
+</p:sld>
+</file>
+
+<file path=ppt/slides/slide6.xml><?xml version="1.0" encoding="utf-8"?>
 <p:sld xmlns:a="http://schemas.openxmlformats.org/drawingml/2006/main" xmlns:r="http://schemas.openxmlformats.org/officeDocument/2006/relationships" xmlns:p="http://schemas.openxmlformats.org/presentationml/2006/main">
   <p:cSld>
     <p:spTree>
@@ -15088,15 +16046,14 @@
 </p:sld>
 </file>
 
-<file path=ppt/slides/slide6.xml><?xml version="1.0" encoding="utf-8"?>
-<p:sld xmlns:a="http://schemas.openxmlformats.org/drawingml/2006/main" xmlns:r="http://schemas.openxmlformats.org/officeDocument/2006/relationships" xmlns:p="http://schemas.openxmlformats.org/presentationml/2006/main">
+<file path=ppt/slides/slide7.xml><?xml version="1.0" encoding="utf-8"?>
+<p:sld xmlns:a="http://schemas.openxmlformats.org/drawingml/2006/main" xmlns:r="http://schemas.openxmlformats.org/officeDocument/2006/relationships" xmlns:p="http://schemas.openxmlformats.org/presentationml/2006/main" xmlns:p14="http://schemas.microsoft.com/office/powerpoint/2010/main">
   <p:cSld>
     <p:bg>
       <p:bgPr>
         <a:solidFill>
           <a:srgbClr val="694680"/>
         </a:solidFill>
-        <a:effectLst/>
       </p:bgPr>
     </p:bg>
     <p:spTree>
@@ -15242,13 +16199,11 @@
           <p:nvPr/>
         </p:nvSpPr>
         <p:spPr>
-          <a:xfrm>
-            <a:off x="1829435" y="1753235"/>
-            <a:ext cx="5274945" cy="861060"/>
+          <a:xfrm rot="0">
+            <a:off x="2306955" y="1753235"/>
+            <a:ext cx="5275580" cy="861695"/>
           </a:xfrm>
-          <a:prstGeom prst="rect">
-            <a:avLst/>
-          </a:prstGeom>
+          <a:prstGeom prst="rect"/>
           <a:noFill/>
           <a:ln w="0">
             <a:noFill/>
@@ -15256,12 +16211,12 @@
           </a:ln>
         </p:spPr>
         <p:txBody>
-          <a:bodyPr vert="horz" wrap="square" lIns="91440" tIns="45720" rIns="91440" bIns="45720" numCol="1" anchor="t">
+          <a:bodyPr wrap="square" lIns="91440" tIns="45720" rIns="91440" bIns="45720" numCol="1" vert="horz" anchor="t">
             <a:spAutoFit/>
           </a:bodyPr>
           <a:lstStyle/>
           <a:p>
-            <a:pPr marL="0" indent="0" algn="ctr" rtl="0" latinLnBrk="0">
+            <a:pPr marL="0" indent="0" rtl="0" algn="ctr" latinLnBrk="0">
               <a:spcBef>
                 <a:spcPts val="0"/>
               </a:spcBef>
@@ -15302,13 +16257,11 @@
           <p:nvPr/>
         </p:nvSpPr>
         <p:spPr>
-          <a:xfrm>
-            <a:off x="1959610" y="4847590"/>
-            <a:ext cx="6348730" cy="584200"/>
+          <a:xfrm rot="0">
+            <a:off x="2437130" y="4847590"/>
+            <a:ext cx="6349365" cy="584835"/>
           </a:xfrm>
-          <a:prstGeom prst="rect">
-            <a:avLst/>
-          </a:prstGeom>
+          <a:prstGeom prst="rect"/>
           <a:noFill/>
           <a:ln w="0">
             <a:noFill/>
@@ -15316,12 +16269,12 @@
           </a:ln>
         </p:spPr>
         <p:txBody>
-          <a:bodyPr vert="horz" wrap="square" lIns="91440" tIns="45720" rIns="91440" bIns="45720" numCol="1" anchor="t">
+          <a:bodyPr wrap="square" lIns="91440" tIns="45720" rIns="91440" bIns="45720" numCol="1" vert="horz" anchor="t">
             <a:spAutoFit/>
           </a:bodyPr>
           <a:lstStyle/>
           <a:p>
-            <a:pPr marL="254000" indent="-254000" algn="l" rtl="0" latinLnBrk="0">
+            <a:pPr marL="254000" indent="-254000" rtl="0" algn="l" latinLnBrk="0">
               <a:spcBef>
                 <a:spcPts val="0"/>
               </a:spcBef>
@@ -15362,13 +16315,11 @@
           <p:nvPr/>
         </p:nvSpPr>
         <p:spPr>
-          <a:xfrm>
-            <a:off x="1949450" y="2967990"/>
-            <a:ext cx="6444615" cy="1076325"/>
+          <a:xfrm rot="0">
+            <a:off x="2426970" y="2967990"/>
+            <a:ext cx="6445250" cy="1076960"/>
           </a:xfrm>
-          <a:prstGeom prst="rect">
-            <a:avLst/>
-          </a:prstGeom>
+          <a:prstGeom prst="rect"/>
           <a:noFill/>
           <a:ln w="0">
             <a:noFill/>
@@ -15376,12 +16327,12 @@
           </a:ln>
         </p:spPr>
         <p:txBody>
-          <a:bodyPr vert="horz" wrap="square" lIns="91440" tIns="45720" rIns="91440" bIns="45720" numCol="1" anchor="t">
+          <a:bodyPr wrap="square" lIns="91440" tIns="45720" rIns="91440" bIns="45720" numCol="1" vert="horz" anchor="t">
             <a:spAutoFit/>
           </a:bodyPr>
           <a:lstStyle/>
           <a:p>
-            <a:pPr marL="254000" indent="-254000" algn="l" rtl="0" latinLnBrk="0">
+            <a:pPr marL="254000" indent="-254000" rtl="0" algn="l" latinLnBrk="0">
               <a:spcBef>
                 <a:spcPts val="0"/>
               </a:spcBef>
@@ -15415,7 +16366,7 @@
       </p:sp>
       <p:pic>
         <p:nvPicPr>
-          <p:cNvPr id="180" name="그림 63" descr="C:/Users/admin/AppData/Roaming/PolarisOffice/ETemp/7076_12434608/image12.png"/>
+          <p:cNvPr id="180" name="그림 63"/>
           <p:cNvPicPr>
             <a:picLocks noChangeAspect="1"/>
           </p:cNvPicPr>
@@ -15455,7 +16406,7 @@
       </p:pic>
       <p:pic>
         <p:nvPicPr>
-          <p:cNvPr id="181" name="그림 64" descr="C:/Users/admin/AppData/Roaming/PolarisOffice/ETemp/7076_12434608/image13.png"/>
+          <p:cNvPr id="181" name="그림 64"/>
           <p:cNvPicPr>
             <a:picLocks noChangeAspect="1"/>
           </p:cNvPicPr>
@@ -15495,7 +16446,7 @@
       </p:pic>
       <p:pic>
         <p:nvPicPr>
-          <p:cNvPr id="182" name="그림 65" descr="C:/Users/admin/AppData/Roaming/PolarisOffice/ETemp/7076_12434608/image14.png"/>
+          <p:cNvPr id="182" name="그림 65"/>
           <p:cNvPicPr>
             <a:picLocks noChangeAspect="1"/>
           </p:cNvPicPr>
@@ -15535,7 +16486,7 @@
       </p:pic>
       <p:pic>
         <p:nvPicPr>
-          <p:cNvPr id="183" name="그림 66" descr="C:/Users/admin/AppData/Roaming/PolarisOffice/ETemp/7076_12434608/image15.png"/>
+          <p:cNvPr id="183" name="그림 66"/>
           <p:cNvPicPr>
             <a:picLocks noChangeAspect="1"/>
           </p:cNvPicPr>
@@ -15589,7 +16540,7 @@
         </p:grpSpPr>
         <p:pic>
           <p:nvPicPr>
-            <p:cNvPr id="184" name="그림 89" descr="C:/Users/admin/AppData/Roaming/PolarisOffice/ETemp/7076_12434608/image16.png"/>
+            <p:cNvPr id="184" name="그림 89"/>
             <p:cNvPicPr>
               <a:picLocks/>
             </p:cNvPicPr>
@@ -15730,7 +16681,7 @@
         </p:grpSpPr>
         <p:pic>
           <p:nvPicPr>
-            <p:cNvPr id="186" name="그림 91" descr="C:/Users/admin/AppData/Roaming/PolarisOffice/ETemp/7076_12434608/image16.png"/>
+            <p:cNvPr id="186" name="그림 91"/>
             <p:cNvPicPr>
               <a:picLocks/>
             </p:cNvPicPr>
@@ -15857,7 +16808,7 @@
       </p:grpSp>
       <p:pic>
         <p:nvPicPr>
-          <p:cNvPr id="190" name="그림 11" descr="C:/Users/admin/AppData/Roaming/PolarisOffice/ETemp/7076_12434608/fImage1612078467.png"/>
+          <p:cNvPr id="190" name="그림 11"/>
           <p:cNvPicPr>
             <a:picLocks/>
           </p:cNvPicPr>
@@ -15892,7 +16843,7 @@
       </p:pic>
       <p:pic>
         <p:nvPicPr>
-          <p:cNvPr id="191" name="그림 14" descr="C:/Users/admin/AppData/Roaming/PolarisOffice/ETemp/7076_12434608/fImage1612126334.png"/>
+          <p:cNvPr id="191" name="그림 14" descr="C:/Users/admin/AppData/Roaming/PolarisOffice/ETemp/15032_7075696/image6.png"/>
           <p:cNvPicPr>
             <a:picLocks/>
           </p:cNvPicPr>
@@ -15911,13 +16862,11 @@
           </a:stretch>
         </p:blipFill>
         <p:spPr>
-          <a:xfrm>
-            <a:off x="1998345" y="2680970"/>
-            <a:ext cx="5029835" cy="46990"/>
+          <a:xfrm rot="0">
+            <a:off x="2475865" y="2680970"/>
+            <a:ext cx="5030470" cy="47625"/>
           </a:xfrm>
-          <a:prstGeom prst="rect">
-            <a:avLst/>
-          </a:prstGeom>
+          <a:prstGeom prst="rect"/>
           <a:noFill/>
           <a:ln w="0">
             <a:noFill/>
@@ -15925,23 +16874,135 @@
           </a:ln>
         </p:spPr>
       </p:pic>
+      <p:pic>
+        <p:nvPicPr>
+          <p:cNvPr id="192" name="그림 2" descr="C:/Users/admin/AppData/Roaming/PolarisOffice/ETemp/15032_7075696/image1.png"/>
+          <p:cNvPicPr>
+            <a:picLocks/>
+          </p:cNvPicPr>
+          <p:nvPr/>
+        </p:nvPicPr>
+        <p:blipFill rotWithShape="1">
+          <a:blip r:embed="rId9" cstate="hqprint">
+            <a:clrChange>
+              <a:clrFrom>
+                <a:srgbClr val="68457F"/>
+              </a:clrFrom>
+              <a:clrTo>
+                <a:srgbClr val="68457F">
+                  <a:alpha val="0"/>
+                </a:srgbClr>
+              </a:clrTo>
+            </a:clrChange>
+            <a:extLst>
+              <a:ext uri="{28A0092B-C50C-407E-A947-70E740481C1C}">
+                <a14:useLocalDpi xmlns:a14="http://schemas.microsoft.com/office/drawing/2010/main"/>
+              </a:ext>
+            </a:extLst>
+          </a:blip>
+          <a:stretch>
+            <a:fillRect/>
+          </a:stretch>
+        </p:blipFill>
+        <p:spPr>
+          <a:xfrm rot="0">
+            <a:off x="2105660" y="1569720"/>
+            <a:ext cx="6676390" cy="4339590"/>
+          </a:xfrm>
+          <a:prstGeom prst="rect"/>
+          <a:noFill/>
+          <a:ln w="19050" cap="flat" cmpd="sng">
+            <a:prstDash val="solid"/>
+            <a:round/>
+          </a:ln>
+        </p:spPr>
+      </p:pic>
+      <p:sp>
+        <p:nvSpPr>
+          <p:cNvPr id="193" name="도형 43"/>
+          <p:cNvSpPr>
+            <a:spLocks/>
+          </p:cNvSpPr>
+          <p:nvPr/>
+        </p:nvSpPr>
+        <p:spPr>
+          <a:xfrm rot="0">
+            <a:off x="349250" y="238125"/>
+            <a:ext cx="17623155" cy="9763125"/>
+          </a:xfrm>
+          <a:prstGeom prst="rect"/>
+          <a:noFill/>
+          <a:ln w="57150" cap="flat" cmpd="sng">
+            <a:solidFill>
+              <a:schemeClr val="bg1">
+                <a:alpha val="100000"/>
+              </a:schemeClr>
+            </a:solidFill>
+            <a:prstDash val="solid"/>
+            <a:round/>
+          </a:ln>
+        </p:spPr>
+        <p:style>
+          <a:lnRef idx="2">
+            <a:schemeClr val="accent1">
+              <a:shade val="50000"/>
+            </a:schemeClr>
+          </a:lnRef>
+          <a:fillRef idx="1">
+            <a:schemeClr val="accent1"/>
+          </a:fillRef>
+          <a:effectRef idx="0">
+            <a:schemeClr val="accent1"/>
+          </a:effectRef>
+          <a:fontRef idx="minor">
+            <a:schemeClr val="lt1"/>
+          </a:fontRef>
+        </p:style>
+        <p:txBody>
+          <a:bodyPr wrap="square" lIns="91440" tIns="45720" rIns="91440" bIns="45720" numCol="1" vert="horz" anchor="ctr">
+            <a:noAutofit/>
+          </a:bodyPr>
+          <a:lstStyle/>
+          <a:p>
+            <a:pPr marL="0" indent="0" algn="ctr" latinLnBrk="0" hangingPunct="1"/>
+            <a:endParaRPr lang="ko-KR" altLang="en-US" sz="1800">
+              <a:latin typeface="맑은 고딕" charset="0"/>
+              <a:ea typeface="맑은 고딕" charset="0"/>
+            </a:endParaRPr>
+          </a:p>
+        </p:txBody>
+      </p:sp>
     </p:spTree>
   </p:cSld>
   <p:clrMapOvr>
     <a:masterClrMapping/>
   </p:clrMapOvr>
+  <mc:AlternateContent xmlns:mc="http://schemas.openxmlformats.org/markup-compatibility/2006">
+    <mc:Choice xmlns:p14="http://schemas.microsoft.com/office/powerpoint/2010/main" Requires="p14">
+      <p:transition spd="slow" p14:dur="2000"/>
+    </mc:Choice>
+    <mc:Fallback>
+      <p:transition spd="slow"/>
+    </mc:Fallback>
+  </mc:AlternateContent>
+  <p:timing>
+    <p:tnLst>
+      <p:par>
+        <p:cTn id="1" dur="indefinite" restart="never" nodeType="tmRoot"/>
+      </p:par>
+    </p:tnLst>
+  </p:timing>
 </p:sld>
 </file>
 
-<file path=ppt/slides/slide7.xml><?xml version="1.0" encoding="utf-8"?>
-<p:sld xmlns:a="http://schemas.openxmlformats.org/drawingml/2006/main" xmlns:r="http://schemas.openxmlformats.org/officeDocument/2006/relationships" xmlns:p="http://schemas.openxmlformats.org/presentationml/2006/main">
+<file path=ppt/slides/slide8.xml><?xml version="1.0" encoding="utf-8"?>
+<p:sld xmlns:a="http://schemas.openxmlformats.org/drawingml/2006/main" xmlns:r="http://schemas.openxmlformats.org/officeDocument/2006/relationships" xmlns:p="http://schemas.openxmlformats.org/presentationml/2006/main" xmlns:p14="http://schemas.microsoft.com/office/powerpoint/2010/main">
   <p:cSld>
     <p:bg>
       <p:bgPr>
         <a:solidFill>
           <a:srgbClr val="694680"/>
         </a:solidFill>
-        <a:effectLst/>
       </p:bgPr>
     </p:bg>
     <p:spTree>
@@ -16084,13 +17145,11 @@
           <p:nvPr/>
         </p:nvSpPr>
         <p:spPr>
-          <a:xfrm>
-            <a:off x="1670685" y="1871980"/>
-            <a:ext cx="5275580" cy="861060"/>
+          <a:xfrm rot="0">
+            <a:off x="2327275" y="1871980"/>
+            <a:ext cx="5276215" cy="861695"/>
           </a:xfrm>
-          <a:prstGeom prst="rect">
-            <a:avLst/>
-          </a:prstGeom>
+          <a:prstGeom prst="rect"/>
           <a:noFill/>
           <a:ln w="0">
             <a:noFill/>
@@ -16098,12 +17157,12 @@
           </a:ln>
         </p:spPr>
         <p:txBody>
-          <a:bodyPr vert="horz" wrap="square" lIns="91440" tIns="45720" rIns="91440" bIns="45720" numCol="1" anchor="t">
+          <a:bodyPr wrap="square" lIns="91440" tIns="45720" rIns="91440" bIns="45720" numCol="1" vert="horz" anchor="t">
             <a:spAutoFit/>
           </a:bodyPr>
           <a:lstStyle/>
           <a:p>
-            <a:pPr marL="0" indent="0" algn="ctr" rtl="0" latinLnBrk="0">
+            <a:pPr marL="0" indent="0" rtl="0" algn="ctr" latinLnBrk="0">
               <a:spcBef>
                 <a:spcPts val="0"/>
               </a:spcBef>
@@ -16144,13 +17203,11 @@
           <p:nvPr/>
         </p:nvSpPr>
         <p:spPr>
-          <a:xfrm>
-            <a:off x="1850390" y="2971800"/>
-            <a:ext cx="6260465" cy="1568450"/>
+          <a:xfrm rot="0">
+            <a:off x="2506980" y="2971800"/>
+            <a:ext cx="6261100" cy="1569085"/>
           </a:xfrm>
-          <a:prstGeom prst="rect">
-            <a:avLst/>
-          </a:prstGeom>
+          <a:prstGeom prst="rect"/>
           <a:noFill/>
           <a:ln w="0">
             <a:noFill/>
@@ -16158,12 +17215,12 @@
           </a:ln>
         </p:spPr>
         <p:txBody>
-          <a:bodyPr vert="horz" wrap="square" lIns="91440" tIns="45720" rIns="91440" bIns="45720" numCol="1" anchor="t">
+          <a:bodyPr wrap="square" lIns="91440" tIns="45720" rIns="91440" bIns="45720" numCol="1" vert="horz" anchor="t">
             <a:spAutoFit/>
           </a:bodyPr>
           <a:lstStyle/>
           <a:p>
-            <a:pPr marL="254000" indent="-254000" algn="l" rtl="0" latinLnBrk="0">
+            <a:pPr marL="254000" indent="-254000" rtl="0" algn="l" latinLnBrk="0">
               <a:spcBef>
                 <a:spcPts val="0"/>
               </a:spcBef>
@@ -16197,7 +17254,7 @@
       </p:sp>
       <p:pic>
         <p:nvPicPr>
-          <p:cNvPr id="178" name="그림 79" descr="C:/Users/admin/AppData/Roaming/PolarisOffice/ETemp/7076_12434608/image18.png"/>
+          <p:cNvPr id="178" name="그림 79"/>
           <p:cNvPicPr>
             <a:picLocks noChangeAspect="1"/>
           </p:cNvPicPr>
@@ -16235,6 +17292,382 @@
           </a:ln>
         </p:spPr>
       </p:pic>
+      <p:sp>
+        <p:nvSpPr>
+          <p:cNvPr id="192" name="텍스트 상자 104"/>
+          <p:cNvSpPr txBox="1">
+            <a:spLocks/>
+          </p:cNvSpPr>
+          <p:nvPr/>
+        </p:nvSpPr>
+        <p:spPr>
+          <a:xfrm rot="0">
+            <a:off x="2244090" y="6489700"/>
+            <a:ext cx="6240780" cy="1569085"/>
+          </a:xfrm>
+          <a:prstGeom prst="rect"/>
+          <a:noFill/>
+          <a:ln w="0">
+            <a:noFill/>
+            <a:prstDash/>
+          </a:ln>
+        </p:spPr>
+        <p:txBody>
+          <a:bodyPr wrap="square" lIns="91440" tIns="45720" rIns="91440" bIns="45720" numCol="1" vert="horz" anchor="t">
+            <a:spAutoFit/>
+          </a:bodyPr>
+          <a:lstStyle/>
+          <a:p>
+            <a:pPr marL="349250" indent="-254000" rtl="0" algn="l" latinLnBrk="0">
+              <a:spcBef>
+                <a:spcPts val="0"/>
+              </a:spcBef>
+              <a:spcAft>
+                <a:spcPts val="0"/>
+              </a:spcAft>
+              <a:buFont typeface="Wingdings"/>
+              <a:buChar char=""/>
+            </a:pPr>
+            <a:r>
+              <a:rPr lang="en-US" sz="3200" b="1">
+                <a:solidFill>
+                  <a:schemeClr val="bg1"/>
+                </a:solidFill>
+                <a:latin typeface="나눔바른고딕" charset="0"/>
+                <a:ea typeface="나눔바른고딕" charset="0"/>
+                <a:cs typeface="Verdana" charset="0"/>
+              </a:rPr>
+              <a:t>내가 가지고 있는 패션 아이템을 추가해 데일리룩에 더하고, 나만의 옷장을 만들어 관리</a:t>
+            </a:r>
+            <a:endParaRPr lang="ko-KR" altLang="en-US" sz="3200" b="1">
+              <a:solidFill>
+                <a:schemeClr val="bg1"/>
+              </a:solidFill>
+              <a:latin typeface="나눔바른고딕" charset="0"/>
+              <a:ea typeface="나눔바른고딕" charset="0"/>
+              <a:cs typeface="Verdana" charset="0"/>
+            </a:endParaRPr>
+          </a:p>
+        </p:txBody>
+      </p:sp>
+      <p:pic>
+        <p:nvPicPr>
+          <p:cNvPr id="193" name="그림 105"/>
+          <p:cNvPicPr>
+            <a:picLocks noChangeAspect="1"/>
+          </p:cNvPicPr>
+          <p:nvPr/>
+        </p:nvPicPr>
+        <p:blipFill rotWithShape="1">
+          <a:blip r:embed="rId5" cstate="hqprint">
+            <a:extLst>
+              <a:ext uri="{28A0092B-C50C-407E-A947-70E740481C1C}">
+                <a14:useLocalDpi xmlns:a14="http://schemas.microsoft.com/office/drawing/2010/main"/>
+              </a:ext>
+            </a:extLst>
+          </a:blip>
+          <a:stretch>
+            <a:fillRect/>
+          </a:stretch>
+        </p:blipFill>
+        <p:spPr>
+          <a:xfrm>
+            <a:off x="9124315" y="5525770"/>
+            <a:ext cx="7117080" cy="4334510"/>
+          </a:xfrm>
+          <a:prstGeom prst="rect">
+            <a:avLst/>
+          </a:prstGeom>
+          <a:noFill/>
+          <a:ln w="57150" cap="flat" cmpd="sng">
+            <a:solidFill>
+              <a:schemeClr val="bg1">
+                <a:alpha val="100000"/>
+              </a:schemeClr>
+            </a:solidFill>
+            <a:prstDash val="solid"/>
+            <a:round/>
+          </a:ln>
+        </p:spPr>
+      </p:pic>
+      <p:sp>
+        <p:nvSpPr>
+          <p:cNvPr id="194" name="텍스트 상자 106"/>
+          <p:cNvSpPr txBox="1">
+            <a:spLocks/>
+          </p:cNvSpPr>
+          <p:nvPr/>
+        </p:nvSpPr>
+        <p:spPr>
+          <a:xfrm rot="0">
+            <a:off x="2466340" y="5271135"/>
+            <a:ext cx="5276215" cy="861695"/>
+          </a:xfrm>
+          <a:prstGeom prst="rect"/>
+          <a:noFill/>
+          <a:ln w="0">
+            <a:noFill/>
+            <a:prstDash/>
+          </a:ln>
+        </p:spPr>
+        <p:txBody>
+          <a:bodyPr wrap="square" lIns="91440" tIns="45720" rIns="91440" bIns="45720" numCol="1" vert="horz" anchor="t">
+            <a:spAutoFit/>
+          </a:bodyPr>
+          <a:lstStyle/>
+          <a:p>
+            <a:pPr marL="0" indent="0" rtl="0" algn="ctr" latinLnBrk="0">
+              <a:spcBef>
+                <a:spcPts val="0"/>
+              </a:spcBef>
+              <a:spcAft>
+                <a:spcPts val="0"/>
+              </a:spcAft>
+              <a:buFontTx/>
+              <a:buNone/>
+            </a:pPr>
+            <a:r>
+              <a:rPr lang="en-US" sz="5000" b="1">
+                <a:solidFill>
+                  <a:schemeClr val="bg1"/>
+                </a:solidFill>
+                <a:latin typeface="나눔바른고딕" charset="0"/>
+                <a:ea typeface="나눔바른고딕" charset="0"/>
+                <a:cs typeface="Impact" charset="0"/>
+              </a:rPr>
+              <a:t>코디(조합)</a:t>
+            </a:r>
+            <a:endParaRPr lang="ko-KR" altLang="en-US" sz="5000" b="1">
+              <a:solidFill>
+                <a:schemeClr val="bg1"/>
+              </a:solidFill>
+              <a:latin typeface="나눔바른고딕" charset="0"/>
+              <a:ea typeface="나눔바른고딕" charset="0"/>
+              <a:cs typeface="Impact" charset="0"/>
+            </a:endParaRPr>
+          </a:p>
+        </p:txBody>
+      </p:sp>
+      <p:pic>
+        <p:nvPicPr>
+          <p:cNvPr id="198" name="그림 110" descr="C:/Users/admin/AppData/Roaming/PolarisOffice/ETemp/15032_7075696/image20.png"/>
+          <p:cNvPicPr>
+            <a:picLocks/>
+          </p:cNvPicPr>
+          <p:nvPr/>
+        </p:nvPicPr>
+        <p:blipFill rotWithShape="1">
+          <a:blip r:embed="rId6" cstate="hqprint">
+            <a:extLst>
+              <a:ext uri="{28A0092B-C50C-407E-A947-70E740481C1C}">
+                <a14:useLocalDpi xmlns:a14="http://schemas.microsoft.com/office/drawing/2010/main"/>
+              </a:ext>
+            </a:extLst>
+          </a:blip>
+          <a:stretch>
+            <a:fillRect/>
+          </a:stretch>
+        </p:blipFill>
+        <p:spPr>
+          <a:xfrm rot="0">
+            <a:off x="2124710" y="6215380"/>
+            <a:ext cx="6477635" cy="48260"/>
+          </a:xfrm>
+          <a:prstGeom prst="rect"/>
+          <a:noFill/>
+          <a:ln w="0">
+            <a:noFill/>
+            <a:prstDash/>
+          </a:ln>
+        </p:spPr>
+      </p:pic>
+      <p:pic>
+        <p:nvPicPr>
+          <p:cNvPr id="199" name="그림 16"/>
+          <p:cNvPicPr>
+            <a:picLocks/>
+          </p:cNvPicPr>
+          <p:nvPr/>
+        </p:nvPicPr>
+        <p:blipFill rotWithShape="1">
+          <a:blip r:embed="rId7" cstate="hqprint">
+            <a:extLst>
+              <a:ext uri="{28A0092B-C50C-407E-A947-70E740481C1C}">
+                <a14:useLocalDpi xmlns:a14="http://schemas.microsoft.com/office/drawing/2010/main"/>
+              </a:ext>
+            </a:extLst>
+          </a:blip>
+          <a:stretch>
+            <a:fillRect/>
+          </a:stretch>
+        </p:blipFill>
+        <p:spPr>
+          <a:xfrm>
+            <a:off x="2022475" y="1362710"/>
+            <a:ext cx="13869670" cy="48260"/>
+          </a:xfrm>
+          <a:prstGeom prst="rect">
+            <a:avLst/>
+          </a:prstGeom>
+          <a:noFill/>
+          <a:ln w="0">
+            <a:noFill/>
+            <a:prstDash/>
+          </a:ln>
+        </p:spPr>
+      </p:pic>
+      <p:pic>
+        <p:nvPicPr>
+          <p:cNvPr id="201" name="그림 18" descr="C:/Users/admin/AppData/Roaming/PolarisOffice/ETemp/15032_7075696/image6.png"/>
+          <p:cNvPicPr>
+            <a:picLocks/>
+          </p:cNvPicPr>
+          <p:nvPr/>
+        </p:nvPicPr>
+        <p:blipFill rotWithShape="1">
+          <a:blip r:embed="rId7" cstate="hqprint">
+            <a:extLst>
+              <a:ext uri="{28A0092B-C50C-407E-A947-70E740481C1C}">
+                <a14:useLocalDpi xmlns:a14="http://schemas.microsoft.com/office/drawing/2010/main"/>
+              </a:ext>
+            </a:extLst>
+          </a:blip>
+          <a:stretch>
+            <a:fillRect/>
+          </a:stretch>
+        </p:blipFill>
+        <p:spPr>
+          <a:xfrm rot="0">
+            <a:off x="2588260" y="6236970"/>
+            <a:ext cx="5030470" cy="47625"/>
+          </a:xfrm>
+          <a:prstGeom prst="rect"/>
+          <a:noFill/>
+          <a:ln w="0">
+            <a:noFill/>
+            <a:prstDash/>
+          </a:ln>
+        </p:spPr>
+      </p:pic>
+      <p:pic>
+        <p:nvPicPr>
+          <p:cNvPr id="203" name="그림 20" descr="C:/Users/admin/AppData/Roaming/PolarisOffice/ETemp/15032_7075696/image6.png"/>
+          <p:cNvPicPr>
+            <a:picLocks/>
+          </p:cNvPicPr>
+          <p:nvPr/>
+        </p:nvPicPr>
+        <p:blipFill rotWithShape="1">
+          <a:blip r:embed="rId7" cstate="hqprint">
+            <a:extLst>
+              <a:ext uri="{28A0092B-C50C-407E-A947-70E740481C1C}">
+                <a14:useLocalDpi xmlns:a14="http://schemas.microsoft.com/office/drawing/2010/main"/>
+              </a:ext>
+            </a:extLst>
+          </a:blip>
+          <a:stretch>
+            <a:fillRect/>
+          </a:stretch>
+        </p:blipFill>
+        <p:spPr>
+          <a:xfrm rot="0">
+            <a:off x="2570480" y="2883535"/>
+            <a:ext cx="5030470" cy="47625"/>
+          </a:xfrm>
+          <a:prstGeom prst="rect"/>
+          <a:noFill/>
+          <a:ln w="0">
+            <a:noFill/>
+            <a:prstDash/>
+          </a:ln>
+        </p:spPr>
+      </p:pic>
+      <p:pic>
+        <p:nvPicPr>
+          <p:cNvPr id="204" name="그림 21" descr="C:/Users/admin/AppData/Roaming/PolarisOffice/ETemp/15032_7075696/image1.png"/>
+          <p:cNvPicPr>
+            <a:picLocks/>
+          </p:cNvPicPr>
+          <p:nvPr/>
+        </p:nvPicPr>
+        <p:blipFill rotWithShape="1">
+          <a:blip r:embed="rId8" cstate="hqprint">
+            <a:clrChange>
+              <a:clrFrom>
+                <a:srgbClr val="68457F"/>
+              </a:clrFrom>
+              <a:clrTo>
+                <a:srgbClr val="68457F">
+                  <a:alpha val="0"/>
+                </a:srgbClr>
+              </a:clrTo>
+            </a:clrChange>
+            <a:extLst>
+              <a:ext uri="{28A0092B-C50C-407E-A947-70E740481C1C}">
+                <a14:useLocalDpi xmlns:a14="http://schemas.microsoft.com/office/drawing/2010/main"/>
+              </a:ext>
+            </a:extLst>
+          </a:blip>
+          <a:stretch>
+            <a:fillRect/>
+          </a:stretch>
+        </p:blipFill>
+        <p:spPr>
+          <a:xfrm rot="0">
+            <a:off x="2081530" y="1590040"/>
+            <a:ext cx="6676390" cy="3295650"/>
+          </a:xfrm>
+          <a:prstGeom prst="rect"/>
+          <a:noFill/>
+          <a:ln w="19050" cap="flat" cmpd="sng">
+            <a:prstDash val="solid"/>
+            <a:round/>
+          </a:ln>
+        </p:spPr>
+      </p:pic>
+      <p:pic>
+        <p:nvPicPr>
+          <p:cNvPr id="205" name="그림 22" descr="C:/Users/admin/AppData/Roaming/PolarisOffice/ETemp/15032_7075696/image1.png"/>
+          <p:cNvPicPr>
+            <a:picLocks/>
+          </p:cNvPicPr>
+          <p:nvPr/>
+        </p:nvPicPr>
+        <p:blipFill rotWithShape="1">
+          <a:blip r:embed="rId8" cstate="hqprint">
+            <a:clrChange>
+              <a:clrFrom>
+                <a:srgbClr val="68457F"/>
+              </a:clrFrom>
+              <a:clrTo>
+                <a:srgbClr val="68457F">
+                  <a:alpha val="0"/>
+                </a:srgbClr>
+              </a:clrTo>
+            </a:clrChange>
+            <a:extLst>
+              <a:ext uri="{28A0092B-C50C-407E-A947-70E740481C1C}">
+                <a14:useLocalDpi xmlns:a14="http://schemas.microsoft.com/office/drawing/2010/main"/>
+              </a:ext>
+            </a:extLst>
+          </a:blip>
+          <a:stretch>
+            <a:fillRect/>
+          </a:stretch>
+        </p:blipFill>
+        <p:spPr>
+          <a:xfrm rot="0">
+            <a:off x="2081530" y="5019040"/>
+            <a:ext cx="6676390" cy="3601720"/>
+          </a:xfrm>
+          <a:prstGeom prst="rect"/>
+          <a:noFill/>
+          <a:ln w="19050" cap="flat" cmpd="sng">
+            <a:prstDash val="solid"/>
+            <a:round/>
+          </a:ln>
+        </p:spPr>
+      </p:pic>
       <p:grpSp>
         <p:nvGrpSpPr>
           <p:cNvPr id="188" name="그룹 97"/>
@@ -16251,7 +17684,7 @@
         </p:grpSpPr>
         <p:pic>
           <p:nvPicPr>
-            <p:cNvPr id="189" name="그림 95" descr="C:/Users/admin/AppData/Roaming/PolarisOffice/ETemp/4168_22061832/image46.png"/>
+            <p:cNvPr id="189" name="그림 95"/>
             <p:cNvPicPr>
               <a:picLocks/>
             </p:cNvPicPr>
@@ -16345,166 +17778,6 @@
           </p:txBody>
         </p:sp>
       </p:grpSp>
-      <p:sp>
-        <p:nvSpPr>
-          <p:cNvPr id="192" name="텍스트 상자 104"/>
-          <p:cNvSpPr txBox="1">
-            <a:spLocks/>
-          </p:cNvSpPr>
-          <p:nvPr/>
-        </p:nvSpPr>
-        <p:spPr>
-          <a:xfrm>
-            <a:off x="1587500" y="6489700"/>
-            <a:ext cx="6240145" cy="1568450"/>
-          </a:xfrm>
-          <a:prstGeom prst="rect">
-            <a:avLst/>
-          </a:prstGeom>
-          <a:noFill/>
-          <a:ln w="0">
-            <a:noFill/>
-            <a:prstDash/>
-          </a:ln>
-        </p:spPr>
-        <p:txBody>
-          <a:bodyPr vert="horz" wrap="square" lIns="91440" tIns="45720" rIns="91440" bIns="45720" numCol="1" anchor="t">
-            <a:spAutoFit/>
-          </a:bodyPr>
-          <a:lstStyle/>
-          <a:p>
-            <a:pPr marL="349250" indent="-254000" algn="l" rtl="0" latinLnBrk="0">
-              <a:spcBef>
-                <a:spcPts val="0"/>
-              </a:spcBef>
-              <a:spcAft>
-                <a:spcPts val="0"/>
-              </a:spcAft>
-              <a:buFont typeface="Wingdings"/>
-              <a:buChar char=""/>
-            </a:pPr>
-            <a:r>
-              <a:rPr lang="en-US" sz="3200" b="1">
-                <a:solidFill>
-                  <a:schemeClr val="bg1"/>
-                </a:solidFill>
-                <a:latin typeface="나눔바른고딕" charset="0"/>
-                <a:ea typeface="나눔바른고딕" charset="0"/>
-                <a:cs typeface="Verdana" charset="0"/>
-              </a:rPr>
-              <a:t>내가 가지고 있는 패션 아이템을 추가해 데일리룩에 더하고, 나만의 옷장을 만들어 관리</a:t>
-            </a:r>
-            <a:endParaRPr lang="ko-KR" altLang="en-US" sz="3200" b="1">
-              <a:solidFill>
-                <a:schemeClr val="bg1"/>
-              </a:solidFill>
-              <a:latin typeface="나눔바른고딕" charset="0"/>
-              <a:ea typeface="나눔바른고딕" charset="0"/>
-              <a:cs typeface="Verdana" charset="0"/>
-            </a:endParaRPr>
-          </a:p>
-        </p:txBody>
-      </p:sp>
-      <p:pic>
-        <p:nvPicPr>
-          <p:cNvPr id="193" name="그림 105" descr="C:/Users/admin/AppData/Roaming/PolarisOffice/ETemp/7076_12434608/image19.png"/>
-          <p:cNvPicPr>
-            <a:picLocks noChangeAspect="1"/>
-          </p:cNvPicPr>
-          <p:nvPr/>
-        </p:nvPicPr>
-        <p:blipFill rotWithShape="1">
-          <a:blip r:embed="rId5" cstate="hqprint">
-            <a:extLst>
-              <a:ext uri="{28A0092B-C50C-407E-A947-70E740481C1C}">
-                <a14:useLocalDpi xmlns:a14="http://schemas.microsoft.com/office/drawing/2010/main"/>
-              </a:ext>
-            </a:extLst>
-          </a:blip>
-          <a:stretch>
-            <a:fillRect/>
-          </a:stretch>
-        </p:blipFill>
-        <p:spPr>
-          <a:xfrm>
-            <a:off x="9124315" y="5525770"/>
-            <a:ext cx="7117080" cy="4334510"/>
-          </a:xfrm>
-          <a:prstGeom prst="rect">
-            <a:avLst/>
-          </a:prstGeom>
-          <a:noFill/>
-          <a:ln w="57150" cap="flat" cmpd="sng">
-            <a:solidFill>
-              <a:schemeClr val="bg1">
-                <a:alpha val="100000"/>
-              </a:schemeClr>
-            </a:solidFill>
-            <a:prstDash val="solid"/>
-            <a:round/>
-          </a:ln>
-        </p:spPr>
-      </p:pic>
-      <p:sp>
-        <p:nvSpPr>
-          <p:cNvPr id="194" name="텍스트 상자 106"/>
-          <p:cNvSpPr txBox="1">
-            <a:spLocks/>
-          </p:cNvSpPr>
-          <p:nvPr/>
-        </p:nvSpPr>
-        <p:spPr>
-          <a:xfrm>
-            <a:off x="1809750" y="5271135"/>
-            <a:ext cx="5275580" cy="861060"/>
-          </a:xfrm>
-          <a:prstGeom prst="rect">
-            <a:avLst/>
-          </a:prstGeom>
-          <a:noFill/>
-          <a:ln w="0">
-            <a:noFill/>
-            <a:prstDash/>
-          </a:ln>
-        </p:spPr>
-        <p:txBody>
-          <a:bodyPr vert="horz" wrap="square" lIns="91440" tIns="45720" rIns="91440" bIns="45720" numCol="1" anchor="t">
-            <a:spAutoFit/>
-          </a:bodyPr>
-          <a:lstStyle/>
-          <a:p>
-            <a:pPr marL="0" indent="0" algn="ctr" rtl="0" latinLnBrk="0">
-              <a:spcBef>
-                <a:spcPts val="0"/>
-              </a:spcBef>
-              <a:spcAft>
-                <a:spcPts val="0"/>
-              </a:spcAft>
-              <a:buFontTx/>
-              <a:buNone/>
-            </a:pPr>
-            <a:r>
-              <a:rPr lang="en-US" sz="5000" b="1">
-                <a:solidFill>
-                  <a:schemeClr val="bg1"/>
-                </a:solidFill>
-                <a:latin typeface="나눔바른고딕" charset="0"/>
-                <a:ea typeface="나눔바른고딕" charset="0"/>
-                <a:cs typeface="Impact" charset="0"/>
-              </a:rPr>
-              <a:t>코디(조합)</a:t>
-            </a:r>
-            <a:endParaRPr lang="ko-KR" altLang="en-US" sz="5000" b="1">
-              <a:solidFill>
-                <a:schemeClr val="bg1"/>
-              </a:solidFill>
-              <a:latin typeface="나눔바른고딕" charset="0"/>
-              <a:ea typeface="나눔바른고딕" charset="0"/>
-              <a:cs typeface="Impact" charset="0"/>
-            </a:endParaRPr>
-          </a:p>
-        </p:txBody>
-      </p:sp>
       <p:grpSp>
         <p:nvGrpSpPr>
           <p:cNvPr id="195" name="그룹 109"/>
@@ -16521,7 +17794,7 @@
         </p:grpSpPr>
         <p:pic>
           <p:nvPicPr>
-            <p:cNvPr id="196" name="그림 107" descr="C:/Users/admin/AppData/Roaming/PolarisOffice/ETemp/4168_22061832/image46.png"/>
+            <p:cNvPr id="196" name="그림 107"/>
             <p:cNvPicPr>
               <a:picLocks/>
             </p:cNvPicPr>
@@ -16646,155 +17919,85 @@
           </p:txBody>
         </p:sp>
       </p:grpSp>
-      <p:pic>
-        <p:nvPicPr>
-          <p:cNvPr id="198" name="그림 110" descr="C:/Users/admin/AppData/Roaming/PolarisOffice/ETemp/4168_22061832/image69.png"/>
-          <p:cNvPicPr>
-            <a:picLocks/>
-          </p:cNvPicPr>
+      <p:sp>
+        <p:nvSpPr>
+          <p:cNvPr id="206" name="도형 44"/>
+          <p:cNvSpPr>
+            <a:spLocks/>
+          </p:cNvSpPr>
           <p:nvPr/>
-        </p:nvPicPr>
-        <p:blipFill rotWithShape="1">
-          <a:blip r:embed="rId6" cstate="print">
-            <a:extLst>
-              <a:ext uri="{28A0092B-C50C-407E-A947-70E740481C1C}">
-                <a14:useLocalDpi xmlns:a14="http://schemas.microsoft.com/office/drawing/2010/main" val="0"/>
-              </a:ext>
-            </a:extLst>
-          </a:blip>
-          <a:stretch>
-            <a:fillRect/>
-          </a:stretch>
-        </p:blipFill>
+        </p:nvSpPr>
         <p:spPr>
-          <a:xfrm>
-            <a:off x="1468120" y="6215380"/>
-            <a:ext cx="6477000" cy="47625"/>
+          <a:xfrm rot="0">
+            <a:off x="349250" y="238125"/>
+            <a:ext cx="17623155" cy="9763125"/>
           </a:xfrm>
-          <a:prstGeom prst="rect">
-            <a:avLst/>
-          </a:prstGeom>
+          <a:prstGeom prst="rect"/>
           <a:noFill/>
-          <a:ln w="0">
-            <a:noFill/>
-            <a:prstDash/>
+          <a:ln w="57150" cap="flat" cmpd="sng">
+            <a:solidFill>
+              <a:schemeClr val="bg1">
+                <a:alpha val="100000"/>
+              </a:schemeClr>
+            </a:solidFill>
+            <a:prstDash val="solid"/>
+            <a:round/>
           </a:ln>
         </p:spPr>
-      </p:pic>
-      <p:pic>
-        <p:nvPicPr>
-          <p:cNvPr id="199" name="그림 16" descr="C:/Users/admin/AppData/Roaming/PolarisOffice/ETemp/7076_12434608/fImage1612156500.png"/>
-          <p:cNvPicPr>
-            <a:picLocks/>
-          </p:cNvPicPr>
-          <p:nvPr/>
-        </p:nvPicPr>
-        <p:blipFill rotWithShape="1">
-          <a:blip r:embed="rId7" cstate="hqprint">
-            <a:extLst>
-              <a:ext uri="{28A0092B-C50C-407E-A947-70E740481C1C}">
-                <a14:useLocalDpi xmlns:a14="http://schemas.microsoft.com/office/drawing/2010/main"/>
-              </a:ext>
-            </a:extLst>
-          </a:blip>
-          <a:stretch>
-            <a:fillRect/>
-          </a:stretch>
-        </p:blipFill>
-        <p:spPr>
-          <a:xfrm>
-            <a:off x="2022475" y="1362710"/>
-            <a:ext cx="13869670" cy="48260"/>
-          </a:xfrm>
-          <a:prstGeom prst="rect">
-            <a:avLst/>
-          </a:prstGeom>
-          <a:noFill/>
-          <a:ln w="0">
-            <a:noFill/>
-            <a:prstDash/>
-          </a:ln>
-        </p:spPr>
-      </p:pic>
-      <p:pic>
-        <p:nvPicPr>
-          <p:cNvPr id="200" name="그림 17" descr="C:/Users/admin/AppData/Roaming/PolarisOffice/ETemp/7076_12434608/fImage1612169169.png"/>
-          <p:cNvPicPr>
-            <a:picLocks/>
-          </p:cNvPicPr>
-          <p:nvPr/>
-        </p:nvPicPr>
-        <p:blipFill rotWithShape="1">
-          <a:blip r:embed="rId7" cstate="hqprint">
-            <a:extLst>
-              <a:ext uri="{28A0092B-C50C-407E-A947-70E740481C1C}">
-                <a14:useLocalDpi xmlns:a14="http://schemas.microsoft.com/office/drawing/2010/main"/>
-              </a:ext>
-            </a:extLst>
-          </a:blip>
-          <a:stretch>
-            <a:fillRect/>
-          </a:stretch>
-        </p:blipFill>
-        <p:spPr>
-          <a:xfrm>
-            <a:off x="1998345" y="2795270"/>
-            <a:ext cx="5029835" cy="46990"/>
-          </a:xfrm>
-          <a:prstGeom prst="rect">
-            <a:avLst/>
-          </a:prstGeom>
-          <a:noFill/>
-          <a:ln w="0">
-            <a:noFill/>
-            <a:prstDash/>
-          </a:ln>
-        </p:spPr>
-      </p:pic>
-      <p:pic>
-        <p:nvPicPr>
-          <p:cNvPr id="201" name="그림 18" descr="C:/Users/admin/AppData/Roaming/PolarisOffice/ETemp/7076_12434608/fImage1612175724.png"/>
-          <p:cNvPicPr>
-            <a:picLocks/>
-          </p:cNvPicPr>
-          <p:nvPr/>
-        </p:nvPicPr>
-        <p:blipFill rotWithShape="1">
-          <a:blip r:embed="rId7" cstate="hqprint">
-            <a:extLst>
-              <a:ext uri="{28A0092B-C50C-407E-A947-70E740481C1C}">
-                <a14:useLocalDpi xmlns:a14="http://schemas.microsoft.com/office/drawing/2010/main"/>
-              </a:ext>
-            </a:extLst>
-          </a:blip>
-          <a:stretch>
-            <a:fillRect/>
-          </a:stretch>
-        </p:blipFill>
-        <p:spPr>
-          <a:xfrm>
-            <a:off x="2051050" y="6236970"/>
-            <a:ext cx="5029835" cy="46990"/>
-          </a:xfrm>
-          <a:prstGeom prst="rect">
-            <a:avLst/>
-          </a:prstGeom>
-          <a:noFill/>
-          <a:ln w="0">
-            <a:noFill/>
-            <a:prstDash/>
-          </a:ln>
-        </p:spPr>
-      </p:pic>
+        <p:style>
+          <a:lnRef idx="2">
+            <a:schemeClr val="accent1">
+              <a:shade val="50000"/>
+            </a:schemeClr>
+          </a:lnRef>
+          <a:fillRef idx="1">
+            <a:schemeClr val="accent1"/>
+          </a:fillRef>
+          <a:effectRef idx="0">
+            <a:schemeClr val="accent1"/>
+          </a:effectRef>
+          <a:fontRef idx="minor">
+            <a:schemeClr val="lt1"/>
+          </a:fontRef>
+        </p:style>
+        <p:txBody>
+          <a:bodyPr wrap="square" lIns="91440" tIns="45720" rIns="91440" bIns="45720" numCol="1" vert="horz" anchor="ctr">
+            <a:noAutofit/>
+          </a:bodyPr>
+          <a:lstStyle/>
+          <a:p>
+            <a:pPr marL="0" indent="0" algn="ctr" latinLnBrk="0" hangingPunct="1"/>
+            <a:endParaRPr lang="ko-KR" altLang="en-US" sz="1800">
+              <a:latin typeface="맑은 고딕" charset="0"/>
+              <a:ea typeface="맑은 고딕" charset="0"/>
+            </a:endParaRPr>
+          </a:p>
+        </p:txBody>
+      </p:sp>
     </p:spTree>
   </p:cSld>
   <p:clrMapOvr>
     <a:masterClrMapping/>
   </p:clrMapOvr>
+  <mc:AlternateContent xmlns:mc="http://schemas.openxmlformats.org/markup-compatibility/2006">
+    <mc:Choice xmlns:p14="http://schemas.microsoft.com/office/powerpoint/2010/main" Requires="p14">
+      <p:transition spd="slow" p14:dur="2000"/>
+    </mc:Choice>
+    <mc:Fallback>
+      <p:transition spd="slow"/>
+    </mc:Fallback>
+  </mc:AlternateContent>
+  <p:timing>
+    <p:tnLst>
+      <p:par>
+        <p:cTn id="1" dur="indefinite" restart="never" nodeType="tmRoot"/>
+      </p:par>
+    </p:tnLst>
+  </p:timing>
 </p:sld>
 </file>
 
-<file path=ppt/slides/slide8.xml><?xml version="1.0" encoding="utf-8"?>
+<file path=ppt/slides/slide9.xml><?xml version="1.0" encoding="utf-8"?>
 <p:sld xmlns:a="http://schemas.openxmlformats.org/drawingml/2006/main" xmlns:r="http://schemas.openxmlformats.org/officeDocument/2006/relationships" xmlns:p="http://schemas.openxmlformats.org/presentationml/2006/main">
   <p:cSld>
     <p:spTree>
@@ -19089,246 +20292,6 @@
 </p:sld>
 </file>
 
-<file path=ppt/slides/slide9.xml><?xml version="1.0" encoding="utf-8"?>
-<p:sld xmlns:a="http://schemas.openxmlformats.org/drawingml/2006/main" xmlns:r="http://schemas.openxmlformats.org/officeDocument/2006/relationships" xmlns:p="http://schemas.openxmlformats.org/presentationml/2006/main" xmlns:p14="http://schemas.microsoft.com/office/powerpoint/2010/main">
-  <p:cSld>
-    <p:spTree>
-      <p:nvGrpSpPr>
-        <p:cNvPr id="1" name=""/>
-        <p:cNvGrpSpPr/>
-        <p:nvPr/>
-      </p:nvGrpSpPr>
-      <p:grpSpPr>
-        <a:xfrm>
-          <a:off x="0" y="0"/>
-          <a:ext cx="0" cy="0"/>
-          <a:chOff x="0" y="0"/>
-          <a:chExt cx="0" cy="0"/>
-        </a:xfrm>
-      </p:grpSpPr>
-      <p:sp>
-        <p:nvSpPr>
-          <p:cNvPr id="152" name="Rect 0"/>
-          <p:cNvSpPr txBox="1">
-            <a:spLocks/>
-          </p:cNvSpPr>
-          <p:nvPr/>
-        </p:nvSpPr>
-        <p:spPr>
-          <a:xfrm>
-            <a:off x="6019800" y="411480"/>
-            <a:ext cx="6256020" cy="861060"/>
-          </a:xfrm>
-          <a:prstGeom prst="rect">
-            <a:avLst/>
-          </a:prstGeom>
-          <a:noFill/>
-          <a:ln w="0">
-            <a:noFill/>
-            <a:prstDash/>
-          </a:ln>
-        </p:spPr>
-        <p:txBody>
-          <a:bodyPr vert="horz" wrap="square" lIns="91440" tIns="45720" rIns="91440" bIns="45720" numCol="1" anchor="t">
-            <a:spAutoFit/>
-          </a:bodyPr>
-          <a:lstStyle/>
-          <a:p>
-            <a:pPr marL="0" indent="0" algn="ctr" rtl="0" latinLnBrk="0">
-              <a:spcBef>
-                <a:spcPts val="0"/>
-              </a:spcBef>
-              <a:spcAft>
-                <a:spcPts val="0"/>
-              </a:spcAft>
-              <a:buFontTx/>
-              <a:buNone/>
-            </a:pPr>
-            <a:r>
-              <a:rPr lang="ko-KR" sz="5000" b="1" dirty="0">
-                <a:solidFill>
-                  <a:srgbClr val="694680"/>
-                </a:solidFill>
-                <a:latin typeface="나눔바른고딕" panose="020B0603020101020101" pitchFamily="50" charset="-127"/>
-                <a:ea typeface="나눔바른고딕" panose="020B0603020101020101" pitchFamily="50" charset="-127"/>
-                <a:cs typeface="Impact" charset="0"/>
-              </a:rPr>
-              <a:t>진행상황</a:t>
-            </a:r>
-            <a:endParaRPr lang="ko-KR" altLang="en-US" sz="5000" b="1" dirty="0">
-              <a:solidFill>
-                <a:srgbClr val="694680"/>
-              </a:solidFill>
-              <a:latin typeface="나눔바른고딕" panose="020B0603020101020101" pitchFamily="50" charset="-127"/>
-              <a:ea typeface="나눔바른고딕" panose="020B0603020101020101" pitchFamily="50" charset="-127"/>
-              <a:cs typeface="Impact" charset="0"/>
-            </a:endParaRPr>
-          </a:p>
-        </p:txBody>
-      </p:sp>
-      <p:sp>
-        <p:nvSpPr>
-          <p:cNvPr id="203" name="Rect 0"/>
-          <p:cNvSpPr>
-            <a:spLocks/>
-          </p:cNvSpPr>
-          <p:nvPr/>
-        </p:nvSpPr>
-        <p:spPr>
-          <a:xfrm>
-            <a:off x="208280" y="207645"/>
-            <a:ext cx="17878425" cy="9871075"/>
-          </a:xfrm>
-          <a:prstGeom prst="rect">
-            <a:avLst/>
-          </a:prstGeom>
-          <a:noFill/>
-          <a:ln w="57150" cap="flat" cmpd="sng">
-            <a:solidFill>
-              <a:srgbClr val="694680">
-                <a:alpha val="100000"/>
-              </a:srgbClr>
-            </a:solidFill>
-            <a:prstDash val="solid"/>
-            <a:round/>
-          </a:ln>
-        </p:spPr>
-        <p:style>
-          <a:lnRef idx="2">
-            <a:schemeClr val="accent1">
-              <a:shade val="50000"/>
-            </a:schemeClr>
-          </a:lnRef>
-          <a:fillRef idx="1">
-            <a:schemeClr val="accent1"/>
-          </a:fillRef>
-          <a:effectRef idx="0">
-            <a:schemeClr val="accent1"/>
-          </a:effectRef>
-          <a:fontRef idx="minor">
-            <a:schemeClr val="lt1"/>
-          </a:fontRef>
-        </p:style>
-        <p:txBody>
-          <a:bodyPr vert="horz" wrap="square" lIns="91440" tIns="45720" rIns="91440" bIns="45720" numCol="1" anchor="ctr">
-            <a:noAutofit/>
-          </a:bodyPr>
-          <a:lstStyle/>
-          <a:p>
-            <a:pPr marL="0" indent="0" algn="ctr" latinLnBrk="0" hangingPunct="1"/>
-            <a:endParaRPr lang="ko-KR" altLang="en-US" sz="1800">
-              <a:latin typeface="맑은 고딕" charset="0"/>
-              <a:ea typeface="맑은 고딕" charset="0"/>
-            </a:endParaRPr>
-          </a:p>
-        </p:txBody>
-      </p:sp>
-      <p:sp>
-        <p:nvSpPr>
-          <p:cNvPr id="204" name="Rect 0"/>
-          <p:cNvSpPr>
-            <a:spLocks/>
-          </p:cNvSpPr>
-          <p:nvPr/>
-        </p:nvSpPr>
-        <p:spPr>
-          <a:xfrm>
-            <a:off x="1108710" y="1357630"/>
-            <a:ext cx="15961360" cy="47625"/>
-          </a:xfrm>
-          <a:prstGeom prst="rect">
-            <a:avLst/>
-          </a:prstGeom>
-          <a:solidFill>
-            <a:srgbClr val="694680"/>
-          </a:solidFill>
-          <a:ln w="0">
-            <a:noFill/>
-            <a:prstDash/>
-          </a:ln>
-        </p:spPr>
-        <p:style>
-          <a:lnRef idx="2">
-            <a:schemeClr val="accent1">
-              <a:shade val="50000"/>
-            </a:schemeClr>
-          </a:lnRef>
-          <a:fillRef idx="1">
-            <a:schemeClr val="accent1"/>
-          </a:fillRef>
-          <a:effectRef idx="0">
-            <a:schemeClr val="accent1"/>
-          </a:effectRef>
-          <a:fontRef idx="minor">
-            <a:schemeClr val="lt1"/>
-          </a:fontRef>
-        </p:style>
-        <p:txBody>
-          <a:bodyPr vert="horz" wrap="square" lIns="91440" tIns="45720" rIns="91440" bIns="45720" numCol="1" anchor="ctr">
-            <a:noAutofit/>
-          </a:bodyPr>
-          <a:lstStyle/>
-          <a:p>
-            <a:pPr marL="0" indent="0" algn="ctr" latinLnBrk="0" hangingPunct="1"/>
-            <a:endParaRPr lang="ko-KR" altLang="en-US" sz="1800">
-              <a:latin typeface="맑은 고딕" charset="0"/>
-              <a:ea typeface="맑은 고딕" charset="0"/>
-            </a:endParaRPr>
-          </a:p>
-        </p:txBody>
-      </p:sp>
-      <p:pic>
-        <p:nvPicPr>
-          <p:cNvPr id="205" name="그림 1" descr="C:/Users/admin/AppData/Roaming/PolarisOffice/ETemp/7532_16637176/fImage5964420541.png"/>
-          <p:cNvPicPr>
-            <a:picLocks noChangeAspect="1"/>
-          </p:cNvPicPr>
-          <p:nvPr/>
-        </p:nvPicPr>
-        <p:blipFill rotWithShape="1">
-          <a:blip r:embed="rId4" cstate="print">
-            <a:extLst>
-              <a:ext uri="{28A0092B-C50C-407E-A947-70E740481C1C}">
-                <a14:useLocalDpi xmlns:a14="http://schemas.microsoft.com/office/drawing/2010/main" val="0"/>
-              </a:ext>
-            </a:extLst>
-          </a:blip>
-          <a:stretch>
-            <a:fillRect/>
-          </a:stretch>
-        </p:blipFill>
-        <p:spPr>
-          <a:xfrm rot="0">
-            <a:off x="1918335" y="1776730"/>
-            <a:ext cx="14439900" cy="7729855"/>
-          </a:xfrm>
-          <a:prstGeom prst="rect"/>
-          <a:noFill/>
-        </p:spPr>
-      </p:pic>
-    </p:spTree>
-  </p:cSld>
-  <p:clrMapOvr>
-    <a:masterClrMapping/>
-  </p:clrMapOvr>
-  <mc:AlternateContent xmlns:mc="http://schemas.openxmlformats.org/markup-compatibility/2006">
-    <mc:Choice xmlns:p14="http://schemas.microsoft.com/office/powerpoint/2010/main" Requires="p14">
-      <p:transition spd="slow" p14:dur="2000"/>
-    </mc:Choice>
-    <mc:Fallback>
-      <p:transition spd="slow"/>
-    </mc:Fallback>
-  </mc:AlternateContent>
-  <p:timing>
-    <p:tnLst>
-      <p:par>
-        <p:cTn id="1" dur="indefinite" restart="never" nodeType="tmRoot"/>
-      </p:par>
-    </p:tnLst>
-  </p:timing>
-</p:sld>
-</file>
-
 <file path=ppt/theme/theme1.xml><?xml version="1.0" encoding="utf-8"?>
 <a:theme xmlns:a="http://schemas.openxmlformats.org/drawingml/2006/main" name="Office Theme">
   <a:themeElements>

--- a/기획서/5조 Fit-back.pptx
+++ b/기획서/5조 Fit-back.pptx
@@ -1,24 +1,24 @@
 
 <file path=ppt/presentation.xml><?xml version="1.0" encoding="utf-8"?>
-<p:presentation xmlns:a="http://schemas.openxmlformats.org/drawingml/2006/main" xmlns:r="http://schemas.openxmlformats.org/officeDocument/2006/relationships" xmlns:p="http://schemas.openxmlformats.org/presentationml/2006/main" xmlns:p14="http://schemas.microsoft.com/office/powerpoint/2010/main" strictFirstAndLastChars="0" saveSubsetFonts="1" autoCompressPictures="0">
+<p:presentation xmlns:a="http://schemas.openxmlformats.org/drawingml/2006/main" xmlns:r="http://schemas.openxmlformats.org/officeDocument/2006/relationships" xmlns:p="http://schemas.openxmlformats.org/presentationml/2006/main" strictFirstAndLastChars="0" saveSubsetFonts="1" autoCompressPictures="0">
   <p:sldMasterIdLst>
-    <p:sldMasterId id="2147483698" r:id="rId12"/>
+    <p:sldMasterId id="2147483698" r:id="rId1"/>
   </p:sldMasterIdLst>
   <p:notesMasterIdLst>
-    <p:notesMasterId r:id="rId14"/>
+    <p:notesMasterId r:id="rId13"/>
   </p:notesMasterIdLst>
   <p:sldIdLst>
-    <p:sldId id="256" r:id="rId16"/>
-    <p:sldId id="278" r:id="rId17"/>
-    <p:sldId id="286" r:id="rId19"/>
-    <p:sldId id="280" r:id="rId21"/>
-    <p:sldId id="287" r:id="rId23"/>
-    <p:sldId id="281" r:id="rId24"/>
-    <p:sldId id="282" r:id="rId26"/>
-    <p:sldId id="283" r:id="rId27"/>
-    <p:sldId id="284" r:id="rId28"/>
-    <p:sldId id="279" r:id="rId30"/>
-    <p:sldId id="276" r:id="rId32"/>
+    <p:sldId id="256" r:id="rId2"/>
+    <p:sldId id="278" r:id="rId3"/>
+    <p:sldId id="286" r:id="rId4"/>
+    <p:sldId id="280" r:id="rId5"/>
+    <p:sldId id="287" r:id="rId6"/>
+    <p:sldId id="281" r:id="rId7"/>
+    <p:sldId id="282" r:id="rId8"/>
+    <p:sldId id="283" r:id="rId9"/>
+    <p:sldId id="284" r:id="rId10"/>
+    <p:sldId id="279" r:id="rId11"/>
+    <p:sldId id="276" r:id="rId12"/>
   </p:sldIdLst>
   <p:sldSz cx="18288000" cy="10287000"/>
   <p:notesSz cx="10287000" cy="18288000"/>
@@ -254,12 +254,12 @@
   <p:extLst>
     <p:ext uri="{EFAFB233-063F-42B5-8137-9DF3F51BA10A}">
       <p15:sldGuideLst xmlns:p15="http://schemas.microsoft.com/office/powerpoint/2012/main">
-        <p15:guide id="1" orient="horz" pos="2151" userDrawn="0">
+        <p15:guide id="1" orient="horz" pos="2151">
           <p15:clr>
             <a:srgbClr val="000000"/>
           </p15:clr>
         </p15:guide>
-        <p15:guide id="2" pos="2871" userDrawn="0">
+        <p15:guide id="2" pos="2871">
           <p15:clr>
             <a:srgbClr val="000000"/>
           </p15:clr>
@@ -816,165 +816,6 @@
 </file>
 
 <file path=ppt/notesSlides/notesSlide10.xml><?xml version="1.0" encoding="utf-8"?>
-<mc:AlternateContent xmlns:mc="http://schemas.openxmlformats.org/markup-compatibility/2006" xmlns:p14="http://schemas.microsoft.com/office/powerpoint/2010/main">
-  <mc:Choice Requires="p14">
-    <p:notes xmlns:a="http://schemas.openxmlformats.org/drawingml/2006/main" xmlns:r="http://schemas.openxmlformats.org/officeDocument/2006/relationships" xmlns:p="http://schemas.openxmlformats.org/presentationml/2006/main">
-      <p:cSld>
-        <p:spTree>
-          <p:nvGrpSpPr>
-            <p:cNvPr id="1" name=""/>
-            <p:cNvGrpSpPr/>
-            <p:nvPr/>
-          </p:nvGrpSpPr>
-          <p:grpSpPr>
-            <a:xfrm>
-              <a:off x="0" y="0"/>
-              <a:ext cx="0" cy="0"/>
-              <a:chOff x="0" y="0"/>
-              <a:chExt cx="0" cy="0"/>
-            </a:xfrm>
-          </p:grpSpPr>
-          <p:sp>
-            <p:nvSpPr>
-              <p:cNvPr id="129" name="Google Shape;129;p3:notes"/>
-              <p:cNvSpPr txBox="1">
-                <a:spLocks noGrp="1"/>
-              </p:cNvSpPr>
-              <p:nvPr>
-                <p:ph type="body" idx="1"/>
-              </p:nvPr>
-            </p:nvSpPr>
-            <p:spPr>
-              <a:xfrm>
-                <a:off x="1028700" y="8686800"/>
-                <a:ext cx="8230870" cy="8230870"/>
-              </a:xfrm>
-              <a:prstGeom prst="rect">
-                <a:avLst/>
-              </a:prstGeom>
-              <a:noFill/>
-              <a:ln w="0">
-                <a:noFill/>
-                <a:prstDash/>
-              </a:ln>
-            </p:spPr>
-            <p:txBody>
-              <a:bodyPr vert="horz" wrap="square" lIns="91440" tIns="91440" rIns="91440" bIns="91440" numCol="1" anchor="t">
-                <a:noAutofit/>
-              </a:bodyPr>
-              <a:lstStyle/>
-              <a:p>
-                <a:pPr marL="0" indent="0" algn="l" rtl="0" latinLnBrk="0">
-                  <a:spcBef>
-                    <a:spcPts val="0"/>
-                  </a:spcBef>
-                  <a:spcAft>
-                    <a:spcPts val="0"/>
-                  </a:spcAft>
-                  <a:buFontTx/>
-                  <a:buNone/>
-                </a:pPr>
-                <a:endParaRPr/>
-              </a:p>
-            </p:txBody>
-          </p:sp>
-          <p:sp>
-            <p:nvSpPr>
-              <p:cNvPr id="130" name="Google Shape;130;p3:notes"/>
-              <p:cNvSpPr>
-                <a:spLocks noGrp="1" noRot="1" noChangeAspect="1"/>
-              </p:cNvSpPr>
-              <p:nvPr>
-                <p:ph type="sldImg"/>
-              </p:nvPr>
-            </p:nvSpPr>
-            <p:spPr>
-              <a:xfrm>
-                <a:off x="-950913" y="1371600"/>
-                <a:ext cx="12192001" cy="6859588"/>
-              </a:xfrm>
-              <a:custGeom>
-                <a:avLst/>
-                <a:gdLst>
-                  <a:gd name="TX0" fmla="*/ 0 w 120002"/>
-                  <a:gd name="TY0" fmla="*/ 0 h 120002"/>
-                  <a:gd name="TX1" fmla="*/ 120000 w 120002"/>
-                  <a:gd name="TY1" fmla="*/ 0 h 120002"/>
-                  <a:gd name="TX2" fmla="*/ 120000 w 120002"/>
-                  <a:gd name="TY2" fmla="*/ 120000 h 120002"/>
-                  <a:gd name="TX3" fmla="*/ 0 w 120002"/>
-                  <a:gd name="TY3" fmla="*/ 120000 h 120002"/>
-                </a:gdLst>
-                <a:ahLst/>
-                <a:cxnLst>
-                  <a:cxn ang="0">
-                    <a:pos x="TX0" y="TY0"/>
-                  </a:cxn>
-                  <a:cxn ang="0">
-                    <a:pos x="TX1" y="TY1"/>
-                  </a:cxn>
-                  <a:cxn ang="0">
-                    <a:pos x="TX2" y="TY2"/>
-                  </a:cxn>
-                  <a:cxn ang="0">
-                    <a:pos x="TX3" y="TY3"/>
-                  </a:cxn>
-                </a:cxnLst>
-                <a:rect l="l" t="t" r="r" b="b"/>
-                <a:pathLst>
-                  <a:path w="120002" h="120002">
-                    <a:moveTo>
-                      <a:pt x="0" y="0"/>
-                    </a:moveTo>
-                    <a:lnTo>
-                      <a:pt x="120000" y="0"/>
-                    </a:lnTo>
-                    <a:lnTo>
-                      <a:pt x="120000" y="120000"/>
-                    </a:lnTo>
-                    <a:lnTo>
-                      <a:pt x="0" y="120000"/>
-                    </a:lnTo>
-                    <a:close/>
-                  </a:path>
-                </a:pathLst>
-              </a:custGeom>
-              <a:noFill/>
-              <a:ln w="9525" cap="flat" cmpd="sng">
-                <a:solidFill>
-                  <a:srgbClr val="000000">
-                    <a:alpha val="100000"/>
-                  </a:srgbClr>
-                </a:solidFill>
-                <a:prstDash val="solid"/>
-                <a:round/>
-              </a:ln>
-            </p:spPr>
-            <p:txBody>
-              <a:bodyPr vert="horz" wrap="square" lIns="0" tIns="0" rIns="0" bIns="0" numCol="1" anchor="t">
-                <a:noAutofit/>
-              </a:bodyPr>
-              <a:lstStyle/>
-              <a:p>
-                <a:pPr marL="0" indent="0" latinLnBrk="0"/>
-                <a:endParaRPr/>
-              </a:p>
-            </p:txBody>
-          </p:sp>
-        </p:spTree>
-      </p:cSld>
-      <p:clrMapOvr>
-        <a:masterClrMapping/>
-      </p:clrMapOvr>
-    </p:notes>
-  </mc:Choice>
-  <mc:Fallback xmlns:mc="http://schemas.openxmlformats.org/markup-compatibility/2006" xmlns:p="http://schemas.openxmlformats.org/presentationml/2006/main" xmlns:r="http://schemas.openxmlformats.org/officeDocument/2006/relationships" xmlns:a="http://schemas.openxmlformats.org/drawingml/2006/main" xmlns="" xmlns:p14="http://schemas.microsoft.com/office/powerpoint/2010/main">
-    <p:transition spd="slow"/>
-  </mc:Fallback>
-</mc:AlternateContent>
-</file>
-
-<file path=ppt/notesSlides/notesSlide11.xml><?xml version="1.0" encoding="utf-8"?>
 <p:notes xmlns:a="http://schemas.openxmlformats.org/drawingml/2006/main" xmlns:r="http://schemas.openxmlformats.org/officeDocument/2006/relationships" xmlns:p="http://schemas.openxmlformats.org/presentationml/2006/main" showMasterSp="0" showMasterPhAnim="0">
   <p:cSld>
     <p:spTree>
@@ -1231,7 +1072,7 @@
       </p:clrMapOvr>
     </p:notes>
   </mc:Choice>
-  <mc:Fallback xmlns:mc="http://schemas.openxmlformats.org/markup-compatibility/2006" xmlns:p="http://schemas.openxmlformats.org/presentationml/2006/main" xmlns:r="http://schemas.openxmlformats.org/officeDocument/2006/relationships" xmlns:a="http://schemas.openxmlformats.org/drawingml/2006/main" xmlns="" xmlns:p14="http://schemas.microsoft.com/office/powerpoint/2010/main">
+  <mc:Fallback xmlns:p14="http://schemas.microsoft.com/office/powerpoint/2010/main" xmlns="" xmlns:a="http://schemas.openxmlformats.org/drawingml/2006/main" xmlns:r="http://schemas.openxmlformats.org/officeDocument/2006/relationships" xmlns:p="http://schemas.openxmlformats.org/presentationml/2006/main" xmlns:mc="http://schemas.openxmlformats.org/markup-compatibility/2006">
     <p:transition spd="slow"/>
   </mc:Fallback>
 </mc:AlternateContent>
@@ -1395,7 +1236,7 @@
       </p:clrMapOvr>
     </p:notes>
   </mc:Choice>
-  <mc:Fallback xmlns:mc="http://schemas.openxmlformats.org/markup-compatibility/2006" xmlns:p="http://schemas.openxmlformats.org/presentationml/2006/main" xmlns:r="http://schemas.openxmlformats.org/officeDocument/2006/relationships" xmlns:a="http://schemas.openxmlformats.org/drawingml/2006/main" xmlns="" xmlns:p14="http://schemas.microsoft.com/office/powerpoint/2010/main">
+  <mc:Fallback xmlns:p14="http://schemas.microsoft.com/office/powerpoint/2010/main" xmlns="" xmlns:a="http://schemas.openxmlformats.org/drawingml/2006/main" xmlns:r="http://schemas.openxmlformats.org/officeDocument/2006/relationships" xmlns:p="http://schemas.openxmlformats.org/presentationml/2006/main" xmlns:mc="http://schemas.openxmlformats.org/markup-compatibility/2006">
     <p:transition spd="slow"/>
   </mc:Fallback>
 </mc:AlternateContent>
@@ -1505,7 +1346,7 @@
 </p:notes>
 </file>
 
-<file path=ppt/notesSlides/notesSlide6.xml><?xml version="1.0" encoding="utf-8"?>
+<file path=ppt/notesSlides/notesSlide5.xml><?xml version="1.0" encoding="utf-8"?>
 <p:notes xmlns:a="http://schemas.openxmlformats.org/drawingml/2006/main" xmlns:r="http://schemas.openxmlformats.org/officeDocument/2006/relationships" xmlns:p="http://schemas.openxmlformats.org/presentationml/2006/main" showMasterSp="0" showMasterPhAnim="0">
   <p:cSld>
     <p:spTree>
@@ -1607,6 +1448,165 @@
     <a:masterClrMapping/>
   </p:clrMapOvr>
 </p:notes>
+</file>
+
+<file path=ppt/notesSlides/notesSlide6.xml><?xml version="1.0" encoding="utf-8"?>
+<mc:AlternateContent xmlns:mc="http://schemas.openxmlformats.org/markup-compatibility/2006" xmlns:p14="http://schemas.microsoft.com/office/powerpoint/2010/main">
+  <mc:Choice Requires="p14">
+    <p:notes xmlns:a="http://schemas.openxmlformats.org/drawingml/2006/main" xmlns:r="http://schemas.openxmlformats.org/officeDocument/2006/relationships" xmlns:p="http://schemas.openxmlformats.org/presentationml/2006/main">
+      <p:cSld>
+        <p:spTree>
+          <p:nvGrpSpPr>
+            <p:cNvPr id="1" name=""/>
+            <p:cNvGrpSpPr/>
+            <p:nvPr/>
+          </p:nvGrpSpPr>
+          <p:grpSpPr>
+            <a:xfrm>
+              <a:off x="0" y="0"/>
+              <a:ext cx="0" cy="0"/>
+              <a:chOff x="0" y="0"/>
+              <a:chExt cx="0" cy="0"/>
+            </a:xfrm>
+          </p:grpSpPr>
+          <p:sp>
+            <p:nvSpPr>
+              <p:cNvPr id="129" name="Google Shape;129;p3:notes"/>
+              <p:cNvSpPr txBox="1">
+                <a:spLocks noGrp="1"/>
+              </p:cNvSpPr>
+              <p:nvPr>
+                <p:ph type="body" idx="1"/>
+              </p:nvPr>
+            </p:nvSpPr>
+            <p:spPr>
+              <a:xfrm>
+                <a:off x="1028700" y="8686800"/>
+                <a:ext cx="8230235" cy="8230235"/>
+              </a:xfrm>
+              <a:prstGeom prst="rect">
+                <a:avLst/>
+              </a:prstGeom>
+              <a:noFill/>
+              <a:ln w="0">
+                <a:noFill/>
+                <a:prstDash/>
+              </a:ln>
+            </p:spPr>
+            <p:txBody>
+              <a:bodyPr vert="horz" wrap="square" lIns="91440" tIns="91440" rIns="91440" bIns="91440" numCol="1" anchor="t">
+                <a:noAutofit/>
+              </a:bodyPr>
+              <a:lstStyle/>
+              <a:p>
+                <a:pPr marL="0" indent="0" algn="l" rtl="0" latinLnBrk="0">
+                  <a:spcBef>
+                    <a:spcPts val="0"/>
+                  </a:spcBef>
+                  <a:spcAft>
+                    <a:spcPts val="0"/>
+                  </a:spcAft>
+                  <a:buFontTx/>
+                  <a:buNone/>
+                </a:pPr>
+                <a:endParaRPr/>
+              </a:p>
+            </p:txBody>
+          </p:sp>
+          <p:sp>
+            <p:nvSpPr>
+              <p:cNvPr id="130" name="Google Shape;130;p3:notes"/>
+              <p:cNvSpPr>
+                <a:spLocks noGrp="1" noRot="1" noChangeAspect="1"/>
+              </p:cNvSpPr>
+              <p:nvPr>
+                <p:ph type="sldImg"/>
+              </p:nvPr>
+            </p:nvSpPr>
+            <p:spPr>
+              <a:xfrm>
+                <a:off x="-950913" y="1371600"/>
+                <a:ext cx="12190413" cy="6858000"/>
+              </a:xfrm>
+              <a:custGeom>
+                <a:avLst/>
+                <a:gdLst>
+                  <a:gd name="TX0" fmla="*/ 0 w 120001"/>
+                  <a:gd name="TY0" fmla="*/ 0 h 120001"/>
+                  <a:gd name="TX1" fmla="*/ 120000 w 120001"/>
+                  <a:gd name="TY1" fmla="*/ 0 h 120001"/>
+                  <a:gd name="TX2" fmla="*/ 120000 w 120001"/>
+                  <a:gd name="TY2" fmla="*/ 120000 h 120001"/>
+                  <a:gd name="TX3" fmla="*/ 0 w 120001"/>
+                  <a:gd name="TY3" fmla="*/ 120000 h 120001"/>
+                </a:gdLst>
+                <a:ahLst/>
+                <a:cxnLst>
+                  <a:cxn ang="0">
+                    <a:pos x="TX0" y="TY0"/>
+                  </a:cxn>
+                  <a:cxn ang="0">
+                    <a:pos x="TX1" y="TY1"/>
+                  </a:cxn>
+                  <a:cxn ang="0">
+                    <a:pos x="TX2" y="TY2"/>
+                  </a:cxn>
+                  <a:cxn ang="0">
+                    <a:pos x="TX3" y="TY3"/>
+                  </a:cxn>
+                </a:cxnLst>
+                <a:rect l="l" t="t" r="r" b="b"/>
+                <a:pathLst>
+                  <a:path w="120001" h="120001">
+                    <a:moveTo>
+                      <a:pt x="0" y="0"/>
+                    </a:moveTo>
+                    <a:lnTo>
+                      <a:pt x="120000" y="0"/>
+                    </a:lnTo>
+                    <a:lnTo>
+                      <a:pt x="120000" y="120000"/>
+                    </a:lnTo>
+                    <a:lnTo>
+                      <a:pt x="0" y="120000"/>
+                    </a:lnTo>
+                    <a:close/>
+                  </a:path>
+                </a:pathLst>
+              </a:custGeom>
+              <a:noFill/>
+              <a:ln w="9525" cap="flat" cmpd="sng">
+                <a:solidFill>
+                  <a:srgbClr val="000000">
+                    <a:alpha val="100000"/>
+                  </a:srgbClr>
+                </a:solidFill>
+                <a:prstDash val="solid"/>
+                <a:round/>
+              </a:ln>
+            </p:spPr>
+            <p:txBody>
+              <a:bodyPr vert="horz" wrap="square" lIns="0" tIns="0" rIns="0" bIns="0" anchor="t">
+                <a:noAutofit/>
+              </a:bodyPr>
+              <a:lstStyle/>
+              <a:p>
+                <a:pPr marL="0" indent="0"/>
+                <a:endParaRPr/>
+              </a:p>
+            </p:txBody>
+          </p:sp>
+        </p:spTree>
+      </p:cSld>
+      <p:clrMapOvr>
+        <a:masterClrMapping/>
+      </p:clrMapOvr>
+    </p:notes>
+  </mc:Choice>
+  <mc:Fallback xmlns:p14="http://schemas.microsoft.com/office/powerpoint/2010/main" xmlns="" xmlns:a="http://schemas.openxmlformats.org/drawingml/2006/main" xmlns:r="http://schemas.openxmlformats.org/officeDocument/2006/relationships" xmlns:p="http://schemas.openxmlformats.org/presentationml/2006/main" xmlns:mc="http://schemas.openxmlformats.org/markup-compatibility/2006">
+    <p:transition spd="slow"/>
+  </mc:Fallback>
+</mc:AlternateContent>
 </file>
 
 <file path=ppt/notesSlides/notesSlide7.xml><?xml version="1.0" encoding="utf-8"?>
@@ -1762,7 +1762,7 @@
       </p:clrMapOvr>
     </p:notes>
   </mc:Choice>
-  <mc:Fallback xmlns:mc="http://schemas.openxmlformats.org/markup-compatibility/2006" xmlns:p="http://schemas.openxmlformats.org/presentationml/2006/main" xmlns:r="http://schemas.openxmlformats.org/officeDocument/2006/relationships" xmlns:a="http://schemas.openxmlformats.org/drawingml/2006/main" xmlns="" xmlns:p14="http://schemas.microsoft.com/office/powerpoint/2010/main">
+  <mc:Fallback xmlns:p14="http://schemas.microsoft.com/office/powerpoint/2010/main" xmlns="" xmlns:a="http://schemas.openxmlformats.org/drawingml/2006/main" xmlns:r="http://schemas.openxmlformats.org/officeDocument/2006/relationships" xmlns:p="http://schemas.openxmlformats.org/presentationml/2006/main" xmlns:mc="http://schemas.openxmlformats.org/markup-compatibility/2006">
     <p:transition spd="slow"/>
   </mc:Fallback>
 </mc:AlternateContent>
@@ -1915,6 +1915,11 @@
             </p:txBody>
           </p:sp>
         </p:spTree>
+        <p:extLst>
+          <p:ext uri="{BB962C8B-B14F-4D97-AF65-F5344CB8AC3E}">
+            <p14:creationId val="161562300"/>
+          </p:ext>
+        </p:extLst>
       </p:cSld>
       <p:clrMapOvr>
         <a:masterClrMapping/>
@@ -1959,7 +1964,7 @@
             <p:spPr>
               <a:xfrm>
                 <a:off x="1028700" y="8686800"/>
-                <a:ext cx="8230235" cy="8230235"/>
+                <a:ext cx="8230870" cy="8230870"/>
               </a:xfrm>
               <a:prstGeom prst="rect">
                 <a:avLst/>
@@ -2003,19 +2008,19 @@
             <p:spPr>
               <a:xfrm>
                 <a:off x="-950913" y="1371600"/>
-                <a:ext cx="12190413" cy="6858000"/>
+                <a:ext cx="12192001" cy="6859588"/>
               </a:xfrm>
               <a:custGeom>
                 <a:avLst/>
                 <a:gdLst>
-                  <a:gd name="TX0" fmla="*/ 0 w 120001"/>
-                  <a:gd name="TY0" fmla="*/ 0 h 120001"/>
-                  <a:gd name="TX1" fmla="*/ 120000 w 120001"/>
-                  <a:gd name="TY1" fmla="*/ 0 h 120001"/>
-                  <a:gd name="TX2" fmla="*/ 120000 w 120001"/>
-                  <a:gd name="TY2" fmla="*/ 120000 h 120001"/>
-                  <a:gd name="TX3" fmla="*/ 0 w 120001"/>
-                  <a:gd name="TY3" fmla="*/ 120000 h 120001"/>
+                  <a:gd name="TX0" fmla="*/ 0 w 120002"/>
+                  <a:gd name="TY0" fmla="*/ 0 h 120002"/>
+                  <a:gd name="TX1" fmla="*/ 120000 w 120002"/>
+                  <a:gd name="TY1" fmla="*/ 0 h 120002"/>
+                  <a:gd name="TX2" fmla="*/ 120000 w 120002"/>
+                  <a:gd name="TY2" fmla="*/ 120000 h 120002"/>
+                  <a:gd name="TX3" fmla="*/ 0 w 120002"/>
+                  <a:gd name="TY3" fmla="*/ 120000 h 120002"/>
                 </a:gdLst>
                 <a:ahLst/>
                 <a:cxnLst>
@@ -2034,7 +2039,7 @@
                 </a:cxnLst>
                 <a:rect l="l" t="t" r="r" b="b"/>
                 <a:pathLst>
-                  <a:path w="120001" h="120001">
+                  <a:path w="120002" h="120002">
                     <a:moveTo>
                       <a:pt x="0" y="0"/>
                     </a:moveTo>
@@ -2063,22 +2068,17 @@
               </a:ln>
             </p:spPr>
             <p:txBody>
-              <a:bodyPr vert="horz" wrap="square" lIns="0" tIns="0" rIns="0" bIns="0" anchor="t">
+              <a:bodyPr vert="horz" wrap="square" lIns="0" tIns="0" rIns="0" bIns="0" numCol="1" anchor="t">
                 <a:noAutofit/>
               </a:bodyPr>
               <a:lstStyle/>
               <a:p>
-                <a:pPr marL="0" indent="0"/>
+                <a:pPr marL="0" indent="0" latinLnBrk="0"/>
                 <a:endParaRPr/>
               </a:p>
             </p:txBody>
           </p:sp>
         </p:spTree>
-        <p:extLst>
-          <p:ext uri="{BB962C8B-B14F-4D97-AF65-F5344CB8AC3E}">
-            <p14:creationId val="161562300"/>
-          </p:ext>
-        </p:extLst>
       </p:cSld>
       <p:clrMapOvr>
         <a:masterClrMapping/>
@@ -11217,13 +11217,14 @@
 </file>
 
 <file path=ppt/slides/slide1.xml><?xml version="1.0" encoding="utf-8"?>
-<p:sld xmlns:a="http://schemas.openxmlformats.org/drawingml/2006/main" xmlns:r="http://schemas.openxmlformats.org/officeDocument/2006/relationships" xmlns:p="http://schemas.openxmlformats.org/presentationml/2006/main" xmlns:p14="http://schemas.microsoft.com/office/powerpoint/2010/main">
+<p:sld xmlns:a="http://schemas.openxmlformats.org/drawingml/2006/main" xmlns:r="http://schemas.openxmlformats.org/officeDocument/2006/relationships" xmlns:p="http://schemas.openxmlformats.org/presentationml/2006/main">
   <p:cSld>
     <p:bg>
       <p:bgPr>
         <a:solidFill>
           <a:srgbClr val="694680"/>
         </a:solidFill>
+        <a:effectLst/>
       </p:bgPr>
     </p:bg>
     <p:spTree>
@@ -11295,12 +11296,12 @@
           </a:ln>
         </p:spPr>
         <p:txBody>
-          <a:bodyPr wrap="square" lIns="91440" tIns="45720" rIns="91440" bIns="45720" numCol="1" vert="horz" anchor="t">
+          <a:bodyPr vert="horz" wrap="square" lIns="91440" tIns="45720" rIns="91440" bIns="45720" numCol="1" anchor="t">
             <a:spAutoFit/>
           </a:bodyPr>
           <a:lstStyle/>
           <a:p>
-            <a:pPr marL="0" indent="0" rtl="0" algn="ctr" latinLnBrk="0">
+            <a:pPr marL="0" indent="0" algn="ctr" rtl="0" latinLnBrk="0">
               <a:spcBef>
                 <a:spcPts val="0"/>
               </a:spcBef>
@@ -11311,7 +11312,7 @@
               <a:buNone/>
             </a:pPr>
             <a:r>
-              <a:rPr lang="ko-KR" sz="1700" cap="none" i="0" b="1" strike="noStrike">
+              <a:rPr lang="ko-KR" sz="1700" b="1" i="0" strike="noStrike" cap="none">
                 <a:solidFill>
                   <a:srgbClr val="F5F5F5"/>
                 </a:solidFill>
@@ -11319,53 +11320,9 @@
                 <a:ea typeface="나눔바른고딕" charset="0"/>
                 <a:cs typeface="Arial" charset="0"/>
               </a:rPr>
-              <a:t>권빛나리</a:t>
+              <a:t>권빛나리       곽다은       신효원</a:t>
             </a:r>
-            <a:r>
-              <a:rPr lang="ko-KR" sz="1700" cap="none" i="0" b="1" strike="noStrike">
-                <a:solidFill>
-                  <a:srgbClr val="F5F5F5"/>
-                </a:solidFill>
-                <a:latin typeface="나눔바른고딕" charset="0"/>
-                <a:ea typeface="나눔바른고딕" charset="0"/>
-                <a:cs typeface="Arial" charset="0"/>
-              </a:rPr>
-              <a:t>       </a:t>
-            </a:r>
-            <a:r>
-              <a:rPr lang="ko-KR" sz="1700" cap="none" i="0" b="1" strike="noStrike">
-                <a:solidFill>
-                  <a:srgbClr val="F5F5F5"/>
-                </a:solidFill>
-                <a:latin typeface="나눔바른고딕" charset="0"/>
-                <a:ea typeface="나눔바른고딕" charset="0"/>
-                <a:cs typeface="Arial" charset="0"/>
-              </a:rPr>
-              <a:t>곽다은</a:t>
-            </a:r>
-            <a:r>
-              <a:rPr lang="ko-KR" sz="1700" cap="none" i="0" b="1" strike="noStrike">
-                <a:solidFill>
-                  <a:srgbClr val="F5F5F5"/>
-                </a:solidFill>
-                <a:latin typeface="나눔바른고딕" charset="0"/>
-                <a:ea typeface="나눔바른고딕" charset="0"/>
-                <a:cs typeface="Arial" charset="0"/>
-              </a:rPr>
-              <a:t>       </a:t>
-            </a:r>
-            <a:r>
-              <a:rPr lang="ko-KR" sz="1700" cap="none" i="0" b="1" strike="noStrike">
-                <a:solidFill>
-                  <a:srgbClr val="F5F5F5"/>
-                </a:solidFill>
-                <a:latin typeface="나눔바른고딕" charset="0"/>
-                <a:ea typeface="나눔바른고딕" charset="0"/>
-                <a:cs typeface="Arial" charset="0"/>
-              </a:rPr>
-              <a:t>신효원</a:t>
-            </a:r>
-            <a:endParaRPr lang="ko-KR" altLang="en-US" sz="1700" cap="none" i="0" b="1" strike="noStrike">
+            <a:endParaRPr lang="ko-KR" altLang="en-US" sz="1700" b="1" i="0" strike="noStrike" cap="none">
               <a:solidFill>
                 <a:srgbClr val="F5F5F5"/>
               </a:solidFill>
@@ -11510,12 +11467,12 @@
           </a:ln>
         </p:spPr>
         <p:txBody>
-          <a:bodyPr wrap="square" lIns="91440" tIns="45720" rIns="91440" bIns="45720" numCol="1" vert="horz" anchor="t">
+          <a:bodyPr vert="horz" wrap="square" lIns="91440" tIns="45720" rIns="91440" bIns="45720" numCol="1" anchor="t">
             <a:spAutoFit/>
           </a:bodyPr>
           <a:lstStyle/>
           <a:p>
-            <a:pPr marL="0" indent="0" rtl="0" algn="ctr" latinLnBrk="0">
+            <a:pPr marL="0" indent="0" algn="ctr" rtl="0" latinLnBrk="0">
               <a:spcBef>
                 <a:spcPts val="0"/>
               </a:spcBef>
@@ -11526,7 +11483,7 @@
               <a:buNone/>
             </a:pPr>
             <a:r>
-              <a:rPr lang="ko-KR" sz="1700" cap="none" i="0" b="1" strike="noStrike">
+              <a:rPr lang="ko-KR" sz="1700" b="1" i="0" strike="noStrike" cap="none">
                 <a:solidFill>
                   <a:srgbClr val="F5F5F5"/>
                 </a:solidFill>
@@ -11536,7 +11493,7 @@
               </a:rPr>
               <a:t>5조 YMPM</a:t>
             </a:r>
-            <a:endParaRPr lang="ko-KR" altLang="en-US" sz="1700" cap="none" i="0" b="1" strike="noStrike">
+            <a:endParaRPr lang="ko-KR" altLang="en-US" sz="1700" b="1" i="0" strike="noStrike" cap="none">
               <a:solidFill>
                 <a:srgbClr val="F5F5F5"/>
               </a:solidFill>
@@ -11556,11 +11513,13 @@
           <p:nvPr/>
         </p:nvSpPr>
         <p:spPr>
-          <a:xfrm rot="0">
+          <a:xfrm>
             <a:off x="904875" y="9210040"/>
             <a:ext cx="1024890" cy="353695"/>
           </a:xfrm>
-          <a:prstGeom prst="rect"/>
+          <a:prstGeom prst="rect">
+            <a:avLst/>
+          </a:prstGeom>
           <a:noFill/>
           <a:ln w="0">
             <a:noFill/>
@@ -11568,12 +11527,12 @@
           </a:ln>
         </p:spPr>
         <p:txBody>
-          <a:bodyPr wrap="square" lIns="91440" tIns="45720" rIns="91440" bIns="45720" numCol="1" vert="horz" anchor="ctr">
+          <a:bodyPr vert="horz" wrap="square" lIns="91440" tIns="45720" rIns="91440" bIns="45720" numCol="1" anchor="ctr">
             <a:spAutoFit/>
           </a:bodyPr>
           <a:lstStyle/>
           <a:p>
-            <a:pPr marL="0" indent="0" rtl="0" algn="l" latinLnBrk="0">
+            <a:pPr marL="0" indent="0" algn="l" rtl="0" latinLnBrk="0">
               <a:spcBef>
                 <a:spcPts val="0"/>
               </a:spcBef>
@@ -11584,7 +11543,7 @@
               <a:buNone/>
             </a:pPr>
             <a:r>
-              <a:rPr lang="ko-KR" sz="1700" cap="none" i="0" b="1" strike="noStrike">
+              <a:rPr lang="ko-KR" sz="1700" b="1" i="0" strike="noStrike" cap="none">
                 <a:solidFill>
                   <a:srgbClr val="F5F5F5"/>
                 </a:solidFill>
@@ -11594,7 +11553,7 @@
               </a:rPr>
               <a:t>핏-백</a:t>
             </a:r>
-            <a:endParaRPr lang="ko-KR" altLang="en-US" sz="1700" cap="none" i="0" b="1" strike="noStrike">
+            <a:endParaRPr lang="ko-KR" altLang="en-US" sz="1700" b="1" i="0" strike="noStrike" cap="none">
               <a:solidFill>
                 <a:srgbClr val="F5F5F5"/>
               </a:solidFill>
@@ -11614,11 +11573,13 @@
           <p:nvPr/>
         </p:nvSpPr>
         <p:spPr>
-          <a:xfrm rot="0">
+          <a:xfrm>
             <a:off x="16288385" y="9248775"/>
             <a:ext cx="1094105" cy="307340"/>
           </a:xfrm>
-          <a:prstGeom prst="rect"/>
+          <a:prstGeom prst="rect">
+            <a:avLst/>
+          </a:prstGeom>
           <a:noFill/>
           <a:ln w="0">
             <a:noFill/>
@@ -11626,12 +11587,12 @@
           </a:ln>
         </p:spPr>
         <p:txBody>
-          <a:bodyPr wrap="square" lIns="91440" tIns="45720" rIns="91440" bIns="45720" numCol="1" vert="horz" anchor="ctr">
+          <a:bodyPr vert="horz" wrap="square" lIns="91440" tIns="45720" rIns="91440" bIns="45720" numCol="1" anchor="ctr">
             <a:spAutoFit/>
           </a:bodyPr>
           <a:lstStyle/>
           <a:p>
-            <a:pPr marL="0" indent="0" rtl="0" algn="r" latinLnBrk="0">
+            <a:pPr marL="0" indent="0" algn="r" rtl="0" latinLnBrk="0">
               <a:spcBef>
                 <a:spcPts val="0"/>
               </a:spcBef>
@@ -11695,26 +11656,11 @@
   <p:clrMapOvr>
     <a:masterClrMapping/>
   </p:clrMapOvr>
-  <mc:AlternateContent xmlns:mc="http://schemas.openxmlformats.org/markup-compatibility/2006">
-    <mc:Choice xmlns:p14="http://schemas.microsoft.com/office/powerpoint/2010/main" Requires="p14">
-      <p:transition spd="slow" p14:dur="2000"/>
-    </mc:Choice>
-    <mc:Fallback>
-      <p:transition spd="slow"/>
-    </mc:Fallback>
-  </mc:AlternateContent>
-  <p:timing>
-    <p:tnLst>
-      <p:par>
-        <p:cTn id="1" dur="indefinite" restart="never" nodeType="tmRoot"/>
-      </p:par>
-    </p:tnLst>
-  </p:timing>
 </p:sld>
 </file>
 
 <file path=ppt/slides/slide10.xml><?xml version="1.0" encoding="utf-8"?>
-<p:sld xmlns:a="http://schemas.openxmlformats.org/drawingml/2006/main" xmlns:r="http://schemas.openxmlformats.org/officeDocument/2006/relationships" xmlns:p="http://schemas.openxmlformats.org/presentationml/2006/main" xmlns:p14="http://schemas.microsoft.com/office/powerpoint/2010/main">
+<p:sld xmlns:a="http://schemas.openxmlformats.org/drawingml/2006/main" xmlns:r="http://schemas.openxmlformats.org/officeDocument/2006/relationships" xmlns:p="http://schemas.openxmlformats.org/presentationml/2006/main">
   <p:cSld>
     <p:spTree>
       <p:nvGrpSpPr>
@@ -11910,7 +11856,7 @@
           <p:nvPr/>
         </p:nvPicPr>
         <p:blipFill rotWithShape="1">
-          <a:blip r:embed="rId4" cstate="print">
+          <a:blip r:embed="rId3" cstate="print">
             <a:extLst>
               <a:ext uri="{28A0092B-C50C-407E-A947-70E740481C1C}">
                 <a14:useLocalDpi xmlns:a14="http://schemas.microsoft.com/office/drawing/2010/main" val="0"/>
@@ -11922,11 +11868,13 @@
           </a:stretch>
         </p:blipFill>
         <p:spPr>
-          <a:xfrm rot="0">
+          <a:xfrm>
             <a:off x="1918335" y="1776730"/>
             <a:ext cx="14439900" cy="7729855"/>
           </a:xfrm>
-          <a:prstGeom prst="rect"/>
+          <a:prstGeom prst="rect">
+            <a:avLst/>
+          </a:prstGeom>
           <a:noFill/>
         </p:spPr>
       </p:pic>
@@ -11935,32 +11883,18 @@
   <p:clrMapOvr>
     <a:masterClrMapping/>
   </p:clrMapOvr>
-  <mc:AlternateContent xmlns:mc="http://schemas.openxmlformats.org/markup-compatibility/2006">
-    <mc:Choice xmlns:p14="http://schemas.microsoft.com/office/powerpoint/2010/main" Requires="p14">
-      <p:transition spd="slow" p14:dur="2000"/>
-    </mc:Choice>
-    <mc:Fallback>
-      <p:transition spd="slow"/>
-    </mc:Fallback>
-  </mc:AlternateContent>
-  <p:timing>
-    <p:tnLst>
-      <p:par>
-        <p:cTn id="1" dur="indefinite" restart="never" nodeType="tmRoot"/>
-      </p:par>
-    </p:tnLst>
-  </p:timing>
 </p:sld>
 </file>
 
 <file path=ppt/slides/slide11.xml><?xml version="1.0" encoding="utf-8"?>
-<p:sld xmlns:a="http://schemas.openxmlformats.org/drawingml/2006/main" xmlns:r="http://schemas.openxmlformats.org/officeDocument/2006/relationships" xmlns:p="http://schemas.openxmlformats.org/presentationml/2006/main" xmlns:p14="http://schemas.microsoft.com/office/powerpoint/2010/main">
+<p:sld xmlns:a="http://schemas.openxmlformats.org/drawingml/2006/main" xmlns:r="http://schemas.openxmlformats.org/officeDocument/2006/relationships" xmlns:p="http://schemas.openxmlformats.org/presentationml/2006/main">
   <p:cSld>
     <p:bg>
       <p:bgPr>
         <a:solidFill>
           <a:srgbClr val="694680"/>
         </a:solidFill>
+        <a:effectLst/>
       </p:bgPr>
     </p:bg>
     <p:spTree>
@@ -11986,11 +11920,13 @@
           <p:nvPr/>
         </p:nvSpPr>
         <p:spPr>
-          <a:xfrm rot="0">
+          <a:xfrm>
             <a:off x="3529965" y="3571240"/>
             <a:ext cx="11226165" cy="3168015"/>
           </a:xfrm>
-          <a:prstGeom prst="rect"/>
+          <a:prstGeom prst="rect">
+            <a:avLst/>
+          </a:prstGeom>
           <a:noFill/>
           <a:ln w="0">
             <a:noFill/>
@@ -11998,12 +11934,12 @@
           </a:ln>
         </p:spPr>
         <p:txBody>
-          <a:bodyPr wrap="square" lIns="91440" tIns="45720" rIns="91440" bIns="45720" numCol="1" vert="horz" anchor="ctr">
+          <a:bodyPr vert="horz" wrap="square" lIns="91440" tIns="45720" rIns="91440" bIns="45720" numCol="1" anchor="ctr">
             <a:spAutoFit/>
           </a:bodyPr>
           <a:lstStyle/>
           <a:p>
-            <a:pPr marL="0" indent="0" rtl="0" algn="ctr" latinLnBrk="0">
+            <a:pPr marL="0" indent="0" algn="ctr" rtl="0" latinLnBrk="0">
               <a:spcBef>
                 <a:spcPts val="0"/>
               </a:spcBef>
@@ -12040,7 +11976,7 @@
           <p:nvPr/>
         </p:nvPicPr>
         <p:blipFill rotWithShape="1">
-          <a:blip r:embed="rId4" cstate="hqprint">
+          <a:blip r:embed="rId3" cstate="hqprint">
             <a:extLst>
               <a:ext uri="{28A0092B-C50C-407E-A947-70E740481C1C}">
                 <a14:useLocalDpi xmlns:a14="http://schemas.microsoft.com/office/drawing/2010/main"/>
@@ -12052,11 +11988,13 @@
           </a:stretch>
         </p:blipFill>
         <p:spPr>
-          <a:xfrm rot="0">
+          <a:xfrm>
             <a:off x="5982335" y="2212975"/>
             <a:ext cx="6441440" cy="5878830"/>
           </a:xfrm>
-          <a:prstGeom prst="rect"/>
+          <a:prstGeom prst="rect">
+            <a:avLst/>
+          </a:prstGeom>
           <a:noFill/>
           <a:ln w="0">
             <a:noFill/>
@@ -12069,21 +12007,6 @@
   <p:clrMapOvr>
     <a:masterClrMapping/>
   </p:clrMapOvr>
-  <mc:AlternateContent xmlns:mc="http://schemas.openxmlformats.org/markup-compatibility/2006">
-    <mc:Choice xmlns:p14="http://schemas.microsoft.com/office/powerpoint/2010/main" Requires="p14">
-      <p:transition spd="slow" p14:dur="2000"/>
-    </mc:Choice>
-    <mc:Fallback>
-      <p:transition spd="slow"/>
-    </mc:Fallback>
-  </mc:AlternateContent>
-  <p:timing>
-    <p:tnLst>
-      <p:par>
-        <p:cTn id="1" dur="indefinite" restart="never" nodeType="tmRoot"/>
-      </p:par>
-    </p:tnLst>
-  </p:timing>
 </p:sld>
 </file>
 
@@ -14067,6 +13990,7 @@
         <a:solidFill>
           <a:srgbClr val="694680"/>
         </a:solidFill>
+        <a:effectLst/>
       </p:bgPr>
     </p:bg>
     <p:spTree>
@@ -14085,35 +14009,6 @@
       </p:grpSpPr>
       <p:pic>
         <p:nvPicPr>
-          <p:cNvPr id="2" name="그림 23" descr="C:/Users/admin/AppData/Roaming/PolarisOffice/ETemp/15032_7075696/fImage1864931141.png"/>
-          <p:cNvPicPr>
-            <a:picLocks noChangeAspect="1"/>
-          </p:cNvPicPr>
-          <p:nvPr/>
-        </p:nvPicPr>
-        <p:blipFill rotWithShape="1">
-          <a:blip r:embed="rId2" cstate="print">
-            <a:extLst>
-              <a:ext uri="{28A0092B-C50C-407E-A947-70E740481C1C}">
-                <a14:useLocalDpi xmlns:a14="http://schemas.microsoft.com/office/drawing/2010/main" val="0"/>
-              </a:ext>
-            </a:extLst>
-          </a:blip>
-          <a:stretch>
-            <a:fillRect/>
-          </a:stretch>
-        </p:blipFill>
-        <p:spPr>
-          <a:xfrm rot="0">
-            <a:off x="6848475" y="3443605"/>
-            <a:ext cx="3391535" cy="3391535"/>
-          </a:xfrm>
-          <a:prstGeom prst="rect"/>
-          <a:noFill/>
-        </p:spPr>
-      </p:pic>
-      <p:pic>
-        <p:nvPicPr>
           <p:cNvPr id="3" name="그림 35" descr="C:/Users/admin/AppData/Roaming/PolarisOffice/ETemp/15032_7075696/image6.png"/>
           <p:cNvPicPr>
             <a:picLocks/>
@@ -14121,7 +14016,7 @@
           <p:nvPr/>
         </p:nvPicPr>
         <p:blipFill rotWithShape="1">
-          <a:blip r:embed="rId3" cstate="hqprint">
+          <a:blip r:embed="rId2" cstate="hqprint">
             <a:extLst>
               <a:ext uri="{28A0092B-C50C-407E-A947-70E740481C1C}">
                 <a14:useLocalDpi xmlns:a14="http://schemas.microsoft.com/office/drawing/2010/main"/>
@@ -14133,11 +14028,13 @@
           </a:stretch>
         </p:blipFill>
         <p:spPr>
-          <a:xfrm rot="0">
+          <a:xfrm>
             <a:off x="341630" y="5101590"/>
             <a:ext cx="17645380" cy="46990"/>
           </a:xfrm>
-          <a:prstGeom prst="rect"/>
+          <a:prstGeom prst="rect">
+            <a:avLst/>
+          </a:prstGeom>
           <a:noFill/>
           <a:ln w="0">
             <a:noFill/>
@@ -14154,7 +14051,7 @@
           <p:nvPr/>
         </p:nvPicPr>
         <p:blipFill rotWithShape="1">
-          <a:blip r:embed="rId3" cstate="hqprint">
+          <a:blip r:embed="rId2" cstate="hqprint">
             <a:extLst>
               <a:ext uri="{28A0092B-C50C-407E-A947-70E740481C1C}">
                 <a14:useLocalDpi xmlns:a14="http://schemas.microsoft.com/office/drawing/2010/main"/>
@@ -14170,7 +14067,9 @@
             <a:off x="3632200" y="5086985"/>
             <a:ext cx="9815830" cy="46990"/>
           </a:xfrm>
-          <a:prstGeom prst="rect"/>
+          <a:prstGeom prst="rect">
+            <a:avLst/>
+          </a:prstGeom>
           <a:noFill/>
           <a:ln w="0">
             <a:noFill/>
@@ -14187,11 +14086,13 @@
           <p:nvPr/>
         </p:nvSpPr>
         <p:spPr>
-          <a:xfrm rot="0">
+          <a:xfrm>
             <a:off x="489585" y="530860"/>
             <a:ext cx="8051800" cy="3643630"/>
           </a:xfrm>
-          <a:prstGeom prst="rect"/>
+          <a:prstGeom prst="rect">
+            <a:avLst/>
+          </a:prstGeom>
           <a:noFill/>
           <a:ln w="0">
             <a:noFill/>
@@ -14199,12 +14100,12 @@
           </a:ln>
         </p:spPr>
         <p:txBody>
-          <a:bodyPr wrap="square" lIns="91440" tIns="45720" rIns="91440" bIns="45720" numCol="1" vert="horz" anchor="t">
+          <a:bodyPr vert="horz" wrap="square" lIns="91440" tIns="45720" rIns="91440" bIns="45720" numCol="1" anchor="t">
             <a:spAutoFit/>
           </a:bodyPr>
           <a:lstStyle/>
           <a:p>
-            <a:pPr marL="254000" indent="-254000" rtl="0" algn="l" latinLnBrk="0">
+            <a:pPr marL="254000" indent="-254000" algn="l" rtl="0" latinLnBrk="0">
               <a:spcBef>
                 <a:spcPts val="0"/>
               </a:spcBef>
@@ -14235,7 +14136,7 @@
             </a:endParaRPr>
           </a:p>
           <a:p>
-            <a:pPr marL="254000" indent="-254000" rtl="0" algn="l" latinLnBrk="0">
+            <a:pPr marL="254000" indent="-254000" algn="l" rtl="0" latinLnBrk="0">
               <a:spcBef>
                 <a:spcPts val="0"/>
               </a:spcBef>
@@ -14264,7 +14165,7 @@
             </a:endParaRPr>
           </a:p>
           <a:p>
-            <a:pPr marL="254000" indent="-254000" rtl="0" algn="l" latinLnBrk="0">
+            <a:pPr marL="254000" indent="-254000" algn="l" rtl="0" latinLnBrk="0">
               <a:spcBef>
                 <a:spcPts val="0"/>
               </a:spcBef>
@@ -14293,7 +14194,7 @@
             </a:endParaRPr>
           </a:p>
           <a:p>
-            <a:pPr marL="254000" indent="-254000" rtl="0" algn="l" latinLnBrk="0">
+            <a:pPr marL="254000" indent="-254000" algn="l" rtl="0" latinLnBrk="0">
               <a:spcBef>
                 <a:spcPts val="0"/>
               </a:spcBef>
@@ -14332,11 +14233,13 @@
           <p:nvPr/>
         </p:nvSpPr>
         <p:spPr>
-          <a:xfrm rot="0">
+          <a:xfrm>
             <a:off x="9142730" y="634365"/>
             <a:ext cx="8051800" cy="1614170"/>
           </a:xfrm>
-          <a:prstGeom prst="rect"/>
+          <a:prstGeom prst="rect">
+            <a:avLst/>
+          </a:prstGeom>
           <a:noFill/>
           <a:ln w="0">
             <a:noFill/>
@@ -14344,12 +14247,12 @@
           </a:ln>
         </p:spPr>
         <p:txBody>
-          <a:bodyPr wrap="square" lIns="91440" tIns="45720" rIns="91440" bIns="45720" numCol="1" vert="horz" anchor="t">
+          <a:bodyPr vert="horz" wrap="square" lIns="91440" tIns="45720" rIns="91440" bIns="45720" numCol="1" anchor="t">
             <a:spAutoFit/>
           </a:bodyPr>
           <a:lstStyle/>
           <a:p>
-            <a:pPr marL="254000" indent="-254000" rtl="0" algn="l" latinLnBrk="0">
+            <a:pPr marL="254000" indent="-254000" algn="l" rtl="0" latinLnBrk="0">
               <a:spcBef>
                 <a:spcPts val="0"/>
               </a:spcBef>
@@ -14380,7 +14283,7 @@
             </a:endParaRPr>
           </a:p>
           <a:p>
-            <a:pPr marL="254000" indent="-254000" rtl="0" algn="l" latinLnBrk="0">
+            <a:pPr marL="254000" indent="-254000" algn="l" rtl="0" latinLnBrk="0">
               <a:spcBef>
                 <a:spcPts val="0"/>
               </a:spcBef>
@@ -14421,11 +14324,13 @@
           <p:nvPr/>
         </p:nvSpPr>
         <p:spPr>
-          <a:xfrm rot="0">
+          <a:xfrm>
             <a:off x="506730" y="5365115"/>
             <a:ext cx="6859905" cy="4658360"/>
           </a:xfrm>
-          <a:prstGeom prst="rect"/>
+          <a:prstGeom prst="rect">
+            <a:avLst/>
+          </a:prstGeom>
           <a:noFill/>
           <a:ln w="0">
             <a:noFill/>
@@ -14433,12 +14338,12 @@
           </a:ln>
         </p:spPr>
         <p:txBody>
-          <a:bodyPr wrap="square" lIns="91440" tIns="45720" rIns="91440" bIns="45720" numCol="1" vert="horz" anchor="t">
+          <a:bodyPr vert="horz" wrap="square" lIns="91440" tIns="45720" rIns="91440" bIns="45720" numCol="1" anchor="t">
             <a:spAutoFit/>
           </a:bodyPr>
           <a:lstStyle/>
           <a:p>
-            <a:pPr marL="254000" indent="-254000" rtl="0" algn="l" latinLnBrk="0">
+            <a:pPr marL="254000" indent="-254000" algn="l" rtl="0" latinLnBrk="0">
               <a:spcBef>
                 <a:spcPts val="0"/>
               </a:spcBef>
@@ -14469,7 +14374,7 @@
             </a:endParaRPr>
           </a:p>
           <a:p>
-            <a:pPr marL="254000" indent="-254000" rtl="0" algn="l" latinLnBrk="0">
+            <a:pPr marL="254000" indent="-254000" algn="l" rtl="0" latinLnBrk="0">
               <a:spcBef>
                 <a:spcPts val="0"/>
               </a:spcBef>
@@ -14500,7 +14405,7 @@
             </a:endParaRPr>
           </a:p>
           <a:p>
-            <a:pPr marL="254000" indent="-254000" rtl="0" algn="l" latinLnBrk="0">
+            <a:pPr marL="254000" indent="-254000" algn="l" rtl="0" latinLnBrk="0">
               <a:spcBef>
                 <a:spcPts val="0"/>
               </a:spcBef>
@@ -14531,7 +14436,7 @@
             </a:endParaRPr>
           </a:p>
           <a:p>
-            <a:pPr marL="254000" indent="-254000" rtl="0" algn="l" latinLnBrk="0">
+            <a:pPr marL="254000" indent="-254000" algn="l" rtl="0" latinLnBrk="0">
               <a:spcBef>
                 <a:spcPts val="0"/>
               </a:spcBef>
@@ -14561,11 +14466,13 @@
           <p:nvPr/>
         </p:nvSpPr>
         <p:spPr>
-          <a:xfrm rot="0">
+          <a:xfrm>
             <a:off x="9143365" y="7009130"/>
             <a:ext cx="8051800" cy="2121535"/>
           </a:xfrm>
-          <a:prstGeom prst="rect"/>
+          <a:prstGeom prst="rect">
+            <a:avLst/>
+          </a:prstGeom>
           <a:noFill/>
           <a:ln w="0">
             <a:noFill/>
@@ -14573,12 +14480,12 @@
           </a:ln>
         </p:spPr>
         <p:txBody>
-          <a:bodyPr wrap="square" lIns="91440" tIns="45720" rIns="91440" bIns="45720" numCol="1" vert="horz" anchor="t">
+          <a:bodyPr vert="horz" wrap="square" lIns="91440" tIns="45720" rIns="91440" bIns="45720" numCol="1" anchor="t">
             <a:spAutoFit/>
           </a:bodyPr>
           <a:lstStyle/>
           <a:p>
-            <a:pPr marL="254000" indent="-254000" rtl="0" algn="l" latinLnBrk="0">
+            <a:pPr marL="254000" indent="-254000" algn="l" rtl="0" latinLnBrk="0">
               <a:spcBef>
                 <a:spcPts val="0"/>
               </a:spcBef>
@@ -14609,7 +14516,7 @@
             </a:endParaRPr>
           </a:p>
           <a:p>
-            <a:pPr marL="254000" indent="-254000" rtl="0" algn="l" latinLnBrk="0">
+            <a:pPr marL="254000" indent="-254000" algn="l" rtl="0" latinLnBrk="0">
               <a:spcBef>
                 <a:spcPts val="0"/>
               </a:spcBef>
@@ -14650,11 +14557,13 @@
           <p:nvPr/>
         </p:nvSpPr>
         <p:spPr>
-          <a:xfrm rot="0">
+          <a:xfrm>
             <a:off x="349250" y="238125"/>
             <a:ext cx="17623155" cy="9763125"/>
           </a:xfrm>
-          <a:prstGeom prst="rect"/>
+          <a:prstGeom prst="rect">
+            <a:avLst/>
+          </a:prstGeom>
           <a:noFill/>
           <a:ln w="57150" cap="flat" cmpd="sng">
             <a:solidFill>
@@ -14683,7 +14592,7 @@
           </a:fontRef>
         </p:style>
         <p:txBody>
-          <a:bodyPr wrap="square" lIns="91440" tIns="45720" rIns="91440" bIns="45720" numCol="1" vert="horz" anchor="ctr">
+          <a:bodyPr vert="horz" wrap="square" lIns="91440" tIns="45720" rIns="91440" bIns="45720" numCol="1" anchor="ctr">
             <a:noAutofit/>
           </a:bodyPr>
           <a:lstStyle/>
@@ -14696,19 +14605,54 @@
           </a:p>
         </p:txBody>
       </p:sp>
+      <p:pic>
+        <p:nvPicPr>
+          <p:cNvPr id="11" name="그림 10">
+            <a:extLst>
+              <a:ext uri="{FF2B5EF4-FFF2-40B4-BE49-F238E27FC236}">
+                <a16:creationId xmlns:a16="http://schemas.microsoft.com/office/drawing/2014/main" id="{A88D1E75-3851-464C-A333-963B66F5A884}"/>
+              </a:ext>
+            </a:extLst>
+          </p:cNvPr>
+          <p:cNvPicPr>
+            <a:picLocks noChangeAspect="1"/>
+          </p:cNvPicPr>
+          <p:nvPr/>
+        </p:nvPicPr>
+        <p:blipFill>
+          <a:blip r:embed="rId3">
+            <a:lum bright="70000" contrast="-70000"/>
+            <a:extLst>
+              <a:ext uri="{BEBA8EAE-BF5A-486C-A8C5-ECC9F3942E4B}">
+                <a14:imgProps xmlns:a14="http://schemas.microsoft.com/office/drawing/2010/main">
+                  <a14:imgLayer r:embed="rId4">
+                    <a14:imgEffect>
+                      <a14:artisticPhotocopy/>
+                    </a14:imgEffect>
+                  </a14:imgLayer>
+                </a14:imgProps>
+              </a:ext>
+            </a:extLst>
+          </a:blip>
+          <a:stretch>
+            <a:fillRect/>
+          </a:stretch>
+        </p:blipFill>
+        <p:spPr>
+          <a:xfrm>
+            <a:off x="7192642" y="3773282"/>
+            <a:ext cx="2712726" cy="2712726"/>
+          </a:xfrm>
+          <a:prstGeom prst="rect">
+            <a:avLst/>
+          </a:prstGeom>
+        </p:spPr>
+      </p:pic>
     </p:spTree>
   </p:cSld>
   <p:clrMapOvr>
     <a:masterClrMapping/>
   </p:clrMapOvr>
-  <mc:AlternateContent xmlns:mc="http://schemas.openxmlformats.org/markup-compatibility/2006">
-    <mc:Choice xmlns:p14="http://schemas.microsoft.com/office/powerpoint/2010/main" Requires="p14">
-      <p:transition spd="slow" p14:dur="2000"/>
-    </mc:Choice>
-    <mc:Fallback>
-      <p:transition spd="slow"/>
-    </mc:Fallback>
-  </mc:AlternateContent>
 </p:sld>
 </file>
 
@@ -16047,13 +15991,14 @@
 </file>
 
 <file path=ppt/slides/slide7.xml><?xml version="1.0" encoding="utf-8"?>
-<p:sld xmlns:a="http://schemas.openxmlformats.org/drawingml/2006/main" xmlns:r="http://schemas.openxmlformats.org/officeDocument/2006/relationships" xmlns:p="http://schemas.openxmlformats.org/presentationml/2006/main" xmlns:p14="http://schemas.microsoft.com/office/powerpoint/2010/main">
+<p:sld xmlns:a="http://schemas.openxmlformats.org/drawingml/2006/main" xmlns:r="http://schemas.openxmlformats.org/officeDocument/2006/relationships" xmlns:p="http://schemas.openxmlformats.org/presentationml/2006/main">
   <p:cSld>
     <p:bg>
       <p:bgPr>
         <a:solidFill>
           <a:srgbClr val="694680"/>
         </a:solidFill>
+        <a:effectLst/>
       </p:bgPr>
     </p:bg>
     <p:spTree>
@@ -16199,11 +16144,13 @@
           <p:nvPr/>
         </p:nvSpPr>
         <p:spPr>
-          <a:xfrm rot="0">
+          <a:xfrm>
             <a:off x="2306955" y="1753235"/>
             <a:ext cx="5275580" cy="861695"/>
           </a:xfrm>
-          <a:prstGeom prst="rect"/>
+          <a:prstGeom prst="rect">
+            <a:avLst/>
+          </a:prstGeom>
           <a:noFill/>
           <a:ln w="0">
             <a:noFill/>
@@ -16211,12 +16158,12 @@
           </a:ln>
         </p:spPr>
         <p:txBody>
-          <a:bodyPr wrap="square" lIns="91440" tIns="45720" rIns="91440" bIns="45720" numCol="1" vert="horz" anchor="t">
+          <a:bodyPr vert="horz" wrap="square" lIns="91440" tIns="45720" rIns="91440" bIns="45720" numCol="1" anchor="t">
             <a:spAutoFit/>
           </a:bodyPr>
           <a:lstStyle/>
           <a:p>
-            <a:pPr marL="0" indent="0" rtl="0" algn="ctr" latinLnBrk="0">
+            <a:pPr marL="0" indent="0" algn="ctr" rtl="0" latinLnBrk="0">
               <a:spcBef>
                 <a:spcPts val="0"/>
               </a:spcBef>
@@ -16257,11 +16204,13 @@
           <p:nvPr/>
         </p:nvSpPr>
         <p:spPr>
-          <a:xfrm rot="0">
+          <a:xfrm>
             <a:off x="2437130" y="4847590"/>
             <a:ext cx="6349365" cy="584835"/>
           </a:xfrm>
-          <a:prstGeom prst="rect"/>
+          <a:prstGeom prst="rect">
+            <a:avLst/>
+          </a:prstGeom>
           <a:noFill/>
           <a:ln w="0">
             <a:noFill/>
@@ -16269,12 +16218,12 @@
           </a:ln>
         </p:spPr>
         <p:txBody>
-          <a:bodyPr wrap="square" lIns="91440" tIns="45720" rIns="91440" bIns="45720" numCol="1" vert="horz" anchor="t">
+          <a:bodyPr vert="horz" wrap="square" lIns="91440" tIns="45720" rIns="91440" bIns="45720" numCol="1" anchor="t">
             <a:spAutoFit/>
           </a:bodyPr>
           <a:lstStyle/>
           <a:p>
-            <a:pPr marL="254000" indent="-254000" rtl="0" algn="l" latinLnBrk="0">
+            <a:pPr marL="254000" indent="-254000" algn="l" rtl="0" latinLnBrk="0">
               <a:spcBef>
                 <a:spcPts val="0"/>
               </a:spcBef>
@@ -16315,11 +16264,13 @@
           <p:nvPr/>
         </p:nvSpPr>
         <p:spPr>
-          <a:xfrm rot="0">
+          <a:xfrm>
             <a:off x="2426970" y="2967990"/>
             <a:ext cx="6445250" cy="1076960"/>
           </a:xfrm>
-          <a:prstGeom prst="rect"/>
+          <a:prstGeom prst="rect">
+            <a:avLst/>
+          </a:prstGeom>
           <a:noFill/>
           <a:ln w="0">
             <a:noFill/>
@@ -16327,12 +16278,12 @@
           </a:ln>
         </p:spPr>
         <p:txBody>
-          <a:bodyPr wrap="square" lIns="91440" tIns="45720" rIns="91440" bIns="45720" numCol="1" vert="horz" anchor="t">
+          <a:bodyPr vert="horz" wrap="square" lIns="91440" tIns="45720" rIns="91440" bIns="45720" numCol="1" anchor="t">
             <a:spAutoFit/>
           </a:bodyPr>
           <a:lstStyle/>
           <a:p>
-            <a:pPr marL="254000" indent="-254000" rtl="0" algn="l" latinLnBrk="0">
+            <a:pPr marL="254000" indent="-254000" algn="l" rtl="0" latinLnBrk="0">
               <a:spcBef>
                 <a:spcPts val="0"/>
               </a:spcBef>
@@ -16862,11 +16813,13 @@
           </a:stretch>
         </p:blipFill>
         <p:spPr>
-          <a:xfrm rot="0">
+          <a:xfrm>
             <a:off x="2475865" y="2680970"/>
             <a:ext cx="5030470" cy="47625"/>
           </a:xfrm>
-          <a:prstGeom prst="rect"/>
+          <a:prstGeom prst="rect">
+            <a:avLst/>
+          </a:prstGeom>
           <a:noFill/>
           <a:ln w="0">
             <a:noFill/>
@@ -16905,11 +16858,13 @@
           </a:stretch>
         </p:blipFill>
         <p:spPr>
-          <a:xfrm rot="0">
+          <a:xfrm>
             <a:off x="2105660" y="1569720"/>
             <a:ext cx="6676390" cy="4339590"/>
           </a:xfrm>
-          <a:prstGeom prst="rect"/>
+          <a:prstGeom prst="rect">
+            <a:avLst/>
+          </a:prstGeom>
           <a:noFill/>
           <a:ln w="19050" cap="flat" cmpd="sng">
             <a:prstDash val="solid"/>
@@ -16926,11 +16881,13 @@
           <p:nvPr/>
         </p:nvSpPr>
         <p:spPr>
-          <a:xfrm rot="0">
+          <a:xfrm>
             <a:off x="349250" y="238125"/>
             <a:ext cx="17623155" cy="9763125"/>
           </a:xfrm>
-          <a:prstGeom prst="rect"/>
+          <a:prstGeom prst="rect">
+            <a:avLst/>
+          </a:prstGeom>
           <a:noFill/>
           <a:ln w="57150" cap="flat" cmpd="sng">
             <a:solidFill>
@@ -16959,7 +16916,7 @@
           </a:fontRef>
         </p:style>
         <p:txBody>
-          <a:bodyPr wrap="square" lIns="91440" tIns="45720" rIns="91440" bIns="45720" numCol="1" vert="horz" anchor="ctr">
+          <a:bodyPr vert="horz" wrap="square" lIns="91440" tIns="45720" rIns="91440" bIns="45720" numCol="1" anchor="ctr">
             <a:noAutofit/>
           </a:bodyPr>
           <a:lstStyle/>
@@ -16977,32 +16934,18 @@
   <p:clrMapOvr>
     <a:masterClrMapping/>
   </p:clrMapOvr>
-  <mc:AlternateContent xmlns:mc="http://schemas.openxmlformats.org/markup-compatibility/2006">
-    <mc:Choice xmlns:p14="http://schemas.microsoft.com/office/powerpoint/2010/main" Requires="p14">
-      <p:transition spd="slow" p14:dur="2000"/>
-    </mc:Choice>
-    <mc:Fallback>
-      <p:transition spd="slow"/>
-    </mc:Fallback>
-  </mc:AlternateContent>
-  <p:timing>
-    <p:tnLst>
-      <p:par>
-        <p:cTn id="1" dur="indefinite" restart="never" nodeType="tmRoot"/>
-      </p:par>
-    </p:tnLst>
-  </p:timing>
 </p:sld>
 </file>
 
 <file path=ppt/slides/slide8.xml><?xml version="1.0" encoding="utf-8"?>
-<p:sld xmlns:a="http://schemas.openxmlformats.org/drawingml/2006/main" xmlns:r="http://schemas.openxmlformats.org/officeDocument/2006/relationships" xmlns:p="http://schemas.openxmlformats.org/presentationml/2006/main" xmlns:p14="http://schemas.microsoft.com/office/powerpoint/2010/main">
+<p:sld xmlns:a="http://schemas.openxmlformats.org/drawingml/2006/main" xmlns:r="http://schemas.openxmlformats.org/officeDocument/2006/relationships" xmlns:p="http://schemas.openxmlformats.org/presentationml/2006/main">
   <p:cSld>
     <p:bg>
       <p:bgPr>
         <a:solidFill>
           <a:srgbClr val="694680"/>
         </a:solidFill>
+        <a:effectLst/>
       </p:bgPr>
     </p:bg>
     <p:spTree>
@@ -17145,11 +17088,13 @@
           <p:nvPr/>
         </p:nvSpPr>
         <p:spPr>
-          <a:xfrm rot="0">
+          <a:xfrm>
             <a:off x="2327275" y="1871980"/>
             <a:ext cx="5276215" cy="861695"/>
           </a:xfrm>
-          <a:prstGeom prst="rect"/>
+          <a:prstGeom prst="rect">
+            <a:avLst/>
+          </a:prstGeom>
           <a:noFill/>
           <a:ln w="0">
             <a:noFill/>
@@ -17157,12 +17102,12 @@
           </a:ln>
         </p:spPr>
         <p:txBody>
-          <a:bodyPr wrap="square" lIns="91440" tIns="45720" rIns="91440" bIns="45720" numCol="1" vert="horz" anchor="t">
+          <a:bodyPr vert="horz" wrap="square" lIns="91440" tIns="45720" rIns="91440" bIns="45720" numCol="1" anchor="t">
             <a:spAutoFit/>
           </a:bodyPr>
           <a:lstStyle/>
           <a:p>
-            <a:pPr marL="0" indent="0" rtl="0" algn="ctr" latinLnBrk="0">
+            <a:pPr marL="0" indent="0" algn="ctr" rtl="0" latinLnBrk="0">
               <a:spcBef>
                 <a:spcPts val="0"/>
               </a:spcBef>
@@ -17203,11 +17148,13 @@
           <p:nvPr/>
         </p:nvSpPr>
         <p:spPr>
-          <a:xfrm rot="0">
+          <a:xfrm>
             <a:off x="2506980" y="2971800"/>
             <a:ext cx="6261100" cy="1569085"/>
           </a:xfrm>
-          <a:prstGeom prst="rect"/>
+          <a:prstGeom prst="rect">
+            <a:avLst/>
+          </a:prstGeom>
           <a:noFill/>
           <a:ln w="0">
             <a:noFill/>
@@ -17215,12 +17162,12 @@
           </a:ln>
         </p:spPr>
         <p:txBody>
-          <a:bodyPr wrap="square" lIns="91440" tIns="45720" rIns="91440" bIns="45720" numCol="1" vert="horz" anchor="t">
+          <a:bodyPr vert="horz" wrap="square" lIns="91440" tIns="45720" rIns="91440" bIns="45720" numCol="1" anchor="t">
             <a:spAutoFit/>
           </a:bodyPr>
           <a:lstStyle/>
           <a:p>
-            <a:pPr marL="254000" indent="-254000" rtl="0" algn="l" latinLnBrk="0">
+            <a:pPr marL="254000" indent="-254000" algn="l" rtl="0" latinLnBrk="0">
               <a:spcBef>
                 <a:spcPts val="0"/>
               </a:spcBef>
@@ -17301,11 +17248,13 @@
           <p:nvPr/>
         </p:nvSpPr>
         <p:spPr>
-          <a:xfrm rot="0">
+          <a:xfrm>
             <a:off x="2244090" y="6489700"/>
             <a:ext cx="6240780" cy="1569085"/>
           </a:xfrm>
-          <a:prstGeom prst="rect"/>
+          <a:prstGeom prst="rect">
+            <a:avLst/>
+          </a:prstGeom>
           <a:noFill/>
           <a:ln w="0">
             <a:noFill/>
@@ -17313,12 +17262,12 @@
           </a:ln>
         </p:spPr>
         <p:txBody>
-          <a:bodyPr wrap="square" lIns="91440" tIns="45720" rIns="91440" bIns="45720" numCol="1" vert="horz" anchor="t">
+          <a:bodyPr vert="horz" wrap="square" lIns="91440" tIns="45720" rIns="91440" bIns="45720" numCol="1" anchor="t">
             <a:spAutoFit/>
           </a:bodyPr>
           <a:lstStyle/>
           <a:p>
-            <a:pPr marL="349250" indent="-254000" rtl="0" algn="l" latinLnBrk="0">
+            <a:pPr marL="349250" indent="-254000" algn="l" rtl="0" latinLnBrk="0">
               <a:spcBef>
                 <a:spcPts val="0"/>
               </a:spcBef>
@@ -17359,7 +17308,7 @@
           <p:nvPr/>
         </p:nvPicPr>
         <p:blipFill rotWithShape="1">
-          <a:blip r:embed="rId5" cstate="hqprint">
+          <a:blip r:embed="rId4" cstate="hqprint">
             <a:extLst>
               <a:ext uri="{28A0092B-C50C-407E-A947-70E740481C1C}">
                 <a14:useLocalDpi xmlns:a14="http://schemas.microsoft.com/office/drawing/2010/main"/>
@@ -17399,11 +17348,13 @@
           <p:nvPr/>
         </p:nvSpPr>
         <p:spPr>
-          <a:xfrm rot="0">
+          <a:xfrm>
             <a:off x="2466340" y="5271135"/>
             <a:ext cx="5276215" cy="861695"/>
           </a:xfrm>
-          <a:prstGeom prst="rect"/>
+          <a:prstGeom prst="rect">
+            <a:avLst/>
+          </a:prstGeom>
           <a:noFill/>
           <a:ln w="0">
             <a:noFill/>
@@ -17411,12 +17362,12 @@
           </a:ln>
         </p:spPr>
         <p:txBody>
-          <a:bodyPr wrap="square" lIns="91440" tIns="45720" rIns="91440" bIns="45720" numCol="1" vert="horz" anchor="t">
+          <a:bodyPr vert="horz" wrap="square" lIns="91440" tIns="45720" rIns="91440" bIns="45720" numCol="1" anchor="t">
             <a:spAutoFit/>
           </a:bodyPr>
           <a:lstStyle/>
           <a:p>
-            <a:pPr marL="0" indent="0" rtl="0" algn="ctr" latinLnBrk="0">
+            <a:pPr marL="0" indent="0" algn="ctr" rtl="0" latinLnBrk="0">
               <a:spcBef>
                 <a:spcPts val="0"/>
               </a:spcBef>
@@ -17457,7 +17408,7 @@
           <p:nvPr/>
         </p:nvPicPr>
         <p:blipFill rotWithShape="1">
-          <a:blip r:embed="rId6" cstate="hqprint">
+          <a:blip r:embed="rId5" cstate="hqprint">
             <a:extLst>
               <a:ext uri="{28A0092B-C50C-407E-A947-70E740481C1C}">
                 <a14:useLocalDpi xmlns:a14="http://schemas.microsoft.com/office/drawing/2010/main"/>
@@ -17469,11 +17420,13 @@
           </a:stretch>
         </p:blipFill>
         <p:spPr>
-          <a:xfrm rot="0">
+          <a:xfrm>
             <a:off x="2124710" y="6215380"/>
             <a:ext cx="6477635" cy="48260"/>
           </a:xfrm>
-          <a:prstGeom prst="rect"/>
+          <a:prstGeom prst="rect">
+            <a:avLst/>
+          </a:prstGeom>
           <a:noFill/>
           <a:ln w="0">
             <a:noFill/>
@@ -17490,7 +17443,7 @@
           <p:nvPr/>
         </p:nvPicPr>
         <p:blipFill rotWithShape="1">
-          <a:blip r:embed="rId7" cstate="hqprint">
+          <a:blip r:embed="rId6" cstate="hqprint">
             <a:extLst>
               <a:ext uri="{28A0092B-C50C-407E-A947-70E740481C1C}">
                 <a14:useLocalDpi xmlns:a14="http://schemas.microsoft.com/office/drawing/2010/main"/>
@@ -17525,7 +17478,7 @@
           <p:nvPr/>
         </p:nvPicPr>
         <p:blipFill rotWithShape="1">
-          <a:blip r:embed="rId7" cstate="hqprint">
+          <a:blip r:embed="rId6" cstate="hqprint">
             <a:extLst>
               <a:ext uri="{28A0092B-C50C-407E-A947-70E740481C1C}">
                 <a14:useLocalDpi xmlns:a14="http://schemas.microsoft.com/office/drawing/2010/main"/>
@@ -17537,11 +17490,13 @@
           </a:stretch>
         </p:blipFill>
         <p:spPr>
-          <a:xfrm rot="0">
+          <a:xfrm>
             <a:off x="2588260" y="6236970"/>
             <a:ext cx="5030470" cy="47625"/>
           </a:xfrm>
-          <a:prstGeom prst="rect"/>
+          <a:prstGeom prst="rect">
+            <a:avLst/>
+          </a:prstGeom>
           <a:noFill/>
           <a:ln w="0">
             <a:noFill/>
@@ -17558,7 +17513,7 @@
           <p:nvPr/>
         </p:nvPicPr>
         <p:blipFill rotWithShape="1">
-          <a:blip r:embed="rId7" cstate="hqprint">
+          <a:blip r:embed="rId6" cstate="hqprint">
             <a:extLst>
               <a:ext uri="{28A0092B-C50C-407E-A947-70E740481C1C}">
                 <a14:useLocalDpi xmlns:a14="http://schemas.microsoft.com/office/drawing/2010/main"/>
@@ -17570,11 +17525,13 @@
           </a:stretch>
         </p:blipFill>
         <p:spPr>
-          <a:xfrm rot="0">
+          <a:xfrm>
             <a:off x="2570480" y="2883535"/>
             <a:ext cx="5030470" cy="47625"/>
           </a:xfrm>
-          <a:prstGeom prst="rect"/>
+          <a:prstGeom prst="rect">
+            <a:avLst/>
+          </a:prstGeom>
           <a:noFill/>
           <a:ln w="0">
             <a:noFill/>
@@ -17591,7 +17548,7 @@
           <p:nvPr/>
         </p:nvPicPr>
         <p:blipFill rotWithShape="1">
-          <a:blip r:embed="rId8" cstate="hqprint">
+          <a:blip r:embed="rId7" cstate="hqprint">
             <a:clrChange>
               <a:clrFrom>
                 <a:srgbClr val="68457F"/>
@@ -17613,11 +17570,13 @@
           </a:stretch>
         </p:blipFill>
         <p:spPr>
-          <a:xfrm rot="0">
+          <a:xfrm>
             <a:off x="2081530" y="1590040"/>
             <a:ext cx="6676390" cy="3295650"/>
           </a:xfrm>
-          <a:prstGeom prst="rect"/>
+          <a:prstGeom prst="rect">
+            <a:avLst/>
+          </a:prstGeom>
           <a:noFill/>
           <a:ln w="19050" cap="flat" cmpd="sng">
             <a:prstDash val="solid"/>
@@ -17634,7 +17593,7 @@
           <p:nvPr/>
         </p:nvPicPr>
         <p:blipFill rotWithShape="1">
-          <a:blip r:embed="rId8" cstate="hqprint">
+          <a:blip r:embed="rId7" cstate="hqprint">
             <a:clrChange>
               <a:clrFrom>
                 <a:srgbClr val="68457F"/>
@@ -17656,11 +17615,13 @@
           </a:stretch>
         </p:blipFill>
         <p:spPr>
-          <a:xfrm rot="0">
+          <a:xfrm>
             <a:off x="2081530" y="5019040"/>
             <a:ext cx="6676390" cy="3601720"/>
           </a:xfrm>
-          <a:prstGeom prst="rect"/>
+          <a:prstGeom prst="rect">
+            <a:avLst/>
+          </a:prstGeom>
           <a:noFill/>
           <a:ln w="19050" cap="flat" cmpd="sng">
             <a:prstDash val="solid"/>
@@ -17691,7 +17652,7 @@
             <p:nvPr/>
           </p:nvPicPr>
           <p:blipFill rotWithShape="1">
-            <a:blip r:embed="rId4" cstate="print">
+            <a:blip r:embed="rId8" cstate="print">
               <a:extLst>
                 <a:ext uri="{28A0092B-C50C-407E-A947-70E740481C1C}">
                   <a14:useLocalDpi xmlns:a14="http://schemas.microsoft.com/office/drawing/2010/main" val="0"/>
@@ -17801,7 +17762,7 @@
             <p:nvPr/>
           </p:nvPicPr>
           <p:blipFill rotWithShape="1">
-            <a:blip r:embed="rId4" cstate="print">
+            <a:blip r:embed="rId8" cstate="print">
               <a:extLst>
                 <a:ext uri="{28A0092B-C50C-407E-A947-70E740481C1C}">
                   <a14:useLocalDpi xmlns:a14="http://schemas.microsoft.com/office/drawing/2010/main" val="0"/>
@@ -17928,11 +17889,13 @@
           <p:nvPr/>
         </p:nvSpPr>
         <p:spPr>
-          <a:xfrm rot="0">
+          <a:xfrm>
             <a:off x="349250" y="238125"/>
             <a:ext cx="17623155" cy="9763125"/>
           </a:xfrm>
-          <a:prstGeom prst="rect"/>
+          <a:prstGeom prst="rect">
+            <a:avLst/>
+          </a:prstGeom>
           <a:noFill/>
           <a:ln w="57150" cap="flat" cmpd="sng">
             <a:solidFill>
@@ -17961,7 +17924,7 @@
           </a:fontRef>
         </p:style>
         <p:txBody>
-          <a:bodyPr wrap="square" lIns="91440" tIns="45720" rIns="91440" bIns="45720" numCol="1" vert="horz" anchor="ctr">
+          <a:bodyPr vert="horz" wrap="square" lIns="91440" tIns="45720" rIns="91440" bIns="45720" numCol="1" anchor="ctr">
             <a:noAutofit/>
           </a:bodyPr>
           <a:lstStyle/>
@@ -17979,21 +17942,6 @@
   <p:clrMapOvr>
     <a:masterClrMapping/>
   </p:clrMapOvr>
-  <mc:AlternateContent xmlns:mc="http://schemas.openxmlformats.org/markup-compatibility/2006">
-    <mc:Choice xmlns:p14="http://schemas.microsoft.com/office/powerpoint/2010/main" Requires="p14">
-      <p:transition spd="slow" p14:dur="2000"/>
-    </mc:Choice>
-    <mc:Fallback>
-      <p:transition spd="slow"/>
-    </mc:Fallback>
-  </mc:AlternateContent>
-  <p:timing>
-    <p:tnLst>
-      <p:par>
-        <p:cTn id="1" dur="indefinite" restart="never" nodeType="tmRoot"/>
-      </p:par>
-    </p:tnLst>
-  </p:timing>
 </p:sld>
 </file>
 

--- a/기획서/5조 Fit-back.pptx
+++ b/기획서/5조 Fit-back.pptx
@@ -1,24 +1,24 @@
 
 <file path=ppt/presentation.xml><?xml version="1.0" encoding="utf-8"?>
-<p:presentation xmlns:a="http://schemas.openxmlformats.org/drawingml/2006/main" xmlns:r="http://schemas.openxmlformats.org/officeDocument/2006/relationships" xmlns:p="http://schemas.openxmlformats.org/presentationml/2006/main" strictFirstAndLastChars="0" saveSubsetFonts="1" autoCompressPictures="0">
+<p:presentation xmlns:a="http://schemas.openxmlformats.org/drawingml/2006/main" xmlns:r="http://schemas.openxmlformats.org/officeDocument/2006/relationships" xmlns:p="http://schemas.openxmlformats.org/presentationml/2006/main" xmlns:p14="http://schemas.microsoft.com/office/powerpoint/2010/main" strictFirstAndLastChars="0" saveSubsetFonts="1" autoCompressPictures="0">
   <p:sldMasterIdLst>
-    <p:sldMasterId id="2147483698" r:id="rId1"/>
+    <p:sldMasterId id="2147483699" r:id="rId12"/>
   </p:sldMasterIdLst>
   <p:notesMasterIdLst>
-    <p:notesMasterId r:id="rId13"/>
+    <p:notesMasterId r:id="rId14"/>
   </p:notesMasterIdLst>
   <p:sldIdLst>
-    <p:sldId id="256" r:id="rId2"/>
-    <p:sldId id="278" r:id="rId3"/>
-    <p:sldId id="286" r:id="rId4"/>
-    <p:sldId id="280" r:id="rId5"/>
-    <p:sldId id="287" r:id="rId6"/>
-    <p:sldId id="281" r:id="rId7"/>
-    <p:sldId id="282" r:id="rId8"/>
-    <p:sldId id="283" r:id="rId9"/>
-    <p:sldId id="284" r:id="rId10"/>
-    <p:sldId id="279" r:id="rId11"/>
-    <p:sldId id="276" r:id="rId12"/>
+    <p:sldId id="256" r:id="rId16"/>
+    <p:sldId id="278" r:id="rId18"/>
+    <p:sldId id="286" r:id="rId20"/>
+    <p:sldId id="280" r:id="rId22"/>
+    <p:sldId id="287" r:id="rId24"/>
+    <p:sldId id="281" r:id="rId25"/>
+    <p:sldId id="282" r:id="rId26"/>
+    <p:sldId id="283" r:id="rId28"/>
+    <p:sldId id="284" r:id="rId30"/>
+    <p:sldId id="279" r:id="rId32"/>
+    <p:sldId id="276" r:id="rId34"/>
   </p:sldIdLst>
   <p:sldSz cx="18288000" cy="10287000"/>
   <p:notesSz cx="10287000" cy="18288000"/>
@@ -254,12 +254,12 @@
   <p:extLst>
     <p:ext uri="{EFAFB233-063F-42B5-8137-9DF3F51BA10A}">
       <p15:sldGuideLst xmlns:p15="http://schemas.microsoft.com/office/powerpoint/2012/main">
-        <p15:guide id="1" orient="horz" pos="2151">
+        <p15:guide id="1" orient="horz" pos="2150" userDrawn="0">
           <p15:clr>
             <a:srgbClr val="000000"/>
           </p15:clr>
         </p15:guide>
-        <p15:guide id="2" pos="2871">
+        <p15:guide id="2" pos="2870" userDrawn="0">
           <p15:clr>
             <a:srgbClr val="000000"/>
           </p15:clr>
@@ -816,6 +816,165 @@
 </file>
 
 <file path=ppt/notesSlides/notesSlide10.xml><?xml version="1.0" encoding="utf-8"?>
+<mc:AlternateContent xmlns:mc="http://schemas.openxmlformats.org/markup-compatibility/2006" xmlns:p14="http://schemas.microsoft.com/office/powerpoint/2010/main">
+  <mc:Choice Requires="p14">
+    <p:notes xmlns:a="http://schemas.openxmlformats.org/drawingml/2006/main" xmlns:r="http://schemas.openxmlformats.org/officeDocument/2006/relationships" xmlns:p="http://schemas.openxmlformats.org/presentationml/2006/main">
+      <p:cSld>
+        <p:spTree>
+          <p:nvGrpSpPr>
+            <p:cNvPr id="1" name=""/>
+            <p:cNvGrpSpPr/>
+            <p:nvPr/>
+          </p:nvGrpSpPr>
+          <p:grpSpPr>
+            <a:xfrm>
+              <a:off x="0" y="0"/>
+              <a:ext cx="0" cy="0"/>
+              <a:chOff x="0" y="0"/>
+              <a:chExt cx="0" cy="0"/>
+            </a:xfrm>
+          </p:grpSpPr>
+          <p:sp>
+            <p:nvSpPr>
+              <p:cNvPr id="129" name="Google Shape;129;p3:notes"/>
+              <p:cNvSpPr txBox="1">
+                <a:spLocks noGrp="1"/>
+              </p:cNvSpPr>
+              <p:nvPr>
+                <p:ph type="body" idx="1"/>
+              </p:nvPr>
+            </p:nvSpPr>
+            <p:spPr>
+              <a:xfrm>
+                <a:off x="1028700" y="8686800"/>
+                <a:ext cx="8230870" cy="8230870"/>
+              </a:xfrm>
+              <a:prstGeom prst="rect">
+                <a:avLst/>
+              </a:prstGeom>
+              <a:noFill/>
+              <a:ln w="0">
+                <a:noFill/>
+                <a:prstDash/>
+              </a:ln>
+            </p:spPr>
+            <p:txBody>
+              <a:bodyPr vert="horz" wrap="square" lIns="91440" tIns="91440" rIns="91440" bIns="91440" numCol="1" anchor="t">
+                <a:noAutofit/>
+              </a:bodyPr>
+              <a:lstStyle/>
+              <a:p>
+                <a:pPr marL="0" indent="0" algn="l" rtl="0" latinLnBrk="0">
+                  <a:spcBef>
+                    <a:spcPts val="0"/>
+                  </a:spcBef>
+                  <a:spcAft>
+                    <a:spcPts val="0"/>
+                  </a:spcAft>
+                  <a:buFontTx/>
+                  <a:buNone/>
+                </a:pPr>
+                <a:endParaRPr/>
+              </a:p>
+            </p:txBody>
+          </p:sp>
+          <p:sp>
+            <p:nvSpPr>
+              <p:cNvPr id="130" name="Google Shape;130;p3:notes"/>
+              <p:cNvSpPr>
+                <a:spLocks noGrp="1" noRot="1" noChangeAspect="1"/>
+              </p:cNvSpPr>
+              <p:nvPr>
+                <p:ph type="sldImg"/>
+              </p:nvPr>
+            </p:nvSpPr>
+            <p:spPr>
+              <a:xfrm>
+                <a:off x="-950913" y="1371600"/>
+                <a:ext cx="12192001" cy="6859588"/>
+              </a:xfrm>
+              <a:custGeom>
+                <a:avLst/>
+                <a:gdLst>
+                  <a:gd name="TX0" fmla="*/ 0 w 120002"/>
+                  <a:gd name="TY0" fmla="*/ 0 h 120002"/>
+                  <a:gd name="TX1" fmla="*/ 120000 w 120002"/>
+                  <a:gd name="TY1" fmla="*/ 0 h 120002"/>
+                  <a:gd name="TX2" fmla="*/ 120000 w 120002"/>
+                  <a:gd name="TY2" fmla="*/ 120000 h 120002"/>
+                  <a:gd name="TX3" fmla="*/ 0 w 120002"/>
+                  <a:gd name="TY3" fmla="*/ 120000 h 120002"/>
+                </a:gdLst>
+                <a:ahLst/>
+                <a:cxnLst>
+                  <a:cxn ang="0">
+                    <a:pos x="TX0" y="TY0"/>
+                  </a:cxn>
+                  <a:cxn ang="0">
+                    <a:pos x="TX1" y="TY1"/>
+                  </a:cxn>
+                  <a:cxn ang="0">
+                    <a:pos x="TX2" y="TY2"/>
+                  </a:cxn>
+                  <a:cxn ang="0">
+                    <a:pos x="TX3" y="TY3"/>
+                  </a:cxn>
+                </a:cxnLst>
+                <a:rect l="l" t="t" r="r" b="b"/>
+                <a:pathLst>
+                  <a:path w="120002" h="120002">
+                    <a:moveTo>
+                      <a:pt x="0" y="0"/>
+                    </a:moveTo>
+                    <a:lnTo>
+                      <a:pt x="120000" y="0"/>
+                    </a:lnTo>
+                    <a:lnTo>
+                      <a:pt x="120000" y="120000"/>
+                    </a:lnTo>
+                    <a:lnTo>
+                      <a:pt x="0" y="120000"/>
+                    </a:lnTo>
+                    <a:close/>
+                  </a:path>
+                </a:pathLst>
+              </a:custGeom>
+              <a:noFill/>
+              <a:ln w="9525" cap="flat" cmpd="sng">
+                <a:solidFill>
+                  <a:srgbClr val="000000">
+                    <a:alpha val="100000"/>
+                  </a:srgbClr>
+                </a:solidFill>
+                <a:prstDash val="solid"/>
+                <a:round/>
+              </a:ln>
+            </p:spPr>
+            <p:txBody>
+              <a:bodyPr vert="horz" wrap="square" lIns="0" tIns="0" rIns="0" bIns="0" numCol="1" anchor="t">
+                <a:noAutofit/>
+              </a:bodyPr>
+              <a:lstStyle/>
+              <a:p>
+                <a:pPr marL="0" indent="0" latinLnBrk="0"/>
+                <a:endParaRPr/>
+              </a:p>
+            </p:txBody>
+          </p:sp>
+        </p:spTree>
+      </p:cSld>
+      <p:clrMapOvr>
+        <a:masterClrMapping/>
+      </p:clrMapOvr>
+    </p:notes>
+  </mc:Choice>
+  <mc:Fallback xmlns:p14="http://schemas.microsoft.com/office/powerpoint/2010/main" xmlns="" xmlns:a="http://schemas.openxmlformats.org/drawingml/2006/main" xmlns:r="http://schemas.openxmlformats.org/officeDocument/2006/relationships" xmlns:p="http://schemas.openxmlformats.org/presentationml/2006/main" xmlns:mc="http://schemas.openxmlformats.org/markup-compatibility/2006">
+    <p:transition spd="slow"/>
+  </mc:Fallback>
+</mc:AlternateContent>
+</file>
+
+<file path=ppt/notesSlides/notesSlide11.xml><?xml version="1.0" encoding="utf-8"?>
 <p:notes xmlns:a="http://schemas.openxmlformats.org/drawingml/2006/main" xmlns:r="http://schemas.openxmlformats.org/officeDocument/2006/relationships" xmlns:p="http://schemas.openxmlformats.org/presentationml/2006/main" showMasterSp="0" showMasterPhAnim="0">
   <p:cSld>
     <p:spTree>
@@ -1346,7 +1505,7 @@
 </p:notes>
 </file>
 
-<file path=ppt/notesSlides/notesSlide5.xml><?xml version="1.0" encoding="utf-8"?>
+<file path=ppt/notesSlides/notesSlide6.xml><?xml version="1.0" encoding="utf-8"?>
 <p:notes xmlns:a="http://schemas.openxmlformats.org/drawingml/2006/main" xmlns:r="http://schemas.openxmlformats.org/officeDocument/2006/relationships" xmlns:p="http://schemas.openxmlformats.org/presentationml/2006/main" showMasterSp="0" showMasterPhAnim="0">
   <p:cSld>
     <p:spTree>
@@ -1448,165 +1607,6 @@
     <a:masterClrMapping/>
   </p:clrMapOvr>
 </p:notes>
-</file>
-
-<file path=ppt/notesSlides/notesSlide6.xml><?xml version="1.0" encoding="utf-8"?>
-<mc:AlternateContent xmlns:mc="http://schemas.openxmlformats.org/markup-compatibility/2006" xmlns:p14="http://schemas.microsoft.com/office/powerpoint/2010/main">
-  <mc:Choice Requires="p14">
-    <p:notes xmlns:a="http://schemas.openxmlformats.org/drawingml/2006/main" xmlns:r="http://schemas.openxmlformats.org/officeDocument/2006/relationships" xmlns:p="http://schemas.openxmlformats.org/presentationml/2006/main">
-      <p:cSld>
-        <p:spTree>
-          <p:nvGrpSpPr>
-            <p:cNvPr id="1" name=""/>
-            <p:cNvGrpSpPr/>
-            <p:nvPr/>
-          </p:nvGrpSpPr>
-          <p:grpSpPr>
-            <a:xfrm>
-              <a:off x="0" y="0"/>
-              <a:ext cx="0" cy="0"/>
-              <a:chOff x="0" y="0"/>
-              <a:chExt cx="0" cy="0"/>
-            </a:xfrm>
-          </p:grpSpPr>
-          <p:sp>
-            <p:nvSpPr>
-              <p:cNvPr id="129" name="Google Shape;129;p3:notes"/>
-              <p:cNvSpPr txBox="1">
-                <a:spLocks noGrp="1"/>
-              </p:cNvSpPr>
-              <p:nvPr>
-                <p:ph type="body" idx="1"/>
-              </p:nvPr>
-            </p:nvSpPr>
-            <p:spPr>
-              <a:xfrm>
-                <a:off x="1028700" y="8686800"/>
-                <a:ext cx="8230235" cy="8230235"/>
-              </a:xfrm>
-              <a:prstGeom prst="rect">
-                <a:avLst/>
-              </a:prstGeom>
-              <a:noFill/>
-              <a:ln w="0">
-                <a:noFill/>
-                <a:prstDash/>
-              </a:ln>
-            </p:spPr>
-            <p:txBody>
-              <a:bodyPr vert="horz" wrap="square" lIns="91440" tIns="91440" rIns="91440" bIns="91440" numCol="1" anchor="t">
-                <a:noAutofit/>
-              </a:bodyPr>
-              <a:lstStyle/>
-              <a:p>
-                <a:pPr marL="0" indent="0" algn="l" rtl="0" latinLnBrk="0">
-                  <a:spcBef>
-                    <a:spcPts val="0"/>
-                  </a:spcBef>
-                  <a:spcAft>
-                    <a:spcPts val="0"/>
-                  </a:spcAft>
-                  <a:buFontTx/>
-                  <a:buNone/>
-                </a:pPr>
-                <a:endParaRPr/>
-              </a:p>
-            </p:txBody>
-          </p:sp>
-          <p:sp>
-            <p:nvSpPr>
-              <p:cNvPr id="130" name="Google Shape;130;p3:notes"/>
-              <p:cNvSpPr>
-                <a:spLocks noGrp="1" noRot="1" noChangeAspect="1"/>
-              </p:cNvSpPr>
-              <p:nvPr>
-                <p:ph type="sldImg"/>
-              </p:nvPr>
-            </p:nvSpPr>
-            <p:spPr>
-              <a:xfrm>
-                <a:off x="-950913" y="1371600"/>
-                <a:ext cx="12190413" cy="6858000"/>
-              </a:xfrm>
-              <a:custGeom>
-                <a:avLst/>
-                <a:gdLst>
-                  <a:gd name="TX0" fmla="*/ 0 w 120001"/>
-                  <a:gd name="TY0" fmla="*/ 0 h 120001"/>
-                  <a:gd name="TX1" fmla="*/ 120000 w 120001"/>
-                  <a:gd name="TY1" fmla="*/ 0 h 120001"/>
-                  <a:gd name="TX2" fmla="*/ 120000 w 120001"/>
-                  <a:gd name="TY2" fmla="*/ 120000 h 120001"/>
-                  <a:gd name="TX3" fmla="*/ 0 w 120001"/>
-                  <a:gd name="TY3" fmla="*/ 120000 h 120001"/>
-                </a:gdLst>
-                <a:ahLst/>
-                <a:cxnLst>
-                  <a:cxn ang="0">
-                    <a:pos x="TX0" y="TY0"/>
-                  </a:cxn>
-                  <a:cxn ang="0">
-                    <a:pos x="TX1" y="TY1"/>
-                  </a:cxn>
-                  <a:cxn ang="0">
-                    <a:pos x="TX2" y="TY2"/>
-                  </a:cxn>
-                  <a:cxn ang="0">
-                    <a:pos x="TX3" y="TY3"/>
-                  </a:cxn>
-                </a:cxnLst>
-                <a:rect l="l" t="t" r="r" b="b"/>
-                <a:pathLst>
-                  <a:path w="120001" h="120001">
-                    <a:moveTo>
-                      <a:pt x="0" y="0"/>
-                    </a:moveTo>
-                    <a:lnTo>
-                      <a:pt x="120000" y="0"/>
-                    </a:lnTo>
-                    <a:lnTo>
-                      <a:pt x="120000" y="120000"/>
-                    </a:lnTo>
-                    <a:lnTo>
-                      <a:pt x="0" y="120000"/>
-                    </a:lnTo>
-                    <a:close/>
-                  </a:path>
-                </a:pathLst>
-              </a:custGeom>
-              <a:noFill/>
-              <a:ln w="9525" cap="flat" cmpd="sng">
-                <a:solidFill>
-                  <a:srgbClr val="000000">
-                    <a:alpha val="100000"/>
-                  </a:srgbClr>
-                </a:solidFill>
-                <a:prstDash val="solid"/>
-                <a:round/>
-              </a:ln>
-            </p:spPr>
-            <p:txBody>
-              <a:bodyPr vert="horz" wrap="square" lIns="0" tIns="0" rIns="0" bIns="0" anchor="t">
-                <a:noAutofit/>
-              </a:bodyPr>
-              <a:lstStyle/>
-              <a:p>
-                <a:pPr marL="0" indent="0"/>
-                <a:endParaRPr/>
-              </a:p>
-            </p:txBody>
-          </p:sp>
-        </p:spTree>
-      </p:cSld>
-      <p:clrMapOvr>
-        <a:masterClrMapping/>
-      </p:clrMapOvr>
-    </p:notes>
-  </mc:Choice>
-  <mc:Fallback xmlns:p14="http://schemas.microsoft.com/office/powerpoint/2010/main" xmlns="" xmlns:a="http://schemas.openxmlformats.org/drawingml/2006/main" xmlns:r="http://schemas.openxmlformats.org/officeDocument/2006/relationships" xmlns:p="http://schemas.openxmlformats.org/presentationml/2006/main" xmlns:mc="http://schemas.openxmlformats.org/markup-compatibility/2006">
-    <p:transition spd="slow"/>
-  </mc:Fallback>
-</mc:AlternateContent>
 </file>
 
 <file path=ppt/notesSlides/notesSlide7.xml><?xml version="1.0" encoding="utf-8"?>
@@ -1915,18 +1915,13 @@
             </p:txBody>
           </p:sp>
         </p:spTree>
-        <p:extLst>
-          <p:ext uri="{BB962C8B-B14F-4D97-AF65-F5344CB8AC3E}">
-            <p14:creationId val="161562300"/>
-          </p:ext>
-        </p:extLst>
       </p:cSld>
       <p:clrMapOvr>
         <a:masterClrMapping/>
       </p:clrMapOvr>
     </p:notes>
   </mc:Choice>
-  <mc:Fallback xmlns:mc="http://schemas.openxmlformats.org/markup-compatibility/2006" xmlns:p="http://schemas.openxmlformats.org/presentationml/2006/main" xmlns:r="http://schemas.openxmlformats.org/officeDocument/2006/relationships" xmlns:a="http://schemas.openxmlformats.org/drawingml/2006/main" xmlns="" xmlns:p14="http://schemas.microsoft.com/office/powerpoint/2010/main">
+  <mc:Fallback xmlns:p14="http://schemas.microsoft.com/office/powerpoint/2010/main" xmlns="" xmlns:a="http://schemas.openxmlformats.org/drawingml/2006/main" xmlns:r="http://schemas.openxmlformats.org/officeDocument/2006/relationships" xmlns:p="http://schemas.openxmlformats.org/presentationml/2006/main" xmlns:mc="http://schemas.openxmlformats.org/markup-compatibility/2006">
     <p:transition spd="slow"/>
   </mc:Fallback>
 </mc:AlternateContent>
@@ -1964,7 +1959,7 @@
             <p:spPr>
               <a:xfrm>
                 <a:off x="1028700" y="8686800"/>
-                <a:ext cx="8230870" cy="8230870"/>
+                <a:ext cx="8230235" cy="8230235"/>
               </a:xfrm>
               <a:prstGeom prst="rect">
                 <a:avLst/>
@@ -2008,19 +2003,19 @@
             <p:spPr>
               <a:xfrm>
                 <a:off x="-950913" y="1371600"/>
-                <a:ext cx="12192001" cy="6859588"/>
+                <a:ext cx="12190413" cy="6858000"/>
               </a:xfrm>
               <a:custGeom>
                 <a:avLst/>
                 <a:gdLst>
-                  <a:gd name="TX0" fmla="*/ 0 w 120002"/>
-                  <a:gd name="TY0" fmla="*/ 0 h 120002"/>
-                  <a:gd name="TX1" fmla="*/ 120000 w 120002"/>
-                  <a:gd name="TY1" fmla="*/ 0 h 120002"/>
-                  <a:gd name="TX2" fmla="*/ 120000 w 120002"/>
-                  <a:gd name="TY2" fmla="*/ 120000 h 120002"/>
-                  <a:gd name="TX3" fmla="*/ 0 w 120002"/>
-                  <a:gd name="TY3" fmla="*/ 120000 h 120002"/>
+                  <a:gd name="TX0" fmla="*/ 0 w 120001"/>
+                  <a:gd name="TY0" fmla="*/ 0 h 120001"/>
+                  <a:gd name="TX1" fmla="*/ 120000 w 120001"/>
+                  <a:gd name="TY1" fmla="*/ 0 h 120001"/>
+                  <a:gd name="TX2" fmla="*/ 120000 w 120001"/>
+                  <a:gd name="TY2" fmla="*/ 120000 h 120001"/>
+                  <a:gd name="TX3" fmla="*/ 0 w 120001"/>
+                  <a:gd name="TY3" fmla="*/ 120000 h 120001"/>
                 </a:gdLst>
                 <a:ahLst/>
                 <a:cxnLst>
@@ -2039,7 +2034,7 @@
                 </a:cxnLst>
                 <a:rect l="l" t="t" r="r" b="b"/>
                 <a:pathLst>
-                  <a:path w="120002" h="120002">
+                  <a:path w="120001" h="120001">
                     <a:moveTo>
                       <a:pt x="0" y="0"/>
                     </a:moveTo>
@@ -2068,24 +2063,29 @@
               </a:ln>
             </p:spPr>
             <p:txBody>
-              <a:bodyPr vert="horz" wrap="square" lIns="0" tIns="0" rIns="0" bIns="0" numCol="1" anchor="t">
+              <a:bodyPr vert="horz" wrap="square" lIns="0" tIns="0" rIns="0" bIns="0" anchor="t">
                 <a:noAutofit/>
               </a:bodyPr>
               <a:lstStyle/>
               <a:p>
-                <a:pPr marL="0" indent="0" latinLnBrk="0"/>
+                <a:pPr marL="0" indent="0"/>
                 <a:endParaRPr/>
               </a:p>
             </p:txBody>
           </p:sp>
         </p:spTree>
+        <p:extLst>
+          <p:ext uri="{BB962C8B-B14F-4D97-AF65-F5344CB8AC3E}">
+            <p14:creationId val="161562300"/>
+          </p:ext>
+        </p:extLst>
       </p:cSld>
       <p:clrMapOvr>
         <a:masterClrMapping/>
       </p:clrMapOvr>
     </p:notes>
   </mc:Choice>
-  <mc:Fallback xmlns:p14="http://schemas.microsoft.com/office/powerpoint/2010/main" xmlns="" xmlns:a="http://schemas.openxmlformats.org/drawingml/2006/main" xmlns:r="http://schemas.openxmlformats.org/officeDocument/2006/relationships" xmlns:p="http://schemas.openxmlformats.org/presentationml/2006/main" xmlns:mc="http://schemas.openxmlformats.org/markup-compatibility/2006">
+  <mc:Fallback xmlns:mc="http://schemas.openxmlformats.org/markup-compatibility/2006" xmlns:p="http://schemas.openxmlformats.org/presentationml/2006/main" xmlns:r="http://schemas.openxmlformats.org/officeDocument/2006/relationships" xmlns:a="http://schemas.openxmlformats.org/drawingml/2006/main" xmlns="" xmlns:p14="http://schemas.microsoft.com/office/powerpoint/2010/main">
     <p:transition spd="slow"/>
   </mc:Fallback>
 </mc:AlternateContent>
@@ -13983,14 +13983,13 @@
 </file>
 
 <file path=ppt/slides/slide5.xml><?xml version="1.0" encoding="utf-8"?>
-<p:sld xmlns:a="http://schemas.openxmlformats.org/drawingml/2006/main" xmlns:r="http://schemas.openxmlformats.org/officeDocument/2006/relationships" xmlns:p="http://schemas.openxmlformats.org/presentationml/2006/main">
+<p:sld xmlns:a="http://schemas.openxmlformats.org/drawingml/2006/main" xmlns:r="http://schemas.openxmlformats.org/officeDocument/2006/relationships" xmlns:p="http://schemas.openxmlformats.org/presentationml/2006/main" xmlns:p14="http://schemas.microsoft.com/office/powerpoint/2010/main">
   <p:cSld>
     <p:bg>
       <p:bgPr>
         <a:solidFill>
           <a:srgbClr val="694680"/>
         </a:solidFill>
-        <a:effectLst/>
       </p:bgPr>
     </p:bg>
     <p:spTree>
@@ -14009,7 +14008,7 @@
       </p:grpSpPr>
       <p:pic>
         <p:nvPicPr>
-          <p:cNvPr id="3" name="그림 35" descr="C:/Users/admin/AppData/Roaming/PolarisOffice/ETemp/15032_7075696/image6.png"/>
+          <p:cNvPr id="3" name="그림 35"/>
           <p:cNvPicPr>
             <a:picLocks/>
           </p:cNvPicPr>
@@ -14044,7 +14043,7 @@
       </p:pic>
       <p:pic>
         <p:nvPicPr>
-          <p:cNvPr id="4" name="그림 36" descr="C:/Users/admin/AppData/Roaming/PolarisOffice/ETemp/15032_7075696/image6.png"/>
+          <p:cNvPr id="4" name="그림 36"/>
           <p:cNvPicPr>
             <a:picLocks/>
           </p:cNvPicPr>
@@ -14233,13 +14232,11 @@
           <p:nvPr/>
         </p:nvSpPr>
         <p:spPr>
-          <a:xfrm>
-            <a:off x="9142730" y="634365"/>
-            <a:ext cx="8051800" cy="1614170"/>
+          <a:xfrm rot="0">
+            <a:off x="9286875" y="1753870"/>
+            <a:ext cx="8052435" cy="1614805"/>
           </a:xfrm>
-          <a:prstGeom prst="rect">
-            <a:avLst/>
-          </a:prstGeom>
+          <a:prstGeom prst="rect"/>
           <a:noFill/>
           <a:ln w="0">
             <a:noFill/>
@@ -14247,12 +14244,12 @@
           </a:ln>
         </p:spPr>
         <p:txBody>
-          <a:bodyPr vert="horz" wrap="square" lIns="91440" tIns="45720" rIns="91440" bIns="45720" numCol="1" anchor="t">
+          <a:bodyPr wrap="square" lIns="91440" tIns="45720" rIns="91440" bIns="45720" numCol="1" vert="horz" anchor="t">
             <a:spAutoFit/>
           </a:bodyPr>
           <a:lstStyle/>
           <a:p>
-            <a:pPr marL="254000" indent="-254000" algn="l" rtl="0" latinLnBrk="0">
+            <a:pPr marL="254000" indent="-254000" rtl="0" algn="l" latinLnBrk="0">
               <a:spcBef>
                 <a:spcPts val="0"/>
               </a:spcBef>
@@ -14283,7 +14280,7 @@
             </a:endParaRPr>
           </a:p>
           <a:p>
-            <a:pPr marL="254000" indent="-254000" algn="l" rtl="0" latinLnBrk="0">
+            <a:pPr marL="254000" indent="-254000" rtl="0" algn="l" latinLnBrk="0">
               <a:spcBef>
                 <a:spcPts val="0"/>
               </a:spcBef>
@@ -14466,13 +14463,11 @@
           <p:nvPr/>
         </p:nvSpPr>
         <p:spPr>
-          <a:xfrm>
-            <a:off x="9143365" y="7009130"/>
-            <a:ext cx="8051800" cy="2121535"/>
+          <a:xfrm rot="0">
+            <a:off x="9161145" y="6593840"/>
+            <a:ext cx="8052435" cy="2122170"/>
           </a:xfrm>
-          <a:prstGeom prst="rect">
-            <a:avLst/>
-          </a:prstGeom>
+          <a:prstGeom prst="rect"/>
           <a:noFill/>
           <a:ln w="0">
             <a:noFill/>
@@ -14480,12 +14475,12 @@
           </a:ln>
         </p:spPr>
         <p:txBody>
-          <a:bodyPr vert="horz" wrap="square" lIns="91440" tIns="45720" rIns="91440" bIns="45720" numCol="1" anchor="t">
+          <a:bodyPr wrap="square" lIns="91440" tIns="45720" rIns="91440" bIns="45720" numCol="1" vert="horz" anchor="t">
             <a:spAutoFit/>
           </a:bodyPr>
           <a:lstStyle/>
           <a:p>
-            <a:pPr marL="254000" indent="-254000" algn="l" rtl="0" latinLnBrk="0">
+            <a:pPr marL="254000" indent="-254000" rtl="0" algn="l" latinLnBrk="0">
               <a:spcBef>
                 <a:spcPts val="0"/>
               </a:spcBef>
@@ -14516,7 +14511,7 @@
             </a:endParaRPr>
           </a:p>
           <a:p>
-            <a:pPr marL="254000" indent="-254000" algn="l" rtl="0" latinLnBrk="0">
+            <a:pPr marL="254000" indent="-254000" rtl="0" algn="l" latinLnBrk="0">
               <a:spcBef>
                 <a:spcPts val="0"/>
               </a:spcBef>
@@ -14640,8 +14635,8 @@
         </p:blipFill>
         <p:spPr>
           <a:xfrm>
-            <a:off x="7192642" y="3773282"/>
-            <a:ext cx="2712726" cy="2712726"/>
+            <a:off x="7192645" y="3773170"/>
+            <a:ext cx="2712720" cy="2712720"/>
           </a:xfrm>
           <a:prstGeom prst="rect">
             <a:avLst/>
@@ -14653,11 +14648,26 @@
   <p:clrMapOvr>
     <a:masterClrMapping/>
   </p:clrMapOvr>
+  <mc:AlternateContent xmlns:mc="http://schemas.openxmlformats.org/markup-compatibility/2006">
+    <mc:Choice xmlns:p14="http://schemas.microsoft.com/office/powerpoint/2010/main" Requires="p14">
+      <p:transition spd="slow" p14:dur="2000"/>
+    </mc:Choice>
+    <mc:Fallback>
+      <p:transition spd="slow"/>
+    </mc:Fallback>
+  </mc:AlternateContent>
+  <p:timing>
+    <p:tnLst>
+      <p:par>
+        <p:cTn id="1" dur="indefinite" restart="never" nodeType="tmRoot"/>
+      </p:par>
+    </p:tnLst>
+  </p:timing>
 </p:sld>
 </file>
 
 <file path=ppt/slides/slide6.xml><?xml version="1.0" encoding="utf-8"?>
-<p:sld xmlns:a="http://schemas.openxmlformats.org/drawingml/2006/main" xmlns:r="http://schemas.openxmlformats.org/officeDocument/2006/relationships" xmlns:p="http://schemas.openxmlformats.org/presentationml/2006/main">
+<p:sld xmlns:a="http://schemas.openxmlformats.org/drawingml/2006/main" xmlns:r="http://schemas.openxmlformats.org/officeDocument/2006/relationships" xmlns:p="http://schemas.openxmlformats.org/presentationml/2006/main" xmlns:p14="http://schemas.microsoft.com/office/powerpoint/2010/main">
   <p:cSld>
     <p:spTree>
       <p:nvGrpSpPr>
@@ -14681,15 +14691,15 @@
         </p:nvGrpSpPr>
         <p:grpSpPr>
           <a:xfrm>
-            <a:off x="11553190" y="2457450"/>
+            <a:off x="11842750" y="2457450"/>
             <a:ext cx="3867785" cy="2679065"/>
-            <a:chOff x="11553190" y="2457450"/>
+            <a:chOff x="11842750" y="2457450"/>
             <a:chExt cx="3867785" cy="2679065"/>
           </a:xfrm>
         </p:grpSpPr>
         <p:pic>
           <p:nvPicPr>
-            <p:cNvPr id="218" name="그림 54"/>
+            <p:cNvPr id="218" name="그림 54" descr="C:/Users/admin/AppData/Roaming/PolarisOffice/ETemp/8108_14731568/image9.png"/>
             <p:cNvPicPr>
               <a:picLocks/>
             </p:cNvPicPr>
@@ -14708,13 +14718,11 @@
             </a:stretch>
           </p:blipFill>
           <p:spPr>
-            <a:xfrm>
-              <a:off x="11553190" y="2457450"/>
-              <a:ext cx="3867785" cy="2679065"/>
+            <a:xfrm rot="0">
+              <a:off x="11842750" y="2457450"/>
+              <a:ext cx="3868420" cy="2679700"/>
             </a:xfrm>
-            <a:prstGeom prst="rect">
-              <a:avLst/>
-            </a:prstGeom>
+            <a:prstGeom prst="rect"/>
             <a:noFill/>
             <a:ln w="0">
               <a:noFill/>
@@ -14731,13 +14739,11 @@
             <p:nvPr/>
           </p:nvSpPr>
           <p:spPr>
-            <a:xfrm>
-              <a:off x="11783060" y="2680335"/>
-              <a:ext cx="3434715" cy="2266315"/>
+            <a:xfrm rot="0">
+              <a:off x="12072620" y="2680335"/>
+              <a:ext cx="3435350" cy="2266950"/>
             </a:xfrm>
-            <a:prstGeom prst="rect">
-              <a:avLst/>
-            </a:prstGeom>
+            <a:prstGeom prst="rect"/>
             <a:noFill/>
             <a:ln w="57150" cap="flat" cmpd="sng">
               <a:solidFill>
@@ -14766,12 +14772,12 @@
             </a:fontRef>
           </p:style>
           <p:txBody>
-            <a:bodyPr vert="horz" wrap="square" lIns="91440" tIns="45720" rIns="91440" bIns="45720" anchor="ctr">
+            <a:bodyPr wrap="square" lIns="91440" tIns="45720" rIns="91440" bIns="45720" numCol="1" vert="horz" anchor="ctr">
               <a:noAutofit/>
             </a:bodyPr>
             <a:lstStyle/>
             <a:p>
-              <a:pPr marL="0" indent="0" algn="ctr" hangingPunct="1"/>
+              <a:pPr marL="0" indent="0" algn="ctr" latinLnBrk="0" hangingPunct="1"/>
               <a:endParaRPr lang="ko-KR" altLang="en-US" sz="1800">
                 <a:latin typeface="맑은 고딕" charset="0"/>
                 <a:ea typeface="맑은 고딕" charset="0"/>
@@ -14788,15 +14794,15 @@
         </p:nvGrpSpPr>
         <p:grpSpPr>
           <a:xfrm>
-            <a:off x="6609080" y="2461895"/>
+            <a:off x="6898640" y="2461895"/>
             <a:ext cx="3867785" cy="2679065"/>
-            <a:chOff x="6609080" y="2461895"/>
+            <a:chOff x="6898640" y="2461895"/>
             <a:chExt cx="3867785" cy="2679065"/>
           </a:xfrm>
         </p:grpSpPr>
         <p:pic>
           <p:nvPicPr>
-            <p:cNvPr id="224" name="그림 60"/>
+            <p:cNvPr id="224" name="그림 60" descr="C:/Users/admin/AppData/Roaming/PolarisOffice/ETemp/8108_14731568/image9.png"/>
             <p:cNvPicPr>
               <a:picLocks/>
             </p:cNvPicPr>
@@ -14815,13 +14821,11 @@
             </a:stretch>
           </p:blipFill>
           <p:spPr>
-            <a:xfrm>
-              <a:off x="6609080" y="2461895"/>
-              <a:ext cx="3867785" cy="2679065"/>
+            <a:xfrm rot="0">
+              <a:off x="6898640" y="2461895"/>
+              <a:ext cx="3868420" cy="2679700"/>
             </a:xfrm>
-            <a:prstGeom prst="rect">
-              <a:avLst/>
-            </a:prstGeom>
+            <a:prstGeom prst="rect"/>
             <a:noFill/>
             <a:ln w="0">
               <a:noFill/>
@@ -14838,13 +14842,11 @@
             <p:nvPr/>
           </p:nvSpPr>
           <p:spPr>
-            <a:xfrm>
-              <a:off x="6838950" y="2684780"/>
-              <a:ext cx="3434715" cy="2266315"/>
+            <a:xfrm rot="0">
+              <a:off x="7128510" y="2684780"/>
+              <a:ext cx="3435350" cy="2266950"/>
             </a:xfrm>
-            <a:prstGeom prst="rect">
-              <a:avLst/>
-            </a:prstGeom>
+            <a:prstGeom prst="rect"/>
             <a:noFill/>
             <a:ln w="57150" cap="flat" cmpd="sng">
               <a:solidFill>
@@ -14873,12 +14875,12 @@
             </a:fontRef>
           </p:style>
           <p:txBody>
-            <a:bodyPr vert="horz" wrap="square" lIns="91440" tIns="45720" rIns="91440" bIns="45720" anchor="ctr">
+            <a:bodyPr wrap="square" lIns="91440" tIns="45720" rIns="91440" bIns="45720" numCol="1" vert="horz" anchor="ctr">
               <a:noAutofit/>
             </a:bodyPr>
             <a:lstStyle/>
             <a:p>
-              <a:pPr marL="0" indent="0" algn="ctr" hangingPunct="1"/>
+              <a:pPr marL="0" indent="0" algn="ctr" latinLnBrk="0" hangingPunct="1"/>
               <a:endParaRPr lang="ko-KR" altLang="en-US" sz="1800">
                 <a:latin typeface="맑은 고딕" charset="0"/>
                 <a:ea typeface="맑은 고딕" charset="0"/>
@@ -14895,15 +14897,15 @@
         </p:nvGrpSpPr>
         <p:grpSpPr>
           <a:xfrm>
-            <a:off x="1583690" y="2465070"/>
+            <a:off x="1873250" y="2465070"/>
             <a:ext cx="3867785" cy="2679065"/>
-            <a:chOff x="1583690" y="2465070"/>
+            <a:chOff x="1873250" y="2465070"/>
             <a:chExt cx="3867785" cy="2679065"/>
           </a:xfrm>
         </p:grpSpPr>
         <p:pic>
           <p:nvPicPr>
-            <p:cNvPr id="145" name="Google Shape;145;p16"/>
+            <p:cNvPr id="145" name="Google Shape;145;p16" descr="C:/Users/admin/AppData/Roaming/PolarisOffice/ETemp/8108_14731568/image9.png"/>
             <p:cNvPicPr preferRelativeResize="0">
               <a:picLocks/>
             </p:cNvPicPr>
@@ -14922,13 +14924,11 @@
             </a:stretch>
           </p:blipFill>
           <p:spPr>
-            <a:xfrm>
-              <a:off x="1583690" y="2465070"/>
-              <a:ext cx="3867785" cy="2679065"/>
+            <a:xfrm rot="0">
+              <a:off x="1873250" y="2465070"/>
+              <a:ext cx="3868420" cy="2679700"/>
             </a:xfrm>
-            <a:prstGeom prst="rect">
-              <a:avLst/>
-            </a:prstGeom>
+            <a:prstGeom prst="rect"/>
             <a:noFill/>
             <a:ln w="0">
               <a:noFill/>
@@ -14945,13 +14945,11 @@
             <p:nvPr/>
           </p:nvSpPr>
           <p:spPr>
-            <a:xfrm>
-              <a:off x="1813560" y="2687955"/>
-              <a:ext cx="3434715" cy="2266315"/>
+            <a:xfrm rot="0">
+              <a:off x="2103120" y="2687955"/>
+              <a:ext cx="3435350" cy="2266950"/>
             </a:xfrm>
-            <a:prstGeom prst="rect">
-              <a:avLst/>
-            </a:prstGeom>
+            <a:prstGeom prst="rect"/>
             <a:noFill/>
             <a:ln w="57150" cap="flat" cmpd="sng">
               <a:solidFill>
@@ -14980,12 +14978,12 @@
             </a:fontRef>
           </p:style>
           <p:txBody>
-            <a:bodyPr vert="horz" wrap="square" lIns="91440" tIns="45720" rIns="91440" bIns="45720" anchor="ctr">
+            <a:bodyPr wrap="square" lIns="91440" tIns="45720" rIns="91440" bIns="45720" numCol="1" vert="horz" anchor="ctr">
               <a:noAutofit/>
             </a:bodyPr>
             <a:lstStyle/>
             <a:p>
-              <a:pPr marL="0" indent="0" algn="ctr" hangingPunct="1"/>
+              <a:pPr marL="0" indent="0" algn="ctr" latinLnBrk="0" hangingPunct="1"/>
               <a:endParaRPr lang="ko-KR" altLang="en-US" sz="1800">
                 <a:latin typeface="맑은 고딕" charset="0"/>
                 <a:ea typeface="맑은 고딕" charset="0"/>
@@ -15002,9 +15000,9 @@
         </p:nvGrpSpPr>
         <p:grpSpPr>
           <a:xfrm>
-            <a:off x="11658600" y="6055360"/>
+            <a:off x="11948160" y="6055360"/>
             <a:ext cx="3754755" cy="2672715"/>
-            <a:chOff x="11658600" y="6055360"/>
+            <a:chOff x="11948160" y="6055360"/>
             <a:chExt cx="3754755" cy="2672715"/>
           </a:xfrm>
         </p:grpSpPr>
@@ -15017,13 +15015,11 @@
             <p:nvPr/>
           </p:nvSpPr>
           <p:spPr>
-            <a:xfrm>
-              <a:off x="11658600" y="6055360"/>
-              <a:ext cx="3754755" cy="2672715"/>
+            <a:xfrm rot="0">
+              <a:off x="11948160" y="6055360"/>
+              <a:ext cx="3755390" cy="2673350"/>
             </a:xfrm>
-            <a:prstGeom prst="rect">
-              <a:avLst/>
-            </a:prstGeom>
+            <a:prstGeom prst="rect"/>
             <a:solidFill>
               <a:srgbClr val="694680"/>
             </a:solidFill>
@@ -15038,12 +15034,12 @@
             </a:ln>
           </p:spPr>
           <p:txBody>
-            <a:bodyPr vert="horz" wrap="square" lIns="91440" tIns="91440" rIns="91440" bIns="91440" numCol="1" anchor="ctr">
+            <a:bodyPr wrap="square" lIns="91440" tIns="91440" rIns="91440" bIns="91440" numCol="1" vert="horz" anchor="ctr">
               <a:noAutofit/>
             </a:bodyPr>
             <a:lstStyle/>
             <a:p>
-              <a:pPr marL="0" indent="0" algn="l" rtl="0" latinLnBrk="0">
+              <a:pPr marL="0" indent="0" rtl="0" algn="l" latinLnBrk="0">
                 <a:spcBef>
                   <a:spcPts val="0"/>
                 </a:spcBef>
@@ -15066,13 +15062,11 @@
             <p:nvPr/>
           </p:nvSpPr>
           <p:spPr>
-            <a:xfrm>
-              <a:off x="11837670" y="6233160"/>
-              <a:ext cx="3399790" cy="2266315"/>
+            <a:xfrm rot="0">
+              <a:off x="12127230" y="6233160"/>
+              <a:ext cx="3400425" cy="2266950"/>
             </a:xfrm>
-            <a:prstGeom prst="rect">
-              <a:avLst/>
-            </a:prstGeom>
+            <a:prstGeom prst="rect"/>
             <a:noFill/>
             <a:ln w="57150" cap="flat" cmpd="sng">
               <a:solidFill>
@@ -15101,12 +15095,12 @@
             </a:fontRef>
           </p:style>
           <p:txBody>
-            <a:bodyPr vert="horz" wrap="square" lIns="91440" tIns="45720" rIns="91440" bIns="45720" anchor="ctr">
+            <a:bodyPr wrap="square" lIns="91440" tIns="45720" rIns="91440" bIns="45720" numCol="1" vert="horz" anchor="ctr">
               <a:noAutofit/>
             </a:bodyPr>
             <a:lstStyle/>
             <a:p>
-              <a:pPr marL="0" indent="0" algn="ctr" hangingPunct="1"/>
+              <a:pPr marL="0" indent="0" algn="ctr" latinLnBrk="0" hangingPunct="1"/>
               <a:endParaRPr lang="ko-KR" altLang="en-US" sz="1800">
                 <a:latin typeface="맑은 고딕" charset="0"/>
                 <a:ea typeface="맑은 고딕" charset="0"/>
@@ -15123,9 +15117,9 @@
         </p:nvGrpSpPr>
         <p:grpSpPr>
           <a:xfrm>
-            <a:off x="1661795" y="6075680"/>
+            <a:off x="1951355" y="6075680"/>
             <a:ext cx="3754755" cy="2672715"/>
-            <a:chOff x="1661795" y="6075680"/>
+            <a:chOff x="1951355" y="6075680"/>
             <a:chExt cx="3754755" cy="2672715"/>
           </a:xfrm>
         </p:grpSpPr>
@@ -15138,13 +15132,11 @@
             <p:nvPr/>
           </p:nvSpPr>
           <p:spPr>
-            <a:xfrm>
-              <a:off x="1661795" y="6075680"/>
-              <a:ext cx="3754755" cy="2672715"/>
+            <a:xfrm rot="0">
+              <a:off x="1951355" y="6075680"/>
+              <a:ext cx="3755390" cy="2673350"/>
             </a:xfrm>
-            <a:prstGeom prst="rect">
-              <a:avLst/>
-            </a:prstGeom>
+            <a:prstGeom prst="rect"/>
             <a:solidFill>
               <a:srgbClr val="694680"/>
             </a:solidFill>
@@ -15159,12 +15151,12 @@
             </a:ln>
           </p:spPr>
           <p:txBody>
-            <a:bodyPr vert="horz" wrap="square" lIns="91440" tIns="91440" rIns="91440" bIns="91440" numCol="1" anchor="ctr">
+            <a:bodyPr wrap="square" lIns="91440" tIns="91440" rIns="91440" bIns="91440" numCol="1" vert="horz" anchor="ctr">
               <a:noAutofit/>
             </a:bodyPr>
             <a:lstStyle/>
             <a:p>
-              <a:pPr marL="0" indent="0" algn="l" rtl="0" latinLnBrk="0">
+              <a:pPr marL="0" indent="0" rtl="0" algn="l" latinLnBrk="0">
                 <a:spcBef>
                   <a:spcPts val="0"/>
                 </a:spcBef>
@@ -15187,13 +15179,11 @@
             <p:nvPr/>
           </p:nvSpPr>
           <p:spPr>
-            <a:xfrm>
-              <a:off x="1840865" y="6253480"/>
-              <a:ext cx="3399790" cy="2266315"/>
+            <a:xfrm rot="0">
+              <a:off x="2130425" y="6253480"/>
+              <a:ext cx="3400425" cy="2266950"/>
             </a:xfrm>
-            <a:prstGeom prst="rect">
-              <a:avLst/>
-            </a:prstGeom>
+            <a:prstGeom prst="rect"/>
             <a:noFill/>
             <a:ln w="57150" cap="flat" cmpd="sng">
               <a:solidFill>
@@ -15222,12 +15212,12 @@
             </a:fontRef>
           </p:style>
           <p:txBody>
-            <a:bodyPr vert="horz" wrap="square" lIns="91440" tIns="45720" rIns="91440" bIns="45720" anchor="ctr">
+            <a:bodyPr wrap="square" lIns="91440" tIns="45720" rIns="91440" bIns="45720" numCol="1" vert="horz" anchor="ctr">
               <a:noAutofit/>
             </a:bodyPr>
             <a:lstStyle/>
             <a:p>
-              <a:pPr marL="0" indent="0" algn="ctr" hangingPunct="1"/>
+              <a:pPr marL="0" indent="0" algn="ctr" latinLnBrk="0" hangingPunct="1"/>
               <a:endParaRPr lang="ko-KR" altLang="en-US" sz="1800">
                 <a:latin typeface="맑은 고딕" charset="0"/>
                 <a:ea typeface="맑은 고딕" charset="0"/>
@@ -15244,9 +15234,9 @@
         </p:nvGrpSpPr>
         <p:grpSpPr>
           <a:xfrm>
-            <a:off x="6619240" y="6083300"/>
+            <a:off x="6908800" y="6083300"/>
             <a:ext cx="3754755" cy="2672715"/>
-            <a:chOff x="6619240" y="6083300"/>
+            <a:chOff x="6908800" y="6083300"/>
             <a:chExt cx="3754755" cy="2672715"/>
           </a:xfrm>
         </p:grpSpPr>
@@ -15259,13 +15249,11 @@
             <p:nvPr/>
           </p:nvSpPr>
           <p:spPr>
-            <a:xfrm>
-              <a:off x="6619240" y="6083300"/>
-              <a:ext cx="3754755" cy="2672715"/>
+            <a:xfrm rot="0">
+              <a:off x="6908800" y="6083300"/>
+              <a:ext cx="3755390" cy="2673350"/>
             </a:xfrm>
-            <a:prstGeom prst="rect">
-              <a:avLst/>
-            </a:prstGeom>
+            <a:prstGeom prst="rect"/>
             <a:solidFill>
               <a:srgbClr val="694680"/>
             </a:solidFill>
@@ -15280,12 +15268,12 @@
             </a:ln>
           </p:spPr>
           <p:txBody>
-            <a:bodyPr vert="horz" wrap="square" lIns="91440" tIns="91440" rIns="91440" bIns="91440" numCol="1" anchor="ctr">
+            <a:bodyPr wrap="square" lIns="91440" tIns="91440" rIns="91440" bIns="91440" numCol="1" vert="horz" anchor="ctr">
               <a:noAutofit/>
             </a:bodyPr>
             <a:lstStyle/>
             <a:p>
-              <a:pPr marL="0" indent="0" algn="l" rtl="0" latinLnBrk="0">
+              <a:pPr marL="0" indent="0" rtl="0" algn="l" latinLnBrk="0">
                 <a:spcBef>
                   <a:spcPts val="0"/>
                 </a:spcBef>
@@ -15308,13 +15296,11 @@
             <p:nvPr/>
           </p:nvSpPr>
           <p:spPr>
-            <a:xfrm>
-              <a:off x="6798310" y="6261100"/>
-              <a:ext cx="3399790" cy="2266315"/>
+            <a:xfrm rot="0">
+              <a:off x="7087870" y="6261100"/>
+              <a:ext cx="3400425" cy="2266950"/>
             </a:xfrm>
-            <a:prstGeom prst="rect">
-              <a:avLst/>
-            </a:prstGeom>
+            <a:prstGeom prst="rect"/>
             <a:noFill/>
             <a:ln w="57150" cap="flat" cmpd="sng">
               <a:solidFill>
@@ -15343,12 +15329,12 @@
             </a:fontRef>
           </p:style>
           <p:txBody>
-            <a:bodyPr vert="horz" wrap="square" lIns="91440" tIns="45720" rIns="91440" bIns="45720" anchor="ctr">
+            <a:bodyPr wrap="square" lIns="91440" tIns="45720" rIns="91440" bIns="45720" numCol="1" vert="horz" anchor="ctr">
               <a:noAutofit/>
             </a:bodyPr>
             <a:lstStyle/>
             <a:p>
-              <a:pPr marL="0" indent="0" algn="ctr" hangingPunct="1"/>
+              <a:pPr marL="0" indent="0" algn="ctr" latinLnBrk="0" hangingPunct="1"/>
               <a:endParaRPr lang="ko-KR" altLang="en-US" sz="1800">
                 <a:latin typeface="맑은 고딕" charset="0"/>
                 <a:ea typeface="맑은 고딕" charset="0"/>
@@ -15359,17 +15345,17 @@
       </p:grpSp>
       <p:pic>
         <p:nvPicPr>
-          <p:cNvPr id="150" name="Google Shape;150;p16"/>
+          <p:cNvPr id="150" name="Google Shape;150;p16" descr="C:/Users/admin/AppData/Roaming/PolarisOffice/ETemp/8108_14731568/image10.png"/>
           <p:cNvPicPr preferRelativeResize="0">
             <a:picLocks/>
           </p:cNvPicPr>
           <p:nvPr/>
         </p:nvPicPr>
         <p:blipFill rotWithShape="1">
-          <a:blip r:embed="rId4" cstate="print">
+          <a:blip r:embed="rId4" cstate="hqprint">
             <a:extLst>
               <a:ext uri="{28A0092B-C50C-407E-A947-70E740481C1C}">
-                <a14:useLocalDpi xmlns:a14="http://schemas.microsoft.com/office/drawing/2010/main" val="0"/>
+                <a14:useLocalDpi xmlns:a14="http://schemas.microsoft.com/office/drawing/2010/main"/>
               </a:ext>
             </a:extLst>
           </a:blip>
@@ -15378,13 +15364,11 @@
           </a:stretch>
         </p:blipFill>
         <p:spPr>
-          <a:xfrm>
-            <a:off x="1471295" y="1524000"/>
-            <a:ext cx="15092045" cy="46990"/>
+          <a:xfrm rot="0">
+            <a:off x="1435100" y="1524000"/>
+            <a:ext cx="15092680" cy="47625"/>
           </a:xfrm>
-          <a:prstGeom prst="rect">
-            <a:avLst/>
-          </a:prstGeom>
+          <a:prstGeom prst="rect"/>
           <a:noFill/>
           <a:ln w="0">
             <a:noFill/>
@@ -15401,13 +15385,11 @@
           <p:nvPr/>
         </p:nvSpPr>
         <p:spPr>
-          <a:xfrm>
-            <a:off x="1910715" y="4055745"/>
-            <a:ext cx="3213735" cy="646430"/>
+          <a:xfrm rot="0">
+            <a:off x="2200275" y="4055745"/>
+            <a:ext cx="3214370" cy="647065"/>
           </a:xfrm>
-          <a:prstGeom prst="rect">
-            <a:avLst/>
-          </a:prstGeom>
+          <a:prstGeom prst="rect"/>
           <a:noFill/>
           <a:ln w="0">
             <a:noFill/>
@@ -15415,12 +15397,12 @@
           </a:ln>
         </p:spPr>
         <p:txBody>
-          <a:bodyPr vert="horz" wrap="square" lIns="91440" tIns="45720" rIns="91440" bIns="45720" numCol="1" anchor="ctr">
+          <a:bodyPr wrap="square" lIns="91440" tIns="45720" rIns="91440" bIns="45720" numCol="1" vert="horz" anchor="ctr">
             <a:spAutoFit/>
           </a:bodyPr>
           <a:lstStyle/>
           <a:p>
-            <a:pPr marL="0" indent="0" algn="ctr" rtl="0" latinLnBrk="0">
+            <a:pPr marL="0" indent="0" rtl="0" algn="ctr" latinLnBrk="0">
               <a:spcBef>
                 <a:spcPts val="0"/>
               </a:spcBef>
@@ -15431,7 +15413,7 @@
               <a:buNone/>
             </a:pPr>
             <a:r>
-              <a:rPr lang="en-US" altLang="ko-KR" sz="3600" b="1" dirty="0">
+              <a:rPr lang="en-US" altLang="ko-KR" sz="3600" b="1">
                 <a:solidFill>
                   <a:srgbClr val="694680"/>
                 </a:solidFill>
@@ -15440,7 +15422,7 @@
               </a:rPr>
               <a:t>Diary</a:t>
             </a:r>
-            <a:endParaRPr lang="ko-KR" altLang="en-US" sz="3600" b="1" dirty="0">
+            <a:endParaRPr lang="ko-KR" altLang="en-US" sz="3600" b="1">
               <a:solidFill>
                 <a:srgbClr val="694680"/>
               </a:solidFill>
@@ -15519,13 +15501,11 @@
           <p:nvPr/>
         </p:nvSpPr>
         <p:spPr>
-          <a:xfrm>
-            <a:off x="1890395" y="6638290"/>
-            <a:ext cx="3277870" cy="768985"/>
+          <a:xfrm rot="0">
+            <a:off x="2179955" y="6638290"/>
+            <a:ext cx="3278505" cy="769620"/>
           </a:xfrm>
-          <a:prstGeom prst="rect">
-            <a:avLst/>
-          </a:prstGeom>
+          <a:prstGeom prst="rect"/>
           <a:noFill/>
           <a:ln w="0">
             <a:noFill/>
@@ -15533,12 +15513,12 @@
           </a:ln>
         </p:spPr>
         <p:txBody>
-          <a:bodyPr vert="horz" wrap="square" lIns="91440" tIns="45720" rIns="91440" bIns="45720" numCol="1" anchor="ctr">
+          <a:bodyPr wrap="square" lIns="91440" tIns="45720" rIns="91440" bIns="45720" numCol="1" vert="horz" anchor="ctr">
             <a:spAutoFit/>
           </a:bodyPr>
           <a:lstStyle/>
           <a:p>
-            <a:pPr marL="457200" indent="-361950" algn="l" rtl="0" latinLnBrk="0">
+            <a:pPr marL="457200" indent="-361950" rtl="0" algn="l" latinLnBrk="0">
               <a:spcBef>
                 <a:spcPts val="0"/>
               </a:spcBef>
@@ -15579,13 +15559,11 @@
           <p:nvPr/>
         </p:nvSpPr>
         <p:spPr>
-          <a:xfrm>
-            <a:off x="6423025" y="4055745"/>
-            <a:ext cx="4266565" cy="646430"/>
+          <a:xfrm rot="0">
+            <a:off x="6712585" y="4055745"/>
+            <a:ext cx="4267200" cy="647065"/>
           </a:xfrm>
-          <a:prstGeom prst="rect">
-            <a:avLst/>
-          </a:prstGeom>
+          <a:prstGeom prst="rect"/>
           <a:noFill/>
           <a:ln w="0">
             <a:noFill/>
@@ -15593,12 +15571,12 @@
           </a:ln>
         </p:spPr>
         <p:txBody>
-          <a:bodyPr vert="horz" wrap="square" lIns="91440" tIns="45720" rIns="91440" bIns="45720" numCol="1" anchor="ctr">
+          <a:bodyPr wrap="square" lIns="91440" tIns="45720" rIns="91440" bIns="45720" numCol="1" vert="horz" anchor="ctr">
             <a:spAutoFit/>
           </a:bodyPr>
           <a:lstStyle/>
           <a:p>
-            <a:pPr marL="0" indent="0" algn="ctr" rtl="0" latinLnBrk="0">
+            <a:pPr marL="0" indent="0" rtl="0" algn="ctr" latinLnBrk="0">
               <a:spcBef>
                 <a:spcPts val="0"/>
               </a:spcBef>
@@ -15609,7 +15587,7 @@
               <a:buNone/>
             </a:pPr>
             <a:r>
-              <a:rPr lang="en-US" altLang="ko-KR" sz="3600" b="1" dirty="0">
+              <a:rPr lang="en-US" altLang="ko-KR" sz="3600" b="1">
                 <a:solidFill>
                   <a:srgbClr val="694680"/>
                 </a:solidFill>
@@ -15618,7 +15596,7 @@
               </a:rPr>
               <a:t>Feedback</a:t>
             </a:r>
-            <a:endParaRPr lang="ko-KR" altLang="en-US" sz="3600" b="1" dirty="0">
+            <a:endParaRPr lang="ko-KR" altLang="en-US" sz="3600" b="1">
               <a:solidFill>
                 <a:srgbClr val="694680"/>
               </a:solidFill>
@@ -15637,13 +15615,11 @@
           <p:nvPr/>
         </p:nvSpPr>
         <p:spPr>
-          <a:xfrm>
-            <a:off x="6778625" y="6572250"/>
-            <a:ext cx="3357880" cy="1107440"/>
+          <a:xfrm rot="0">
+            <a:off x="7068185" y="6572250"/>
+            <a:ext cx="3358515" cy="1108075"/>
           </a:xfrm>
-          <a:prstGeom prst="rect">
-            <a:avLst/>
-          </a:prstGeom>
+          <a:prstGeom prst="rect"/>
           <a:noFill/>
           <a:ln w="0">
             <a:noFill/>
@@ -15651,12 +15627,12 @@
           </a:ln>
         </p:spPr>
         <p:txBody>
-          <a:bodyPr vert="horz" wrap="square" lIns="91440" tIns="45720" rIns="91440" bIns="45720" numCol="1" anchor="ctr">
+          <a:bodyPr wrap="square" lIns="91440" tIns="45720" rIns="91440" bIns="45720" numCol="1" vert="horz" anchor="ctr">
             <a:spAutoFit/>
           </a:bodyPr>
           <a:lstStyle/>
           <a:p>
-            <a:pPr marL="457200" indent="-361950" algn="l" rtl="0" latinLnBrk="0">
+            <a:pPr marL="457200" indent="-361950" rtl="0" algn="l" latinLnBrk="0">
               <a:spcBef>
                 <a:spcPts val="0"/>
               </a:spcBef>
@@ -15697,13 +15673,11 @@
           <p:nvPr/>
         </p:nvSpPr>
         <p:spPr>
-          <a:xfrm>
-            <a:off x="11875770" y="4055745"/>
-            <a:ext cx="3249930" cy="646430"/>
+          <a:xfrm rot="0">
+            <a:off x="12165330" y="4055745"/>
+            <a:ext cx="3250565" cy="647065"/>
           </a:xfrm>
-          <a:prstGeom prst="rect">
-            <a:avLst/>
-          </a:prstGeom>
+          <a:prstGeom prst="rect"/>
           <a:noFill/>
           <a:ln w="0">
             <a:noFill/>
@@ -15711,12 +15685,12 @@
           </a:ln>
         </p:spPr>
         <p:txBody>
-          <a:bodyPr vert="horz" wrap="square" lIns="91440" tIns="45720" rIns="91440" bIns="45720" numCol="1" anchor="ctr">
+          <a:bodyPr wrap="square" lIns="91440" tIns="45720" rIns="91440" bIns="45720" numCol="1" vert="horz" anchor="ctr">
             <a:spAutoFit/>
           </a:bodyPr>
           <a:lstStyle/>
           <a:p>
-            <a:pPr marL="0" indent="0" algn="ctr" rtl="0" latinLnBrk="0">
+            <a:pPr marL="0" indent="0" rtl="0" algn="ctr" latinLnBrk="0">
               <a:spcBef>
                 <a:spcPts val="0"/>
               </a:spcBef>
@@ -15727,7 +15701,7 @@
               <a:buNone/>
             </a:pPr>
             <a:r>
-              <a:rPr lang="en-US" altLang="ko-KR" sz="3600" b="1" dirty="0">
+              <a:rPr lang="en-US" altLang="ko-KR" sz="3600" b="1">
                 <a:solidFill>
                   <a:srgbClr val="694680"/>
                 </a:solidFill>
@@ -15736,7 +15710,7 @@
               </a:rPr>
               <a:t>Coordination</a:t>
             </a:r>
-            <a:endParaRPr lang="ko-KR" altLang="en-US" sz="3600" b="1" dirty="0">
+            <a:endParaRPr lang="ko-KR" altLang="en-US" sz="3600" b="1">
               <a:solidFill>
                 <a:srgbClr val="694680"/>
               </a:solidFill>
@@ -15755,13 +15729,11 @@
           <p:nvPr/>
         </p:nvSpPr>
         <p:spPr>
-          <a:xfrm>
-            <a:off x="11824335" y="6500495"/>
-            <a:ext cx="3380740" cy="1107440"/>
+          <a:xfrm rot="0">
+            <a:off x="12113895" y="6500495"/>
+            <a:ext cx="3381375" cy="1108075"/>
           </a:xfrm>
-          <a:prstGeom prst="rect">
-            <a:avLst/>
-          </a:prstGeom>
+          <a:prstGeom prst="rect"/>
           <a:noFill/>
           <a:ln w="0">
             <a:noFill/>
@@ -15769,12 +15741,12 @@
           </a:ln>
         </p:spPr>
         <p:txBody>
-          <a:bodyPr vert="horz" wrap="square" lIns="91440" tIns="45720" rIns="91440" bIns="45720" numCol="1" anchor="ctr">
+          <a:bodyPr wrap="square" lIns="91440" tIns="45720" rIns="91440" bIns="45720" numCol="1" vert="horz" anchor="ctr">
             <a:spAutoFit/>
           </a:bodyPr>
           <a:lstStyle/>
           <a:p>
-            <a:pPr marL="457200" indent="-361950" algn="l" rtl="0" latinLnBrk="0">
+            <a:pPr marL="457200" indent="-361950" rtl="0" algn="l" latinLnBrk="0">
               <a:spcBef>
                 <a:spcPts val="0"/>
               </a:spcBef>
@@ -15865,53 +15837,14 @@
       </p:sp>
       <p:pic>
         <p:nvPicPr>
-          <p:cNvPr id="3" name="그림 2">
-            <a:extLst>
-              <a:ext uri="{FF2B5EF4-FFF2-40B4-BE49-F238E27FC236}">
-                <a16:creationId xmlns:a16="http://schemas.microsoft.com/office/drawing/2014/main" id="{C18EFDE9-3BE5-48A0-AAB1-D7D3AE7EEECD}"/>
-              </a:ext>
-            </a:extLst>
-          </p:cNvPr>
-          <p:cNvPicPr>
-            <a:picLocks noChangeAspect="1"/>
-          </p:cNvPicPr>
-          <p:nvPr/>
-        </p:nvPicPr>
-        <p:blipFill>
-          <a:blip r:embed="rId5">
-            <a:duotone>
-              <a:schemeClr val="accent4">
-                <a:shade val="45000"/>
-                <a:satMod val="135000"/>
-              </a:schemeClr>
-              <a:prstClr val="white"/>
-            </a:duotone>
-          </a:blip>
-          <a:stretch>
-            <a:fillRect/>
-          </a:stretch>
-        </p:blipFill>
-        <p:spPr>
-          <a:xfrm>
-            <a:off x="3065145" y="2948940"/>
-            <a:ext cx="993140" cy="993140"/>
-          </a:xfrm>
-          <a:prstGeom prst="rect">
-            <a:avLst/>
-          </a:prstGeom>
-          <a:noFill/>
-        </p:spPr>
-      </p:pic>
-      <p:pic>
-        <p:nvPicPr>
-          <p:cNvPr id="4" name="그림 3" descr="C:/Users/admin/AppData/Roaming/PolarisOffice/ETemp/7076_12434608/image10.png"/>
+          <p:cNvPr id="3" name="그림 2" descr="C:/Users/admin/AppData/Roaming/PolarisOffice/ETemp/8108_14731568/image11.png"/>
           <p:cNvPicPr>
             <a:picLocks noChangeAspect="1"/>
           </p:cNvPicPr>
           <p:nvPr/>
         </p:nvPicPr>
         <p:blipFill rotWithShape="1">
-          <a:blip r:embed="rId6" cstate="print">
+          <a:blip r:embed="rId5" cstate="print">
             <a:duotone>
               <a:srgbClr val="583D78"/>
               <a:prstClr val="white"/>
@@ -15927,13 +15860,44 @@
           </a:stretch>
         </p:blipFill>
         <p:spPr>
-          <a:xfrm>
-            <a:off x="8054340" y="2880360"/>
-            <a:ext cx="1062355" cy="1062355"/>
+          <a:xfrm rot="0">
+            <a:off x="3354705" y="2948940"/>
+            <a:ext cx="993775" cy="993775"/>
           </a:xfrm>
-          <a:prstGeom prst="rect">
-            <a:avLst/>
-          </a:prstGeom>
+          <a:prstGeom prst="rect"/>
+          <a:noFill/>
+        </p:spPr>
+      </p:pic>
+      <p:pic>
+        <p:nvPicPr>
+          <p:cNvPr id="4" name="그림 3" descr="C:/Users/admin/AppData/Roaming/PolarisOffice/ETemp/8108_14731568/image12.png"/>
+          <p:cNvPicPr>
+            <a:picLocks noChangeAspect="1"/>
+          </p:cNvPicPr>
+          <p:nvPr/>
+        </p:nvPicPr>
+        <p:blipFill rotWithShape="1">
+          <a:blip r:embed="rId6" cstate="hqprint">
+            <a:duotone>
+              <a:srgbClr val="583D78"/>
+              <a:prstClr val="white"/>
+            </a:duotone>
+            <a:extLst>
+              <a:ext uri="{28A0092B-C50C-407E-A947-70E740481C1C}">
+                <a14:useLocalDpi xmlns:a14="http://schemas.microsoft.com/office/drawing/2010/main"/>
+              </a:ext>
+            </a:extLst>
+          </a:blip>
+          <a:stretch>
+            <a:fillRect/>
+          </a:stretch>
+        </p:blipFill>
+        <p:spPr>
+          <a:xfrm rot="0">
+            <a:off x="8343900" y="2880360"/>
+            <a:ext cx="1062990" cy="1062990"/>
+          </a:xfrm>
+          <a:prstGeom prst="rect"/>
           <a:noFill/>
           <a:ln w="0">
             <a:noFill/>
@@ -15946,40 +15910,35 @@
       </p:pic>
       <p:pic>
         <p:nvPicPr>
-          <p:cNvPr id="6" name="그림 5">
-            <a:extLst>
-              <a:ext uri="{FF2B5EF4-FFF2-40B4-BE49-F238E27FC236}">
-                <a16:creationId xmlns:a16="http://schemas.microsoft.com/office/drawing/2014/main" id="{AF1598A8-96CD-4C79-8D60-49C7A0409100}"/>
-              </a:ext>
-            </a:extLst>
-          </p:cNvPr>
+          <p:cNvPr id="6" name="그림 5" descr="C:/Users/admin/AppData/Roaming/PolarisOffice/ETemp/8108_14731568/image13.png"/>
           <p:cNvPicPr>
             <a:picLocks noChangeAspect="1"/>
           </p:cNvPicPr>
           <p:nvPr/>
         </p:nvPicPr>
-        <p:blipFill>
-          <a:blip r:embed="rId7">
+        <p:blipFill rotWithShape="1">
+          <a:blip r:embed="rId7" cstate="print">
             <a:duotone>
-              <a:schemeClr val="accent4">
-                <a:shade val="45000"/>
-                <a:satMod val="135000"/>
-              </a:schemeClr>
+              <a:srgbClr val="583D78"/>
               <a:prstClr val="white"/>
             </a:duotone>
+            <a:extLst>
+              <a:ext uri="{28A0092B-C50C-407E-A947-70E740481C1C}">
+                <a14:useLocalDpi xmlns:a14="http://schemas.microsoft.com/office/drawing/2010/main" val="0"/>
+              </a:ext>
+            </a:extLst>
           </a:blip>
           <a:stretch>
             <a:fillRect/>
           </a:stretch>
         </p:blipFill>
         <p:spPr>
-          <a:xfrm>
-            <a:off x="12979400" y="2880360"/>
-            <a:ext cx="999490" cy="995680"/>
+          <a:xfrm rot="0">
+            <a:off x="13268960" y="2880360"/>
+            <a:ext cx="1000125" cy="996315"/>
           </a:xfrm>
-          <a:prstGeom prst="rect">
-            <a:avLst/>
-          </a:prstGeom>
+          <a:prstGeom prst="rect"/>
+          <a:noFill/>
         </p:spPr>
       </p:pic>
     </p:spTree>
@@ -15987,6 +15946,21 @@
   <p:clrMapOvr>
     <a:masterClrMapping/>
   </p:clrMapOvr>
+  <mc:AlternateContent xmlns:mc="http://schemas.openxmlformats.org/markup-compatibility/2006">
+    <mc:Choice xmlns:p14="http://schemas.microsoft.com/office/powerpoint/2010/main" Requires="p14">
+      <p:transition spd="slow" p14:dur="2000"/>
+    </mc:Choice>
+    <mc:Fallback>
+      <p:transition spd="slow"/>
+    </mc:Fallback>
+  </mc:AlternateContent>
+  <p:timing>
+    <p:tnLst>
+      <p:par>
+        <p:cTn id="1" dur="indefinite" restart="never" nodeType="tmRoot"/>
+      </p:par>
+    </p:tnLst>
+  </p:timing>
 </p:sld>
 </file>
 

--- a/기획서/5조 Fit-back.pptx
+++ b/기획서/5조 Fit-back.pptx
@@ -2,7 +2,7 @@
 <file path=ppt/presentation.xml><?xml version="1.0" encoding="utf-8"?>
 <p:presentation xmlns:a="http://schemas.openxmlformats.org/drawingml/2006/main" xmlns:r="http://schemas.openxmlformats.org/officeDocument/2006/relationships" xmlns:p="http://schemas.openxmlformats.org/presentationml/2006/main" xmlns:p14="http://schemas.microsoft.com/office/powerpoint/2010/main" strictFirstAndLastChars="0" saveSubsetFonts="1" autoCompressPictures="0">
   <p:sldMasterIdLst>
-    <p:sldMasterId id="2147483699" r:id="rId12"/>
+    <p:sldMasterId id="2147483700" r:id="rId12"/>
   </p:sldMasterIdLst>
   <p:notesMasterIdLst>
     <p:notesMasterId r:id="rId14"/>
@@ -14,10 +14,10 @@
     <p:sldId id="280" r:id="rId22"/>
     <p:sldId id="287" r:id="rId24"/>
     <p:sldId id="281" r:id="rId25"/>
-    <p:sldId id="282" r:id="rId26"/>
-    <p:sldId id="283" r:id="rId28"/>
-    <p:sldId id="284" r:id="rId30"/>
-    <p:sldId id="279" r:id="rId32"/>
+    <p:sldId id="282" r:id="rId27"/>
+    <p:sldId id="283" r:id="rId29"/>
+    <p:sldId id="284" r:id="rId31"/>
+    <p:sldId id="279" r:id="rId33"/>
     <p:sldId id="276" r:id="rId34"/>
   </p:sldIdLst>
   <p:sldSz cx="18288000" cy="10287000"/>
@@ -254,12 +254,12 @@
   <p:extLst>
     <p:ext uri="{EFAFB233-063F-42B5-8137-9DF3F51BA10A}">
       <p15:sldGuideLst xmlns:p15="http://schemas.microsoft.com/office/powerpoint/2012/main">
-        <p15:guide id="1" orient="horz" pos="2150" userDrawn="0">
+        <p15:guide id="1" orient="horz" pos="2149" userDrawn="0">
           <p15:clr>
             <a:srgbClr val="000000"/>
           </p15:clr>
         </p15:guide>
-        <p15:guide id="2" pos="2870" userDrawn="0">
+        <p15:guide id="2" pos="2869" userDrawn="0">
           <p15:clr>
             <a:srgbClr val="000000"/>
           </p15:clr>
@@ -11660,7 +11660,7 @@
 </file>
 
 <file path=ppt/slides/slide10.xml><?xml version="1.0" encoding="utf-8"?>
-<p:sld xmlns:a="http://schemas.openxmlformats.org/drawingml/2006/main" xmlns:r="http://schemas.openxmlformats.org/officeDocument/2006/relationships" xmlns:p="http://schemas.openxmlformats.org/presentationml/2006/main">
+<p:sld xmlns:a="http://schemas.openxmlformats.org/drawingml/2006/main" xmlns:r="http://schemas.openxmlformats.org/officeDocument/2006/relationships" xmlns:p="http://schemas.openxmlformats.org/presentationml/2006/main" xmlns:p14="http://schemas.microsoft.com/office/powerpoint/2010/main">
   <p:cSld>
     <p:spTree>
       <p:nvGrpSpPr>
@@ -11849,14 +11849,14 @@
       </p:sp>
       <p:pic>
         <p:nvPicPr>
-          <p:cNvPr id="205" name="그림 1" descr="C:/Users/admin/AppData/Roaming/PolarisOffice/ETemp/7532_16637176/fImage5964420541.png"/>
+          <p:cNvPr id="205" name="그림 1" descr="C:/Users/admin/AppData/Roaming/PolarisOffice/ETemp/12976_9479448/fImage5434522541.png"/>
           <p:cNvPicPr>
             <a:picLocks noChangeAspect="1"/>
           </p:cNvPicPr>
           <p:nvPr/>
         </p:nvPicPr>
         <p:blipFill rotWithShape="1">
-          <a:blip r:embed="rId3" cstate="print">
+          <a:blip r:embed="rId4" cstate="print">
             <a:extLst>
               <a:ext uri="{28A0092B-C50C-407E-A947-70E740481C1C}">
                 <a14:useLocalDpi xmlns:a14="http://schemas.microsoft.com/office/drawing/2010/main" val="0"/>
@@ -11868,13 +11868,11 @@
           </a:stretch>
         </p:blipFill>
         <p:spPr>
-          <a:xfrm>
-            <a:off x="1918335" y="1776730"/>
-            <a:ext cx="14439900" cy="7729855"/>
+          <a:xfrm rot="0">
+            <a:off x="1518285" y="1811655"/>
+            <a:ext cx="15386685" cy="7529195"/>
           </a:xfrm>
-          <a:prstGeom prst="rect">
-            <a:avLst/>
-          </a:prstGeom>
+          <a:prstGeom prst="rect"/>
           <a:noFill/>
         </p:spPr>
       </p:pic>
@@ -11883,6 +11881,21 @@
   <p:clrMapOvr>
     <a:masterClrMapping/>
   </p:clrMapOvr>
+  <mc:AlternateContent xmlns:mc="http://schemas.openxmlformats.org/markup-compatibility/2006">
+    <mc:Choice xmlns:p14="http://schemas.microsoft.com/office/powerpoint/2010/main" Requires="p14">
+      <p:transition spd="slow" p14:dur="2000"/>
+    </mc:Choice>
+    <mc:Fallback>
+      <p:transition spd="slow"/>
+    </mc:Fallback>
+  </mc:AlternateContent>
+  <p:timing>
+    <p:tnLst>
+      <p:par>
+        <p:cTn id="1" dur="indefinite" restart="never" nodeType="tmRoot"/>
+      </p:par>
+    </p:tnLst>
+  </p:timing>
 </p:sld>
 </file>
 

--- a/기획서/5조 Fit-back.pptx
+++ b/기획서/5조 Fit-back.pptx
@@ -2,23 +2,26 @@
 <file path=ppt/presentation.xml><?xml version="1.0" encoding="utf-8"?>
 <p:presentation xmlns:a="http://schemas.openxmlformats.org/drawingml/2006/main" xmlns:r="http://schemas.openxmlformats.org/officeDocument/2006/relationships" xmlns:p="http://schemas.openxmlformats.org/presentationml/2006/main" xmlns:p14="http://schemas.microsoft.com/office/powerpoint/2010/main" strictFirstAndLastChars="0" saveSubsetFonts="1" autoCompressPictures="0">
   <p:sldMasterIdLst>
-    <p:sldMasterId id="2147483700" r:id="rId12"/>
+    <p:sldMasterId id="2147483712" r:id="rId12"/>
   </p:sldMasterIdLst>
   <p:notesMasterIdLst>
     <p:notesMasterId r:id="rId14"/>
   </p:notesMasterIdLst>
   <p:sldIdLst>
     <p:sldId id="256" r:id="rId16"/>
-    <p:sldId id="278" r:id="rId18"/>
-    <p:sldId id="286" r:id="rId20"/>
-    <p:sldId id="280" r:id="rId22"/>
-    <p:sldId id="287" r:id="rId24"/>
-    <p:sldId id="281" r:id="rId25"/>
-    <p:sldId id="282" r:id="rId27"/>
-    <p:sldId id="283" r:id="rId29"/>
-    <p:sldId id="284" r:id="rId31"/>
-    <p:sldId id="279" r:id="rId33"/>
-    <p:sldId id="276" r:id="rId34"/>
+    <p:sldId id="278" r:id="rId17"/>
+    <p:sldId id="286" r:id="rId18"/>
+    <p:sldId id="280" r:id="rId19"/>
+    <p:sldId id="287" r:id="rId20"/>
+    <p:sldId id="281" r:id="rId21"/>
+    <p:sldId id="282" r:id="rId22"/>
+    <p:sldId id="283" r:id="rId23"/>
+    <p:sldId id="284" r:id="rId24"/>
+    <p:sldId id="288" r:id="rId25"/>
+    <p:sldId id="289" r:id="rId26"/>
+    <p:sldId id="290" r:id="rId27"/>
+    <p:sldId id="279" r:id="rId28"/>
+    <p:sldId id="276" r:id="rId29"/>
   </p:sldIdLst>
   <p:sldSz cx="18288000" cy="10287000"/>
   <p:notesSz cx="10287000" cy="18288000"/>
@@ -254,12 +257,12 @@
   <p:extLst>
     <p:ext uri="{EFAFB233-063F-42B5-8137-9DF3F51BA10A}">
       <p15:sldGuideLst xmlns:p15="http://schemas.microsoft.com/office/powerpoint/2012/main">
-        <p15:guide id="1" orient="horz" pos="2149" userDrawn="0">
+        <p15:guide id="1" orient="horz" pos="2148" userDrawn="0">
           <p15:clr>
             <a:srgbClr val="000000"/>
           </p15:clr>
         </p15:guide>
-        <p15:guide id="2" pos="2869" userDrawn="0">
+        <p15:guide id="2" pos="2868" userDrawn="0">
           <p15:clr>
             <a:srgbClr val="000000"/>
           </p15:clr>
@@ -816,6 +819,468 @@
 </file>
 
 <file path=ppt/notesSlides/notesSlide10.xml><?xml version="1.0" encoding="utf-8"?>
+<p:notes xmlns:a="http://schemas.openxmlformats.org/drawingml/2006/main" xmlns:r="http://schemas.openxmlformats.org/officeDocument/2006/relationships" xmlns:p="http://schemas.openxmlformats.org/presentationml/2006/main">
+  <p:cSld>
+    <p:spTree>
+      <p:nvGrpSpPr>
+        <p:cNvPr id="1" name=""/>
+        <p:cNvGrpSpPr/>
+        <p:nvPr/>
+      </p:nvGrpSpPr>
+      <p:grpSpPr>
+        <a:xfrm>
+          <a:off x="0" y="0"/>
+          <a:ext cx="0" cy="0"/>
+          <a:chOff x="0" y="0"/>
+          <a:chExt cx="0" cy="0"/>
+        </a:xfrm>
+      </p:grpSpPr>
+      <p:sp>
+        <p:nvSpPr>
+          <p:cNvPr id="129" name="Google Shape;129;p3:notes"/>
+          <p:cNvSpPr txBox="1">
+            <a:spLocks/>
+          </p:cNvSpPr>
+          <p:nvPr>
+            <p:ph type="body" idx="1"/>
+          </p:nvPr>
+        </p:nvSpPr>
+        <p:spPr>
+          <a:xfrm rot="0">
+            <a:off x="1028700" y="8686800"/>
+            <a:ext cx="8230235" cy="8230235"/>
+          </a:xfrm>
+          <a:prstGeom prst="rect"/>
+          <a:noFill/>
+          <a:ln w="0">
+            <a:noFill/>
+            <a:prstDash/>
+          </a:ln>
+        </p:spPr>
+        <p:txBody>
+          <a:bodyPr wrap="square" lIns="91440" tIns="91440" rIns="91440" bIns="91440" numCol="1" vert="horz" anchor="t">
+            <a:noAutofit/>
+          </a:bodyPr>
+          <a:lstStyle/>
+          <a:p>
+            <a:pPr marL="0" indent="0" rtl="0" algn="l" latinLnBrk="0">
+              <a:spcBef>
+                <a:spcPts val="0"/>
+              </a:spcBef>
+              <a:spcAft>
+                <a:spcPts val="0"/>
+              </a:spcAft>
+              <a:buFontTx/>
+              <a:buNone/>
+            </a:pPr>
+          </a:p>
+        </p:txBody>
+      </p:sp>
+      <p:sp>
+        <p:nvSpPr>
+          <p:cNvPr id="130" name="Google Shape;130;p3:notes"/>
+          <p:cNvSpPr>
+            <a:spLocks noChangeAspect="1"/>
+          </p:cNvSpPr>
+          <p:nvPr>
+            <p:ph type="sldImg"/>
+          </p:nvPr>
+        </p:nvSpPr>
+        <p:spPr>
+          <a:xfrm rot="0">
+            <a:off x="-952500" y="1371600"/>
+            <a:ext cx="12192635" cy="6858635"/>
+          </a:xfrm>
+          <a:custGeom>
+            <a:gdLst>
+              <a:gd fmla="*/ 0 w 120001" name="TX0"/>
+              <a:gd fmla="*/ 0 h 120001" name="TY0"/>
+              <a:gd fmla="*/ 120000 w 120001" name="TX1"/>
+              <a:gd fmla="*/ 0 h 120001" name="TY1"/>
+              <a:gd fmla="*/ 120000 w 120001" name="TX2"/>
+              <a:gd fmla="*/ 120000 h 120001" name="TY2"/>
+              <a:gd fmla="*/ 0 w 120001" name="TX3"/>
+              <a:gd fmla="*/ 120000 h 120001" name="TY3"/>
+            </a:gdLst>
+            <a:cxnLst>
+              <a:cxn ang="0">
+                <a:pos x="TX0" y="TY0"/>
+              </a:cxn>
+              <a:cxn ang="0">
+                <a:pos x="TX1" y="TY1"/>
+              </a:cxn>
+              <a:cxn ang="0">
+                <a:pos x="TX2" y="TY2"/>
+              </a:cxn>
+              <a:cxn ang="0">
+                <a:pos x="TX3" y="TY3"/>
+              </a:cxn>
+            </a:cxnLst>
+            <a:rect l="l" t="t" r="r" b="b"/>
+            <a:pathLst>
+              <a:path w="120001" h="120001">
+                <a:moveTo>
+                  <a:pt x="0" y="0"/>
+                </a:moveTo>
+                <a:lnTo>
+                  <a:pt x="120000" y="0"/>
+                </a:lnTo>
+                <a:lnTo>
+                  <a:pt x="120000" y="120000"/>
+                </a:lnTo>
+                <a:lnTo>
+                  <a:pt x="0" y="120000"/>
+                </a:lnTo>
+                <a:close/>
+              </a:path>
+            </a:pathLst>
+          </a:custGeom>
+          <a:noFill/>
+          <a:ln w="9525" cap="flat" cmpd="sng">
+            <a:solidFill>
+              <a:srgbClr val="000000">
+                <a:alpha val="100000"/>
+              </a:srgbClr>
+            </a:solidFill>
+            <a:prstDash val="solid"/>
+            <a:round/>
+          </a:ln>
+        </p:spPr>
+        <p:txBody>
+          <a:bodyPr wrap="square" lIns="0" tIns="0" rIns="0" bIns="0" vert="horz" anchor="t">
+            <a:noAutofit/>
+          </a:bodyPr>
+          <a:lstStyle/>
+          <a:p>
+            <a:pPr marL="0" indent="0"/>
+          </a:p>
+        </p:txBody>
+      </p:sp>
+    </p:spTree>
+  </p:cSld>
+  <p:clrMapOvr>
+    <a:masterClrMapping/>
+  </p:clrMapOvr>
+  <mc:AlternateContent xmlns:mc="http://schemas.openxmlformats.org/markup-compatibility/2006">
+    <mc:Choice xmlns:p14="http://schemas.microsoft.com/office/powerpoint/2010/main" Requires="p14">
+      <p:transition spd="slow" p14:dur="0"/>
+    </mc:Choice>
+    <mc:Fallback>
+      <p:transition spd="slow"/>
+    </mc:Fallback>
+  </mc:AlternateContent>
+</p:notes>
+</file>
+
+<file path=ppt/notesSlides/notesSlide11.xml><?xml version="1.0" encoding="utf-8"?>
+<p:notes xmlns:a="http://schemas.openxmlformats.org/drawingml/2006/main" xmlns:r="http://schemas.openxmlformats.org/officeDocument/2006/relationships" xmlns:p="http://schemas.openxmlformats.org/presentationml/2006/main">
+  <p:cSld>
+    <p:spTree>
+      <p:nvGrpSpPr>
+        <p:cNvPr id="1" name=""/>
+        <p:cNvGrpSpPr/>
+        <p:nvPr/>
+      </p:nvGrpSpPr>
+      <p:grpSpPr>
+        <a:xfrm>
+          <a:off x="0" y="0"/>
+          <a:ext cx="0" cy="0"/>
+          <a:chOff x="0" y="0"/>
+          <a:chExt cx="0" cy="0"/>
+        </a:xfrm>
+      </p:grpSpPr>
+      <p:sp>
+        <p:nvSpPr>
+          <p:cNvPr id="129" name="Google Shape;129;p3:notes"/>
+          <p:cNvSpPr txBox="1">
+            <a:spLocks/>
+          </p:cNvSpPr>
+          <p:nvPr>
+            <p:ph type="body" idx="1"/>
+          </p:nvPr>
+        </p:nvSpPr>
+        <p:spPr>
+          <a:xfrm rot="0">
+            <a:off x="1028700" y="8686800"/>
+            <a:ext cx="8230235" cy="8230235"/>
+          </a:xfrm>
+          <a:prstGeom prst="rect"/>
+          <a:noFill/>
+          <a:ln w="0">
+            <a:noFill/>
+            <a:prstDash/>
+          </a:ln>
+        </p:spPr>
+        <p:txBody>
+          <a:bodyPr wrap="square" lIns="91440" tIns="91440" rIns="91440" bIns="91440" numCol="1" vert="horz" anchor="t">
+            <a:noAutofit/>
+          </a:bodyPr>
+          <a:lstStyle/>
+          <a:p>
+            <a:pPr marL="0" indent="0" rtl="0" algn="l" latinLnBrk="0">
+              <a:spcBef>
+                <a:spcPts val="0"/>
+              </a:spcBef>
+              <a:spcAft>
+                <a:spcPts val="0"/>
+              </a:spcAft>
+              <a:buFontTx/>
+              <a:buNone/>
+            </a:pPr>
+          </a:p>
+        </p:txBody>
+      </p:sp>
+      <p:sp>
+        <p:nvSpPr>
+          <p:cNvPr id="130" name="Google Shape;130;p3:notes"/>
+          <p:cNvSpPr>
+            <a:spLocks noChangeAspect="1"/>
+          </p:cNvSpPr>
+          <p:nvPr>
+            <p:ph type="sldImg"/>
+          </p:nvPr>
+        </p:nvSpPr>
+        <p:spPr>
+          <a:xfrm rot="0">
+            <a:off x="-952500" y="1371600"/>
+            <a:ext cx="12192635" cy="6858635"/>
+          </a:xfrm>
+          <a:custGeom>
+            <a:gdLst>
+              <a:gd fmla="*/ 0 w 120001" name="TX0"/>
+              <a:gd fmla="*/ 0 h 120001" name="TY0"/>
+              <a:gd fmla="*/ 120000 w 120001" name="TX1"/>
+              <a:gd fmla="*/ 0 h 120001" name="TY1"/>
+              <a:gd fmla="*/ 120000 w 120001" name="TX2"/>
+              <a:gd fmla="*/ 120000 h 120001" name="TY2"/>
+              <a:gd fmla="*/ 0 w 120001" name="TX3"/>
+              <a:gd fmla="*/ 120000 h 120001" name="TY3"/>
+            </a:gdLst>
+            <a:cxnLst>
+              <a:cxn ang="0">
+                <a:pos x="TX0" y="TY0"/>
+              </a:cxn>
+              <a:cxn ang="0">
+                <a:pos x="TX1" y="TY1"/>
+              </a:cxn>
+              <a:cxn ang="0">
+                <a:pos x="TX2" y="TY2"/>
+              </a:cxn>
+              <a:cxn ang="0">
+                <a:pos x="TX3" y="TY3"/>
+              </a:cxn>
+            </a:cxnLst>
+            <a:rect l="l" t="t" r="r" b="b"/>
+            <a:pathLst>
+              <a:path w="120001" h="120001">
+                <a:moveTo>
+                  <a:pt x="0" y="0"/>
+                </a:moveTo>
+                <a:lnTo>
+                  <a:pt x="120000" y="0"/>
+                </a:lnTo>
+                <a:lnTo>
+                  <a:pt x="120000" y="120000"/>
+                </a:lnTo>
+                <a:lnTo>
+                  <a:pt x="0" y="120000"/>
+                </a:lnTo>
+                <a:close/>
+              </a:path>
+            </a:pathLst>
+          </a:custGeom>
+          <a:noFill/>
+          <a:ln w="9525" cap="flat" cmpd="sng">
+            <a:solidFill>
+              <a:srgbClr val="000000">
+                <a:alpha val="100000"/>
+              </a:srgbClr>
+            </a:solidFill>
+            <a:prstDash val="solid"/>
+            <a:round/>
+          </a:ln>
+        </p:spPr>
+        <p:txBody>
+          <a:bodyPr wrap="square" lIns="0" tIns="0" rIns="0" bIns="0" vert="horz" anchor="t">
+            <a:noAutofit/>
+          </a:bodyPr>
+          <a:lstStyle/>
+          <a:p>
+            <a:pPr marL="0" indent="0"/>
+          </a:p>
+        </p:txBody>
+      </p:sp>
+    </p:spTree>
+  </p:cSld>
+  <p:clrMapOvr>
+    <a:masterClrMapping/>
+  </p:clrMapOvr>
+  <mc:AlternateContent xmlns:mc="http://schemas.openxmlformats.org/markup-compatibility/2006">
+    <mc:Choice xmlns:p14="http://schemas.microsoft.com/office/powerpoint/2010/main" Requires="p14">
+      <p:transition spd="slow" p14:dur="0"/>
+    </mc:Choice>
+    <mc:Fallback>
+      <p:transition spd="slow"/>
+    </mc:Fallback>
+  </mc:AlternateContent>
+</p:notes>
+</file>
+
+<file path=ppt/notesSlides/notesSlide12.xml><?xml version="1.0" encoding="utf-8"?>
+<p:notes xmlns:a="http://schemas.openxmlformats.org/drawingml/2006/main" xmlns:r="http://schemas.openxmlformats.org/officeDocument/2006/relationships" xmlns:p="http://schemas.openxmlformats.org/presentationml/2006/main">
+  <p:cSld>
+    <p:spTree>
+      <p:nvGrpSpPr>
+        <p:cNvPr id="1" name=""/>
+        <p:cNvGrpSpPr/>
+        <p:nvPr/>
+      </p:nvGrpSpPr>
+      <p:grpSpPr>
+        <a:xfrm>
+          <a:off x="0" y="0"/>
+          <a:ext cx="0" cy="0"/>
+          <a:chOff x="0" y="0"/>
+          <a:chExt cx="0" cy="0"/>
+        </a:xfrm>
+      </p:grpSpPr>
+      <p:sp>
+        <p:nvSpPr>
+          <p:cNvPr id="129" name="Google Shape;129;p3:notes"/>
+          <p:cNvSpPr txBox="1">
+            <a:spLocks/>
+          </p:cNvSpPr>
+          <p:nvPr>
+            <p:ph type="body" idx="1"/>
+          </p:nvPr>
+        </p:nvSpPr>
+        <p:spPr>
+          <a:xfrm rot="0">
+            <a:off x="1028700" y="8686800"/>
+            <a:ext cx="8230235" cy="8230235"/>
+          </a:xfrm>
+          <a:prstGeom prst="rect"/>
+          <a:noFill/>
+          <a:ln w="0">
+            <a:noFill/>
+            <a:prstDash/>
+          </a:ln>
+        </p:spPr>
+        <p:txBody>
+          <a:bodyPr wrap="square" lIns="91440" tIns="91440" rIns="91440" bIns="91440" numCol="1" vert="horz" anchor="t">
+            <a:noAutofit/>
+          </a:bodyPr>
+          <a:lstStyle/>
+          <a:p>
+            <a:pPr marL="0" indent="0" rtl="0" algn="l" latinLnBrk="0">
+              <a:spcBef>
+                <a:spcPts val="0"/>
+              </a:spcBef>
+              <a:spcAft>
+                <a:spcPts val="0"/>
+              </a:spcAft>
+              <a:buFontTx/>
+              <a:buNone/>
+            </a:pPr>
+          </a:p>
+        </p:txBody>
+      </p:sp>
+      <p:sp>
+        <p:nvSpPr>
+          <p:cNvPr id="130" name="Google Shape;130;p3:notes"/>
+          <p:cNvSpPr>
+            <a:spLocks noChangeAspect="1"/>
+          </p:cNvSpPr>
+          <p:nvPr>
+            <p:ph type="sldImg"/>
+          </p:nvPr>
+        </p:nvSpPr>
+        <p:spPr>
+          <a:xfrm rot="0">
+            <a:off x="-952500" y="1371600"/>
+            <a:ext cx="12192635" cy="6858635"/>
+          </a:xfrm>
+          <a:custGeom>
+            <a:gdLst>
+              <a:gd fmla="*/ 0 w 120001" name="TX0"/>
+              <a:gd fmla="*/ 0 h 120001" name="TY0"/>
+              <a:gd fmla="*/ 120000 w 120001" name="TX1"/>
+              <a:gd fmla="*/ 0 h 120001" name="TY1"/>
+              <a:gd fmla="*/ 120000 w 120001" name="TX2"/>
+              <a:gd fmla="*/ 120000 h 120001" name="TY2"/>
+              <a:gd fmla="*/ 0 w 120001" name="TX3"/>
+              <a:gd fmla="*/ 120000 h 120001" name="TY3"/>
+            </a:gdLst>
+            <a:cxnLst>
+              <a:cxn ang="0">
+                <a:pos x="TX0" y="TY0"/>
+              </a:cxn>
+              <a:cxn ang="0">
+                <a:pos x="TX1" y="TY1"/>
+              </a:cxn>
+              <a:cxn ang="0">
+                <a:pos x="TX2" y="TY2"/>
+              </a:cxn>
+              <a:cxn ang="0">
+                <a:pos x="TX3" y="TY3"/>
+              </a:cxn>
+            </a:cxnLst>
+            <a:rect l="l" t="t" r="r" b="b"/>
+            <a:pathLst>
+              <a:path w="120001" h="120001">
+                <a:moveTo>
+                  <a:pt x="0" y="0"/>
+                </a:moveTo>
+                <a:lnTo>
+                  <a:pt x="120000" y="0"/>
+                </a:lnTo>
+                <a:lnTo>
+                  <a:pt x="120000" y="120000"/>
+                </a:lnTo>
+                <a:lnTo>
+                  <a:pt x="0" y="120000"/>
+                </a:lnTo>
+                <a:close/>
+              </a:path>
+            </a:pathLst>
+          </a:custGeom>
+          <a:noFill/>
+          <a:ln w="9525" cap="flat" cmpd="sng">
+            <a:solidFill>
+              <a:srgbClr val="000000">
+                <a:alpha val="100000"/>
+              </a:srgbClr>
+            </a:solidFill>
+            <a:prstDash val="solid"/>
+            <a:round/>
+          </a:ln>
+        </p:spPr>
+        <p:txBody>
+          <a:bodyPr wrap="square" lIns="0" tIns="0" rIns="0" bIns="0" vert="horz" anchor="t">
+            <a:noAutofit/>
+          </a:bodyPr>
+          <a:lstStyle/>
+          <a:p>
+            <a:pPr marL="0" indent="0"/>
+          </a:p>
+        </p:txBody>
+      </p:sp>
+    </p:spTree>
+  </p:cSld>
+  <p:clrMapOvr>
+    <a:masterClrMapping/>
+  </p:clrMapOvr>
+  <mc:AlternateContent xmlns:mc="http://schemas.openxmlformats.org/markup-compatibility/2006">
+    <mc:Choice xmlns:p14="http://schemas.microsoft.com/office/powerpoint/2010/main" Requires="p14">
+      <p:transition spd="slow" p14:dur="0"/>
+    </mc:Choice>
+    <mc:Fallback>
+      <p:transition spd="slow"/>
+    </mc:Fallback>
+  </mc:AlternateContent>
+</p:notes>
+</file>
+
+<file path=ppt/notesSlides/notesSlide13.xml><?xml version="1.0" encoding="utf-8"?>
 <mc:AlternateContent xmlns:mc="http://schemas.openxmlformats.org/markup-compatibility/2006" xmlns:p14="http://schemas.microsoft.com/office/powerpoint/2010/main">
   <mc:Choice Requires="p14">
     <p:notes xmlns:a="http://schemas.openxmlformats.org/drawingml/2006/main" xmlns:r="http://schemas.openxmlformats.org/officeDocument/2006/relationships" xmlns:p="http://schemas.openxmlformats.org/presentationml/2006/main">
@@ -974,7 +1439,7 @@
 </mc:AlternateContent>
 </file>
 
-<file path=ppt/notesSlides/notesSlide11.xml><?xml version="1.0" encoding="utf-8"?>
+<file path=ppt/notesSlides/notesSlide14.xml><?xml version="1.0" encoding="utf-8"?>
 <p:notes xmlns:a="http://schemas.openxmlformats.org/drawingml/2006/main" xmlns:r="http://schemas.openxmlformats.org/officeDocument/2006/relationships" xmlns:p="http://schemas.openxmlformats.org/presentationml/2006/main" showMasterSp="0" showMasterPhAnim="0">
   <p:cSld>
     <p:spTree>
@@ -11217,14 +11682,13 @@
 </file>
 
 <file path=ppt/slides/slide1.xml><?xml version="1.0" encoding="utf-8"?>
-<p:sld xmlns:a="http://schemas.openxmlformats.org/drawingml/2006/main" xmlns:r="http://schemas.openxmlformats.org/officeDocument/2006/relationships" xmlns:p="http://schemas.openxmlformats.org/presentationml/2006/main">
+<p:sld xmlns:a="http://schemas.openxmlformats.org/drawingml/2006/main" xmlns:r="http://schemas.openxmlformats.org/officeDocument/2006/relationships" xmlns:p="http://schemas.openxmlformats.org/presentationml/2006/main" xmlns:p14="http://schemas.microsoft.com/office/powerpoint/2010/main">
   <p:cSld>
     <p:bg>
       <p:bgPr>
         <a:solidFill>
           <a:srgbClr val="694680"/>
         </a:solidFill>
-        <a:effectLst/>
       </p:bgPr>
     </p:bg>
     <p:spTree>
@@ -11243,17 +11707,17 @@
       </p:grpSpPr>
       <p:pic>
         <p:nvPicPr>
-          <p:cNvPr id="84" name="Google Shape;84;p13"/>
+          <p:cNvPr id="84" name="Google Shape;84;p13" descr="C:/Users/admin/AppData/Roaming/PolarisOffice/ETemp/1420_21229216/image1.png"/>
           <p:cNvPicPr preferRelativeResize="0">
             <a:picLocks/>
           </p:cNvPicPr>
           <p:nvPr/>
         </p:nvPicPr>
         <p:blipFill rotWithShape="1">
-          <a:blip r:embed="rId3" cstate="print">
+          <a:blip r:embed="rId3" cstate="hqprint">
             <a:extLst>
               <a:ext uri="{28A0092B-C50C-407E-A947-70E740481C1C}">
-                <a14:useLocalDpi xmlns:a14="http://schemas.microsoft.com/office/drawing/2010/main" val="0"/>
+                <a14:useLocalDpi xmlns:a14="http://schemas.microsoft.com/office/drawing/2010/main"/>
               </a:ext>
             </a:extLst>
           </a:blip>
@@ -11262,13 +11726,11 @@
           </a:stretch>
         </p:blipFill>
         <p:spPr>
-          <a:xfrm>
+          <a:xfrm rot="0">
             <a:off x="6251575" y="1398270"/>
-            <a:ext cx="5783580" cy="5878195"/>
-          </a:xfrm>
-          <a:prstGeom prst="rect">
-            <a:avLst/>
-          </a:prstGeom>
+            <a:ext cx="5784215" cy="5878830"/>
+          </a:xfrm>
+          <a:prstGeom prst="rect"/>
           <a:noFill/>
           <a:ln w="0">
             <a:noFill/>
@@ -11279,29 +11741,30 @@
       <p:sp>
         <p:nvSpPr>
           <p:cNvPr id="85" name="Google Shape;85;p13"/>
-          <p:cNvSpPr txBox="1"/>
+          <p:cNvSpPr txBox="1">
+            <a:spLocks/>
+          </p:cNvSpPr>
           <p:nvPr/>
         </p:nvSpPr>
         <p:spPr>
-          <a:xfrm>
-            <a:off x="5849620" y="6427470"/>
-            <a:ext cx="6586855" cy="353695"/>
-          </a:xfrm>
-          <a:prstGeom prst="rect">
-            <a:avLst/>
-          </a:prstGeom>
+          <a:xfrm rot="0">
+            <a:off x="5849620" y="6334125"/>
+            <a:ext cx="6587490" cy="461010"/>
+          </a:xfrm>
+          <a:prstGeom prst="rect"/>
           <a:noFill/>
-          <a:ln>
+          <a:ln w="0">
             <a:noFill/>
+            <a:prstDash/>
           </a:ln>
         </p:spPr>
         <p:txBody>
-          <a:bodyPr vert="horz" wrap="square" lIns="91440" tIns="45720" rIns="91440" bIns="45720" numCol="1" anchor="t">
+          <a:bodyPr wrap="square" lIns="91440" tIns="45720" rIns="91440" bIns="45720" numCol="1" vert="horz" anchor="t">
             <a:spAutoFit/>
           </a:bodyPr>
           <a:lstStyle/>
           <a:p>
-            <a:pPr marL="0" indent="0" algn="ctr" rtl="0" latinLnBrk="0">
+            <a:pPr marL="0" indent="0" rtl="0" algn="ctr" latinLnBrk="0">
               <a:spcBef>
                 <a:spcPts val="0"/>
               </a:spcBef>
@@ -11312,7 +11775,7 @@
               <a:buNone/>
             </a:pPr>
             <a:r>
-              <a:rPr lang="ko-KR" sz="1700" b="1" i="0" strike="noStrike" cap="none">
+              <a:rPr lang="ko-KR" sz="2400" cap="none" i="0" b="1" strike="noStrike">
                 <a:solidFill>
                   <a:srgbClr val="F5F5F5"/>
                 </a:solidFill>
@@ -11320,9 +11783,53 @@
                 <a:ea typeface="나눔바른고딕" charset="0"/>
                 <a:cs typeface="Arial" charset="0"/>
               </a:rPr>
-              <a:t>권빛나리       곽다은       신효원</a:t>
+              <a:t>권빛나리</a:t>
             </a:r>
-            <a:endParaRPr lang="ko-KR" altLang="en-US" sz="1700" b="1" i="0" strike="noStrike" cap="none">
+            <a:r>
+              <a:rPr lang="ko-KR" sz="2400" cap="none" i="0" b="1" strike="noStrike">
+                <a:solidFill>
+                  <a:srgbClr val="F5F5F5"/>
+                </a:solidFill>
+                <a:latin typeface="나눔바른고딕" charset="0"/>
+                <a:ea typeface="나눔바른고딕" charset="0"/>
+                <a:cs typeface="Arial" charset="0"/>
+              </a:rPr>
+              <a:t>       </a:t>
+            </a:r>
+            <a:r>
+              <a:rPr lang="ko-KR" sz="2400" cap="none" i="0" b="1" strike="noStrike">
+                <a:solidFill>
+                  <a:srgbClr val="F5F5F5"/>
+                </a:solidFill>
+                <a:latin typeface="나눔바른고딕" charset="0"/>
+                <a:ea typeface="나눔바른고딕" charset="0"/>
+                <a:cs typeface="Arial" charset="0"/>
+              </a:rPr>
+              <a:t>곽다은</a:t>
+            </a:r>
+            <a:r>
+              <a:rPr lang="ko-KR" sz="2400" cap="none" i="0" b="1" strike="noStrike">
+                <a:solidFill>
+                  <a:srgbClr val="F5F5F5"/>
+                </a:solidFill>
+                <a:latin typeface="나눔바른고딕" charset="0"/>
+                <a:ea typeface="나눔바른고딕" charset="0"/>
+                <a:cs typeface="Arial" charset="0"/>
+              </a:rPr>
+              <a:t>       </a:t>
+            </a:r>
+            <a:r>
+              <a:rPr lang="ko-KR" sz="2400" cap="none" i="0" b="1" strike="noStrike">
+                <a:solidFill>
+                  <a:srgbClr val="F5F5F5"/>
+                </a:solidFill>
+                <a:latin typeface="나눔바른고딕" charset="0"/>
+                <a:ea typeface="나눔바른고딕" charset="0"/>
+                <a:cs typeface="Arial" charset="0"/>
+              </a:rPr>
+              <a:t>신효원</a:t>
+            </a:r>
+            <a:endParaRPr lang="ko-KR" altLang="en-US" sz="2400" cap="none" i="0" b="1" strike="noStrike">
               <a:solidFill>
                 <a:srgbClr val="F5F5F5"/>
               </a:solidFill>
@@ -11344,7 +11851,7 @@
         <p:spPr>
           <a:xfrm>
             <a:off x="-4935220" y="3296285"/>
-            <a:ext cx="28131135" cy="2707005"/>
+            <a:ext cx="28131770" cy="2860040"/>
           </a:xfrm>
           <a:prstGeom prst="rect">
             <a:avLst/>
@@ -11356,12 +11863,12 @@
           </a:ln>
         </p:spPr>
         <p:txBody>
-          <a:bodyPr vert="horz" wrap="square" lIns="91440" tIns="45720" rIns="91440" bIns="45720" numCol="1" anchor="ctr">
+          <a:bodyPr wrap="square" lIns="91440" tIns="45720" rIns="91440" bIns="45720" numCol="1" vert="horz" anchor="ctr">
             <a:spAutoFit/>
           </a:bodyPr>
           <a:lstStyle/>
           <a:p>
-            <a:pPr marL="0" indent="0" algn="ctr" rtl="0" latinLnBrk="0">
+            <a:pPr marL="0" indent="0" rtl="0" algn="ctr" latinLnBrk="0">
               <a:spcBef>
                 <a:spcPts val="0"/>
               </a:spcBef>
@@ -11372,7 +11879,7 @@
               <a:buNone/>
             </a:pPr>
             <a:r>
-              <a:rPr lang="ko-KR" sz="7200" b="0" i="0" strike="noStrike" cap="none">
+              <a:rPr lang="ko-KR" sz="6000" cap="none" i="0" b="0" strike="noStrike">
                 <a:solidFill>
                   <a:srgbClr val="FFFFFF"/>
                 </a:solidFill>
@@ -11382,7 +11889,7 @@
               </a:rPr>
               <a:t>“Fit-Back”</a:t>
             </a:r>
-            <a:endParaRPr lang="ko-KR" altLang="en-US" sz="7200" b="0" i="0" strike="noStrike" cap="none">
+            <a:endParaRPr lang="ko-KR" altLang="en-US" sz="6000" cap="none" i="0" b="0" strike="noStrike">
               <a:solidFill>
                 <a:srgbClr val="FFFFFF"/>
               </a:solidFill>
@@ -11392,7 +11899,7 @@
             </a:endParaRPr>
           </a:p>
           <a:p>
-            <a:pPr marL="0" indent="0" algn="ctr" rtl="0" latinLnBrk="0">
+            <a:pPr marL="0" indent="0" rtl="0" algn="ctr" latinLnBrk="0">
               <a:spcBef>
                 <a:spcPts val="0"/>
               </a:spcBef>
@@ -11403,7 +11910,7 @@
               <a:buNone/>
             </a:pPr>
             <a:r>
-              <a:rPr lang="ko-KR" sz="5000" b="0" i="0" strike="noStrike" cap="none">
+              <a:rPr lang="ko-KR" sz="6000" cap="none" i="0" b="0" strike="noStrike">
                 <a:solidFill>
                   <a:srgbClr val="FFFFFF"/>
                 </a:solidFill>
@@ -11411,9 +11918,97 @@
                 <a:ea typeface="나눔바른고딕" charset="0"/>
                 <a:cs typeface="Arial" charset="0"/>
               </a:rPr>
-              <a:t>데일리룩 관리 및 피드백 서비스</a:t>
+              <a:t>데일리룩</a:t>
             </a:r>
-            <a:endParaRPr lang="ko-KR" altLang="en-US" sz="5000" b="0" i="0" strike="noStrike" cap="none">
+            <a:r>
+              <a:rPr lang="ko-KR" sz="6000" cap="none" i="0" b="0" strike="noStrike">
+                <a:solidFill>
+                  <a:srgbClr val="FFFFFF"/>
+                </a:solidFill>
+                <a:latin typeface="나눔바른고딕" charset="0"/>
+                <a:ea typeface="나눔바른고딕" charset="0"/>
+                <a:cs typeface="Arial" charset="0"/>
+              </a:rPr>
+              <a:t> </a:t>
+            </a:r>
+            <a:r>
+              <a:rPr lang="ko-KR" sz="6000" cap="none" i="0" b="0" strike="noStrike">
+                <a:solidFill>
+                  <a:srgbClr val="FFFFFF"/>
+                </a:solidFill>
+                <a:latin typeface="나눔바른고딕" charset="0"/>
+                <a:ea typeface="나눔바른고딕" charset="0"/>
+                <a:cs typeface="Arial" charset="0"/>
+              </a:rPr>
+              <a:t>관리</a:t>
+            </a:r>
+            <a:r>
+              <a:rPr lang="ko-KR" sz="6000" cap="none" i="0" b="0" strike="noStrike">
+                <a:solidFill>
+                  <a:srgbClr val="FFFFFF"/>
+                </a:solidFill>
+                <a:latin typeface="나눔바른고딕" charset="0"/>
+                <a:ea typeface="나눔바른고딕" charset="0"/>
+                <a:cs typeface="Arial" charset="0"/>
+              </a:rPr>
+              <a:t> </a:t>
+            </a:r>
+            <a:r>
+              <a:rPr lang="ko-KR" sz="6000" cap="none" i="0" b="0" strike="noStrike">
+                <a:solidFill>
+                  <a:srgbClr val="FFFFFF"/>
+                </a:solidFill>
+                <a:latin typeface="나눔바른고딕" charset="0"/>
+                <a:ea typeface="나눔바른고딕" charset="0"/>
+                <a:cs typeface="Arial" charset="0"/>
+              </a:rPr>
+              <a:t>및</a:t>
+            </a:r>
+            <a:r>
+              <a:rPr lang="ko-KR" sz="6000" cap="none" i="0" b="0" strike="noStrike">
+                <a:solidFill>
+                  <a:srgbClr val="FFFFFF"/>
+                </a:solidFill>
+                <a:latin typeface="나눔바른고딕" charset="0"/>
+                <a:ea typeface="나눔바른고딕" charset="0"/>
+                <a:cs typeface="Arial" charset="0"/>
+              </a:rPr>
+              <a:t> </a:t>
+            </a:r>
+            <a:r>
+              <a:rPr lang="ko-KR" sz="6000" cap="none" i="0" b="0" strike="noStrike">
+                <a:solidFill>
+                  <a:srgbClr val="FFFFFF"/>
+                </a:solidFill>
+                <a:latin typeface="나눔바른고딕" charset="0"/>
+                <a:ea typeface="나눔바른고딕" charset="0"/>
+                <a:cs typeface="Arial" charset="0"/>
+              </a:rPr>
+              <a:t>피드백</a:t>
+            </a:r>
+            <a:r>
+              <a:rPr lang="ko-KR" sz="6000" cap="none" i="0" b="0" strike="noStrike">
+                <a:solidFill>
+                  <a:srgbClr val="FFFFFF"/>
+                </a:solidFill>
+                <a:latin typeface="나눔바른고딕" charset="0"/>
+                <a:ea typeface="나눔바른고딕" charset="0"/>
+                <a:cs typeface="Arial" charset="0"/>
+              </a:rPr>
+              <a:t> </a:t>
+            </a:r>
+            <a:r>
+              <a:rPr lang="ko-KR" sz="6000" cap="none" i="0" b="0" strike="noStrike">
+                <a:solidFill>
+                  <a:srgbClr val="FFFFFF"/>
+                </a:solidFill>
+                <a:latin typeface="나눔바른고딕" charset="0"/>
+                <a:ea typeface="나눔바른고딕" charset="0"/>
+                <a:cs typeface="Arial" charset="0"/>
+              </a:rPr>
+              <a:t>서비스</a:t>
+            </a:r>
+            <a:endParaRPr lang="ko-KR" altLang="en-US" sz="6000" cap="none" i="0" b="0" strike="noStrike">
               <a:solidFill>
                 <a:srgbClr val="FFFFFF"/>
               </a:solidFill>
@@ -11423,7 +12018,7 @@
             </a:endParaRPr>
           </a:p>
           <a:p>
-            <a:pPr marL="0" indent="0" algn="ctr" rtl="0" latinLnBrk="0">
+            <a:pPr marL="0" indent="0" rtl="0" algn="ctr" latinLnBrk="0">
               <a:spcBef>
                 <a:spcPts val="0"/>
               </a:spcBef>
@@ -11433,7 +12028,7 @@
               <a:buFontTx/>
               <a:buNone/>
             </a:pPr>
-            <a:endParaRPr lang="ko-KR" altLang="en-US" sz="4800" b="0" i="0" strike="noStrike" cap="none">
+            <a:endParaRPr lang="ko-KR" altLang="en-US" sz="6000" cap="none" i="0" b="0" strike="noStrike">
               <a:solidFill>
                 <a:srgbClr val="FFFFFF"/>
               </a:solidFill>
@@ -11515,7 +12110,7 @@
         <p:spPr>
           <a:xfrm>
             <a:off x="904875" y="9210040"/>
-            <a:ext cx="1024890" cy="353695"/>
+            <a:ext cx="1025525" cy="307340"/>
           </a:xfrm>
           <a:prstGeom prst="rect">
             <a:avLst/>
@@ -11527,12 +12122,12 @@
           </a:ln>
         </p:spPr>
         <p:txBody>
-          <a:bodyPr vert="horz" wrap="square" lIns="91440" tIns="45720" rIns="91440" bIns="45720" numCol="1" anchor="ctr">
+          <a:bodyPr wrap="square" lIns="91440" tIns="45720" rIns="91440" bIns="45720" numCol="1" vert="horz" anchor="ctr">
             <a:spAutoFit/>
           </a:bodyPr>
           <a:lstStyle/>
           <a:p>
-            <a:pPr marL="0" indent="0" algn="l" rtl="0" latinLnBrk="0">
+            <a:pPr marL="0" indent="0" rtl="0" algn="l" latinLnBrk="0">
               <a:spcBef>
                 <a:spcPts val="0"/>
               </a:spcBef>
@@ -11543,7 +12138,7 @@
               <a:buNone/>
             </a:pPr>
             <a:r>
-              <a:rPr lang="ko-KR" sz="1700" b="1" i="0" strike="noStrike" cap="none">
+              <a:rPr lang="ko-KR" sz="1400" cap="none" i="0" b="1" strike="noStrike">
                 <a:solidFill>
                   <a:srgbClr val="F5F5F5"/>
                 </a:solidFill>
@@ -11553,7 +12148,7 @@
               </a:rPr>
               <a:t>핏-백</a:t>
             </a:r>
-            <a:endParaRPr lang="ko-KR" altLang="en-US" sz="1700" b="1" i="0" strike="noStrike" cap="none">
+            <a:endParaRPr lang="ko-KR" altLang="en-US" sz="1400" cap="none" i="0" b="1" strike="noStrike">
               <a:solidFill>
                 <a:srgbClr val="F5F5F5"/>
               </a:solidFill>
@@ -11656,10 +12251,1429 @@
   <p:clrMapOvr>
     <a:masterClrMapping/>
   </p:clrMapOvr>
+  <mc:AlternateContent xmlns:mc="http://schemas.openxmlformats.org/markup-compatibility/2006">
+    <mc:Choice xmlns:p14="http://schemas.microsoft.com/office/powerpoint/2010/main" Requires="p14">
+      <p:transition spd="slow" p14:dur="2000"/>
+    </mc:Choice>
+    <mc:Fallback>
+      <p:transition spd="slow"/>
+    </mc:Fallback>
+  </mc:AlternateContent>
+  <p:timing>
+    <p:tnLst>
+      <p:par>
+        <p:cTn id="1" dur="indefinite" restart="never" nodeType="tmRoot"/>
+      </p:par>
+    </p:tnLst>
+  </p:timing>
 </p:sld>
 </file>
 
 <file path=ppt/slides/slide10.xml><?xml version="1.0" encoding="utf-8"?>
+<p:sld xmlns:a="http://schemas.openxmlformats.org/drawingml/2006/main" xmlns:r="http://schemas.openxmlformats.org/officeDocument/2006/relationships" xmlns:p="http://schemas.openxmlformats.org/presentationml/2006/main">
+  <p:cSld>
+    <p:spTree>
+      <p:nvGrpSpPr>
+        <p:cNvPr id="1" name=""/>
+        <p:cNvGrpSpPr/>
+        <p:nvPr/>
+      </p:nvGrpSpPr>
+      <p:grpSpPr>
+        <a:xfrm>
+          <a:off x="0" y="0"/>
+          <a:ext cx="0" cy="0"/>
+          <a:chOff x="0" y="0"/>
+          <a:chExt cx="0" cy="0"/>
+        </a:xfrm>
+      </p:grpSpPr>
+      <p:pic>
+        <p:nvPicPr>
+          <p:cNvPr id="150" name="Picture " descr="C:/Users/admin/AppData/Roaming/PolarisOffice/ETemp/1420_21229216/image10.png"/>
+          <p:cNvPicPr>
+            <a:picLocks/>
+          </p:cNvPicPr>
+          <p:nvPr/>
+        </p:nvPicPr>
+        <p:blipFill rotWithShape="1">
+          <a:blip r:embed="rId2" cstate="hqprint">
+            <a:extLst>
+              <a:ext uri="{28A0092B-C50C-407E-A947-70E740481C1C}">
+                <a14:useLocalDpi xmlns:a14="http://schemas.microsoft.com/office/drawing/2010/main"/>
+              </a:ext>
+            </a:extLst>
+          </a:blip>
+          <a:stretch>
+            <a:fillRect/>
+          </a:stretch>
+        </p:blipFill>
+        <p:spPr>
+          <a:xfrm rot="0">
+            <a:off x="1435100" y="1524000"/>
+            <a:ext cx="15093315" cy="48260"/>
+          </a:xfrm>
+          <a:prstGeom prst="rect"/>
+          <a:noFill/>
+          <a:ln w="0">
+            <a:noFill/>
+            <a:prstDash/>
+          </a:ln>
+        </p:spPr>
+      </p:pic>
+      <p:sp>
+        <p:nvSpPr>
+          <p:cNvPr id="152" name="Rect 0"/>
+          <p:cNvSpPr txBox="1">
+            <a:spLocks/>
+          </p:cNvSpPr>
+          <p:nvPr/>
+        </p:nvSpPr>
+        <p:spPr>
+          <a:xfrm rot="0">
+            <a:off x="6148070" y="430530"/>
+            <a:ext cx="6256020" cy="861060"/>
+          </a:xfrm>
+          <a:prstGeom prst="rect"/>
+          <a:noFill/>
+          <a:ln w="0">
+            <a:noFill/>
+            <a:prstDash/>
+          </a:ln>
+        </p:spPr>
+        <p:txBody>
+          <a:bodyPr wrap="square" lIns="91440" tIns="45720" rIns="91440" bIns="45720" numCol="1" vert="horz" anchor="t">
+            <a:spAutoFit/>
+          </a:bodyPr>
+          <a:lstStyle/>
+          <a:p>
+            <a:pPr marL="0" indent="0" rtl="0" algn="ctr" latinLnBrk="0">
+              <a:spcBef>
+                <a:spcPts val="0"/>
+              </a:spcBef>
+              <a:spcAft>
+                <a:spcPts val="0"/>
+              </a:spcAft>
+              <a:buFontTx/>
+              <a:buNone/>
+            </a:pPr>
+            <a:r>
+              <a:rPr lang="en-US" sz="5000" b="1">
+                <a:solidFill>
+                  <a:srgbClr val="694680"/>
+                </a:solidFill>
+                <a:latin typeface="나눔바른고딕" charset="0"/>
+                <a:ea typeface="나눔바른고딕" charset="0"/>
+                <a:cs typeface="Impact" charset="0"/>
+              </a:rPr>
+              <a:t>협업 방식</a:t>
+            </a:r>
+            <a:endParaRPr lang="ko-KR" altLang="en-US" sz="5000" b="1">
+              <a:solidFill>
+                <a:srgbClr val="694680"/>
+              </a:solidFill>
+              <a:latin typeface="나눔바른고딕" charset="0"/>
+              <a:ea typeface="나눔바른고딕" charset="0"/>
+              <a:cs typeface="Impact" charset="0"/>
+            </a:endParaRPr>
+          </a:p>
+        </p:txBody>
+      </p:sp>
+      <p:sp>
+        <p:nvSpPr>
+          <p:cNvPr id="175" name="Rect 0"/>
+          <p:cNvSpPr>
+            <a:spLocks/>
+          </p:cNvSpPr>
+          <p:nvPr/>
+        </p:nvSpPr>
+        <p:spPr>
+          <a:xfrm rot="0">
+            <a:off x="349250" y="238125"/>
+            <a:ext cx="17623155" cy="9822815"/>
+          </a:xfrm>
+          <a:prstGeom prst="rect"/>
+          <a:noFill/>
+          <a:ln w="57150" cap="flat" cmpd="sng">
+            <a:solidFill>
+              <a:srgbClr val="694680">
+                <a:alpha val="100000"/>
+              </a:srgbClr>
+            </a:solidFill>
+            <a:prstDash val="solid"/>
+            <a:round/>
+          </a:ln>
+        </p:spPr>
+        <p:style>
+          <a:lnRef idx="2">
+            <a:schemeClr val="accent1">
+              <a:shade val="50000"/>
+            </a:schemeClr>
+          </a:lnRef>
+          <a:fillRef idx="1">
+            <a:schemeClr val="accent1"/>
+          </a:fillRef>
+          <a:effectRef idx="0">
+            <a:schemeClr val="accent1"/>
+          </a:effectRef>
+          <a:fontRef idx="minor">
+            <a:schemeClr val="lt1"/>
+          </a:fontRef>
+        </p:style>
+        <p:txBody>
+          <a:bodyPr wrap="square" lIns="91440" tIns="45720" rIns="91440" bIns="45720" numCol="1" vert="horz" anchor="ctr">
+            <a:noAutofit/>
+          </a:bodyPr>
+          <a:lstStyle/>
+          <a:p>
+            <a:pPr marL="0" indent="0" algn="ctr" latinLnBrk="0" hangingPunct="1"/>
+            <a:endParaRPr lang="ko-KR" altLang="en-US" sz="1800">
+              <a:latin typeface="맑은 고딕" charset="0"/>
+              <a:ea typeface="맑은 고딕" charset="0"/>
+            </a:endParaRPr>
+          </a:p>
+        </p:txBody>
+      </p:sp>
+      <p:pic>
+        <p:nvPicPr>
+          <p:cNvPr id="177" name="그림 47" descr="C:/Users/admin/AppData/Roaming/PolarisOffice/ETemp/1420_21229216/fImage1003134641.png"/>
+          <p:cNvPicPr>
+            <a:picLocks noChangeAspect="1"/>
+          </p:cNvPicPr>
+          <p:nvPr/>
+        </p:nvPicPr>
+        <p:blipFill rotWithShape="1">
+          <a:blip r:embed="rId3" cstate="print">
+            <a:extLst>
+              <a:ext uri="{28A0092B-C50C-407E-A947-70E740481C1C}">
+                <a14:useLocalDpi xmlns:a14="http://schemas.microsoft.com/office/drawing/2010/main" val="0"/>
+              </a:ext>
+            </a:extLst>
+          </a:blip>
+          <a:srcRect b="49988"/>
+          <a:stretch>
+            <a:fillRect/>
+          </a:stretch>
+        </p:blipFill>
+        <p:spPr>
+          <a:xfrm rot="0">
+            <a:off x="12123420" y="1742440"/>
+            <a:ext cx="2736850" cy="1294130"/>
+          </a:xfrm>
+          <a:prstGeom prst="rect"/>
+          <a:noFill/>
+        </p:spPr>
+      </p:pic>
+      <p:pic>
+        <p:nvPicPr>
+          <p:cNvPr id="179" name="그림 52" descr="C:/Users/admin/AppData/Roaming/PolarisOffice/ETemp/1420_21229216/fImage421793568467.png"/>
+          <p:cNvPicPr>
+            <a:picLocks noChangeAspect="1"/>
+          </p:cNvPicPr>
+          <p:nvPr/>
+        </p:nvPicPr>
+        <p:blipFill rotWithShape="1">
+          <a:blip r:embed="rId4" cstate="print">
+            <a:extLst>
+              <a:ext uri="{28A0092B-C50C-407E-A947-70E740481C1C}">
+                <a14:useLocalDpi xmlns:a14="http://schemas.microsoft.com/office/drawing/2010/main" val="0"/>
+              </a:ext>
+            </a:extLst>
+          </a:blip>
+          <a:stretch>
+            <a:fillRect/>
+          </a:stretch>
+        </p:blipFill>
+        <p:spPr>
+          <a:xfrm rot="0">
+            <a:off x="7926705" y="1742440"/>
+            <a:ext cx="1344930" cy="1294130"/>
+          </a:xfrm>
+          <a:prstGeom prst="rect"/>
+          <a:noFill/>
+        </p:spPr>
+      </p:pic>
+      <p:pic>
+        <p:nvPicPr>
+          <p:cNvPr id="180" name="그림 53" descr="C:/Users/admin/AppData/Roaming/PolarisOffice/ETemp/1420_21229216/fImage50023586334.png"/>
+          <p:cNvPicPr>
+            <a:picLocks noChangeAspect="1"/>
+          </p:cNvPicPr>
+          <p:nvPr/>
+        </p:nvPicPr>
+        <p:blipFill rotWithShape="1">
+          <a:blip r:embed="rId5" cstate="print">
+            <a:extLst>
+              <a:ext uri="{28A0092B-C50C-407E-A947-70E740481C1C}">
+                <a14:useLocalDpi xmlns:a14="http://schemas.microsoft.com/office/drawing/2010/main" val="0"/>
+              </a:ext>
+            </a:extLst>
+          </a:blip>
+          <a:stretch>
+            <a:fillRect/>
+          </a:stretch>
+        </p:blipFill>
+        <p:spPr>
+          <a:xfrm rot="0">
+            <a:off x="2736215" y="1743075"/>
+            <a:ext cx="2335530" cy="1305560"/>
+          </a:xfrm>
+          <a:prstGeom prst="rect"/>
+          <a:noFill/>
+        </p:spPr>
+      </p:pic>
+      <p:pic>
+        <p:nvPicPr>
+          <p:cNvPr id="181" name="그림 54" descr="C:/Users/admin/AppData/Roaming/PolarisOffice/ETemp/1420_21229216/fImage242803596500.png"/>
+          <p:cNvPicPr>
+            <a:picLocks noChangeAspect="1"/>
+          </p:cNvPicPr>
+          <p:nvPr/>
+        </p:nvPicPr>
+        <p:blipFill rotWithShape="1">
+          <a:blip r:embed="rId6" cstate="print">
+            <a:extLst>
+              <a:ext uri="{28A0092B-C50C-407E-A947-70E740481C1C}">
+                <a14:useLocalDpi xmlns:a14="http://schemas.microsoft.com/office/drawing/2010/main" val="0"/>
+              </a:ext>
+            </a:extLst>
+          </a:blip>
+          <a:stretch>
+            <a:fillRect/>
+          </a:stretch>
+        </p:blipFill>
+        <p:spPr>
+          <a:xfrm rot="0">
+            <a:off x="1906905" y="3198495"/>
+            <a:ext cx="3978275" cy="6209030"/>
+          </a:xfrm>
+          <a:prstGeom prst="rect"/>
+          <a:noFill/>
+          <a:ln w="57150" cap="flat" cmpd="sng">
+            <a:solidFill>
+              <a:srgbClr val="856E95">
+                <a:alpha val="100000"/>
+              </a:srgbClr>
+            </a:solidFill>
+            <a:prstDash val="solid"/>
+            <a:round/>
+          </a:ln>
+        </p:spPr>
+      </p:pic>
+      <p:pic>
+        <p:nvPicPr>
+          <p:cNvPr id="182" name="그림 55" descr="C:/Users/admin/AppData/Roaming/PolarisOffice/ETemp/1420_21229216/fImage157993609169.png"/>
+          <p:cNvPicPr>
+            <a:picLocks noChangeAspect="1"/>
+          </p:cNvPicPr>
+          <p:nvPr/>
+        </p:nvPicPr>
+        <p:blipFill rotWithShape="1">
+          <a:blip r:embed="rId7" cstate="print">
+            <a:extLst>
+              <a:ext uri="{28A0092B-C50C-407E-A947-70E740481C1C}">
+                <a14:useLocalDpi xmlns:a14="http://schemas.microsoft.com/office/drawing/2010/main" val="0"/>
+              </a:ext>
+            </a:extLst>
+          </a:blip>
+          <a:stretch>
+            <a:fillRect/>
+          </a:stretch>
+        </p:blipFill>
+        <p:spPr>
+          <a:xfrm rot="0">
+            <a:off x="6951345" y="3223895"/>
+            <a:ext cx="3299460" cy="6183630"/>
+          </a:xfrm>
+          <a:prstGeom prst="rect"/>
+          <a:noFill/>
+          <a:ln w="57150" cap="flat" cmpd="sng">
+            <a:solidFill>
+              <a:srgbClr val="93819F">
+                <a:alpha val="100000"/>
+              </a:srgbClr>
+            </a:solidFill>
+            <a:prstDash val="solid"/>
+            <a:round/>
+          </a:ln>
+        </p:spPr>
+      </p:pic>
+      <p:pic>
+        <p:nvPicPr>
+          <p:cNvPr id="183" name="그림 57" descr="C:/Users/admin/AppData/Roaming/PolarisOffice/ETemp/1420_21229216/fImage580603625724.png"/>
+          <p:cNvPicPr>
+            <a:picLocks noChangeAspect="1"/>
+          </p:cNvPicPr>
+          <p:nvPr/>
+        </p:nvPicPr>
+        <p:blipFill rotWithShape="1">
+          <a:blip r:embed="rId8" cstate="print">
+            <a:extLst>
+              <a:ext uri="{28A0092B-C50C-407E-A947-70E740481C1C}">
+                <a14:useLocalDpi xmlns:a14="http://schemas.microsoft.com/office/drawing/2010/main" val="0"/>
+              </a:ext>
+            </a:extLst>
+          </a:blip>
+          <a:stretch>
+            <a:fillRect/>
+          </a:stretch>
+        </p:blipFill>
+        <p:spPr>
+          <a:xfrm rot="0">
+            <a:off x="10901680" y="3202305"/>
+            <a:ext cx="5776595" cy="3619500"/>
+          </a:xfrm>
+          <a:prstGeom prst="rect"/>
+          <a:noFill/>
+          <a:ln w="57150" cap="flat" cmpd="sng">
+            <a:solidFill>
+              <a:srgbClr val="7A5E8D">
+                <a:alpha val="100000"/>
+              </a:srgbClr>
+            </a:solidFill>
+            <a:prstDash val="solid"/>
+            <a:round/>
+          </a:ln>
+        </p:spPr>
+      </p:pic>
+      <p:pic>
+        <p:nvPicPr>
+          <p:cNvPr id="184" name="그림 58" descr="C:/Users/admin/AppData/Roaming/PolarisOffice/ETemp/1420_21229216/fImage102723631478.png"/>
+          <p:cNvPicPr>
+            <a:picLocks noChangeAspect="1"/>
+          </p:cNvPicPr>
+          <p:nvPr/>
+        </p:nvPicPr>
+        <p:blipFill rotWithShape="1">
+          <a:blip r:embed="rId9" cstate="print">
+            <a:extLst>
+              <a:ext uri="{28A0092B-C50C-407E-A947-70E740481C1C}">
+                <a14:useLocalDpi xmlns:a14="http://schemas.microsoft.com/office/drawing/2010/main" val="0"/>
+              </a:ext>
+            </a:extLst>
+          </a:blip>
+          <a:stretch>
+            <a:fillRect/>
+          </a:stretch>
+        </p:blipFill>
+        <p:spPr>
+          <a:xfrm rot="0">
+            <a:off x="12469495" y="7023735"/>
+            <a:ext cx="2305685" cy="2686685"/>
+          </a:xfrm>
+          <a:prstGeom prst="rect"/>
+          <a:noFill/>
+          <a:ln w="57150" cap="flat" cmpd="sng">
+            <a:solidFill>
+              <a:srgbClr val="7A5E8D">
+                <a:alpha val="100000"/>
+              </a:srgbClr>
+            </a:solidFill>
+            <a:prstDash val="solid"/>
+            <a:round/>
+          </a:ln>
+        </p:spPr>
+      </p:pic>
+    </p:spTree>
+  </p:cSld>
+  <p:clrMapOvr>
+    <a:masterClrMapping/>
+  </p:clrMapOvr>
+  <mc:AlternateContent xmlns:mc="http://schemas.openxmlformats.org/markup-compatibility/2006">
+    <mc:Choice xmlns:p14="http://schemas.microsoft.com/office/powerpoint/2010/main" Requires="p14">
+      <p:transition spd="slow" p14:dur="2000"/>
+    </mc:Choice>
+    <mc:Fallback>
+      <p:transition spd="slow"/>
+    </mc:Fallback>
+  </mc:AlternateContent>
+  <p:timing>
+    <p:tnLst>
+      <p:par>
+        <p:cTn id="1" dur="indefinite" restart="never" nodeType="tmRoot"/>
+      </p:par>
+    </p:tnLst>
+  </p:timing>
+</p:sld>
+</file>
+
+<file path=ppt/slides/slide11.xml><?xml version="1.0" encoding="utf-8"?>
+<p:sld xmlns:a="http://schemas.openxmlformats.org/drawingml/2006/main" xmlns:r="http://schemas.openxmlformats.org/officeDocument/2006/relationships" xmlns:p="http://schemas.openxmlformats.org/presentationml/2006/main">
+  <p:cSld>
+    <p:spTree>
+      <p:nvGrpSpPr>
+        <p:cNvPr id="1" name=""/>
+        <p:cNvGrpSpPr/>
+        <p:nvPr/>
+      </p:nvGrpSpPr>
+      <p:grpSpPr>
+        <a:xfrm>
+          <a:off x="0" y="0"/>
+          <a:ext cx="0" cy="0"/>
+          <a:chOff x="0" y="0"/>
+          <a:chExt cx="0" cy="0"/>
+        </a:xfrm>
+      </p:grpSpPr>
+      <p:pic>
+        <p:nvPicPr>
+          <p:cNvPr id="150" name="Picture " descr="C:/Users/admin/AppData/Roaming/PolarisOffice/ETemp/1420_21229216/image10.png"/>
+          <p:cNvPicPr>
+            <a:picLocks/>
+          </p:cNvPicPr>
+          <p:nvPr/>
+        </p:nvPicPr>
+        <p:blipFill rotWithShape="1">
+          <a:blip r:embed="rId2" cstate="hqprint">
+            <a:extLst>
+              <a:ext uri="{28A0092B-C50C-407E-A947-70E740481C1C}">
+                <a14:useLocalDpi xmlns:a14="http://schemas.microsoft.com/office/drawing/2010/main"/>
+              </a:ext>
+            </a:extLst>
+          </a:blip>
+          <a:stretch>
+            <a:fillRect/>
+          </a:stretch>
+        </p:blipFill>
+        <p:spPr>
+          <a:xfrm rot="0">
+            <a:off x="1435100" y="1524000"/>
+            <a:ext cx="15093315" cy="48260"/>
+          </a:xfrm>
+          <a:prstGeom prst="rect"/>
+          <a:noFill/>
+          <a:ln w="0">
+            <a:noFill/>
+            <a:prstDash/>
+          </a:ln>
+        </p:spPr>
+      </p:pic>
+      <p:sp>
+        <p:nvSpPr>
+          <p:cNvPr id="152" name="Rect 0"/>
+          <p:cNvSpPr txBox="1">
+            <a:spLocks/>
+          </p:cNvSpPr>
+          <p:nvPr/>
+        </p:nvSpPr>
+        <p:spPr>
+          <a:xfrm rot="0">
+            <a:off x="4365625" y="423545"/>
+            <a:ext cx="9557385" cy="861060"/>
+          </a:xfrm>
+          <a:prstGeom prst="rect"/>
+          <a:noFill/>
+          <a:ln w="0">
+            <a:noFill/>
+            <a:prstDash/>
+          </a:ln>
+        </p:spPr>
+        <p:txBody>
+          <a:bodyPr wrap="square" lIns="91440" tIns="45720" rIns="91440" bIns="45720" numCol="1" vert="horz" anchor="t">
+            <a:spAutoFit/>
+          </a:bodyPr>
+          <a:lstStyle/>
+          <a:p>
+            <a:pPr marL="0" indent="0" rtl="0" algn="ctr" latinLnBrk="0">
+              <a:spcBef>
+                <a:spcPts val="0"/>
+              </a:spcBef>
+              <a:spcAft>
+                <a:spcPts val="0"/>
+              </a:spcAft>
+              <a:buFontTx/>
+              <a:buNone/>
+            </a:pPr>
+            <a:r>
+              <a:rPr lang="en-US" sz="5000" b="1">
+                <a:solidFill>
+                  <a:srgbClr val="694680"/>
+                </a:solidFill>
+                <a:latin typeface="나눔바른고딕" charset="0"/>
+                <a:ea typeface="나눔바른고딕" charset="0"/>
+                <a:cs typeface="Impact" charset="0"/>
+              </a:rPr>
+              <a:t> Entity Relationship Diagram</a:t>
+            </a:r>
+            <a:endParaRPr lang="ko-KR" altLang="en-US" sz="5000" b="1">
+              <a:solidFill>
+                <a:srgbClr val="694680"/>
+              </a:solidFill>
+              <a:latin typeface="나눔바른고딕" charset="0"/>
+              <a:ea typeface="나눔바른고딕" charset="0"/>
+              <a:cs typeface="Impact" charset="0"/>
+            </a:endParaRPr>
+          </a:p>
+        </p:txBody>
+      </p:sp>
+      <p:sp>
+        <p:nvSpPr>
+          <p:cNvPr id="175" name="Rect 0"/>
+          <p:cNvSpPr>
+            <a:spLocks/>
+          </p:cNvSpPr>
+          <p:nvPr/>
+        </p:nvSpPr>
+        <p:spPr>
+          <a:xfrm rot="0">
+            <a:off x="349250" y="238125"/>
+            <a:ext cx="17623155" cy="9822815"/>
+          </a:xfrm>
+          <a:prstGeom prst="rect"/>
+          <a:noFill/>
+          <a:ln w="57150" cap="flat" cmpd="sng">
+            <a:solidFill>
+              <a:srgbClr val="694680">
+                <a:alpha val="100000"/>
+              </a:srgbClr>
+            </a:solidFill>
+            <a:prstDash val="solid"/>
+            <a:round/>
+          </a:ln>
+        </p:spPr>
+        <p:style>
+          <a:lnRef idx="2">
+            <a:schemeClr val="accent1">
+              <a:shade val="50000"/>
+            </a:schemeClr>
+          </a:lnRef>
+          <a:fillRef idx="1">
+            <a:schemeClr val="accent1"/>
+          </a:fillRef>
+          <a:effectRef idx="0">
+            <a:schemeClr val="accent1"/>
+          </a:effectRef>
+          <a:fontRef idx="minor">
+            <a:schemeClr val="lt1"/>
+          </a:fontRef>
+        </p:style>
+        <p:txBody>
+          <a:bodyPr wrap="square" lIns="91440" tIns="45720" rIns="91440" bIns="45720" numCol="1" vert="horz" anchor="ctr">
+            <a:noAutofit/>
+          </a:bodyPr>
+          <a:lstStyle/>
+          <a:p>
+            <a:pPr marL="0" indent="0" algn="ctr" latinLnBrk="0" hangingPunct="1"/>
+            <a:endParaRPr lang="ko-KR" altLang="en-US" sz="1800">
+              <a:latin typeface="맑은 고딕" charset="0"/>
+              <a:ea typeface="맑은 고딕" charset="0"/>
+            </a:endParaRPr>
+          </a:p>
+        </p:txBody>
+      </p:sp>
+      <p:pic>
+        <p:nvPicPr>
+          <p:cNvPr id="176" name="그림 21" descr="C:/Users/admin/AppData/Roaming/PolarisOffice/ETemp/1420_21229216/fImage946013229358.png"/>
+          <p:cNvPicPr>
+            <a:picLocks noChangeAspect="1"/>
+          </p:cNvPicPr>
+          <p:nvPr/>
+        </p:nvPicPr>
+        <p:blipFill rotWithShape="1">
+          <a:blip r:embed="rId3" cstate="print">
+            <a:extLst>
+              <a:ext uri="{28A0092B-C50C-407E-A947-70E740481C1C}">
+                <a14:useLocalDpi xmlns:a14="http://schemas.microsoft.com/office/drawing/2010/main" val="0"/>
+              </a:ext>
+            </a:extLst>
+          </a:blip>
+          <a:stretch>
+            <a:fillRect/>
+          </a:stretch>
+        </p:blipFill>
+        <p:spPr>
+          <a:xfrm rot="0">
+            <a:off x="4773930" y="1969135"/>
+            <a:ext cx="8756650" cy="7232650"/>
+          </a:xfrm>
+          <a:prstGeom prst="rect"/>
+          <a:noFill/>
+          <a:ln w="57150" cap="flat" cmpd="sng">
+            <a:solidFill>
+              <a:srgbClr val="856E95">
+                <a:alpha val="100000"/>
+              </a:srgbClr>
+            </a:solidFill>
+            <a:prstDash val="solid"/>
+            <a:round/>
+          </a:ln>
+        </p:spPr>
+      </p:pic>
+    </p:spTree>
+  </p:cSld>
+  <p:clrMapOvr>
+    <a:masterClrMapping/>
+  </p:clrMapOvr>
+  <mc:AlternateContent xmlns:mc="http://schemas.openxmlformats.org/markup-compatibility/2006">
+    <mc:Choice xmlns:p14="http://schemas.microsoft.com/office/powerpoint/2010/main" Requires="p14">
+      <p:transition spd="slow" p14:dur="2000"/>
+    </mc:Choice>
+    <mc:Fallback>
+      <p:transition spd="slow"/>
+    </mc:Fallback>
+  </mc:AlternateContent>
+  <p:timing>
+    <p:tnLst>
+      <p:par>
+        <p:cTn id="1" dur="indefinite" restart="never" nodeType="tmRoot"/>
+      </p:par>
+    </p:tnLst>
+  </p:timing>
+</p:sld>
+</file>
+
+<file path=ppt/slides/slide12.xml><?xml version="1.0" encoding="utf-8"?>
+<p:sld xmlns:a="http://schemas.openxmlformats.org/drawingml/2006/main" xmlns:r="http://schemas.openxmlformats.org/officeDocument/2006/relationships" xmlns:p="http://schemas.openxmlformats.org/presentationml/2006/main">
+  <p:cSld>
+    <p:spTree>
+      <p:nvGrpSpPr>
+        <p:cNvPr id="1" name=""/>
+        <p:cNvGrpSpPr/>
+        <p:nvPr/>
+      </p:nvGrpSpPr>
+      <p:grpSpPr>
+        <a:xfrm>
+          <a:off x="0" y="0"/>
+          <a:ext cx="0" cy="0"/>
+          <a:chOff x="0" y="0"/>
+          <a:chExt cx="0" cy="0"/>
+        </a:xfrm>
+      </p:grpSpPr>
+      <p:pic>
+        <p:nvPicPr>
+          <p:cNvPr id="150" name="Picture " descr="C:/Users/admin/AppData/Roaming/PolarisOffice/ETemp/1420_21229216/image10.png"/>
+          <p:cNvPicPr>
+            <a:picLocks/>
+          </p:cNvPicPr>
+          <p:nvPr/>
+        </p:nvPicPr>
+        <p:blipFill rotWithShape="1">
+          <a:blip r:embed="rId2" cstate="hqprint">
+            <a:extLst>
+              <a:ext uri="{28A0092B-C50C-407E-A947-70E740481C1C}">
+                <a14:useLocalDpi xmlns:a14="http://schemas.microsoft.com/office/drawing/2010/main"/>
+              </a:ext>
+            </a:extLst>
+          </a:blip>
+          <a:stretch>
+            <a:fillRect/>
+          </a:stretch>
+        </p:blipFill>
+        <p:spPr>
+          <a:xfrm rot="0">
+            <a:off x="1435100" y="1524000"/>
+            <a:ext cx="15093315" cy="48260"/>
+          </a:xfrm>
+          <a:prstGeom prst="rect"/>
+          <a:noFill/>
+          <a:ln w="0">
+            <a:noFill/>
+            <a:prstDash/>
+          </a:ln>
+        </p:spPr>
+      </p:pic>
+      <p:sp>
+        <p:nvSpPr>
+          <p:cNvPr id="152" name="Rect 0"/>
+          <p:cNvSpPr txBox="1">
+            <a:spLocks/>
+          </p:cNvSpPr>
+          <p:nvPr/>
+        </p:nvSpPr>
+        <p:spPr>
+          <a:xfrm rot="0">
+            <a:off x="3637280" y="448945"/>
+            <a:ext cx="10698480" cy="861060"/>
+          </a:xfrm>
+          <a:prstGeom prst="rect"/>
+          <a:noFill/>
+          <a:ln w="0">
+            <a:noFill/>
+            <a:prstDash/>
+          </a:ln>
+        </p:spPr>
+        <p:txBody>
+          <a:bodyPr wrap="square" lIns="91440" tIns="45720" rIns="91440" bIns="45720" numCol="1" vert="horz" anchor="t">
+            <a:spAutoFit/>
+          </a:bodyPr>
+          <a:lstStyle/>
+          <a:p>
+            <a:pPr marL="0" indent="0" rtl="0" algn="ctr" latinLnBrk="0">
+              <a:spcBef>
+                <a:spcPts val="0"/>
+              </a:spcBef>
+              <a:spcAft>
+                <a:spcPts val="0"/>
+              </a:spcAft>
+              <a:buFontTx/>
+              <a:buNone/>
+            </a:pPr>
+            <a:r>
+              <a:rPr lang="en-US" sz="5000" b="1">
+                <a:solidFill>
+                  <a:srgbClr val="694680"/>
+                </a:solidFill>
+                <a:latin typeface="나눔바른고딕" charset="0"/>
+                <a:ea typeface="나눔바른고딕" charset="0"/>
+                <a:cs typeface="Impact" charset="0"/>
+              </a:rPr>
+              <a:t>Standards and Procedures Manual</a:t>
+            </a:r>
+            <a:endParaRPr lang="ko-KR" altLang="en-US" sz="5000" b="1">
+              <a:solidFill>
+                <a:srgbClr val="694680"/>
+              </a:solidFill>
+              <a:latin typeface="나눔바른고딕" charset="0"/>
+              <a:ea typeface="나눔바른고딕" charset="0"/>
+              <a:cs typeface="Impact" charset="0"/>
+            </a:endParaRPr>
+          </a:p>
+        </p:txBody>
+      </p:sp>
+      <p:sp>
+        <p:nvSpPr>
+          <p:cNvPr id="175" name="Rect 0"/>
+          <p:cNvSpPr>
+            <a:spLocks/>
+          </p:cNvSpPr>
+          <p:nvPr/>
+        </p:nvSpPr>
+        <p:spPr>
+          <a:xfrm rot="0">
+            <a:off x="349250" y="238125"/>
+            <a:ext cx="17623155" cy="9822815"/>
+          </a:xfrm>
+          <a:prstGeom prst="rect"/>
+          <a:noFill/>
+          <a:ln w="57150" cap="flat" cmpd="sng">
+            <a:solidFill>
+              <a:srgbClr val="694680">
+                <a:alpha val="100000"/>
+              </a:srgbClr>
+            </a:solidFill>
+            <a:prstDash val="solid"/>
+            <a:round/>
+          </a:ln>
+        </p:spPr>
+        <p:style>
+          <a:lnRef idx="2">
+            <a:schemeClr val="accent1">
+              <a:shade val="50000"/>
+            </a:schemeClr>
+          </a:lnRef>
+          <a:fillRef idx="1">
+            <a:schemeClr val="accent1"/>
+          </a:fillRef>
+          <a:effectRef idx="0">
+            <a:schemeClr val="accent1"/>
+          </a:effectRef>
+          <a:fontRef idx="minor">
+            <a:schemeClr val="lt1"/>
+          </a:fontRef>
+        </p:style>
+        <p:txBody>
+          <a:bodyPr wrap="square" lIns="91440" tIns="45720" rIns="91440" bIns="45720" numCol="1" vert="horz" anchor="ctr">
+            <a:noAutofit/>
+          </a:bodyPr>
+          <a:lstStyle/>
+          <a:p>
+            <a:pPr marL="0" indent="0" algn="ctr" latinLnBrk="0" hangingPunct="1"/>
+            <a:endParaRPr lang="ko-KR" altLang="en-US" sz="1800">
+              <a:latin typeface="맑은 고딕" charset="0"/>
+              <a:ea typeface="맑은 고딕" charset="0"/>
+            </a:endParaRPr>
+          </a:p>
+        </p:txBody>
+      </p:sp>
+      <p:pic>
+        <p:nvPicPr>
+          <p:cNvPr id="176" name="그림 25" descr="C:/Users/admin/AppData/Roaming/PolarisOffice/ETemp/1420_21229216/fImage90113306962.png"/>
+          <p:cNvPicPr>
+            <a:picLocks noChangeAspect="1"/>
+          </p:cNvPicPr>
+          <p:nvPr/>
+        </p:nvPicPr>
+        <p:blipFill rotWithShape="1">
+          <a:blip r:embed="rId3" cstate="print">
+            <a:extLst>
+              <a:ext uri="{28A0092B-C50C-407E-A947-70E740481C1C}">
+                <a14:useLocalDpi xmlns:a14="http://schemas.microsoft.com/office/drawing/2010/main" val="0"/>
+              </a:ext>
+            </a:extLst>
+          </a:blip>
+          <a:stretch>
+            <a:fillRect/>
+          </a:stretch>
+        </p:blipFill>
+        <p:spPr>
+          <a:xfrm rot="0">
+            <a:off x="1439545" y="1951355"/>
+            <a:ext cx="6000750" cy="6950075"/>
+          </a:xfrm>
+          <a:prstGeom prst="rect"/>
+          <a:noFill/>
+          <a:ln w="57150" cap="flat" cmpd="sng">
+            <a:solidFill>
+              <a:srgbClr val="785C8B">
+                <a:alpha val="100000"/>
+              </a:srgbClr>
+            </a:solidFill>
+            <a:prstDash val="solid"/>
+            <a:round/>
+          </a:ln>
+        </p:spPr>
+      </p:pic>
+      <p:sp>
+        <p:nvSpPr>
+          <p:cNvPr id="177" name="텍스트 상자 27"/>
+          <p:cNvSpPr txBox="1">
+            <a:spLocks/>
+          </p:cNvSpPr>
+          <p:nvPr/>
+        </p:nvSpPr>
+        <p:spPr>
+          <a:xfrm rot="0">
+            <a:off x="7631430" y="1767205"/>
+            <a:ext cx="4567555" cy="737870"/>
+          </a:xfrm>
+          <a:prstGeom prst="rect"/>
+          <a:noFill/>
+          <a:ln w="0">
+            <a:noFill/>
+            <a:prstDash/>
+          </a:ln>
+        </p:spPr>
+        <p:txBody>
+          <a:bodyPr wrap="square" lIns="91440" tIns="45720" rIns="91440" bIns="45720" numCol="1" vert="horz" anchor="ctr">
+            <a:spAutoFit/>
+          </a:bodyPr>
+          <a:lstStyle/>
+          <a:p>
+            <a:pPr marL="254000" indent="-254000" latinLnBrk="0">
+              <a:lnSpc>
+                <a:spcPct val="150000"/>
+              </a:lnSpc>
+              <a:buFont typeface="Wingdings"/>
+              <a:buChar char=""/>
+            </a:pPr>
+            <a:r>
+              <a:rPr lang="en-US" sz="2800" b="1">
+                <a:solidFill>
+                  <a:srgbClr val="694680"/>
+                </a:solidFill>
+                <a:latin typeface="나눔바른고딕" charset="0"/>
+                <a:ea typeface="나눔바른고딕" charset="0"/>
+              </a:rPr>
+              <a:t>소프트웨어 개발규약</a:t>
+            </a:r>
+            <a:endParaRPr lang="ko-KR" altLang="en-US" sz="2800" b="1">
+              <a:solidFill>
+                <a:srgbClr val="694680"/>
+              </a:solidFill>
+              <a:latin typeface="나눔바른고딕" charset="0"/>
+              <a:ea typeface="나눔바른고딕" charset="0"/>
+            </a:endParaRPr>
+          </a:p>
+        </p:txBody>
+      </p:sp>
+      <p:sp>
+        <p:nvSpPr>
+          <p:cNvPr id="178" name="텍스트 상자 28"/>
+          <p:cNvSpPr txBox="1">
+            <a:spLocks/>
+          </p:cNvSpPr>
+          <p:nvPr/>
+        </p:nvSpPr>
+        <p:spPr>
+          <a:xfrm rot="0">
+            <a:off x="7759065" y="2513330"/>
+            <a:ext cx="4567555" cy="645795"/>
+          </a:xfrm>
+          <a:prstGeom prst="rect"/>
+          <a:noFill/>
+          <a:ln w="0">
+            <a:noFill/>
+            <a:prstDash/>
+          </a:ln>
+        </p:spPr>
+        <p:txBody>
+          <a:bodyPr wrap="square" lIns="91440" tIns="45720" rIns="91440" bIns="45720" numCol="1" vert="horz" anchor="ctr">
+            <a:spAutoFit/>
+          </a:bodyPr>
+          <a:lstStyle/>
+          <a:p>
+            <a:pPr marL="0" indent="0" latinLnBrk="0">
+              <a:lnSpc>
+                <a:spcPct val="150000"/>
+              </a:lnSpc>
+              <a:buFontTx/>
+              <a:buNone/>
+            </a:pPr>
+            <a:r>
+              <a:rPr lang="en-US" sz="2400" b="1">
+                <a:solidFill>
+                  <a:srgbClr val="694680"/>
+                </a:solidFill>
+                <a:latin typeface="나눔바른고딕" charset="0"/>
+                <a:ea typeface="나눔바른고딕" charset="0"/>
+              </a:rPr>
+              <a:t>표준 개발 서버 및 서버의 버전 명시</a:t>
+            </a:r>
+            <a:endParaRPr lang="ko-KR" altLang="en-US" sz="2400" b="1">
+              <a:solidFill>
+                <a:srgbClr val="694680"/>
+              </a:solidFill>
+              <a:latin typeface="나눔바른고딕" charset="0"/>
+              <a:ea typeface="나눔바른고딕" charset="0"/>
+            </a:endParaRPr>
+          </a:p>
+        </p:txBody>
+      </p:sp>
+      <p:sp>
+        <p:nvSpPr>
+          <p:cNvPr id="179" name="텍스트 상자 29"/>
+          <p:cNvSpPr txBox="1">
+            <a:spLocks/>
+          </p:cNvSpPr>
+          <p:nvPr/>
+        </p:nvSpPr>
+        <p:spPr>
+          <a:xfrm rot="0">
+            <a:off x="12257405" y="1707515"/>
+            <a:ext cx="4567555" cy="737870"/>
+          </a:xfrm>
+          <a:prstGeom prst="rect"/>
+          <a:noFill/>
+          <a:ln w="0">
+            <a:noFill/>
+            <a:prstDash/>
+          </a:ln>
+        </p:spPr>
+        <p:txBody>
+          <a:bodyPr wrap="square" lIns="91440" tIns="45720" rIns="91440" bIns="45720" numCol="1" vert="horz" anchor="ctr">
+            <a:spAutoFit/>
+          </a:bodyPr>
+          <a:lstStyle/>
+          <a:p>
+            <a:pPr marL="254000" indent="-254000" latinLnBrk="0">
+              <a:lnSpc>
+                <a:spcPct val="150000"/>
+              </a:lnSpc>
+              <a:buFont typeface="Wingdings"/>
+              <a:buChar char=""/>
+            </a:pPr>
+            <a:r>
+              <a:rPr lang="en-US" sz="2800" b="1">
+                <a:solidFill>
+                  <a:srgbClr val="694680"/>
+                </a:solidFill>
+                <a:latin typeface="나눔바른고딕" charset="0"/>
+                <a:ea typeface="나눔바른고딕" charset="0"/>
+              </a:rPr>
+              <a:t>코딩 스타일 가이드</a:t>
+            </a:r>
+            <a:endParaRPr lang="ko-KR" altLang="en-US" sz="2800" b="1">
+              <a:solidFill>
+                <a:srgbClr val="694680"/>
+              </a:solidFill>
+              <a:latin typeface="나눔바른고딕" charset="0"/>
+              <a:ea typeface="나눔바른고딕" charset="0"/>
+            </a:endParaRPr>
+          </a:p>
+        </p:txBody>
+      </p:sp>
+      <p:sp>
+        <p:nvSpPr>
+          <p:cNvPr id="180" name="텍스트 상자 30"/>
+          <p:cNvSpPr txBox="1">
+            <a:spLocks/>
+          </p:cNvSpPr>
+          <p:nvPr/>
+        </p:nvSpPr>
+        <p:spPr>
+          <a:xfrm rot="0">
+            <a:off x="12348210" y="2491740"/>
+            <a:ext cx="5342255" cy="1199515"/>
+          </a:xfrm>
+          <a:prstGeom prst="rect"/>
+          <a:noFill/>
+          <a:ln w="0">
+            <a:noFill/>
+            <a:prstDash/>
+          </a:ln>
+        </p:spPr>
+        <p:txBody>
+          <a:bodyPr wrap="square" lIns="91440" tIns="45720" rIns="91440" bIns="45720" numCol="1" vert="horz" anchor="ctr">
+            <a:spAutoFit/>
+          </a:bodyPr>
+          <a:lstStyle/>
+          <a:p>
+            <a:pPr marL="0" indent="0" latinLnBrk="0">
+              <a:lnSpc>
+                <a:spcPct val="150000"/>
+              </a:lnSpc>
+              <a:buFontTx/>
+              <a:buNone/>
+            </a:pPr>
+            <a:r>
+              <a:rPr lang="en-US" sz="2400" b="1">
+                <a:solidFill>
+                  <a:srgbClr val="694680"/>
+                </a:solidFill>
+                <a:latin typeface="나눔바른고딕" charset="0"/>
+                <a:ea typeface="나눔바른고딕" charset="0"/>
+              </a:rPr>
+              <a:t>기본적인 코딩 규칙(중괄호, 띄어쓰기, 글래스 멤버 정렬 순서 등) 설정</a:t>
+            </a:r>
+            <a:endParaRPr lang="ko-KR" altLang="en-US" sz="2400" b="1">
+              <a:solidFill>
+                <a:srgbClr val="694680"/>
+              </a:solidFill>
+              <a:latin typeface="나눔바른고딕" charset="0"/>
+              <a:ea typeface="나눔바른고딕" charset="0"/>
+            </a:endParaRPr>
+          </a:p>
+        </p:txBody>
+      </p:sp>
+      <p:sp>
+        <p:nvSpPr>
+          <p:cNvPr id="181" name="텍스트 상자 33"/>
+          <p:cNvSpPr txBox="1">
+            <a:spLocks/>
+          </p:cNvSpPr>
+          <p:nvPr/>
+        </p:nvSpPr>
+        <p:spPr>
+          <a:xfrm rot="0">
+            <a:off x="7625715" y="4065270"/>
+            <a:ext cx="4567555" cy="737870"/>
+          </a:xfrm>
+          <a:prstGeom prst="rect"/>
+          <a:noFill/>
+          <a:ln w="0">
+            <a:noFill/>
+            <a:prstDash/>
+          </a:ln>
+        </p:spPr>
+        <p:txBody>
+          <a:bodyPr wrap="square" lIns="91440" tIns="45720" rIns="91440" bIns="45720" numCol="1" vert="horz" anchor="ctr">
+            <a:spAutoFit/>
+          </a:bodyPr>
+          <a:lstStyle/>
+          <a:p>
+            <a:pPr marL="254000" indent="-254000" latinLnBrk="0">
+              <a:lnSpc>
+                <a:spcPct val="150000"/>
+              </a:lnSpc>
+              <a:buFont typeface="Wingdings"/>
+              <a:buChar char=""/>
+            </a:pPr>
+            <a:r>
+              <a:rPr lang="en-US" sz="2800" b="1">
+                <a:solidFill>
+                  <a:srgbClr val="694680"/>
+                </a:solidFill>
+                <a:latin typeface="나눔바른고딕" charset="0"/>
+                <a:ea typeface="나눔바른고딕" charset="0"/>
+              </a:rPr>
+              <a:t>데이터 타입 가이드</a:t>
+            </a:r>
+            <a:endParaRPr lang="ko-KR" altLang="en-US" sz="2800" b="1">
+              <a:solidFill>
+                <a:srgbClr val="694680"/>
+              </a:solidFill>
+              <a:latin typeface="나눔바른고딕" charset="0"/>
+              <a:ea typeface="나눔바른고딕" charset="0"/>
+            </a:endParaRPr>
+          </a:p>
+        </p:txBody>
+      </p:sp>
+      <p:sp>
+        <p:nvSpPr>
+          <p:cNvPr id="182" name="텍스트 상자 34"/>
+          <p:cNvSpPr txBox="1">
+            <a:spLocks/>
+          </p:cNvSpPr>
+          <p:nvPr/>
+        </p:nvSpPr>
+        <p:spPr>
+          <a:xfrm rot="0">
+            <a:off x="7716520" y="4849495"/>
+            <a:ext cx="5342255" cy="645795"/>
+          </a:xfrm>
+          <a:prstGeom prst="rect"/>
+          <a:noFill/>
+          <a:ln w="0">
+            <a:noFill/>
+            <a:prstDash/>
+          </a:ln>
+        </p:spPr>
+        <p:txBody>
+          <a:bodyPr wrap="square" lIns="91440" tIns="45720" rIns="91440" bIns="45720" numCol="1" vert="horz" anchor="ctr">
+            <a:spAutoFit/>
+          </a:bodyPr>
+          <a:lstStyle/>
+          <a:p>
+            <a:pPr marL="0" indent="0" latinLnBrk="0">
+              <a:lnSpc>
+                <a:spcPct val="150000"/>
+              </a:lnSpc>
+              <a:buFontTx/>
+              <a:buNone/>
+            </a:pPr>
+            <a:r>
+              <a:rPr lang="en-US" sz="2400" b="1">
+                <a:solidFill>
+                  <a:srgbClr val="694680"/>
+                </a:solidFill>
+                <a:latin typeface="나눔바른고딕" charset="0"/>
+                <a:ea typeface="나눔바른고딕" charset="0"/>
+              </a:rPr>
+              <a:t>ERD에서 규정한 데이터 타입 명시</a:t>
+            </a:r>
+            <a:endParaRPr lang="ko-KR" altLang="en-US" sz="2400" b="1">
+              <a:solidFill>
+                <a:srgbClr val="694680"/>
+              </a:solidFill>
+              <a:latin typeface="나눔바른고딕" charset="0"/>
+              <a:ea typeface="나눔바른고딕" charset="0"/>
+            </a:endParaRPr>
+          </a:p>
+        </p:txBody>
+      </p:sp>
+      <p:sp>
+        <p:nvSpPr>
+          <p:cNvPr id="183" name="텍스트 상자 35"/>
+          <p:cNvSpPr txBox="1">
+            <a:spLocks/>
+          </p:cNvSpPr>
+          <p:nvPr/>
+        </p:nvSpPr>
+        <p:spPr>
+          <a:xfrm rot="0">
+            <a:off x="12195175" y="4006215"/>
+            <a:ext cx="4567555" cy="737870"/>
+          </a:xfrm>
+          <a:prstGeom prst="rect"/>
+          <a:noFill/>
+          <a:ln w="0">
+            <a:noFill/>
+            <a:prstDash/>
+          </a:ln>
+        </p:spPr>
+        <p:txBody>
+          <a:bodyPr wrap="square" lIns="91440" tIns="45720" rIns="91440" bIns="45720" numCol="1" vert="horz" anchor="ctr">
+            <a:spAutoFit/>
+          </a:bodyPr>
+          <a:lstStyle/>
+          <a:p>
+            <a:pPr marL="254000" indent="-254000" latinLnBrk="0">
+              <a:lnSpc>
+                <a:spcPct val="150000"/>
+              </a:lnSpc>
+              <a:buFont typeface="Wingdings"/>
+              <a:buChar char=""/>
+            </a:pPr>
+            <a:r>
+              <a:rPr lang="en-US" sz="2800" b="1">
+                <a:solidFill>
+                  <a:srgbClr val="694680"/>
+                </a:solidFill>
+                <a:latin typeface="나눔바른고딕" charset="0"/>
+                <a:ea typeface="나눔바른고딕" charset="0"/>
+              </a:rPr>
+              <a:t>개발 환경 세팅</a:t>
+            </a:r>
+            <a:endParaRPr lang="ko-KR" altLang="en-US" sz="2800" b="1">
+              <a:solidFill>
+                <a:srgbClr val="694680"/>
+              </a:solidFill>
+              <a:latin typeface="나눔바른고딕" charset="0"/>
+              <a:ea typeface="나눔바른고딕" charset="0"/>
+            </a:endParaRPr>
+          </a:p>
+        </p:txBody>
+      </p:sp>
+      <p:sp>
+        <p:nvSpPr>
+          <p:cNvPr id="184" name="텍스트 상자 36"/>
+          <p:cNvSpPr txBox="1">
+            <a:spLocks/>
+          </p:cNvSpPr>
+          <p:nvPr/>
+        </p:nvSpPr>
+        <p:spPr>
+          <a:xfrm rot="0">
+            <a:off x="12285980" y="4790440"/>
+            <a:ext cx="5342255" cy="1199515"/>
+          </a:xfrm>
+          <a:prstGeom prst="rect"/>
+          <a:noFill/>
+          <a:ln w="0">
+            <a:noFill/>
+            <a:prstDash/>
+          </a:ln>
+        </p:spPr>
+        <p:txBody>
+          <a:bodyPr wrap="square" lIns="91440" tIns="45720" rIns="91440" bIns="45720" numCol="1" vert="horz" anchor="ctr">
+            <a:spAutoFit/>
+          </a:bodyPr>
+          <a:lstStyle/>
+          <a:p>
+            <a:pPr marL="0" indent="0" latinLnBrk="0">
+              <a:lnSpc>
+                <a:spcPct val="150000"/>
+              </a:lnSpc>
+              <a:buFontTx/>
+              <a:buNone/>
+            </a:pPr>
+            <a:r>
+              <a:rPr lang="en-US" sz="2400" b="1">
+                <a:solidFill>
+                  <a:srgbClr val="694680"/>
+                </a:solidFill>
+                <a:latin typeface="나눔바른고딕" charset="0"/>
+                <a:ea typeface="나눔바른고딕" charset="0"/>
+              </a:rPr>
+              <a:t>코딩 작업을 들어가기에 앞서 Front와 Back의 각 에디터의 초석 작업</a:t>
+            </a:r>
+            <a:endParaRPr lang="ko-KR" altLang="en-US" sz="2400" b="1">
+              <a:solidFill>
+                <a:srgbClr val="694680"/>
+              </a:solidFill>
+              <a:latin typeface="나눔바른고딕" charset="0"/>
+              <a:ea typeface="나눔바른고딕" charset="0"/>
+            </a:endParaRPr>
+          </a:p>
+        </p:txBody>
+      </p:sp>
+      <p:sp>
+        <p:nvSpPr>
+          <p:cNvPr id="185" name="텍스트 상자 37"/>
+          <p:cNvSpPr txBox="1">
+            <a:spLocks/>
+          </p:cNvSpPr>
+          <p:nvPr/>
+        </p:nvSpPr>
+        <p:spPr>
+          <a:xfrm rot="0">
+            <a:off x="7750810" y="6327140"/>
+            <a:ext cx="4567555" cy="737870"/>
+          </a:xfrm>
+          <a:prstGeom prst="rect"/>
+          <a:noFill/>
+          <a:ln w="0">
+            <a:noFill/>
+            <a:prstDash/>
+          </a:ln>
+        </p:spPr>
+        <p:txBody>
+          <a:bodyPr wrap="square" lIns="91440" tIns="45720" rIns="91440" bIns="45720" numCol="1" vert="horz" anchor="ctr">
+            <a:spAutoFit/>
+          </a:bodyPr>
+          <a:lstStyle/>
+          <a:p>
+            <a:pPr marL="254000" indent="-254000" latinLnBrk="0">
+              <a:lnSpc>
+                <a:spcPct val="150000"/>
+              </a:lnSpc>
+              <a:buFont typeface="Wingdings"/>
+              <a:buChar char=""/>
+            </a:pPr>
+            <a:r>
+              <a:rPr lang="en-US" sz="2800" b="1">
+                <a:solidFill>
+                  <a:srgbClr val="694680"/>
+                </a:solidFill>
+                <a:latin typeface="나눔바른고딕" charset="0"/>
+                <a:ea typeface="나눔바른고딕" charset="0"/>
+              </a:rPr>
+              <a:t>배포 가이드</a:t>
+            </a:r>
+            <a:endParaRPr lang="ko-KR" altLang="en-US" sz="2800" b="1">
+              <a:solidFill>
+                <a:srgbClr val="694680"/>
+              </a:solidFill>
+              <a:latin typeface="나눔바른고딕" charset="0"/>
+              <a:ea typeface="나눔바른고딕" charset="0"/>
+            </a:endParaRPr>
+          </a:p>
+        </p:txBody>
+      </p:sp>
+      <p:sp>
+        <p:nvSpPr>
+          <p:cNvPr id="186" name="텍스트 상자 38"/>
+          <p:cNvSpPr txBox="1">
+            <a:spLocks/>
+          </p:cNvSpPr>
+          <p:nvPr/>
+        </p:nvSpPr>
+        <p:spPr>
+          <a:xfrm rot="0">
+            <a:off x="7841615" y="7111365"/>
+            <a:ext cx="5342255" cy="1199515"/>
+          </a:xfrm>
+          <a:prstGeom prst="rect"/>
+          <a:noFill/>
+          <a:ln w="0">
+            <a:noFill/>
+            <a:prstDash/>
+          </a:ln>
+        </p:spPr>
+        <p:txBody>
+          <a:bodyPr wrap="square" lIns="91440" tIns="45720" rIns="91440" bIns="45720" numCol="1" vert="horz" anchor="ctr">
+            <a:spAutoFit/>
+          </a:bodyPr>
+          <a:lstStyle/>
+          <a:p>
+            <a:pPr marL="0" indent="0" latinLnBrk="0">
+              <a:lnSpc>
+                <a:spcPct val="150000"/>
+              </a:lnSpc>
+              <a:buFontTx/>
+              <a:buNone/>
+            </a:pPr>
+            <a:r>
+              <a:rPr lang="en-US" sz="2400" b="1">
+                <a:solidFill>
+                  <a:srgbClr val="694680"/>
+                </a:solidFill>
+                <a:latin typeface="나눔바른고딕" charset="0"/>
+                <a:ea typeface="나눔바른고딕" charset="0"/>
+              </a:rPr>
+              <a:t>개발 환경 및 프로젝트 배포 방법에 대해 EC2 인스턴스 부터 상세한 가이드 제시</a:t>
+            </a:r>
+            <a:endParaRPr lang="ko-KR" altLang="en-US" sz="2400" b="1">
+              <a:solidFill>
+                <a:srgbClr val="694680"/>
+              </a:solidFill>
+              <a:latin typeface="나눔바른고딕" charset="0"/>
+              <a:ea typeface="나눔바른고딕" charset="0"/>
+            </a:endParaRPr>
+          </a:p>
+        </p:txBody>
+      </p:sp>
+    </p:spTree>
+  </p:cSld>
+  <p:clrMapOvr>
+    <a:masterClrMapping/>
+  </p:clrMapOvr>
+  <mc:AlternateContent xmlns:mc="http://schemas.openxmlformats.org/markup-compatibility/2006">
+    <mc:Choice xmlns:p14="http://schemas.microsoft.com/office/powerpoint/2010/main" Requires="p14">
+      <p:transition spd="slow" p14:dur="2000"/>
+    </mc:Choice>
+    <mc:Fallback>
+      <p:transition spd="slow"/>
+    </mc:Fallback>
+  </mc:AlternateContent>
+  <p:timing>
+    <p:tnLst>
+      <p:par>
+        <p:cTn id="1" dur="indefinite" restart="never" nodeType="tmRoot"/>
+      </p:par>
+    </p:tnLst>
+  </p:timing>
+</p:sld>
+</file>
+
+<file path=ppt/slides/slide13.xml><?xml version="1.0" encoding="utf-8"?>
 <p:sld xmlns:a="http://schemas.openxmlformats.org/drawingml/2006/main" xmlns:r="http://schemas.openxmlformats.org/officeDocument/2006/relationships" xmlns:p="http://schemas.openxmlformats.org/presentationml/2006/main" xmlns:p14="http://schemas.microsoft.com/office/powerpoint/2010/main">
   <p:cSld>
     <p:spTree>
@@ -11849,17 +13863,17 @@
       </p:sp>
       <p:pic>
         <p:nvPicPr>
-          <p:cNvPr id="205" name="그림 1" descr="C:/Users/admin/AppData/Roaming/PolarisOffice/ETemp/12976_9479448/fImage5434522541.png"/>
+          <p:cNvPr id="205" name="그림 1" descr="C:/Users/admin/AppData/Roaming/PolarisOffice/ETemp/1420_21229216/fImage5434522541.png"/>
           <p:cNvPicPr>
             <a:picLocks noChangeAspect="1"/>
           </p:cNvPicPr>
           <p:nvPr/>
         </p:nvPicPr>
         <p:blipFill rotWithShape="1">
-          <a:blip r:embed="rId4" cstate="print">
+          <a:blip r:embed="rId4" cstate="hqprint">
             <a:extLst>
               <a:ext uri="{28A0092B-C50C-407E-A947-70E740481C1C}">
-                <a14:useLocalDpi xmlns:a14="http://schemas.microsoft.com/office/drawing/2010/main" val="0"/>
+                <a14:useLocalDpi xmlns:a14="http://schemas.microsoft.com/office/drawing/2010/main"/>
               </a:ext>
             </a:extLst>
           </a:blip>
@@ -11869,11 +13883,20 @@
         </p:blipFill>
         <p:spPr>
           <a:xfrm rot="0">
-            <a:off x="1518285" y="1811655"/>
-            <a:ext cx="15386685" cy="7529195"/>
+            <a:off x="1440180" y="1842770"/>
+            <a:ext cx="15387320" cy="7529830"/>
           </a:xfrm>
           <a:prstGeom prst="rect"/>
           <a:noFill/>
+          <a:ln w="57150" cap="flat" cmpd="sng">
+            <a:solidFill>
+              <a:srgbClr val="8E799B">
+                <a:alpha val="100000"/>
+              </a:srgbClr>
+            </a:solidFill>
+            <a:prstDash val="solid"/>
+            <a:round/>
+          </a:ln>
         </p:spPr>
       </p:pic>
     </p:spTree>
@@ -11899,15 +13922,14 @@
 </p:sld>
 </file>
 
-<file path=ppt/slides/slide11.xml><?xml version="1.0" encoding="utf-8"?>
-<p:sld xmlns:a="http://schemas.openxmlformats.org/drawingml/2006/main" xmlns:r="http://schemas.openxmlformats.org/officeDocument/2006/relationships" xmlns:p="http://schemas.openxmlformats.org/presentationml/2006/main">
+<file path=ppt/slides/slide14.xml><?xml version="1.0" encoding="utf-8"?>
+<p:sld xmlns:a="http://schemas.openxmlformats.org/drawingml/2006/main" xmlns:r="http://schemas.openxmlformats.org/officeDocument/2006/relationships" xmlns:p="http://schemas.openxmlformats.org/presentationml/2006/main" xmlns:p14="http://schemas.microsoft.com/office/powerpoint/2010/main">
   <p:cSld>
     <p:bg>
       <p:bgPr>
         <a:solidFill>
           <a:srgbClr val="694680"/>
         </a:solidFill>
-        <a:effectLst/>
       </p:bgPr>
     </p:bg>
     <p:spTree>
@@ -11982,7 +14004,7 @@
       </p:sp>
       <p:pic>
         <p:nvPicPr>
-          <p:cNvPr id="441" name="그림 1" descr="C:/Users/admin/AppData/Roaming/PolarisOffice/ETemp/15032_7075696/image1.png"/>
+          <p:cNvPr id="441" name="그림 1"/>
           <p:cNvPicPr>
             <a:picLocks/>
           </p:cNvPicPr>
@@ -12020,11 +14042,26 @@
   <p:clrMapOvr>
     <a:masterClrMapping/>
   </p:clrMapOvr>
+  <mc:AlternateContent xmlns:mc="http://schemas.openxmlformats.org/markup-compatibility/2006">
+    <mc:Choice xmlns:p14="http://schemas.microsoft.com/office/powerpoint/2010/main" Requires="p14">
+      <p:transition spd="slow" p14:dur="2000"/>
+    </mc:Choice>
+    <mc:Fallback>
+      <p:transition spd="slow"/>
+    </mc:Fallback>
+  </mc:AlternateContent>
+  <p:timing>
+    <p:tnLst>
+      <p:par>
+        <p:cTn id="1" dur="indefinite" restart="never" nodeType="tmRoot"/>
+      </p:par>
+    </p:tnLst>
+  </p:timing>
 </p:sld>
 </file>
 
 <file path=ppt/slides/slide2.xml><?xml version="1.0" encoding="utf-8"?>
-<p:sld xmlns:a="http://schemas.openxmlformats.org/drawingml/2006/main" xmlns:r="http://schemas.openxmlformats.org/officeDocument/2006/relationships" xmlns:p="http://schemas.openxmlformats.org/presentationml/2006/main">
+<p:sld xmlns:a="http://schemas.openxmlformats.org/drawingml/2006/main" xmlns:r="http://schemas.openxmlformats.org/officeDocument/2006/relationships" xmlns:p="http://schemas.openxmlformats.org/presentationml/2006/main" xmlns:p14="http://schemas.microsoft.com/office/powerpoint/2010/main">
   <p:cSld>
     <p:spTree>
       <p:nvGrpSpPr>
@@ -12054,8 +14091,8 @@
         </p:nvSpPr>
         <p:spPr>
           <a:xfrm>
-            <a:off x="11793854" y="3477936"/>
-            <a:ext cx="3009265" cy="3000635"/>
+            <a:off x="11793855" y="3477895"/>
+            <a:ext cx="3009265" cy="3000375"/>
           </a:xfrm>
           <a:prstGeom prst="ellipse">
             <a:avLst/>
@@ -12116,8 +14153,8 @@
         </p:nvSpPr>
         <p:spPr>
           <a:xfrm>
-            <a:off x="3401060" y="3477937"/>
-            <a:ext cx="3009265" cy="3000635"/>
+            <a:off x="3401060" y="3477895"/>
+            <a:ext cx="3009265" cy="3000375"/>
           </a:xfrm>
           <a:prstGeom prst="ellipse">
             <a:avLst/>
@@ -12173,13 +14210,11 @@
           <p:nvPr/>
         </p:nvSpPr>
         <p:spPr>
-          <a:xfrm>
-            <a:off x="5773420" y="411480"/>
-            <a:ext cx="6256020" cy="861060"/>
-          </a:xfrm>
-          <a:prstGeom prst="rect">
-            <a:avLst/>
-          </a:prstGeom>
+          <a:xfrm rot="0">
+            <a:off x="6017260" y="336550"/>
+            <a:ext cx="6256655" cy="861695"/>
+          </a:xfrm>
+          <a:prstGeom prst="rect"/>
           <a:noFill/>
           <a:ln w="0">
             <a:noFill/>
@@ -12187,12 +14222,12 @@
           </a:ln>
         </p:spPr>
         <p:txBody>
-          <a:bodyPr vert="horz" wrap="square" lIns="91440" tIns="45720" rIns="91440" bIns="45720" numCol="1" anchor="t">
+          <a:bodyPr wrap="square" lIns="91440" tIns="45720" rIns="91440" bIns="45720" numCol="1" vert="horz" anchor="t">
             <a:spAutoFit/>
           </a:bodyPr>
           <a:lstStyle/>
           <a:p>
-            <a:pPr marL="0" indent="0" algn="ctr" rtl="0" latinLnBrk="0">
+            <a:pPr marL="0" indent="0" rtl="0" algn="ctr" latinLnBrk="0">
               <a:spcBef>
                 <a:spcPts val="0"/>
               </a:spcBef>
@@ -12203,7 +14238,7 @@
               <a:buNone/>
             </a:pPr>
             <a:r>
-              <a:rPr lang="en-US" altLang="ko-KR" sz="5000" dirty="0">
+              <a:rPr lang="en-US" altLang="ko-KR" sz="5000">
                 <a:solidFill>
                   <a:srgbClr val="694680"/>
                 </a:solidFill>
@@ -12213,7 +14248,7 @@
               </a:rPr>
               <a:t>YMPM</a:t>
             </a:r>
-            <a:endParaRPr lang="ko-KR" altLang="en-US" sz="5000" dirty="0">
+            <a:endParaRPr lang="ko-KR" altLang="en-US" sz="5000">
               <a:solidFill>
                 <a:srgbClr val="694680"/>
               </a:solidFill>
@@ -12651,13 +14686,11 @@
           <p:nvPr/>
         </p:nvSpPr>
         <p:spPr>
-          <a:xfrm>
-            <a:off x="466725" y="1883410"/>
-            <a:ext cx="17314545" cy="1170305"/>
-          </a:xfrm>
-          <a:prstGeom prst="rect">
-            <a:avLst/>
-          </a:prstGeom>
+          <a:xfrm rot="0">
+            <a:off x="485775" y="1845945"/>
+            <a:ext cx="17315180" cy="1170940"/>
+          </a:xfrm>
+          <a:prstGeom prst="rect"/>
           <a:noFill/>
           <a:ln w="0">
             <a:noFill/>
@@ -12665,12 +14698,12 @@
           </a:ln>
         </p:spPr>
         <p:txBody>
-          <a:bodyPr vert="horz" wrap="square" lIns="91440" tIns="45720" rIns="91440" bIns="45720" numCol="1" anchor="ctr">
+          <a:bodyPr wrap="square" lIns="91440" tIns="45720" rIns="91440" bIns="45720" numCol="1" vert="horz" anchor="ctr">
             <a:spAutoFit/>
           </a:bodyPr>
           <a:lstStyle/>
           <a:p>
-            <a:pPr marL="0" indent="0" algn="ctr" rtl="0" latinLnBrk="0">
+            <a:pPr marL="0" indent="0" rtl="0" algn="ctr" latinLnBrk="0">
               <a:spcBef>
                 <a:spcPts val="0"/>
               </a:spcBef>
@@ -12712,8 +14745,8 @@
         </p:nvSpPr>
         <p:spPr>
           <a:xfrm>
-            <a:off x="7584757" y="3477937"/>
-            <a:ext cx="3009265" cy="3000635"/>
+            <a:off x="7584440" y="3477895"/>
+            <a:ext cx="3009265" cy="3000375"/>
           </a:xfrm>
           <a:prstGeom prst="ellipse">
             <a:avLst/>
@@ -12760,16 +14793,361 @@
           </a:p>
         </p:txBody>
       </p:sp>
+      <p:sp>
+        <p:nvSpPr>
+          <p:cNvPr id="205" name="도형 7"/>
+          <p:cNvSpPr>
+            <a:spLocks/>
+          </p:cNvSpPr>
+          <p:nvPr/>
+        </p:nvSpPr>
+        <p:spPr>
+          <a:xfrm rot="0">
+            <a:off x="3362960" y="3472180"/>
+            <a:ext cx="3082290" cy="3020060"/>
+          </a:xfrm>
+          <a:prstGeom prst="ellipse"/>
+          <a:noFill/>
+          <a:ln w="76200" cap="flat" cmpd="sng">
+            <a:solidFill>
+              <a:srgbClr val="93819F">
+                <a:alpha val="100000"/>
+              </a:srgbClr>
+            </a:solidFill>
+            <a:prstDash val="solid"/>
+            <a:round/>
+          </a:ln>
+        </p:spPr>
+        <p:style>
+          <a:lnRef idx="2">
+            <a:schemeClr val="accent1">
+              <a:shade val="50000"/>
+            </a:schemeClr>
+          </a:lnRef>
+          <a:fillRef idx="1">
+            <a:schemeClr val="accent1"/>
+          </a:fillRef>
+          <a:effectRef idx="0">
+            <a:schemeClr val="accent1"/>
+          </a:effectRef>
+          <a:fontRef idx="minor">
+            <a:schemeClr val="lt1"/>
+          </a:fontRef>
+        </p:style>
+        <p:txBody>
+          <a:bodyPr wrap="square" lIns="91440" tIns="45720" rIns="91440" bIns="45720" vert="horz" anchor="ctr">
+            <a:noAutofit/>
+          </a:bodyPr>
+          <a:lstStyle/>
+          <a:p>
+            <a:pPr marL="0" indent="0" algn="ctr" hangingPunct="1"/>
+            <a:endParaRPr lang="ko-KR" altLang="en-US" sz="1800">
+              <a:latin typeface="맑은 고딕" charset="0"/>
+              <a:ea typeface="맑은 고딕" charset="0"/>
+            </a:endParaRPr>
+          </a:p>
+        </p:txBody>
+      </p:sp>
+      <p:sp>
+        <p:nvSpPr>
+          <p:cNvPr id="206" name="도형 8"/>
+          <p:cNvSpPr>
+            <a:spLocks/>
+          </p:cNvSpPr>
+          <p:nvPr/>
+        </p:nvSpPr>
+        <p:spPr>
+          <a:xfrm rot="0">
+            <a:off x="3206750" y="3347720"/>
+            <a:ext cx="3379470" cy="3269615"/>
+          </a:xfrm>
+          <a:prstGeom prst="ellipse"/>
+          <a:noFill/>
+          <a:ln w="76200" cap="flat" cmpd="sng">
+            <a:solidFill>
+              <a:srgbClr val="93819F">
+                <a:alpha val="100000"/>
+              </a:srgbClr>
+            </a:solidFill>
+            <a:prstDash val="solid"/>
+            <a:round/>
+          </a:ln>
+        </p:spPr>
+        <p:style>
+          <a:lnRef idx="2">
+            <a:schemeClr val="accent1">
+              <a:shade val="50000"/>
+            </a:schemeClr>
+          </a:lnRef>
+          <a:fillRef idx="1">
+            <a:schemeClr val="accent1"/>
+          </a:fillRef>
+          <a:effectRef idx="0">
+            <a:schemeClr val="accent1"/>
+          </a:effectRef>
+          <a:fontRef idx="minor">
+            <a:schemeClr val="lt1"/>
+          </a:fontRef>
+        </p:style>
+        <p:txBody>
+          <a:bodyPr wrap="square" lIns="91440" tIns="45720" rIns="91440" bIns="45720" vert="horz" anchor="ctr">
+            <a:noAutofit/>
+          </a:bodyPr>
+          <a:lstStyle/>
+          <a:p>
+            <a:pPr marL="0" indent="0" algn="ctr" hangingPunct="1"/>
+            <a:endParaRPr lang="ko-KR" altLang="en-US" sz="1800">
+              <a:latin typeface="맑은 고딕" charset="0"/>
+              <a:ea typeface="맑은 고딕" charset="0"/>
+            </a:endParaRPr>
+          </a:p>
+        </p:txBody>
+      </p:sp>
+      <p:sp>
+        <p:nvSpPr>
+          <p:cNvPr id="207" name="도형 9"/>
+          <p:cNvSpPr>
+            <a:spLocks/>
+          </p:cNvSpPr>
+          <p:nvPr/>
+        </p:nvSpPr>
+        <p:spPr>
+          <a:xfrm rot="0">
+            <a:off x="7595870" y="3465830"/>
+            <a:ext cx="3082290" cy="3020060"/>
+          </a:xfrm>
+          <a:prstGeom prst="ellipse"/>
+          <a:noFill/>
+          <a:ln w="76200" cap="flat" cmpd="sng">
+            <a:solidFill>
+              <a:srgbClr val="93819F">
+                <a:alpha val="100000"/>
+              </a:srgbClr>
+            </a:solidFill>
+            <a:prstDash val="solid"/>
+            <a:round/>
+          </a:ln>
+        </p:spPr>
+        <p:style>
+          <a:lnRef idx="2">
+            <a:schemeClr val="accent1">
+              <a:shade val="50000"/>
+            </a:schemeClr>
+          </a:lnRef>
+          <a:fillRef idx="1">
+            <a:schemeClr val="accent1"/>
+          </a:fillRef>
+          <a:effectRef idx="0">
+            <a:schemeClr val="accent1"/>
+          </a:effectRef>
+          <a:fontRef idx="minor">
+            <a:schemeClr val="lt1"/>
+          </a:fontRef>
+        </p:style>
+        <p:txBody>
+          <a:bodyPr wrap="square" lIns="91440" tIns="45720" rIns="91440" bIns="45720" vert="horz" anchor="ctr">
+            <a:noAutofit/>
+          </a:bodyPr>
+          <a:lstStyle/>
+          <a:p>
+            <a:pPr marL="0" indent="0" algn="ctr" hangingPunct="1"/>
+            <a:endParaRPr lang="ko-KR" altLang="en-US" sz="1800">
+              <a:latin typeface="맑은 고딕" charset="0"/>
+              <a:ea typeface="맑은 고딕" charset="0"/>
+            </a:endParaRPr>
+          </a:p>
+        </p:txBody>
+      </p:sp>
+      <p:sp>
+        <p:nvSpPr>
+          <p:cNvPr id="208" name="도형 10"/>
+          <p:cNvSpPr>
+            <a:spLocks/>
+          </p:cNvSpPr>
+          <p:nvPr/>
+        </p:nvSpPr>
+        <p:spPr>
+          <a:xfrm rot="0">
+            <a:off x="7461885" y="3341370"/>
+            <a:ext cx="3357245" cy="3269615"/>
+          </a:xfrm>
+          <a:prstGeom prst="ellipse"/>
+          <a:noFill/>
+          <a:ln w="76200" cap="flat" cmpd="sng">
+            <a:solidFill>
+              <a:srgbClr val="93819F">
+                <a:alpha val="100000"/>
+              </a:srgbClr>
+            </a:solidFill>
+            <a:prstDash val="solid"/>
+            <a:round/>
+          </a:ln>
+        </p:spPr>
+        <p:style>
+          <a:lnRef idx="2">
+            <a:schemeClr val="accent1">
+              <a:shade val="50000"/>
+            </a:schemeClr>
+          </a:lnRef>
+          <a:fillRef idx="1">
+            <a:schemeClr val="accent1"/>
+          </a:fillRef>
+          <a:effectRef idx="0">
+            <a:schemeClr val="accent1"/>
+          </a:effectRef>
+          <a:fontRef idx="minor">
+            <a:schemeClr val="lt1"/>
+          </a:fontRef>
+        </p:style>
+        <p:txBody>
+          <a:bodyPr wrap="square" lIns="91440" tIns="45720" rIns="91440" bIns="45720" vert="horz" anchor="ctr">
+            <a:noAutofit/>
+          </a:bodyPr>
+          <a:lstStyle/>
+          <a:p>
+            <a:pPr marL="0" indent="0" algn="ctr" hangingPunct="1"/>
+            <a:endParaRPr lang="ko-KR" altLang="en-US" sz="1800">
+              <a:latin typeface="맑은 고딕" charset="0"/>
+              <a:ea typeface="맑은 고딕" charset="0"/>
+            </a:endParaRPr>
+          </a:p>
+        </p:txBody>
+      </p:sp>
+      <p:sp>
+        <p:nvSpPr>
+          <p:cNvPr id="209" name="도형 11"/>
+          <p:cNvSpPr>
+            <a:spLocks/>
+          </p:cNvSpPr>
+          <p:nvPr/>
+        </p:nvSpPr>
+        <p:spPr>
+          <a:xfrm rot="0">
+            <a:off x="11757025" y="3465830"/>
+            <a:ext cx="3082290" cy="3020060"/>
+          </a:xfrm>
+          <a:prstGeom prst="ellipse"/>
+          <a:noFill/>
+          <a:ln w="76200" cap="flat" cmpd="sng">
+            <a:solidFill>
+              <a:srgbClr val="93819F">
+                <a:alpha val="100000"/>
+              </a:srgbClr>
+            </a:solidFill>
+            <a:prstDash val="solid"/>
+            <a:round/>
+          </a:ln>
+        </p:spPr>
+        <p:style>
+          <a:lnRef idx="2">
+            <a:schemeClr val="accent1">
+              <a:shade val="50000"/>
+            </a:schemeClr>
+          </a:lnRef>
+          <a:fillRef idx="1">
+            <a:schemeClr val="accent1"/>
+          </a:fillRef>
+          <a:effectRef idx="0">
+            <a:schemeClr val="accent1"/>
+          </a:effectRef>
+          <a:fontRef idx="minor">
+            <a:schemeClr val="lt1"/>
+          </a:fontRef>
+        </p:style>
+        <p:txBody>
+          <a:bodyPr wrap="square" lIns="91440" tIns="45720" rIns="91440" bIns="45720" vert="horz" anchor="ctr">
+            <a:noAutofit/>
+          </a:bodyPr>
+          <a:lstStyle/>
+          <a:p>
+            <a:pPr marL="0" indent="0" algn="ctr" hangingPunct="1"/>
+            <a:endParaRPr lang="ko-KR" altLang="en-US" sz="1800">
+              <a:latin typeface="맑은 고딕" charset="0"/>
+              <a:ea typeface="맑은 고딕" charset="0"/>
+            </a:endParaRPr>
+          </a:p>
+        </p:txBody>
+      </p:sp>
+      <p:sp>
+        <p:nvSpPr>
+          <p:cNvPr id="210" name="도형 12"/>
+          <p:cNvSpPr>
+            <a:spLocks/>
+          </p:cNvSpPr>
+          <p:nvPr/>
+        </p:nvSpPr>
+        <p:spPr>
+          <a:xfrm rot="0">
+            <a:off x="11622405" y="3341370"/>
+            <a:ext cx="3357880" cy="3269615"/>
+          </a:xfrm>
+          <a:prstGeom prst="ellipse"/>
+          <a:noFill/>
+          <a:ln w="76200" cap="flat" cmpd="sng">
+            <a:solidFill>
+              <a:srgbClr val="93819F">
+                <a:alpha val="100000"/>
+              </a:srgbClr>
+            </a:solidFill>
+            <a:prstDash val="solid"/>
+            <a:round/>
+          </a:ln>
+        </p:spPr>
+        <p:style>
+          <a:lnRef idx="2">
+            <a:schemeClr val="accent1">
+              <a:shade val="50000"/>
+            </a:schemeClr>
+          </a:lnRef>
+          <a:fillRef idx="1">
+            <a:schemeClr val="accent1"/>
+          </a:fillRef>
+          <a:effectRef idx="0">
+            <a:schemeClr val="accent1"/>
+          </a:effectRef>
+          <a:fontRef idx="minor">
+            <a:schemeClr val="lt1"/>
+          </a:fontRef>
+        </p:style>
+        <p:txBody>
+          <a:bodyPr wrap="square" lIns="91440" tIns="45720" rIns="91440" bIns="45720" vert="horz" anchor="ctr">
+            <a:noAutofit/>
+          </a:bodyPr>
+          <a:lstStyle/>
+          <a:p>
+            <a:pPr marL="0" indent="0" algn="ctr" hangingPunct="1"/>
+            <a:endParaRPr lang="ko-KR" altLang="en-US" sz="1800">
+              <a:latin typeface="맑은 고딕" charset="0"/>
+              <a:ea typeface="맑은 고딕" charset="0"/>
+            </a:endParaRPr>
+          </a:p>
+        </p:txBody>
+      </p:sp>
     </p:spTree>
   </p:cSld>
   <p:clrMapOvr>
     <a:masterClrMapping/>
   </p:clrMapOvr>
+  <mc:AlternateContent xmlns:mc="http://schemas.openxmlformats.org/markup-compatibility/2006">
+    <mc:Choice xmlns:p14="http://schemas.microsoft.com/office/powerpoint/2010/main" Requires="p14">
+      <p:transition spd="slow" p14:dur="2000"/>
+    </mc:Choice>
+    <mc:Fallback>
+      <p:transition spd="slow"/>
+    </mc:Fallback>
+  </mc:AlternateContent>
+  <p:timing>
+    <p:tnLst>
+      <p:par>
+        <p:cTn id="1" dur="indefinite" restart="never" nodeType="tmRoot"/>
+      </p:par>
+    </p:tnLst>
+  </p:timing>
 </p:sld>
 </file>
 
 <file path=ppt/slides/slide3.xml><?xml version="1.0" encoding="utf-8"?>
-<p:sld xmlns:a="http://schemas.openxmlformats.org/drawingml/2006/main" xmlns:r="http://schemas.openxmlformats.org/officeDocument/2006/relationships" xmlns:p="http://schemas.openxmlformats.org/presentationml/2006/main">
+<p:sld xmlns:a="http://schemas.openxmlformats.org/drawingml/2006/main" xmlns:r="http://schemas.openxmlformats.org/officeDocument/2006/relationships" xmlns:p="http://schemas.openxmlformats.org/presentationml/2006/main" xmlns:p14="http://schemas.microsoft.com/office/powerpoint/2010/main">
   <p:cSld>
     <p:spTree>
       <p:nvGrpSpPr>
@@ -12795,8 +15173,8 @@
         </p:nvSpPr>
         <p:spPr>
           <a:xfrm>
-            <a:off x="8213090" y="3228456"/>
-            <a:ext cx="2336165" cy="4178067"/>
+            <a:off x="8213090" y="3228340"/>
+            <a:ext cx="2336165" cy="4178300"/>
           </a:xfrm>
           <a:prstGeom prst="rect">
             <a:avLst/>
@@ -12953,13 +15331,11 @@
           <p:nvPr/>
         </p:nvSpPr>
         <p:spPr>
-          <a:xfrm>
-            <a:off x="5773420" y="411480"/>
-            <a:ext cx="6256020" cy="861060"/>
-          </a:xfrm>
-          <a:prstGeom prst="rect">
-            <a:avLst/>
-          </a:prstGeom>
+          <a:xfrm rot="0">
+            <a:off x="5979795" y="374015"/>
+            <a:ext cx="6256655" cy="861695"/>
+          </a:xfrm>
+          <a:prstGeom prst="rect"/>
           <a:noFill/>
           <a:ln w="0">
             <a:noFill/>
@@ -12967,12 +15343,12 @@
           </a:ln>
         </p:spPr>
         <p:txBody>
-          <a:bodyPr vert="horz" wrap="square" lIns="91440" tIns="45720" rIns="91440" bIns="45720" numCol="1" anchor="t">
+          <a:bodyPr wrap="square" lIns="91440" tIns="45720" rIns="91440" bIns="45720" numCol="1" vert="horz" anchor="t">
             <a:spAutoFit/>
           </a:bodyPr>
           <a:lstStyle/>
           <a:p>
-            <a:pPr marL="0" indent="0" algn="ctr" rtl="0" latinLnBrk="0">
+            <a:pPr marL="0" indent="0" rtl="0" algn="ctr" latinLnBrk="0">
               <a:spcBef>
                 <a:spcPts val="0"/>
               </a:spcBef>
@@ -13125,8 +15501,8 @@
         </p:nvSpPr>
         <p:spPr>
           <a:xfrm flipH="1">
-            <a:off x="7629525" y="3208255"/>
-            <a:ext cx="117475" cy="4320000"/>
+            <a:off x="7629525" y="3208020"/>
+            <a:ext cx="117475" cy="4319905"/>
           </a:xfrm>
           <a:prstGeom prst="rect">
             <a:avLst/>
@@ -13179,18 +15555,32 @@
   <p:clrMapOvr>
     <a:masterClrMapping/>
   </p:clrMapOvr>
+  <mc:AlternateContent xmlns:mc="http://schemas.openxmlformats.org/markup-compatibility/2006">
+    <mc:Choice xmlns:p14="http://schemas.microsoft.com/office/powerpoint/2010/main" Requires="p14">
+      <p:transition spd="slow" p14:dur="2000"/>
+    </mc:Choice>
+    <mc:Fallback>
+      <p:transition spd="slow"/>
+    </mc:Fallback>
+  </mc:AlternateContent>
+  <p:timing>
+    <p:tnLst>
+      <p:par>
+        <p:cTn id="1" dur="indefinite" restart="never" nodeType="tmRoot"/>
+      </p:par>
+    </p:tnLst>
+  </p:timing>
 </p:sld>
 </file>
 
 <file path=ppt/slides/slide4.xml><?xml version="1.0" encoding="utf-8"?>
-<p:sld xmlns:a="http://schemas.openxmlformats.org/drawingml/2006/main" xmlns:r="http://schemas.openxmlformats.org/officeDocument/2006/relationships" xmlns:p="http://schemas.openxmlformats.org/presentationml/2006/main">
+<p:sld xmlns:a="http://schemas.openxmlformats.org/drawingml/2006/main" xmlns:r="http://schemas.openxmlformats.org/officeDocument/2006/relationships" xmlns:p="http://schemas.openxmlformats.org/presentationml/2006/main" xmlns:p14="http://schemas.microsoft.com/office/powerpoint/2010/main">
   <p:cSld>
     <p:bg>
       <p:bgPr>
         <a:solidFill>
           <a:srgbClr val="694680"/>
         </a:solidFill>
-        <a:effectLst/>
       </p:bgPr>
     </p:bg>
     <p:spTree>
@@ -13216,13 +15606,11 @@
           <p:nvPr/>
         </p:nvSpPr>
         <p:spPr>
-          <a:xfrm>
-            <a:off x="7575550" y="348615"/>
-            <a:ext cx="2775585" cy="861060"/>
-          </a:xfrm>
-          <a:prstGeom prst="rect">
-            <a:avLst/>
-          </a:prstGeom>
+          <a:xfrm rot="0">
+            <a:off x="7762875" y="348615"/>
+            <a:ext cx="2776220" cy="861695"/>
+          </a:xfrm>
+          <a:prstGeom prst="rect"/>
           <a:noFill/>
           <a:ln w="0">
             <a:noFill/>
@@ -13230,12 +15618,12 @@
           </a:ln>
         </p:spPr>
         <p:txBody>
-          <a:bodyPr vert="horz" wrap="square" lIns="91440" tIns="45720" rIns="91440" bIns="45720" numCol="1" anchor="t">
+          <a:bodyPr wrap="square" lIns="91440" tIns="45720" rIns="91440" bIns="45720" numCol="1" vert="horz" anchor="t">
             <a:spAutoFit/>
           </a:bodyPr>
           <a:lstStyle/>
           <a:p>
-            <a:pPr marL="0" indent="0" algn="ctr" rtl="0" latinLnBrk="0">
+            <a:pPr marL="0" indent="0" rtl="0" algn="ctr" latinLnBrk="0">
               <a:spcBef>
                 <a:spcPts val="0"/>
               </a:spcBef>
@@ -13992,6 +16380,21 @@
   <p:clrMapOvr>
     <a:masterClrMapping/>
   </p:clrMapOvr>
+  <mc:AlternateContent xmlns:mc="http://schemas.openxmlformats.org/markup-compatibility/2006">
+    <mc:Choice xmlns:p14="http://schemas.microsoft.com/office/powerpoint/2010/main" Requires="p14">
+      <p:transition spd="slow" p14:dur="2000"/>
+    </mc:Choice>
+    <mc:Fallback>
+      <p:transition spd="slow"/>
+    </mc:Fallback>
+  </mc:AlternateContent>
+  <p:timing>
+    <p:tnLst>
+      <p:par>
+        <p:cTn id="1" dur="indefinite" restart="never" nodeType="tmRoot"/>
+      </p:par>
+    </p:tnLst>
+  </p:timing>
 </p:sld>
 </file>
 
@@ -14712,7 +17115,7 @@
         </p:grpSpPr>
         <p:pic>
           <p:nvPicPr>
-            <p:cNvPr id="218" name="그림 54" descr="C:/Users/admin/AppData/Roaming/PolarisOffice/ETemp/8108_14731568/image9.png"/>
+            <p:cNvPr id="218" name="그림 54"/>
             <p:cNvPicPr>
               <a:picLocks/>
             </p:cNvPicPr>
@@ -14815,7 +17218,7 @@
         </p:grpSpPr>
         <p:pic>
           <p:nvPicPr>
-            <p:cNvPr id="224" name="그림 60" descr="C:/Users/admin/AppData/Roaming/PolarisOffice/ETemp/8108_14731568/image9.png"/>
+            <p:cNvPr id="224" name="그림 60"/>
             <p:cNvPicPr>
               <a:picLocks/>
             </p:cNvPicPr>
@@ -14918,7 +17321,7 @@
         </p:grpSpPr>
         <p:pic>
           <p:nvPicPr>
-            <p:cNvPr id="145" name="Google Shape;145;p16" descr="C:/Users/admin/AppData/Roaming/PolarisOffice/ETemp/8108_14731568/image9.png"/>
+            <p:cNvPr id="145" name="Google Shape;145;p16"/>
             <p:cNvPicPr preferRelativeResize="0">
               <a:picLocks/>
             </p:cNvPicPr>
@@ -15358,7 +17761,7 @@
       </p:grpSp>
       <p:pic>
         <p:nvPicPr>
-          <p:cNvPr id="150" name="Google Shape;150;p16" descr="C:/Users/admin/AppData/Roaming/PolarisOffice/ETemp/8108_14731568/image10.png"/>
+          <p:cNvPr id="150" name="Google Shape;150;p16"/>
           <p:cNvPicPr preferRelativeResize="0">
             <a:picLocks/>
           </p:cNvPicPr>
@@ -15454,13 +17857,11 @@
           <p:nvPr/>
         </p:nvSpPr>
         <p:spPr>
-          <a:xfrm>
-            <a:off x="5773420" y="411480"/>
-            <a:ext cx="6255385" cy="861060"/>
-          </a:xfrm>
-          <a:prstGeom prst="rect">
-            <a:avLst/>
-          </a:prstGeom>
+          <a:xfrm rot="0">
+            <a:off x="5848350" y="467995"/>
+            <a:ext cx="6256020" cy="861695"/>
+          </a:xfrm>
+          <a:prstGeom prst="rect"/>
           <a:noFill/>
           <a:ln w="0">
             <a:noFill/>
@@ -15468,12 +17869,12 @@
           </a:ln>
         </p:spPr>
         <p:txBody>
-          <a:bodyPr vert="horz" wrap="square" lIns="91440" tIns="45720" rIns="91440" bIns="45720" numCol="1" anchor="t">
+          <a:bodyPr wrap="square" lIns="91440" tIns="45720" rIns="91440" bIns="45720" numCol="1" vert="horz" anchor="t">
             <a:spAutoFit/>
           </a:bodyPr>
           <a:lstStyle/>
           <a:p>
-            <a:pPr marL="0" indent="0" algn="ctr" rtl="0" latinLnBrk="0">
+            <a:pPr marL="0" indent="0" rtl="0" algn="ctr" latinLnBrk="0">
               <a:spcBef>
                 <a:spcPts val="0"/>
               </a:spcBef>
@@ -15850,7 +18251,7 @@
       </p:sp>
       <p:pic>
         <p:nvPicPr>
-          <p:cNvPr id="3" name="그림 2" descr="C:/Users/admin/AppData/Roaming/PolarisOffice/ETemp/8108_14731568/image11.png"/>
+          <p:cNvPr id="3" name="그림 2"/>
           <p:cNvPicPr>
             <a:picLocks noChangeAspect="1"/>
           </p:cNvPicPr>
@@ -15883,7 +18284,7 @@
       </p:pic>
       <p:pic>
         <p:nvPicPr>
-          <p:cNvPr id="4" name="그림 3" descr="C:/Users/admin/AppData/Roaming/PolarisOffice/ETemp/8108_14731568/image12.png"/>
+          <p:cNvPr id="4" name="그림 3"/>
           <p:cNvPicPr>
             <a:picLocks noChangeAspect="1"/>
           </p:cNvPicPr>
@@ -15923,7 +18324,7 @@
       </p:pic>
       <p:pic>
         <p:nvPicPr>
-          <p:cNvPr id="6" name="그림 5" descr="C:/Users/admin/AppData/Roaming/PolarisOffice/ETemp/8108_14731568/image13.png"/>
+          <p:cNvPr id="6" name="그림 5"/>
           <p:cNvPicPr>
             <a:picLocks noChangeAspect="1"/>
           </p:cNvPicPr>
@@ -15978,14 +18379,13 @@
 </file>
 
 <file path=ppt/slides/slide7.xml><?xml version="1.0" encoding="utf-8"?>
-<p:sld xmlns:a="http://schemas.openxmlformats.org/drawingml/2006/main" xmlns:r="http://schemas.openxmlformats.org/officeDocument/2006/relationships" xmlns:p="http://schemas.openxmlformats.org/presentationml/2006/main">
+<p:sld xmlns:a="http://schemas.openxmlformats.org/drawingml/2006/main" xmlns:r="http://schemas.openxmlformats.org/officeDocument/2006/relationships" xmlns:p="http://schemas.openxmlformats.org/presentationml/2006/main" xmlns:p14="http://schemas.microsoft.com/office/powerpoint/2010/main">
   <p:cSld>
     <p:bg>
       <p:bgPr>
         <a:solidFill>
           <a:srgbClr val="694680"/>
         </a:solidFill>
-        <a:effectLst/>
       </p:bgPr>
     </p:bg>
     <p:spTree>
@@ -16011,13 +18411,11 @@
           <p:nvPr/>
         </p:nvSpPr>
         <p:spPr>
-          <a:xfrm>
-            <a:off x="5773420" y="411480"/>
-            <a:ext cx="6255385" cy="861060"/>
-          </a:xfrm>
-          <a:prstGeom prst="rect">
-            <a:avLst/>
-          </a:prstGeom>
+          <a:xfrm rot="0">
+            <a:off x="6017260" y="373380"/>
+            <a:ext cx="6256020" cy="861695"/>
+          </a:xfrm>
+          <a:prstGeom prst="rect"/>
           <a:noFill/>
           <a:ln w="0">
             <a:noFill/>
@@ -16025,12 +18423,12 @@
           </a:ln>
         </p:spPr>
         <p:txBody>
-          <a:bodyPr vert="horz" wrap="square" lIns="91440" tIns="45720" rIns="91440" bIns="45720" numCol="1" anchor="t">
+          <a:bodyPr wrap="square" lIns="91440" tIns="45720" rIns="91440" bIns="45720" numCol="1" vert="horz" anchor="t">
             <a:spAutoFit/>
           </a:bodyPr>
           <a:lstStyle/>
           <a:p>
-            <a:pPr marL="0" indent="0" algn="ctr" rtl="0" latinLnBrk="0">
+            <a:pPr marL="0" indent="0" rtl="0" algn="ctr" latinLnBrk="0">
               <a:spcBef>
                 <a:spcPts val="0"/>
               </a:spcBef>
@@ -16781,7 +19179,7 @@
       </p:pic>
       <p:pic>
         <p:nvPicPr>
-          <p:cNvPr id="191" name="그림 14" descr="C:/Users/admin/AppData/Roaming/PolarisOffice/ETemp/15032_7075696/image6.png"/>
+          <p:cNvPr id="191" name="그림 14"/>
           <p:cNvPicPr>
             <a:picLocks/>
           </p:cNvPicPr>
@@ -16816,7 +19214,7 @@
       </p:pic>
       <p:pic>
         <p:nvPicPr>
-          <p:cNvPr id="192" name="그림 2" descr="C:/Users/admin/AppData/Roaming/PolarisOffice/ETemp/15032_7075696/image1.png"/>
+          <p:cNvPr id="192" name="그림 2"/>
           <p:cNvPicPr>
             <a:picLocks/>
           </p:cNvPicPr>
@@ -16921,18 +19319,32 @@
   <p:clrMapOvr>
     <a:masterClrMapping/>
   </p:clrMapOvr>
+  <mc:AlternateContent xmlns:mc="http://schemas.openxmlformats.org/markup-compatibility/2006">
+    <mc:Choice xmlns:p14="http://schemas.microsoft.com/office/powerpoint/2010/main" Requires="p14">
+      <p:transition spd="slow" p14:dur="2000"/>
+    </mc:Choice>
+    <mc:Fallback>
+      <p:transition spd="slow"/>
+    </mc:Fallback>
+  </mc:AlternateContent>
+  <p:timing>
+    <p:tnLst>
+      <p:par>
+        <p:cTn id="1" dur="indefinite" restart="never" nodeType="tmRoot"/>
+      </p:par>
+    </p:tnLst>
+  </p:timing>
 </p:sld>
 </file>
 
 <file path=ppt/slides/slide8.xml><?xml version="1.0" encoding="utf-8"?>
-<p:sld xmlns:a="http://schemas.openxmlformats.org/drawingml/2006/main" xmlns:r="http://schemas.openxmlformats.org/officeDocument/2006/relationships" xmlns:p="http://schemas.openxmlformats.org/presentationml/2006/main">
+<p:sld xmlns:a="http://schemas.openxmlformats.org/drawingml/2006/main" xmlns:r="http://schemas.openxmlformats.org/officeDocument/2006/relationships" xmlns:p="http://schemas.openxmlformats.org/presentationml/2006/main" xmlns:p14="http://schemas.microsoft.com/office/powerpoint/2010/main">
   <p:cSld>
     <p:bg>
       <p:bgPr>
         <a:solidFill>
           <a:srgbClr val="694680"/>
         </a:solidFill>
-        <a:effectLst/>
       </p:bgPr>
     </p:bg>
     <p:spTree>
@@ -16958,13 +19370,11 @@
           <p:nvPr/>
         </p:nvSpPr>
         <p:spPr>
-          <a:xfrm>
-            <a:off x="5792470" y="411480"/>
-            <a:ext cx="6256020" cy="861060"/>
-          </a:xfrm>
-          <a:prstGeom prst="rect">
-            <a:avLst/>
-          </a:prstGeom>
+          <a:xfrm rot="0">
+            <a:off x="6017260" y="374015"/>
+            <a:ext cx="6256655" cy="861695"/>
+          </a:xfrm>
+          <a:prstGeom prst="rect"/>
           <a:noFill/>
           <a:ln w="0">
             <a:noFill/>
@@ -16972,12 +19382,12 @@
           </a:ln>
         </p:spPr>
         <p:txBody>
-          <a:bodyPr vert="horz" wrap="square" lIns="91440" tIns="45720" rIns="91440" bIns="45720" numCol="1" anchor="t">
+          <a:bodyPr wrap="square" lIns="91440" tIns="45720" rIns="91440" bIns="45720" numCol="1" vert="horz" anchor="t">
             <a:spAutoFit/>
           </a:bodyPr>
           <a:lstStyle/>
           <a:p>
-            <a:pPr marL="0" indent="0" algn="ctr" rtl="0" latinLnBrk="0">
+            <a:pPr marL="0" indent="0" rtl="0" algn="ctr" latinLnBrk="0">
               <a:spcBef>
                 <a:spcPts val="0"/>
               </a:spcBef>
@@ -17388,7 +19798,7 @@
       </p:sp>
       <p:pic>
         <p:nvPicPr>
-          <p:cNvPr id="198" name="그림 110" descr="C:/Users/admin/AppData/Roaming/PolarisOffice/ETemp/15032_7075696/image20.png"/>
+          <p:cNvPr id="198" name="그림 110"/>
           <p:cNvPicPr>
             <a:picLocks/>
           </p:cNvPicPr>
@@ -17458,7 +19868,7 @@
       </p:pic>
       <p:pic>
         <p:nvPicPr>
-          <p:cNvPr id="201" name="그림 18" descr="C:/Users/admin/AppData/Roaming/PolarisOffice/ETemp/15032_7075696/image6.png"/>
+          <p:cNvPr id="201" name="그림 18"/>
           <p:cNvPicPr>
             <a:picLocks/>
           </p:cNvPicPr>
@@ -17493,7 +19903,7 @@
       </p:pic>
       <p:pic>
         <p:nvPicPr>
-          <p:cNvPr id="203" name="그림 20" descr="C:/Users/admin/AppData/Roaming/PolarisOffice/ETemp/15032_7075696/image6.png"/>
+          <p:cNvPr id="203" name="그림 20"/>
           <p:cNvPicPr>
             <a:picLocks/>
           </p:cNvPicPr>
@@ -17528,7 +19938,7 @@
       </p:pic>
       <p:pic>
         <p:nvPicPr>
-          <p:cNvPr id="204" name="그림 21" descr="C:/Users/admin/AppData/Roaming/PolarisOffice/ETemp/15032_7075696/image1.png"/>
+          <p:cNvPr id="204" name="그림 21"/>
           <p:cNvPicPr>
             <a:picLocks/>
           </p:cNvPicPr>
@@ -17573,7 +19983,7 @@
       </p:pic>
       <p:pic>
         <p:nvPicPr>
-          <p:cNvPr id="205" name="그림 22" descr="C:/Users/admin/AppData/Roaming/PolarisOffice/ETemp/15032_7075696/image1.png"/>
+          <p:cNvPr id="205" name="그림 22"/>
           <p:cNvPicPr>
             <a:picLocks/>
           </p:cNvPicPr>
@@ -17929,11 +20339,26 @@
   <p:clrMapOvr>
     <a:masterClrMapping/>
   </p:clrMapOvr>
+  <mc:AlternateContent xmlns:mc="http://schemas.openxmlformats.org/markup-compatibility/2006">
+    <mc:Choice xmlns:p14="http://schemas.microsoft.com/office/powerpoint/2010/main" Requires="p14">
+      <p:transition spd="slow" p14:dur="2000"/>
+    </mc:Choice>
+    <mc:Fallback>
+      <p:transition spd="slow"/>
+    </mc:Fallback>
+  </mc:AlternateContent>
+  <p:timing>
+    <p:tnLst>
+      <p:par>
+        <p:cTn id="1" dur="indefinite" restart="never" nodeType="tmRoot"/>
+      </p:par>
+    </p:tnLst>
+  </p:timing>
 </p:sld>
 </file>
 
 <file path=ppt/slides/slide9.xml><?xml version="1.0" encoding="utf-8"?>
-<p:sld xmlns:a="http://schemas.openxmlformats.org/drawingml/2006/main" xmlns:r="http://schemas.openxmlformats.org/officeDocument/2006/relationships" xmlns:p="http://schemas.openxmlformats.org/presentationml/2006/main">
+<p:sld xmlns:a="http://schemas.openxmlformats.org/drawingml/2006/main" xmlns:r="http://schemas.openxmlformats.org/officeDocument/2006/relationships" xmlns:p="http://schemas.openxmlformats.org/presentationml/2006/main" xmlns:p14="http://schemas.microsoft.com/office/powerpoint/2010/main">
   <p:cSld>
     <p:spTree>
       <p:nvGrpSpPr>
@@ -17958,13 +20383,11 @@
           <p:nvPr/>
         </p:nvSpPr>
         <p:spPr>
-          <a:xfrm>
-            <a:off x="5961379" y="396451"/>
-            <a:ext cx="6255385" cy="861695"/>
-          </a:xfrm>
-          <a:prstGeom prst="rect">
-            <a:avLst/>
-          </a:prstGeom>
+          <a:xfrm rot="0">
+            <a:off x="6036310" y="358775"/>
+            <a:ext cx="6256020" cy="862330"/>
+          </a:xfrm>
+          <a:prstGeom prst="rect"/>
           <a:noFill/>
           <a:ln w="0">
             <a:noFill/>
@@ -17972,12 +20395,12 @@
           </a:ln>
         </p:spPr>
         <p:txBody>
-          <a:bodyPr vert="horz" wrap="square" lIns="91440" tIns="45720" rIns="91440" bIns="45720" numCol="1" anchor="t">
+          <a:bodyPr wrap="square" lIns="91440" tIns="45720" rIns="91440" bIns="45720" numCol="1" vert="horz" anchor="t">
             <a:spAutoFit/>
           </a:bodyPr>
           <a:lstStyle/>
           <a:p>
-            <a:pPr marL="0" indent="0" algn="ctr" rtl="0" latinLnBrk="0">
+            <a:pPr marL="0" indent="0" rtl="0" algn="ctr" latinLnBrk="0">
               <a:spcBef>
                 <a:spcPts val="0"/>
               </a:spcBef>
@@ -17988,16 +20411,46 @@
               <a:buNone/>
             </a:pPr>
             <a:r>
-              <a:rPr lang="ko-KR" altLang="en-US" sz="5000" b="1" dirty="0">
+              <a:rPr lang="ko-KR" altLang="en-US" sz="5000" b="1">
                 <a:solidFill>
                   <a:srgbClr val="694680"/>
                 </a:solidFill>
-                <a:latin typeface="나눔바른고딕" panose="020B0603020101020101" pitchFamily="50" charset="-127"/>
-                <a:ea typeface="나눔바른고딕" panose="020B0603020101020101" pitchFamily="50" charset="-127"/>
+                <a:latin typeface="나눔바른고딕" charset="0"/>
+                <a:ea typeface="나눔바른고딕" charset="0"/>
                 <a:cs typeface="Impact" charset="0"/>
               </a:rPr>
-              <a:t>적용 기술</a:t>
+              <a:t>적용</a:t>
             </a:r>
+            <a:r>
+              <a:rPr lang="ko-KR" altLang="en-US" sz="5000" b="1">
+                <a:solidFill>
+                  <a:srgbClr val="694680"/>
+                </a:solidFill>
+                <a:latin typeface="나눔바른고딕" charset="0"/>
+                <a:ea typeface="나눔바른고딕" charset="0"/>
+                <a:cs typeface="Impact" charset="0"/>
+              </a:rPr>
+              <a:t> </a:t>
+            </a:r>
+            <a:r>
+              <a:rPr lang="ko-KR" altLang="en-US" sz="5000" b="1">
+                <a:solidFill>
+                  <a:srgbClr val="694680"/>
+                </a:solidFill>
+                <a:latin typeface="나눔바른고딕" charset="0"/>
+                <a:ea typeface="나눔바른고딕" charset="0"/>
+                <a:cs typeface="Impact" charset="0"/>
+              </a:rPr>
+              <a:t>기술</a:t>
+            </a:r>
+            <a:endParaRPr lang="ko-KR" altLang="en-US" sz="5000" b="1">
+              <a:solidFill>
+                <a:srgbClr val="694680"/>
+              </a:solidFill>
+              <a:latin typeface="나눔바른고딕" charset="0"/>
+              <a:ea typeface="나눔바른고딕" charset="0"/>
+              <a:cs typeface="Impact" charset="0"/>
+            </a:endParaRPr>
           </a:p>
         </p:txBody>
       </p:sp>
@@ -18126,8 +20579,8 @@
         </p:nvSpPr>
         <p:spPr>
           <a:xfrm>
-            <a:off x="1771722" y="8845546"/>
-            <a:ext cx="14400000" cy="1013088"/>
+            <a:off x="1771650" y="8845550"/>
+            <a:ext cx="14399895" cy="1012825"/>
           </a:xfrm>
           <a:prstGeom prst="rect">
             <a:avLst/>
@@ -18188,8 +20641,8 @@
         </p:nvSpPr>
         <p:spPr>
           <a:xfrm>
-            <a:off x="1771722" y="7648332"/>
-            <a:ext cx="7200000" cy="1013088"/>
+            <a:off x="1771650" y="7648575"/>
+            <a:ext cx="7200265" cy="1012825"/>
           </a:xfrm>
           <a:prstGeom prst="rect">
             <a:avLst/>
@@ -18250,8 +20703,8 @@
         </p:nvSpPr>
         <p:spPr>
           <a:xfrm>
-            <a:off x="9316280" y="7648332"/>
-            <a:ext cx="6855442" cy="1013088"/>
+            <a:off x="9316085" y="7648575"/>
+            <a:ext cx="6855460" cy="1012825"/>
           </a:xfrm>
           <a:prstGeom prst="rect">
             <a:avLst/>
@@ -18312,8 +20765,8 @@
         </p:nvSpPr>
         <p:spPr>
           <a:xfrm>
-            <a:off x="1771722" y="1957712"/>
-            <a:ext cx="7200000" cy="5506494"/>
+            <a:off x="1771650" y="1957705"/>
+            <a:ext cx="7200265" cy="5506720"/>
           </a:xfrm>
           <a:prstGeom prst="roundRect">
             <a:avLst/>
@@ -18366,8 +20819,8 @@
         </p:nvSpPr>
         <p:spPr>
           <a:xfrm>
-            <a:off x="9302870" y="1957712"/>
-            <a:ext cx="6855442" cy="5506494"/>
+            <a:off x="9302750" y="1957705"/>
+            <a:ext cx="6855460" cy="5506720"/>
           </a:xfrm>
           <a:prstGeom prst="roundRect">
             <a:avLst/>
@@ -18420,8 +20873,8 @@
         </p:nvSpPr>
         <p:spPr>
           <a:xfrm>
-            <a:off x="5251347" y="1757657"/>
-            <a:ext cx="240772" cy="400110"/>
+            <a:off x="5251450" y="1757680"/>
+            <a:ext cx="240665" cy="400050"/>
           </a:xfrm>
           <a:prstGeom prst="rect">
             <a:avLst/>
@@ -18485,8 +20938,8 @@
         </p:nvSpPr>
         <p:spPr>
           <a:xfrm>
-            <a:off x="11908900" y="1757657"/>
-            <a:ext cx="1643400" cy="400110"/>
+            <a:off x="11908790" y="1757680"/>
+            <a:ext cx="1643380" cy="400050"/>
           </a:xfrm>
           <a:prstGeom prst="rect">
             <a:avLst/>
@@ -18550,8 +21003,8 @@
         </p:nvSpPr>
         <p:spPr>
           <a:xfrm>
-            <a:off x="9559635" y="2849538"/>
-            <a:ext cx="4467317" cy="4108124"/>
+            <a:off x="9559925" y="2849245"/>
+            <a:ext cx="4467225" cy="4107815"/>
           </a:xfrm>
           <a:prstGeom prst="roundRect">
             <a:avLst/>
@@ -18602,8 +21055,8 @@
         </p:nvSpPr>
         <p:spPr>
           <a:xfrm>
-            <a:off x="11015425" y="2652567"/>
-            <a:ext cx="1473480" cy="400110"/>
+            <a:off x="11015345" y="2652395"/>
+            <a:ext cx="1473200" cy="400050"/>
           </a:xfrm>
           <a:prstGeom prst="rect">
             <a:avLst/>
@@ -18666,8 +21119,8 @@
         </p:nvSpPr>
         <p:spPr>
           <a:xfrm>
-            <a:off x="14211152" y="2849536"/>
-            <a:ext cx="1667108" cy="4108125"/>
+            <a:off x="14211300" y="2849245"/>
+            <a:ext cx="1666875" cy="4107815"/>
           </a:xfrm>
           <a:prstGeom prst="roundRect">
             <a:avLst/>
@@ -18718,8 +21171,8 @@
         </p:nvSpPr>
         <p:spPr>
           <a:xfrm>
-            <a:off x="14538796" y="2626060"/>
-            <a:ext cx="1011815" cy="400110"/>
+            <a:off x="14538960" y="2626360"/>
+            <a:ext cx="1011555" cy="400050"/>
           </a:xfrm>
           <a:prstGeom prst="rect">
             <a:avLst/>
@@ -18782,8 +21235,8 @@
         </p:nvSpPr>
         <p:spPr>
           <a:xfrm>
-            <a:off x="14395348" y="3511814"/>
-            <a:ext cx="1298713" cy="3041375"/>
+            <a:off x="14395450" y="3511550"/>
+            <a:ext cx="1298575" cy="3041650"/>
           </a:xfrm>
           <a:prstGeom prst="rect">
             <a:avLst/>
@@ -18858,8 +21311,8 @@
         </p:nvSpPr>
         <p:spPr>
           <a:xfrm>
-            <a:off x="9806820" y="3511826"/>
-            <a:ext cx="1249733" cy="3041373"/>
+            <a:off x="9806940" y="3511550"/>
+            <a:ext cx="1249680" cy="3041650"/>
           </a:xfrm>
           <a:prstGeom prst="rect">
             <a:avLst/>
@@ -18951,8 +21404,8 @@
         </p:nvSpPr>
         <p:spPr>
           <a:xfrm>
-            <a:off x="11164557" y="3511821"/>
-            <a:ext cx="1249733" cy="3041374"/>
+            <a:off x="11164570" y="3511550"/>
+            <a:ext cx="1249680" cy="3041650"/>
           </a:xfrm>
           <a:prstGeom prst="rect">
             <a:avLst/>
@@ -19027,8 +21480,8 @@
         </p:nvSpPr>
         <p:spPr>
           <a:xfrm>
-            <a:off x="12536165" y="3511814"/>
-            <a:ext cx="1249733" cy="3041375"/>
+            <a:off x="12536170" y="3511550"/>
+            <a:ext cx="1249680" cy="3041650"/>
           </a:xfrm>
           <a:prstGeom prst="rect">
             <a:avLst/>
@@ -19137,8 +21590,8 @@
         </p:nvSpPr>
         <p:spPr>
           <a:xfrm>
-            <a:off x="13785894" y="4378450"/>
-            <a:ext cx="425254" cy="332509"/>
+            <a:off x="13785850" y="4378325"/>
+            <a:ext cx="425450" cy="332740"/>
           </a:xfrm>
           <a:prstGeom prst="rightArrow">
             <a:avLst/>
@@ -19192,8 +21645,8 @@
         </p:nvSpPr>
         <p:spPr>
           <a:xfrm rot="10800000">
-            <a:off x="13772043" y="5200021"/>
-            <a:ext cx="425254" cy="332509"/>
+            <a:off x="13771880" y="5200015"/>
+            <a:ext cx="425450" cy="332740"/>
           </a:xfrm>
           <a:prstGeom prst="rightArrow">
             <a:avLst/>
@@ -19247,8 +21700,8 @@
         </p:nvSpPr>
         <p:spPr>
           <a:xfrm>
-            <a:off x="5279356" y="3912213"/>
-            <a:ext cx="184730" cy="400110"/>
+            <a:off x="5279390" y="3912235"/>
+            <a:ext cx="184785" cy="400050"/>
           </a:xfrm>
           <a:prstGeom prst="rect">
             <a:avLst/>
@@ -19293,8 +21746,8 @@
         </p:nvSpPr>
         <p:spPr>
           <a:xfrm>
-            <a:off x="7239249" y="4026767"/>
-            <a:ext cx="2567571" cy="571112"/>
+            <a:off x="7239000" y="4026535"/>
+            <a:ext cx="2567305" cy="570865"/>
           </a:xfrm>
           <a:prstGeom prst="rightArrow">
             <a:avLst/>
@@ -19377,8 +21830,8 @@
         </p:nvSpPr>
         <p:spPr>
           <a:xfrm flipH="1">
-            <a:off x="7239249" y="5366275"/>
-            <a:ext cx="2563240" cy="571112"/>
+            <a:off x="7239000" y="5366385"/>
+            <a:ext cx="2563495" cy="570865"/>
           </a:xfrm>
           <a:prstGeom prst="rightArrow">
             <a:avLst/>
@@ -19476,8 +21929,8 @@
         </p:blipFill>
         <p:spPr bwMode="auto">
           <a:xfrm>
-            <a:off x="12174488" y="1396699"/>
-            <a:ext cx="1141091" cy="1141091"/>
+            <a:off x="12174220" y="1397000"/>
+            <a:ext cx="1141095" cy="1141095"/>
           </a:xfrm>
           <a:prstGeom prst="rect">
             <a:avLst/>
@@ -19508,8 +21961,8 @@
         </p:nvSpPr>
         <p:spPr>
           <a:xfrm>
-            <a:off x="4550020" y="1765695"/>
-            <a:ext cx="1643400" cy="400110"/>
+            <a:off x="4549775" y="1765935"/>
+            <a:ext cx="1643380" cy="400050"/>
           </a:xfrm>
           <a:prstGeom prst="rect">
             <a:avLst/>
@@ -19588,8 +22041,8 @@
         </p:blipFill>
         <p:spPr bwMode="auto">
           <a:xfrm>
-            <a:off x="4800360" y="1467030"/>
-            <a:ext cx="1141091" cy="991768"/>
+            <a:off x="4800600" y="1466850"/>
+            <a:ext cx="1141095" cy="991870"/>
           </a:xfrm>
           <a:prstGeom prst="rect">
             <a:avLst/>
@@ -19628,8 +22081,8 @@
         </p:blipFill>
         <p:spPr>
           <a:xfrm>
-            <a:off x="4623200" y="7409393"/>
-            <a:ext cx="1495410" cy="1495410"/>
+            <a:off x="4623435" y="7409180"/>
+            <a:ext cx="1495425" cy="1495425"/>
           </a:xfrm>
           <a:prstGeom prst="rect">
             <a:avLst/>
@@ -19665,8 +22118,8 @@
         </p:blipFill>
         <p:spPr bwMode="auto">
           <a:xfrm>
-            <a:off x="12094549" y="7696183"/>
-            <a:ext cx="1292093" cy="917386"/>
+            <a:off x="12094845" y="7696200"/>
+            <a:ext cx="1292225" cy="917575"/>
           </a:xfrm>
           <a:prstGeom prst="rect">
             <a:avLst/>
@@ -19697,104 +22150,68 @@
         </p:nvGrpSpPr>
         <p:grpSpPr>
           <a:xfrm>
-            <a:off x="7155350" y="8989981"/>
-            <a:ext cx="3977300" cy="798553"/>
-            <a:chOff x="7309013" y="8989981"/>
-            <a:chExt cx="3977300" cy="798553"/>
+            <a:off x="7733665" y="8942705"/>
+            <a:ext cx="3977005" cy="798830"/>
+            <a:chOff x="7733665" y="8942705"/>
+            <a:chExt cx="3977005" cy="798830"/>
           </a:xfrm>
         </p:grpSpPr>
         <p:pic>
           <p:nvPicPr>
-            <p:cNvPr id="3090" name="Picture 18">
-              <a:extLst>
-                <a:ext uri="{FF2B5EF4-FFF2-40B4-BE49-F238E27FC236}">
-                  <a16:creationId xmlns:a16="http://schemas.microsoft.com/office/drawing/2014/main" id="{F1B3ACAA-AB03-4ED3-B706-3629F7BD91C8}"/>
-                </a:ext>
-              </a:extLst>
-            </p:cNvPr>
+            <p:cNvPr id="3090" name="Picture 18" descr="C:/Users/admin/AppData/Roaming/PolarisOffice/ETemp/1420_21229216/image26.png"/>
             <p:cNvPicPr>
-              <a:picLocks noChangeAspect="1" noChangeArrowheads="1"/>
+              <a:picLocks noChangeAspect="1"/>
             </p:cNvPicPr>
             <p:nvPr/>
           </p:nvPicPr>
-          <p:blipFill>
-            <a:blip r:embed="rId7">
+          <p:blipFill rotWithShape="1">
+            <a:blip r:embed="rId7" cstate="print">
               <a:extLst>
                 <a:ext uri="{28A0092B-C50C-407E-A947-70E740481C1C}">
                   <a14:useLocalDpi xmlns:a14="http://schemas.microsoft.com/office/drawing/2010/main" val="0"/>
                 </a:ext>
               </a:extLst>
             </a:blip>
-            <a:srcRect/>
             <a:stretch>
               <a:fillRect/>
             </a:stretch>
           </p:blipFill>
           <p:spPr bwMode="auto">
-            <a:xfrm>
-              <a:off x="7309013" y="9030031"/>
-              <a:ext cx="1150082" cy="690050"/>
+            <a:xfrm rot="0">
+              <a:off x="7733665" y="8983345"/>
+              <a:ext cx="1150620" cy="690880"/>
             </a:xfrm>
-            <a:prstGeom prst="rect">
-              <a:avLst/>
-            </a:prstGeom>
+            <a:prstGeom prst="rect"/>
             <a:noFill/>
-            <a:extLst>
-              <a:ext uri="{909E8E84-426E-40DD-AFC4-6F175D3DCCD1}">
-                <a14:hiddenFill xmlns:a14="http://schemas.microsoft.com/office/drawing/2010/main">
-                  <a:solidFill>
-                    <a:srgbClr val="FFFFFF"/>
-                  </a:solidFill>
-                </a14:hiddenFill>
-              </a:ext>
-            </a:extLst>
           </p:spPr>
         </p:pic>
         <p:pic>
           <p:nvPicPr>
-            <p:cNvPr id="3092" name="Picture 20">
-              <a:extLst>
-                <a:ext uri="{FF2B5EF4-FFF2-40B4-BE49-F238E27FC236}">
-                  <a16:creationId xmlns:a16="http://schemas.microsoft.com/office/drawing/2014/main" id="{92437FE1-227C-43EF-AB7D-9344EC4A0E76}"/>
-                </a:ext>
-              </a:extLst>
-            </p:cNvPr>
+            <p:cNvPr id="3092" name="Picture 20" descr="C:/Users/admin/AppData/Roaming/PolarisOffice/ETemp/1420_21229216/image27.png"/>
             <p:cNvPicPr>
-              <a:picLocks noChangeAspect="1" noChangeArrowheads="1"/>
+              <a:picLocks noChangeAspect="1"/>
             </p:cNvPicPr>
             <p:nvPr/>
           </p:nvPicPr>
-          <p:blipFill>
-            <a:blip r:embed="rId8">
+          <p:blipFill rotWithShape="1">
+            <a:blip r:embed="rId8" cstate="print">
               <a:extLst>
                 <a:ext uri="{28A0092B-C50C-407E-A947-70E740481C1C}">
                   <a14:useLocalDpi xmlns:a14="http://schemas.microsoft.com/office/drawing/2010/main" val="0"/>
                 </a:ext>
               </a:extLst>
             </a:blip>
-            <a:srcRect/>
             <a:stretch>
               <a:fillRect/>
             </a:stretch>
           </p:blipFill>
           <p:spPr bwMode="auto">
-            <a:xfrm>
-              <a:off x="8803653" y="8989981"/>
-              <a:ext cx="2482660" cy="798553"/>
+            <a:xfrm rot="0">
+              <a:off x="9228455" y="8942705"/>
+              <a:ext cx="2483485" cy="799465"/>
             </a:xfrm>
-            <a:prstGeom prst="rect">
-              <a:avLst/>
-            </a:prstGeom>
+            <a:prstGeom prst="rect"/>
             <a:noFill/>
-            <a:extLst>
-              <a:ext uri="{909E8E84-426E-40DD-AFC4-6F175D3DCCD1}">
-                <a14:hiddenFill xmlns:a14="http://schemas.microsoft.com/office/drawing/2010/main">
-                  <a:solidFill>
-                    <a:srgbClr val="FFFFFF"/>
-                  </a:solidFill>
-                </a14:hiddenFill>
-              </a:ext>
-            </a:extLst>
           </p:spPr>
         </p:pic>
       </p:grpSp>
@@ -19812,8 +22229,8 @@
         </p:nvSpPr>
         <p:spPr>
           <a:xfrm>
-            <a:off x="2322901" y="3511819"/>
-            <a:ext cx="1315029" cy="3041373"/>
+            <a:off x="2322830" y="3511550"/>
+            <a:ext cx="1315085" cy="3041650"/>
           </a:xfrm>
           <a:prstGeom prst="rect">
             <a:avLst/>
@@ -19888,8 +22305,8 @@
         </p:nvSpPr>
         <p:spPr>
           <a:xfrm>
-            <a:off x="3759806" y="3511826"/>
-            <a:ext cx="1988656" cy="3041374"/>
+            <a:off x="3759835" y="3511550"/>
+            <a:ext cx="1988820" cy="3041650"/>
           </a:xfrm>
           <a:prstGeom prst="rect">
             <a:avLst/>
@@ -19964,8 +22381,8 @@
         </p:nvSpPr>
         <p:spPr>
           <a:xfrm>
-            <a:off x="5870338" y="3511819"/>
-            <a:ext cx="1368912" cy="3041375"/>
+            <a:off x="5870575" y="3511550"/>
+            <a:ext cx="1369060" cy="3041650"/>
           </a:xfrm>
           <a:prstGeom prst="rect">
             <a:avLst/>
@@ -20040,8 +22457,8 @@
         </p:nvSpPr>
         <p:spPr>
           <a:xfrm>
-            <a:off x="7543897" y="3511826"/>
-            <a:ext cx="1300273" cy="3041363"/>
+            <a:off x="7543800" y="3511550"/>
+            <a:ext cx="1300480" cy="3041650"/>
           </a:xfrm>
           <a:prstGeom prst="roundRect">
             <a:avLst/>
@@ -20092,8 +22509,8 @@
         </p:nvSpPr>
         <p:spPr>
           <a:xfrm>
-            <a:off x="7742627" y="3311759"/>
-            <a:ext cx="902811" cy="400110"/>
+            <a:off x="7742555" y="3311525"/>
+            <a:ext cx="902970" cy="400050"/>
           </a:xfrm>
           <a:prstGeom prst="rect">
             <a:avLst/>
@@ -20157,8 +22574,8 @@
         </p:nvSpPr>
         <p:spPr>
           <a:xfrm>
-            <a:off x="7784518" y="3726679"/>
-            <a:ext cx="827471" cy="400110"/>
+            <a:off x="7784465" y="3726815"/>
+            <a:ext cx="827405" cy="400050"/>
           </a:xfrm>
           <a:prstGeom prst="rect">
             <a:avLst/>
@@ -20224,6 +22641,21 @@
   <p:clrMapOvr>
     <a:masterClrMapping/>
   </p:clrMapOvr>
+  <mc:AlternateContent xmlns:mc="http://schemas.openxmlformats.org/markup-compatibility/2006">
+    <mc:Choice xmlns:p14="http://schemas.microsoft.com/office/powerpoint/2010/main" Requires="p14">
+      <p:transition spd="slow" p14:dur="2000"/>
+    </mc:Choice>
+    <mc:Fallback>
+      <p:transition spd="slow"/>
+    </mc:Fallback>
+  </mc:AlternateContent>
+  <p:timing>
+    <p:tnLst>
+      <p:par>
+        <p:cTn id="1" dur="indefinite" restart="never" nodeType="tmRoot"/>
+      </p:par>
+    </p:tnLst>
+  </p:timing>
 </p:sld>
 </file>
 

--- a/기획서/5조 Fit-back.pptx
+++ b/기획서/5조 Fit-back.pptx
@@ -2,26 +2,26 @@
 <file path=ppt/presentation.xml><?xml version="1.0" encoding="utf-8"?>
 <p:presentation xmlns:a="http://schemas.openxmlformats.org/drawingml/2006/main" xmlns:r="http://schemas.openxmlformats.org/officeDocument/2006/relationships" xmlns:p="http://schemas.openxmlformats.org/presentationml/2006/main" xmlns:p14="http://schemas.microsoft.com/office/powerpoint/2010/main" strictFirstAndLastChars="0" saveSubsetFonts="1" autoCompressPictures="0">
   <p:sldMasterIdLst>
-    <p:sldMasterId id="2147483712" r:id="rId12"/>
+    <p:sldMasterId id="2147483713" r:id="rId12"/>
   </p:sldMasterIdLst>
   <p:notesMasterIdLst>
     <p:notesMasterId r:id="rId14"/>
   </p:notesMasterIdLst>
   <p:sldIdLst>
     <p:sldId id="256" r:id="rId16"/>
-    <p:sldId id="278" r:id="rId17"/>
-    <p:sldId id="286" r:id="rId18"/>
-    <p:sldId id="280" r:id="rId19"/>
-    <p:sldId id="287" r:id="rId20"/>
-    <p:sldId id="281" r:id="rId21"/>
-    <p:sldId id="282" r:id="rId22"/>
-    <p:sldId id="283" r:id="rId23"/>
-    <p:sldId id="284" r:id="rId24"/>
-    <p:sldId id="288" r:id="rId25"/>
-    <p:sldId id="289" r:id="rId26"/>
-    <p:sldId id="290" r:id="rId27"/>
-    <p:sldId id="279" r:id="rId28"/>
-    <p:sldId id="276" r:id="rId29"/>
+    <p:sldId id="278" r:id="rId18"/>
+    <p:sldId id="286" r:id="rId20"/>
+    <p:sldId id="280" r:id="rId21"/>
+    <p:sldId id="287" r:id="rId23"/>
+    <p:sldId id="281" r:id="rId24"/>
+    <p:sldId id="282" r:id="rId26"/>
+    <p:sldId id="283" r:id="rId28"/>
+    <p:sldId id="284" r:id="rId30"/>
+    <p:sldId id="288" r:id="rId32"/>
+    <p:sldId id="289" r:id="rId34"/>
+    <p:sldId id="290" r:id="rId36"/>
+    <p:sldId id="279" r:id="rId38"/>
+    <p:sldId id="276" r:id="rId40"/>
   </p:sldIdLst>
   <p:sldSz cx="18288000" cy="10287000"/>
   <p:notesSz cx="10287000" cy="18288000"/>
@@ -257,12 +257,12 @@
   <p:extLst>
     <p:ext uri="{EFAFB233-063F-42B5-8137-9DF3F51BA10A}">
       <p15:sldGuideLst xmlns:p15="http://schemas.microsoft.com/office/powerpoint/2012/main">
-        <p15:guide id="1" orient="horz" pos="2148" userDrawn="0">
+        <p15:guide id="1" orient="horz" pos="2147" userDrawn="0">
           <p15:clr>
             <a:srgbClr val="000000"/>
           </p15:clr>
         </p15:guide>
-        <p15:guide id="2" pos="2868" userDrawn="0">
+        <p15:guide id="2" pos="2867" userDrawn="0">
           <p15:clr>
             <a:srgbClr val="000000"/>
           </p15:clr>
@@ -15172,13 +15172,11 @@
           <p:nvPr/>
         </p:nvSpPr>
         <p:spPr>
-          <a:xfrm>
-            <a:off x="8213090" y="3228340"/>
-            <a:ext cx="2336165" cy="4178300"/>
-          </a:xfrm>
-          <a:prstGeom prst="rect">
-            <a:avLst/>
-          </a:prstGeom>
+          <a:xfrm rot="0">
+            <a:off x="8232140" y="1878965"/>
+            <a:ext cx="2336800" cy="6736715"/>
+          </a:xfrm>
+          <a:prstGeom prst="rect"/>
           <a:noFill/>
           <a:ln w="0">
             <a:noFill/>
@@ -15186,7 +15184,7 @@
           </a:ln>
         </p:spPr>
         <p:txBody>
-          <a:bodyPr vert="horz" wrap="square" lIns="91440" tIns="45720" rIns="91440" bIns="45720" numCol="1" anchor="ctr">
+          <a:bodyPr wrap="square" lIns="91440" tIns="45720" rIns="91440" bIns="45720" numCol="1" vert="horz" anchor="ctr">
             <a:spAutoFit/>
           </a:bodyPr>
           <a:lstStyle/>
@@ -15199,7 +15197,7 @@
               <a:buNone/>
             </a:pPr>
             <a:r>
-              <a:rPr lang="en-US" sz="3600" b="1" dirty="0" err="1">
+              <a:rPr lang="en-US" sz="3600" b="1">
                 <a:solidFill>
                   <a:srgbClr val="694680"/>
                 </a:solidFill>
@@ -15208,7 +15206,7 @@
               </a:rPr>
               <a:t>개발배경</a:t>
             </a:r>
-            <a:endParaRPr lang="ko-KR" altLang="en-US" sz="3600" b="1" dirty="0">
+            <a:endParaRPr lang="ko-KR" altLang="en-US" sz="3600" b="1">
               <a:solidFill>
                 <a:srgbClr val="694680"/>
               </a:solidFill>
@@ -15225,7 +15223,7 @@
               <a:buNone/>
             </a:pPr>
             <a:r>
-              <a:rPr lang="en-US" sz="3600" b="1" dirty="0" err="1">
+              <a:rPr lang="en-US" sz="3600" b="1">
                 <a:solidFill>
                   <a:srgbClr val="694680"/>
                 </a:solidFill>
@@ -15234,7 +15232,7 @@
               </a:rPr>
               <a:t>구축방향</a:t>
             </a:r>
-            <a:endParaRPr lang="ko-KR" altLang="en-US" sz="3600" b="1" dirty="0">
+            <a:endParaRPr lang="ko-KR" altLang="en-US" sz="3600" b="1">
               <a:solidFill>
                 <a:srgbClr val="694680"/>
               </a:solidFill>
@@ -15251,7 +15249,7 @@
               <a:buNone/>
             </a:pPr>
             <a:r>
-              <a:rPr lang="en-US" sz="3600" b="1" dirty="0" err="1">
+              <a:rPr lang="en-US" sz="3600" b="1">
                 <a:solidFill>
                   <a:srgbClr val="694680"/>
                 </a:solidFill>
@@ -15260,7 +15258,7 @@
               </a:rPr>
               <a:t>서비스구성</a:t>
             </a:r>
-            <a:endParaRPr lang="ko-KR" altLang="en-US" sz="3600" b="1" dirty="0">
+            <a:endParaRPr lang="ko-KR" altLang="en-US" sz="3600" b="1">
               <a:solidFill>
                 <a:srgbClr val="694680"/>
               </a:solidFill>
@@ -15277,7 +15275,7 @@
               <a:buNone/>
             </a:pPr>
             <a:r>
-              <a:rPr lang="en-US" sz="3600" b="1" dirty="0" err="1">
+              <a:rPr lang="en-US" sz="3600" b="1">
                 <a:solidFill>
                   <a:srgbClr val="694680"/>
                 </a:solidFill>
@@ -15286,7 +15284,7 @@
               </a:rPr>
               <a:t>적용기술</a:t>
             </a:r>
-            <a:endParaRPr lang="ko-KR" altLang="en-US" sz="3600" b="1" dirty="0">
+            <a:endParaRPr lang="ko-KR" altLang="en-US" sz="3600" b="1">
               <a:solidFill>
                 <a:srgbClr val="694680"/>
               </a:solidFill>
@@ -15303,7 +15301,85 @@
               <a:buNone/>
             </a:pPr>
             <a:r>
-              <a:rPr lang="en-US" sz="3600" b="1" dirty="0" err="1">
+              <a:rPr lang="en-US" sz="3600" b="1">
+                <a:solidFill>
+                  <a:srgbClr val="694680"/>
+                </a:solidFill>
+                <a:latin typeface="나눔바른고딕" charset="0"/>
+                <a:ea typeface="나눔바른고딕" charset="0"/>
+              </a:rPr>
+              <a:t>협업 방식</a:t>
+            </a:r>
+            <a:endParaRPr lang="ko-KR" altLang="en-US" sz="3600" b="1">
+              <a:solidFill>
+                <a:srgbClr val="694680"/>
+              </a:solidFill>
+              <a:latin typeface="나눔바른고딕" charset="0"/>
+              <a:ea typeface="나눔바른고딕" charset="0"/>
+            </a:endParaRPr>
+          </a:p>
+          <a:p>
+            <a:pPr marL="0" indent="0" latinLnBrk="0">
+              <a:lnSpc>
+                <a:spcPct val="150000"/>
+              </a:lnSpc>
+              <a:buFontTx/>
+              <a:buNone/>
+            </a:pPr>
+            <a:r>
+              <a:rPr lang="en-US" sz="3600" b="1">
+                <a:solidFill>
+                  <a:srgbClr val="694680"/>
+                </a:solidFill>
+                <a:latin typeface="나눔바른고딕" charset="0"/>
+                <a:ea typeface="나눔바른고딕" charset="0"/>
+              </a:rPr>
+              <a:t>ERD</a:t>
+            </a:r>
+            <a:endParaRPr lang="ko-KR" altLang="en-US" sz="3600" b="1">
+              <a:solidFill>
+                <a:srgbClr val="694680"/>
+              </a:solidFill>
+              <a:latin typeface="나눔바른고딕" charset="0"/>
+              <a:ea typeface="나눔바른고딕" charset="0"/>
+            </a:endParaRPr>
+          </a:p>
+          <a:p>
+            <a:pPr marL="0" indent="0" latinLnBrk="0">
+              <a:lnSpc>
+                <a:spcPct val="150000"/>
+              </a:lnSpc>
+              <a:buFontTx/>
+              <a:buNone/>
+            </a:pPr>
+            <a:r>
+              <a:rPr lang="en-US" sz="3600" b="1">
+                <a:solidFill>
+                  <a:srgbClr val="694680"/>
+                </a:solidFill>
+                <a:latin typeface="나눔바른고딕" charset="0"/>
+                <a:ea typeface="나눔바른고딕" charset="0"/>
+              </a:rPr>
+              <a:t>SPM</a:t>
+            </a:r>
+            <a:endParaRPr lang="ko-KR" altLang="en-US" sz="3600" b="1">
+              <a:solidFill>
+                <a:srgbClr val="694680"/>
+              </a:solidFill>
+              <a:latin typeface="나눔바른고딕" charset="0"/>
+              <a:ea typeface="나눔바른고딕" charset="0"/>
+            </a:endParaRPr>
+          </a:p>
+          <a:p>
+            <a:pPr marL="0" indent="0" latinLnBrk="0">
+              <a:lnSpc>
+                <a:spcPct val="150000"/>
+              </a:lnSpc>
+              <a:buFontTx/>
+              <a:buNone/>
+            </a:pPr>
+            <a:r>
+              <a:rPr lang="en-US" sz="3600" b="1">
                 <a:solidFill>
                   <a:srgbClr val="694680"/>
                 </a:solidFill>
@@ -15312,7 +15388,7 @@
               </a:rPr>
               <a:t>진행상황</a:t>
             </a:r>
-            <a:endParaRPr lang="ko-KR" altLang="en-US" sz="3600" b="1" dirty="0">
+            <a:endParaRPr lang="ko-KR" altLang="en-US" sz="3600" b="1">
               <a:solidFill>
                 <a:srgbClr val="694680"/>
               </a:solidFill>
@@ -15500,13 +15576,11 @@
           <p:nvPr/>
         </p:nvSpPr>
         <p:spPr>
-          <a:xfrm flipH="1">
-            <a:off x="7629525" y="3208020"/>
-            <a:ext cx="117475" cy="4319905"/>
-          </a:xfrm>
-          <a:prstGeom prst="rect">
-            <a:avLst/>
-          </a:prstGeom>
+          <a:xfrm rot="0" flipH="1">
+            <a:off x="7986395" y="1873885"/>
+            <a:ext cx="91440" cy="6971665"/>
+          </a:xfrm>
+          <a:prstGeom prst="rect"/>
           <a:solidFill>
             <a:srgbClr val="694680"/>
           </a:solidFill>
@@ -15532,7 +15606,7 @@
           </a:fontRef>
         </p:style>
         <p:txBody>
-          <a:bodyPr vert="horz" wrap="square" lIns="91440" tIns="45720" rIns="91440" bIns="45720" numCol="1" anchor="ctr">
+          <a:bodyPr wrap="square" lIns="91440" tIns="45720" rIns="91440" bIns="45720" numCol="1" vert="horz" anchor="ctr">
             <a:noAutofit/>
           </a:bodyPr>
           <a:lstStyle/>

--- a/기획서/5조 Fit-back.pptx
+++ b/기획서/5조 Fit-back.pptx
@@ -2,7 +2,7 @@
 <file path=ppt/presentation.xml><?xml version="1.0" encoding="utf-8"?>
 <p:presentation xmlns:a="http://schemas.openxmlformats.org/drawingml/2006/main" xmlns:r="http://schemas.openxmlformats.org/officeDocument/2006/relationships" xmlns:p="http://schemas.openxmlformats.org/presentationml/2006/main" xmlns:p14="http://schemas.microsoft.com/office/powerpoint/2010/main" strictFirstAndLastChars="0" saveSubsetFonts="1" autoCompressPictures="0">
   <p:sldMasterIdLst>
-    <p:sldMasterId id="2147483713" r:id="rId12"/>
+    <p:sldMasterId id="2147483715" r:id="rId12"/>
   </p:sldMasterIdLst>
   <p:notesMasterIdLst>
     <p:notesMasterId r:id="rId14"/>
@@ -11,17 +11,17 @@
     <p:sldId id="256" r:id="rId16"/>
     <p:sldId id="278" r:id="rId18"/>
     <p:sldId id="286" r:id="rId20"/>
-    <p:sldId id="280" r:id="rId21"/>
-    <p:sldId id="287" r:id="rId23"/>
-    <p:sldId id="281" r:id="rId24"/>
-    <p:sldId id="282" r:id="rId26"/>
-    <p:sldId id="283" r:id="rId28"/>
-    <p:sldId id="284" r:id="rId30"/>
-    <p:sldId id="288" r:id="rId32"/>
+    <p:sldId id="280" r:id="rId22"/>
+    <p:sldId id="287" r:id="rId24"/>
+    <p:sldId id="281" r:id="rId25"/>
+    <p:sldId id="282" r:id="rId27"/>
+    <p:sldId id="283" r:id="rId29"/>
+    <p:sldId id="284" r:id="rId31"/>
+    <p:sldId id="288" r:id="rId33"/>
     <p:sldId id="289" r:id="rId34"/>
-    <p:sldId id="290" r:id="rId36"/>
-    <p:sldId id="279" r:id="rId38"/>
-    <p:sldId id="276" r:id="rId40"/>
+    <p:sldId id="290" r:id="rId35"/>
+    <p:sldId id="279" r:id="rId36"/>
+    <p:sldId id="276" r:id="rId37"/>
   </p:sldIdLst>
   <p:sldSz cx="18288000" cy="10287000"/>
   <p:notesSz cx="10287000" cy="18288000"/>
@@ -257,12 +257,12 @@
   <p:extLst>
     <p:ext uri="{EFAFB233-063F-42B5-8137-9DF3F51BA10A}">
       <p15:sldGuideLst xmlns:p15="http://schemas.microsoft.com/office/powerpoint/2012/main">
-        <p15:guide id="1" orient="horz" pos="2147" userDrawn="0">
+        <p15:guide id="1" orient="horz" pos="2145" userDrawn="0">
           <p15:clr>
             <a:srgbClr val="000000"/>
           </p15:clr>
         </p15:guide>
-        <p15:guide id="2" pos="2867" userDrawn="0">
+        <p15:guide id="2" pos="2865" userDrawn="0">
           <p15:clr>
             <a:srgbClr val="000000"/>
           </p15:clr>
@@ -12270,7 +12270,7 @@
 </file>
 
 <file path=ppt/slides/slide10.xml><?xml version="1.0" encoding="utf-8"?>
-<p:sld xmlns:a="http://schemas.openxmlformats.org/drawingml/2006/main" xmlns:r="http://schemas.openxmlformats.org/officeDocument/2006/relationships" xmlns:p="http://schemas.openxmlformats.org/presentationml/2006/main">
+<p:sld xmlns:a="http://schemas.openxmlformats.org/drawingml/2006/main" xmlns:r="http://schemas.openxmlformats.org/officeDocument/2006/relationships" xmlns:p="http://schemas.openxmlformats.org/presentationml/2006/main" xmlns:p14="http://schemas.microsoft.com/office/powerpoint/2010/main">
   <p:cSld>
     <p:spTree>
       <p:nvGrpSpPr>
@@ -12288,7 +12288,7 @@
       </p:grpSpPr>
       <p:pic>
         <p:nvPicPr>
-          <p:cNvPr id="150" name="Picture " descr="C:/Users/admin/AppData/Roaming/PolarisOffice/ETemp/1420_21229216/image10.png"/>
+          <p:cNvPr id="150" name="Picture "/>
           <p:cNvPicPr>
             <a:picLocks/>
           </p:cNvPicPr>
@@ -12319,64 +12319,6 @@
           </a:ln>
         </p:spPr>
       </p:pic>
-      <p:sp>
-        <p:nvSpPr>
-          <p:cNvPr id="152" name="Rect 0"/>
-          <p:cNvSpPr txBox="1">
-            <a:spLocks/>
-          </p:cNvSpPr>
-          <p:nvPr/>
-        </p:nvSpPr>
-        <p:spPr>
-          <a:xfrm rot="0">
-            <a:off x="6148070" y="430530"/>
-            <a:ext cx="6256020" cy="861060"/>
-          </a:xfrm>
-          <a:prstGeom prst="rect"/>
-          <a:noFill/>
-          <a:ln w="0">
-            <a:noFill/>
-            <a:prstDash/>
-          </a:ln>
-        </p:spPr>
-        <p:txBody>
-          <a:bodyPr wrap="square" lIns="91440" tIns="45720" rIns="91440" bIns="45720" numCol="1" vert="horz" anchor="t">
-            <a:spAutoFit/>
-          </a:bodyPr>
-          <a:lstStyle/>
-          <a:p>
-            <a:pPr marL="0" indent="0" rtl="0" algn="ctr" latinLnBrk="0">
-              <a:spcBef>
-                <a:spcPts val="0"/>
-              </a:spcBef>
-              <a:spcAft>
-                <a:spcPts val="0"/>
-              </a:spcAft>
-              <a:buFontTx/>
-              <a:buNone/>
-            </a:pPr>
-            <a:r>
-              <a:rPr lang="en-US" sz="5000" b="1">
-                <a:solidFill>
-                  <a:srgbClr val="694680"/>
-                </a:solidFill>
-                <a:latin typeface="나눔바른고딕" charset="0"/>
-                <a:ea typeface="나눔바른고딕" charset="0"/>
-                <a:cs typeface="Impact" charset="0"/>
-              </a:rPr>
-              <a:t>협업 방식</a:t>
-            </a:r>
-            <a:endParaRPr lang="ko-KR" altLang="en-US" sz="5000" b="1">
-              <a:solidFill>
-                <a:srgbClr val="694680"/>
-              </a:solidFill>
-              <a:latin typeface="나눔바른고딕" charset="0"/>
-              <a:ea typeface="나눔바른고딕" charset="0"/>
-              <a:cs typeface="Impact" charset="0"/>
-            </a:endParaRPr>
-          </a:p>
-        </p:txBody>
-      </p:sp>
       <p:sp>
         <p:nvSpPr>
           <p:cNvPr id="175" name="Rect 0"/>
@@ -12434,7 +12376,7 @@
       </p:sp>
       <p:pic>
         <p:nvPicPr>
-          <p:cNvPr id="177" name="그림 47" descr="C:/Users/admin/AppData/Roaming/PolarisOffice/ETemp/1420_21229216/fImage1003134641.png"/>
+          <p:cNvPr id="177" name="그림 47"/>
           <p:cNvPicPr>
             <a:picLocks noChangeAspect="1"/>
           </p:cNvPicPr>
@@ -12464,7 +12406,7 @@
       </p:pic>
       <p:pic>
         <p:nvPicPr>
-          <p:cNvPr id="179" name="그림 52" descr="C:/Users/admin/AppData/Roaming/PolarisOffice/ETemp/1420_21229216/fImage421793568467.png"/>
+          <p:cNvPr id="179" name="그림 52"/>
           <p:cNvPicPr>
             <a:picLocks noChangeAspect="1"/>
           </p:cNvPicPr>
@@ -12493,7 +12435,7 @@
       </p:pic>
       <p:pic>
         <p:nvPicPr>
-          <p:cNvPr id="180" name="그림 53" descr="C:/Users/admin/AppData/Roaming/PolarisOffice/ETemp/1420_21229216/fImage50023586334.png"/>
+          <p:cNvPr id="180" name="그림 53"/>
           <p:cNvPicPr>
             <a:picLocks noChangeAspect="1"/>
           </p:cNvPicPr>
@@ -12522,7 +12464,7 @@
       </p:pic>
       <p:pic>
         <p:nvPicPr>
-          <p:cNvPr id="181" name="그림 54" descr="C:/Users/admin/AppData/Roaming/PolarisOffice/ETemp/1420_21229216/fImage242803596500.png"/>
+          <p:cNvPr id="181" name="그림 54"/>
           <p:cNvPicPr>
             <a:picLocks noChangeAspect="1"/>
           </p:cNvPicPr>
@@ -12560,7 +12502,7 @@
       </p:pic>
       <p:pic>
         <p:nvPicPr>
-          <p:cNvPr id="182" name="그림 55" descr="C:/Users/admin/AppData/Roaming/PolarisOffice/ETemp/1420_21229216/fImage157993609169.png"/>
+          <p:cNvPr id="182" name="그림 55"/>
           <p:cNvPicPr>
             <a:picLocks noChangeAspect="1"/>
           </p:cNvPicPr>
@@ -12598,7 +12540,7 @@
       </p:pic>
       <p:pic>
         <p:nvPicPr>
-          <p:cNvPr id="183" name="그림 57" descr="C:/Users/admin/AppData/Roaming/PolarisOffice/ETemp/1420_21229216/fImage580603625724.png"/>
+          <p:cNvPr id="183" name="그림 57"/>
           <p:cNvPicPr>
             <a:picLocks noChangeAspect="1"/>
           </p:cNvPicPr>
@@ -12636,28 +12578,29 @@
       </p:pic>
       <p:pic>
         <p:nvPicPr>
-          <p:cNvPr id="184" name="그림 58" descr="C:/Users/admin/AppData/Roaming/PolarisOffice/ETemp/1420_21229216/fImage102723631478.png"/>
+          <p:cNvPr id="184" name="그림 58"/>
           <p:cNvPicPr>
             <a:picLocks noChangeAspect="1"/>
           </p:cNvPicPr>
           <p:nvPr/>
         </p:nvPicPr>
         <p:blipFill rotWithShape="1">
-          <a:blip r:embed="rId9" cstate="print">
+          <a:blip r:embed="rId9" cstate="hqprint">
             <a:extLst>
               <a:ext uri="{28A0092B-C50C-407E-A947-70E740481C1C}">
-                <a14:useLocalDpi xmlns:a14="http://schemas.microsoft.com/office/drawing/2010/main" val="0"/>
+                <a14:useLocalDpi xmlns:a14="http://schemas.microsoft.com/office/drawing/2010/main"/>
               </a:ext>
             </a:extLst>
           </a:blip>
+          <a:srcRect r="3635"/>
           <a:stretch>
             <a:fillRect/>
           </a:stretch>
         </p:blipFill>
         <p:spPr>
           <a:xfrm rot="0">
-            <a:off x="12469495" y="7023735"/>
-            <a:ext cx="2305685" cy="2686685"/>
+            <a:off x="12506960" y="7042785"/>
+            <a:ext cx="2222500" cy="2687320"/>
           </a:xfrm>
           <a:prstGeom prst="rect"/>
           <a:noFill/>
@@ -12672,6 +12615,122 @@
           </a:ln>
         </p:spPr>
       </p:pic>
+      <p:sp>
+        <p:nvSpPr>
+          <p:cNvPr id="185" name="텍스트 상자 7"/>
+          <p:cNvSpPr txBox="1">
+            <a:spLocks/>
+          </p:cNvSpPr>
+          <p:nvPr/>
+        </p:nvSpPr>
+        <p:spPr>
+          <a:xfrm rot="0">
+            <a:off x="6807200" y="486410"/>
+            <a:ext cx="2638425" cy="861060"/>
+          </a:xfrm>
+          <a:prstGeom prst="rect"/>
+          <a:noFill/>
+          <a:ln w="0">
+            <a:noFill/>
+            <a:prstDash/>
+          </a:ln>
+        </p:spPr>
+        <p:txBody>
+          <a:bodyPr wrap="square" lIns="91440" tIns="45720" rIns="91440" bIns="45720" numCol="1" vert="horz" anchor="t">
+            <a:spAutoFit/>
+          </a:bodyPr>
+          <a:lstStyle/>
+          <a:p>
+            <a:pPr marL="0" indent="0" rtl="0" algn="ctr" latinLnBrk="0">
+              <a:spcBef>
+                <a:spcPts val="0"/>
+              </a:spcBef>
+              <a:spcAft>
+                <a:spcPts val="0"/>
+              </a:spcAft>
+              <a:buFontTx/>
+              <a:buNone/>
+            </a:pPr>
+            <a:r>
+              <a:rPr lang="ko-KR" sz="5000" b="1">
+                <a:solidFill>
+                  <a:srgbClr val="694680"/>
+                </a:solidFill>
+                <a:latin typeface="나눔바른고딕" charset="0"/>
+                <a:ea typeface="나눔바른고딕" charset="0"/>
+                <a:cs typeface="Impact" charset="0"/>
+              </a:rPr>
+              <a:t>진행상황</a:t>
+            </a:r>
+            <a:endParaRPr lang="ko-KR" altLang="en-US" sz="5000" b="1">
+              <a:solidFill>
+                <a:srgbClr val="694680"/>
+              </a:solidFill>
+              <a:latin typeface="나눔바른고딕" charset="0"/>
+              <a:ea typeface="나눔바른고딕" charset="0"/>
+              <a:cs typeface="Impact" charset="0"/>
+            </a:endParaRPr>
+          </a:p>
+        </p:txBody>
+      </p:sp>
+      <p:sp>
+        <p:nvSpPr>
+          <p:cNvPr id="186" name="텍스트 상자 8"/>
+          <p:cNvSpPr txBox="1">
+            <a:spLocks/>
+          </p:cNvSpPr>
+          <p:nvPr/>
+        </p:nvSpPr>
+        <p:spPr>
+          <a:xfrm rot="0">
+            <a:off x="9295765" y="595630"/>
+            <a:ext cx="2435225" cy="707390"/>
+          </a:xfrm>
+          <a:prstGeom prst="rect"/>
+          <a:noFill/>
+          <a:ln w="0">
+            <a:noFill/>
+            <a:prstDash/>
+          </a:ln>
+        </p:spPr>
+        <p:txBody>
+          <a:bodyPr wrap="square" lIns="91440" tIns="45720" rIns="91440" bIns="45720" numCol="1" vert="horz" anchor="t">
+            <a:spAutoFit/>
+          </a:bodyPr>
+          <a:lstStyle/>
+          <a:p>
+            <a:pPr marL="0" indent="0" rtl="0" algn="ctr" latinLnBrk="0">
+              <a:spcBef>
+                <a:spcPts val="0"/>
+              </a:spcBef>
+              <a:spcAft>
+                <a:spcPts val="0"/>
+              </a:spcAft>
+              <a:buFontTx/>
+              <a:buNone/>
+            </a:pPr>
+            <a:r>
+              <a:rPr lang="ko-KR" sz="4000" b="1">
+                <a:solidFill>
+                  <a:srgbClr val="694680"/>
+                </a:solidFill>
+                <a:latin typeface="나눔바른고딕" charset="0"/>
+                <a:ea typeface="나눔바른고딕" charset="0"/>
+                <a:cs typeface="Impact" charset="0"/>
+              </a:rPr>
+              <a:t>- 협업방식</a:t>
+            </a:r>
+            <a:endParaRPr lang="ko-KR" altLang="en-US" sz="4000" b="1">
+              <a:solidFill>
+                <a:srgbClr val="694680"/>
+              </a:solidFill>
+              <a:latin typeface="나눔바른고딕" charset="0"/>
+              <a:ea typeface="나눔바른고딕" charset="0"/>
+              <a:cs typeface="Impact" charset="0"/>
+            </a:endParaRPr>
+          </a:p>
+        </p:txBody>
+      </p:sp>
     </p:spTree>
   </p:cSld>
   <p:clrMapOvr>
@@ -12696,7 +12755,7 @@
 </file>
 
 <file path=ppt/slides/slide11.xml><?xml version="1.0" encoding="utf-8"?>
-<p:sld xmlns:a="http://schemas.openxmlformats.org/drawingml/2006/main" xmlns:r="http://schemas.openxmlformats.org/officeDocument/2006/relationships" xmlns:p="http://schemas.openxmlformats.org/presentationml/2006/main">
+<p:sld xmlns:a="http://schemas.openxmlformats.org/drawingml/2006/main" xmlns:r="http://schemas.openxmlformats.org/officeDocument/2006/relationships" xmlns:p="http://schemas.openxmlformats.org/presentationml/2006/main" xmlns:p14="http://schemas.microsoft.com/office/powerpoint/2010/main">
   <p:cSld>
     <p:spTree>
       <p:nvGrpSpPr>
@@ -12714,7 +12773,7 @@
       </p:grpSpPr>
       <p:pic>
         <p:nvPicPr>
-          <p:cNvPr id="150" name="Picture " descr="C:/Users/admin/AppData/Roaming/PolarisOffice/ETemp/1420_21229216/image10.png"/>
+          <p:cNvPr id="150" name="Picture "/>
           <p:cNvPicPr>
             <a:picLocks/>
           </p:cNvPicPr>
@@ -12745,64 +12804,6 @@
           </a:ln>
         </p:spPr>
       </p:pic>
-      <p:sp>
-        <p:nvSpPr>
-          <p:cNvPr id="152" name="Rect 0"/>
-          <p:cNvSpPr txBox="1">
-            <a:spLocks/>
-          </p:cNvSpPr>
-          <p:nvPr/>
-        </p:nvSpPr>
-        <p:spPr>
-          <a:xfrm rot="0">
-            <a:off x="4365625" y="423545"/>
-            <a:ext cx="9557385" cy="861060"/>
-          </a:xfrm>
-          <a:prstGeom prst="rect"/>
-          <a:noFill/>
-          <a:ln w="0">
-            <a:noFill/>
-            <a:prstDash/>
-          </a:ln>
-        </p:spPr>
-        <p:txBody>
-          <a:bodyPr wrap="square" lIns="91440" tIns="45720" rIns="91440" bIns="45720" numCol="1" vert="horz" anchor="t">
-            <a:spAutoFit/>
-          </a:bodyPr>
-          <a:lstStyle/>
-          <a:p>
-            <a:pPr marL="0" indent="0" rtl="0" algn="ctr" latinLnBrk="0">
-              <a:spcBef>
-                <a:spcPts val="0"/>
-              </a:spcBef>
-              <a:spcAft>
-                <a:spcPts val="0"/>
-              </a:spcAft>
-              <a:buFontTx/>
-              <a:buNone/>
-            </a:pPr>
-            <a:r>
-              <a:rPr lang="en-US" sz="5000" b="1">
-                <a:solidFill>
-                  <a:srgbClr val="694680"/>
-                </a:solidFill>
-                <a:latin typeface="나눔바른고딕" charset="0"/>
-                <a:ea typeface="나눔바른고딕" charset="0"/>
-                <a:cs typeface="Impact" charset="0"/>
-              </a:rPr>
-              <a:t> Entity Relationship Diagram</a:t>
-            </a:r>
-            <a:endParaRPr lang="ko-KR" altLang="en-US" sz="5000" b="1">
-              <a:solidFill>
-                <a:srgbClr val="694680"/>
-              </a:solidFill>
-              <a:latin typeface="나눔바른고딕" charset="0"/>
-              <a:ea typeface="나눔바른고딕" charset="0"/>
-              <a:cs typeface="Impact" charset="0"/>
-            </a:endParaRPr>
-          </a:p>
-        </p:txBody>
-      </p:sp>
       <p:sp>
         <p:nvSpPr>
           <p:cNvPr id="175" name="Rect 0"/>
@@ -12860,7 +12861,7 @@
       </p:sp>
       <p:pic>
         <p:nvPicPr>
-          <p:cNvPr id="176" name="그림 21" descr="C:/Users/admin/AppData/Roaming/PolarisOffice/ETemp/1420_21229216/fImage946013229358.png"/>
+          <p:cNvPr id="176" name="그림 21"/>
           <p:cNvPicPr>
             <a:picLocks noChangeAspect="1"/>
           </p:cNvPicPr>
@@ -12896,6 +12897,133 @@
           </a:ln>
         </p:spPr>
       </p:pic>
+      <p:sp>
+        <p:nvSpPr>
+          <p:cNvPr id="177" name="텍스트 상자 5"/>
+          <p:cNvSpPr txBox="1">
+            <a:spLocks/>
+          </p:cNvSpPr>
+          <p:nvPr/>
+        </p:nvSpPr>
+        <p:spPr>
+          <a:xfrm rot="0">
+            <a:off x="4333240" y="486410"/>
+            <a:ext cx="2638425" cy="861060"/>
+          </a:xfrm>
+          <a:prstGeom prst="rect"/>
+          <a:noFill/>
+          <a:ln w="0">
+            <a:noFill/>
+            <a:prstDash/>
+          </a:ln>
+        </p:spPr>
+        <p:txBody>
+          <a:bodyPr wrap="square" lIns="91440" tIns="45720" rIns="91440" bIns="45720" numCol="1" vert="horz" anchor="t">
+            <a:spAutoFit/>
+          </a:bodyPr>
+          <a:lstStyle/>
+          <a:p>
+            <a:pPr marL="0" indent="0" rtl="0" algn="ctr" latinLnBrk="0">
+              <a:spcBef>
+                <a:spcPts val="0"/>
+              </a:spcBef>
+              <a:spcAft>
+                <a:spcPts val="0"/>
+              </a:spcAft>
+              <a:buFontTx/>
+              <a:buNone/>
+            </a:pPr>
+            <a:r>
+              <a:rPr lang="ko-KR" sz="5000" b="1">
+                <a:solidFill>
+                  <a:srgbClr val="694680"/>
+                </a:solidFill>
+                <a:latin typeface="나눔바른고딕" charset="0"/>
+                <a:ea typeface="나눔바른고딕" charset="0"/>
+                <a:cs typeface="Impact" charset="0"/>
+              </a:rPr>
+              <a:t>진행상황</a:t>
+            </a:r>
+            <a:endParaRPr lang="ko-KR" altLang="en-US" sz="5000" b="1">
+              <a:solidFill>
+                <a:srgbClr val="694680"/>
+              </a:solidFill>
+              <a:latin typeface="나눔바른고딕" charset="0"/>
+              <a:ea typeface="나눔바른고딕" charset="0"/>
+              <a:cs typeface="Impact" charset="0"/>
+            </a:endParaRPr>
+          </a:p>
+        </p:txBody>
+      </p:sp>
+      <p:sp>
+        <p:nvSpPr>
+          <p:cNvPr id="178" name="텍스트 상자 6"/>
+          <p:cNvSpPr txBox="1">
+            <a:spLocks/>
+          </p:cNvSpPr>
+          <p:nvPr/>
+        </p:nvSpPr>
+        <p:spPr>
+          <a:xfrm rot="0">
+            <a:off x="6671945" y="558165"/>
+            <a:ext cx="7307580" cy="707390"/>
+          </a:xfrm>
+          <a:prstGeom prst="rect"/>
+          <a:noFill/>
+          <a:ln w="0">
+            <a:noFill/>
+            <a:prstDash/>
+          </a:ln>
+        </p:spPr>
+        <p:txBody>
+          <a:bodyPr wrap="square" lIns="91440" tIns="45720" rIns="91440" bIns="45720" numCol="1" vert="horz" anchor="t">
+            <a:spAutoFit/>
+          </a:bodyPr>
+          <a:lstStyle/>
+          <a:p>
+            <a:pPr marL="0" indent="0" rtl="0" algn="ctr" latinLnBrk="0">
+              <a:spcBef>
+                <a:spcPts val="0"/>
+              </a:spcBef>
+              <a:spcAft>
+                <a:spcPts val="0"/>
+              </a:spcAft>
+              <a:buFontTx/>
+              <a:buNone/>
+            </a:pPr>
+            <a:r>
+              <a:rPr lang="ko-KR" sz="4000" b="1">
+                <a:solidFill>
+                  <a:srgbClr val="694680"/>
+                </a:solidFill>
+                <a:latin typeface="나눔바른고딕" charset="0"/>
+                <a:ea typeface="나눔바른고딕" charset="0"/>
+                <a:cs typeface="Impact" charset="0"/>
+              </a:rPr>
+              <a:t>- </a:t>
+            </a:r>
+            <a:r>
+              <a:rPr lang="en-US" sz="4000" b="1">
+                <a:solidFill>
+                  <a:srgbClr val="694680"/>
+                </a:solidFill>
+                <a:latin typeface="나눔바른고딕" charset="0"/>
+                <a:ea typeface="나눔바른고딕" charset="0"/>
+                <a:cs typeface="Impact" charset="0"/>
+              </a:rPr>
+              <a:t>Entity Relationship Diagram</a:t>
+            </a:r>
+            <a:endParaRPr lang="ko-KR" altLang="en-US" sz="4000" b="1">
+              <a:solidFill>
+                <a:srgbClr val="694680"/>
+              </a:solidFill>
+              <a:latin typeface="나눔바른고딕" charset="0"/>
+              <a:ea typeface="나눔바른고딕" charset="0"/>
+              <a:cs typeface="Impact" charset="0"/>
+            </a:endParaRPr>
+          </a:p>
+        </p:txBody>
+      </p:sp>
     </p:spTree>
   </p:cSld>
   <p:clrMapOvr>
@@ -12920,7 +13048,7 @@
 </file>
 
 <file path=ppt/slides/slide12.xml><?xml version="1.0" encoding="utf-8"?>
-<p:sld xmlns:a="http://schemas.openxmlformats.org/drawingml/2006/main" xmlns:r="http://schemas.openxmlformats.org/officeDocument/2006/relationships" xmlns:p="http://schemas.openxmlformats.org/presentationml/2006/main">
+<p:sld xmlns:a="http://schemas.openxmlformats.org/drawingml/2006/main" xmlns:r="http://schemas.openxmlformats.org/officeDocument/2006/relationships" xmlns:p="http://schemas.openxmlformats.org/presentationml/2006/main" xmlns:p14="http://schemas.microsoft.com/office/powerpoint/2010/main">
   <p:cSld>
     <p:spTree>
       <p:nvGrpSpPr>
@@ -12938,7 +13066,7 @@
       </p:grpSpPr>
       <p:pic>
         <p:nvPicPr>
-          <p:cNvPr id="150" name="Picture " descr="C:/Users/admin/AppData/Roaming/PolarisOffice/ETemp/1420_21229216/image10.png"/>
+          <p:cNvPr id="150" name="Picture "/>
           <p:cNvPicPr>
             <a:picLocks/>
           </p:cNvPicPr>
@@ -12969,64 +13097,6 @@
           </a:ln>
         </p:spPr>
       </p:pic>
-      <p:sp>
-        <p:nvSpPr>
-          <p:cNvPr id="152" name="Rect 0"/>
-          <p:cNvSpPr txBox="1">
-            <a:spLocks/>
-          </p:cNvSpPr>
-          <p:nvPr/>
-        </p:nvSpPr>
-        <p:spPr>
-          <a:xfrm rot="0">
-            <a:off x="3637280" y="448945"/>
-            <a:ext cx="10698480" cy="861060"/>
-          </a:xfrm>
-          <a:prstGeom prst="rect"/>
-          <a:noFill/>
-          <a:ln w="0">
-            <a:noFill/>
-            <a:prstDash/>
-          </a:ln>
-        </p:spPr>
-        <p:txBody>
-          <a:bodyPr wrap="square" lIns="91440" tIns="45720" rIns="91440" bIns="45720" numCol="1" vert="horz" anchor="t">
-            <a:spAutoFit/>
-          </a:bodyPr>
-          <a:lstStyle/>
-          <a:p>
-            <a:pPr marL="0" indent="0" rtl="0" algn="ctr" latinLnBrk="0">
-              <a:spcBef>
-                <a:spcPts val="0"/>
-              </a:spcBef>
-              <a:spcAft>
-                <a:spcPts val="0"/>
-              </a:spcAft>
-              <a:buFontTx/>
-              <a:buNone/>
-            </a:pPr>
-            <a:r>
-              <a:rPr lang="en-US" sz="5000" b="1">
-                <a:solidFill>
-                  <a:srgbClr val="694680"/>
-                </a:solidFill>
-                <a:latin typeface="나눔바른고딕" charset="0"/>
-                <a:ea typeface="나눔바른고딕" charset="0"/>
-                <a:cs typeface="Impact" charset="0"/>
-              </a:rPr>
-              <a:t>Standards and Procedures Manual</a:t>
-            </a:r>
-            <a:endParaRPr lang="ko-KR" altLang="en-US" sz="5000" b="1">
-              <a:solidFill>
-                <a:srgbClr val="694680"/>
-              </a:solidFill>
-              <a:latin typeface="나눔바른고딕" charset="0"/>
-              <a:ea typeface="나눔바른고딕" charset="0"/>
-              <a:cs typeface="Impact" charset="0"/>
-            </a:endParaRPr>
-          </a:p>
-        </p:txBody>
-      </p:sp>
       <p:sp>
         <p:nvSpPr>
           <p:cNvPr id="175" name="Rect 0"/>
@@ -13084,17 +13154,17 @@
       </p:sp>
       <p:pic>
         <p:nvPicPr>
-          <p:cNvPr id="176" name="그림 25" descr="C:/Users/admin/AppData/Roaming/PolarisOffice/ETemp/1420_21229216/fImage90113306962.png"/>
+          <p:cNvPr id="176" name="그림 25" descr="C:/Users/admin/AppData/Roaming/PolarisOffice/ETemp/6996_21356776/fImage90113306962.png"/>
           <p:cNvPicPr>
             <a:picLocks noChangeAspect="1"/>
           </p:cNvPicPr>
           <p:nvPr/>
         </p:nvPicPr>
         <p:blipFill rotWithShape="1">
-          <a:blip r:embed="rId3" cstate="print">
+          <a:blip r:embed="rId3" cstate="hqprint">
             <a:extLst>
               <a:ext uri="{28A0092B-C50C-407E-A947-70E740481C1C}">
-                <a14:useLocalDpi xmlns:a14="http://schemas.microsoft.com/office/drawing/2010/main" val="0"/>
+                <a14:useLocalDpi xmlns:a14="http://schemas.microsoft.com/office/drawing/2010/main"/>
               </a:ext>
             </a:extLst>
           </a:blip>
@@ -13105,7 +13175,7 @@
         <p:spPr>
           <a:xfrm rot="0">
             <a:off x="1439545" y="1951355"/>
-            <a:ext cx="6000750" cy="6950075"/>
+            <a:ext cx="6001385" cy="6950710"/>
           </a:xfrm>
           <a:prstGeom prst="rect"/>
           <a:noFill/>
@@ -13646,6 +13716,133 @@
               </a:solidFill>
               <a:latin typeface="나눔바른고딕" charset="0"/>
               <a:ea typeface="나눔바른고딕" charset="0"/>
+            </a:endParaRPr>
+          </a:p>
+        </p:txBody>
+      </p:sp>
+      <p:sp>
+        <p:nvSpPr>
+          <p:cNvPr id="187" name="텍스트 상자 2"/>
+          <p:cNvSpPr txBox="1">
+            <a:spLocks/>
+          </p:cNvSpPr>
+          <p:nvPr/>
+        </p:nvSpPr>
+        <p:spPr>
+          <a:xfrm rot="0">
+            <a:off x="3527425" y="505460"/>
+            <a:ext cx="2638425" cy="861060"/>
+          </a:xfrm>
+          <a:prstGeom prst="rect"/>
+          <a:noFill/>
+          <a:ln w="0">
+            <a:noFill/>
+            <a:prstDash/>
+          </a:ln>
+        </p:spPr>
+        <p:txBody>
+          <a:bodyPr wrap="square" lIns="91440" tIns="45720" rIns="91440" bIns="45720" numCol="1" vert="horz" anchor="t">
+            <a:spAutoFit/>
+          </a:bodyPr>
+          <a:lstStyle/>
+          <a:p>
+            <a:pPr marL="0" indent="0" rtl="0" algn="ctr" latinLnBrk="0">
+              <a:spcBef>
+                <a:spcPts val="0"/>
+              </a:spcBef>
+              <a:spcAft>
+                <a:spcPts val="0"/>
+              </a:spcAft>
+              <a:buFontTx/>
+              <a:buNone/>
+            </a:pPr>
+            <a:r>
+              <a:rPr lang="ko-KR" sz="5000" b="1">
+                <a:solidFill>
+                  <a:srgbClr val="694680"/>
+                </a:solidFill>
+                <a:latin typeface="나눔바른고딕" charset="0"/>
+                <a:ea typeface="나눔바른고딕" charset="0"/>
+                <a:cs typeface="Impact" charset="0"/>
+              </a:rPr>
+              <a:t>진행상황</a:t>
+            </a:r>
+            <a:endParaRPr lang="ko-KR" altLang="en-US" sz="5000" b="1">
+              <a:solidFill>
+                <a:srgbClr val="694680"/>
+              </a:solidFill>
+              <a:latin typeface="나눔바른고딕" charset="0"/>
+              <a:ea typeface="나눔바른고딕" charset="0"/>
+              <a:cs typeface="Impact" charset="0"/>
+            </a:endParaRPr>
+          </a:p>
+        </p:txBody>
+      </p:sp>
+      <p:sp>
+        <p:nvSpPr>
+          <p:cNvPr id="188" name="텍스트 상자 3"/>
+          <p:cNvSpPr txBox="1">
+            <a:spLocks/>
+          </p:cNvSpPr>
+          <p:nvPr/>
+        </p:nvSpPr>
+        <p:spPr>
+          <a:xfrm rot="0">
+            <a:off x="5828665" y="614680"/>
+            <a:ext cx="8957310" cy="707390"/>
+          </a:xfrm>
+          <a:prstGeom prst="rect"/>
+          <a:noFill/>
+          <a:ln w="0">
+            <a:noFill/>
+            <a:prstDash/>
+          </a:ln>
+        </p:spPr>
+        <p:txBody>
+          <a:bodyPr wrap="square" lIns="91440" tIns="45720" rIns="91440" bIns="45720" numCol="1" vert="horz" anchor="t">
+            <a:spAutoFit/>
+          </a:bodyPr>
+          <a:lstStyle/>
+          <a:p>
+            <a:pPr marL="0" indent="0" rtl="0" algn="ctr" latinLnBrk="0">
+              <a:spcBef>
+                <a:spcPts val="0"/>
+              </a:spcBef>
+              <a:spcAft>
+                <a:spcPts val="0"/>
+              </a:spcAft>
+              <a:buFontTx/>
+              <a:buNone/>
+            </a:pPr>
+            <a:r>
+              <a:rPr lang="ko-KR" sz="4000" b="1">
+                <a:solidFill>
+                  <a:srgbClr val="694680"/>
+                </a:solidFill>
+                <a:latin typeface="나눔바른고딕" charset="0"/>
+                <a:ea typeface="나눔바른고딕" charset="0"/>
+                <a:cs typeface="Impact" charset="0"/>
+              </a:rPr>
+              <a:t>- </a:t>
+            </a:r>
+            <a:r>
+              <a:rPr lang="en-US" sz="4000" b="1">
+                <a:solidFill>
+                  <a:srgbClr val="694680"/>
+                </a:solidFill>
+                <a:latin typeface="나눔바른고딕" charset="0"/>
+                <a:ea typeface="나눔바른고딕" charset="0"/>
+                <a:cs typeface="Impact" charset="0"/>
+              </a:rPr>
+              <a:t>Standards and Procedures Manual</a:t>
+            </a:r>
+            <a:endParaRPr lang="ko-KR" altLang="en-US" sz="4000" b="1">
+              <a:solidFill>
+                <a:srgbClr val="694680"/>
+              </a:solidFill>
+              <a:latin typeface="나눔바른고딕" charset="0"/>
+              <a:ea typeface="나눔바른고딕" charset="0"/>
+              <a:cs typeface="Impact" charset="0"/>
             </a:endParaRPr>
           </a:p>
         </p:txBody>
@@ -13699,13 +13896,11 @@
           <p:nvPr/>
         </p:nvSpPr>
         <p:spPr>
-          <a:xfrm>
-            <a:off x="6019800" y="411480"/>
-            <a:ext cx="6256020" cy="861060"/>
-          </a:xfrm>
-          <a:prstGeom prst="rect">
-            <a:avLst/>
-          </a:prstGeom>
+          <a:xfrm rot="0">
+            <a:off x="6338570" y="374015"/>
+            <a:ext cx="2638425" cy="861060"/>
+          </a:xfrm>
+          <a:prstGeom prst="rect"/>
           <a:noFill/>
           <a:ln w="0">
             <a:noFill/>
@@ -13713,12 +13908,12 @@
           </a:ln>
         </p:spPr>
         <p:txBody>
-          <a:bodyPr vert="horz" wrap="square" lIns="91440" tIns="45720" rIns="91440" bIns="45720" numCol="1" anchor="t">
+          <a:bodyPr wrap="square" lIns="91440" tIns="45720" rIns="91440" bIns="45720" numCol="1" vert="horz" anchor="t">
             <a:spAutoFit/>
           </a:bodyPr>
           <a:lstStyle/>
           <a:p>
-            <a:pPr marL="0" indent="0" algn="ctr" rtl="0" latinLnBrk="0">
+            <a:pPr marL="0" indent="0" rtl="0" algn="ctr" latinLnBrk="0">
               <a:spcBef>
                 <a:spcPts val="0"/>
               </a:spcBef>
@@ -13729,22 +13924,22 @@
               <a:buNone/>
             </a:pPr>
             <a:r>
-              <a:rPr lang="ko-KR" sz="5000" b="1" dirty="0">
+              <a:rPr lang="ko-KR" sz="5000" b="1">
                 <a:solidFill>
                   <a:srgbClr val="694680"/>
                 </a:solidFill>
-                <a:latin typeface="나눔바른고딕" panose="020B0603020101020101" pitchFamily="50" charset="-127"/>
-                <a:ea typeface="나눔바른고딕" panose="020B0603020101020101" pitchFamily="50" charset="-127"/>
+                <a:latin typeface="나눔바른고딕" charset="0"/>
+                <a:ea typeface="나눔바른고딕" charset="0"/>
                 <a:cs typeface="Impact" charset="0"/>
               </a:rPr>
               <a:t>진행상황</a:t>
             </a:r>
-            <a:endParaRPr lang="ko-KR" altLang="en-US" sz="5000" b="1" dirty="0">
+            <a:endParaRPr lang="ko-KR" altLang="en-US" sz="5000" b="1">
               <a:solidFill>
                 <a:srgbClr val="694680"/>
               </a:solidFill>
-              <a:latin typeface="나눔바른고딕" panose="020B0603020101020101" pitchFamily="50" charset="-127"/>
-              <a:ea typeface="나눔바른고딕" panose="020B0603020101020101" pitchFamily="50" charset="-127"/>
+              <a:latin typeface="나눔바른고딕" charset="0"/>
+              <a:ea typeface="나눔바른고딕" charset="0"/>
               <a:cs typeface="Impact" charset="0"/>
             </a:endParaRPr>
           </a:p>
@@ -13863,7 +14058,7 @@
       </p:sp>
       <p:pic>
         <p:nvPicPr>
-          <p:cNvPr id="205" name="그림 1" descr="C:/Users/admin/AppData/Roaming/PolarisOffice/ETemp/1420_21229216/fImage5434522541.png"/>
+          <p:cNvPr id="205" name="그림 1"/>
           <p:cNvPicPr>
             <a:picLocks noChangeAspect="1"/>
           </p:cNvPicPr>
@@ -13899,6 +14094,64 @@
           </a:ln>
         </p:spPr>
       </p:pic>
+      <p:sp>
+        <p:nvSpPr>
+          <p:cNvPr id="206" name="텍스트 상자 1"/>
+          <p:cNvSpPr txBox="1">
+            <a:spLocks/>
+          </p:cNvSpPr>
+          <p:nvPr/>
+        </p:nvSpPr>
+        <p:spPr>
+          <a:xfrm rot="0">
+            <a:off x="8639810" y="483235"/>
+            <a:ext cx="2042160" cy="707390"/>
+          </a:xfrm>
+          <a:prstGeom prst="rect"/>
+          <a:noFill/>
+          <a:ln w="0">
+            <a:noFill/>
+            <a:prstDash/>
+          </a:ln>
+        </p:spPr>
+        <p:txBody>
+          <a:bodyPr wrap="square" lIns="91440" tIns="45720" rIns="91440" bIns="45720" numCol="1" vert="horz" anchor="t">
+            <a:spAutoFit/>
+          </a:bodyPr>
+          <a:lstStyle/>
+          <a:p>
+            <a:pPr marL="0" indent="0" rtl="0" algn="ctr" latinLnBrk="0">
+              <a:spcBef>
+                <a:spcPts val="0"/>
+              </a:spcBef>
+              <a:spcAft>
+                <a:spcPts val="0"/>
+              </a:spcAft>
+              <a:buFontTx/>
+              <a:buNone/>
+            </a:pPr>
+            <a:r>
+              <a:rPr lang="ko-KR" sz="4000" b="1">
+                <a:solidFill>
+                  <a:srgbClr val="694680"/>
+                </a:solidFill>
+                <a:latin typeface="나눔바른고딕" charset="0"/>
+                <a:ea typeface="나눔바른고딕" charset="0"/>
+                <a:cs typeface="Impact" charset="0"/>
+              </a:rPr>
+              <a:t>- WBS</a:t>
+            </a:r>
+            <a:endParaRPr lang="ko-KR" altLang="en-US" sz="4000" b="1">
+              <a:solidFill>
+                <a:srgbClr val="694680"/>
+              </a:solidFill>
+              <a:latin typeface="나눔바른고딕" charset="0"/>
+              <a:ea typeface="나눔바른고딕" charset="0"/>
+              <a:cs typeface="Impact" charset="0"/>
+            </a:endParaRPr>
+          </a:p>
+        </p:txBody>
+      </p:sp>
     </p:spTree>
   </p:cSld>
   <p:clrMapOvr>

--- a/기획서/5조 Fit-back.pptx
+++ b/기획서/5조 Fit-back.pptx
@@ -1,27 +1,27 @@
 
 <file path=ppt/presentation.xml><?xml version="1.0" encoding="utf-8"?>
-<p:presentation xmlns:a="http://schemas.openxmlformats.org/drawingml/2006/main" xmlns:r="http://schemas.openxmlformats.org/officeDocument/2006/relationships" xmlns:p="http://schemas.openxmlformats.org/presentationml/2006/main" strictFirstAndLastChars="0" saveSubsetFonts="1" autoCompressPictures="0">
+<p:presentation xmlns:a="http://schemas.openxmlformats.org/drawingml/2006/main" xmlns:r="http://schemas.openxmlformats.org/officeDocument/2006/relationships" xmlns:p="http://schemas.openxmlformats.org/presentationml/2006/main" xmlns:p14="http://schemas.microsoft.com/office/powerpoint/2010/main" strictFirstAndLastChars="0" saveSubsetFonts="1" autoCompressPictures="0">
   <p:sldMasterIdLst>
-    <p:sldMasterId id="2147483715" r:id="rId1"/>
+    <p:sldMasterId id="2147483722" r:id="rId12"/>
   </p:sldMasterIdLst>
   <p:notesMasterIdLst>
-    <p:notesMasterId r:id="rId16"/>
+    <p:notesMasterId r:id="rId14"/>
   </p:notesMasterIdLst>
   <p:sldIdLst>
-    <p:sldId id="256" r:id="rId2"/>
-    <p:sldId id="278" r:id="rId3"/>
-    <p:sldId id="286" r:id="rId4"/>
-    <p:sldId id="280" r:id="rId5"/>
-    <p:sldId id="287" r:id="rId6"/>
-    <p:sldId id="281" r:id="rId7"/>
-    <p:sldId id="282" r:id="rId8"/>
-    <p:sldId id="283" r:id="rId9"/>
-    <p:sldId id="284" r:id="rId10"/>
-    <p:sldId id="288" r:id="rId11"/>
-    <p:sldId id="289" r:id="rId12"/>
-    <p:sldId id="290" r:id="rId13"/>
-    <p:sldId id="279" r:id="rId14"/>
-    <p:sldId id="276" r:id="rId15"/>
+    <p:sldId id="256" r:id="rId16"/>
+    <p:sldId id="278" r:id="rId18"/>
+    <p:sldId id="286" r:id="rId20"/>
+    <p:sldId id="280" r:id="rId21"/>
+    <p:sldId id="287" r:id="rId23"/>
+    <p:sldId id="281" r:id="rId24"/>
+    <p:sldId id="282" r:id="rId26"/>
+    <p:sldId id="283" r:id="rId28"/>
+    <p:sldId id="292" r:id="rId30"/>
+    <p:sldId id="284" r:id="rId31"/>
+    <p:sldId id="288" r:id="rId33"/>
+    <p:sldId id="290" r:id="rId35"/>
+    <p:sldId id="279" r:id="rId36"/>
+    <p:sldId id="276" r:id="rId38"/>
   </p:sldIdLst>
   <p:sldSz cx="18288000" cy="10287000"/>
   <p:notesSz cx="10287000" cy="18288000"/>
@@ -257,12 +257,12 @@
   <p:extLst>
     <p:ext uri="{EFAFB233-063F-42B5-8137-9DF3F51BA10A}">
       <p15:sldGuideLst xmlns:p15="http://schemas.microsoft.com/office/powerpoint/2012/main">
-        <p15:guide id="1" orient="horz" pos="2145">
+        <p15:guide id="1" orient="horz" pos="2144" userDrawn="0">
           <p15:clr>
             <a:srgbClr val="000000"/>
           </p15:clr>
         </p15:guide>
-        <p15:guide id="2" pos="2865">
+        <p15:guide id="2" pos="2864" userDrawn="0">
           <p15:clr>
             <a:srgbClr val="000000"/>
           </p15:clr>
@@ -893,8 +893,8 @@
             </p:nvSpPr>
             <p:spPr>
               <a:xfrm>
-                <a:off x="-952500" y="1371600"/>
-                <a:ext cx="12192000" cy="6858000"/>
+                <a:off x="-950913" y="1371600"/>
+                <a:ext cx="12190413" cy="6858000"/>
               </a:xfrm>
               <a:custGeom>
                 <a:avLst/>
@@ -965,13 +965,18 @@
             </p:txBody>
           </p:sp>
         </p:spTree>
+        <p:extLst>
+          <p:ext uri="{BB962C8B-B14F-4D97-AF65-F5344CB8AC3E}">
+            <p14:creationId val="161562300"/>
+          </p:ext>
+        </p:extLst>
       </p:cSld>
       <p:clrMapOvr>
         <a:masterClrMapping/>
       </p:clrMapOvr>
     </p:notes>
   </mc:Choice>
-  <mc:Fallback xmlns:mc="http://schemas.openxmlformats.org/markup-compatibility/2006" xmlns:p="http://schemas.openxmlformats.org/presentationml/2006/main" xmlns:r="http://schemas.openxmlformats.org/officeDocument/2006/relationships" xmlns:a="http://schemas.openxmlformats.org/drawingml/2006/main" xmlns="">
+  <mc:Fallback xmlns:p14="http://schemas.microsoft.com/office/powerpoint/2010/main" xmlns="" xmlns:a="http://schemas.openxmlformats.org/drawingml/2006/main" xmlns:r="http://schemas.openxmlformats.org/officeDocument/2006/relationships" xmlns:p="http://schemas.openxmlformats.org/presentationml/2006/main" xmlns:mc="http://schemas.openxmlformats.org/markup-compatibility/2006">
     <p:transition spd="slow"/>
   </mc:Fallback>
 </mc:AlternateContent>
@@ -1168,6 +1173,165 @@
             <p:spPr>
               <a:xfrm>
                 <a:off x="1028700" y="8686800"/>
+                <a:ext cx="8230235" cy="8230235"/>
+              </a:xfrm>
+              <a:prstGeom prst="rect">
+                <a:avLst/>
+              </a:prstGeom>
+              <a:noFill/>
+              <a:ln w="0">
+                <a:noFill/>
+                <a:prstDash/>
+              </a:ln>
+            </p:spPr>
+            <p:txBody>
+              <a:bodyPr vert="horz" wrap="square" lIns="91440" tIns="91440" rIns="91440" bIns="91440" numCol="1" anchor="t">
+                <a:noAutofit/>
+              </a:bodyPr>
+              <a:lstStyle/>
+              <a:p>
+                <a:pPr marL="0" indent="0" algn="l" rtl="0" latinLnBrk="0">
+                  <a:spcBef>
+                    <a:spcPts val="0"/>
+                  </a:spcBef>
+                  <a:spcAft>
+                    <a:spcPts val="0"/>
+                  </a:spcAft>
+                  <a:buFontTx/>
+                  <a:buNone/>
+                </a:pPr>
+                <a:endParaRPr/>
+              </a:p>
+            </p:txBody>
+          </p:sp>
+          <p:sp>
+            <p:nvSpPr>
+              <p:cNvPr id="130" name="Google Shape;130;p3:notes"/>
+              <p:cNvSpPr>
+                <a:spLocks noGrp="1" noRot="1" noChangeAspect="1"/>
+              </p:cNvSpPr>
+              <p:nvPr>
+                <p:ph type="sldImg"/>
+              </p:nvPr>
+            </p:nvSpPr>
+            <p:spPr>
+              <a:xfrm>
+                <a:off x="-952500" y="1371600"/>
+                <a:ext cx="12192000" cy="6858000"/>
+              </a:xfrm>
+              <a:custGeom>
+                <a:avLst/>
+                <a:gdLst>
+                  <a:gd name="TX0" fmla="*/ 0 w 120001"/>
+                  <a:gd name="TY0" fmla="*/ 0 h 120001"/>
+                  <a:gd name="TX1" fmla="*/ 120000 w 120001"/>
+                  <a:gd name="TY1" fmla="*/ 0 h 120001"/>
+                  <a:gd name="TX2" fmla="*/ 120000 w 120001"/>
+                  <a:gd name="TY2" fmla="*/ 120000 h 120001"/>
+                  <a:gd name="TX3" fmla="*/ 0 w 120001"/>
+                  <a:gd name="TY3" fmla="*/ 120000 h 120001"/>
+                </a:gdLst>
+                <a:ahLst/>
+                <a:cxnLst>
+                  <a:cxn ang="0">
+                    <a:pos x="TX0" y="TY0"/>
+                  </a:cxn>
+                  <a:cxn ang="0">
+                    <a:pos x="TX1" y="TY1"/>
+                  </a:cxn>
+                  <a:cxn ang="0">
+                    <a:pos x="TX2" y="TY2"/>
+                  </a:cxn>
+                  <a:cxn ang="0">
+                    <a:pos x="TX3" y="TY3"/>
+                  </a:cxn>
+                </a:cxnLst>
+                <a:rect l="l" t="t" r="r" b="b"/>
+                <a:pathLst>
+                  <a:path w="120001" h="120001">
+                    <a:moveTo>
+                      <a:pt x="0" y="0"/>
+                    </a:moveTo>
+                    <a:lnTo>
+                      <a:pt x="120000" y="0"/>
+                    </a:lnTo>
+                    <a:lnTo>
+                      <a:pt x="120000" y="120000"/>
+                    </a:lnTo>
+                    <a:lnTo>
+                      <a:pt x="0" y="120000"/>
+                    </a:lnTo>
+                    <a:close/>
+                  </a:path>
+                </a:pathLst>
+              </a:custGeom>
+              <a:noFill/>
+              <a:ln w="9525" cap="flat" cmpd="sng">
+                <a:solidFill>
+                  <a:srgbClr val="000000">
+                    <a:alpha val="100000"/>
+                  </a:srgbClr>
+                </a:solidFill>
+                <a:prstDash val="solid"/>
+                <a:round/>
+              </a:ln>
+            </p:spPr>
+            <p:txBody>
+              <a:bodyPr vert="horz" wrap="square" lIns="0" tIns="0" rIns="0" bIns="0" anchor="t">
+                <a:noAutofit/>
+              </a:bodyPr>
+              <a:lstStyle/>
+              <a:p>
+                <a:pPr marL="0" indent="0"/>
+                <a:endParaRPr/>
+              </a:p>
+            </p:txBody>
+          </p:sp>
+        </p:spTree>
+      </p:cSld>
+      <p:clrMapOvr>
+        <a:masterClrMapping/>
+      </p:clrMapOvr>
+    </p:notes>
+  </mc:Choice>
+  <mc:Fallback xmlns:mc="http://schemas.openxmlformats.org/markup-compatibility/2006" xmlns:p="http://schemas.openxmlformats.org/presentationml/2006/main" xmlns:r="http://schemas.openxmlformats.org/officeDocument/2006/relationships" xmlns:a="http://schemas.openxmlformats.org/drawingml/2006/main" xmlns="">
+    <p:transition spd="slow"/>
+  </mc:Fallback>
+</mc:AlternateContent>
+</file>
+
+<file path=ppt/notesSlides/notesSlide13.xml><?xml version="1.0" encoding="utf-8"?>
+<mc:AlternateContent xmlns:mc="http://schemas.openxmlformats.org/markup-compatibility/2006" xmlns:p14="http://schemas.microsoft.com/office/powerpoint/2010/main">
+  <mc:Choice Requires="p14">
+    <p:notes xmlns:a="http://schemas.openxmlformats.org/drawingml/2006/main" xmlns:r="http://schemas.openxmlformats.org/officeDocument/2006/relationships" xmlns:p="http://schemas.openxmlformats.org/presentationml/2006/main">
+      <p:cSld>
+        <p:spTree>
+          <p:nvGrpSpPr>
+            <p:cNvPr id="1" name=""/>
+            <p:cNvGrpSpPr/>
+            <p:nvPr/>
+          </p:nvGrpSpPr>
+          <p:grpSpPr>
+            <a:xfrm>
+              <a:off x="0" y="0"/>
+              <a:ext cx="0" cy="0"/>
+              <a:chOff x="0" y="0"/>
+              <a:chExt cx="0" cy="0"/>
+            </a:xfrm>
+          </p:grpSpPr>
+          <p:sp>
+            <p:nvSpPr>
+              <p:cNvPr id="129" name="Google Shape;129;p3:notes"/>
+              <p:cNvSpPr txBox="1">
+                <a:spLocks noGrp="1"/>
+              </p:cNvSpPr>
+              <p:nvPr>
+                <p:ph type="body" idx="1"/>
+              </p:nvPr>
+            </p:nvSpPr>
+            <p:spPr>
+              <a:xfrm>
+                <a:off x="1028700" y="8686800"/>
                 <a:ext cx="8230870" cy="8230870"/>
               </a:xfrm>
               <a:prstGeom prst="rect">
@@ -1295,7 +1459,7 @@
 </mc:AlternateContent>
 </file>
 
-<file path=ppt/notesSlides/notesSlide13.xml><?xml version="1.0" encoding="utf-8"?>
+<file path=ppt/notesSlides/notesSlide14.xml><?xml version="1.0" encoding="utf-8"?>
 <p:notes xmlns:a="http://schemas.openxmlformats.org/drawingml/2006/main" xmlns:r="http://schemas.openxmlformats.org/officeDocument/2006/relationships" xmlns:p="http://schemas.openxmlformats.org/presentationml/2006/main" showMasterSp="0" showMasterPhAnim="0">
   <p:cSld>
     <p:spTree>
@@ -1826,7 +1990,7 @@
 </p:notes>
 </file>
 
-<file path=ppt/notesSlides/notesSlide5.xml><?xml version="1.0" encoding="utf-8"?>
+<file path=ppt/notesSlides/notesSlide6.xml><?xml version="1.0" encoding="utf-8"?>
 <p:notes xmlns:a="http://schemas.openxmlformats.org/drawingml/2006/main" xmlns:r="http://schemas.openxmlformats.org/officeDocument/2006/relationships" xmlns:p="http://schemas.openxmlformats.org/presentationml/2006/main" showMasterSp="0" showMasterPhAnim="0">
   <p:cSld>
     <p:spTree>
@@ -1928,165 +2092,6 @@
     <a:masterClrMapping/>
   </p:clrMapOvr>
 </p:notes>
-</file>
-
-<file path=ppt/notesSlides/notesSlide6.xml><?xml version="1.0" encoding="utf-8"?>
-<mc:AlternateContent xmlns:mc="http://schemas.openxmlformats.org/markup-compatibility/2006" xmlns:p14="http://schemas.microsoft.com/office/powerpoint/2010/main">
-  <mc:Choice Requires="p14">
-    <p:notes xmlns:a="http://schemas.openxmlformats.org/drawingml/2006/main" xmlns:r="http://schemas.openxmlformats.org/officeDocument/2006/relationships" xmlns:p="http://schemas.openxmlformats.org/presentationml/2006/main">
-      <p:cSld>
-        <p:spTree>
-          <p:nvGrpSpPr>
-            <p:cNvPr id="1" name=""/>
-            <p:cNvGrpSpPr/>
-            <p:nvPr/>
-          </p:nvGrpSpPr>
-          <p:grpSpPr>
-            <a:xfrm>
-              <a:off x="0" y="0"/>
-              <a:ext cx="0" cy="0"/>
-              <a:chOff x="0" y="0"/>
-              <a:chExt cx="0" cy="0"/>
-            </a:xfrm>
-          </p:grpSpPr>
-          <p:sp>
-            <p:nvSpPr>
-              <p:cNvPr id="129" name="Google Shape;129;p3:notes"/>
-              <p:cNvSpPr txBox="1">
-                <a:spLocks noGrp="1"/>
-              </p:cNvSpPr>
-              <p:nvPr>
-                <p:ph type="body" idx="1"/>
-              </p:nvPr>
-            </p:nvSpPr>
-            <p:spPr>
-              <a:xfrm>
-                <a:off x="1028700" y="8686800"/>
-                <a:ext cx="8230235" cy="8230235"/>
-              </a:xfrm>
-              <a:prstGeom prst="rect">
-                <a:avLst/>
-              </a:prstGeom>
-              <a:noFill/>
-              <a:ln w="0">
-                <a:noFill/>
-                <a:prstDash/>
-              </a:ln>
-            </p:spPr>
-            <p:txBody>
-              <a:bodyPr vert="horz" wrap="square" lIns="91440" tIns="91440" rIns="91440" bIns="91440" numCol="1" anchor="t">
-                <a:noAutofit/>
-              </a:bodyPr>
-              <a:lstStyle/>
-              <a:p>
-                <a:pPr marL="0" indent="0" algn="l" rtl="0" latinLnBrk="0">
-                  <a:spcBef>
-                    <a:spcPts val="0"/>
-                  </a:spcBef>
-                  <a:spcAft>
-                    <a:spcPts val="0"/>
-                  </a:spcAft>
-                  <a:buFontTx/>
-                  <a:buNone/>
-                </a:pPr>
-                <a:endParaRPr/>
-              </a:p>
-            </p:txBody>
-          </p:sp>
-          <p:sp>
-            <p:nvSpPr>
-              <p:cNvPr id="130" name="Google Shape;130;p3:notes"/>
-              <p:cNvSpPr>
-                <a:spLocks noGrp="1" noRot="1" noChangeAspect="1"/>
-              </p:cNvSpPr>
-              <p:nvPr>
-                <p:ph type="sldImg"/>
-              </p:nvPr>
-            </p:nvSpPr>
-            <p:spPr>
-              <a:xfrm>
-                <a:off x="-950913" y="1371600"/>
-                <a:ext cx="12190413" cy="6858000"/>
-              </a:xfrm>
-              <a:custGeom>
-                <a:avLst/>
-                <a:gdLst>
-                  <a:gd name="TX0" fmla="*/ 0 w 120001"/>
-                  <a:gd name="TY0" fmla="*/ 0 h 120001"/>
-                  <a:gd name="TX1" fmla="*/ 120000 w 120001"/>
-                  <a:gd name="TY1" fmla="*/ 0 h 120001"/>
-                  <a:gd name="TX2" fmla="*/ 120000 w 120001"/>
-                  <a:gd name="TY2" fmla="*/ 120000 h 120001"/>
-                  <a:gd name="TX3" fmla="*/ 0 w 120001"/>
-                  <a:gd name="TY3" fmla="*/ 120000 h 120001"/>
-                </a:gdLst>
-                <a:ahLst/>
-                <a:cxnLst>
-                  <a:cxn ang="0">
-                    <a:pos x="TX0" y="TY0"/>
-                  </a:cxn>
-                  <a:cxn ang="0">
-                    <a:pos x="TX1" y="TY1"/>
-                  </a:cxn>
-                  <a:cxn ang="0">
-                    <a:pos x="TX2" y="TY2"/>
-                  </a:cxn>
-                  <a:cxn ang="0">
-                    <a:pos x="TX3" y="TY3"/>
-                  </a:cxn>
-                </a:cxnLst>
-                <a:rect l="l" t="t" r="r" b="b"/>
-                <a:pathLst>
-                  <a:path w="120001" h="120001">
-                    <a:moveTo>
-                      <a:pt x="0" y="0"/>
-                    </a:moveTo>
-                    <a:lnTo>
-                      <a:pt x="120000" y="0"/>
-                    </a:lnTo>
-                    <a:lnTo>
-                      <a:pt x="120000" y="120000"/>
-                    </a:lnTo>
-                    <a:lnTo>
-                      <a:pt x="0" y="120000"/>
-                    </a:lnTo>
-                    <a:close/>
-                  </a:path>
-                </a:pathLst>
-              </a:custGeom>
-              <a:noFill/>
-              <a:ln w="9525" cap="flat" cmpd="sng">
-                <a:solidFill>
-                  <a:srgbClr val="000000">
-                    <a:alpha val="100000"/>
-                  </a:srgbClr>
-                </a:solidFill>
-                <a:prstDash val="solid"/>
-                <a:round/>
-              </a:ln>
-            </p:spPr>
-            <p:txBody>
-              <a:bodyPr vert="horz" wrap="square" lIns="0" tIns="0" rIns="0" bIns="0" anchor="t">
-                <a:noAutofit/>
-              </a:bodyPr>
-              <a:lstStyle/>
-              <a:p>
-                <a:pPr marL="0" indent="0"/>
-                <a:endParaRPr/>
-              </a:p>
-            </p:txBody>
-          </p:sp>
-        </p:spTree>
-      </p:cSld>
-      <p:clrMapOvr>
-        <a:masterClrMapping/>
-      </p:clrMapOvr>
-    </p:notes>
-  </mc:Choice>
-  <mc:Fallback xmlns:mc="http://schemas.openxmlformats.org/markup-compatibility/2006" xmlns:p="http://schemas.openxmlformats.org/presentationml/2006/main" xmlns:r="http://schemas.openxmlformats.org/officeDocument/2006/relationships" xmlns:a="http://schemas.openxmlformats.org/drawingml/2006/main" xmlns="" xmlns:p14="http://schemas.microsoft.com/office/powerpoint/2010/main">
-    <p:transition spd="slow"/>
-  </mc:Fallback>
-</mc:AlternateContent>
 </file>
 
 <file path=ppt/notesSlides/notesSlide7.xml><?xml version="1.0" encoding="utf-8"?>
@@ -2395,180 +2400,170 @@
             </p:txBody>
           </p:sp>
         </p:spTree>
-        <p:extLst>
-          <p:ext uri="{BB962C8B-B14F-4D97-AF65-F5344CB8AC3E}">
-            <p14:creationId val="161562300"/>
-          </p:ext>
-        </p:extLst>
       </p:cSld>
       <p:clrMapOvr>
         <a:masterClrMapping/>
       </p:clrMapOvr>
     </p:notes>
   </mc:Choice>
-  <mc:Fallback xmlns:p14="http://schemas.microsoft.com/office/powerpoint/2010/main" xmlns="" xmlns:a="http://schemas.openxmlformats.org/drawingml/2006/main" xmlns:r="http://schemas.openxmlformats.org/officeDocument/2006/relationships" xmlns:p="http://schemas.openxmlformats.org/presentationml/2006/main" xmlns:mc="http://schemas.openxmlformats.org/markup-compatibility/2006">
+  <mc:Fallback xmlns:mc="http://schemas.openxmlformats.org/markup-compatibility/2006" xmlns:p="http://schemas.openxmlformats.org/presentationml/2006/main" xmlns:r="http://schemas.openxmlformats.org/officeDocument/2006/relationships" xmlns:a="http://schemas.openxmlformats.org/drawingml/2006/main" xmlns="" xmlns:p14="http://schemas.microsoft.com/office/powerpoint/2010/main">
     <p:transition spd="slow"/>
   </mc:Fallback>
 </mc:AlternateContent>
 </file>
 
 <file path=ppt/notesSlides/notesSlide9.xml><?xml version="1.0" encoding="utf-8"?>
-<mc:AlternateContent xmlns:mc="http://schemas.openxmlformats.org/markup-compatibility/2006" xmlns:p14="http://schemas.microsoft.com/office/powerpoint/2010/main">
-  <mc:Choice Requires="p14">
-    <p:notes xmlns:a="http://schemas.openxmlformats.org/drawingml/2006/main" xmlns:r="http://schemas.openxmlformats.org/officeDocument/2006/relationships" xmlns:p="http://schemas.openxmlformats.org/presentationml/2006/main">
-      <p:cSld>
-        <p:spTree>
-          <p:nvGrpSpPr>
-            <p:cNvPr id="1" name=""/>
-            <p:cNvGrpSpPr/>
-            <p:nvPr/>
-          </p:nvGrpSpPr>
-          <p:grpSpPr>
-            <a:xfrm>
-              <a:off x="0" y="0"/>
-              <a:ext cx="0" cy="0"/>
-              <a:chOff x="0" y="0"/>
-              <a:chExt cx="0" cy="0"/>
-            </a:xfrm>
-          </p:grpSpPr>
-          <p:sp>
-            <p:nvSpPr>
-              <p:cNvPr id="129" name="Google Shape;129;p3:notes"/>
-              <p:cNvSpPr txBox="1">
-                <a:spLocks noGrp="1"/>
-              </p:cNvSpPr>
-              <p:nvPr>
-                <p:ph type="body" idx="1"/>
-              </p:nvPr>
-            </p:nvSpPr>
-            <p:spPr>
-              <a:xfrm>
-                <a:off x="1028700" y="8686800"/>
-                <a:ext cx="8230235" cy="8230235"/>
-              </a:xfrm>
-              <a:prstGeom prst="rect">
-                <a:avLst/>
-              </a:prstGeom>
-              <a:noFill/>
-              <a:ln w="0">
-                <a:noFill/>
-                <a:prstDash/>
-              </a:ln>
-            </p:spPr>
-            <p:txBody>
-              <a:bodyPr vert="horz" wrap="square" lIns="91440" tIns="91440" rIns="91440" bIns="91440" numCol="1" anchor="t">
-                <a:noAutofit/>
-              </a:bodyPr>
-              <a:lstStyle/>
-              <a:p>
-                <a:pPr marL="0" indent="0" algn="l" rtl="0" latinLnBrk="0">
-                  <a:spcBef>
-                    <a:spcPts val="0"/>
-                  </a:spcBef>
-                  <a:spcAft>
-                    <a:spcPts val="0"/>
-                  </a:spcAft>
-                  <a:buFontTx/>
-                  <a:buNone/>
-                </a:pPr>
-                <a:endParaRPr/>
-              </a:p>
-            </p:txBody>
-          </p:sp>
-          <p:sp>
-            <p:nvSpPr>
-              <p:cNvPr id="130" name="Google Shape;130;p3:notes"/>
-              <p:cNvSpPr>
-                <a:spLocks noGrp="1" noRot="1" noChangeAspect="1"/>
-              </p:cNvSpPr>
-              <p:nvPr>
-                <p:ph type="sldImg"/>
-              </p:nvPr>
-            </p:nvSpPr>
-            <p:spPr>
-              <a:xfrm>
-                <a:off x="-952500" y="1371600"/>
-                <a:ext cx="12192000" cy="6858000"/>
-              </a:xfrm>
-              <a:custGeom>
-                <a:avLst/>
-                <a:gdLst>
-                  <a:gd name="TX0" fmla="*/ 0 w 120001"/>
-                  <a:gd name="TY0" fmla="*/ 0 h 120001"/>
-                  <a:gd name="TX1" fmla="*/ 120000 w 120001"/>
-                  <a:gd name="TY1" fmla="*/ 0 h 120001"/>
-                  <a:gd name="TX2" fmla="*/ 120000 w 120001"/>
-                  <a:gd name="TY2" fmla="*/ 120000 h 120001"/>
-                  <a:gd name="TX3" fmla="*/ 0 w 120001"/>
-                  <a:gd name="TY3" fmla="*/ 120000 h 120001"/>
-                </a:gdLst>
-                <a:ahLst/>
-                <a:cxnLst>
-                  <a:cxn ang="0">
-                    <a:pos x="TX0" y="TY0"/>
-                  </a:cxn>
-                  <a:cxn ang="0">
-                    <a:pos x="TX1" y="TY1"/>
-                  </a:cxn>
-                  <a:cxn ang="0">
-                    <a:pos x="TX2" y="TY2"/>
-                  </a:cxn>
-                  <a:cxn ang="0">
-                    <a:pos x="TX3" y="TY3"/>
-                  </a:cxn>
-                </a:cxnLst>
-                <a:rect l="l" t="t" r="r" b="b"/>
-                <a:pathLst>
-                  <a:path w="120001" h="120001">
-                    <a:moveTo>
-                      <a:pt x="0" y="0"/>
-                    </a:moveTo>
-                    <a:lnTo>
-                      <a:pt x="120000" y="0"/>
-                    </a:lnTo>
-                    <a:lnTo>
-                      <a:pt x="120000" y="120000"/>
-                    </a:lnTo>
-                    <a:lnTo>
-                      <a:pt x="0" y="120000"/>
-                    </a:lnTo>
-                    <a:close/>
-                  </a:path>
-                </a:pathLst>
-              </a:custGeom>
-              <a:noFill/>
-              <a:ln w="9525" cap="flat" cmpd="sng">
-                <a:solidFill>
-                  <a:srgbClr val="000000">
-                    <a:alpha val="100000"/>
-                  </a:srgbClr>
-                </a:solidFill>
-                <a:prstDash val="solid"/>
-                <a:round/>
-              </a:ln>
-            </p:spPr>
-            <p:txBody>
-              <a:bodyPr vert="horz" wrap="square" lIns="0" tIns="0" rIns="0" bIns="0" anchor="t">
-                <a:noAutofit/>
-              </a:bodyPr>
-              <a:lstStyle/>
-              <a:p>
-                <a:pPr marL="0" indent="0"/>
-                <a:endParaRPr/>
-              </a:p>
-            </p:txBody>
-          </p:sp>
-        </p:spTree>
-      </p:cSld>
-      <p:clrMapOvr>
-        <a:masterClrMapping/>
-      </p:clrMapOvr>
-    </p:notes>
-  </mc:Choice>
-  <mc:Fallback xmlns:mc="http://schemas.openxmlformats.org/markup-compatibility/2006" xmlns:p="http://schemas.openxmlformats.org/presentationml/2006/main" xmlns:r="http://schemas.openxmlformats.org/officeDocument/2006/relationships" xmlns:a="http://schemas.openxmlformats.org/drawingml/2006/main" xmlns="">
-    <p:transition spd="slow"/>
-  </mc:Fallback>
-</mc:AlternateContent>
+<p:notes xmlns:a="http://schemas.openxmlformats.org/drawingml/2006/main" xmlns:r="http://schemas.openxmlformats.org/officeDocument/2006/relationships" xmlns:p="http://schemas.openxmlformats.org/presentationml/2006/main">
+  <p:cSld>
+    <p:spTree>
+      <p:nvGrpSpPr>
+        <p:cNvPr id="1" name=""/>
+        <p:cNvGrpSpPr/>
+        <p:nvPr/>
+      </p:nvGrpSpPr>
+      <p:grpSpPr>
+        <a:xfrm>
+          <a:off x="0" y="0"/>
+          <a:ext cx="0" cy="0"/>
+          <a:chOff x="0" y="0"/>
+          <a:chExt cx="0" cy="0"/>
+        </a:xfrm>
+      </p:grpSpPr>
+      <p:sp>
+        <p:nvSpPr>
+          <p:cNvPr id="129" name="Google Shape;129;p3:notes"/>
+          <p:cNvSpPr txBox="1">
+            <a:spLocks/>
+          </p:cNvSpPr>
+          <p:nvPr>
+            <p:ph type="body" idx="1"/>
+          </p:nvPr>
+        </p:nvSpPr>
+        <p:spPr>
+          <a:xfrm rot="0">
+            <a:off x="1028700" y="8686800"/>
+            <a:ext cx="8230870" cy="8230870"/>
+          </a:xfrm>
+          <a:prstGeom prst="rect"/>
+          <a:noFill/>
+          <a:ln w="0">
+            <a:noFill/>
+            <a:prstDash/>
+          </a:ln>
+        </p:spPr>
+        <p:txBody>
+          <a:bodyPr wrap="square" lIns="91440" tIns="91440" rIns="91440" bIns="91440" numCol="1" vert="horz" anchor="t">
+            <a:noAutofit/>
+          </a:bodyPr>
+          <a:lstStyle/>
+          <a:p>
+            <a:pPr marL="0" indent="0" rtl="0" algn="l" latinLnBrk="0">
+              <a:spcBef>
+                <a:spcPts val="0"/>
+              </a:spcBef>
+              <a:spcAft>
+                <a:spcPts val="0"/>
+              </a:spcAft>
+              <a:buFontTx/>
+              <a:buNone/>
+            </a:pPr>
+          </a:p>
+        </p:txBody>
+      </p:sp>
+      <p:sp>
+        <p:nvSpPr>
+          <p:cNvPr id="130" name="Google Shape;130;p3:notes"/>
+          <p:cNvSpPr>
+            <a:spLocks noChangeAspect="1"/>
+          </p:cNvSpPr>
+          <p:nvPr>
+            <p:ph type="sldImg"/>
+          </p:nvPr>
+        </p:nvSpPr>
+        <p:spPr>
+          <a:xfrm rot="0">
+            <a:off x="-951230" y="1371600"/>
+            <a:ext cx="12191365" cy="6858635"/>
+          </a:xfrm>
+          <a:custGeom>
+            <a:gdLst>
+              <a:gd fmla="*/ 0 w 120002" name="TX0"/>
+              <a:gd fmla="*/ 0 h 120002" name="TY0"/>
+              <a:gd fmla="*/ 120000 w 120002" name="TX1"/>
+              <a:gd fmla="*/ 0 h 120002" name="TY1"/>
+              <a:gd fmla="*/ 120000 w 120002" name="TX2"/>
+              <a:gd fmla="*/ 120000 h 120002" name="TY2"/>
+              <a:gd fmla="*/ 0 w 120002" name="TX3"/>
+              <a:gd fmla="*/ 120000 h 120002" name="TY3"/>
+            </a:gdLst>
+            <a:cxnLst>
+              <a:cxn ang="0">
+                <a:pos x="TX0" y="TY0"/>
+              </a:cxn>
+              <a:cxn ang="0">
+                <a:pos x="TX1" y="TY1"/>
+              </a:cxn>
+              <a:cxn ang="0">
+                <a:pos x="TX2" y="TY2"/>
+              </a:cxn>
+              <a:cxn ang="0">
+                <a:pos x="TX3" y="TY3"/>
+              </a:cxn>
+            </a:cxnLst>
+            <a:rect l="l" t="t" r="r" b="b"/>
+            <a:pathLst>
+              <a:path w="120002" h="120002">
+                <a:moveTo>
+                  <a:pt x="0" y="0"/>
+                </a:moveTo>
+                <a:lnTo>
+                  <a:pt x="120000" y="0"/>
+                </a:lnTo>
+                <a:lnTo>
+                  <a:pt x="120000" y="120000"/>
+                </a:lnTo>
+                <a:lnTo>
+                  <a:pt x="0" y="120000"/>
+                </a:lnTo>
+                <a:close/>
+              </a:path>
+            </a:pathLst>
+          </a:custGeom>
+          <a:noFill/>
+          <a:ln w="9525" cap="flat" cmpd="sng">
+            <a:solidFill>
+              <a:srgbClr val="000000">
+                <a:alpha val="100000"/>
+              </a:srgbClr>
+            </a:solidFill>
+            <a:prstDash val="solid"/>
+            <a:round/>
+          </a:ln>
+        </p:spPr>
+        <p:txBody>
+          <a:bodyPr wrap="square" lIns="0" tIns="0" rIns="0" bIns="0" numCol="1" vert="horz" anchor="t">
+            <a:noAutofit/>
+          </a:bodyPr>
+          <a:lstStyle/>
+          <a:p>
+            <a:pPr marL="0" indent="0" latinLnBrk="0"/>
+          </a:p>
+        </p:txBody>
+      </p:sp>
+    </p:spTree>
+  </p:cSld>
+  <p:clrMapOvr>
+    <a:masterClrMapping/>
+  </p:clrMapOvr>
+  <mc:AlternateContent xmlns:mc="http://schemas.openxmlformats.org/markup-compatibility/2006">
+    <mc:Choice xmlns:p14="http://schemas.microsoft.com/office/powerpoint/2010/main" Requires="p14">
+      <p:transition spd="slow" p14:dur="0"/>
+    </mc:Choice>
+    <mc:Fallback>
+      <p:transition spd="slow"/>
+    </mc:Fallback>
+  </mc:AlternateContent>
+</p:notes>
 </file>
 
 <file path=ppt/slideLayouts/slideLayout1.xml><?xml version="1.0" encoding="utf-8"?>
@@ -12192,6 +12187,2269 @@
           <a:chExt cx="0" cy="0"/>
         </a:xfrm>
       </p:grpSpPr>
+      <p:sp>
+        <p:nvSpPr>
+          <p:cNvPr id="152" name="Rect 0"/>
+          <p:cNvSpPr txBox="1">
+            <a:spLocks/>
+          </p:cNvSpPr>
+          <p:nvPr/>
+        </p:nvSpPr>
+        <p:spPr>
+          <a:xfrm>
+            <a:off x="6036310" y="358775"/>
+            <a:ext cx="6256020" cy="862330"/>
+          </a:xfrm>
+          <a:prstGeom prst="rect">
+            <a:avLst/>
+          </a:prstGeom>
+          <a:noFill/>
+          <a:ln w="0">
+            <a:noFill/>
+            <a:prstDash/>
+          </a:ln>
+        </p:spPr>
+        <p:txBody>
+          <a:bodyPr vert="horz" wrap="square" lIns="91440" tIns="45720" rIns="91440" bIns="45720" numCol="1" anchor="t">
+            <a:spAutoFit/>
+          </a:bodyPr>
+          <a:lstStyle/>
+          <a:p>
+            <a:pPr marL="0" indent="0" algn="ctr" rtl="0" latinLnBrk="0">
+              <a:spcBef>
+                <a:spcPts val="0"/>
+              </a:spcBef>
+              <a:spcAft>
+                <a:spcPts val="0"/>
+              </a:spcAft>
+              <a:buFontTx/>
+              <a:buNone/>
+            </a:pPr>
+            <a:r>
+              <a:rPr lang="ko-KR" altLang="en-US" sz="5000" b="1">
+                <a:solidFill>
+                  <a:srgbClr val="694680"/>
+                </a:solidFill>
+                <a:latin typeface="나눔바른고딕" charset="0"/>
+                <a:ea typeface="나눔바른고딕" charset="0"/>
+                <a:cs typeface="Impact" charset="0"/>
+              </a:rPr>
+              <a:t>적용 기술</a:t>
+            </a:r>
+          </a:p>
+        </p:txBody>
+      </p:sp>
+      <p:sp>
+        <p:nvSpPr>
+          <p:cNvPr id="203" name="Rect 0"/>
+          <p:cNvSpPr>
+            <a:spLocks/>
+          </p:cNvSpPr>
+          <p:nvPr/>
+        </p:nvSpPr>
+        <p:spPr>
+          <a:xfrm>
+            <a:off x="208280" y="207645"/>
+            <a:ext cx="17877790" cy="9870440"/>
+          </a:xfrm>
+          <a:prstGeom prst="rect">
+            <a:avLst/>
+          </a:prstGeom>
+          <a:noFill/>
+          <a:ln w="57150" cap="flat" cmpd="sng">
+            <a:solidFill>
+              <a:srgbClr val="694680">
+                <a:alpha val="100000"/>
+              </a:srgbClr>
+            </a:solidFill>
+            <a:prstDash val="solid"/>
+            <a:round/>
+          </a:ln>
+        </p:spPr>
+        <p:style>
+          <a:lnRef idx="2">
+            <a:schemeClr val="accent1">
+              <a:shade val="50000"/>
+            </a:schemeClr>
+          </a:lnRef>
+          <a:fillRef idx="1">
+            <a:schemeClr val="accent1"/>
+          </a:fillRef>
+          <a:effectRef idx="0">
+            <a:schemeClr val="accent1"/>
+          </a:effectRef>
+          <a:fontRef idx="minor">
+            <a:schemeClr val="lt1"/>
+          </a:fontRef>
+        </p:style>
+        <p:txBody>
+          <a:bodyPr vert="horz" wrap="square" lIns="91440" tIns="45720" rIns="91440" bIns="45720" numCol="1" anchor="ctr">
+            <a:noAutofit/>
+          </a:bodyPr>
+          <a:lstStyle/>
+          <a:p>
+            <a:pPr marL="0" indent="0" algn="ctr" latinLnBrk="0" hangingPunct="1"/>
+            <a:endParaRPr lang="ko-KR" altLang="en-US" sz="1800">
+              <a:latin typeface="맑은 고딕" charset="0"/>
+              <a:ea typeface="맑은 고딕" charset="0"/>
+            </a:endParaRPr>
+          </a:p>
+        </p:txBody>
+      </p:sp>
+      <p:sp>
+        <p:nvSpPr>
+          <p:cNvPr id="204" name="도형 63"/>
+          <p:cNvSpPr>
+            <a:spLocks/>
+          </p:cNvSpPr>
+          <p:nvPr/>
+        </p:nvSpPr>
+        <p:spPr>
+          <a:xfrm>
+            <a:off x="1108710" y="1357630"/>
+            <a:ext cx="15960725" cy="46990"/>
+          </a:xfrm>
+          <a:prstGeom prst="rect">
+            <a:avLst/>
+          </a:prstGeom>
+          <a:solidFill>
+            <a:srgbClr val="694680"/>
+          </a:solidFill>
+          <a:ln w="0">
+            <a:noFill/>
+            <a:prstDash/>
+          </a:ln>
+        </p:spPr>
+        <p:style>
+          <a:lnRef idx="2">
+            <a:schemeClr val="accent1">
+              <a:shade val="50000"/>
+            </a:schemeClr>
+          </a:lnRef>
+          <a:fillRef idx="1">
+            <a:schemeClr val="accent1"/>
+          </a:fillRef>
+          <a:effectRef idx="0">
+            <a:schemeClr val="accent1"/>
+          </a:effectRef>
+          <a:fontRef idx="minor">
+            <a:schemeClr val="lt1"/>
+          </a:fontRef>
+        </p:style>
+        <p:txBody>
+          <a:bodyPr vert="horz" wrap="square" lIns="91440" tIns="45720" rIns="91440" bIns="45720" anchor="ctr">
+            <a:noAutofit/>
+          </a:bodyPr>
+          <a:lstStyle/>
+          <a:p>
+            <a:pPr marL="0" indent="0" algn="ctr" hangingPunct="1"/>
+            <a:endParaRPr lang="ko-KR" altLang="en-US" sz="1800">
+              <a:latin typeface="맑은 고딕" charset="0"/>
+              <a:ea typeface="맑은 고딕" charset="0"/>
+            </a:endParaRPr>
+          </a:p>
+        </p:txBody>
+      </p:sp>
+      <p:sp>
+        <p:nvSpPr>
+          <p:cNvPr id="37" name="직사각형 36">
+            <a:extLst>
+              <a:ext uri="{FF2B5EF4-FFF2-40B4-BE49-F238E27FC236}">
+                <a16:creationId xmlns:a16="http://schemas.microsoft.com/office/drawing/2014/main" id="{37F02F16-CFC3-4F43-BF2F-C23A6385EF9C}"/>
+              </a:ext>
+            </a:extLst>
+          </p:cNvPr>
+          <p:cNvSpPr/>
+          <p:nvPr/>
+        </p:nvSpPr>
+        <p:spPr>
+          <a:xfrm>
+            <a:off x="1771650" y="8845550"/>
+            <a:ext cx="14399895" cy="1012825"/>
+          </a:xfrm>
+          <a:prstGeom prst="rect">
+            <a:avLst/>
+          </a:prstGeom>
+          <a:solidFill>
+            <a:srgbClr val="694680"/>
+          </a:solidFill>
+          <a:ln>
+            <a:noFill/>
+          </a:ln>
+        </p:spPr>
+        <p:style>
+          <a:lnRef idx="2">
+            <a:schemeClr val="accent1">
+              <a:shade val="50000"/>
+            </a:schemeClr>
+          </a:lnRef>
+          <a:fillRef idx="1">
+            <a:schemeClr val="accent1"/>
+          </a:fillRef>
+          <a:effectRef idx="0">
+            <a:schemeClr val="accent1"/>
+          </a:effectRef>
+          <a:fontRef idx="minor">
+            <a:schemeClr val="lt1"/>
+          </a:fontRef>
+        </p:style>
+        <p:txBody>
+          <a:bodyPr rtlCol="0" anchor="ctr"/>
+          <a:lstStyle/>
+          <a:p>
+            <a:pPr algn="ctr"/>
+            <a:endParaRPr lang="ko-KR" altLang="en-US" sz="2000" dirty="0">
+              <a:effectLst>
+                <a:outerShdw blurRad="50800" dist="38100" dir="2700000" algn="tl" rotWithShape="0">
+                  <a:prstClr val="black">
+                    <a:alpha val="40000"/>
+                  </a:prstClr>
+                </a:outerShdw>
+              </a:effectLst>
+              <a:latin typeface="나눔바른고딕" panose="020B0603020101020101" pitchFamily="50" charset="-127"/>
+              <a:ea typeface="나눔바른고딕" panose="020B0603020101020101" pitchFamily="50" charset="-127"/>
+            </a:endParaRPr>
+          </a:p>
+        </p:txBody>
+      </p:sp>
+      <p:sp>
+        <p:nvSpPr>
+          <p:cNvPr id="38" name="직사각형 37">
+            <a:extLst>
+              <a:ext uri="{FF2B5EF4-FFF2-40B4-BE49-F238E27FC236}">
+                <a16:creationId xmlns:a16="http://schemas.microsoft.com/office/drawing/2014/main" id="{2C94E36D-FB88-4D67-983B-F55D433753C7}"/>
+              </a:ext>
+            </a:extLst>
+          </p:cNvPr>
+          <p:cNvSpPr/>
+          <p:nvPr/>
+        </p:nvSpPr>
+        <p:spPr>
+          <a:xfrm>
+            <a:off x="1771650" y="7648575"/>
+            <a:ext cx="7200265" cy="1012825"/>
+          </a:xfrm>
+          <a:prstGeom prst="rect">
+            <a:avLst/>
+          </a:prstGeom>
+          <a:solidFill>
+            <a:srgbClr val="694680"/>
+          </a:solidFill>
+          <a:ln>
+            <a:noFill/>
+          </a:ln>
+        </p:spPr>
+        <p:style>
+          <a:lnRef idx="2">
+            <a:schemeClr val="accent1">
+              <a:shade val="50000"/>
+            </a:schemeClr>
+          </a:lnRef>
+          <a:fillRef idx="1">
+            <a:schemeClr val="accent1"/>
+          </a:fillRef>
+          <a:effectRef idx="0">
+            <a:schemeClr val="accent1"/>
+          </a:effectRef>
+          <a:fontRef idx="minor">
+            <a:schemeClr val="lt1"/>
+          </a:fontRef>
+        </p:style>
+        <p:txBody>
+          <a:bodyPr rtlCol="0" anchor="ctr"/>
+          <a:lstStyle/>
+          <a:p>
+            <a:pPr algn="ctr"/>
+            <a:endParaRPr lang="ko-KR" altLang="en-US" sz="2000" dirty="0">
+              <a:effectLst>
+                <a:outerShdw blurRad="50800" dist="38100" dir="2700000" algn="tl" rotWithShape="0">
+                  <a:prstClr val="black">
+                    <a:alpha val="40000"/>
+                  </a:prstClr>
+                </a:outerShdw>
+              </a:effectLst>
+              <a:latin typeface="나눔바른고딕" panose="020B0603020101020101" pitchFamily="50" charset="-127"/>
+              <a:ea typeface="나눔바른고딕" panose="020B0603020101020101" pitchFamily="50" charset="-127"/>
+            </a:endParaRPr>
+          </a:p>
+        </p:txBody>
+      </p:sp>
+      <p:sp>
+        <p:nvSpPr>
+          <p:cNvPr id="39" name="직사각형 38">
+            <a:extLst>
+              <a:ext uri="{FF2B5EF4-FFF2-40B4-BE49-F238E27FC236}">
+                <a16:creationId xmlns:a16="http://schemas.microsoft.com/office/drawing/2014/main" id="{865B1396-5538-41FE-8A64-69416647DBAE}"/>
+              </a:ext>
+            </a:extLst>
+          </p:cNvPr>
+          <p:cNvSpPr/>
+          <p:nvPr/>
+        </p:nvSpPr>
+        <p:spPr>
+          <a:xfrm>
+            <a:off x="9316085" y="7648575"/>
+            <a:ext cx="6855460" cy="1012825"/>
+          </a:xfrm>
+          <a:prstGeom prst="rect">
+            <a:avLst/>
+          </a:prstGeom>
+          <a:solidFill>
+            <a:srgbClr val="694680"/>
+          </a:solidFill>
+          <a:ln>
+            <a:noFill/>
+          </a:ln>
+        </p:spPr>
+        <p:style>
+          <a:lnRef idx="2">
+            <a:schemeClr val="accent1">
+              <a:shade val="50000"/>
+            </a:schemeClr>
+          </a:lnRef>
+          <a:fillRef idx="1">
+            <a:schemeClr val="accent1"/>
+          </a:fillRef>
+          <a:effectRef idx="0">
+            <a:schemeClr val="accent1"/>
+          </a:effectRef>
+          <a:fontRef idx="minor">
+            <a:schemeClr val="lt1"/>
+          </a:fontRef>
+        </p:style>
+        <p:txBody>
+          <a:bodyPr rtlCol="0" anchor="ctr"/>
+          <a:lstStyle/>
+          <a:p>
+            <a:pPr algn="ctr"/>
+            <a:endParaRPr lang="ko-KR" altLang="en-US" sz="2000" dirty="0">
+              <a:effectLst>
+                <a:outerShdw blurRad="50800" dist="38100" dir="2700000" algn="tl" rotWithShape="0">
+                  <a:prstClr val="black">
+                    <a:alpha val="40000"/>
+                  </a:prstClr>
+                </a:outerShdw>
+              </a:effectLst>
+              <a:latin typeface="나눔바른고딕" panose="020B0603020101020101" pitchFamily="50" charset="-127"/>
+              <a:ea typeface="나눔바른고딕" panose="020B0603020101020101" pitchFamily="50" charset="-127"/>
+            </a:endParaRPr>
+          </a:p>
+        </p:txBody>
+      </p:sp>
+      <p:sp>
+        <p:nvSpPr>
+          <p:cNvPr id="40" name="사각형: 둥근 모서리 39">
+            <a:extLst>
+              <a:ext uri="{FF2B5EF4-FFF2-40B4-BE49-F238E27FC236}">
+                <a16:creationId xmlns:a16="http://schemas.microsoft.com/office/drawing/2014/main" id="{E2ABD2E6-FAE0-4B9D-84A8-C2B391919436}"/>
+              </a:ext>
+            </a:extLst>
+          </p:cNvPr>
+          <p:cNvSpPr/>
+          <p:nvPr/>
+        </p:nvSpPr>
+        <p:spPr>
+          <a:xfrm>
+            <a:off x="1771650" y="1957705"/>
+            <a:ext cx="7200265" cy="5506720"/>
+          </a:xfrm>
+          <a:prstGeom prst="roundRect">
+            <a:avLst/>
+          </a:prstGeom>
+          <a:solidFill>
+            <a:schemeClr val="bg1"/>
+          </a:solidFill>
+          <a:ln w="76200">
+            <a:solidFill>
+              <a:srgbClr val="694680"/>
+            </a:solidFill>
+          </a:ln>
+        </p:spPr>
+        <p:style>
+          <a:lnRef idx="2">
+            <a:schemeClr val="accent1">
+              <a:shade val="50000"/>
+            </a:schemeClr>
+          </a:lnRef>
+          <a:fillRef idx="1">
+            <a:schemeClr val="accent1"/>
+          </a:fillRef>
+          <a:effectRef idx="0">
+            <a:schemeClr val="accent1"/>
+          </a:effectRef>
+          <a:fontRef idx="minor">
+            <a:schemeClr val="lt1"/>
+          </a:fontRef>
+        </p:style>
+        <p:txBody>
+          <a:bodyPr rtlCol="0" anchor="ctr"/>
+          <a:lstStyle/>
+          <a:p>
+            <a:pPr algn="ctr"/>
+            <a:endParaRPr lang="ko-KR" altLang="en-US" dirty="0"/>
+          </a:p>
+        </p:txBody>
+      </p:sp>
+      <p:sp>
+        <p:nvSpPr>
+          <p:cNvPr id="41" name="사각형: 둥근 모서리 40">
+            <a:extLst>
+              <a:ext uri="{FF2B5EF4-FFF2-40B4-BE49-F238E27FC236}">
+                <a16:creationId xmlns:a16="http://schemas.microsoft.com/office/drawing/2014/main" id="{83EF73DB-421E-4429-B487-F3479DDA35F2}"/>
+              </a:ext>
+            </a:extLst>
+          </p:cNvPr>
+          <p:cNvSpPr/>
+          <p:nvPr/>
+        </p:nvSpPr>
+        <p:spPr>
+          <a:xfrm>
+            <a:off x="9302750" y="1957705"/>
+            <a:ext cx="6855460" cy="5506720"/>
+          </a:xfrm>
+          <a:prstGeom prst="roundRect">
+            <a:avLst/>
+          </a:prstGeom>
+          <a:solidFill>
+            <a:schemeClr val="bg1"/>
+          </a:solidFill>
+          <a:ln w="76200">
+            <a:solidFill>
+              <a:srgbClr val="694680"/>
+            </a:solidFill>
+          </a:ln>
+        </p:spPr>
+        <p:style>
+          <a:lnRef idx="2">
+            <a:schemeClr val="accent1">
+              <a:shade val="50000"/>
+            </a:schemeClr>
+          </a:lnRef>
+          <a:fillRef idx="1">
+            <a:schemeClr val="accent1"/>
+          </a:fillRef>
+          <a:effectRef idx="0">
+            <a:schemeClr val="accent1"/>
+          </a:effectRef>
+          <a:fontRef idx="minor">
+            <a:schemeClr val="lt1"/>
+          </a:fontRef>
+        </p:style>
+        <p:txBody>
+          <a:bodyPr rtlCol="0" anchor="ctr"/>
+          <a:lstStyle/>
+          <a:p>
+            <a:pPr algn="ctr"/>
+            <a:endParaRPr lang="ko-KR" altLang="en-US" dirty="0"/>
+          </a:p>
+        </p:txBody>
+      </p:sp>
+      <p:sp>
+        <p:nvSpPr>
+          <p:cNvPr id="42" name="TextBox 41">
+            <a:extLst>
+              <a:ext uri="{FF2B5EF4-FFF2-40B4-BE49-F238E27FC236}">
+                <a16:creationId xmlns:a16="http://schemas.microsoft.com/office/drawing/2014/main" id="{8B9F2F1A-9C06-44D7-AB76-59B07D0BE3BB}"/>
+              </a:ext>
+            </a:extLst>
+          </p:cNvPr>
+          <p:cNvSpPr txBox="1"/>
+          <p:nvPr/>
+        </p:nvSpPr>
+        <p:spPr>
+          <a:xfrm>
+            <a:off x="5251450" y="1757680"/>
+            <a:ext cx="240665" cy="400050"/>
+          </a:xfrm>
+          <a:prstGeom prst="rect">
+            <a:avLst/>
+          </a:prstGeom>
+          <a:solidFill>
+            <a:schemeClr val="bg1"/>
+          </a:solidFill>
+        </p:spPr>
+        <p:txBody>
+          <a:bodyPr wrap="none" rtlCol="0">
+            <a:spAutoFit/>
+          </a:bodyPr>
+          <a:lstStyle/>
+          <a:p>
+            <a:pPr algn="ctr"/>
+            <a:r>
+              <a:rPr lang="en-US" altLang="ko-KR" sz="2000" b="1" dirty="0">
+                <a:solidFill>
+                  <a:srgbClr val="694680"/>
+                </a:solidFill>
+                <a:effectLst>
+                  <a:outerShdw blurRad="38100" dist="38100" dir="2700000" algn="tl">
+                    <a:srgbClr val="000000">
+                      <a:alpha val="43137"/>
+                    </a:srgbClr>
+                  </a:outerShdw>
+                </a:effectLst>
+                <a:latin typeface="나눔바른고딕" panose="020B0603020101020101" pitchFamily="50" charset="-127"/>
+                <a:ea typeface="나눔바른고딕" panose="020B0603020101020101" pitchFamily="50" charset="-127"/>
+              </a:rPr>
+              <a:t> </a:t>
+            </a:r>
+            <a:endParaRPr lang="ko-KR" altLang="en-US" sz="2000" b="1" dirty="0">
+              <a:solidFill>
+                <a:srgbClr val="694680"/>
+              </a:solidFill>
+              <a:effectLst>
+                <a:outerShdw blurRad="38100" dist="38100" dir="2700000" algn="tl">
+                  <a:srgbClr val="000000">
+                    <a:alpha val="43137"/>
+                  </a:srgbClr>
+                </a:outerShdw>
+              </a:effectLst>
+              <a:latin typeface="나눔바른고딕" panose="020B0603020101020101" pitchFamily="50" charset="-127"/>
+              <a:ea typeface="나눔바른고딕" panose="020B0603020101020101" pitchFamily="50" charset="-127"/>
+            </a:endParaRPr>
+          </a:p>
+        </p:txBody>
+      </p:sp>
+      <p:sp>
+        <p:nvSpPr>
+          <p:cNvPr id="43" name="TextBox 42">
+            <a:extLst>
+              <a:ext uri="{FF2B5EF4-FFF2-40B4-BE49-F238E27FC236}">
+                <a16:creationId xmlns:a16="http://schemas.microsoft.com/office/drawing/2014/main" id="{2E2C7161-3A83-4B3A-93C2-9DD427FEC789}"/>
+              </a:ext>
+            </a:extLst>
+          </p:cNvPr>
+          <p:cNvSpPr txBox="1"/>
+          <p:nvPr/>
+        </p:nvSpPr>
+        <p:spPr>
+          <a:xfrm>
+            <a:off x="11908790" y="1757680"/>
+            <a:ext cx="1643380" cy="400050"/>
+          </a:xfrm>
+          <a:prstGeom prst="rect">
+            <a:avLst/>
+          </a:prstGeom>
+          <a:solidFill>
+            <a:schemeClr val="bg1"/>
+          </a:solidFill>
+        </p:spPr>
+        <p:txBody>
+          <a:bodyPr wrap="none" rtlCol="0">
+            <a:spAutoFit/>
+          </a:bodyPr>
+          <a:lstStyle/>
+          <a:p>
+            <a:pPr algn="ctr"/>
+            <a:r>
+              <a:rPr lang="en-US" altLang="ko-KR" sz="2000" b="1" dirty="0">
+                <a:solidFill>
+                  <a:srgbClr val="694680"/>
+                </a:solidFill>
+                <a:effectLst>
+                  <a:outerShdw blurRad="38100" dist="38100" dir="2700000" algn="tl">
+                    <a:srgbClr val="000000">
+                      <a:alpha val="43137"/>
+                    </a:srgbClr>
+                  </a:outerShdw>
+                </a:effectLst>
+                <a:latin typeface="나눔바른고딕" panose="020B0603020101020101" pitchFamily="50" charset="-127"/>
+                <a:ea typeface="나눔바른고딕" panose="020B0603020101020101" pitchFamily="50" charset="-127"/>
+              </a:rPr>
+              <a:t>                          </a:t>
+            </a:r>
+            <a:endParaRPr lang="ko-KR" altLang="en-US" sz="2000" b="1" dirty="0">
+              <a:solidFill>
+                <a:srgbClr val="694680"/>
+              </a:solidFill>
+              <a:effectLst>
+                <a:outerShdw blurRad="38100" dist="38100" dir="2700000" algn="tl">
+                  <a:srgbClr val="000000">
+                    <a:alpha val="43137"/>
+                  </a:srgbClr>
+                </a:outerShdw>
+              </a:effectLst>
+              <a:latin typeface="나눔바른고딕" panose="020B0603020101020101" pitchFamily="50" charset="-127"/>
+              <a:ea typeface="나눔바른고딕" panose="020B0603020101020101" pitchFamily="50" charset="-127"/>
+            </a:endParaRPr>
+          </a:p>
+        </p:txBody>
+      </p:sp>
+      <p:sp>
+        <p:nvSpPr>
+          <p:cNvPr id="44" name="사각형: 둥근 모서리 43">
+            <a:extLst>
+              <a:ext uri="{FF2B5EF4-FFF2-40B4-BE49-F238E27FC236}">
+                <a16:creationId xmlns:a16="http://schemas.microsoft.com/office/drawing/2014/main" id="{48C86997-5997-4695-B1F3-50B9F47DCB13}"/>
+              </a:ext>
+            </a:extLst>
+          </p:cNvPr>
+          <p:cNvSpPr/>
+          <p:nvPr/>
+        </p:nvSpPr>
+        <p:spPr>
+          <a:xfrm>
+            <a:off x="9559925" y="2849245"/>
+            <a:ext cx="4467225" cy="4107815"/>
+          </a:xfrm>
+          <a:prstGeom prst="roundRect">
+            <a:avLst/>
+          </a:prstGeom>
+          <a:noFill/>
+          <a:ln>
+            <a:solidFill>
+              <a:srgbClr val="694680"/>
+            </a:solidFill>
+          </a:ln>
+        </p:spPr>
+        <p:style>
+          <a:lnRef idx="2">
+            <a:schemeClr val="accent1">
+              <a:shade val="50000"/>
+            </a:schemeClr>
+          </a:lnRef>
+          <a:fillRef idx="1">
+            <a:schemeClr val="accent1"/>
+          </a:fillRef>
+          <a:effectRef idx="0">
+            <a:schemeClr val="accent1"/>
+          </a:effectRef>
+          <a:fontRef idx="minor">
+            <a:schemeClr val="lt1"/>
+          </a:fontRef>
+        </p:style>
+        <p:txBody>
+          <a:bodyPr rtlCol="0" anchor="ctr"/>
+          <a:lstStyle/>
+          <a:p>
+            <a:pPr algn="ctr"/>
+            <a:endParaRPr lang="ko-KR" altLang="en-US" dirty="0"/>
+          </a:p>
+        </p:txBody>
+      </p:sp>
+      <p:sp>
+        <p:nvSpPr>
+          <p:cNvPr id="45" name="TextBox 44">
+            <a:extLst>
+              <a:ext uri="{FF2B5EF4-FFF2-40B4-BE49-F238E27FC236}">
+                <a16:creationId xmlns:a16="http://schemas.microsoft.com/office/drawing/2014/main" id="{90253CE0-1EA0-4ECB-9A12-20D0EB7B6584}"/>
+              </a:ext>
+            </a:extLst>
+          </p:cNvPr>
+          <p:cNvSpPr txBox="1"/>
+          <p:nvPr/>
+        </p:nvSpPr>
+        <p:spPr>
+          <a:xfrm>
+            <a:off x="11015345" y="2652395"/>
+            <a:ext cx="1473200" cy="400050"/>
+          </a:xfrm>
+          <a:prstGeom prst="rect">
+            <a:avLst/>
+          </a:prstGeom>
+          <a:solidFill>
+            <a:schemeClr val="bg1"/>
+          </a:solidFill>
+        </p:spPr>
+        <p:txBody>
+          <a:bodyPr wrap="none" rtlCol="0">
+            <a:spAutoFit/>
+          </a:bodyPr>
+          <a:lstStyle/>
+          <a:p>
+            <a:r>
+              <a:rPr lang="en-US" altLang="ko-KR" sz="2000" b="1" dirty="0">
+                <a:solidFill>
+                  <a:srgbClr val="694680"/>
+                </a:solidFill>
+                <a:effectLst>
+                  <a:outerShdw blurRad="38100" dist="38100" dir="2700000" algn="tl">
+                    <a:srgbClr val="000000">
+                      <a:alpha val="43137"/>
+                    </a:srgbClr>
+                  </a:outerShdw>
+                </a:effectLst>
+                <a:latin typeface="나눔바른고딕" panose="020B0603020101020101" pitchFamily="50" charset="-127"/>
+                <a:ea typeface="나눔바른고딕" panose="020B0603020101020101" pitchFamily="50" charset="-127"/>
+              </a:rPr>
+              <a:t>Application</a:t>
+            </a:r>
+            <a:endParaRPr lang="ko-KR" altLang="en-US" sz="2000" b="1" dirty="0">
+              <a:solidFill>
+                <a:srgbClr val="694680"/>
+              </a:solidFill>
+              <a:effectLst>
+                <a:outerShdw blurRad="38100" dist="38100" dir="2700000" algn="tl">
+                  <a:srgbClr val="000000">
+                    <a:alpha val="43137"/>
+                  </a:srgbClr>
+                </a:outerShdw>
+              </a:effectLst>
+              <a:latin typeface="나눔바른고딕" panose="020B0603020101020101" pitchFamily="50" charset="-127"/>
+              <a:ea typeface="나눔바른고딕" panose="020B0603020101020101" pitchFamily="50" charset="-127"/>
+            </a:endParaRPr>
+          </a:p>
+        </p:txBody>
+      </p:sp>
+      <p:sp>
+        <p:nvSpPr>
+          <p:cNvPr id="46" name="사각형: 둥근 모서리 45">
+            <a:extLst>
+              <a:ext uri="{FF2B5EF4-FFF2-40B4-BE49-F238E27FC236}">
+                <a16:creationId xmlns:a16="http://schemas.microsoft.com/office/drawing/2014/main" id="{78BAE4E9-C392-4631-8E44-FA6720E63871}"/>
+              </a:ext>
+            </a:extLst>
+          </p:cNvPr>
+          <p:cNvSpPr/>
+          <p:nvPr/>
+        </p:nvSpPr>
+        <p:spPr>
+          <a:xfrm>
+            <a:off x="14211300" y="2849245"/>
+            <a:ext cx="1666875" cy="4107815"/>
+          </a:xfrm>
+          <a:prstGeom prst="roundRect">
+            <a:avLst/>
+          </a:prstGeom>
+          <a:noFill/>
+          <a:ln>
+            <a:solidFill>
+              <a:srgbClr val="694680"/>
+            </a:solidFill>
+          </a:ln>
+        </p:spPr>
+        <p:style>
+          <a:lnRef idx="2">
+            <a:schemeClr val="accent1">
+              <a:shade val="50000"/>
+            </a:schemeClr>
+          </a:lnRef>
+          <a:fillRef idx="1">
+            <a:schemeClr val="accent1"/>
+          </a:fillRef>
+          <a:effectRef idx="0">
+            <a:schemeClr val="accent1"/>
+          </a:effectRef>
+          <a:fontRef idx="minor">
+            <a:schemeClr val="lt1"/>
+          </a:fontRef>
+        </p:style>
+        <p:txBody>
+          <a:bodyPr rtlCol="0" anchor="ctr"/>
+          <a:lstStyle/>
+          <a:p>
+            <a:pPr algn="ctr"/>
+            <a:endParaRPr lang="ko-KR" altLang="en-US"/>
+          </a:p>
+        </p:txBody>
+      </p:sp>
+      <p:sp>
+        <p:nvSpPr>
+          <p:cNvPr id="47" name="TextBox 46">
+            <a:extLst>
+              <a:ext uri="{FF2B5EF4-FFF2-40B4-BE49-F238E27FC236}">
+                <a16:creationId xmlns:a16="http://schemas.microsoft.com/office/drawing/2014/main" id="{F909612F-7A56-433C-8BAD-883171D6A139}"/>
+              </a:ext>
+            </a:extLst>
+          </p:cNvPr>
+          <p:cNvSpPr txBox="1"/>
+          <p:nvPr/>
+        </p:nvSpPr>
+        <p:spPr>
+          <a:xfrm>
+            <a:off x="14538960" y="2626360"/>
+            <a:ext cx="1011555" cy="400050"/>
+          </a:xfrm>
+          <a:prstGeom prst="rect">
+            <a:avLst/>
+          </a:prstGeom>
+          <a:solidFill>
+            <a:schemeClr val="bg1"/>
+          </a:solidFill>
+        </p:spPr>
+        <p:txBody>
+          <a:bodyPr wrap="none" rtlCol="0">
+            <a:spAutoFit/>
+          </a:bodyPr>
+          <a:lstStyle/>
+          <a:p>
+            <a:r>
+              <a:rPr lang="en-US" altLang="ko-KR" sz="2000" b="1" dirty="0">
+                <a:solidFill>
+                  <a:srgbClr val="694680"/>
+                </a:solidFill>
+                <a:effectLst>
+                  <a:outerShdw blurRad="38100" dist="38100" dir="2700000" algn="tl">
+                    <a:srgbClr val="000000">
+                      <a:alpha val="43137"/>
+                    </a:srgbClr>
+                  </a:outerShdw>
+                </a:effectLst>
+                <a:latin typeface="나눔바른고딕" panose="020B0603020101020101" pitchFamily="50" charset="-127"/>
+                <a:ea typeface="나눔바른고딕" panose="020B0603020101020101" pitchFamily="50" charset="-127"/>
+              </a:rPr>
+              <a:t>MySQL</a:t>
+            </a:r>
+            <a:endParaRPr lang="ko-KR" altLang="en-US" sz="2000" b="1" dirty="0">
+              <a:solidFill>
+                <a:srgbClr val="694680"/>
+              </a:solidFill>
+              <a:effectLst>
+                <a:outerShdw blurRad="38100" dist="38100" dir="2700000" algn="tl">
+                  <a:srgbClr val="000000">
+                    <a:alpha val="43137"/>
+                  </a:srgbClr>
+                </a:outerShdw>
+              </a:effectLst>
+              <a:latin typeface="나눔바른고딕" panose="020B0603020101020101" pitchFamily="50" charset="-127"/>
+              <a:ea typeface="나눔바른고딕" panose="020B0603020101020101" pitchFamily="50" charset="-127"/>
+            </a:endParaRPr>
+          </a:p>
+        </p:txBody>
+      </p:sp>
+      <p:sp>
+        <p:nvSpPr>
+          <p:cNvPr id="48" name="직사각형 47">
+            <a:extLst>
+              <a:ext uri="{FF2B5EF4-FFF2-40B4-BE49-F238E27FC236}">
+                <a16:creationId xmlns:a16="http://schemas.microsoft.com/office/drawing/2014/main" id="{6CF7D45E-985F-4B41-B208-BB5B7754CD20}"/>
+              </a:ext>
+            </a:extLst>
+          </p:cNvPr>
+          <p:cNvSpPr/>
+          <p:nvPr/>
+        </p:nvSpPr>
+        <p:spPr>
+          <a:xfrm>
+            <a:off x="14395450" y="3511550"/>
+            <a:ext cx="1298575" cy="3041650"/>
+          </a:xfrm>
+          <a:prstGeom prst="rect">
+            <a:avLst/>
+          </a:prstGeom>
+          <a:solidFill>
+            <a:srgbClr val="694680"/>
+          </a:solidFill>
+          <a:ln>
+            <a:noFill/>
+          </a:ln>
+        </p:spPr>
+        <p:style>
+          <a:lnRef idx="2">
+            <a:schemeClr val="accent1">
+              <a:shade val="50000"/>
+            </a:schemeClr>
+          </a:lnRef>
+          <a:fillRef idx="1">
+            <a:schemeClr val="accent1"/>
+          </a:fillRef>
+          <a:effectRef idx="0">
+            <a:schemeClr val="accent1"/>
+          </a:effectRef>
+          <a:fontRef idx="minor">
+            <a:schemeClr val="lt1"/>
+          </a:fontRef>
+        </p:style>
+        <p:txBody>
+          <a:bodyPr rtlCol="0" anchor="ctr"/>
+          <a:lstStyle/>
+          <a:p>
+            <a:pPr algn="ctr"/>
+            <a:r>
+              <a:rPr lang="en-US" altLang="ko-KR" sz="2000" dirty="0">
+                <a:effectLst>
+                  <a:outerShdw blurRad="50800" dist="38100" dir="2700000" algn="tl" rotWithShape="0">
+                    <a:prstClr val="black">
+                      <a:alpha val="40000"/>
+                    </a:prstClr>
+                  </a:outerShdw>
+                </a:effectLst>
+                <a:latin typeface="나눔바른고딕" panose="020B0603020101020101" pitchFamily="50" charset="-127"/>
+                <a:ea typeface="나눔바른고딕" panose="020B0603020101020101" pitchFamily="50" charset="-127"/>
+              </a:rPr>
+              <a:t>table</a:t>
+            </a:r>
+            <a:endParaRPr lang="ko-KR" altLang="en-US" sz="2000" dirty="0">
+              <a:effectLst>
+                <a:outerShdw blurRad="50800" dist="38100" dir="2700000" algn="tl" rotWithShape="0">
+                  <a:prstClr val="black">
+                    <a:alpha val="40000"/>
+                  </a:prstClr>
+                </a:outerShdw>
+              </a:effectLst>
+              <a:latin typeface="나눔바른고딕" panose="020B0603020101020101" pitchFamily="50" charset="-127"/>
+              <a:ea typeface="나눔바른고딕" panose="020B0603020101020101" pitchFamily="50" charset="-127"/>
+            </a:endParaRPr>
+          </a:p>
+        </p:txBody>
+      </p:sp>
+      <p:sp>
+        <p:nvSpPr>
+          <p:cNvPr id="49" name="직사각형 48">
+            <a:extLst>
+              <a:ext uri="{FF2B5EF4-FFF2-40B4-BE49-F238E27FC236}">
+                <a16:creationId xmlns:a16="http://schemas.microsoft.com/office/drawing/2014/main" id="{15F82317-0AA7-4AE9-9AAD-1173FFF8BD3A}"/>
+              </a:ext>
+            </a:extLst>
+          </p:cNvPr>
+          <p:cNvSpPr/>
+          <p:nvPr/>
+        </p:nvSpPr>
+        <p:spPr>
+          <a:xfrm>
+            <a:off x="9806940" y="3511550"/>
+            <a:ext cx="1249680" cy="3041650"/>
+          </a:xfrm>
+          <a:prstGeom prst="rect">
+            <a:avLst/>
+          </a:prstGeom>
+          <a:solidFill>
+            <a:srgbClr val="694680"/>
+          </a:solidFill>
+          <a:ln>
+            <a:noFill/>
+          </a:ln>
+        </p:spPr>
+        <p:style>
+          <a:lnRef idx="2">
+            <a:schemeClr val="accent1">
+              <a:shade val="50000"/>
+            </a:schemeClr>
+          </a:lnRef>
+          <a:fillRef idx="1">
+            <a:schemeClr val="accent1"/>
+          </a:fillRef>
+          <a:effectRef idx="0">
+            <a:schemeClr val="accent1"/>
+          </a:effectRef>
+          <a:fontRef idx="minor">
+            <a:schemeClr val="lt1"/>
+          </a:fontRef>
+        </p:style>
+        <p:txBody>
+          <a:bodyPr rtlCol="0" anchor="ctr"/>
+          <a:lstStyle/>
+          <a:p>
+            <a:pPr algn="ctr"/>
+            <a:r>
+              <a:rPr lang="en-US" altLang="ko-KR" sz="2000" dirty="0">
+                <a:effectLst>
+                  <a:outerShdw blurRad="50800" dist="38100" dir="2700000" algn="tl" rotWithShape="0">
+                    <a:prstClr val="black">
+                      <a:alpha val="40000"/>
+                    </a:prstClr>
+                  </a:outerShdw>
+                </a:effectLst>
+                <a:latin typeface="나눔바른고딕" panose="020B0603020101020101" pitchFamily="50" charset="-127"/>
+                <a:ea typeface="나눔바른고딕" panose="020B0603020101020101" pitchFamily="50" charset="-127"/>
+              </a:rPr>
+              <a:t>REST</a:t>
+            </a:r>
+          </a:p>
+          <a:p>
+            <a:pPr algn="ctr"/>
+            <a:r>
+              <a:rPr lang="en-US" altLang="ko-KR" sz="1800" dirty="0">
+                <a:effectLst>
+                  <a:outerShdw blurRad="50800" dist="38100" dir="2700000" algn="tl" rotWithShape="0">
+                    <a:prstClr val="black">
+                      <a:alpha val="40000"/>
+                    </a:prstClr>
+                  </a:outerShdw>
+                </a:effectLst>
+                <a:latin typeface="나눔바른고딕" panose="020B0603020101020101" pitchFamily="50" charset="-127"/>
+                <a:ea typeface="나눔바른고딕" panose="020B0603020101020101" pitchFamily="50" charset="-127"/>
+              </a:rPr>
+              <a:t>Controller</a:t>
+            </a:r>
+            <a:endParaRPr lang="ko-KR" altLang="en-US" sz="1800" dirty="0">
+              <a:effectLst>
+                <a:outerShdw blurRad="50800" dist="38100" dir="2700000" algn="tl" rotWithShape="0">
+                  <a:prstClr val="black">
+                    <a:alpha val="40000"/>
+                  </a:prstClr>
+                </a:outerShdw>
+              </a:effectLst>
+              <a:latin typeface="나눔바른고딕" panose="020B0603020101020101" pitchFamily="50" charset="-127"/>
+              <a:ea typeface="나눔바른고딕" panose="020B0603020101020101" pitchFamily="50" charset="-127"/>
+            </a:endParaRPr>
+          </a:p>
+        </p:txBody>
+      </p:sp>
+      <p:sp>
+        <p:nvSpPr>
+          <p:cNvPr id="50" name="직사각형 49">
+            <a:extLst>
+              <a:ext uri="{FF2B5EF4-FFF2-40B4-BE49-F238E27FC236}">
+                <a16:creationId xmlns:a16="http://schemas.microsoft.com/office/drawing/2014/main" id="{3E36EE85-4C85-4F30-B67B-7119429AC4AC}"/>
+              </a:ext>
+            </a:extLst>
+          </p:cNvPr>
+          <p:cNvSpPr/>
+          <p:nvPr/>
+        </p:nvSpPr>
+        <p:spPr>
+          <a:xfrm>
+            <a:off x="11164570" y="3511550"/>
+            <a:ext cx="1249680" cy="3041650"/>
+          </a:xfrm>
+          <a:prstGeom prst="rect">
+            <a:avLst/>
+          </a:prstGeom>
+          <a:solidFill>
+            <a:srgbClr val="694680"/>
+          </a:solidFill>
+          <a:ln>
+            <a:noFill/>
+          </a:ln>
+        </p:spPr>
+        <p:style>
+          <a:lnRef idx="2">
+            <a:schemeClr val="accent1">
+              <a:shade val="50000"/>
+            </a:schemeClr>
+          </a:lnRef>
+          <a:fillRef idx="1">
+            <a:schemeClr val="accent1"/>
+          </a:fillRef>
+          <a:effectRef idx="0">
+            <a:schemeClr val="accent1"/>
+          </a:effectRef>
+          <a:fontRef idx="minor">
+            <a:schemeClr val="lt1"/>
+          </a:fontRef>
+        </p:style>
+        <p:txBody>
+          <a:bodyPr rtlCol="0" anchor="ctr"/>
+          <a:lstStyle/>
+          <a:p>
+            <a:pPr algn="ctr"/>
+            <a:r>
+              <a:rPr lang="en-US" altLang="ko-KR" sz="2000" dirty="0">
+                <a:effectLst>
+                  <a:outerShdw blurRad="50800" dist="38100" dir="2700000" algn="tl" rotWithShape="0">
+                    <a:prstClr val="black">
+                      <a:alpha val="40000"/>
+                    </a:prstClr>
+                  </a:outerShdw>
+                </a:effectLst>
+                <a:latin typeface="나눔바른고딕" panose="020B0603020101020101" pitchFamily="50" charset="-127"/>
+                <a:ea typeface="나눔바른고딕" panose="020B0603020101020101" pitchFamily="50" charset="-127"/>
+              </a:rPr>
+              <a:t>Java Class</a:t>
+            </a:r>
+            <a:endParaRPr lang="ko-KR" altLang="en-US" sz="1800" dirty="0">
+              <a:effectLst>
+                <a:outerShdw blurRad="50800" dist="38100" dir="2700000" algn="tl" rotWithShape="0">
+                  <a:prstClr val="black">
+                    <a:alpha val="40000"/>
+                  </a:prstClr>
+                </a:outerShdw>
+              </a:effectLst>
+              <a:latin typeface="나눔바른고딕" panose="020B0603020101020101" pitchFamily="50" charset="-127"/>
+              <a:ea typeface="나눔바른고딕" panose="020B0603020101020101" pitchFamily="50" charset="-127"/>
+            </a:endParaRPr>
+          </a:p>
+        </p:txBody>
+      </p:sp>
+      <p:sp>
+        <p:nvSpPr>
+          <p:cNvPr id="51" name="직사각형 50">
+            <a:extLst>
+              <a:ext uri="{FF2B5EF4-FFF2-40B4-BE49-F238E27FC236}">
+                <a16:creationId xmlns:a16="http://schemas.microsoft.com/office/drawing/2014/main" id="{0275A49B-AE71-48D9-B747-1AEAEDA11F1E}"/>
+              </a:ext>
+            </a:extLst>
+          </p:cNvPr>
+          <p:cNvSpPr/>
+          <p:nvPr/>
+        </p:nvSpPr>
+        <p:spPr>
+          <a:xfrm>
+            <a:off x="12536170" y="3511550"/>
+            <a:ext cx="1249680" cy="3041650"/>
+          </a:xfrm>
+          <a:prstGeom prst="rect">
+            <a:avLst/>
+          </a:prstGeom>
+          <a:solidFill>
+            <a:srgbClr val="694680"/>
+          </a:solidFill>
+          <a:ln>
+            <a:noFill/>
+          </a:ln>
+        </p:spPr>
+        <p:style>
+          <a:lnRef idx="2">
+            <a:schemeClr val="accent1">
+              <a:shade val="50000"/>
+            </a:schemeClr>
+          </a:lnRef>
+          <a:fillRef idx="1">
+            <a:schemeClr val="accent1"/>
+          </a:fillRef>
+          <a:effectRef idx="0">
+            <a:schemeClr val="accent1"/>
+          </a:effectRef>
+          <a:fontRef idx="minor">
+            <a:schemeClr val="lt1"/>
+          </a:fontRef>
+        </p:style>
+        <p:txBody>
+          <a:bodyPr rtlCol="0" anchor="ctr"/>
+          <a:lstStyle/>
+          <a:p>
+            <a:pPr algn="ctr"/>
+            <a:r>
+              <a:rPr lang="en-US" altLang="ko-KR" sz="2000" dirty="0">
+                <a:effectLst>
+                  <a:outerShdw blurRad="50800" dist="38100" dir="2700000" algn="tl" rotWithShape="0">
+                    <a:prstClr val="black">
+                      <a:alpha val="40000"/>
+                    </a:prstClr>
+                  </a:outerShdw>
+                </a:effectLst>
+                <a:latin typeface="나눔바른고딕" panose="020B0603020101020101" pitchFamily="50" charset="-127"/>
+                <a:ea typeface="나눔바른고딕" panose="020B0603020101020101" pitchFamily="50" charset="-127"/>
+              </a:rPr>
+              <a:t>Spring</a:t>
+            </a:r>
+          </a:p>
+          <a:p>
+            <a:pPr algn="ctr"/>
+            <a:r>
+              <a:rPr lang="en-US" altLang="ko-KR" sz="2000" dirty="0">
+                <a:effectLst>
+                  <a:outerShdw blurRad="50800" dist="38100" dir="2700000" algn="tl" rotWithShape="0">
+                    <a:prstClr val="black">
+                      <a:alpha val="40000"/>
+                    </a:prstClr>
+                  </a:outerShdw>
+                </a:effectLst>
+                <a:latin typeface="나눔바른고딕" panose="020B0603020101020101" pitchFamily="50" charset="-127"/>
+                <a:ea typeface="나눔바른고딕" panose="020B0603020101020101" pitchFamily="50" charset="-127"/>
+              </a:rPr>
+              <a:t>Data</a:t>
+            </a:r>
+          </a:p>
+          <a:p>
+            <a:pPr algn="ctr"/>
+            <a:r>
+              <a:rPr lang="en-US" altLang="ko-KR" sz="1500" dirty="0">
+                <a:effectLst>
+                  <a:outerShdw blurRad="50800" dist="38100" dir="2700000" algn="tl" rotWithShape="0">
+                    <a:prstClr val="black">
+                      <a:alpha val="40000"/>
+                    </a:prstClr>
+                  </a:outerShdw>
+                </a:effectLst>
+                <a:latin typeface="나눔바른고딕" panose="020B0603020101020101" pitchFamily="50" charset="-127"/>
+                <a:ea typeface="나눔바른고딕" panose="020B0603020101020101" pitchFamily="50" charset="-127"/>
+              </a:rPr>
+              <a:t>JPA</a:t>
+            </a:r>
+            <a:endParaRPr lang="ko-KR" altLang="en-US" sz="1500" dirty="0">
+              <a:effectLst>
+                <a:outerShdw blurRad="50800" dist="38100" dir="2700000" algn="tl" rotWithShape="0">
+                  <a:prstClr val="black">
+                    <a:alpha val="40000"/>
+                  </a:prstClr>
+                </a:outerShdw>
+              </a:effectLst>
+              <a:latin typeface="나눔바른고딕" panose="020B0603020101020101" pitchFamily="50" charset="-127"/>
+              <a:ea typeface="나눔바른고딕" panose="020B0603020101020101" pitchFamily="50" charset="-127"/>
+            </a:endParaRPr>
+          </a:p>
+        </p:txBody>
+      </p:sp>
+      <p:sp>
+        <p:nvSpPr>
+          <p:cNvPr id="52" name="화살표: 오른쪽 51">
+            <a:extLst>
+              <a:ext uri="{FF2B5EF4-FFF2-40B4-BE49-F238E27FC236}">
+                <a16:creationId xmlns:a16="http://schemas.microsoft.com/office/drawing/2014/main" id="{DE23BCDC-38A4-489B-94CD-D748A444252E}"/>
+              </a:ext>
+            </a:extLst>
+          </p:cNvPr>
+          <p:cNvSpPr/>
+          <p:nvPr/>
+        </p:nvSpPr>
+        <p:spPr>
+          <a:xfrm>
+            <a:off x="13785850" y="4378325"/>
+            <a:ext cx="425450" cy="332740"/>
+          </a:xfrm>
+          <a:prstGeom prst="rightArrow">
+            <a:avLst/>
+          </a:prstGeom>
+          <a:solidFill>
+            <a:schemeClr val="accent4">
+              <a:lumMod val="60000"/>
+              <a:lumOff val="40000"/>
+            </a:schemeClr>
+          </a:solidFill>
+          <a:ln>
+            <a:noFill/>
+          </a:ln>
+        </p:spPr>
+        <p:style>
+          <a:lnRef idx="2">
+            <a:schemeClr val="accent4">
+              <a:shade val="50000"/>
+            </a:schemeClr>
+          </a:lnRef>
+          <a:fillRef idx="1">
+            <a:schemeClr val="accent4"/>
+          </a:fillRef>
+          <a:effectRef idx="0">
+            <a:schemeClr val="accent4"/>
+          </a:effectRef>
+          <a:fontRef idx="minor">
+            <a:schemeClr val="lt1"/>
+          </a:fontRef>
+        </p:style>
+        <p:txBody>
+          <a:bodyPr rtlCol="0" anchor="ctr"/>
+          <a:lstStyle/>
+          <a:p>
+            <a:pPr algn="ctr"/>
+            <a:endParaRPr lang="ko-KR" altLang="en-US"/>
+          </a:p>
+        </p:txBody>
+      </p:sp>
+      <p:sp>
+        <p:nvSpPr>
+          <p:cNvPr id="53" name="화살표: 오른쪽 52">
+            <a:extLst>
+              <a:ext uri="{FF2B5EF4-FFF2-40B4-BE49-F238E27FC236}">
+                <a16:creationId xmlns:a16="http://schemas.microsoft.com/office/drawing/2014/main" id="{2E3CE41D-3B84-43E9-91B2-48C435936968}"/>
+              </a:ext>
+            </a:extLst>
+          </p:cNvPr>
+          <p:cNvSpPr/>
+          <p:nvPr/>
+        </p:nvSpPr>
+        <p:spPr>
+          <a:xfrm rot="10800000">
+            <a:off x="13771880" y="5200015"/>
+            <a:ext cx="425450" cy="332740"/>
+          </a:xfrm>
+          <a:prstGeom prst="rightArrow">
+            <a:avLst/>
+          </a:prstGeom>
+          <a:solidFill>
+            <a:schemeClr val="accent4">
+              <a:lumMod val="60000"/>
+              <a:lumOff val="40000"/>
+            </a:schemeClr>
+          </a:solidFill>
+          <a:ln>
+            <a:noFill/>
+          </a:ln>
+        </p:spPr>
+        <p:style>
+          <a:lnRef idx="2">
+            <a:schemeClr val="accent4">
+              <a:shade val="50000"/>
+            </a:schemeClr>
+          </a:lnRef>
+          <a:fillRef idx="1">
+            <a:schemeClr val="accent4"/>
+          </a:fillRef>
+          <a:effectRef idx="0">
+            <a:schemeClr val="accent4"/>
+          </a:effectRef>
+          <a:fontRef idx="minor">
+            <a:schemeClr val="lt1"/>
+          </a:fontRef>
+        </p:style>
+        <p:txBody>
+          <a:bodyPr rtlCol="0" anchor="ctr"/>
+          <a:lstStyle/>
+          <a:p>
+            <a:pPr algn="ctr"/>
+            <a:endParaRPr lang="ko-KR" altLang="en-US"/>
+          </a:p>
+        </p:txBody>
+      </p:sp>
+      <p:sp>
+        <p:nvSpPr>
+          <p:cNvPr id="58" name="TextBox 57">
+            <a:extLst>
+              <a:ext uri="{FF2B5EF4-FFF2-40B4-BE49-F238E27FC236}">
+                <a16:creationId xmlns:a16="http://schemas.microsoft.com/office/drawing/2014/main" id="{0195B819-12B5-46F3-80E7-C2AA7CA0DAC5}"/>
+              </a:ext>
+            </a:extLst>
+          </p:cNvPr>
+          <p:cNvSpPr txBox="1"/>
+          <p:nvPr/>
+        </p:nvSpPr>
+        <p:spPr>
+          <a:xfrm>
+            <a:off x="5279390" y="3912235"/>
+            <a:ext cx="184785" cy="400050"/>
+          </a:xfrm>
+          <a:prstGeom prst="rect">
+            <a:avLst/>
+          </a:prstGeom>
+          <a:noFill/>
+        </p:spPr>
+        <p:txBody>
+          <a:bodyPr wrap="none" rtlCol="0">
+            <a:spAutoFit/>
+          </a:bodyPr>
+          <a:lstStyle/>
+          <a:p>
+            <a:pPr algn="ctr"/>
+            <a:endParaRPr lang="ko-KR" altLang="en-US" sz="2000" b="1" dirty="0">
+              <a:solidFill>
+                <a:srgbClr val="694680"/>
+              </a:solidFill>
+              <a:effectLst>
+                <a:outerShdw blurRad="38100" dist="38100" dir="2700000" algn="tl">
+                  <a:srgbClr val="000000">
+                    <a:alpha val="43137"/>
+                  </a:srgbClr>
+                </a:outerShdw>
+              </a:effectLst>
+              <a:latin typeface="나눔바른고딕" panose="020B0603020101020101" pitchFamily="50" charset="-127"/>
+              <a:ea typeface="나눔바른고딕" panose="020B0603020101020101" pitchFamily="50" charset="-127"/>
+            </a:endParaRPr>
+          </a:p>
+        </p:txBody>
+      </p:sp>
+      <p:sp>
+        <p:nvSpPr>
+          <p:cNvPr id="59" name="화살표: 오른쪽 58">
+            <a:extLst>
+              <a:ext uri="{FF2B5EF4-FFF2-40B4-BE49-F238E27FC236}">
+                <a16:creationId xmlns:a16="http://schemas.microsoft.com/office/drawing/2014/main" id="{B37D9420-3632-4A7C-9D92-C5E0281B1C8B}"/>
+              </a:ext>
+            </a:extLst>
+          </p:cNvPr>
+          <p:cNvSpPr/>
+          <p:nvPr/>
+        </p:nvSpPr>
+        <p:spPr>
+          <a:xfrm>
+            <a:off x="7239000" y="4026535"/>
+            <a:ext cx="2567305" cy="570865"/>
+          </a:xfrm>
+          <a:prstGeom prst="rightArrow">
+            <a:avLst/>
+          </a:prstGeom>
+          <a:solidFill>
+            <a:schemeClr val="accent4">
+              <a:lumMod val="60000"/>
+              <a:lumOff val="40000"/>
+            </a:schemeClr>
+          </a:solidFill>
+          <a:ln>
+            <a:noFill/>
+          </a:ln>
+        </p:spPr>
+        <p:style>
+          <a:lnRef idx="2">
+            <a:schemeClr val="accent4">
+              <a:shade val="50000"/>
+            </a:schemeClr>
+          </a:lnRef>
+          <a:fillRef idx="1">
+            <a:schemeClr val="accent4"/>
+          </a:fillRef>
+          <a:effectRef idx="0">
+            <a:schemeClr val="accent4"/>
+          </a:effectRef>
+          <a:fontRef idx="minor">
+            <a:schemeClr val="lt1"/>
+          </a:fontRef>
+        </p:style>
+        <p:txBody>
+          <a:bodyPr rtlCol="0" anchor="ctr"/>
+          <a:lstStyle/>
+          <a:p>
+            <a:r>
+              <a:rPr lang="en-US" altLang="ko-KR" sz="1500" b="1" dirty="0">
+                <a:solidFill>
+                  <a:schemeClr val="tx1"/>
+                </a:solidFill>
+                <a:effectLst>
+                  <a:outerShdw blurRad="38100" dist="38100" dir="2700000" algn="tl">
+                    <a:srgbClr val="000000">
+                      <a:alpha val="43137"/>
+                    </a:srgbClr>
+                  </a:outerShdw>
+                </a:effectLst>
+                <a:latin typeface="나눔바른고딕" panose="020B0603020101020101" pitchFamily="50" charset="-127"/>
+                <a:ea typeface="나눔바른고딕" panose="020B0603020101020101" pitchFamily="50" charset="-127"/>
+              </a:rPr>
+              <a:t>           Request</a:t>
+            </a:r>
+            <a:endParaRPr lang="ko-KR" altLang="en-US" sz="1500" b="1" dirty="0">
+              <a:solidFill>
+                <a:schemeClr val="tx1"/>
+              </a:solidFill>
+              <a:effectLst>
+                <a:outerShdw blurRad="38100" dist="38100" dir="2700000" algn="tl">
+                  <a:srgbClr val="000000">
+                    <a:alpha val="43137"/>
+                  </a:srgbClr>
+                </a:outerShdw>
+              </a:effectLst>
+              <a:latin typeface="나눔바른고딕" panose="020B0603020101020101" pitchFamily="50" charset="-127"/>
+              <a:ea typeface="나눔바른고딕" panose="020B0603020101020101" pitchFamily="50" charset="-127"/>
+            </a:endParaRPr>
+          </a:p>
+        </p:txBody>
+      </p:sp>
+      <p:sp>
+        <p:nvSpPr>
+          <p:cNvPr id="63" name="화살표: 오른쪽 62">
+            <a:extLst>
+              <a:ext uri="{FF2B5EF4-FFF2-40B4-BE49-F238E27FC236}">
+                <a16:creationId xmlns:a16="http://schemas.microsoft.com/office/drawing/2014/main" id="{8990845D-8218-442D-854D-2B1F331FABFD}"/>
+              </a:ext>
+            </a:extLst>
+          </p:cNvPr>
+          <p:cNvSpPr/>
+          <p:nvPr/>
+        </p:nvSpPr>
+        <p:spPr>
+          <a:xfrm flipH="1">
+            <a:off x="7239000" y="5366385"/>
+            <a:ext cx="2563495" cy="570865"/>
+          </a:xfrm>
+          <a:prstGeom prst="rightArrow">
+            <a:avLst/>
+          </a:prstGeom>
+          <a:solidFill>
+            <a:schemeClr val="accent4">
+              <a:lumMod val="60000"/>
+              <a:lumOff val="40000"/>
+            </a:schemeClr>
+          </a:solidFill>
+          <a:ln>
+            <a:noFill/>
+          </a:ln>
+        </p:spPr>
+        <p:style>
+          <a:lnRef idx="2">
+            <a:schemeClr val="accent4">
+              <a:shade val="50000"/>
+            </a:schemeClr>
+          </a:lnRef>
+          <a:fillRef idx="1">
+            <a:schemeClr val="accent4"/>
+          </a:fillRef>
+          <a:effectRef idx="0">
+            <a:schemeClr val="accent4"/>
+          </a:effectRef>
+          <a:fontRef idx="minor">
+            <a:schemeClr val="lt1"/>
+          </a:fontRef>
+        </p:style>
+        <p:txBody>
+          <a:bodyPr rtlCol="0" anchor="ctr"/>
+          <a:lstStyle/>
+          <a:p>
+            <a:r>
+              <a:rPr lang="en-US" altLang="ko-KR" sz="1500" b="1" dirty="0">
+                <a:solidFill>
+                  <a:schemeClr val="tx1"/>
+                </a:solidFill>
+                <a:effectLst>
+                  <a:outerShdw blurRad="38100" dist="38100" dir="2700000" algn="tl">
+                    <a:srgbClr val="000000">
+                      <a:alpha val="43137"/>
+                    </a:srgbClr>
+                  </a:outerShdw>
+                </a:effectLst>
+                <a:latin typeface="나눔바른고딕" panose="020B0603020101020101" pitchFamily="50" charset="-127"/>
+                <a:ea typeface="나눔바른고딕" panose="020B0603020101020101" pitchFamily="50" charset="-127"/>
+              </a:rPr>
+              <a:t>       Response</a:t>
+            </a:r>
+            <a:endParaRPr lang="ko-KR" altLang="en-US" sz="1500" b="1" dirty="0">
+              <a:solidFill>
+                <a:schemeClr val="tx1"/>
+              </a:solidFill>
+              <a:effectLst>
+                <a:outerShdw blurRad="38100" dist="38100" dir="2700000" algn="tl">
+                  <a:srgbClr val="000000">
+                    <a:alpha val="43137"/>
+                  </a:srgbClr>
+                </a:outerShdw>
+              </a:effectLst>
+              <a:latin typeface="나눔바른고딕" panose="020B0603020101020101" pitchFamily="50" charset="-127"/>
+              <a:ea typeface="나눔바른고딕" panose="020B0603020101020101" pitchFamily="50" charset="-127"/>
+            </a:endParaRPr>
+          </a:p>
+        </p:txBody>
+      </p:sp>
+      <p:pic>
+        <p:nvPicPr>
+          <p:cNvPr id="3076" name="Picture 4">
+            <a:extLst>
+              <a:ext uri="{FF2B5EF4-FFF2-40B4-BE49-F238E27FC236}">
+                <a16:creationId xmlns:a16="http://schemas.microsoft.com/office/drawing/2014/main" id="{FBAD7F8A-426A-4CEC-9434-50DCB4824CA6}"/>
+              </a:ext>
+            </a:extLst>
+          </p:cNvPr>
+          <p:cNvPicPr>
+            <a:picLocks noChangeAspect="1" noChangeArrowheads="1"/>
+          </p:cNvPicPr>
+          <p:nvPr/>
+        </p:nvPicPr>
+        <p:blipFill>
+          <a:blip r:embed="rId3">
+            <a:extLst>
+              <a:ext uri="{28A0092B-C50C-407E-A947-70E740481C1C}">
+                <a14:useLocalDpi xmlns:a14="http://schemas.microsoft.com/office/drawing/2010/main" val="0"/>
+              </a:ext>
+            </a:extLst>
+          </a:blip>
+          <a:srcRect/>
+          <a:stretch>
+            <a:fillRect/>
+          </a:stretch>
+        </p:blipFill>
+        <p:spPr bwMode="auto">
+          <a:xfrm>
+            <a:off x="12174220" y="1397000"/>
+            <a:ext cx="1141095" cy="1141095"/>
+          </a:xfrm>
+          <a:prstGeom prst="rect">
+            <a:avLst/>
+          </a:prstGeom>
+          <a:noFill/>
+          <a:extLst>
+            <a:ext uri="{909E8E84-426E-40DD-AFC4-6F175D3DCCD1}">
+              <a14:hiddenFill xmlns:a14="http://schemas.microsoft.com/office/drawing/2010/main">
+                <a:solidFill>
+                  <a:srgbClr val="FFFFFF"/>
+                </a:solidFill>
+              </a14:hiddenFill>
+            </a:ext>
+          </a:extLst>
+        </p:spPr>
+      </p:pic>
+      <p:sp>
+        <p:nvSpPr>
+          <p:cNvPr id="32" name="TextBox 31">
+            <a:extLst>
+              <a:ext uri="{FF2B5EF4-FFF2-40B4-BE49-F238E27FC236}">
+                <a16:creationId xmlns:a16="http://schemas.microsoft.com/office/drawing/2014/main" id="{E9B0F8EC-96A6-42A8-857E-90429BC61FCC}"/>
+              </a:ext>
+            </a:extLst>
+          </p:cNvPr>
+          <p:cNvSpPr txBox="1"/>
+          <p:nvPr/>
+        </p:nvSpPr>
+        <p:spPr>
+          <a:xfrm>
+            <a:off x="4549775" y="1765935"/>
+            <a:ext cx="1643380" cy="400050"/>
+          </a:xfrm>
+          <a:prstGeom prst="rect">
+            <a:avLst/>
+          </a:prstGeom>
+          <a:solidFill>
+            <a:schemeClr val="bg1"/>
+          </a:solidFill>
+        </p:spPr>
+        <p:txBody>
+          <a:bodyPr wrap="none" rtlCol="0">
+            <a:spAutoFit/>
+          </a:bodyPr>
+          <a:lstStyle/>
+          <a:p>
+            <a:pPr algn="ctr"/>
+            <a:r>
+              <a:rPr lang="en-US" altLang="ko-KR" sz="2000" b="1" dirty="0">
+                <a:solidFill>
+                  <a:srgbClr val="694680"/>
+                </a:solidFill>
+                <a:effectLst>
+                  <a:outerShdw blurRad="38100" dist="38100" dir="2700000" algn="tl">
+                    <a:srgbClr val="000000">
+                      <a:alpha val="43137"/>
+                    </a:srgbClr>
+                  </a:outerShdw>
+                </a:effectLst>
+                <a:latin typeface="나눔바른고딕" panose="020B0603020101020101" pitchFamily="50" charset="-127"/>
+                <a:ea typeface="나눔바른고딕" panose="020B0603020101020101" pitchFamily="50" charset="-127"/>
+              </a:rPr>
+              <a:t>                          </a:t>
+            </a:r>
+            <a:endParaRPr lang="ko-KR" altLang="en-US" sz="2000" b="1" dirty="0">
+              <a:solidFill>
+                <a:srgbClr val="694680"/>
+              </a:solidFill>
+              <a:effectLst>
+                <a:outerShdw blurRad="38100" dist="38100" dir="2700000" algn="tl">
+                  <a:srgbClr val="000000">
+                    <a:alpha val="43137"/>
+                  </a:srgbClr>
+                </a:outerShdw>
+              </a:effectLst>
+              <a:latin typeface="나눔바른고딕" panose="020B0603020101020101" pitchFamily="50" charset="-127"/>
+              <a:ea typeface="나눔바른고딕" panose="020B0603020101020101" pitchFamily="50" charset="-127"/>
+            </a:endParaRPr>
+          </a:p>
+        </p:txBody>
+      </p:sp>
+      <p:pic>
+        <p:nvPicPr>
+          <p:cNvPr id="3074" name="Picture 2">
+            <a:extLst>
+              <a:ext uri="{FF2B5EF4-FFF2-40B4-BE49-F238E27FC236}">
+                <a16:creationId xmlns:a16="http://schemas.microsoft.com/office/drawing/2014/main" id="{BE18F66F-ACB3-4C0B-AC43-E246A5040784}"/>
+              </a:ext>
+            </a:extLst>
+          </p:cNvPr>
+          <p:cNvPicPr>
+            <a:picLocks noChangeAspect="1" noChangeArrowheads="1"/>
+          </p:cNvPicPr>
+          <p:nvPr/>
+        </p:nvPicPr>
+        <p:blipFill>
+          <a:blip r:embed="rId4">
+            <a:extLst>
+              <a:ext uri="{28A0092B-C50C-407E-A947-70E740481C1C}">
+                <a14:useLocalDpi xmlns:a14="http://schemas.microsoft.com/office/drawing/2010/main" val="0"/>
+              </a:ext>
+            </a:extLst>
+          </a:blip>
+          <a:srcRect/>
+          <a:stretch>
+            <a:fillRect/>
+          </a:stretch>
+        </p:blipFill>
+        <p:spPr bwMode="auto">
+          <a:xfrm>
+            <a:off x="4800600" y="1466850"/>
+            <a:ext cx="1141095" cy="991870"/>
+          </a:xfrm>
+          <a:prstGeom prst="rect">
+            <a:avLst/>
+          </a:prstGeom>
+          <a:noFill/>
+          <a:extLst>
+            <a:ext uri="{909E8E84-426E-40DD-AFC4-6F175D3DCCD1}">
+              <a14:hiddenFill xmlns:a14="http://schemas.microsoft.com/office/drawing/2010/main">
+                <a:solidFill>
+                  <a:srgbClr val="FFFFFF"/>
+                </a:solidFill>
+              </a14:hiddenFill>
+            </a:ext>
+          </a:extLst>
+        </p:spPr>
+      </p:pic>
+      <p:pic>
+        <p:nvPicPr>
+          <p:cNvPr id="3" name="그림 2">
+            <a:extLst>
+              <a:ext uri="{FF2B5EF4-FFF2-40B4-BE49-F238E27FC236}">
+                <a16:creationId xmlns:a16="http://schemas.microsoft.com/office/drawing/2014/main" id="{A4D27A44-D69E-4821-944D-F396AB457CFE}"/>
+              </a:ext>
+            </a:extLst>
+          </p:cNvPr>
+          <p:cNvPicPr>
+            <a:picLocks noChangeAspect="1"/>
+          </p:cNvPicPr>
+          <p:nvPr/>
+        </p:nvPicPr>
+        <p:blipFill>
+          <a:blip r:embed="rId5"/>
+          <a:stretch>
+            <a:fillRect/>
+          </a:stretch>
+        </p:blipFill>
+        <p:spPr>
+          <a:xfrm>
+            <a:off x="4623435" y="7409180"/>
+            <a:ext cx="1495425" cy="1495425"/>
+          </a:xfrm>
+          <a:prstGeom prst="rect">
+            <a:avLst/>
+          </a:prstGeom>
+        </p:spPr>
+      </p:pic>
+      <p:pic>
+        <p:nvPicPr>
+          <p:cNvPr id="3088" name="Picture 16">
+            <a:extLst>
+              <a:ext uri="{FF2B5EF4-FFF2-40B4-BE49-F238E27FC236}">
+                <a16:creationId xmlns:a16="http://schemas.microsoft.com/office/drawing/2014/main" id="{C8472D9F-DF9F-4EC0-B8C2-61EB9A8098A5}"/>
+              </a:ext>
+            </a:extLst>
+          </p:cNvPr>
+          <p:cNvPicPr>
+            <a:picLocks noChangeAspect="1" noChangeArrowheads="1"/>
+          </p:cNvPicPr>
+          <p:nvPr/>
+        </p:nvPicPr>
+        <p:blipFill>
+          <a:blip r:embed="rId6">
+            <a:extLst>
+              <a:ext uri="{28A0092B-C50C-407E-A947-70E740481C1C}">
+                <a14:useLocalDpi xmlns:a14="http://schemas.microsoft.com/office/drawing/2010/main" val="0"/>
+              </a:ext>
+            </a:extLst>
+          </a:blip>
+          <a:srcRect/>
+          <a:stretch>
+            <a:fillRect/>
+          </a:stretch>
+        </p:blipFill>
+        <p:spPr bwMode="auto">
+          <a:xfrm>
+            <a:off x="12094845" y="7696200"/>
+            <a:ext cx="1292225" cy="917575"/>
+          </a:xfrm>
+          <a:prstGeom prst="rect">
+            <a:avLst/>
+          </a:prstGeom>
+          <a:noFill/>
+          <a:extLst>
+            <a:ext uri="{909E8E84-426E-40DD-AFC4-6F175D3DCCD1}">
+              <a14:hiddenFill xmlns:a14="http://schemas.microsoft.com/office/drawing/2010/main">
+                <a:solidFill>
+                  <a:srgbClr val="FFFFFF"/>
+                </a:solidFill>
+              </a14:hiddenFill>
+            </a:ext>
+          </a:extLst>
+        </p:spPr>
+      </p:pic>
+      <p:grpSp>
+        <p:nvGrpSpPr>
+          <p:cNvPr id="2" name="그룹 1">
+            <a:extLst>
+              <a:ext uri="{FF2B5EF4-FFF2-40B4-BE49-F238E27FC236}">
+                <a16:creationId xmlns:a16="http://schemas.microsoft.com/office/drawing/2014/main" id="{225CFBC5-CCEE-4A65-94A9-350F996A87FF}"/>
+              </a:ext>
+            </a:extLst>
+          </p:cNvPr>
+          <p:cNvGrpSpPr/>
+          <p:nvPr/>
+        </p:nvGrpSpPr>
+        <p:grpSpPr>
+          <a:xfrm>
+            <a:off x="7733665" y="8942705"/>
+            <a:ext cx="3977005" cy="798830"/>
+            <a:chOff x="7733665" y="8942705"/>
+            <a:chExt cx="3977005" cy="798830"/>
+          </a:xfrm>
+        </p:grpSpPr>
+        <p:pic>
+          <p:nvPicPr>
+            <p:cNvPr id="3090" name="Picture 18" descr="C:/Users/admin/AppData/Roaming/PolarisOffice/ETemp/1420_21229216/image26.png"/>
+            <p:cNvPicPr>
+              <a:picLocks noChangeAspect="1"/>
+            </p:cNvPicPr>
+            <p:nvPr/>
+          </p:nvPicPr>
+          <p:blipFill rotWithShape="1">
+            <a:blip r:embed="rId7" cstate="print">
+              <a:extLst>
+                <a:ext uri="{28A0092B-C50C-407E-A947-70E740481C1C}">
+                  <a14:useLocalDpi xmlns:a14="http://schemas.microsoft.com/office/drawing/2010/main" val="0"/>
+                </a:ext>
+              </a:extLst>
+            </a:blip>
+            <a:stretch>
+              <a:fillRect/>
+            </a:stretch>
+          </p:blipFill>
+          <p:spPr bwMode="auto">
+            <a:xfrm>
+              <a:off x="7733665" y="8983345"/>
+              <a:ext cx="1150620" cy="690880"/>
+            </a:xfrm>
+            <a:prstGeom prst="rect">
+              <a:avLst/>
+            </a:prstGeom>
+            <a:noFill/>
+          </p:spPr>
+        </p:pic>
+        <p:pic>
+          <p:nvPicPr>
+            <p:cNvPr id="3092" name="Picture 20" descr="C:/Users/admin/AppData/Roaming/PolarisOffice/ETemp/1420_21229216/image27.png"/>
+            <p:cNvPicPr>
+              <a:picLocks noChangeAspect="1"/>
+            </p:cNvPicPr>
+            <p:nvPr/>
+          </p:nvPicPr>
+          <p:blipFill rotWithShape="1">
+            <a:blip r:embed="rId8" cstate="print">
+              <a:extLst>
+                <a:ext uri="{28A0092B-C50C-407E-A947-70E740481C1C}">
+                  <a14:useLocalDpi xmlns:a14="http://schemas.microsoft.com/office/drawing/2010/main" val="0"/>
+                </a:ext>
+              </a:extLst>
+            </a:blip>
+            <a:stretch>
+              <a:fillRect/>
+            </a:stretch>
+          </p:blipFill>
+          <p:spPr bwMode="auto">
+            <a:xfrm>
+              <a:off x="9228455" y="8942705"/>
+              <a:ext cx="2483485" cy="799465"/>
+            </a:xfrm>
+            <a:prstGeom prst="rect">
+              <a:avLst/>
+            </a:prstGeom>
+            <a:noFill/>
+          </p:spPr>
+        </p:pic>
+      </p:grpSp>
+      <p:sp>
+        <p:nvSpPr>
+          <p:cNvPr id="61" name="직사각형 60">
+            <a:extLst>
+              <a:ext uri="{FF2B5EF4-FFF2-40B4-BE49-F238E27FC236}">
+                <a16:creationId xmlns:a16="http://schemas.microsoft.com/office/drawing/2014/main" id="{6B689C97-F96F-423D-B4E4-85DA56CCE5C0}"/>
+              </a:ext>
+            </a:extLst>
+          </p:cNvPr>
+          <p:cNvSpPr/>
+          <p:nvPr/>
+        </p:nvSpPr>
+        <p:spPr>
+          <a:xfrm>
+            <a:off x="2322830" y="3511550"/>
+            <a:ext cx="1315085" cy="3041650"/>
+          </a:xfrm>
+          <a:prstGeom prst="rect">
+            <a:avLst/>
+          </a:prstGeom>
+          <a:solidFill>
+            <a:srgbClr val="694680"/>
+          </a:solidFill>
+          <a:ln>
+            <a:noFill/>
+          </a:ln>
+        </p:spPr>
+        <p:style>
+          <a:lnRef idx="2">
+            <a:schemeClr val="accent1">
+              <a:shade val="50000"/>
+            </a:schemeClr>
+          </a:lnRef>
+          <a:fillRef idx="1">
+            <a:schemeClr val="accent1"/>
+          </a:fillRef>
+          <a:effectRef idx="0">
+            <a:schemeClr val="accent1"/>
+          </a:effectRef>
+          <a:fontRef idx="minor">
+            <a:schemeClr val="lt1"/>
+          </a:fontRef>
+        </p:style>
+        <p:txBody>
+          <a:bodyPr rtlCol="0" anchor="ctr"/>
+          <a:lstStyle/>
+          <a:p>
+            <a:pPr algn="ctr"/>
+            <a:r>
+              <a:rPr lang="en-US" altLang="ko-KR" sz="2000" dirty="0">
+                <a:effectLst>
+                  <a:outerShdw blurRad="50800" dist="38100" dir="2700000" algn="tl" rotWithShape="0">
+                    <a:prstClr val="black">
+                      <a:alpha val="40000"/>
+                    </a:prstClr>
+                  </a:outerShdw>
+                </a:effectLst>
+                <a:latin typeface="나눔바른고딕" panose="020B0603020101020101" pitchFamily="50" charset="-127"/>
+                <a:ea typeface="나눔바른고딕" panose="020B0603020101020101" pitchFamily="50" charset="-127"/>
+              </a:rPr>
+              <a:t>Router</a:t>
+            </a:r>
+            <a:endParaRPr lang="ko-KR" altLang="en-US" sz="1800" dirty="0">
+              <a:effectLst>
+                <a:outerShdw blurRad="50800" dist="38100" dir="2700000" algn="tl" rotWithShape="0">
+                  <a:prstClr val="black">
+                    <a:alpha val="40000"/>
+                  </a:prstClr>
+                </a:outerShdw>
+              </a:effectLst>
+              <a:latin typeface="나눔바른고딕" panose="020B0603020101020101" pitchFamily="50" charset="-127"/>
+              <a:ea typeface="나눔바른고딕" panose="020B0603020101020101" pitchFamily="50" charset="-127"/>
+            </a:endParaRPr>
+          </a:p>
+        </p:txBody>
+      </p:sp>
+      <p:sp>
+        <p:nvSpPr>
+          <p:cNvPr id="62" name="직사각형 61">
+            <a:extLst>
+              <a:ext uri="{FF2B5EF4-FFF2-40B4-BE49-F238E27FC236}">
+                <a16:creationId xmlns:a16="http://schemas.microsoft.com/office/drawing/2014/main" id="{33A8B5C9-24EB-4715-9F3C-C402526A13DC}"/>
+              </a:ext>
+            </a:extLst>
+          </p:cNvPr>
+          <p:cNvSpPr/>
+          <p:nvPr/>
+        </p:nvSpPr>
+        <p:spPr>
+          <a:xfrm>
+            <a:off x="3759835" y="3511550"/>
+            <a:ext cx="1988820" cy="3041650"/>
+          </a:xfrm>
+          <a:prstGeom prst="rect">
+            <a:avLst/>
+          </a:prstGeom>
+          <a:solidFill>
+            <a:srgbClr val="694680"/>
+          </a:solidFill>
+          <a:ln>
+            <a:noFill/>
+          </a:ln>
+        </p:spPr>
+        <p:style>
+          <a:lnRef idx="2">
+            <a:schemeClr val="accent1">
+              <a:shade val="50000"/>
+            </a:schemeClr>
+          </a:lnRef>
+          <a:fillRef idx="1">
+            <a:schemeClr val="accent1"/>
+          </a:fillRef>
+          <a:effectRef idx="0">
+            <a:schemeClr val="accent1"/>
+          </a:effectRef>
+          <a:fontRef idx="minor">
+            <a:schemeClr val="lt1"/>
+          </a:fontRef>
+        </p:style>
+        <p:txBody>
+          <a:bodyPr rtlCol="0" anchor="ctr"/>
+          <a:lstStyle/>
+          <a:p>
+            <a:pPr algn="ctr"/>
+            <a:r>
+              <a:rPr lang="en-US" altLang="ko-KR" sz="2000" dirty="0">
+                <a:effectLst>
+                  <a:outerShdw blurRad="50800" dist="38100" dir="2700000" algn="tl" rotWithShape="0">
+                    <a:prstClr val="black">
+                      <a:alpha val="40000"/>
+                    </a:prstClr>
+                  </a:outerShdw>
+                </a:effectLst>
+                <a:latin typeface="나눔바른고딕" panose="020B0603020101020101" pitchFamily="50" charset="-127"/>
+                <a:ea typeface="나눔바른고딕" panose="020B0603020101020101" pitchFamily="50" charset="-127"/>
+              </a:rPr>
+              <a:t>Components</a:t>
+            </a:r>
+            <a:endParaRPr lang="ko-KR" altLang="en-US" sz="1800" dirty="0">
+              <a:effectLst>
+                <a:outerShdw blurRad="50800" dist="38100" dir="2700000" algn="tl" rotWithShape="0">
+                  <a:prstClr val="black">
+                    <a:alpha val="40000"/>
+                  </a:prstClr>
+                </a:outerShdw>
+              </a:effectLst>
+              <a:latin typeface="나눔바른고딕" panose="020B0603020101020101" pitchFamily="50" charset="-127"/>
+              <a:ea typeface="나눔바른고딕" panose="020B0603020101020101" pitchFamily="50" charset="-127"/>
+            </a:endParaRPr>
+          </a:p>
+        </p:txBody>
+      </p:sp>
+      <p:sp>
+        <p:nvSpPr>
+          <p:cNvPr id="64" name="직사각형 63">
+            <a:extLst>
+              <a:ext uri="{FF2B5EF4-FFF2-40B4-BE49-F238E27FC236}">
+                <a16:creationId xmlns:a16="http://schemas.microsoft.com/office/drawing/2014/main" id="{F9A2A8A3-F8EC-4303-B235-6B80E39C3F9A}"/>
+              </a:ext>
+            </a:extLst>
+          </p:cNvPr>
+          <p:cNvSpPr/>
+          <p:nvPr/>
+        </p:nvSpPr>
+        <p:spPr>
+          <a:xfrm>
+            <a:off x="5870575" y="3511550"/>
+            <a:ext cx="1369060" cy="3041650"/>
+          </a:xfrm>
+          <a:prstGeom prst="rect">
+            <a:avLst/>
+          </a:prstGeom>
+          <a:solidFill>
+            <a:srgbClr val="694680"/>
+          </a:solidFill>
+          <a:ln>
+            <a:noFill/>
+          </a:ln>
+        </p:spPr>
+        <p:style>
+          <a:lnRef idx="2">
+            <a:schemeClr val="accent1">
+              <a:shade val="50000"/>
+            </a:schemeClr>
+          </a:lnRef>
+          <a:fillRef idx="1">
+            <a:schemeClr val="accent1"/>
+          </a:fillRef>
+          <a:effectRef idx="0">
+            <a:schemeClr val="accent1"/>
+          </a:effectRef>
+          <a:fontRef idx="minor">
+            <a:schemeClr val="lt1"/>
+          </a:fontRef>
+        </p:style>
+        <p:txBody>
+          <a:bodyPr rtlCol="0" anchor="ctr"/>
+          <a:lstStyle/>
+          <a:p>
+            <a:pPr algn="ctr"/>
+            <a:r>
+              <a:rPr lang="en-US" altLang="ko-KR" sz="2000" dirty="0">
+                <a:effectLst>
+                  <a:outerShdw blurRad="50800" dist="38100" dir="2700000" algn="tl" rotWithShape="0">
+                    <a:prstClr val="black">
+                      <a:alpha val="40000"/>
+                    </a:prstClr>
+                  </a:outerShdw>
+                </a:effectLst>
+                <a:latin typeface="나눔바른고딕" panose="020B0603020101020101" pitchFamily="50" charset="-127"/>
+                <a:ea typeface="나눔바른고딕" panose="020B0603020101020101" pitchFamily="50" charset="-127"/>
+              </a:rPr>
+              <a:t>Service</a:t>
+            </a:r>
+            <a:endParaRPr lang="ko-KR" altLang="en-US" sz="1500" dirty="0">
+              <a:effectLst>
+                <a:outerShdw blurRad="50800" dist="38100" dir="2700000" algn="tl" rotWithShape="0">
+                  <a:prstClr val="black">
+                    <a:alpha val="40000"/>
+                  </a:prstClr>
+                </a:outerShdw>
+              </a:effectLst>
+              <a:latin typeface="나눔바른고딕" panose="020B0603020101020101" pitchFamily="50" charset="-127"/>
+              <a:ea typeface="나눔바른고딕" panose="020B0603020101020101" pitchFamily="50" charset="-127"/>
+            </a:endParaRPr>
+          </a:p>
+        </p:txBody>
+      </p:sp>
+      <p:sp>
+        <p:nvSpPr>
+          <p:cNvPr id="65" name="사각형: 둥근 모서리 64">
+            <a:extLst>
+              <a:ext uri="{FF2B5EF4-FFF2-40B4-BE49-F238E27FC236}">
+                <a16:creationId xmlns:a16="http://schemas.microsoft.com/office/drawing/2014/main" id="{CBECE5AA-911B-416A-BA12-942B5E4C6FB8}"/>
+              </a:ext>
+            </a:extLst>
+          </p:cNvPr>
+          <p:cNvSpPr/>
+          <p:nvPr/>
+        </p:nvSpPr>
+        <p:spPr>
+          <a:xfrm>
+            <a:off x="7543800" y="3511550"/>
+            <a:ext cx="1300480" cy="3041650"/>
+          </a:xfrm>
+          <a:prstGeom prst="roundRect">
+            <a:avLst/>
+          </a:prstGeom>
+          <a:noFill/>
+          <a:ln>
+            <a:solidFill>
+              <a:srgbClr val="694680"/>
+            </a:solidFill>
+          </a:ln>
+        </p:spPr>
+        <p:style>
+          <a:lnRef idx="2">
+            <a:schemeClr val="accent1">
+              <a:shade val="50000"/>
+            </a:schemeClr>
+          </a:lnRef>
+          <a:fillRef idx="1">
+            <a:schemeClr val="accent1"/>
+          </a:fillRef>
+          <a:effectRef idx="0">
+            <a:schemeClr val="accent1"/>
+          </a:effectRef>
+          <a:fontRef idx="minor">
+            <a:schemeClr val="lt1"/>
+          </a:fontRef>
+        </p:style>
+        <p:txBody>
+          <a:bodyPr rtlCol="0" anchor="ctr"/>
+          <a:lstStyle/>
+          <a:p>
+            <a:pPr algn="ctr"/>
+            <a:endParaRPr lang="ko-KR" altLang="en-US" dirty="0"/>
+          </a:p>
+        </p:txBody>
+      </p:sp>
+      <p:sp>
+        <p:nvSpPr>
+          <p:cNvPr id="66" name="TextBox 65">
+            <a:extLst>
+              <a:ext uri="{FF2B5EF4-FFF2-40B4-BE49-F238E27FC236}">
+                <a16:creationId xmlns:a16="http://schemas.microsoft.com/office/drawing/2014/main" id="{3A6D657C-8C2E-4F69-BD87-51FF562C7282}"/>
+              </a:ext>
+            </a:extLst>
+          </p:cNvPr>
+          <p:cNvSpPr txBox="1"/>
+          <p:nvPr/>
+        </p:nvSpPr>
+        <p:spPr>
+          <a:xfrm>
+            <a:off x="7742555" y="3311525"/>
+            <a:ext cx="902970" cy="400050"/>
+          </a:xfrm>
+          <a:prstGeom prst="rect">
+            <a:avLst/>
+          </a:prstGeom>
+          <a:solidFill>
+            <a:schemeClr val="bg1"/>
+          </a:solidFill>
+        </p:spPr>
+        <p:txBody>
+          <a:bodyPr wrap="none" rtlCol="0">
+            <a:spAutoFit/>
+          </a:bodyPr>
+          <a:lstStyle/>
+          <a:p>
+            <a:pPr algn="ctr"/>
+            <a:r>
+              <a:rPr lang="en-US" altLang="ko-KR" sz="2000" b="1" dirty="0">
+                <a:solidFill>
+                  <a:srgbClr val="694680"/>
+                </a:solidFill>
+                <a:effectLst>
+                  <a:outerShdw blurRad="38100" dist="38100" dir="2700000" algn="tl">
+                    <a:srgbClr val="000000">
+                      <a:alpha val="43137"/>
+                    </a:srgbClr>
+                  </a:outerShdw>
+                </a:effectLst>
+                <a:latin typeface="나눔바른고딕" panose="020B0603020101020101" pitchFamily="50" charset="-127"/>
+                <a:ea typeface="나눔바른고딕" panose="020B0603020101020101" pitchFamily="50" charset="-127"/>
+              </a:rPr>
+              <a:t>AXIOS</a:t>
+            </a:r>
+            <a:endParaRPr lang="ko-KR" altLang="en-US" sz="2000" b="1" dirty="0">
+              <a:solidFill>
+                <a:srgbClr val="694680"/>
+              </a:solidFill>
+              <a:effectLst>
+                <a:outerShdw blurRad="38100" dist="38100" dir="2700000" algn="tl">
+                  <a:srgbClr val="000000">
+                    <a:alpha val="43137"/>
+                  </a:srgbClr>
+                </a:outerShdw>
+              </a:effectLst>
+              <a:latin typeface="나눔바른고딕" panose="020B0603020101020101" pitchFamily="50" charset="-127"/>
+              <a:ea typeface="나눔바른고딕" panose="020B0603020101020101" pitchFamily="50" charset="-127"/>
+            </a:endParaRPr>
+          </a:p>
+        </p:txBody>
+      </p:sp>
+      <p:sp>
+        <p:nvSpPr>
+          <p:cNvPr id="67" name="TextBox 66">
+            <a:extLst>
+              <a:ext uri="{FF2B5EF4-FFF2-40B4-BE49-F238E27FC236}">
+                <a16:creationId xmlns:a16="http://schemas.microsoft.com/office/drawing/2014/main" id="{3DC7CD06-86B3-492E-AEEE-52FE65B8A947}"/>
+              </a:ext>
+            </a:extLst>
+          </p:cNvPr>
+          <p:cNvSpPr txBox="1"/>
+          <p:nvPr/>
+        </p:nvSpPr>
+        <p:spPr>
+          <a:xfrm>
+            <a:off x="7784465" y="3726815"/>
+            <a:ext cx="827405" cy="400050"/>
+          </a:xfrm>
+          <a:prstGeom prst="rect">
+            <a:avLst/>
+          </a:prstGeom>
+          <a:solidFill>
+            <a:schemeClr val="bg1"/>
+          </a:solidFill>
+        </p:spPr>
+        <p:txBody>
+          <a:bodyPr wrap="none" rtlCol="0">
+            <a:spAutoFit/>
+          </a:bodyPr>
+          <a:lstStyle/>
+          <a:p>
+            <a:pPr algn="ctr"/>
+            <a:r>
+              <a:rPr lang="en-US" altLang="ko-KR" sz="2000" b="1" dirty="0">
+                <a:solidFill>
+                  <a:schemeClr val="accent4">
+                    <a:lumMod val="60000"/>
+                    <a:lumOff val="40000"/>
+                  </a:schemeClr>
+                </a:solidFill>
+                <a:effectLst>
+                  <a:outerShdw blurRad="38100" dist="38100" dir="2700000" algn="tl">
+                    <a:srgbClr val="000000">
+                      <a:alpha val="43137"/>
+                    </a:srgbClr>
+                  </a:outerShdw>
+                </a:effectLst>
+                <a:latin typeface="나눔바른고딕" panose="020B0603020101020101" pitchFamily="50" charset="-127"/>
+                <a:ea typeface="나눔바른고딕" panose="020B0603020101020101" pitchFamily="50" charset="-127"/>
+              </a:rPr>
+              <a:t>HTTP</a:t>
+            </a:r>
+            <a:endParaRPr lang="ko-KR" altLang="en-US" sz="2000" b="1" dirty="0">
+              <a:solidFill>
+                <a:schemeClr val="accent4">
+                  <a:lumMod val="60000"/>
+                  <a:lumOff val="40000"/>
+                </a:schemeClr>
+              </a:solidFill>
+              <a:effectLst>
+                <a:outerShdw blurRad="38100" dist="38100" dir="2700000" algn="tl">
+                  <a:srgbClr val="000000">
+                    <a:alpha val="43137"/>
+                  </a:srgbClr>
+                </a:outerShdw>
+              </a:effectLst>
+              <a:latin typeface="나눔바른고딕" panose="020B0603020101020101" pitchFamily="50" charset="-127"/>
+              <a:ea typeface="나눔바른고딕" panose="020B0603020101020101" pitchFamily="50" charset="-127"/>
+            </a:endParaRPr>
+          </a:p>
+        </p:txBody>
+      </p:sp>
+    </p:spTree>
+    <p:extLst>
+      <p:ext uri="{BB962C8B-B14F-4D97-AF65-F5344CB8AC3E}">
+        <p14:creationId xmlns:p14="http://schemas.microsoft.com/office/powerpoint/2010/main" val="3756853158"/>
+      </p:ext>
+    </p:extLst>
+  </p:cSld>
+  <p:clrMapOvr>
+    <a:masterClrMapping/>
+  </p:clrMapOvr>
+</p:sld>
+</file>
+
+<file path=ppt/slides/slide11.xml><?xml version="1.0" encoding="utf-8"?>
+<p:sld xmlns:a="http://schemas.openxmlformats.org/drawingml/2006/main" xmlns:r="http://schemas.openxmlformats.org/officeDocument/2006/relationships" xmlns:p="http://schemas.openxmlformats.org/presentationml/2006/main">
+  <p:cSld>
+    <p:spTree>
+      <p:nvGrpSpPr>
+        <p:cNvPr id="1" name=""/>
+        <p:cNvGrpSpPr/>
+        <p:nvPr/>
+      </p:nvGrpSpPr>
+      <p:grpSpPr>
+        <a:xfrm>
+          <a:off x="0" y="0"/>
+          <a:ext cx="0" cy="0"/>
+          <a:chOff x="0" y="0"/>
+          <a:chExt cx="0" cy="0"/>
+        </a:xfrm>
+      </p:grpSpPr>
       <p:pic>
         <p:nvPicPr>
           <p:cNvPr id="150" name="Picture "/>
@@ -12646,8 +14904,8 @@
 </p:sld>
 </file>
 
-<file path=ppt/slides/slide11.xml><?xml version="1.0" encoding="utf-8"?>
-<p:sld xmlns:a="http://schemas.openxmlformats.org/drawingml/2006/main" xmlns:r="http://schemas.openxmlformats.org/officeDocument/2006/relationships" xmlns:p="http://schemas.openxmlformats.org/presentationml/2006/main">
+<file path=ppt/slides/slide12.xml><?xml version="1.0" encoding="utf-8"?>
+<p:sld xmlns:a="http://schemas.openxmlformats.org/drawingml/2006/main" xmlns:r="http://schemas.openxmlformats.org/officeDocument/2006/relationships" xmlns:p="http://schemas.openxmlformats.org/presentationml/2006/main" xmlns:p14="http://schemas.microsoft.com/office/powerpoint/2010/main">
   <p:cSld>
     <p:spTree>
       <p:nvGrpSpPr>
@@ -12757,268 +15015,7 @@
       </p:sp>
       <p:pic>
         <p:nvPicPr>
-          <p:cNvPr id="176" name="그림 21"/>
-          <p:cNvPicPr>
-            <a:picLocks noChangeAspect="1"/>
-          </p:cNvPicPr>
-          <p:nvPr/>
-        </p:nvPicPr>
-        <p:blipFill rotWithShape="1">
-          <a:blip r:embed="rId4" cstate="print">
-            <a:extLst>
-              <a:ext uri="{28A0092B-C50C-407E-A947-70E740481C1C}">
-                <a14:useLocalDpi xmlns:a14="http://schemas.microsoft.com/office/drawing/2010/main" val="0"/>
-              </a:ext>
-            </a:extLst>
-          </a:blip>
-          <a:stretch>
-            <a:fillRect/>
-          </a:stretch>
-        </p:blipFill>
-        <p:spPr>
-          <a:xfrm>
-            <a:off x="4349583" y="1856600"/>
-            <a:ext cx="9588832" cy="7920000"/>
-          </a:xfrm>
-          <a:prstGeom prst="rect">
-            <a:avLst/>
-          </a:prstGeom>
-          <a:noFill/>
-          <a:ln w="57150" cap="flat" cmpd="sng">
-            <a:solidFill>
-              <a:srgbClr val="856E95">
-                <a:alpha val="100000"/>
-              </a:srgbClr>
-            </a:solidFill>
-            <a:prstDash val="solid"/>
-            <a:round/>
-          </a:ln>
-        </p:spPr>
-      </p:pic>
-      <p:sp>
-        <p:nvSpPr>
-          <p:cNvPr id="177" name="텍스트 상자 5"/>
-          <p:cNvSpPr txBox="1">
-            <a:spLocks/>
-          </p:cNvSpPr>
-          <p:nvPr/>
-        </p:nvSpPr>
-        <p:spPr>
-          <a:xfrm>
-            <a:off x="4304702" y="486410"/>
-            <a:ext cx="9678595" cy="1692771"/>
-          </a:xfrm>
-          <a:prstGeom prst="rect">
-            <a:avLst/>
-          </a:prstGeom>
-          <a:noFill/>
-          <a:ln w="0">
-            <a:noFill/>
-            <a:prstDash/>
-          </a:ln>
-        </p:spPr>
-        <p:txBody>
-          <a:bodyPr vert="horz" wrap="square" lIns="91440" tIns="45720" rIns="91440" bIns="45720" numCol="1" anchor="t">
-            <a:spAutoFit/>
-          </a:bodyPr>
-          <a:lstStyle/>
-          <a:p>
-            <a:pPr algn="ctr"/>
-            <a:r>
-              <a:rPr lang="ko-KR" sz="5000" b="1" dirty="0">
-                <a:solidFill>
-                  <a:srgbClr val="694680"/>
-                </a:solidFill>
-                <a:latin typeface="나눔바른고딕" charset="0"/>
-                <a:ea typeface="나눔바른고딕" charset="0"/>
-                <a:cs typeface="Impact" charset="0"/>
-              </a:rPr>
-              <a:t>진행상황</a:t>
-            </a:r>
-            <a:r>
-              <a:rPr lang="en-US" altLang="ko-KR" sz="5000" b="1" dirty="0">
-                <a:solidFill>
-                  <a:srgbClr val="694680"/>
-                </a:solidFill>
-                <a:latin typeface="나눔바른고딕" charset="0"/>
-                <a:ea typeface="나눔바른고딕" charset="0"/>
-                <a:cs typeface="Impact" charset="0"/>
-              </a:rPr>
-              <a:t> </a:t>
-            </a:r>
-            <a:r>
-              <a:rPr lang="ko-KR" altLang="ko-KR" sz="4000" b="1" dirty="0">
-                <a:solidFill>
-                  <a:srgbClr val="694680"/>
-                </a:solidFill>
-                <a:latin typeface="나눔바른고딕" charset="0"/>
-                <a:ea typeface="나눔바른고딕" charset="0"/>
-                <a:cs typeface="Impact" charset="0"/>
-              </a:rPr>
-              <a:t>-</a:t>
-            </a:r>
-            <a:r>
-              <a:rPr lang="en-US" altLang="ko-KR" sz="4000" b="1" dirty="0">
-                <a:solidFill>
-                  <a:srgbClr val="694680"/>
-                </a:solidFill>
-                <a:latin typeface="나눔바른고딕" charset="0"/>
-                <a:ea typeface="나눔바른고딕" charset="0"/>
-                <a:cs typeface="Impact" charset="0"/>
-              </a:rPr>
-              <a:t> Entity Relationship Diagram</a:t>
-            </a:r>
-            <a:endParaRPr lang="ko-KR" altLang="en-US" sz="4000" b="1" dirty="0">
-              <a:solidFill>
-                <a:srgbClr val="694680"/>
-              </a:solidFill>
-              <a:latin typeface="나눔바른고딕" charset="0"/>
-              <a:ea typeface="나눔바른고딕" charset="0"/>
-              <a:cs typeface="Impact" charset="0"/>
-            </a:endParaRPr>
-          </a:p>
-          <a:p>
-            <a:pPr marL="0" indent="0" algn="ctr" rtl="0" latinLnBrk="0">
-              <a:spcBef>
-                <a:spcPts val="0"/>
-              </a:spcBef>
-              <a:spcAft>
-                <a:spcPts val="0"/>
-              </a:spcAft>
-              <a:buFontTx/>
-              <a:buNone/>
-            </a:pPr>
-            <a:endParaRPr lang="ko-KR" altLang="en-US" sz="5000" b="1" dirty="0">
-              <a:solidFill>
-                <a:srgbClr val="694680"/>
-              </a:solidFill>
-              <a:latin typeface="나눔바른고딕" charset="0"/>
-              <a:ea typeface="나눔바른고딕" charset="0"/>
-              <a:cs typeface="Impact" charset="0"/>
-            </a:endParaRPr>
-          </a:p>
-        </p:txBody>
-      </p:sp>
-    </p:spTree>
-  </p:cSld>
-  <p:clrMapOvr>
-    <a:masterClrMapping/>
-  </p:clrMapOvr>
-</p:sld>
-</file>
-
-<file path=ppt/slides/slide12.xml><?xml version="1.0" encoding="utf-8"?>
-<p:sld xmlns:a="http://schemas.openxmlformats.org/drawingml/2006/main" xmlns:r="http://schemas.openxmlformats.org/officeDocument/2006/relationships" xmlns:p="http://schemas.openxmlformats.org/presentationml/2006/main">
-  <p:cSld>
-    <p:spTree>
-      <p:nvGrpSpPr>
-        <p:cNvPr id="1" name=""/>
-        <p:cNvGrpSpPr/>
-        <p:nvPr/>
-      </p:nvGrpSpPr>
-      <p:grpSpPr>
-        <a:xfrm>
-          <a:off x="0" y="0"/>
-          <a:ext cx="0" cy="0"/>
-          <a:chOff x="0" y="0"/>
-          <a:chExt cx="0" cy="0"/>
-        </a:xfrm>
-      </p:grpSpPr>
-      <p:pic>
-        <p:nvPicPr>
-          <p:cNvPr id="150" name="Picture "/>
-          <p:cNvPicPr>
-            <a:picLocks/>
-          </p:cNvPicPr>
-          <p:nvPr/>
-        </p:nvPicPr>
-        <p:blipFill rotWithShape="1">
-          <a:blip r:embed="rId3" cstate="hqprint">
-            <a:extLst>
-              <a:ext uri="{28A0092B-C50C-407E-A947-70E740481C1C}">
-                <a14:useLocalDpi xmlns:a14="http://schemas.microsoft.com/office/drawing/2010/main"/>
-              </a:ext>
-            </a:extLst>
-          </a:blip>
-          <a:stretch>
-            <a:fillRect/>
-          </a:stretch>
-        </p:blipFill>
-        <p:spPr>
-          <a:xfrm>
-            <a:off x="1435100" y="1524000"/>
-            <a:ext cx="15093315" cy="48260"/>
-          </a:xfrm>
-          <a:prstGeom prst="rect">
-            <a:avLst/>
-          </a:prstGeom>
-          <a:noFill/>
-          <a:ln w="0">
-            <a:noFill/>
-            <a:prstDash/>
-          </a:ln>
-        </p:spPr>
-      </p:pic>
-      <p:sp>
-        <p:nvSpPr>
-          <p:cNvPr id="175" name="Rect 0"/>
-          <p:cNvSpPr>
-            <a:spLocks/>
-          </p:cNvSpPr>
-          <p:nvPr/>
-        </p:nvSpPr>
-        <p:spPr>
-          <a:xfrm>
-            <a:off x="349250" y="238125"/>
-            <a:ext cx="17623155" cy="9822815"/>
-          </a:xfrm>
-          <a:prstGeom prst="rect">
-            <a:avLst/>
-          </a:prstGeom>
-          <a:noFill/>
-          <a:ln w="57150" cap="flat" cmpd="sng">
-            <a:solidFill>
-              <a:srgbClr val="694680">
-                <a:alpha val="100000"/>
-              </a:srgbClr>
-            </a:solidFill>
-            <a:prstDash val="solid"/>
-            <a:round/>
-          </a:ln>
-        </p:spPr>
-        <p:style>
-          <a:lnRef idx="2">
-            <a:schemeClr val="accent1">
-              <a:shade val="50000"/>
-            </a:schemeClr>
-          </a:lnRef>
-          <a:fillRef idx="1">
-            <a:schemeClr val="accent1"/>
-          </a:fillRef>
-          <a:effectRef idx="0">
-            <a:schemeClr val="accent1"/>
-          </a:effectRef>
-          <a:fontRef idx="minor">
-            <a:schemeClr val="lt1"/>
-          </a:fontRef>
-        </p:style>
-        <p:txBody>
-          <a:bodyPr vert="horz" wrap="square" lIns="91440" tIns="45720" rIns="91440" bIns="45720" numCol="1" anchor="ctr">
-            <a:noAutofit/>
-          </a:bodyPr>
-          <a:lstStyle/>
-          <a:p>
-            <a:pPr marL="0" indent="0" algn="ctr" latinLnBrk="0" hangingPunct="1"/>
-            <a:endParaRPr lang="ko-KR" altLang="en-US" sz="1800">
-              <a:latin typeface="맑은 고딕" charset="0"/>
-              <a:ea typeface="맑은 고딕" charset="0"/>
-            </a:endParaRPr>
-          </a:p>
-        </p:txBody>
-      </p:sp>
-      <p:pic>
-        <p:nvPicPr>
-          <p:cNvPr id="176" name="그림 25" descr="C:/Users/admin/AppData/Roaming/PolarisOffice/ETemp/6996_21356776/fImage90113306962.png"/>
+          <p:cNvPr id="176" name="그림 25"/>
           <p:cNvPicPr>
             <a:picLocks noChangeAspect="1"/>
           </p:cNvPicPr>
@@ -13038,7 +15035,7 @@
         </p:blipFill>
         <p:spPr>
           <a:xfrm>
-            <a:off x="2152239" y="2341245"/>
+            <a:off x="2152015" y="2341245"/>
             <a:ext cx="6001385" cy="6950710"/>
           </a:xfrm>
           <a:prstGeom prst="rect">
@@ -13066,8 +15063,8 @@
         </p:nvSpPr>
         <p:spPr>
           <a:xfrm>
-            <a:off x="9213327" y="2038731"/>
-            <a:ext cx="7714689" cy="7355860"/>
+            <a:off x="9213215" y="2038985"/>
+            <a:ext cx="7714615" cy="7355840"/>
           </a:xfrm>
           <a:prstGeom prst="rect">
             <a:avLst/>
@@ -13597,6 +15594,21 @@
   <p:clrMapOvr>
     <a:masterClrMapping/>
   </p:clrMapOvr>
+  <mc:AlternateContent xmlns:mc="http://schemas.openxmlformats.org/markup-compatibility/2006">
+    <mc:Choice xmlns:p14="http://schemas.microsoft.com/office/powerpoint/2010/main" Requires="p14">
+      <p:transition spd="slow" p14:dur="2000"/>
+    </mc:Choice>
+    <mc:Fallback>
+      <p:transition spd="slow"/>
+    </mc:Fallback>
+  </mc:AlternateContent>
+  <p:timing>
+    <p:tnLst>
+      <p:par>
+        <p:cTn id="1" dur="indefinite" restart="never" nodeType="tmRoot"/>
+      </p:par>
+    </p:tnLst>
+  </p:timing>
 </p:sld>
 </file>
 
@@ -15108,7 +17120,7 @@
 </file>
 
 <file path=ppt/slides/slide3.xml><?xml version="1.0" encoding="utf-8"?>
-<p:sld xmlns:a="http://schemas.openxmlformats.org/drawingml/2006/main" xmlns:r="http://schemas.openxmlformats.org/officeDocument/2006/relationships" xmlns:p="http://schemas.openxmlformats.org/presentationml/2006/main">
+<p:sld xmlns:a="http://schemas.openxmlformats.org/drawingml/2006/main" xmlns:r="http://schemas.openxmlformats.org/officeDocument/2006/relationships" xmlns:p="http://schemas.openxmlformats.org/presentationml/2006/main" xmlns:p14="http://schemas.microsoft.com/office/powerpoint/2010/main">
   <p:cSld>
     <p:spTree>
       <p:nvGrpSpPr>
@@ -15133,13 +17145,11 @@
           <p:nvPr/>
         </p:nvSpPr>
         <p:spPr>
-          <a:xfrm>
-            <a:off x="8253891" y="2373630"/>
-            <a:ext cx="2336800" cy="6736715"/>
+          <a:xfrm rot="0">
+            <a:off x="8315960" y="1604010"/>
+            <a:ext cx="2337435" cy="8674100"/>
           </a:xfrm>
-          <a:prstGeom prst="rect">
-            <a:avLst/>
-          </a:prstGeom>
+          <a:prstGeom prst="rect"/>
           <a:noFill/>
           <a:ln w="0">
             <a:noFill/>
@@ -15147,7 +17157,7 @@
           </a:ln>
         </p:spPr>
         <p:txBody>
-          <a:bodyPr vert="horz" wrap="square" lIns="91440" tIns="45720" rIns="91440" bIns="45720" numCol="1" anchor="ctr">
+          <a:bodyPr wrap="square" lIns="91440" tIns="45720" rIns="91440" bIns="45720" numCol="1" vert="horz" anchor="ctr">
             <a:spAutoFit/>
           </a:bodyPr>
           <a:lstStyle/>
@@ -15160,7 +17170,7 @@
               <a:buNone/>
             </a:pPr>
             <a:r>
-              <a:rPr lang="en-US" sz="3600" b="1" dirty="0" err="1">
+              <a:rPr lang="en-US" sz="3600" b="1">
                 <a:solidFill>
                   <a:srgbClr val="694680"/>
                 </a:solidFill>
@@ -15169,7 +17179,7 @@
               </a:rPr>
               <a:t>개발배경</a:t>
             </a:r>
-            <a:endParaRPr lang="ko-KR" altLang="en-US" sz="3600" b="1" dirty="0">
+            <a:endParaRPr lang="ko-KR" altLang="en-US" sz="3600" b="1">
               <a:solidFill>
                 <a:srgbClr val="694680"/>
               </a:solidFill>
@@ -15186,7 +17196,7 @@
               <a:buNone/>
             </a:pPr>
             <a:r>
-              <a:rPr lang="en-US" sz="3600" b="1" dirty="0" err="1">
+              <a:rPr lang="en-US" sz="3600" b="1">
                 <a:solidFill>
                   <a:srgbClr val="694680"/>
                 </a:solidFill>
@@ -15195,7 +17205,7 @@
               </a:rPr>
               <a:t>구축방향</a:t>
             </a:r>
-            <a:endParaRPr lang="ko-KR" altLang="en-US" sz="3600" b="1" dirty="0">
+            <a:endParaRPr lang="ko-KR" altLang="en-US" sz="3600" b="1">
               <a:solidFill>
                 <a:srgbClr val="694680"/>
               </a:solidFill>
@@ -15212,7 +17222,7 @@
               <a:buNone/>
             </a:pPr>
             <a:r>
-              <a:rPr lang="en-US" sz="3600" b="1" dirty="0" err="1">
+              <a:rPr lang="en-US" sz="3600" b="1">
                 <a:solidFill>
                   <a:srgbClr val="694680"/>
                 </a:solidFill>
@@ -15221,7 +17231,7 @@
               </a:rPr>
               <a:t>서비스구성</a:t>
             </a:r>
-            <a:endParaRPr lang="ko-KR" altLang="en-US" sz="3600" b="1" dirty="0">
+            <a:endParaRPr lang="ko-KR" altLang="en-US" sz="3600" b="1">
               <a:solidFill>
                 <a:srgbClr val="694680"/>
               </a:solidFill>
@@ -15238,16 +17248,16 @@
               <a:buNone/>
             </a:pPr>
             <a:r>
-              <a:rPr lang="en-US" sz="3600" b="1" dirty="0" err="1">
+              <a:rPr lang="en-US" sz="3600" b="1">
                 <a:solidFill>
                   <a:srgbClr val="694680"/>
                 </a:solidFill>
                 <a:latin typeface="나눔바른고딕" charset="0"/>
                 <a:ea typeface="나눔바른고딕" charset="0"/>
               </a:rPr>
-              <a:t>적용기술</a:t>
-            </a:r>
-            <a:endParaRPr lang="ko-KR" altLang="en-US" sz="3600" b="1" dirty="0">
+              <a:t>화면 흐름</a:t>
+            </a:r>
+            <a:endParaRPr lang="ko-KR" altLang="en-US" sz="3600" b="1">
               <a:solidFill>
                 <a:srgbClr val="694680"/>
               </a:solidFill>
@@ -15264,36 +17274,16 @@
               <a:buNone/>
             </a:pPr>
             <a:r>
-              <a:rPr lang="en-US" sz="3600" b="1" dirty="0" err="1">
+              <a:rPr lang="en-US" sz="3600" b="1">
                 <a:solidFill>
                   <a:srgbClr val="694680"/>
                 </a:solidFill>
                 <a:latin typeface="나눔바른고딕" charset="0"/>
                 <a:ea typeface="나눔바른고딕" charset="0"/>
               </a:rPr>
-              <a:t>협업</a:t>
-            </a:r>
-            <a:r>
-              <a:rPr lang="en-US" sz="3600" b="1" dirty="0">
-                <a:solidFill>
-                  <a:srgbClr val="694680"/>
-                </a:solidFill>
-                <a:latin typeface="나눔바른고딕" charset="0"/>
-                <a:ea typeface="나눔바른고딕" charset="0"/>
-              </a:rPr>
-              <a:t> </a:t>
-            </a:r>
-            <a:r>
-              <a:rPr lang="en-US" sz="3600" b="1" dirty="0" err="1">
-                <a:solidFill>
-                  <a:srgbClr val="694680"/>
-                </a:solidFill>
-                <a:latin typeface="나눔바른고딕" charset="0"/>
-                <a:ea typeface="나눔바른고딕" charset="0"/>
-              </a:rPr>
-              <a:t>방식</a:t>
-            </a:r>
-            <a:endParaRPr lang="ko-KR" altLang="en-US" sz="3600" b="1" dirty="0">
+              <a:t>적용기술</a:t>
+            </a:r>
+            <a:endParaRPr lang="ko-KR" altLang="en-US" sz="3600" b="1">
               <a:solidFill>
                 <a:srgbClr val="694680"/>
               </a:solidFill>
@@ -15310,16 +17300,16 @@
               <a:buNone/>
             </a:pPr>
             <a:r>
-              <a:rPr lang="en-US" sz="3600" b="1" dirty="0">
+              <a:rPr lang="en-US" sz="3600" b="1">
                 <a:solidFill>
                   <a:srgbClr val="694680"/>
                 </a:solidFill>
                 <a:latin typeface="나눔바른고딕" charset="0"/>
                 <a:ea typeface="나눔바른고딕" charset="0"/>
               </a:rPr>
-              <a:t>ERD</a:t>
-            </a:r>
-            <a:endParaRPr lang="ko-KR" altLang="en-US" sz="3600" b="1" dirty="0">
+              <a:t>진행상황</a:t>
+            </a:r>
+            <a:endParaRPr lang="ko-KR" altLang="en-US" sz="3600" b="1">
               <a:solidFill>
                 <a:srgbClr val="694680"/>
               </a:solidFill>
@@ -15336,16 +17326,26 @@
               <a:buNone/>
             </a:pPr>
             <a:r>
-              <a:rPr lang="en-US" sz="3600" b="1" dirty="0">
+              <a:rPr lang="en-US" sz="3600" b="1">
                 <a:solidFill>
                   <a:srgbClr val="694680"/>
                 </a:solidFill>
                 <a:latin typeface="나눔바른고딕" charset="0"/>
                 <a:ea typeface="나눔바른고딕" charset="0"/>
               </a:rPr>
-              <a:t>SPM</a:t>
-            </a:r>
-            <a:endParaRPr lang="ko-KR" altLang="en-US" sz="3600" b="1" dirty="0">
+              <a:t>   </a:t>
+            </a:r>
+            <a:r>
+              <a:rPr lang="en-US" sz="2800" b="1">
+                <a:solidFill>
+                  <a:srgbClr val="694680"/>
+                </a:solidFill>
+                <a:latin typeface="나눔바른고딕" charset="0"/>
+                <a:ea typeface="나눔바른고딕" charset="0"/>
+              </a:rPr>
+              <a:t>-협업 방식</a:t>
+            </a:r>
+            <a:endParaRPr lang="ko-KR" altLang="en-US" sz="2800" b="1">
               <a:solidFill>
                 <a:srgbClr val="694680"/>
               </a:solidFill>
@@ -15362,16 +17362,84 @@
               <a:buNone/>
             </a:pPr>
             <a:r>
-              <a:rPr lang="en-US" sz="3600" b="1" dirty="0" err="1">
+              <a:rPr lang="en-US" sz="2800" b="1">
                 <a:solidFill>
                   <a:srgbClr val="694680"/>
                 </a:solidFill>
                 <a:latin typeface="나눔바른고딕" charset="0"/>
                 <a:ea typeface="나눔바른고딕" charset="0"/>
               </a:rPr>
-              <a:t>진행상황</a:t>
-            </a:r>
-            <a:endParaRPr lang="ko-KR" altLang="en-US" sz="3600" b="1" dirty="0">
+              <a:t>    -ERD</a:t>
+            </a:r>
+            <a:endParaRPr lang="ko-KR" altLang="en-US" sz="2800" b="1">
+              <a:solidFill>
+                <a:srgbClr val="694680"/>
+              </a:solidFill>
+              <a:latin typeface="나눔바른고딕" charset="0"/>
+              <a:ea typeface="나눔바른고딕" charset="0"/>
+            </a:endParaRPr>
+          </a:p>
+          <a:p>
+            <a:pPr marL="0" indent="0" latinLnBrk="0">
+              <a:lnSpc>
+                <a:spcPct val="150000"/>
+              </a:lnSpc>
+              <a:buFontTx/>
+              <a:buNone/>
+            </a:pPr>
+            <a:r>
+              <a:rPr lang="en-US" sz="2800" b="1">
+                <a:solidFill>
+                  <a:srgbClr val="694680"/>
+                </a:solidFill>
+                <a:latin typeface="나눔바른고딕" charset="0"/>
+                <a:ea typeface="나눔바른고딕" charset="0"/>
+              </a:rPr>
+              <a:t>    -SPM</a:t>
+            </a:r>
+            <a:endParaRPr lang="ko-KR" altLang="en-US" sz="2800" b="1">
+              <a:solidFill>
+                <a:srgbClr val="694680"/>
+              </a:solidFill>
+              <a:latin typeface="나눔바른고딕" charset="0"/>
+              <a:ea typeface="나눔바른고딕" charset="0"/>
+            </a:endParaRPr>
+          </a:p>
+          <a:p>
+            <a:pPr marL="0" indent="0" latinLnBrk="0">
+              <a:lnSpc>
+                <a:spcPct val="150000"/>
+              </a:lnSpc>
+              <a:buFontTx/>
+              <a:buNone/>
+            </a:pPr>
+            <a:r>
+              <a:rPr lang="en-US" sz="2800" b="1">
+                <a:solidFill>
+                  <a:srgbClr val="694680"/>
+                </a:solidFill>
+                <a:latin typeface="나눔바른고딕" charset="0"/>
+                <a:ea typeface="나눔바른고딕" charset="0"/>
+              </a:rPr>
+              <a:t>    -WBS</a:t>
+            </a:r>
+            <a:endParaRPr lang="ko-KR" altLang="en-US" sz="2800" b="1">
+              <a:solidFill>
+                <a:srgbClr val="694680"/>
+              </a:solidFill>
+              <a:latin typeface="나눔바른고딕" charset="0"/>
+              <a:ea typeface="나눔바른고딕" charset="0"/>
+            </a:endParaRPr>
+          </a:p>
+          <a:p>
+            <a:pPr marL="0" indent="0" latinLnBrk="0">
+              <a:lnSpc>
+                <a:spcPct val="150000"/>
+              </a:lnSpc>
+              <a:buFontTx/>
+              <a:buNone/>
+            </a:pPr>
+            <a:endParaRPr lang="ko-KR" altLang="en-US" sz="3600" b="1">
               <a:solidFill>
                 <a:srgbClr val="694680"/>
               </a:solidFill>
@@ -15391,7 +17459,7 @@
         </p:nvSpPr>
         <p:spPr>
           <a:xfrm>
-            <a:off x="6015672" y="410845"/>
+            <a:off x="6015355" y="410845"/>
             <a:ext cx="6256655" cy="861695"/>
           </a:xfrm>
           <a:prstGeom prst="rect">
@@ -15508,7 +17576,7 @@
         </p:nvSpPr>
         <p:spPr>
           <a:xfrm>
-            <a:off x="1163319" y="1357630"/>
+            <a:off x="1163320" y="1357630"/>
             <a:ext cx="15961360" cy="47625"/>
           </a:xfrm>
           <a:prstGeom prst="rect">
@@ -15561,13 +17629,11 @@
           <p:nvPr/>
         </p:nvSpPr>
         <p:spPr>
-          <a:xfrm flipH="1">
-            <a:off x="7912841" y="2256154"/>
-            <a:ext cx="91440" cy="6971665"/>
+          <a:xfrm rot="0" flipH="1">
+            <a:off x="7912735" y="1806575"/>
+            <a:ext cx="52705" cy="7552690"/>
           </a:xfrm>
-          <a:prstGeom prst="rect">
-            <a:avLst/>
-          </a:prstGeom>
+          <a:prstGeom prst="rect"/>
           <a:solidFill>
             <a:srgbClr val="694680"/>
           </a:solidFill>
@@ -15593,7 +17659,7 @@
           </a:fontRef>
         </p:style>
         <p:txBody>
-          <a:bodyPr vert="horz" wrap="square" lIns="91440" tIns="45720" rIns="91440" bIns="45720" numCol="1" anchor="ctr">
+          <a:bodyPr wrap="square" lIns="91440" tIns="45720" rIns="91440" bIns="45720" numCol="1" vert="horz" anchor="ctr">
             <a:noAutofit/>
           </a:bodyPr>
           <a:lstStyle/>
@@ -15616,6 +17682,21 @@
   <p:clrMapOvr>
     <a:masterClrMapping/>
   </p:clrMapOvr>
+  <mc:AlternateContent xmlns:mc="http://schemas.openxmlformats.org/markup-compatibility/2006">
+    <mc:Choice xmlns:p14="http://schemas.microsoft.com/office/powerpoint/2010/main" Requires="p14">
+      <p:transition spd="slow" p14:dur="2000"/>
+    </mc:Choice>
+    <mc:Fallback>
+      <p:transition spd="slow"/>
+    </mc:Fallback>
+  </mc:AlternateContent>
+  <p:timing>
+    <p:tnLst>
+      <p:par>
+        <p:cTn id="1" dur="indefinite" restart="never" nodeType="tmRoot"/>
+      </p:par>
+    </p:tnLst>
+  </p:timing>
 </p:sld>
 </file>
 
@@ -21552,7 +23633,7 @@
 </p:sld>
 </file>
 
-<file path=ppt/slides/slide8.xml><?xml version="1.0" encoding="utf-8"?>
+<file path=ppt/slides/slide9.xml><?xml version="1.0" encoding="utf-8"?>
 <p:sld xmlns:a="http://schemas.openxmlformats.org/drawingml/2006/main" xmlns:r="http://schemas.openxmlformats.org/officeDocument/2006/relationships" xmlns:p="http://schemas.openxmlformats.org/presentationml/2006/main">
   <p:cSld>
     <p:bg>
@@ -21560,7 +23641,6 @@
         <a:solidFill>
           <a:srgbClr val="694680"/>
         </a:solidFill>
-        <a:effectLst/>
       </p:bgPr>
     </p:bg>
     <p:spTree>
@@ -21586,13 +23666,11 @@
           <p:nvPr/>
         </p:nvSpPr>
         <p:spPr>
-          <a:xfrm>
-            <a:off x="6014084" y="414647"/>
-            <a:ext cx="6256655" cy="861695"/>
+          <a:xfrm rot="0">
+            <a:off x="7630160" y="375285"/>
+            <a:ext cx="3022600" cy="861060"/>
           </a:xfrm>
-          <a:prstGeom prst="rect">
-            <a:avLst/>
-          </a:prstGeom>
+          <a:prstGeom prst="rect"/>
           <a:noFill/>
           <a:ln w="0">
             <a:noFill/>
@@ -21600,12 +23678,12 @@
           </a:ln>
         </p:spPr>
         <p:txBody>
-          <a:bodyPr vert="horz" wrap="square" lIns="91440" tIns="45720" rIns="91440" bIns="45720" numCol="1" anchor="t">
+          <a:bodyPr wrap="square" lIns="91440" tIns="45720" rIns="91440" bIns="45720" numCol="1" vert="horz" anchor="t">
             <a:spAutoFit/>
           </a:bodyPr>
           <a:lstStyle/>
           <a:p>
-            <a:pPr marL="0" indent="0" algn="ctr" rtl="0" latinLnBrk="0">
+            <a:pPr marL="0" indent="0" rtl="0" algn="ctr" latinLnBrk="0">
               <a:spcBef>
                 <a:spcPts val="0"/>
               </a:spcBef>
@@ -21616,7 +23694,7 @@
               <a:buNone/>
             </a:pPr>
             <a:r>
-              <a:rPr lang="en-US" sz="5000" b="1" dirty="0" err="1">
+              <a:rPr lang="en-US" sz="5000" b="1">
                 <a:solidFill>
                   <a:schemeClr val="bg1"/>
                 </a:solidFill>
@@ -21624,31 +23702,9 @@
                 <a:ea typeface="나눔바른고딕" charset="0"/>
                 <a:cs typeface="Impact" charset="0"/>
               </a:rPr>
-              <a:t>서비스</a:t>
-            </a:r>
-            <a:r>
-              <a:rPr lang="en-US" sz="5000" b="1" dirty="0">
-                <a:solidFill>
-                  <a:schemeClr val="bg1"/>
-                </a:solidFill>
-                <a:latin typeface="나눔바른고딕" charset="0"/>
-                <a:ea typeface="나눔바른고딕" charset="0"/>
-                <a:cs typeface="Impact" charset="0"/>
-              </a:rPr>
-              <a:t> </a:t>
-            </a:r>
-            <a:r>
-              <a:rPr lang="en-US" sz="5000" b="1" dirty="0" err="1">
-                <a:solidFill>
-                  <a:schemeClr val="bg1"/>
-                </a:solidFill>
-                <a:latin typeface="나눔바른고딕" charset="0"/>
-                <a:ea typeface="나눔바른고딕" charset="0"/>
-                <a:cs typeface="Impact" charset="0"/>
-              </a:rPr>
-              <a:t>구성</a:t>
-            </a:r>
-            <a:endParaRPr lang="ko-KR" altLang="en-US" sz="5000" b="1" dirty="0">
+              <a:t>화면 흐름</a:t>
+            </a:r>
+            <a:endParaRPr lang="ko-KR" altLang="en-US" sz="5000" b="1">
               <a:solidFill>
                 <a:schemeClr val="bg1"/>
               </a:solidFill>
@@ -21668,13 +23724,11 @@
           <p:nvPr/>
         </p:nvSpPr>
         <p:spPr>
-          <a:xfrm>
+          <a:xfrm rot="0">
             <a:off x="349250" y="238125"/>
-            <a:ext cx="17622520" cy="9822180"/>
+            <a:ext cx="17623155" cy="9822815"/>
           </a:xfrm>
-          <a:prstGeom prst="rect">
-            <a:avLst/>
-          </a:prstGeom>
+          <a:prstGeom prst="rect"/>
           <a:noFill/>
           <a:ln w="57150" cap="flat" cmpd="sng">
             <a:solidFill>
@@ -21703,7 +23757,7 @@
           </a:fontRef>
         </p:style>
         <p:txBody>
-          <a:bodyPr vert="horz" wrap="square" lIns="91440" tIns="45720" rIns="91440" bIns="45720" numCol="1" anchor="ctr">
+          <a:bodyPr wrap="square" lIns="91440" tIns="45720" rIns="91440" bIns="45720" numCol="1" vert="horz" anchor="ctr">
             <a:noAutofit/>
           </a:bodyPr>
           <a:lstStyle/>
@@ -21716,369 +23770,44 @@
           </a:p>
         </p:txBody>
       </p:sp>
-      <p:sp>
-        <p:nvSpPr>
-          <p:cNvPr id="176" name="Rect 0"/>
-          <p:cNvSpPr txBox="1">
-            <a:spLocks/>
-          </p:cNvSpPr>
+      <p:pic>
+        <p:nvPicPr>
+          <p:cNvPr id="198" name="Picture " descr="C:/Users/admin/AppData/Roaming/PolarisOffice/ETemp/13944_14071096/image21.png"/>
+          <p:cNvPicPr>
+            <a:picLocks/>
+          </p:cNvPicPr>
           <p:nvPr/>
-        </p:nvSpPr>
+        </p:nvPicPr>
+        <p:blipFill rotWithShape="1">
+          <a:blip r:embed="rId2" cstate="hqprint">
+            <a:extLst>
+              <a:ext uri="{28A0092B-C50C-407E-A947-70E740481C1C}">
+                <a14:useLocalDpi xmlns:a14="http://schemas.microsoft.com/office/drawing/2010/main"/>
+              </a:ext>
+            </a:extLst>
+          </a:blip>
+          <a:stretch>
+            <a:fillRect/>
+          </a:stretch>
+        </p:blipFill>
         <p:spPr>
-          <a:xfrm>
-            <a:off x="2528232" y="2387140"/>
-            <a:ext cx="5276215" cy="754053"/>
+          <a:xfrm rot="0">
+            <a:off x="2124710" y="6215380"/>
+            <a:ext cx="6478270" cy="48895"/>
           </a:xfrm>
-          <a:prstGeom prst="rect">
-            <a:avLst/>
-          </a:prstGeom>
+          <a:prstGeom prst="rect"/>
           <a:noFill/>
           <a:ln w="0">
             <a:noFill/>
             <a:prstDash/>
           </a:ln>
         </p:spPr>
-        <p:txBody>
-          <a:bodyPr vert="horz" wrap="square" lIns="91440" tIns="45720" rIns="91440" bIns="45720" numCol="1" anchor="t">
-            <a:spAutoFit/>
-          </a:bodyPr>
-          <a:lstStyle/>
-          <a:p>
-            <a:pPr marL="0" indent="0" algn="ctr" rtl="0" latinLnBrk="0">
-              <a:spcBef>
-                <a:spcPts val="0"/>
-              </a:spcBef>
-              <a:spcAft>
-                <a:spcPts val="0"/>
-              </a:spcAft>
-              <a:buFontTx/>
-              <a:buNone/>
-            </a:pPr>
-            <a:r>
-              <a:rPr lang="en-US" sz="4300" b="1" dirty="0" err="1">
-                <a:solidFill>
-                  <a:schemeClr val="bg1"/>
-                </a:solidFill>
-                <a:latin typeface="나눔바른고딕" charset="0"/>
-                <a:ea typeface="나눔바른고딕" charset="0"/>
-                <a:cs typeface="Impact" charset="0"/>
-              </a:rPr>
-              <a:t>패션</a:t>
-            </a:r>
-            <a:r>
-              <a:rPr lang="en-US" sz="4300" b="1" dirty="0">
-                <a:solidFill>
-                  <a:schemeClr val="bg1"/>
-                </a:solidFill>
-                <a:latin typeface="나눔바른고딕" charset="0"/>
-                <a:ea typeface="나눔바른고딕" charset="0"/>
-                <a:cs typeface="Impact" charset="0"/>
-              </a:rPr>
-              <a:t> </a:t>
-            </a:r>
-            <a:r>
-              <a:rPr lang="en-US" sz="4300" b="1" dirty="0" err="1">
-                <a:solidFill>
-                  <a:schemeClr val="bg1"/>
-                </a:solidFill>
-                <a:latin typeface="나눔바른고딕" charset="0"/>
-                <a:ea typeface="나눔바른고딕" charset="0"/>
-                <a:cs typeface="Impact" charset="0"/>
-              </a:rPr>
-              <a:t>센스</a:t>
-            </a:r>
-            <a:r>
-              <a:rPr lang="en-US" sz="4300" b="1" dirty="0">
-                <a:solidFill>
-                  <a:schemeClr val="bg1"/>
-                </a:solidFill>
-                <a:latin typeface="나눔바른고딕" charset="0"/>
-                <a:ea typeface="나눔바른고딕" charset="0"/>
-                <a:cs typeface="Impact" charset="0"/>
-              </a:rPr>
-              <a:t> </a:t>
-            </a:r>
-            <a:r>
-              <a:rPr lang="en-US" sz="4300" b="1" dirty="0" err="1">
-                <a:solidFill>
-                  <a:schemeClr val="bg1"/>
-                </a:solidFill>
-                <a:latin typeface="나눔바른고딕" charset="0"/>
-                <a:ea typeface="나눔바른고딕" charset="0"/>
-                <a:cs typeface="Impact" charset="0"/>
-              </a:rPr>
-              <a:t>피드백</a:t>
-            </a:r>
-            <a:endParaRPr lang="ko-KR" altLang="en-US" sz="4300" b="1" dirty="0">
-              <a:solidFill>
-                <a:schemeClr val="bg1"/>
-              </a:solidFill>
-              <a:latin typeface="나눔바른고딕" charset="0"/>
-              <a:ea typeface="나눔바른고딕" charset="0"/>
-              <a:cs typeface="Impact" charset="0"/>
-            </a:endParaRPr>
-          </a:p>
-        </p:txBody>
-      </p:sp>
-      <p:sp>
-        <p:nvSpPr>
-          <p:cNvPr id="177" name="Rect 0"/>
-          <p:cNvSpPr txBox="1">
-            <a:spLocks/>
-          </p:cNvSpPr>
-          <p:nvPr/>
-        </p:nvSpPr>
-        <p:spPr>
-          <a:xfrm>
-            <a:off x="2341245" y="3371324"/>
-            <a:ext cx="5862613" cy="984885"/>
-          </a:xfrm>
-          <a:prstGeom prst="rect">
-            <a:avLst/>
-          </a:prstGeom>
-          <a:noFill/>
-          <a:ln w="0">
-            <a:noFill/>
-            <a:prstDash/>
-          </a:ln>
-        </p:spPr>
-        <p:txBody>
-          <a:bodyPr vert="horz" wrap="square" lIns="91440" tIns="45720" rIns="91440" bIns="45720" numCol="1" anchor="t">
-            <a:spAutoFit/>
-          </a:bodyPr>
-          <a:lstStyle/>
-          <a:p>
-            <a:pPr marL="254000" indent="-254000" algn="l" rtl="0" latinLnBrk="0">
-              <a:spcBef>
-                <a:spcPts val="0"/>
-              </a:spcBef>
-              <a:spcAft>
-                <a:spcPts val="0"/>
-              </a:spcAft>
-              <a:buFont typeface="Wingdings"/>
-              <a:buChar char=""/>
-            </a:pPr>
-            <a:r>
-              <a:rPr lang="en-US" sz="2900" dirty="0" err="1">
-                <a:solidFill>
-                  <a:schemeClr val="bg1"/>
-                </a:solidFill>
-                <a:latin typeface="나눔바른고딕" charset="0"/>
-                <a:ea typeface="나눔바른고딕" charset="0"/>
-                <a:cs typeface="Impact" charset="0"/>
-              </a:rPr>
-              <a:t>유저가</a:t>
-            </a:r>
-            <a:r>
-              <a:rPr lang="en-US" sz="2900" dirty="0">
-                <a:solidFill>
-                  <a:schemeClr val="bg1"/>
-                </a:solidFill>
-                <a:latin typeface="나눔바른고딕" charset="0"/>
-                <a:ea typeface="나눔바른고딕" charset="0"/>
-                <a:cs typeface="Impact" charset="0"/>
-              </a:rPr>
-              <a:t> </a:t>
-            </a:r>
-            <a:r>
-              <a:rPr lang="en-US" sz="2900" dirty="0" err="1">
-                <a:solidFill>
-                  <a:schemeClr val="bg1"/>
-                </a:solidFill>
-                <a:latin typeface="나눔바른고딕" charset="0"/>
-                <a:ea typeface="나눔바른고딕" charset="0"/>
-                <a:cs typeface="Impact" charset="0"/>
-              </a:rPr>
-              <a:t>작성한</a:t>
-            </a:r>
-            <a:r>
-              <a:rPr lang="en-US" sz="2900" dirty="0">
-                <a:solidFill>
-                  <a:schemeClr val="bg1"/>
-                </a:solidFill>
-                <a:latin typeface="나눔바른고딕" charset="0"/>
-                <a:ea typeface="나눔바른고딕" charset="0"/>
-                <a:cs typeface="Impact" charset="0"/>
-              </a:rPr>
-              <a:t> </a:t>
-            </a:r>
-            <a:r>
-              <a:rPr lang="en-US" sz="2900" dirty="0" err="1">
-                <a:solidFill>
-                  <a:schemeClr val="bg1"/>
-                </a:solidFill>
-                <a:latin typeface="나눔바른고딕" charset="0"/>
-                <a:ea typeface="나눔바른고딕" charset="0"/>
-                <a:cs typeface="Impact" charset="0"/>
-              </a:rPr>
-              <a:t>데일리룩에</a:t>
-            </a:r>
-            <a:r>
-              <a:rPr lang="en-US" sz="2900" dirty="0">
-                <a:solidFill>
-                  <a:schemeClr val="bg1"/>
-                </a:solidFill>
-                <a:latin typeface="나눔바른고딕" charset="0"/>
-                <a:ea typeface="나눔바른고딕" charset="0"/>
-                <a:cs typeface="Impact" charset="0"/>
-              </a:rPr>
-              <a:t> </a:t>
-            </a:r>
-            <a:r>
-              <a:rPr lang="en-US" sz="2900" dirty="0" err="1">
-                <a:solidFill>
-                  <a:schemeClr val="bg1"/>
-                </a:solidFill>
-                <a:latin typeface="나눔바른고딕" charset="0"/>
-                <a:ea typeface="나눔바른고딕" charset="0"/>
-                <a:cs typeface="Impact" charset="0"/>
-              </a:rPr>
-              <a:t>점수</a:t>
-            </a:r>
-            <a:endParaRPr lang="en-US" sz="2900" dirty="0">
-              <a:solidFill>
-                <a:schemeClr val="bg1"/>
-              </a:solidFill>
-              <a:latin typeface="나눔바른고딕" charset="0"/>
-              <a:ea typeface="나눔바른고딕" charset="0"/>
-              <a:cs typeface="Impact" charset="0"/>
-            </a:endParaRPr>
-          </a:p>
-          <a:p>
-            <a:pPr algn="l" rtl="0" latinLnBrk="0">
-              <a:spcBef>
-                <a:spcPts val="0"/>
-              </a:spcBef>
-              <a:spcAft>
-                <a:spcPts val="0"/>
-              </a:spcAft>
-            </a:pPr>
-            <a:r>
-              <a:rPr lang="en-US" sz="2900" dirty="0">
-                <a:solidFill>
-                  <a:schemeClr val="bg1"/>
-                </a:solidFill>
-                <a:latin typeface="나눔바른고딕" charset="0"/>
-                <a:ea typeface="나눔바른고딕" charset="0"/>
-                <a:cs typeface="Impact" charset="0"/>
-              </a:rPr>
-              <a:t>  (</a:t>
-            </a:r>
-            <a:r>
-              <a:rPr lang="en-US" sz="2900" dirty="0" err="1">
-                <a:solidFill>
-                  <a:schemeClr val="bg1"/>
-                </a:solidFill>
-                <a:latin typeface="나눔바른고딕" charset="0"/>
-                <a:ea typeface="나눔바른고딕" charset="0"/>
-                <a:cs typeface="Impact" charset="0"/>
-              </a:rPr>
-              <a:t>항목</a:t>
-            </a:r>
-            <a:r>
-              <a:rPr lang="en-US" sz="2900" dirty="0">
-                <a:solidFill>
-                  <a:schemeClr val="bg1"/>
-                </a:solidFill>
-                <a:latin typeface="나눔바른고딕" charset="0"/>
-                <a:ea typeface="나눔바른고딕" charset="0"/>
-                <a:cs typeface="Impact" charset="0"/>
-              </a:rPr>
-              <a:t> </a:t>
-            </a:r>
-            <a:r>
-              <a:rPr lang="en-US" sz="2900" dirty="0" err="1">
-                <a:solidFill>
-                  <a:schemeClr val="bg1"/>
-                </a:solidFill>
-                <a:latin typeface="나눔바른고딕" charset="0"/>
-                <a:ea typeface="나눔바른고딕" charset="0"/>
-                <a:cs typeface="Impact" charset="0"/>
-              </a:rPr>
-              <a:t>체크</a:t>
-            </a:r>
-            <a:r>
-              <a:rPr lang="en-US" sz="2900" dirty="0">
-                <a:solidFill>
-                  <a:schemeClr val="bg1"/>
-                </a:solidFill>
-                <a:latin typeface="나눔바른고딕" charset="0"/>
-                <a:ea typeface="나눔바른고딕" charset="0"/>
-                <a:cs typeface="Impact" charset="0"/>
-              </a:rPr>
-              <a:t> </a:t>
-            </a:r>
-            <a:r>
-              <a:rPr lang="en-US" sz="2900" dirty="0" err="1">
-                <a:solidFill>
-                  <a:schemeClr val="bg1"/>
-                </a:solidFill>
-                <a:latin typeface="나눔바른고딕" charset="0"/>
-                <a:ea typeface="나눔바른고딕" charset="0"/>
-                <a:cs typeface="Impact" charset="0"/>
-              </a:rPr>
-              <a:t>방식</a:t>
-            </a:r>
-            <a:r>
-              <a:rPr lang="en-US" sz="2900" dirty="0">
-                <a:solidFill>
-                  <a:schemeClr val="bg1"/>
-                </a:solidFill>
-                <a:latin typeface="나눔바른고딕" charset="0"/>
-                <a:ea typeface="나눔바른고딕" charset="0"/>
-                <a:cs typeface="Impact" charset="0"/>
-              </a:rPr>
-              <a:t>)와 </a:t>
-            </a:r>
-            <a:r>
-              <a:rPr lang="en-US" sz="2900" dirty="0" err="1">
-                <a:solidFill>
-                  <a:schemeClr val="bg1"/>
-                </a:solidFill>
-                <a:latin typeface="나눔바른고딕" charset="0"/>
-                <a:ea typeface="나눔바른고딕" charset="0"/>
-                <a:cs typeface="Impact" charset="0"/>
-              </a:rPr>
-              <a:t>의견으로</a:t>
-            </a:r>
-            <a:r>
-              <a:rPr lang="en-US" sz="2900" dirty="0">
-                <a:solidFill>
-                  <a:schemeClr val="bg1"/>
-                </a:solidFill>
-                <a:latin typeface="나눔바른고딕" charset="0"/>
-                <a:ea typeface="나눔바른고딕" charset="0"/>
-                <a:cs typeface="Impact" charset="0"/>
-              </a:rPr>
-              <a:t> </a:t>
-            </a:r>
-            <a:r>
-              <a:rPr lang="en-US" sz="2900" dirty="0" err="1">
-                <a:solidFill>
-                  <a:schemeClr val="bg1"/>
-                </a:solidFill>
-                <a:latin typeface="나눔바른고딕" charset="0"/>
-                <a:ea typeface="나눔바른고딕" charset="0"/>
-                <a:cs typeface="Impact" charset="0"/>
-              </a:rPr>
-              <a:t>피드백</a:t>
-            </a:r>
-            <a:endParaRPr lang="ko-KR" altLang="en-US" sz="2900" dirty="0">
-              <a:solidFill>
-                <a:schemeClr val="bg1"/>
-              </a:solidFill>
-              <a:latin typeface="나눔바른고딕" charset="0"/>
-              <a:ea typeface="나눔바른고딕" charset="0"/>
-              <a:cs typeface="Impact" charset="0"/>
-            </a:endParaRPr>
-          </a:p>
-        </p:txBody>
-      </p:sp>
+      </p:pic>
       <p:pic>
         <p:nvPicPr>
-          <p:cNvPr id="178" name="그림 79"/>
+          <p:cNvPr id="199" name="Picture " descr="C:/Users/admin/AppData/Roaming/PolarisOffice/ETemp/13944_14071096/image6.png"/>
           <p:cNvPicPr>
-            <a:picLocks noChangeAspect="1"/>
+            <a:picLocks/>
           </p:cNvPicPr>
           <p:nvPr/>
         </p:nvPicPr>
@@ -22095,41 +23824,32 @@
           </a:stretch>
         </p:blipFill>
         <p:spPr>
-          <a:xfrm>
-            <a:off x="9257030" y="1637353"/>
-            <a:ext cx="7141845" cy="3528060"/>
+          <a:xfrm rot="0">
+            <a:off x="2225675" y="1308100"/>
+            <a:ext cx="13870305" cy="48895"/>
           </a:xfrm>
-          <a:prstGeom prst="rect">
-            <a:avLst/>
-          </a:prstGeom>
+          <a:prstGeom prst="rect"/>
           <a:noFill/>
-          <a:ln w="57150" cap="flat" cmpd="sng">
-            <a:solidFill>
-              <a:schemeClr val="bg1">
-                <a:alpha val="100000"/>
-              </a:schemeClr>
-            </a:solidFill>
-            <a:prstDash val="solid"/>
-            <a:round/>
+          <a:ln w="0">
+            <a:noFill/>
+            <a:prstDash/>
           </a:ln>
         </p:spPr>
       </p:pic>
       <p:sp>
         <p:nvSpPr>
-          <p:cNvPr id="192" name="텍스트 상자 104"/>
+          <p:cNvPr id="190" name="텍스트 상자 7"/>
           <p:cNvSpPr txBox="1">
             <a:spLocks/>
           </p:cNvSpPr>
           <p:nvPr/>
         </p:nvSpPr>
         <p:spPr>
-          <a:xfrm>
-            <a:off x="2415253" y="7402438"/>
-            <a:ext cx="5498465" cy="1431161"/>
+          <a:xfrm rot="21360000">
+            <a:off x="8292465" y="1624965"/>
+            <a:ext cx="2006600" cy="307340"/>
           </a:xfrm>
-          <a:prstGeom prst="rect">
-            <a:avLst/>
-          </a:prstGeom>
+          <a:prstGeom prst="rect"/>
           <a:noFill/>
           <a:ln w="0">
             <a:noFill/>
@@ -22137,915 +23857,57 @@
           </a:ln>
         </p:spPr>
         <p:txBody>
-          <a:bodyPr vert="horz" wrap="square" lIns="91440" tIns="45720" rIns="91440" bIns="45720" numCol="1" anchor="t">
+          <a:bodyPr wrap="square" lIns="91440" tIns="45720" rIns="91440" bIns="45720" numCol="1" vert="horz" anchor="ctr">
             <a:spAutoFit/>
           </a:bodyPr>
           <a:lstStyle/>
           <a:p>
-            <a:pPr marL="349250" indent="-254000" algn="l" rtl="0" latinLnBrk="0">
-              <a:spcBef>
-                <a:spcPts val="0"/>
-              </a:spcBef>
-              <a:spcAft>
-                <a:spcPts val="0"/>
-              </a:spcAft>
-              <a:buFont typeface="Wingdings"/>
-              <a:buChar char=""/>
+            <a:pPr marL="0" indent="0" rtl="0" algn="ctr" latinLnBrk="0">
+              <a:spcBef>
+                <a:spcPts val="0"/>
+              </a:spcBef>
+              <a:spcAft>
+                <a:spcPts val="0"/>
+              </a:spcAft>
+              <a:buFontTx/>
+              <a:buNone/>
             </a:pPr>
             <a:r>
-              <a:rPr lang="en-US" sz="2900" dirty="0" err="1">
-                <a:solidFill>
-                  <a:schemeClr val="bg1"/>
+              <a:rPr lang="en-US" sz="1400" b="1">
+                <a:solidFill>
+                  <a:srgbClr val="694680"/>
                 </a:solidFill>
                 <a:latin typeface="나눔바른고딕" charset="0"/>
                 <a:ea typeface="나눔바른고딕" charset="0"/>
-                <a:cs typeface="Verdana" charset="0"/>
-              </a:rPr>
-              <a:t>내가</a:t>
-            </a:r>
-            <a:r>
-              <a:rPr lang="en-US" sz="2900" dirty="0">
-                <a:solidFill>
-                  <a:schemeClr val="bg1"/>
-                </a:solidFill>
-                <a:latin typeface="나눔바른고딕" charset="0"/>
-                <a:ea typeface="나눔바른고딕" charset="0"/>
-                <a:cs typeface="Verdana" charset="0"/>
-              </a:rPr>
-              <a:t> </a:t>
-            </a:r>
-            <a:r>
-              <a:rPr lang="en-US" sz="2900" dirty="0" err="1">
-                <a:solidFill>
-                  <a:schemeClr val="bg1"/>
-                </a:solidFill>
-                <a:latin typeface="나눔바른고딕" charset="0"/>
-                <a:ea typeface="나눔바른고딕" charset="0"/>
-                <a:cs typeface="Verdana" charset="0"/>
-              </a:rPr>
-              <a:t>가지고</a:t>
-            </a:r>
-            <a:r>
-              <a:rPr lang="en-US" sz="2900" dirty="0">
-                <a:solidFill>
-                  <a:schemeClr val="bg1"/>
-                </a:solidFill>
-                <a:latin typeface="나눔바른고딕" charset="0"/>
-                <a:ea typeface="나눔바른고딕" charset="0"/>
-                <a:cs typeface="Verdana" charset="0"/>
-              </a:rPr>
-              <a:t> </a:t>
-            </a:r>
-            <a:r>
-              <a:rPr lang="en-US" sz="2900" dirty="0" err="1">
-                <a:solidFill>
-                  <a:schemeClr val="bg1"/>
-                </a:solidFill>
-                <a:latin typeface="나눔바른고딕" charset="0"/>
-                <a:ea typeface="나눔바른고딕" charset="0"/>
-                <a:cs typeface="Verdana" charset="0"/>
-              </a:rPr>
-              <a:t>있는</a:t>
-            </a:r>
-            <a:r>
-              <a:rPr lang="en-US" sz="2900" dirty="0">
-                <a:solidFill>
-                  <a:schemeClr val="bg1"/>
-                </a:solidFill>
-                <a:latin typeface="나눔바른고딕" charset="0"/>
-                <a:ea typeface="나눔바른고딕" charset="0"/>
-                <a:cs typeface="Verdana" charset="0"/>
-              </a:rPr>
-              <a:t> </a:t>
-            </a:r>
-            <a:r>
-              <a:rPr lang="en-US" sz="2900" dirty="0" err="1">
-                <a:solidFill>
-                  <a:schemeClr val="bg1"/>
-                </a:solidFill>
-                <a:latin typeface="나눔바른고딕" charset="0"/>
-                <a:ea typeface="나눔바른고딕" charset="0"/>
-                <a:cs typeface="Verdana" charset="0"/>
-              </a:rPr>
-              <a:t>패션</a:t>
-            </a:r>
-            <a:r>
-              <a:rPr lang="en-US" sz="2900" dirty="0">
-                <a:solidFill>
-                  <a:schemeClr val="bg1"/>
-                </a:solidFill>
-                <a:latin typeface="나눔바른고딕" charset="0"/>
-                <a:ea typeface="나눔바른고딕" charset="0"/>
-                <a:cs typeface="Verdana" charset="0"/>
-              </a:rPr>
-              <a:t> </a:t>
-            </a:r>
-            <a:r>
-              <a:rPr lang="en-US" sz="2900" dirty="0" err="1">
-                <a:solidFill>
-                  <a:schemeClr val="bg1"/>
-                </a:solidFill>
-                <a:latin typeface="나눔바른고딕" charset="0"/>
-                <a:ea typeface="나눔바른고딕" charset="0"/>
-                <a:cs typeface="Verdana" charset="0"/>
-              </a:rPr>
-              <a:t>아이템을</a:t>
-            </a:r>
-            <a:r>
-              <a:rPr lang="en-US" sz="2900" dirty="0">
-                <a:solidFill>
-                  <a:schemeClr val="bg1"/>
-                </a:solidFill>
-                <a:latin typeface="나눔바른고딕" charset="0"/>
-                <a:ea typeface="나눔바른고딕" charset="0"/>
-                <a:cs typeface="Verdana" charset="0"/>
-              </a:rPr>
-              <a:t> </a:t>
-            </a:r>
-            <a:r>
-              <a:rPr lang="en-US" sz="2900" dirty="0" err="1">
-                <a:solidFill>
-                  <a:schemeClr val="bg1"/>
-                </a:solidFill>
-                <a:latin typeface="나눔바른고딕" charset="0"/>
-                <a:ea typeface="나눔바른고딕" charset="0"/>
-                <a:cs typeface="Verdana" charset="0"/>
-              </a:rPr>
-              <a:t>추가해</a:t>
-            </a:r>
-            <a:r>
-              <a:rPr lang="en-US" sz="2900" dirty="0">
-                <a:solidFill>
-                  <a:schemeClr val="bg1"/>
-                </a:solidFill>
-                <a:latin typeface="나눔바른고딕" charset="0"/>
-                <a:ea typeface="나눔바른고딕" charset="0"/>
-                <a:cs typeface="Verdana" charset="0"/>
-              </a:rPr>
-              <a:t> </a:t>
-            </a:r>
-            <a:r>
-              <a:rPr lang="en-US" sz="2900" dirty="0" err="1">
-                <a:solidFill>
-                  <a:schemeClr val="bg1"/>
-                </a:solidFill>
-                <a:latin typeface="나눔바른고딕" charset="0"/>
-                <a:ea typeface="나눔바른고딕" charset="0"/>
-                <a:cs typeface="Verdana" charset="0"/>
-              </a:rPr>
-              <a:t>데일리룩에</a:t>
-            </a:r>
-            <a:r>
-              <a:rPr lang="en-US" sz="2900" dirty="0">
-                <a:solidFill>
-                  <a:schemeClr val="bg1"/>
-                </a:solidFill>
-                <a:latin typeface="나눔바른고딕" charset="0"/>
-                <a:ea typeface="나눔바른고딕" charset="0"/>
-                <a:cs typeface="Verdana" charset="0"/>
-              </a:rPr>
-              <a:t> </a:t>
-            </a:r>
-            <a:r>
-              <a:rPr lang="en-US" sz="2900" dirty="0" err="1">
-                <a:solidFill>
-                  <a:schemeClr val="bg1"/>
-                </a:solidFill>
-                <a:latin typeface="나눔바른고딕" charset="0"/>
-                <a:ea typeface="나눔바른고딕" charset="0"/>
-                <a:cs typeface="Verdana" charset="0"/>
-              </a:rPr>
-              <a:t>더하고</a:t>
-            </a:r>
-            <a:r>
-              <a:rPr lang="en-US" sz="2900" dirty="0">
-                <a:solidFill>
-                  <a:schemeClr val="bg1"/>
-                </a:solidFill>
-                <a:latin typeface="나눔바른고딕" charset="0"/>
-                <a:ea typeface="나눔바른고딕" charset="0"/>
-                <a:cs typeface="Verdana" charset="0"/>
-              </a:rPr>
-              <a:t>, </a:t>
-            </a:r>
-            <a:r>
-              <a:rPr lang="en-US" sz="2900" dirty="0" err="1">
-                <a:solidFill>
-                  <a:schemeClr val="bg1"/>
-                </a:solidFill>
-                <a:latin typeface="나눔바른고딕" charset="0"/>
-                <a:ea typeface="나눔바른고딕" charset="0"/>
-                <a:cs typeface="Verdana" charset="0"/>
-              </a:rPr>
-              <a:t>나만의</a:t>
-            </a:r>
-            <a:r>
-              <a:rPr lang="en-US" sz="2900" dirty="0">
-                <a:solidFill>
-                  <a:schemeClr val="bg1"/>
-                </a:solidFill>
-                <a:latin typeface="나눔바른고딕" charset="0"/>
-                <a:ea typeface="나눔바른고딕" charset="0"/>
-                <a:cs typeface="Verdana" charset="0"/>
-              </a:rPr>
-              <a:t> </a:t>
-            </a:r>
-            <a:r>
-              <a:rPr lang="en-US" sz="2900" dirty="0" err="1">
-                <a:solidFill>
-                  <a:schemeClr val="bg1"/>
-                </a:solidFill>
-                <a:latin typeface="나눔바른고딕" charset="0"/>
-                <a:ea typeface="나눔바른고딕" charset="0"/>
-                <a:cs typeface="Verdana" charset="0"/>
-              </a:rPr>
-              <a:t>옷장을</a:t>
-            </a:r>
-            <a:r>
-              <a:rPr lang="en-US" sz="2900" dirty="0">
-                <a:solidFill>
-                  <a:schemeClr val="bg1"/>
-                </a:solidFill>
-                <a:latin typeface="나눔바른고딕" charset="0"/>
-                <a:ea typeface="나눔바른고딕" charset="0"/>
-                <a:cs typeface="Verdana" charset="0"/>
-              </a:rPr>
-              <a:t> </a:t>
-            </a:r>
-            <a:r>
-              <a:rPr lang="en-US" sz="2900" dirty="0" err="1">
-                <a:solidFill>
-                  <a:schemeClr val="bg1"/>
-                </a:solidFill>
-                <a:latin typeface="나눔바른고딕" charset="0"/>
-                <a:ea typeface="나눔바른고딕" charset="0"/>
-                <a:cs typeface="Verdana" charset="0"/>
-              </a:rPr>
-              <a:t>만들어</a:t>
-            </a:r>
-            <a:r>
-              <a:rPr lang="en-US" sz="2900" dirty="0">
-                <a:solidFill>
-                  <a:schemeClr val="bg1"/>
-                </a:solidFill>
-                <a:latin typeface="나눔바른고딕" charset="0"/>
-                <a:ea typeface="나눔바른고딕" charset="0"/>
-                <a:cs typeface="Verdana" charset="0"/>
-              </a:rPr>
-              <a:t> 관리</a:t>
-            </a:r>
-            <a:endParaRPr lang="ko-KR" altLang="en-US" sz="2900" dirty="0">
+                <a:cs typeface="Arial" charset="0"/>
+              </a:rPr>
+              <a:t>댓글 작 창의 일부</a:t>
+            </a:r>
+            <a:endParaRPr lang="ko-KR" altLang="en-US" sz="1400" b="1">
               <a:solidFill>
-                <a:schemeClr val="bg1"/>
+                <a:srgbClr val="694680"/>
               </a:solidFill>
               <a:latin typeface="나눔바른고딕" charset="0"/>
               <a:ea typeface="나눔바른고딕" charset="0"/>
-              <a:cs typeface="Verdana" charset="0"/>
+              <a:cs typeface="Arial" charset="0"/>
             </a:endParaRPr>
           </a:p>
         </p:txBody>
       </p:sp>
-      <p:pic>
-        <p:nvPicPr>
-          <p:cNvPr id="193" name="그림 105"/>
-          <p:cNvPicPr>
-            <a:picLocks noChangeAspect="1"/>
-          </p:cNvPicPr>
-          <p:nvPr/>
-        </p:nvPicPr>
-        <p:blipFill rotWithShape="1">
-          <a:blip r:embed="rId4" cstate="hqprint">
-            <a:extLst>
-              <a:ext uri="{28A0092B-C50C-407E-A947-70E740481C1C}">
-                <a14:useLocalDpi xmlns:a14="http://schemas.microsoft.com/office/drawing/2010/main"/>
-              </a:ext>
-            </a:extLst>
-          </a:blip>
-          <a:stretch>
-            <a:fillRect/>
-          </a:stretch>
-        </p:blipFill>
-        <p:spPr>
-          <a:xfrm>
-            <a:off x="9257030" y="5416076"/>
-            <a:ext cx="7117080" cy="4334510"/>
-          </a:xfrm>
-          <a:prstGeom prst="rect">
-            <a:avLst/>
-          </a:prstGeom>
-          <a:noFill/>
-          <a:ln w="57150" cap="flat" cmpd="sng">
-            <a:solidFill>
-              <a:schemeClr val="bg1">
-                <a:alpha val="100000"/>
-              </a:schemeClr>
-            </a:solidFill>
-            <a:prstDash val="solid"/>
-            <a:round/>
-          </a:ln>
-        </p:spPr>
-      </p:pic>
       <p:sp>
         <p:nvSpPr>
-          <p:cNvPr id="194" name="텍스트 상자 106"/>
-          <p:cNvSpPr txBox="1">
-            <a:spLocks/>
-          </p:cNvSpPr>
-          <p:nvPr/>
-        </p:nvSpPr>
-        <p:spPr>
-          <a:xfrm>
-            <a:off x="2528527" y="6409933"/>
-            <a:ext cx="5276215" cy="754053"/>
-          </a:xfrm>
-          <a:prstGeom prst="rect">
-            <a:avLst/>
-          </a:prstGeom>
-          <a:noFill/>
-          <a:ln w="0">
-            <a:noFill/>
-            <a:prstDash/>
-          </a:ln>
-        </p:spPr>
-        <p:txBody>
-          <a:bodyPr vert="horz" wrap="square" lIns="91440" tIns="45720" rIns="91440" bIns="45720" numCol="1" anchor="t">
-            <a:spAutoFit/>
-          </a:bodyPr>
-          <a:lstStyle/>
-          <a:p>
-            <a:pPr marL="0" indent="0" algn="ctr" rtl="0" latinLnBrk="0">
-              <a:spcBef>
-                <a:spcPts val="0"/>
-              </a:spcBef>
-              <a:spcAft>
-                <a:spcPts val="0"/>
-              </a:spcAft>
-              <a:buFontTx/>
-              <a:buNone/>
-            </a:pPr>
-            <a:r>
-              <a:rPr lang="en-US" sz="4300" b="1" dirty="0">
-                <a:solidFill>
-                  <a:schemeClr val="bg1"/>
-                </a:solidFill>
-                <a:latin typeface="나눔바른고딕" charset="0"/>
-                <a:ea typeface="나눔바른고딕" charset="0"/>
-                <a:cs typeface="Impact" charset="0"/>
-              </a:rPr>
-              <a:t>코디(</a:t>
-            </a:r>
-            <a:r>
-              <a:rPr lang="en-US" sz="4300" b="1" dirty="0" err="1">
-                <a:solidFill>
-                  <a:schemeClr val="bg1"/>
-                </a:solidFill>
-                <a:latin typeface="나눔바른고딕" charset="0"/>
-                <a:ea typeface="나눔바른고딕" charset="0"/>
-                <a:cs typeface="Impact" charset="0"/>
-              </a:rPr>
-              <a:t>조합</a:t>
-            </a:r>
-            <a:r>
-              <a:rPr lang="en-US" sz="4300" b="1" dirty="0">
-                <a:solidFill>
-                  <a:schemeClr val="bg1"/>
-                </a:solidFill>
-                <a:latin typeface="나눔바른고딕" charset="0"/>
-                <a:ea typeface="나눔바른고딕" charset="0"/>
-                <a:cs typeface="Impact" charset="0"/>
-              </a:rPr>
-              <a:t>)</a:t>
-            </a:r>
-            <a:endParaRPr lang="ko-KR" altLang="en-US" sz="4300" b="1" dirty="0">
-              <a:solidFill>
-                <a:schemeClr val="bg1"/>
-              </a:solidFill>
-              <a:latin typeface="나눔바른고딕" charset="0"/>
-              <a:ea typeface="나눔바른고딕" charset="0"/>
-              <a:cs typeface="Impact" charset="0"/>
-            </a:endParaRPr>
-          </a:p>
-        </p:txBody>
-      </p:sp>
-      <p:pic>
-        <p:nvPicPr>
-          <p:cNvPr id="198" name="그림 110"/>
-          <p:cNvPicPr>
-            <a:picLocks/>
-          </p:cNvPicPr>
-          <p:nvPr/>
-        </p:nvPicPr>
-        <p:blipFill rotWithShape="1">
-          <a:blip r:embed="rId5" cstate="hqprint">
-            <a:extLst>
-              <a:ext uri="{28A0092B-C50C-407E-A947-70E740481C1C}">
-                <a14:useLocalDpi xmlns:a14="http://schemas.microsoft.com/office/drawing/2010/main"/>
-              </a:ext>
-            </a:extLst>
-          </a:blip>
-          <a:stretch>
-            <a:fillRect/>
-          </a:stretch>
-        </p:blipFill>
-        <p:spPr>
-          <a:xfrm>
-            <a:off x="2124710" y="6215380"/>
-            <a:ext cx="6477635" cy="48260"/>
-          </a:xfrm>
-          <a:prstGeom prst="rect">
-            <a:avLst/>
-          </a:prstGeom>
-          <a:noFill/>
-          <a:ln w="0">
-            <a:noFill/>
-            <a:prstDash/>
-          </a:ln>
-        </p:spPr>
-      </p:pic>
-      <p:pic>
-        <p:nvPicPr>
-          <p:cNvPr id="199" name="그림 16"/>
-          <p:cNvPicPr>
-            <a:picLocks/>
-          </p:cNvPicPr>
-          <p:nvPr/>
-        </p:nvPicPr>
-        <p:blipFill rotWithShape="1">
-          <a:blip r:embed="rId6" cstate="hqprint">
-            <a:extLst>
-              <a:ext uri="{28A0092B-C50C-407E-A947-70E740481C1C}">
-                <a14:useLocalDpi xmlns:a14="http://schemas.microsoft.com/office/drawing/2010/main"/>
-              </a:ext>
-            </a:extLst>
-          </a:blip>
-          <a:stretch>
-            <a:fillRect/>
-          </a:stretch>
-        </p:blipFill>
-        <p:spPr>
-          <a:xfrm>
-            <a:off x="2225675" y="1308415"/>
-            <a:ext cx="13869670" cy="48260"/>
-          </a:xfrm>
-          <a:prstGeom prst="rect">
-            <a:avLst/>
-          </a:prstGeom>
-          <a:noFill/>
-          <a:ln w="0">
-            <a:noFill/>
-            <a:prstDash/>
-          </a:ln>
-        </p:spPr>
-      </p:pic>
-      <p:pic>
-        <p:nvPicPr>
-          <p:cNvPr id="201" name="그림 18"/>
-          <p:cNvPicPr>
-            <a:picLocks/>
-          </p:cNvPicPr>
-          <p:nvPr/>
-        </p:nvPicPr>
-        <p:blipFill rotWithShape="1">
-          <a:blip r:embed="rId6" cstate="hqprint">
-            <a:extLst>
-              <a:ext uri="{28A0092B-C50C-407E-A947-70E740481C1C}">
-                <a14:useLocalDpi xmlns:a14="http://schemas.microsoft.com/office/drawing/2010/main"/>
-              </a:ext>
-            </a:extLst>
-          </a:blip>
-          <a:stretch>
-            <a:fillRect/>
-          </a:stretch>
-        </p:blipFill>
-        <p:spPr>
-          <a:xfrm>
-            <a:off x="2464485" y="7163986"/>
-            <a:ext cx="5400000" cy="47625"/>
-          </a:xfrm>
-          <a:prstGeom prst="rect">
-            <a:avLst/>
-          </a:prstGeom>
-          <a:noFill/>
-          <a:ln w="0">
-            <a:noFill/>
-            <a:prstDash/>
-          </a:ln>
-        </p:spPr>
-      </p:pic>
-      <p:pic>
-        <p:nvPicPr>
-          <p:cNvPr id="204" name="그림 21"/>
-          <p:cNvPicPr>
-            <a:picLocks/>
-          </p:cNvPicPr>
-          <p:nvPr/>
-        </p:nvPicPr>
-        <p:blipFill rotWithShape="1">
-          <a:blip r:embed="rId7" cstate="hqprint">
-            <a:clrChange>
-              <a:clrFrom>
-                <a:srgbClr val="68457F"/>
-              </a:clrFrom>
-              <a:clrTo>
-                <a:srgbClr val="68457F">
-                  <a:alpha val="0"/>
-                </a:srgbClr>
-              </a:clrTo>
-            </a:clrChange>
-            <a:extLst>
-              <a:ext uri="{28A0092B-C50C-407E-A947-70E740481C1C}">
-                <a14:useLocalDpi xmlns:a14="http://schemas.microsoft.com/office/drawing/2010/main"/>
-              </a:ext>
-            </a:extLst>
-          </a:blip>
-          <a:stretch>
-            <a:fillRect/>
-          </a:stretch>
-        </p:blipFill>
-        <p:spPr>
-          <a:xfrm>
-            <a:off x="2029606" y="1805912"/>
-            <a:ext cx="6269760" cy="3295650"/>
-          </a:xfrm>
-          <a:prstGeom prst="rect">
-            <a:avLst/>
-          </a:prstGeom>
-          <a:noFill/>
-          <a:ln w="19050" cap="flat" cmpd="sng">
-            <a:prstDash val="solid"/>
-            <a:round/>
-          </a:ln>
-        </p:spPr>
-      </p:pic>
-      <p:grpSp>
-        <p:nvGrpSpPr>
-          <p:cNvPr id="188" name="그룹 97"/>
-          <p:cNvGrpSpPr/>
-          <p:nvPr/>
-        </p:nvGrpSpPr>
-        <p:grpSpPr>
-          <a:xfrm>
-            <a:off x="8292726" y="1442173"/>
-            <a:ext cx="2006280" cy="765810"/>
-            <a:chOff x="8115935" y="1536700"/>
-            <a:chExt cx="2052955" cy="765810"/>
-          </a:xfrm>
-        </p:grpSpPr>
-        <p:pic>
-          <p:nvPicPr>
-            <p:cNvPr id="189" name="그림 95"/>
-            <p:cNvPicPr>
-              <a:picLocks/>
-            </p:cNvPicPr>
-            <p:nvPr/>
-          </p:nvPicPr>
-          <p:blipFill rotWithShape="1">
-            <a:blip r:embed="rId8" cstate="print">
-              <a:extLst>
-                <a:ext uri="{28A0092B-C50C-407E-A947-70E740481C1C}">
-                  <a14:useLocalDpi xmlns:a14="http://schemas.microsoft.com/office/drawing/2010/main" val="0"/>
-                </a:ext>
-              </a:extLst>
-            </a:blip>
-            <a:stretch>
-              <a:fillRect/>
-            </a:stretch>
-          </p:blipFill>
-          <p:spPr>
-            <a:xfrm rot="21360000">
-              <a:off x="8228330" y="1536700"/>
-              <a:ext cx="1838325" cy="765810"/>
-            </a:xfrm>
-            <a:prstGeom prst="rect">
-              <a:avLst/>
-            </a:prstGeom>
-            <a:noFill/>
-            <a:ln w="0">
-              <a:noFill/>
-              <a:prstDash/>
-            </a:ln>
-          </p:spPr>
-        </p:pic>
-        <p:sp>
-          <p:nvSpPr>
-            <p:cNvPr id="190" name="텍스트 상자 96"/>
-            <p:cNvSpPr txBox="1">
-              <a:spLocks/>
-            </p:cNvSpPr>
-            <p:nvPr/>
-          </p:nvSpPr>
-          <p:spPr>
-            <a:xfrm rot="21360000">
-              <a:off x="8115935" y="1719580"/>
-              <a:ext cx="2052955" cy="307340"/>
-            </a:xfrm>
-            <a:prstGeom prst="rect">
-              <a:avLst/>
-            </a:prstGeom>
-            <a:noFill/>
-            <a:ln w="0">
-              <a:noFill/>
-              <a:prstDash/>
-            </a:ln>
-          </p:spPr>
-          <p:txBody>
-            <a:bodyPr vert="horz" wrap="square" lIns="91440" tIns="45720" rIns="91440" bIns="45720" numCol="1" anchor="ctr">
-              <a:spAutoFit/>
-            </a:bodyPr>
-            <a:lstStyle/>
-            <a:p>
-              <a:pPr marL="0" indent="0" algn="ctr" rtl="0" latinLnBrk="0">
-                <a:spcBef>
-                  <a:spcPts val="0"/>
-                </a:spcBef>
-                <a:spcAft>
-                  <a:spcPts val="0"/>
-                </a:spcAft>
-                <a:buFontTx/>
-                <a:buNone/>
-              </a:pPr>
-              <a:r>
-                <a:rPr lang="en-US" sz="1400" b="1" dirty="0" err="1">
-                  <a:solidFill>
-                    <a:srgbClr val="694680"/>
-                  </a:solidFill>
-                  <a:latin typeface="나눔바른고딕" charset="0"/>
-                  <a:ea typeface="나눔바른고딕" charset="0"/>
-                  <a:cs typeface="Arial" charset="0"/>
-                </a:rPr>
-                <a:t>댓글</a:t>
-              </a:r>
-              <a:r>
-                <a:rPr lang="en-US" sz="1400" b="1" dirty="0">
-                  <a:solidFill>
-                    <a:srgbClr val="694680"/>
-                  </a:solidFill>
-                  <a:latin typeface="나눔바른고딕" charset="0"/>
-                  <a:ea typeface="나눔바른고딕" charset="0"/>
-                  <a:cs typeface="Arial" charset="0"/>
-                </a:rPr>
-                <a:t> </a:t>
-              </a:r>
-              <a:r>
-                <a:rPr lang="en-US" sz="1400" b="1" dirty="0" err="1">
-                  <a:solidFill>
-                    <a:srgbClr val="694680"/>
-                  </a:solidFill>
-                  <a:latin typeface="나눔바른고딕" charset="0"/>
-                  <a:ea typeface="나눔바른고딕" charset="0"/>
-                  <a:cs typeface="Arial" charset="0"/>
-                </a:rPr>
-                <a:t>작성</a:t>
-              </a:r>
-              <a:r>
-                <a:rPr lang="en-US" sz="1400" b="1" dirty="0">
-                  <a:solidFill>
-                    <a:srgbClr val="694680"/>
-                  </a:solidFill>
-                  <a:latin typeface="나눔바른고딕" charset="0"/>
-                  <a:ea typeface="나눔바른고딕" charset="0"/>
-                  <a:cs typeface="Arial" charset="0"/>
-                </a:rPr>
-                <a:t> </a:t>
-              </a:r>
-              <a:r>
-                <a:rPr lang="en-US" sz="1400" b="1" dirty="0" err="1">
-                  <a:solidFill>
-                    <a:srgbClr val="694680"/>
-                  </a:solidFill>
-                  <a:latin typeface="나눔바른고딕" charset="0"/>
-                  <a:ea typeface="나눔바른고딕" charset="0"/>
-                  <a:cs typeface="Arial" charset="0"/>
-                </a:rPr>
-                <a:t>창의</a:t>
-              </a:r>
-              <a:r>
-                <a:rPr lang="en-US" sz="1400" b="1" dirty="0">
-                  <a:solidFill>
-                    <a:srgbClr val="694680"/>
-                  </a:solidFill>
-                  <a:latin typeface="나눔바른고딕" charset="0"/>
-                  <a:ea typeface="나눔바른고딕" charset="0"/>
-                  <a:cs typeface="Arial" charset="0"/>
-                </a:rPr>
-                <a:t> </a:t>
-              </a:r>
-              <a:r>
-                <a:rPr lang="en-US" sz="1400" b="1" dirty="0" err="1">
-                  <a:solidFill>
-                    <a:srgbClr val="694680"/>
-                  </a:solidFill>
-                  <a:latin typeface="나눔바른고딕" charset="0"/>
-                  <a:ea typeface="나눔바른고딕" charset="0"/>
-                  <a:cs typeface="Arial" charset="0"/>
-                </a:rPr>
-                <a:t>일부</a:t>
-              </a:r>
-              <a:endParaRPr lang="ko-KR" altLang="en-US" sz="1400" b="1" dirty="0">
-                <a:solidFill>
-                  <a:srgbClr val="694680"/>
-                </a:solidFill>
-                <a:latin typeface="나눔바른고딕" charset="0"/>
-                <a:ea typeface="나눔바른고딕" charset="0"/>
-                <a:cs typeface="Arial" charset="0"/>
-              </a:endParaRPr>
-            </a:p>
-          </p:txBody>
-        </p:sp>
-      </p:grpSp>
-      <p:grpSp>
-        <p:nvGrpSpPr>
-          <p:cNvPr id="195" name="그룹 109"/>
-          <p:cNvGrpSpPr/>
-          <p:nvPr/>
-        </p:nvGrpSpPr>
-        <p:grpSpPr>
-          <a:xfrm>
-            <a:off x="8350245" y="4870924"/>
-            <a:ext cx="1845573" cy="765810"/>
-            <a:chOff x="8155940" y="5034915"/>
-            <a:chExt cx="2052955" cy="765810"/>
-          </a:xfrm>
-        </p:grpSpPr>
-        <p:pic>
-          <p:nvPicPr>
-            <p:cNvPr id="196" name="그림 107"/>
-            <p:cNvPicPr>
-              <a:picLocks/>
-            </p:cNvPicPr>
-            <p:nvPr/>
-          </p:nvPicPr>
-          <p:blipFill rotWithShape="1">
-            <a:blip r:embed="rId8" cstate="print">
-              <a:extLst>
-                <a:ext uri="{28A0092B-C50C-407E-A947-70E740481C1C}">
-                  <a14:useLocalDpi xmlns:a14="http://schemas.microsoft.com/office/drawing/2010/main" val="0"/>
-                </a:ext>
-              </a:extLst>
-            </a:blip>
-            <a:stretch>
-              <a:fillRect/>
-            </a:stretch>
-          </p:blipFill>
-          <p:spPr>
-            <a:xfrm rot="21360000">
-              <a:off x="8288655" y="5034915"/>
-              <a:ext cx="1838325" cy="765810"/>
-            </a:xfrm>
-            <a:prstGeom prst="rect">
-              <a:avLst/>
-            </a:prstGeom>
-            <a:noFill/>
-            <a:ln w="0">
-              <a:noFill/>
-              <a:prstDash/>
-            </a:ln>
-          </p:spPr>
-        </p:pic>
-        <p:sp>
-          <p:nvSpPr>
-            <p:cNvPr id="197" name="텍스트 상자 108"/>
-            <p:cNvSpPr txBox="1">
-              <a:spLocks/>
-            </p:cNvSpPr>
-            <p:nvPr/>
-          </p:nvSpPr>
-          <p:spPr>
-            <a:xfrm rot="21360000">
-              <a:off x="8155940" y="5117793"/>
-              <a:ext cx="2052955" cy="523220"/>
-            </a:xfrm>
-            <a:prstGeom prst="rect">
-              <a:avLst/>
-            </a:prstGeom>
-            <a:noFill/>
-            <a:ln w="0">
-              <a:noFill/>
-              <a:prstDash/>
-            </a:ln>
-          </p:spPr>
-          <p:txBody>
-            <a:bodyPr vert="horz" wrap="square" lIns="91440" tIns="45720" rIns="91440" bIns="45720" numCol="1" anchor="ctr">
-              <a:spAutoFit/>
-            </a:bodyPr>
-            <a:lstStyle/>
-            <a:p>
-              <a:pPr marL="0" indent="0" algn="ctr" rtl="0" latinLnBrk="0">
-                <a:spcBef>
-                  <a:spcPts val="0"/>
-                </a:spcBef>
-                <a:spcAft>
-                  <a:spcPts val="0"/>
-                </a:spcAft>
-                <a:buFontTx/>
-                <a:buNone/>
-              </a:pPr>
-              <a:r>
-                <a:rPr lang="en-US" sz="1400" b="1" dirty="0">
-                  <a:solidFill>
-                    <a:srgbClr val="694680"/>
-                  </a:solidFill>
-                  <a:latin typeface="나눔바른고딕" charset="0"/>
-                  <a:ea typeface="나눔바른고딕" charset="0"/>
-                  <a:cs typeface="Arial" charset="0"/>
-                </a:rPr>
-                <a:t>옷장 </a:t>
-              </a:r>
-              <a:r>
-                <a:rPr lang="en-US" sz="1400" b="1" dirty="0" err="1">
-                  <a:solidFill>
-                    <a:srgbClr val="694680"/>
-                  </a:solidFill>
-                  <a:latin typeface="나눔바른고딕" charset="0"/>
-                  <a:ea typeface="나눔바른고딕" charset="0"/>
-                  <a:cs typeface="Arial" charset="0"/>
-                </a:rPr>
-                <a:t>생성</a:t>
-              </a:r>
-              <a:r>
-                <a:rPr lang="en-US" sz="1400" b="1" dirty="0">
-                  <a:solidFill>
-                    <a:srgbClr val="694680"/>
-                  </a:solidFill>
-                  <a:latin typeface="나눔바른고딕" charset="0"/>
-                  <a:ea typeface="나눔바른고딕" charset="0"/>
-                  <a:cs typeface="Arial" charset="0"/>
-                </a:rPr>
-                <a:t> 후</a:t>
-              </a:r>
-            </a:p>
-            <a:p>
-              <a:pPr marL="0" indent="0" algn="ctr" rtl="0" latinLnBrk="0">
-                <a:spcBef>
-                  <a:spcPts val="0"/>
-                </a:spcBef>
-                <a:spcAft>
-                  <a:spcPts val="0"/>
-                </a:spcAft>
-                <a:buFontTx/>
-                <a:buNone/>
-              </a:pPr>
-              <a:r>
-                <a:rPr lang="en-US" sz="1400" b="1" dirty="0" err="1">
-                  <a:solidFill>
-                    <a:srgbClr val="694680"/>
-                  </a:solidFill>
-                  <a:latin typeface="나눔바른고딕" charset="0"/>
-                  <a:ea typeface="나눔바른고딕" charset="0"/>
-                  <a:cs typeface="Arial" charset="0"/>
-                </a:rPr>
-                <a:t>아이템</a:t>
-              </a:r>
-              <a:r>
-                <a:rPr lang="ko-KR" altLang="en-US" b="1" dirty="0">
-                  <a:solidFill>
-                    <a:srgbClr val="694680"/>
-                  </a:solidFill>
-                  <a:latin typeface="나눔바른고딕" charset="0"/>
-                  <a:ea typeface="나눔바른고딕" charset="0"/>
-                  <a:cs typeface="Arial" charset="0"/>
-                </a:rPr>
-                <a:t> </a:t>
-              </a:r>
-              <a:r>
-                <a:rPr lang="en-US" sz="1400" b="1" dirty="0">
-                  <a:solidFill>
-                    <a:srgbClr val="694680"/>
-                  </a:solidFill>
-                  <a:latin typeface="나눔바른고딕" charset="0"/>
-                  <a:ea typeface="나눔바른고딕" charset="0"/>
-                  <a:cs typeface="Arial" charset="0"/>
-                </a:rPr>
-                <a:t>관리 창</a:t>
-              </a:r>
-              <a:endParaRPr lang="ko-KR" altLang="en-US" sz="1400" b="1" dirty="0">
-                <a:solidFill>
-                  <a:srgbClr val="694680"/>
-                </a:solidFill>
-                <a:latin typeface="나눔바른고딕" charset="0"/>
-                <a:ea typeface="나눔바른고딕" charset="0"/>
-                <a:cs typeface="Arial" charset="0"/>
-              </a:endParaRPr>
-            </a:p>
-          </p:txBody>
-        </p:sp>
-      </p:grpSp>
-      <p:sp>
-        <p:nvSpPr>
-          <p:cNvPr id="206" name="도형 44"/>
+          <p:cNvPr id="206" name="Rect 0"/>
           <p:cNvSpPr>
             <a:spLocks/>
           </p:cNvSpPr>
           <p:nvPr/>
         </p:nvSpPr>
         <p:spPr>
-          <a:xfrm>
+          <a:xfrm rot="0">
             <a:off x="349250" y="238125"/>
-            <a:ext cx="17623155" cy="9763125"/>
+            <a:ext cx="17623790" cy="9763760"/>
           </a:xfrm>
-          <a:prstGeom prst="rect">
-            <a:avLst/>
-          </a:prstGeom>
+          <a:prstGeom prst="rect"/>
           <a:noFill/>
           <a:ln w="57150" cap="flat" cmpd="sng">
             <a:solidFill>
@@ -23074,7 +23936,7 @@
           </a:fontRef>
         </p:style>
         <p:txBody>
-          <a:bodyPr vert="horz" wrap="square" lIns="91440" tIns="45720" rIns="91440" bIns="45720" numCol="1" anchor="ctr">
+          <a:bodyPr wrap="square" lIns="91440" tIns="45720" rIns="91440" bIns="45720" numCol="1" vert="horz" anchor="ctr">
             <a:noAutofit/>
           </a:bodyPr>
           <a:lstStyle/>
@@ -23089,23 +23951,17 @@
       </p:sp>
       <p:pic>
         <p:nvPicPr>
-          <p:cNvPr id="24" name="그림 18">
-            <a:extLst>
-              <a:ext uri="{FF2B5EF4-FFF2-40B4-BE49-F238E27FC236}">
-                <a16:creationId xmlns:a16="http://schemas.microsoft.com/office/drawing/2014/main" id="{3DDAC4E8-4F05-4D1A-972C-A44180840897}"/>
-              </a:ext>
-            </a:extLst>
-          </p:cNvPr>
+          <p:cNvPr id="207" name="그림 8" descr="C:/Users/admin/AppData/Roaming/PolarisOffice/ETemp/13944_14071096/fImage10479935341.png"/>
           <p:cNvPicPr>
-            <a:picLocks/>
+            <a:picLocks noChangeAspect="1"/>
           </p:cNvPicPr>
           <p:nvPr/>
         </p:nvPicPr>
         <p:blipFill rotWithShape="1">
-          <a:blip r:embed="rId6" cstate="hqprint">
+          <a:blip r:embed="rId4" cstate="print">
             <a:extLst>
               <a:ext uri="{28A0092B-C50C-407E-A947-70E740481C1C}">
-                <a14:useLocalDpi xmlns:a14="http://schemas.microsoft.com/office/drawing/2010/main"/>
+                <a14:useLocalDpi xmlns:a14="http://schemas.microsoft.com/office/drawing/2010/main" val="0"/>
               </a:ext>
             </a:extLst>
           </a:blip>
@@ -23114,66 +23970,18 @@
           </a:stretch>
         </p:blipFill>
         <p:spPr>
-          <a:xfrm>
-            <a:off x="2466340" y="3166219"/>
-            <a:ext cx="5400000" cy="47625"/>
+          <a:xfrm rot="0">
+            <a:off x="4344670" y="1601470"/>
+            <a:ext cx="9610090" cy="8073390"/>
           </a:xfrm>
-          <a:prstGeom prst="rect">
-            <a:avLst/>
-          </a:prstGeom>
+          <a:prstGeom prst="rect"/>
           <a:noFill/>
-          <a:ln w="0">
-            <a:noFill/>
-            <a:prstDash/>
-          </a:ln>
-        </p:spPr>
-      </p:pic>
-      <p:pic>
-        <p:nvPicPr>
-          <p:cNvPr id="25" name="그림 21">
-            <a:extLst>
-              <a:ext uri="{FF2B5EF4-FFF2-40B4-BE49-F238E27FC236}">
-                <a16:creationId xmlns:a16="http://schemas.microsoft.com/office/drawing/2014/main" id="{03A85606-C38C-45D8-A955-53B01A5E1118}"/>
-              </a:ext>
-            </a:extLst>
-          </p:cNvPr>
-          <p:cNvPicPr>
-            <a:picLocks/>
-          </p:cNvPicPr>
-          <p:nvPr/>
-        </p:nvPicPr>
-        <p:blipFill rotWithShape="1">
-          <a:blip r:embed="rId7" cstate="hqprint">
-            <a:clrChange>
-              <a:clrFrom>
-                <a:srgbClr val="68457F"/>
-              </a:clrFrom>
-              <a:clrTo>
-                <a:srgbClr val="68457F">
-                  <a:alpha val="0"/>
-                </a:srgbClr>
-              </a:clrTo>
-            </a:clrChange>
-            <a:extLst>
-              <a:ext uri="{28A0092B-C50C-407E-A947-70E740481C1C}">
-                <a14:useLocalDpi xmlns:a14="http://schemas.microsoft.com/office/drawing/2010/main"/>
-              </a:ext>
-            </a:extLst>
-          </a:blip>
-          <a:stretch>
-            <a:fillRect/>
-          </a:stretch>
-        </p:blipFill>
-        <p:spPr>
-          <a:xfrm>
-            <a:off x="2014690" y="6059665"/>
-            <a:ext cx="6269760" cy="3295650"/>
-          </a:xfrm>
-          <a:prstGeom prst="rect">
-            <a:avLst/>
-          </a:prstGeom>
-          <a:noFill/>
-          <a:ln w="19050" cap="flat" cmpd="sng">
+          <a:ln w="57150" cap="flat" cmpd="sng">
+            <a:solidFill>
+              <a:srgbClr val="AFAFAF">
+                <a:alpha val="100000"/>
+              </a:srgbClr>
+            </a:solidFill>
             <a:prstDash val="solid"/>
             <a:round/>
           </a:ln>
@@ -23184,2269 +23992,21 @@
   <p:clrMapOvr>
     <a:masterClrMapping/>
   </p:clrMapOvr>
-</p:sld>
-</file>
-
-<file path=ppt/slides/slide9.xml><?xml version="1.0" encoding="utf-8"?>
-<p:sld xmlns:a="http://schemas.openxmlformats.org/drawingml/2006/main" xmlns:r="http://schemas.openxmlformats.org/officeDocument/2006/relationships" xmlns:p="http://schemas.openxmlformats.org/presentationml/2006/main">
-  <p:cSld>
-    <p:spTree>
-      <p:nvGrpSpPr>
-        <p:cNvPr id="1" name=""/>
-        <p:cNvGrpSpPr/>
-        <p:nvPr/>
-      </p:nvGrpSpPr>
-      <p:grpSpPr>
-        <a:xfrm>
-          <a:off x="0" y="0"/>
-          <a:ext cx="0" cy="0"/>
-          <a:chOff x="0" y="0"/>
-          <a:chExt cx="0" cy="0"/>
-        </a:xfrm>
-      </p:grpSpPr>
-      <p:sp>
-        <p:nvSpPr>
-          <p:cNvPr id="152" name="Rect 0"/>
-          <p:cNvSpPr txBox="1">
-            <a:spLocks/>
-          </p:cNvSpPr>
-          <p:nvPr/>
-        </p:nvSpPr>
-        <p:spPr>
-          <a:xfrm>
-            <a:off x="6036310" y="358775"/>
-            <a:ext cx="6256020" cy="862330"/>
-          </a:xfrm>
-          <a:prstGeom prst="rect">
-            <a:avLst/>
-          </a:prstGeom>
-          <a:noFill/>
-          <a:ln w="0">
-            <a:noFill/>
-            <a:prstDash/>
-          </a:ln>
-        </p:spPr>
-        <p:txBody>
-          <a:bodyPr vert="horz" wrap="square" lIns="91440" tIns="45720" rIns="91440" bIns="45720" numCol="1" anchor="t">
-            <a:spAutoFit/>
-          </a:bodyPr>
-          <a:lstStyle/>
-          <a:p>
-            <a:pPr marL="0" indent="0" algn="ctr" rtl="0" latinLnBrk="0">
-              <a:spcBef>
-                <a:spcPts val="0"/>
-              </a:spcBef>
-              <a:spcAft>
-                <a:spcPts val="0"/>
-              </a:spcAft>
-              <a:buFontTx/>
-              <a:buNone/>
-            </a:pPr>
-            <a:r>
-              <a:rPr lang="ko-KR" altLang="en-US" sz="5000" b="1">
-                <a:solidFill>
-                  <a:srgbClr val="694680"/>
-                </a:solidFill>
-                <a:latin typeface="나눔바른고딕" charset="0"/>
-                <a:ea typeface="나눔바른고딕" charset="0"/>
-                <a:cs typeface="Impact" charset="0"/>
-              </a:rPr>
-              <a:t>적용 기술</a:t>
-            </a:r>
-          </a:p>
-        </p:txBody>
-      </p:sp>
-      <p:sp>
-        <p:nvSpPr>
-          <p:cNvPr id="203" name="Rect 0"/>
-          <p:cNvSpPr>
-            <a:spLocks/>
-          </p:cNvSpPr>
-          <p:nvPr/>
-        </p:nvSpPr>
-        <p:spPr>
-          <a:xfrm>
-            <a:off x="208280" y="207645"/>
-            <a:ext cx="17877790" cy="9870440"/>
-          </a:xfrm>
-          <a:prstGeom prst="rect">
-            <a:avLst/>
-          </a:prstGeom>
-          <a:noFill/>
-          <a:ln w="57150" cap="flat" cmpd="sng">
-            <a:solidFill>
-              <a:srgbClr val="694680">
-                <a:alpha val="100000"/>
-              </a:srgbClr>
-            </a:solidFill>
-            <a:prstDash val="solid"/>
-            <a:round/>
-          </a:ln>
-        </p:spPr>
-        <p:style>
-          <a:lnRef idx="2">
-            <a:schemeClr val="accent1">
-              <a:shade val="50000"/>
-            </a:schemeClr>
-          </a:lnRef>
-          <a:fillRef idx="1">
-            <a:schemeClr val="accent1"/>
-          </a:fillRef>
-          <a:effectRef idx="0">
-            <a:schemeClr val="accent1"/>
-          </a:effectRef>
-          <a:fontRef idx="minor">
-            <a:schemeClr val="lt1"/>
-          </a:fontRef>
-        </p:style>
-        <p:txBody>
-          <a:bodyPr vert="horz" wrap="square" lIns="91440" tIns="45720" rIns="91440" bIns="45720" numCol="1" anchor="ctr">
-            <a:noAutofit/>
-          </a:bodyPr>
-          <a:lstStyle/>
-          <a:p>
-            <a:pPr marL="0" indent="0" algn="ctr" latinLnBrk="0" hangingPunct="1"/>
-            <a:endParaRPr lang="ko-KR" altLang="en-US" sz="1800">
-              <a:latin typeface="맑은 고딕" charset="0"/>
-              <a:ea typeface="맑은 고딕" charset="0"/>
-            </a:endParaRPr>
-          </a:p>
-        </p:txBody>
-      </p:sp>
-      <p:sp>
-        <p:nvSpPr>
-          <p:cNvPr id="204" name="도형 63"/>
-          <p:cNvSpPr>
-            <a:spLocks/>
-          </p:cNvSpPr>
-          <p:nvPr/>
-        </p:nvSpPr>
-        <p:spPr>
-          <a:xfrm>
-            <a:off x="1108710" y="1357630"/>
-            <a:ext cx="15960725" cy="46990"/>
-          </a:xfrm>
-          <a:prstGeom prst="rect">
-            <a:avLst/>
-          </a:prstGeom>
-          <a:solidFill>
-            <a:srgbClr val="694680"/>
-          </a:solidFill>
-          <a:ln w="0">
-            <a:noFill/>
-            <a:prstDash/>
-          </a:ln>
-        </p:spPr>
-        <p:style>
-          <a:lnRef idx="2">
-            <a:schemeClr val="accent1">
-              <a:shade val="50000"/>
-            </a:schemeClr>
-          </a:lnRef>
-          <a:fillRef idx="1">
-            <a:schemeClr val="accent1"/>
-          </a:fillRef>
-          <a:effectRef idx="0">
-            <a:schemeClr val="accent1"/>
-          </a:effectRef>
-          <a:fontRef idx="minor">
-            <a:schemeClr val="lt1"/>
-          </a:fontRef>
-        </p:style>
-        <p:txBody>
-          <a:bodyPr vert="horz" wrap="square" lIns="91440" tIns="45720" rIns="91440" bIns="45720" anchor="ctr">
-            <a:noAutofit/>
-          </a:bodyPr>
-          <a:lstStyle/>
-          <a:p>
-            <a:pPr marL="0" indent="0" algn="ctr" hangingPunct="1"/>
-            <a:endParaRPr lang="ko-KR" altLang="en-US" sz="1800">
-              <a:latin typeface="맑은 고딕" charset="0"/>
-              <a:ea typeface="맑은 고딕" charset="0"/>
-            </a:endParaRPr>
-          </a:p>
-        </p:txBody>
-      </p:sp>
-      <p:sp>
-        <p:nvSpPr>
-          <p:cNvPr id="37" name="직사각형 36">
-            <a:extLst>
-              <a:ext uri="{FF2B5EF4-FFF2-40B4-BE49-F238E27FC236}">
-                <a16:creationId xmlns:a16="http://schemas.microsoft.com/office/drawing/2014/main" id="{37F02F16-CFC3-4F43-BF2F-C23A6385EF9C}"/>
-              </a:ext>
-            </a:extLst>
-          </p:cNvPr>
-          <p:cNvSpPr/>
-          <p:nvPr/>
-        </p:nvSpPr>
-        <p:spPr>
-          <a:xfrm>
-            <a:off x="1771650" y="8845550"/>
-            <a:ext cx="14399895" cy="1012825"/>
-          </a:xfrm>
-          <a:prstGeom prst="rect">
-            <a:avLst/>
-          </a:prstGeom>
-          <a:solidFill>
-            <a:srgbClr val="694680"/>
-          </a:solidFill>
-          <a:ln>
-            <a:noFill/>
-          </a:ln>
-        </p:spPr>
-        <p:style>
-          <a:lnRef idx="2">
-            <a:schemeClr val="accent1">
-              <a:shade val="50000"/>
-            </a:schemeClr>
-          </a:lnRef>
-          <a:fillRef idx="1">
-            <a:schemeClr val="accent1"/>
-          </a:fillRef>
-          <a:effectRef idx="0">
-            <a:schemeClr val="accent1"/>
-          </a:effectRef>
-          <a:fontRef idx="minor">
-            <a:schemeClr val="lt1"/>
-          </a:fontRef>
-        </p:style>
-        <p:txBody>
-          <a:bodyPr rtlCol="0" anchor="ctr"/>
-          <a:lstStyle/>
-          <a:p>
-            <a:pPr algn="ctr"/>
-            <a:endParaRPr lang="ko-KR" altLang="en-US" sz="2000" dirty="0">
-              <a:effectLst>
-                <a:outerShdw blurRad="50800" dist="38100" dir="2700000" algn="tl" rotWithShape="0">
-                  <a:prstClr val="black">
-                    <a:alpha val="40000"/>
-                  </a:prstClr>
-                </a:outerShdw>
-              </a:effectLst>
-              <a:latin typeface="나눔바른고딕" panose="020B0603020101020101" pitchFamily="50" charset="-127"/>
-              <a:ea typeface="나눔바른고딕" panose="020B0603020101020101" pitchFamily="50" charset="-127"/>
-            </a:endParaRPr>
-          </a:p>
-        </p:txBody>
-      </p:sp>
-      <p:sp>
-        <p:nvSpPr>
-          <p:cNvPr id="38" name="직사각형 37">
-            <a:extLst>
-              <a:ext uri="{FF2B5EF4-FFF2-40B4-BE49-F238E27FC236}">
-                <a16:creationId xmlns:a16="http://schemas.microsoft.com/office/drawing/2014/main" id="{2C94E36D-FB88-4D67-983B-F55D433753C7}"/>
-              </a:ext>
-            </a:extLst>
-          </p:cNvPr>
-          <p:cNvSpPr/>
-          <p:nvPr/>
-        </p:nvSpPr>
-        <p:spPr>
-          <a:xfrm>
-            <a:off x="1771650" y="7648575"/>
-            <a:ext cx="7200265" cy="1012825"/>
-          </a:xfrm>
-          <a:prstGeom prst="rect">
-            <a:avLst/>
-          </a:prstGeom>
-          <a:solidFill>
-            <a:srgbClr val="694680"/>
-          </a:solidFill>
-          <a:ln>
-            <a:noFill/>
-          </a:ln>
-        </p:spPr>
-        <p:style>
-          <a:lnRef idx="2">
-            <a:schemeClr val="accent1">
-              <a:shade val="50000"/>
-            </a:schemeClr>
-          </a:lnRef>
-          <a:fillRef idx="1">
-            <a:schemeClr val="accent1"/>
-          </a:fillRef>
-          <a:effectRef idx="0">
-            <a:schemeClr val="accent1"/>
-          </a:effectRef>
-          <a:fontRef idx="minor">
-            <a:schemeClr val="lt1"/>
-          </a:fontRef>
-        </p:style>
-        <p:txBody>
-          <a:bodyPr rtlCol="0" anchor="ctr"/>
-          <a:lstStyle/>
-          <a:p>
-            <a:pPr algn="ctr"/>
-            <a:endParaRPr lang="ko-KR" altLang="en-US" sz="2000" dirty="0">
-              <a:effectLst>
-                <a:outerShdw blurRad="50800" dist="38100" dir="2700000" algn="tl" rotWithShape="0">
-                  <a:prstClr val="black">
-                    <a:alpha val="40000"/>
-                  </a:prstClr>
-                </a:outerShdw>
-              </a:effectLst>
-              <a:latin typeface="나눔바른고딕" panose="020B0603020101020101" pitchFamily="50" charset="-127"/>
-              <a:ea typeface="나눔바른고딕" panose="020B0603020101020101" pitchFamily="50" charset="-127"/>
-            </a:endParaRPr>
-          </a:p>
-        </p:txBody>
-      </p:sp>
-      <p:sp>
-        <p:nvSpPr>
-          <p:cNvPr id="39" name="직사각형 38">
-            <a:extLst>
-              <a:ext uri="{FF2B5EF4-FFF2-40B4-BE49-F238E27FC236}">
-                <a16:creationId xmlns:a16="http://schemas.microsoft.com/office/drawing/2014/main" id="{865B1396-5538-41FE-8A64-69416647DBAE}"/>
-              </a:ext>
-            </a:extLst>
-          </p:cNvPr>
-          <p:cNvSpPr/>
-          <p:nvPr/>
-        </p:nvSpPr>
-        <p:spPr>
-          <a:xfrm>
-            <a:off x="9316085" y="7648575"/>
-            <a:ext cx="6855460" cy="1012825"/>
-          </a:xfrm>
-          <a:prstGeom prst="rect">
-            <a:avLst/>
-          </a:prstGeom>
-          <a:solidFill>
-            <a:srgbClr val="694680"/>
-          </a:solidFill>
-          <a:ln>
-            <a:noFill/>
-          </a:ln>
-        </p:spPr>
-        <p:style>
-          <a:lnRef idx="2">
-            <a:schemeClr val="accent1">
-              <a:shade val="50000"/>
-            </a:schemeClr>
-          </a:lnRef>
-          <a:fillRef idx="1">
-            <a:schemeClr val="accent1"/>
-          </a:fillRef>
-          <a:effectRef idx="0">
-            <a:schemeClr val="accent1"/>
-          </a:effectRef>
-          <a:fontRef idx="minor">
-            <a:schemeClr val="lt1"/>
-          </a:fontRef>
-        </p:style>
-        <p:txBody>
-          <a:bodyPr rtlCol="0" anchor="ctr"/>
-          <a:lstStyle/>
-          <a:p>
-            <a:pPr algn="ctr"/>
-            <a:endParaRPr lang="ko-KR" altLang="en-US" sz="2000" dirty="0">
-              <a:effectLst>
-                <a:outerShdw blurRad="50800" dist="38100" dir="2700000" algn="tl" rotWithShape="0">
-                  <a:prstClr val="black">
-                    <a:alpha val="40000"/>
-                  </a:prstClr>
-                </a:outerShdw>
-              </a:effectLst>
-              <a:latin typeface="나눔바른고딕" panose="020B0603020101020101" pitchFamily="50" charset="-127"/>
-              <a:ea typeface="나눔바른고딕" panose="020B0603020101020101" pitchFamily="50" charset="-127"/>
-            </a:endParaRPr>
-          </a:p>
-        </p:txBody>
-      </p:sp>
-      <p:sp>
-        <p:nvSpPr>
-          <p:cNvPr id="40" name="사각형: 둥근 모서리 39">
-            <a:extLst>
-              <a:ext uri="{FF2B5EF4-FFF2-40B4-BE49-F238E27FC236}">
-                <a16:creationId xmlns:a16="http://schemas.microsoft.com/office/drawing/2014/main" id="{E2ABD2E6-FAE0-4B9D-84A8-C2B391919436}"/>
-              </a:ext>
-            </a:extLst>
-          </p:cNvPr>
-          <p:cNvSpPr/>
-          <p:nvPr/>
-        </p:nvSpPr>
-        <p:spPr>
-          <a:xfrm>
-            <a:off x="1771650" y="1957705"/>
-            <a:ext cx="7200265" cy="5506720"/>
-          </a:xfrm>
-          <a:prstGeom prst="roundRect">
-            <a:avLst/>
-          </a:prstGeom>
-          <a:solidFill>
-            <a:schemeClr val="bg1"/>
-          </a:solidFill>
-          <a:ln w="76200">
-            <a:solidFill>
-              <a:srgbClr val="694680"/>
-            </a:solidFill>
-          </a:ln>
-        </p:spPr>
-        <p:style>
-          <a:lnRef idx="2">
-            <a:schemeClr val="accent1">
-              <a:shade val="50000"/>
-            </a:schemeClr>
-          </a:lnRef>
-          <a:fillRef idx="1">
-            <a:schemeClr val="accent1"/>
-          </a:fillRef>
-          <a:effectRef idx="0">
-            <a:schemeClr val="accent1"/>
-          </a:effectRef>
-          <a:fontRef idx="minor">
-            <a:schemeClr val="lt1"/>
-          </a:fontRef>
-        </p:style>
-        <p:txBody>
-          <a:bodyPr rtlCol="0" anchor="ctr"/>
-          <a:lstStyle/>
-          <a:p>
-            <a:pPr algn="ctr"/>
-            <a:endParaRPr lang="ko-KR" altLang="en-US" dirty="0"/>
-          </a:p>
-        </p:txBody>
-      </p:sp>
-      <p:sp>
-        <p:nvSpPr>
-          <p:cNvPr id="41" name="사각형: 둥근 모서리 40">
-            <a:extLst>
-              <a:ext uri="{FF2B5EF4-FFF2-40B4-BE49-F238E27FC236}">
-                <a16:creationId xmlns:a16="http://schemas.microsoft.com/office/drawing/2014/main" id="{83EF73DB-421E-4429-B487-F3479DDA35F2}"/>
-              </a:ext>
-            </a:extLst>
-          </p:cNvPr>
-          <p:cNvSpPr/>
-          <p:nvPr/>
-        </p:nvSpPr>
-        <p:spPr>
-          <a:xfrm>
-            <a:off x="9302750" y="1957705"/>
-            <a:ext cx="6855460" cy="5506720"/>
-          </a:xfrm>
-          <a:prstGeom prst="roundRect">
-            <a:avLst/>
-          </a:prstGeom>
-          <a:solidFill>
-            <a:schemeClr val="bg1"/>
-          </a:solidFill>
-          <a:ln w="76200">
-            <a:solidFill>
-              <a:srgbClr val="694680"/>
-            </a:solidFill>
-          </a:ln>
-        </p:spPr>
-        <p:style>
-          <a:lnRef idx="2">
-            <a:schemeClr val="accent1">
-              <a:shade val="50000"/>
-            </a:schemeClr>
-          </a:lnRef>
-          <a:fillRef idx="1">
-            <a:schemeClr val="accent1"/>
-          </a:fillRef>
-          <a:effectRef idx="0">
-            <a:schemeClr val="accent1"/>
-          </a:effectRef>
-          <a:fontRef idx="minor">
-            <a:schemeClr val="lt1"/>
-          </a:fontRef>
-        </p:style>
-        <p:txBody>
-          <a:bodyPr rtlCol="0" anchor="ctr"/>
-          <a:lstStyle/>
-          <a:p>
-            <a:pPr algn="ctr"/>
-            <a:endParaRPr lang="ko-KR" altLang="en-US" dirty="0"/>
-          </a:p>
-        </p:txBody>
-      </p:sp>
-      <p:sp>
-        <p:nvSpPr>
-          <p:cNvPr id="42" name="TextBox 41">
-            <a:extLst>
-              <a:ext uri="{FF2B5EF4-FFF2-40B4-BE49-F238E27FC236}">
-                <a16:creationId xmlns:a16="http://schemas.microsoft.com/office/drawing/2014/main" id="{8B9F2F1A-9C06-44D7-AB76-59B07D0BE3BB}"/>
-              </a:ext>
-            </a:extLst>
-          </p:cNvPr>
-          <p:cNvSpPr txBox="1"/>
-          <p:nvPr/>
-        </p:nvSpPr>
-        <p:spPr>
-          <a:xfrm>
-            <a:off x="5251450" y="1757680"/>
-            <a:ext cx="240665" cy="400050"/>
-          </a:xfrm>
-          <a:prstGeom prst="rect">
-            <a:avLst/>
-          </a:prstGeom>
-          <a:solidFill>
-            <a:schemeClr val="bg1"/>
-          </a:solidFill>
-        </p:spPr>
-        <p:txBody>
-          <a:bodyPr wrap="none" rtlCol="0">
-            <a:spAutoFit/>
-          </a:bodyPr>
-          <a:lstStyle/>
-          <a:p>
-            <a:pPr algn="ctr"/>
-            <a:r>
-              <a:rPr lang="en-US" altLang="ko-KR" sz="2000" b="1" dirty="0">
-                <a:solidFill>
-                  <a:srgbClr val="694680"/>
-                </a:solidFill>
-                <a:effectLst>
-                  <a:outerShdw blurRad="38100" dist="38100" dir="2700000" algn="tl">
-                    <a:srgbClr val="000000">
-                      <a:alpha val="43137"/>
-                    </a:srgbClr>
-                  </a:outerShdw>
-                </a:effectLst>
-                <a:latin typeface="나눔바른고딕" panose="020B0603020101020101" pitchFamily="50" charset="-127"/>
-                <a:ea typeface="나눔바른고딕" panose="020B0603020101020101" pitchFamily="50" charset="-127"/>
-              </a:rPr>
-              <a:t> </a:t>
-            </a:r>
-            <a:endParaRPr lang="ko-KR" altLang="en-US" sz="2000" b="1" dirty="0">
-              <a:solidFill>
-                <a:srgbClr val="694680"/>
-              </a:solidFill>
-              <a:effectLst>
-                <a:outerShdw blurRad="38100" dist="38100" dir="2700000" algn="tl">
-                  <a:srgbClr val="000000">
-                    <a:alpha val="43137"/>
-                  </a:srgbClr>
-                </a:outerShdw>
-              </a:effectLst>
-              <a:latin typeface="나눔바른고딕" panose="020B0603020101020101" pitchFamily="50" charset="-127"/>
-              <a:ea typeface="나눔바른고딕" panose="020B0603020101020101" pitchFamily="50" charset="-127"/>
-            </a:endParaRPr>
-          </a:p>
-        </p:txBody>
-      </p:sp>
-      <p:sp>
-        <p:nvSpPr>
-          <p:cNvPr id="43" name="TextBox 42">
-            <a:extLst>
-              <a:ext uri="{FF2B5EF4-FFF2-40B4-BE49-F238E27FC236}">
-                <a16:creationId xmlns:a16="http://schemas.microsoft.com/office/drawing/2014/main" id="{2E2C7161-3A83-4B3A-93C2-9DD427FEC789}"/>
-              </a:ext>
-            </a:extLst>
-          </p:cNvPr>
-          <p:cNvSpPr txBox="1"/>
-          <p:nvPr/>
-        </p:nvSpPr>
-        <p:spPr>
-          <a:xfrm>
-            <a:off x="11908790" y="1757680"/>
-            <a:ext cx="1643380" cy="400050"/>
-          </a:xfrm>
-          <a:prstGeom prst="rect">
-            <a:avLst/>
-          </a:prstGeom>
-          <a:solidFill>
-            <a:schemeClr val="bg1"/>
-          </a:solidFill>
-        </p:spPr>
-        <p:txBody>
-          <a:bodyPr wrap="none" rtlCol="0">
-            <a:spAutoFit/>
-          </a:bodyPr>
-          <a:lstStyle/>
-          <a:p>
-            <a:pPr algn="ctr"/>
-            <a:r>
-              <a:rPr lang="en-US" altLang="ko-KR" sz="2000" b="1" dirty="0">
-                <a:solidFill>
-                  <a:srgbClr val="694680"/>
-                </a:solidFill>
-                <a:effectLst>
-                  <a:outerShdw blurRad="38100" dist="38100" dir="2700000" algn="tl">
-                    <a:srgbClr val="000000">
-                      <a:alpha val="43137"/>
-                    </a:srgbClr>
-                  </a:outerShdw>
-                </a:effectLst>
-                <a:latin typeface="나눔바른고딕" panose="020B0603020101020101" pitchFamily="50" charset="-127"/>
-                <a:ea typeface="나눔바른고딕" panose="020B0603020101020101" pitchFamily="50" charset="-127"/>
-              </a:rPr>
-              <a:t>                          </a:t>
-            </a:r>
-            <a:endParaRPr lang="ko-KR" altLang="en-US" sz="2000" b="1" dirty="0">
-              <a:solidFill>
-                <a:srgbClr val="694680"/>
-              </a:solidFill>
-              <a:effectLst>
-                <a:outerShdw blurRad="38100" dist="38100" dir="2700000" algn="tl">
-                  <a:srgbClr val="000000">
-                    <a:alpha val="43137"/>
-                  </a:srgbClr>
-                </a:outerShdw>
-              </a:effectLst>
-              <a:latin typeface="나눔바른고딕" panose="020B0603020101020101" pitchFamily="50" charset="-127"/>
-              <a:ea typeface="나눔바른고딕" panose="020B0603020101020101" pitchFamily="50" charset="-127"/>
-            </a:endParaRPr>
-          </a:p>
-        </p:txBody>
-      </p:sp>
-      <p:sp>
-        <p:nvSpPr>
-          <p:cNvPr id="44" name="사각형: 둥근 모서리 43">
-            <a:extLst>
-              <a:ext uri="{FF2B5EF4-FFF2-40B4-BE49-F238E27FC236}">
-                <a16:creationId xmlns:a16="http://schemas.microsoft.com/office/drawing/2014/main" id="{48C86997-5997-4695-B1F3-50B9F47DCB13}"/>
-              </a:ext>
-            </a:extLst>
-          </p:cNvPr>
-          <p:cNvSpPr/>
-          <p:nvPr/>
-        </p:nvSpPr>
-        <p:spPr>
-          <a:xfrm>
-            <a:off x="9559925" y="2849245"/>
-            <a:ext cx="4467225" cy="4107815"/>
-          </a:xfrm>
-          <a:prstGeom prst="roundRect">
-            <a:avLst/>
-          </a:prstGeom>
-          <a:noFill/>
-          <a:ln>
-            <a:solidFill>
-              <a:srgbClr val="694680"/>
-            </a:solidFill>
-          </a:ln>
-        </p:spPr>
-        <p:style>
-          <a:lnRef idx="2">
-            <a:schemeClr val="accent1">
-              <a:shade val="50000"/>
-            </a:schemeClr>
-          </a:lnRef>
-          <a:fillRef idx="1">
-            <a:schemeClr val="accent1"/>
-          </a:fillRef>
-          <a:effectRef idx="0">
-            <a:schemeClr val="accent1"/>
-          </a:effectRef>
-          <a:fontRef idx="minor">
-            <a:schemeClr val="lt1"/>
-          </a:fontRef>
-        </p:style>
-        <p:txBody>
-          <a:bodyPr rtlCol="0" anchor="ctr"/>
-          <a:lstStyle/>
-          <a:p>
-            <a:pPr algn="ctr"/>
-            <a:endParaRPr lang="ko-KR" altLang="en-US" dirty="0"/>
-          </a:p>
-        </p:txBody>
-      </p:sp>
-      <p:sp>
-        <p:nvSpPr>
-          <p:cNvPr id="45" name="TextBox 44">
-            <a:extLst>
-              <a:ext uri="{FF2B5EF4-FFF2-40B4-BE49-F238E27FC236}">
-                <a16:creationId xmlns:a16="http://schemas.microsoft.com/office/drawing/2014/main" id="{90253CE0-1EA0-4ECB-9A12-20D0EB7B6584}"/>
-              </a:ext>
-            </a:extLst>
-          </p:cNvPr>
-          <p:cNvSpPr txBox="1"/>
-          <p:nvPr/>
-        </p:nvSpPr>
-        <p:spPr>
-          <a:xfrm>
-            <a:off x="11015345" y="2652395"/>
-            <a:ext cx="1473200" cy="400050"/>
-          </a:xfrm>
-          <a:prstGeom prst="rect">
-            <a:avLst/>
-          </a:prstGeom>
-          <a:solidFill>
-            <a:schemeClr val="bg1"/>
-          </a:solidFill>
-        </p:spPr>
-        <p:txBody>
-          <a:bodyPr wrap="none" rtlCol="0">
-            <a:spAutoFit/>
-          </a:bodyPr>
-          <a:lstStyle/>
-          <a:p>
-            <a:r>
-              <a:rPr lang="en-US" altLang="ko-KR" sz="2000" b="1" dirty="0">
-                <a:solidFill>
-                  <a:srgbClr val="694680"/>
-                </a:solidFill>
-                <a:effectLst>
-                  <a:outerShdw blurRad="38100" dist="38100" dir="2700000" algn="tl">
-                    <a:srgbClr val="000000">
-                      <a:alpha val="43137"/>
-                    </a:srgbClr>
-                  </a:outerShdw>
-                </a:effectLst>
-                <a:latin typeface="나눔바른고딕" panose="020B0603020101020101" pitchFamily="50" charset="-127"/>
-                <a:ea typeface="나눔바른고딕" panose="020B0603020101020101" pitchFamily="50" charset="-127"/>
-              </a:rPr>
-              <a:t>Application</a:t>
-            </a:r>
-            <a:endParaRPr lang="ko-KR" altLang="en-US" sz="2000" b="1" dirty="0">
-              <a:solidFill>
-                <a:srgbClr val="694680"/>
-              </a:solidFill>
-              <a:effectLst>
-                <a:outerShdw blurRad="38100" dist="38100" dir="2700000" algn="tl">
-                  <a:srgbClr val="000000">
-                    <a:alpha val="43137"/>
-                  </a:srgbClr>
-                </a:outerShdw>
-              </a:effectLst>
-              <a:latin typeface="나눔바른고딕" panose="020B0603020101020101" pitchFamily="50" charset="-127"/>
-              <a:ea typeface="나눔바른고딕" panose="020B0603020101020101" pitchFamily="50" charset="-127"/>
-            </a:endParaRPr>
-          </a:p>
-        </p:txBody>
-      </p:sp>
-      <p:sp>
-        <p:nvSpPr>
-          <p:cNvPr id="46" name="사각형: 둥근 모서리 45">
-            <a:extLst>
-              <a:ext uri="{FF2B5EF4-FFF2-40B4-BE49-F238E27FC236}">
-                <a16:creationId xmlns:a16="http://schemas.microsoft.com/office/drawing/2014/main" id="{78BAE4E9-C392-4631-8E44-FA6720E63871}"/>
-              </a:ext>
-            </a:extLst>
-          </p:cNvPr>
-          <p:cNvSpPr/>
-          <p:nvPr/>
-        </p:nvSpPr>
-        <p:spPr>
-          <a:xfrm>
-            <a:off x="14211300" y="2849245"/>
-            <a:ext cx="1666875" cy="4107815"/>
-          </a:xfrm>
-          <a:prstGeom prst="roundRect">
-            <a:avLst/>
-          </a:prstGeom>
-          <a:noFill/>
-          <a:ln>
-            <a:solidFill>
-              <a:srgbClr val="694680"/>
-            </a:solidFill>
-          </a:ln>
-        </p:spPr>
-        <p:style>
-          <a:lnRef idx="2">
-            <a:schemeClr val="accent1">
-              <a:shade val="50000"/>
-            </a:schemeClr>
-          </a:lnRef>
-          <a:fillRef idx="1">
-            <a:schemeClr val="accent1"/>
-          </a:fillRef>
-          <a:effectRef idx="0">
-            <a:schemeClr val="accent1"/>
-          </a:effectRef>
-          <a:fontRef idx="minor">
-            <a:schemeClr val="lt1"/>
-          </a:fontRef>
-        </p:style>
-        <p:txBody>
-          <a:bodyPr rtlCol="0" anchor="ctr"/>
-          <a:lstStyle/>
-          <a:p>
-            <a:pPr algn="ctr"/>
-            <a:endParaRPr lang="ko-KR" altLang="en-US"/>
-          </a:p>
-        </p:txBody>
-      </p:sp>
-      <p:sp>
-        <p:nvSpPr>
-          <p:cNvPr id="47" name="TextBox 46">
-            <a:extLst>
-              <a:ext uri="{FF2B5EF4-FFF2-40B4-BE49-F238E27FC236}">
-                <a16:creationId xmlns:a16="http://schemas.microsoft.com/office/drawing/2014/main" id="{F909612F-7A56-433C-8BAD-883171D6A139}"/>
-              </a:ext>
-            </a:extLst>
-          </p:cNvPr>
-          <p:cNvSpPr txBox="1"/>
-          <p:nvPr/>
-        </p:nvSpPr>
-        <p:spPr>
-          <a:xfrm>
-            <a:off x="14538960" y="2626360"/>
-            <a:ext cx="1011555" cy="400050"/>
-          </a:xfrm>
-          <a:prstGeom prst="rect">
-            <a:avLst/>
-          </a:prstGeom>
-          <a:solidFill>
-            <a:schemeClr val="bg1"/>
-          </a:solidFill>
-        </p:spPr>
-        <p:txBody>
-          <a:bodyPr wrap="none" rtlCol="0">
-            <a:spAutoFit/>
-          </a:bodyPr>
-          <a:lstStyle/>
-          <a:p>
-            <a:r>
-              <a:rPr lang="en-US" altLang="ko-KR" sz="2000" b="1" dirty="0">
-                <a:solidFill>
-                  <a:srgbClr val="694680"/>
-                </a:solidFill>
-                <a:effectLst>
-                  <a:outerShdw blurRad="38100" dist="38100" dir="2700000" algn="tl">
-                    <a:srgbClr val="000000">
-                      <a:alpha val="43137"/>
-                    </a:srgbClr>
-                  </a:outerShdw>
-                </a:effectLst>
-                <a:latin typeface="나눔바른고딕" panose="020B0603020101020101" pitchFamily="50" charset="-127"/>
-                <a:ea typeface="나눔바른고딕" panose="020B0603020101020101" pitchFamily="50" charset="-127"/>
-              </a:rPr>
-              <a:t>MySQL</a:t>
-            </a:r>
-            <a:endParaRPr lang="ko-KR" altLang="en-US" sz="2000" b="1" dirty="0">
-              <a:solidFill>
-                <a:srgbClr val="694680"/>
-              </a:solidFill>
-              <a:effectLst>
-                <a:outerShdw blurRad="38100" dist="38100" dir="2700000" algn="tl">
-                  <a:srgbClr val="000000">
-                    <a:alpha val="43137"/>
-                  </a:srgbClr>
-                </a:outerShdw>
-              </a:effectLst>
-              <a:latin typeface="나눔바른고딕" panose="020B0603020101020101" pitchFamily="50" charset="-127"/>
-              <a:ea typeface="나눔바른고딕" panose="020B0603020101020101" pitchFamily="50" charset="-127"/>
-            </a:endParaRPr>
-          </a:p>
-        </p:txBody>
-      </p:sp>
-      <p:sp>
-        <p:nvSpPr>
-          <p:cNvPr id="48" name="직사각형 47">
-            <a:extLst>
-              <a:ext uri="{FF2B5EF4-FFF2-40B4-BE49-F238E27FC236}">
-                <a16:creationId xmlns:a16="http://schemas.microsoft.com/office/drawing/2014/main" id="{6CF7D45E-985F-4B41-B208-BB5B7754CD20}"/>
-              </a:ext>
-            </a:extLst>
-          </p:cNvPr>
-          <p:cNvSpPr/>
-          <p:nvPr/>
-        </p:nvSpPr>
-        <p:spPr>
-          <a:xfrm>
-            <a:off x="14395450" y="3511550"/>
-            <a:ext cx="1298575" cy="3041650"/>
-          </a:xfrm>
-          <a:prstGeom prst="rect">
-            <a:avLst/>
-          </a:prstGeom>
-          <a:solidFill>
-            <a:srgbClr val="694680"/>
-          </a:solidFill>
-          <a:ln>
-            <a:noFill/>
-          </a:ln>
-        </p:spPr>
-        <p:style>
-          <a:lnRef idx="2">
-            <a:schemeClr val="accent1">
-              <a:shade val="50000"/>
-            </a:schemeClr>
-          </a:lnRef>
-          <a:fillRef idx="1">
-            <a:schemeClr val="accent1"/>
-          </a:fillRef>
-          <a:effectRef idx="0">
-            <a:schemeClr val="accent1"/>
-          </a:effectRef>
-          <a:fontRef idx="minor">
-            <a:schemeClr val="lt1"/>
-          </a:fontRef>
-        </p:style>
-        <p:txBody>
-          <a:bodyPr rtlCol="0" anchor="ctr"/>
-          <a:lstStyle/>
-          <a:p>
-            <a:pPr algn="ctr"/>
-            <a:r>
-              <a:rPr lang="en-US" altLang="ko-KR" sz="2000" dirty="0">
-                <a:effectLst>
-                  <a:outerShdw blurRad="50800" dist="38100" dir="2700000" algn="tl" rotWithShape="0">
-                    <a:prstClr val="black">
-                      <a:alpha val="40000"/>
-                    </a:prstClr>
-                  </a:outerShdw>
-                </a:effectLst>
-                <a:latin typeface="나눔바른고딕" panose="020B0603020101020101" pitchFamily="50" charset="-127"/>
-                <a:ea typeface="나눔바른고딕" panose="020B0603020101020101" pitchFamily="50" charset="-127"/>
-              </a:rPr>
-              <a:t>table</a:t>
-            </a:r>
-            <a:endParaRPr lang="ko-KR" altLang="en-US" sz="2000" dirty="0">
-              <a:effectLst>
-                <a:outerShdw blurRad="50800" dist="38100" dir="2700000" algn="tl" rotWithShape="0">
-                  <a:prstClr val="black">
-                    <a:alpha val="40000"/>
-                  </a:prstClr>
-                </a:outerShdw>
-              </a:effectLst>
-              <a:latin typeface="나눔바른고딕" panose="020B0603020101020101" pitchFamily="50" charset="-127"/>
-              <a:ea typeface="나눔바른고딕" panose="020B0603020101020101" pitchFamily="50" charset="-127"/>
-            </a:endParaRPr>
-          </a:p>
-        </p:txBody>
-      </p:sp>
-      <p:sp>
-        <p:nvSpPr>
-          <p:cNvPr id="49" name="직사각형 48">
-            <a:extLst>
-              <a:ext uri="{FF2B5EF4-FFF2-40B4-BE49-F238E27FC236}">
-                <a16:creationId xmlns:a16="http://schemas.microsoft.com/office/drawing/2014/main" id="{15F82317-0AA7-4AE9-9AAD-1173FFF8BD3A}"/>
-              </a:ext>
-            </a:extLst>
-          </p:cNvPr>
-          <p:cNvSpPr/>
-          <p:nvPr/>
-        </p:nvSpPr>
-        <p:spPr>
-          <a:xfrm>
-            <a:off x="9806940" y="3511550"/>
-            <a:ext cx="1249680" cy="3041650"/>
-          </a:xfrm>
-          <a:prstGeom prst="rect">
-            <a:avLst/>
-          </a:prstGeom>
-          <a:solidFill>
-            <a:srgbClr val="694680"/>
-          </a:solidFill>
-          <a:ln>
-            <a:noFill/>
-          </a:ln>
-        </p:spPr>
-        <p:style>
-          <a:lnRef idx="2">
-            <a:schemeClr val="accent1">
-              <a:shade val="50000"/>
-            </a:schemeClr>
-          </a:lnRef>
-          <a:fillRef idx="1">
-            <a:schemeClr val="accent1"/>
-          </a:fillRef>
-          <a:effectRef idx="0">
-            <a:schemeClr val="accent1"/>
-          </a:effectRef>
-          <a:fontRef idx="minor">
-            <a:schemeClr val="lt1"/>
-          </a:fontRef>
-        </p:style>
-        <p:txBody>
-          <a:bodyPr rtlCol="0" anchor="ctr"/>
-          <a:lstStyle/>
-          <a:p>
-            <a:pPr algn="ctr"/>
-            <a:r>
-              <a:rPr lang="en-US" altLang="ko-KR" sz="2000" dirty="0">
-                <a:effectLst>
-                  <a:outerShdw blurRad="50800" dist="38100" dir="2700000" algn="tl" rotWithShape="0">
-                    <a:prstClr val="black">
-                      <a:alpha val="40000"/>
-                    </a:prstClr>
-                  </a:outerShdw>
-                </a:effectLst>
-                <a:latin typeface="나눔바른고딕" panose="020B0603020101020101" pitchFamily="50" charset="-127"/>
-                <a:ea typeface="나눔바른고딕" panose="020B0603020101020101" pitchFamily="50" charset="-127"/>
-              </a:rPr>
-              <a:t>REST</a:t>
-            </a:r>
-          </a:p>
-          <a:p>
-            <a:pPr algn="ctr"/>
-            <a:r>
-              <a:rPr lang="en-US" altLang="ko-KR" sz="1800" dirty="0">
-                <a:effectLst>
-                  <a:outerShdw blurRad="50800" dist="38100" dir="2700000" algn="tl" rotWithShape="0">
-                    <a:prstClr val="black">
-                      <a:alpha val="40000"/>
-                    </a:prstClr>
-                  </a:outerShdw>
-                </a:effectLst>
-                <a:latin typeface="나눔바른고딕" panose="020B0603020101020101" pitchFamily="50" charset="-127"/>
-                <a:ea typeface="나눔바른고딕" panose="020B0603020101020101" pitchFamily="50" charset="-127"/>
-              </a:rPr>
-              <a:t>Controller</a:t>
-            </a:r>
-            <a:endParaRPr lang="ko-KR" altLang="en-US" sz="1800" dirty="0">
-              <a:effectLst>
-                <a:outerShdw blurRad="50800" dist="38100" dir="2700000" algn="tl" rotWithShape="0">
-                  <a:prstClr val="black">
-                    <a:alpha val="40000"/>
-                  </a:prstClr>
-                </a:outerShdw>
-              </a:effectLst>
-              <a:latin typeface="나눔바른고딕" panose="020B0603020101020101" pitchFamily="50" charset="-127"/>
-              <a:ea typeface="나눔바른고딕" panose="020B0603020101020101" pitchFamily="50" charset="-127"/>
-            </a:endParaRPr>
-          </a:p>
-        </p:txBody>
-      </p:sp>
-      <p:sp>
-        <p:nvSpPr>
-          <p:cNvPr id="50" name="직사각형 49">
-            <a:extLst>
-              <a:ext uri="{FF2B5EF4-FFF2-40B4-BE49-F238E27FC236}">
-                <a16:creationId xmlns:a16="http://schemas.microsoft.com/office/drawing/2014/main" id="{3E36EE85-4C85-4F30-B67B-7119429AC4AC}"/>
-              </a:ext>
-            </a:extLst>
-          </p:cNvPr>
-          <p:cNvSpPr/>
-          <p:nvPr/>
-        </p:nvSpPr>
-        <p:spPr>
-          <a:xfrm>
-            <a:off x="11164570" y="3511550"/>
-            <a:ext cx="1249680" cy="3041650"/>
-          </a:xfrm>
-          <a:prstGeom prst="rect">
-            <a:avLst/>
-          </a:prstGeom>
-          <a:solidFill>
-            <a:srgbClr val="694680"/>
-          </a:solidFill>
-          <a:ln>
-            <a:noFill/>
-          </a:ln>
-        </p:spPr>
-        <p:style>
-          <a:lnRef idx="2">
-            <a:schemeClr val="accent1">
-              <a:shade val="50000"/>
-            </a:schemeClr>
-          </a:lnRef>
-          <a:fillRef idx="1">
-            <a:schemeClr val="accent1"/>
-          </a:fillRef>
-          <a:effectRef idx="0">
-            <a:schemeClr val="accent1"/>
-          </a:effectRef>
-          <a:fontRef idx="minor">
-            <a:schemeClr val="lt1"/>
-          </a:fontRef>
-        </p:style>
-        <p:txBody>
-          <a:bodyPr rtlCol="0" anchor="ctr"/>
-          <a:lstStyle/>
-          <a:p>
-            <a:pPr algn="ctr"/>
-            <a:r>
-              <a:rPr lang="en-US" altLang="ko-KR" sz="2000" dirty="0">
-                <a:effectLst>
-                  <a:outerShdw blurRad="50800" dist="38100" dir="2700000" algn="tl" rotWithShape="0">
-                    <a:prstClr val="black">
-                      <a:alpha val="40000"/>
-                    </a:prstClr>
-                  </a:outerShdw>
-                </a:effectLst>
-                <a:latin typeface="나눔바른고딕" panose="020B0603020101020101" pitchFamily="50" charset="-127"/>
-                <a:ea typeface="나눔바른고딕" panose="020B0603020101020101" pitchFamily="50" charset="-127"/>
-              </a:rPr>
-              <a:t>Java Class</a:t>
-            </a:r>
-            <a:endParaRPr lang="ko-KR" altLang="en-US" sz="1800" dirty="0">
-              <a:effectLst>
-                <a:outerShdw blurRad="50800" dist="38100" dir="2700000" algn="tl" rotWithShape="0">
-                  <a:prstClr val="black">
-                    <a:alpha val="40000"/>
-                  </a:prstClr>
-                </a:outerShdw>
-              </a:effectLst>
-              <a:latin typeface="나눔바른고딕" panose="020B0603020101020101" pitchFamily="50" charset="-127"/>
-              <a:ea typeface="나눔바른고딕" panose="020B0603020101020101" pitchFamily="50" charset="-127"/>
-            </a:endParaRPr>
-          </a:p>
-        </p:txBody>
-      </p:sp>
-      <p:sp>
-        <p:nvSpPr>
-          <p:cNvPr id="51" name="직사각형 50">
-            <a:extLst>
-              <a:ext uri="{FF2B5EF4-FFF2-40B4-BE49-F238E27FC236}">
-                <a16:creationId xmlns:a16="http://schemas.microsoft.com/office/drawing/2014/main" id="{0275A49B-AE71-48D9-B747-1AEAEDA11F1E}"/>
-              </a:ext>
-            </a:extLst>
-          </p:cNvPr>
-          <p:cNvSpPr/>
-          <p:nvPr/>
-        </p:nvSpPr>
-        <p:spPr>
-          <a:xfrm>
-            <a:off x="12536170" y="3511550"/>
-            <a:ext cx="1249680" cy="3041650"/>
-          </a:xfrm>
-          <a:prstGeom prst="rect">
-            <a:avLst/>
-          </a:prstGeom>
-          <a:solidFill>
-            <a:srgbClr val="694680"/>
-          </a:solidFill>
-          <a:ln>
-            <a:noFill/>
-          </a:ln>
-        </p:spPr>
-        <p:style>
-          <a:lnRef idx="2">
-            <a:schemeClr val="accent1">
-              <a:shade val="50000"/>
-            </a:schemeClr>
-          </a:lnRef>
-          <a:fillRef idx="1">
-            <a:schemeClr val="accent1"/>
-          </a:fillRef>
-          <a:effectRef idx="0">
-            <a:schemeClr val="accent1"/>
-          </a:effectRef>
-          <a:fontRef idx="minor">
-            <a:schemeClr val="lt1"/>
-          </a:fontRef>
-        </p:style>
-        <p:txBody>
-          <a:bodyPr rtlCol="0" anchor="ctr"/>
-          <a:lstStyle/>
-          <a:p>
-            <a:pPr algn="ctr"/>
-            <a:r>
-              <a:rPr lang="en-US" altLang="ko-KR" sz="2000" dirty="0">
-                <a:effectLst>
-                  <a:outerShdw blurRad="50800" dist="38100" dir="2700000" algn="tl" rotWithShape="0">
-                    <a:prstClr val="black">
-                      <a:alpha val="40000"/>
-                    </a:prstClr>
-                  </a:outerShdw>
-                </a:effectLst>
-                <a:latin typeface="나눔바른고딕" panose="020B0603020101020101" pitchFamily="50" charset="-127"/>
-                <a:ea typeface="나눔바른고딕" panose="020B0603020101020101" pitchFamily="50" charset="-127"/>
-              </a:rPr>
-              <a:t>Spring</a:t>
-            </a:r>
-          </a:p>
-          <a:p>
-            <a:pPr algn="ctr"/>
-            <a:r>
-              <a:rPr lang="en-US" altLang="ko-KR" sz="2000" dirty="0">
-                <a:effectLst>
-                  <a:outerShdw blurRad="50800" dist="38100" dir="2700000" algn="tl" rotWithShape="0">
-                    <a:prstClr val="black">
-                      <a:alpha val="40000"/>
-                    </a:prstClr>
-                  </a:outerShdw>
-                </a:effectLst>
-                <a:latin typeface="나눔바른고딕" panose="020B0603020101020101" pitchFamily="50" charset="-127"/>
-                <a:ea typeface="나눔바른고딕" panose="020B0603020101020101" pitchFamily="50" charset="-127"/>
-              </a:rPr>
-              <a:t>Data</a:t>
-            </a:r>
-          </a:p>
-          <a:p>
-            <a:pPr algn="ctr"/>
-            <a:r>
-              <a:rPr lang="en-US" altLang="ko-KR" sz="1500" dirty="0">
-                <a:effectLst>
-                  <a:outerShdw blurRad="50800" dist="38100" dir="2700000" algn="tl" rotWithShape="0">
-                    <a:prstClr val="black">
-                      <a:alpha val="40000"/>
-                    </a:prstClr>
-                  </a:outerShdw>
-                </a:effectLst>
-                <a:latin typeface="나눔바른고딕" panose="020B0603020101020101" pitchFamily="50" charset="-127"/>
-                <a:ea typeface="나눔바른고딕" panose="020B0603020101020101" pitchFamily="50" charset="-127"/>
-              </a:rPr>
-              <a:t>JPA</a:t>
-            </a:r>
-            <a:endParaRPr lang="ko-KR" altLang="en-US" sz="1500" dirty="0">
-              <a:effectLst>
-                <a:outerShdw blurRad="50800" dist="38100" dir="2700000" algn="tl" rotWithShape="0">
-                  <a:prstClr val="black">
-                    <a:alpha val="40000"/>
-                  </a:prstClr>
-                </a:outerShdw>
-              </a:effectLst>
-              <a:latin typeface="나눔바른고딕" panose="020B0603020101020101" pitchFamily="50" charset="-127"/>
-              <a:ea typeface="나눔바른고딕" panose="020B0603020101020101" pitchFamily="50" charset="-127"/>
-            </a:endParaRPr>
-          </a:p>
-        </p:txBody>
-      </p:sp>
-      <p:sp>
-        <p:nvSpPr>
-          <p:cNvPr id="52" name="화살표: 오른쪽 51">
-            <a:extLst>
-              <a:ext uri="{FF2B5EF4-FFF2-40B4-BE49-F238E27FC236}">
-                <a16:creationId xmlns:a16="http://schemas.microsoft.com/office/drawing/2014/main" id="{DE23BCDC-38A4-489B-94CD-D748A444252E}"/>
-              </a:ext>
-            </a:extLst>
-          </p:cNvPr>
-          <p:cNvSpPr/>
-          <p:nvPr/>
-        </p:nvSpPr>
-        <p:spPr>
-          <a:xfrm>
-            <a:off x="13785850" y="4378325"/>
-            <a:ext cx="425450" cy="332740"/>
-          </a:xfrm>
-          <a:prstGeom prst="rightArrow">
-            <a:avLst/>
-          </a:prstGeom>
-          <a:solidFill>
-            <a:schemeClr val="accent4">
-              <a:lumMod val="60000"/>
-              <a:lumOff val="40000"/>
-            </a:schemeClr>
-          </a:solidFill>
-          <a:ln>
-            <a:noFill/>
-          </a:ln>
-        </p:spPr>
-        <p:style>
-          <a:lnRef idx="2">
-            <a:schemeClr val="accent4">
-              <a:shade val="50000"/>
-            </a:schemeClr>
-          </a:lnRef>
-          <a:fillRef idx="1">
-            <a:schemeClr val="accent4"/>
-          </a:fillRef>
-          <a:effectRef idx="0">
-            <a:schemeClr val="accent4"/>
-          </a:effectRef>
-          <a:fontRef idx="minor">
-            <a:schemeClr val="lt1"/>
-          </a:fontRef>
-        </p:style>
-        <p:txBody>
-          <a:bodyPr rtlCol="0" anchor="ctr"/>
-          <a:lstStyle/>
-          <a:p>
-            <a:pPr algn="ctr"/>
-            <a:endParaRPr lang="ko-KR" altLang="en-US"/>
-          </a:p>
-        </p:txBody>
-      </p:sp>
-      <p:sp>
-        <p:nvSpPr>
-          <p:cNvPr id="53" name="화살표: 오른쪽 52">
-            <a:extLst>
-              <a:ext uri="{FF2B5EF4-FFF2-40B4-BE49-F238E27FC236}">
-                <a16:creationId xmlns:a16="http://schemas.microsoft.com/office/drawing/2014/main" id="{2E3CE41D-3B84-43E9-91B2-48C435936968}"/>
-              </a:ext>
-            </a:extLst>
-          </p:cNvPr>
-          <p:cNvSpPr/>
-          <p:nvPr/>
-        </p:nvSpPr>
-        <p:spPr>
-          <a:xfrm rot="10800000">
-            <a:off x="13771880" y="5200015"/>
-            <a:ext cx="425450" cy="332740"/>
-          </a:xfrm>
-          <a:prstGeom prst="rightArrow">
-            <a:avLst/>
-          </a:prstGeom>
-          <a:solidFill>
-            <a:schemeClr val="accent4">
-              <a:lumMod val="60000"/>
-              <a:lumOff val="40000"/>
-            </a:schemeClr>
-          </a:solidFill>
-          <a:ln>
-            <a:noFill/>
-          </a:ln>
-        </p:spPr>
-        <p:style>
-          <a:lnRef idx="2">
-            <a:schemeClr val="accent4">
-              <a:shade val="50000"/>
-            </a:schemeClr>
-          </a:lnRef>
-          <a:fillRef idx="1">
-            <a:schemeClr val="accent4"/>
-          </a:fillRef>
-          <a:effectRef idx="0">
-            <a:schemeClr val="accent4"/>
-          </a:effectRef>
-          <a:fontRef idx="minor">
-            <a:schemeClr val="lt1"/>
-          </a:fontRef>
-        </p:style>
-        <p:txBody>
-          <a:bodyPr rtlCol="0" anchor="ctr"/>
-          <a:lstStyle/>
-          <a:p>
-            <a:pPr algn="ctr"/>
-            <a:endParaRPr lang="ko-KR" altLang="en-US"/>
-          </a:p>
-        </p:txBody>
-      </p:sp>
-      <p:sp>
-        <p:nvSpPr>
-          <p:cNvPr id="58" name="TextBox 57">
-            <a:extLst>
-              <a:ext uri="{FF2B5EF4-FFF2-40B4-BE49-F238E27FC236}">
-                <a16:creationId xmlns:a16="http://schemas.microsoft.com/office/drawing/2014/main" id="{0195B819-12B5-46F3-80E7-C2AA7CA0DAC5}"/>
-              </a:ext>
-            </a:extLst>
-          </p:cNvPr>
-          <p:cNvSpPr txBox="1"/>
-          <p:nvPr/>
-        </p:nvSpPr>
-        <p:spPr>
-          <a:xfrm>
-            <a:off x="5279390" y="3912235"/>
-            <a:ext cx="184785" cy="400050"/>
-          </a:xfrm>
-          <a:prstGeom prst="rect">
-            <a:avLst/>
-          </a:prstGeom>
-          <a:noFill/>
-        </p:spPr>
-        <p:txBody>
-          <a:bodyPr wrap="none" rtlCol="0">
-            <a:spAutoFit/>
-          </a:bodyPr>
-          <a:lstStyle/>
-          <a:p>
-            <a:pPr algn="ctr"/>
-            <a:endParaRPr lang="ko-KR" altLang="en-US" sz="2000" b="1" dirty="0">
-              <a:solidFill>
-                <a:srgbClr val="694680"/>
-              </a:solidFill>
-              <a:effectLst>
-                <a:outerShdw blurRad="38100" dist="38100" dir="2700000" algn="tl">
-                  <a:srgbClr val="000000">
-                    <a:alpha val="43137"/>
-                  </a:srgbClr>
-                </a:outerShdw>
-              </a:effectLst>
-              <a:latin typeface="나눔바른고딕" panose="020B0603020101020101" pitchFamily="50" charset="-127"/>
-              <a:ea typeface="나눔바른고딕" panose="020B0603020101020101" pitchFamily="50" charset="-127"/>
-            </a:endParaRPr>
-          </a:p>
-        </p:txBody>
-      </p:sp>
-      <p:sp>
-        <p:nvSpPr>
-          <p:cNvPr id="59" name="화살표: 오른쪽 58">
-            <a:extLst>
-              <a:ext uri="{FF2B5EF4-FFF2-40B4-BE49-F238E27FC236}">
-                <a16:creationId xmlns:a16="http://schemas.microsoft.com/office/drawing/2014/main" id="{B37D9420-3632-4A7C-9D92-C5E0281B1C8B}"/>
-              </a:ext>
-            </a:extLst>
-          </p:cNvPr>
-          <p:cNvSpPr/>
-          <p:nvPr/>
-        </p:nvSpPr>
-        <p:spPr>
-          <a:xfrm>
-            <a:off x="7239000" y="4026535"/>
-            <a:ext cx="2567305" cy="570865"/>
-          </a:xfrm>
-          <a:prstGeom prst="rightArrow">
-            <a:avLst/>
-          </a:prstGeom>
-          <a:solidFill>
-            <a:schemeClr val="accent4">
-              <a:lumMod val="60000"/>
-              <a:lumOff val="40000"/>
-            </a:schemeClr>
-          </a:solidFill>
-          <a:ln>
-            <a:noFill/>
-          </a:ln>
-        </p:spPr>
-        <p:style>
-          <a:lnRef idx="2">
-            <a:schemeClr val="accent4">
-              <a:shade val="50000"/>
-            </a:schemeClr>
-          </a:lnRef>
-          <a:fillRef idx="1">
-            <a:schemeClr val="accent4"/>
-          </a:fillRef>
-          <a:effectRef idx="0">
-            <a:schemeClr val="accent4"/>
-          </a:effectRef>
-          <a:fontRef idx="minor">
-            <a:schemeClr val="lt1"/>
-          </a:fontRef>
-        </p:style>
-        <p:txBody>
-          <a:bodyPr rtlCol="0" anchor="ctr"/>
-          <a:lstStyle/>
-          <a:p>
-            <a:r>
-              <a:rPr lang="en-US" altLang="ko-KR" sz="1500" b="1" dirty="0">
-                <a:solidFill>
-                  <a:schemeClr val="tx1"/>
-                </a:solidFill>
-                <a:effectLst>
-                  <a:outerShdw blurRad="38100" dist="38100" dir="2700000" algn="tl">
-                    <a:srgbClr val="000000">
-                      <a:alpha val="43137"/>
-                    </a:srgbClr>
-                  </a:outerShdw>
-                </a:effectLst>
-                <a:latin typeface="나눔바른고딕" panose="020B0603020101020101" pitchFamily="50" charset="-127"/>
-                <a:ea typeface="나눔바른고딕" panose="020B0603020101020101" pitchFamily="50" charset="-127"/>
-              </a:rPr>
-              <a:t>           Request</a:t>
-            </a:r>
-            <a:endParaRPr lang="ko-KR" altLang="en-US" sz="1500" b="1" dirty="0">
-              <a:solidFill>
-                <a:schemeClr val="tx1"/>
-              </a:solidFill>
-              <a:effectLst>
-                <a:outerShdw blurRad="38100" dist="38100" dir="2700000" algn="tl">
-                  <a:srgbClr val="000000">
-                    <a:alpha val="43137"/>
-                  </a:srgbClr>
-                </a:outerShdw>
-              </a:effectLst>
-              <a:latin typeface="나눔바른고딕" panose="020B0603020101020101" pitchFamily="50" charset="-127"/>
-              <a:ea typeface="나눔바른고딕" panose="020B0603020101020101" pitchFamily="50" charset="-127"/>
-            </a:endParaRPr>
-          </a:p>
-        </p:txBody>
-      </p:sp>
-      <p:sp>
-        <p:nvSpPr>
-          <p:cNvPr id="63" name="화살표: 오른쪽 62">
-            <a:extLst>
-              <a:ext uri="{FF2B5EF4-FFF2-40B4-BE49-F238E27FC236}">
-                <a16:creationId xmlns:a16="http://schemas.microsoft.com/office/drawing/2014/main" id="{8990845D-8218-442D-854D-2B1F331FABFD}"/>
-              </a:ext>
-            </a:extLst>
-          </p:cNvPr>
-          <p:cNvSpPr/>
-          <p:nvPr/>
-        </p:nvSpPr>
-        <p:spPr>
-          <a:xfrm flipH="1">
-            <a:off x="7239000" y="5366385"/>
-            <a:ext cx="2563495" cy="570865"/>
-          </a:xfrm>
-          <a:prstGeom prst="rightArrow">
-            <a:avLst/>
-          </a:prstGeom>
-          <a:solidFill>
-            <a:schemeClr val="accent4">
-              <a:lumMod val="60000"/>
-              <a:lumOff val="40000"/>
-            </a:schemeClr>
-          </a:solidFill>
-          <a:ln>
-            <a:noFill/>
-          </a:ln>
-        </p:spPr>
-        <p:style>
-          <a:lnRef idx="2">
-            <a:schemeClr val="accent4">
-              <a:shade val="50000"/>
-            </a:schemeClr>
-          </a:lnRef>
-          <a:fillRef idx="1">
-            <a:schemeClr val="accent4"/>
-          </a:fillRef>
-          <a:effectRef idx="0">
-            <a:schemeClr val="accent4"/>
-          </a:effectRef>
-          <a:fontRef idx="minor">
-            <a:schemeClr val="lt1"/>
-          </a:fontRef>
-        </p:style>
-        <p:txBody>
-          <a:bodyPr rtlCol="0" anchor="ctr"/>
-          <a:lstStyle/>
-          <a:p>
-            <a:r>
-              <a:rPr lang="en-US" altLang="ko-KR" sz="1500" b="1" dirty="0">
-                <a:solidFill>
-                  <a:schemeClr val="tx1"/>
-                </a:solidFill>
-                <a:effectLst>
-                  <a:outerShdw blurRad="38100" dist="38100" dir="2700000" algn="tl">
-                    <a:srgbClr val="000000">
-                      <a:alpha val="43137"/>
-                    </a:srgbClr>
-                  </a:outerShdw>
-                </a:effectLst>
-                <a:latin typeface="나눔바른고딕" panose="020B0603020101020101" pitchFamily="50" charset="-127"/>
-                <a:ea typeface="나눔바른고딕" panose="020B0603020101020101" pitchFamily="50" charset="-127"/>
-              </a:rPr>
-              <a:t>       Response</a:t>
-            </a:r>
-            <a:endParaRPr lang="ko-KR" altLang="en-US" sz="1500" b="1" dirty="0">
-              <a:solidFill>
-                <a:schemeClr val="tx1"/>
-              </a:solidFill>
-              <a:effectLst>
-                <a:outerShdw blurRad="38100" dist="38100" dir="2700000" algn="tl">
-                  <a:srgbClr val="000000">
-                    <a:alpha val="43137"/>
-                  </a:srgbClr>
-                </a:outerShdw>
-              </a:effectLst>
-              <a:latin typeface="나눔바른고딕" panose="020B0603020101020101" pitchFamily="50" charset="-127"/>
-              <a:ea typeface="나눔바른고딕" panose="020B0603020101020101" pitchFamily="50" charset="-127"/>
-            </a:endParaRPr>
-          </a:p>
-        </p:txBody>
-      </p:sp>
-      <p:pic>
-        <p:nvPicPr>
-          <p:cNvPr id="3076" name="Picture 4">
-            <a:extLst>
-              <a:ext uri="{FF2B5EF4-FFF2-40B4-BE49-F238E27FC236}">
-                <a16:creationId xmlns:a16="http://schemas.microsoft.com/office/drawing/2014/main" id="{FBAD7F8A-426A-4CEC-9434-50DCB4824CA6}"/>
-              </a:ext>
-            </a:extLst>
-          </p:cNvPr>
-          <p:cNvPicPr>
-            <a:picLocks noChangeAspect="1" noChangeArrowheads="1"/>
-          </p:cNvPicPr>
-          <p:nvPr/>
-        </p:nvPicPr>
-        <p:blipFill>
-          <a:blip r:embed="rId3">
-            <a:extLst>
-              <a:ext uri="{28A0092B-C50C-407E-A947-70E740481C1C}">
-                <a14:useLocalDpi xmlns:a14="http://schemas.microsoft.com/office/drawing/2010/main" val="0"/>
-              </a:ext>
-            </a:extLst>
-          </a:blip>
-          <a:srcRect/>
-          <a:stretch>
-            <a:fillRect/>
-          </a:stretch>
-        </p:blipFill>
-        <p:spPr bwMode="auto">
-          <a:xfrm>
-            <a:off x="12174220" y="1397000"/>
-            <a:ext cx="1141095" cy="1141095"/>
-          </a:xfrm>
-          <a:prstGeom prst="rect">
-            <a:avLst/>
-          </a:prstGeom>
-          <a:noFill/>
-          <a:extLst>
-            <a:ext uri="{909E8E84-426E-40DD-AFC4-6F175D3DCCD1}">
-              <a14:hiddenFill xmlns:a14="http://schemas.microsoft.com/office/drawing/2010/main">
-                <a:solidFill>
-                  <a:srgbClr val="FFFFFF"/>
-                </a:solidFill>
-              </a14:hiddenFill>
-            </a:ext>
-          </a:extLst>
-        </p:spPr>
-      </p:pic>
-      <p:sp>
-        <p:nvSpPr>
-          <p:cNvPr id="32" name="TextBox 31">
-            <a:extLst>
-              <a:ext uri="{FF2B5EF4-FFF2-40B4-BE49-F238E27FC236}">
-                <a16:creationId xmlns:a16="http://schemas.microsoft.com/office/drawing/2014/main" id="{E9B0F8EC-96A6-42A8-857E-90429BC61FCC}"/>
-              </a:ext>
-            </a:extLst>
-          </p:cNvPr>
-          <p:cNvSpPr txBox="1"/>
-          <p:nvPr/>
-        </p:nvSpPr>
-        <p:spPr>
-          <a:xfrm>
-            <a:off x="4549775" y="1765935"/>
-            <a:ext cx="1643380" cy="400050"/>
-          </a:xfrm>
-          <a:prstGeom prst="rect">
-            <a:avLst/>
-          </a:prstGeom>
-          <a:solidFill>
-            <a:schemeClr val="bg1"/>
-          </a:solidFill>
-        </p:spPr>
-        <p:txBody>
-          <a:bodyPr wrap="none" rtlCol="0">
-            <a:spAutoFit/>
-          </a:bodyPr>
-          <a:lstStyle/>
-          <a:p>
-            <a:pPr algn="ctr"/>
-            <a:r>
-              <a:rPr lang="en-US" altLang="ko-KR" sz="2000" b="1" dirty="0">
-                <a:solidFill>
-                  <a:srgbClr val="694680"/>
-                </a:solidFill>
-                <a:effectLst>
-                  <a:outerShdw blurRad="38100" dist="38100" dir="2700000" algn="tl">
-                    <a:srgbClr val="000000">
-                      <a:alpha val="43137"/>
-                    </a:srgbClr>
-                  </a:outerShdw>
-                </a:effectLst>
-                <a:latin typeface="나눔바른고딕" panose="020B0603020101020101" pitchFamily="50" charset="-127"/>
-                <a:ea typeface="나눔바른고딕" panose="020B0603020101020101" pitchFamily="50" charset="-127"/>
-              </a:rPr>
-              <a:t>                          </a:t>
-            </a:r>
-            <a:endParaRPr lang="ko-KR" altLang="en-US" sz="2000" b="1" dirty="0">
-              <a:solidFill>
-                <a:srgbClr val="694680"/>
-              </a:solidFill>
-              <a:effectLst>
-                <a:outerShdw blurRad="38100" dist="38100" dir="2700000" algn="tl">
-                  <a:srgbClr val="000000">
-                    <a:alpha val="43137"/>
-                  </a:srgbClr>
-                </a:outerShdw>
-              </a:effectLst>
-              <a:latin typeface="나눔바른고딕" panose="020B0603020101020101" pitchFamily="50" charset="-127"/>
-              <a:ea typeface="나눔바른고딕" panose="020B0603020101020101" pitchFamily="50" charset="-127"/>
-            </a:endParaRPr>
-          </a:p>
-        </p:txBody>
-      </p:sp>
-      <p:pic>
-        <p:nvPicPr>
-          <p:cNvPr id="3074" name="Picture 2">
-            <a:extLst>
-              <a:ext uri="{FF2B5EF4-FFF2-40B4-BE49-F238E27FC236}">
-                <a16:creationId xmlns:a16="http://schemas.microsoft.com/office/drawing/2014/main" id="{BE18F66F-ACB3-4C0B-AC43-E246A5040784}"/>
-              </a:ext>
-            </a:extLst>
-          </p:cNvPr>
-          <p:cNvPicPr>
-            <a:picLocks noChangeAspect="1" noChangeArrowheads="1"/>
-          </p:cNvPicPr>
-          <p:nvPr/>
-        </p:nvPicPr>
-        <p:blipFill>
-          <a:blip r:embed="rId4">
-            <a:extLst>
-              <a:ext uri="{28A0092B-C50C-407E-A947-70E740481C1C}">
-                <a14:useLocalDpi xmlns:a14="http://schemas.microsoft.com/office/drawing/2010/main" val="0"/>
-              </a:ext>
-            </a:extLst>
-          </a:blip>
-          <a:srcRect/>
-          <a:stretch>
-            <a:fillRect/>
-          </a:stretch>
-        </p:blipFill>
-        <p:spPr bwMode="auto">
-          <a:xfrm>
-            <a:off x="4800600" y="1466850"/>
-            <a:ext cx="1141095" cy="991870"/>
-          </a:xfrm>
-          <a:prstGeom prst="rect">
-            <a:avLst/>
-          </a:prstGeom>
-          <a:noFill/>
-          <a:extLst>
-            <a:ext uri="{909E8E84-426E-40DD-AFC4-6F175D3DCCD1}">
-              <a14:hiddenFill xmlns:a14="http://schemas.microsoft.com/office/drawing/2010/main">
-                <a:solidFill>
-                  <a:srgbClr val="FFFFFF"/>
-                </a:solidFill>
-              </a14:hiddenFill>
-            </a:ext>
-          </a:extLst>
-        </p:spPr>
-      </p:pic>
-      <p:pic>
-        <p:nvPicPr>
-          <p:cNvPr id="3" name="그림 2">
-            <a:extLst>
-              <a:ext uri="{FF2B5EF4-FFF2-40B4-BE49-F238E27FC236}">
-                <a16:creationId xmlns:a16="http://schemas.microsoft.com/office/drawing/2014/main" id="{A4D27A44-D69E-4821-944D-F396AB457CFE}"/>
-              </a:ext>
-            </a:extLst>
-          </p:cNvPr>
-          <p:cNvPicPr>
-            <a:picLocks noChangeAspect="1"/>
-          </p:cNvPicPr>
-          <p:nvPr/>
-        </p:nvPicPr>
-        <p:blipFill>
-          <a:blip r:embed="rId5"/>
-          <a:stretch>
-            <a:fillRect/>
-          </a:stretch>
-        </p:blipFill>
-        <p:spPr>
-          <a:xfrm>
-            <a:off x="4623435" y="7409180"/>
-            <a:ext cx="1495425" cy="1495425"/>
-          </a:xfrm>
-          <a:prstGeom prst="rect">
-            <a:avLst/>
-          </a:prstGeom>
-        </p:spPr>
-      </p:pic>
-      <p:pic>
-        <p:nvPicPr>
-          <p:cNvPr id="3088" name="Picture 16">
-            <a:extLst>
-              <a:ext uri="{FF2B5EF4-FFF2-40B4-BE49-F238E27FC236}">
-                <a16:creationId xmlns:a16="http://schemas.microsoft.com/office/drawing/2014/main" id="{C8472D9F-DF9F-4EC0-B8C2-61EB9A8098A5}"/>
-              </a:ext>
-            </a:extLst>
-          </p:cNvPr>
-          <p:cNvPicPr>
-            <a:picLocks noChangeAspect="1" noChangeArrowheads="1"/>
-          </p:cNvPicPr>
-          <p:nvPr/>
-        </p:nvPicPr>
-        <p:blipFill>
-          <a:blip r:embed="rId6">
-            <a:extLst>
-              <a:ext uri="{28A0092B-C50C-407E-A947-70E740481C1C}">
-                <a14:useLocalDpi xmlns:a14="http://schemas.microsoft.com/office/drawing/2010/main" val="0"/>
-              </a:ext>
-            </a:extLst>
-          </a:blip>
-          <a:srcRect/>
-          <a:stretch>
-            <a:fillRect/>
-          </a:stretch>
-        </p:blipFill>
-        <p:spPr bwMode="auto">
-          <a:xfrm>
-            <a:off x="12094845" y="7696200"/>
-            <a:ext cx="1292225" cy="917575"/>
-          </a:xfrm>
-          <a:prstGeom prst="rect">
-            <a:avLst/>
-          </a:prstGeom>
-          <a:noFill/>
-          <a:extLst>
-            <a:ext uri="{909E8E84-426E-40DD-AFC4-6F175D3DCCD1}">
-              <a14:hiddenFill xmlns:a14="http://schemas.microsoft.com/office/drawing/2010/main">
-                <a:solidFill>
-                  <a:srgbClr val="FFFFFF"/>
-                </a:solidFill>
-              </a14:hiddenFill>
-            </a:ext>
-          </a:extLst>
-        </p:spPr>
-      </p:pic>
-      <p:grpSp>
-        <p:nvGrpSpPr>
-          <p:cNvPr id="2" name="그룹 1">
-            <a:extLst>
-              <a:ext uri="{FF2B5EF4-FFF2-40B4-BE49-F238E27FC236}">
-                <a16:creationId xmlns:a16="http://schemas.microsoft.com/office/drawing/2014/main" id="{225CFBC5-CCEE-4A65-94A9-350F996A87FF}"/>
-              </a:ext>
-            </a:extLst>
-          </p:cNvPr>
-          <p:cNvGrpSpPr/>
-          <p:nvPr/>
-        </p:nvGrpSpPr>
-        <p:grpSpPr>
-          <a:xfrm>
-            <a:off x="7733665" y="8942705"/>
-            <a:ext cx="3977005" cy="798830"/>
-            <a:chOff x="7733665" y="8942705"/>
-            <a:chExt cx="3977005" cy="798830"/>
-          </a:xfrm>
-        </p:grpSpPr>
-        <p:pic>
-          <p:nvPicPr>
-            <p:cNvPr id="3090" name="Picture 18" descr="C:/Users/admin/AppData/Roaming/PolarisOffice/ETemp/1420_21229216/image26.png"/>
-            <p:cNvPicPr>
-              <a:picLocks noChangeAspect="1"/>
-            </p:cNvPicPr>
-            <p:nvPr/>
-          </p:nvPicPr>
-          <p:blipFill rotWithShape="1">
-            <a:blip r:embed="rId7" cstate="print">
-              <a:extLst>
-                <a:ext uri="{28A0092B-C50C-407E-A947-70E740481C1C}">
-                  <a14:useLocalDpi xmlns:a14="http://schemas.microsoft.com/office/drawing/2010/main" val="0"/>
-                </a:ext>
-              </a:extLst>
-            </a:blip>
-            <a:stretch>
-              <a:fillRect/>
-            </a:stretch>
-          </p:blipFill>
-          <p:spPr bwMode="auto">
-            <a:xfrm>
-              <a:off x="7733665" y="8983345"/>
-              <a:ext cx="1150620" cy="690880"/>
-            </a:xfrm>
-            <a:prstGeom prst="rect">
-              <a:avLst/>
-            </a:prstGeom>
-            <a:noFill/>
-          </p:spPr>
-        </p:pic>
-        <p:pic>
-          <p:nvPicPr>
-            <p:cNvPr id="3092" name="Picture 20" descr="C:/Users/admin/AppData/Roaming/PolarisOffice/ETemp/1420_21229216/image27.png"/>
-            <p:cNvPicPr>
-              <a:picLocks noChangeAspect="1"/>
-            </p:cNvPicPr>
-            <p:nvPr/>
-          </p:nvPicPr>
-          <p:blipFill rotWithShape="1">
-            <a:blip r:embed="rId8" cstate="print">
-              <a:extLst>
-                <a:ext uri="{28A0092B-C50C-407E-A947-70E740481C1C}">
-                  <a14:useLocalDpi xmlns:a14="http://schemas.microsoft.com/office/drawing/2010/main" val="0"/>
-                </a:ext>
-              </a:extLst>
-            </a:blip>
-            <a:stretch>
-              <a:fillRect/>
-            </a:stretch>
-          </p:blipFill>
-          <p:spPr bwMode="auto">
-            <a:xfrm>
-              <a:off x="9228455" y="8942705"/>
-              <a:ext cx="2483485" cy="799465"/>
-            </a:xfrm>
-            <a:prstGeom prst="rect">
-              <a:avLst/>
-            </a:prstGeom>
-            <a:noFill/>
-          </p:spPr>
-        </p:pic>
-      </p:grpSp>
-      <p:sp>
-        <p:nvSpPr>
-          <p:cNvPr id="61" name="직사각형 60">
-            <a:extLst>
-              <a:ext uri="{FF2B5EF4-FFF2-40B4-BE49-F238E27FC236}">
-                <a16:creationId xmlns:a16="http://schemas.microsoft.com/office/drawing/2014/main" id="{6B689C97-F96F-423D-B4E4-85DA56CCE5C0}"/>
-              </a:ext>
-            </a:extLst>
-          </p:cNvPr>
-          <p:cNvSpPr/>
-          <p:nvPr/>
-        </p:nvSpPr>
-        <p:spPr>
-          <a:xfrm>
-            <a:off x="2322830" y="3511550"/>
-            <a:ext cx="1315085" cy="3041650"/>
-          </a:xfrm>
-          <a:prstGeom prst="rect">
-            <a:avLst/>
-          </a:prstGeom>
-          <a:solidFill>
-            <a:srgbClr val="694680"/>
-          </a:solidFill>
-          <a:ln>
-            <a:noFill/>
-          </a:ln>
-        </p:spPr>
-        <p:style>
-          <a:lnRef idx="2">
-            <a:schemeClr val="accent1">
-              <a:shade val="50000"/>
-            </a:schemeClr>
-          </a:lnRef>
-          <a:fillRef idx="1">
-            <a:schemeClr val="accent1"/>
-          </a:fillRef>
-          <a:effectRef idx="0">
-            <a:schemeClr val="accent1"/>
-          </a:effectRef>
-          <a:fontRef idx="minor">
-            <a:schemeClr val="lt1"/>
-          </a:fontRef>
-        </p:style>
-        <p:txBody>
-          <a:bodyPr rtlCol="0" anchor="ctr"/>
-          <a:lstStyle/>
-          <a:p>
-            <a:pPr algn="ctr"/>
-            <a:r>
-              <a:rPr lang="en-US" altLang="ko-KR" sz="2000" dirty="0">
-                <a:effectLst>
-                  <a:outerShdw blurRad="50800" dist="38100" dir="2700000" algn="tl" rotWithShape="0">
-                    <a:prstClr val="black">
-                      <a:alpha val="40000"/>
-                    </a:prstClr>
-                  </a:outerShdw>
-                </a:effectLst>
-                <a:latin typeface="나눔바른고딕" panose="020B0603020101020101" pitchFamily="50" charset="-127"/>
-                <a:ea typeface="나눔바른고딕" panose="020B0603020101020101" pitchFamily="50" charset="-127"/>
-              </a:rPr>
-              <a:t>Router</a:t>
-            </a:r>
-            <a:endParaRPr lang="ko-KR" altLang="en-US" sz="1800" dirty="0">
-              <a:effectLst>
-                <a:outerShdw blurRad="50800" dist="38100" dir="2700000" algn="tl" rotWithShape="0">
-                  <a:prstClr val="black">
-                    <a:alpha val="40000"/>
-                  </a:prstClr>
-                </a:outerShdw>
-              </a:effectLst>
-              <a:latin typeface="나눔바른고딕" panose="020B0603020101020101" pitchFamily="50" charset="-127"/>
-              <a:ea typeface="나눔바른고딕" panose="020B0603020101020101" pitchFamily="50" charset="-127"/>
-            </a:endParaRPr>
-          </a:p>
-        </p:txBody>
-      </p:sp>
-      <p:sp>
-        <p:nvSpPr>
-          <p:cNvPr id="62" name="직사각형 61">
-            <a:extLst>
-              <a:ext uri="{FF2B5EF4-FFF2-40B4-BE49-F238E27FC236}">
-                <a16:creationId xmlns:a16="http://schemas.microsoft.com/office/drawing/2014/main" id="{33A8B5C9-24EB-4715-9F3C-C402526A13DC}"/>
-              </a:ext>
-            </a:extLst>
-          </p:cNvPr>
-          <p:cNvSpPr/>
-          <p:nvPr/>
-        </p:nvSpPr>
-        <p:spPr>
-          <a:xfrm>
-            <a:off x="3759835" y="3511550"/>
-            <a:ext cx="1988820" cy="3041650"/>
-          </a:xfrm>
-          <a:prstGeom prst="rect">
-            <a:avLst/>
-          </a:prstGeom>
-          <a:solidFill>
-            <a:srgbClr val="694680"/>
-          </a:solidFill>
-          <a:ln>
-            <a:noFill/>
-          </a:ln>
-        </p:spPr>
-        <p:style>
-          <a:lnRef idx="2">
-            <a:schemeClr val="accent1">
-              <a:shade val="50000"/>
-            </a:schemeClr>
-          </a:lnRef>
-          <a:fillRef idx="1">
-            <a:schemeClr val="accent1"/>
-          </a:fillRef>
-          <a:effectRef idx="0">
-            <a:schemeClr val="accent1"/>
-          </a:effectRef>
-          <a:fontRef idx="minor">
-            <a:schemeClr val="lt1"/>
-          </a:fontRef>
-        </p:style>
-        <p:txBody>
-          <a:bodyPr rtlCol="0" anchor="ctr"/>
-          <a:lstStyle/>
-          <a:p>
-            <a:pPr algn="ctr"/>
-            <a:r>
-              <a:rPr lang="en-US" altLang="ko-KR" sz="2000" dirty="0">
-                <a:effectLst>
-                  <a:outerShdw blurRad="50800" dist="38100" dir="2700000" algn="tl" rotWithShape="0">
-                    <a:prstClr val="black">
-                      <a:alpha val="40000"/>
-                    </a:prstClr>
-                  </a:outerShdw>
-                </a:effectLst>
-                <a:latin typeface="나눔바른고딕" panose="020B0603020101020101" pitchFamily="50" charset="-127"/>
-                <a:ea typeface="나눔바른고딕" panose="020B0603020101020101" pitchFamily="50" charset="-127"/>
-              </a:rPr>
-              <a:t>Components</a:t>
-            </a:r>
-            <a:endParaRPr lang="ko-KR" altLang="en-US" sz="1800" dirty="0">
-              <a:effectLst>
-                <a:outerShdw blurRad="50800" dist="38100" dir="2700000" algn="tl" rotWithShape="0">
-                  <a:prstClr val="black">
-                    <a:alpha val="40000"/>
-                  </a:prstClr>
-                </a:outerShdw>
-              </a:effectLst>
-              <a:latin typeface="나눔바른고딕" panose="020B0603020101020101" pitchFamily="50" charset="-127"/>
-              <a:ea typeface="나눔바른고딕" panose="020B0603020101020101" pitchFamily="50" charset="-127"/>
-            </a:endParaRPr>
-          </a:p>
-        </p:txBody>
-      </p:sp>
-      <p:sp>
-        <p:nvSpPr>
-          <p:cNvPr id="64" name="직사각형 63">
-            <a:extLst>
-              <a:ext uri="{FF2B5EF4-FFF2-40B4-BE49-F238E27FC236}">
-                <a16:creationId xmlns:a16="http://schemas.microsoft.com/office/drawing/2014/main" id="{F9A2A8A3-F8EC-4303-B235-6B80E39C3F9A}"/>
-              </a:ext>
-            </a:extLst>
-          </p:cNvPr>
-          <p:cNvSpPr/>
-          <p:nvPr/>
-        </p:nvSpPr>
-        <p:spPr>
-          <a:xfrm>
-            <a:off x="5870575" y="3511550"/>
-            <a:ext cx="1369060" cy="3041650"/>
-          </a:xfrm>
-          <a:prstGeom prst="rect">
-            <a:avLst/>
-          </a:prstGeom>
-          <a:solidFill>
-            <a:srgbClr val="694680"/>
-          </a:solidFill>
-          <a:ln>
-            <a:noFill/>
-          </a:ln>
-        </p:spPr>
-        <p:style>
-          <a:lnRef idx="2">
-            <a:schemeClr val="accent1">
-              <a:shade val="50000"/>
-            </a:schemeClr>
-          </a:lnRef>
-          <a:fillRef idx="1">
-            <a:schemeClr val="accent1"/>
-          </a:fillRef>
-          <a:effectRef idx="0">
-            <a:schemeClr val="accent1"/>
-          </a:effectRef>
-          <a:fontRef idx="minor">
-            <a:schemeClr val="lt1"/>
-          </a:fontRef>
-        </p:style>
-        <p:txBody>
-          <a:bodyPr rtlCol="0" anchor="ctr"/>
-          <a:lstStyle/>
-          <a:p>
-            <a:pPr algn="ctr"/>
-            <a:r>
-              <a:rPr lang="en-US" altLang="ko-KR" sz="2000" dirty="0">
-                <a:effectLst>
-                  <a:outerShdw blurRad="50800" dist="38100" dir="2700000" algn="tl" rotWithShape="0">
-                    <a:prstClr val="black">
-                      <a:alpha val="40000"/>
-                    </a:prstClr>
-                  </a:outerShdw>
-                </a:effectLst>
-                <a:latin typeface="나눔바른고딕" panose="020B0603020101020101" pitchFamily="50" charset="-127"/>
-                <a:ea typeface="나눔바른고딕" panose="020B0603020101020101" pitchFamily="50" charset="-127"/>
-              </a:rPr>
-              <a:t>Service</a:t>
-            </a:r>
-            <a:endParaRPr lang="ko-KR" altLang="en-US" sz="1500" dirty="0">
-              <a:effectLst>
-                <a:outerShdw blurRad="50800" dist="38100" dir="2700000" algn="tl" rotWithShape="0">
-                  <a:prstClr val="black">
-                    <a:alpha val="40000"/>
-                  </a:prstClr>
-                </a:outerShdw>
-              </a:effectLst>
-              <a:latin typeface="나눔바른고딕" panose="020B0603020101020101" pitchFamily="50" charset="-127"/>
-              <a:ea typeface="나눔바른고딕" panose="020B0603020101020101" pitchFamily="50" charset="-127"/>
-            </a:endParaRPr>
-          </a:p>
-        </p:txBody>
-      </p:sp>
-      <p:sp>
-        <p:nvSpPr>
-          <p:cNvPr id="65" name="사각형: 둥근 모서리 64">
-            <a:extLst>
-              <a:ext uri="{FF2B5EF4-FFF2-40B4-BE49-F238E27FC236}">
-                <a16:creationId xmlns:a16="http://schemas.microsoft.com/office/drawing/2014/main" id="{CBECE5AA-911B-416A-BA12-942B5E4C6FB8}"/>
-              </a:ext>
-            </a:extLst>
-          </p:cNvPr>
-          <p:cNvSpPr/>
-          <p:nvPr/>
-        </p:nvSpPr>
-        <p:spPr>
-          <a:xfrm>
-            <a:off x="7543800" y="3511550"/>
-            <a:ext cx="1300480" cy="3041650"/>
-          </a:xfrm>
-          <a:prstGeom prst="roundRect">
-            <a:avLst/>
-          </a:prstGeom>
-          <a:noFill/>
-          <a:ln>
-            <a:solidFill>
-              <a:srgbClr val="694680"/>
-            </a:solidFill>
-          </a:ln>
-        </p:spPr>
-        <p:style>
-          <a:lnRef idx="2">
-            <a:schemeClr val="accent1">
-              <a:shade val="50000"/>
-            </a:schemeClr>
-          </a:lnRef>
-          <a:fillRef idx="1">
-            <a:schemeClr val="accent1"/>
-          </a:fillRef>
-          <a:effectRef idx="0">
-            <a:schemeClr val="accent1"/>
-          </a:effectRef>
-          <a:fontRef idx="minor">
-            <a:schemeClr val="lt1"/>
-          </a:fontRef>
-        </p:style>
-        <p:txBody>
-          <a:bodyPr rtlCol="0" anchor="ctr"/>
-          <a:lstStyle/>
-          <a:p>
-            <a:pPr algn="ctr"/>
-            <a:endParaRPr lang="ko-KR" altLang="en-US" dirty="0"/>
-          </a:p>
-        </p:txBody>
-      </p:sp>
-      <p:sp>
-        <p:nvSpPr>
-          <p:cNvPr id="66" name="TextBox 65">
-            <a:extLst>
-              <a:ext uri="{FF2B5EF4-FFF2-40B4-BE49-F238E27FC236}">
-                <a16:creationId xmlns:a16="http://schemas.microsoft.com/office/drawing/2014/main" id="{3A6D657C-8C2E-4F69-BD87-51FF562C7282}"/>
-              </a:ext>
-            </a:extLst>
-          </p:cNvPr>
-          <p:cNvSpPr txBox="1"/>
-          <p:nvPr/>
-        </p:nvSpPr>
-        <p:spPr>
-          <a:xfrm>
-            <a:off x="7742555" y="3311525"/>
-            <a:ext cx="902970" cy="400050"/>
-          </a:xfrm>
-          <a:prstGeom prst="rect">
-            <a:avLst/>
-          </a:prstGeom>
-          <a:solidFill>
-            <a:schemeClr val="bg1"/>
-          </a:solidFill>
-        </p:spPr>
-        <p:txBody>
-          <a:bodyPr wrap="none" rtlCol="0">
-            <a:spAutoFit/>
-          </a:bodyPr>
-          <a:lstStyle/>
-          <a:p>
-            <a:pPr algn="ctr"/>
-            <a:r>
-              <a:rPr lang="en-US" altLang="ko-KR" sz="2000" b="1" dirty="0">
-                <a:solidFill>
-                  <a:srgbClr val="694680"/>
-                </a:solidFill>
-                <a:effectLst>
-                  <a:outerShdw blurRad="38100" dist="38100" dir="2700000" algn="tl">
-                    <a:srgbClr val="000000">
-                      <a:alpha val="43137"/>
-                    </a:srgbClr>
-                  </a:outerShdw>
-                </a:effectLst>
-                <a:latin typeface="나눔바른고딕" panose="020B0603020101020101" pitchFamily="50" charset="-127"/>
-                <a:ea typeface="나눔바른고딕" panose="020B0603020101020101" pitchFamily="50" charset="-127"/>
-              </a:rPr>
-              <a:t>AXIOS</a:t>
-            </a:r>
-            <a:endParaRPr lang="ko-KR" altLang="en-US" sz="2000" b="1" dirty="0">
-              <a:solidFill>
-                <a:srgbClr val="694680"/>
-              </a:solidFill>
-              <a:effectLst>
-                <a:outerShdw blurRad="38100" dist="38100" dir="2700000" algn="tl">
-                  <a:srgbClr val="000000">
-                    <a:alpha val="43137"/>
-                  </a:srgbClr>
-                </a:outerShdw>
-              </a:effectLst>
-              <a:latin typeface="나눔바른고딕" panose="020B0603020101020101" pitchFamily="50" charset="-127"/>
-              <a:ea typeface="나눔바른고딕" panose="020B0603020101020101" pitchFamily="50" charset="-127"/>
-            </a:endParaRPr>
-          </a:p>
-        </p:txBody>
-      </p:sp>
-      <p:sp>
-        <p:nvSpPr>
-          <p:cNvPr id="67" name="TextBox 66">
-            <a:extLst>
-              <a:ext uri="{FF2B5EF4-FFF2-40B4-BE49-F238E27FC236}">
-                <a16:creationId xmlns:a16="http://schemas.microsoft.com/office/drawing/2014/main" id="{3DC7CD06-86B3-492E-AEEE-52FE65B8A947}"/>
-              </a:ext>
-            </a:extLst>
-          </p:cNvPr>
-          <p:cNvSpPr txBox="1"/>
-          <p:nvPr/>
-        </p:nvSpPr>
-        <p:spPr>
-          <a:xfrm>
-            <a:off x="7784465" y="3726815"/>
-            <a:ext cx="827405" cy="400050"/>
-          </a:xfrm>
-          <a:prstGeom prst="rect">
-            <a:avLst/>
-          </a:prstGeom>
-          <a:solidFill>
-            <a:schemeClr val="bg1"/>
-          </a:solidFill>
-        </p:spPr>
-        <p:txBody>
-          <a:bodyPr wrap="none" rtlCol="0">
-            <a:spAutoFit/>
-          </a:bodyPr>
-          <a:lstStyle/>
-          <a:p>
-            <a:pPr algn="ctr"/>
-            <a:r>
-              <a:rPr lang="en-US" altLang="ko-KR" sz="2000" b="1" dirty="0">
-                <a:solidFill>
-                  <a:schemeClr val="accent4">
-                    <a:lumMod val="60000"/>
-                    <a:lumOff val="40000"/>
-                  </a:schemeClr>
-                </a:solidFill>
-                <a:effectLst>
-                  <a:outerShdw blurRad="38100" dist="38100" dir="2700000" algn="tl">
-                    <a:srgbClr val="000000">
-                      <a:alpha val="43137"/>
-                    </a:srgbClr>
-                  </a:outerShdw>
-                </a:effectLst>
-                <a:latin typeface="나눔바른고딕" panose="020B0603020101020101" pitchFamily="50" charset="-127"/>
-                <a:ea typeface="나눔바른고딕" panose="020B0603020101020101" pitchFamily="50" charset="-127"/>
-              </a:rPr>
-              <a:t>HTTP</a:t>
-            </a:r>
-            <a:endParaRPr lang="ko-KR" altLang="en-US" sz="2000" b="1" dirty="0">
-              <a:solidFill>
-                <a:schemeClr val="accent4">
-                  <a:lumMod val="60000"/>
-                  <a:lumOff val="40000"/>
-                </a:schemeClr>
-              </a:solidFill>
-              <a:effectLst>
-                <a:outerShdw blurRad="38100" dist="38100" dir="2700000" algn="tl">
-                  <a:srgbClr val="000000">
-                    <a:alpha val="43137"/>
-                  </a:srgbClr>
-                </a:outerShdw>
-              </a:effectLst>
-              <a:latin typeface="나눔바른고딕" panose="020B0603020101020101" pitchFamily="50" charset="-127"/>
-              <a:ea typeface="나눔바른고딕" panose="020B0603020101020101" pitchFamily="50" charset="-127"/>
-            </a:endParaRPr>
-          </a:p>
-        </p:txBody>
-      </p:sp>
-    </p:spTree>
-    <p:extLst>
-      <p:ext uri="{BB962C8B-B14F-4D97-AF65-F5344CB8AC3E}">
-        <p14:creationId xmlns:p14="http://schemas.microsoft.com/office/powerpoint/2010/main" val="3756853158"/>
-      </p:ext>
-    </p:extLst>
-  </p:cSld>
-  <p:clrMapOvr>
-    <a:masterClrMapping/>
-  </p:clrMapOvr>
+  <mc:AlternateContent xmlns:mc="http://schemas.openxmlformats.org/markup-compatibility/2006">
+    <mc:Choice xmlns:p14="http://schemas.microsoft.com/office/powerpoint/2010/main" Requires="p14">
+      <p:transition spd="slow" p14:dur="2000"/>
+    </mc:Choice>
+    <mc:Fallback>
+      <p:transition spd="slow"/>
+    </mc:Fallback>
+  </mc:AlternateContent>
+  <p:timing>
+    <p:tnLst>
+      <p:par>
+        <p:cTn id="1" dur="indefinite" restart="never" nodeType="tmRoot"/>
+      </p:par>
+    </p:tnLst>
+  </p:timing>
 </p:sld>
 </file>
 

--- a/기획서/5조 Fit-back.pptx
+++ b/기획서/5조 Fit-back.pptx
@@ -1,30 +1,30 @@
 
 <file path=ppt/presentation.xml><?xml version="1.0" encoding="utf-8"?>
-<p:presentation xmlns:a="http://schemas.openxmlformats.org/drawingml/2006/main" xmlns:r="http://schemas.openxmlformats.org/officeDocument/2006/relationships" xmlns:p="http://schemas.openxmlformats.org/presentationml/2006/main" xmlns:p14="http://schemas.microsoft.com/office/powerpoint/2010/main" strictFirstAndLastChars="0" saveSubsetFonts="1" autoCompressPictures="0">
+<p:presentation xmlns:a="http://schemas.openxmlformats.org/drawingml/2006/main" xmlns:r="http://schemas.openxmlformats.org/officeDocument/2006/relationships" xmlns:p="http://schemas.openxmlformats.org/presentationml/2006/main" strictFirstAndLastChars="0" saveSubsetFonts="1" autoCompressPictures="0">
   <p:sldMasterIdLst>
-    <p:sldMasterId id="2147483745" r:id="rId32"/>
-    <p:sldMasterId id="2147483746" r:id="rId34"/>
-    <p:sldMasterId id="2147483747" r:id="rId36"/>
+    <p:sldMasterId id="2147483745" r:id="rId1"/>
+    <p:sldMasterId id="2147483746" r:id="rId2"/>
+    <p:sldMasterId id="2147483747" r:id="rId3"/>
   </p:sldMasterIdLst>
   <p:notesMasterIdLst>
-    <p:notesMasterId r:id="rId38"/>
+    <p:notesMasterId r:id="rId19"/>
   </p:notesMasterIdLst>
   <p:sldIdLst>
-    <p:sldId id="256" r:id="rId40"/>
-    <p:sldId id="278" r:id="rId42"/>
-    <p:sldId id="286" r:id="rId44"/>
-    <p:sldId id="280" r:id="rId46"/>
-    <p:sldId id="287" r:id="rId48"/>
-    <p:sldId id="281" r:id="rId49"/>
-    <p:sldId id="282" r:id="rId51"/>
-    <p:sldId id="294" r:id="rId53"/>
-    <p:sldId id="292" r:id="rId54"/>
-    <p:sldId id="284" r:id="rId56"/>
-    <p:sldId id="288" r:id="rId58"/>
-    <p:sldId id="293" r:id="rId60"/>
-    <p:sldId id="290" r:id="rId61"/>
-    <p:sldId id="279" r:id="rId63"/>
-    <p:sldId id="276" r:id="rId65"/>
+    <p:sldId id="256" r:id="rId4"/>
+    <p:sldId id="278" r:id="rId5"/>
+    <p:sldId id="286" r:id="rId6"/>
+    <p:sldId id="280" r:id="rId7"/>
+    <p:sldId id="287" r:id="rId8"/>
+    <p:sldId id="281" r:id="rId9"/>
+    <p:sldId id="282" r:id="rId10"/>
+    <p:sldId id="294" r:id="rId11"/>
+    <p:sldId id="292" r:id="rId12"/>
+    <p:sldId id="284" r:id="rId13"/>
+    <p:sldId id="288" r:id="rId14"/>
+    <p:sldId id="293" r:id="rId15"/>
+    <p:sldId id="290" r:id="rId16"/>
+    <p:sldId id="279" r:id="rId17"/>
+    <p:sldId id="276" r:id="rId18"/>
   </p:sldIdLst>
   <p:sldSz cx="18288000" cy="10287000"/>
   <p:notesSz cx="10287000" cy="18288000"/>
@@ -260,12 +260,12 @@
   <p:extLst>
     <p:ext uri="{EFAFB233-063F-42B5-8137-9DF3F51BA10A}">
       <p15:sldGuideLst xmlns:p15="http://schemas.microsoft.com/office/powerpoint/2012/main">
-        <p15:guide id="1" orient="horz" pos="2142" userDrawn="0">
+        <p15:guide id="1" orient="horz" pos="2142">
           <p15:clr>
             <a:srgbClr val="000000"/>
           </p15:clr>
         </p15:guide>
-        <p15:guide id="2" pos="2862" userDrawn="0">
+        <p15:guide id="2" pos="2862">
           <p15:clr>
             <a:srgbClr val="000000"/>
           </p15:clr>
@@ -896,8 +896,8 @@
             </p:nvSpPr>
             <p:spPr>
               <a:xfrm>
-                <a:off x="-950913" y="1371600"/>
-                <a:ext cx="12190413" cy="6858000"/>
+                <a:off x="-952500" y="1371600"/>
+                <a:ext cx="12192000" cy="6858000"/>
               </a:xfrm>
               <a:custGeom>
                 <a:avLst/>
@@ -968,11 +968,6 @@
             </p:txBody>
           </p:sp>
         </p:spTree>
-        <p:extLst>
-          <p:ext uri="{BB962C8B-B14F-4D97-AF65-F5344CB8AC3E}">
-            <p14:creationId val="161562300"/>
-          </p:ext>
-        </p:extLst>
       </p:cSld>
       <p:clrMapOvr>
         <a:masterClrMapping/>
@@ -986,6 +981,159 @@
 </file>
 
 <file path=ppt/notesSlides/notesSlide11.xml><?xml version="1.0" encoding="utf-8"?>
+<mc:AlternateContent xmlns:mc="http://schemas.openxmlformats.org/markup-compatibility/2006" xmlns:p14="http://schemas.microsoft.com/office/powerpoint/2010/main">
+  <mc:Choice Requires="p14">
+    <p:notes xmlns:a="http://schemas.openxmlformats.org/drawingml/2006/main" xmlns:r="http://schemas.openxmlformats.org/officeDocument/2006/relationships" xmlns:p="http://schemas.openxmlformats.org/presentationml/2006/main">
+      <p:cSld>
+        <p:spTree>
+          <p:nvGrpSpPr>
+            <p:cNvPr id="1" name=""/>
+            <p:cNvGrpSpPr/>
+            <p:nvPr/>
+          </p:nvGrpSpPr>
+          <p:grpSpPr>
+            <a:xfrm>
+              <a:off x="0" y="0"/>
+              <a:ext cx="0" cy="0"/>
+              <a:chOff x="0" y="0"/>
+              <a:chExt cx="0" cy="0"/>
+            </a:xfrm>
+          </p:grpSpPr>
+          <p:sp>
+            <p:nvSpPr>
+              <p:cNvPr id="129" name="Rect 0"/>
+              <p:cNvSpPr txBox="1">
+                <a:spLocks noGrp="1"/>
+              </p:cNvSpPr>
+              <p:nvPr>
+                <p:ph type="body"/>
+              </p:nvPr>
+            </p:nvSpPr>
+            <p:spPr>
+              <a:xfrm>
+                <a:off x="1028700" y="8686800"/>
+                <a:ext cx="8230870" cy="8230870"/>
+              </a:xfrm>
+              <a:prstGeom prst="rect">
+                <a:avLst/>
+              </a:prstGeom>
+              <a:noFill/>
+              <a:ln w="0">
+                <a:noFill/>
+                <a:prstDash/>
+              </a:ln>
+            </p:spPr>
+            <p:txBody>
+              <a:bodyPr vert="horz" wrap="square" lIns="91440" tIns="91440" rIns="91440" bIns="91440" anchor="t">
+                <a:noAutofit/>
+              </a:bodyPr>
+              <a:lstStyle/>
+              <a:p>
+                <a:pPr marL="0" indent="0" algn="l" rtl="0" latinLnBrk="0">
+                  <a:buFontTx/>
+                  <a:buNone/>
+                </a:pPr>
+                <a:endParaRPr/>
+              </a:p>
+            </p:txBody>
+          </p:sp>
+          <p:sp>
+            <p:nvSpPr>
+              <p:cNvPr id="130" name="Rect 0"/>
+              <p:cNvSpPr>
+                <a:spLocks noGrp="1" noRot="1" noChangeAspect="1"/>
+              </p:cNvSpPr>
+              <p:nvPr>
+                <p:ph type="sldImg"/>
+              </p:nvPr>
+            </p:nvSpPr>
+            <p:spPr>
+              <a:xfrm>
+                <a:off x="-952500" y="1371600"/>
+                <a:ext cx="12192635" cy="6858635"/>
+              </a:xfrm>
+              <a:custGeom>
+                <a:avLst/>
+                <a:gdLst>
+                  <a:gd name="TX0" fmla="*/ 0 w 120002"/>
+                  <a:gd name="TY0" fmla="*/ 0 h 120002"/>
+                  <a:gd name="TX1" fmla="*/ 120000 w 120002"/>
+                  <a:gd name="TY1" fmla="*/ 0 h 120002"/>
+                  <a:gd name="TX2" fmla="*/ 120000 w 120002"/>
+                  <a:gd name="TY2" fmla="*/ 120000 h 120002"/>
+                  <a:gd name="TX3" fmla="*/ 0 w 120002"/>
+                  <a:gd name="TY3" fmla="*/ 120000 h 120002"/>
+                </a:gdLst>
+                <a:ahLst/>
+                <a:cxnLst>
+                  <a:cxn ang="0">
+                    <a:pos x="TX0" y="TY0"/>
+                  </a:cxn>
+                  <a:cxn ang="0">
+                    <a:pos x="TX1" y="TY1"/>
+                  </a:cxn>
+                  <a:cxn ang="0">
+                    <a:pos x="TX2" y="TY2"/>
+                  </a:cxn>
+                  <a:cxn ang="0">
+                    <a:pos x="TX3" y="TY3"/>
+                  </a:cxn>
+                </a:cxnLst>
+                <a:rect l="l" t="t" r="r" b="b"/>
+                <a:pathLst>
+                  <a:path w="120002" h="120002">
+                    <a:moveTo>
+                      <a:pt x="0" y="0"/>
+                    </a:moveTo>
+                    <a:lnTo>
+                      <a:pt x="120000" y="0"/>
+                    </a:lnTo>
+                    <a:lnTo>
+                      <a:pt x="120000" y="120000"/>
+                    </a:lnTo>
+                    <a:lnTo>
+                      <a:pt x="0" y="120000"/>
+                    </a:lnTo>
+                    <a:close/>
+                  </a:path>
+                </a:pathLst>
+              </a:custGeom>
+              <a:noFill/>
+              <a:ln w="9525" cap="flat" cmpd="sng">
+                <a:solidFill>
+                  <a:srgbClr val="000000">
+                    <a:alpha val="100000"/>
+                  </a:srgbClr>
+                </a:solidFill>
+                <a:prstDash val="solid"/>
+                <a:round/>
+              </a:ln>
+            </p:spPr>
+            <p:txBody>
+              <a:bodyPr vert="horz" wrap="square" lIns="0" tIns="0" rIns="0" bIns="0" anchor="t">
+                <a:noAutofit/>
+              </a:bodyPr>
+              <a:lstStyle/>
+              <a:p>
+                <a:pPr marL="0" indent="0" latinLnBrk="0"/>
+                <a:endParaRPr/>
+              </a:p>
+            </p:txBody>
+          </p:sp>
+        </p:spTree>
+      </p:cSld>
+      <p:clrMapOvr>
+        <a:masterClrMapping/>
+      </p:clrMapOvr>
+    </p:notes>
+  </mc:Choice>
+  <mc:Fallback xmlns:mc="http://schemas.openxmlformats.org/markup-compatibility/2006" xmlns:p="http://schemas.openxmlformats.org/presentationml/2006/main" xmlns:r="http://schemas.openxmlformats.org/officeDocument/2006/relationships" xmlns:a="http://schemas.openxmlformats.org/drawingml/2006/main" xmlns="">
+    <p:transition spd="slow"/>
+  </mc:Fallback>
+</mc:AlternateContent>
+</file>
+
+<file path=ppt/notesSlides/notesSlide12.xml><?xml version="1.0" encoding="utf-8"?>
 <mc:AlternateContent xmlns:mc="http://schemas.openxmlformats.org/markup-compatibility/2006" xmlns:p14="http://schemas.microsoft.com/office/powerpoint/2010/main">
   <mc:Choice Requires="p14">
     <p:notes xmlns:a="http://schemas.openxmlformats.org/drawingml/2006/main" xmlns:r="http://schemas.openxmlformats.org/officeDocument/2006/relationships" xmlns:p="http://schemas.openxmlformats.org/presentationml/2006/main">
@@ -1138,320 +1286,13 @@
       </p:clrMapOvr>
     </p:notes>
   </mc:Choice>
-  <mc:Fallback xmlns:mc="http://schemas.openxmlformats.org/markup-compatibility/2006" xmlns:p="http://schemas.openxmlformats.org/presentationml/2006/main" xmlns:r="http://schemas.openxmlformats.org/officeDocument/2006/relationships" xmlns:a="http://schemas.openxmlformats.org/drawingml/2006/main" xmlns="">
+  <mc:Fallback xmlns:p14="http://schemas.microsoft.com/office/powerpoint/2010/main" xmlns="" xmlns:a="http://schemas.openxmlformats.org/drawingml/2006/main" xmlns:r="http://schemas.openxmlformats.org/officeDocument/2006/relationships" xmlns:p="http://schemas.openxmlformats.org/presentationml/2006/main" xmlns:mc="http://schemas.openxmlformats.org/markup-compatibility/2006">
     <p:transition spd="slow"/>
   </mc:Fallback>
 </mc:AlternateContent>
 </file>
 
-<file path=ppt/notesSlides/notesSlide12.xml><?xml version="1.0" encoding="utf-8"?>
-<p:notes xmlns:a="http://schemas.openxmlformats.org/drawingml/2006/main" xmlns:r="http://schemas.openxmlformats.org/officeDocument/2006/relationships" xmlns:p="http://schemas.openxmlformats.org/presentationml/2006/main">
-  <p:cSld>
-    <p:spTree>
-      <p:nvGrpSpPr>
-        <p:cNvPr id="1" name=""/>
-        <p:cNvGrpSpPr/>
-        <p:nvPr/>
-      </p:nvGrpSpPr>
-      <p:grpSpPr>
-        <a:xfrm>
-          <a:off x="0" y="0"/>
-          <a:ext cx="0" cy="0"/>
-          <a:chOff x="0" y="0"/>
-          <a:chExt cx="0" cy="0"/>
-        </a:xfrm>
-      </p:grpSpPr>
-      <p:sp>
-        <p:nvSpPr>
-          <p:cNvPr id="129" name="Rect 0"/>
-          <p:cNvSpPr txBox="1">
-            <a:spLocks/>
-          </p:cNvSpPr>
-          <p:nvPr>
-            <p:ph type="body"/>
-          </p:nvPr>
-        </p:nvSpPr>
-        <p:spPr>
-          <a:xfrm rot="0">
-            <a:off x="1028700" y="8686800"/>
-            <a:ext cx="8230870" cy="8230870"/>
-          </a:xfrm>
-          <a:prstGeom prst="rect"/>
-          <a:noFill/>
-          <a:ln w="0">
-            <a:noFill/>
-            <a:prstDash/>
-          </a:ln>
-        </p:spPr>
-        <p:txBody>
-          <a:bodyPr wrap="square" lIns="91440" tIns="91440" rIns="91440" bIns="91440" vert="horz" anchor="t">
-            <a:noAutofit/>
-          </a:bodyPr>
-          <a:lstStyle/>
-          <a:p>
-            <a:pPr marL="0" indent="0" rtl="0" algn="l" latinLnBrk="0">
-              <a:buFontTx/>
-              <a:buNone/>
-            </a:pPr>
-          </a:p>
-        </p:txBody>
-      </p:sp>
-      <p:sp>
-        <p:nvSpPr>
-          <p:cNvPr id="130" name="Rect 0"/>
-          <p:cNvSpPr>
-            <a:spLocks noChangeAspect="1"/>
-          </p:cNvSpPr>
-          <p:nvPr>
-            <p:ph type="sldImg"/>
-          </p:nvPr>
-        </p:nvSpPr>
-        <p:spPr>
-          <a:xfrm rot="0">
-            <a:off x="-952500" y="1371600"/>
-            <a:ext cx="12192635" cy="6858635"/>
-          </a:xfrm>
-          <a:custGeom>
-            <a:gdLst>
-              <a:gd fmla="*/ 0 w 120002" name="TX0"/>
-              <a:gd fmla="*/ 0 h 120002" name="TY0"/>
-              <a:gd fmla="*/ 120000 w 120002" name="TX1"/>
-              <a:gd fmla="*/ 0 h 120002" name="TY1"/>
-              <a:gd fmla="*/ 120000 w 120002" name="TX2"/>
-              <a:gd fmla="*/ 120000 h 120002" name="TY2"/>
-              <a:gd fmla="*/ 0 w 120002" name="TX3"/>
-              <a:gd fmla="*/ 120000 h 120002" name="TY3"/>
-            </a:gdLst>
-            <a:cxnLst>
-              <a:cxn ang="0">
-                <a:pos x="TX0" y="TY0"/>
-              </a:cxn>
-              <a:cxn ang="0">
-                <a:pos x="TX1" y="TY1"/>
-              </a:cxn>
-              <a:cxn ang="0">
-                <a:pos x="TX2" y="TY2"/>
-              </a:cxn>
-              <a:cxn ang="0">
-                <a:pos x="TX3" y="TY3"/>
-              </a:cxn>
-            </a:cxnLst>
-            <a:rect l="l" t="t" r="r" b="b"/>
-            <a:pathLst>
-              <a:path w="120002" h="120002">
-                <a:moveTo>
-                  <a:pt x="0" y="0"/>
-                </a:moveTo>
-                <a:lnTo>
-                  <a:pt x="120000" y="0"/>
-                </a:lnTo>
-                <a:lnTo>
-                  <a:pt x="120000" y="120000"/>
-                </a:lnTo>
-                <a:lnTo>
-                  <a:pt x="0" y="120000"/>
-                </a:lnTo>
-                <a:close/>
-              </a:path>
-            </a:pathLst>
-          </a:custGeom>
-          <a:noFill/>
-          <a:ln w="9525" cap="flat" cmpd="sng">
-            <a:solidFill>
-              <a:srgbClr val="000000">
-                <a:alpha val="100000"/>
-              </a:srgbClr>
-            </a:solidFill>
-            <a:prstDash val="solid"/>
-            <a:round/>
-          </a:ln>
-        </p:spPr>
-        <p:txBody>
-          <a:bodyPr wrap="square" lIns="0" tIns="0" rIns="0" bIns="0" vert="horz" anchor="t">
-            <a:noAutofit/>
-          </a:bodyPr>
-          <a:lstStyle/>
-          <a:p>
-            <a:pPr marL="0" indent="0" latinLnBrk="0"/>
-          </a:p>
-        </p:txBody>
-      </p:sp>
-    </p:spTree>
-  </p:cSld>
-  <p:clrMapOvr>
-    <a:masterClrMapping/>
-  </p:clrMapOvr>
-  <mc:AlternateContent xmlns:mc="http://schemas.openxmlformats.org/markup-compatibility/2006">
-    <mc:Choice xmlns:p14="http://schemas.microsoft.com/office/powerpoint/2010/main" Requires="p14">
-      <p:transition spd="slow" p14:dur="0"/>
-    </mc:Choice>
-    <mc:Fallback>
-      <p:transition spd="slow"/>
-    </mc:Fallback>
-  </mc:AlternateContent>
-</p:notes>
-</file>
-
 <file path=ppt/notesSlides/notesSlide13.xml><?xml version="1.0" encoding="utf-8"?>
-<mc:AlternateContent xmlns:mc="http://schemas.openxmlformats.org/markup-compatibility/2006" xmlns:p14="http://schemas.microsoft.com/office/powerpoint/2010/main">
-  <mc:Choice Requires="p14">
-    <p:notes xmlns:a="http://schemas.openxmlformats.org/drawingml/2006/main" xmlns:r="http://schemas.openxmlformats.org/officeDocument/2006/relationships" xmlns:p="http://schemas.openxmlformats.org/presentationml/2006/main">
-      <p:cSld>
-        <p:spTree>
-          <p:nvGrpSpPr>
-            <p:cNvPr id="1" name=""/>
-            <p:cNvGrpSpPr/>
-            <p:nvPr/>
-          </p:nvGrpSpPr>
-          <p:grpSpPr>
-            <a:xfrm>
-              <a:off x="0" y="0"/>
-              <a:ext cx="0" cy="0"/>
-              <a:chOff x="0" y="0"/>
-              <a:chExt cx="0" cy="0"/>
-            </a:xfrm>
-          </p:grpSpPr>
-          <p:sp>
-            <p:nvSpPr>
-              <p:cNvPr id="129" name="Google Shape;129;p3:notes"/>
-              <p:cNvSpPr txBox="1">
-                <a:spLocks noGrp="1"/>
-              </p:cNvSpPr>
-              <p:nvPr>
-                <p:ph type="body" idx="1"/>
-              </p:nvPr>
-            </p:nvSpPr>
-            <p:spPr>
-              <a:xfrm>
-                <a:off x="1028700" y="8686800"/>
-                <a:ext cx="8230235" cy="8230235"/>
-              </a:xfrm>
-              <a:prstGeom prst="rect">
-                <a:avLst/>
-              </a:prstGeom>
-              <a:noFill/>
-              <a:ln w="0">
-                <a:noFill/>
-                <a:prstDash/>
-              </a:ln>
-            </p:spPr>
-            <p:txBody>
-              <a:bodyPr vert="horz" wrap="square" lIns="91440" tIns="91440" rIns="91440" bIns="91440" numCol="1" anchor="t">
-                <a:noAutofit/>
-              </a:bodyPr>
-              <a:lstStyle/>
-              <a:p>
-                <a:pPr marL="0" indent="0" algn="l" rtl="0" latinLnBrk="0">
-                  <a:spcBef>
-                    <a:spcPts val="0"/>
-                  </a:spcBef>
-                  <a:spcAft>
-                    <a:spcPts val="0"/>
-                  </a:spcAft>
-                  <a:buFontTx/>
-                  <a:buNone/>
-                </a:pPr>
-                <a:endParaRPr/>
-              </a:p>
-            </p:txBody>
-          </p:sp>
-          <p:sp>
-            <p:nvSpPr>
-              <p:cNvPr id="130" name="Google Shape;130;p3:notes"/>
-              <p:cNvSpPr>
-                <a:spLocks noGrp="1" noRot="1" noChangeAspect="1"/>
-              </p:cNvSpPr>
-              <p:nvPr>
-                <p:ph type="sldImg"/>
-              </p:nvPr>
-            </p:nvSpPr>
-            <p:spPr>
-              <a:xfrm>
-                <a:off x="-952500" y="1371600"/>
-                <a:ext cx="12192000" cy="6858000"/>
-              </a:xfrm>
-              <a:custGeom>
-                <a:avLst/>
-                <a:gdLst>
-                  <a:gd name="TX0" fmla="*/ 0 w 120001"/>
-                  <a:gd name="TY0" fmla="*/ 0 h 120001"/>
-                  <a:gd name="TX1" fmla="*/ 120000 w 120001"/>
-                  <a:gd name="TY1" fmla="*/ 0 h 120001"/>
-                  <a:gd name="TX2" fmla="*/ 120000 w 120001"/>
-                  <a:gd name="TY2" fmla="*/ 120000 h 120001"/>
-                  <a:gd name="TX3" fmla="*/ 0 w 120001"/>
-                  <a:gd name="TY3" fmla="*/ 120000 h 120001"/>
-                </a:gdLst>
-                <a:ahLst/>
-                <a:cxnLst>
-                  <a:cxn ang="0">
-                    <a:pos x="TX0" y="TY0"/>
-                  </a:cxn>
-                  <a:cxn ang="0">
-                    <a:pos x="TX1" y="TY1"/>
-                  </a:cxn>
-                  <a:cxn ang="0">
-                    <a:pos x="TX2" y="TY2"/>
-                  </a:cxn>
-                  <a:cxn ang="0">
-                    <a:pos x="TX3" y="TY3"/>
-                  </a:cxn>
-                </a:cxnLst>
-                <a:rect l="l" t="t" r="r" b="b"/>
-                <a:pathLst>
-                  <a:path w="120001" h="120001">
-                    <a:moveTo>
-                      <a:pt x="0" y="0"/>
-                    </a:moveTo>
-                    <a:lnTo>
-                      <a:pt x="120000" y="0"/>
-                    </a:lnTo>
-                    <a:lnTo>
-                      <a:pt x="120000" y="120000"/>
-                    </a:lnTo>
-                    <a:lnTo>
-                      <a:pt x="0" y="120000"/>
-                    </a:lnTo>
-                    <a:close/>
-                  </a:path>
-                </a:pathLst>
-              </a:custGeom>
-              <a:noFill/>
-              <a:ln w="9525" cap="flat" cmpd="sng">
-                <a:solidFill>
-                  <a:srgbClr val="000000">
-                    <a:alpha val="100000"/>
-                  </a:srgbClr>
-                </a:solidFill>
-                <a:prstDash val="solid"/>
-                <a:round/>
-              </a:ln>
-            </p:spPr>
-            <p:txBody>
-              <a:bodyPr vert="horz" wrap="square" lIns="0" tIns="0" rIns="0" bIns="0" anchor="t">
-                <a:noAutofit/>
-              </a:bodyPr>
-              <a:lstStyle/>
-              <a:p>
-                <a:pPr marL="0" indent="0"/>
-                <a:endParaRPr/>
-              </a:p>
-            </p:txBody>
-          </p:sp>
-        </p:spTree>
-      </p:cSld>
-      <p:clrMapOvr>
-        <a:masterClrMapping/>
-      </p:clrMapOvr>
-    </p:notes>
-  </mc:Choice>
-  <mc:Fallback xmlns:mc="http://schemas.openxmlformats.org/markup-compatibility/2006" xmlns:p="http://schemas.openxmlformats.org/presentationml/2006/main" xmlns:r="http://schemas.openxmlformats.org/officeDocument/2006/relationships" xmlns:a="http://schemas.openxmlformats.org/drawingml/2006/main" xmlns="">
-    <p:transition spd="slow"/>
-  </mc:Fallback>
-</mc:AlternateContent>
-</file>
-
-<file path=ppt/notesSlides/notesSlide14.xml><?xml version="1.0" encoding="utf-8"?>
 <mc:AlternateContent xmlns:mc="http://schemas.openxmlformats.org/markup-compatibility/2006" xmlns:p14="http://schemas.microsoft.com/office/powerpoint/2010/main">
   <mc:Choice Requires="p14">
     <p:notes xmlns:a="http://schemas.openxmlformats.org/drawingml/2006/main" xmlns:r="http://schemas.openxmlformats.org/officeDocument/2006/relationships" xmlns:p="http://schemas.openxmlformats.org/presentationml/2006/main">
@@ -1604,13 +1445,13 @@
       </p:clrMapOvr>
     </p:notes>
   </mc:Choice>
-  <mc:Fallback xmlns:mc="http://schemas.openxmlformats.org/markup-compatibility/2006" xmlns:p="http://schemas.openxmlformats.org/presentationml/2006/main" xmlns:r="http://schemas.openxmlformats.org/officeDocument/2006/relationships" xmlns:a="http://schemas.openxmlformats.org/drawingml/2006/main" xmlns="" xmlns:p14="http://schemas.microsoft.com/office/powerpoint/2010/main">
+  <mc:Fallback xmlns:p14="http://schemas.microsoft.com/office/powerpoint/2010/main" xmlns="" xmlns:a="http://schemas.openxmlformats.org/drawingml/2006/main" xmlns:r="http://schemas.openxmlformats.org/officeDocument/2006/relationships" xmlns:p="http://schemas.openxmlformats.org/presentationml/2006/main" xmlns:mc="http://schemas.openxmlformats.org/markup-compatibility/2006">
     <p:transition spd="slow"/>
   </mc:Fallback>
 </mc:AlternateContent>
 </file>
 
-<file path=ppt/notesSlides/notesSlide15.xml><?xml version="1.0" encoding="utf-8"?>
+<file path=ppt/notesSlides/notesSlide14.xml><?xml version="1.0" encoding="utf-8"?>
 <p:notes xmlns:a="http://schemas.openxmlformats.org/drawingml/2006/main" xmlns:r="http://schemas.openxmlformats.org/officeDocument/2006/relationships" xmlns:p="http://schemas.openxmlformats.org/presentationml/2006/main" showMasterSp="0" showMasterPhAnim="0">
   <p:cSld>
     <p:spTree>
@@ -1867,7 +1708,7 @@
       </p:clrMapOvr>
     </p:notes>
   </mc:Choice>
-  <mc:Fallback xmlns:mc="http://schemas.openxmlformats.org/markup-compatibility/2006" xmlns:p="http://schemas.openxmlformats.org/presentationml/2006/main" xmlns:r="http://schemas.openxmlformats.org/officeDocument/2006/relationships" xmlns:a="http://schemas.openxmlformats.org/drawingml/2006/main" xmlns="" xmlns:p14="http://schemas.microsoft.com/office/powerpoint/2010/main">
+  <mc:Fallback xmlns:p14="http://schemas.microsoft.com/office/powerpoint/2010/main" xmlns="" xmlns:a="http://schemas.openxmlformats.org/drawingml/2006/main" xmlns:r="http://schemas.openxmlformats.org/officeDocument/2006/relationships" xmlns:p="http://schemas.openxmlformats.org/presentationml/2006/main" xmlns:mc="http://schemas.openxmlformats.org/markup-compatibility/2006">
     <p:transition spd="slow"/>
   </mc:Fallback>
 </mc:AlternateContent>
@@ -2031,7 +1872,7 @@
       </p:clrMapOvr>
     </p:notes>
   </mc:Choice>
-  <mc:Fallback xmlns:mc="http://schemas.openxmlformats.org/markup-compatibility/2006" xmlns:p="http://schemas.openxmlformats.org/presentationml/2006/main" xmlns:r="http://schemas.openxmlformats.org/officeDocument/2006/relationships" xmlns:a="http://schemas.openxmlformats.org/drawingml/2006/main" xmlns="" xmlns:p14="http://schemas.microsoft.com/office/powerpoint/2010/main">
+  <mc:Fallback xmlns:p14="http://schemas.microsoft.com/office/powerpoint/2010/main" xmlns="" xmlns:a="http://schemas.openxmlformats.org/drawingml/2006/main" xmlns:r="http://schemas.openxmlformats.org/officeDocument/2006/relationships" xmlns:p="http://schemas.openxmlformats.org/presentationml/2006/main" xmlns:mc="http://schemas.openxmlformats.org/markup-compatibility/2006">
     <p:transition spd="slow"/>
   </mc:Fallback>
 </mc:AlternateContent>
@@ -2141,7 +1982,7 @@
 </p:notes>
 </file>
 
-<file path=ppt/notesSlides/notesSlide6.xml><?xml version="1.0" encoding="utf-8"?>
+<file path=ppt/notesSlides/notesSlide5.xml><?xml version="1.0" encoding="utf-8"?>
 <p:notes xmlns:a="http://schemas.openxmlformats.org/drawingml/2006/main" xmlns:r="http://schemas.openxmlformats.org/officeDocument/2006/relationships" xmlns:p="http://schemas.openxmlformats.org/presentationml/2006/main" showMasterSp="0" showMasterPhAnim="0">
   <p:cSld>
     <p:spTree>
@@ -2245,7 +2086,7 @@
 </p:notes>
 </file>
 
-<file path=ppt/notesSlides/notesSlide7.xml><?xml version="1.0" encoding="utf-8"?>
+<file path=ppt/notesSlides/notesSlide6.xml><?xml version="1.0" encoding="utf-8"?>
 <mc:AlternateContent xmlns:mc="http://schemas.openxmlformats.org/markup-compatibility/2006" xmlns:p14="http://schemas.microsoft.com/office/powerpoint/2010/main">
   <mc:Choice Requires="p14">
     <p:notes xmlns:a="http://schemas.openxmlformats.org/drawingml/2006/main" xmlns:r="http://schemas.openxmlformats.org/officeDocument/2006/relationships" xmlns:p="http://schemas.openxmlformats.org/presentationml/2006/main">
@@ -2398,312 +2239,486 @@
       </p:clrMapOvr>
     </p:notes>
   </mc:Choice>
-  <mc:Fallback xmlns:mc="http://schemas.openxmlformats.org/markup-compatibility/2006" xmlns:p="http://schemas.openxmlformats.org/presentationml/2006/main" xmlns:r="http://schemas.openxmlformats.org/officeDocument/2006/relationships" xmlns:a="http://schemas.openxmlformats.org/drawingml/2006/main" xmlns="" xmlns:p14="http://schemas.microsoft.com/office/powerpoint/2010/main">
+  <mc:Fallback xmlns:p14="http://schemas.microsoft.com/office/powerpoint/2010/main" xmlns="" xmlns:a="http://schemas.openxmlformats.org/drawingml/2006/main" xmlns:r="http://schemas.openxmlformats.org/officeDocument/2006/relationships" xmlns:p="http://schemas.openxmlformats.org/presentationml/2006/main" xmlns:mc="http://schemas.openxmlformats.org/markup-compatibility/2006">
+    <p:transition spd="slow"/>
+  </mc:Fallback>
+</mc:AlternateContent>
+</file>
+
+<file path=ppt/notesSlides/notesSlide7.xml><?xml version="1.0" encoding="utf-8"?>
+<mc:AlternateContent xmlns:mc="http://schemas.openxmlformats.org/markup-compatibility/2006" xmlns:p14="http://schemas.microsoft.com/office/powerpoint/2010/main">
+  <mc:Choice Requires="p14">
+    <p:notes xmlns:a="http://schemas.openxmlformats.org/drawingml/2006/main" xmlns:r="http://schemas.openxmlformats.org/officeDocument/2006/relationships" xmlns:p="http://schemas.openxmlformats.org/presentationml/2006/main">
+      <p:cSld>
+        <p:spTree>
+          <p:nvGrpSpPr>
+            <p:cNvPr id="1" name=""/>
+            <p:cNvGrpSpPr/>
+            <p:nvPr/>
+          </p:nvGrpSpPr>
+          <p:grpSpPr>
+            <a:xfrm>
+              <a:off x="0" y="0"/>
+              <a:ext cx="0" cy="0"/>
+              <a:chOff x="0" y="0"/>
+              <a:chExt cx="0" cy="0"/>
+            </a:xfrm>
+          </p:grpSpPr>
+          <p:sp>
+            <p:nvSpPr>
+              <p:cNvPr id="129" name="Rect 0"/>
+              <p:cNvSpPr txBox="1">
+                <a:spLocks noGrp="1"/>
+              </p:cNvSpPr>
+              <p:nvPr>
+                <p:ph type="body"/>
+              </p:nvPr>
+            </p:nvSpPr>
+            <p:spPr>
+              <a:xfrm>
+                <a:off x="1028700" y="8686800"/>
+                <a:ext cx="8230870" cy="8230870"/>
+              </a:xfrm>
+              <a:prstGeom prst="rect">
+                <a:avLst/>
+              </a:prstGeom>
+              <a:noFill/>
+              <a:ln w="0">
+                <a:noFill/>
+                <a:prstDash/>
+              </a:ln>
+            </p:spPr>
+            <p:txBody>
+              <a:bodyPr vert="horz" wrap="square" lIns="91440" tIns="91440" rIns="91440" bIns="91440" anchor="t">
+                <a:noAutofit/>
+              </a:bodyPr>
+              <a:lstStyle/>
+              <a:p>
+                <a:pPr marL="0" indent="0" algn="l" rtl="0" latinLnBrk="0">
+                  <a:buFontTx/>
+                  <a:buNone/>
+                </a:pPr>
+                <a:endParaRPr/>
+              </a:p>
+            </p:txBody>
+          </p:sp>
+          <p:sp>
+            <p:nvSpPr>
+              <p:cNvPr id="130" name="Rect 0"/>
+              <p:cNvSpPr>
+                <a:spLocks noGrp="1" noRot="1" noChangeAspect="1"/>
+              </p:cNvSpPr>
+              <p:nvPr>
+                <p:ph type="sldImg"/>
+              </p:nvPr>
+            </p:nvSpPr>
+            <p:spPr>
+              <a:xfrm>
+                <a:off x="-951230" y="1371600"/>
+                <a:ext cx="12191365" cy="6858635"/>
+              </a:xfrm>
+              <a:custGeom>
+                <a:avLst/>
+                <a:gdLst>
+                  <a:gd name="TX0" fmla="*/ 0 w 120002"/>
+                  <a:gd name="TY0" fmla="*/ 0 h 120002"/>
+                  <a:gd name="TX1" fmla="*/ 120000 w 120002"/>
+                  <a:gd name="TY1" fmla="*/ 0 h 120002"/>
+                  <a:gd name="TX2" fmla="*/ 120000 w 120002"/>
+                  <a:gd name="TY2" fmla="*/ 120000 h 120002"/>
+                  <a:gd name="TX3" fmla="*/ 0 w 120002"/>
+                  <a:gd name="TY3" fmla="*/ 120000 h 120002"/>
+                </a:gdLst>
+                <a:ahLst/>
+                <a:cxnLst>
+                  <a:cxn ang="0">
+                    <a:pos x="TX0" y="TY0"/>
+                  </a:cxn>
+                  <a:cxn ang="0">
+                    <a:pos x="TX1" y="TY1"/>
+                  </a:cxn>
+                  <a:cxn ang="0">
+                    <a:pos x="TX2" y="TY2"/>
+                  </a:cxn>
+                  <a:cxn ang="0">
+                    <a:pos x="TX3" y="TY3"/>
+                  </a:cxn>
+                </a:cxnLst>
+                <a:rect l="l" t="t" r="r" b="b"/>
+                <a:pathLst>
+                  <a:path w="120002" h="120002">
+                    <a:moveTo>
+                      <a:pt x="0" y="0"/>
+                    </a:moveTo>
+                    <a:lnTo>
+                      <a:pt x="120000" y="0"/>
+                    </a:lnTo>
+                    <a:lnTo>
+                      <a:pt x="120000" y="120000"/>
+                    </a:lnTo>
+                    <a:lnTo>
+                      <a:pt x="0" y="120000"/>
+                    </a:lnTo>
+                    <a:close/>
+                  </a:path>
+                </a:pathLst>
+              </a:custGeom>
+              <a:noFill/>
+              <a:ln w="9525" cap="flat" cmpd="sng">
+                <a:solidFill>
+                  <a:srgbClr val="000000">
+                    <a:alpha val="100000"/>
+                  </a:srgbClr>
+                </a:solidFill>
+                <a:prstDash val="solid"/>
+                <a:round/>
+              </a:ln>
+            </p:spPr>
+            <p:txBody>
+              <a:bodyPr vert="horz" wrap="square" lIns="0" tIns="0" rIns="0" bIns="0" anchor="t">
+                <a:noAutofit/>
+              </a:bodyPr>
+              <a:lstStyle/>
+              <a:p>
+                <a:pPr marL="0" indent="0" latinLnBrk="0"/>
+                <a:endParaRPr/>
+              </a:p>
+            </p:txBody>
+          </p:sp>
+        </p:spTree>
+      </p:cSld>
+      <p:clrMapOvr>
+        <a:masterClrMapping/>
+      </p:clrMapOvr>
+    </p:notes>
+  </mc:Choice>
+  <mc:Fallback xmlns:mc="http://schemas.openxmlformats.org/markup-compatibility/2006" xmlns:p="http://schemas.openxmlformats.org/presentationml/2006/main" xmlns:r="http://schemas.openxmlformats.org/officeDocument/2006/relationships" xmlns:a="http://schemas.openxmlformats.org/drawingml/2006/main" xmlns="">
     <p:transition spd="slow"/>
   </mc:Fallback>
 </mc:AlternateContent>
 </file>
 
 <file path=ppt/notesSlides/notesSlide8.xml><?xml version="1.0" encoding="utf-8"?>
-<p:notes xmlns:a="http://schemas.openxmlformats.org/drawingml/2006/main" xmlns:r="http://schemas.openxmlformats.org/officeDocument/2006/relationships" xmlns:p="http://schemas.openxmlformats.org/presentationml/2006/main">
-  <p:cSld>
-    <p:spTree>
-      <p:nvGrpSpPr>
-        <p:cNvPr id="1" name=""/>
-        <p:cNvGrpSpPr/>
-        <p:nvPr/>
-      </p:nvGrpSpPr>
-      <p:grpSpPr>
-        <a:xfrm>
-          <a:off x="0" y="0"/>
-          <a:ext cx="0" cy="0"/>
-          <a:chOff x="0" y="0"/>
-          <a:chExt cx="0" cy="0"/>
-        </a:xfrm>
-      </p:grpSpPr>
-      <p:sp>
-        <p:nvSpPr>
-          <p:cNvPr id="129" name="Rect 0"/>
-          <p:cNvSpPr txBox="1">
-            <a:spLocks/>
-          </p:cNvSpPr>
-          <p:nvPr>
-            <p:ph type="body"/>
-          </p:nvPr>
-        </p:nvSpPr>
-        <p:spPr>
-          <a:xfrm rot="0">
-            <a:off x="1028700" y="8686800"/>
-            <a:ext cx="8230870" cy="8230870"/>
-          </a:xfrm>
-          <a:prstGeom prst="rect"/>
-          <a:noFill/>
-          <a:ln w="0">
-            <a:noFill/>
-            <a:prstDash/>
-          </a:ln>
-        </p:spPr>
-        <p:txBody>
-          <a:bodyPr wrap="square" lIns="91440" tIns="91440" rIns="91440" bIns="91440" vert="horz" anchor="t">
-            <a:noAutofit/>
-          </a:bodyPr>
-          <a:lstStyle/>
-          <a:p>
-            <a:pPr marL="0" indent="0" rtl="0" algn="l" latinLnBrk="0">
-              <a:buFontTx/>
-              <a:buNone/>
-            </a:pPr>
-          </a:p>
-        </p:txBody>
-      </p:sp>
-      <p:sp>
-        <p:nvSpPr>
-          <p:cNvPr id="130" name="Rect 0"/>
-          <p:cNvSpPr>
-            <a:spLocks noChangeAspect="1"/>
-          </p:cNvSpPr>
-          <p:nvPr>
-            <p:ph type="sldImg"/>
-          </p:nvPr>
-        </p:nvSpPr>
-        <p:spPr>
-          <a:xfrm rot="0">
-            <a:off x="-951230" y="1371600"/>
-            <a:ext cx="12191365" cy="6858635"/>
-          </a:xfrm>
-          <a:custGeom>
-            <a:gdLst>
-              <a:gd fmla="*/ 0 w 120002" name="TX0"/>
-              <a:gd fmla="*/ 0 h 120002" name="TY0"/>
-              <a:gd fmla="*/ 120000 w 120002" name="TX1"/>
-              <a:gd fmla="*/ 0 h 120002" name="TY1"/>
-              <a:gd fmla="*/ 120000 w 120002" name="TX2"/>
-              <a:gd fmla="*/ 120000 h 120002" name="TY2"/>
-              <a:gd fmla="*/ 0 w 120002" name="TX3"/>
-              <a:gd fmla="*/ 120000 h 120002" name="TY3"/>
-            </a:gdLst>
-            <a:cxnLst>
-              <a:cxn ang="0">
-                <a:pos x="TX0" y="TY0"/>
-              </a:cxn>
-              <a:cxn ang="0">
-                <a:pos x="TX1" y="TY1"/>
-              </a:cxn>
-              <a:cxn ang="0">
-                <a:pos x="TX2" y="TY2"/>
-              </a:cxn>
-              <a:cxn ang="0">
-                <a:pos x="TX3" y="TY3"/>
-              </a:cxn>
-            </a:cxnLst>
-            <a:rect l="l" t="t" r="r" b="b"/>
-            <a:pathLst>
-              <a:path w="120002" h="120002">
-                <a:moveTo>
-                  <a:pt x="0" y="0"/>
-                </a:moveTo>
-                <a:lnTo>
-                  <a:pt x="120000" y="0"/>
-                </a:lnTo>
-                <a:lnTo>
-                  <a:pt x="120000" y="120000"/>
-                </a:lnTo>
-                <a:lnTo>
-                  <a:pt x="0" y="120000"/>
-                </a:lnTo>
-                <a:close/>
-              </a:path>
-            </a:pathLst>
-          </a:custGeom>
-          <a:noFill/>
-          <a:ln w="9525" cap="flat" cmpd="sng">
-            <a:solidFill>
-              <a:srgbClr val="000000">
-                <a:alpha val="100000"/>
-              </a:srgbClr>
-            </a:solidFill>
-            <a:prstDash val="solid"/>
-            <a:round/>
-          </a:ln>
-        </p:spPr>
-        <p:txBody>
-          <a:bodyPr wrap="square" lIns="0" tIns="0" rIns="0" bIns="0" vert="horz" anchor="t">
-            <a:noAutofit/>
-          </a:bodyPr>
-          <a:lstStyle/>
-          <a:p>
-            <a:pPr marL="0" indent="0" latinLnBrk="0"/>
-          </a:p>
-        </p:txBody>
-      </p:sp>
-    </p:spTree>
-  </p:cSld>
-  <p:clrMapOvr>
-    <a:masterClrMapping/>
-  </p:clrMapOvr>
-  <mc:AlternateContent xmlns:mc="http://schemas.openxmlformats.org/markup-compatibility/2006">
-    <mc:Choice xmlns:p14="http://schemas.microsoft.com/office/powerpoint/2010/main" Requires="p14">
-      <p:transition spd="slow" p14:dur="0"/>
-    </mc:Choice>
-    <mc:Fallback>
-      <p:transition spd="slow"/>
-    </mc:Fallback>
-  </mc:AlternateContent>
-</p:notes>
+<mc:AlternateContent xmlns:mc="http://schemas.openxmlformats.org/markup-compatibility/2006" xmlns:p14="http://schemas.microsoft.com/office/powerpoint/2010/main">
+  <mc:Choice Requires="p14">
+    <p:notes xmlns:a="http://schemas.openxmlformats.org/drawingml/2006/main" xmlns:r="http://schemas.openxmlformats.org/officeDocument/2006/relationships" xmlns:p="http://schemas.openxmlformats.org/presentationml/2006/main">
+      <p:cSld>
+        <p:spTree>
+          <p:nvGrpSpPr>
+            <p:cNvPr id="1" name=""/>
+            <p:cNvGrpSpPr/>
+            <p:nvPr/>
+          </p:nvGrpSpPr>
+          <p:grpSpPr>
+            <a:xfrm>
+              <a:off x="0" y="0"/>
+              <a:ext cx="0" cy="0"/>
+              <a:chOff x="0" y="0"/>
+              <a:chExt cx="0" cy="0"/>
+            </a:xfrm>
+          </p:grpSpPr>
+          <p:sp>
+            <p:nvSpPr>
+              <p:cNvPr id="129" name="Google Shape;129;p3:notes"/>
+              <p:cNvSpPr txBox="1">
+                <a:spLocks noGrp="1"/>
+              </p:cNvSpPr>
+              <p:nvPr>
+                <p:ph type="body" idx="1"/>
+              </p:nvPr>
+            </p:nvSpPr>
+            <p:spPr>
+              <a:xfrm>
+                <a:off x="1028700" y="8686800"/>
+                <a:ext cx="8230870" cy="8230870"/>
+              </a:xfrm>
+              <a:prstGeom prst="rect">
+                <a:avLst/>
+              </a:prstGeom>
+              <a:noFill/>
+              <a:ln w="0">
+                <a:noFill/>
+                <a:prstDash/>
+              </a:ln>
+            </p:spPr>
+            <p:txBody>
+              <a:bodyPr vert="horz" wrap="square" lIns="91440" tIns="91440" rIns="91440" bIns="91440" numCol="1" anchor="t">
+                <a:noAutofit/>
+              </a:bodyPr>
+              <a:lstStyle/>
+              <a:p>
+                <a:pPr marL="0" indent="0" algn="l" rtl="0" latinLnBrk="0">
+                  <a:spcBef>
+                    <a:spcPts val="0"/>
+                  </a:spcBef>
+                  <a:spcAft>
+                    <a:spcPts val="0"/>
+                  </a:spcAft>
+                  <a:buFontTx/>
+                  <a:buNone/>
+                </a:pPr>
+                <a:endParaRPr/>
+              </a:p>
+            </p:txBody>
+          </p:sp>
+          <p:sp>
+            <p:nvSpPr>
+              <p:cNvPr id="130" name="Google Shape;130;p3:notes"/>
+              <p:cNvSpPr>
+                <a:spLocks noGrp="1" noRot="1" noChangeAspect="1"/>
+              </p:cNvSpPr>
+              <p:nvPr>
+                <p:ph type="sldImg"/>
+              </p:nvPr>
+            </p:nvSpPr>
+            <p:spPr>
+              <a:xfrm>
+                <a:off x="-951230" y="1371600"/>
+                <a:ext cx="12191365" cy="6858635"/>
+              </a:xfrm>
+              <a:custGeom>
+                <a:avLst/>
+                <a:gdLst>
+                  <a:gd name="TX0" fmla="*/ 0 w 120002"/>
+                  <a:gd name="TY0" fmla="*/ 0 h 120002"/>
+                  <a:gd name="TX1" fmla="*/ 120000 w 120002"/>
+                  <a:gd name="TY1" fmla="*/ 0 h 120002"/>
+                  <a:gd name="TX2" fmla="*/ 120000 w 120002"/>
+                  <a:gd name="TY2" fmla="*/ 120000 h 120002"/>
+                  <a:gd name="TX3" fmla="*/ 0 w 120002"/>
+                  <a:gd name="TY3" fmla="*/ 120000 h 120002"/>
+                </a:gdLst>
+                <a:ahLst/>
+                <a:cxnLst>
+                  <a:cxn ang="0">
+                    <a:pos x="TX0" y="TY0"/>
+                  </a:cxn>
+                  <a:cxn ang="0">
+                    <a:pos x="TX1" y="TY1"/>
+                  </a:cxn>
+                  <a:cxn ang="0">
+                    <a:pos x="TX2" y="TY2"/>
+                  </a:cxn>
+                  <a:cxn ang="0">
+                    <a:pos x="TX3" y="TY3"/>
+                  </a:cxn>
+                </a:cxnLst>
+                <a:rect l="l" t="t" r="r" b="b"/>
+                <a:pathLst>
+                  <a:path w="120002" h="120002">
+                    <a:moveTo>
+                      <a:pt x="0" y="0"/>
+                    </a:moveTo>
+                    <a:lnTo>
+                      <a:pt x="120000" y="0"/>
+                    </a:lnTo>
+                    <a:lnTo>
+                      <a:pt x="120000" y="120000"/>
+                    </a:lnTo>
+                    <a:lnTo>
+                      <a:pt x="0" y="120000"/>
+                    </a:lnTo>
+                    <a:close/>
+                  </a:path>
+                </a:pathLst>
+              </a:custGeom>
+              <a:noFill/>
+              <a:ln w="9525" cap="flat" cmpd="sng">
+                <a:solidFill>
+                  <a:srgbClr val="000000">
+                    <a:alpha val="100000"/>
+                  </a:srgbClr>
+                </a:solidFill>
+                <a:prstDash val="solid"/>
+                <a:round/>
+              </a:ln>
+            </p:spPr>
+            <p:txBody>
+              <a:bodyPr vert="horz" wrap="square" lIns="0" tIns="0" rIns="0" bIns="0" numCol="1" anchor="t">
+                <a:noAutofit/>
+              </a:bodyPr>
+              <a:lstStyle/>
+              <a:p>
+                <a:pPr marL="0" indent="0" latinLnBrk="0"/>
+                <a:endParaRPr/>
+              </a:p>
+            </p:txBody>
+          </p:sp>
+        </p:spTree>
+      </p:cSld>
+      <p:clrMapOvr>
+        <a:masterClrMapping/>
+      </p:clrMapOvr>
+    </p:notes>
+  </mc:Choice>
+  <mc:Fallback xmlns:mc="http://schemas.openxmlformats.org/markup-compatibility/2006" xmlns:p="http://schemas.openxmlformats.org/presentationml/2006/main" xmlns:r="http://schemas.openxmlformats.org/officeDocument/2006/relationships" xmlns:a="http://schemas.openxmlformats.org/drawingml/2006/main" xmlns="">
+    <p:transition spd="slow"/>
+  </mc:Fallback>
+</mc:AlternateContent>
 </file>
 
 <file path=ppt/notesSlides/notesSlide9.xml><?xml version="1.0" encoding="utf-8"?>
-<p:notes xmlns:a="http://schemas.openxmlformats.org/drawingml/2006/main" xmlns:r="http://schemas.openxmlformats.org/officeDocument/2006/relationships" xmlns:p="http://schemas.openxmlformats.org/presentationml/2006/main">
-  <p:cSld>
-    <p:spTree>
-      <p:nvGrpSpPr>
-        <p:cNvPr id="1" name=""/>
-        <p:cNvGrpSpPr/>
-        <p:nvPr/>
-      </p:nvGrpSpPr>
-      <p:grpSpPr>
-        <a:xfrm>
-          <a:off x="0" y="0"/>
-          <a:ext cx="0" cy="0"/>
-          <a:chOff x="0" y="0"/>
-          <a:chExt cx="0" cy="0"/>
-        </a:xfrm>
-      </p:grpSpPr>
-      <p:sp>
-        <p:nvSpPr>
-          <p:cNvPr id="129" name="Google Shape;129;p3:notes"/>
-          <p:cNvSpPr txBox="1">
-            <a:spLocks/>
-          </p:cNvSpPr>
-          <p:nvPr>
-            <p:ph type="body" idx="1"/>
-          </p:nvPr>
-        </p:nvSpPr>
-        <p:spPr>
-          <a:xfrm rot="0">
-            <a:off x="1028700" y="8686800"/>
-            <a:ext cx="8230870" cy="8230870"/>
-          </a:xfrm>
-          <a:prstGeom prst="rect"/>
-          <a:noFill/>
-          <a:ln w="0">
-            <a:noFill/>
-            <a:prstDash/>
-          </a:ln>
-        </p:spPr>
-        <p:txBody>
-          <a:bodyPr wrap="square" lIns="91440" tIns="91440" rIns="91440" bIns="91440" numCol="1" vert="horz" anchor="t">
-            <a:noAutofit/>
-          </a:bodyPr>
-          <a:lstStyle/>
-          <a:p>
-            <a:pPr marL="0" indent="0" rtl="0" algn="l" latinLnBrk="0">
-              <a:spcBef>
-                <a:spcPts val="0"/>
-              </a:spcBef>
-              <a:spcAft>
-                <a:spcPts val="0"/>
-              </a:spcAft>
-              <a:buFontTx/>
-              <a:buNone/>
-            </a:pPr>
-          </a:p>
-        </p:txBody>
-      </p:sp>
-      <p:sp>
-        <p:nvSpPr>
-          <p:cNvPr id="130" name="Google Shape;130;p3:notes"/>
-          <p:cNvSpPr>
-            <a:spLocks noChangeAspect="1"/>
-          </p:cNvSpPr>
-          <p:nvPr>
-            <p:ph type="sldImg"/>
-          </p:nvPr>
-        </p:nvSpPr>
-        <p:spPr>
-          <a:xfrm rot="0">
-            <a:off x="-951230" y="1371600"/>
-            <a:ext cx="12191365" cy="6858635"/>
-          </a:xfrm>
-          <a:custGeom>
-            <a:gdLst>
-              <a:gd fmla="*/ 0 w 120002" name="TX0"/>
-              <a:gd fmla="*/ 0 h 120002" name="TY0"/>
-              <a:gd fmla="*/ 120000 w 120002" name="TX1"/>
-              <a:gd fmla="*/ 0 h 120002" name="TY1"/>
-              <a:gd fmla="*/ 120000 w 120002" name="TX2"/>
-              <a:gd fmla="*/ 120000 h 120002" name="TY2"/>
-              <a:gd fmla="*/ 0 w 120002" name="TX3"/>
-              <a:gd fmla="*/ 120000 h 120002" name="TY3"/>
-            </a:gdLst>
-            <a:cxnLst>
-              <a:cxn ang="0">
-                <a:pos x="TX0" y="TY0"/>
-              </a:cxn>
-              <a:cxn ang="0">
-                <a:pos x="TX1" y="TY1"/>
-              </a:cxn>
-              <a:cxn ang="0">
-                <a:pos x="TX2" y="TY2"/>
-              </a:cxn>
-              <a:cxn ang="0">
-                <a:pos x="TX3" y="TY3"/>
-              </a:cxn>
-            </a:cxnLst>
-            <a:rect l="l" t="t" r="r" b="b"/>
-            <a:pathLst>
-              <a:path w="120002" h="120002">
-                <a:moveTo>
-                  <a:pt x="0" y="0"/>
-                </a:moveTo>
-                <a:lnTo>
-                  <a:pt x="120000" y="0"/>
-                </a:lnTo>
-                <a:lnTo>
-                  <a:pt x="120000" y="120000"/>
-                </a:lnTo>
-                <a:lnTo>
-                  <a:pt x="0" y="120000"/>
-                </a:lnTo>
-                <a:close/>
-              </a:path>
-            </a:pathLst>
-          </a:custGeom>
-          <a:noFill/>
-          <a:ln w="9525" cap="flat" cmpd="sng">
-            <a:solidFill>
-              <a:srgbClr val="000000">
-                <a:alpha val="100000"/>
-              </a:srgbClr>
-            </a:solidFill>
-            <a:prstDash val="solid"/>
-            <a:round/>
-          </a:ln>
-        </p:spPr>
-        <p:txBody>
-          <a:bodyPr wrap="square" lIns="0" tIns="0" rIns="0" bIns="0" numCol="1" vert="horz" anchor="t">
-            <a:noAutofit/>
-          </a:bodyPr>
-          <a:lstStyle/>
-          <a:p>
-            <a:pPr marL="0" indent="0" latinLnBrk="0"/>
-          </a:p>
-        </p:txBody>
-      </p:sp>
-    </p:spTree>
-  </p:cSld>
-  <p:clrMapOvr>
-    <a:masterClrMapping/>
-  </p:clrMapOvr>
-  <mc:AlternateContent xmlns:mc="http://schemas.openxmlformats.org/markup-compatibility/2006">
-    <mc:Choice xmlns:p14="http://schemas.microsoft.com/office/powerpoint/2010/main" Requires="p14">
-      <p:transition spd="slow" p14:dur="0"/>
-    </mc:Choice>
-    <mc:Fallback>
-      <p:transition spd="slow"/>
-    </mc:Fallback>
-  </mc:AlternateContent>
-</p:notes>
+<mc:AlternateContent xmlns:mc="http://schemas.openxmlformats.org/markup-compatibility/2006" xmlns:p14="http://schemas.microsoft.com/office/powerpoint/2010/main">
+  <mc:Choice Requires="p14">
+    <p:notes xmlns:a="http://schemas.openxmlformats.org/drawingml/2006/main" xmlns:r="http://schemas.openxmlformats.org/officeDocument/2006/relationships" xmlns:p="http://schemas.openxmlformats.org/presentationml/2006/main">
+      <p:cSld>
+        <p:spTree>
+          <p:nvGrpSpPr>
+            <p:cNvPr id="1" name=""/>
+            <p:cNvGrpSpPr/>
+            <p:nvPr/>
+          </p:nvGrpSpPr>
+          <p:grpSpPr>
+            <a:xfrm>
+              <a:off x="0" y="0"/>
+              <a:ext cx="0" cy="0"/>
+              <a:chOff x="0" y="0"/>
+              <a:chExt cx="0" cy="0"/>
+            </a:xfrm>
+          </p:grpSpPr>
+          <p:sp>
+            <p:nvSpPr>
+              <p:cNvPr id="129" name="Google Shape;129;p3:notes"/>
+              <p:cNvSpPr txBox="1">
+                <a:spLocks noGrp="1"/>
+              </p:cNvSpPr>
+              <p:nvPr>
+                <p:ph type="body" idx="1"/>
+              </p:nvPr>
+            </p:nvSpPr>
+            <p:spPr>
+              <a:xfrm>
+                <a:off x="1028700" y="8686800"/>
+                <a:ext cx="8230235" cy="8230235"/>
+              </a:xfrm>
+              <a:prstGeom prst="rect">
+                <a:avLst/>
+              </a:prstGeom>
+              <a:noFill/>
+              <a:ln w="0">
+                <a:noFill/>
+                <a:prstDash/>
+              </a:ln>
+            </p:spPr>
+            <p:txBody>
+              <a:bodyPr vert="horz" wrap="square" lIns="91440" tIns="91440" rIns="91440" bIns="91440" numCol="1" anchor="t">
+                <a:noAutofit/>
+              </a:bodyPr>
+              <a:lstStyle/>
+              <a:p>
+                <a:pPr marL="0" indent="0" algn="l" rtl="0" latinLnBrk="0">
+                  <a:spcBef>
+                    <a:spcPts val="0"/>
+                  </a:spcBef>
+                  <a:spcAft>
+                    <a:spcPts val="0"/>
+                  </a:spcAft>
+                  <a:buFontTx/>
+                  <a:buNone/>
+                </a:pPr>
+                <a:endParaRPr/>
+              </a:p>
+            </p:txBody>
+          </p:sp>
+          <p:sp>
+            <p:nvSpPr>
+              <p:cNvPr id="130" name="Google Shape;130;p3:notes"/>
+              <p:cNvSpPr>
+                <a:spLocks noGrp="1" noRot="1" noChangeAspect="1"/>
+              </p:cNvSpPr>
+              <p:nvPr>
+                <p:ph type="sldImg"/>
+              </p:nvPr>
+            </p:nvSpPr>
+            <p:spPr>
+              <a:xfrm>
+                <a:off x="-950913" y="1371600"/>
+                <a:ext cx="12190413" cy="6858000"/>
+              </a:xfrm>
+              <a:custGeom>
+                <a:avLst/>
+                <a:gdLst>
+                  <a:gd name="TX0" fmla="*/ 0 w 120001"/>
+                  <a:gd name="TY0" fmla="*/ 0 h 120001"/>
+                  <a:gd name="TX1" fmla="*/ 120000 w 120001"/>
+                  <a:gd name="TY1" fmla="*/ 0 h 120001"/>
+                  <a:gd name="TX2" fmla="*/ 120000 w 120001"/>
+                  <a:gd name="TY2" fmla="*/ 120000 h 120001"/>
+                  <a:gd name="TX3" fmla="*/ 0 w 120001"/>
+                  <a:gd name="TY3" fmla="*/ 120000 h 120001"/>
+                </a:gdLst>
+                <a:ahLst/>
+                <a:cxnLst>
+                  <a:cxn ang="0">
+                    <a:pos x="TX0" y="TY0"/>
+                  </a:cxn>
+                  <a:cxn ang="0">
+                    <a:pos x="TX1" y="TY1"/>
+                  </a:cxn>
+                  <a:cxn ang="0">
+                    <a:pos x="TX2" y="TY2"/>
+                  </a:cxn>
+                  <a:cxn ang="0">
+                    <a:pos x="TX3" y="TY3"/>
+                  </a:cxn>
+                </a:cxnLst>
+                <a:rect l="l" t="t" r="r" b="b"/>
+                <a:pathLst>
+                  <a:path w="120001" h="120001">
+                    <a:moveTo>
+                      <a:pt x="0" y="0"/>
+                    </a:moveTo>
+                    <a:lnTo>
+                      <a:pt x="120000" y="0"/>
+                    </a:lnTo>
+                    <a:lnTo>
+                      <a:pt x="120000" y="120000"/>
+                    </a:lnTo>
+                    <a:lnTo>
+                      <a:pt x="0" y="120000"/>
+                    </a:lnTo>
+                    <a:close/>
+                  </a:path>
+                </a:pathLst>
+              </a:custGeom>
+              <a:noFill/>
+              <a:ln w="9525" cap="flat" cmpd="sng">
+                <a:solidFill>
+                  <a:srgbClr val="000000">
+                    <a:alpha val="100000"/>
+                  </a:srgbClr>
+                </a:solidFill>
+                <a:prstDash val="solid"/>
+                <a:round/>
+              </a:ln>
+            </p:spPr>
+            <p:txBody>
+              <a:bodyPr vert="horz" wrap="square" lIns="0" tIns="0" rIns="0" bIns="0" anchor="t">
+                <a:noAutofit/>
+              </a:bodyPr>
+              <a:lstStyle/>
+              <a:p>
+                <a:pPr marL="0" indent="0"/>
+                <a:endParaRPr/>
+              </a:p>
+            </p:txBody>
+          </p:sp>
+        </p:spTree>
+        <p:extLst>
+          <p:ext uri="{BB962C8B-B14F-4D97-AF65-F5344CB8AC3E}">
+            <p14:creationId val="161562300"/>
+          </p:ext>
+        </p:extLst>
+      </p:cSld>
+      <p:clrMapOvr>
+        <a:masterClrMapping/>
+      </p:clrMapOvr>
+    </p:notes>
+  </mc:Choice>
+  <mc:Fallback xmlns:mc="http://schemas.openxmlformats.org/markup-compatibility/2006" xmlns:p="http://schemas.openxmlformats.org/presentationml/2006/main" xmlns:r="http://schemas.openxmlformats.org/officeDocument/2006/relationships" xmlns:a="http://schemas.openxmlformats.org/drawingml/2006/main" xmlns="" xmlns:p14="http://schemas.microsoft.com/office/powerpoint/2010/main">
+    <p:transition spd="slow"/>
+  </mc:Fallback>
+</mc:AlternateContent>
 </file>
 
 <file path=ppt/slideLayouts/slideLayout1.xml><?xml version="1.0" encoding="utf-8"?>
@@ -4157,18 +4172,20 @@
         <p:nvSpPr>
           <p:cNvPr id="12" name="Rect 0"/>
           <p:cNvSpPr txBox="1">
-            <a:spLocks/>
+            <a:spLocks noGrp="1"/>
           </p:cNvSpPr>
           <p:nvPr>
             <p:ph type="ctrTitle"/>
           </p:nvPr>
         </p:nvSpPr>
         <p:spPr>
-          <a:xfrm rot="0">
+          <a:xfrm>
             <a:off x="685800" y="2130425"/>
             <a:ext cx="7773035" cy="1470660"/>
           </a:xfrm>
-          <a:prstGeom prst="rect"/>
+          <a:prstGeom prst="rect">
+            <a:avLst/>
+          </a:prstGeom>
           <a:noFill/>
           <a:ln w="0">
             <a:noFill/>
@@ -4176,8 +4193,8 @@
           </a:ln>
         </p:spPr>
         <p:txBody>
-          <a:bodyPr wrap="square" lIns="91440" tIns="45720" rIns="91440" bIns="45720" vert="horz" anchor="ctr">
-            <a:normAutofit fontScale="100000" lnSpcReduction="0"/>
+          <a:bodyPr vert="horz" wrap="square" lIns="91440" tIns="45720" rIns="91440" bIns="45720" anchor="ctr">
+            <a:normAutofit/>
           </a:bodyPr>
           <a:lstStyle/>
           <a:p>
@@ -4185,6 +4202,7 @@
               <a:buFontTx/>
               <a:buNone/>
             </a:pPr>
+            <a:endParaRPr/>
           </a:p>
         </p:txBody>
       </p:sp>
@@ -4192,18 +4210,20 @@
         <p:nvSpPr>
           <p:cNvPr id="13" name="Rect 0"/>
           <p:cNvSpPr txBox="1">
-            <a:spLocks/>
+            <a:spLocks noGrp="1"/>
           </p:cNvSpPr>
           <p:nvPr>
             <p:ph type="subTitle"/>
           </p:nvPr>
         </p:nvSpPr>
         <p:spPr>
-          <a:xfrm rot="0">
+          <a:xfrm>
             <a:off x="1371600" y="3886200"/>
             <a:ext cx="6401435" cy="1753235"/>
           </a:xfrm>
-          <a:prstGeom prst="rect"/>
+          <a:prstGeom prst="rect">
+            <a:avLst/>
+          </a:prstGeom>
           <a:noFill/>
           <a:ln w="0">
             <a:noFill/>
@@ -4211,8 +4231,8 @@
           </a:ln>
         </p:spPr>
         <p:txBody>
-          <a:bodyPr wrap="square" lIns="91440" tIns="45720" rIns="91440" bIns="45720" vert="horz" anchor="t">
-            <a:normAutofit fontScale="100000" lnSpcReduction="0"/>
+          <a:bodyPr vert="horz" wrap="square" lIns="91440" tIns="45720" rIns="91440" bIns="45720" anchor="t">
+            <a:normAutofit/>
           </a:bodyPr>
           <a:lstStyle/>
           <a:p>
@@ -4220,6 +4240,7 @@
               <a:buFontTx/>
               <a:buNone/>
             </a:pPr>
+            <a:endParaRPr/>
           </a:p>
         </p:txBody>
       </p:sp>
@@ -4227,18 +4248,20 @@
         <p:nvSpPr>
           <p:cNvPr id="14" name="Rect 0"/>
           <p:cNvSpPr txBox="1">
-            <a:spLocks/>
+            <a:spLocks noGrp="1"/>
           </p:cNvSpPr>
           <p:nvPr>
             <p:ph type="dt"/>
           </p:nvPr>
         </p:nvSpPr>
         <p:spPr>
-          <a:xfrm rot="0">
+          <a:xfrm>
             <a:off x="457200" y="6356350"/>
             <a:ext cx="2134235" cy="365760"/>
           </a:xfrm>
-          <a:prstGeom prst="rect"/>
+          <a:prstGeom prst="rect">
+            <a:avLst/>
+          </a:prstGeom>
           <a:noFill/>
           <a:ln w="0">
             <a:noFill/>
@@ -4246,7 +4269,7 @@
           </a:ln>
         </p:spPr>
         <p:txBody>
-          <a:bodyPr wrap="square" lIns="91440" tIns="45720" rIns="91440" bIns="45720" vert="horz" anchor="ctr">
+          <a:bodyPr vert="horz" wrap="square" lIns="91440" tIns="45720" rIns="91440" bIns="45720" anchor="ctr">
             <a:noAutofit/>
           </a:bodyPr>
           <a:lstStyle/>
@@ -4255,6 +4278,7 @@
               <a:buFontTx/>
               <a:buNone/>
             </a:pPr>
+            <a:endParaRPr/>
           </a:p>
         </p:txBody>
       </p:sp>
@@ -4262,18 +4286,20 @@
         <p:nvSpPr>
           <p:cNvPr id="15" name="Rect 0"/>
           <p:cNvSpPr txBox="1">
-            <a:spLocks/>
+            <a:spLocks noGrp="1"/>
           </p:cNvSpPr>
           <p:nvPr>
             <p:ph type="ftr"/>
           </p:nvPr>
         </p:nvSpPr>
         <p:spPr>
-          <a:xfrm rot="0">
+          <a:xfrm>
             <a:off x="3124200" y="6356350"/>
             <a:ext cx="2896235" cy="365760"/>
           </a:xfrm>
-          <a:prstGeom prst="rect"/>
+          <a:prstGeom prst="rect">
+            <a:avLst/>
+          </a:prstGeom>
           <a:noFill/>
           <a:ln w="0">
             <a:noFill/>
@@ -4281,7 +4307,7 @@
           </a:ln>
         </p:spPr>
         <p:txBody>
-          <a:bodyPr wrap="square" lIns="91440" tIns="45720" rIns="91440" bIns="45720" vert="horz" anchor="ctr">
+          <a:bodyPr vert="horz" wrap="square" lIns="91440" tIns="45720" rIns="91440" bIns="45720" anchor="ctr">
             <a:noAutofit/>
           </a:bodyPr>
           <a:lstStyle/>
@@ -4290,6 +4316,7 @@
               <a:buFontTx/>
               <a:buNone/>
             </a:pPr>
+            <a:endParaRPr/>
           </a:p>
         </p:txBody>
       </p:sp>
@@ -4297,18 +4324,20 @@
         <p:nvSpPr>
           <p:cNvPr id="16" name="Rect 0"/>
           <p:cNvSpPr txBox="1">
-            <a:spLocks/>
+            <a:spLocks noGrp="1"/>
           </p:cNvSpPr>
           <p:nvPr>
             <p:ph type="sldNum"/>
           </p:nvPr>
         </p:nvSpPr>
         <p:spPr>
-          <a:xfrm rot="0">
+          <a:xfrm>
             <a:off x="6553200" y="6356350"/>
             <a:ext cx="2134235" cy="365760"/>
           </a:xfrm>
-          <a:prstGeom prst="rect"/>
+          <a:prstGeom prst="rect">
+            <a:avLst/>
+          </a:prstGeom>
           <a:noFill/>
           <a:ln w="0">
             <a:noFill/>
@@ -4316,12 +4345,12 @@
           </a:ln>
         </p:spPr>
         <p:txBody>
-          <a:bodyPr wrap="square" lIns="91440" tIns="45720" rIns="91440" bIns="45720" vert="horz" anchor="ctr">
+          <a:bodyPr vert="horz" wrap="square" lIns="91440" tIns="45720" rIns="91440" bIns="45720" anchor="ctr">
             <a:noAutofit/>
           </a:bodyPr>
           <a:lstStyle/>
           <a:p>
-            <a:pPr marL="0" indent="0" rtl="0" algn="r" latinLnBrk="0">
+            <a:pPr marL="0" indent="0" algn="r" rtl="0" latinLnBrk="0">
               <a:buFontTx/>
               <a:buNone/>
             </a:pPr>
@@ -4332,6 +4361,10 @@
               </a:rPr>
               <a:t>‹#›</a:t>
             </a:fld>
+            <a:endParaRPr>
+              <a:latin typeface="맑은 고딕" charset="0"/>
+              <a:ea typeface="맑은 고딕" charset="0"/>
+            </a:endParaRPr>
           </a:p>
         </p:txBody>
       </p:sp>
@@ -4340,14 +4373,6 @@
   <p:clrMapOvr>
     <a:overrideClrMapping bg1="lt1" tx1="dk1" bg2="lt2" tx2="dk2" accent1="accent1" accent2="accent2" accent3="accent3" accent4="accent4" accent5="accent5" accent6="accent6" hlink="hlink" folHlink="folHlink"/>
   </p:clrMapOvr>
-  <mc:AlternateContent xmlns:mc="http://schemas.openxmlformats.org/markup-compatibility/2006">
-    <mc:Choice xmlns:p14="http://schemas.microsoft.com/office/powerpoint/2010/main" Requires="p14">
-      <p:transition spd="slow" p14:dur="2000"/>
-    </mc:Choice>
-    <mc:Fallback>
-      <p:transition spd="slow"/>
-    </mc:Fallback>
-  </mc:AlternateContent>
 </p:sldLayout>
 </file>
 
@@ -4372,18 +4397,20 @@
         <p:nvSpPr>
           <p:cNvPr id="24" name="Rect 0"/>
           <p:cNvSpPr txBox="1">
-            <a:spLocks/>
+            <a:spLocks noGrp="1"/>
           </p:cNvSpPr>
           <p:nvPr>
             <p:ph type="title"/>
           </p:nvPr>
         </p:nvSpPr>
         <p:spPr>
-          <a:xfrm rot="0">
+          <a:xfrm>
             <a:off x="722630" y="4406900"/>
             <a:ext cx="7773035" cy="1362710"/>
           </a:xfrm>
-          <a:prstGeom prst="rect"/>
+          <a:prstGeom prst="rect">
+            <a:avLst/>
+          </a:prstGeom>
           <a:noFill/>
           <a:ln w="0">
             <a:noFill/>
@@ -4391,8 +4418,8 @@
           </a:ln>
         </p:spPr>
         <p:txBody>
-          <a:bodyPr wrap="square" lIns="91440" tIns="45720" rIns="91440" bIns="45720" vert="horz" anchor="t">
-            <a:normAutofit fontScale="100000" lnSpcReduction="0"/>
+          <a:bodyPr vert="horz" wrap="square" lIns="91440" tIns="45720" rIns="91440" bIns="45720" anchor="t">
+            <a:normAutofit/>
           </a:bodyPr>
           <a:lstStyle/>
           <a:p>
@@ -4400,6 +4427,7 @@
               <a:buFontTx/>
               <a:buNone/>
             </a:pPr>
+            <a:endParaRPr/>
           </a:p>
         </p:txBody>
       </p:sp>
@@ -4407,18 +4435,20 @@
         <p:nvSpPr>
           <p:cNvPr id="25" name="Rect 0"/>
           <p:cNvSpPr txBox="1">
-            <a:spLocks/>
+            <a:spLocks noGrp="1"/>
           </p:cNvSpPr>
           <p:nvPr>
             <p:ph type="body"/>
           </p:nvPr>
         </p:nvSpPr>
         <p:spPr>
-          <a:xfrm rot="0">
+          <a:xfrm>
             <a:off x="722630" y="2907030"/>
             <a:ext cx="7773035" cy="1500505"/>
           </a:xfrm>
-          <a:prstGeom prst="rect"/>
+          <a:prstGeom prst="rect">
+            <a:avLst/>
+          </a:prstGeom>
           <a:noFill/>
           <a:ln w="0">
             <a:noFill/>
@@ -4426,8 +4456,8 @@
           </a:ln>
         </p:spPr>
         <p:txBody>
-          <a:bodyPr wrap="square" lIns="91440" tIns="45720" rIns="91440" bIns="45720" vert="horz" anchor="b">
-            <a:normAutofit fontScale="100000" lnSpcReduction="0"/>
+          <a:bodyPr vert="horz" wrap="square" lIns="91440" tIns="45720" rIns="91440" bIns="45720" anchor="b">
+            <a:normAutofit/>
           </a:bodyPr>
           <a:lstStyle/>
           <a:p>
@@ -4435,6 +4465,7 @@
               <a:buFontTx/>
               <a:buNone/>
             </a:pPr>
+            <a:endParaRPr/>
           </a:p>
         </p:txBody>
       </p:sp>
@@ -4442,18 +4473,20 @@
         <p:nvSpPr>
           <p:cNvPr id="26" name="Rect 0"/>
           <p:cNvSpPr txBox="1">
-            <a:spLocks/>
+            <a:spLocks noGrp="1"/>
           </p:cNvSpPr>
           <p:nvPr>
             <p:ph type="dt"/>
           </p:nvPr>
         </p:nvSpPr>
         <p:spPr>
-          <a:xfrm rot="0">
+          <a:xfrm>
             <a:off x="457200" y="6356350"/>
             <a:ext cx="2134235" cy="365760"/>
           </a:xfrm>
-          <a:prstGeom prst="rect"/>
+          <a:prstGeom prst="rect">
+            <a:avLst/>
+          </a:prstGeom>
           <a:noFill/>
           <a:ln w="0">
             <a:noFill/>
@@ -4461,7 +4494,7 @@
           </a:ln>
         </p:spPr>
         <p:txBody>
-          <a:bodyPr wrap="square" lIns="91440" tIns="45720" rIns="91440" bIns="45720" vert="horz" anchor="ctr">
+          <a:bodyPr vert="horz" wrap="square" lIns="91440" tIns="45720" rIns="91440" bIns="45720" anchor="ctr">
             <a:noAutofit/>
           </a:bodyPr>
           <a:lstStyle/>
@@ -4470,6 +4503,7 @@
               <a:buFontTx/>
               <a:buNone/>
             </a:pPr>
+            <a:endParaRPr/>
           </a:p>
         </p:txBody>
       </p:sp>
@@ -4477,18 +4511,20 @@
         <p:nvSpPr>
           <p:cNvPr id="27" name="Rect 0"/>
           <p:cNvSpPr txBox="1">
-            <a:spLocks/>
+            <a:spLocks noGrp="1"/>
           </p:cNvSpPr>
           <p:nvPr>
             <p:ph type="ftr"/>
           </p:nvPr>
         </p:nvSpPr>
         <p:spPr>
-          <a:xfrm rot="0">
+          <a:xfrm>
             <a:off x="3124200" y="6356350"/>
             <a:ext cx="2896235" cy="365760"/>
           </a:xfrm>
-          <a:prstGeom prst="rect"/>
+          <a:prstGeom prst="rect">
+            <a:avLst/>
+          </a:prstGeom>
           <a:noFill/>
           <a:ln w="0">
             <a:noFill/>
@@ -4496,7 +4532,7 @@
           </a:ln>
         </p:spPr>
         <p:txBody>
-          <a:bodyPr wrap="square" lIns="91440" tIns="45720" rIns="91440" bIns="45720" vert="horz" anchor="ctr">
+          <a:bodyPr vert="horz" wrap="square" lIns="91440" tIns="45720" rIns="91440" bIns="45720" anchor="ctr">
             <a:noAutofit/>
           </a:bodyPr>
           <a:lstStyle/>
@@ -4505,6 +4541,7 @@
               <a:buFontTx/>
               <a:buNone/>
             </a:pPr>
+            <a:endParaRPr/>
           </a:p>
         </p:txBody>
       </p:sp>
@@ -4512,18 +4549,20 @@
         <p:nvSpPr>
           <p:cNvPr id="28" name="Rect 0"/>
           <p:cNvSpPr txBox="1">
-            <a:spLocks/>
+            <a:spLocks noGrp="1"/>
           </p:cNvSpPr>
           <p:nvPr>
             <p:ph type="sldNum"/>
           </p:nvPr>
         </p:nvSpPr>
         <p:spPr>
-          <a:xfrm rot="0">
+          <a:xfrm>
             <a:off x="6553200" y="6356350"/>
             <a:ext cx="2134235" cy="365760"/>
           </a:xfrm>
-          <a:prstGeom prst="rect"/>
+          <a:prstGeom prst="rect">
+            <a:avLst/>
+          </a:prstGeom>
           <a:noFill/>
           <a:ln w="0">
             <a:noFill/>
@@ -4531,12 +4570,12 @@
           </a:ln>
         </p:spPr>
         <p:txBody>
-          <a:bodyPr wrap="square" lIns="91440" tIns="45720" rIns="91440" bIns="45720" vert="horz" anchor="ctr">
+          <a:bodyPr vert="horz" wrap="square" lIns="91440" tIns="45720" rIns="91440" bIns="45720" anchor="ctr">
             <a:noAutofit/>
           </a:bodyPr>
           <a:lstStyle/>
           <a:p>
-            <a:pPr marL="0" indent="0" rtl="0" algn="r" latinLnBrk="0">
+            <a:pPr marL="0" indent="0" algn="r" rtl="0" latinLnBrk="0">
               <a:buFontTx/>
               <a:buNone/>
             </a:pPr>
@@ -4547,6 +4586,10 @@
               </a:rPr>
               <a:t>‹#›</a:t>
             </a:fld>
+            <a:endParaRPr>
+              <a:latin typeface="맑은 고딕" charset="0"/>
+              <a:ea typeface="맑은 고딕" charset="0"/>
+            </a:endParaRPr>
           </a:p>
         </p:txBody>
       </p:sp>
@@ -4555,14 +4598,6 @@
   <p:clrMapOvr>
     <a:overrideClrMapping bg1="lt1" tx1="dk1" bg2="lt2" tx2="dk2" accent1="accent1" accent2="accent2" accent3="accent3" accent4="accent4" accent5="accent5" accent6="accent6" hlink="hlink" folHlink="folHlink"/>
   </p:clrMapOvr>
-  <mc:AlternateContent xmlns:mc="http://schemas.openxmlformats.org/markup-compatibility/2006">
-    <mc:Choice xmlns:p14="http://schemas.microsoft.com/office/powerpoint/2010/main" Requires="p14">
-      <p:transition spd="slow" p14:dur="2000"/>
-    </mc:Choice>
-    <mc:Fallback>
-      <p:transition spd="slow"/>
-    </mc:Fallback>
-  </mc:AlternateContent>
 </p:sldLayout>
 </file>
 
@@ -4587,18 +4622,20 @@
         <p:nvSpPr>
           <p:cNvPr id="30" name="Rect 0"/>
           <p:cNvSpPr txBox="1">
-            <a:spLocks/>
+            <a:spLocks noGrp="1"/>
           </p:cNvSpPr>
           <p:nvPr>
             <p:ph type="title"/>
           </p:nvPr>
         </p:nvSpPr>
         <p:spPr>
-          <a:xfrm rot="0">
+          <a:xfrm>
             <a:off x="457200" y="274955"/>
             <a:ext cx="8230235" cy="1143635"/>
           </a:xfrm>
-          <a:prstGeom prst="rect"/>
+          <a:prstGeom prst="rect">
+            <a:avLst/>
+          </a:prstGeom>
           <a:noFill/>
           <a:ln w="0">
             <a:noFill/>
@@ -4606,8 +4643,8 @@
           </a:ln>
         </p:spPr>
         <p:txBody>
-          <a:bodyPr wrap="square" lIns="91440" tIns="45720" rIns="91440" bIns="45720" vert="horz" anchor="ctr">
-            <a:normAutofit fontScale="100000" lnSpcReduction="0"/>
+          <a:bodyPr vert="horz" wrap="square" lIns="91440" tIns="45720" rIns="91440" bIns="45720" anchor="ctr">
+            <a:normAutofit/>
           </a:bodyPr>
           <a:lstStyle/>
           <a:p>
@@ -4615,6 +4652,7 @@
               <a:buFontTx/>
               <a:buNone/>
             </a:pPr>
+            <a:endParaRPr/>
           </a:p>
         </p:txBody>
       </p:sp>
@@ -4622,18 +4660,20 @@
         <p:nvSpPr>
           <p:cNvPr id="31" name="Rect 0"/>
           <p:cNvSpPr txBox="1">
-            <a:spLocks/>
+            <a:spLocks noGrp="1"/>
           </p:cNvSpPr>
           <p:nvPr>
             <p:ph type="body"/>
           </p:nvPr>
         </p:nvSpPr>
         <p:spPr>
-          <a:xfrm rot="0">
+          <a:xfrm>
             <a:off x="457200" y="1600200"/>
             <a:ext cx="4039235" cy="4526915"/>
           </a:xfrm>
-          <a:prstGeom prst="rect"/>
+          <a:prstGeom prst="rect">
+            <a:avLst/>
+          </a:prstGeom>
           <a:noFill/>
           <a:ln w="0">
             <a:noFill/>
@@ -4641,12 +4681,13 @@
           </a:ln>
         </p:spPr>
         <p:txBody>
-          <a:bodyPr wrap="square" lIns="91440" tIns="45720" rIns="91440" bIns="45720" vert="horz" anchor="t">
-            <a:normAutofit fontScale="100000" lnSpcReduction="0"/>
+          <a:bodyPr vert="horz" wrap="square" lIns="91440" tIns="45720" rIns="91440" bIns="45720" anchor="t">
+            <a:normAutofit/>
           </a:bodyPr>
           <a:lstStyle/>
           <a:p>
             <a:pPr marL="457200" indent="-406400" latinLnBrk="0"/>
+            <a:endParaRPr/>
           </a:p>
         </p:txBody>
       </p:sp>
@@ -4654,18 +4695,20 @@
         <p:nvSpPr>
           <p:cNvPr id="32" name="Rect 0"/>
           <p:cNvSpPr txBox="1">
-            <a:spLocks/>
+            <a:spLocks noGrp="1"/>
           </p:cNvSpPr>
           <p:nvPr>
             <p:ph type="body"/>
           </p:nvPr>
         </p:nvSpPr>
         <p:spPr>
-          <a:xfrm rot="0">
+          <a:xfrm>
             <a:off x="4648200" y="1600200"/>
             <a:ext cx="4039235" cy="4526915"/>
           </a:xfrm>
-          <a:prstGeom prst="rect"/>
+          <a:prstGeom prst="rect">
+            <a:avLst/>
+          </a:prstGeom>
           <a:noFill/>
           <a:ln w="0">
             <a:noFill/>
@@ -4673,12 +4716,13 @@
           </a:ln>
         </p:spPr>
         <p:txBody>
-          <a:bodyPr wrap="square" lIns="91440" tIns="45720" rIns="91440" bIns="45720" vert="horz" anchor="t">
-            <a:normAutofit fontScale="100000" lnSpcReduction="0"/>
+          <a:bodyPr vert="horz" wrap="square" lIns="91440" tIns="45720" rIns="91440" bIns="45720" anchor="t">
+            <a:normAutofit/>
           </a:bodyPr>
           <a:lstStyle/>
           <a:p>
             <a:pPr marL="457200" indent="-406400" latinLnBrk="0"/>
+            <a:endParaRPr/>
           </a:p>
         </p:txBody>
       </p:sp>
@@ -4686,18 +4730,20 @@
         <p:nvSpPr>
           <p:cNvPr id="33" name="Rect 0"/>
           <p:cNvSpPr txBox="1">
-            <a:spLocks/>
+            <a:spLocks noGrp="1"/>
           </p:cNvSpPr>
           <p:nvPr>
             <p:ph type="dt"/>
           </p:nvPr>
         </p:nvSpPr>
         <p:spPr>
-          <a:xfrm rot="0">
+          <a:xfrm>
             <a:off x="457200" y="6356350"/>
             <a:ext cx="2134235" cy="365760"/>
           </a:xfrm>
-          <a:prstGeom prst="rect"/>
+          <a:prstGeom prst="rect">
+            <a:avLst/>
+          </a:prstGeom>
           <a:noFill/>
           <a:ln w="0">
             <a:noFill/>
@@ -4705,7 +4751,7 @@
           </a:ln>
         </p:spPr>
         <p:txBody>
-          <a:bodyPr wrap="square" lIns="91440" tIns="45720" rIns="91440" bIns="45720" vert="horz" anchor="ctr">
+          <a:bodyPr vert="horz" wrap="square" lIns="91440" tIns="45720" rIns="91440" bIns="45720" anchor="ctr">
             <a:noAutofit/>
           </a:bodyPr>
           <a:lstStyle/>
@@ -4714,6 +4760,7 @@
               <a:buFontTx/>
               <a:buNone/>
             </a:pPr>
+            <a:endParaRPr/>
           </a:p>
         </p:txBody>
       </p:sp>
@@ -4721,18 +4768,20 @@
         <p:nvSpPr>
           <p:cNvPr id="34" name="Rect 0"/>
           <p:cNvSpPr txBox="1">
-            <a:spLocks/>
+            <a:spLocks noGrp="1"/>
           </p:cNvSpPr>
           <p:nvPr>
             <p:ph type="ftr"/>
           </p:nvPr>
         </p:nvSpPr>
         <p:spPr>
-          <a:xfrm rot="0">
+          <a:xfrm>
             <a:off x="3124200" y="6356350"/>
             <a:ext cx="2896235" cy="365760"/>
           </a:xfrm>
-          <a:prstGeom prst="rect"/>
+          <a:prstGeom prst="rect">
+            <a:avLst/>
+          </a:prstGeom>
           <a:noFill/>
           <a:ln w="0">
             <a:noFill/>
@@ -4740,7 +4789,7 @@
           </a:ln>
         </p:spPr>
         <p:txBody>
-          <a:bodyPr wrap="square" lIns="91440" tIns="45720" rIns="91440" bIns="45720" vert="horz" anchor="ctr">
+          <a:bodyPr vert="horz" wrap="square" lIns="91440" tIns="45720" rIns="91440" bIns="45720" anchor="ctr">
             <a:noAutofit/>
           </a:bodyPr>
           <a:lstStyle/>
@@ -4749,6 +4798,7 @@
               <a:buFontTx/>
               <a:buNone/>
             </a:pPr>
+            <a:endParaRPr/>
           </a:p>
         </p:txBody>
       </p:sp>
@@ -4756,18 +4806,20 @@
         <p:nvSpPr>
           <p:cNvPr id="35" name="Rect 0"/>
           <p:cNvSpPr txBox="1">
-            <a:spLocks/>
+            <a:spLocks noGrp="1"/>
           </p:cNvSpPr>
           <p:nvPr>
             <p:ph type="sldNum"/>
           </p:nvPr>
         </p:nvSpPr>
         <p:spPr>
-          <a:xfrm rot="0">
+          <a:xfrm>
             <a:off x="6553200" y="6356350"/>
             <a:ext cx="2134235" cy="365760"/>
           </a:xfrm>
-          <a:prstGeom prst="rect"/>
+          <a:prstGeom prst="rect">
+            <a:avLst/>
+          </a:prstGeom>
           <a:noFill/>
           <a:ln w="0">
             <a:noFill/>
@@ -4775,12 +4827,12 @@
           </a:ln>
         </p:spPr>
         <p:txBody>
-          <a:bodyPr wrap="square" lIns="91440" tIns="45720" rIns="91440" bIns="45720" vert="horz" anchor="ctr">
+          <a:bodyPr vert="horz" wrap="square" lIns="91440" tIns="45720" rIns="91440" bIns="45720" anchor="ctr">
             <a:noAutofit/>
           </a:bodyPr>
           <a:lstStyle/>
           <a:p>
-            <a:pPr marL="0" indent="0" rtl="0" algn="r" latinLnBrk="0">
+            <a:pPr marL="0" indent="0" algn="r" rtl="0" latinLnBrk="0">
               <a:buFontTx/>
               <a:buNone/>
             </a:pPr>
@@ -4791,6 +4843,10 @@
               </a:rPr>
               <a:t>‹#›</a:t>
             </a:fld>
+            <a:endParaRPr>
+              <a:latin typeface="맑은 고딕" charset="0"/>
+              <a:ea typeface="맑은 고딕" charset="0"/>
+            </a:endParaRPr>
           </a:p>
         </p:txBody>
       </p:sp>
@@ -4799,14 +4855,6 @@
   <p:clrMapOvr>
     <a:overrideClrMapping bg1="lt1" tx1="dk1" bg2="lt2" tx2="dk2" accent1="accent1" accent2="accent2" accent3="accent3" accent4="accent4" accent5="accent5" accent6="accent6" hlink="hlink" folHlink="folHlink"/>
   </p:clrMapOvr>
-  <mc:AlternateContent xmlns:mc="http://schemas.openxmlformats.org/markup-compatibility/2006">
-    <mc:Choice xmlns:p14="http://schemas.microsoft.com/office/powerpoint/2010/main" Requires="p14">
-      <p:transition spd="slow" p14:dur="2000"/>
-    </mc:Choice>
-    <mc:Fallback>
-      <p:transition spd="slow"/>
-    </mc:Fallback>
-  </mc:AlternateContent>
 </p:sldLayout>
 </file>
 
@@ -4831,18 +4879,20 @@
         <p:nvSpPr>
           <p:cNvPr id="37" name="Rect 0"/>
           <p:cNvSpPr txBox="1">
-            <a:spLocks/>
+            <a:spLocks noGrp="1"/>
           </p:cNvSpPr>
           <p:nvPr>
             <p:ph type="title"/>
           </p:nvPr>
         </p:nvSpPr>
         <p:spPr>
-          <a:xfrm rot="0">
+          <a:xfrm>
             <a:off x="457200" y="274955"/>
             <a:ext cx="8230235" cy="1143635"/>
           </a:xfrm>
-          <a:prstGeom prst="rect"/>
+          <a:prstGeom prst="rect">
+            <a:avLst/>
+          </a:prstGeom>
           <a:noFill/>
           <a:ln w="0">
             <a:noFill/>
@@ -4850,8 +4900,8 @@
           </a:ln>
         </p:spPr>
         <p:txBody>
-          <a:bodyPr wrap="square" lIns="91440" tIns="45720" rIns="91440" bIns="45720" vert="horz" anchor="ctr">
-            <a:normAutofit fontScale="100000" lnSpcReduction="0"/>
+          <a:bodyPr vert="horz" wrap="square" lIns="91440" tIns="45720" rIns="91440" bIns="45720" anchor="ctr">
+            <a:normAutofit/>
           </a:bodyPr>
           <a:lstStyle/>
           <a:p>
@@ -4859,6 +4909,7 @@
               <a:buFontTx/>
               <a:buNone/>
             </a:pPr>
+            <a:endParaRPr/>
           </a:p>
         </p:txBody>
       </p:sp>
@@ -4866,18 +4917,20 @@
         <p:nvSpPr>
           <p:cNvPr id="38" name="Rect 0"/>
           <p:cNvSpPr txBox="1">
-            <a:spLocks/>
+            <a:spLocks noGrp="1"/>
           </p:cNvSpPr>
           <p:nvPr>
             <p:ph type="body"/>
           </p:nvPr>
         </p:nvSpPr>
         <p:spPr>
-          <a:xfrm rot="0">
+          <a:xfrm>
             <a:off x="457200" y="1535430"/>
             <a:ext cx="4041140" cy="640080"/>
           </a:xfrm>
-          <a:prstGeom prst="rect"/>
+          <a:prstGeom prst="rect">
+            <a:avLst/>
+          </a:prstGeom>
           <a:noFill/>
           <a:ln w="0">
             <a:noFill/>
@@ -4885,8 +4938,8 @@
           </a:ln>
         </p:spPr>
         <p:txBody>
-          <a:bodyPr wrap="square" lIns="91440" tIns="45720" rIns="91440" bIns="45720" vert="horz" anchor="b">
-            <a:normAutofit fontScale="100000" lnSpcReduction="0"/>
+          <a:bodyPr vert="horz" wrap="square" lIns="91440" tIns="45720" rIns="91440" bIns="45720" anchor="b">
+            <a:normAutofit/>
           </a:bodyPr>
           <a:lstStyle/>
           <a:p>
@@ -4894,6 +4947,7 @@
               <a:buFontTx/>
               <a:buNone/>
             </a:pPr>
+            <a:endParaRPr/>
           </a:p>
         </p:txBody>
       </p:sp>
@@ -4901,18 +4955,20 @@
         <p:nvSpPr>
           <p:cNvPr id="39" name="Rect 0"/>
           <p:cNvSpPr txBox="1">
-            <a:spLocks/>
+            <a:spLocks noGrp="1"/>
           </p:cNvSpPr>
           <p:nvPr>
             <p:ph type="body"/>
           </p:nvPr>
         </p:nvSpPr>
         <p:spPr>
-          <a:xfrm rot="0">
+          <a:xfrm>
             <a:off x="457200" y="2174875"/>
             <a:ext cx="4041140" cy="3952240"/>
           </a:xfrm>
-          <a:prstGeom prst="rect"/>
+          <a:prstGeom prst="rect">
+            <a:avLst/>
+          </a:prstGeom>
           <a:noFill/>
           <a:ln w="0">
             <a:noFill/>
@@ -4920,12 +4976,13 @@
           </a:ln>
         </p:spPr>
         <p:txBody>
-          <a:bodyPr wrap="square" lIns="91440" tIns="45720" rIns="91440" bIns="45720" vert="horz" anchor="t">
-            <a:normAutofit fontScale="100000" lnSpcReduction="0"/>
+          <a:bodyPr vert="horz" wrap="square" lIns="91440" tIns="45720" rIns="91440" bIns="45720" anchor="t">
+            <a:normAutofit/>
           </a:bodyPr>
           <a:lstStyle/>
           <a:p>
             <a:pPr marL="457200" indent="-381000" latinLnBrk="0"/>
+            <a:endParaRPr/>
           </a:p>
         </p:txBody>
       </p:sp>
@@ -4933,18 +4990,20 @@
         <p:nvSpPr>
           <p:cNvPr id="40" name="Rect 0"/>
           <p:cNvSpPr txBox="1">
-            <a:spLocks/>
+            <a:spLocks noGrp="1"/>
           </p:cNvSpPr>
           <p:nvPr>
             <p:ph type="body"/>
           </p:nvPr>
         </p:nvSpPr>
         <p:spPr>
-          <a:xfrm rot="0">
+          <a:xfrm>
             <a:off x="4645025" y="1535430"/>
             <a:ext cx="4042410" cy="640080"/>
           </a:xfrm>
-          <a:prstGeom prst="rect"/>
+          <a:prstGeom prst="rect">
+            <a:avLst/>
+          </a:prstGeom>
           <a:noFill/>
           <a:ln w="0">
             <a:noFill/>
@@ -4952,8 +5011,8 @@
           </a:ln>
         </p:spPr>
         <p:txBody>
-          <a:bodyPr wrap="square" lIns="91440" tIns="45720" rIns="91440" bIns="45720" vert="horz" anchor="b">
-            <a:normAutofit fontScale="100000" lnSpcReduction="0"/>
+          <a:bodyPr vert="horz" wrap="square" lIns="91440" tIns="45720" rIns="91440" bIns="45720" anchor="b">
+            <a:normAutofit/>
           </a:bodyPr>
           <a:lstStyle/>
           <a:p>
@@ -4961,6 +5020,7 @@
               <a:buFontTx/>
               <a:buNone/>
             </a:pPr>
+            <a:endParaRPr/>
           </a:p>
         </p:txBody>
       </p:sp>
@@ -4968,18 +5028,20 @@
         <p:nvSpPr>
           <p:cNvPr id="41" name="Rect 0"/>
           <p:cNvSpPr txBox="1">
-            <a:spLocks/>
+            <a:spLocks noGrp="1"/>
           </p:cNvSpPr>
           <p:nvPr>
             <p:ph type="body"/>
           </p:nvPr>
         </p:nvSpPr>
         <p:spPr>
-          <a:xfrm rot="0">
+          <a:xfrm>
             <a:off x="4645025" y="2174875"/>
             <a:ext cx="4042410" cy="3952240"/>
           </a:xfrm>
-          <a:prstGeom prst="rect"/>
+          <a:prstGeom prst="rect">
+            <a:avLst/>
+          </a:prstGeom>
           <a:noFill/>
           <a:ln w="0">
             <a:noFill/>
@@ -4987,12 +5049,13 @@
           </a:ln>
         </p:spPr>
         <p:txBody>
-          <a:bodyPr wrap="square" lIns="91440" tIns="45720" rIns="91440" bIns="45720" vert="horz" anchor="t">
-            <a:normAutofit fontScale="100000" lnSpcReduction="0"/>
+          <a:bodyPr vert="horz" wrap="square" lIns="91440" tIns="45720" rIns="91440" bIns="45720" anchor="t">
+            <a:normAutofit/>
           </a:bodyPr>
           <a:lstStyle/>
           <a:p>
             <a:pPr marL="457200" indent="-381000" latinLnBrk="0"/>
+            <a:endParaRPr/>
           </a:p>
         </p:txBody>
       </p:sp>
@@ -5000,18 +5063,20 @@
         <p:nvSpPr>
           <p:cNvPr id="42" name="Rect 0"/>
           <p:cNvSpPr txBox="1">
-            <a:spLocks/>
+            <a:spLocks noGrp="1"/>
           </p:cNvSpPr>
           <p:nvPr>
             <p:ph type="dt"/>
           </p:nvPr>
         </p:nvSpPr>
         <p:spPr>
-          <a:xfrm rot="0">
+          <a:xfrm>
             <a:off x="457200" y="6356350"/>
             <a:ext cx="2134235" cy="365760"/>
           </a:xfrm>
-          <a:prstGeom prst="rect"/>
+          <a:prstGeom prst="rect">
+            <a:avLst/>
+          </a:prstGeom>
           <a:noFill/>
           <a:ln w="0">
             <a:noFill/>
@@ -5019,7 +5084,7 @@
           </a:ln>
         </p:spPr>
         <p:txBody>
-          <a:bodyPr wrap="square" lIns="91440" tIns="45720" rIns="91440" bIns="45720" vert="horz" anchor="ctr">
+          <a:bodyPr vert="horz" wrap="square" lIns="91440" tIns="45720" rIns="91440" bIns="45720" anchor="ctr">
             <a:noAutofit/>
           </a:bodyPr>
           <a:lstStyle/>
@@ -5028,6 +5093,7 @@
               <a:buFontTx/>
               <a:buNone/>
             </a:pPr>
+            <a:endParaRPr/>
           </a:p>
         </p:txBody>
       </p:sp>
@@ -5035,18 +5101,20 @@
         <p:nvSpPr>
           <p:cNvPr id="43" name="Rect 0"/>
           <p:cNvSpPr txBox="1">
-            <a:spLocks/>
+            <a:spLocks noGrp="1"/>
           </p:cNvSpPr>
           <p:nvPr>
             <p:ph type="ftr"/>
           </p:nvPr>
         </p:nvSpPr>
         <p:spPr>
-          <a:xfrm rot="0">
+          <a:xfrm>
             <a:off x="3124200" y="6356350"/>
             <a:ext cx="2896235" cy="365760"/>
           </a:xfrm>
-          <a:prstGeom prst="rect"/>
+          <a:prstGeom prst="rect">
+            <a:avLst/>
+          </a:prstGeom>
           <a:noFill/>
           <a:ln w="0">
             <a:noFill/>
@@ -5054,7 +5122,7 @@
           </a:ln>
         </p:spPr>
         <p:txBody>
-          <a:bodyPr wrap="square" lIns="91440" tIns="45720" rIns="91440" bIns="45720" vert="horz" anchor="ctr">
+          <a:bodyPr vert="horz" wrap="square" lIns="91440" tIns="45720" rIns="91440" bIns="45720" anchor="ctr">
             <a:noAutofit/>
           </a:bodyPr>
           <a:lstStyle/>
@@ -5063,6 +5131,7 @@
               <a:buFontTx/>
               <a:buNone/>
             </a:pPr>
+            <a:endParaRPr/>
           </a:p>
         </p:txBody>
       </p:sp>
@@ -5070,18 +5139,20 @@
         <p:nvSpPr>
           <p:cNvPr id="44" name="Rect 0"/>
           <p:cNvSpPr txBox="1">
-            <a:spLocks/>
+            <a:spLocks noGrp="1"/>
           </p:cNvSpPr>
           <p:nvPr>
             <p:ph type="sldNum"/>
           </p:nvPr>
         </p:nvSpPr>
         <p:spPr>
-          <a:xfrm rot="0">
+          <a:xfrm>
             <a:off x="6553200" y="6356350"/>
             <a:ext cx="2134235" cy="365760"/>
           </a:xfrm>
-          <a:prstGeom prst="rect"/>
+          <a:prstGeom prst="rect">
+            <a:avLst/>
+          </a:prstGeom>
           <a:noFill/>
           <a:ln w="0">
             <a:noFill/>
@@ -5089,12 +5160,12 @@
           </a:ln>
         </p:spPr>
         <p:txBody>
-          <a:bodyPr wrap="square" lIns="91440" tIns="45720" rIns="91440" bIns="45720" vert="horz" anchor="ctr">
+          <a:bodyPr vert="horz" wrap="square" lIns="91440" tIns="45720" rIns="91440" bIns="45720" anchor="ctr">
             <a:noAutofit/>
           </a:bodyPr>
           <a:lstStyle/>
           <a:p>
-            <a:pPr marL="0" indent="0" rtl="0" algn="r" latinLnBrk="0">
+            <a:pPr marL="0" indent="0" algn="r" rtl="0" latinLnBrk="0">
               <a:buFontTx/>
               <a:buNone/>
             </a:pPr>
@@ -5105,6 +5176,10 @@
               </a:rPr>
               <a:t>‹#›</a:t>
             </a:fld>
+            <a:endParaRPr>
+              <a:latin typeface="맑은 고딕" charset="0"/>
+              <a:ea typeface="맑은 고딕" charset="0"/>
+            </a:endParaRPr>
           </a:p>
         </p:txBody>
       </p:sp>
@@ -5113,14 +5188,6 @@
   <p:clrMapOvr>
     <a:overrideClrMapping bg1="lt1" tx1="dk1" bg2="lt2" tx2="dk2" accent1="accent1" accent2="accent2" accent3="accent3" accent4="accent4" accent5="accent5" accent6="accent6" hlink="hlink" folHlink="folHlink"/>
   </p:clrMapOvr>
-  <mc:AlternateContent xmlns:mc="http://schemas.openxmlformats.org/markup-compatibility/2006">
-    <mc:Choice xmlns:p14="http://schemas.microsoft.com/office/powerpoint/2010/main" Requires="p14">
-      <p:transition spd="slow" p14:dur="2000"/>
-    </mc:Choice>
-    <mc:Fallback>
-      <p:transition spd="slow"/>
-    </mc:Fallback>
-  </mc:AlternateContent>
 </p:sldLayout>
 </file>
 
@@ -5145,18 +5212,20 @@
         <p:nvSpPr>
           <p:cNvPr id="46" name="Rect 0"/>
           <p:cNvSpPr txBox="1">
-            <a:spLocks/>
+            <a:spLocks noGrp="1"/>
           </p:cNvSpPr>
           <p:nvPr>
             <p:ph type="title"/>
           </p:nvPr>
         </p:nvSpPr>
         <p:spPr>
-          <a:xfrm rot="0">
+          <a:xfrm>
             <a:off x="457200" y="274955"/>
             <a:ext cx="8230235" cy="1143635"/>
           </a:xfrm>
-          <a:prstGeom prst="rect"/>
+          <a:prstGeom prst="rect">
+            <a:avLst/>
+          </a:prstGeom>
           <a:noFill/>
           <a:ln w="0">
             <a:noFill/>
@@ -5164,8 +5233,8 @@
           </a:ln>
         </p:spPr>
         <p:txBody>
-          <a:bodyPr wrap="square" lIns="91440" tIns="45720" rIns="91440" bIns="45720" vert="horz" anchor="ctr">
-            <a:normAutofit fontScale="100000" lnSpcReduction="0"/>
+          <a:bodyPr vert="horz" wrap="square" lIns="91440" tIns="45720" rIns="91440" bIns="45720" anchor="ctr">
+            <a:normAutofit/>
           </a:bodyPr>
           <a:lstStyle/>
           <a:p>
@@ -5173,6 +5242,7 @@
               <a:buFontTx/>
               <a:buNone/>
             </a:pPr>
+            <a:endParaRPr/>
           </a:p>
         </p:txBody>
       </p:sp>
@@ -5180,18 +5250,20 @@
         <p:nvSpPr>
           <p:cNvPr id="47" name="Rect 0"/>
           <p:cNvSpPr txBox="1">
-            <a:spLocks/>
+            <a:spLocks noGrp="1"/>
           </p:cNvSpPr>
           <p:nvPr>
             <p:ph type="dt"/>
           </p:nvPr>
         </p:nvSpPr>
         <p:spPr>
-          <a:xfrm rot="0">
+          <a:xfrm>
             <a:off x="457200" y="6356350"/>
             <a:ext cx="2134235" cy="365760"/>
           </a:xfrm>
-          <a:prstGeom prst="rect"/>
+          <a:prstGeom prst="rect">
+            <a:avLst/>
+          </a:prstGeom>
           <a:noFill/>
           <a:ln w="0">
             <a:noFill/>
@@ -5199,7 +5271,7 @@
           </a:ln>
         </p:spPr>
         <p:txBody>
-          <a:bodyPr wrap="square" lIns="91440" tIns="45720" rIns="91440" bIns="45720" vert="horz" anchor="ctr">
+          <a:bodyPr vert="horz" wrap="square" lIns="91440" tIns="45720" rIns="91440" bIns="45720" anchor="ctr">
             <a:noAutofit/>
           </a:bodyPr>
           <a:lstStyle/>
@@ -5208,6 +5280,7 @@
               <a:buFontTx/>
               <a:buNone/>
             </a:pPr>
+            <a:endParaRPr/>
           </a:p>
         </p:txBody>
       </p:sp>
@@ -5215,18 +5288,20 @@
         <p:nvSpPr>
           <p:cNvPr id="48" name="Rect 0"/>
           <p:cNvSpPr txBox="1">
-            <a:spLocks/>
+            <a:spLocks noGrp="1"/>
           </p:cNvSpPr>
           <p:nvPr>
             <p:ph type="ftr"/>
           </p:nvPr>
         </p:nvSpPr>
         <p:spPr>
-          <a:xfrm rot="0">
+          <a:xfrm>
             <a:off x="3124200" y="6356350"/>
             <a:ext cx="2896235" cy="365760"/>
           </a:xfrm>
-          <a:prstGeom prst="rect"/>
+          <a:prstGeom prst="rect">
+            <a:avLst/>
+          </a:prstGeom>
           <a:noFill/>
           <a:ln w="0">
             <a:noFill/>
@@ -5234,7 +5309,7 @@
           </a:ln>
         </p:spPr>
         <p:txBody>
-          <a:bodyPr wrap="square" lIns="91440" tIns="45720" rIns="91440" bIns="45720" vert="horz" anchor="ctr">
+          <a:bodyPr vert="horz" wrap="square" lIns="91440" tIns="45720" rIns="91440" bIns="45720" anchor="ctr">
             <a:noAutofit/>
           </a:bodyPr>
           <a:lstStyle/>
@@ -5243,6 +5318,7 @@
               <a:buFontTx/>
               <a:buNone/>
             </a:pPr>
+            <a:endParaRPr/>
           </a:p>
         </p:txBody>
       </p:sp>
@@ -5250,18 +5326,20 @@
         <p:nvSpPr>
           <p:cNvPr id="49" name="Rect 0"/>
           <p:cNvSpPr txBox="1">
-            <a:spLocks/>
+            <a:spLocks noGrp="1"/>
           </p:cNvSpPr>
           <p:nvPr>
             <p:ph type="sldNum"/>
           </p:nvPr>
         </p:nvSpPr>
         <p:spPr>
-          <a:xfrm rot="0">
+          <a:xfrm>
             <a:off x="6553200" y="6356350"/>
             <a:ext cx="2134235" cy="365760"/>
           </a:xfrm>
-          <a:prstGeom prst="rect"/>
+          <a:prstGeom prst="rect">
+            <a:avLst/>
+          </a:prstGeom>
           <a:noFill/>
           <a:ln w="0">
             <a:noFill/>
@@ -5269,12 +5347,12 @@
           </a:ln>
         </p:spPr>
         <p:txBody>
-          <a:bodyPr wrap="square" lIns="91440" tIns="45720" rIns="91440" bIns="45720" vert="horz" anchor="ctr">
+          <a:bodyPr vert="horz" wrap="square" lIns="91440" tIns="45720" rIns="91440" bIns="45720" anchor="ctr">
             <a:noAutofit/>
           </a:bodyPr>
           <a:lstStyle/>
           <a:p>
-            <a:pPr marL="0" indent="0" rtl="0" algn="r" latinLnBrk="0">
+            <a:pPr marL="0" indent="0" algn="r" rtl="0" latinLnBrk="0">
               <a:buFontTx/>
               <a:buNone/>
             </a:pPr>
@@ -5285,6 +5363,10 @@
               </a:rPr>
               <a:t>‹#›</a:t>
             </a:fld>
+            <a:endParaRPr>
+              <a:latin typeface="맑은 고딕" charset="0"/>
+              <a:ea typeface="맑은 고딕" charset="0"/>
+            </a:endParaRPr>
           </a:p>
         </p:txBody>
       </p:sp>
@@ -5293,14 +5375,6 @@
   <p:clrMapOvr>
     <a:overrideClrMapping bg1="lt1" tx1="dk1" bg2="lt2" tx2="dk2" accent1="accent1" accent2="accent2" accent3="accent3" accent4="accent4" accent5="accent5" accent6="accent6" hlink="hlink" folHlink="folHlink"/>
   </p:clrMapOvr>
-  <mc:AlternateContent xmlns:mc="http://schemas.openxmlformats.org/markup-compatibility/2006">
-    <mc:Choice xmlns:p14="http://schemas.microsoft.com/office/powerpoint/2010/main" Requires="p14">
-      <p:transition spd="slow" p14:dur="2000"/>
-    </mc:Choice>
-    <mc:Fallback>
-      <p:transition spd="slow"/>
-    </mc:Fallback>
-  </mc:AlternateContent>
 </p:sldLayout>
 </file>
 
@@ -5325,18 +5399,20 @@
         <p:nvSpPr>
           <p:cNvPr id="51" name="Rect 0"/>
           <p:cNvSpPr txBox="1">
-            <a:spLocks/>
+            <a:spLocks noGrp="1"/>
           </p:cNvSpPr>
           <p:nvPr>
             <p:ph type="dt"/>
           </p:nvPr>
         </p:nvSpPr>
         <p:spPr>
-          <a:xfrm rot="0">
+          <a:xfrm>
             <a:off x="457200" y="6356350"/>
             <a:ext cx="2134235" cy="365760"/>
           </a:xfrm>
-          <a:prstGeom prst="rect"/>
+          <a:prstGeom prst="rect">
+            <a:avLst/>
+          </a:prstGeom>
           <a:noFill/>
           <a:ln w="0">
             <a:noFill/>
@@ -5344,7 +5420,7 @@
           </a:ln>
         </p:spPr>
         <p:txBody>
-          <a:bodyPr wrap="square" lIns="91440" tIns="45720" rIns="91440" bIns="45720" vert="horz" anchor="ctr">
+          <a:bodyPr vert="horz" wrap="square" lIns="91440" tIns="45720" rIns="91440" bIns="45720" anchor="ctr">
             <a:noAutofit/>
           </a:bodyPr>
           <a:lstStyle/>
@@ -5353,6 +5429,7 @@
               <a:buFontTx/>
               <a:buNone/>
             </a:pPr>
+            <a:endParaRPr/>
           </a:p>
         </p:txBody>
       </p:sp>
@@ -5360,18 +5437,20 @@
         <p:nvSpPr>
           <p:cNvPr id="52" name="Rect 0"/>
           <p:cNvSpPr txBox="1">
-            <a:spLocks/>
+            <a:spLocks noGrp="1"/>
           </p:cNvSpPr>
           <p:nvPr>
             <p:ph type="ftr"/>
           </p:nvPr>
         </p:nvSpPr>
         <p:spPr>
-          <a:xfrm rot="0">
+          <a:xfrm>
             <a:off x="3124200" y="6356350"/>
             <a:ext cx="2896235" cy="365760"/>
           </a:xfrm>
-          <a:prstGeom prst="rect"/>
+          <a:prstGeom prst="rect">
+            <a:avLst/>
+          </a:prstGeom>
           <a:noFill/>
           <a:ln w="0">
             <a:noFill/>
@@ -5379,7 +5458,7 @@
           </a:ln>
         </p:spPr>
         <p:txBody>
-          <a:bodyPr wrap="square" lIns="91440" tIns="45720" rIns="91440" bIns="45720" vert="horz" anchor="ctr">
+          <a:bodyPr vert="horz" wrap="square" lIns="91440" tIns="45720" rIns="91440" bIns="45720" anchor="ctr">
             <a:noAutofit/>
           </a:bodyPr>
           <a:lstStyle/>
@@ -5388,6 +5467,7 @@
               <a:buFontTx/>
               <a:buNone/>
             </a:pPr>
+            <a:endParaRPr/>
           </a:p>
         </p:txBody>
       </p:sp>
@@ -5395,18 +5475,20 @@
         <p:nvSpPr>
           <p:cNvPr id="53" name="Rect 0"/>
           <p:cNvSpPr txBox="1">
-            <a:spLocks/>
+            <a:spLocks noGrp="1"/>
           </p:cNvSpPr>
           <p:nvPr>
             <p:ph type="sldNum"/>
           </p:nvPr>
         </p:nvSpPr>
         <p:spPr>
-          <a:xfrm rot="0">
+          <a:xfrm>
             <a:off x="6553200" y="6356350"/>
             <a:ext cx="2134235" cy="365760"/>
           </a:xfrm>
-          <a:prstGeom prst="rect"/>
+          <a:prstGeom prst="rect">
+            <a:avLst/>
+          </a:prstGeom>
           <a:noFill/>
           <a:ln w="0">
             <a:noFill/>
@@ -5414,12 +5496,12 @@
           </a:ln>
         </p:spPr>
         <p:txBody>
-          <a:bodyPr wrap="square" lIns="91440" tIns="45720" rIns="91440" bIns="45720" vert="horz" anchor="ctr">
+          <a:bodyPr vert="horz" wrap="square" lIns="91440" tIns="45720" rIns="91440" bIns="45720" anchor="ctr">
             <a:noAutofit/>
           </a:bodyPr>
           <a:lstStyle/>
           <a:p>
-            <a:pPr marL="0" indent="0" rtl="0" algn="r" latinLnBrk="0">
+            <a:pPr marL="0" indent="0" algn="r" rtl="0" latinLnBrk="0">
               <a:buFontTx/>
               <a:buNone/>
             </a:pPr>
@@ -5430,6 +5512,10 @@
               </a:rPr>
               <a:t>‹#›</a:t>
             </a:fld>
+            <a:endParaRPr>
+              <a:latin typeface="맑은 고딕" charset="0"/>
+              <a:ea typeface="맑은 고딕" charset="0"/>
+            </a:endParaRPr>
           </a:p>
         </p:txBody>
       </p:sp>
@@ -5438,14 +5524,6 @@
   <p:clrMapOvr>
     <a:overrideClrMapping bg1="lt1" tx1="dk1" bg2="lt2" tx2="dk2" accent1="accent1" accent2="accent2" accent3="accent3" accent4="accent4" accent5="accent5" accent6="accent6" hlink="hlink" folHlink="folHlink"/>
   </p:clrMapOvr>
-  <mc:AlternateContent xmlns:mc="http://schemas.openxmlformats.org/markup-compatibility/2006">
-    <mc:Choice xmlns:p14="http://schemas.microsoft.com/office/powerpoint/2010/main" Requires="p14">
-      <p:transition spd="slow" p14:dur="2000"/>
-    </mc:Choice>
-    <mc:Fallback>
-      <p:transition spd="slow"/>
-    </mc:Fallback>
-  </mc:AlternateContent>
 </p:sldLayout>
 </file>
 
@@ -5470,18 +5548,20 @@
         <p:nvSpPr>
           <p:cNvPr id="55" name="Rect 0"/>
           <p:cNvSpPr txBox="1">
-            <a:spLocks/>
+            <a:spLocks noGrp="1"/>
           </p:cNvSpPr>
           <p:nvPr>
             <p:ph type="title"/>
           </p:nvPr>
         </p:nvSpPr>
         <p:spPr>
-          <a:xfrm rot="0">
+          <a:xfrm>
             <a:off x="457200" y="273050"/>
             <a:ext cx="3009265" cy="1162685"/>
           </a:xfrm>
-          <a:prstGeom prst="rect"/>
+          <a:prstGeom prst="rect">
+            <a:avLst/>
+          </a:prstGeom>
           <a:noFill/>
           <a:ln w="0">
             <a:noFill/>
@@ -5489,8 +5569,8 @@
           </a:ln>
         </p:spPr>
         <p:txBody>
-          <a:bodyPr wrap="square" lIns="91440" tIns="45720" rIns="91440" bIns="45720" vert="horz" anchor="b">
-            <a:normAutofit fontScale="100000" lnSpcReduction="0"/>
+          <a:bodyPr vert="horz" wrap="square" lIns="91440" tIns="45720" rIns="91440" bIns="45720" anchor="b">
+            <a:normAutofit/>
           </a:bodyPr>
           <a:lstStyle/>
           <a:p>
@@ -5498,6 +5578,7 @@
               <a:buFontTx/>
               <a:buNone/>
             </a:pPr>
+            <a:endParaRPr/>
           </a:p>
         </p:txBody>
       </p:sp>
@@ -5505,18 +5586,20 @@
         <p:nvSpPr>
           <p:cNvPr id="56" name="Rect 0"/>
           <p:cNvSpPr txBox="1">
-            <a:spLocks/>
+            <a:spLocks noGrp="1"/>
           </p:cNvSpPr>
           <p:nvPr>
             <p:ph type="body"/>
           </p:nvPr>
         </p:nvSpPr>
         <p:spPr>
-          <a:xfrm rot="0">
+          <a:xfrm>
             <a:off x="3575050" y="273050"/>
             <a:ext cx="5112385" cy="5854065"/>
           </a:xfrm>
-          <a:prstGeom prst="rect"/>
+          <a:prstGeom prst="rect">
+            <a:avLst/>
+          </a:prstGeom>
           <a:noFill/>
           <a:ln w="0">
             <a:noFill/>
@@ -5524,12 +5607,13 @@
           </a:ln>
         </p:spPr>
         <p:txBody>
-          <a:bodyPr wrap="square" lIns="91440" tIns="45720" rIns="91440" bIns="45720" vert="horz" anchor="t">
-            <a:normAutofit fontScale="100000" lnSpcReduction="0"/>
+          <a:bodyPr vert="horz" wrap="square" lIns="91440" tIns="45720" rIns="91440" bIns="45720" anchor="t">
+            <a:normAutofit/>
           </a:bodyPr>
           <a:lstStyle/>
           <a:p>
             <a:pPr marL="457200" indent="-431800" latinLnBrk="0"/>
+            <a:endParaRPr/>
           </a:p>
         </p:txBody>
       </p:sp>
@@ -5537,18 +5621,20 @@
         <p:nvSpPr>
           <p:cNvPr id="57" name="Rect 0"/>
           <p:cNvSpPr txBox="1">
-            <a:spLocks/>
+            <a:spLocks noGrp="1"/>
           </p:cNvSpPr>
           <p:nvPr>
             <p:ph type="body"/>
           </p:nvPr>
         </p:nvSpPr>
         <p:spPr>
-          <a:xfrm rot="0">
+          <a:xfrm>
             <a:off x="457200" y="1435100"/>
             <a:ext cx="3009265" cy="4692015"/>
           </a:xfrm>
-          <a:prstGeom prst="rect"/>
+          <a:prstGeom prst="rect">
+            <a:avLst/>
+          </a:prstGeom>
           <a:noFill/>
           <a:ln w="0">
             <a:noFill/>
@@ -5556,8 +5642,8 @@
           </a:ln>
         </p:spPr>
         <p:txBody>
-          <a:bodyPr wrap="square" lIns="91440" tIns="45720" rIns="91440" bIns="45720" vert="horz" anchor="t">
-            <a:normAutofit fontScale="100000" lnSpcReduction="0"/>
+          <a:bodyPr vert="horz" wrap="square" lIns="91440" tIns="45720" rIns="91440" bIns="45720" anchor="t">
+            <a:normAutofit/>
           </a:bodyPr>
           <a:lstStyle/>
           <a:p>
@@ -5565,6 +5651,7 @@
               <a:buFontTx/>
               <a:buNone/>
             </a:pPr>
+            <a:endParaRPr/>
           </a:p>
         </p:txBody>
       </p:sp>
@@ -5572,18 +5659,20 @@
         <p:nvSpPr>
           <p:cNvPr id="58" name="Rect 0"/>
           <p:cNvSpPr txBox="1">
-            <a:spLocks/>
+            <a:spLocks noGrp="1"/>
           </p:cNvSpPr>
           <p:nvPr>
             <p:ph type="dt"/>
           </p:nvPr>
         </p:nvSpPr>
         <p:spPr>
-          <a:xfrm rot="0">
+          <a:xfrm>
             <a:off x="457200" y="6356350"/>
             <a:ext cx="2134235" cy="365760"/>
           </a:xfrm>
-          <a:prstGeom prst="rect"/>
+          <a:prstGeom prst="rect">
+            <a:avLst/>
+          </a:prstGeom>
           <a:noFill/>
           <a:ln w="0">
             <a:noFill/>
@@ -5591,7 +5680,7 @@
           </a:ln>
         </p:spPr>
         <p:txBody>
-          <a:bodyPr wrap="square" lIns="91440" tIns="45720" rIns="91440" bIns="45720" vert="horz" anchor="ctr">
+          <a:bodyPr vert="horz" wrap="square" lIns="91440" tIns="45720" rIns="91440" bIns="45720" anchor="ctr">
             <a:noAutofit/>
           </a:bodyPr>
           <a:lstStyle/>
@@ -5600,6 +5689,7 @@
               <a:buFontTx/>
               <a:buNone/>
             </a:pPr>
+            <a:endParaRPr/>
           </a:p>
         </p:txBody>
       </p:sp>
@@ -5607,18 +5697,20 @@
         <p:nvSpPr>
           <p:cNvPr id="59" name="Rect 0"/>
           <p:cNvSpPr txBox="1">
-            <a:spLocks/>
+            <a:spLocks noGrp="1"/>
           </p:cNvSpPr>
           <p:nvPr>
             <p:ph type="ftr"/>
           </p:nvPr>
         </p:nvSpPr>
         <p:spPr>
-          <a:xfrm rot="0">
+          <a:xfrm>
             <a:off x="3124200" y="6356350"/>
             <a:ext cx="2896235" cy="365760"/>
           </a:xfrm>
-          <a:prstGeom prst="rect"/>
+          <a:prstGeom prst="rect">
+            <a:avLst/>
+          </a:prstGeom>
           <a:noFill/>
           <a:ln w="0">
             <a:noFill/>
@@ -5626,7 +5718,7 @@
           </a:ln>
         </p:spPr>
         <p:txBody>
-          <a:bodyPr wrap="square" lIns="91440" tIns="45720" rIns="91440" bIns="45720" vert="horz" anchor="ctr">
+          <a:bodyPr vert="horz" wrap="square" lIns="91440" tIns="45720" rIns="91440" bIns="45720" anchor="ctr">
             <a:noAutofit/>
           </a:bodyPr>
           <a:lstStyle/>
@@ -5635,6 +5727,7 @@
               <a:buFontTx/>
               <a:buNone/>
             </a:pPr>
+            <a:endParaRPr/>
           </a:p>
         </p:txBody>
       </p:sp>
@@ -5642,18 +5735,20 @@
         <p:nvSpPr>
           <p:cNvPr id="60" name="Rect 0"/>
           <p:cNvSpPr txBox="1">
-            <a:spLocks/>
+            <a:spLocks noGrp="1"/>
           </p:cNvSpPr>
           <p:nvPr>
             <p:ph type="sldNum"/>
           </p:nvPr>
         </p:nvSpPr>
         <p:spPr>
-          <a:xfrm rot="0">
+          <a:xfrm>
             <a:off x="6553200" y="6356350"/>
             <a:ext cx="2134235" cy="365760"/>
           </a:xfrm>
-          <a:prstGeom prst="rect"/>
+          <a:prstGeom prst="rect">
+            <a:avLst/>
+          </a:prstGeom>
           <a:noFill/>
           <a:ln w="0">
             <a:noFill/>
@@ -5661,12 +5756,12 @@
           </a:ln>
         </p:spPr>
         <p:txBody>
-          <a:bodyPr wrap="square" lIns="91440" tIns="45720" rIns="91440" bIns="45720" vert="horz" anchor="ctr">
+          <a:bodyPr vert="horz" wrap="square" lIns="91440" tIns="45720" rIns="91440" bIns="45720" anchor="ctr">
             <a:noAutofit/>
           </a:bodyPr>
           <a:lstStyle/>
           <a:p>
-            <a:pPr marL="0" indent="0" rtl="0" algn="r" latinLnBrk="0">
+            <a:pPr marL="0" indent="0" algn="r" rtl="0" latinLnBrk="0">
               <a:buFontTx/>
               <a:buNone/>
             </a:pPr>
@@ -5677,6 +5772,10 @@
               </a:rPr>
               <a:t>‹#›</a:t>
             </a:fld>
+            <a:endParaRPr>
+              <a:latin typeface="맑은 고딕" charset="0"/>
+              <a:ea typeface="맑은 고딕" charset="0"/>
+            </a:endParaRPr>
           </a:p>
         </p:txBody>
       </p:sp>
@@ -5685,14 +5784,6 @@
   <p:clrMapOvr>
     <a:overrideClrMapping bg1="lt1" tx1="dk1" bg2="lt2" tx2="dk2" accent1="accent1" accent2="accent2" accent3="accent3" accent4="accent4" accent5="accent5" accent6="accent6" hlink="hlink" folHlink="folHlink"/>
   </p:clrMapOvr>
-  <mc:AlternateContent xmlns:mc="http://schemas.openxmlformats.org/markup-compatibility/2006">
-    <mc:Choice xmlns:p14="http://schemas.microsoft.com/office/powerpoint/2010/main" Requires="p14">
-      <p:transition spd="slow" p14:dur="2000"/>
-    </mc:Choice>
-    <mc:Fallback>
-      <p:transition spd="slow"/>
-    </mc:Fallback>
-  </mc:AlternateContent>
 </p:sldLayout>
 </file>
 
@@ -5717,18 +5808,20 @@
         <p:nvSpPr>
           <p:cNvPr id="62" name="Rect 0"/>
           <p:cNvSpPr txBox="1">
-            <a:spLocks/>
+            <a:spLocks noGrp="1"/>
           </p:cNvSpPr>
           <p:nvPr>
             <p:ph type="title"/>
           </p:nvPr>
         </p:nvSpPr>
         <p:spPr>
-          <a:xfrm rot="0">
+          <a:xfrm>
             <a:off x="1792605" y="4800600"/>
             <a:ext cx="5487035" cy="567690"/>
           </a:xfrm>
-          <a:prstGeom prst="rect"/>
+          <a:prstGeom prst="rect">
+            <a:avLst/>
+          </a:prstGeom>
           <a:noFill/>
           <a:ln w="0">
             <a:noFill/>
@@ -5736,8 +5829,8 @@
           </a:ln>
         </p:spPr>
         <p:txBody>
-          <a:bodyPr wrap="square" lIns="91440" tIns="45720" rIns="91440" bIns="45720" vert="horz" anchor="b">
-            <a:normAutofit fontScale="100000" lnSpcReduction="0"/>
+          <a:bodyPr vert="horz" wrap="square" lIns="91440" tIns="45720" rIns="91440" bIns="45720" anchor="b">
+            <a:normAutofit/>
           </a:bodyPr>
           <a:lstStyle/>
           <a:p>
@@ -5745,6 +5838,7 @@
               <a:buFontTx/>
               <a:buNone/>
             </a:pPr>
+            <a:endParaRPr/>
           </a:p>
         </p:txBody>
       </p:sp>
@@ -5752,18 +5846,20 @@
         <p:nvSpPr>
           <p:cNvPr id="63" name="Rect 0"/>
           <p:cNvSpPr txBox="1">
-            <a:spLocks/>
+            <a:spLocks noGrp="1"/>
           </p:cNvSpPr>
           <p:nvPr>
             <p:ph type="pic"/>
           </p:nvPr>
         </p:nvSpPr>
         <p:spPr>
-          <a:xfrm rot="0">
+          <a:xfrm>
             <a:off x="1792605" y="612775"/>
             <a:ext cx="5487035" cy="4115435"/>
           </a:xfrm>
-          <a:prstGeom prst="rect"/>
+          <a:prstGeom prst="rect">
+            <a:avLst/>
+          </a:prstGeom>
           <a:noFill/>
           <a:ln w="0">
             <a:noFill/>
@@ -5775,18 +5871,20 @@
         <p:nvSpPr>
           <p:cNvPr id="64" name="Rect 0"/>
           <p:cNvSpPr txBox="1">
-            <a:spLocks/>
+            <a:spLocks noGrp="1"/>
           </p:cNvSpPr>
           <p:nvPr>
             <p:ph type="body"/>
           </p:nvPr>
         </p:nvSpPr>
         <p:spPr>
-          <a:xfrm rot="0">
+          <a:xfrm>
             <a:off x="1792605" y="5367655"/>
             <a:ext cx="5487035" cy="805180"/>
           </a:xfrm>
-          <a:prstGeom prst="rect"/>
+          <a:prstGeom prst="rect">
+            <a:avLst/>
+          </a:prstGeom>
           <a:noFill/>
           <a:ln w="0">
             <a:noFill/>
@@ -5794,8 +5892,8 @@
           </a:ln>
         </p:spPr>
         <p:txBody>
-          <a:bodyPr wrap="square" lIns="91440" tIns="45720" rIns="91440" bIns="45720" vert="horz" anchor="t">
-            <a:normAutofit fontScale="100000" lnSpcReduction="0"/>
+          <a:bodyPr vert="horz" wrap="square" lIns="91440" tIns="45720" rIns="91440" bIns="45720" anchor="t">
+            <a:normAutofit/>
           </a:bodyPr>
           <a:lstStyle/>
           <a:p>
@@ -5803,6 +5901,7 @@
               <a:buFontTx/>
               <a:buNone/>
             </a:pPr>
+            <a:endParaRPr/>
           </a:p>
         </p:txBody>
       </p:sp>
@@ -5810,18 +5909,20 @@
         <p:nvSpPr>
           <p:cNvPr id="65" name="Rect 0"/>
           <p:cNvSpPr txBox="1">
-            <a:spLocks/>
+            <a:spLocks noGrp="1"/>
           </p:cNvSpPr>
           <p:nvPr>
             <p:ph type="dt"/>
           </p:nvPr>
         </p:nvSpPr>
         <p:spPr>
-          <a:xfrm rot="0">
+          <a:xfrm>
             <a:off x="457200" y="6356350"/>
             <a:ext cx="2134235" cy="365760"/>
           </a:xfrm>
-          <a:prstGeom prst="rect"/>
+          <a:prstGeom prst="rect">
+            <a:avLst/>
+          </a:prstGeom>
           <a:noFill/>
           <a:ln w="0">
             <a:noFill/>
@@ -5829,7 +5930,7 @@
           </a:ln>
         </p:spPr>
         <p:txBody>
-          <a:bodyPr wrap="square" lIns="91440" tIns="45720" rIns="91440" bIns="45720" vert="horz" anchor="ctr">
+          <a:bodyPr vert="horz" wrap="square" lIns="91440" tIns="45720" rIns="91440" bIns="45720" anchor="ctr">
             <a:noAutofit/>
           </a:bodyPr>
           <a:lstStyle/>
@@ -5838,6 +5939,7 @@
               <a:buFontTx/>
               <a:buNone/>
             </a:pPr>
+            <a:endParaRPr/>
           </a:p>
         </p:txBody>
       </p:sp>
@@ -5845,18 +5947,20 @@
         <p:nvSpPr>
           <p:cNvPr id="66" name="Rect 0"/>
           <p:cNvSpPr txBox="1">
-            <a:spLocks/>
+            <a:spLocks noGrp="1"/>
           </p:cNvSpPr>
           <p:nvPr>
             <p:ph type="ftr"/>
           </p:nvPr>
         </p:nvSpPr>
         <p:spPr>
-          <a:xfrm rot="0">
+          <a:xfrm>
             <a:off x="3124200" y="6356350"/>
             <a:ext cx="2896235" cy="365760"/>
           </a:xfrm>
-          <a:prstGeom prst="rect"/>
+          <a:prstGeom prst="rect">
+            <a:avLst/>
+          </a:prstGeom>
           <a:noFill/>
           <a:ln w="0">
             <a:noFill/>
@@ -5864,7 +5968,7 @@
           </a:ln>
         </p:spPr>
         <p:txBody>
-          <a:bodyPr wrap="square" lIns="91440" tIns="45720" rIns="91440" bIns="45720" vert="horz" anchor="ctr">
+          <a:bodyPr vert="horz" wrap="square" lIns="91440" tIns="45720" rIns="91440" bIns="45720" anchor="ctr">
             <a:noAutofit/>
           </a:bodyPr>
           <a:lstStyle/>
@@ -5873,6 +5977,7 @@
               <a:buFontTx/>
               <a:buNone/>
             </a:pPr>
+            <a:endParaRPr/>
           </a:p>
         </p:txBody>
       </p:sp>
@@ -5880,18 +5985,20 @@
         <p:nvSpPr>
           <p:cNvPr id="67" name="Rect 0"/>
           <p:cNvSpPr txBox="1">
-            <a:spLocks/>
+            <a:spLocks noGrp="1"/>
           </p:cNvSpPr>
           <p:nvPr>
             <p:ph type="sldNum"/>
           </p:nvPr>
         </p:nvSpPr>
         <p:spPr>
-          <a:xfrm rot="0">
+          <a:xfrm>
             <a:off x="6553200" y="6356350"/>
             <a:ext cx="2134235" cy="365760"/>
           </a:xfrm>
-          <a:prstGeom prst="rect"/>
+          <a:prstGeom prst="rect">
+            <a:avLst/>
+          </a:prstGeom>
           <a:noFill/>
           <a:ln w="0">
             <a:noFill/>
@@ -5899,12 +6006,12 @@
           </a:ln>
         </p:spPr>
         <p:txBody>
-          <a:bodyPr wrap="square" lIns="91440" tIns="45720" rIns="91440" bIns="45720" vert="horz" anchor="ctr">
+          <a:bodyPr vert="horz" wrap="square" lIns="91440" tIns="45720" rIns="91440" bIns="45720" anchor="ctr">
             <a:noAutofit/>
           </a:bodyPr>
           <a:lstStyle/>
           <a:p>
-            <a:pPr marL="0" indent="0" rtl="0" algn="r" latinLnBrk="0">
+            <a:pPr marL="0" indent="0" algn="r" rtl="0" latinLnBrk="0">
               <a:buFontTx/>
               <a:buNone/>
             </a:pPr>
@@ -5915,6 +6022,10 @@
               </a:rPr>
               <a:t>‹#›</a:t>
             </a:fld>
+            <a:endParaRPr>
+              <a:latin typeface="맑은 고딕" charset="0"/>
+              <a:ea typeface="맑은 고딕" charset="0"/>
+            </a:endParaRPr>
           </a:p>
         </p:txBody>
       </p:sp>
@@ -5923,14 +6034,6 @@
   <p:clrMapOvr>
     <a:overrideClrMapping bg1="lt1" tx1="dk1" bg2="lt2" tx2="dk2" accent1="accent1" accent2="accent2" accent3="accent3" accent4="accent4" accent5="accent5" accent6="accent6" hlink="hlink" folHlink="folHlink"/>
   </p:clrMapOvr>
-  <mc:AlternateContent xmlns:mc="http://schemas.openxmlformats.org/markup-compatibility/2006">
-    <mc:Choice xmlns:p14="http://schemas.microsoft.com/office/powerpoint/2010/main" Requires="p14">
-      <p:transition spd="slow" p14:dur="2000"/>
-    </mc:Choice>
-    <mc:Fallback>
-      <p:transition spd="slow"/>
-    </mc:Fallback>
-  </mc:AlternateContent>
 </p:sldLayout>
 </file>
 
@@ -5955,18 +6058,20 @@
         <p:nvSpPr>
           <p:cNvPr id="69" name="Rect 0"/>
           <p:cNvSpPr txBox="1">
-            <a:spLocks/>
+            <a:spLocks noGrp="1"/>
           </p:cNvSpPr>
           <p:nvPr>
             <p:ph type="title"/>
           </p:nvPr>
         </p:nvSpPr>
         <p:spPr>
-          <a:xfrm rot="0">
+          <a:xfrm>
             <a:off x="457200" y="274955"/>
             <a:ext cx="8230235" cy="1143635"/>
           </a:xfrm>
-          <a:prstGeom prst="rect"/>
+          <a:prstGeom prst="rect">
+            <a:avLst/>
+          </a:prstGeom>
           <a:noFill/>
           <a:ln w="0">
             <a:noFill/>
@@ -5974,8 +6079,8 @@
           </a:ln>
         </p:spPr>
         <p:txBody>
-          <a:bodyPr wrap="square" lIns="91440" tIns="45720" rIns="91440" bIns="45720" vert="horz" anchor="ctr">
-            <a:normAutofit fontScale="100000" lnSpcReduction="0"/>
+          <a:bodyPr vert="horz" wrap="square" lIns="91440" tIns="45720" rIns="91440" bIns="45720" anchor="ctr">
+            <a:normAutofit/>
           </a:bodyPr>
           <a:lstStyle/>
           <a:p>
@@ -5983,6 +6088,7 @@
               <a:buFontTx/>
               <a:buNone/>
             </a:pPr>
+            <a:endParaRPr/>
           </a:p>
         </p:txBody>
       </p:sp>
@@ -5990,7 +6096,7 @@
         <p:nvSpPr>
           <p:cNvPr id="70" name="Rect 0"/>
           <p:cNvSpPr txBox="1">
-            <a:spLocks/>
+            <a:spLocks noGrp="1"/>
           </p:cNvSpPr>
           <p:nvPr>
             <p:ph type="body"/>
@@ -6001,7 +6107,9 @@
             <a:off x="2308860" y="-251460"/>
             <a:ext cx="4526915" cy="8230235"/>
           </a:xfrm>
-          <a:prstGeom prst="rect"/>
+          <a:prstGeom prst="rect">
+            <a:avLst/>
+          </a:prstGeom>
           <a:noFill/>
           <a:ln w="0">
             <a:noFill/>
@@ -6009,12 +6117,13 @@
           </a:ln>
         </p:spPr>
         <p:txBody>
-          <a:bodyPr wrap="square" lIns="91440" tIns="45720" rIns="91440" bIns="45720" vert="horz" anchor="t">
-            <a:normAutofit fontScale="100000" lnSpcReduction="0"/>
+          <a:bodyPr vert="horz" wrap="square" lIns="91440" tIns="45720" rIns="91440" bIns="45720" anchor="t">
+            <a:normAutofit/>
           </a:bodyPr>
           <a:lstStyle/>
           <a:p>
             <a:pPr marL="457200" indent="-342900" latinLnBrk="0"/>
+            <a:endParaRPr/>
           </a:p>
         </p:txBody>
       </p:sp>
@@ -6022,18 +6131,20 @@
         <p:nvSpPr>
           <p:cNvPr id="71" name="Rect 0"/>
           <p:cNvSpPr txBox="1">
-            <a:spLocks/>
+            <a:spLocks noGrp="1"/>
           </p:cNvSpPr>
           <p:nvPr>
             <p:ph type="dt"/>
           </p:nvPr>
         </p:nvSpPr>
         <p:spPr>
-          <a:xfrm rot="0">
+          <a:xfrm>
             <a:off x="457200" y="6356350"/>
             <a:ext cx="2134235" cy="365760"/>
           </a:xfrm>
-          <a:prstGeom prst="rect"/>
+          <a:prstGeom prst="rect">
+            <a:avLst/>
+          </a:prstGeom>
           <a:noFill/>
           <a:ln w="0">
             <a:noFill/>
@@ -6041,7 +6152,7 @@
           </a:ln>
         </p:spPr>
         <p:txBody>
-          <a:bodyPr wrap="square" lIns="91440" tIns="45720" rIns="91440" bIns="45720" vert="horz" anchor="ctr">
+          <a:bodyPr vert="horz" wrap="square" lIns="91440" tIns="45720" rIns="91440" bIns="45720" anchor="ctr">
             <a:noAutofit/>
           </a:bodyPr>
           <a:lstStyle/>
@@ -6050,6 +6161,7 @@
               <a:buFontTx/>
               <a:buNone/>
             </a:pPr>
+            <a:endParaRPr/>
           </a:p>
         </p:txBody>
       </p:sp>
@@ -6057,18 +6169,20 @@
         <p:nvSpPr>
           <p:cNvPr id="72" name="Rect 0"/>
           <p:cNvSpPr txBox="1">
-            <a:spLocks/>
+            <a:spLocks noGrp="1"/>
           </p:cNvSpPr>
           <p:nvPr>
             <p:ph type="ftr"/>
           </p:nvPr>
         </p:nvSpPr>
         <p:spPr>
-          <a:xfrm rot="0">
+          <a:xfrm>
             <a:off x="3124200" y="6356350"/>
             <a:ext cx="2896235" cy="365760"/>
           </a:xfrm>
-          <a:prstGeom prst="rect"/>
+          <a:prstGeom prst="rect">
+            <a:avLst/>
+          </a:prstGeom>
           <a:noFill/>
           <a:ln w="0">
             <a:noFill/>
@@ -6076,7 +6190,7 @@
           </a:ln>
         </p:spPr>
         <p:txBody>
-          <a:bodyPr wrap="square" lIns="91440" tIns="45720" rIns="91440" bIns="45720" vert="horz" anchor="ctr">
+          <a:bodyPr vert="horz" wrap="square" lIns="91440" tIns="45720" rIns="91440" bIns="45720" anchor="ctr">
             <a:noAutofit/>
           </a:bodyPr>
           <a:lstStyle/>
@@ -6085,6 +6199,7 @@
               <a:buFontTx/>
               <a:buNone/>
             </a:pPr>
+            <a:endParaRPr/>
           </a:p>
         </p:txBody>
       </p:sp>
@@ -6092,18 +6207,20 @@
         <p:nvSpPr>
           <p:cNvPr id="73" name="Rect 0"/>
           <p:cNvSpPr txBox="1">
-            <a:spLocks/>
+            <a:spLocks noGrp="1"/>
           </p:cNvSpPr>
           <p:nvPr>
             <p:ph type="sldNum"/>
           </p:nvPr>
         </p:nvSpPr>
         <p:spPr>
-          <a:xfrm rot="0">
+          <a:xfrm>
             <a:off x="6553200" y="6356350"/>
             <a:ext cx="2134235" cy="365760"/>
           </a:xfrm>
-          <a:prstGeom prst="rect"/>
+          <a:prstGeom prst="rect">
+            <a:avLst/>
+          </a:prstGeom>
           <a:noFill/>
           <a:ln w="0">
             <a:noFill/>
@@ -6111,12 +6228,12 @@
           </a:ln>
         </p:spPr>
         <p:txBody>
-          <a:bodyPr wrap="square" lIns="91440" tIns="45720" rIns="91440" bIns="45720" vert="horz" anchor="ctr">
+          <a:bodyPr vert="horz" wrap="square" lIns="91440" tIns="45720" rIns="91440" bIns="45720" anchor="ctr">
             <a:noAutofit/>
           </a:bodyPr>
           <a:lstStyle/>
           <a:p>
-            <a:pPr marL="0" indent="0" rtl="0" algn="r" latinLnBrk="0">
+            <a:pPr marL="0" indent="0" algn="r" rtl="0" latinLnBrk="0">
               <a:buFontTx/>
               <a:buNone/>
             </a:pPr>
@@ -6127,6 +6244,10 @@
               </a:rPr>
               <a:t>‹#›</a:t>
             </a:fld>
+            <a:endParaRPr>
+              <a:latin typeface="맑은 고딕" charset="0"/>
+              <a:ea typeface="맑은 고딕" charset="0"/>
+            </a:endParaRPr>
           </a:p>
         </p:txBody>
       </p:sp>
@@ -6135,14 +6256,6 @@
   <p:clrMapOvr>
     <a:overrideClrMapping bg1="lt1" tx1="dk1" bg2="lt2" tx2="dk2" accent1="accent1" accent2="accent2" accent3="accent3" accent4="accent4" accent5="accent5" accent6="accent6" hlink="hlink" folHlink="folHlink"/>
   </p:clrMapOvr>
-  <mc:AlternateContent xmlns:mc="http://schemas.openxmlformats.org/markup-compatibility/2006">
-    <mc:Choice xmlns:p14="http://schemas.microsoft.com/office/powerpoint/2010/main" Requires="p14">
-      <p:transition spd="slow" p14:dur="2000"/>
-    </mc:Choice>
-    <mc:Fallback>
-      <p:transition spd="slow"/>
-    </mc:Fallback>
-  </mc:AlternateContent>
 </p:sldLayout>
 </file>
 
@@ -6901,7 +7014,7 @@
         <p:nvSpPr>
           <p:cNvPr id="75" name="Rect 0"/>
           <p:cNvSpPr txBox="1">
-            <a:spLocks/>
+            <a:spLocks noGrp="1"/>
           </p:cNvSpPr>
           <p:nvPr>
             <p:ph type="title"/>
@@ -6912,7 +7025,9 @@
             <a:off x="4732655" y="2171700"/>
             <a:ext cx="5852160" cy="2058035"/>
           </a:xfrm>
-          <a:prstGeom prst="rect"/>
+          <a:prstGeom prst="rect">
+            <a:avLst/>
+          </a:prstGeom>
           <a:noFill/>
           <a:ln w="0">
             <a:noFill/>
@@ -6920,8 +7035,8 @@
           </a:ln>
         </p:spPr>
         <p:txBody>
-          <a:bodyPr wrap="square" lIns="91440" tIns="45720" rIns="91440" bIns="45720" vert="horz" anchor="ctr">
-            <a:normAutofit fontScale="100000" lnSpcReduction="0"/>
+          <a:bodyPr vert="horz" wrap="square" lIns="91440" tIns="45720" rIns="91440" bIns="45720" anchor="ctr">
+            <a:normAutofit/>
           </a:bodyPr>
           <a:lstStyle/>
           <a:p>
@@ -6929,6 +7044,7 @@
               <a:buFontTx/>
               <a:buNone/>
             </a:pPr>
+            <a:endParaRPr/>
           </a:p>
         </p:txBody>
       </p:sp>
@@ -6936,7 +7052,7 @@
         <p:nvSpPr>
           <p:cNvPr id="76" name="Rect 0"/>
           <p:cNvSpPr txBox="1">
-            <a:spLocks/>
+            <a:spLocks noGrp="1"/>
           </p:cNvSpPr>
           <p:nvPr>
             <p:ph type="body"/>
@@ -6947,7 +7063,9 @@
             <a:off x="541655" y="190500"/>
             <a:ext cx="5852160" cy="6020435"/>
           </a:xfrm>
-          <a:prstGeom prst="rect"/>
+          <a:prstGeom prst="rect">
+            <a:avLst/>
+          </a:prstGeom>
           <a:noFill/>
           <a:ln w="0">
             <a:noFill/>
@@ -6955,12 +7073,13 @@
           </a:ln>
         </p:spPr>
         <p:txBody>
-          <a:bodyPr wrap="square" lIns="91440" tIns="45720" rIns="91440" bIns="45720" vert="horz" anchor="t">
-            <a:normAutofit fontScale="100000" lnSpcReduction="0"/>
+          <a:bodyPr vert="horz" wrap="square" lIns="91440" tIns="45720" rIns="91440" bIns="45720" anchor="t">
+            <a:normAutofit/>
           </a:bodyPr>
           <a:lstStyle/>
           <a:p>
             <a:pPr marL="457200" indent="-342900" latinLnBrk="0"/>
+            <a:endParaRPr/>
           </a:p>
         </p:txBody>
       </p:sp>
@@ -6968,18 +7087,20 @@
         <p:nvSpPr>
           <p:cNvPr id="77" name="Rect 0"/>
           <p:cNvSpPr txBox="1">
-            <a:spLocks/>
+            <a:spLocks noGrp="1"/>
           </p:cNvSpPr>
           <p:nvPr>
             <p:ph type="dt"/>
           </p:nvPr>
         </p:nvSpPr>
         <p:spPr>
-          <a:xfrm rot="0">
+          <a:xfrm>
             <a:off x="457200" y="6356350"/>
             <a:ext cx="2134235" cy="365760"/>
           </a:xfrm>
-          <a:prstGeom prst="rect"/>
+          <a:prstGeom prst="rect">
+            <a:avLst/>
+          </a:prstGeom>
           <a:noFill/>
           <a:ln w="0">
             <a:noFill/>
@@ -6987,7 +7108,7 @@
           </a:ln>
         </p:spPr>
         <p:txBody>
-          <a:bodyPr wrap="square" lIns="91440" tIns="45720" rIns="91440" bIns="45720" vert="horz" anchor="ctr">
+          <a:bodyPr vert="horz" wrap="square" lIns="91440" tIns="45720" rIns="91440" bIns="45720" anchor="ctr">
             <a:noAutofit/>
           </a:bodyPr>
           <a:lstStyle/>
@@ -6996,6 +7117,7 @@
               <a:buFontTx/>
               <a:buNone/>
             </a:pPr>
+            <a:endParaRPr/>
           </a:p>
         </p:txBody>
       </p:sp>
@@ -7003,18 +7125,20 @@
         <p:nvSpPr>
           <p:cNvPr id="78" name="Rect 0"/>
           <p:cNvSpPr txBox="1">
-            <a:spLocks/>
+            <a:spLocks noGrp="1"/>
           </p:cNvSpPr>
           <p:nvPr>
             <p:ph type="ftr"/>
           </p:nvPr>
         </p:nvSpPr>
         <p:spPr>
-          <a:xfrm rot="0">
+          <a:xfrm>
             <a:off x="3124200" y="6356350"/>
             <a:ext cx="2896235" cy="365760"/>
           </a:xfrm>
-          <a:prstGeom prst="rect"/>
+          <a:prstGeom prst="rect">
+            <a:avLst/>
+          </a:prstGeom>
           <a:noFill/>
           <a:ln w="0">
             <a:noFill/>
@@ -7022,7 +7146,7 @@
           </a:ln>
         </p:spPr>
         <p:txBody>
-          <a:bodyPr wrap="square" lIns="91440" tIns="45720" rIns="91440" bIns="45720" vert="horz" anchor="ctr">
+          <a:bodyPr vert="horz" wrap="square" lIns="91440" tIns="45720" rIns="91440" bIns="45720" anchor="ctr">
             <a:noAutofit/>
           </a:bodyPr>
           <a:lstStyle/>
@@ -7031,6 +7155,7 @@
               <a:buFontTx/>
               <a:buNone/>
             </a:pPr>
+            <a:endParaRPr/>
           </a:p>
         </p:txBody>
       </p:sp>
@@ -7038,18 +7163,20 @@
         <p:nvSpPr>
           <p:cNvPr id="79" name="Rect 0"/>
           <p:cNvSpPr txBox="1">
-            <a:spLocks/>
+            <a:spLocks noGrp="1"/>
           </p:cNvSpPr>
           <p:nvPr>
             <p:ph type="sldNum"/>
           </p:nvPr>
         </p:nvSpPr>
         <p:spPr>
-          <a:xfrm rot="0">
+          <a:xfrm>
             <a:off x="6553200" y="6356350"/>
             <a:ext cx="2134235" cy="365760"/>
           </a:xfrm>
-          <a:prstGeom prst="rect"/>
+          <a:prstGeom prst="rect">
+            <a:avLst/>
+          </a:prstGeom>
           <a:noFill/>
           <a:ln w="0">
             <a:noFill/>
@@ -7057,12 +7184,12 @@
           </a:ln>
         </p:spPr>
         <p:txBody>
-          <a:bodyPr wrap="square" lIns="91440" tIns="45720" rIns="91440" bIns="45720" vert="horz" anchor="ctr">
+          <a:bodyPr vert="horz" wrap="square" lIns="91440" tIns="45720" rIns="91440" bIns="45720" anchor="ctr">
             <a:noAutofit/>
           </a:bodyPr>
           <a:lstStyle/>
           <a:p>
-            <a:pPr marL="0" indent="0" rtl="0" algn="r" latinLnBrk="0">
+            <a:pPr marL="0" indent="0" algn="r" rtl="0" latinLnBrk="0">
               <a:buFontTx/>
               <a:buNone/>
             </a:pPr>
@@ -7073,6 +7200,10 @@
               </a:rPr>
               <a:t>‹#›</a:t>
             </a:fld>
+            <a:endParaRPr>
+              <a:latin typeface="맑은 고딕" charset="0"/>
+              <a:ea typeface="맑은 고딕" charset="0"/>
+            </a:endParaRPr>
           </a:p>
         </p:txBody>
       </p:sp>
@@ -7081,14 +7212,6 @@
   <p:clrMapOvr>
     <a:overrideClrMapping bg1="lt1" tx1="dk1" bg2="lt2" tx2="dk2" accent1="accent1" accent2="accent2" accent3="accent3" accent4="accent4" accent5="accent5" accent6="accent6" hlink="hlink" folHlink="folHlink"/>
   </p:clrMapOvr>
-  <mc:AlternateContent xmlns:mc="http://schemas.openxmlformats.org/markup-compatibility/2006">
-    <mc:Choice xmlns:p14="http://schemas.microsoft.com/office/powerpoint/2010/main" Requires="p14">
-      <p:transition spd="slow" p14:dur="2000"/>
-    </mc:Choice>
-    <mc:Fallback>
-      <p:transition spd="slow"/>
-    </mc:Fallback>
-  </mc:AlternateContent>
 </p:sldLayout>
 </file>
 
@@ -7113,18 +7236,20 @@
         <p:nvSpPr>
           <p:cNvPr id="12" name="Rect 0"/>
           <p:cNvSpPr txBox="1">
-            <a:spLocks/>
+            <a:spLocks noGrp="1"/>
           </p:cNvSpPr>
           <p:nvPr>
             <p:ph type="ctrTitle"/>
           </p:nvPr>
         </p:nvSpPr>
         <p:spPr>
-          <a:xfrm rot="0">
+          <a:xfrm>
             <a:off x="685800" y="2130425"/>
             <a:ext cx="7773035" cy="1470660"/>
           </a:xfrm>
-          <a:prstGeom prst="rect"/>
+          <a:prstGeom prst="rect">
+            <a:avLst/>
+          </a:prstGeom>
           <a:noFill/>
           <a:ln w="0">
             <a:noFill/>
@@ -7132,8 +7257,8 @@
           </a:ln>
         </p:spPr>
         <p:txBody>
-          <a:bodyPr wrap="square" lIns="91440" tIns="45720" rIns="91440" bIns="45720" vert="horz" anchor="ctr">
-            <a:normAutofit fontScale="100000" lnSpcReduction="0"/>
+          <a:bodyPr vert="horz" wrap="square" lIns="91440" tIns="45720" rIns="91440" bIns="45720" anchor="ctr">
+            <a:normAutofit/>
           </a:bodyPr>
           <a:lstStyle/>
           <a:p>
@@ -7141,6 +7266,7 @@
               <a:buFontTx/>
               <a:buNone/>
             </a:pPr>
+            <a:endParaRPr/>
           </a:p>
         </p:txBody>
       </p:sp>
@@ -7148,18 +7274,20 @@
         <p:nvSpPr>
           <p:cNvPr id="13" name="Rect 0"/>
           <p:cNvSpPr txBox="1">
-            <a:spLocks/>
+            <a:spLocks noGrp="1"/>
           </p:cNvSpPr>
           <p:nvPr>
             <p:ph type="subTitle"/>
           </p:nvPr>
         </p:nvSpPr>
         <p:spPr>
-          <a:xfrm rot="0">
+          <a:xfrm>
             <a:off x="1371600" y="3886200"/>
             <a:ext cx="6401435" cy="1753235"/>
           </a:xfrm>
-          <a:prstGeom prst="rect"/>
+          <a:prstGeom prst="rect">
+            <a:avLst/>
+          </a:prstGeom>
           <a:noFill/>
           <a:ln w="0">
             <a:noFill/>
@@ -7167,8 +7295,8 @@
           </a:ln>
         </p:spPr>
         <p:txBody>
-          <a:bodyPr wrap="square" lIns="91440" tIns="45720" rIns="91440" bIns="45720" vert="horz" anchor="t">
-            <a:normAutofit fontScale="100000" lnSpcReduction="0"/>
+          <a:bodyPr vert="horz" wrap="square" lIns="91440" tIns="45720" rIns="91440" bIns="45720" anchor="t">
+            <a:normAutofit/>
           </a:bodyPr>
           <a:lstStyle/>
           <a:p>
@@ -7176,6 +7304,7 @@
               <a:buFontTx/>
               <a:buNone/>
             </a:pPr>
+            <a:endParaRPr/>
           </a:p>
         </p:txBody>
       </p:sp>
@@ -7183,18 +7312,20 @@
         <p:nvSpPr>
           <p:cNvPr id="14" name="Rect 0"/>
           <p:cNvSpPr txBox="1">
-            <a:spLocks/>
+            <a:spLocks noGrp="1"/>
           </p:cNvSpPr>
           <p:nvPr>
             <p:ph type="dt"/>
           </p:nvPr>
         </p:nvSpPr>
         <p:spPr>
-          <a:xfrm rot="0">
+          <a:xfrm>
             <a:off x="457200" y="6356350"/>
             <a:ext cx="2134235" cy="365760"/>
           </a:xfrm>
-          <a:prstGeom prst="rect"/>
+          <a:prstGeom prst="rect">
+            <a:avLst/>
+          </a:prstGeom>
           <a:noFill/>
           <a:ln w="0">
             <a:noFill/>
@@ -7202,7 +7333,7 @@
           </a:ln>
         </p:spPr>
         <p:txBody>
-          <a:bodyPr wrap="square" lIns="91440" tIns="45720" rIns="91440" bIns="45720" vert="horz" anchor="ctr">
+          <a:bodyPr vert="horz" wrap="square" lIns="91440" tIns="45720" rIns="91440" bIns="45720" anchor="ctr">
             <a:noAutofit/>
           </a:bodyPr>
           <a:lstStyle/>
@@ -7211,6 +7342,7 @@
               <a:buFontTx/>
               <a:buNone/>
             </a:pPr>
+            <a:endParaRPr/>
           </a:p>
         </p:txBody>
       </p:sp>
@@ -7218,18 +7350,20 @@
         <p:nvSpPr>
           <p:cNvPr id="15" name="Rect 0"/>
           <p:cNvSpPr txBox="1">
-            <a:spLocks/>
+            <a:spLocks noGrp="1"/>
           </p:cNvSpPr>
           <p:nvPr>
             <p:ph type="ftr"/>
           </p:nvPr>
         </p:nvSpPr>
         <p:spPr>
-          <a:xfrm rot="0">
+          <a:xfrm>
             <a:off x="3124200" y="6356350"/>
             <a:ext cx="2896235" cy="365760"/>
           </a:xfrm>
-          <a:prstGeom prst="rect"/>
+          <a:prstGeom prst="rect">
+            <a:avLst/>
+          </a:prstGeom>
           <a:noFill/>
           <a:ln w="0">
             <a:noFill/>
@@ -7237,7 +7371,7 @@
           </a:ln>
         </p:spPr>
         <p:txBody>
-          <a:bodyPr wrap="square" lIns="91440" tIns="45720" rIns="91440" bIns="45720" vert="horz" anchor="ctr">
+          <a:bodyPr vert="horz" wrap="square" lIns="91440" tIns="45720" rIns="91440" bIns="45720" anchor="ctr">
             <a:noAutofit/>
           </a:bodyPr>
           <a:lstStyle/>
@@ -7246,6 +7380,7 @@
               <a:buFontTx/>
               <a:buNone/>
             </a:pPr>
+            <a:endParaRPr/>
           </a:p>
         </p:txBody>
       </p:sp>
@@ -7253,18 +7388,20 @@
         <p:nvSpPr>
           <p:cNvPr id="16" name="Rect 0"/>
           <p:cNvSpPr txBox="1">
-            <a:spLocks/>
+            <a:spLocks noGrp="1"/>
           </p:cNvSpPr>
           <p:nvPr>
             <p:ph type="sldNum"/>
           </p:nvPr>
         </p:nvSpPr>
         <p:spPr>
-          <a:xfrm rot="0">
+          <a:xfrm>
             <a:off x="6553200" y="6356350"/>
             <a:ext cx="2134235" cy="365760"/>
           </a:xfrm>
-          <a:prstGeom prst="rect"/>
+          <a:prstGeom prst="rect">
+            <a:avLst/>
+          </a:prstGeom>
           <a:noFill/>
           <a:ln w="0">
             <a:noFill/>
@@ -7272,12 +7409,12 @@
           </a:ln>
         </p:spPr>
         <p:txBody>
-          <a:bodyPr wrap="square" lIns="91440" tIns="45720" rIns="91440" bIns="45720" vert="horz" anchor="ctr">
+          <a:bodyPr vert="horz" wrap="square" lIns="91440" tIns="45720" rIns="91440" bIns="45720" anchor="ctr">
             <a:noAutofit/>
           </a:bodyPr>
           <a:lstStyle/>
           <a:p>
-            <a:pPr marL="0" indent="0" rtl="0" algn="r" latinLnBrk="0">
+            <a:pPr marL="0" indent="0" algn="r" rtl="0" latinLnBrk="0">
               <a:buFontTx/>
               <a:buNone/>
             </a:pPr>
@@ -7288,6 +7425,10 @@
               </a:rPr>
               <a:t>‹#›</a:t>
             </a:fld>
+            <a:endParaRPr>
+              <a:latin typeface="맑은 고딕" charset="0"/>
+              <a:ea typeface="맑은 고딕" charset="0"/>
+            </a:endParaRPr>
           </a:p>
         </p:txBody>
       </p:sp>
@@ -7296,14 +7437,6 @@
   <p:clrMapOvr>
     <a:overrideClrMapping bg1="lt1" tx1="dk1" bg2="lt2" tx2="dk2" accent1="accent1" accent2="accent2" accent3="accent3" accent4="accent4" accent5="accent5" accent6="accent6" hlink="hlink" folHlink="folHlink"/>
   </p:clrMapOvr>
-  <mc:AlternateContent xmlns:mc="http://schemas.openxmlformats.org/markup-compatibility/2006">
-    <mc:Choice xmlns:p14="http://schemas.microsoft.com/office/powerpoint/2010/main" Requires="p14">
-      <p:transition spd="slow" p14:dur="2000"/>
-    </mc:Choice>
-    <mc:Fallback>
-      <p:transition spd="slow"/>
-    </mc:Fallback>
-  </mc:AlternateContent>
 </p:sldLayout>
 </file>
 
@@ -7328,18 +7461,20 @@
         <p:nvSpPr>
           <p:cNvPr id="24" name="Rect 0"/>
           <p:cNvSpPr txBox="1">
-            <a:spLocks/>
+            <a:spLocks noGrp="1"/>
           </p:cNvSpPr>
           <p:nvPr>
             <p:ph type="title"/>
           </p:nvPr>
         </p:nvSpPr>
         <p:spPr>
-          <a:xfrm rot="0">
+          <a:xfrm>
             <a:off x="722630" y="4406900"/>
             <a:ext cx="7773035" cy="1362710"/>
           </a:xfrm>
-          <a:prstGeom prst="rect"/>
+          <a:prstGeom prst="rect">
+            <a:avLst/>
+          </a:prstGeom>
           <a:noFill/>
           <a:ln w="0">
             <a:noFill/>
@@ -7347,8 +7482,8 @@
           </a:ln>
         </p:spPr>
         <p:txBody>
-          <a:bodyPr wrap="square" lIns="91440" tIns="45720" rIns="91440" bIns="45720" vert="horz" anchor="t">
-            <a:normAutofit fontScale="100000" lnSpcReduction="0"/>
+          <a:bodyPr vert="horz" wrap="square" lIns="91440" tIns="45720" rIns="91440" bIns="45720" anchor="t">
+            <a:normAutofit/>
           </a:bodyPr>
           <a:lstStyle/>
           <a:p>
@@ -7356,6 +7491,7 @@
               <a:buFontTx/>
               <a:buNone/>
             </a:pPr>
+            <a:endParaRPr/>
           </a:p>
         </p:txBody>
       </p:sp>
@@ -7363,18 +7499,20 @@
         <p:nvSpPr>
           <p:cNvPr id="25" name="Rect 0"/>
           <p:cNvSpPr txBox="1">
-            <a:spLocks/>
+            <a:spLocks noGrp="1"/>
           </p:cNvSpPr>
           <p:nvPr>
             <p:ph type="body"/>
           </p:nvPr>
         </p:nvSpPr>
         <p:spPr>
-          <a:xfrm rot="0">
+          <a:xfrm>
             <a:off x="722630" y="2907030"/>
             <a:ext cx="7773035" cy="1500505"/>
           </a:xfrm>
-          <a:prstGeom prst="rect"/>
+          <a:prstGeom prst="rect">
+            <a:avLst/>
+          </a:prstGeom>
           <a:noFill/>
           <a:ln w="0">
             <a:noFill/>
@@ -7382,8 +7520,8 @@
           </a:ln>
         </p:spPr>
         <p:txBody>
-          <a:bodyPr wrap="square" lIns="91440" tIns="45720" rIns="91440" bIns="45720" vert="horz" anchor="b">
-            <a:normAutofit fontScale="100000" lnSpcReduction="0"/>
+          <a:bodyPr vert="horz" wrap="square" lIns="91440" tIns="45720" rIns="91440" bIns="45720" anchor="b">
+            <a:normAutofit/>
           </a:bodyPr>
           <a:lstStyle/>
           <a:p>
@@ -7391,6 +7529,7 @@
               <a:buFontTx/>
               <a:buNone/>
             </a:pPr>
+            <a:endParaRPr/>
           </a:p>
         </p:txBody>
       </p:sp>
@@ -7398,18 +7537,20 @@
         <p:nvSpPr>
           <p:cNvPr id="26" name="Rect 0"/>
           <p:cNvSpPr txBox="1">
-            <a:spLocks/>
+            <a:spLocks noGrp="1"/>
           </p:cNvSpPr>
           <p:nvPr>
             <p:ph type="dt"/>
           </p:nvPr>
         </p:nvSpPr>
         <p:spPr>
-          <a:xfrm rot="0">
+          <a:xfrm>
             <a:off x="457200" y="6356350"/>
             <a:ext cx="2134235" cy="365760"/>
           </a:xfrm>
-          <a:prstGeom prst="rect"/>
+          <a:prstGeom prst="rect">
+            <a:avLst/>
+          </a:prstGeom>
           <a:noFill/>
           <a:ln w="0">
             <a:noFill/>
@@ -7417,7 +7558,7 @@
           </a:ln>
         </p:spPr>
         <p:txBody>
-          <a:bodyPr wrap="square" lIns="91440" tIns="45720" rIns="91440" bIns="45720" vert="horz" anchor="ctr">
+          <a:bodyPr vert="horz" wrap="square" lIns="91440" tIns="45720" rIns="91440" bIns="45720" anchor="ctr">
             <a:noAutofit/>
           </a:bodyPr>
           <a:lstStyle/>
@@ -7426,6 +7567,7 @@
               <a:buFontTx/>
               <a:buNone/>
             </a:pPr>
+            <a:endParaRPr/>
           </a:p>
         </p:txBody>
       </p:sp>
@@ -7433,18 +7575,20 @@
         <p:nvSpPr>
           <p:cNvPr id="27" name="Rect 0"/>
           <p:cNvSpPr txBox="1">
-            <a:spLocks/>
+            <a:spLocks noGrp="1"/>
           </p:cNvSpPr>
           <p:nvPr>
             <p:ph type="ftr"/>
           </p:nvPr>
         </p:nvSpPr>
         <p:spPr>
-          <a:xfrm rot="0">
+          <a:xfrm>
             <a:off x="3124200" y="6356350"/>
             <a:ext cx="2896235" cy="365760"/>
           </a:xfrm>
-          <a:prstGeom prst="rect"/>
+          <a:prstGeom prst="rect">
+            <a:avLst/>
+          </a:prstGeom>
           <a:noFill/>
           <a:ln w="0">
             <a:noFill/>
@@ -7452,7 +7596,7 @@
           </a:ln>
         </p:spPr>
         <p:txBody>
-          <a:bodyPr wrap="square" lIns="91440" tIns="45720" rIns="91440" bIns="45720" vert="horz" anchor="ctr">
+          <a:bodyPr vert="horz" wrap="square" lIns="91440" tIns="45720" rIns="91440" bIns="45720" anchor="ctr">
             <a:noAutofit/>
           </a:bodyPr>
           <a:lstStyle/>
@@ -7461,6 +7605,7 @@
               <a:buFontTx/>
               <a:buNone/>
             </a:pPr>
+            <a:endParaRPr/>
           </a:p>
         </p:txBody>
       </p:sp>
@@ -7468,18 +7613,20 @@
         <p:nvSpPr>
           <p:cNvPr id="28" name="Rect 0"/>
           <p:cNvSpPr txBox="1">
-            <a:spLocks/>
+            <a:spLocks noGrp="1"/>
           </p:cNvSpPr>
           <p:nvPr>
             <p:ph type="sldNum"/>
           </p:nvPr>
         </p:nvSpPr>
         <p:spPr>
-          <a:xfrm rot="0">
+          <a:xfrm>
             <a:off x="6553200" y="6356350"/>
             <a:ext cx="2134235" cy="365760"/>
           </a:xfrm>
-          <a:prstGeom prst="rect"/>
+          <a:prstGeom prst="rect">
+            <a:avLst/>
+          </a:prstGeom>
           <a:noFill/>
           <a:ln w="0">
             <a:noFill/>
@@ -7487,12 +7634,12 @@
           </a:ln>
         </p:spPr>
         <p:txBody>
-          <a:bodyPr wrap="square" lIns="91440" tIns="45720" rIns="91440" bIns="45720" vert="horz" anchor="ctr">
+          <a:bodyPr vert="horz" wrap="square" lIns="91440" tIns="45720" rIns="91440" bIns="45720" anchor="ctr">
             <a:noAutofit/>
           </a:bodyPr>
           <a:lstStyle/>
           <a:p>
-            <a:pPr marL="0" indent="0" rtl="0" algn="r" latinLnBrk="0">
+            <a:pPr marL="0" indent="0" algn="r" rtl="0" latinLnBrk="0">
               <a:buFontTx/>
               <a:buNone/>
             </a:pPr>
@@ -7503,6 +7650,10 @@
               </a:rPr>
               <a:t>‹#›</a:t>
             </a:fld>
+            <a:endParaRPr>
+              <a:latin typeface="맑은 고딕" charset="0"/>
+              <a:ea typeface="맑은 고딕" charset="0"/>
+            </a:endParaRPr>
           </a:p>
         </p:txBody>
       </p:sp>
@@ -7511,14 +7662,6 @@
   <p:clrMapOvr>
     <a:overrideClrMapping bg1="lt1" tx1="dk1" bg2="lt2" tx2="dk2" accent1="accent1" accent2="accent2" accent3="accent3" accent4="accent4" accent5="accent5" accent6="accent6" hlink="hlink" folHlink="folHlink"/>
   </p:clrMapOvr>
-  <mc:AlternateContent xmlns:mc="http://schemas.openxmlformats.org/markup-compatibility/2006">
-    <mc:Choice xmlns:p14="http://schemas.microsoft.com/office/powerpoint/2010/main" Requires="p14">
-      <p:transition spd="slow" p14:dur="2000"/>
-    </mc:Choice>
-    <mc:Fallback>
-      <p:transition spd="slow"/>
-    </mc:Fallback>
-  </mc:AlternateContent>
 </p:sldLayout>
 </file>
 
@@ -7543,18 +7686,20 @@
         <p:nvSpPr>
           <p:cNvPr id="30" name="Rect 0"/>
           <p:cNvSpPr txBox="1">
-            <a:spLocks/>
+            <a:spLocks noGrp="1"/>
           </p:cNvSpPr>
           <p:nvPr>
             <p:ph type="title"/>
           </p:nvPr>
         </p:nvSpPr>
         <p:spPr>
-          <a:xfrm rot="0">
+          <a:xfrm>
             <a:off x="457200" y="274955"/>
             <a:ext cx="8230235" cy="1143635"/>
           </a:xfrm>
-          <a:prstGeom prst="rect"/>
+          <a:prstGeom prst="rect">
+            <a:avLst/>
+          </a:prstGeom>
           <a:noFill/>
           <a:ln w="0">
             <a:noFill/>
@@ -7562,8 +7707,8 @@
           </a:ln>
         </p:spPr>
         <p:txBody>
-          <a:bodyPr wrap="square" lIns="91440" tIns="45720" rIns="91440" bIns="45720" vert="horz" anchor="ctr">
-            <a:normAutofit fontScale="100000" lnSpcReduction="0"/>
+          <a:bodyPr vert="horz" wrap="square" lIns="91440" tIns="45720" rIns="91440" bIns="45720" anchor="ctr">
+            <a:normAutofit/>
           </a:bodyPr>
           <a:lstStyle/>
           <a:p>
@@ -7571,6 +7716,7 @@
               <a:buFontTx/>
               <a:buNone/>
             </a:pPr>
+            <a:endParaRPr/>
           </a:p>
         </p:txBody>
       </p:sp>
@@ -7578,18 +7724,20 @@
         <p:nvSpPr>
           <p:cNvPr id="31" name="Rect 0"/>
           <p:cNvSpPr txBox="1">
-            <a:spLocks/>
+            <a:spLocks noGrp="1"/>
           </p:cNvSpPr>
           <p:nvPr>
             <p:ph type="body"/>
           </p:nvPr>
         </p:nvSpPr>
         <p:spPr>
-          <a:xfrm rot="0">
+          <a:xfrm>
             <a:off x="457200" y="1600200"/>
             <a:ext cx="4039235" cy="4526915"/>
           </a:xfrm>
-          <a:prstGeom prst="rect"/>
+          <a:prstGeom prst="rect">
+            <a:avLst/>
+          </a:prstGeom>
           <a:noFill/>
           <a:ln w="0">
             <a:noFill/>
@@ -7597,12 +7745,13 @@
           </a:ln>
         </p:spPr>
         <p:txBody>
-          <a:bodyPr wrap="square" lIns="91440" tIns="45720" rIns="91440" bIns="45720" vert="horz" anchor="t">
-            <a:normAutofit fontScale="100000" lnSpcReduction="0"/>
+          <a:bodyPr vert="horz" wrap="square" lIns="91440" tIns="45720" rIns="91440" bIns="45720" anchor="t">
+            <a:normAutofit/>
           </a:bodyPr>
           <a:lstStyle/>
           <a:p>
             <a:pPr marL="457200" indent="-406400" latinLnBrk="0"/>
+            <a:endParaRPr/>
           </a:p>
         </p:txBody>
       </p:sp>
@@ -7610,18 +7759,20 @@
         <p:nvSpPr>
           <p:cNvPr id="32" name="Rect 0"/>
           <p:cNvSpPr txBox="1">
-            <a:spLocks/>
+            <a:spLocks noGrp="1"/>
           </p:cNvSpPr>
           <p:nvPr>
             <p:ph type="body"/>
           </p:nvPr>
         </p:nvSpPr>
         <p:spPr>
-          <a:xfrm rot="0">
+          <a:xfrm>
             <a:off x="4648200" y="1600200"/>
             <a:ext cx="4039235" cy="4526915"/>
           </a:xfrm>
-          <a:prstGeom prst="rect"/>
+          <a:prstGeom prst="rect">
+            <a:avLst/>
+          </a:prstGeom>
           <a:noFill/>
           <a:ln w="0">
             <a:noFill/>
@@ -7629,12 +7780,13 @@
           </a:ln>
         </p:spPr>
         <p:txBody>
-          <a:bodyPr wrap="square" lIns="91440" tIns="45720" rIns="91440" bIns="45720" vert="horz" anchor="t">
-            <a:normAutofit fontScale="100000" lnSpcReduction="0"/>
+          <a:bodyPr vert="horz" wrap="square" lIns="91440" tIns="45720" rIns="91440" bIns="45720" anchor="t">
+            <a:normAutofit/>
           </a:bodyPr>
           <a:lstStyle/>
           <a:p>
             <a:pPr marL="457200" indent="-406400" latinLnBrk="0"/>
+            <a:endParaRPr/>
           </a:p>
         </p:txBody>
       </p:sp>
@@ -7642,18 +7794,20 @@
         <p:nvSpPr>
           <p:cNvPr id="33" name="Rect 0"/>
           <p:cNvSpPr txBox="1">
-            <a:spLocks/>
+            <a:spLocks noGrp="1"/>
           </p:cNvSpPr>
           <p:nvPr>
             <p:ph type="dt"/>
           </p:nvPr>
         </p:nvSpPr>
         <p:spPr>
-          <a:xfrm rot="0">
+          <a:xfrm>
             <a:off x="457200" y="6356350"/>
             <a:ext cx="2134235" cy="365760"/>
           </a:xfrm>
-          <a:prstGeom prst="rect"/>
+          <a:prstGeom prst="rect">
+            <a:avLst/>
+          </a:prstGeom>
           <a:noFill/>
           <a:ln w="0">
             <a:noFill/>
@@ -7661,7 +7815,7 @@
           </a:ln>
         </p:spPr>
         <p:txBody>
-          <a:bodyPr wrap="square" lIns="91440" tIns="45720" rIns="91440" bIns="45720" vert="horz" anchor="ctr">
+          <a:bodyPr vert="horz" wrap="square" lIns="91440" tIns="45720" rIns="91440" bIns="45720" anchor="ctr">
             <a:noAutofit/>
           </a:bodyPr>
           <a:lstStyle/>
@@ -7670,6 +7824,7 @@
               <a:buFontTx/>
               <a:buNone/>
             </a:pPr>
+            <a:endParaRPr/>
           </a:p>
         </p:txBody>
       </p:sp>
@@ -7677,18 +7832,20 @@
         <p:nvSpPr>
           <p:cNvPr id="34" name="Rect 0"/>
           <p:cNvSpPr txBox="1">
-            <a:spLocks/>
+            <a:spLocks noGrp="1"/>
           </p:cNvSpPr>
           <p:nvPr>
             <p:ph type="ftr"/>
           </p:nvPr>
         </p:nvSpPr>
         <p:spPr>
-          <a:xfrm rot="0">
+          <a:xfrm>
             <a:off x="3124200" y="6356350"/>
             <a:ext cx="2896235" cy="365760"/>
           </a:xfrm>
-          <a:prstGeom prst="rect"/>
+          <a:prstGeom prst="rect">
+            <a:avLst/>
+          </a:prstGeom>
           <a:noFill/>
           <a:ln w="0">
             <a:noFill/>
@@ -7696,7 +7853,7 @@
           </a:ln>
         </p:spPr>
         <p:txBody>
-          <a:bodyPr wrap="square" lIns="91440" tIns="45720" rIns="91440" bIns="45720" vert="horz" anchor="ctr">
+          <a:bodyPr vert="horz" wrap="square" lIns="91440" tIns="45720" rIns="91440" bIns="45720" anchor="ctr">
             <a:noAutofit/>
           </a:bodyPr>
           <a:lstStyle/>
@@ -7705,6 +7862,7 @@
               <a:buFontTx/>
               <a:buNone/>
             </a:pPr>
+            <a:endParaRPr/>
           </a:p>
         </p:txBody>
       </p:sp>
@@ -7712,18 +7870,20 @@
         <p:nvSpPr>
           <p:cNvPr id="35" name="Rect 0"/>
           <p:cNvSpPr txBox="1">
-            <a:spLocks/>
+            <a:spLocks noGrp="1"/>
           </p:cNvSpPr>
           <p:nvPr>
             <p:ph type="sldNum"/>
           </p:nvPr>
         </p:nvSpPr>
         <p:spPr>
-          <a:xfrm rot="0">
+          <a:xfrm>
             <a:off x="6553200" y="6356350"/>
             <a:ext cx="2134235" cy="365760"/>
           </a:xfrm>
-          <a:prstGeom prst="rect"/>
+          <a:prstGeom prst="rect">
+            <a:avLst/>
+          </a:prstGeom>
           <a:noFill/>
           <a:ln w="0">
             <a:noFill/>
@@ -7731,12 +7891,12 @@
           </a:ln>
         </p:spPr>
         <p:txBody>
-          <a:bodyPr wrap="square" lIns="91440" tIns="45720" rIns="91440" bIns="45720" vert="horz" anchor="ctr">
+          <a:bodyPr vert="horz" wrap="square" lIns="91440" tIns="45720" rIns="91440" bIns="45720" anchor="ctr">
             <a:noAutofit/>
           </a:bodyPr>
           <a:lstStyle/>
           <a:p>
-            <a:pPr marL="0" indent="0" rtl="0" algn="r" latinLnBrk="0">
+            <a:pPr marL="0" indent="0" algn="r" rtl="0" latinLnBrk="0">
               <a:buFontTx/>
               <a:buNone/>
             </a:pPr>
@@ -7747,6 +7907,10 @@
               </a:rPr>
               <a:t>‹#›</a:t>
             </a:fld>
+            <a:endParaRPr>
+              <a:latin typeface="맑은 고딕" charset="0"/>
+              <a:ea typeface="맑은 고딕" charset="0"/>
+            </a:endParaRPr>
           </a:p>
         </p:txBody>
       </p:sp>
@@ -7755,14 +7919,6 @@
   <p:clrMapOvr>
     <a:overrideClrMapping bg1="lt1" tx1="dk1" bg2="lt2" tx2="dk2" accent1="accent1" accent2="accent2" accent3="accent3" accent4="accent4" accent5="accent5" accent6="accent6" hlink="hlink" folHlink="folHlink"/>
   </p:clrMapOvr>
-  <mc:AlternateContent xmlns:mc="http://schemas.openxmlformats.org/markup-compatibility/2006">
-    <mc:Choice xmlns:p14="http://schemas.microsoft.com/office/powerpoint/2010/main" Requires="p14">
-      <p:transition spd="slow" p14:dur="2000"/>
-    </mc:Choice>
-    <mc:Fallback>
-      <p:transition spd="slow"/>
-    </mc:Fallback>
-  </mc:AlternateContent>
 </p:sldLayout>
 </file>
 
@@ -7787,18 +7943,20 @@
         <p:nvSpPr>
           <p:cNvPr id="37" name="Rect 0"/>
           <p:cNvSpPr txBox="1">
-            <a:spLocks/>
+            <a:spLocks noGrp="1"/>
           </p:cNvSpPr>
           <p:nvPr>
             <p:ph type="title"/>
           </p:nvPr>
         </p:nvSpPr>
         <p:spPr>
-          <a:xfrm rot="0">
+          <a:xfrm>
             <a:off x="457200" y="274955"/>
             <a:ext cx="8230235" cy="1143635"/>
           </a:xfrm>
-          <a:prstGeom prst="rect"/>
+          <a:prstGeom prst="rect">
+            <a:avLst/>
+          </a:prstGeom>
           <a:noFill/>
           <a:ln w="0">
             <a:noFill/>
@@ -7806,8 +7964,8 @@
           </a:ln>
         </p:spPr>
         <p:txBody>
-          <a:bodyPr wrap="square" lIns="91440" tIns="45720" rIns="91440" bIns="45720" vert="horz" anchor="ctr">
-            <a:normAutofit fontScale="100000" lnSpcReduction="0"/>
+          <a:bodyPr vert="horz" wrap="square" lIns="91440" tIns="45720" rIns="91440" bIns="45720" anchor="ctr">
+            <a:normAutofit/>
           </a:bodyPr>
           <a:lstStyle/>
           <a:p>
@@ -7815,6 +7973,7 @@
               <a:buFontTx/>
               <a:buNone/>
             </a:pPr>
+            <a:endParaRPr/>
           </a:p>
         </p:txBody>
       </p:sp>
@@ -7822,18 +7981,20 @@
         <p:nvSpPr>
           <p:cNvPr id="38" name="Rect 0"/>
           <p:cNvSpPr txBox="1">
-            <a:spLocks/>
+            <a:spLocks noGrp="1"/>
           </p:cNvSpPr>
           <p:nvPr>
             <p:ph type="body"/>
           </p:nvPr>
         </p:nvSpPr>
         <p:spPr>
-          <a:xfrm rot="0">
+          <a:xfrm>
             <a:off x="457200" y="1535430"/>
             <a:ext cx="4041140" cy="640080"/>
           </a:xfrm>
-          <a:prstGeom prst="rect"/>
+          <a:prstGeom prst="rect">
+            <a:avLst/>
+          </a:prstGeom>
           <a:noFill/>
           <a:ln w="0">
             <a:noFill/>
@@ -7841,8 +8002,8 @@
           </a:ln>
         </p:spPr>
         <p:txBody>
-          <a:bodyPr wrap="square" lIns="91440" tIns="45720" rIns="91440" bIns="45720" vert="horz" anchor="b">
-            <a:normAutofit fontScale="100000" lnSpcReduction="0"/>
+          <a:bodyPr vert="horz" wrap="square" lIns="91440" tIns="45720" rIns="91440" bIns="45720" anchor="b">
+            <a:normAutofit/>
           </a:bodyPr>
           <a:lstStyle/>
           <a:p>
@@ -7850,6 +8011,7 @@
               <a:buFontTx/>
               <a:buNone/>
             </a:pPr>
+            <a:endParaRPr/>
           </a:p>
         </p:txBody>
       </p:sp>
@@ -7857,18 +8019,20 @@
         <p:nvSpPr>
           <p:cNvPr id="39" name="Rect 0"/>
           <p:cNvSpPr txBox="1">
-            <a:spLocks/>
+            <a:spLocks noGrp="1"/>
           </p:cNvSpPr>
           <p:nvPr>
             <p:ph type="body"/>
           </p:nvPr>
         </p:nvSpPr>
         <p:spPr>
-          <a:xfrm rot="0">
+          <a:xfrm>
             <a:off x="457200" y="2174875"/>
             <a:ext cx="4041140" cy="3952240"/>
           </a:xfrm>
-          <a:prstGeom prst="rect"/>
+          <a:prstGeom prst="rect">
+            <a:avLst/>
+          </a:prstGeom>
           <a:noFill/>
           <a:ln w="0">
             <a:noFill/>
@@ -7876,12 +8040,13 @@
           </a:ln>
         </p:spPr>
         <p:txBody>
-          <a:bodyPr wrap="square" lIns="91440" tIns="45720" rIns="91440" bIns="45720" vert="horz" anchor="t">
-            <a:normAutofit fontScale="100000" lnSpcReduction="0"/>
+          <a:bodyPr vert="horz" wrap="square" lIns="91440" tIns="45720" rIns="91440" bIns="45720" anchor="t">
+            <a:normAutofit/>
           </a:bodyPr>
           <a:lstStyle/>
           <a:p>
             <a:pPr marL="457200" indent="-381000" latinLnBrk="0"/>
+            <a:endParaRPr/>
           </a:p>
         </p:txBody>
       </p:sp>
@@ -7889,18 +8054,20 @@
         <p:nvSpPr>
           <p:cNvPr id="40" name="Rect 0"/>
           <p:cNvSpPr txBox="1">
-            <a:spLocks/>
+            <a:spLocks noGrp="1"/>
           </p:cNvSpPr>
           <p:nvPr>
             <p:ph type="body"/>
           </p:nvPr>
         </p:nvSpPr>
         <p:spPr>
-          <a:xfrm rot="0">
+          <a:xfrm>
             <a:off x="4645025" y="1535430"/>
             <a:ext cx="4042410" cy="640080"/>
           </a:xfrm>
-          <a:prstGeom prst="rect"/>
+          <a:prstGeom prst="rect">
+            <a:avLst/>
+          </a:prstGeom>
           <a:noFill/>
           <a:ln w="0">
             <a:noFill/>
@@ -7908,8 +8075,8 @@
           </a:ln>
         </p:spPr>
         <p:txBody>
-          <a:bodyPr wrap="square" lIns="91440" tIns="45720" rIns="91440" bIns="45720" vert="horz" anchor="b">
-            <a:normAutofit fontScale="100000" lnSpcReduction="0"/>
+          <a:bodyPr vert="horz" wrap="square" lIns="91440" tIns="45720" rIns="91440" bIns="45720" anchor="b">
+            <a:normAutofit/>
           </a:bodyPr>
           <a:lstStyle/>
           <a:p>
@@ -7917,6 +8084,7 @@
               <a:buFontTx/>
               <a:buNone/>
             </a:pPr>
+            <a:endParaRPr/>
           </a:p>
         </p:txBody>
       </p:sp>
@@ -7924,18 +8092,20 @@
         <p:nvSpPr>
           <p:cNvPr id="41" name="Rect 0"/>
           <p:cNvSpPr txBox="1">
-            <a:spLocks/>
+            <a:spLocks noGrp="1"/>
           </p:cNvSpPr>
           <p:nvPr>
             <p:ph type="body"/>
           </p:nvPr>
         </p:nvSpPr>
         <p:spPr>
-          <a:xfrm rot="0">
+          <a:xfrm>
             <a:off x="4645025" y="2174875"/>
             <a:ext cx="4042410" cy="3952240"/>
           </a:xfrm>
-          <a:prstGeom prst="rect"/>
+          <a:prstGeom prst="rect">
+            <a:avLst/>
+          </a:prstGeom>
           <a:noFill/>
           <a:ln w="0">
             <a:noFill/>
@@ -7943,12 +8113,13 @@
           </a:ln>
         </p:spPr>
         <p:txBody>
-          <a:bodyPr wrap="square" lIns="91440" tIns="45720" rIns="91440" bIns="45720" vert="horz" anchor="t">
-            <a:normAutofit fontScale="100000" lnSpcReduction="0"/>
+          <a:bodyPr vert="horz" wrap="square" lIns="91440" tIns="45720" rIns="91440" bIns="45720" anchor="t">
+            <a:normAutofit/>
           </a:bodyPr>
           <a:lstStyle/>
           <a:p>
             <a:pPr marL="457200" indent="-381000" latinLnBrk="0"/>
+            <a:endParaRPr/>
           </a:p>
         </p:txBody>
       </p:sp>
@@ -7956,18 +8127,20 @@
         <p:nvSpPr>
           <p:cNvPr id="42" name="Rect 0"/>
           <p:cNvSpPr txBox="1">
-            <a:spLocks/>
+            <a:spLocks noGrp="1"/>
           </p:cNvSpPr>
           <p:nvPr>
             <p:ph type="dt"/>
           </p:nvPr>
         </p:nvSpPr>
         <p:spPr>
-          <a:xfrm rot="0">
+          <a:xfrm>
             <a:off x="457200" y="6356350"/>
             <a:ext cx="2134235" cy="365760"/>
           </a:xfrm>
-          <a:prstGeom prst="rect"/>
+          <a:prstGeom prst="rect">
+            <a:avLst/>
+          </a:prstGeom>
           <a:noFill/>
           <a:ln w="0">
             <a:noFill/>
@@ -7975,7 +8148,7 @@
           </a:ln>
         </p:spPr>
         <p:txBody>
-          <a:bodyPr wrap="square" lIns="91440" tIns="45720" rIns="91440" bIns="45720" vert="horz" anchor="ctr">
+          <a:bodyPr vert="horz" wrap="square" lIns="91440" tIns="45720" rIns="91440" bIns="45720" anchor="ctr">
             <a:noAutofit/>
           </a:bodyPr>
           <a:lstStyle/>
@@ -7984,6 +8157,7 @@
               <a:buFontTx/>
               <a:buNone/>
             </a:pPr>
+            <a:endParaRPr/>
           </a:p>
         </p:txBody>
       </p:sp>
@@ -7991,18 +8165,20 @@
         <p:nvSpPr>
           <p:cNvPr id="43" name="Rect 0"/>
           <p:cNvSpPr txBox="1">
-            <a:spLocks/>
+            <a:spLocks noGrp="1"/>
           </p:cNvSpPr>
           <p:nvPr>
             <p:ph type="ftr"/>
           </p:nvPr>
         </p:nvSpPr>
         <p:spPr>
-          <a:xfrm rot="0">
+          <a:xfrm>
             <a:off x="3124200" y="6356350"/>
             <a:ext cx="2896235" cy="365760"/>
           </a:xfrm>
-          <a:prstGeom prst="rect"/>
+          <a:prstGeom prst="rect">
+            <a:avLst/>
+          </a:prstGeom>
           <a:noFill/>
           <a:ln w="0">
             <a:noFill/>
@@ -8010,7 +8186,7 @@
           </a:ln>
         </p:spPr>
         <p:txBody>
-          <a:bodyPr wrap="square" lIns="91440" tIns="45720" rIns="91440" bIns="45720" vert="horz" anchor="ctr">
+          <a:bodyPr vert="horz" wrap="square" lIns="91440" tIns="45720" rIns="91440" bIns="45720" anchor="ctr">
             <a:noAutofit/>
           </a:bodyPr>
           <a:lstStyle/>
@@ -8019,6 +8195,7 @@
               <a:buFontTx/>
               <a:buNone/>
             </a:pPr>
+            <a:endParaRPr/>
           </a:p>
         </p:txBody>
       </p:sp>
@@ -8026,18 +8203,20 @@
         <p:nvSpPr>
           <p:cNvPr id="44" name="Rect 0"/>
           <p:cNvSpPr txBox="1">
-            <a:spLocks/>
+            <a:spLocks noGrp="1"/>
           </p:cNvSpPr>
           <p:nvPr>
             <p:ph type="sldNum"/>
           </p:nvPr>
         </p:nvSpPr>
         <p:spPr>
-          <a:xfrm rot="0">
+          <a:xfrm>
             <a:off x="6553200" y="6356350"/>
             <a:ext cx="2134235" cy="365760"/>
           </a:xfrm>
-          <a:prstGeom prst="rect"/>
+          <a:prstGeom prst="rect">
+            <a:avLst/>
+          </a:prstGeom>
           <a:noFill/>
           <a:ln w="0">
             <a:noFill/>
@@ -8045,12 +8224,12 @@
           </a:ln>
         </p:spPr>
         <p:txBody>
-          <a:bodyPr wrap="square" lIns="91440" tIns="45720" rIns="91440" bIns="45720" vert="horz" anchor="ctr">
+          <a:bodyPr vert="horz" wrap="square" lIns="91440" tIns="45720" rIns="91440" bIns="45720" anchor="ctr">
             <a:noAutofit/>
           </a:bodyPr>
           <a:lstStyle/>
           <a:p>
-            <a:pPr marL="0" indent="0" rtl="0" algn="r" latinLnBrk="0">
+            <a:pPr marL="0" indent="0" algn="r" rtl="0" latinLnBrk="0">
               <a:buFontTx/>
               <a:buNone/>
             </a:pPr>
@@ -8061,6 +8240,10 @@
               </a:rPr>
               <a:t>‹#›</a:t>
             </a:fld>
+            <a:endParaRPr>
+              <a:latin typeface="맑은 고딕" charset="0"/>
+              <a:ea typeface="맑은 고딕" charset="0"/>
+            </a:endParaRPr>
           </a:p>
         </p:txBody>
       </p:sp>
@@ -8069,14 +8252,6 @@
   <p:clrMapOvr>
     <a:overrideClrMapping bg1="lt1" tx1="dk1" bg2="lt2" tx2="dk2" accent1="accent1" accent2="accent2" accent3="accent3" accent4="accent4" accent5="accent5" accent6="accent6" hlink="hlink" folHlink="folHlink"/>
   </p:clrMapOvr>
-  <mc:AlternateContent xmlns:mc="http://schemas.openxmlformats.org/markup-compatibility/2006">
-    <mc:Choice xmlns:p14="http://schemas.microsoft.com/office/powerpoint/2010/main" Requires="p14">
-      <p:transition spd="slow" p14:dur="2000"/>
-    </mc:Choice>
-    <mc:Fallback>
-      <p:transition spd="slow"/>
-    </mc:Fallback>
-  </mc:AlternateContent>
 </p:sldLayout>
 </file>
 
@@ -8101,18 +8276,20 @@
         <p:nvSpPr>
           <p:cNvPr id="46" name="Rect 0"/>
           <p:cNvSpPr txBox="1">
-            <a:spLocks/>
+            <a:spLocks noGrp="1"/>
           </p:cNvSpPr>
           <p:nvPr>
             <p:ph type="title"/>
           </p:nvPr>
         </p:nvSpPr>
         <p:spPr>
-          <a:xfrm rot="0">
+          <a:xfrm>
             <a:off x="457200" y="274955"/>
             <a:ext cx="8230235" cy="1143635"/>
           </a:xfrm>
-          <a:prstGeom prst="rect"/>
+          <a:prstGeom prst="rect">
+            <a:avLst/>
+          </a:prstGeom>
           <a:noFill/>
           <a:ln w="0">
             <a:noFill/>
@@ -8120,8 +8297,8 @@
           </a:ln>
         </p:spPr>
         <p:txBody>
-          <a:bodyPr wrap="square" lIns="91440" tIns="45720" rIns="91440" bIns="45720" vert="horz" anchor="ctr">
-            <a:normAutofit fontScale="100000" lnSpcReduction="0"/>
+          <a:bodyPr vert="horz" wrap="square" lIns="91440" tIns="45720" rIns="91440" bIns="45720" anchor="ctr">
+            <a:normAutofit/>
           </a:bodyPr>
           <a:lstStyle/>
           <a:p>
@@ -8129,6 +8306,7 @@
               <a:buFontTx/>
               <a:buNone/>
             </a:pPr>
+            <a:endParaRPr/>
           </a:p>
         </p:txBody>
       </p:sp>
@@ -8136,18 +8314,20 @@
         <p:nvSpPr>
           <p:cNvPr id="47" name="Rect 0"/>
           <p:cNvSpPr txBox="1">
-            <a:spLocks/>
+            <a:spLocks noGrp="1"/>
           </p:cNvSpPr>
           <p:nvPr>
             <p:ph type="dt"/>
           </p:nvPr>
         </p:nvSpPr>
         <p:spPr>
-          <a:xfrm rot="0">
+          <a:xfrm>
             <a:off x="457200" y="6356350"/>
             <a:ext cx="2134235" cy="365760"/>
           </a:xfrm>
-          <a:prstGeom prst="rect"/>
+          <a:prstGeom prst="rect">
+            <a:avLst/>
+          </a:prstGeom>
           <a:noFill/>
           <a:ln w="0">
             <a:noFill/>
@@ -8155,7 +8335,7 @@
           </a:ln>
         </p:spPr>
         <p:txBody>
-          <a:bodyPr wrap="square" lIns="91440" tIns="45720" rIns="91440" bIns="45720" vert="horz" anchor="ctr">
+          <a:bodyPr vert="horz" wrap="square" lIns="91440" tIns="45720" rIns="91440" bIns="45720" anchor="ctr">
             <a:noAutofit/>
           </a:bodyPr>
           <a:lstStyle/>
@@ -8164,6 +8344,7 @@
               <a:buFontTx/>
               <a:buNone/>
             </a:pPr>
+            <a:endParaRPr/>
           </a:p>
         </p:txBody>
       </p:sp>
@@ -8171,18 +8352,20 @@
         <p:nvSpPr>
           <p:cNvPr id="48" name="Rect 0"/>
           <p:cNvSpPr txBox="1">
-            <a:spLocks/>
+            <a:spLocks noGrp="1"/>
           </p:cNvSpPr>
           <p:nvPr>
             <p:ph type="ftr"/>
           </p:nvPr>
         </p:nvSpPr>
         <p:spPr>
-          <a:xfrm rot="0">
+          <a:xfrm>
             <a:off x="3124200" y="6356350"/>
             <a:ext cx="2896235" cy="365760"/>
           </a:xfrm>
-          <a:prstGeom prst="rect"/>
+          <a:prstGeom prst="rect">
+            <a:avLst/>
+          </a:prstGeom>
           <a:noFill/>
           <a:ln w="0">
             <a:noFill/>
@@ -8190,7 +8373,7 @@
           </a:ln>
         </p:spPr>
         <p:txBody>
-          <a:bodyPr wrap="square" lIns="91440" tIns="45720" rIns="91440" bIns="45720" vert="horz" anchor="ctr">
+          <a:bodyPr vert="horz" wrap="square" lIns="91440" tIns="45720" rIns="91440" bIns="45720" anchor="ctr">
             <a:noAutofit/>
           </a:bodyPr>
           <a:lstStyle/>
@@ -8199,6 +8382,7 @@
               <a:buFontTx/>
               <a:buNone/>
             </a:pPr>
+            <a:endParaRPr/>
           </a:p>
         </p:txBody>
       </p:sp>
@@ -8206,18 +8390,20 @@
         <p:nvSpPr>
           <p:cNvPr id="49" name="Rect 0"/>
           <p:cNvSpPr txBox="1">
-            <a:spLocks/>
+            <a:spLocks noGrp="1"/>
           </p:cNvSpPr>
           <p:nvPr>
             <p:ph type="sldNum"/>
           </p:nvPr>
         </p:nvSpPr>
         <p:spPr>
-          <a:xfrm rot="0">
+          <a:xfrm>
             <a:off x="6553200" y="6356350"/>
             <a:ext cx="2134235" cy="365760"/>
           </a:xfrm>
-          <a:prstGeom prst="rect"/>
+          <a:prstGeom prst="rect">
+            <a:avLst/>
+          </a:prstGeom>
           <a:noFill/>
           <a:ln w="0">
             <a:noFill/>
@@ -8225,12 +8411,12 @@
           </a:ln>
         </p:spPr>
         <p:txBody>
-          <a:bodyPr wrap="square" lIns="91440" tIns="45720" rIns="91440" bIns="45720" vert="horz" anchor="ctr">
+          <a:bodyPr vert="horz" wrap="square" lIns="91440" tIns="45720" rIns="91440" bIns="45720" anchor="ctr">
             <a:noAutofit/>
           </a:bodyPr>
           <a:lstStyle/>
           <a:p>
-            <a:pPr marL="0" indent="0" rtl="0" algn="r" latinLnBrk="0">
+            <a:pPr marL="0" indent="0" algn="r" rtl="0" latinLnBrk="0">
               <a:buFontTx/>
               <a:buNone/>
             </a:pPr>
@@ -8241,6 +8427,10 @@
               </a:rPr>
               <a:t>‹#›</a:t>
             </a:fld>
+            <a:endParaRPr>
+              <a:latin typeface="맑은 고딕" charset="0"/>
+              <a:ea typeface="맑은 고딕" charset="0"/>
+            </a:endParaRPr>
           </a:p>
         </p:txBody>
       </p:sp>
@@ -8249,14 +8439,6 @@
   <p:clrMapOvr>
     <a:overrideClrMapping bg1="lt1" tx1="dk1" bg2="lt2" tx2="dk2" accent1="accent1" accent2="accent2" accent3="accent3" accent4="accent4" accent5="accent5" accent6="accent6" hlink="hlink" folHlink="folHlink"/>
   </p:clrMapOvr>
-  <mc:AlternateContent xmlns:mc="http://schemas.openxmlformats.org/markup-compatibility/2006">
-    <mc:Choice xmlns:p14="http://schemas.microsoft.com/office/powerpoint/2010/main" Requires="p14">
-      <p:transition spd="slow" p14:dur="2000"/>
-    </mc:Choice>
-    <mc:Fallback>
-      <p:transition spd="slow"/>
-    </mc:Fallback>
-  </mc:AlternateContent>
 </p:sldLayout>
 </file>
 
@@ -8281,18 +8463,20 @@
         <p:nvSpPr>
           <p:cNvPr id="51" name="Rect 0"/>
           <p:cNvSpPr txBox="1">
-            <a:spLocks/>
+            <a:spLocks noGrp="1"/>
           </p:cNvSpPr>
           <p:nvPr>
             <p:ph type="dt"/>
           </p:nvPr>
         </p:nvSpPr>
         <p:spPr>
-          <a:xfrm rot="0">
+          <a:xfrm>
             <a:off x="457200" y="6356350"/>
             <a:ext cx="2134235" cy="365760"/>
           </a:xfrm>
-          <a:prstGeom prst="rect"/>
+          <a:prstGeom prst="rect">
+            <a:avLst/>
+          </a:prstGeom>
           <a:noFill/>
           <a:ln w="0">
             <a:noFill/>
@@ -8300,7 +8484,7 @@
           </a:ln>
         </p:spPr>
         <p:txBody>
-          <a:bodyPr wrap="square" lIns="91440" tIns="45720" rIns="91440" bIns="45720" vert="horz" anchor="ctr">
+          <a:bodyPr vert="horz" wrap="square" lIns="91440" tIns="45720" rIns="91440" bIns="45720" anchor="ctr">
             <a:noAutofit/>
           </a:bodyPr>
           <a:lstStyle/>
@@ -8309,6 +8493,7 @@
               <a:buFontTx/>
               <a:buNone/>
             </a:pPr>
+            <a:endParaRPr/>
           </a:p>
         </p:txBody>
       </p:sp>
@@ -8316,18 +8501,20 @@
         <p:nvSpPr>
           <p:cNvPr id="52" name="Rect 0"/>
           <p:cNvSpPr txBox="1">
-            <a:spLocks/>
+            <a:spLocks noGrp="1"/>
           </p:cNvSpPr>
           <p:nvPr>
             <p:ph type="ftr"/>
           </p:nvPr>
         </p:nvSpPr>
         <p:spPr>
-          <a:xfrm rot="0">
+          <a:xfrm>
             <a:off x="3124200" y="6356350"/>
             <a:ext cx="2896235" cy="365760"/>
           </a:xfrm>
-          <a:prstGeom prst="rect"/>
+          <a:prstGeom prst="rect">
+            <a:avLst/>
+          </a:prstGeom>
           <a:noFill/>
           <a:ln w="0">
             <a:noFill/>
@@ -8335,7 +8522,7 @@
           </a:ln>
         </p:spPr>
         <p:txBody>
-          <a:bodyPr wrap="square" lIns="91440" tIns="45720" rIns="91440" bIns="45720" vert="horz" anchor="ctr">
+          <a:bodyPr vert="horz" wrap="square" lIns="91440" tIns="45720" rIns="91440" bIns="45720" anchor="ctr">
             <a:noAutofit/>
           </a:bodyPr>
           <a:lstStyle/>
@@ -8344,6 +8531,7 @@
               <a:buFontTx/>
               <a:buNone/>
             </a:pPr>
+            <a:endParaRPr/>
           </a:p>
         </p:txBody>
       </p:sp>
@@ -8351,18 +8539,20 @@
         <p:nvSpPr>
           <p:cNvPr id="53" name="Rect 0"/>
           <p:cNvSpPr txBox="1">
-            <a:spLocks/>
+            <a:spLocks noGrp="1"/>
           </p:cNvSpPr>
           <p:nvPr>
             <p:ph type="sldNum"/>
           </p:nvPr>
         </p:nvSpPr>
         <p:spPr>
-          <a:xfrm rot="0">
+          <a:xfrm>
             <a:off x="6553200" y="6356350"/>
             <a:ext cx="2134235" cy="365760"/>
           </a:xfrm>
-          <a:prstGeom prst="rect"/>
+          <a:prstGeom prst="rect">
+            <a:avLst/>
+          </a:prstGeom>
           <a:noFill/>
           <a:ln w="0">
             <a:noFill/>
@@ -8370,12 +8560,12 @@
           </a:ln>
         </p:spPr>
         <p:txBody>
-          <a:bodyPr wrap="square" lIns="91440" tIns="45720" rIns="91440" bIns="45720" vert="horz" anchor="ctr">
+          <a:bodyPr vert="horz" wrap="square" lIns="91440" tIns="45720" rIns="91440" bIns="45720" anchor="ctr">
             <a:noAutofit/>
           </a:bodyPr>
           <a:lstStyle/>
           <a:p>
-            <a:pPr marL="0" indent="0" rtl="0" algn="r" latinLnBrk="0">
+            <a:pPr marL="0" indent="0" algn="r" rtl="0" latinLnBrk="0">
               <a:buFontTx/>
               <a:buNone/>
             </a:pPr>
@@ -8386,6 +8576,10 @@
               </a:rPr>
               <a:t>‹#›</a:t>
             </a:fld>
+            <a:endParaRPr>
+              <a:latin typeface="맑은 고딕" charset="0"/>
+              <a:ea typeface="맑은 고딕" charset="0"/>
+            </a:endParaRPr>
           </a:p>
         </p:txBody>
       </p:sp>
@@ -8394,14 +8588,6 @@
   <p:clrMapOvr>
     <a:overrideClrMapping bg1="lt1" tx1="dk1" bg2="lt2" tx2="dk2" accent1="accent1" accent2="accent2" accent3="accent3" accent4="accent4" accent5="accent5" accent6="accent6" hlink="hlink" folHlink="folHlink"/>
   </p:clrMapOvr>
-  <mc:AlternateContent xmlns:mc="http://schemas.openxmlformats.org/markup-compatibility/2006">
-    <mc:Choice xmlns:p14="http://schemas.microsoft.com/office/powerpoint/2010/main" Requires="p14">
-      <p:transition spd="slow" p14:dur="2000"/>
-    </mc:Choice>
-    <mc:Fallback>
-      <p:transition spd="slow"/>
-    </mc:Fallback>
-  </mc:AlternateContent>
 </p:sldLayout>
 </file>
 
@@ -8426,18 +8612,20 @@
         <p:nvSpPr>
           <p:cNvPr id="55" name="Rect 0"/>
           <p:cNvSpPr txBox="1">
-            <a:spLocks/>
+            <a:spLocks noGrp="1"/>
           </p:cNvSpPr>
           <p:nvPr>
             <p:ph type="title"/>
           </p:nvPr>
         </p:nvSpPr>
         <p:spPr>
-          <a:xfrm rot="0">
+          <a:xfrm>
             <a:off x="457200" y="273050"/>
             <a:ext cx="3009265" cy="1162685"/>
           </a:xfrm>
-          <a:prstGeom prst="rect"/>
+          <a:prstGeom prst="rect">
+            <a:avLst/>
+          </a:prstGeom>
           <a:noFill/>
           <a:ln w="0">
             <a:noFill/>
@@ -8445,8 +8633,8 @@
           </a:ln>
         </p:spPr>
         <p:txBody>
-          <a:bodyPr wrap="square" lIns="91440" tIns="45720" rIns="91440" bIns="45720" vert="horz" anchor="b">
-            <a:normAutofit fontScale="100000" lnSpcReduction="0"/>
+          <a:bodyPr vert="horz" wrap="square" lIns="91440" tIns="45720" rIns="91440" bIns="45720" anchor="b">
+            <a:normAutofit/>
           </a:bodyPr>
           <a:lstStyle/>
           <a:p>
@@ -8454,6 +8642,7 @@
               <a:buFontTx/>
               <a:buNone/>
             </a:pPr>
+            <a:endParaRPr/>
           </a:p>
         </p:txBody>
       </p:sp>
@@ -8461,18 +8650,20 @@
         <p:nvSpPr>
           <p:cNvPr id="56" name="Rect 0"/>
           <p:cNvSpPr txBox="1">
-            <a:spLocks/>
+            <a:spLocks noGrp="1"/>
           </p:cNvSpPr>
           <p:nvPr>
             <p:ph type="body"/>
           </p:nvPr>
         </p:nvSpPr>
         <p:spPr>
-          <a:xfrm rot="0">
+          <a:xfrm>
             <a:off x="3575050" y="273050"/>
             <a:ext cx="5112385" cy="5854065"/>
           </a:xfrm>
-          <a:prstGeom prst="rect"/>
+          <a:prstGeom prst="rect">
+            <a:avLst/>
+          </a:prstGeom>
           <a:noFill/>
           <a:ln w="0">
             <a:noFill/>
@@ -8480,12 +8671,13 @@
           </a:ln>
         </p:spPr>
         <p:txBody>
-          <a:bodyPr wrap="square" lIns="91440" tIns="45720" rIns="91440" bIns="45720" vert="horz" anchor="t">
-            <a:normAutofit fontScale="100000" lnSpcReduction="0"/>
+          <a:bodyPr vert="horz" wrap="square" lIns="91440" tIns="45720" rIns="91440" bIns="45720" anchor="t">
+            <a:normAutofit/>
           </a:bodyPr>
           <a:lstStyle/>
           <a:p>
             <a:pPr marL="457200" indent="-431800" latinLnBrk="0"/>
+            <a:endParaRPr/>
           </a:p>
         </p:txBody>
       </p:sp>
@@ -8493,18 +8685,20 @@
         <p:nvSpPr>
           <p:cNvPr id="57" name="Rect 0"/>
           <p:cNvSpPr txBox="1">
-            <a:spLocks/>
+            <a:spLocks noGrp="1"/>
           </p:cNvSpPr>
           <p:nvPr>
             <p:ph type="body"/>
           </p:nvPr>
         </p:nvSpPr>
         <p:spPr>
-          <a:xfrm rot="0">
+          <a:xfrm>
             <a:off x="457200" y="1435100"/>
             <a:ext cx="3009265" cy="4692015"/>
           </a:xfrm>
-          <a:prstGeom prst="rect"/>
+          <a:prstGeom prst="rect">
+            <a:avLst/>
+          </a:prstGeom>
           <a:noFill/>
           <a:ln w="0">
             <a:noFill/>
@@ -8512,8 +8706,8 @@
           </a:ln>
         </p:spPr>
         <p:txBody>
-          <a:bodyPr wrap="square" lIns="91440" tIns="45720" rIns="91440" bIns="45720" vert="horz" anchor="t">
-            <a:normAutofit fontScale="100000" lnSpcReduction="0"/>
+          <a:bodyPr vert="horz" wrap="square" lIns="91440" tIns="45720" rIns="91440" bIns="45720" anchor="t">
+            <a:normAutofit/>
           </a:bodyPr>
           <a:lstStyle/>
           <a:p>
@@ -8521,6 +8715,7 @@
               <a:buFontTx/>
               <a:buNone/>
             </a:pPr>
+            <a:endParaRPr/>
           </a:p>
         </p:txBody>
       </p:sp>
@@ -8528,18 +8723,20 @@
         <p:nvSpPr>
           <p:cNvPr id="58" name="Rect 0"/>
           <p:cNvSpPr txBox="1">
-            <a:spLocks/>
+            <a:spLocks noGrp="1"/>
           </p:cNvSpPr>
           <p:nvPr>
             <p:ph type="dt"/>
           </p:nvPr>
         </p:nvSpPr>
         <p:spPr>
-          <a:xfrm rot="0">
+          <a:xfrm>
             <a:off x="457200" y="6356350"/>
             <a:ext cx="2134235" cy="365760"/>
           </a:xfrm>
-          <a:prstGeom prst="rect"/>
+          <a:prstGeom prst="rect">
+            <a:avLst/>
+          </a:prstGeom>
           <a:noFill/>
           <a:ln w="0">
             <a:noFill/>
@@ -8547,7 +8744,7 @@
           </a:ln>
         </p:spPr>
         <p:txBody>
-          <a:bodyPr wrap="square" lIns="91440" tIns="45720" rIns="91440" bIns="45720" vert="horz" anchor="ctr">
+          <a:bodyPr vert="horz" wrap="square" lIns="91440" tIns="45720" rIns="91440" bIns="45720" anchor="ctr">
             <a:noAutofit/>
           </a:bodyPr>
           <a:lstStyle/>
@@ -8556,6 +8753,7 @@
               <a:buFontTx/>
               <a:buNone/>
             </a:pPr>
+            <a:endParaRPr/>
           </a:p>
         </p:txBody>
       </p:sp>
@@ -8563,18 +8761,20 @@
         <p:nvSpPr>
           <p:cNvPr id="59" name="Rect 0"/>
           <p:cNvSpPr txBox="1">
-            <a:spLocks/>
+            <a:spLocks noGrp="1"/>
           </p:cNvSpPr>
           <p:nvPr>
             <p:ph type="ftr"/>
           </p:nvPr>
         </p:nvSpPr>
         <p:spPr>
-          <a:xfrm rot="0">
+          <a:xfrm>
             <a:off x="3124200" y="6356350"/>
             <a:ext cx="2896235" cy="365760"/>
           </a:xfrm>
-          <a:prstGeom prst="rect"/>
+          <a:prstGeom prst="rect">
+            <a:avLst/>
+          </a:prstGeom>
           <a:noFill/>
           <a:ln w="0">
             <a:noFill/>
@@ -8582,7 +8782,7 @@
           </a:ln>
         </p:spPr>
         <p:txBody>
-          <a:bodyPr wrap="square" lIns="91440" tIns="45720" rIns="91440" bIns="45720" vert="horz" anchor="ctr">
+          <a:bodyPr vert="horz" wrap="square" lIns="91440" tIns="45720" rIns="91440" bIns="45720" anchor="ctr">
             <a:noAutofit/>
           </a:bodyPr>
           <a:lstStyle/>
@@ -8591,6 +8791,7 @@
               <a:buFontTx/>
               <a:buNone/>
             </a:pPr>
+            <a:endParaRPr/>
           </a:p>
         </p:txBody>
       </p:sp>
@@ -8598,18 +8799,20 @@
         <p:nvSpPr>
           <p:cNvPr id="60" name="Rect 0"/>
           <p:cNvSpPr txBox="1">
-            <a:spLocks/>
+            <a:spLocks noGrp="1"/>
           </p:cNvSpPr>
           <p:nvPr>
             <p:ph type="sldNum"/>
           </p:nvPr>
         </p:nvSpPr>
         <p:spPr>
-          <a:xfrm rot="0">
+          <a:xfrm>
             <a:off x="6553200" y="6356350"/>
             <a:ext cx="2134235" cy="365760"/>
           </a:xfrm>
-          <a:prstGeom prst="rect"/>
+          <a:prstGeom prst="rect">
+            <a:avLst/>
+          </a:prstGeom>
           <a:noFill/>
           <a:ln w="0">
             <a:noFill/>
@@ -8617,12 +8820,12 @@
           </a:ln>
         </p:spPr>
         <p:txBody>
-          <a:bodyPr wrap="square" lIns="91440" tIns="45720" rIns="91440" bIns="45720" vert="horz" anchor="ctr">
+          <a:bodyPr vert="horz" wrap="square" lIns="91440" tIns="45720" rIns="91440" bIns="45720" anchor="ctr">
             <a:noAutofit/>
           </a:bodyPr>
           <a:lstStyle/>
           <a:p>
-            <a:pPr marL="0" indent="0" rtl="0" algn="r" latinLnBrk="0">
+            <a:pPr marL="0" indent="0" algn="r" rtl="0" latinLnBrk="0">
               <a:buFontTx/>
               <a:buNone/>
             </a:pPr>
@@ -8633,6 +8836,10 @@
               </a:rPr>
               <a:t>‹#›</a:t>
             </a:fld>
+            <a:endParaRPr>
+              <a:latin typeface="맑은 고딕" charset="0"/>
+              <a:ea typeface="맑은 고딕" charset="0"/>
+            </a:endParaRPr>
           </a:p>
         </p:txBody>
       </p:sp>
@@ -8641,14 +8848,6 @@
   <p:clrMapOvr>
     <a:overrideClrMapping bg1="lt1" tx1="dk1" bg2="lt2" tx2="dk2" accent1="accent1" accent2="accent2" accent3="accent3" accent4="accent4" accent5="accent5" accent6="accent6" hlink="hlink" folHlink="folHlink"/>
   </p:clrMapOvr>
-  <mc:AlternateContent xmlns:mc="http://schemas.openxmlformats.org/markup-compatibility/2006">
-    <mc:Choice xmlns:p14="http://schemas.microsoft.com/office/powerpoint/2010/main" Requires="p14">
-      <p:transition spd="slow" p14:dur="2000"/>
-    </mc:Choice>
-    <mc:Fallback>
-      <p:transition spd="slow"/>
-    </mc:Fallback>
-  </mc:AlternateContent>
 </p:sldLayout>
 </file>
 
@@ -8673,18 +8872,20 @@
         <p:nvSpPr>
           <p:cNvPr id="62" name="Rect 0"/>
           <p:cNvSpPr txBox="1">
-            <a:spLocks/>
+            <a:spLocks noGrp="1"/>
           </p:cNvSpPr>
           <p:nvPr>
             <p:ph type="title"/>
           </p:nvPr>
         </p:nvSpPr>
         <p:spPr>
-          <a:xfrm rot="0">
+          <a:xfrm>
             <a:off x="1792605" y="4800600"/>
             <a:ext cx="5487035" cy="567690"/>
           </a:xfrm>
-          <a:prstGeom prst="rect"/>
+          <a:prstGeom prst="rect">
+            <a:avLst/>
+          </a:prstGeom>
           <a:noFill/>
           <a:ln w="0">
             <a:noFill/>
@@ -8692,8 +8893,8 @@
           </a:ln>
         </p:spPr>
         <p:txBody>
-          <a:bodyPr wrap="square" lIns="91440" tIns="45720" rIns="91440" bIns="45720" vert="horz" anchor="b">
-            <a:normAutofit fontScale="100000" lnSpcReduction="0"/>
+          <a:bodyPr vert="horz" wrap="square" lIns="91440" tIns="45720" rIns="91440" bIns="45720" anchor="b">
+            <a:normAutofit/>
           </a:bodyPr>
           <a:lstStyle/>
           <a:p>
@@ -8701,6 +8902,7 @@
               <a:buFontTx/>
               <a:buNone/>
             </a:pPr>
+            <a:endParaRPr/>
           </a:p>
         </p:txBody>
       </p:sp>
@@ -8708,18 +8910,20 @@
         <p:nvSpPr>
           <p:cNvPr id="63" name="Rect 0"/>
           <p:cNvSpPr txBox="1">
-            <a:spLocks/>
+            <a:spLocks noGrp="1"/>
           </p:cNvSpPr>
           <p:nvPr>
             <p:ph type="pic"/>
           </p:nvPr>
         </p:nvSpPr>
         <p:spPr>
-          <a:xfrm rot="0">
+          <a:xfrm>
             <a:off x="1792605" y="612775"/>
             <a:ext cx="5487035" cy="4115435"/>
           </a:xfrm>
-          <a:prstGeom prst="rect"/>
+          <a:prstGeom prst="rect">
+            <a:avLst/>
+          </a:prstGeom>
           <a:noFill/>
           <a:ln w="0">
             <a:noFill/>
@@ -8731,18 +8935,20 @@
         <p:nvSpPr>
           <p:cNvPr id="64" name="Rect 0"/>
           <p:cNvSpPr txBox="1">
-            <a:spLocks/>
+            <a:spLocks noGrp="1"/>
           </p:cNvSpPr>
           <p:nvPr>
             <p:ph type="body"/>
           </p:nvPr>
         </p:nvSpPr>
         <p:spPr>
-          <a:xfrm rot="0">
+          <a:xfrm>
             <a:off x="1792605" y="5367655"/>
             <a:ext cx="5487035" cy="805180"/>
           </a:xfrm>
-          <a:prstGeom prst="rect"/>
+          <a:prstGeom prst="rect">
+            <a:avLst/>
+          </a:prstGeom>
           <a:noFill/>
           <a:ln w="0">
             <a:noFill/>
@@ -8750,8 +8956,8 @@
           </a:ln>
         </p:spPr>
         <p:txBody>
-          <a:bodyPr wrap="square" lIns="91440" tIns="45720" rIns="91440" bIns="45720" vert="horz" anchor="t">
-            <a:normAutofit fontScale="100000" lnSpcReduction="0"/>
+          <a:bodyPr vert="horz" wrap="square" lIns="91440" tIns="45720" rIns="91440" bIns="45720" anchor="t">
+            <a:normAutofit/>
           </a:bodyPr>
           <a:lstStyle/>
           <a:p>
@@ -8759,6 +8965,7 @@
               <a:buFontTx/>
               <a:buNone/>
             </a:pPr>
+            <a:endParaRPr/>
           </a:p>
         </p:txBody>
       </p:sp>
@@ -8766,18 +8973,20 @@
         <p:nvSpPr>
           <p:cNvPr id="65" name="Rect 0"/>
           <p:cNvSpPr txBox="1">
-            <a:spLocks/>
+            <a:spLocks noGrp="1"/>
           </p:cNvSpPr>
           <p:nvPr>
             <p:ph type="dt"/>
           </p:nvPr>
         </p:nvSpPr>
         <p:spPr>
-          <a:xfrm rot="0">
+          <a:xfrm>
             <a:off x="457200" y="6356350"/>
             <a:ext cx="2134235" cy="365760"/>
           </a:xfrm>
-          <a:prstGeom prst="rect"/>
+          <a:prstGeom prst="rect">
+            <a:avLst/>
+          </a:prstGeom>
           <a:noFill/>
           <a:ln w="0">
             <a:noFill/>
@@ -8785,7 +8994,7 @@
           </a:ln>
         </p:spPr>
         <p:txBody>
-          <a:bodyPr wrap="square" lIns="91440" tIns="45720" rIns="91440" bIns="45720" vert="horz" anchor="ctr">
+          <a:bodyPr vert="horz" wrap="square" lIns="91440" tIns="45720" rIns="91440" bIns="45720" anchor="ctr">
             <a:noAutofit/>
           </a:bodyPr>
           <a:lstStyle/>
@@ -8794,6 +9003,7 @@
               <a:buFontTx/>
               <a:buNone/>
             </a:pPr>
+            <a:endParaRPr/>
           </a:p>
         </p:txBody>
       </p:sp>
@@ -8801,18 +9011,20 @@
         <p:nvSpPr>
           <p:cNvPr id="66" name="Rect 0"/>
           <p:cNvSpPr txBox="1">
-            <a:spLocks/>
+            <a:spLocks noGrp="1"/>
           </p:cNvSpPr>
           <p:nvPr>
             <p:ph type="ftr"/>
           </p:nvPr>
         </p:nvSpPr>
         <p:spPr>
-          <a:xfrm rot="0">
+          <a:xfrm>
             <a:off x="3124200" y="6356350"/>
             <a:ext cx="2896235" cy="365760"/>
           </a:xfrm>
-          <a:prstGeom prst="rect"/>
+          <a:prstGeom prst="rect">
+            <a:avLst/>
+          </a:prstGeom>
           <a:noFill/>
           <a:ln w="0">
             <a:noFill/>
@@ -8820,7 +9032,7 @@
           </a:ln>
         </p:spPr>
         <p:txBody>
-          <a:bodyPr wrap="square" lIns="91440" tIns="45720" rIns="91440" bIns="45720" vert="horz" anchor="ctr">
+          <a:bodyPr vert="horz" wrap="square" lIns="91440" tIns="45720" rIns="91440" bIns="45720" anchor="ctr">
             <a:noAutofit/>
           </a:bodyPr>
           <a:lstStyle/>
@@ -8829,6 +9041,7 @@
               <a:buFontTx/>
               <a:buNone/>
             </a:pPr>
+            <a:endParaRPr/>
           </a:p>
         </p:txBody>
       </p:sp>
@@ -8836,18 +9049,20 @@
         <p:nvSpPr>
           <p:cNvPr id="67" name="Rect 0"/>
           <p:cNvSpPr txBox="1">
-            <a:spLocks/>
+            <a:spLocks noGrp="1"/>
           </p:cNvSpPr>
           <p:nvPr>
             <p:ph type="sldNum"/>
           </p:nvPr>
         </p:nvSpPr>
         <p:spPr>
-          <a:xfrm rot="0">
+          <a:xfrm>
             <a:off x="6553200" y="6356350"/>
             <a:ext cx="2134235" cy="365760"/>
           </a:xfrm>
-          <a:prstGeom prst="rect"/>
+          <a:prstGeom prst="rect">
+            <a:avLst/>
+          </a:prstGeom>
           <a:noFill/>
           <a:ln w="0">
             <a:noFill/>
@@ -8855,12 +9070,12 @@
           </a:ln>
         </p:spPr>
         <p:txBody>
-          <a:bodyPr wrap="square" lIns="91440" tIns="45720" rIns="91440" bIns="45720" vert="horz" anchor="ctr">
+          <a:bodyPr vert="horz" wrap="square" lIns="91440" tIns="45720" rIns="91440" bIns="45720" anchor="ctr">
             <a:noAutofit/>
           </a:bodyPr>
           <a:lstStyle/>
           <a:p>
-            <a:pPr marL="0" indent="0" rtl="0" algn="r" latinLnBrk="0">
+            <a:pPr marL="0" indent="0" algn="r" rtl="0" latinLnBrk="0">
               <a:buFontTx/>
               <a:buNone/>
             </a:pPr>
@@ -8871,6 +9086,10 @@
               </a:rPr>
               <a:t>‹#›</a:t>
             </a:fld>
+            <a:endParaRPr>
+              <a:latin typeface="맑은 고딕" charset="0"/>
+              <a:ea typeface="맑은 고딕" charset="0"/>
+            </a:endParaRPr>
           </a:p>
         </p:txBody>
       </p:sp>
@@ -8879,14 +9098,6 @@
   <p:clrMapOvr>
     <a:overrideClrMapping bg1="lt1" tx1="dk1" bg2="lt2" tx2="dk2" accent1="accent1" accent2="accent2" accent3="accent3" accent4="accent4" accent5="accent5" accent6="accent6" hlink="hlink" folHlink="folHlink"/>
   </p:clrMapOvr>
-  <mc:AlternateContent xmlns:mc="http://schemas.openxmlformats.org/markup-compatibility/2006">
-    <mc:Choice xmlns:p14="http://schemas.microsoft.com/office/powerpoint/2010/main" Requires="p14">
-      <p:transition spd="slow" p14:dur="2000"/>
-    </mc:Choice>
-    <mc:Fallback>
-      <p:transition spd="slow"/>
-    </mc:Fallback>
-  </mc:AlternateContent>
 </p:sldLayout>
 </file>
 
@@ -8911,18 +9122,20 @@
         <p:nvSpPr>
           <p:cNvPr id="69" name="Rect 0"/>
           <p:cNvSpPr txBox="1">
-            <a:spLocks/>
+            <a:spLocks noGrp="1"/>
           </p:cNvSpPr>
           <p:nvPr>
             <p:ph type="title"/>
           </p:nvPr>
         </p:nvSpPr>
         <p:spPr>
-          <a:xfrm rot="0">
+          <a:xfrm>
             <a:off x="457200" y="274955"/>
             <a:ext cx="8230235" cy="1143635"/>
           </a:xfrm>
-          <a:prstGeom prst="rect"/>
+          <a:prstGeom prst="rect">
+            <a:avLst/>
+          </a:prstGeom>
           <a:noFill/>
           <a:ln w="0">
             <a:noFill/>
@@ -8930,8 +9143,8 @@
           </a:ln>
         </p:spPr>
         <p:txBody>
-          <a:bodyPr wrap="square" lIns="91440" tIns="45720" rIns="91440" bIns="45720" vert="horz" anchor="ctr">
-            <a:normAutofit fontScale="100000" lnSpcReduction="0"/>
+          <a:bodyPr vert="horz" wrap="square" lIns="91440" tIns="45720" rIns="91440" bIns="45720" anchor="ctr">
+            <a:normAutofit/>
           </a:bodyPr>
           <a:lstStyle/>
           <a:p>
@@ -8939,6 +9152,7 @@
               <a:buFontTx/>
               <a:buNone/>
             </a:pPr>
+            <a:endParaRPr/>
           </a:p>
         </p:txBody>
       </p:sp>
@@ -8946,7 +9160,7 @@
         <p:nvSpPr>
           <p:cNvPr id="70" name="Rect 0"/>
           <p:cNvSpPr txBox="1">
-            <a:spLocks/>
+            <a:spLocks noGrp="1"/>
           </p:cNvSpPr>
           <p:nvPr>
             <p:ph type="body"/>
@@ -8957,7 +9171,9 @@
             <a:off x="2308860" y="-251460"/>
             <a:ext cx="4526915" cy="8230235"/>
           </a:xfrm>
-          <a:prstGeom prst="rect"/>
+          <a:prstGeom prst="rect">
+            <a:avLst/>
+          </a:prstGeom>
           <a:noFill/>
           <a:ln w="0">
             <a:noFill/>
@@ -8965,12 +9181,13 @@
           </a:ln>
         </p:spPr>
         <p:txBody>
-          <a:bodyPr wrap="square" lIns="91440" tIns="45720" rIns="91440" bIns="45720" vert="horz" anchor="t">
-            <a:normAutofit fontScale="100000" lnSpcReduction="0"/>
+          <a:bodyPr vert="horz" wrap="square" lIns="91440" tIns="45720" rIns="91440" bIns="45720" anchor="t">
+            <a:normAutofit/>
           </a:bodyPr>
           <a:lstStyle/>
           <a:p>
             <a:pPr marL="457200" indent="-342900" latinLnBrk="0"/>
+            <a:endParaRPr/>
           </a:p>
         </p:txBody>
       </p:sp>
@@ -8978,18 +9195,20 @@
         <p:nvSpPr>
           <p:cNvPr id="71" name="Rect 0"/>
           <p:cNvSpPr txBox="1">
-            <a:spLocks/>
+            <a:spLocks noGrp="1"/>
           </p:cNvSpPr>
           <p:nvPr>
             <p:ph type="dt"/>
           </p:nvPr>
         </p:nvSpPr>
         <p:spPr>
-          <a:xfrm rot="0">
+          <a:xfrm>
             <a:off x="457200" y="6356350"/>
             <a:ext cx="2134235" cy="365760"/>
           </a:xfrm>
-          <a:prstGeom prst="rect"/>
+          <a:prstGeom prst="rect">
+            <a:avLst/>
+          </a:prstGeom>
           <a:noFill/>
           <a:ln w="0">
             <a:noFill/>
@@ -8997,7 +9216,7 @@
           </a:ln>
         </p:spPr>
         <p:txBody>
-          <a:bodyPr wrap="square" lIns="91440" tIns="45720" rIns="91440" bIns="45720" vert="horz" anchor="ctr">
+          <a:bodyPr vert="horz" wrap="square" lIns="91440" tIns="45720" rIns="91440" bIns="45720" anchor="ctr">
             <a:noAutofit/>
           </a:bodyPr>
           <a:lstStyle/>
@@ -9006,6 +9225,7 @@
               <a:buFontTx/>
               <a:buNone/>
             </a:pPr>
+            <a:endParaRPr/>
           </a:p>
         </p:txBody>
       </p:sp>
@@ -9013,18 +9233,20 @@
         <p:nvSpPr>
           <p:cNvPr id="72" name="Rect 0"/>
           <p:cNvSpPr txBox="1">
-            <a:spLocks/>
+            <a:spLocks noGrp="1"/>
           </p:cNvSpPr>
           <p:nvPr>
             <p:ph type="ftr"/>
           </p:nvPr>
         </p:nvSpPr>
         <p:spPr>
-          <a:xfrm rot="0">
+          <a:xfrm>
             <a:off x="3124200" y="6356350"/>
             <a:ext cx="2896235" cy="365760"/>
           </a:xfrm>
-          <a:prstGeom prst="rect"/>
+          <a:prstGeom prst="rect">
+            <a:avLst/>
+          </a:prstGeom>
           <a:noFill/>
           <a:ln w="0">
             <a:noFill/>
@@ -9032,7 +9254,7 @@
           </a:ln>
         </p:spPr>
         <p:txBody>
-          <a:bodyPr wrap="square" lIns="91440" tIns="45720" rIns="91440" bIns="45720" vert="horz" anchor="ctr">
+          <a:bodyPr vert="horz" wrap="square" lIns="91440" tIns="45720" rIns="91440" bIns="45720" anchor="ctr">
             <a:noAutofit/>
           </a:bodyPr>
           <a:lstStyle/>
@@ -9041,6 +9263,7 @@
               <a:buFontTx/>
               <a:buNone/>
             </a:pPr>
+            <a:endParaRPr/>
           </a:p>
         </p:txBody>
       </p:sp>
@@ -9048,18 +9271,20 @@
         <p:nvSpPr>
           <p:cNvPr id="73" name="Rect 0"/>
           <p:cNvSpPr txBox="1">
-            <a:spLocks/>
+            <a:spLocks noGrp="1"/>
           </p:cNvSpPr>
           <p:nvPr>
             <p:ph type="sldNum"/>
           </p:nvPr>
         </p:nvSpPr>
         <p:spPr>
-          <a:xfrm rot="0">
+          <a:xfrm>
             <a:off x="6553200" y="6356350"/>
             <a:ext cx="2134235" cy="365760"/>
           </a:xfrm>
-          <a:prstGeom prst="rect"/>
+          <a:prstGeom prst="rect">
+            <a:avLst/>
+          </a:prstGeom>
           <a:noFill/>
           <a:ln w="0">
             <a:noFill/>
@@ -9067,12 +9292,12 @@
           </a:ln>
         </p:spPr>
         <p:txBody>
-          <a:bodyPr wrap="square" lIns="91440" tIns="45720" rIns="91440" bIns="45720" vert="horz" anchor="ctr">
+          <a:bodyPr vert="horz" wrap="square" lIns="91440" tIns="45720" rIns="91440" bIns="45720" anchor="ctr">
             <a:noAutofit/>
           </a:bodyPr>
           <a:lstStyle/>
           <a:p>
-            <a:pPr marL="0" indent="0" rtl="0" algn="r" latinLnBrk="0">
+            <a:pPr marL="0" indent="0" algn="r" rtl="0" latinLnBrk="0">
               <a:buFontTx/>
               <a:buNone/>
             </a:pPr>
@@ -9083,6 +9308,10 @@
               </a:rPr>
               <a:t>‹#›</a:t>
             </a:fld>
+            <a:endParaRPr>
+              <a:latin typeface="맑은 고딕" charset="0"/>
+              <a:ea typeface="맑은 고딕" charset="0"/>
+            </a:endParaRPr>
           </a:p>
         </p:txBody>
       </p:sp>
@@ -9091,14 +9320,6 @@
   <p:clrMapOvr>
     <a:overrideClrMapping bg1="lt1" tx1="dk1" bg2="lt2" tx2="dk2" accent1="accent1" accent2="accent2" accent3="accent3" accent4="accent4" accent5="accent5" accent6="accent6" hlink="hlink" folHlink="folHlink"/>
   </p:clrMapOvr>
-  <mc:AlternateContent xmlns:mc="http://schemas.openxmlformats.org/markup-compatibility/2006">
-    <mc:Choice xmlns:p14="http://schemas.microsoft.com/office/powerpoint/2010/main" Requires="p14">
-      <p:transition spd="slow" p14:dur="2000"/>
-    </mc:Choice>
-    <mc:Fallback>
-      <p:transition spd="slow"/>
-    </mc:Fallback>
-  </mc:AlternateContent>
 </p:sldLayout>
 </file>
 
@@ -9980,7 +10201,7 @@
         <p:nvSpPr>
           <p:cNvPr id="75" name="Rect 0"/>
           <p:cNvSpPr txBox="1">
-            <a:spLocks/>
+            <a:spLocks noGrp="1"/>
           </p:cNvSpPr>
           <p:nvPr>
             <p:ph type="title"/>
@@ -9991,7 +10212,9 @@
             <a:off x="4732655" y="2171700"/>
             <a:ext cx="5852160" cy="2058035"/>
           </a:xfrm>
-          <a:prstGeom prst="rect"/>
+          <a:prstGeom prst="rect">
+            <a:avLst/>
+          </a:prstGeom>
           <a:noFill/>
           <a:ln w="0">
             <a:noFill/>
@@ -9999,8 +10222,8 @@
           </a:ln>
         </p:spPr>
         <p:txBody>
-          <a:bodyPr wrap="square" lIns="91440" tIns="45720" rIns="91440" bIns="45720" vert="horz" anchor="ctr">
-            <a:normAutofit fontScale="100000" lnSpcReduction="0"/>
+          <a:bodyPr vert="horz" wrap="square" lIns="91440" tIns="45720" rIns="91440" bIns="45720" anchor="ctr">
+            <a:normAutofit/>
           </a:bodyPr>
           <a:lstStyle/>
           <a:p>
@@ -10008,6 +10231,7 @@
               <a:buFontTx/>
               <a:buNone/>
             </a:pPr>
+            <a:endParaRPr/>
           </a:p>
         </p:txBody>
       </p:sp>
@@ -10015,7 +10239,7 @@
         <p:nvSpPr>
           <p:cNvPr id="76" name="Rect 0"/>
           <p:cNvSpPr txBox="1">
-            <a:spLocks/>
+            <a:spLocks noGrp="1"/>
           </p:cNvSpPr>
           <p:nvPr>
             <p:ph type="body"/>
@@ -10026,7 +10250,9 @@
             <a:off x="541655" y="190500"/>
             <a:ext cx="5852160" cy="6020435"/>
           </a:xfrm>
-          <a:prstGeom prst="rect"/>
+          <a:prstGeom prst="rect">
+            <a:avLst/>
+          </a:prstGeom>
           <a:noFill/>
           <a:ln w="0">
             <a:noFill/>
@@ -10034,12 +10260,13 @@
           </a:ln>
         </p:spPr>
         <p:txBody>
-          <a:bodyPr wrap="square" lIns="91440" tIns="45720" rIns="91440" bIns="45720" vert="horz" anchor="t">
-            <a:normAutofit fontScale="100000" lnSpcReduction="0"/>
+          <a:bodyPr vert="horz" wrap="square" lIns="91440" tIns="45720" rIns="91440" bIns="45720" anchor="t">
+            <a:normAutofit/>
           </a:bodyPr>
           <a:lstStyle/>
           <a:p>
             <a:pPr marL="457200" indent="-342900" latinLnBrk="0"/>
+            <a:endParaRPr/>
           </a:p>
         </p:txBody>
       </p:sp>
@@ -10047,18 +10274,20 @@
         <p:nvSpPr>
           <p:cNvPr id="77" name="Rect 0"/>
           <p:cNvSpPr txBox="1">
-            <a:spLocks/>
+            <a:spLocks noGrp="1"/>
           </p:cNvSpPr>
           <p:nvPr>
             <p:ph type="dt"/>
           </p:nvPr>
         </p:nvSpPr>
         <p:spPr>
-          <a:xfrm rot="0">
+          <a:xfrm>
             <a:off x="457200" y="6356350"/>
             <a:ext cx="2134235" cy="365760"/>
           </a:xfrm>
-          <a:prstGeom prst="rect"/>
+          <a:prstGeom prst="rect">
+            <a:avLst/>
+          </a:prstGeom>
           <a:noFill/>
           <a:ln w="0">
             <a:noFill/>
@@ -10066,7 +10295,7 @@
           </a:ln>
         </p:spPr>
         <p:txBody>
-          <a:bodyPr wrap="square" lIns="91440" tIns="45720" rIns="91440" bIns="45720" vert="horz" anchor="ctr">
+          <a:bodyPr vert="horz" wrap="square" lIns="91440" tIns="45720" rIns="91440" bIns="45720" anchor="ctr">
             <a:noAutofit/>
           </a:bodyPr>
           <a:lstStyle/>
@@ -10075,6 +10304,7 @@
               <a:buFontTx/>
               <a:buNone/>
             </a:pPr>
+            <a:endParaRPr/>
           </a:p>
         </p:txBody>
       </p:sp>
@@ -10082,18 +10312,20 @@
         <p:nvSpPr>
           <p:cNvPr id="78" name="Rect 0"/>
           <p:cNvSpPr txBox="1">
-            <a:spLocks/>
+            <a:spLocks noGrp="1"/>
           </p:cNvSpPr>
           <p:nvPr>
             <p:ph type="ftr"/>
           </p:nvPr>
         </p:nvSpPr>
         <p:spPr>
-          <a:xfrm rot="0">
+          <a:xfrm>
             <a:off x="3124200" y="6356350"/>
             <a:ext cx="2896235" cy="365760"/>
           </a:xfrm>
-          <a:prstGeom prst="rect"/>
+          <a:prstGeom prst="rect">
+            <a:avLst/>
+          </a:prstGeom>
           <a:noFill/>
           <a:ln w="0">
             <a:noFill/>
@@ -10101,7 +10333,7 @@
           </a:ln>
         </p:spPr>
         <p:txBody>
-          <a:bodyPr wrap="square" lIns="91440" tIns="45720" rIns="91440" bIns="45720" vert="horz" anchor="ctr">
+          <a:bodyPr vert="horz" wrap="square" lIns="91440" tIns="45720" rIns="91440" bIns="45720" anchor="ctr">
             <a:noAutofit/>
           </a:bodyPr>
           <a:lstStyle/>
@@ -10110,6 +10342,7 @@
               <a:buFontTx/>
               <a:buNone/>
             </a:pPr>
+            <a:endParaRPr/>
           </a:p>
         </p:txBody>
       </p:sp>
@@ -10117,18 +10350,20 @@
         <p:nvSpPr>
           <p:cNvPr id="79" name="Rect 0"/>
           <p:cNvSpPr txBox="1">
-            <a:spLocks/>
+            <a:spLocks noGrp="1"/>
           </p:cNvSpPr>
           <p:nvPr>
             <p:ph type="sldNum"/>
           </p:nvPr>
         </p:nvSpPr>
         <p:spPr>
-          <a:xfrm rot="0">
+          <a:xfrm>
             <a:off x="6553200" y="6356350"/>
             <a:ext cx="2134235" cy="365760"/>
           </a:xfrm>
-          <a:prstGeom prst="rect"/>
+          <a:prstGeom prst="rect">
+            <a:avLst/>
+          </a:prstGeom>
           <a:noFill/>
           <a:ln w="0">
             <a:noFill/>
@@ -10136,12 +10371,12 @@
           </a:ln>
         </p:spPr>
         <p:txBody>
-          <a:bodyPr wrap="square" lIns="91440" tIns="45720" rIns="91440" bIns="45720" vert="horz" anchor="ctr">
+          <a:bodyPr vert="horz" wrap="square" lIns="91440" tIns="45720" rIns="91440" bIns="45720" anchor="ctr">
             <a:noAutofit/>
           </a:bodyPr>
           <a:lstStyle/>
           <a:p>
-            <a:pPr marL="0" indent="0" rtl="0" algn="r" latinLnBrk="0">
+            <a:pPr marL="0" indent="0" algn="r" rtl="0" latinLnBrk="0">
               <a:buFontTx/>
               <a:buNone/>
             </a:pPr>
@@ -10152,6 +10387,10 @@
               </a:rPr>
               <a:t>‹#›</a:t>
             </a:fld>
+            <a:endParaRPr>
+              <a:latin typeface="맑은 고딕" charset="0"/>
+              <a:ea typeface="맑은 고딕" charset="0"/>
+            </a:endParaRPr>
           </a:p>
         </p:txBody>
       </p:sp>
@@ -10160,14 +10399,6 @@
   <p:clrMapOvr>
     <a:overrideClrMapping bg1="lt1" tx1="dk1" bg2="lt2" tx2="dk2" accent1="accent1" accent2="accent2" accent3="accent3" accent4="accent4" accent5="accent5" accent6="accent6" hlink="hlink" folHlink="folHlink"/>
   </p:clrMapOvr>
-  <mc:AlternateContent xmlns:mc="http://schemas.openxmlformats.org/markup-compatibility/2006">
-    <mc:Choice xmlns:p14="http://schemas.microsoft.com/office/powerpoint/2010/main" Requires="p14">
-      <p:transition spd="slow" p14:dur="2000"/>
-    </mc:Choice>
-    <mc:Fallback>
-      <p:transition spd="slow"/>
-    </mc:Fallback>
-  </mc:AlternateContent>
 </p:sldLayout>
 </file>
 
@@ -16283,6 +16514,7 @@
         <a:solidFill>
           <a:schemeClr val="lt1"/>
         </a:solidFill>
+        <a:effectLst/>
       </p:bgPr>
     </p:bg>
     <p:spTree>
@@ -16303,18 +16535,20 @@
         <p:nvSpPr>
           <p:cNvPr id="6" name="Rect 0"/>
           <p:cNvSpPr txBox="1">
-            <a:spLocks/>
+            <a:spLocks noGrp="1"/>
           </p:cNvSpPr>
           <p:nvPr>
             <p:ph type="title"/>
           </p:nvPr>
         </p:nvSpPr>
         <p:spPr>
-          <a:xfrm rot="0">
+          <a:xfrm>
             <a:off x="457200" y="274955"/>
             <a:ext cx="8230235" cy="1143635"/>
           </a:xfrm>
-          <a:prstGeom prst="rect"/>
+          <a:prstGeom prst="rect">
+            <a:avLst/>
+          </a:prstGeom>
           <a:noFill/>
           <a:ln w="0">
             <a:noFill/>
@@ -16322,8 +16556,8 @@
           </a:ln>
         </p:spPr>
         <p:txBody>
-          <a:bodyPr wrap="square" lIns="91440" tIns="45720" rIns="91440" bIns="45720" vert="horz" anchor="ctr">
-            <a:normAutofit fontScale="100000" lnSpcReduction="0"/>
+          <a:bodyPr vert="horz" wrap="square" lIns="91440" tIns="45720" rIns="91440" bIns="45720" anchor="ctr">
+            <a:normAutofit/>
           </a:bodyPr>
           <a:lstStyle/>
           <a:p>
@@ -16331,6 +16565,7 @@
               <a:buFontTx/>
               <a:buNone/>
             </a:pPr>
+            <a:endParaRPr/>
           </a:p>
         </p:txBody>
       </p:sp>
@@ -16338,18 +16573,20 @@
         <p:nvSpPr>
           <p:cNvPr id="7" name="Rect 0"/>
           <p:cNvSpPr txBox="1">
-            <a:spLocks/>
+            <a:spLocks noGrp="1"/>
           </p:cNvSpPr>
           <p:nvPr>
             <p:ph type="body"/>
           </p:nvPr>
         </p:nvSpPr>
         <p:spPr>
-          <a:xfrm rot="0">
+          <a:xfrm>
             <a:off x="457200" y="1600200"/>
             <a:ext cx="8230235" cy="4526915"/>
           </a:xfrm>
-          <a:prstGeom prst="rect"/>
+          <a:prstGeom prst="rect">
+            <a:avLst/>
+          </a:prstGeom>
           <a:noFill/>
           <a:ln w="0">
             <a:noFill/>
@@ -16357,12 +16594,13 @@
           </a:ln>
         </p:spPr>
         <p:txBody>
-          <a:bodyPr wrap="square" lIns="91440" tIns="45720" rIns="91440" bIns="45720" vert="horz" anchor="t">
-            <a:normAutofit fontScale="100000" lnSpcReduction="0"/>
+          <a:bodyPr vert="horz" wrap="square" lIns="91440" tIns="45720" rIns="91440" bIns="45720" anchor="t">
+            <a:normAutofit/>
           </a:bodyPr>
           <a:lstStyle/>
           <a:p>
             <a:pPr marL="457200" indent="-431800" latinLnBrk="0"/>
+            <a:endParaRPr/>
           </a:p>
         </p:txBody>
       </p:sp>
@@ -16370,18 +16608,20 @@
         <p:nvSpPr>
           <p:cNvPr id="8" name="Rect 0"/>
           <p:cNvSpPr txBox="1">
-            <a:spLocks/>
+            <a:spLocks noGrp="1"/>
           </p:cNvSpPr>
           <p:nvPr>
             <p:ph type="dt"/>
           </p:nvPr>
         </p:nvSpPr>
         <p:spPr>
-          <a:xfrm rot="0">
+          <a:xfrm>
             <a:off x="457200" y="6356350"/>
             <a:ext cx="2134235" cy="365760"/>
           </a:xfrm>
-          <a:prstGeom prst="rect"/>
+          <a:prstGeom prst="rect">
+            <a:avLst/>
+          </a:prstGeom>
           <a:noFill/>
           <a:ln w="0">
             <a:noFill/>
@@ -16389,7 +16629,7 @@
           </a:ln>
         </p:spPr>
         <p:txBody>
-          <a:bodyPr wrap="square" lIns="91440" tIns="45720" rIns="91440" bIns="45720" vert="horz" anchor="ctr">
+          <a:bodyPr vert="horz" wrap="square" lIns="91440" tIns="45720" rIns="91440" bIns="45720" anchor="ctr">
             <a:noAutofit/>
           </a:bodyPr>
           <a:lstStyle/>
@@ -16398,6 +16638,7 @@
               <a:buFontTx/>
               <a:buNone/>
             </a:pPr>
+            <a:endParaRPr/>
           </a:p>
         </p:txBody>
       </p:sp>
@@ -16405,18 +16646,20 @@
         <p:nvSpPr>
           <p:cNvPr id="9" name="Rect 0"/>
           <p:cNvSpPr txBox="1">
-            <a:spLocks/>
+            <a:spLocks noGrp="1"/>
           </p:cNvSpPr>
           <p:nvPr>
             <p:ph type="ftr"/>
           </p:nvPr>
         </p:nvSpPr>
         <p:spPr>
-          <a:xfrm rot="0">
+          <a:xfrm>
             <a:off x="3124200" y="6356350"/>
             <a:ext cx="2896235" cy="365760"/>
           </a:xfrm>
-          <a:prstGeom prst="rect"/>
+          <a:prstGeom prst="rect">
+            <a:avLst/>
+          </a:prstGeom>
           <a:noFill/>
           <a:ln w="0">
             <a:noFill/>
@@ -16424,7 +16667,7 @@
           </a:ln>
         </p:spPr>
         <p:txBody>
-          <a:bodyPr wrap="square" lIns="91440" tIns="45720" rIns="91440" bIns="45720" vert="horz" anchor="ctr">
+          <a:bodyPr vert="horz" wrap="square" lIns="91440" tIns="45720" rIns="91440" bIns="45720" anchor="ctr">
             <a:noAutofit/>
           </a:bodyPr>
           <a:lstStyle/>
@@ -16433,6 +16676,7 @@
               <a:buFontTx/>
               <a:buNone/>
             </a:pPr>
+            <a:endParaRPr/>
           </a:p>
         </p:txBody>
       </p:sp>
@@ -16440,18 +16684,20 @@
         <p:nvSpPr>
           <p:cNvPr id="10" name="Rect 0"/>
           <p:cNvSpPr txBox="1">
-            <a:spLocks/>
+            <a:spLocks noGrp="1"/>
           </p:cNvSpPr>
           <p:nvPr>
             <p:ph type="sldNum"/>
           </p:nvPr>
         </p:nvSpPr>
         <p:spPr>
-          <a:xfrm rot="0">
+          <a:xfrm>
             <a:off x="6553200" y="6356350"/>
             <a:ext cx="2134235" cy="365760"/>
           </a:xfrm>
-          <a:prstGeom prst="rect"/>
+          <a:prstGeom prst="rect">
+            <a:avLst/>
+          </a:prstGeom>
           <a:noFill/>
           <a:ln w="0">
             <a:noFill/>
@@ -16459,12 +16705,12 @@
           </a:ln>
         </p:spPr>
         <p:txBody>
-          <a:bodyPr wrap="square" lIns="91440" tIns="45720" rIns="91440" bIns="45720" vert="horz" anchor="ctr">
+          <a:bodyPr vert="horz" wrap="square" lIns="91440" tIns="45720" rIns="91440" bIns="45720" anchor="ctr">
             <a:noAutofit/>
           </a:bodyPr>
           <a:lstStyle/>
           <a:p>
-            <a:pPr marL="0" indent="0" rtl="0" algn="r" latinLnBrk="0">
+            <a:pPr marL="0" indent="0" algn="r" rtl="0" latinLnBrk="0">
               <a:buFontTx/>
               <a:buNone/>
             </a:pPr>
@@ -16475,6 +16721,10 @@
               </a:rPr>
               <a:t>‹#›</a:t>
             </a:fld>
+            <a:endParaRPr>
+              <a:latin typeface="맑은 고딕" charset="0"/>
+              <a:ea typeface="맑은 고딕" charset="0"/>
+            </a:endParaRPr>
           </a:p>
         </p:txBody>
       </p:sp>
@@ -16493,19 +16743,11 @@
     <p:sldLayoutId id="2147483733" r:id="rId9"/>
     <p:sldLayoutId id="2147483734" r:id="rId10"/>
   </p:sldLayoutIdLst>
-  <mc:AlternateContent xmlns:mc="http://schemas.openxmlformats.org/markup-compatibility/2006">
-    <mc:Choice xmlns:p14="http://schemas.microsoft.com/office/powerpoint/2010/main" Requires="p14">
-      <p:transition spd="slow" p14:dur="2000"/>
-    </mc:Choice>
-    <mc:Fallback>
-      <p:transition spd="slow"/>
-    </mc:Fallback>
-  </mc:AlternateContent>
   <p:txStyles>
     <p:titleStyle>
-      <a:lvl1pPr algn="ctr" marL="0" indent="0" defTabSz="914400" latinLnBrk="1">
+      <a:lvl1pPr marL="0" indent="0" algn="ctr" defTabSz="914400" latinLnBrk="1">
         <a:buNone/>
-        <a:defRPr lang="ko-KR" smtClean="0" sz="4400" baseline="0">
+        <a:defRPr lang="ko-KR" sz="4400" baseline="0" smtClean="0">
           <a:solidFill>
             <a:schemeClr val="tx1"/>
           </a:solidFill>
@@ -16516,13 +16758,13 @@
       </a:lvl1pPr>
     </p:titleStyle>
     <p:bodyStyle>
-      <a:lvl1pPr algn="l" marL="342900" indent="-342900" defTabSz="914400" latinLnBrk="1">
+      <a:lvl1pPr marL="342900" indent="-342900" algn="l" defTabSz="914400" latinLnBrk="1">
         <a:spcBef>
           <a:spcPct val="20000"/>
         </a:spcBef>
         <a:buFont typeface="Arial"/>
         <a:buChar char="0"/>
-        <a:defRPr lang="ko-KR" smtClean="0" sz="2800" baseline="0">
+        <a:defRPr lang="ko-KR" sz="2800" baseline="0" smtClean="0">
           <a:solidFill>
             <a:schemeClr val="tx1"/>
           </a:solidFill>
@@ -16531,27 +16773,27 @@
           <a:cs typeface="+mn-cs"/>
         </a:defRPr>
       </a:lvl1pPr>
-      <a:lvl2pPr lvl="1" marL="742950" indent="-285750" defTabSz="914400" latinLnBrk="1">
+      <a:lvl2pPr marL="742950" lvl="1" indent="-285750" defTabSz="914400" latinLnBrk="1">
         <a:buChar char="-"/>
-        <a:defRPr lang="ko-KR" smtClean="0" sz="2400"/>
+        <a:defRPr lang="ko-KR" sz="2400" smtClean="0"/>
       </a:lvl2pPr>
-      <a:lvl3pPr lvl="2" marL="1143000" indent="-228600" defTabSz="914400" latinLnBrk="1">
+      <a:lvl3pPr marL="1143000" lvl="2" indent="-228600" defTabSz="914400" latinLnBrk="1">
         <a:buChar char="0"/>
-        <a:defRPr lang="ko-KR" smtClean="0" sz="2000"/>
+        <a:defRPr lang="ko-KR" sz="2000" smtClean="0"/>
       </a:lvl3pPr>
-      <a:lvl4pPr lvl="3" marL="1600200" indent="-228600" defTabSz="914400" latinLnBrk="1">
+      <a:lvl4pPr marL="1600200" lvl="3" indent="-228600" defTabSz="914400" latinLnBrk="1">
         <a:buChar char="-"/>
-        <a:defRPr lang="ko-KR" smtClean="0" sz="1800"/>
+        <a:defRPr lang="ko-KR" sz="1800" smtClean="0"/>
       </a:lvl4pPr>
-      <a:lvl5pPr lvl="4" marL="2057400" indent="-228600" defTabSz="914400" latinLnBrk="1">
+      <a:lvl5pPr marL="2057400" lvl="4" indent="-228600" defTabSz="914400" latinLnBrk="1">
         <a:buChar char="-69"/>
-        <a:defRPr lang="ko-KR" smtClean="0" sz="1800"/>
+        <a:defRPr lang="ko-KR" sz="1800" smtClean="0"/>
       </a:lvl5pPr>
     </p:bodyStyle>
     <p:otherStyle>
-      <a:lvl1pPr algn="l" marL="0" indent="0" defTabSz="914400" latinLnBrk="1">
+      <a:lvl1pPr marL="0" indent="0" algn="l" defTabSz="914400" latinLnBrk="1">
         <a:buNone/>
-        <a:defRPr lang="ko-KR" smtClean="0" sz="1800" baseline="0">
+        <a:defRPr lang="ko-KR" sz="1800" baseline="0" smtClean="0">
           <a:solidFill>
             <a:schemeClr val="tx1"/>
           </a:solidFill>
@@ -16560,27 +16802,20 @@
           <a:cs typeface="+mn-cs"/>
         </a:defRPr>
       </a:lvl1pPr>
-      <a:lvl2pPr lvl="1" marL="457200" indent="0" defTabSz="914400" latinLnBrk="1">
+      <a:lvl2pPr marL="457200" lvl="1" indent="0" defTabSz="914400" latinLnBrk="1">
         <a:defRPr lang="ko-KR" smtClean="0"/>
       </a:lvl2pPr>
-      <a:lvl3pPr lvl="2" marL="914400" indent="0" defTabSz="914400" latinLnBrk="1">
+      <a:lvl3pPr marL="914400" lvl="2" indent="0" defTabSz="914400" latinLnBrk="1">
         <a:defRPr lang="ko-KR" smtClean="0"/>
       </a:lvl3pPr>
-      <a:lvl4pPr lvl="3" marL="1371600" indent="0" defTabSz="914400" latinLnBrk="1">
+      <a:lvl4pPr marL="1371600" lvl="3" indent="0" defTabSz="914400" latinLnBrk="1">
         <a:defRPr lang="ko-KR" smtClean="0"/>
       </a:lvl4pPr>
-      <a:lvl5pPr lvl="4" marL="1828800" indent="0" defTabSz="914400" latinLnBrk="1">
+      <a:lvl5pPr marL="1828800" lvl="4" indent="0" defTabSz="914400" latinLnBrk="1">
         <a:defRPr lang="ko-KR" smtClean="0"/>
       </a:lvl5pPr>
     </p:otherStyle>
   </p:txStyles>
-  <p:timing>
-    <p:tnLst>
-      <p:par>
-        <p:cTn id="1" dur="indefinite" restart="never" nodeType="tmRoot"/>
-      </p:par>
-    </p:tnLst>
-  </p:timing>
 </p:sldMaster>
 </file>
 
@@ -16592,6 +16827,7 @@
         <a:solidFill>
           <a:schemeClr val="lt1"/>
         </a:solidFill>
+        <a:effectLst/>
       </p:bgPr>
     </p:bg>
     <p:spTree>
@@ -16612,18 +16848,20 @@
         <p:nvSpPr>
           <p:cNvPr id="6" name="Rect 0"/>
           <p:cNvSpPr txBox="1">
-            <a:spLocks/>
+            <a:spLocks noGrp="1"/>
           </p:cNvSpPr>
           <p:nvPr>
             <p:ph type="title"/>
           </p:nvPr>
         </p:nvSpPr>
         <p:spPr>
-          <a:xfrm rot="0">
+          <a:xfrm>
             <a:off x="457200" y="274955"/>
             <a:ext cx="8230235" cy="1143635"/>
           </a:xfrm>
-          <a:prstGeom prst="rect"/>
+          <a:prstGeom prst="rect">
+            <a:avLst/>
+          </a:prstGeom>
           <a:noFill/>
           <a:ln w="0">
             <a:noFill/>
@@ -16631,8 +16869,8 @@
           </a:ln>
         </p:spPr>
         <p:txBody>
-          <a:bodyPr wrap="square" lIns="91440" tIns="45720" rIns="91440" bIns="45720" vert="horz" anchor="ctr">
-            <a:normAutofit fontScale="100000" lnSpcReduction="0"/>
+          <a:bodyPr vert="horz" wrap="square" lIns="91440" tIns="45720" rIns="91440" bIns="45720" anchor="ctr">
+            <a:normAutofit/>
           </a:bodyPr>
           <a:lstStyle/>
           <a:p>
@@ -16640,6 +16878,7 @@
               <a:buFontTx/>
               <a:buNone/>
             </a:pPr>
+            <a:endParaRPr/>
           </a:p>
         </p:txBody>
       </p:sp>
@@ -16647,18 +16886,20 @@
         <p:nvSpPr>
           <p:cNvPr id="7" name="Rect 0"/>
           <p:cNvSpPr txBox="1">
-            <a:spLocks/>
+            <a:spLocks noGrp="1"/>
           </p:cNvSpPr>
           <p:nvPr>
             <p:ph type="body"/>
           </p:nvPr>
         </p:nvSpPr>
         <p:spPr>
-          <a:xfrm rot="0">
+          <a:xfrm>
             <a:off x="457200" y="1600200"/>
             <a:ext cx="8230235" cy="4526915"/>
           </a:xfrm>
-          <a:prstGeom prst="rect"/>
+          <a:prstGeom prst="rect">
+            <a:avLst/>
+          </a:prstGeom>
           <a:noFill/>
           <a:ln w="0">
             <a:noFill/>
@@ -16666,12 +16907,13 @@
           </a:ln>
         </p:spPr>
         <p:txBody>
-          <a:bodyPr wrap="square" lIns="91440" tIns="45720" rIns="91440" bIns="45720" vert="horz" anchor="t">
-            <a:normAutofit fontScale="100000" lnSpcReduction="0"/>
+          <a:bodyPr vert="horz" wrap="square" lIns="91440" tIns="45720" rIns="91440" bIns="45720" anchor="t">
+            <a:normAutofit/>
           </a:bodyPr>
           <a:lstStyle/>
           <a:p>
             <a:pPr marL="457200" indent="-431800" latinLnBrk="0"/>
+            <a:endParaRPr/>
           </a:p>
         </p:txBody>
       </p:sp>
@@ -16679,18 +16921,20 @@
         <p:nvSpPr>
           <p:cNvPr id="8" name="Rect 0"/>
           <p:cNvSpPr txBox="1">
-            <a:spLocks/>
+            <a:spLocks noGrp="1"/>
           </p:cNvSpPr>
           <p:nvPr>
             <p:ph type="dt"/>
           </p:nvPr>
         </p:nvSpPr>
         <p:spPr>
-          <a:xfrm rot="0">
+          <a:xfrm>
             <a:off x="457200" y="6356350"/>
             <a:ext cx="2134235" cy="365760"/>
           </a:xfrm>
-          <a:prstGeom prst="rect"/>
+          <a:prstGeom prst="rect">
+            <a:avLst/>
+          </a:prstGeom>
           <a:noFill/>
           <a:ln w="0">
             <a:noFill/>
@@ -16698,7 +16942,7 @@
           </a:ln>
         </p:spPr>
         <p:txBody>
-          <a:bodyPr wrap="square" lIns="91440" tIns="45720" rIns="91440" bIns="45720" vert="horz" anchor="ctr">
+          <a:bodyPr vert="horz" wrap="square" lIns="91440" tIns="45720" rIns="91440" bIns="45720" anchor="ctr">
             <a:noAutofit/>
           </a:bodyPr>
           <a:lstStyle/>
@@ -16707,6 +16951,7 @@
               <a:buFontTx/>
               <a:buNone/>
             </a:pPr>
+            <a:endParaRPr/>
           </a:p>
         </p:txBody>
       </p:sp>
@@ -16714,18 +16959,20 @@
         <p:nvSpPr>
           <p:cNvPr id="9" name="Rect 0"/>
           <p:cNvSpPr txBox="1">
-            <a:spLocks/>
+            <a:spLocks noGrp="1"/>
           </p:cNvSpPr>
           <p:nvPr>
             <p:ph type="ftr"/>
           </p:nvPr>
         </p:nvSpPr>
         <p:spPr>
-          <a:xfrm rot="0">
+          <a:xfrm>
             <a:off x="3124200" y="6356350"/>
             <a:ext cx="2896235" cy="365760"/>
           </a:xfrm>
-          <a:prstGeom prst="rect"/>
+          <a:prstGeom prst="rect">
+            <a:avLst/>
+          </a:prstGeom>
           <a:noFill/>
           <a:ln w="0">
             <a:noFill/>
@@ -16733,7 +16980,7 @@
           </a:ln>
         </p:spPr>
         <p:txBody>
-          <a:bodyPr wrap="square" lIns="91440" tIns="45720" rIns="91440" bIns="45720" vert="horz" anchor="ctr">
+          <a:bodyPr vert="horz" wrap="square" lIns="91440" tIns="45720" rIns="91440" bIns="45720" anchor="ctr">
             <a:noAutofit/>
           </a:bodyPr>
           <a:lstStyle/>
@@ -16742,6 +16989,7 @@
               <a:buFontTx/>
               <a:buNone/>
             </a:pPr>
+            <a:endParaRPr/>
           </a:p>
         </p:txBody>
       </p:sp>
@@ -16749,18 +16997,20 @@
         <p:nvSpPr>
           <p:cNvPr id="10" name="Rect 0"/>
           <p:cNvSpPr txBox="1">
-            <a:spLocks/>
+            <a:spLocks noGrp="1"/>
           </p:cNvSpPr>
           <p:nvPr>
             <p:ph type="sldNum"/>
           </p:nvPr>
         </p:nvSpPr>
         <p:spPr>
-          <a:xfrm rot="0">
+          <a:xfrm>
             <a:off x="6553200" y="6356350"/>
             <a:ext cx="2134235" cy="365760"/>
           </a:xfrm>
-          <a:prstGeom prst="rect"/>
+          <a:prstGeom prst="rect">
+            <a:avLst/>
+          </a:prstGeom>
           <a:noFill/>
           <a:ln w="0">
             <a:noFill/>
@@ -16768,12 +17018,12 @@
           </a:ln>
         </p:spPr>
         <p:txBody>
-          <a:bodyPr wrap="square" lIns="91440" tIns="45720" rIns="91440" bIns="45720" vert="horz" anchor="ctr">
+          <a:bodyPr vert="horz" wrap="square" lIns="91440" tIns="45720" rIns="91440" bIns="45720" anchor="ctr">
             <a:noAutofit/>
           </a:bodyPr>
           <a:lstStyle/>
           <a:p>
-            <a:pPr marL="0" indent="0" rtl="0" algn="r" latinLnBrk="0">
+            <a:pPr marL="0" indent="0" algn="r" rtl="0" latinLnBrk="0">
               <a:buFontTx/>
               <a:buNone/>
             </a:pPr>
@@ -16784,6 +17034,10 @@
               </a:rPr>
               <a:t>‹#›</a:t>
             </a:fld>
+            <a:endParaRPr>
+              <a:latin typeface="맑은 고딕" charset="0"/>
+              <a:ea typeface="맑은 고딕" charset="0"/>
+            </a:endParaRPr>
           </a:p>
         </p:txBody>
       </p:sp>
@@ -16802,19 +17056,11 @@
     <p:sldLayoutId id="2147483743" r:id="rId9"/>
     <p:sldLayoutId id="2147483744" r:id="rId10"/>
   </p:sldLayoutIdLst>
-  <mc:AlternateContent xmlns:mc="http://schemas.openxmlformats.org/markup-compatibility/2006">
-    <mc:Choice xmlns:p14="http://schemas.microsoft.com/office/powerpoint/2010/main" Requires="p14">
-      <p:transition spd="slow" p14:dur="2000"/>
-    </mc:Choice>
-    <mc:Fallback>
-      <p:transition spd="slow"/>
-    </mc:Fallback>
-  </mc:AlternateContent>
   <p:txStyles>
     <p:titleStyle>
-      <a:lvl1pPr algn="ctr" marL="0" indent="0" defTabSz="914400" latinLnBrk="1">
+      <a:lvl1pPr marL="0" indent="0" algn="ctr" defTabSz="914400" latinLnBrk="1">
         <a:buNone/>
-        <a:defRPr lang="ko-KR" smtClean="0" sz="4400" baseline="0">
+        <a:defRPr lang="ko-KR" sz="4400" baseline="0" smtClean="0">
           <a:solidFill>
             <a:schemeClr val="tx1"/>
           </a:solidFill>
@@ -16825,13 +17071,13 @@
       </a:lvl1pPr>
     </p:titleStyle>
     <p:bodyStyle>
-      <a:lvl1pPr algn="l" marL="342900" indent="-342900" defTabSz="914400" latinLnBrk="1">
+      <a:lvl1pPr marL="342900" indent="-342900" algn="l" defTabSz="914400" latinLnBrk="1">
         <a:spcBef>
           <a:spcPct val="20000"/>
         </a:spcBef>
         <a:buFont typeface="Arial"/>
         <a:buChar char="0"/>
-        <a:defRPr lang="ko-KR" smtClean="0" sz="2800" baseline="0">
+        <a:defRPr lang="ko-KR" sz="2800" baseline="0" smtClean="0">
           <a:solidFill>
             <a:schemeClr val="tx1"/>
           </a:solidFill>
@@ -16840,27 +17086,27 @@
           <a:cs typeface="+mn-cs"/>
         </a:defRPr>
       </a:lvl1pPr>
-      <a:lvl2pPr lvl="1" marL="742950" indent="-285750" defTabSz="914400" latinLnBrk="1">
+      <a:lvl2pPr marL="742950" lvl="1" indent="-285750" defTabSz="914400" latinLnBrk="1">
         <a:buChar char="-"/>
-        <a:defRPr lang="ko-KR" smtClean="0" sz="2400"/>
+        <a:defRPr lang="ko-KR" sz="2400" smtClean="0"/>
       </a:lvl2pPr>
-      <a:lvl3pPr lvl="2" marL="1143000" indent="-228600" defTabSz="914400" latinLnBrk="1">
+      <a:lvl3pPr marL="1143000" lvl="2" indent="-228600" defTabSz="914400" latinLnBrk="1">
         <a:buChar char="0"/>
-        <a:defRPr lang="ko-KR" smtClean="0" sz="2000"/>
+        <a:defRPr lang="ko-KR" sz="2000" smtClean="0"/>
       </a:lvl3pPr>
-      <a:lvl4pPr lvl="3" marL="1600200" indent="-228600" defTabSz="914400" latinLnBrk="1">
+      <a:lvl4pPr marL="1600200" lvl="3" indent="-228600" defTabSz="914400" latinLnBrk="1">
         <a:buChar char="-"/>
-        <a:defRPr lang="ko-KR" smtClean="0" sz="1800"/>
+        <a:defRPr lang="ko-KR" sz="1800" smtClean="0"/>
       </a:lvl4pPr>
-      <a:lvl5pPr lvl="4" marL="2057400" indent="-228600" defTabSz="914400" latinLnBrk="1">
+      <a:lvl5pPr marL="2057400" lvl="4" indent="-228600" defTabSz="914400" latinLnBrk="1">
         <a:buChar char="-69"/>
-        <a:defRPr lang="ko-KR" smtClean="0" sz="1800"/>
+        <a:defRPr lang="ko-KR" sz="1800" smtClean="0"/>
       </a:lvl5pPr>
     </p:bodyStyle>
     <p:otherStyle>
-      <a:lvl1pPr algn="l" marL="0" indent="0" defTabSz="914400" latinLnBrk="1">
+      <a:lvl1pPr marL="0" indent="0" algn="l" defTabSz="914400" latinLnBrk="1">
         <a:buNone/>
-        <a:defRPr lang="ko-KR" smtClean="0" sz="1800" baseline="0">
+        <a:defRPr lang="ko-KR" sz="1800" baseline="0" smtClean="0">
           <a:solidFill>
             <a:schemeClr val="tx1"/>
           </a:solidFill>
@@ -16869,27 +17115,20 @@
           <a:cs typeface="+mn-cs"/>
         </a:defRPr>
       </a:lvl1pPr>
-      <a:lvl2pPr lvl="1" marL="457200" indent="0" defTabSz="914400" latinLnBrk="1">
+      <a:lvl2pPr marL="457200" lvl="1" indent="0" defTabSz="914400" latinLnBrk="1">
         <a:defRPr lang="ko-KR" smtClean="0"/>
       </a:lvl2pPr>
-      <a:lvl3pPr lvl="2" marL="914400" indent="0" defTabSz="914400" latinLnBrk="1">
+      <a:lvl3pPr marL="914400" lvl="2" indent="0" defTabSz="914400" latinLnBrk="1">
         <a:defRPr lang="ko-KR" smtClean="0"/>
       </a:lvl3pPr>
-      <a:lvl4pPr lvl="3" marL="1371600" indent="0" defTabSz="914400" latinLnBrk="1">
+      <a:lvl4pPr marL="1371600" lvl="3" indent="0" defTabSz="914400" latinLnBrk="1">
         <a:defRPr lang="ko-KR" smtClean="0"/>
       </a:lvl4pPr>
-      <a:lvl5pPr lvl="4" marL="1828800" indent="0" defTabSz="914400" latinLnBrk="1">
+      <a:lvl5pPr marL="1828800" lvl="4" indent="0" defTabSz="914400" latinLnBrk="1">
         <a:defRPr lang="ko-KR" smtClean="0"/>
       </a:lvl5pPr>
     </p:otherStyle>
   </p:txStyles>
-  <p:timing>
-    <p:tnLst>
-      <p:par>
-        <p:cTn id="1" dur="indefinite" restart="never" nodeType="tmRoot"/>
-      </p:par>
-    </p:tnLst>
-  </p:timing>
 </p:sldMaster>
 </file>
 
@@ -20132,7 +20371,7 @@
           <p:nvPr/>
         </p:nvPicPr>
         <p:blipFill rotWithShape="1">
-          <a:blip r:embed="rId2" cstate="hqprint">
+          <a:blip r:embed="rId3" cstate="hqprint">
             <a:extLst>
               <a:ext uri="{28A0092B-C50C-407E-A947-70E740481C1C}">
                 <a14:useLocalDpi xmlns:a14="http://schemas.microsoft.com/office/drawing/2010/main"/>
@@ -20144,11 +20383,13 @@
           </a:stretch>
         </p:blipFill>
         <p:spPr>
-          <a:xfrm rot="0">
+          <a:xfrm>
             <a:off x="1435100" y="1524000"/>
             <a:ext cx="15093950" cy="48895"/>
           </a:xfrm>
-          <a:prstGeom prst="rect"/>
+          <a:prstGeom prst="rect">
+            <a:avLst/>
+          </a:prstGeom>
           <a:noFill/>
           <a:ln w="0">
             <a:noFill/>
@@ -20165,11 +20406,13 @@
           <p:nvPr/>
         </p:nvSpPr>
         <p:spPr>
-          <a:xfrm rot="0">
+          <a:xfrm>
             <a:off x="349250" y="238125"/>
             <a:ext cx="17623790" cy="9823450"/>
           </a:xfrm>
-          <a:prstGeom prst="rect"/>
+          <a:prstGeom prst="rect">
+            <a:avLst/>
+          </a:prstGeom>
           <a:noFill/>
           <a:ln w="57150" cap="flat" cmpd="sng">
             <a:solidFill>
@@ -20198,13 +20441,13 @@
           </a:fontRef>
         </p:style>
         <p:txBody>
-          <a:bodyPr wrap="square" lIns="91440" tIns="45720" rIns="91440" bIns="45720" vert="horz" anchor="ctr">
+          <a:bodyPr vert="horz" wrap="square" lIns="91440" tIns="45720" rIns="91440" bIns="45720" anchor="ctr">
             <a:noAutofit/>
           </a:bodyPr>
           <a:lstStyle/>
           <a:p>
-            <a:pPr marL="0" indent="0" rtl="0" algn="ctr" latinLnBrk="0" hangingPunct="1"/>
-            <a:endParaRPr lang="ko-KR" altLang="en-US" sz="1800" cap="none" i="0" b="0" strike="noStrike">
+            <a:pPr marL="0" indent="0" algn="ctr" rtl="0" latinLnBrk="0" hangingPunct="1"/>
+            <a:endParaRPr lang="ko-KR" altLang="en-US" sz="1800" b="0" i="0" strike="noStrike" cap="none">
               <a:latin typeface="맑은 고딕" charset="0"/>
               <a:ea typeface="맑은 고딕" charset="0"/>
             </a:endParaRPr>
@@ -20220,7 +20463,7 @@
           <p:nvPr/>
         </p:nvPicPr>
         <p:blipFill rotWithShape="1">
-          <a:blip r:embed="rId3" cstate="hqprint">
+          <a:blip r:embed="rId4" cstate="hqprint">
             <a:extLst>
               <a:ext uri="{28A0092B-C50C-407E-A947-70E740481C1C}">
                 <a14:useLocalDpi xmlns:a14="http://schemas.microsoft.com/office/drawing/2010/main"/>
@@ -20232,11 +20475,13 @@
           </a:stretch>
         </p:blipFill>
         <p:spPr>
-          <a:xfrm rot="0">
+          <a:xfrm>
             <a:off x="4349750" y="1856740"/>
             <a:ext cx="9589770" cy="7920355"/>
           </a:xfrm>
-          <a:prstGeom prst="rect"/>
+          <a:prstGeom prst="rect">
+            <a:avLst/>
+          </a:prstGeom>
           <a:noFill/>
           <a:ln w="57150" cap="flat" cmpd="sng">
             <a:solidFill>
@@ -20258,11 +20503,13 @@
           <p:nvPr/>
         </p:nvSpPr>
         <p:spPr>
-          <a:xfrm rot="0">
+          <a:xfrm>
             <a:off x="4304665" y="486410"/>
             <a:ext cx="9679305" cy="1693545"/>
           </a:xfrm>
-          <a:prstGeom prst="rect"/>
+          <a:prstGeom prst="rect">
+            <a:avLst/>
+          </a:prstGeom>
           <a:noFill/>
           <a:ln w="0">
             <a:noFill/>
@@ -20270,14 +20517,14 @@
           </a:ln>
         </p:spPr>
         <p:txBody>
-          <a:bodyPr wrap="square" lIns="91440" tIns="45720" rIns="91440" bIns="45720" vert="horz" anchor="t">
+          <a:bodyPr vert="horz" wrap="square" lIns="91440" tIns="45720" rIns="91440" bIns="45720" anchor="t">
             <a:spAutoFit/>
           </a:bodyPr>
           <a:lstStyle/>
           <a:p>
-            <a:pPr marL="0" indent="0" rtl="0" algn="ctr" latinLnBrk="0"/>
+            <a:pPr marL="0" indent="0" algn="ctr" rtl="0" latinLnBrk="0"/>
             <a:r>
-              <a:rPr sz="5000" cap="none" i="0" b="1" strike="noStrike">
+              <a:rPr sz="5000" b="1" i="0" strike="noStrike" cap="none">
                 <a:solidFill>
                   <a:srgbClr val="694680"/>
                 </a:solidFill>
@@ -20287,7 +20534,7 @@
               <a:t>진행상황 </a:t>
             </a:r>
             <a:r>
-              <a:rPr sz="4000" cap="none" i="0" b="1" strike="noStrike">
+              <a:rPr sz="4000" b="1" i="0" strike="noStrike" cap="none">
                 <a:solidFill>
                   <a:srgbClr val="694680"/>
                 </a:solidFill>
@@ -20296,7 +20543,7 @@
               </a:rPr>
               <a:t>- Entity Relationship Diagram</a:t>
             </a:r>
-            <a:endParaRPr lang="ko-KR" altLang="en-US" sz="4000" cap="none" i="0" b="1" strike="noStrike">
+            <a:endParaRPr lang="ko-KR" altLang="en-US" sz="4000" b="1" i="0" strike="noStrike" cap="none">
               <a:solidFill>
                 <a:srgbClr val="694680"/>
               </a:solidFill>
@@ -20305,11 +20552,11 @@
             </a:endParaRPr>
           </a:p>
           <a:p>
-            <a:pPr marL="0" indent="0" rtl="0" algn="ctr" latinLnBrk="0">
+            <a:pPr marL="0" indent="0" algn="ctr" rtl="0" latinLnBrk="0">
               <a:buFontTx/>
               <a:buNone/>
             </a:pPr>
-            <a:endParaRPr lang="ko-KR" altLang="en-US" sz="5000" cap="none" i="0" b="1" strike="noStrike">
+            <a:endParaRPr lang="ko-KR" altLang="en-US" sz="5000" b="1" i="0" strike="noStrike" cap="none">
               <a:solidFill>
                 <a:srgbClr val="694680"/>
               </a:solidFill>
@@ -20324,26 +20571,11 @@
   <p:clrMapOvr>
     <a:masterClrMapping/>
   </p:clrMapOvr>
-  <mc:AlternateContent xmlns:mc="http://schemas.openxmlformats.org/markup-compatibility/2006">
-    <mc:Choice xmlns:p14="http://schemas.microsoft.com/office/powerpoint/2010/main" Requires="p14">
-      <p:transition spd="slow" p14:dur="2000"/>
-    </mc:Choice>
-    <mc:Fallback>
-      <p:transition spd="slow"/>
-    </mc:Fallback>
-  </mc:AlternateContent>
-  <p:timing>
-    <p:tnLst>
-      <p:par>
-        <p:cTn id="1" dur="indefinite" restart="never" nodeType="tmRoot"/>
-      </p:par>
-    </p:tnLst>
-  </p:timing>
 </p:sld>
 </file>
 
 <file path=ppt/slides/slide13.xml><?xml version="1.0" encoding="utf-8"?>
-<p:sld xmlns:a="http://schemas.openxmlformats.org/drawingml/2006/main" xmlns:r="http://schemas.openxmlformats.org/officeDocument/2006/relationships" xmlns:p="http://schemas.openxmlformats.org/presentationml/2006/main" xmlns:p14="http://schemas.microsoft.com/office/powerpoint/2010/main">
+<p:sld xmlns:a="http://schemas.openxmlformats.org/drawingml/2006/main" xmlns:r="http://schemas.openxmlformats.org/officeDocument/2006/relationships" xmlns:p="http://schemas.openxmlformats.org/presentationml/2006/main">
   <p:cSld>
     <p:spTree>
       <p:nvGrpSpPr>
@@ -21032,21 +21264,6 @@
   <p:clrMapOvr>
     <a:masterClrMapping/>
   </p:clrMapOvr>
-  <mc:AlternateContent xmlns:mc="http://schemas.openxmlformats.org/markup-compatibility/2006">
-    <mc:Choice xmlns:p14="http://schemas.microsoft.com/office/powerpoint/2010/main" Requires="p14">
-      <p:transition spd="slow" p14:dur="2000"/>
-    </mc:Choice>
-    <mc:Fallback>
-      <p:transition spd="slow"/>
-    </mc:Fallback>
-  </mc:AlternateContent>
-  <p:timing>
-    <p:tnLst>
-      <p:par>
-        <p:cTn id="1" dur="indefinite" restart="never" nodeType="tmRoot"/>
-      </p:par>
-    </p:tnLst>
-  </p:timing>
 </p:sld>
 </file>
 
@@ -22558,7 +22775,7 @@
 </file>
 
 <file path=ppt/slides/slide3.xml><?xml version="1.0" encoding="utf-8"?>
-<p:sld xmlns:a="http://schemas.openxmlformats.org/drawingml/2006/main" xmlns:r="http://schemas.openxmlformats.org/officeDocument/2006/relationships" xmlns:p="http://schemas.openxmlformats.org/presentationml/2006/main" xmlns:p14="http://schemas.microsoft.com/office/powerpoint/2010/main">
+<p:sld xmlns:a="http://schemas.openxmlformats.org/drawingml/2006/main" xmlns:r="http://schemas.openxmlformats.org/officeDocument/2006/relationships" xmlns:p="http://schemas.openxmlformats.org/presentationml/2006/main">
   <p:cSld>
     <p:spTree>
       <p:nvGrpSpPr>
@@ -22583,11 +22800,13 @@
           <p:nvPr/>
         </p:nvSpPr>
         <p:spPr>
-          <a:xfrm rot="0">
+          <a:xfrm>
             <a:off x="8315960" y="1604010"/>
             <a:ext cx="2337435" cy="8674100"/>
           </a:xfrm>
-          <a:prstGeom prst="rect"/>
+          <a:prstGeom prst="rect">
+            <a:avLst/>
+          </a:prstGeom>
           <a:noFill/>
           <a:ln w="0">
             <a:noFill/>
@@ -22595,7 +22814,7 @@
           </a:ln>
         </p:spPr>
         <p:txBody>
-          <a:bodyPr wrap="square" lIns="91440" tIns="45720" rIns="91440" bIns="45720" numCol="1" vert="horz" anchor="ctr">
+          <a:bodyPr vert="horz" wrap="square" lIns="91440" tIns="45720" rIns="91440" bIns="45720" numCol="1" anchor="ctr">
             <a:spAutoFit/>
           </a:bodyPr>
           <a:lstStyle/>
@@ -23067,11 +23286,13 @@
           <p:nvPr/>
         </p:nvSpPr>
         <p:spPr>
-          <a:xfrm rot="0" flipH="1">
+          <a:xfrm flipH="1">
             <a:off x="7912735" y="1806575"/>
             <a:ext cx="52705" cy="7552690"/>
           </a:xfrm>
-          <a:prstGeom prst="rect"/>
+          <a:prstGeom prst="rect">
+            <a:avLst/>
+          </a:prstGeom>
           <a:solidFill>
             <a:srgbClr val="694680"/>
           </a:solidFill>
@@ -23097,7 +23318,7 @@
           </a:fontRef>
         </p:style>
         <p:txBody>
-          <a:bodyPr wrap="square" lIns="91440" tIns="45720" rIns="91440" bIns="45720" numCol="1" vert="horz" anchor="ctr">
+          <a:bodyPr vert="horz" wrap="square" lIns="91440" tIns="45720" rIns="91440" bIns="45720" numCol="1" anchor="ctr">
             <a:noAutofit/>
           </a:bodyPr>
           <a:lstStyle/>
@@ -23120,21 +23341,6 @@
   <p:clrMapOvr>
     <a:masterClrMapping/>
   </p:clrMapOvr>
-  <mc:AlternateContent xmlns:mc="http://schemas.openxmlformats.org/markup-compatibility/2006">
-    <mc:Choice xmlns:p14="http://schemas.microsoft.com/office/powerpoint/2010/main" Requires="p14">
-      <p:transition spd="slow" p14:dur="2000"/>
-    </mc:Choice>
-    <mc:Fallback>
-      <p:transition spd="slow"/>
-    </mc:Fallback>
-  </mc:AlternateContent>
-  <p:timing>
-    <p:tnLst>
-      <p:par>
-        <p:cTn id="1" dur="indefinite" restart="never" nodeType="tmRoot"/>
-      </p:par>
-    </p:tnLst>
-  </p:timing>
 </p:sld>
 </file>
 
@@ -25095,8 +25301,8 @@
         </p:nvSpPr>
         <p:spPr>
           <a:xfrm>
-            <a:off x="1274369" y="6341462"/>
-            <a:ext cx="6671945" cy="2708434"/>
+            <a:off x="1274369" y="6187574"/>
+            <a:ext cx="6671945" cy="3016210"/>
           </a:xfrm>
           <a:prstGeom prst="rect">
             <a:avLst/>
@@ -25231,6 +25437,26 @@
               <a:buFontTx/>
               <a:buNone/>
             </a:pPr>
+            <a:endParaRPr lang="en-US" sz="1000" dirty="0">
+              <a:solidFill>
+                <a:schemeClr val="bg1"/>
+              </a:solidFill>
+              <a:latin typeface="나눔바른고딕" charset="0"/>
+              <a:ea typeface="나눔바른고딕" charset="0"/>
+              <a:cs typeface="Impact" charset="0"/>
+            </a:endParaRPr>
+          </a:p>
+          <a:p>
+            <a:pPr marL="254000" indent="-254000" algn="l" rtl="0" latinLnBrk="0">
+              <a:spcBef>
+                <a:spcPts val="0"/>
+              </a:spcBef>
+              <a:spcAft>
+                <a:spcPts val="0"/>
+              </a:spcAft>
+              <a:buFontTx/>
+              <a:buNone/>
+            </a:pPr>
             <a:r>
               <a:rPr lang="en-US" sz="3000" dirty="0">
                 <a:solidFill>
@@ -25381,8 +25607,48 @@
               </a:rPr>
               <a:t>다양화</a:t>
             </a:r>
+            <a:endParaRPr lang="en-US" sz="3000" dirty="0">
+              <a:solidFill>
+                <a:schemeClr val="bg1"/>
+              </a:solidFill>
+              <a:latin typeface="나눔바른고딕" charset="0"/>
+              <a:ea typeface="나눔바른고딕" charset="0"/>
+              <a:cs typeface="Impact" charset="0"/>
+            </a:endParaRPr>
+          </a:p>
+          <a:p>
+            <a:pPr marL="254000" indent="-254000" algn="l" rtl="0" latinLnBrk="0">
+              <a:spcBef>
+                <a:spcPts val="0"/>
+              </a:spcBef>
+              <a:spcAft>
+                <a:spcPts val="0"/>
+              </a:spcAft>
+              <a:buFontTx/>
+              <a:buNone/>
+            </a:pPr>
+            <a:endParaRPr lang="en-US" sz="1000" dirty="0">
+              <a:solidFill>
+                <a:schemeClr val="bg1"/>
+              </a:solidFill>
+              <a:latin typeface="나눔바른고딕" charset="0"/>
+              <a:ea typeface="나눔바른고딕" charset="0"/>
+              <a:cs typeface="Impact" charset="0"/>
+            </a:endParaRPr>
+          </a:p>
+          <a:p>
+            <a:pPr marL="254000" indent="-254000" algn="l" rtl="0" latinLnBrk="0">
+              <a:spcBef>
+                <a:spcPts val="0"/>
+              </a:spcBef>
+              <a:spcAft>
+                <a:spcPts val="0"/>
+              </a:spcAft>
+              <a:buFontTx/>
+              <a:buNone/>
+            </a:pPr>
             <a:r>
-              <a:rPr lang="ko-KR" altLang="en-US" sz="3000" dirty="0">
+              <a:rPr lang="en-US" altLang="ko-KR" sz="3000" dirty="0">
                 <a:solidFill>
                   <a:schemeClr val="bg1"/>
                 </a:solidFill>
@@ -25390,7 +25656,18 @@
                 <a:ea typeface="나눔바른고딕" charset="0"/>
                 <a:cs typeface="Impact" charset="0"/>
               </a:rPr>
-              <a:t>로 </a:t>
+              <a:t>    </a:t>
+            </a:r>
+            <a:r>
+              <a:rPr lang="ko-KR" altLang="en-US" sz="3000" dirty="0">
+                <a:solidFill>
+                  <a:schemeClr val="bg1"/>
+                </a:solidFill>
+                <a:latin typeface="나눔바른고딕" charset="0"/>
+                <a:ea typeface="나눔바른고딕" charset="0"/>
+                <a:cs typeface="Impact" charset="0"/>
+              </a:rPr>
+              <a:t>▷ </a:t>
             </a:r>
             <a:r>
               <a:rPr lang="en-US" sz="3000" dirty="0" err="1">
@@ -29079,6 +29356,7 @@
         <a:solidFill>
           <a:srgbClr val="694680"/>
         </a:solidFill>
+        <a:effectLst/>
       </p:bgPr>
     </p:bg>
     <p:spTree>
@@ -29104,11 +29382,13 @@
           <p:nvPr/>
         </p:nvSpPr>
         <p:spPr>
-          <a:xfrm rot="0">
+          <a:xfrm>
             <a:off x="6014085" y="414655"/>
             <a:ext cx="6257290" cy="862330"/>
           </a:xfrm>
-          <a:prstGeom prst="rect"/>
+          <a:prstGeom prst="rect">
+            <a:avLst/>
+          </a:prstGeom>
           <a:noFill/>
           <a:ln w="0">
             <a:noFill/>
@@ -29116,17 +29396,17 @@
           </a:ln>
         </p:spPr>
         <p:txBody>
-          <a:bodyPr wrap="square" lIns="91440" tIns="45720" rIns="91440" bIns="45720" vert="horz" anchor="t">
+          <a:bodyPr vert="horz" wrap="square" lIns="91440" tIns="45720" rIns="91440" bIns="45720" anchor="t">
             <a:spAutoFit/>
           </a:bodyPr>
           <a:lstStyle/>
           <a:p>
-            <a:pPr marL="0" indent="0" rtl="0" algn="ctr" latinLnBrk="0">
+            <a:pPr marL="0" indent="0" algn="ctr" rtl="0" latinLnBrk="0">
               <a:buFontTx/>
               <a:buNone/>
             </a:pPr>
             <a:r>
-              <a:rPr sz="5000" cap="none" i="0" b="1" strike="noStrike">
+              <a:rPr sz="5000" b="1" i="0" strike="noStrike" cap="none">
                 <a:solidFill>
                   <a:schemeClr val="bg1"/>
                 </a:solidFill>
@@ -29135,7 +29415,7 @@
               </a:rPr>
               <a:t>서비스 구성</a:t>
             </a:r>
-            <a:endParaRPr lang="ko-KR" altLang="en-US" sz="5000" cap="none" i="0" b="1" strike="noStrike">
+            <a:endParaRPr lang="ko-KR" altLang="en-US" sz="5000" b="1" i="0" strike="noStrike" cap="none">
               <a:solidFill>
                 <a:schemeClr val="bg1"/>
               </a:solidFill>
@@ -29154,11 +29434,13 @@
           <p:nvPr/>
         </p:nvSpPr>
         <p:spPr>
-          <a:xfrm rot="0">
+          <a:xfrm>
             <a:off x="349250" y="238125"/>
             <a:ext cx="17623155" cy="9822815"/>
           </a:xfrm>
-          <a:prstGeom prst="rect"/>
+          <a:prstGeom prst="rect">
+            <a:avLst/>
+          </a:prstGeom>
           <a:noFill/>
           <a:ln w="57150" cap="flat" cmpd="sng">
             <a:solidFill>
@@ -29187,13 +29469,13 @@
           </a:fontRef>
         </p:style>
         <p:txBody>
-          <a:bodyPr wrap="square" lIns="91440" tIns="45720" rIns="91440" bIns="45720" vert="horz" anchor="ctr">
+          <a:bodyPr vert="horz" wrap="square" lIns="91440" tIns="45720" rIns="91440" bIns="45720" anchor="ctr">
             <a:noAutofit/>
           </a:bodyPr>
           <a:lstStyle/>
           <a:p>
-            <a:pPr marL="0" indent="0" rtl="0" algn="ctr" latinLnBrk="0" hangingPunct="1"/>
-            <a:endParaRPr lang="ko-KR" altLang="en-US" sz="1800" cap="none" i="0" b="0" strike="noStrike">
+            <a:pPr marL="0" indent="0" algn="ctr" rtl="0" latinLnBrk="0" hangingPunct="1"/>
+            <a:endParaRPr lang="ko-KR" altLang="en-US" sz="1800" b="0" i="0" strike="noStrike" cap="none">
               <a:latin typeface="맑은 고딕" charset="0"/>
               <a:ea typeface="맑은 고딕" charset="0"/>
             </a:endParaRPr>
@@ -29209,11 +29491,13 @@
           <p:nvPr/>
         </p:nvSpPr>
         <p:spPr>
-          <a:xfrm rot="0">
+          <a:xfrm>
             <a:off x="2527935" y="2386965"/>
             <a:ext cx="5276850" cy="754380"/>
           </a:xfrm>
-          <a:prstGeom prst="rect"/>
+          <a:prstGeom prst="rect">
+            <a:avLst/>
+          </a:prstGeom>
           <a:noFill/>
           <a:ln w="0">
             <a:noFill/>
@@ -29221,17 +29505,17 @@
           </a:ln>
         </p:spPr>
         <p:txBody>
-          <a:bodyPr wrap="square" lIns="91440" tIns="45720" rIns="91440" bIns="45720" vert="horz" anchor="t">
+          <a:bodyPr vert="horz" wrap="square" lIns="91440" tIns="45720" rIns="91440" bIns="45720" anchor="t">
             <a:spAutoFit/>
           </a:bodyPr>
           <a:lstStyle/>
           <a:p>
-            <a:pPr marL="0" indent="0" rtl="0" algn="ctr" latinLnBrk="0">
+            <a:pPr marL="0" indent="0" algn="ctr" rtl="0" latinLnBrk="0">
               <a:buFontTx/>
               <a:buNone/>
             </a:pPr>
             <a:r>
-              <a:rPr sz="4300" cap="none" i="0" b="1" strike="noStrike">
+              <a:rPr sz="4300" b="1" i="0" strike="noStrike" cap="none">
                 <a:solidFill>
                   <a:schemeClr val="bg1"/>
                 </a:solidFill>
@@ -29240,7 +29524,7 @@
               </a:rPr>
               <a:t>패션 센스 피드백</a:t>
             </a:r>
-            <a:endParaRPr lang="ko-KR" altLang="en-US" sz="4300" cap="none" i="0" b="1" strike="noStrike">
+            <a:endParaRPr lang="ko-KR" altLang="en-US" sz="4300" b="1" i="0" strike="noStrike" cap="none">
               <a:solidFill>
                 <a:schemeClr val="bg1"/>
               </a:solidFill>
@@ -29259,11 +29543,13 @@
           <p:nvPr/>
         </p:nvSpPr>
         <p:spPr>
-          <a:xfrm rot="0">
+          <a:xfrm>
             <a:off x="2341245" y="3371215"/>
             <a:ext cx="5862955" cy="985520"/>
           </a:xfrm>
-          <a:prstGeom prst="rect"/>
+          <a:prstGeom prst="rect">
+            <a:avLst/>
+          </a:prstGeom>
           <a:noFill/>
           <a:ln w="0">
             <a:noFill/>
@@ -29271,17 +29557,17 @@
           </a:ln>
         </p:spPr>
         <p:txBody>
-          <a:bodyPr wrap="square" lIns="91440" tIns="45720" rIns="91440" bIns="45720" vert="horz" anchor="t">
+          <a:bodyPr vert="horz" wrap="square" lIns="91440" tIns="45720" rIns="91440" bIns="45720" anchor="t">
             <a:spAutoFit/>
           </a:bodyPr>
           <a:lstStyle/>
           <a:p>
-            <a:pPr marL="254000" indent="-254000" rtl="0" algn="l" latinLnBrk="0">
+            <a:pPr marL="254000" indent="-254000" algn="l" rtl="0" latinLnBrk="0">
               <a:buFont typeface="Wingdings"/>
               <a:buChar char=""/>
             </a:pPr>
             <a:r>
-              <a:rPr sz="2900" cap="none" i="0" b="0" strike="noStrike">
+              <a:rPr sz="2900" b="0" i="0" strike="noStrike" cap="none">
                 <a:solidFill>
                   <a:schemeClr val="bg1"/>
                 </a:solidFill>
@@ -29290,7 +29576,7 @@
               </a:rPr>
               <a:t>유저가 작성한 데일리룩에 점수</a:t>
             </a:r>
-            <a:endParaRPr lang="ko-KR" altLang="en-US" sz="2900" cap="none" i="0" b="0" strike="noStrike">
+            <a:endParaRPr lang="ko-KR" altLang="en-US" sz="2900" b="0" i="0" strike="noStrike" cap="none">
               <a:solidFill>
                 <a:schemeClr val="bg1"/>
               </a:solidFill>
@@ -29299,9 +29585,9 @@
             </a:endParaRPr>
           </a:p>
           <a:p>
-            <a:pPr marL="0" indent="0" rtl="0" algn="l" latinLnBrk="0"/>
+            <a:pPr marL="0" indent="0" algn="l" rtl="0" latinLnBrk="0"/>
             <a:r>
-              <a:rPr sz="2900" cap="none" i="0" b="0" strike="noStrike">
+              <a:rPr sz="2900" b="0" i="0" strike="noStrike" cap="none">
                 <a:solidFill>
                   <a:schemeClr val="bg1"/>
                 </a:solidFill>
@@ -29310,7 +29596,7 @@
               </a:rPr>
               <a:t>  (항목 체크 방식)와 의견으로 피드백</a:t>
             </a:r>
-            <a:endParaRPr lang="ko-KR" altLang="en-US" sz="2900" cap="none" i="0" b="0" strike="noStrike">
+            <a:endParaRPr lang="ko-KR" altLang="en-US" sz="2900" b="0" i="0" strike="noStrike" cap="none">
               <a:solidFill>
                 <a:schemeClr val="bg1"/>
               </a:solidFill>
@@ -29323,94 +29609,6 @@
       <p:pic>
         <p:nvPicPr>
           <p:cNvPr id="178" name="Picture " descr="C:/Users/admin/AppData/Roaming/PolarisOffice/ETemp/10756_10466160/fImage2554042741.png"/>
-          <p:cNvPicPr>
-            <a:picLocks noChangeAspect="1"/>
-          </p:cNvPicPr>
-          <p:nvPr/>
-        </p:nvPicPr>
-        <p:blipFill rotWithShape="1">
-          <a:blip r:embed="rId2" cstate="hqprint">
-            <a:extLst>
-              <a:ext uri="{28A0092B-C50C-407E-A947-70E740481C1C}">
-                <a14:useLocalDpi xmlns:a14="http://schemas.microsoft.com/office/drawing/2010/main"/>
-              </a:ext>
-            </a:extLst>
-          </a:blip>
-          <a:stretch>
-            <a:fillRect/>
-          </a:stretch>
-        </p:blipFill>
-        <p:spPr>
-          <a:xfrm rot="0">
-            <a:off x="9257030" y="1637665"/>
-            <a:ext cx="7142480" cy="3528695"/>
-          </a:xfrm>
-          <a:prstGeom prst="rect"/>
-          <a:noFill/>
-          <a:ln w="57150" cap="flat" cmpd="sng">
-            <a:solidFill>
-              <a:schemeClr val="bg1">
-                <a:alpha val="100000"/>
-              </a:schemeClr>
-            </a:solidFill>
-            <a:prstDash val="solid"/>
-            <a:round/>
-          </a:ln>
-        </p:spPr>
-      </p:pic>
-      <p:sp>
-        <p:nvSpPr>
-          <p:cNvPr id="192" name="Rect 0"/>
-          <p:cNvSpPr txBox="1">
-            <a:spLocks/>
-          </p:cNvSpPr>
-          <p:nvPr/>
-        </p:nvSpPr>
-        <p:spPr>
-          <a:xfrm rot="0">
-            <a:off x="2415540" y="7402195"/>
-            <a:ext cx="5499100" cy="1431925"/>
-          </a:xfrm>
-          <a:prstGeom prst="rect"/>
-          <a:noFill/>
-          <a:ln w="0">
-            <a:noFill/>
-            <a:prstDash/>
-          </a:ln>
-        </p:spPr>
-        <p:txBody>
-          <a:bodyPr wrap="square" lIns="91440" tIns="45720" rIns="91440" bIns="45720" vert="horz" anchor="t">
-            <a:spAutoFit/>
-          </a:bodyPr>
-          <a:lstStyle/>
-          <a:p>
-            <a:pPr marL="349250" indent="-254000" rtl="0" algn="l" latinLnBrk="0">
-              <a:buFont typeface="Wingdings"/>
-              <a:buChar char=""/>
-            </a:pPr>
-            <a:r>
-              <a:rPr sz="2900" cap="none" i="0" b="0" strike="noStrike">
-                <a:solidFill>
-                  <a:schemeClr val="bg1"/>
-                </a:solidFill>
-                <a:latin typeface="나눔바른고딕" charset="0"/>
-                <a:ea typeface="나눔바른고딕" charset="0"/>
-              </a:rPr>
-              <a:t>내가 가지고 있는 패션 아이템을 추가해 데일리룩에 더하고, 나만의 옷장을 만들어 관리</a:t>
-            </a:r>
-            <a:endParaRPr lang="ko-KR" altLang="en-US" sz="2900" cap="none" i="0" b="0" strike="noStrike">
-              <a:solidFill>
-                <a:schemeClr val="bg1"/>
-              </a:solidFill>
-              <a:latin typeface="나눔바른고딕" charset="0"/>
-              <a:ea typeface="나눔바른고딕" charset="0"/>
-            </a:endParaRPr>
-          </a:p>
-        </p:txBody>
-      </p:sp>
-      <p:pic>
-        <p:nvPicPr>
-          <p:cNvPr id="193" name="Picture " descr="C:/Users/admin/AppData/Roaming/PolarisOffice/ETemp/10756_10466160/fImage1904764298467.png"/>
           <p:cNvPicPr>
             <a:picLocks noChangeAspect="1"/>
           </p:cNvPicPr>
@@ -29429,11 +29627,13 @@
           </a:stretch>
         </p:blipFill>
         <p:spPr>
-          <a:xfrm rot="0">
-            <a:off x="9257030" y="5415915"/>
-            <a:ext cx="7117715" cy="4335145"/>
-          </a:xfrm>
-          <a:prstGeom prst="rect"/>
+          <a:xfrm>
+            <a:off x="9257030" y="1637665"/>
+            <a:ext cx="7142480" cy="3528695"/>
+          </a:xfrm>
+          <a:prstGeom prst="rect">
+            <a:avLst/>
+          </a:prstGeom>
           <a:noFill/>
           <a:ln w="57150" cap="flat" cmpd="sng">
             <a:solidFill>
@@ -29448,18 +29648,20 @@
       </p:pic>
       <p:sp>
         <p:nvSpPr>
-          <p:cNvPr id="194" name="Rect 0"/>
+          <p:cNvPr id="192" name="Rect 0"/>
           <p:cNvSpPr txBox="1">
             <a:spLocks/>
           </p:cNvSpPr>
           <p:nvPr/>
         </p:nvSpPr>
         <p:spPr>
-          <a:xfrm rot="0">
-            <a:off x="2528570" y="6409690"/>
-            <a:ext cx="5276850" cy="754380"/>
-          </a:xfrm>
-          <a:prstGeom prst="rect"/>
+          <a:xfrm>
+            <a:off x="2415540" y="7402195"/>
+            <a:ext cx="5499100" cy="1431925"/>
+          </a:xfrm>
+          <a:prstGeom prst="rect">
+            <a:avLst/>
+          </a:prstGeom>
           <a:noFill/>
           <a:ln w="0">
             <a:noFill/>
@@ -29467,26 +29669,26 @@
           </a:ln>
         </p:spPr>
         <p:txBody>
-          <a:bodyPr wrap="square" lIns="91440" tIns="45720" rIns="91440" bIns="45720" vert="horz" anchor="t">
+          <a:bodyPr vert="horz" wrap="square" lIns="91440" tIns="45720" rIns="91440" bIns="45720" anchor="t">
             <a:spAutoFit/>
           </a:bodyPr>
           <a:lstStyle/>
           <a:p>
-            <a:pPr marL="0" indent="0" rtl="0" algn="ctr" latinLnBrk="0">
-              <a:buFontTx/>
-              <a:buNone/>
+            <a:pPr marL="349250" indent="-254000" algn="l" rtl="0" latinLnBrk="0">
+              <a:buFont typeface="Wingdings"/>
+              <a:buChar char=""/>
             </a:pPr>
             <a:r>
-              <a:rPr sz="4300" cap="none" i="0" b="1" strike="noStrike">
+              <a:rPr sz="2900" b="0" i="0" strike="noStrike" cap="none">
                 <a:solidFill>
                   <a:schemeClr val="bg1"/>
                 </a:solidFill>
                 <a:latin typeface="나눔바른고딕" charset="0"/>
                 <a:ea typeface="나눔바른고딕" charset="0"/>
               </a:rPr>
-              <a:t>코디(조합)</a:t>
+              <a:t>내가 가지고 있는 패션 아이템을 추가해 데일리룩에 더하고, 나만의 옷장을 만들어 관리</a:t>
             </a:r>
-            <a:endParaRPr lang="ko-KR" altLang="en-US" sz="4300" cap="none" i="0" b="1" strike="noStrike">
+            <a:endParaRPr lang="ko-KR" altLang="en-US" sz="2900" b="0" i="0" strike="noStrike" cap="none">
               <a:solidFill>
                 <a:schemeClr val="bg1"/>
               </a:solidFill>
@@ -29498,9 +29700,9 @@
       </p:sp>
       <p:pic>
         <p:nvPicPr>
-          <p:cNvPr id="198" name="Picture " descr="C:/Users/admin/AppData/Roaming/PolarisOffice/ETemp/10756_10466160/fImage1374316334.png"/>
+          <p:cNvPr id="193" name="Picture " descr="C:/Users/admin/AppData/Roaming/PolarisOffice/ETemp/10756_10466160/fImage1904764298467.png"/>
           <p:cNvPicPr>
-            <a:picLocks/>
+            <a:picLocks noChangeAspect="1"/>
           </p:cNvPicPr>
           <p:nvPr/>
         </p:nvPicPr>
@@ -29517,21 +29719,80 @@
           </a:stretch>
         </p:blipFill>
         <p:spPr>
-          <a:xfrm rot="0">
-            <a:off x="2124710" y="6215380"/>
-            <a:ext cx="6478270" cy="48895"/>
-          </a:xfrm>
-          <a:prstGeom prst="rect"/>
+          <a:xfrm>
+            <a:off x="9257030" y="5415915"/>
+            <a:ext cx="7117715" cy="4335145"/>
+          </a:xfrm>
+          <a:prstGeom prst="rect">
+            <a:avLst/>
+          </a:prstGeom>
+          <a:noFill/>
+          <a:ln w="57150" cap="flat" cmpd="sng">
+            <a:solidFill>
+              <a:schemeClr val="bg1">
+                <a:alpha val="100000"/>
+              </a:schemeClr>
+            </a:solidFill>
+            <a:prstDash val="solid"/>
+            <a:round/>
+          </a:ln>
+        </p:spPr>
+      </p:pic>
+      <p:sp>
+        <p:nvSpPr>
+          <p:cNvPr id="194" name="Rect 0"/>
+          <p:cNvSpPr txBox="1">
+            <a:spLocks/>
+          </p:cNvSpPr>
+          <p:nvPr/>
+        </p:nvSpPr>
+        <p:spPr>
+          <a:xfrm>
+            <a:off x="2528570" y="6409690"/>
+            <a:ext cx="5276850" cy="754380"/>
+          </a:xfrm>
+          <a:prstGeom prst="rect">
+            <a:avLst/>
+          </a:prstGeom>
           <a:noFill/>
           <a:ln w="0">
             <a:noFill/>
             <a:prstDash/>
           </a:ln>
         </p:spPr>
-      </p:pic>
+        <p:txBody>
+          <a:bodyPr vert="horz" wrap="square" lIns="91440" tIns="45720" rIns="91440" bIns="45720" anchor="t">
+            <a:spAutoFit/>
+          </a:bodyPr>
+          <a:lstStyle/>
+          <a:p>
+            <a:pPr marL="0" indent="0" algn="ctr" rtl="0" latinLnBrk="0">
+              <a:buFontTx/>
+              <a:buNone/>
+            </a:pPr>
+            <a:r>
+              <a:rPr sz="4300" b="1" i="0" strike="noStrike" cap="none">
+                <a:solidFill>
+                  <a:schemeClr val="bg1"/>
+                </a:solidFill>
+                <a:latin typeface="나눔바른고딕" charset="0"/>
+                <a:ea typeface="나눔바른고딕" charset="0"/>
+              </a:rPr>
+              <a:t>코디(조합)</a:t>
+            </a:r>
+            <a:endParaRPr lang="ko-KR" altLang="en-US" sz="4300" b="1" i="0" strike="noStrike" cap="none">
+              <a:solidFill>
+                <a:schemeClr val="bg1"/>
+              </a:solidFill>
+              <a:latin typeface="나눔바른고딕" charset="0"/>
+              <a:ea typeface="나눔바른고딕" charset="0"/>
+            </a:endParaRPr>
+          </a:p>
+        </p:txBody>
+      </p:sp>
       <p:pic>
         <p:nvPicPr>
-          <p:cNvPr id="199" name="Picture " descr="C:/Users/admin/AppData/Roaming/PolarisOffice/ETemp/10756_10466160/fImage1614326500.png"/>
+          <p:cNvPr id="198" name="Picture " descr="C:/Users/admin/AppData/Roaming/PolarisOffice/ETemp/10756_10466160/fImage1374316334.png"/>
           <p:cNvPicPr>
             <a:picLocks/>
           </p:cNvPicPr>
@@ -29550,11 +29811,48 @@
           </a:stretch>
         </p:blipFill>
         <p:spPr>
-          <a:xfrm rot="0">
+          <a:xfrm>
+            <a:off x="2124710" y="6215380"/>
+            <a:ext cx="6478270" cy="48895"/>
+          </a:xfrm>
+          <a:prstGeom prst="rect">
+            <a:avLst/>
+          </a:prstGeom>
+          <a:noFill/>
+          <a:ln w="0">
+            <a:noFill/>
+            <a:prstDash/>
+          </a:ln>
+        </p:spPr>
+      </p:pic>
+      <p:pic>
+        <p:nvPicPr>
+          <p:cNvPr id="199" name="Picture " descr="C:/Users/admin/AppData/Roaming/PolarisOffice/ETemp/10756_10466160/fImage1614326500.png"/>
+          <p:cNvPicPr>
+            <a:picLocks/>
+          </p:cNvPicPr>
+          <p:nvPr/>
+        </p:nvPicPr>
+        <p:blipFill rotWithShape="1">
+          <a:blip r:embed="rId6" cstate="hqprint">
+            <a:extLst>
+              <a:ext uri="{28A0092B-C50C-407E-A947-70E740481C1C}">
+                <a14:useLocalDpi xmlns:a14="http://schemas.microsoft.com/office/drawing/2010/main"/>
+              </a:ext>
+            </a:extLst>
+          </a:blip>
+          <a:stretch>
+            <a:fillRect/>
+          </a:stretch>
+        </p:blipFill>
+        <p:spPr>
+          <a:xfrm>
             <a:off x="2225675" y="1308100"/>
             <a:ext cx="13870305" cy="48895"/>
           </a:xfrm>
-          <a:prstGeom prst="rect"/>
+          <a:prstGeom prst="rect">
+            <a:avLst/>
+          </a:prstGeom>
           <a:noFill/>
           <a:ln w="0">
             <a:noFill/>
@@ -29583,11 +29881,13 @@
           </a:stretch>
         </p:blipFill>
         <p:spPr>
-          <a:xfrm rot="0">
+          <a:xfrm>
             <a:off x="2464435" y="7164070"/>
             <a:ext cx="5400675" cy="48260"/>
           </a:xfrm>
-          <a:prstGeom prst="rect"/>
+          <a:prstGeom prst="rect">
+            <a:avLst/>
+          </a:prstGeom>
           <a:noFill/>
           <a:ln w="0">
             <a:noFill/>
@@ -29626,11 +29926,13 @@
           </a:stretch>
         </p:blipFill>
         <p:spPr>
-          <a:xfrm rot="0">
+          <a:xfrm>
             <a:off x="2029460" y="1805940"/>
             <a:ext cx="6270625" cy="3296285"/>
           </a:xfrm>
-          <a:prstGeom prst="rect"/>
+          <a:prstGeom prst="rect">
+            <a:avLst/>
+          </a:prstGeom>
           <a:noFill/>
           <a:ln w="19050" cap="flat" cmpd="sng">
             <a:prstDash val="solid"/>
@@ -29645,7 +29947,7 @@
           <p:nvPr/>
         </p:nvGrpSpPr>
         <p:grpSpPr>
-          <a:xfrm rot="0">
+          <a:xfrm>
             <a:off x="8292465" y="1442085"/>
             <a:ext cx="2006600" cy="766445"/>
             <a:chOff x="8292465" y="1442085"/>
@@ -29677,7 +29979,9 @@
               <a:off x="8402320" y="1442085"/>
               <a:ext cx="1797050" cy="766445"/>
             </a:xfrm>
-            <a:prstGeom prst="rect"/>
+            <a:prstGeom prst="rect">
+              <a:avLst/>
+            </a:prstGeom>
             <a:noFill/>
             <a:ln w="0">
               <a:noFill/>
@@ -29698,7 +30002,9 @@
               <a:off x="8292465" y="1624965"/>
               <a:ext cx="2006600" cy="307975"/>
             </a:xfrm>
-            <a:prstGeom prst="rect"/>
+            <a:prstGeom prst="rect">
+              <a:avLst/>
+            </a:prstGeom>
             <a:noFill/>
             <a:ln w="0">
               <a:noFill/>
@@ -29706,17 +30012,17 @@
             </a:ln>
           </p:spPr>
           <p:txBody>
-            <a:bodyPr wrap="square" lIns="91440" tIns="45720" rIns="91440" bIns="45720" vert="horz" anchor="ctr">
+            <a:bodyPr vert="horz" wrap="square" lIns="91440" tIns="45720" rIns="91440" bIns="45720" anchor="ctr">
               <a:spAutoFit/>
             </a:bodyPr>
             <a:lstStyle/>
             <a:p>
-              <a:pPr marL="0" indent="0" rtl="0" algn="ctr" latinLnBrk="0">
+              <a:pPr marL="0" indent="0" algn="ctr" rtl="0" latinLnBrk="0">
                 <a:buFontTx/>
                 <a:buNone/>
               </a:pPr>
               <a:r>
-                <a:rPr sz="1400" cap="none" i="0" b="1" strike="noStrike">
+                <a:rPr sz="1400" b="1" i="0" strike="noStrike" cap="none">
                   <a:solidFill>
                     <a:srgbClr val="694680"/>
                   </a:solidFill>
@@ -29725,7 +30031,7 @@
                 </a:rPr>
                 <a:t>댓글 작성 창의 일부</a:t>
               </a:r>
-              <a:endParaRPr lang="ko-KR" altLang="en-US" sz="1400" cap="none" i="0" b="1" strike="noStrike">
+              <a:endParaRPr lang="ko-KR" altLang="en-US" sz="1400" b="1" i="0" strike="noStrike" cap="none">
                 <a:solidFill>
                   <a:srgbClr val="694680"/>
                 </a:solidFill>
@@ -29743,7 +30049,7 @@
           <p:nvPr/>
         </p:nvGrpSpPr>
         <p:grpSpPr>
-          <a:xfrm rot="0">
+          <a:xfrm>
             <a:off x="8350250" y="4871085"/>
             <a:ext cx="1845945" cy="766445"/>
             <a:chOff x="8350250" y="4871085"/>
@@ -29759,7 +30065,7 @@
             <p:nvPr/>
           </p:nvPicPr>
           <p:blipFill rotWithShape="1">
-            <a:blip r:embed="rId9" cstate="hqprint">
+            <a:blip r:embed="rId8" cstate="hqprint">
               <a:extLst>
                 <a:ext uri="{28A0092B-C50C-407E-A947-70E740481C1C}">
                   <a14:useLocalDpi xmlns:a14="http://schemas.microsoft.com/office/drawing/2010/main"/>
@@ -29775,7 +30081,9 @@
               <a:off x="8469630" y="4871085"/>
               <a:ext cx="1653540" cy="766445"/>
             </a:xfrm>
-            <a:prstGeom prst="rect"/>
+            <a:prstGeom prst="rect">
+              <a:avLst/>
+            </a:prstGeom>
             <a:noFill/>
             <a:ln w="0">
               <a:noFill/>
@@ -29796,7 +30104,9 @@
               <a:off x="8350250" y="4953635"/>
               <a:ext cx="1845945" cy="523875"/>
             </a:xfrm>
-            <a:prstGeom prst="rect"/>
+            <a:prstGeom prst="rect">
+              <a:avLst/>
+            </a:prstGeom>
             <a:noFill/>
             <a:ln w="0">
               <a:noFill/>
@@ -29804,17 +30114,17 @@
             </a:ln>
           </p:spPr>
           <p:txBody>
-            <a:bodyPr wrap="square" lIns="91440" tIns="45720" rIns="91440" bIns="45720" vert="horz" anchor="ctr">
+            <a:bodyPr vert="horz" wrap="square" lIns="91440" tIns="45720" rIns="91440" bIns="45720" anchor="ctr">
               <a:spAutoFit/>
             </a:bodyPr>
             <a:lstStyle/>
             <a:p>
-              <a:pPr marL="0" indent="0" rtl="0" algn="ctr" latinLnBrk="0">
+              <a:pPr marL="0" indent="0" algn="ctr" rtl="0" latinLnBrk="0">
                 <a:buFontTx/>
                 <a:buNone/>
               </a:pPr>
               <a:r>
-                <a:rPr sz="1400" cap="none" i="0" b="1" strike="noStrike">
+                <a:rPr sz="1400" b="1" i="0" strike="noStrike" cap="none">
                   <a:solidFill>
                     <a:srgbClr val="694680"/>
                   </a:solidFill>
@@ -29823,7 +30133,7 @@
                 </a:rPr>
                 <a:t>옷장 생성 후</a:t>
               </a:r>
-              <a:endParaRPr lang="ko-KR" altLang="en-US" sz="1400" cap="none" i="0" b="1" strike="noStrike">
+              <a:endParaRPr lang="ko-KR" altLang="en-US" sz="1400" b="1" i="0" strike="noStrike" cap="none">
                 <a:solidFill>
                   <a:srgbClr val="694680"/>
                 </a:solidFill>
@@ -29832,12 +30142,12 @@
               </a:endParaRPr>
             </a:p>
             <a:p>
-              <a:pPr marL="0" indent="0" rtl="0" algn="ctr" latinLnBrk="0">
+              <a:pPr marL="0" indent="0" algn="ctr" rtl="0" latinLnBrk="0">
                 <a:buFontTx/>
                 <a:buNone/>
               </a:pPr>
               <a:r>
-                <a:rPr sz="1400" cap="none" i="0" b="1" strike="noStrike">
+                <a:rPr sz="1400" b="1" i="0" strike="noStrike" cap="none">
                   <a:solidFill>
                     <a:srgbClr val="694680"/>
                   </a:solidFill>
@@ -29846,7 +30156,7 @@
                 </a:rPr>
                 <a:t>아이템 관리 창</a:t>
               </a:r>
-              <a:endParaRPr lang="ko-KR" altLang="en-US" sz="1400" cap="none" i="0" b="1" strike="noStrike">
+              <a:endParaRPr lang="ko-KR" altLang="en-US" sz="1400" b="1" i="0" strike="noStrike" cap="none">
                 <a:solidFill>
                   <a:srgbClr val="694680"/>
                 </a:solidFill>
@@ -29866,11 +30176,13 @@
           <p:nvPr/>
         </p:nvSpPr>
         <p:spPr>
-          <a:xfrm rot="0">
+          <a:xfrm>
             <a:off x="349250" y="238125"/>
             <a:ext cx="17623790" cy="9763760"/>
           </a:xfrm>
-          <a:prstGeom prst="rect"/>
+          <a:prstGeom prst="rect">
+            <a:avLst/>
+          </a:prstGeom>
           <a:noFill/>
           <a:ln w="57150" cap="flat" cmpd="sng">
             <a:solidFill>
@@ -29899,13 +30211,13 @@
           </a:fontRef>
         </p:style>
         <p:txBody>
-          <a:bodyPr wrap="square" lIns="91440" tIns="45720" rIns="91440" bIns="45720" vert="horz" anchor="ctr">
+          <a:bodyPr vert="horz" wrap="square" lIns="91440" tIns="45720" rIns="91440" bIns="45720" anchor="ctr">
             <a:noAutofit/>
           </a:bodyPr>
           <a:lstStyle/>
           <a:p>
-            <a:pPr marL="0" indent="0" rtl="0" algn="ctr" latinLnBrk="0" hangingPunct="1"/>
-            <a:endParaRPr lang="ko-KR" altLang="en-US" sz="1800" cap="none" i="0" b="0" strike="noStrike">
+            <a:pPr marL="0" indent="0" algn="ctr" rtl="0" latinLnBrk="0" hangingPunct="1"/>
+            <a:endParaRPr lang="ko-KR" altLang="en-US" sz="1800" b="0" i="0" strike="noStrike" cap="none">
               <a:latin typeface="맑은 고딕" charset="0"/>
               <a:ea typeface="맑은 고딕" charset="0"/>
             </a:endParaRPr>
@@ -29921,7 +30233,7 @@
           <p:nvPr/>
         </p:nvPicPr>
         <p:blipFill rotWithShape="1">
-          <a:blip r:embed="rId10" cstate="hqprint">
+          <a:blip r:embed="rId6" cstate="hqprint">
             <a:extLst>
               <a:ext uri="{28A0092B-C50C-407E-A947-70E740481C1C}">
                 <a14:useLocalDpi xmlns:a14="http://schemas.microsoft.com/office/drawing/2010/main"/>
@@ -29933,11 +30245,13 @@
           </a:stretch>
         </p:blipFill>
         <p:spPr>
-          <a:xfrm rot="0">
+          <a:xfrm>
             <a:off x="2466340" y="3166110"/>
             <a:ext cx="5400675" cy="48260"/>
           </a:xfrm>
-          <a:prstGeom prst="rect"/>
+          <a:prstGeom prst="rect">
+            <a:avLst/>
+          </a:prstGeom>
           <a:noFill/>
           <a:ln w="0">
             <a:noFill/>
@@ -29954,7 +30268,7 @@
           <p:nvPr/>
         </p:nvPicPr>
         <p:blipFill rotWithShape="1">
-          <a:blip r:embed="rId11" cstate="hqprint">
+          <a:blip r:embed="rId7" cstate="hqprint">
             <a:clrChange>
               <a:clrFrom>
                 <a:srgbClr val="68457F"/>
@@ -29976,11 +30290,13 @@
           </a:stretch>
         </p:blipFill>
         <p:spPr>
-          <a:xfrm rot="0">
+          <a:xfrm>
             <a:off x="2014855" y="6059805"/>
             <a:ext cx="6270625" cy="3296285"/>
           </a:xfrm>
-          <a:prstGeom prst="rect"/>
+          <a:prstGeom prst="rect">
+            <a:avLst/>
+          </a:prstGeom>
           <a:noFill/>
           <a:ln w="19050" cap="flat" cmpd="sng">
             <a:prstDash val="solid"/>
@@ -29993,21 +30309,6 @@
   <p:clrMapOvr>
     <a:masterClrMapping/>
   </p:clrMapOvr>
-  <mc:AlternateContent xmlns:mc="http://schemas.openxmlformats.org/markup-compatibility/2006">
-    <mc:Choice xmlns:p14="http://schemas.microsoft.com/office/powerpoint/2010/main" Requires="p14">
-      <p:transition spd="slow" p14:dur="2000"/>
-    </mc:Choice>
-    <mc:Fallback>
-      <p:transition spd="slow"/>
-    </mc:Fallback>
-  </mc:AlternateContent>
-  <p:timing>
-    <p:tnLst>
-      <p:par>
-        <p:cTn id="1" dur="indefinite" restart="never" nodeType="tmRoot"/>
-      </p:par>
-    </p:tnLst>
-  </p:timing>
 </p:sld>
 </file>
 
@@ -30019,6 +30320,7 @@
         <a:solidFill>
           <a:srgbClr val="694680"/>
         </a:solidFill>
+        <a:effectLst/>
       </p:bgPr>
     </p:bg>
     <p:spTree>
@@ -30044,11 +30346,13 @@
           <p:nvPr/>
         </p:nvSpPr>
         <p:spPr>
-          <a:xfrm rot="0">
+          <a:xfrm>
             <a:off x="7630160" y="375285"/>
             <a:ext cx="3022600" cy="861060"/>
           </a:xfrm>
-          <a:prstGeom prst="rect"/>
+          <a:prstGeom prst="rect">
+            <a:avLst/>
+          </a:prstGeom>
           <a:noFill/>
           <a:ln w="0">
             <a:noFill/>
@@ -30056,12 +30360,12 @@
           </a:ln>
         </p:spPr>
         <p:txBody>
-          <a:bodyPr wrap="square" lIns="91440" tIns="45720" rIns="91440" bIns="45720" numCol="1" vert="horz" anchor="t">
+          <a:bodyPr vert="horz" wrap="square" lIns="91440" tIns="45720" rIns="91440" bIns="45720" numCol="1" anchor="t">
             <a:spAutoFit/>
           </a:bodyPr>
           <a:lstStyle/>
           <a:p>
-            <a:pPr marL="0" indent="0" rtl="0" algn="ctr" latinLnBrk="0">
+            <a:pPr marL="0" indent="0" algn="ctr" rtl="0" latinLnBrk="0">
               <a:spcBef>
                 <a:spcPts val="0"/>
               </a:spcBef>
@@ -30102,11 +30406,13 @@
           <p:nvPr/>
         </p:nvSpPr>
         <p:spPr>
-          <a:xfrm rot="0">
+          <a:xfrm>
             <a:off x="349250" y="238125"/>
             <a:ext cx="17623155" cy="9822815"/>
           </a:xfrm>
-          <a:prstGeom prst="rect"/>
+          <a:prstGeom prst="rect">
+            <a:avLst/>
+          </a:prstGeom>
           <a:noFill/>
           <a:ln w="57150" cap="flat" cmpd="sng">
             <a:solidFill>
@@ -30135,7 +30441,7 @@
           </a:fontRef>
         </p:style>
         <p:txBody>
-          <a:bodyPr wrap="square" lIns="91440" tIns="45720" rIns="91440" bIns="45720" numCol="1" vert="horz" anchor="ctr">
+          <a:bodyPr vert="horz" wrap="square" lIns="91440" tIns="45720" rIns="91440" bIns="45720" numCol="1" anchor="ctr">
             <a:noAutofit/>
           </a:bodyPr>
           <a:lstStyle/>
@@ -30151,39 +30457,6 @@
       <p:pic>
         <p:nvPicPr>
           <p:cNvPr id="198" name="Picture " descr="C:/Users/admin/AppData/Roaming/PolarisOffice/ETemp/13944_14071096/image21.png"/>
-          <p:cNvPicPr>
-            <a:picLocks/>
-          </p:cNvPicPr>
-          <p:nvPr/>
-        </p:nvPicPr>
-        <p:blipFill rotWithShape="1">
-          <a:blip r:embed="rId2" cstate="hqprint">
-            <a:extLst>
-              <a:ext uri="{28A0092B-C50C-407E-A947-70E740481C1C}">
-                <a14:useLocalDpi xmlns:a14="http://schemas.microsoft.com/office/drawing/2010/main"/>
-              </a:ext>
-            </a:extLst>
-          </a:blip>
-          <a:stretch>
-            <a:fillRect/>
-          </a:stretch>
-        </p:blipFill>
-        <p:spPr>
-          <a:xfrm rot="0">
-            <a:off x="2124710" y="6215380"/>
-            <a:ext cx="6478270" cy="48895"/>
-          </a:xfrm>
-          <a:prstGeom prst="rect"/>
-          <a:noFill/>
-          <a:ln w="0">
-            <a:noFill/>
-            <a:prstDash/>
-          </a:ln>
-        </p:spPr>
-      </p:pic>
-      <p:pic>
-        <p:nvPicPr>
-          <p:cNvPr id="199" name="Picture " descr="C:/Users/admin/AppData/Roaming/PolarisOffice/ETemp/13944_14071096/image6.png"/>
           <p:cNvPicPr>
             <a:picLocks/>
           </p:cNvPicPr>
@@ -30202,11 +30475,48 @@
           </a:stretch>
         </p:blipFill>
         <p:spPr>
-          <a:xfrm rot="0">
+          <a:xfrm>
+            <a:off x="2124710" y="6215380"/>
+            <a:ext cx="6478270" cy="48895"/>
+          </a:xfrm>
+          <a:prstGeom prst="rect">
+            <a:avLst/>
+          </a:prstGeom>
+          <a:noFill/>
+          <a:ln w="0">
+            <a:noFill/>
+            <a:prstDash/>
+          </a:ln>
+        </p:spPr>
+      </p:pic>
+      <p:pic>
+        <p:nvPicPr>
+          <p:cNvPr id="199" name="Picture " descr="C:/Users/admin/AppData/Roaming/PolarisOffice/ETemp/13944_14071096/image6.png"/>
+          <p:cNvPicPr>
+            <a:picLocks/>
+          </p:cNvPicPr>
+          <p:nvPr/>
+        </p:nvPicPr>
+        <p:blipFill rotWithShape="1">
+          <a:blip r:embed="rId4" cstate="hqprint">
+            <a:extLst>
+              <a:ext uri="{28A0092B-C50C-407E-A947-70E740481C1C}">
+                <a14:useLocalDpi xmlns:a14="http://schemas.microsoft.com/office/drawing/2010/main"/>
+              </a:ext>
+            </a:extLst>
+          </a:blip>
+          <a:stretch>
+            <a:fillRect/>
+          </a:stretch>
+        </p:blipFill>
+        <p:spPr>
+          <a:xfrm>
             <a:off x="2225675" y="1308100"/>
             <a:ext cx="13870305" cy="48895"/>
           </a:xfrm>
-          <a:prstGeom prst="rect"/>
+          <a:prstGeom prst="rect">
+            <a:avLst/>
+          </a:prstGeom>
           <a:noFill/>
           <a:ln w="0">
             <a:noFill/>
@@ -30227,7 +30537,9 @@
             <a:off x="8292465" y="1624965"/>
             <a:ext cx="2006600" cy="307340"/>
           </a:xfrm>
-          <a:prstGeom prst="rect"/>
+          <a:prstGeom prst="rect">
+            <a:avLst/>
+          </a:prstGeom>
           <a:noFill/>
           <a:ln w="0">
             <a:noFill/>
@@ -30235,12 +30547,12 @@
           </a:ln>
         </p:spPr>
         <p:txBody>
-          <a:bodyPr wrap="square" lIns="91440" tIns="45720" rIns="91440" bIns="45720" numCol="1" vert="horz" anchor="ctr">
+          <a:bodyPr vert="horz" wrap="square" lIns="91440" tIns="45720" rIns="91440" bIns="45720" numCol="1" anchor="ctr">
             <a:spAutoFit/>
           </a:bodyPr>
           <a:lstStyle/>
           <a:p>
-            <a:pPr marL="0" indent="0" rtl="0" algn="ctr" latinLnBrk="0">
+            <a:pPr marL="0" indent="0" algn="ctr" rtl="0" latinLnBrk="0">
               <a:spcBef>
                 <a:spcPts val="0"/>
               </a:spcBef>
@@ -30281,11 +30593,13 @@
           <p:nvPr/>
         </p:nvSpPr>
         <p:spPr>
-          <a:xfrm rot="0">
+          <a:xfrm>
             <a:off x="349250" y="238125"/>
             <a:ext cx="17623790" cy="9763760"/>
           </a:xfrm>
-          <a:prstGeom prst="rect"/>
+          <a:prstGeom prst="rect">
+            <a:avLst/>
+          </a:prstGeom>
           <a:noFill/>
           <a:ln w="57150" cap="flat" cmpd="sng">
             <a:solidFill>
@@ -30314,7 +30628,7 @@
           </a:fontRef>
         </p:style>
         <p:txBody>
-          <a:bodyPr wrap="square" lIns="91440" tIns="45720" rIns="91440" bIns="45720" numCol="1" vert="horz" anchor="ctr">
+          <a:bodyPr vert="horz" wrap="square" lIns="91440" tIns="45720" rIns="91440" bIns="45720" numCol="1" anchor="ctr">
             <a:noAutofit/>
           </a:bodyPr>
           <a:lstStyle/>
@@ -30336,7 +30650,7 @@
           <p:nvPr/>
         </p:nvPicPr>
         <p:blipFill rotWithShape="1">
-          <a:blip r:embed="rId4" cstate="print">
+          <a:blip r:embed="rId5" cstate="print">
             <a:extLst>
               <a:ext uri="{28A0092B-C50C-407E-A947-70E740481C1C}">
                 <a14:useLocalDpi xmlns:a14="http://schemas.microsoft.com/office/drawing/2010/main" val="0"/>
@@ -30348,11 +30662,13 @@
           </a:stretch>
         </p:blipFill>
         <p:spPr>
-          <a:xfrm rot="0">
+          <a:xfrm>
             <a:off x="4344670" y="1601470"/>
             <a:ext cx="9610090" cy="8073390"/>
           </a:xfrm>
-          <a:prstGeom prst="rect"/>
+          <a:prstGeom prst="rect">
+            <a:avLst/>
+          </a:prstGeom>
           <a:noFill/>
           <a:ln w="57150" cap="flat" cmpd="sng">
             <a:solidFill>
@@ -30370,21 +30686,6 @@
   <p:clrMapOvr>
     <a:masterClrMapping/>
   </p:clrMapOvr>
-  <mc:AlternateContent xmlns:mc="http://schemas.openxmlformats.org/markup-compatibility/2006">
-    <mc:Choice xmlns:p14="http://schemas.microsoft.com/office/powerpoint/2010/main" Requires="p14">
-      <p:transition spd="slow" p14:dur="2000"/>
-    </mc:Choice>
-    <mc:Fallback>
-      <p:transition spd="slow"/>
-    </mc:Fallback>
-  </mc:AlternateContent>
-  <p:timing>
-    <p:tnLst>
-      <p:par>
-        <p:cTn id="1" dur="indefinite" restart="never" nodeType="tmRoot"/>
-      </p:par>
-    </p:tnLst>
-  </p:timing>
 </p:sld>
 </file>
 

--- a/기획서/5조 Fit-back.pptx
+++ b/기획서/5조 Fit-back.pptx
@@ -974,7 +974,7 @@
       </p:clrMapOvr>
     </p:notes>
   </mc:Choice>
-  <mc:Fallback xmlns:p14="http://schemas.microsoft.com/office/powerpoint/2010/main" xmlns="" xmlns:a="http://schemas.openxmlformats.org/drawingml/2006/main" xmlns:r="http://schemas.openxmlformats.org/officeDocument/2006/relationships" xmlns:p="http://schemas.openxmlformats.org/presentationml/2006/main" xmlns:mc="http://schemas.openxmlformats.org/markup-compatibility/2006">
+  <mc:Fallback xmlns:mc="http://schemas.openxmlformats.org/markup-compatibility/2006" xmlns:p="http://schemas.openxmlformats.org/presentationml/2006/main" xmlns:r="http://schemas.openxmlformats.org/officeDocument/2006/relationships" xmlns:a="http://schemas.openxmlformats.org/drawingml/2006/main" xmlns="" xmlns:p14="http://schemas.microsoft.com/office/powerpoint/2010/main">
     <p:transition spd="slow"/>
   </mc:Fallback>
 </mc:AlternateContent>
@@ -1127,7 +1127,7 @@
       </p:clrMapOvr>
     </p:notes>
   </mc:Choice>
-  <mc:Fallback xmlns:mc="http://schemas.openxmlformats.org/markup-compatibility/2006" xmlns:p="http://schemas.openxmlformats.org/presentationml/2006/main" xmlns:r="http://schemas.openxmlformats.org/officeDocument/2006/relationships" xmlns:a="http://schemas.openxmlformats.org/drawingml/2006/main" xmlns="">
+  <mc:Fallback xmlns:p14="http://schemas.microsoft.com/office/powerpoint/2010/main" xmlns="" xmlns:a="http://schemas.openxmlformats.org/drawingml/2006/main" xmlns:r="http://schemas.openxmlformats.org/officeDocument/2006/relationships" xmlns:p="http://schemas.openxmlformats.org/presentationml/2006/main" xmlns:mc="http://schemas.openxmlformats.org/markup-compatibility/2006">
     <p:transition spd="slow"/>
   </mc:Fallback>
 </mc:AlternateContent>
@@ -1286,7 +1286,7 @@
       </p:clrMapOvr>
     </p:notes>
   </mc:Choice>
-  <mc:Fallback xmlns:p14="http://schemas.microsoft.com/office/powerpoint/2010/main" xmlns="" xmlns:a="http://schemas.openxmlformats.org/drawingml/2006/main" xmlns:r="http://schemas.openxmlformats.org/officeDocument/2006/relationships" xmlns:p="http://schemas.openxmlformats.org/presentationml/2006/main" xmlns:mc="http://schemas.openxmlformats.org/markup-compatibility/2006">
+  <mc:Fallback xmlns:mc="http://schemas.openxmlformats.org/markup-compatibility/2006" xmlns:p="http://schemas.openxmlformats.org/presentationml/2006/main" xmlns:r="http://schemas.openxmlformats.org/officeDocument/2006/relationships" xmlns:a="http://schemas.openxmlformats.org/drawingml/2006/main" xmlns="" xmlns:p14="http://schemas.microsoft.com/office/powerpoint/2010/main">
     <p:transition spd="slow"/>
   </mc:Fallback>
 </mc:AlternateContent>
@@ -1445,7 +1445,7 @@
       </p:clrMapOvr>
     </p:notes>
   </mc:Choice>
-  <mc:Fallback xmlns:p14="http://schemas.microsoft.com/office/powerpoint/2010/main" xmlns="" xmlns:a="http://schemas.openxmlformats.org/drawingml/2006/main" xmlns:r="http://schemas.openxmlformats.org/officeDocument/2006/relationships" xmlns:p="http://schemas.openxmlformats.org/presentationml/2006/main" xmlns:mc="http://schemas.openxmlformats.org/markup-compatibility/2006">
+  <mc:Fallback xmlns:mc="http://schemas.openxmlformats.org/markup-compatibility/2006" xmlns:p="http://schemas.openxmlformats.org/presentationml/2006/main" xmlns:r="http://schemas.openxmlformats.org/officeDocument/2006/relationships" xmlns:a="http://schemas.openxmlformats.org/drawingml/2006/main" xmlns="" xmlns:p14="http://schemas.microsoft.com/office/powerpoint/2010/main">
     <p:transition spd="slow"/>
   </mc:Fallback>
 </mc:AlternateContent>
@@ -1708,7 +1708,7 @@
       </p:clrMapOvr>
     </p:notes>
   </mc:Choice>
-  <mc:Fallback xmlns:p14="http://schemas.microsoft.com/office/powerpoint/2010/main" xmlns="" xmlns:a="http://schemas.openxmlformats.org/drawingml/2006/main" xmlns:r="http://schemas.openxmlformats.org/officeDocument/2006/relationships" xmlns:p="http://schemas.openxmlformats.org/presentationml/2006/main" xmlns:mc="http://schemas.openxmlformats.org/markup-compatibility/2006">
+  <mc:Fallback xmlns:mc="http://schemas.openxmlformats.org/markup-compatibility/2006" xmlns:p="http://schemas.openxmlformats.org/presentationml/2006/main" xmlns:r="http://schemas.openxmlformats.org/officeDocument/2006/relationships" xmlns:a="http://schemas.openxmlformats.org/drawingml/2006/main" xmlns="" xmlns:p14="http://schemas.microsoft.com/office/powerpoint/2010/main">
     <p:transition spd="slow"/>
   </mc:Fallback>
 </mc:AlternateContent>
@@ -1872,7 +1872,7 @@
       </p:clrMapOvr>
     </p:notes>
   </mc:Choice>
-  <mc:Fallback xmlns:p14="http://schemas.microsoft.com/office/powerpoint/2010/main" xmlns="" xmlns:a="http://schemas.openxmlformats.org/drawingml/2006/main" xmlns:r="http://schemas.openxmlformats.org/officeDocument/2006/relationships" xmlns:p="http://schemas.openxmlformats.org/presentationml/2006/main" xmlns:mc="http://schemas.openxmlformats.org/markup-compatibility/2006">
+  <mc:Fallback xmlns:mc="http://schemas.openxmlformats.org/markup-compatibility/2006" xmlns:p="http://schemas.openxmlformats.org/presentationml/2006/main" xmlns:r="http://schemas.openxmlformats.org/officeDocument/2006/relationships" xmlns:a="http://schemas.openxmlformats.org/drawingml/2006/main" xmlns="" xmlns:p14="http://schemas.microsoft.com/office/powerpoint/2010/main">
     <p:transition spd="slow"/>
   </mc:Fallback>
 </mc:AlternateContent>
@@ -2239,7 +2239,7 @@
       </p:clrMapOvr>
     </p:notes>
   </mc:Choice>
-  <mc:Fallback xmlns:p14="http://schemas.microsoft.com/office/powerpoint/2010/main" xmlns="" xmlns:a="http://schemas.openxmlformats.org/drawingml/2006/main" xmlns:r="http://schemas.openxmlformats.org/officeDocument/2006/relationships" xmlns:p="http://schemas.openxmlformats.org/presentationml/2006/main" xmlns:mc="http://schemas.openxmlformats.org/markup-compatibility/2006">
+  <mc:Fallback xmlns:mc="http://schemas.openxmlformats.org/markup-compatibility/2006" xmlns:p="http://schemas.openxmlformats.org/presentationml/2006/main" xmlns:r="http://schemas.openxmlformats.org/officeDocument/2006/relationships" xmlns:a="http://schemas.openxmlformats.org/drawingml/2006/main" xmlns="" xmlns:p14="http://schemas.microsoft.com/office/powerpoint/2010/main">
     <p:transition spd="slow"/>
   </mc:Fallback>
 </mc:AlternateContent>
@@ -2314,8 +2314,8 @@
             </p:nvSpPr>
             <p:spPr>
               <a:xfrm>
-                <a:off x="-951230" y="1371600"/>
-                <a:ext cx="12191365" cy="6858635"/>
+                <a:off x="-950913" y="1371600"/>
+                <a:ext cx="12190413" cy="6858000"/>
               </a:xfrm>
               <a:custGeom>
                 <a:avLst/>
@@ -2392,7 +2392,7 @@
       </p:clrMapOvr>
     </p:notes>
   </mc:Choice>
-  <mc:Fallback xmlns:mc="http://schemas.openxmlformats.org/markup-compatibility/2006" xmlns:p="http://schemas.openxmlformats.org/presentationml/2006/main" xmlns:r="http://schemas.openxmlformats.org/officeDocument/2006/relationships" xmlns:a="http://schemas.openxmlformats.org/drawingml/2006/main" xmlns="">
+  <mc:Fallback xmlns:p14="http://schemas.microsoft.com/office/powerpoint/2010/main" xmlns="" xmlns:a="http://schemas.openxmlformats.org/drawingml/2006/main" xmlns:r="http://schemas.openxmlformats.org/officeDocument/2006/relationships" xmlns:p="http://schemas.openxmlformats.org/presentationml/2006/main" xmlns:mc="http://schemas.openxmlformats.org/markup-compatibility/2006">
     <p:transition spd="slow"/>
   </mc:Fallback>
 </mc:AlternateContent>
@@ -2551,7 +2551,7 @@
       </p:clrMapOvr>
     </p:notes>
   </mc:Choice>
-  <mc:Fallback xmlns:mc="http://schemas.openxmlformats.org/markup-compatibility/2006" xmlns:p="http://schemas.openxmlformats.org/presentationml/2006/main" xmlns:r="http://schemas.openxmlformats.org/officeDocument/2006/relationships" xmlns:a="http://schemas.openxmlformats.org/drawingml/2006/main" xmlns="">
+  <mc:Fallback xmlns:p14="http://schemas.microsoft.com/office/powerpoint/2010/main" xmlns="" xmlns:a="http://schemas.openxmlformats.org/drawingml/2006/main" xmlns:r="http://schemas.openxmlformats.org/officeDocument/2006/relationships" xmlns:p="http://schemas.openxmlformats.org/presentationml/2006/main" xmlns:mc="http://schemas.openxmlformats.org/markup-compatibility/2006">
     <p:transition spd="slow"/>
   </mc:Fallback>
 </mc:AlternateContent>
@@ -2715,7 +2715,7 @@
       </p:clrMapOvr>
     </p:notes>
   </mc:Choice>
-  <mc:Fallback xmlns:mc="http://schemas.openxmlformats.org/markup-compatibility/2006" xmlns:p="http://schemas.openxmlformats.org/presentationml/2006/main" xmlns:r="http://schemas.openxmlformats.org/officeDocument/2006/relationships" xmlns:a="http://schemas.openxmlformats.org/drawingml/2006/main" xmlns="" xmlns:p14="http://schemas.microsoft.com/office/powerpoint/2010/main">
+  <mc:Fallback xmlns:p14="http://schemas.microsoft.com/office/powerpoint/2010/main" xmlns="" xmlns:a="http://schemas.openxmlformats.org/drawingml/2006/main" xmlns:r="http://schemas.openxmlformats.org/officeDocument/2006/relationships" xmlns:p="http://schemas.openxmlformats.org/presentationml/2006/main" xmlns:mc="http://schemas.openxmlformats.org/markup-compatibility/2006">
     <p:transition spd="slow"/>
   </mc:Fallback>
 </mc:AlternateContent>
@@ -20751,12 +20751,12 @@
           </a:bodyPr>
           <a:lstStyle/>
           <a:p>
-            <a:pPr marL="254000" indent="-254000" latinLnBrk="0">
+            <a:pPr marL="457200" indent="-457200" latinLnBrk="0">
               <a:lnSpc>
                 <a:spcPct val="150000"/>
               </a:lnSpc>
-              <a:buFont typeface="Wingdings"/>
-              <a:buChar char=""/>
+              <a:buFont typeface="Arial" panose="020B0604020202020204" pitchFamily="34" charset="0"/>
+              <a:buChar char="•"/>
             </a:pPr>
             <a:r>
               <a:rPr lang="en-US" sz="2800" b="1" dirty="0" err="1">
@@ -27292,11 +27292,14 @@
               <a:spcAft>
                 <a:spcPts val="0"/>
               </a:spcAft>
+              <a:buClr>
+                <a:schemeClr val="bg1"/>
+              </a:buClr>
               <a:buFont typeface="Verdana"/>
               <a:buChar char="●"/>
             </a:pPr>
             <a:r>
-              <a:rPr lang="en-US" sz="2200" b="1" dirty="0">
+              <a:rPr lang="en-US" sz="2200" b="1" dirty="0" err="1">
                 <a:solidFill>
                   <a:schemeClr val="lt1"/>
                 </a:solidFill>
@@ -27304,7 +27307,18 @@
                 <a:ea typeface="나눔바른고딕" charset="0"/>
                 <a:cs typeface="Verdana" charset="0"/>
               </a:rPr>
-              <a:t>그날의 </a:t>
+              <a:t>그날의</a:t>
+            </a:r>
+            <a:r>
+              <a:rPr lang="en-US" sz="2200" b="1" dirty="0">
+                <a:solidFill>
+                  <a:schemeClr val="lt1"/>
+                </a:solidFill>
+                <a:latin typeface="나눔바른고딕" charset="0"/>
+                <a:ea typeface="나눔바른고딕" charset="0"/>
+                <a:cs typeface="Verdana" charset="0"/>
+              </a:rPr>
+              <a:t> </a:t>
             </a:r>
             <a:r>
               <a:rPr lang="en-US" sz="2200" b="1" dirty="0" err="1">
@@ -27476,6 +27490,9 @@
               <a:spcAft>
                 <a:spcPts val="0"/>
               </a:spcAft>
+              <a:buClr>
+                <a:schemeClr val="bg1"/>
+              </a:buClr>
               <a:buFont typeface="Verdana"/>
               <a:buChar char="●"/>
             </a:pPr>
@@ -27726,6 +27743,9 @@
               <a:spcAft>
                 <a:spcPts val="0"/>
               </a:spcAft>
+              <a:buClr>
+                <a:schemeClr val="bg1"/>
+              </a:buClr>
               <a:buFont typeface="Verdana"/>
               <a:buChar char="●"/>
             </a:pPr>
@@ -28074,6 +28094,51 @@
           <a:chExt cx="0" cy="0"/>
         </a:xfrm>
       </p:grpSpPr>
+      <p:pic>
+        <p:nvPicPr>
+          <p:cNvPr id="192" name="그림 2"/>
+          <p:cNvPicPr>
+            <a:picLocks/>
+          </p:cNvPicPr>
+          <p:nvPr/>
+        </p:nvPicPr>
+        <p:blipFill rotWithShape="1">
+          <a:blip r:embed="rId3" cstate="hqprint">
+            <a:clrChange>
+              <a:clrFrom>
+                <a:srgbClr val="68457F"/>
+              </a:clrFrom>
+              <a:clrTo>
+                <a:srgbClr val="68457F">
+                  <a:alpha val="0"/>
+                </a:srgbClr>
+              </a:clrTo>
+            </a:clrChange>
+            <a:extLst>
+              <a:ext uri="{28A0092B-C50C-407E-A947-70E740481C1C}">
+                <a14:useLocalDpi xmlns:a14="http://schemas.microsoft.com/office/drawing/2010/main"/>
+              </a:ext>
+            </a:extLst>
+          </a:blip>
+          <a:stretch>
+            <a:fillRect/>
+          </a:stretch>
+        </p:blipFill>
+        <p:spPr>
+          <a:xfrm>
+            <a:off x="2097749" y="1822416"/>
+            <a:ext cx="6925131" cy="4339590"/>
+          </a:xfrm>
+          <a:prstGeom prst="rect">
+            <a:avLst/>
+          </a:prstGeom>
+          <a:noFill/>
+          <a:ln w="19050" cap="flat" cmpd="sng">
+            <a:prstDash val="solid"/>
+            <a:round/>
+          </a:ln>
+        </p:spPr>
+      </p:pic>
       <p:sp>
         <p:nvSpPr>
           <p:cNvPr id="152" name="Rect 0"/>
@@ -28322,6 +28387,9 @@
               <a:spcAft>
                 <a:spcPts val="0"/>
               </a:spcAft>
+              <a:buClr>
+                <a:schemeClr val="bg1"/>
+              </a:buClr>
               <a:buFont typeface="Wingdings"/>
               <a:buChar char=""/>
             </a:pPr>
@@ -28448,6 +28516,9 @@
               <a:spcAft>
                 <a:spcPts val="0"/>
               </a:spcAft>
+              <a:buClr>
+                <a:schemeClr val="bg1"/>
+              </a:buClr>
               <a:buFont typeface="Wingdings"/>
               <a:buChar char=""/>
             </a:pPr>
@@ -28564,46 +28635,6 @@
       <p:pic>
         <p:nvPicPr>
           <p:cNvPr id="180" name="그림 63"/>
-          <p:cNvPicPr>
-            <a:picLocks noChangeAspect="1"/>
-          </p:cNvPicPr>
-          <p:nvPr/>
-        </p:nvPicPr>
-        <p:blipFill rotWithShape="1">
-          <a:blip r:embed="rId3" cstate="hqprint">
-            <a:extLst>
-              <a:ext uri="{28A0092B-C50C-407E-A947-70E740481C1C}">
-                <a14:useLocalDpi xmlns:a14="http://schemas.microsoft.com/office/drawing/2010/main"/>
-              </a:ext>
-            </a:extLst>
-          </a:blip>
-          <a:stretch>
-            <a:fillRect/>
-          </a:stretch>
-        </p:blipFill>
-        <p:spPr>
-          <a:xfrm>
-            <a:off x="9664102" y="1868170"/>
-            <a:ext cx="5922010" cy="4195445"/>
-          </a:xfrm>
-          <a:prstGeom prst="rect">
-            <a:avLst/>
-          </a:prstGeom>
-          <a:noFill/>
-          <a:ln w="57150" cap="flat" cmpd="sng">
-            <a:solidFill>
-              <a:schemeClr val="bg1">
-                <a:alpha val="100000"/>
-              </a:schemeClr>
-            </a:solidFill>
-            <a:prstDash val="solid"/>
-            <a:round/>
-          </a:ln>
-        </p:spPr>
-      </p:pic>
-      <p:pic>
-        <p:nvPicPr>
-          <p:cNvPr id="181" name="그림 64"/>
           <p:cNvPicPr>
             <a:picLocks noChangeAspect="1"/>
           </p:cNvPicPr>
@@ -28623,8 +28654,8 @@
         </p:blipFill>
         <p:spPr>
           <a:xfrm>
-            <a:off x="2744472" y="6740953"/>
-            <a:ext cx="3805555" cy="2796540"/>
+            <a:off x="9664102" y="1868170"/>
+            <a:ext cx="5922010" cy="4195445"/>
           </a:xfrm>
           <a:prstGeom prst="rect">
             <a:avLst/>
@@ -28643,7 +28674,7 @@
       </p:pic>
       <p:pic>
         <p:nvPicPr>
-          <p:cNvPr id="182" name="그림 65"/>
+          <p:cNvPr id="181" name="그림 64"/>
           <p:cNvPicPr>
             <a:picLocks noChangeAspect="1"/>
           </p:cNvPicPr>
@@ -28663,8 +28694,8 @@
         </p:blipFill>
         <p:spPr>
           <a:xfrm>
-            <a:off x="7298372" y="6738458"/>
-            <a:ext cx="3724275" cy="2792095"/>
+            <a:off x="2744472" y="6740953"/>
+            <a:ext cx="3805555" cy="2796540"/>
           </a:xfrm>
           <a:prstGeom prst="rect">
             <a:avLst/>
@@ -28683,7 +28714,7 @@
       </p:pic>
       <p:pic>
         <p:nvPicPr>
-          <p:cNvPr id="183" name="그림 66"/>
+          <p:cNvPr id="182" name="그림 65"/>
           <p:cNvPicPr>
             <a:picLocks noChangeAspect="1"/>
           </p:cNvPicPr>
@@ -28703,8 +28734,8 @@
         </p:blipFill>
         <p:spPr>
           <a:xfrm>
-            <a:off x="11737974" y="6740953"/>
-            <a:ext cx="4032885" cy="2821305"/>
+            <a:off x="7298372" y="6738458"/>
+            <a:ext cx="3724275" cy="2792095"/>
           </a:xfrm>
           <a:prstGeom prst="rect">
             <a:avLst/>
@@ -28721,6 +28752,46 @@
           </a:ln>
         </p:spPr>
       </p:pic>
+      <p:pic>
+        <p:nvPicPr>
+          <p:cNvPr id="183" name="그림 66"/>
+          <p:cNvPicPr>
+            <a:picLocks noChangeAspect="1"/>
+          </p:cNvPicPr>
+          <p:nvPr/>
+        </p:nvPicPr>
+        <p:blipFill rotWithShape="1">
+          <a:blip r:embed="rId7" cstate="hqprint">
+            <a:extLst>
+              <a:ext uri="{28A0092B-C50C-407E-A947-70E740481C1C}">
+                <a14:useLocalDpi xmlns:a14="http://schemas.microsoft.com/office/drawing/2010/main"/>
+              </a:ext>
+            </a:extLst>
+          </a:blip>
+          <a:stretch>
+            <a:fillRect/>
+          </a:stretch>
+        </p:blipFill>
+        <p:spPr>
+          <a:xfrm>
+            <a:off x="11737974" y="6740953"/>
+            <a:ext cx="4032885" cy="2821305"/>
+          </a:xfrm>
+          <a:prstGeom prst="rect">
+            <a:avLst/>
+          </a:prstGeom>
+          <a:noFill/>
+          <a:ln w="57150" cap="flat" cmpd="sng">
+            <a:solidFill>
+              <a:schemeClr val="bg1">
+                <a:alpha val="100000"/>
+              </a:schemeClr>
+            </a:solidFill>
+            <a:prstDash val="solid"/>
+            <a:round/>
+          </a:ln>
+        </p:spPr>
+      </p:pic>
       <p:grpSp>
         <p:nvGrpSpPr>
           <p:cNvPr id="189" name="그룹 94"/>
@@ -28744,7 +28815,7 @@
             <p:nvPr/>
           </p:nvPicPr>
           <p:blipFill rotWithShape="1">
-            <a:blip r:embed="rId7" cstate="hqprint">
+            <a:blip r:embed="rId8" cstate="hqprint">
               <a:extLst>
                 <a:ext uri="{28A0092B-C50C-407E-A947-70E740481C1C}">
                   <a14:useLocalDpi xmlns:a14="http://schemas.microsoft.com/office/drawing/2010/main"/>
@@ -28940,7 +29011,7 @@
             <p:nvPr/>
           </p:nvPicPr>
           <p:blipFill rotWithShape="1">
-            <a:blip r:embed="rId7" cstate="hqprint">
+            <a:blip r:embed="rId8" cstate="hqprint">
               <a:extLst>
                 <a:ext uri="{28A0092B-C50C-407E-A947-70E740481C1C}">
                   <a14:useLocalDpi xmlns:a14="http://schemas.microsoft.com/office/drawing/2010/main"/>
@@ -29177,7 +29248,7 @@
           <p:nvPr/>
         </p:nvPicPr>
         <p:blipFill rotWithShape="1">
-          <a:blip r:embed="rId8" cstate="hqprint">
+          <a:blip r:embed="rId9" cstate="hqprint">
             <a:extLst>
               <a:ext uri="{28A0092B-C50C-407E-A947-70E740481C1C}">
                 <a14:useLocalDpi xmlns:a14="http://schemas.microsoft.com/office/drawing/2010/main"/>
@@ -29212,7 +29283,7 @@
           <p:nvPr/>
         </p:nvPicPr>
         <p:blipFill rotWithShape="1">
-          <a:blip r:embed="rId8" cstate="hqprint">
+          <a:blip r:embed="rId9" cstate="hqprint">
             <a:extLst>
               <a:ext uri="{28A0092B-C50C-407E-A947-70E740481C1C}">
                 <a14:useLocalDpi xmlns:a14="http://schemas.microsoft.com/office/drawing/2010/main"/>
@@ -29235,51 +29306,6 @@
           <a:ln w="0">
             <a:noFill/>
             <a:prstDash/>
-          </a:ln>
-        </p:spPr>
-      </p:pic>
-      <p:pic>
-        <p:nvPicPr>
-          <p:cNvPr id="192" name="그림 2"/>
-          <p:cNvPicPr>
-            <a:picLocks/>
-          </p:cNvPicPr>
-          <p:nvPr/>
-        </p:nvPicPr>
-        <p:blipFill rotWithShape="1">
-          <a:blip r:embed="rId9" cstate="hqprint">
-            <a:clrChange>
-              <a:clrFrom>
-                <a:srgbClr val="68457F"/>
-              </a:clrFrom>
-              <a:clrTo>
-                <a:srgbClr val="68457F">
-                  <a:alpha val="0"/>
-                </a:srgbClr>
-              </a:clrTo>
-            </a:clrChange>
-            <a:extLst>
-              <a:ext uri="{28A0092B-C50C-407E-A947-70E740481C1C}">
-                <a14:useLocalDpi xmlns:a14="http://schemas.microsoft.com/office/drawing/2010/main"/>
-              </a:ext>
-            </a:extLst>
-          </a:blip>
-          <a:stretch>
-            <a:fillRect/>
-          </a:stretch>
-        </p:blipFill>
-        <p:spPr>
-          <a:xfrm>
-            <a:off x="2097749" y="1792605"/>
-            <a:ext cx="6925131" cy="4339590"/>
-          </a:xfrm>
-          <a:prstGeom prst="rect">
-            <a:avLst/>
-          </a:prstGeom>
-          <a:noFill/>
-          <a:ln w="19050" cap="flat" cmpd="sng">
-            <a:prstDash val="solid"/>
-            <a:round/>
           </a:ln>
         </p:spPr>
       </p:pic>
@@ -29373,6 +29399,96 @@
           <a:chExt cx="0" cy="0"/>
         </a:xfrm>
       </p:grpSpPr>
+      <p:pic>
+        <p:nvPicPr>
+          <p:cNvPr id="25" name="Picture " descr="C:/Users/admin/AppData/Roaming/PolarisOffice/ETemp/10756_10466160/fImage29924434464.png"/>
+          <p:cNvPicPr>
+            <a:picLocks/>
+          </p:cNvPicPr>
+          <p:nvPr/>
+        </p:nvPicPr>
+        <p:blipFill rotWithShape="1">
+          <a:blip r:embed="rId3" cstate="hqprint">
+            <a:clrChange>
+              <a:clrFrom>
+                <a:srgbClr val="68457F"/>
+              </a:clrFrom>
+              <a:clrTo>
+                <a:srgbClr val="68457F">
+                  <a:alpha val="0"/>
+                </a:srgbClr>
+              </a:clrTo>
+            </a:clrChange>
+            <a:extLst>
+              <a:ext uri="{28A0092B-C50C-407E-A947-70E740481C1C}">
+                <a14:useLocalDpi xmlns:a14="http://schemas.microsoft.com/office/drawing/2010/main"/>
+              </a:ext>
+            </a:extLst>
+          </a:blip>
+          <a:stretch>
+            <a:fillRect/>
+          </a:stretch>
+        </p:blipFill>
+        <p:spPr>
+          <a:xfrm>
+            <a:off x="2014855" y="6059805"/>
+            <a:ext cx="6270625" cy="3296285"/>
+          </a:xfrm>
+          <a:prstGeom prst="rect">
+            <a:avLst/>
+          </a:prstGeom>
+          <a:noFill/>
+          <a:ln w="19050" cap="flat" cmpd="sng">
+            <a:prstDash val="solid"/>
+            <a:round/>
+          </a:ln>
+        </p:spPr>
+      </p:pic>
+      <p:pic>
+        <p:nvPicPr>
+          <p:cNvPr id="204" name="Picture " descr="C:/Users/admin/AppData/Roaming/PolarisOffice/ETemp/10756_10466160/fImage29924345724.png"/>
+          <p:cNvPicPr>
+            <a:picLocks/>
+          </p:cNvPicPr>
+          <p:nvPr/>
+        </p:nvPicPr>
+        <p:blipFill rotWithShape="1">
+          <a:blip r:embed="rId3" cstate="hqprint">
+            <a:clrChange>
+              <a:clrFrom>
+                <a:srgbClr val="68457F"/>
+              </a:clrFrom>
+              <a:clrTo>
+                <a:srgbClr val="68457F">
+                  <a:alpha val="0"/>
+                </a:srgbClr>
+              </a:clrTo>
+            </a:clrChange>
+            <a:extLst>
+              <a:ext uri="{28A0092B-C50C-407E-A947-70E740481C1C}">
+                <a14:useLocalDpi xmlns:a14="http://schemas.microsoft.com/office/drawing/2010/main"/>
+              </a:ext>
+            </a:extLst>
+          </a:blip>
+          <a:stretch>
+            <a:fillRect/>
+          </a:stretch>
+        </p:blipFill>
+        <p:spPr>
+          <a:xfrm>
+            <a:off x="2029460" y="1805940"/>
+            <a:ext cx="6270625" cy="3296285"/>
+          </a:xfrm>
+          <a:prstGeom prst="rect">
+            <a:avLst/>
+          </a:prstGeom>
+          <a:noFill/>
+          <a:ln w="19050" cap="flat" cmpd="sng">
+            <a:prstDash val="solid"/>
+            <a:round/>
+          </a:ln>
+        </p:spPr>
+      </p:pic>
       <p:sp>
         <p:nvSpPr>
           <p:cNvPr id="152" name="Rect 0"/>
@@ -29563,20 +29679,83 @@
           <a:lstStyle/>
           <a:p>
             <a:pPr marL="254000" indent="-254000" algn="l" rtl="0" latinLnBrk="0">
+              <a:buClr>
+                <a:schemeClr val="bg1"/>
+              </a:buClr>
               <a:buFont typeface="Wingdings"/>
               <a:buChar char=""/>
             </a:pPr>
             <a:r>
-              <a:rPr sz="2900" b="0" i="0" strike="noStrike" cap="none">
+              <a:rPr sz="2900" b="0" i="0" strike="noStrike" cap="none" dirty="0" err="1">
                 <a:solidFill>
                   <a:schemeClr val="bg1"/>
                 </a:solidFill>
                 <a:latin typeface="나눔바른고딕" charset="0"/>
                 <a:ea typeface="나눔바른고딕" charset="0"/>
               </a:rPr>
-              <a:t>유저가 작성한 데일리룩에 점수</a:t>
+              <a:t>유저가</a:t>
             </a:r>
-            <a:endParaRPr lang="ko-KR" altLang="en-US" sz="2900" b="0" i="0" strike="noStrike" cap="none">
+            <a:r>
+              <a:rPr sz="2900" b="0" i="0" strike="noStrike" cap="none" dirty="0">
+                <a:solidFill>
+                  <a:schemeClr val="bg1"/>
+                </a:solidFill>
+                <a:latin typeface="나눔바른고딕" charset="0"/>
+                <a:ea typeface="나눔바른고딕" charset="0"/>
+              </a:rPr>
+              <a:t> </a:t>
+            </a:r>
+            <a:r>
+              <a:rPr sz="2900" b="0" i="0" strike="noStrike" cap="none" dirty="0" err="1">
+                <a:solidFill>
+                  <a:schemeClr val="bg1"/>
+                </a:solidFill>
+                <a:latin typeface="나눔바른고딕" charset="0"/>
+                <a:ea typeface="나눔바른고딕" charset="0"/>
+              </a:rPr>
+              <a:t>작성한</a:t>
+            </a:r>
+            <a:r>
+              <a:rPr sz="2900" b="0" i="0" strike="noStrike" cap="none" dirty="0">
+                <a:solidFill>
+                  <a:schemeClr val="bg1"/>
+                </a:solidFill>
+                <a:latin typeface="나눔바른고딕" charset="0"/>
+                <a:ea typeface="나눔바른고딕" charset="0"/>
+              </a:rPr>
+              <a:t> </a:t>
+            </a:r>
+            <a:r>
+              <a:rPr sz="2900" b="0" i="0" strike="noStrike" cap="none" dirty="0" err="1">
+                <a:solidFill>
+                  <a:schemeClr val="bg1"/>
+                </a:solidFill>
+                <a:latin typeface="나눔바른고딕" charset="0"/>
+                <a:ea typeface="나눔바른고딕" charset="0"/>
+              </a:rPr>
+              <a:t>데일리룩에</a:t>
+            </a:r>
+            <a:r>
+              <a:rPr sz="2900" b="0" i="0" strike="noStrike" cap="none" dirty="0">
+                <a:solidFill>
+                  <a:schemeClr val="bg1"/>
+                </a:solidFill>
+                <a:latin typeface="나눔바른고딕" charset="0"/>
+                <a:ea typeface="나눔바른고딕" charset="0"/>
+              </a:rPr>
+              <a:t> </a:t>
+            </a:r>
+            <a:r>
+              <a:rPr sz="2900" b="0" i="0" strike="noStrike" cap="none" dirty="0" err="1">
+                <a:solidFill>
+                  <a:schemeClr val="bg1"/>
+                </a:solidFill>
+                <a:latin typeface="나눔바른고딕" charset="0"/>
+                <a:ea typeface="나눔바른고딕" charset="0"/>
+              </a:rPr>
+              <a:t>점수</a:t>
+            </a:r>
+            <a:endParaRPr lang="ko-KR" altLang="en-US" sz="2900" b="0" i="0" strike="noStrike" cap="none" dirty="0">
               <a:solidFill>
                 <a:schemeClr val="bg1"/>
               </a:solidFill>
@@ -29587,16 +29766,106 @@
           <a:p>
             <a:pPr marL="0" indent="0" algn="l" rtl="0" latinLnBrk="0"/>
             <a:r>
-              <a:rPr sz="2900" b="0" i="0" strike="noStrike" cap="none">
+              <a:rPr sz="2900" b="0" i="0" strike="noStrike" cap="none" dirty="0">
                 <a:solidFill>
                   <a:schemeClr val="bg1"/>
                 </a:solidFill>
                 <a:latin typeface="나눔바른고딕" charset="0"/>
                 <a:ea typeface="나눔바른고딕" charset="0"/>
               </a:rPr>
-              <a:t>  (항목 체크 방식)와 의견으로 피드백</a:t>
+              <a:t>  (</a:t>
             </a:r>
-            <a:endParaRPr lang="ko-KR" altLang="en-US" sz="2900" b="0" i="0" strike="noStrike" cap="none">
+            <a:r>
+              <a:rPr sz="2900" b="0" i="0" strike="noStrike" cap="none" dirty="0" err="1">
+                <a:solidFill>
+                  <a:schemeClr val="bg1"/>
+                </a:solidFill>
+                <a:latin typeface="나눔바른고딕" charset="0"/>
+                <a:ea typeface="나눔바른고딕" charset="0"/>
+              </a:rPr>
+              <a:t>항목</a:t>
+            </a:r>
+            <a:r>
+              <a:rPr sz="2900" b="0" i="0" strike="noStrike" cap="none" dirty="0">
+                <a:solidFill>
+                  <a:schemeClr val="bg1"/>
+                </a:solidFill>
+                <a:latin typeface="나눔바른고딕" charset="0"/>
+                <a:ea typeface="나눔바른고딕" charset="0"/>
+              </a:rPr>
+              <a:t> </a:t>
+            </a:r>
+            <a:r>
+              <a:rPr sz="2900" b="0" i="0" strike="noStrike" cap="none" dirty="0" err="1">
+                <a:solidFill>
+                  <a:schemeClr val="bg1"/>
+                </a:solidFill>
+                <a:latin typeface="나눔바른고딕" charset="0"/>
+                <a:ea typeface="나눔바른고딕" charset="0"/>
+              </a:rPr>
+              <a:t>체크</a:t>
+            </a:r>
+            <a:r>
+              <a:rPr sz="2900" b="0" i="0" strike="noStrike" cap="none" dirty="0">
+                <a:solidFill>
+                  <a:schemeClr val="bg1"/>
+                </a:solidFill>
+                <a:latin typeface="나눔바른고딕" charset="0"/>
+                <a:ea typeface="나눔바른고딕" charset="0"/>
+              </a:rPr>
+              <a:t> </a:t>
+            </a:r>
+            <a:r>
+              <a:rPr sz="2900" b="0" i="0" strike="noStrike" cap="none" dirty="0" err="1">
+                <a:solidFill>
+                  <a:schemeClr val="bg1"/>
+                </a:solidFill>
+                <a:latin typeface="나눔바른고딕" charset="0"/>
+                <a:ea typeface="나눔바른고딕" charset="0"/>
+              </a:rPr>
+              <a:t>방식</a:t>
+            </a:r>
+            <a:r>
+              <a:rPr sz="2900" b="0" i="0" strike="noStrike" cap="none" dirty="0">
+                <a:solidFill>
+                  <a:schemeClr val="bg1"/>
+                </a:solidFill>
+                <a:latin typeface="나눔바른고딕" charset="0"/>
+                <a:ea typeface="나눔바른고딕" charset="0"/>
+              </a:rPr>
+              <a:t>)와 </a:t>
+            </a:r>
+            <a:r>
+              <a:rPr sz="2900" b="0" i="0" strike="noStrike" cap="none" dirty="0" err="1">
+                <a:solidFill>
+                  <a:schemeClr val="bg1"/>
+                </a:solidFill>
+                <a:latin typeface="나눔바른고딕" charset="0"/>
+                <a:ea typeface="나눔바른고딕" charset="0"/>
+              </a:rPr>
+              <a:t>의견으로</a:t>
+            </a:r>
+            <a:r>
+              <a:rPr sz="2900" b="0" i="0" strike="noStrike" cap="none" dirty="0">
+                <a:solidFill>
+                  <a:schemeClr val="bg1"/>
+                </a:solidFill>
+                <a:latin typeface="나눔바른고딕" charset="0"/>
+                <a:ea typeface="나눔바른고딕" charset="0"/>
+              </a:rPr>
+              <a:t> </a:t>
+            </a:r>
+            <a:r>
+              <a:rPr sz="2900" b="0" i="0" strike="noStrike" cap="none" dirty="0" err="1">
+                <a:solidFill>
+                  <a:schemeClr val="bg1"/>
+                </a:solidFill>
+                <a:latin typeface="나눔바른고딕" charset="0"/>
+                <a:ea typeface="나눔바른고딕" charset="0"/>
+              </a:rPr>
+              <a:t>피드백</a:t>
+            </a:r>
+            <a:endParaRPr lang="ko-KR" altLang="en-US" sz="2900" b="0" i="0" strike="noStrike" cap="none" dirty="0">
               <a:solidFill>
                 <a:schemeClr val="bg1"/>
               </a:solidFill>
@@ -29609,98 +29878,6 @@
       <p:pic>
         <p:nvPicPr>
           <p:cNvPr id="178" name="Picture " descr="C:/Users/admin/AppData/Roaming/PolarisOffice/ETemp/10756_10466160/fImage2554042741.png"/>
-          <p:cNvPicPr>
-            <a:picLocks noChangeAspect="1"/>
-          </p:cNvPicPr>
-          <p:nvPr/>
-        </p:nvPicPr>
-        <p:blipFill rotWithShape="1">
-          <a:blip r:embed="rId3" cstate="hqprint">
-            <a:extLst>
-              <a:ext uri="{28A0092B-C50C-407E-A947-70E740481C1C}">
-                <a14:useLocalDpi xmlns:a14="http://schemas.microsoft.com/office/drawing/2010/main"/>
-              </a:ext>
-            </a:extLst>
-          </a:blip>
-          <a:stretch>
-            <a:fillRect/>
-          </a:stretch>
-        </p:blipFill>
-        <p:spPr>
-          <a:xfrm>
-            <a:off x="9257030" y="1637665"/>
-            <a:ext cx="7142480" cy="3528695"/>
-          </a:xfrm>
-          <a:prstGeom prst="rect">
-            <a:avLst/>
-          </a:prstGeom>
-          <a:noFill/>
-          <a:ln w="57150" cap="flat" cmpd="sng">
-            <a:solidFill>
-              <a:schemeClr val="bg1">
-                <a:alpha val="100000"/>
-              </a:schemeClr>
-            </a:solidFill>
-            <a:prstDash val="solid"/>
-            <a:round/>
-          </a:ln>
-        </p:spPr>
-      </p:pic>
-      <p:sp>
-        <p:nvSpPr>
-          <p:cNvPr id="192" name="Rect 0"/>
-          <p:cNvSpPr txBox="1">
-            <a:spLocks/>
-          </p:cNvSpPr>
-          <p:nvPr/>
-        </p:nvSpPr>
-        <p:spPr>
-          <a:xfrm>
-            <a:off x="2415540" y="7402195"/>
-            <a:ext cx="5499100" cy="1431925"/>
-          </a:xfrm>
-          <a:prstGeom prst="rect">
-            <a:avLst/>
-          </a:prstGeom>
-          <a:noFill/>
-          <a:ln w="0">
-            <a:noFill/>
-            <a:prstDash/>
-          </a:ln>
-        </p:spPr>
-        <p:txBody>
-          <a:bodyPr vert="horz" wrap="square" lIns="91440" tIns="45720" rIns="91440" bIns="45720" anchor="t">
-            <a:spAutoFit/>
-          </a:bodyPr>
-          <a:lstStyle/>
-          <a:p>
-            <a:pPr marL="349250" indent="-254000" algn="l" rtl="0" latinLnBrk="0">
-              <a:buFont typeface="Wingdings"/>
-              <a:buChar char=""/>
-            </a:pPr>
-            <a:r>
-              <a:rPr sz="2900" b="0" i="0" strike="noStrike" cap="none">
-                <a:solidFill>
-                  <a:schemeClr val="bg1"/>
-                </a:solidFill>
-                <a:latin typeface="나눔바른고딕" charset="0"/>
-                <a:ea typeface="나눔바른고딕" charset="0"/>
-              </a:rPr>
-              <a:t>내가 가지고 있는 패션 아이템을 추가해 데일리룩에 더하고, 나만의 옷장을 만들어 관리</a:t>
-            </a:r>
-            <a:endParaRPr lang="ko-KR" altLang="en-US" sz="2900" b="0" i="0" strike="noStrike" cap="none">
-              <a:solidFill>
-                <a:schemeClr val="bg1"/>
-              </a:solidFill>
-              <a:latin typeface="나눔바른고딕" charset="0"/>
-              <a:ea typeface="나눔바른고딕" charset="0"/>
-            </a:endParaRPr>
-          </a:p>
-        </p:txBody>
-      </p:sp>
-      <p:pic>
-        <p:nvPicPr>
-          <p:cNvPr id="193" name="Picture " descr="C:/Users/admin/AppData/Roaming/PolarisOffice/ETemp/10756_10466160/fImage1904764298467.png"/>
           <p:cNvPicPr>
             <a:picLocks noChangeAspect="1"/>
           </p:cNvPicPr>
@@ -29720,8 +29897,8 @@
         </p:blipFill>
         <p:spPr>
           <a:xfrm>
-            <a:off x="9257030" y="5415915"/>
-            <a:ext cx="7117715" cy="4335145"/>
+            <a:off x="9257030" y="1637665"/>
+            <a:ext cx="7142480" cy="3528695"/>
           </a:xfrm>
           <a:prstGeom prst="rect">
             <a:avLst/>
@@ -29740,7 +29917,7 @@
       </p:pic>
       <p:sp>
         <p:nvSpPr>
-          <p:cNvPr id="194" name="Rect 0"/>
+          <p:cNvPr id="192" name="Rect 0"/>
           <p:cNvSpPr txBox="1">
             <a:spLocks/>
           </p:cNvSpPr>
@@ -29748,8 +29925,8 @@
         </p:nvSpPr>
         <p:spPr>
           <a:xfrm>
-            <a:off x="2528570" y="6409690"/>
-            <a:ext cx="5276850" cy="754380"/>
+            <a:off x="2415540" y="7402195"/>
+            <a:ext cx="5499100" cy="1431925"/>
           </a:xfrm>
           <a:prstGeom prst="rect">
             <a:avLst/>
@@ -29766,21 +29943,244 @@
           </a:bodyPr>
           <a:lstStyle/>
           <a:p>
-            <a:pPr marL="0" indent="0" algn="ctr" rtl="0" latinLnBrk="0">
-              <a:buFontTx/>
-              <a:buNone/>
+            <a:pPr marL="349250" indent="-254000" algn="l" rtl="0" latinLnBrk="0">
+              <a:buClr>
+                <a:schemeClr val="bg1"/>
+              </a:buClr>
+              <a:buFont typeface="Wingdings"/>
+              <a:buChar char=""/>
             </a:pPr>
             <a:r>
-              <a:rPr sz="4300" b="1" i="0" strike="noStrike" cap="none">
+              <a:rPr sz="2900" b="0" i="0" strike="noStrike" cap="none" dirty="0" err="1">
                 <a:solidFill>
                   <a:schemeClr val="bg1"/>
                 </a:solidFill>
                 <a:latin typeface="나눔바른고딕" charset="0"/>
                 <a:ea typeface="나눔바른고딕" charset="0"/>
               </a:rPr>
-              <a:t>코디(조합)</a:t>
+              <a:t>내가</a:t>
             </a:r>
-            <a:endParaRPr lang="ko-KR" altLang="en-US" sz="4300" b="1" i="0" strike="noStrike" cap="none">
+            <a:r>
+              <a:rPr sz="2900" b="0" i="0" strike="noStrike" cap="none" dirty="0">
+                <a:solidFill>
+                  <a:schemeClr val="bg1"/>
+                </a:solidFill>
+                <a:latin typeface="나눔바른고딕" charset="0"/>
+                <a:ea typeface="나눔바른고딕" charset="0"/>
+              </a:rPr>
+              <a:t> </a:t>
+            </a:r>
+            <a:r>
+              <a:rPr sz="2900" b="0" i="0" strike="noStrike" cap="none" dirty="0" err="1">
+                <a:solidFill>
+                  <a:schemeClr val="bg1"/>
+                </a:solidFill>
+                <a:latin typeface="나눔바른고딕" charset="0"/>
+                <a:ea typeface="나눔바른고딕" charset="0"/>
+              </a:rPr>
+              <a:t>가지고</a:t>
+            </a:r>
+            <a:r>
+              <a:rPr sz="2900" b="0" i="0" strike="noStrike" cap="none" dirty="0">
+                <a:solidFill>
+                  <a:schemeClr val="bg1"/>
+                </a:solidFill>
+                <a:latin typeface="나눔바른고딕" charset="0"/>
+                <a:ea typeface="나눔바른고딕" charset="0"/>
+              </a:rPr>
+              <a:t> </a:t>
+            </a:r>
+            <a:r>
+              <a:rPr sz="2900" b="0" i="0" strike="noStrike" cap="none" dirty="0" err="1">
+                <a:solidFill>
+                  <a:schemeClr val="bg1"/>
+                </a:solidFill>
+                <a:latin typeface="나눔바른고딕" charset="0"/>
+                <a:ea typeface="나눔바른고딕" charset="0"/>
+              </a:rPr>
+              <a:t>있는</a:t>
+            </a:r>
+            <a:r>
+              <a:rPr sz="2900" b="0" i="0" strike="noStrike" cap="none" dirty="0">
+                <a:solidFill>
+                  <a:schemeClr val="bg1"/>
+                </a:solidFill>
+                <a:latin typeface="나눔바른고딕" charset="0"/>
+                <a:ea typeface="나눔바른고딕" charset="0"/>
+              </a:rPr>
+              <a:t> </a:t>
+            </a:r>
+            <a:r>
+              <a:rPr sz="2900" b="0" i="0" strike="noStrike" cap="none" dirty="0" err="1">
+                <a:solidFill>
+                  <a:schemeClr val="bg1"/>
+                </a:solidFill>
+                <a:latin typeface="나눔바른고딕" charset="0"/>
+                <a:ea typeface="나눔바른고딕" charset="0"/>
+              </a:rPr>
+              <a:t>패션</a:t>
+            </a:r>
+            <a:r>
+              <a:rPr sz="2900" b="0" i="0" strike="noStrike" cap="none" dirty="0">
+                <a:solidFill>
+                  <a:schemeClr val="bg1"/>
+                </a:solidFill>
+                <a:latin typeface="나눔바른고딕" charset="0"/>
+                <a:ea typeface="나눔바른고딕" charset="0"/>
+              </a:rPr>
+              <a:t> </a:t>
+            </a:r>
+            <a:r>
+              <a:rPr sz="2900" b="0" i="0" strike="noStrike" cap="none" dirty="0" err="1">
+                <a:solidFill>
+                  <a:schemeClr val="bg1"/>
+                </a:solidFill>
+                <a:latin typeface="나눔바른고딕" charset="0"/>
+                <a:ea typeface="나눔바른고딕" charset="0"/>
+              </a:rPr>
+              <a:t>아이템을</a:t>
+            </a:r>
+            <a:r>
+              <a:rPr sz="2900" b="0" i="0" strike="noStrike" cap="none" dirty="0">
+                <a:solidFill>
+                  <a:schemeClr val="bg1"/>
+                </a:solidFill>
+                <a:latin typeface="나눔바른고딕" charset="0"/>
+                <a:ea typeface="나눔바른고딕" charset="0"/>
+              </a:rPr>
+              <a:t> </a:t>
+            </a:r>
+            <a:r>
+              <a:rPr sz="2900" b="0" i="0" strike="noStrike" cap="none" dirty="0" err="1">
+                <a:solidFill>
+                  <a:schemeClr val="bg1"/>
+                </a:solidFill>
+                <a:latin typeface="나눔바른고딕" charset="0"/>
+                <a:ea typeface="나눔바른고딕" charset="0"/>
+              </a:rPr>
+              <a:t>추가해</a:t>
+            </a:r>
+            <a:r>
+              <a:rPr sz="2900" b="0" i="0" strike="noStrike" cap="none" dirty="0">
+                <a:solidFill>
+                  <a:schemeClr val="bg1"/>
+                </a:solidFill>
+                <a:latin typeface="나눔바른고딕" charset="0"/>
+                <a:ea typeface="나눔바른고딕" charset="0"/>
+              </a:rPr>
+              <a:t> </a:t>
+            </a:r>
+            <a:r>
+              <a:rPr sz="2900" b="0" i="0" strike="noStrike" cap="none" dirty="0" err="1">
+                <a:solidFill>
+                  <a:schemeClr val="bg1"/>
+                </a:solidFill>
+                <a:latin typeface="나눔바른고딕" charset="0"/>
+                <a:ea typeface="나눔바른고딕" charset="0"/>
+              </a:rPr>
+              <a:t>데일리룩에</a:t>
+            </a:r>
+            <a:r>
+              <a:rPr sz="2900" b="0" i="0" strike="noStrike" cap="none" dirty="0">
+                <a:solidFill>
+                  <a:schemeClr val="bg1"/>
+                </a:solidFill>
+                <a:latin typeface="나눔바른고딕" charset="0"/>
+                <a:ea typeface="나눔바른고딕" charset="0"/>
+              </a:rPr>
+              <a:t> </a:t>
+            </a:r>
+            <a:r>
+              <a:rPr sz="2900" b="0" i="0" strike="noStrike" cap="none" dirty="0" err="1">
+                <a:solidFill>
+                  <a:schemeClr val="bg1"/>
+                </a:solidFill>
+                <a:latin typeface="나눔바른고딕" charset="0"/>
+                <a:ea typeface="나눔바른고딕" charset="0"/>
+              </a:rPr>
+              <a:t>더하고</a:t>
+            </a:r>
+            <a:r>
+              <a:rPr sz="2900" b="0" i="0" strike="noStrike" cap="none" dirty="0">
+                <a:solidFill>
+                  <a:schemeClr val="bg1"/>
+                </a:solidFill>
+                <a:latin typeface="나눔바른고딕" charset="0"/>
+                <a:ea typeface="나눔바른고딕" charset="0"/>
+              </a:rPr>
+              <a:t>, </a:t>
+            </a:r>
+            <a:r>
+              <a:rPr sz="2900" b="0" i="0" strike="noStrike" cap="none" dirty="0" err="1">
+                <a:solidFill>
+                  <a:schemeClr val="bg1"/>
+                </a:solidFill>
+                <a:latin typeface="나눔바른고딕" charset="0"/>
+                <a:ea typeface="나눔바른고딕" charset="0"/>
+              </a:rPr>
+              <a:t>나만의</a:t>
+            </a:r>
+            <a:r>
+              <a:rPr sz="2900" b="0" i="0" strike="noStrike" cap="none" dirty="0">
+                <a:solidFill>
+                  <a:schemeClr val="bg1"/>
+                </a:solidFill>
+                <a:latin typeface="나눔바른고딕" charset="0"/>
+                <a:ea typeface="나눔바른고딕" charset="0"/>
+              </a:rPr>
+              <a:t> </a:t>
+            </a:r>
+            <a:r>
+              <a:rPr sz="2900" b="0" i="0" strike="noStrike" cap="none" dirty="0" err="1">
+                <a:solidFill>
+                  <a:schemeClr val="bg1"/>
+                </a:solidFill>
+                <a:latin typeface="나눔바른고딕" charset="0"/>
+                <a:ea typeface="나눔바른고딕" charset="0"/>
+              </a:rPr>
+              <a:t>옷장을</a:t>
+            </a:r>
+            <a:r>
+              <a:rPr sz="2900" b="0" i="0" strike="noStrike" cap="none" dirty="0">
+                <a:solidFill>
+                  <a:schemeClr val="bg1"/>
+                </a:solidFill>
+                <a:latin typeface="나눔바른고딕" charset="0"/>
+                <a:ea typeface="나눔바른고딕" charset="0"/>
+              </a:rPr>
+              <a:t> </a:t>
+            </a:r>
+            <a:r>
+              <a:rPr sz="2900" b="0" i="0" strike="noStrike" cap="none" dirty="0" err="1">
+                <a:solidFill>
+                  <a:schemeClr val="bg1"/>
+                </a:solidFill>
+                <a:latin typeface="나눔바른고딕" charset="0"/>
+                <a:ea typeface="나눔바른고딕" charset="0"/>
+              </a:rPr>
+              <a:t>만들어</a:t>
+            </a:r>
+            <a:r>
+              <a:rPr sz="2900" b="0" i="0" strike="noStrike" cap="none" dirty="0">
+                <a:solidFill>
+                  <a:schemeClr val="bg1"/>
+                </a:solidFill>
+                <a:latin typeface="나눔바른고딕" charset="0"/>
+                <a:ea typeface="나눔바른고딕" charset="0"/>
+              </a:rPr>
+              <a:t> </a:t>
+            </a:r>
+            <a:r>
+              <a:rPr sz="2900" b="0" i="0" strike="noStrike" cap="none" dirty="0" err="1">
+                <a:solidFill>
+                  <a:schemeClr val="bg1"/>
+                </a:solidFill>
+                <a:latin typeface="나눔바른고딕" charset="0"/>
+                <a:ea typeface="나눔바른고딕" charset="0"/>
+              </a:rPr>
+              <a:t>관리</a:t>
+            </a:r>
+            <a:endParaRPr lang="ko-KR" altLang="en-US" sz="2900" b="0" i="0" strike="noStrike" cap="none" dirty="0">
               <a:solidFill>
                 <a:schemeClr val="bg1"/>
               </a:solidFill>
@@ -29792,9 +30192,9 @@
       </p:sp>
       <p:pic>
         <p:nvPicPr>
-          <p:cNvPr id="198" name="Picture " descr="C:/Users/admin/AppData/Roaming/PolarisOffice/ETemp/10756_10466160/fImage1374316334.png"/>
+          <p:cNvPr id="193" name="Picture " descr="C:/Users/admin/AppData/Roaming/PolarisOffice/ETemp/10756_10466160/fImage1904764298467.png"/>
           <p:cNvPicPr>
-            <a:picLocks/>
+            <a:picLocks noChangeAspect="1"/>
           </p:cNvPicPr>
           <p:nvPr/>
         </p:nvPicPr>
@@ -29812,8 +30212,36 @@
         </p:blipFill>
         <p:spPr>
           <a:xfrm>
-            <a:off x="2124710" y="6215380"/>
-            <a:ext cx="6478270" cy="48895"/>
+            <a:off x="9257030" y="5415915"/>
+            <a:ext cx="7117715" cy="4335145"/>
+          </a:xfrm>
+          <a:prstGeom prst="rect">
+            <a:avLst/>
+          </a:prstGeom>
+          <a:noFill/>
+          <a:ln w="57150" cap="flat" cmpd="sng">
+            <a:solidFill>
+              <a:schemeClr val="bg1">
+                <a:alpha val="100000"/>
+              </a:schemeClr>
+            </a:solidFill>
+            <a:prstDash val="solid"/>
+            <a:round/>
+          </a:ln>
+        </p:spPr>
+      </p:pic>
+      <p:sp>
+        <p:nvSpPr>
+          <p:cNvPr id="194" name="Rect 0"/>
+          <p:cNvSpPr txBox="1">
+            <a:spLocks/>
+          </p:cNvSpPr>
+          <p:nvPr/>
+        </p:nvSpPr>
+        <p:spPr>
+          <a:xfrm>
+            <a:off x="2528570" y="6409690"/>
+            <a:ext cx="5276850" cy="754380"/>
           </a:xfrm>
           <a:prstGeom prst="rect">
             <a:avLst/>
@@ -29824,10 +30252,39 @@
             <a:prstDash/>
           </a:ln>
         </p:spPr>
-      </p:pic>
+        <p:txBody>
+          <a:bodyPr vert="horz" wrap="square" lIns="91440" tIns="45720" rIns="91440" bIns="45720" anchor="t">
+            <a:spAutoFit/>
+          </a:bodyPr>
+          <a:lstStyle/>
+          <a:p>
+            <a:pPr marL="0" indent="0" algn="ctr" rtl="0" latinLnBrk="0">
+              <a:buFontTx/>
+              <a:buNone/>
+            </a:pPr>
+            <a:r>
+              <a:rPr sz="4300" b="1" i="0" strike="noStrike" cap="none">
+                <a:solidFill>
+                  <a:schemeClr val="bg1"/>
+                </a:solidFill>
+                <a:latin typeface="나눔바른고딕" charset="0"/>
+                <a:ea typeface="나눔바른고딕" charset="0"/>
+              </a:rPr>
+              <a:t>코디(조합)</a:t>
+            </a:r>
+            <a:endParaRPr lang="ko-KR" altLang="en-US" sz="4300" b="1" i="0" strike="noStrike" cap="none">
+              <a:solidFill>
+                <a:schemeClr val="bg1"/>
+              </a:solidFill>
+              <a:latin typeface="나눔바른고딕" charset="0"/>
+              <a:ea typeface="나눔바른고딕" charset="0"/>
+            </a:endParaRPr>
+          </a:p>
+        </p:txBody>
+      </p:sp>
       <p:pic>
         <p:nvPicPr>
-          <p:cNvPr id="199" name="Picture " descr="C:/Users/admin/AppData/Roaming/PolarisOffice/ETemp/10756_10466160/fImage1614326500.png"/>
+          <p:cNvPr id="198" name="Picture " descr="C:/Users/admin/AppData/Roaming/PolarisOffice/ETemp/10756_10466160/fImage1374316334.png"/>
           <p:cNvPicPr>
             <a:picLocks/>
           </p:cNvPicPr>
@@ -29847,6 +30304,41 @@
         </p:blipFill>
         <p:spPr>
           <a:xfrm>
+            <a:off x="2124710" y="6215380"/>
+            <a:ext cx="6478270" cy="48895"/>
+          </a:xfrm>
+          <a:prstGeom prst="rect">
+            <a:avLst/>
+          </a:prstGeom>
+          <a:noFill/>
+          <a:ln w="0">
+            <a:noFill/>
+            <a:prstDash/>
+          </a:ln>
+        </p:spPr>
+      </p:pic>
+      <p:pic>
+        <p:nvPicPr>
+          <p:cNvPr id="199" name="Picture " descr="C:/Users/admin/AppData/Roaming/PolarisOffice/ETemp/10756_10466160/fImage1614326500.png"/>
+          <p:cNvPicPr>
+            <a:picLocks/>
+          </p:cNvPicPr>
+          <p:nvPr/>
+        </p:nvPicPr>
+        <p:blipFill rotWithShape="1">
+          <a:blip r:embed="rId7" cstate="hqprint">
+            <a:extLst>
+              <a:ext uri="{28A0092B-C50C-407E-A947-70E740481C1C}">
+                <a14:useLocalDpi xmlns:a14="http://schemas.microsoft.com/office/drawing/2010/main"/>
+              </a:ext>
+            </a:extLst>
+          </a:blip>
+          <a:stretch>
+            <a:fillRect/>
+          </a:stretch>
+        </p:blipFill>
+        <p:spPr>
+          <a:xfrm>
             <a:off x="2225675" y="1308100"/>
             <a:ext cx="13870305" cy="48895"/>
           </a:xfrm>
@@ -29869,7 +30361,7 @@
           <p:nvPr/>
         </p:nvPicPr>
         <p:blipFill rotWithShape="1">
-          <a:blip r:embed="rId6" cstate="hqprint">
+          <a:blip r:embed="rId7" cstate="hqprint">
             <a:extLst>
               <a:ext uri="{28A0092B-C50C-407E-A947-70E740481C1C}">
                 <a14:useLocalDpi xmlns:a14="http://schemas.microsoft.com/office/drawing/2010/main"/>
@@ -29892,51 +30384,6 @@
           <a:ln w="0">
             <a:noFill/>
             <a:prstDash/>
-          </a:ln>
-        </p:spPr>
-      </p:pic>
-      <p:pic>
-        <p:nvPicPr>
-          <p:cNvPr id="204" name="Picture " descr="C:/Users/admin/AppData/Roaming/PolarisOffice/ETemp/10756_10466160/fImage29924345724.png"/>
-          <p:cNvPicPr>
-            <a:picLocks/>
-          </p:cNvPicPr>
-          <p:nvPr/>
-        </p:nvPicPr>
-        <p:blipFill rotWithShape="1">
-          <a:blip r:embed="rId7" cstate="hqprint">
-            <a:clrChange>
-              <a:clrFrom>
-                <a:srgbClr val="68457F"/>
-              </a:clrFrom>
-              <a:clrTo>
-                <a:srgbClr val="68457F">
-                  <a:alpha val="0"/>
-                </a:srgbClr>
-              </a:clrTo>
-            </a:clrChange>
-            <a:extLst>
-              <a:ext uri="{28A0092B-C50C-407E-A947-70E740481C1C}">
-                <a14:useLocalDpi xmlns:a14="http://schemas.microsoft.com/office/drawing/2010/main"/>
-              </a:ext>
-            </a:extLst>
-          </a:blip>
-          <a:stretch>
-            <a:fillRect/>
-          </a:stretch>
-        </p:blipFill>
-        <p:spPr>
-          <a:xfrm>
-            <a:off x="2029460" y="1805940"/>
-            <a:ext cx="6270625" cy="3296285"/>
-          </a:xfrm>
-          <a:prstGeom prst="rect">
-            <a:avLst/>
-          </a:prstGeom>
-          <a:noFill/>
-          <a:ln w="19050" cap="flat" cmpd="sng">
-            <a:prstDash val="solid"/>
-            <a:round/>
           </a:ln>
         </p:spPr>
       </p:pic>
@@ -30233,7 +30680,7 @@
           <p:nvPr/>
         </p:nvPicPr>
         <p:blipFill rotWithShape="1">
-          <a:blip r:embed="rId6" cstate="hqprint">
+          <a:blip r:embed="rId7" cstate="hqprint">
             <a:extLst>
               <a:ext uri="{28A0092B-C50C-407E-A947-70E740481C1C}">
                 <a14:useLocalDpi xmlns:a14="http://schemas.microsoft.com/office/drawing/2010/main"/>
@@ -30256,51 +30703,6 @@
           <a:ln w="0">
             <a:noFill/>
             <a:prstDash/>
-          </a:ln>
-        </p:spPr>
-      </p:pic>
-      <p:pic>
-        <p:nvPicPr>
-          <p:cNvPr id="25" name="Picture " descr="C:/Users/admin/AppData/Roaming/PolarisOffice/ETemp/10756_10466160/fImage29924434464.png"/>
-          <p:cNvPicPr>
-            <a:picLocks/>
-          </p:cNvPicPr>
-          <p:nvPr/>
-        </p:nvPicPr>
-        <p:blipFill rotWithShape="1">
-          <a:blip r:embed="rId7" cstate="hqprint">
-            <a:clrChange>
-              <a:clrFrom>
-                <a:srgbClr val="68457F"/>
-              </a:clrFrom>
-              <a:clrTo>
-                <a:srgbClr val="68457F">
-                  <a:alpha val="0"/>
-                </a:srgbClr>
-              </a:clrTo>
-            </a:clrChange>
-            <a:extLst>
-              <a:ext uri="{28A0092B-C50C-407E-A947-70E740481C1C}">
-                <a14:useLocalDpi xmlns:a14="http://schemas.microsoft.com/office/drawing/2010/main"/>
-              </a:ext>
-            </a:extLst>
-          </a:blip>
-          <a:stretch>
-            <a:fillRect/>
-          </a:stretch>
-        </p:blipFill>
-        <p:spPr>
-          <a:xfrm>
-            <a:off x="2014855" y="6059805"/>
-            <a:ext cx="6270625" cy="3296285"/>
-          </a:xfrm>
-          <a:prstGeom prst="rect">
-            <a:avLst/>
-          </a:prstGeom>
-          <a:noFill/>
-          <a:ln w="19050" cap="flat" cmpd="sng">
-            <a:prstDash val="solid"/>
-            <a:round/>
           </a:ln>
         </p:spPr>
       </p:pic>

--- a/기획서/5조 Fit-back.pptx
+++ b/기획서/5조 Fit-back.pptx
@@ -7,7 +7,7 @@
     <p:sldMasterId id="2147483747" r:id="rId3"/>
   </p:sldMasterIdLst>
   <p:notesMasterIdLst>
-    <p:notesMasterId r:id="rId19"/>
+    <p:notesMasterId r:id="rId20"/>
   </p:notesMasterIdLst>
   <p:sldIdLst>
     <p:sldId id="256" r:id="rId4"/>
@@ -15,16 +15,17 @@
     <p:sldId id="286" r:id="rId6"/>
     <p:sldId id="280" r:id="rId7"/>
     <p:sldId id="287" r:id="rId8"/>
-    <p:sldId id="281" r:id="rId9"/>
+    <p:sldId id="295" r:id="rId9"/>
     <p:sldId id="282" r:id="rId10"/>
     <p:sldId id="294" r:id="rId11"/>
-    <p:sldId id="292" r:id="rId12"/>
-    <p:sldId id="284" r:id="rId13"/>
-    <p:sldId id="288" r:id="rId14"/>
-    <p:sldId id="293" r:id="rId15"/>
-    <p:sldId id="290" r:id="rId16"/>
-    <p:sldId id="279" r:id="rId17"/>
-    <p:sldId id="276" r:id="rId18"/>
+    <p:sldId id="296" r:id="rId12"/>
+    <p:sldId id="292" r:id="rId13"/>
+    <p:sldId id="284" r:id="rId14"/>
+    <p:sldId id="288" r:id="rId15"/>
+    <p:sldId id="293" r:id="rId16"/>
+    <p:sldId id="290" r:id="rId17"/>
+    <p:sldId id="279" r:id="rId18"/>
+    <p:sldId id="276" r:id="rId19"/>
   </p:sldIdLst>
   <p:sldSz cx="18288000" cy="10287000"/>
   <p:notesSz cx="10287000" cy="18288000"/>
@@ -259,18 +260,7 @@
   </p:defaultTextStyle>
   <p:extLst>
     <p:ext uri="{EFAFB233-063F-42B5-8137-9DF3F51BA10A}">
-      <p15:sldGuideLst xmlns:p15="http://schemas.microsoft.com/office/powerpoint/2012/main">
-        <p15:guide id="1" orient="horz" pos="2142">
-          <p15:clr>
-            <a:srgbClr val="000000"/>
-          </p15:clr>
-        </p15:guide>
-        <p15:guide id="2" pos="2862">
-          <p15:clr>
-            <a:srgbClr val="000000"/>
-          </p15:clr>
-        </p15:guide>
-      </p15:sldGuideLst>
+      <p15:sldGuideLst xmlns:p15="http://schemas.microsoft.com/office/powerpoint/2012/main"/>
     </p:ext>
   </p:extLst>
 </p:presentation>
@@ -896,8 +886,8 @@
             </p:nvSpPr>
             <p:spPr>
               <a:xfrm>
-                <a:off x="-952500" y="1371600"/>
-                <a:ext cx="12192000" cy="6858000"/>
+                <a:off x="-950913" y="1371600"/>
+                <a:ext cx="12190413" cy="6858000"/>
               </a:xfrm>
               <a:custGeom>
                 <a:avLst/>
@@ -968,159 +958,11 @@
             </p:txBody>
           </p:sp>
         </p:spTree>
-      </p:cSld>
-      <p:clrMapOvr>
-        <a:masterClrMapping/>
-      </p:clrMapOvr>
-    </p:notes>
-  </mc:Choice>
-  <mc:Fallback xmlns:mc="http://schemas.openxmlformats.org/markup-compatibility/2006" xmlns:p="http://schemas.openxmlformats.org/presentationml/2006/main" xmlns:r="http://schemas.openxmlformats.org/officeDocument/2006/relationships" xmlns:a="http://schemas.openxmlformats.org/drawingml/2006/main" xmlns="" xmlns:p14="http://schemas.microsoft.com/office/powerpoint/2010/main">
-    <p:transition spd="slow"/>
-  </mc:Fallback>
-</mc:AlternateContent>
-</file>
-
-<file path=ppt/notesSlides/notesSlide11.xml><?xml version="1.0" encoding="utf-8"?>
-<mc:AlternateContent xmlns:mc="http://schemas.openxmlformats.org/markup-compatibility/2006" xmlns:p14="http://schemas.microsoft.com/office/powerpoint/2010/main">
-  <mc:Choice Requires="p14">
-    <p:notes xmlns:a="http://schemas.openxmlformats.org/drawingml/2006/main" xmlns:r="http://schemas.openxmlformats.org/officeDocument/2006/relationships" xmlns:p="http://schemas.openxmlformats.org/presentationml/2006/main">
-      <p:cSld>
-        <p:spTree>
-          <p:nvGrpSpPr>
-            <p:cNvPr id="1" name=""/>
-            <p:cNvGrpSpPr/>
-            <p:nvPr/>
-          </p:nvGrpSpPr>
-          <p:grpSpPr>
-            <a:xfrm>
-              <a:off x="0" y="0"/>
-              <a:ext cx="0" cy="0"/>
-              <a:chOff x="0" y="0"/>
-              <a:chExt cx="0" cy="0"/>
-            </a:xfrm>
-          </p:grpSpPr>
-          <p:sp>
-            <p:nvSpPr>
-              <p:cNvPr id="129" name="Rect 0"/>
-              <p:cNvSpPr txBox="1">
-                <a:spLocks noGrp="1"/>
-              </p:cNvSpPr>
-              <p:nvPr>
-                <p:ph type="body"/>
-              </p:nvPr>
-            </p:nvSpPr>
-            <p:spPr>
-              <a:xfrm>
-                <a:off x="1028700" y="8686800"/>
-                <a:ext cx="8230870" cy="8230870"/>
-              </a:xfrm>
-              <a:prstGeom prst="rect">
-                <a:avLst/>
-              </a:prstGeom>
-              <a:noFill/>
-              <a:ln w="0">
-                <a:noFill/>
-                <a:prstDash/>
-              </a:ln>
-            </p:spPr>
-            <p:txBody>
-              <a:bodyPr vert="horz" wrap="square" lIns="91440" tIns="91440" rIns="91440" bIns="91440" anchor="t">
-                <a:noAutofit/>
-              </a:bodyPr>
-              <a:lstStyle/>
-              <a:p>
-                <a:pPr marL="0" indent="0" algn="l" rtl="0" latinLnBrk="0">
-                  <a:buFontTx/>
-                  <a:buNone/>
-                </a:pPr>
-                <a:endParaRPr/>
-              </a:p>
-            </p:txBody>
-          </p:sp>
-          <p:sp>
-            <p:nvSpPr>
-              <p:cNvPr id="130" name="Rect 0"/>
-              <p:cNvSpPr>
-                <a:spLocks noGrp="1" noRot="1" noChangeAspect="1"/>
-              </p:cNvSpPr>
-              <p:nvPr>
-                <p:ph type="sldImg"/>
-              </p:nvPr>
-            </p:nvSpPr>
-            <p:spPr>
-              <a:xfrm>
-                <a:off x="-952500" y="1371600"/>
-                <a:ext cx="12192635" cy="6858635"/>
-              </a:xfrm>
-              <a:custGeom>
-                <a:avLst/>
-                <a:gdLst>
-                  <a:gd name="TX0" fmla="*/ 0 w 120002"/>
-                  <a:gd name="TY0" fmla="*/ 0 h 120002"/>
-                  <a:gd name="TX1" fmla="*/ 120000 w 120002"/>
-                  <a:gd name="TY1" fmla="*/ 0 h 120002"/>
-                  <a:gd name="TX2" fmla="*/ 120000 w 120002"/>
-                  <a:gd name="TY2" fmla="*/ 120000 h 120002"/>
-                  <a:gd name="TX3" fmla="*/ 0 w 120002"/>
-                  <a:gd name="TY3" fmla="*/ 120000 h 120002"/>
-                </a:gdLst>
-                <a:ahLst/>
-                <a:cxnLst>
-                  <a:cxn ang="0">
-                    <a:pos x="TX0" y="TY0"/>
-                  </a:cxn>
-                  <a:cxn ang="0">
-                    <a:pos x="TX1" y="TY1"/>
-                  </a:cxn>
-                  <a:cxn ang="0">
-                    <a:pos x="TX2" y="TY2"/>
-                  </a:cxn>
-                  <a:cxn ang="0">
-                    <a:pos x="TX3" y="TY3"/>
-                  </a:cxn>
-                </a:cxnLst>
-                <a:rect l="l" t="t" r="r" b="b"/>
-                <a:pathLst>
-                  <a:path w="120002" h="120002">
-                    <a:moveTo>
-                      <a:pt x="0" y="0"/>
-                    </a:moveTo>
-                    <a:lnTo>
-                      <a:pt x="120000" y="0"/>
-                    </a:lnTo>
-                    <a:lnTo>
-                      <a:pt x="120000" y="120000"/>
-                    </a:lnTo>
-                    <a:lnTo>
-                      <a:pt x="0" y="120000"/>
-                    </a:lnTo>
-                    <a:close/>
-                  </a:path>
-                </a:pathLst>
-              </a:custGeom>
-              <a:noFill/>
-              <a:ln w="9525" cap="flat" cmpd="sng">
-                <a:solidFill>
-                  <a:srgbClr val="000000">
-                    <a:alpha val="100000"/>
-                  </a:srgbClr>
-                </a:solidFill>
-                <a:prstDash val="solid"/>
-                <a:round/>
-              </a:ln>
-            </p:spPr>
-            <p:txBody>
-              <a:bodyPr vert="horz" wrap="square" lIns="0" tIns="0" rIns="0" bIns="0" anchor="t">
-                <a:noAutofit/>
-              </a:bodyPr>
-              <a:lstStyle/>
-              <a:p>
-                <a:pPr marL="0" indent="0" latinLnBrk="0"/>
-                <a:endParaRPr/>
-              </a:p>
-            </p:txBody>
-          </p:sp>
-        </p:spTree>
+        <p:extLst>
+          <p:ext uri="{BB962C8B-B14F-4D97-AF65-F5344CB8AC3E}">
+            <p14:creationId val="161562300"/>
+          </p:ext>
+        </p:extLst>
       </p:cSld>
       <p:clrMapOvr>
         <a:masterClrMapping/>
@@ -1133,7 +975,7 @@
 </mc:AlternateContent>
 </file>
 
-<file path=ppt/notesSlides/notesSlide12.xml><?xml version="1.0" encoding="utf-8"?>
+<file path=ppt/notesSlides/notesSlide11.xml><?xml version="1.0" encoding="utf-8"?>
 <mc:AlternateContent xmlns:mc="http://schemas.openxmlformats.org/markup-compatibility/2006" xmlns:p14="http://schemas.microsoft.com/office/powerpoint/2010/main">
   <mc:Choice Requires="p14">
     <p:notes xmlns:a="http://schemas.openxmlformats.org/drawingml/2006/main" xmlns:r="http://schemas.openxmlformats.org/officeDocument/2006/relationships" xmlns:p="http://schemas.openxmlformats.org/presentationml/2006/main">
@@ -1292,7 +1134,319 @@
 </mc:AlternateContent>
 </file>
 
+<file path=ppt/notesSlides/notesSlide12.xml><?xml version="1.0" encoding="utf-8"?>
+<mc:AlternateContent xmlns:mc="http://schemas.openxmlformats.org/markup-compatibility/2006" xmlns:p14="http://schemas.microsoft.com/office/powerpoint/2010/main">
+  <mc:Choice Requires="p14">
+    <p:notes xmlns:a="http://schemas.openxmlformats.org/drawingml/2006/main" xmlns:r="http://schemas.openxmlformats.org/officeDocument/2006/relationships" xmlns:p="http://schemas.openxmlformats.org/presentationml/2006/main">
+      <p:cSld>
+        <p:spTree>
+          <p:nvGrpSpPr>
+            <p:cNvPr id="1" name=""/>
+            <p:cNvGrpSpPr/>
+            <p:nvPr/>
+          </p:nvGrpSpPr>
+          <p:grpSpPr>
+            <a:xfrm>
+              <a:off x="0" y="0"/>
+              <a:ext cx="0" cy="0"/>
+              <a:chOff x="0" y="0"/>
+              <a:chExt cx="0" cy="0"/>
+            </a:xfrm>
+          </p:grpSpPr>
+          <p:sp>
+            <p:nvSpPr>
+              <p:cNvPr id="129" name="Rect 0"/>
+              <p:cNvSpPr txBox="1">
+                <a:spLocks noGrp="1"/>
+              </p:cNvSpPr>
+              <p:nvPr>
+                <p:ph type="body"/>
+              </p:nvPr>
+            </p:nvSpPr>
+            <p:spPr>
+              <a:xfrm>
+                <a:off x="1028700" y="8686800"/>
+                <a:ext cx="8230870" cy="8230870"/>
+              </a:xfrm>
+              <a:prstGeom prst="rect">
+                <a:avLst/>
+              </a:prstGeom>
+              <a:noFill/>
+              <a:ln w="0">
+                <a:noFill/>
+                <a:prstDash/>
+              </a:ln>
+            </p:spPr>
+            <p:txBody>
+              <a:bodyPr vert="horz" wrap="square" lIns="91440" tIns="91440" rIns="91440" bIns="91440" anchor="t">
+                <a:noAutofit/>
+              </a:bodyPr>
+              <a:lstStyle/>
+              <a:p>
+                <a:pPr marL="0" indent="0" algn="l" rtl="0" latinLnBrk="0">
+                  <a:buFontTx/>
+                  <a:buNone/>
+                </a:pPr>
+                <a:endParaRPr/>
+              </a:p>
+            </p:txBody>
+          </p:sp>
+          <p:sp>
+            <p:nvSpPr>
+              <p:cNvPr id="130" name="Rect 0"/>
+              <p:cNvSpPr>
+                <a:spLocks noGrp="1" noRot="1" noChangeAspect="1"/>
+              </p:cNvSpPr>
+              <p:nvPr>
+                <p:ph type="sldImg"/>
+              </p:nvPr>
+            </p:nvSpPr>
+            <p:spPr>
+              <a:xfrm>
+                <a:off x="-952500" y="1371600"/>
+                <a:ext cx="12192635" cy="6858635"/>
+              </a:xfrm>
+              <a:custGeom>
+                <a:avLst/>
+                <a:gdLst>
+                  <a:gd name="TX0" fmla="*/ 0 w 120002"/>
+                  <a:gd name="TY0" fmla="*/ 0 h 120002"/>
+                  <a:gd name="TX1" fmla="*/ 120000 w 120002"/>
+                  <a:gd name="TY1" fmla="*/ 0 h 120002"/>
+                  <a:gd name="TX2" fmla="*/ 120000 w 120002"/>
+                  <a:gd name="TY2" fmla="*/ 120000 h 120002"/>
+                  <a:gd name="TX3" fmla="*/ 0 w 120002"/>
+                  <a:gd name="TY3" fmla="*/ 120000 h 120002"/>
+                </a:gdLst>
+                <a:ahLst/>
+                <a:cxnLst>
+                  <a:cxn ang="0">
+                    <a:pos x="TX0" y="TY0"/>
+                  </a:cxn>
+                  <a:cxn ang="0">
+                    <a:pos x="TX1" y="TY1"/>
+                  </a:cxn>
+                  <a:cxn ang="0">
+                    <a:pos x="TX2" y="TY2"/>
+                  </a:cxn>
+                  <a:cxn ang="0">
+                    <a:pos x="TX3" y="TY3"/>
+                  </a:cxn>
+                </a:cxnLst>
+                <a:rect l="l" t="t" r="r" b="b"/>
+                <a:pathLst>
+                  <a:path w="120002" h="120002">
+                    <a:moveTo>
+                      <a:pt x="0" y="0"/>
+                    </a:moveTo>
+                    <a:lnTo>
+                      <a:pt x="120000" y="0"/>
+                    </a:lnTo>
+                    <a:lnTo>
+                      <a:pt x="120000" y="120000"/>
+                    </a:lnTo>
+                    <a:lnTo>
+                      <a:pt x="0" y="120000"/>
+                    </a:lnTo>
+                    <a:close/>
+                  </a:path>
+                </a:pathLst>
+              </a:custGeom>
+              <a:noFill/>
+              <a:ln w="9525" cap="flat" cmpd="sng">
+                <a:solidFill>
+                  <a:srgbClr val="000000">
+                    <a:alpha val="100000"/>
+                  </a:srgbClr>
+                </a:solidFill>
+                <a:prstDash val="solid"/>
+                <a:round/>
+              </a:ln>
+            </p:spPr>
+            <p:txBody>
+              <a:bodyPr vert="horz" wrap="square" lIns="0" tIns="0" rIns="0" bIns="0" anchor="t">
+                <a:noAutofit/>
+              </a:bodyPr>
+              <a:lstStyle/>
+              <a:p>
+                <a:pPr marL="0" indent="0" latinLnBrk="0"/>
+                <a:endParaRPr/>
+              </a:p>
+            </p:txBody>
+          </p:sp>
+        </p:spTree>
+      </p:cSld>
+      <p:clrMapOvr>
+        <a:masterClrMapping/>
+      </p:clrMapOvr>
+    </p:notes>
+  </mc:Choice>
+  <mc:Fallback xmlns:p14="http://schemas.microsoft.com/office/powerpoint/2010/main" xmlns="" xmlns:a="http://schemas.openxmlformats.org/drawingml/2006/main" xmlns:r="http://schemas.openxmlformats.org/officeDocument/2006/relationships" xmlns:p="http://schemas.openxmlformats.org/presentationml/2006/main" xmlns:mc="http://schemas.openxmlformats.org/markup-compatibility/2006">
+    <p:transition spd="slow"/>
+  </mc:Fallback>
+</mc:AlternateContent>
+</file>
+
 <file path=ppt/notesSlides/notesSlide13.xml><?xml version="1.0" encoding="utf-8"?>
+<mc:AlternateContent xmlns:mc="http://schemas.openxmlformats.org/markup-compatibility/2006" xmlns:p14="http://schemas.microsoft.com/office/powerpoint/2010/main">
+  <mc:Choice Requires="p14">
+    <p:notes xmlns:a="http://schemas.openxmlformats.org/drawingml/2006/main" xmlns:r="http://schemas.openxmlformats.org/officeDocument/2006/relationships" xmlns:p="http://schemas.openxmlformats.org/presentationml/2006/main">
+      <p:cSld>
+        <p:spTree>
+          <p:nvGrpSpPr>
+            <p:cNvPr id="1" name=""/>
+            <p:cNvGrpSpPr/>
+            <p:nvPr/>
+          </p:nvGrpSpPr>
+          <p:grpSpPr>
+            <a:xfrm>
+              <a:off x="0" y="0"/>
+              <a:ext cx="0" cy="0"/>
+              <a:chOff x="0" y="0"/>
+              <a:chExt cx="0" cy="0"/>
+            </a:xfrm>
+          </p:grpSpPr>
+          <p:sp>
+            <p:nvSpPr>
+              <p:cNvPr id="129" name="Google Shape;129;p3:notes"/>
+              <p:cNvSpPr txBox="1">
+                <a:spLocks noGrp="1"/>
+              </p:cNvSpPr>
+              <p:nvPr>
+                <p:ph type="body" idx="1"/>
+              </p:nvPr>
+            </p:nvSpPr>
+            <p:spPr>
+              <a:xfrm>
+                <a:off x="1028700" y="8686800"/>
+                <a:ext cx="8230235" cy="8230235"/>
+              </a:xfrm>
+              <a:prstGeom prst="rect">
+                <a:avLst/>
+              </a:prstGeom>
+              <a:noFill/>
+              <a:ln w="0">
+                <a:noFill/>
+                <a:prstDash/>
+              </a:ln>
+            </p:spPr>
+            <p:txBody>
+              <a:bodyPr vert="horz" wrap="square" lIns="91440" tIns="91440" rIns="91440" bIns="91440" numCol="1" anchor="t">
+                <a:noAutofit/>
+              </a:bodyPr>
+              <a:lstStyle/>
+              <a:p>
+                <a:pPr marL="0" indent="0" algn="l" rtl="0" latinLnBrk="0">
+                  <a:spcBef>
+                    <a:spcPts val="0"/>
+                  </a:spcBef>
+                  <a:spcAft>
+                    <a:spcPts val="0"/>
+                  </a:spcAft>
+                  <a:buFontTx/>
+                  <a:buNone/>
+                </a:pPr>
+                <a:endParaRPr/>
+              </a:p>
+            </p:txBody>
+          </p:sp>
+          <p:sp>
+            <p:nvSpPr>
+              <p:cNvPr id="130" name="Google Shape;130;p3:notes"/>
+              <p:cNvSpPr>
+                <a:spLocks noGrp="1" noRot="1" noChangeAspect="1"/>
+              </p:cNvSpPr>
+              <p:nvPr>
+                <p:ph type="sldImg"/>
+              </p:nvPr>
+            </p:nvSpPr>
+            <p:spPr>
+              <a:xfrm>
+                <a:off x="-952500" y="1371600"/>
+                <a:ext cx="12192000" cy="6858000"/>
+              </a:xfrm>
+              <a:custGeom>
+                <a:avLst/>
+                <a:gdLst>
+                  <a:gd name="TX0" fmla="*/ 0 w 120001"/>
+                  <a:gd name="TY0" fmla="*/ 0 h 120001"/>
+                  <a:gd name="TX1" fmla="*/ 120000 w 120001"/>
+                  <a:gd name="TY1" fmla="*/ 0 h 120001"/>
+                  <a:gd name="TX2" fmla="*/ 120000 w 120001"/>
+                  <a:gd name="TY2" fmla="*/ 120000 h 120001"/>
+                  <a:gd name="TX3" fmla="*/ 0 w 120001"/>
+                  <a:gd name="TY3" fmla="*/ 120000 h 120001"/>
+                </a:gdLst>
+                <a:ahLst/>
+                <a:cxnLst>
+                  <a:cxn ang="0">
+                    <a:pos x="TX0" y="TY0"/>
+                  </a:cxn>
+                  <a:cxn ang="0">
+                    <a:pos x="TX1" y="TY1"/>
+                  </a:cxn>
+                  <a:cxn ang="0">
+                    <a:pos x="TX2" y="TY2"/>
+                  </a:cxn>
+                  <a:cxn ang="0">
+                    <a:pos x="TX3" y="TY3"/>
+                  </a:cxn>
+                </a:cxnLst>
+                <a:rect l="l" t="t" r="r" b="b"/>
+                <a:pathLst>
+                  <a:path w="120001" h="120001">
+                    <a:moveTo>
+                      <a:pt x="0" y="0"/>
+                    </a:moveTo>
+                    <a:lnTo>
+                      <a:pt x="120000" y="0"/>
+                    </a:lnTo>
+                    <a:lnTo>
+                      <a:pt x="120000" y="120000"/>
+                    </a:lnTo>
+                    <a:lnTo>
+                      <a:pt x="0" y="120000"/>
+                    </a:lnTo>
+                    <a:close/>
+                  </a:path>
+                </a:pathLst>
+              </a:custGeom>
+              <a:noFill/>
+              <a:ln w="9525" cap="flat" cmpd="sng">
+                <a:solidFill>
+                  <a:srgbClr val="000000">
+                    <a:alpha val="100000"/>
+                  </a:srgbClr>
+                </a:solidFill>
+                <a:prstDash val="solid"/>
+                <a:round/>
+              </a:ln>
+            </p:spPr>
+            <p:txBody>
+              <a:bodyPr vert="horz" wrap="square" lIns="0" tIns="0" rIns="0" bIns="0" anchor="t">
+                <a:noAutofit/>
+              </a:bodyPr>
+              <a:lstStyle/>
+              <a:p>
+                <a:pPr marL="0" indent="0"/>
+                <a:endParaRPr/>
+              </a:p>
+            </p:txBody>
+          </p:sp>
+        </p:spTree>
+      </p:cSld>
+      <p:clrMapOvr>
+        <a:masterClrMapping/>
+      </p:clrMapOvr>
+    </p:notes>
+  </mc:Choice>
+  <mc:Fallback xmlns:mc="http://schemas.openxmlformats.org/markup-compatibility/2006" xmlns:p="http://schemas.openxmlformats.org/presentationml/2006/main" xmlns:r="http://schemas.openxmlformats.org/officeDocument/2006/relationships" xmlns:a="http://schemas.openxmlformats.org/drawingml/2006/main" xmlns="" xmlns:p14="http://schemas.microsoft.com/office/powerpoint/2010/main">
+    <p:transition spd="slow"/>
+  </mc:Fallback>
+</mc:AlternateContent>
+</file>
+
+<file path=ppt/notesSlides/notesSlide14.xml><?xml version="1.0" encoding="utf-8"?>
 <mc:AlternateContent xmlns:mc="http://schemas.openxmlformats.org/markup-compatibility/2006" xmlns:p14="http://schemas.microsoft.com/office/powerpoint/2010/main">
   <mc:Choice Requires="p14">
     <p:notes xmlns:a="http://schemas.openxmlformats.org/drawingml/2006/main" xmlns:r="http://schemas.openxmlformats.org/officeDocument/2006/relationships" xmlns:p="http://schemas.openxmlformats.org/presentationml/2006/main">
@@ -1451,7 +1605,7 @@
 </mc:AlternateContent>
 </file>
 
-<file path=ppt/notesSlides/notesSlide14.xml><?xml version="1.0" encoding="utf-8"?>
+<file path=ppt/notesSlides/notesSlide15.xml><?xml version="1.0" encoding="utf-8"?>
 <p:notes xmlns:a="http://schemas.openxmlformats.org/drawingml/2006/main" xmlns:r="http://schemas.openxmlformats.org/officeDocument/2006/relationships" xmlns:p="http://schemas.openxmlformats.org/presentationml/2006/main" showMasterSp="0" showMasterPhAnim="0">
   <p:cSld>
     <p:spTree>
@@ -2079,6 +2233,11 @@
         </p:spPr>
       </p:sp>
     </p:spTree>
+    <p:extLst>
+      <p:ext uri="{BB962C8B-B14F-4D97-AF65-F5344CB8AC3E}">
+        <p14:creationId xmlns:p14="http://schemas.microsoft.com/office/powerpoint/2010/main" val="3363060914"/>
+      </p:ext>
+    </p:extLst>
   </p:cSld>
   <p:clrMapOvr>
     <a:masterClrMapping/>
@@ -2430,6 +2589,170 @@
             <p:spPr>
               <a:xfrm>
                 <a:off x="1028700" y="8686800"/>
+                <a:ext cx="8230235" cy="8230235"/>
+              </a:xfrm>
+              <a:prstGeom prst="rect">
+                <a:avLst/>
+              </a:prstGeom>
+              <a:noFill/>
+              <a:ln w="0">
+                <a:noFill/>
+                <a:prstDash/>
+              </a:ln>
+            </p:spPr>
+            <p:txBody>
+              <a:bodyPr vert="horz" wrap="square" lIns="91440" tIns="91440" rIns="91440" bIns="91440" numCol="1" anchor="t">
+                <a:noAutofit/>
+              </a:bodyPr>
+              <a:lstStyle/>
+              <a:p>
+                <a:pPr marL="0" indent="0" algn="l" rtl="0" latinLnBrk="0">
+                  <a:spcBef>
+                    <a:spcPts val="0"/>
+                  </a:spcBef>
+                  <a:spcAft>
+                    <a:spcPts val="0"/>
+                  </a:spcAft>
+                  <a:buFontTx/>
+                  <a:buNone/>
+                </a:pPr>
+                <a:endParaRPr/>
+              </a:p>
+            </p:txBody>
+          </p:sp>
+          <p:sp>
+            <p:nvSpPr>
+              <p:cNvPr id="130" name="Google Shape;130;p3:notes"/>
+              <p:cNvSpPr>
+                <a:spLocks noGrp="1" noRot="1" noChangeAspect="1"/>
+              </p:cNvSpPr>
+              <p:nvPr>
+                <p:ph type="sldImg"/>
+              </p:nvPr>
+            </p:nvSpPr>
+            <p:spPr>
+              <a:xfrm>
+                <a:off x="-950913" y="1371600"/>
+                <a:ext cx="12190413" cy="6858000"/>
+              </a:xfrm>
+              <a:custGeom>
+                <a:avLst/>
+                <a:gdLst>
+                  <a:gd name="TX0" fmla="*/ 0 w 120001"/>
+                  <a:gd name="TY0" fmla="*/ 0 h 120001"/>
+                  <a:gd name="TX1" fmla="*/ 120000 w 120001"/>
+                  <a:gd name="TY1" fmla="*/ 0 h 120001"/>
+                  <a:gd name="TX2" fmla="*/ 120000 w 120001"/>
+                  <a:gd name="TY2" fmla="*/ 120000 h 120001"/>
+                  <a:gd name="TX3" fmla="*/ 0 w 120001"/>
+                  <a:gd name="TY3" fmla="*/ 120000 h 120001"/>
+                </a:gdLst>
+                <a:ahLst/>
+                <a:cxnLst>
+                  <a:cxn ang="0">
+                    <a:pos x="TX0" y="TY0"/>
+                  </a:cxn>
+                  <a:cxn ang="0">
+                    <a:pos x="TX1" y="TY1"/>
+                  </a:cxn>
+                  <a:cxn ang="0">
+                    <a:pos x="TX2" y="TY2"/>
+                  </a:cxn>
+                  <a:cxn ang="0">
+                    <a:pos x="TX3" y="TY3"/>
+                  </a:cxn>
+                </a:cxnLst>
+                <a:rect l="l" t="t" r="r" b="b"/>
+                <a:pathLst>
+                  <a:path w="120001" h="120001">
+                    <a:moveTo>
+                      <a:pt x="0" y="0"/>
+                    </a:moveTo>
+                    <a:lnTo>
+                      <a:pt x="120000" y="0"/>
+                    </a:lnTo>
+                    <a:lnTo>
+                      <a:pt x="120000" y="120000"/>
+                    </a:lnTo>
+                    <a:lnTo>
+                      <a:pt x="0" y="120000"/>
+                    </a:lnTo>
+                    <a:close/>
+                  </a:path>
+                </a:pathLst>
+              </a:custGeom>
+              <a:noFill/>
+              <a:ln w="9525" cap="flat" cmpd="sng">
+                <a:solidFill>
+                  <a:srgbClr val="000000">
+                    <a:alpha val="100000"/>
+                  </a:srgbClr>
+                </a:solidFill>
+                <a:prstDash val="solid"/>
+                <a:round/>
+              </a:ln>
+            </p:spPr>
+            <p:txBody>
+              <a:bodyPr vert="horz" wrap="square" lIns="0" tIns="0" rIns="0" bIns="0" anchor="t">
+                <a:noAutofit/>
+              </a:bodyPr>
+              <a:lstStyle/>
+              <a:p>
+                <a:pPr marL="0" indent="0"/>
+                <a:endParaRPr/>
+              </a:p>
+            </p:txBody>
+          </p:sp>
+        </p:spTree>
+        <p:extLst>
+          <p:ext uri="{BB962C8B-B14F-4D97-AF65-F5344CB8AC3E}">
+            <p14:creationId val="3550845992"/>
+          </p:ext>
+        </p:extLst>
+      </p:cSld>
+      <p:clrMapOvr>
+        <a:masterClrMapping/>
+      </p:clrMapOvr>
+    </p:notes>
+  </mc:Choice>
+  <mc:Fallback xmlns:mc="http://schemas.openxmlformats.org/markup-compatibility/2006" xmlns:p="http://schemas.openxmlformats.org/presentationml/2006/main" xmlns:r="http://schemas.openxmlformats.org/officeDocument/2006/relationships" xmlns:a="http://schemas.openxmlformats.org/drawingml/2006/main" xmlns="" xmlns:p14="http://schemas.microsoft.com/office/powerpoint/2010/main">
+    <p:transition spd="slow"/>
+  </mc:Fallback>
+</mc:AlternateContent>
+</file>
+
+<file path=ppt/notesSlides/notesSlide9.xml><?xml version="1.0" encoding="utf-8"?>
+<mc:AlternateContent xmlns:mc="http://schemas.openxmlformats.org/markup-compatibility/2006" xmlns:p14="http://schemas.microsoft.com/office/powerpoint/2010/main">
+  <mc:Choice Requires="p14">
+    <p:notes xmlns:a="http://schemas.openxmlformats.org/drawingml/2006/main" xmlns:r="http://schemas.openxmlformats.org/officeDocument/2006/relationships" xmlns:p="http://schemas.openxmlformats.org/presentationml/2006/main">
+      <p:cSld>
+        <p:spTree>
+          <p:nvGrpSpPr>
+            <p:cNvPr id="1" name=""/>
+            <p:cNvGrpSpPr/>
+            <p:nvPr/>
+          </p:nvGrpSpPr>
+          <p:grpSpPr>
+            <a:xfrm>
+              <a:off x="0" y="0"/>
+              <a:ext cx="0" cy="0"/>
+              <a:chOff x="0" y="0"/>
+              <a:chExt cx="0" cy="0"/>
+            </a:xfrm>
+          </p:grpSpPr>
+          <p:sp>
+            <p:nvSpPr>
+              <p:cNvPr id="129" name="Google Shape;129;p3:notes"/>
+              <p:cNvSpPr txBox="1">
+                <a:spLocks noGrp="1"/>
+              </p:cNvSpPr>
+              <p:nvPr>
+                <p:ph type="body" idx="1"/>
+              </p:nvPr>
+            </p:nvSpPr>
+            <p:spPr>
+              <a:xfrm>
+                <a:off x="1028700" y="8686800"/>
                 <a:ext cx="8230870" cy="8230870"/>
               </a:xfrm>
               <a:prstGeom prst="rect">
@@ -2545,170 +2868,6 @@
             </p:txBody>
           </p:sp>
         </p:spTree>
-      </p:cSld>
-      <p:clrMapOvr>
-        <a:masterClrMapping/>
-      </p:clrMapOvr>
-    </p:notes>
-  </mc:Choice>
-  <mc:Fallback xmlns:p14="http://schemas.microsoft.com/office/powerpoint/2010/main" xmlns="" xmlns:a="http://schemas.openxmlformats.org/drawingml/2006/main" xmlns:r="http://schemas.openxmlformats.org/officeDocument/2006/relationships" xmlns:p="http://schemas.openxmlformats.org/presentationml/2006/main" xmlns:mc="http://schemas.openxmlformats.org/markup-compatibility/2006">
-    <p:transition spd="slow"/>
-  </mc:Fallback>
-</mc:AlternateContent>
-</file>
-
-<file path=ppt/notesSlides/notesSlide9.xml><?xml version="1.0" encoding="utf-8"?>
-<mc:AlternateContent xmlns:mc="http://schemas.openxmlformats.org/markup-compatibility/2006" xmlns:p14="http://schemas.microsoft.com/office/powerpoint/2010/main">
-  <mc:Choice Requires="p14">
-    <p:notes xmlns:a="http://schemas.openxmlformats.org/drawingml/2006/main" xmlns:r="http://schemas.openxmlformats.org/officeDocument/2006/relationships" xmlns:p="http://schemas.openxmlformats.org/presentationml/2006/main">
-      <p:cSld>
-        <p:spTree>
-          <p:nvGrpSpPr>
-            <p:cNvPr id="1" name=""/>
-            <p:cNvGrpSpPr/>
-            <p:nvPr/>
-          </p:nvGrpSpPr>
-          <p:grpSpPr>
-            <a:xfrm>
-              <a:off x="0" y="0"/>
-              <a:ext cx="0" cy="0"/>
-              <a:chOff x="0" y="0"/>
-              <a:chExt cx="0" cy="0"/>
-            </a:xfrm>
-          </p:grpSpPr>
-          <p:sp>
-            <p:nvSpPr>
-              <p:cNvPr id="129" name="Google Shape;129;p3:notes"/>
-              <p:cNvSpPr txBox="1">
-                <a:spLocks noGrp="1"/>
-              </p:cNvSpPr>
-              <p:nvPr>
-                <p:ph type="body" idx="1"/>
-              </p:nvPr>
-            </p:nvSpPr>
-            <p:spPr>
-              <a:xfrm>
-                <a:off x="1028700" y="8686800"/>
-                <a:ext cx="8230235" cy="8230235"/>
-              </a:xfrm>
-              <a:prstGeom prst="rect">
-                <a:avLst/>
-              </a:prstGeom>
-              <a:noFill/>
-              <a:ln w="0">
-                <a:noFill/>
-                <a:prstDash/>
-              </a:ln>
-            </p:spPr>
-            <p:txBody>
-              <a:bodyPr vert="horz" wrap="square" lIns="91440" tIns="91440" rIns="91440" bIns="91440" numCol="1" anchor="t">
-                <a:noAutofit/>
-              </a:bodyPr>
-              <a:lstStyle/>
-              <a:p>
-                <a:pPr marL="0" indent="0" algn="l" rtl="0" latinLnBrk="0">
-                  <a:spcBef>
-                    <a:spcPts val="0"/>
-                  </a:spcBef>
-                  <a:spcAft>
-                    <a:spcPts val="0"/>
-                  </a:spcAft>
-                  <a:buFontTx/>
-                  <a:buNone/>
-                </a:pPr>
-                <a:endParaRPr/>
-              </a:p>
-            </p:txBody>
-          </p:sp>
-          <p:sp>
-            <p:nvSpPr>
-              <p:cNvPr id="130" name="Google Shape;130;p3:notes"/>
-              <p:cNvSpPr>
-                <a:spLocks noGrp="1" noRot="1" noChangeAspect="1"/>
-              </p:cNvSpPr>
-              <p:nvPr>
-                <p:ph type="sldImg"/>
-              </p:nvPr>
-            </p:nvSpPr>
-            <p:spPr>
-              <a:xfrm>
-                <a:off x="-950913" y="1371600"/>
-                <a:ext cx="12190413" cy="6858000"/>
-              </a:xfrm>
-              <a:custGeom>
-                <a:avLst/>
-                <a:gdLst>
-                  <a:gd name="TX0" fmla="*/ 0 w 120001"/>
-                  <a:gd name="TY0" fmla="*/ 0 h 120001"/>
-                  <a:gd name="TX1" fmla="*/ 120000 w 120001"/>
-                  <a:gd name="TY1" fmla="*/ 0 h 120001"/>
-                  <a:gd name="TX2" fmla="*/ 120000 w 120001"/>
-                  <a:gd name="TY2" fmla="*/ 120000 h 120001"/>
-                  <a:gd name="TX3" fmla="*/ 0 w 120001"/>
-                  <a:gd name="TY3" fmla="*/ 120000 h 120001"/>
-                </a:gdLst>
-                <a:ahLst/>
-                <a:cxnLst>
-                  <a:cxn ang="0">
-                    <a:pos x="TX0" y="TY0"/>
-                  </a:cxn>
-                  <a:cxn ang="0">
-                    <a:pos x="TX1" y="TY1"/>
-                  </a:cxn>
-                  <a:cxn ang="0">
-                    <a:pos x="TX2" y="TY2"/>
-                  </a:cxn>
-                  <a:cxn ang="0">
-                    <a:pos x="TX3" y="TY3"/>
-                  </a:cxn>
-                </a:cxnLst>
-                <a:rect l="l" t="t" r="r" b="b"/>
-                <a:pathLst>
-                  <a:path w="120001" h="120001">
-                    <a:moveTo>
-                      <a:pt x="0" y="0"/>
-                    </a:moveTo>
-                    <a:lnTo>
-                      <a:pt x="120000" y="0"/>
-                    </a:lnTo>
-                    <a:lnTo>
-                      <a:pt x="120000" y="120000"/>
-                    </a:lnTo>
-                    <a:lnTo>
-                      <a:pt x="0" y="120000"/>
-                    </a:lnTo>
-                    <a:close/>
-                  </a:path>
-                </a:pathLst>
-              </a:custGeom>
-              <a:noFill/>
-              <a:ln w="9525" cap="flat" cmpd="sng">
-                <a:solidFill>
-                  <a:srgbClr val="000000">
-                    <a:alpha val="100000"/>
-                  </a:srgbClr>
-                </a:solidFill>
-                <a:prstDash val="solid"/>
-                <a:round/>
-              </a:ln>
-            </p:spPr>
-            <p:txBody>
-              <a:bodyPr vert="horz" wrap="square" lIns="0" tIns="0" rIns="0" bIns="0" anchor="t">
-                <a:noAutofit/>
-              </a:bodyPr>
-              <a:lstStyle/>
-              <a:p>
-                <a:pPr marL="0" indent="0"/>
-                <a:endParaRPr/>
-              </a:p>
-            </p:txBody>
-          </p:sp>
-        </p:spTree>
-        <p:extLst>
-          <p:ext uri="{BB962C8B-B14F-4D97-AF65-F5344CB8AC3E}">
-            <p14:creationId val="161562300"/>
-          </p:ext>
-        </p:extLst>
       </p:cSld>
       <p:clrMapOvr>
         <a:masterClrMapping/>
@@ -17614,6 +17773,383 @@
 <file path=ppt/slides/slide10.xml><?xml version="1.0" encoding="utf-8"?>
 <p:sld xmlns:a="http://schemas.openxmlformats.org/drawingml/2006/main" xmlns:r="http://schemas.openxmlformats.org/officeDocument/2006/relationships" xmlns:p="http://schemas.openxmlformats.org/presentationml/2006/main">
   <p:cSld>
+    <p:bg>
+      <p:bgPr>
+        <a:solidFill>
+          <a:srgbClr val="694680"/>
+        </a:solidFill>
+        <a:effectLst/>
+      </p:bgPr>
+    </p:bg>
+    <p:spTree>
+      <p:nvGrpSpPr>
+        <p:cNvPr id="1" name=""/>
+        <p:cNvGrpSpPr/>
+        <p:nvPr/>
+      </p:nvGrpSpPr>
+      <p:grpSpPr>
+        <a:xfrm>
+          <a:off x="0" y="0"/>
+          <a:ext cx="0" cy="0"/>
+          <a:chOff x="0" y="0"/>
+          <a:chExt cx="0" cy="0"/>
+        </a:xfrm>
+      </p:grpSpPr>
+      <p:sp>
+        <p:nvSpPr>
+          <p:cNvPr id="152" name="Rect 0"/>
+          <p:cNvSpPr txBox="1">
+            <a:spLocks/>
+          </p:cNvSpPr>
+          <p:nvPr/>
+        </p:nvSpPr>
+        <p:spPr>
+          <a:xfrm>
+            <a:off x="7630160" y="375285"/>
+            <a:ext cx="3022600" cy="861060"/>
+          </a:xfrm>
+          <a:prstGeom prst="rect">
+            <a:avLst/>
+          </a:prstGeom>
+          <a:noFill/>
+          <a:ln w="0">
+            <a:noFill/>
+            <a:prstDash/>
+          </a:ln>
+        </p:spPr>
+        <p:txBody>
+          <a:bodyPr vert="horz" wrap="square" lIns="91440" tIns="45720" rIns="91440" bIns="45720" numCol="1" anchor="t">
+            <a:spAutoFit/>
+          </a:bodyPr>
+          <a:lstStyle/>
+          <a:p>
+            <a:pPr marL="0" indent="0" algn="ctr" rtl="0" latinLnBrk="0">
+              <a:spcBef>
+                <a:spcPts val="0"/>
+              </a:spcBef>
+              <a:spcAft>
+                <a:spcPts val="0"/>
+              </a:spcAft>
+              <a:buFontTx/>
+              <a:buNone/>
+            </a:pPr>
+            <a:r>
+              <a:rPr lang="en-US" sz="5000" b="1">
+                <a:solidFill>
+                  <a:schemeClr val="bg1"/>
+                </a:solidFill>
+                <a:latin typeface="나눔바른고딕" charset="0"/>
+                <a:ea typeface="나눔바른고딕" charset="0"/>
+                <a:cs typeface="Impact" charset="0"/>
+              </a:rPr>
+              <a:t>화면 흐름</a:t>
+            </a:r>
+            <a:endParaRPr lang="ko-KR" altLang="en-US" sz="5000" b="1">
+              <a:solidFill>
+                <a:schemeClr val="bg1"/>
+              </a:solidFill>
+              <a:latin typeface="나눔바른고딕" charset="0"/>
+              <a:ea typeface="나눔바른고딕" charset="0"/>
+              <a:cs typeface="Impact" charset="0"/>
+            </a:endParaRPr>
+          </a:p>
+        </p:txBody>
+      </p:sp>
+      <p:sp>
+        <p:nvSpPr>
+          <p:cNvPr id="175" name="Rect 0"/>
+          <p:cNvSpPr>
+            <a:spLocks/>
+          </p:cNvSpPr>
+          <p:nvPr/>
+        </p:nvSpPr>
+        <p:spPr>
+          <a:xfrm>
+            <a:off x="349250" y="238125"/>
+            <a:ext cx="17623155" cy="9822815"/>
+          </a:xfrm>
+          <a:prstGeom prst="rect">
+            <a:avLst/>
+          </a:prstGeom>
+          <a:noFill/>
+          <a:ln w="57150" cap="flat" cmpd="sng">
+            <a:solidFill>
+              <a:srgbClr val="694680">
+                <a:alpha val="100000"/>
+              </a:srgbClr>
+            </a:solidFill>
+            <a:prstDash val="solid"/>
+            <a:round/>
+          </a:ln>
+        </p:spPr>
+        <p:style>
+          <a:lnRef idx="2">
+            <a:schemeClr val="accent1">
+              <a:shade val="50000"/>
+            </a:schemeClr>
+          </a:lnRef>
+          <a:fillRef idx="1">
+            <a:schemeClr val="accent1"/>
+          </a:fillRef>
+          <a:effectRef idx="0">
+            <a:schemeClr val="accent1"/>
+          </a:effectRef>
+          <a:fontRef idx="minor">
+            <a:schemeClr val="lt1"/>
+          </a:fontRef>
+        </p:style>
+        <p:txBody>
+          <a:bodyPr vert="horz" wrap="square" lIns="91440" tIns="45720" rIns="91440" bIns="45720" numCol="1" anchor="ctr">
+            <a:noAutofit/>
+          </a:bodyPr>
+          <a:lstStyle/>
+          <a:p>
+            <a:pPr marL="0" indent="0" algn="ctr" latinLnBrk="0" hangingPunct="1"/>
+            <a:endParaRPr lang="ko-KR" altLang="en-US" sz="1800">
+              <a:latin typeface="맑은 고딕" charset="0"/>
+              <a:ea typeface="맑은 고딕" charset="0"/>
+            </a:endParaRPr>
+          </a:p>
+        </p:txBody>
+      </p:sp>
+      <p:pic>
+        <p:nvPicPr>
+          <p:cNvPr id="198" name="Picture " descr="C:/Users/admin/AppData/Roaming/PolarisOffice/ETemp/13944_14071096/image21.png"/>
+          <p:cNvPicPr>
+            <a:picLocks/>
+          </p:cNvPicPr>
+          <p:nvPr/>
+        </p:nvPicPr>
+        <p:blipFill rotWithShape="1">
+          <a:blip r:embed="rId3" cstate="hqprint">
+            <a:extLst>
+              <a:ext uri="{28A0092B-C50C-407E-A947-70E740481C1C}">
+                <a14:useLocalDpi xmlns:a14="http://schemas.microsoft.com/office/drawing/2010/main"/>
+              </a:ext>
+            </a:extLst>
+          </a:blip>
+          <a:stretch>
+            <a:fillRect/>
+          </a:stretch>
+        </p:blipFill>
+        <p:spPr>
+          <a:xfrm>
+            <a:off x="2124710" y="6215380"/>
+            <a:ext cx="6478270" cy="48895"/>
+          </a:xfrm>
+          <a:prstGeom prst="rect">
+            <a:avLst/>
+          </a:prstGeom>
+          <a:noFill/>
+          <a:ln w="0">
+            <a:noFill/>
+            <a:prstDash/>
+          </a:ln>
+        </p:spPr>
+      </p:pic>
+      <p:pic>
+        <p:nvPicPr>
+          <p:cNvPr id="199" name="Picture " descr="C:/Users/admin/AppData/Roaming/PolarisOffice/ETemp/13944_14071096/image6.png"/>
+          <p:cNvPicPr>
+            <a:picLocks/>
+          </p:cNvPicPr>
+          <p:nvPr/>
+        </p:nvPicPr>
+        <p:blipFill rotWithShape="1">
+          <a:blip r:embed="rId4" cstate="hqprint">
+            <a:extLst>
+              <a:ext uri="{28A0092B-C50C-407E-A947-70E740481C1C}">
+                <a14:useLocalDpi xmlns:a14="http://schemas.microsoft.com/office/drawing/2010/main"/>
+              </a:ext>
+            </a:extLst>
+          </a:blip>
+          <a:stretch>
+            <a:fillRect/>
+          </a:stretch>
+        </p:blipFill>
+        <p:spPr>
+          <a:xfrm>
+            <a:off x="2225675" y="1308100"/>
+            <a:ext cx="13870305" cy="48895"/>
+          </a:xfrm>
+          <a:prstGeom prst="rect">
+            <a:avLst/>
+          </a:prstGeom>
+          <a:noFill/>
+          <a:ln w="0">
+            <a:noFill/>
+            <a:prstDash/>
+          </a:ln>
+        </p:spPr>
+      </p:pic>
+      <p:sp>
+        <p:nvSpPr>
+          <p:cNvPr id="190" name="텍스트 상자 7"/>
+          <p:cNvSpPr txBox="1">
+            <a:spLocks/>
+          </p:cNvSpPr>
+          <p:nvPr/>
+        </p:nvSpPr>
+        <p:spPr>
+          <a:xfrm rot="21360000">
+            <a:off x="8292465" y="1624965"/>
+            <a:ext cx="2006600" cy="307340"/>
+          </a:xfrm>
+          <a:prstGeom prst="rect">
+            <a:avLst/>
+          </a:prstGeom>
+          <a:noFill/>
+          <a:ln w="0">
+            <a:noFill/>
+            <a:prstDash/>
+          </a:ln>
+        </p:spPr>
+        <p:txBody>
+          <a:bodyPr vert="horz" wrap="square" lIns="91440" tIns="45720" rIns="91440" bIns="45720" numCol="1" anchor="ctr">
+            <a:spAutoFit/>
+          </a:bodyPr>
+          <a:lstStyle/>
+          <a:p>
+            <a:pPr marL="0" indent="0" algn="ctr" rtl="0" latinLnBrk="0">
+              <a:spcBef>
+                <a:spcPts val="0"/>
+              </a:spcBef>
+              <a:spcAft>
+                <a:spcPts val="0"/>
+              </a:spcAft>
+              <a:buFontTx/>
+              <a:buNone/>
+            </a:pPr>
+            <a:r>
+              <a:rPr lang="en-US" sz="1400" b="1">
+                <a:solidFill>
+                  <a:srgbClr val="694680"/>
+                </a:solidFill>
+                <a:latin typeface="나눔바른고딕" charset="0"/>
+                <a:ea typeface="나눔바른고딕" charset="0"/>
+                <a:cs typeface="Arial" charset="0"/>
+              </a:rPr>
+              <a:t>댓글 작 창의 일부</a:t>
+            </a:r>
+            <a:endParaRPr lang="ko-KR" altLang="en-US" sz="1400" b="1">
+              <a:solidFill>
+                <a:srgbClr val="694680"/>
+              </a:solidFill>
+              <a:latin typeface="나눔바른고딕" charset="0"/>
+              <a:ea typeface="나눔바른고딕" charset="0"/>
+              <a:cs typeface="Arial" charset="0"/>
+            </a:endParaRPr>
+          </a:p>
+        </p:txBody>
+      </p:sp>
+      <p:sp>
+        <p:nvSpPr>
+          <p:cNvPr id="206" name="Rect 0"/>
+          <p:cNvSpPr>
+            <a:spLocks/>
+          </p:cNvSpPr>
+          <p:nvPr/>
+        </p:nvSpPr>
+        <p:spPr>
+          <a:xfrm>
+            <a:off x="349250" y="238125"/>
+            <a:ext cx="17623790" cy="9763760"/>
+          </a:xfrm>
+          <a:prstGeom prst="rect">
+            <a:avLst/>
+          </a:prstGeom>
+          <a:noFill/>
+          <a:ln w="57150" cap="flat" cmpd="sng">
+            <a:solidFill>
+              <a:schemeClr val="bg1">
+                <a:alpha val="100000"/>
+              </a:schemeClr>
+            </a:solidFill>
+            <a:prstDash val="solid"/>
+            <a:round/>
+          </a:ln>
+        </p:spPr>
+        <p:style>
+          <a:lnRef idx="2">
+            <a:schemeClr val="accent1">
+              <a:shade val="50000"/>
+            </a:schemeClr>
+          </a:lnRef>
+          <a:fillRef idx="1">
+            <a:schemeClr val="accent1"/>
+          </a:fillRef>
+          <a:effectRef idx="0">
+            <a:schemeClr val="accent1"/>
+          </a:effectRef>
+          <a:fontRef idx="minor">
+            <a:schemeClr val="lt1"/>
+          </a:fontRef>
+        </p:style>
+        <p:txBody>
+          <a:bodyPr vert="horz" wrap="square" lIns="91440" tIns="45720" rIns="91440" bIns="45720" numCol="1" anchor="ctr">
+            <a:noAutofit/>
+          </a:bodyPr>
+          <a:lstStyle/>
+          <a:p>
+            <a:pPr marL="0" indent="0" algn="ctr" latinLnBrk="0" hangingPunct="1"/>
+            <a:endParaRPr lang="ko-KR" altLang="en-US" sz="1800">
+              <a:latin typeface="맑은 고딕" charset="0"/>
+              <a:ea typeface="맑은 고딕" charset="0"/>
+            </a:endParaRPr>
+          </a:p>
+        </p:txBody>
+      </p:sp>
+      <p:pic>
+        <p:nvPicPr>
+          <p:cNvPr id="207" name="그림 8" descr="C:/Users/admin/AppData/Roaming/PolarisOffice/ETemp/13944_14071096/fImage10479935341.png"/>
+          <p:cNvPicPr>
+            <a:picLocks noChangeAspect="1"/>
+          </p:cNvPicPr>
+          <p:nvPr/>
+        </p:nvPicPr>
+        <p:blipFill rotWithShape="1">
+          <a:blip r:embed="rId5" cstate="print">
+            <a:extLst>
+              <a:ext uri="{28A0092B-C50C-407E-A947-70E740481C1C}">
+                <a14:useLocalDpi xmlns:a14="http://schemas.microsoft.com/office/drawing/2010/main" val="0"/>
+              </a:ext>
+            </a:extLst>
+          </a:blip>
+          <a:stretch>
+            <a:fillRect/>
+          </a:stretch>
+        </p:blipFill>
+        <p:spPr>
+          <a:xfrm>
+            <a:off x="4344670" y="1601470"/>
+            <a:ext cx="9610090" cy="8073390"/>
+          </a:xfrm>
+          <a:prstGeom prst="rect">
+            <a:avLst/>
+          </a:prstGeom>
+          <a:noFill/>
+          <a:ln w="57150" cap="flat" cmpd="sng">
+            <a:solidFill>
+              <a:srgbClr val="AFAFAF">
+                <a:alpha val="100000"/>
+              </a:srgbClr>
+            </a:solidFill>
+            <a:prstDash val="solid"/>
+            <a:round/>
+          </a:ln>
+        </p:spPr>
+      </p:pic>
+    </p:spTree>
+  </p:cSld>
+  <p:clrMapOvr>
+    <a:masterClrMapping/>
+  </p:clrMapOvr>
+</p:sld>
+</file>
+
+<file path=ppt/slides/slide11.xml><?xml version="1.0" encoding="utf-8"?>
+<p:sld xmlns:a="http://schemas.openxmlformats.org/drawingml/2006/main" xmlns:r="http://schemas.openxmlformats.org/officeDocument/2006/relationships" xmlns:p="http://schemas.openxmlformats.org/presentationml/2006/main">
+  <p:cSld>
     <p:spTree>
       <p:nvGrpSpPr>
         <p:cNvPr id="1" name=""/>
@@ -19874,7 +20410,7 @@
 </p:sld>
 </file>
 
-<file path=ppt/slides/slide11.xml><?xml version="1.0" encoding="utf-8"?>
+<file path=ppt/slides/slide12.xml><?xml version="1.0" encoding="utf-8"?>
 <p:sld xmlns:a="http://schemas.openxmlformats.org/drawingml/2006/main" xmlns:r="http://schemas.openxmlformats.org/officeDocument/2006/relationships" xmlns:p="http://schemas.openxmlformats.org/presentationml/2006/main">
   <p:cSld>
     <p:spTree>
@@ -20345,7 +20881,7 @@
 </p:sld>
 </file>
 
-<file path=ppt/slides/slide12.xml><?xml version="1.0" encoding="utf-8"?>
+<file path=ppt/slides/slide13.xml><?xml version="1.0" encoding="utf-8"?>
 <p:sld xmlns:a="http://schemas.openxmlformats.org/drawingml/2006/main" xmlns:r="http://schemas.openxmlformats.org/officeDocument/2006/relationships" xmlns:p="http://schemas.openxmlformats.org/presentationml/2006/main">
   <p:cSld>
     <p:spTree>
@@ -20574,7 +21110,7 @@
 </p:sld>
 </file>
 
-<file path=ppt/slides/slide13.xml><?xml version="1.0" encoding="utf-8"?>
+<file path=ppt/slides/slide14.xml><?xml version="1.0" encoding="utf-8"?>
 <p:sld xmlns:a="http://schemas.openxmlformats.org/drawingml/2006/main" xmlns:r="http://schemas.openxmlformats.org/officeDocument/2006/relationships" xmlns:p="http://schemas.openxmlformats.org/presentationml/2006/main">
   <p:cSld>
     <p:spTree>
@@ -21267,7 +21803,7 @@
 </p:sld>
 </file>
 
-<file path=ppt/slides/slide14.xml><?xml version="1.0" encoding="utf-8"?>
+<file path=ppt/slides/slide15.xml><?xml version="1.0" encoding="utf-8"?>
 <p:sld xmlns:a="http://schemas.openxmlformats.org/drawingml/2006/main" xmlns:r="http://schemas.openxmlformats.org/officeDocument/2006/relationships" xmlns:p="http://schemas.openxmlformats.org/presentationml/2006/main">
   <p:cSld>
     <p:spTree>
@@ -21563,7 +22099,7 @@
 </p:sld>
 </file>
 
-<file path=ppt/slides/slide15.xml><?xml version="1.0" encoding="utf-8"?>
+<file path=ppt/slides/slide16.xml><?xml version="1.0" encoding="utf-8"?>
 <p:sld xmlns:a="http://schemas.openxmlformats.org/drawingml/2006/main" xmlns:r="http://schemas.openxmlformats.org/officeDocument/2006/relationships" xmlns:p="http://schemas.openxmlformats.org/presentationml/2006/main">
   <p:cSld>
     <p:bg>
@@ -26420,244 +26956,194 @@
           <a:chExt cx="0" cy="0"/>
         </a:xfrm>
       </p:grpSpPr>
+      <p:pic>
+        <p:nvPicPr>
+          <p:cNvPr id="150" name="Google Shape;150;p16"/>
+          <p:cNvPicPr preferRelativeResize="0">
+            <a:picLocks/>
+          </p:cNvPicPr>
+          <p:nvPr/>
+        </p:nvPicPr>
+        <p:blipFill rotWithShape="1">
+          <a:blip r:embed="rId3" cstate="hqprint">
+            <a:extLst>
+              <a:ext uri="{28A0092B-C50C-407E-A947-70E740481C1C}">
+                <a14:useLocalDpi xmlns:a14="http://schemas.microsoft.com/office/drawing/2010/main"/>
+              </a:ext>
+            </a:extLst>
+          </a:blip>
+          <a:stretch>
+            <a:fillRect/>
+          </a:stretch>
+        </p:blipFill>
+        <p:spPr>
+          <a:xfrm>
+            <a:off x="1435100" y="1524000"/>
+            <a:ext cx="15092680" cy="47625"/>
+          </a:xfrm>
+          <a:prstGeom prst="rect">
+            <a:avLst/>
+          </a:prstGeom>
+          <a:noFill/>
+          <a:ln w="0">
+            <a:noFill/>
+            <a:prstDash/>
+          </a:ln>
+        </p:spPr>
+      </p:pic>
+      <p:sp>
+        <p:nvSpPr>
+          <p:cNvPr id="152" name="Google Shape;152;p16"/>
+          <p:cNvSpPr txBox="1">
+            <a:spLocks/>
+          </p:cNvSpPr>
+          <p:nvPr/>
+        </p:nvSpPr>
+        <p:spPr>
+          <a:xfrm>
+            <a:off x="5848350" y="467995"/>
+            <a:ext cx="6256020" cy="861695"/>
+          </a:xfrm>
+          <a:prstGeom prst="rect">
+            <a:avLst/>
+          </a:prstGeom>
+          <a:noFill/>
+          <a:ln w="0">
+            <a:noFill/>
+            <a:prstDash/>
+          </a:ln>
+        </p:spPr>
+        <p:txBody>
+          <a:bodyPr vert="horz" wrap="square" lIns="91440" tIns="45720" rIns="91440" bIns="45720" numCol="1" anchor="t">
+            <a:spAutoFit/>
+          </a:bodyPr>
+          <a:lstStyle/>
+          <a:p>
+            <a:pPr marL="0" indent="0" algn="ctr" rtl="0" latinLnBrk="0">
+              <a:spcBef>
+                <a:spcPts val="0"/>
+              </a:spcBef>
+              <a:spcAft>
+                <a:spcPts val="0"/>
+              </a:spcAft>
+              <a:buFontTx/>
+              <a:buNone/>
+            </a:pPr>
+            <a:r>
+              <a:rPr lang="en-US" sz="5000" b="1">
+                <a:solidFill>
+                  <a:srgbClr val="694680"/>
+                </a:solidFill>
+                <a:latin typeface="나눔바른고딕" charset="0"/>
+                <a:ea typeface="나눔바른고딕" charset="0"/>
+                <a:cs typeface="Impact" charset="0"/>
+              </a:rPr>
+              <a:t>시스템 구축 방향</a:t>
+            </a:r>
+            <a:endParaRPr lang="ko-KR" altLang="en-US" sz="5000" b="1">
+              <a:solidFill>
+                <a:srgbClr val="694680"/>
+              </a:solidFill>
+              <a:latin typeface="나눔바른고딕" charset="0"/>
+              <a:ea typeface="나눔바른고딕" charset="0"/>
+              <a:cs typeface="Impact" charset="0"/>
+            </a:endParaRPr>
+          </a:p>
+        </p:txBody>
+      </p:sp>
+      <p:sp>
+        <p:nvSpPr>
+          <p:cNvPr id="175" name="도형 39"/>
+          <p:cNvSpPr>
+            <a:spLocks/>
+          </p:cNvSpPr>
+          <p:nvPr/>
+        </p:nvSpPr>
+        <p:spPr>
+          <a:xfrm>
+            <a:off x="349250" y="238125"/>
+            <a:ext cx="17622520" cy="9822180"/>
+          </a:xfrm>
+          <a:prstGeom prst="rect">
+            <a:avLst/>
+          </a:prstGeom>
+          <a:noFill/>
+          <a:ln w="57150" cap="flat" cmpd="sng">
+            <a:solidFill>
+              <a:srgbClr val="694680">
+                <a:alpha val="100000"/>
+              </a:srgbClr>
+            </a:solidFill>
+            <a:prstDash val="solid"/>
+            <a:round/>
+          </a:ln>
+        </p:spPr>
+        <p:style>
+          <a:lnRef idx="2">
+            <a:schemeClr val="accent1">
+              <a:shade val="50000"/>
+            </a:schemeClr>
+          </a:lnRef>
+          <a:fillRef idx="1">
+            <a:schemeClr val="accent1"/>
+          </a:fillRef>
+          <a:effectRef idx="0">
+            <a:schemeClr val="accent1"/>
+          </a:effectRef>
+          <a:fontRef idx="minor">
+            <a:schemeClr val="lt1"/>
+          </a:fontRef>
+        </p:style>
+        <p:txBody>
+          <a:bodyPr vert="horz" wrap="square" lIns="91440" tIns="45720" rIns="91440" bIns="45720" numCol="1" anchor="ctr">
+            <a:noAutofit/>
+          </a:bodyPr>
+          <a:lstStyle/>
+          <a:p>
+            <a:pPr marL="0" indent="0" algn="ctr" latinLnBrk="0" hangingPunct="1"/>
+            <a:endParaRPr lang="ko-KR" altLang="en-US" sz="1800">
+              <a:latin typeface="맑은 고딕" charset="0"/>
+              <a:ea typeface="맑은 고딕" charset="0"/>
+            </a:endParaRPr>
+          </a:p>
+        </p:txBody>
+      </p:sp>
       <p:grpSp>
         <p:nvGrpSpPr>
-          <p:cNvPr id="217" name="그룹 56"/>
+          <p:cNvPr id="41" name="그룹 53">
+            <a:extLst>
+              <a:ext uri="{FF2B5EF4-FFF2-40B4-BE49-F238E27FC236}">
+                <a16:creationId xmlns:a16="http://schemas.microsoft.com/office/drawing/2014/main" id="{E62FD7BA-875D-4FD7-BC29-2A09E68D3EA4}"/>
+              </a:ext>
+            </a:extLst>
+          </p:cNvPr>
           <p:cNvGrpSpPr/>
           <p:nvPr/>
         </p:nvGrpSpPr>
         <p:grpSpPr>
           <a:xfrm>
-            <a:off x="11842750" y="2457450"/>
-            <a:ext cx="3867785" cy="2679065"/>
-            <a:chOff x="11842750" y="2457450"/>
+            <a:off x="5618867" y="2272665"/>
+            <a:ext cx="3357493" cy="2679065"/>
+            <a:chOff x="1873250" y="2465070"/>
             <a:chExt cx="3867785" cy="2679065"/>
           </a:xfrm>
         </p:grpSpPr>
         <p:pic>
           <p:nvPicPr>
-            <p:cNvPr id="218" name="그림 54"/>
-            <p:cNvPicPr>
-              <a:picLocks/>
-            </p:cNvPicPr>
-            <p:nvPr/>
-          </p:nvPicPr>
-          <p:blipFill rotWithShape="1">
-            <a:blip r:embed="rId3" cstate="hqprint">
+            <p:cNvPr id="42" name="Google Shape;145;p16">
               <a:extLst>
-                <a:ext uri="{28A0092B-C50C-407E-A947-70E740481C1C}">
-                  <a14:useLocalDpi xmlns:a14="http://schemas.microsoft.com/office/drawing/2010/main"/>
+                <a:ext uri="{FF2B5EF4-FFF2-40B4-BE49-F238E27FC236}">
+                  <a16:creationId xmlns:a16="http://schemas.microsoft.com/office/drawing/2014/main" id="{2DF87733-ED5A-4E1D-B95E-F2588F9A0D7B}"/>
                 </a:ext>
               </a:extLst>
-            </a:blip>
-            <a:stretch>
-              <a:fillRect/>
-            </a:stretch>
-          </p:blipFill>
-          <p:spPr>
-            <a:xfrm>
-              <a:off x="11842750" y="2457450"/>
-              <a:ext cx="3868420" cy="2679700"/>
-            </a:xfrm>
-            <a:prstGeom prst="rect">
-              <a:avLst/>
-            </a:prstGeom>
-            <a:noFill/>
-            <a:ln w="0">
-              <a:noFill/>
-              <a:prstDash/>
-            </a:ln>
-          </p:spPr>
-        </p:pic>
-        <p:sp>
-          <p:nvSpPr>
-            <p:cNvPr id="219" name="도형 55"/>
-            <p:cNvSpPr>
-              <a:spLocks/>
-            </p:cNvSpPr>
-            <p:nvPr/>
-          </p:nvSpPr>
-          <p:spPr>
-            <a:xfrm>
-              <a:off x="12072620" y="2680335"/>
-              <a:ext cx="3435350" cy="2266950"/>
-            </a:xfrm>
-            <a:prstGeom prst="rect">
-              <a:avLst/>
-            </a:prstGeom>
-            <a:noFill/>
-            <a:ln w="57150" cap="flat" cmpd="sng">
-              <a:solidFill>
-                <a:srgbClr val="694680">
-                  <a:alpha val="100000"/>
-                </a:srgbClr>
-              </a:solidFill>
-              <a:prstDash val="solid"/>
-              <a:round/>
-            </a:ln>
-          </p:spPr>
-          <p:style>
-            <a:lnRef idx="2">
-              <a:schemeClr val="accent1">
-                <a:shade val="50000"/>
-              </a:schemeClr>
-            </a:lnRef>
-            <a:fillRef idx="1">
-              <a:schemeClr val="accent1"/>
-            </a:fillRef>
-            <a:effectRef idx="0">
-              <a:schemeClr val="accent1"/>
-            </a:effectRef>
-            <a:fontRef idx="minor">
-              <a:schemeClr val="lt1"/>
-            </a:fontRef>
-          </p:style>
-          <p:txBody>
-            <a:bodyPr vert="horz" wrap="square" lIns="91440" tIns="45720" rIns="91440" bIns="45720" numCol="1" anchor="ctr">
-              <a:noAutofit/>
-            </a:bodyPr>
-            <a:lstStyle/>
-            <a:p>
-              <a:pPr marL="0" indent="0" algn="ctr" latinLnBrk="0" hangingPunct="1"/>
-              <a:endParaRPr lang="ko-KR" altLang="en-US" sz="1800">
-                <a:latin typeface="맑은 고딕" charset="0"/>
-                <a:ea typeface="맑은 고딕" charset="0"/>
-              </a:endParaRPr>
-            </a:p>
-          </p:txBody>
-        </p:sp>
-      </p:grpSp>
-      <p:grpSp>
-        <p:nvGrpSpPr>
-          <p:cNvPr id="223" name="그룹 62"/>
-          <p:cNvGrpSpPr/>
-          <p:nvPr/>
-        </p:nvGrpSpPr>
-        <p:grpSpPr>
-          <a:xfrm>
-            <a:off x="6898640" y="2461895"/>
-            <a:ext cx="3867785" cy="2679065"/>
-            <a:chOff x="6898640" y="2461895"/>
-            <a:chExt cx="3867785" cy="2679065"/>
-          </a:xfrm>
-        </p:grpSpPr>
-        <p:pic>
-          <p:nvPicPr>
-            <p:cNvPr id="224" name="그림 60"/>
-            <p:cNvPicPr>
-              <a:picLocks/>
-            </p:cNvPicPr>
-            <p:nvPr/>
-          </p:nvPicPr>
-          <p:blipFill rotWithShape="1">
-            <a:blip r:embed="rId3" cstate="hqprint">
-              <a:extLst>
-                <a:ext uri="{28A0092B-C50C-407E-A947-70E740481C1C}">
-                  <a14:useLocalDpi xmlns:a14="http://schemas.microsoft.com/office/drawing/2010/main"/>
-                </a:ext>
-              </a:extLst>
-            </a:blip>
-            <a:stretch>
-              <a:fillRect/>
-            </a:stretch>
-          </p:blipFill>
-          <p:spPr>
-            <a:xfrm>
-              <a:off x="6898640" y="2461895"/>
-              <a:ext cx="3868420" cy="2679700"/>
-            </a:xfrm>
-            <a:prstGeom prst="rect">
-              <a:avLst/>
-            </a:prstGeom>
-            <a:noFill/>
-            <a:ln w="0">
-              <a:noFill/>
-              <a:prstDash/>
-            </a:ln>
-          </p:spPr>
-        </p:pic>
-        <p:sp>
-          <p:nvSpPr>
-            <p:cNvPr id="225" name="도형 61"/>
-            <p:cNvSpPr>
-              <a:spLocks/>
-            </p:cNvSpPr>
-            <p:nvPr/>
-          </p:nvSpPr>
-          <p:spPr>
-            <a:xfrm>
-              <a:off x="7128510" y="2684780"/>
-              <a:ext cx="3435350" cy="2266950"/>
-            </a:xfrm>
-            <a:prstGeom prst="rect">
-              <a:avLst/>
-            </a:prstGeom>
-            <a:noFill/>
-            <a:ln w="57150" cap="flat" cmpd="sng">
-              <a:solidFill>
-                <a:srgbClr val="694680">
-                  <a:alpha val="100000"/>
-                </a:srgbClr>
-              </a:solidFill>
-              <a:prstDash val="solid"/>
-              <a:round/>
-            </a:ln>
-          </p:spPr>
-          <p:style>
-            <a:lnRef idx="2">
-              <a:schemeClr val="accent1">
-                <a:shade val="50000"/>
-              </a:schemeClr>
-            </a:lnRef>
-            <a:fillRef idx="1">
-              <a:schemeClr val="accent1"/>
-            </a:fillRef>
-            <a:effectRef idx="0">
-              <a:schemeClr val="accent1"/>
-            </a:effectRef>
-            <a:fontRef idx="minor">
-              <a:schemeClr val="lt1"/>
-            </a:fontRef>
-          </p:style>
-          <p:txBody>
-            <a:bodyPr vert="horz" wrap="square" lIns="91440" tIns="45720" rIns="91440" bIns="45720" numCol="1" anchor="ctr">
-              <a:noAutofit/>
-            </a:bodyPr>
-            <a:lstStyle/>
-            <a:p>
-              <a:pPr marL="0" indent="0" algn="ctr" latinLnBrk="0" hangingPunct="1"/>
-              <a:endParaRPr lang="ko-KR" altLang="en-US" sz="1800">
-                <a:latin typeface="맑은 고딕" charset="0"/>
-                <a:ea typeface="맑은 고딕" charset="0"/>
-              </a:endParaRPr>
-            </a:p>
-          </p:txBody>
-        </p:sp>
-      </p:grpSp>
-      <p:grpSp>
-        <p:nvGrpSpPr>
-          <p:cNvPr id="216" name="그룹 53"/>
-          <p:cNvGrpSpPr/>
-          <p:nvPr/>
-        </p:nvGrpSpPr>
-        <p:grpSpPr>
-          <a:xfrm>
-            <a:off x="1873250" y="2465070"/>
-            <a:ext cx="3867785" cy="2679065"/>
-            <a:chOff x="1873250" y="2465070"/>
-            <a:chExt cx="3867785" cy="2679065"/>
-          </a:xfrm>
-        </p:grpSpPr>
-        <p:pic>
-          <p:nvPicPr>
-            <p:cNvPr id="145" name="Google Shape;145;p16"/>
+            </p:cNvPr>
             <p:cNvPicPr preferRelativeResize="0">
               <a:picLocks/>
             </p:cNvPicPr>
             <p:nvPr/>
           </p:nvPicPr>
           <p:blipFill rotWithShape="1">
-            <a:blip r:embed="rId3" cstate="hqprint">
+            <a:blip r:embed="rId4" cstate="hqprint">
               <a:extLst>
                 <a:ext uri="{28A0092B-C50C-407E-A947-70E740481C1C}">
                   <a14:useLocalDpi xmlns:a14="http://schemas.microsoft.com/office/drawing/2010/main"/>
@@ -26685,7 +27171,13 @@
         </p:pic>
         <p:sp>
           <p:nvSpPr>
-            <p:cNvPr id="214" name="도형 50"/>
+            <p:cNvPr id="43" name="도형 50">
+              <a:extLst>
+                <a:ext uri="{FF2B5EF4-FFF2-40B4-BE49-F238E27FC236}">
+                  <a16:creationId xmlns:a16="http://schemas.microsoft.com/office/drawing/2014/main" id="{930A840C-1AD9-49AB-82AE-7B2C995E649C}"/>
+                </a:ext>
+              </a:extLst>
+            </p:cNvPr>
             <p:cNvSpPr>
               <a:spLocks/>
             </p:cNvSpPr>
@@ -26743,21 +27235,74 @@
       </p:grpSp>
       <p:grpSp>
         <p:nvGrpSpPr>
-          <p:cNvPr id="211" name="그룹 49"/>
+          <p:cNvPr id="44" name="그룹 53">
+            <a:extLst>
+              <a:ext uri="{FF2B5EF4-FFF2-40B4-BE49-F238E27FC236}">
+                <a16:creationId xmlns:a16="http://schemas.microsoft.com/office/drawing/2014/main" id="{E156733F-7F4B-47F6-9105-62F8416A20D3}"/>
+              </a:ext>
+            </a:extLst>
+          </p:cNvPr>
           <p:cNvGrpSpPr/>
           <p:nvPr/>
         </p:nvGrpSpPr>
         <p:grpSpPr>
           <a:xfrm>
-            <a:off x="11948160" y="6055360"/>
-            <a:ext cx="3754755" cy="2672715"/>
-            <a:chOff x="11948160" y="6055360"/>
-            <a:chExt cx="3754755" cy="2672715"/>
+            <a:off x="9311091" y="2273300"/>
+            <a:ext cx="3357493" cy="2679065"/>
+            <a:chOff x="1873250" y="2465070"/>
+            <a:chExt cx="3867785" cy="2679065"/>
           </a:xfrm>
         </p:grpSpPr>
+        <p:pic>
+          <p:nvPicPr>
+            <p:cNvPr id="45" name="Google Shape;145;p16">
+              <a:extLst>
+                <a:ext uri="{FF2B5EF4-FFF2-40B4-BE49-F238E27FC236}">
+                  <a16:creationId xmlns:a16="http://schemas.microsoft.com/office/drawing/2014/main" id="{EEBF1595-16A6-4721-AE01-FBD05FFE5037}"/>
+                </a:ext>
+              </a:extLst>
+            </p:cNvPr>
+            <p:cNvPicPr preferRelativeResize="0">
+              <a:picLocks/>
+            </p:cNvPicPr>
+            <p:nvPr/>
+          </p:nvPicPr>
+          <p:blipFill rotWithShape="1">
+            <a:blip r:embed="rId4" cstate="hqprint">
+              <a:extLst>
+                <a:ext uri="{28A0092B-C50C-407E-A947-70E740481C1C}">
+                  <a14:useLocalDpi xmlns:a14="http://schemas.microsoft.com/office/drawing/2010/main"/>
+                </a:ext>
+              </a:extLst>
+            </a:blip>
+            <a:stretch>
+              <a:fillRect/>
+            </a:stretch>
+          </p:blipFill>
+          <p:spPr>
+            <a:xfrm>
+              <a:off x="1873250" y="2465070"/>
+              <a:ext cx="3868420" cy="2679700"/>
+            </a:xfrm>
+            <a:prstGeom prst="rect">
+              <a:avLst/>
+            </a:prstGeom>
+            <a:noFill/>
+            <a:ln w="0">
+              <a:noFill/>
+              <a:prstDash/>
+            </a:ln>
+          </p:spPr>
+        </p:pic>
         <p:sp>
           <p:nvSpPr>
-            <p:cNvPr id="212" name="도형 47"/>
+            <p:cNvPr id="46" name="도형 50">
+              <a:extLst>
+                <a:ext uri="{FF2B5EF4-FFF2-40B4-BE49-F238E27FC236}">
+                  <a16:creationId xmlns:a16="http://schemas.microsoft.com/office/drawing/2014/main" id="{929FD45C-C146-4780-8B46-06F506652583}"/>
+                </a:ext>
+              </a:extLst>
+            </p:cNvPr>
             <p:cNvSpPr>
               <a:spLocks/>
             </p:cNvSpPr>
@@ -26765,57 +27310,8 @@
           </p:nvSpPr>
           <p:spPr>
             <a:xfrm>
-              <a:off x="11948160" y="6055360"/>
-              <a:ext cx="3755390" cy="2673350"/>
-            </a:xfrm>
-            <a:prstGeom prst="rect">
-              <a:avLst/>
-            </a:prstGeom>
-            <a:solidFill>
-              <a:srgbClr val="694680"/>
-            </a:solidFill>
-            <a:ln w="9525" cap="flat" cmpd="sng">
-              <a:solidFill>
-                <a:schemeClr val="dk2">
-                  <a:alpha val="100000"/>
-                </a:schemeClr>
-              </a:solidFill>
-              <a:prstDash val="solid"/>
-              <a:round/>
-            </a:ln>
-          </p:spPr>
-          <p:txBody>
-            <a:bodyPr vert="horz" wrap="square" lIns="91440" tIns="91440" rIns="91440" bIns="91440" numCol="1" anchor="ctr">
-              <a:noAutofit/>
-            </a:bodyPr>
-            <a:lstStyle/>
-            <a:p>
-              <a:pPr marL="0" indent="0" algn="l" rtl="0" latinLnBrk="0">
-                <a:spcBef>
-                  <a:spcPts val="0"/>
-                </a:spcBef>
-                <a:spcAft>
-                  <a:spcPts val="0"/>
-                </a:spcAft>
-                <a:buFontTx/>
-                <a:buNone/>
-              </a:pPr>
-              <a:endParaRPr lang="ko-KR" altLang="en-US"/>
-            </a:p>
-          </p:txBody>
-        </p:sp>
-        <p:sp>
-          <p:nvSpPr>
-            <p:cNvPr id="213" name="도형 48"/>
-            <p:cNvSpPr>
-              <a:spLocks/>
-            </p:cNvSpPr>
-            <p:nvPr/>
-          </p:nvSpPr>
-          <p:spPr>
-            <a:xfrm>
-              <a:off x="12127230" y="6233160"/>
-              <a:ext cx="3400425" cy="2266950"/>
+              <a:off x="2103120" y="2687955"/>
+              <a:ext cx="3435350" cy="2266950"/>
             </a:xfrm>
             <a:prstGeom prst="rect">
               <a:avLst/>
@@ -26823,9 +27319,9 @@
             <a:noFill/>
             <a:ln w="57150" cap="flat" cmpd="sng">
               <a:solidFill>
-                <a:schemeClr val="bg1">
+                <a:srgbClr val="694680">
                   <a:alpha val="100000"/>
-                </a:schemeClr>
+                </a:srgbClr>
               </a:solidFill>
               <a:prstDash val="solid"/>
               <a:round/>
@@ -26864,21 +27360,283 @@
       </p:grpSp>
       <p:grpSp>
         <p:nvGrpSpPr>
-          <p:cNvPr id="215" name="그룹 51"/>
+          <p:cNvPr id="47" name="그룹 53">
+            <a:extLst>
+              <a:ext uri="{FF2B5EF4-FFF2-40B4-BE49-F238E27FC236}">
+                <a16:creationId xmlns:a16="http://schemas.microsoft.com/office/drawing/2014/main" id="{60D49193-A15A-47BF-9836-665A2BC1C2C6}"/>
+              </a:ext>
+            </a:extLst>
+          </p:cNvPr>
           <p:cNvGrpSpPr/>
           <p:nvPr/>
         </p:nvGrpSpPr>
         <p:grpSpPr>
           <a:xfrm>
-            <a:off x="1951355" y="6075680"/>
-            <a:ext cx="3754755" cy="2672715"/>
+            <a:off x="13003315" y="2272665"/>
+            <a:ext cx="3357493" cy="2679065"/>
+            <a:chOff x="1873250" y="2465070"/>
+            <a:chExt cx="3867785" cy="2679065"/>
+          </a:xfrm>
+        </p:grpSpPr>
+        <p:pic>
+          <p:nvPicPr>
+            <p:cNvPr id="48" name="Google Shape;145;p16">
+              <a:extLst>
+                <a:ext uri="{FF2B5EF4-FFF2-40B4-BE49-F238E27FC236}">
+                  <a16:creationId xmlns:a16="http://schemas.microsoft.com/office/drawing/2014/main" id="{F73D2118-D75D-4A7E-805E-CCAD4CD4E7F8}"/>
+                </a:ext>
+              </a:extLst>
+            </p:cNvPr>
+            <p:cNvPicPr preferRelativeResize="0">
+              <a:picLocks/>
+            </p:cNvPicPr>
+            <p:nvPr/>
+          </p:nvPicPr>
+          <p:blipFill rotWithShape="1">
+            <a:blip r:embed="rId4" cstate="hqprint">
+              <a:extLst>
+                <a:ext uri="{28A0092B-C50C-407E-A947-70E740481C1C}">
+                  <a14:useLocalDpi xmlns:a14="http://schemas.microsoft.com/office/drawing/2010/main"/>
+                </a:ext>
+              </a:extLst>
+            </a:blip>
+            <a:stretch>
+              <a:fillRect/>
+            </a:stretch>
+          </p:blipFill>
+          <p:spPr>
+            <a:xfrm>
+              <a:off x="1873250" y="2465070"/>
+              <a:ext cx="3868420" cy="2679700"/>
+            </a:xfrm>
+            <a:prstGeom prst="rect">
+              <a:avLst/>
+            </a:prstGeom>
+            <a:noFill/>
+            <a:ln w="0">
+              <a:noFill/>
+              <a:prstDash/>
+            </a:ln>
+          </p:spPr>
+        </p:pic>
+        <p:sp>
+          <p:nvSpPr>
+            <p:cNvPr id="49" name="도형 50">
+              <a:extLst>
+                <a:ext uri="{FF2B5EF4-FFF2-40B4-BE49-F238E27FC236}">
+                  <a16:creationId xmlns:a16="http://schemas.microsoft.com/office/drawing/2014/main" id="{2046C000-EA0B-4877-82DE-73E06E6CFA9C}"/>
+                </a:ext>
+              </a:extLst>
+            </p:cNvPr>
+            <p:cNvSpPr>
+              <a:spLocks/>
+            </p:cNvSpPr>
+            <p:nvPr/>
+          </p:nvSpPr>
+          <p:spPr>
+            <a:xfrm>
+              <a:off x="2103120" y="2687955"/>
+              <a:ext cx="3435350" cy="2266950"/>
+            </a:xfrm>
+            <a:prstGeom prst="rect">
+              <a:avLst/>
+            </a:prstGeom>
+            <a:noFill/>
+            <a:ln w="57150" cap="flat" cmpd="sng">
+              <a:solidFill>
+                <a:srgbClr val="694680">
+                  <a:alpha val="100000"/>
+                </a:srgbClr>
+              </a:solidFill>
+              <a:prstDash val="solid"/>
+              <a:round/>
+            </a:ln>
+          </p:spPr>
+          <p:style>
+            <a:lnRef idx="2">
+              <a:schemeClr val="accent1">
+                <a:shade val="50000"/>
+              </a:schemeClr>
+            </a:lnRef>
+            <a:fillRef idx="1">
+              <a:schemeClr val="accent1"/>
+            </a:fillRef>
+            <a:effectRef idx="0">
+              <a:schemeClr val="accent1"/>
+            </a:effectRef>
+            <a:fontRef idx="minor">
+              <a:schemeClr val="lt1"/>
+            </a:fontRef>
+          </p:style>
+          <p:txBody>
+            <a:bodyPr vert="horz" wrap="square" lIns="91440" tIns="45720" rIns="91440" bIns="45720" numCol="1" anchor="ctr">
+              <a:noAutofit/>
+            </a:bodyPr>
+            <a:lstStyle/>
+            <a:p>
+              <a:pPr marL="0" indent="0" algn="ctr" latinLnBrk="0" hangingPunct="1"/>
+              <a:endParaRPr lang="ko-KR" altLang="en-US" sz="1800">
+                <a:latin typeface="맑은 고딕" charset="0"/>
+                <a:ea typeface="맑은 고딕" charset="0"/>
+              </a:endParaRPr>
+            </a:p>
+          </p:txBody>
+        </p:sp>
+      </p:grpSp>
+      <p:grpSp>
+        <p:nvGrpSpPr>
+          <p:cNvPr id="50" name="그룹 53">
+            <a:extLst>
+              <a:ext uri="{FF2B5EF4-FFF2-40B4-BE49-F238E27FC236}">
+                <a16:creationId xmlns:a16="http://schemas.microsoft.com/office/drawing/2014/main" id="{D79DCD10-D21F-4851-BD82-1F14F58F6B34}"/>
+              </a:ext>
+            </a:extLst>
+          </p:cNvPr>
+          <p:cNvGrpSpPr/>
+          <p:nvPr/>
+        </p:nvGrpSpPr>
+        <p:grpSpPr>
+          <a:xfrm>
+            <a:off x="1926641" y="2273935"/>
+            <a:ext cx="3357493" cy="2679065"/>
+            <a:chOff x="1873250" y="2465070"/>
+            <a:chExt cx="3867785" cy="2679065"/>
+          </a:xfrm>
+        </p:grpSpPr>
+        <p:pic>
+          <p:nvPicPr>
+            <p:cNvPr id="51" name="Google Shape;145;p16">
+              <a:extLst>
+                <a:ext uri="{FF2B5EF4-FFF2-40B4-BE49-F238E27FC236}">
+                  <a16:creationId xmlns:a16="http://schemas.microsoft.com/office/drawing/2014/main" id="{5C5D5011-1BAC-4CE4-A72F-1F54FC543AB9}"/>
+                </a:ext>
+              </a:extLst>
+            </p:cNvPr>
+            <p:cNvPicPr preferRelativeResize="0">
+              <a:picLocks/>
+            </p:cNvPicPr>
+            <p:nvPr/>
+          </p:nvPicPr>
+          <p:blipFill rotWithShape="1">
+            <a:blip r:embed="rId4" cstate="hqprint">
+              <a:extLst>
+                <a:ext uri="{28A0092B-C50C-407E-A947-70E740481C1C}">
+                  <a14:useLocalDpi xmlns:a14="http://schemas.microsoft.com/office/drawing/2010/main"/>
+                </a:ext>
+              </a:extLst>
+            </a:blip>
+            <a:stretch>
+              <a:fillRect/>
+            </a:stretch>
+          </p:blipFill>
+          <p:spPr>
+            <a:xfrm>
+              <a:off x="1873250" y="2465070"/>
+              <a:ext cx="3868420" cy="2679700"/>
+            </a:xfrm>
+            <a:prstGeom prst="rect">
+              <a:avLst/>
+            </a:prstGeom>
+            <a:noFill/>
+            <a:ln w="0">
+              <a:noFill/>
+              <a:prstDash/>
+            </a:ln>
+          </p:spPr>
+        </p:pic>
+        <p:sp>
+          <p:nvSpPr>
+            <p:cNvPr id="52" name="도형 50">
+              <a:extLst>
+                <a:ext uri="{FF2B5EF4-FFF2-40B4-BE49-F238E27FC236}">
+                  <a16:creationId xmlns:a16="http://schemas.microsoft.com/office/drawing/2014/main" id="{9ECD05AC-7F2B-489B-BE0F-4F7E6099A118}"/>
+                </a:ext>
+              </a:extLst>
+            </p:cNvPr>
+            <p:cNvSpPr>
+              <a:spLocks/>
+            </p:cNvSpPr>
+            <p:nvPr/>
+          </p:nvSpPr>
+          <p:spPr>
+            <a:xfrm>
+              <a:off x="2103120" y="2687955"/>
+              <a:ext cx="3435350" cy="2266950"/>
+            </a:xfrm>
+            <a:prstGeom prst="rect">
+              <a:avLst/>
+            </a:prstGeom>
+            <a:noFill/>
+            <a:ln w="57150" cap="flat" cmpd="sng">
+              <a:solidFill>
+                <a:srgbClr val="694680">
+                  <a:alpha val="100000"/>
+                </a:srgbClr>
+              </a:solidFill>
+              <a:prstDash val="solid"/>
+              <a:round/>
+            </a:ln>
+          </p:spPr>
+          <p:style>
+            <a:lnRef idx="2">
+              <a:schemeClr val="accent1">
+                <a:shade val="50000"/>
+              </a:schemeClr>
+            </a:lnRef>
+            <a:fillRef idx="1">
+              <a:schemeClr val="accent1"/>
+            </a:fillRef>
+            <a:effectRef idx="0">
+              <a:schemeClr val="accent1"/>
+            </a:effectRef>
+            <a:fontRef idx="minor">
+              <a:schemeClr val="lt1"/>
+            </a:fontRef>
+          </p:style>
+          <p:txBody>
+            <a:bodyPr vert="horz" wrap="square" lIns="91440" tIns="45720" rIns="91440" bIns="45720" numCol="1" anchor="ctr">
+              <a:noAutofit/>
+            </a:bodyPr>
+            <a:lstStyle/>
+            <a:p>
+              <a:pPr marL="0" indent="0" algn="ctr" latinLnBrk="0" hangingPunct="1"/>
+              <a:endParaRPr lang="ko-KR" altLang="en-US" sz="1800">
+                <a:latin typeface="맑은 고딕" charset="0"/>
+                <a:ea typeface="맑은 고딕" charset="0"/>
+              </a:endParaRPr>
+            </a:p>
+          </p:txBody>
+        </p:sp>
+      </p:grpSp>
+      <p:grpSp>
+        <p:nvGrpSpPr>
+          <p:cNvPr id="53" name="그룹 51">
+            <a:extLst>
+              <a:ext uri="{FF2B5EF4-FFF2-40B4-BE49-F238E27FC236}">
+                <a16:creationId xmlns:a16="http://schemas.microsoft.com/office/drawing/2014/main" id="{ED2E0270-20AD-4E92-AEDB-A5EFA51140BC}"/>
+              </a:ext>
+            </a:extLst>
+          </p:cNvPr>
+          <p:cNvGrpSpPr/>
+          <p:nvPr/>
+        </p:nvGrpSpPr>
+        <p:grpSpPr>
+          <a:xfrm>
+            <a:off x="1926641" y="5655945"/>
+            <a:ext cx="3358044" cy="2671445"/>
             <a:chOff x="1951355" y="6075680"/>
             <a:chExt cx="3754755" cy="2672715"/>
           </a:xfrm>
         </p:grpSpPr>
         <p:sp>
           <p:nvSpPr>
-            <p:cNvPr id="206" name="도형 41"/>
+            <p:cNvPr id="54" name="도형 41">
+              <a:extLst>
+                <a:ext uri="{FF2B5EF4-FFF2-40B4-BE49-F238E27FC236}">
+                  <a16:creationId xmlns:a16="http://schemas.microsoft.com/office/drawing/2014/main" id="{2893D501-6E8C-4A68-8770-458EEC564905}"/>
+                </a:ext>
+              </a:extLst>
+            </p:cNvPr>
             <p:cNvSpPr>
               <a:spLocks/>
             </p:cNvSpPr>
@@ -26927,7 +27685,13 @@
         </p:sp>
         <p:sp>
           <p:nvSpPr>
-            <p:cNvPr id="207" name="도형 42"/>
+            <p:cNvPr id="55" name="도형 42">
+              <a:extLst>
+                <a:ext uri="{FF2B5EF4-FFF2-40B4-BE49-F238E27FC236}">
+                  <a16:creationId xmlns:a16="http://schemas.microsoft.com/office/drawing/2014/main" id="{B5A1A771-E51D-4CC6-901D-DFEE748A6462}"/>
+                </a:ext>
+              </a:extLst>
+            </p:cNvPr>
             <p:cNvSpPr>
               <a:spLocks/>
             </p:cNvSpPr>
@@ -26985,21 +27749,33 @@
       </p:grpSp>
       <p:grpSp>
         <p:nvGrpSpPr>
-          <p:cNvPr id="204" name="그룹 40"/>
+          <p:cNvPr id="56" name="그룹 51">
+            <a:extLst>
+              <a:ext uri="{FF2B5EF4-FFF2-40B4-BE49-F238E27FC236}">
+                <a16:creationId xmlns:a16="http://schemas.microsoft.com/office/drawing/2014/main" id="{491BC60A-1965-4A3F-92D4-37C1FDE30880}"/>
+              </a:ext>
+            </a:extLst>
+          </p:cNvPr>
           <p:cNvGrpSpPr/>
           <p:nvPr/>
         </p:nvGrpSpPr>
         <p:grpSpPr>
           <a:xfrm>
-            <a:off x="6908800" y="6083300"/>
-            <a:ext cx="3754755" cy="2672715"/>
-            <a:chOff x="6908800" y="6083300"/>
+            <a:off x="5618316" y="5656580"/>
+            <a:ext cx="3358044" cy="2671445"/>
+            <a:chOff x="1951355" y="6075680"/>
             <a:chExt cx="3754755" cy="2672715"/>
           </a:xfrm>
         </p:grpSpPr>
         <p:sp>
           <p:nvSpPr>
-            <p:cNvPr id="192" name="도형 56"/>
+            <p:cNvPr id="57" name="도형 41">
+              <a:extLst>
+                <a:ext uri="{FF2B5EF4-FFF2-40B4-BE49-F238E27FC236}">
+                  <a16:creationId xmlns:a16="http://schemas.microsoft.com/office/drawing/2014/main" id="{53FD2A56-28BC-49B3-8409-CCEE36B40D16}"/>
+                </a:ext>
+              </a:extLst>
+            </p:cNvPr>
             <p:cNvSpPr>
               <a:spLocks/>
             </p:cNvSpPr>
@@ -27007,7 +27783,7 @@
           </p:nvSpPr>
           <p:spPr>
             <a:xfrm>
-              <a:off x="6908800" y="6083300"/>
+              <a:off x="1951355" y="6075680"/>
               <a:ext cx="3755390" cy="2673350"/>
             </a:xfrm>
             <a:prstGeom prst="rect">
@@ -27048,7 +27824,13 @@
         </p:sp>
         <p:sp>
           <p:nvSpPr>
-            <p:cNvPr id="203" name="도형 36"/>
+            <p:cNvPr id="58" name="도형 42">
+              <a:extLst>
+                <a:ext uri="{FF2B5EF4-FFF2-40B4-BE49-F238E27FC236}">
+                  <a16:creationId xmlns:a16="http://schemas.microsoft.com/office/drawing/2014/main" id="{9C2C2A86-17A0-4F48-949B-A51C3FF39DE6}"/>
+                </a:ext>
+              </a:extLst>
+            </p:cNvPr>
             <p:cNvSpPr>
               <a:spLocks/>
             </p:cNvSpPr>
@@ -27056,7 +27838,7 @@
           </p:nvSpPr>
           <p:spPr>
             <a:xfrm>
-              <a:off x="7087870" y="6261100"/>
+              <a:off x="2130425" y="6253480"/>
               <a:ext cx="3400425" cy="2266950"/>
             </a:xfrm>
             <a:prstGeom prst="rect">
@@ -27104,30 +27886,302 @@
           </p:txBody>
         </p:sp>
       </p:grpSp>
-      <p:pic>
-        <p:nvPicPr>
-          <p:cNvPr id="150" name="Google Shape;150;p16"/>
-          <p:cNvPicPr preferRelativeResize="0">
-            <a:picLocks/>
-          </p:cNvPicPr>
-          <p:nvPr/>
-        </p:nvPicPr>
-        <p:blipFill rotWithShape="1">
-          <a:blip r:embed="rId4" cstate="hqprint">
+      <p:grpSp>
+        <p:nvGrpSpPr>
+          <p:cNvPr id="59" name="그룹 51">
             <a:extLst>
-              <a:ext uri="{28A0092B-C50C-407E-A947-70E740481C1C}">
-                <a14:useLocalDpi xmlns:a14="http://schemas.microsoft.com/office/drawing/2010/main"/>
+              <a:ext uri="{FF2B5EF4-FFF2-40B4-BE49-F238E27FC236}">
+                <a16:creationId xmlns:a16="http://schemas.microsoft.com/office/drawing/2014/main" id="{1EEB0F80-B530-4E45-B6FA-3787F230B355}"/>
               </a:ext>
             </a:extLst>
-          </a:blip>
-          <a:stretch>
-            <a:fillRect/>
-          </a:stretch>
-        </p:blipFill>
-        <p:spPr>
-          <a:xfrm>
-            <a:off x="1435100" y="1524000"/>
-            <a:ext cx="15092680" cy="47625"/>
+          </p:cNvPr>
+          <p:cNvGrpSpPr/>
+          <p:nvPr/>
+        </p:nvGrpSpPr>
+        <p:grpSpPr>
+          <a:xfrm>
+            <a:off x="9309991" y="5657215"/>
+            <a:ext cx="3358044" cy="2671445"/>
+            <a:chOff x="1951355" y="6075680"/>
+            <a:chExt cx="3754755" cy="2672715"/>
+          </a:xfrm>
+        </p:grpSpPr>
+        <p:sp>
+          <p:nvSpPr>
+            <p:cNvPr id="60" name="도형 41">
+              <a:extLst>
+                <a:ext uri="{FF2B5EF4-FFF2-40B4-BE49-F238E27FC236}">
+                  <a16:creationId xmlns:a16="http://schemas.microsoft.com/office/drawing/2014/main" id="{F17AFFF8-B46A-40B0-BC1D-1E8FF84E43D1}"/>
+                </a:ext>
+              </a:extLst>
+            </p:cNvPr>
+            <p:cNvSpPr>
+              <a:spLocks/>
+            </p:cNvSpPr>
+            <p:nvPr/>
+          </p:nvSpPr>
+          <p:spPr>
+            <a:xfrm>
+              <a:off x="1951355" y="6075680"/>
+              <a:ext cx="3755390" cy="2673350"/>
+            </a:xfrm>
+            <a:prstGeom prst="rect">
+              <a:avLst/>
+            </a:prstGeom>
+            <a:solidFill>
+              <a:srgbClr val="694680"/>
+            </a:solidFill>
+            <a:ln w="9525" cap="flat" cmpd="sng">
+              <a:solidFill>
+                <a:schemeClr val="dk2">
+                  <a:alpha val="100000"/>
+                </a:schemeClr>
+              </a:solidFill>
+              <a:prstDash val="solid"/>
+              <a:round/>
+            </a:ln>
+          </p:spPr>
+          <p:txBody>
+            <a:bodyPr vert="horz" wrap="square" lIns="91440" tIns="91440" rIns="91440" bIns="91440" numCol="1" anchor="ctr">
+              <a:noAutofit/>
+            </a:bodyPr>
+            <a:lstStyle/>
+            <a:p>
+              <a:pPr marL="0" indent="0" algn="l" rtl="0" latinLnBrk="0">
+                <a:spcBef>
+                  <a:spcPts val="0"/>
+                </a:spcBef>
+                <a:spcAft>
+                  <a:spcPts val="0"/>
+                </a:spcAft>
+                <a:buFontTx/>
+                <a:buNone/>
+              </a:pPr>
+              <a:endParaRPr lang="ko-KR" altLang="en-US"/>
+            </a:p>
+          </p:txBody>
+        </p:sp>
+        <p:sp>
+          <p:nvSpPr>
+            <p:cNvPr id="61" name="도형 42">
+              <a:extLst>
+                <a:ext uri="{FF2B5EF4-FFF2-40B4-BE49-F238E27FC236}">
+                  <a16:creationId xmlns:a16="http://schemas.microsoft.com/office/drawing/2014/main" id="{2E35502C-CD5F-46C1-99FE-7D30265A7525}"/>
+                </a:ext>
+              </a:extLst>
+            </p:cNvPr>
+            <p:cNvSpPr>
+              <a:spLocks/>
+            </p:cNvSpPr>
+            <p:nvPr/>
+          </p:nvSpPr>
+          <p:spPr>
+            <a:xfrm>
+              <a:off x="2130425" y="6253480"/>
+              <a:ext cx="3400425" cy="2266950"/>
+            </a:xfrm>
+            <a:prstGeom prst="rect">
+              <a:avLst/>
+            </a:prstGeom>
+            <a:noFill/>
+            <a:ln w="57150" cap="flat" cmpd="sng">
+              <a:solidFill>
+                <a:schemeClr val="bg1">
+                  <a:alpha val="100000"/>
+                </a:schemeClr>
+              </a:solidFill>
+              <a:prstDash val="solid"/>
+              <a:round/>
+            </a:ln>
+          </p:spPr>
+          <p:style>
+            <a:lnRef idx="2">
+              <a:schemeClr val="accent1">
+                <a:shade val="50000"/>
+              </a:schemeClr>
+            </a:lnRef>
+            <a:fillRef idx="1">
+              <a:schemeClr val="accent1"/>
+            </a:fillRef>
+            <a:effectRef idx="0">
+              <a:schemeClr val="accent1"/>
+            </a:effectRef>
+            <a:fontRef idx="minor">
+              <a:schemeClr val="lt1"/>
+            </a:fontRef>
+          </p:style>
+          <p:txBody>
+            <a:bodyPr vert="horz" wrap="square" lIns="91440" tIns="45720" rIns="91440" bIns="45720" numCol="1" anchor="ctr">
+              <a:noAutofit/>
+            </a:bodyPr>
+            <a:lstStyle/>
+            <a:p>
+              <a:pPr marL="0" indent="0" algn="ctr" latinLnBrk="0" hangingPunct="1"/>
+              <a:endParaRPr lang="ko-KR" altLang="en-US" sz="1800">
+                <a:latin typeface="맑은 고딕" charset="0"/>
+                <a:ea typeface="맑은 고딕" charset="0"/>
+              </a:endParaRPr>
+            </a:p>
+          </p:txBody>
+        </p:sp>
+      </p:grpSp>
+      <p:grpSp>
+        <p:nvGrpSpPr>
+          <p:cNvPr id="62" name="그룹 51">
+            <a:extLst>
+              <a:ext uri="{FF2B5EF4-FFF2-40B4-BE49-F238E27FC236}">
+                <a16:creationId xmlns:a16="http://schemas.microsoft.com/office/drawing/2014/main" id="{B5D71EE5-DC44-40C5-97AF-7AB6B2286677}"/>
+              </a:ext>
+            </a:extLst>
+          </p:cNvPr>
+          <p:cNvGrpSpPr/>
+          <p:nvPr/>
+        </p:nvGrpSpPr>
+        <p:grpSpPr>
+          <a:xfrm>
+            <a:off x="13013360" y="5657850"/>
+            <a:ext cx="3358044" cy="2671445"/>
+            <a:chOff x="1951355" y="6075680"/>
+            <a:chExt cx="3754755" cy="2672715"/>
+          </a:xfrm>
+        </p:grpSpPr>
+        <p:sp>
+          <p:nvSpPr>
+            <p:cNvPr id="63" name="도형 41">
+              <a:extLst>
+                <a:ext uri="{FF2B5EF4-FFF2-40B4-BE49-F238E27FC236}">
+                  <a16:creationId xmlns:a16="http://schemas.microsoft.com/office/drawing/2014/main" id="{9F4E9C2C-6E89-4731-84E1-F1E0776463D7}"/>
+                </a:ext>
+              </a:extLst>
+            </p:cNvPr>
+            <p:cNvSpPr>
+              <a:spLocks/>
+            </p:cNvSpPr>
+            <p:nvPr/>
+          </p:nvSpPr>
+          <p:spPr>
+            <a:xfrm>
+              <a:off x="1951355" y="6075680"/>
+              <a:ext cx="3755390" cy="2673350"/>
+            </a:xfrm>
+            <a:prstGeom prst="rect">
+              <a:avLst/>
+            </a:prstGeom>
+            <a:solidFill>
+              <a:srgbClr val="694680"/>
+            </a:solidFill>
+            <a:ln w="9525" cap="flat" cmpd="sng">
+              <a:solidFill>
+                <a:schemeClr val="dk2">
+                  <a:alpha val="100000"/>
+                </a:schemeClr>
+              </a:solidFill>
+              <a:prstDash val="solid"/>
+              <a:round/>
+            </a:ln>
+          </p:spPr>
+          <p:txBody>
+            <a:bodyPr vert="horz" wrap="square" lIns="91440" tIns="91440" rIns="91440" bIns="91440" numCol="1" anchor="ctr">
+              <a:noAutofit/>
+            </a:bodyPr>
+            <a:lstStyle/>
+            <a:p>
+              <a:pPr marL="0" indent="0" algn="l" rtl="0" latinLnBrk="0">
+                <a:spcBef>
+                  <a:spcPts val="0"/>
+                </a:spcBef>
+                <a:spcAft>
+                  <a:spcPts val="0"/>
+                </a:spcAft>
+                <a:buFontTx/>
+                <a:buNone/>
+              </a:pPr>
+              <a:endParaRPr lang="ko-KR" altLang="en-US"/>
+            </a:p>
+          </p:txBody>
+        </p:sp>
+        <p:sp>
+          <p:nvSpPr>
+            <p:cNvPr id="64" name="도형 42">
+              <a:extLst>
+                <a:ext uri="{FF2B5EF4-FFF2-40B4-BE49-F238E27FC236}">
+                  <a16:creationId xmlns:a16="http://schemas.microsoft.com/office/drawing/2014/main" id="{9B94A3A8-95A6-47E8-AFDE-9761DDC7B5B3}"/>
+                </a:ext>
+              </a:extLst>
+            </p:cNvPr>
+            <p:cNvSpPr>
+              <a:spLocks/>
+            </p:cNvSpPr>
+            <p:nvPr/>
+          </p:nvSpPr>
+          <p:spPr>
+            <a:xfrm>
+              <a:off x="2130425" y="6253480"/>
+              <a:ext cx="3400425" cy="2266950"/>
+            </a:xfrm>
+            <a:prstGeom prst="rect">
+              <a:avLst/>
+            </a:prstGeom>
+            <a:noFill/>
+            <a:ln w="57150" cap="flat" cmpd="sng">
+              <a:solidFill>
+                <a:schemeClr val="bg1">
+                  <a:alpha val="100000"/>
+                </a:schemeClr>
+              </a:solidFill>
+              <a:prstDash val="solid"/>
+              <a:round/>
+            </a:ln>
+          </p:spPr>
+          <p:style>
+            <a:lnRef idx="2">
+              <a:schemeClr val="accent1">
+                <a:shade val="50000"/>
+              </a:schemeClr>
+            </a:lnRef>
+            <a:fillRef idx="1">
+              <a:schemeClr val="accent1"/>
+            </a:fillRef>
+            <a:effectRef idx="0">
+              <a:schemeClr val="accent1"/>
+            </a:effectRef>
+            <a:fontRef idx="minor">
+              <a:schemeClr val="lt1"/>
+            </a:fontRef>
+          </p:style>
+          <p:txBody>
+            <a:bodyPr vert="horz" wrap="square" lIns="91440" tIns="45720" rIns="91440" bIns="45720" numCol="1" anchor="ctr">
+              <a:noAutofit/>
+            </a:bodyPr>
+            <a:lstStyle/>
+            <a:p>
+              <a:pPr marL="0" indent="0" algn="ctr" latinLnBrk="0" hangingPunct="1"/>
+              <a:endParaRPr lang="ko-KR" altLang="en-US" sz="1800">
+                <a:latin typeface="맑은 고딕" charset="0"/>
+                <a:ea typeface="맑은 고딕" charset="0"/>
+              </a:endParaRPr>
+            </a:p>
+          </p:txBody>
+        </p:sp>
+      </p:grpSp>
+      <p:sp>
+        <p:nvSpPr>
+          <p:cNvPr id="65" name="Google Shape;151;p16">
+            <a:extLst>
+              <a:ext uri="{FF2B5EF4-FFF2-40B4-BE49-F238E27FC236}">
+                <a16:creationId xmlns:a16="http://schemas.microsoft.com/office/drawing/2014/main" id="{F47176B1-DEE8-455F-924D-54B21D0B4820}"/>
+              </a:ext>
+            </a:extLst>
+          </p:cNvPr>
+          <p:cNvSpPr txBox="1">
+            <a:spLocks/>
+          </p:cNvSpPr>
+          <p:nvPr/>
+        </p:nvSpPr>
+        <p:spPr>
+          <a:xfrm>
+            <a:off x="2222095" y="3975017"/>
+            <a:ext cx="2790286" cy="647065"/>
           </a:xfrm>
           <a:prstGeom prst="rect">
             <a:avLst/>
@@ -27138,29 +28192,6 @@
             <a:prstDash/>
           </a:ln>
         </p:spPr>
-      </p:pic>
-      <p:sp>
-        <p:nvSpPr>
-          <p:cNvPr id="151" name="Google Shape;151;p16"/>
-          <p:cNvSpPr txBox="1">
-            <a:spLocks/>
-          </p:cNvSpPr>
-          <p:nvPr/>
-        </p:nvSpPr>
-        <p:spPr>
-          <a:xfrm>
-            <a:off x="2200275" y="4055745"/>
-            <a:ext cx="3214370" cy="647065"/>
-          </a:xfrm>
-          <a:prstGeom prst="rect">
-            <a:avLst/>
-          </a:prstGeom>
-          <a:noFill/>
-          <a:ln w="0">
-            <a:noFill/>
-            <a:prstDash/>
-          </a:ln>
-        </p:spPr>
         <p:txBody>
           <a:bodyPr vert="horz" wrap="square" lIns="91440" tIns="45720" rIns="91440" bIns="45720" numCol="1" anchor="ctr">
             <a:spAutoFit/>
@@ -27178,7 +28209,7 @@
               <a:buNone/>
             </a:pPr>
             <a:r>
-              <a:rPr lang="en-US" altLang="ko-KR" sz="3600" b="1">
+              <a:rPr lang="en-US" altLang="ko-KR" sz="3600" b="1" dirty="0">
                 <a:solidFill>
                   <a:srgbClr val="694680"/>
                 </a:solidFill>
@@ -27187,7 +28218,7 @@
               </a:rPr>
               <a:t>Diary</a:t>
             </a:r>
-            <a:endParaRPr lang="ko-KR" altLang="en-US" sz="3600" b="1">
+            <a:endParaRPr lang="ko-KR" altLang="en-US" sz="3600" b="1" dirty="0">
               <a:solidFill>
                 <a:srgbClr val="694680"/>
               </a:solidFill>
@@ -27197,761 +28228,15 @@
           </a:p>
         </p:txBody>
       </p:sp>
-      <p:sp>
-        <p:nvSpPr>
-          <p:cNvPr id="152" name="Google Shape;152;p16"/>
-          <p:cNvSpPr txBox="1">
-            <a:spLocks/>
-          </p:cNvSpPr>
-          <p:nvPr/>
-        </p:nvSpPr>
-        <p:spPr>
-          <a:xfrm>
-            <a:off x="5848350" y="467995"/>
-            <a:ext cx="6256020" cy="861695"/>
-          </a:xfrm>
-          <a:prstGeom prst="rect">
-            <a:avLst/>
-          </a:prstGeom>
-          <a:noFill/>
-          <a:ln w="0">
-            <a:noFill/>
-            <a:prstDash/>
-          </a:ln>
-        </p:spPr>
-        <p:txBody>
-          <a:bodyPr vert="horz" wrap="square" lIns="91440" tIns="45720" rIns="91440" bIns="45720" numCol="1" anchor="t">
-            <a:spAutoFit/>
-          </a:bodyPr>
-          <a:lstStyle/>
-          <a:p>
-            <a:pPr marL="0" indent="0" algn="ctr" rtl="0" latinLnBrk="0">
-              <a:spcBef>
-                <a:spcPts val="0"/>
-              </a:spcBef>
-              <a:spcAft>
-                <a:spcPts val="0"/>
-              </a:spcAft>
-              <a:buFontTx/>
-              <a:buNone/>
-            </a:pPr>
-            <a:r>
-              <a:rPr lang="en-US" sz="5000" b="1">
-                <a:solidFill>
-                  <a:srgbClr val="694680"/>
-                </a:solidFill>
-                <a:latin typeface="나눔바른고딕" charset="0"/>
-                <a:ea typeface="나눔바른고딕" charset="0"/>
-                <a:cs typeface="Impact" charset="0"/>
-              </a:rPr>
-              <a:t>시스템 구축 방향</a:t>
-            </a:r>
-            <a:endParaRPr lang="ko-KR" altLang="en-US" sz="5000" b="1">
-              <a:solidFill>
-                <a:srgbClr val="694680"/>
-              </a:solidFill>
-              <a:latin typeface="나눔바른고딕" charset="0"/>
-              <a:ea typeface="나눔바른고딕" charset="0"/>
-              <a:cs typeface="Impact" charset="0"/>
-            </a:endParaRPr>
-          </a:p>
-        </p:txBody>
-      </p:sp>
-      <p:sp>
-        <p:nvSpPr>
-          <p:cNvPr id="153" name="Google Shape;153;p16"/>
-          <p:cNvSpPr txBox="1">
-            <a:spLocks/>
-          </p:cNvSpPr>
-          <p:nvPr/>
-        </p:nvSpPr>
-        <p:spPr>
-          <a:xfrm>
-            <a:off x="2179955" y="6638290"/>
-            <a:ext cx="3278505" cy="769620"/>
-          </a:xfrm>
-          <a:prstGeom prst="rect">
-            <a:avLst/>
-          </a:prstGeom>
-          <a:noFill/>
-          <a:ln w="0">
-            <a:noFill/>
-            <a:prstDash/>
-          </a:ln>
-        </p:spPr>
-        <p:txBody>
-          <a:bodyPr vert="horz" wrap="square" lIns="91440" tIns="45720" rIns="91440" bIns="45720" numCol="1" anchor="ctr">
-            <a:spAutoFit/>
-          </a:bodyPr>
-          <a:lstStyle/>
-          <a:p>
-            <a:pPr marL="457200" indent="-361950" algn="l" rtl="0" latinLnBrk="0">
-              <a:spcBef>
-                <a:spcPts val="0"/>
-              </a:spcBef>
-              <a:spcAft>
-                <a:spcPts val="0"/>
-              </a:spcAft>
-              <a:buClr>
-                <a:schemeClr val="bg1"/>
-              </a:buClr>
-              <a:buFont typeface="Verdana"/>
-              <a:buChar char="●"/>
-            </a:pPr>
-            <a:r>
-              <a:rPr lang="en-US" sz="2200" b="1" dirty="0" err="1">
-                <a:solidFill>
-                  <a:schemeClr val="lt1"/>
-                </a:solidFill>
-                <a:latin typeface="나눔바른고딕" charset="0"/>
-                <a:ea typeface="나눔바른고딕" charset="0"/>
-                <a:cs typeface="Verdana" charset="0"/>
-              </a:rPr>
-              <a:t>그날의</a:t>
-            </a:r>
-            <a:r>
-              <a:rPr lang="en-US" sz="2200" b="1" dirty="0">
-                <a:solidFill>
-                  <a:schemeClr val="lt1"/>
-                </a:solidFill>
-                <a:latin typeface="나눔바른고딕" charset="0"/>
-                <a:ea typeface="나눔바른고딕" charset="0"/>
-                <a:cs typeface="Verdana" charset="0"/>
-              </a:rPr>
-              <a:t> </a:t>
-            </a:r>
-            <a:r>
-              <a:rPr lang="en-US" sz="2200" b="1" dirty="0" err="1">
-                <a:solidFill>
-                  <a:schemeClr val="lt1"/>
-                </a:solidFill>
-                <a:latin typeface="나눔바른고딕" charset="0"/>
-                <a:ea typeface="나눔바른고딕" charset="0"/>
-                <a:cs typeface="Verdana" charset="0"/>
-              </a:rPr>
-              <a:t>착장을</a:t>
-            </a:r>
-            <a:r>
-              <a:rPr lang="en-US" sz="2200" b="1" dirty="0">
-                <a:solidFill>
-                  <a:schemeClr val="lt1"/>
-                </a:solidFill>
-                <a:latin typeface="나눔바른고딕" charset="0"/>
-                <a:ea typeface="나눔바른고딕" charset="0"/>
-                <a:cs typeface="Verdana" charset="0"/>
-              </a:rPr>
-              <a:t> </a:t>
-            </a:r>
-            <a:r>
-              <a:rPr lang="en-US" sz="2200" b="1" dirty="0" err="1">
-                <a:solidFill>
-                  <a:schemeClr val="lt1"/>
-                </a:solidFill>
-                <a:latin typeface="나눔바른고딕" charset="0"/>
-                <a:ea typeface="나눔바른고딕" charset="0"/>
-                <a:cs typeface="Verdana" charset="0"/>
-              </a:rPr>
-              <a:t>일별로</a:t>
-            </a:r>
-            <a:r>
-              <a:rPr lang="en-US" sz="2200" b="1" dirty="0">
-                <a:solidFill>
-                  <a:schemeClr val="lt1"/>
-                </a:solidFill>
-                <a:latin typeface="나눔바른고딕" charset="0"/>
-                <a:ea typeface="나눔바른고딕" charset="0"/>
-                <a:cs typeface="Verdana" charset="0"/>
-              </a:rPr>
-              <a:t> </a:t>
-            </a:r>
-            <a:r>
-              <a:rPr lang="en-US" sz="2200" b="1" dirty="0" err="1">
-                <a:solidFill>
-                  <a:schemeClr val="lt1"/>
-                </a:solidFill>
-                <a:latin typeface="나눔바른고딕" charset="0"/>
-                <a:ea typeface="나눔바른고딕" charset="0"/>
-                <a:cs typeface="Verdana" charset="0"/>
-              </a:rPr>
-              <a:t>편하게</a:t>
-            </a:r>
-            <a:r>
-              <a:rPr lang="en-US" sz="2200" b="1" dirty="0">
-                <a:solidFill>
-                  <a:schemeClr val="lt1"/>
-                </a:solidFill>
-                <a:latin typeface="나눔바른고딕" charset="0"/>
-                <a:ea typeface="나눔바른고딕" charset="0"/>
-                <a:cs typeface="Verdana" charset="0"/>
-              </a:rPr>
-              <a:t> 관리</a:t>
-            </a:r>
-            <a:endParaRPr lang="ko-KR" altLang="en-US" sz="2200" b="1" dirty="0">
-              <a:solidFill>
-                <a:schemeClr val="lt1"/>
-              </a:solidFill>
-              <a:latin typeface="나눔바른고딕" charset="0"/>
-              <a:ea typeface="나눔바른고딕" charset="0"/>
-              <a:cs typeface="Verdana" charset="0"/>
-            </a:endParaRPr>
-          </a:p>
-        </p:txBody>
-      </p:sp>
-      <p:sp>
-        <p:nvSpPr>
-          <p:cNvPr id="154" name="Google Shape;154;p16"/>
-          <p:cNvSpPr txBox="1">
-            <a:spLocks/>
-          </p:cNvSpPr>
-          <p:nvPr/>
-        </p:nvSpPr>
-        <p:spPr>
-          <a:xfrm>
-            <a:off x="6712585" y="4055745"/>
-            <a:ext cx="4267200" cy="647065"/>
-          </a:xfrm>
-          <a:prstGeom prst="rect">
-            <a:avLst/>
-          </a:prstGeom>
-          <a:noFill/>
-          <a:ln w="0">
-            <a:noFill/>
-            <a:prstDash/>
-          </a:ln>
-        </p:spPr>
-        <p:txBody>
-          <a:bodyPr vert="horz" wrap="square" lIns="91440" tIns="45720" rIns="91440" bIns="45720" numCol="1" anchor="ctr">
-            <a:spAutoFit/>
-          </a:bodyPr>
-          <a:lstStyle/>
-          <a:p>
-            <a:pPr marL="0" indent="0" algn="ctr" rtl="0" latinLnBrk="0">
-              <a:spcBef>
-                <a:spcPts val="0"/>
-              </a:spcBef>
-              <a:spcAft>
-                <a:spcPts val="0"/>
-              </a:spcAft>
-              <a:buFontTx/>
-              <a:buNone/>
-            </a:pPr>
-            <a:r>
-              <a:rPr lang="en-US" altLang="ko-KR" sz="3600" b="1">
-                <a:solidFill>
-                  <a:srgbClr val="694680"/>
-                </a:solidFill>
-                <a:latin typeface="나눔바른고딕" charset="0"/>
-                <a:ea typeface="나눔바른고딕" charset="0"/>
-              </a:rPr>
-              <a:t>Feedback</a:t>
-            </a:r>
-            <a:endParaRPr lang="ko-KR" altLang="en-US" sz="3600" b="1">
-              <a:solidFill>
-                <a:srgbClr val="694680"/>
-              </a:solidFill>
-              <a:latin typeface="나눔바른고딕" charset="0"/>
-              <a:ea typeface="나눔바른고딕" charset="0"/>
-            </a:endParaRPr>
-          </a:p>
-        </p:txBody>
-      </p:sp>
-      <p:sp>
-        <p:nvSpPr>
-          <p:cNvPr id="155" name="Google Shape;155;p16"/>
-          <p:cNvSpPr txBox="1">
-            <a:spLocks/>
-          </p:cNvSpPr>
-          <p:nvPr/>
-        </p:nvSpPr>
-        <p:spPr>
-          <a:xfrm>
-            <a:off x="7068185" y="6572250"/>
-            <a:ext cx="3358515" cy="1108075"/>
-          </a:xfrm>
-          <a:prstGeom prst="rect">
-            <a:avLst/>
-          </a:prstGeom>
-          <a:noFill/>
-          <a:ln w="0">
-            <a:noFill/>
-            <a:prstDash/>
-          </a:ln>
-        </p:spPr>
-        <p:txBody>
-          <a:bodyPr vert="horz" wrap="square" lIns="91440" tIns="45720" rIns="91440" bIns="45720" numCol="1" anchor="ctr">
-            <a:spAutoFit/>
-          </a:bodyPr>
-          <a:lstStyle/>
-          <a:p>
-            <a:pPr marL="457200" indent="-361950" algn="l" rtl="0" latinLnBrk="0">
-              <a:spcBef>
-                <a:spcPts val="0"/>
-              </a:spcBef>
-              <a:spcAft>
-                <a:spcPts val="0"/>
-              </a:spcAft>
-              <a:buClr>
-                <a:schemeClr val="bg1"/>
-              </a:buClr>
-              <a:buFont typeface="Verdana"/>
-              <a:buChar char="●"/>
-            </a:pPr>
-            <a:r>
-              <a:rPr lang="en-US" sz="2200" b="1" dirty="0" err="1">
-                <a:solidFill>
-                  <a:schemeClr val="lt1"/>
-                </a:solidFill>
-                <a:latin typeface="나눔바른고딕" charset="0"/>
-                <a:ea typeface="나눔바른고딕" charset="0"/>
-                <a:cs typeface="Verdana" charset="0"/>
-              </a:rPr>
-              <a:t>자신의</a:t>
-            </a:r>
-            <a:r>
-              <a:rPr lang="en-US" sz="2200" b="1" dirty="0">
-                <a:solidFill>
-                  <a:schemeClr val="lt1"/>
-                </a:solidFill>
-                <a:latin typeface="나눔바른고딕" charset="0"/>
-                <a:ea typeface="나눔바른고딕" charset="0"/>
-                <a:cs typeface="Verdana" charset="0"/>
-              </a:rPr>
-              <a:t> 데일리룩 </a:t>
-            </a:r>
-            <a:r>
-              <a:rPr lang="en-US" sz="2200" b="1" dirty="0" err="1">
-                <a:solidFill>
-                  <a:schemeClr val="lt1"/>
-                </a:solidFill>
-                <a:latin typeface="나눔바른고딕" charset="0"/>
-                <a:ea typeface="나눔바른고딕" charset="0"/>
-                <a:cs typeface="Verdana" charset="0"/>
-              </a:rPr>
-              <a:t>평가를</a:t>
-            </a:r>
-            <a:r>
-              <a:rPr lang="en-US" sz="2200" b="1" dirty="0">
-                <a:solidFill>
-                  <a:schemeClr val="lt1"/>
-                </a:solidFill>
-                <a:latin typeface="나눔바른고딕" charset="0"/>
-                <a:ea typeface="나눔바른고딕" charset="0"/>
-                <a:cs typeface="Verdana" charset="0"/>
-              </a:rPr>
-              <a:t> </a:t>
-            </a:r>
-            <a:r>
-              <a:rPr lang="en-US" sz="2200" b="1" dirty="0" err="1">
-                <a:solidFill>
-                  <a:schemeClr val="lt1"/>
-                </a:solidFill>
-                <a:latin typeface="나눔바른고딕" charset="0"/>
-                <a:ea typeface="나눔바른고딕" charset="0"/>
-                <a:cs typeface="Verdana" charset="0"/>
-              </a:rPr>
-              <a:t>통해</a:t>
-            </a:r>
-            <a:r>
-              <a:rPr lang="en-US" sz="2200" b="1" dirty="0">
-                <a:solidFill>
-                  <a:schemeClr val="lt1"/>
-                </a:solidFill>
-                <a:latin typeface="나눔바른고딕" charset="0"/>
-                <a:ea typeface="나눔바른고딕" charset="0"/>
-                <a:cs typeface="Verdana" charset="0"/>
-              </a:rPr>
-              <a:t> </a:t>
-            </a:r>
-            <a:r>
-              <a:rPr lang="en-US" sz="2200" b="1" dirty="0" err="1">
-                <a:solidFill>
-                  <a:schemeClr val="lt1"/>
-                </a:solidFill>
-                <a:latin typeface="나눔바른고딕" charset="0"/>
-                <a:ea typeface="나눔바른고딕" charset="0"/>
-                <a:cs typeface="Verdana" charset="0"/>
-              </a:rPr>
-              <a:t>객관적인</a:t>
-            </a:r>
-            <a:r>
-              <a:rPr lang="en-US" sz="2200" b="1" dirty="0">
-                <a:solidFill>
-                  <a:schemeClr val="lt1"/>
-                </a:solidFill>
-                <a:latin typeface="나눔바른고딕" charset="0"/>
-                <a:ea typeface="나눔바른고딕" charset="0"/>
-                <a:cs typeface="Verdana" charset="0"/>
-              </a:rPr>
-              <a:t>  </a:t>
-            </a:r>
-            <a:r>
-              <a:rPr lang="en-US" sz="2200" b="1" dirty="0" err="1">
-                <a:solidFill>
-                  <a:schemeClr val="lt1"/>
-                </a:solidFill>
-                <a:latin typeface="나눔바른고딕" charset="0"/>
-                <a:ea typeface="나눔바른고딕" charset="0"/>
-                <a:cs typeface="Verdana" charset="0"/>
-              </a:rPr>
-              <a:t>패션</a:t>
-            </a:r>
-            <a:r>
-              <a:rPr lang="en-US" sz="2200" b="1" dirty="0">
-                <a:solidFill>
-                  <a:schemeClr val="lt1"/>
-                </a:solidFill>
-                <a:latin typeface="나눔바른고딕" charset="0"/>
-                <a:ea typeface="나눔바른고딕" charset="0"/>
-                <a:cs typeface="Verdana" charset="0"/>
-              </a:rPr>
-              <a:t> </a:t>
-            </a:r>
-            <a:r>
-              <a:rPr lang="en-US" sz="2200" b="1" dirty="0" err="1">
-                <a:solidFill>
-                  <a:schemeClr val="lt1"/>
-                </a:solidFill>
-                <a:latin typeface="나눔바른고딕" charset="0"/>
-                <a:ea typeface="나눔바른고딕" charset="0"/>
-                <a:cs typeface="Verdana" charset="0"/>
-              </a:rPr>
-              <a:t>센스</a:t>
-            </a:r>
-            <a:r>
-              <a:rPr lang="en-US" sz="2200" b="1" dirty="0">
-                <a:solidFill>
-                  <a:schemeClr val="lt1"/>
-                </a:solidFill>
-                <a:latin typeface="나눔바른고딕" charset="0"/>
-                <a:ea typeface="나눔바른고딕" charset="0"/>
-                <a:cs typeface="Verdana" charset="0"/>
-              </a:rPr>
-              <a:t> </a:t>
-            </a:r>
-            <a:r>
-              <a:rPr lang="en-US" sz="2200" b="1" dirty="0" err="1">
-                <a:solidFill>
-                  <a:schemeClr val="lt1"/>
-                </a:solidFill>
-                <a:latin typeface="나눔바른고딕" charset="0"/>
-                <a:ea typeface="나눔바른고딕" charset="0"/>
-                <a:cs typeface="Verdana" charset="0"/>
-              </a:rPr>
-              <a:t>확인</a:t>
-            </a:r>
-            <a:endParaRPr lang="ko-KR" altLang="en-US" sz="2200" b="1" dirty="0">
-              <a:solidFill>
-                <a:schemeClr val="lt1"/>
-              </a:solidFill>
-              <a:latin typeface="나눔바른고딕" charset="0"/>
-              <a:ea typeface="나눔바른고딕" charset="0"/>
-              <a:cs typeface="Verdana" charset="0"/>
-            </a:endParaRPr>
-          </a:p>
-        </p:txBody>
-      </p:sp>
-      <p:sp>
-        <p:nvSpPr>
-          <p:cNvPr id="163" name="Google Shape;163;p16"/>
-          <p:cNvSpPr txBox="1">
-            <a:spLocks/>
-          </p:cNvSpPr>
-          <p:nvPr/>
-        </p:nvSpPr>
-        <p:spPr>
-          <a:xfrm>
-            <a:off x="12165330" y="4055745"/>
-            <a:ext cx="3250565" cy="647065"/>
-          </a:xfrm>
-          <a:prstGeom prst="rect">
-            <a:avLst/>
-          </a:prstGeom>
-          <a:noFill/>
-          <a:ln w="0">
-            <a:noFill/>
-            <a:prstDash/>
-          </a:ln>
-        </p:spPr>
-        <p:txBody>
-          <a:bodyPr vert="horz" wrap="square" lIns="91440" tIns="45720" rIns="91440" bIns="45720" numCol="1" anchor="ctr">
-            <a:spAutoFit/>
-          </a:bodyPr>
-          <a:lstStyle/>
-          <a:p>
-            <a:pPr marL="0" indent="0" algn="ctr" rtl="0" latinLnBrk="0">
-              <a:spcBef>
-                <a:spcPts val="0"/>
-              </a:spcBef>
-              <a:spcAft>
-                <a:spcPts val="0"/>
-              </a:spcAft>
-              <a:buFontTx/>
-              <a:buNone/>
-            </a:pPr>
-            <a:r>
-              <a:rPr lang="en-US" altLang="ko-KR" sz="3600" b="1">
-                <a:solidFill>
-                  <a:srgbClr val="694680"/>
-                </a:solidFill>
-                <a:latin typeface="나눔바른고딕" charset="0"/>
-                <a:ea typeface="나눔바른고딕" charset="0"/>
-              </a:rPr>
-              <a:t>Coordination</a:t>
-            </a:r>
-            <a:endParaRPr lang="ko-KR" altLang="en-US" sz="3600" b="1">
-              <a:solidFill>
-                <a:srgbClr val="694680"/>
-              </a:solidFill>
-              <a:latin typeface="나눔바른고딕" charset="0"/>
-              <a:ea typeface="나눔바른고딕" charset="0"/>
-            </a:endParaRPr>
-          </a:p>
-        </p:txBody>
-      </p:sp>
-      <p:sp>
-        <p:nvSpPr>
-          <p:cNvPr id="165" name="Google Shape;165;p16"/>
-          <p:cNvSpPr txBox="1">
-            <a:spLocks/>
-          </p:cNvSpPr>
-          <p:nvPr/>
-        </p:nvSpPr>
-        <p:spPr>
-          <a:xfrm>
-            <a:off x="12113895" y="6500495"/>
-            <a:ext cx="3381375" cy="1108075"/>
-          </a:xfrm>
-          <a:prstGeom prst="rect">
-            <a:avLst/>
-          </a:prstGeom>
-          <a:noFill/>
-          <a:ln w="0">
-            <a:noFill/>
-            <a:prstDash/>
-          </a:ln>
-        </p:spPr>
-        <p:txBody>
-          <a:bodyPr vert="horz" wrap="square" lIns="91440" tIns="45720" rIns="91440" bIns="45720" numCol="1" anchor="ctr">
-            <a:spAutoFit/>
-          </a:bodyPr>
-          <a:lstStyle/>
-          <a:p>
-            <a:pPr marL="457200" indent="-361950" algn="l" rtl="0" latinLnBrk="0">
-              <a:spcBef>
-                <a:spcPts val="0"/>
-              </a:spcBef>
-              <a:spcAft>
-                <a:spcPts val="0"/>
-              </a:spcAft>
-              <a:buClr>
-                <a:schemeClr val="bg1"/>
-              </a:buClr>
-              <a:buFont typeface="Verdana"/>
-              <a:buChar char="●"/>
-            </a:pPr>
-            <a:r>
-              <a:rPr lang="en-US" sz="2200" b="1" dirty="0" err="1">
-                <a:solidFill>
-                  <a:schemeClr val="lt1"/>
-                </a:solidFill>
-                <a:latin typeface="나눔바른고딕" charset="0"/>
-                <a:ea typeface="나눔바른고딕" charset="0"/>
-                <a:cs typeface="Verdana" charset="0"/>
-              </a:rPr>
-              <a:t>내가</a:t>
-            </a:r>
-            <a:r>
-              <a:rPr lang="en-US" sz="2200" b="1" dirty="0">
-                <a:solidFill>
-                  <a:schemeClr val="lt1"/>
-                </a:solidFill>
-                <a:latin typeface="나눔바른고딕" charset="0"/>
-                <a:ea typeface="나눔바른고딕" charset="0"/>
-                <a:cs typeface="Verdana" charset="0"/>
-              </a:rPr>
-              <a:t> </a:t>
-            </a:r>
-            <a:r>
-              <a:rPr lang="en-US" sz="2200" b="1" dirty="0" err="1">
-                <a:solidFill>
-                  <a:schemeClr val="lt1"/>
-                </a:solidFill>
-                <a:latin typeface="나눔바른고딕" charset="0"/>
-                <a:ea typeface="나눔바른고딕" charset="0"/>
-                <a:cs typeface="Verdana" charset="0"/>
-              </a:rPr>
-              <a:t>가지고</a:t>
-            </a:r>
-            <a:r>
-              <a:rPr lang="en-US" sz="2200" b="1" dirty="0">
-                <a:solidFill>
-                  <a:schemeClr val="lt1"/>
-                </a:solidFill>
-                <a:latin typeface="나눔바른고딕" charset="0"/>
-                <a:ea typeface="나눔바른고딕" charset="0"/>
-                <a:cs typeface="Verdana" charset="0"/>
-              </a:rPr>
-              <a:t> </a:t>
-            </a:r>
-            <a:r>
-              <a:rPr lang="en-US" sz="2200" b="1" dirty="0" err="1">
-                <a:solidFill>
-                  <a:schemeClr val="lt1"/>
-                </a:solidFill>
-                <a:latin typeface="나눔바른고딕" charset="0"/>
-                <a:ea typeface="나눔바른고딕" charset="0"/>
-                <a:cs typeface="Verdana" charset="0"/>
-              </a:rPr>
-              <a:t>있는</a:t>
-            </a:r>
-            <a:r>
-              <a:rPr lang="en-US" sz="2200" b="1" dirty="0">
-                <a:solidFill>
-                  <a:schemeClr val="lt1"/>
-                </a:solidFill>
-                <a:latin typeface="나눔바른고딕" charset="0"/>
-                <a:ea typeface="나눔바른고딕" charset="0"/>
-                <a:cs typeface="Verdana" charset="0"/>
-              </a:rPr>
-              <a:t> </a:t>
-            </a:r>
-            <a:r>
-              <a:rPr lang="en-US" sz="2200" b="1" dirty="0" err="1">
-                <a:solidFill>
-                  <a:schemeClr val="lt1"/>
-                </a:solidFill>
-                <a:latin typeface="나눔바른고딕" charset="0"/>
-                <a:ea typeface="나눔바른고딕" charset="0"/>
-                <a:cs typeface="Verdana" charset="0"/>
-              </a:rPr>
-              <a:t>패션</a:t>
-            </a:r>
-            <a:r>
-              <a:rPr lang="en-US" sz="2200" b="1" dirty="0">
-                <a:solidFill>
-                  <a:schemeClr val="lt1"/>
-                </a:solidFill>
-                <a:latin typeface="나눔바른고딕" charset="0"/>
-                <a:ea typeface="나눔바른고딕" charset="0"/>
-                <a:cs typeface="Verdana" charset="0"/>
-              </a:rPr>
-              <a:t> 아이템으로 </a:t>
-            </a:r>
-            <a:r>
-              <a:rPr lang="en-US" sz="2200" b="1" dirty="0" err="1">
-                <a:solidFill>
-                  <a:schemeClr val="lt1"/>
-                </a:solidFill>
-                <a:latin typeface="나눔바른고딕" charset="0"/>
-                <a:ea typeface="나눔바른고딕" charset="0"/>
-                <a:cs typeface="Verdana" charset="0"/>
-              </a:rPr>
-              <a:t>자유로운</a:t>
-            </a:r>
-            <a:r>
-              <a:rPr lang="en-US" sz="2200" b="1" dirty="0">
-                <a:solidFill>
-                  <a:schemeClr val="lt1"/>
-                </a:solidFill>
-                <a:latin typeface="나눔바른고딕" charset="0"/>
-                <a:ea typeface="나눔바른고딕" charset="0"/>
-                <a:cs typeface="Verdana" charset="0"/>
-              </a:rPr>
-              <a:t> </a:t>
-            </a:r>
-            <a:r>
-              <a:rPr lang="en-US" sz="2200" b="1" dirty="0" err="1">
-                <a:solidFill>
-                  <a:schemeClr val="lt1"/>
-                </a:solidFill>
-                <a:latin typeface="나눔바른고딕" charset="0"/>
-                <a:ea typeface="나눔바른고딕" charset="0"/>
-                <a:cs typeface="Verdana" charset="0"/>
-              </a:rPr>
-              <a:t>조합</a:t>
-            </a:r>
-            <a:r>
-              <a:rPr lang="en-US" sz="2200" b="1" dirty="0">
-                <a:solidFill>
-                  <a:schemeClr val="lt1"/>
-                </a:solidFill>
-                <a:latin typeface="나눔바른고딕" charset="0"/>
-                <a:ea typeface="나눔바른고딕" charset="0"/>
-                <a:cs typeface="Verdana" charset="0"/>
-              </a:rPr>
-              <a:t> 가능</a:t>
-            </a:r>
-            <a:endParaRPr lang="ko-KR" altLang="en-US" sz="2200" b="1" dirty="0">
-              <a:solidFill>
-                <a:schemeClr val="lt1"/>
-              </a:solidFill>
-              <a:latin typeface="나눔바른고딕" charset="0"/>
-              <a:ea typeface="나눔바른고딕" charset="0"/>
-              <a:cs typeface="Verdana" charset="0"/>
-            </a:endParaRPr>
-          </a:p>
-        </p:txBody>
-      </p:sp>
-      <p:sp>
-        <p:nvSpPr>
-          <p:cNvPr id="175" name="도형 39"/>
-          <p:cNvSpPr>
-            <a:spLocks/>
-          </p:cNvSpPr>
-          <p:nvPr/>
-        </p:nvSpPr>
-        <p:spPr>
-          <a:xfrm>
-            <a:off x="349250" y="238125"/>
-            <a:ext cx="17622520" cy="9822180"/>
-          </a:xfrm>
-          <a:prstGeom prst="rect">
-            <a:avLst/>
-          </a:prstGeom>
-          <a:noFill/>
-          <a:ln w="57150" cap="flat" cmpd="sng">
-            <a:solidFill>
-              <a:srgbClr val="694680">
-                <a:alpha val="100000"/>
-              </a:srgbClr>
-            </a:solidFill>
-            <a:prstDash val="solid"/>
-            <a:round/>
-          </a:ln>
-        </p:spPr>
-        <p:style>
-          <a:lnRef idx="2">
-            <a:schemeClr val="accent1">
-              <a:shade val="50000"/>
-            </a:schemeClr>
-          </a:lnRef>
-          <a:fillRef idx="1">
-            <a:schemeClr val="accent1"/>
-          </a:fillRef>
-          <a:effectRef idx="0">
-            <a:schemeClr val="accent1"/>
-          </a:effectRef>
-          <a:fontRef idx="minor">
-            <a:schemeClr val="lt1"/>
-          </a:fontRef>
-        </p:style>
-        <p:txBody>
-          <a:bodyPr vert="horz" wrap="square" lIns="91440" tIns="45720" rIns="91440" bIns="45720" numCol="1" anchor="ctr">
-            <a:noAutofit/>
-          </a:bodyPr>
-          <a:lstStyle/>
-          <a:p>
-            <a:pPr marL="0" indent="0" algn="ctr" latinLnBrk="0" hangingPunct="1"/>
-            <a:endParaRPr lang="ko-KR" altLang="en-US" sz="1800">
-              <a:latin typeface="맑은 고딕" charset="0"/>
-              <a:ea typeface="맑은 고딕" charset="0"/>
-            </a:endParaRPr>
-          </a:p>
-        </p:txBody>
-      </p:sp>
       <p:pic>
         <p:nvPicPr>
-          <p:cNvPr id="3" name="그림 2"/>
+          <p:cNvPr id="66" name="그림 65">
+            <a:extLst>
+              <a:ext uri="{FF2B5EF4-FFF2-40B4-BE49-F238E27FC236}">
+                <a16:creationId xmlns:a16="http://schemas.microsoft.com/office/drawing/2014/main" id="{14E91DCD-64D7-4AB1-889A-95B6C508BC15}"/>
+              </a:ext>
+            </a:extLst>
+          </p:cNvPr>
           <p:cNvPicPr>
             <a:picLocks noChangeAspect="1"/>
           </p:cNvPicPr>
@@ -27975,7 +28260,7 @@
         </p:blipFill>
         <p:spPr>
           <a:xfrm>
-            <a:off x="3354705" y="2948940"/>
+            <a:off x="3120350" y="2752751"/>
             <a:ext cx="993775" cy="993775"/>
           </a:xfrm>
           <a:prstGeom prst="rect">
@@ -27984,9 +28269,79 @@
           <a:noFill/>
         </p:spPr>
       </p:pic>
+      <p:sp>
+        <p:nvSpPr>
+          <p:cNvPr id="67" name="Google Shape;154;p16">
+            <a:extLst>
+              <a:ext uri="{FF2B5EF4-FFF2-40B4-BE49-F238E27FC236}">
+                <a16:creationId xmlns:a16="http://schemas.microsoft.com/office/drawing/2014/main" id="{6966A188-3DCF-4B94-AC7F-B92C883193DF}"/>
+              </a:ext>
+            </a:extLst>
+          </p:cNvPr>
+          <p:cNvSpPr txBox="1">
+            <a:spLocks/>
+          </p:cNvSpPr>
+          <p:nvPr/>
+        </p:nvSpPr>
+        <p:spPr>
+          <a:xfrm>
+            <a:off x="5452808" y="3975016"/>
+            <a:ext cx="3704212" cy="647065"/>
+          </a:xfrm>
+          <a:prstGeom prst="rect">
+            <a:avLst/>
+          </a:prstGeom>
+          <a:noFill/>
+          <a:ln w="0">
+            <a:noFill/>
+            <a:prstDash/>
+          </a:ln>
+        </p:spPr>
+        <p:txBody>
+          <a:bodyPr vert="horz" wrap="square" lIns="91440" tIns="45720" rIns="91440" bIns="45720" numCol="1" anchor="ctr">
+            <a:spAutoFit/>
+          </a:bodyPr>
+          <a:lstStyle/>
+          <a:p>
+            <a:pPr marL="0" indent="0" algn="ctr" rtl="0" latinLnBrk="0">
+              <a:spcBef>
+                <a:spcPts val="0"/>
+              </a:spcBef>
+              <a:spcAft>
+                <a:spcPts val="0"/>
+              </a:spcAft>
+              <a:buFontTx/>
+              <a:buNone/>
+            </a:pPr>
+            <a:r>
+              <a:rPr lang="en-US" altLang="ko-KR" sz="3600" b="1" dirty="0">
+                <a:solidFill>
+                  <a:srgbClr val="694680"/>
+                </a:solidFill>
+                <a:latin typeface="나눔바른고딕" charset="0"/>
+                <a:ea typeface="나눔바른고딕" charset="0"/>
+              </a:rPr>
+              <a:t>Feedback</a:t>
+            </a:r>
+            <a:endParaRPr lang="ko-KR" altLang="en-US" sz="3600" b="1" dirty="0">
+              <a:solidFill>
+                <a:srgbClr val="694680"/>
+              </a:solidFill>
+              <a:latin typeface="나눔바른고딕" charset="0"/>
+              <a:ea typeface="나눔바른고딕" charset="0"/>
+            </a:endParaRPr>
+          </a:p>
+        </p:txBody>
+      </p:sp>
       <p:pic>
         <p:nvPicPr>
-          <p:cNvPr id="4" name="그림 3"/>
+          <p:cNvPr id="68" name="그림 67">
+            <a:extLst>
+              <a:ext uri="{FF2B5EF4-FFF2-40B4-BE49-F238E27FC236}">
+                <a16:creationId xmlns:a16="http://schemas.microsoft.com/office/drawing/2014/main" id="{F8C83EB4-1577-4C3D-9AF7-F5D01DFC9DBD}"/>
+              </a:ext>
+            </a:extLst>
+          </p:cNvPr>
           <p:cNvPicPr>
             <a:picLocks noChangeAspect="1"/>
           </p:cNvPicPr>
@@ -28010,7 +28365,7 @@
         </p:blipFill>
         <p:spPr>
           <a:xfrm>
-            <a:off x="8343900" y="2880360"/>
+            <a:off x="6766127" y="2718143"/>
             <a:ext cx="1062990" cy="1062990"/>
           </a:xfrm>
           <a:prstGeom prst="rect">
@@ -28026,9 +28381,79 @@
           </a:effectLst>
         </p:spPr>
       </p:pic>
+      <p:sp>
+        <p:nvSpPr>
+          <p:cNvPr id="69" name="Google Shape;163;p16">
+            <a:extLst>
+              <a:ext uri="{FF2B5EF4-FFF2-40B4-BE49-F238E27FC236}">
+                <a16:creationId xmlns:a16="http://schemas.microsoft.com/office/drawing/2014/main" id="{74A78492-2D50-476C-B0F2-3EEFF7C48E6D}"/>
+              </a:ext>
+            </a:extLst>
+          </p:cNvPr>
+          <p:cNvSpPr txBox="1">
+            <a:spLocks/>
+          </p:cNvSpPr>
+          <p:nvPr/>
+        </p:nvSpPr>
+        <p:spPr>
+          <a:xfrm>
+            <a:off x="9416466" y="4004018"/>
+            <a:ext cx="3144285" cy="646331"/>
+          </a:xfrm>
+          <a:prstGeom prst="rect">
+            <a:avLst/>
+          </a:prstGeom>
+          <a:noFill/>
+          <a:ln w="0">
+            <a:noFill/>
+            <a:prstDash/>
+          </a:ln>
+        </p:spPr>
+        <p:txBody>
+          <a:bodyPr vert="horz" wrap="square" lIns="91440" tIns="45720" rIns="91440" bIns="45720" numCol="1" anchor="ctr">
+            <a:spAutoFit/>
+          </a:bodyPr>
+          <a:lstStyle/>
+          <a:p>
+            <a:pPr marL="0" indent="0" algn="ctr" rtl="0" latinLnBrk="0">
+              <a:spcBef>
+                <a:spcPts val="0"/>
+              </a:spcBef>
+              <a:spcAft>
+                <a:spcPts val="0"/>
+              </a:spcAft>
+              <a:buFontTx/>
+              <a:buNone/>
+            </a:pPr>
+            <a:r>
+              <a:rPr lang="en-US" altLang="ko-KR" sz="3600" b="1" dirty="0">
+                <a:solidFill>
+                  <a:srgbClr val="694680"/>
+                </a:solidFill>
+                <a:latin typeface="나눔바른고딕" charset="0"/>
+                <a:ea typeface="나눔바른고딕" charset="0"/>
+              </a:rPr>
+              <a:t>Coordination</a:t>
+            </a:r>
+            <a:endParaRPr lang="ko-KR" altLang="en-US" sz="3600" b="1" dirty="0">
+              <a:solidFill>
+                <a:srgbClr val="694680"/>
+              </a:solidFill>
+              <a:latin typeface="나눔바른고딕" charset="0"/>
+              <a:ea typeface="나눔바른고딕" charset="0"/>
+            </a:endParaRPr>
+          </a:p>
+        </p:txBody>
+      </p:sp>
       <p:pic>
         <p:nvPicPr>
-          <p:cNvPr id="6" name="그림 5"/>
+          <p:cNvPr id="70" name="그림 69">
+            <a:extLst>
+              <a:ext uri="{FF2B5EF4-FFF2-40B4-BE49-F238E27FC236}">
+                <a16:creationId xmlns:a16="http://schemas.microsoft.com/office/drawing/2014/main" id="{D46484CF-BA59-4F95-9DDC-C5AE50BE6A4A}"/>
+              </a:ext>
+            </a:extLst>
+          </p:cNvPr>
           <p:cNvPicPr>
             <a:picLocks noChangeAspect="1"/>
           </p:cNvPicPr>
@@ -28052,7 +28477,7 @@
         </p:blipFill>
         <p:spPr>
           <a:xfrm>
-            <a:off x="13268960" y="2880360"/>
+            <a:off x="10501625" y="2784818"/>
             <a:ext cx="1000125" cy="996315"/>
           </a:xfrm>
           <a:prstGeom prst="rect">
@@ -28061,7 +28486,1025 @@
           <a:noFill/>
         </p:spPr>
       </p:pic>
+      <p:pic>
+        <p:nvPicPr>
+          <p:cNvPr id="5" name="그림 4">
+            <a:extLst>
+              <a:ext uri="{FF2B5EF4-FFF2-40B4-BE49-F238E27FC236}">
+                <a16:creationId xmlns:a16="http://schemas.microsoft.com/office/drawing/2014/main" id="{16B51700-025E-4715-A45A-18D8C594E8A1}"/>
+              </a:ext>
+            </a:extLst>
+          </p:cNvPr>
+          <p:cNvPicPr>
+            <a:picLocks noChangeAspect="1"/>
+          </p:cNvPicPr>
+          <p:nvPr/>
+        </p:nvPicPr>
+        <p:blipFill>
+          <a:blip r:embed="rId8">
+            <a:duotone>
+              <a:schemeClr val="accent4">
+                <a:shade val="45000"/>
+                <a:satMod val="135000"/>
+              </a:schemeClr>
+              <a:prstClr val="white"/>
+            </a:duotone>
+          </a:blip>
+          <a:stretch>
+            <a:fillRect/>
+          </a:stretch>
+        </p:blipFill>
+        <p:spPr>
+          <a:xfrm>
+            <a:off x="14246528" y="2818468"/>
+            <a:ext cx="1052434" cy="1052434"/>
+          </a:xfrm>
+          <a:prstGeom prst="rect">
+            <a:avLst/>
+          </a:prstGeom>
+          <a:ln w="0">
+            <a:noFill/>
+          </a:ln>
+        </p:spPr>
+      </p:pic>
+      <p:sp>
+        <p:nvSpPr>
+          <p:cNvPr id="73" name="Google Shape;151;p16">
+            <a:extLst>
+              <a:ext uri="{FF2B5EF4-FFF2-40B4-BE49-F238E27FC236}">
+                <a16:creationId xmlns:a16="http://schemas.microsoft.com/office/drawing/2014/main" id="{918BFD27-1E51-4A45-9556-89A159E1E8F8}"/>
+              </a:ext>
+            </a:extLst>
+          </p:cNvPr>
+          <p:cNvSpPr txBox="1">
+            <a:spLocks/>
+          </p:cNvSpPr>
+          <p:nvPr/>
+        </p:nvSpPr>
+        <p:spPr>
+          <a:xfrm>
+            <a:off x="13297523" y="3975015"/>
+            <a:ext cx="2790286" cy="647065"/>
+          </a:xfrm>
+          <a:prstGeom prst="rect">
+            <a:avLst/>
+          </a:prstGeom>
+          <a:noFill/>
+          <a:ln w="0">
+            <a:noFill/>
+            <a:prstDash/>
+          </a:ln>
+        </p:spPr>
+        <p:txBody>
+          <a:bodyPr vert="horz" wrap="square" lIns="91440" tIns="45720" rIns="91440" bIns="45720" numCol="1" anchor="ctr">
+            <a:spAutoFit/>
+          </a:bodyPr>
+          <a:lstStyle/>
+          <a:p>
+            <a:pPr marL="0" indent="0" algn="ctr" rtl="0" latinLnBrk="0">
+              <a:spcBef>
+                <a:spcPts val="0"/>
+              </a:spcBef>
+              <a:spcAft>
+                <a:spcPts val="0"/>
+              </a:spcAft>
+              <a:buFontTx/>
+              <a:buNone/>
+            </a:pPr>
+            <a:r>
+              <a:rPr lang="en-US" altLang="ko-KR" sz="3600" b="1" dirty="0">
+                <a:solidFill>
+                  <a:srgbClr val="694680"/>
+                </a:solidFill>
+                <a:latin typeface="나눔바른고딕" charset="0"/>
+                <a:ea typeface="나눔바른고딕" charset="0"/>
+              </a:rPr>
+              <a:t>Search</a:t>
+            </a:r>
+            <a:endParaRPr lang="ko-KR" altLang="en-US" sz="3600" b="1" dirty="0">
+              <a:solidFill>
+                <a:srgbClr val="694680"/>
+              </a:solidFill>
+              <a:latin typeface="나눔바른고딕" charset="0"/>
+              <a:ea typeface="나눔바른고딕" charset="0"/>
+            </a:endParaRPr>
+          </a:p>
+        </p:txBody>
+      </p:sp>
+      <p:sp>
+        <p:nvSpPr>
+          <p:cNvPr id="74" name="Google Shape;153;p16">
+            <a:extLst>
+              <a:ext uri="{FF2B5EF4-FFF2-40B4-BE49-F238E27FC236}">
+                <a16:creationId xmlns:a16="http://schemas.microsoft.com/office/drawing/2014/main" id="{334B099C-C662-4083-88AB-54A495FEC634}"/>
+              </a:ext>
+            </a:extLst>
+          </p:cNvPr>
+          <p:cNvSpPr txBox="1">
+            <a:spLocks/>
+          </p:cNvSpPr>
+          <p:nvPr/>
+        </p:nvSpPr>
+        <p:spPr>
+          <a:xfrm>
+            <a:off x="2166422" y="6090508"/>
+            <a:ext cx="2845959" cy="769441"/>
+          </a:xfrm>
+          <a:prstGeom prst="rect">
+            <a:avLst/>
+          </a:prstGeom>
+          <a:noFill/>
+          <a:ln w="0">
+            <a:noFill/>
+            <a:prstDash/>
+          </a:ln>
+        </p:spPr>
+        <p:txBody>
+          <a:bodyPr vert="horz" wrap="square" lIns="91440" tIns="45720" rIns="91440" bIns="45720" numCol="1" anchor="ctr">
+            <a:spAutoFit/>
+          </a:bodyPr>
+          <a:lstStyle/>
+          <a:p>
+            <a:pPr marL="457200" indent="-361950" algn="l" rtl="0" latinLnBrk="0">
+              <a:spcBef>
+                <a:spcPts val="0"/>
+              </a:spcBef>
+              <a:spcAft>
+                <a:spcPts val="0"/>
+              </a:spcAft>
+              <a:buClr>
+                <a:schemeClr val="bg1"/>
+              </a:buClr>
+              <a:buFont typeface="Verdana"/>
+              <a:buChar char="●"/>
+            </a:pPr>
+            <a:r>
+              <a:rPr lang="en-US" sz="2200" b="1" dirty="0" err="1">
+                <a:solidFill>
+                  <a:schemeClr val="lt1"/>
+                </a:solidFill>
+                <a:latin typeface="나눔바른고딕" charset="0"/>
+                <a:ea typeface="나눔바른고딕" charset="0"/>
+                <a:cs typeface="Verdana" charset="0"/>
+              </a:rPr>
+              <a:t>그날의</a:t>
+            </a:r>
+            <a:r>
+              <a:rPr lang="en-US" sz="2200" b="1" dirty="0">
+                <a:solidFill>
+                  <a:schemeClr val="lt1"/>
+                </a:solidFill>
+                <a:latin typeface="나눔바른고딕" charset="0"/>
+                <a:ea typeface="나눔바른고딕" charset="0"/>
+                <a:cs typeface="Verdana" charset="0"/>
+              </a:rPr>
+              <a:t> </a:t>
+            </a:r>
+            <a:r>
+              <a:rPr lang="en-US" sz="2200" b="1" dirty="0" err="1">
+                <a:solidFill>
+                  <a:schemeClr val="lt1"/>
+                </a:solidFill>
+                <a:latin typeface="나눔바른고딕" charset="0"/>
+                <a:ea typeface="나눔바른고딕" charset="0"/>
+                <a:cs typeface="Verdana" charset="0"/>
+              </a:rPr>
+              <a:t>착장을</a:t>
+            </a:r>
+            <a:endParaRPr lang="en-US" sz="2200" b="1" dirty="0">
+              <a:solidFill>
+                <a:schemeClr val="lt1"/>
+              </a:solidFill>
+              <a:latin typeface="나눔바른고딕" charset="0"/>
+              <a:ea typeface="나눔바른고딕" charset="0"/>
+              <a:cs typeface="Verdana" charset="0"/>
+            </a:endParaRPr>
+          </a:p>
+          <a:p>
+            <a:pPr marL="95250" algn="l" rtl="0" latinLnBrk="0">
+              <a:spcBef>
+                <a:spcPts val="0"/>
+              </a:spcBef>
+              <a:spcAft>
+                <a:spcPts val="0"/>
+              </a:spcAft>
+              <a:buClr>
+                <a:schemeClr val="bg1"/>
+              </a:buClr>
+            </a:pPr>
+            <a:r>
+              <a:rPr lang="en-US" sz="2200" b="1" dirty="0">
+                <a:solidFill>
+                  <a:schemeClr val="lt1"/>
+                </a:solidFill>
+                <a:latin typeface="나눔바른고딕" charset="0"/>
+                <a:ea typeface="나눔바른고딕" charset="0"/>
+                <a:cs typeface="Verdana" charset="0"/>
+              </a:rPr>
+              <a:t>      </a:t>
+            </a:r>
+            <a:r>
+              <a:rPr lang="en-US" sz="2200" b="1" dirty="0" err="1">
+                <a:solidFill>
+                  <a:schemeClr val="lt1"/>
+                </a:solidFill>
+                <a:latin typeface="나눔바른고딕" charset="0"/>
+                <a:ea typeface="나눔바른고딕" charset="0"/>
+                <a:cs typeface="Verdana" charset="0"/>
+              </a:rPr>
+              <a:t>일별로</a:t>
+            </a:r>
+            <a:r>
+              <a:rPr lang="en-US" sz="2200" b="1" dirty="0">
+                <a:solidFill>
+                  <a:schemeClr val="lt1"/>
+                </a:solidFill>
+                <a:latin typeface="나눔바른고딕" charset="0"/>
+                <a:ea typeface="나눔바른고딕" charset="0"/>
+                <a:cs typeface="Verdana" charset="0"/>
+              </a:rPr>
+              <a:t> </a:t>
+            </a:r>
+            <a:r>
+              <a:rPr lang="en-US" sz="2200" b="1" dirty="0" err="1">
+                <a:solidFill>
+                  <a:schemeClr val="lt1"/>
+                </a:solidFill>
+                <a:latin typeface="나눔바른고딕" charset="0"/>
+                <a:ea typeface="나눔바른고딕" charset="0"/>
+                <a:cs typeface="Verdana" charset="0"/>
+              </a:rPr>
+              <a:t>편하게</a:t>
+            </a:r>
+            <a:r>
+              <a:rPr lang="en-US" sz="2200" b="1" dirty="0">
+                <a:solidFill>
+                  <a:schemeClr val="lt1"/>
+                </a:solidFill>
+                <a:latin typeface="나눔바른고딕" charset="0"/>
+                <a:ea typeface="나눔바른고딕" charset="0"/>
+                <a:cs typeface="Verdana" charset="0"/>
+              </a:rPr>
+              <a:t> 관리</a:t>
+            </a:r>
+            <a:endParaRPr lang="ko-KR" altLang="en-US" sz="2200" b="1" dirty="0">
+              <a:solidFill>
+                <a:schemeClr val="lt1"/>
+              </a:solidFill>
+              <a:latin typeface="나눔바른고딕" charset="0"/>
+              <a:ea typeface="나눔바른고딕" charset="0"/>
+              <a:cs typeface="Verdana" charset="0"/>
+            </a:endParaRPr>
+          </a:p>
+        </p:txBody>
+      </p:sp>
+      <p:sp>
+        <p:nvSpPr>
+          <p:cNvPr id="75" name="Google Shape;155;p16">
+            <a:extLst>
+              <a:ext uri="{FF2B5EF4-FFF2-40B4-BE49-F238E27FC236}">
+                <a16:creationId xmlns:a16="http://schemas.microsoft.com/office/drawing/2014/main" id="{41DB7DFA-E7C8-4F67-98D5-7AFE85A369C7}"/>
+              </a:ext>
+            </a:extLst>
+          </p:cNvPr>
+          <p:cNvSpPr txBox="1">
+            <a:spLocks/>
+          </p:cNvSpPr>
+          <p:nvPr/>
+        </p:nvSpPr>
+        <p:spPr>
+          <a:xfrm>
+            <a:off x="5834069" y="6090508"/>
+            <a:ext cx="2915413" cy="1446550"/>
+          </a:xfrm>
+          <a:prstGeom prst="rect">
+            <a:avLst/>
+          </a:prstGeom>
+          <a:noFill/>
+          <a:ln w="0">
+            <a:noFill/>
+            <a:prstDash/>
+          </a:ln>
+        </p:spPr>
+        <p:txBody>
+          <a:bodyPr vert="horz" wrap="square" lIns="91440" tIns="45720" rIns="91440" bIns="45720" numCol="1" anchor="ctr">
+            <a:spAutoFit/>
+          </a:bodyPr>
+          <a:lstStyle/>
+          <a:p>
+            <a:pPr marL="457200" indent="-361950" algn="l" rtl="0" latinLnBrk="0">
+              <a:spcBef>
+                <a:spcPts val="0"/>
+              </a:spcBef>
+              <a:spcAft>
+                <a:spcPts val="0"/>
+              </a:spcAft>
+              <a:buClr>
+                <a:schemeClr val="bg1"/>
+              </a:buClr>
+              <a:buFont typeface="Verdana"/>
+              <a:buChar char="●"/>
+            </a:pPr>
+            <a:r>
+              <a:rPr lang="en-US" sz="2200" b="1" dirty="0" err="1">
+                <a:solidFill>
+                  <a:schemeClr val="lt1"/>
+                </a:solidFill>
+                <a:latin typeface="나눔바른고딕" charset="0"/>
+                <a:ea typeface="나눔바른고딕" charset="0"/>
+                <a:cs typeface="Verdana" charset="0"/>
+              </a:rPr>
+              <a:t>자신의</a:t>
+            </a:r>
+            <a:r>
+              <a:rPr lang="en-US" sz="2200" b="1" dirty="0">
+                <a:solidFill>
+                  <a:schemeClr val="lt1"/>
+                </a:solidFill>
+                <a:latin typeface="나눔바른고딕" charset="0"/>
+                <a:ea typeface="나눔바른고딕" charset="0"/>
+                <a:cs typeface="Verdana" charset="0"/>
+              </a:rPr>
+              <a:t> </a:t>
+            </a:r>
+            <a:r>
+              <a:rPr lang="en-US" sz="2200" b="1" dirty="0" err="1">
+                <a:solidFill>
+                  <a:schemeClr val="lt1"/>
+                </a:solidFill>
+                <a:latin typeface="나눔바른고딕" charset="0"/>
+                <a:ea typeface="나눔바른고딕" charset="0"/>
+                <a:cs typeface="Verdana" charset="0"/>
+              </a:rPr>
+              <a:t>데일리룩</a:t>
+            </a:r>
+            <a:endParaRPr lang="en-US" sz="2200" b="1" dirty="0">
+              <a:solidFill>
+                <a:schemeClr val="lt1"/>
+              </a:solidFill>
+              <a:latin typeface="나눔바른고딕" charset="0"/>
+              <a:ea typeface="나눔바른고딕" charset="0"/>
+              <a:cs typeface="Verdana" charset="0"/>
+            </a:endParaRPr>
+          </a:p>
+          <a:p>
+            <a:pPr marL="95250" algn="l" rtl="0" latinLnBrk="0">
+              <a:spcBef>
+                <a:spcPts val="0"/>
+              </a:spcBef>
+              <a:spcAft>
+                <a:spcPts val="0"/>
+              </a:spcAft>
+              <a:buClr>
+                <a:schemeClr val="bg1"/>
+              </a:buClr>
+            </a:pPr>
+            <a:r>
+              <a:rPr lang="en-US" sz="2200" b="1" dirty="0">
+                <a:solidFill>
+                  <a:schemeClr val="lt1"/>
+                </a:solidFill>
+                <a:latin typeface="나눔바른고딕" charset="0"/>
+                <a:ea typeface="나눔바른고딕" charset="0"/>
+                <a:cs typeface="Verdana" charset="0"/>
+              </a:rPr>
+              <a:t>      </a:t>
+            </a:r>
+            <a:r>
+              <a:rPr lang="ko-KR" altLang="en-US" sz="2200" b="1" dirty="0">
+                <a:solidFill>
+                  <a:schemeClr val="lt1"/>
+                </a:solidFill>
+                <a:latin typeface="나눔바른고딕" charset="0"/>
+                <a:ea typeface="나눔바른고딕" charset="0"/>
+                <a:cs typeface="Verdana" charset="0"/>
+              </a:rPr>
+              <a:t>피드백을</a:t>
+            </a:r>
+            <a:r>
+              <a:rPr lang="en-US" sz="2200" b="1" dirty="0">
+                <a:solidFill>
+                  <a:schemeClr val="lt1"/>
+                </a:solidFill>
+                <a:latin typeface="나눔바른고딕" charset="0"/>
+                <a:ea typeface="나눔바른고딕" charset="0"/>
+                <a:cs typeface="Verdana" charset="0"/>
+              </a:rPr>
+              <a:t> </a:t>
+            </a:r>
+            <a:r>
+              <a:rPr lang="en-US" sz="2200" b="1" dirty="0" err="1">
+                <a:solidFill>
+                  <a:schemeClr val="lt1"/>
+                </a:solidFill>
+                <a:latin typeface="나눔바른고딕" charset="0"/>
+                <a:ea typeface="나눔바른고딕" charset="0"/>
+                <a:cs typeface="Verdana" charset="0"/>
+              </a:rPr>
+              <a:t>통해</a:t>
+            </a:r>
+            <a:endParaRPr lang="en-US" sz="2200" b="1" dirty="0">
+              <a:solidFill>
+                <a:schemeClr val="lt1"/>
+              </a:solidFill>
+              <a:latin typeface="나눔바른고딕" charset="0"/>
+              <a:ea typeface="나눔바른고딕" charset="0"/>
+              <a:cs typeface="Verdana" charset="0"/>
+            </a:endParaRPr>
+          </a:p>
+          <a:p>
+            <a:pPr marL="95250" algn="l" rtl="0" latinLnBrk="0">
+              <a:spcBef>
+                <a:spcPts val="0"/>
+              </a:spcBef>
+              <a:spcAft>
+                <a:spcPts val="0"/>
+              </a:spcAft>
+              <a:buClr>
+                <a:schemeClr val="bg1"/>
+              </a:buClr>
+            </a:pPr>
+            <a:r>
+              <a:rPr lang="en-US" sz="2200" b="1" dirty="0">
+                <a:solidFill>
+                  <a:schemeClr val="lt1"/>
+                </a:solidFill>
+                <a:latin typeface="나눔바른고딕" charset="0"/>
+                <a:ea typeface="나눔바른고딕" charset="0"/>
+                <a:cs typeface="Verdana" charset="0"/>
+              </a:rPr>
+              <a:t>      </a:t>
+            </a:r>
+            <a:r>
+              <a:rPr lang="en-US" sz="2200" b="1" dirty="0" err="1">
+                <a:solidFill>
+                  <a:schemeClr val="lt1"/>
+                </a:solidFill>
+                <a:latin typeface="나눔바른고딕" charset="0"/>
+                <a:ea typeface="나눔바른고딕" charset="0"/>
+                <a:cs typeface="Verdana" charset="0"/>
+              </a:rPr>
+              <a:t>객관적인</a:t>
+            </a:r>
+            <a:r>
+              <a:rPr lang="en-US" sz="2200" b="1" dirty="0">
+                <a:solidFill>
+                  <a:schemeClr val="lt1"/>
+                </a:solidFill>
+                <a:latin typeface="나눔바른고딕" charset="0"/>
+                <a:ea typeface="나눔바른고딕" charset="0"/>
+                <a:cs typeface="Verdana" charset="0"/>
+              </a:rPr>
+              <a:t>  </a:t>
+            </a:r>
+            <a:r>
+              <a:rPr lang="en-US" sz="2200" b="1" dirty="0" err="1">
+                <a:solidFill>
+                  <a:schemeClr val="lt1"/>
+                </a:solidFill>
+                <a:latin typeface="나눔바른고딕" charset="0"/>
+                <a:ea typeface="나눔바른고딕" charset="0"/>
+                <a:cs typeface="Verdana" charset="0"/>
+              </a:rPr>
+              <a:t>패션</a:t>
+            </a:r>
+            <a:r>
+              <a:rPr lang="en-US" sz="2200" b="1" dirty="0">
+                <a:solidFill>
+                  <a:schemeClr val="lt1"/>
+                </a:solidFill>
+                <a:latin typeface="나눔바른고딕" charset="0"/>
+                <a:ea typeface="나눔바른고딕" charset="0"/>
+                <a:cs typeface="Verdana" charset="0"/>
+              </a:rPr>
+              <a:t> 센</a:t>
+            </a:r>
+            <a:r>
+              <a:rPr lang="ko-KR" altLang="en-US" sz="2200" b="1" dirty="0" err="1">
+                <a:solidFill>
+                  <a:schemeClr val="lt1"/>
+                </a:solidFill>
+                <a:latin typeface="나눔바른고딕" charset="0"/>
+                <a:ea typeface="나눔바른고딕" charset="0"/>
+                <a:cs typeface="Verdana" charset="0"/>
+              </a:rPr>
+              <a:t>스</a:t>
+            </a:r>
+            <a:endParaRPr lang="en-US" altLang="ko-KR" sz="2200" b="1" dirty="0">
+              <a:solidFill>
+                <a:schemeClr val="lt1"/>
+              </a:solidFill>
+              <a:latin typeface="나눔바른고딕" charset="0"/>
+              <a:ea typeface="나눔바른고딕" charset="0"/>
+              <a:cs typeface="Verdana" charset="0"/>
+            </a:endParaRPr>
+          </a:p>
+          <a:p>
+            <a:pPr marL="95250" algn="l" rtl="0" latinLnBrk="0">
+              <a:spcBef>
+                <a:spcPts val="0"/>
+              </a:spcBef>
+              <a:spcAft>
+                <a:spcPts val="0"/>
+              </a:spcAft>
+              <a:buClr>
+                <a:schemeClr val="bg1"/>
+              </a:buClr>
+            </a:pPr>
+            <a:r>
+              <a:rPr lang="en-US" sz="2200" b="1" dirty="0">
+                <a:solidFill>
+                  <a:schemeClr val="lt1"/>
+                </a:solidFill>
+                <a:latin typeface="나눔바른고딕" charset="0"/>
+                <a:ea typeface="나눔바른고딕" charset="0"/>
+                <a:cs typeface="Verdana" charset="0"/>
+              </a:rPr>
+              <a:t>      </a:t>
+            </a:r>
+            <a:r>
+              <a:rPr lang="en-US" sz="2200" b="1" dirty="0" err="1">
+                <a:solidFill>
+                  <a:schemeClr val="lt1"/>
+                </a:solidFill>
+                <a:latin typeface="나눔바른고딕" charset="0"/>
+                <a:ea typeface="나눔바른고딕" charset="0"/>
+                <a:cs typeface="Verdana" charset="0"/>
+              </a:rPr>
+              <a:t>확인</a:t>
+            </a:r>
+            <a:endParaRPr lang="ko-KR" altLang="en-US" sz="2200" b="1" dirty="0">
+              <a:solidFill>
+                <a:schemeClr val="lt1"/>
+              </a:solidFill>
+              <a:latin typeface="나눔바른고딕" charset="0"/>
+              <a:ea typeface="나눔바른고딕" charset="0"/>
+              <a:cs typeface="Verdana" charset="0"/>
+            </a:endParaRPr>
+          </a:p>
+        </p:txBody>
+      </p:sp>
+      <p:sp>
+        <p:nvSpPr>
+          <p:cNvPr id="76" name="Google Shape;165;p16">
+            <a:extLst>
+              <a:ext uri="{FF2B5EF4-FFF2-40B4-BE49-F238E27FC236}">
+                <a16:creationId xmlns:a16="http://schemas.microsoft.com/office/drawing/2014/main" id="{1C17BA46-7BA0-4639-B611-6BFDEE0C588A}"/>
+              </a:ext>
+            </a:extLst>
+          </p:cNvPr>
+          <p:cNvSpPr txBox="1">
+            <a:spLocks/>
+          </p:cNvSpPr>
+          <p:nvPr/>
+        </p:nvSpPr>
+        <p:spPr>
+          <a:xfrm>
+            <a:off x="9527515" y="6090508"/>
+            <a:ext cx="2935257" cy="1108075"/>
+          </a:xfrm>
+          <a:prstGeom prst="rect">
+            <a:avLst/>
+          </a:prstGeom>
+          <a:noFill/>
+          <a:ln w="0">
+            <a:noFill/>
+            <a:prstDash/>
+          </a:ln>
+        </p:spPr>
+        <p:txBody>
+          <a:bodyPr vert="horz" wrap="square" lIns="91440" tIns="45720" rIns="91440" bIns="45720" numCol="1" anchor="ctr">
+            <a:spAutoFit/>
+          </a:bodyPr>
+          <a:lstStyle/>
+          <a:p>
+            <a:pPr marL="457200" indent="-361950" algn="l" rtl="0" latinLnBrk="0">
+              <a:spcBef>
+                <a:spcPts val="0"/>
+              </a:spcBef>
+              <a:spcAft>
+                <a:spcPts val="0"/>
+              </a:spcAft>
+              <a:buClr>
+                <a:schemeClr val="bg1"/>
+              </a:buClr>
+              <a:buFont typeface="Verdana"/>
+              <a:buChar char="●"/>
+            </a:pPr>
+            <a:r>
+              <a:rPr lang="en-US" sz="2200" b="1" dirty="0" err="1">
+                <a:solidFill>
+                  <a:schemeClr val="lt1"/>
+                </a:solidFill>
+                <a:latin typeface="나눔바른고딕" charset="0"/>
+                <a:ea typeface="나눔바른고딕" charset="0"/>
+                <a:cs typeface="Verdana" charset="0"/>
+              </a:rPr>
+              <a:t>내가</a:t>
+            </a:r>
+            <a:r>
+              <a:rPr lang="en-US" sz="2200" b="1" dirty="0">
+                <a:solidFill>
+                  <a:schemeClr val="lt1"/>
+                </a:solidFill>
+                <a:latin typeface="나눔바른고딕" charset="0"/>
+                <a:ea typeface="나눔바른고딕" charset="0"/>
+                <a:cs typeface="Verdana" charset="0"/>
+              </a:rPr>
+              <a:t> </a:t>
+            </a:r>
+            <a:r>
+              <a:rPr lang="en-US" sz="2200" b="1" dirty="0" err="1">
+                <a:solidFill>
+                  <a:schemeClr val="lt1"/>
+                </a:solidFill>
+                <a:latin typeface="나눔바른고딕" charset="0"/>
+                <a:ea typeface="나눔바른고딕" charset="0"/>
+                <a:cs typeface="Verdana" charset="0"/>
+              </a:rPr>
+              <a:t>가지고</a:t>
+            </a:r>
+            <a:r>
+              <a:rPr lang="en-US" sz="2200" b="1" dirty="0">
+                <a:solidFill>
+                  <a:schemeClr val="lt1"/>
+                </a:solidFill>
+                <a:latin typeface="나눔바른고딕" charset="0"/>
+                <a:ea typeface="나눔바른고딕" charset="0"/>
+                <a:cs typeface="Verdana" charset="0"/>
+              </a:rPr>
+              <a:t> </a:t>
+            </a:r>
+            <a:r>
+              <a:rPr lang="en-US" sz="2200" b="1" dirty="0" err="1">
+                <a:solidFill>
+                  <a:schemeClr val="lt1"/>
+                </a:solidFill>
+                <a:latin typeface="나눔바른고딕" charset="0"/>
+                <a:ea typeface="나눔바른고딕" charset="0"/>
+                <a:cs typeface="Verdana" charset="0"/>
+              </a:rPr>
+              <a:t>있는</a:t>
+            </a:r>
+            <a:endParaRPr lang="en-US" sz="2200" b="1" dirty="0">
+              <a:solidFill>
+                <a:schemeClr val="lt1"/>
+              </a:solidFill>
+              <a:latin typeface="나눔바른고딕" charset="0"/>
+              <a:ea typeface="나눔바른고딕" charset="0"/>
+              <a:cs typeface="Verdana" charset="0"/>
+            </a:endParaRPr>
+          </a:p>
+          <a:p>
+            <a:pPr marL="95250" algn="l" rtl="0" latinLnBrk="0">
+              <a:spcBef>
+                <a:spcPts val="0"/>
+              </a:spcBef>
+              <a:spcAft>
+                <a:spcPts val="0"/>
+              </a:spcAft>
+              <a:buClr>
+                <a:schemeClr val="bg1"/>
+              </a:buClr>
+            </a:pPr>
+            <a:r>
+              <a:rPr lang="en-US" sz="2200" b="1" dirty="0">
+                <a:solidFill>
+                  <a:schemeClr val="lt1"/>
+                </a:solidFill>
+                <a:latin typeface="나눔바른고딕" charset="0"/>
+                <a:ea typeface="나눔바른고딕" charset="0"/>
+                <a:cs typeface="Verdana" charset="0"/>
+              </a:rPr>
+              <a:t>      </a:t>
+            </a:r>
+            <a:r>
+              <a:rPr lang="en-US" sz="2200" b="1" dirty="0" err="1">
+                <a:solidFill>
+                  <a:schemeClr val="lt1"/>
+                </a:solidFill>
+                <a:latin typeface="나눔바른고딕" charset="0"/>
+                <a:ea typeface="나눔바른고딕" charset="0"/>
+                <a:cs typeface="Verdana" charset="0"/>
+              </a:rPr>
+              <a:t>패션</a:t>
+            </a:r>
+            <a:r>
+              <a:rPr lang="en-US" sz="2200" b="1" dirty="0">
+                <a:solidFill>
+                  <a:schemeClr val="lt1"/>
+                </a:solidFill>
+                <a:latin typeface="나눔바른고딕" charset="0"/>
+                <a:ea typeface="나눔바른고딕" charset="0"/>
+                <a:cs typeface="Verdana" charset="0"/>
+              </a:rPr>
+              <a:t> </a:t>
+            </a:r>
+            <a:r>
+              <a:rPr lang="en-US" sz="2200" b="1" dirty="0" err="1">
+                <a:solidFill>
+                  <a:schemeClr val="lt1"/>
+                </a:solidFill>
+                <a:latin typeface="나눔바른고딕" charset="0"/>
+                <a:ea typeface="나눔바른고딕" charset="0"/>
+                <a:cs typeface="Verdana" charset="0"/>
+              </a:rPr>
+              <a:t>아이템으로</a:t>
+            </a:r>
+            <a:endParaRPr lang="en-US" sz="2200" b="1" dirty="0">
+              <a:solidFill>
+                <a:schemeClr val="lt1"/>
+              </a:solidFill>
+              <a:latin typeface="나눔바른고딕" charset="0"/>
+              <a:ea typeface="나눔바른고딕" charset="0"/>
+              <a:cs typeface="Verdana" charset="0"/>
+            </a:endParaRPr>
+          </a:p>
+          <a:p>
+            <a:pPr marL="95250" algn="l" rtl="0" latinLnBrk="0">
+              <a:spcBef>
+                <a:spcPts val="0"/>
+              </a:spcBef>
+              <a:spcAft>
+                <a:spcPts val="0"/>
+              </a:spcAft>
+              <a:buClr>
+                <a:schemeClr val="bg1"/>
+              </a:buClr>
+            </a:pPr>
+            <a:r>
+              <a:rPr lang="en-US" sz="2200" b="1" dirty="0">
+                <a:solidFill>
+                  <a:schemeClr val="lt1"/>
+                </a:solidFill>
+                <a:latin typeface="나눔바른고딕" charset="0"/>
+                <a:ea typeface="나눔바른고딕" charset="0"/>
+                <a:cs typeface="Verdana" charset="0"/>
+              </a:rPr>
+              <a:t>      </a:t>
+            </a:r>
+            <a:r>
+              <a:rPr lang="en-US" sz="2200" b="1" dirty="0" err="1">
+                <a:solidFill>
+                  <a:schemeClr val="lt1"/>
+                </a:solidFill>
+                <a:latin typeface="나눔바른고딕" charset="0"/>
+                <a:ea typeface="나눔바른고딕" charset="0"/>
+                <a:cs typeface="Verdana" charset="0"/>
+              </a:rPr>
+              <a:t>자유로운</a:t>
+            </a:r>
+            <a:r>
+              <a:rPr lang="en-US" sz="2200" b="1" dirty="0">
+                <a:solidFill>
+                  <a:schemeClr val="lt1"/>
+                </a:solidFill>
+                <a:latin typeface="나눔바른고딕" charset="0"/>
+                <a:ea typeface="나눔바른고딕" charset="0"/>
+                <a:cs typeface="Verdana" charset="0"/>
+              </a:rPr>
+              <a:t> </a:t>
+            </a:r>
+            <a:r>
+              <a:rPr lang="en-US" sz="2200" b="1" dirty="0" err="1">
+                <a:solidFill>
+                  <a:schemeClr val="lt1"/>
+                </a:solidFill>
+                <a:latin typeface="나눔바른고딕" charset="0"/>
+                <a:ea typeface="나눔바른고딕" charset="0"/>
+                <a:cs typeface="Verdana" charset="0"/>
+              </a:rPr>
+              <a:t>조합</a:t>
+            </a:r>
+            <a:r>
+              <a:rPr lang="en-US" sz="2200" b="1" dirty="0">
+                <a:solidFill>
+                  <a:schemeClr val="lt1"/>
+                </a:solidFill>
+                <a:latin typeface="나눔바른고딕" charset="0"/>
+                <a:ea typeface="나눔바른고딕" charset="0"/>
+                <a:cs typeface="Verdana" charset="0"/>
+              </a:rPr>
+              <a:t> 가능</a:t>
+            </a:r>
+            <a:endParaRPr lang="ko-KR" altLang="en-US" sz="2200" b="1" dirty="0">
+              <a:solidFill>
+                <a:schemeClr val="lt1"/>
+              </a:solidFill>
+              <a:latin typeface="나눔바른고딕" charset="0"/>
+              <a:ea typeface="나눔바른고딕" charset="0"/>
+              <a:cs typeface="Verdana" charset="0"/>
+            </a:endParaRPr>
+          </a:p>
+        </p:txBody>
+      </p:sp>
+      <p:sp>
+        <p:nvSpPr>
+          <p:cNvPr id="77" name="Google Shape;165;p16">
+            <a:extLst>
+              <a:ext uri="{FF2B5EF4-FFF2-40B4-BE49-F238E27FC236}">
+                <a16:creationId xmlns:a16="http://schemas.microsoft.com/office/drawing/2014/main" id="{00E788BF-9426-44D8-91B1-E221A96A9933}"/>
+              </a:ext>
+            </a:extLst>
+          </p:cNvPr>
+          <p:cNvSpPr txBox="1">
+            <a:spLocks/>
+          </p:cNvSpPr>
+          <p:nvPr/>
+        </p:nvSpPr>
+        <p:spPr>
+          <a:xfrm>
+            <a:off x="13225037" y="6090508"/>
+            <a:ext cx="2935257" cy="1446550"/>
+          </a:xfrm>
+          <a:prstGeom prst="rect">
+            <a:avLst/>
+          </a:prstGeom>
+          <a:noFill/>
+          <a:ln w="0">
+            <a:noFill/>
+            <a:prstDash/>
+          </a:ln>
+        </p:spPr>
+        <p:txBody>
+          <a:bodyPr vert="horz" wrap="square" lIns="91440" tIns="45720" rIns="91440" bIns="45720" numCol="1" anchor="ctr">
+            <a:spAutoFit/>
+          </a:bodyPr>
+          <a:lstStyle/>
+          <a:p>
+            <a:pPr marL="457200" indent="-361950" algn="l" rtl="0" latinLnBrk="0">
+              <a:spcBef>
+                <a:spcPts val="0"/>
+              </a:spcBef>
+              <a:spcAft>
+                <a:spcPts val="0"/>
+              </a:spcAft>
+              <a:buClr>
+                <a:schemeClr val="bg1"/>
+              </a:buClr>
+              <a:buFont typeface="Verdana"/>
+              <a:buChar char="●"/>
+            </a:pPr>
+            <a:r>
+              <a:rPr lang="ko-KR" altLang="en-US" sz="2200" b="1" dirty="0">
+                <a:solidFill>
+                  <a:schemeClr val="lt1"/>
+                </a:solidFill>
+                <a:latin typeface="나눔바른고딕" charset="0"/>
+                <a:ea typeface="나눔바른고딕" charset="0"/>
+                <a:cs typeface="Verdana" charset="0"/>
+              </a:rPr>
+              <a:t>검색을 통해</a:t>
+            </a:r>
+            <a:endParaRPr lang="en-US" altLang="ko-KR" sz="2200" b="1" dirty="0">
+              <a:solidFill>
+                <a:schemeClr val="lt1"/>
+              </a:solidFill>
+              <a:latin typeface="나눔바른고딕" charset="0"/>
+              <a:ea typeface="나눔바른고딕" charset="0"/>
+              <a:cs typeface="Verdana" charset="0"/>
+            </a:endParaRPr>
+          </a:p>
+          <a:p>
+            <a:pPr marL="95250" algn="l" rtl="0" latinLnBrk="0">
+              <a:spcBef>
+                <a:spcPts val="0"/>
+              </a:spcBef>
+              <a:spcAft>
+                <a:spcPts val="0"/>
+              </a:spcAft>
+              <a:buClr>
+                <a:schemeClr val="bg1"/>
+              </a:buClr>
+            </a:pPr>
+            <a:r>
+              <a:rPr lang="en-US" altLang="ko-KR" sz="2200" b="1" dirty="0">
+                <a:solidFill>
+                  <a:schemeClr val="lt1"/>
+                </a:solidFill>
+                <a:latin typeface="나눔바른고딕" charset="0"/>
+                <a:ea typeface="나눔바른고딕" charset="0"/>
+                <a:cs typeface="Verdana" charset="0"/>
+              </a:rPr>
+              <a:t>      </a:t>
+            </a:r>
+            <a:r>
+              <a:rPr lang="ko-KR" altLang="en-US" sz="2200" b="1" dirty="0">
+                <a:solidFill>
+                  <a:schemeClr val="lt1"/>
+                </a:solidFill>
+                <a:latin typeface="나눔바른고딕" charset="0"/>
+                <a:ea typeface="나눔바른고딕" charset="0"/>
+                <a:cs typeface="Verdana" charset="0"/>
+              </a:rPr>
+              <a:t>타인의 </a:t>
+            </a:r>
+            <a:r>
+              <a:rPr lang="ko-KR" altLang="en-US" sz="2200" b="1" dirty="0" err="1">
+                <a:solidFill>
+                  <a:schemeClr val="lt1"/>
+                </a:solidFill>
+                <a:latin typeface="나눔바른고딕" charset="0"/>
+                <a:ea typeface="나눔바른고딕" charset="0"/>
+                <a:cs typeface="Verdana" charset="0"/>
+              </a:rPr>
+              <a:t>데일리룩을</a:t>
+            </a:r>
+            <a:endParaRPr lang="en-US" altLang="ko-KR" sz="2200" b="1" dirty="0">
+              <a:solidFill>
+                <a:schemeClr val="lt1"/>
+              </a:solidFill>
+              <a:latin typeface="나눔바른고딕" charset="0"/>
+              <a:ea typeface="나눔바른고딕" charset="0"/>
+              <a:cs typeface="Verdana" charset="0"/>
+            </a:endParaRPr>
+          </a:p>
+          <a:p>
+            <a:pPr marL="95250" algn="l" rtl="0" latinLnBrk="0">
+              <a:spcBef>
+                <a:spcPts val="0"/>
+              </a:spcBef>
+              <a:spcAft>
+                <a:spcPts val="0"/>
+              </a:spcAft>
+              <a:buClr>
+                <a:schemeClr val="bg1"/>
+              </a:buClr>
+            </a:pPr>
+            <a:r>
+              <a:rPr lang="en-US" altLang="ko-KR" sz="2200" b="1" dirty="0">
+                <a:solidFill>
+                  <a:schemeClr val="lt1"/>
+                </a:solidFill>
+                <a:latin typeface="나눔바른고딕" charset="0"/>
+                <a:ea typeface="나눔바른고딕" charset="0"/>
+                <a:cs typeface="Verdana" charset="0"/>
+              </a:rPr>
+              <a:t>      </a:t>
+            </a:r>
+            <a:r>
+              <a:rPr lang="ko-KR" altLang="en-US" sz="2200" b="1" dirty="0">
+                <a:solidFill>
+                  <a:schemeClr val="lt1"/>
+                </a:solidFill>
+                <a:latin typeface="나눔바른고딕" charset="0"/>
+                <a:ea typeface="나눔바른고딕" charset="0"/>
+                <a:cs typeface="Verdana" charset="0"/>
+              </a:rPr>
+              <a:t>참고하고</a:t>
+            </a:r>
+            <a:endParaRPr lang="en-US" altLang="ko-KR" sz="2200" b="1" dirty="0">
+              <a:solidFill>
+                <a:schemeClr val="lt1"/>
+              </a:solidFill>
+              <a:latin typeface="나눔바른고딕" charset="0"/>
+              <a:ea typeface="나눔바른고딕" charset="0"/>
+              <a:cs typeface="Verdana" charset="0"/>
+            </a:endParaRPr>
+          </a:p>
+          <a:p>
+            <a:pPr marL="95250" algn="l" rtl="0" latinLnBrk="0">
+              <a:spcBef>
+                <a:spcPts val="0"/>
+              </a:spcBef>
+              <a:spcAft>
+                <a:spcPts val="0"/>
+              </a:spcAft>
+              <a:buClr>
+                <a:schemeClr val="bg1"/>
+              </a:buClr>
+            </a:pPr>
+            <a:r>
+              <a:rPr lang="en-US" altLang="ko-KR" sz="2200" b="1" dirty="0">
+                <a:solidFill>
+                  <a:schemeClr val="lt1"/>
+                </a:solidFill>
+                <a:latin typeface="나눔바른고딕" charset="0"/>
+                <a:ea typeface="나눔바른고딕" charset="0"/>
+                <a:cs typeface="Verdana" charset="0"/>
+              </a:rPr>
+              <a:t>      </a:t>
+            </a:r>
+            <a:r>
+              <a:rPr lang="ko-KR" altLang="en-US" sz="2200" b="1" dirty="0">
+                <a:solidFill>
+                  <a:schemeClr val="lt1"/>
+                </a:solidFill>
+                <a:latin typeface="나눔바른고딕" charset="0"/>
+                <a:ea typeface="나눔바른고딕" charset="0"/>
+                <a:cs typeface="Verdana" charset="0"/>
+              </a:rPr>
+              <a:t>피드백 또한 가능</a:t>
+            </a:r>
+          </a:p>
+        </p:txBody>
+      </p:sp>
     </p:spTree>
+    <p:extLst>
+      <p:ext uri="{BB962C8B-B14F-4D97-AF65-F5344CB8AC3E}">
+        <p14:creationId xmlns:p14="http://schemas.microsoft.com/office/powerpoint/2010/main" val="1060464230"/>
+      </p:ext>
+    </p:extLst>
   </p:cSld>
   <p:clrMapOvr>
     <a:masterClrMapping/>
@@ -30739,6 +32182,51 @@
           <a:chExt cx="0" cy="0"/>
         </a:xfrm>
       </p:grpSpPr>
+      <p:pic>
+        <p:nvPicPr>
+          <p:cNvPr id="192" name="그림 2"/>
+          <p:cNvPicPr>
+            <a:picLocks/>
+          </p:cNvPicPr>
+          <p:nvPr/>
+        </p:nvPicPr>
+        <p:blipFill rotWithShape="1">
+          <a:blip r:embed="rId3" cstate="hqprint">
+            <a:clrChange>
+              <a:clrFrom>
+                <a:srgbClr val="68457F"/>
+              </a:clrFrom>
+              <a:clrTo>
+                <a:srgbClr val="68457F">
+                  <a:alpha val="0"/>
+                </a:srgbClr>
+              </a:clrTo>
+            </a:clrChange>
+            <a:extLst>
+              <a:ext uri="{28A0092B-C50C-407E-A947-70E740481C1C}">
+                <a14:useLocalDpi xmlns:a14="http://schemas.microsoft.com/office/drawing/2010/main"/>
+              </a:ext>
+            </a:extLst>
+          </a:blip>
+          <a:stretch>
+            <a:fillRect/>
+          </a:stretch>
+        </p:blipFill>
+        <p:spPr>
+          <a:xfrm>
+            <a:off x="2310913" y="1619867"/>
+            <a:ext cx="4713868" cy="8067472"/>
+          </a:xfrm>
+          <a:prstGeom prst="rect">
+            <a:avLst/>
+          </a:prstGeom>
+          <a:noFill/>
+          <a:ln w="19050" cap="flat" cmpd="sng">
+            <a:prstDash val="solid"/>
+            <a:round/>
+          </a:ln>
+        </p:spPr>
+      </p:pic>
       <p:sp>
         <p:nvSpPr>
           <p:cNvPr id="152" name="Rect 0"/>
@@ -30749,8 +32237,8 @@
         </p:nvSpPr>
         <p:spPr>
           <a:xfrm>
-            <a:off x="7630160" y="375285"/>
-            <a:ext cx="3022600" cy="861060"/>
+            <a:off x="6015990" y="413702"/>
+            <a:ext cx="6256020" cy="861695"/>
           </a:xfrm>
           <a:prstGeom prst="rect">
             <a:avLst/>
@@ -30778,7 +32266,7 @@
               <a:buNone/>
             </a:pPr>
             <a:r>
-              <a:rPr lang="en-US" sz="5000" b="1">
+              <a:rPr lang="en-US" sz="5000" b="1" dirty="0" err="1">
                 <a:solidFill>
                   <a:schemeClr val="bg1"/>
                 </a:solidFill>
@@ -30786,9 +32274,31 @@
                 <a:ea typeface="나눔바른고딕" charset="0"/>
                 <a:cs typeface="Impact" charset="0"/>
               </a:rPr>
-              <a:t>화면 흐름</a:t>
+              <a:t>서비스</a:t>
             </a:r>
-            <a:endParaRPr lang="ko-KR" altLang="en-US" sz="5000" b="1">
+            <a:r>
+              <a:rPr lang="en-US" sz="5000" b="1" dirty="0">
+                <a:solidFill>
+                  <a:schemeClr val="bg1"/>
+                </a:solidFill>
+                <a:latin typeface="나눔바른고딕" charset="0"/>
+                <a:ea typeface="나눔바른고딕" charset="0"/>
+                <a:cs typeface="Impact" charset="0"/>
+              </a:rPr>
+              <a:t> </a:t>
+            </a:r>
+            <a:r>
+              <a:rPr lang="en-US" sz="5000" b="1" dirty="0" err="1">
+                <a:solidFill>
+                  <a:schemeClr val="bg1"/>
+                </a:solidFill>
+                <a:latin typeface="나눔바른고딕" charset="0"/>
+                <a:ea typeface="나눔바른고딕" charset="0"/>
+                <a:cs typeface="Impact" charset="0"/>
+              </a:rPr>
+              <a:t>구성</a:t>
+            </a:r>
+            <a:endParaRPr lang="ko-KR" altLang="en-US" sz="5000" b="1" dirty="0">
               <a:solidFill>
                 <a:schemeClr val="bg1"/>
               </a:solidFill>
@@ -30810,7 +32320,7 @@
         <p:spPr>
           <a:xfrm>
             <a:off x="349250" y="238125"/>
-            <a:ext cx="17623155" cy="9822815"/>
+            <a:ext cx="17622520" cy="9822180"/>
           </a:xfrm>
           <a:prstGeom prst="rect">
             <a:avLst/>
@@ -30850,36 +32360,27 @@
           <a:p>
             <a:pPr marL="0" indent="0" algn="ctr" latinLnBrk="0" hangingPunct="1"/>
             <a:endParaRPr lang="ko-KR" altLang="en-US" sz="1800">
+              <a:solidFill>
+                <a:schemeClr val="bg1"/>
+              </a:solidFill>
               <a:latin typeface="맑은 고딕" charset="0"/>
               <a:ea typeface="맑은 고딕" charset="0"/>
             </a:endParaRPr>
           </a:p>
         </p:txBody>
       </p:sp>
-      <p:pic>
-        <p:nvPicPr>
-          <p:cNvPr id="198" name="Picture " descr="C:/Users/admin/AppData/Roaming/PolarisOffice/ETemp/13944_14071096/image21.png"/>
-          <p:cNvPicPr>
-            <a:picLocks/>
-          </p:cNvPicPr>
+      <p:sp>
+        <p:nvSpPr>
+          <p:cNvPr id="176" name="텍스트 상자 1"/>
+          <p:cNvSpPr txBox="1">
+            <a:spLocks/>
+          </p:cNvSpPr>
           <p:nvPr/>
-        </p:nvPicPr>
-        <p:blipFill rotWithShape="1">
-          <a:blip r:embed="rId3" cstate="hqprint">
-            <a:extLst>
-              <a:ext uri="{28A0092B-C50C-407E-A947-70E740481C1C}">
-                <a14:useLocalDpi xmlns:a14="http://schemas.microsoft.com/office/drawing/2010/main"/>
-              </a:ext>
-            </a:extLst>
-          </a:blip>
-          <a:stretch>
-            <a:fillRect/>
-          </a:stretch>
-        </p:blipFill>
-        <p:spPr>
-          <a:xfrm>
-            <a:off x="2124710" y="6215380"/>
-            <a:ext cx="6478270" cy="48895"/>
+        </p:nvSpPr>
+        <p:spPr>
+          <a:xfrm>
+            <a:off x="2284229" y="2171162"/>
+            <a:ext cx="4713868" cy="754053"/>
           </a:xfrm>
           <a:prstGeom prst="rect">
             <a:avLst/>
@@ -30890,10 +32391,311 @@
             <a:prstDash/>
           </a:ln>
         </p:spPr>
-      </p:pic>
+        <p:txBody>
+          <a:bodyPr vert="horz" wrap="square" lIns="91440" tIns="45720" rIns="91440" bIns="45720" numCol="1" anchor="t">
+            <a:spAutoFit/>
+          </a:bodyPr>
+          <a:lstStyle/>
+          <a:p>
+            <a:pPr marL="0" indent="0" algn="ctr" rtl="0" latinLnBrk="0">
+              <a:spcBef>
+                <a:spcPts val="0"/>
+              </a:spcBef>
+              <a:spcAft>
+                <a:spcPts val="0"/>
+              </a:spcAft>
+              <a:buFontTx/>
+              <a:buNone/>
+            </a:pPr>
+            <a:r>
+              <a:rPr lang="ko-KR" altLang="en-US" sz="4300" b="1" dirty="0" err="1">
+                <a:solidFill>
+                  <a:schemeClr val="bg1"/>
+                </a:solidFill>
+                <a:latin typeface="나눔바른고딕" charset="0"/>
+                <a:ea typeface="나눔바른고딕" charset="0"/>
+                <a:cs typeface="Impact" charset="0"/>
+              </a:rPr>
+              <a:t>데일리룩</a:t>
+            </a:r>
+            <a:r>
+              <a:rPr lang="ko-KR" altLang="en-US" sz="4300" b="1" dirty="0">
+                <a:solidFill>
+                  <a:schemeClr val="bg1"/>
+                </a:solidFill>
+                <a:latin typeface="나눔바른고딕" charset="0"/>
+                <a:ea typeface="나눔바른고딕" charset="0"/>
+                <a:cs typeface="Impact" charset="0"/>
+              </a:rPr>
+              <a:t> 검색</a:t>
+            </a:r>
+          </a:p>
+        </p:txBody>
+      </p:sp>
+      <p:sp>
+        <p:nvSpPr>
+          <p:cNvPr id="179" name="텍스트 상자 6"/>
+          <p:cNvSpPr txBox="1">
+            <a:spLocks/>
+          </p:cNvSpPr>
+          <p:nvPr/>
+        </p:nvSpPr>
+        <p:spPr>
+          <a:xfrm>
+            <a:off x="2644804" y="3251182"/>
+            <a:ext cx="4229697" cy="5016758"/>
+          </a:xfrm>
+          <a:prstGeom prst="rect">
+            <a:avLst/>
+          </a:prstGeom>
+          <a:noFill/>
+          <a:ln w="0">
+            <a:noFill/>
+            <a:prstDash/>
+          </a:ln>
+        </p:spPr>
+        <p:txBody>
+          <a:bodyPr vert="horz" wrap="square" lIns="91440" tIns="45720" rIns="91440" bIns="45720" numCol="1" anchor="t">
+            <a:spAutoFit/>
+          </a:bodyPr>
+          <a:lstStyle/>
+          <a:p>
+            <a:pPr marL="254000" indent="-254000" algn="l" rtl="0" latinLnBrk="0">
+              <a:spcBef>
+                <a:spcPts val="0"/>
+              </a:spcBef>
+              <a:spcAft>
+                <a:spcPts val="0"/>
+              </a:spcAft>
+              <a:buClr>
+                <a:schemeClr val="bg1"/>
+              </a:buClr>
+              <a:buFont typeface="Wingdings"/>
+              <a:buChar char=""/>
+            </a:pPr>
+            <a:r>
+              <a:rPr lang="ko-KR" altLang="en-US" sz="3200" dirty="0">
+                <a:solidFill>
+                  <a:schemeClr val="bg1"/>
+                </a:solidFill>
+                <a:latin typeface="나눔바른고딕" charset="0"/>
+                <a:ea typeface="나눔바른고딕" charset="0"/>
+                <a:cs typeface="Impact" charset="0"/>
+              </a:rPr>
+              <a:t>검색 메인 화면에는 </a:t>
+            </a:r>
+            <a:r>
+              <a:rPr lang="ko-KR" altLang="en-US" sz="3200" dirty="0" err="1">
+                <a:solidFill>
+                  <a:schemeClr val="bg1"/>
+                </a:solidFill>
+                <a:latin typeface="나눔바른고딕" charset="0"/>
+                <a:ea typeface="나눔바른고딕" charset="0"/>
+                <a:cs typeface="Impact" charset="0"/>
+              </a:rPr>
+              <a:t>최신글</a:t>
+            </a:r>
+            <a:r>
+              <a:rPr lang="en-US" altLang="ko-KR" sz="3200" dirty="0">
+                <a:solidFill>
+                  <a:schemeClr val="bg1"/>
+                </a:solidFill>
+                <a:latin typeface="나눔바른고딕" charset="0"/>
+                <a:ea typeface="나눔바른고딕" charset="0"/>
+                <a:cs typeface="Impact" charset="0"/>
+              </a:rPr>
+              <a:t>, </a:t>
+            </a:r>
+            <a:r>
+              <a:rPr lang="ko-KR" altLang="en-US" sz="3200" dirty="0" err="1">
+                <a:solidFill>
+                  <a:schemeClr val="bg1"/>
+                </a:solidFill>
+                <a:latin typeface="나눔바른고딕" charset="0"/>
+                <a:ea typeface="나눔바른고딕" charset="0"/>
+                <a:cs typeface="Impact" charset="0"/>
+              </a:rPr>
+              <a:t>인기글</a:t>
+            </a:r>
+            <a:r>
+              <a:rPr lang="ko-KR" altLang="en-US" sz="3200" dirty="0">
+                <a:solidFill>
+                  <a:schemeClr val="bg1"/>
+                </a:solidFill>
+                <a:latin typeface="나눔바른고딕" charset="0"/>
+                <a:ea typeface="나눔바른고딕" charset="0"/>
+                <a:cs typeface="Impact" charset="0"/>
+              </a:rPr>
+              <a:t> 순으로 조회 가능</a:t>
+            </a:r>
+            <a:endParaRPr lang="en-US" altLang="ko-KR" sz="3200" dirty="0">
+              <a:solidFill>
+                <a:schemeClr val="bg1"/>
+              </a:solidFill>
+              <a:latin typeface="나눔바른고딕" charset="0"/>
+              <a:ea typeface="나눔바른고딕" charset="0"/>
+              <a:cs typeface="Impact" charset="0"/>
+            </a:endParaRPr>
+          </a:p>
+          <a:p>
+            <a:pPr algn="l" rtl="0" latinLnBrk="0">
+              <a:spcBef>
+                <a:spcPts val="0"/>
+              </a:spcBef>
+              <a:spcAft>
+                <a:spcPts val="0"/>
+              </a:spcAft>
+              <a:buClr>
+                <a:schemeClr val="bg1"/>
+              </a:buClr>
+            </a:pPr>
+            <a:endParaRPr lang="en-US" altLang="ko-KR" sz="3200" dirty="0">
+              <a:solidFill>
+                <a:schemeClr val="bg1"/>
+              </a:solidFill>
+              <a:latin typeface="나눔바른고딕" charset="0"/>
+              <a:ea typeface="나눔바른고딕" charset="0"/>
+              <a:cs typeface="Impact" charset="0"/>
+            </a:endParaRPr>
+          </a:p>
+          <a:p>
+            <a:pPr marL="254000" indent="-254000" algn="l" rtl="0" latinLnBrk="0">
+              <a:spcBef>
+                <a:spcPts val="0"/>
+              </a:spcBef>
+              <a:spcAft>
+                <a:spcPts val="0"/>
+              </a:spcAft>
+              <a:buClr>
+                <a:schemeClr val="bg1"/>
+              </a:buClr>
+              <a:buFont typeface="Wingdings"/>
+              <a:buChar char=""/>
+            </a:pPr>
+            <a:r>
+              <a:rPr lang="ko-KR" altLang="en-US" sz="3200" dirty="0">
+                <a:solidFill>
+                  <a:schemeClr val="bg1"/>
+                </a:solidFill>
+                <a:latin typeface="나눔바른고딕" charset="0"/>
+                <a:ea typeface="나눔바른고딕" charset="0"/>
+                <a:cs typeface="Impact" charset="0"/>
+              </a:rPr>
+              <a:t>검색을 통해 타인의 </a:t>
+            </a:r>
+            <a:r>
+              <a:rPr lang="ko-KR" altLang="en-US" sz="3200" dirty="0" err="1">
+                <a:solidFill>
+                  <a:schemeClr val="bg1"/>
+                </a:solidFill>
+                <a:latin typeface="나눔바른고딕" charset="0"/>
+                <a:ea typeface="나눔바른고딕" charset="0"/>
+                <a:cs typeface="Impact" charset="0"/>
+              </a:rPr>
+              <a:t>데일리룩</a:t>
+            </a:r>
+            <a:r>
+              <a:rPr lang="ko-KR" altLang="en-US" sz="3200" dirty="0">
+                <a:solidFill>
+                  <a:schemeClr val="bg1"/>
+                </a:solidFill>
+                <a:latin typeface="나눔바른고딕" charset="0"/>
+                <a:ea typeface="나눔바른고딕" charset="0"/>
+                <a:cs typeface="Impact" charset="0"/>
+              </a:rPr>
+              <a:t> 감상이 가능</a:t>
+            </a:r>
+            <a:endParaRPr lang="en-US" altLang="ko-KR" sz="3200" dirty="0">
+              <a:solidFill>
+                <a:schemeClr val="bg1"/>
+              </a:solidFill>
+              <a:latin typeface="나눔바른고딕" charset="0"/>
+              <a:ea typeface="나눔바른고딕" charset="0"/>
+              <a:cs typeface="Impact" charset="0"/>
+            </a:endParaRPr>
+          </a:p>
+          <a:p>
+            <a:pPr algn="l" rtl="0" latinLnBrk="0">
+              <a:spcBef>
+                <a:spcPts val="0"/>
+              </a:spcBef>
+              <a:spcAft>
+                <a:spcPts val="0"/>
+              </a:spcAft>
+              <a:buClr>
+                <a:schemeClr val="bg1"/>
+              </a:buClr>
+            </a:pPr>
+            <a:endParaRPr lang="en-US" altLang="ko-KR" sz="3200" dirty="0">
+              <a:solidFill>
+                <a:schemeClr val="bg1"/>
+              </a:solidFill>
+              <a:latin typeface="나눔바른고딕" charset="0"/>
+              <a:ea typeface="나눔바른고딕" charset="0"/>
+              <a:cs typeface="Impact" charset="0"/>
+            </a:endParaRPr>
+          </a:p>
+          <a:p>
+            <a:pPr marL="254000" indent="-254000" algn="l" rtl="0" latinLnBrk="0">
+              <a:spcBef>
+                <a:spcPts val="0"/>
+              </a:spcBef>
+              <a:spcAft>
+                <a:spcPts val="0"/>
+              </a:spcAft>
+              <a:buClr>
+                <a:schemeClr val="bg1"/>
+              </a:buClr>
+              <a:buFont typeface="Wingdings"/>
+              <a:buChar char=""/>
+            </a:pPr>
+            <a:r>
+              <a:rPr lang="ko-KR" altLang="en-US" sz="3200" dirty="0">
+                <a:solidFill>
+                  <a:schemeClr val="bg1"/>
+                </a:solidFill>
+                <a:latin typeface="나눔바른고딕" charset="0"/>
+                <a:ea typeface="나눔바른고딕" charset="0"/>
+                <a:cs typeface="Impact" charset="0"/>
+              </a:rPr>
+              <a:t>검색 결과로 나온 타인의 </a:t>
+            </a:r>
+            <a:r>
+              <a:rPr lang="ko-KR" altLang="en-US" sz="3200" dirty="0" err="1">
+                <a:solidFill>
+                  <a:schemeClr val="bg1"/>
+                </a:solidFill>
+                <a:latin typeface="나눔바른고딕" charset="0"/>
+                <a:ea typeface="나눔바른고딕" charset="0"/>
+                <a:cs typeface="Impact" charset="0"/>
+              </a:rPr>
+              <a:t>데일리룩에</a:t>
+            </a:r>
+            <a:r>
+              <a:rPr lang="ko-KR" altLang="en-US" sz="3200" dirty="0">
+                <a:solidFill>
+                  <a:schemeClr val="bg1"/>
+                </a:solidFill>
+                <a:latin typeface="나눔바른고딕" charset="0"/>
+                <a:ea typeface="나눔바른고딕" charset="0"/>
+                <a:cs typeface="Impact" charset="0"/>
+              </a:rPr>
+              <a:t> 대한 피드백 가능</a:t>
+            </a:r>
+            <a:endParaRPr lang="en-US" altLang="ko-KR" sz="3200" dirty="0">
+              <a:solidFill>
+                <a:schemeClr val="bg1"/>
+              </a:solidFill>
+              <a:latin typeface="나눔바른고딕" charset="0"/>
+              <a:ea typeface="나눔바른고딕" charset="0"/>
+              <a:cs typeface="Impact" charset="0"/>
+            </a:endParaRPr>
+          </a:p>
+        </p:txBody>
+      </p:sp>
       <p:pic>
         <p:nvPicPr>
-          <p:cNvPr id="199" name="Picture " descr="C:/Users/admin/AppData/Roaming/PolarisOffice/ETemp/13944_14071096/image6.png"/>
+          <p:cNvPr id="190" name="그림 11"/>
           <p:cNvPicPr>
             <a:picLocks/>
           </p:cNvPicPr>
@@ -30913,8 +32715,8 @@
         </p:blipFill>
         <p:spPr>
           <a:xfrm>
-            <a:off x="2225675" y="1308100"/>
-            <a:ext cx="13870305" cy="48895"/>
+            <a:off x="2022475" y="1362710"/>
+            <a:ext cx="13869670" cy="48260"/>
           </a:xfrm>
           <a:prstGeom prst="rect">
             <a:avLst/>
@@ -30926,18 +32728,30 @@
           </a:ln>
         </p:spPr>
       </p:pic>
-      <p:sp>
-        <p:nvSpPr>
-          <p:cNvPr id="190" name="텍스트 상자 7"/>
-          <p:cNvSpPr txBox="1">
-            <a:spLocks/>
-          </p:cNvSpPr>
+      <p:pic>
+        <p:nvPicPr>
+          <p:cNvPr id="191" name="그림 14"/>
+          <p:cNvPicPr>
+            <a:picLocks/>
+          </p:cNvPicPr>
           <p:nvPr/>
-        </p:nvSpPr>
-        <p:spPr>
-          <a:xfrm rot="21360000">
-            <a:off x="8292465" y="1624965"/>
-            <a:ext cx="2006600" cy="307340"/>
+        </p:nvPicPr>
+        <p:blipFill rotWithShape="1">
+          <a:blip r:embed="rId4" cstate="hqprint">
+            <a:extLst>
+              <a:ext uri="{28A0092B-C50C-407E-A947-70E740481C1C}">
+                <a14:useLocalDpi xmlns:a14="http://schemas.microsoft.com/office/drawing/2010/main"/>
+              </a:ext>
+            </a:extLst>
+          </a:blip>
+          <a:stretch>
+            <a:fillRect/>
+          </a:stretch>
+        </p:blipFill>
+        <p:spPr>
+          <a:xfrm>
+            <a:off x="2661163" y="2887193"/>
+            <a:ext cx="3960000" cy="47625"/>
           </a:xfrm>
           <a:prstGeom prst="rect">
             <a:avLst/>
@@ -30948,47 +32762,10 @@
             <a:prstDash/>
           </a:ln>
         </p:spPr>
-        <p:txBody>
-          <a:bodyPr vert="horz" wrap="square" lIns="91440" tIns="45720" rIns="91440" bIns="45720" numCol="1" anchor="ctr">
-            <a:spAutoFit/>
-          </a:bodyPr>
-          <a:lstStyle/>
-          <a:p>
-            <a:pPr marL="0" indent="0" algn="ctr" rtl="0" latinLnBrk="0">
-              <a:spcBef>
-                <a:spcPts val="0"/>
-              </a:spcBef>
-              <a:spcAft>
-                <a:spcPts val="0"/>
-              </a:spcAft>
-              <a:buFontTx/>
-              <a:buNone/>
-            </a:pPr>
-            <a:r>
-              <a:rPr lang="en-US" sz="1400" b="1">
-                <a:solidFill>
-                  <a:srgbClr val="694680"/>
-                </a:solidFill>
-                <a:latin typeface="나눔바른고딕" charset="0"/>
-                <a:ea typeface="나눔바른고딕" charset="0"/>
-                <a:cs typeface="Arial" charset="0"/>
-              </a:rPr>
-              <a:t>댓글 작 창의 일부</a:t>
-            </a:r>
-            <a:endParaRPr lang="ko-KR" altLang="en-US" sz="1400" b="1">
-              <a:solidFill>
-                <a:srgbClr val="694680"/>
-              </a:solidFill>
-              <a:latin typeface="나눔바른고딕" charset="0"/>
-              <a:ea typeface="나눔바른고딕" charset="0"/>
-              <a:cs typeface="Arial" charset="0"/>
-            </a:endParaRPr>
-          </a:p>
-        </p:txBody>
-      </p:sp>
+      </p:pic>
       <p:sp>
         <p:nvSpPr>
-          <p:cNvPr id="206" name="Rect 0"/>
+          <p:cNvPr id="193" name="도형 43"/>
           <p:cNvSpPr>
             <a:spLocks/>
           </p:cNvSpPr>
@@ -30997,7 +32774,7 @@
         <p:spPr>
           <a:xfrm>
             <a:off x="349250" y="238125"/>
-            <a:ext cx="17623790" cy="9763760"/>
+            <a:ext cx="17623155" cy="9763125"/>
           </a:xfrm>
           <a:prstGeom prst="rect">
             <a:avLst/>
@@ -31045,45 +32822,375 @@
       </p:sp>
       <p:pic>
         <p:nvPicPr>
-          <p:cNvPr id="207" name="그림 8" descr="C:/Users/admin/AppData/Roaming/PolarisOffice/ETemp/13944_14071096/fImage10479935341.png"/>
+          <p:cNvPr id="9" name="그림 8">
+            <a:extLst>
+              <a:ext uri="{FF2B5EF4-FFF2-40B4-BE49-F238E27FC236}">
+                <a16:creationId xmlns:a16="http://schemas.microsoft.com/office/drawing/2014/main" id="{CA34A0F0-9CDD-4BFF-8F66-AE92DF3DCEBA}"/>
+              </a:ext>
+            </a:extLst>
+          </p:cNvPr>
           <p:cNvPicPr>
             <a:picLocks noChangeAspect="1"/>
           </p:cNvPicPr>
           <p:nvPr/>
         </p:nvPicPr>
-        <p:blipFill rotWithShape="1">
-          <a:blip r:embed="rId5" cstate="print">
-            <a:extLst>
-              <a:ext uri="{28A0092B-C50C-407E-A947-70E740481C1C}">
-                <a14:useLocalDpi xmlns:a14="http://schemas.microsoft.com/office/drawing/2010/main" val="0"/>
-              </a:ext>
-            </a:extLst>
-          </a:blip>
+        <p:blipFill>
+          <a:blip r:embed="rId5"/>
           <a:stretch>
             <a:fillRect/>
           </a:stretch>
         </p:blipFill>
         <p:spPr>
           <a:xfrm>
-            <a:off x="4344670" y="1601470"/>
-            <a:ext cx="9610090" cy="8073390"/>
+            <a:off x="8119939" y="5877258"/>
+            <a:ext cx="7135658" cy="4033934"/>
           </a:xfrm>
           <a:prstGeom prst="rect">
             <a:avLst/>
           </a:prstGeom>
-          <a:noFill/>
-          <a:ln w="57150" cap="flat" cmpd="sng">
-            <a:solidFill>
-              <a:srgbClr val="AFAFAF">
-                <a:alpha val="100000"/>
-              </a:srgbClr>
-            </a:solidFill>
-            <a:prstDash val="solid"/>
-            <a:round/>
-          </a:ln>
         </p:spPr>
       </p:pic>
+      <p:pic>
+        <p:nvPicPr>
+          <p:cNvPr id="11" name="그림 10">
+            <a:extLst>
+              <a:ext uri="{FF2B5EF4-FFF2-40B4-BE49-F238E27FC236}">
+                <a16:creationId xmlns:a16="http://schemas.microsoft.com/office/drawing/2014/main" id="{EC525771-4C98-476C-A7E3-651E63DF9BEB}"/>
+              </a:ext>
+            </a:extLst>
+          </p:cNvPr>
+          <p:cNvPicPr>
+            <a:picLocks noChangeAspect="1"/>
+          </p:cNvPicPr>
+          <p:nvPr/>
+        </p:nvPicPr>
+        <p:blipFill>
+          <a:blip r:embed="rId6"/>
+          <a:stretch>
+            <a:fillRect/>
+          </a:stretch>
+        </p:blipFill>
+        <p:spPr>
+          <a:xfrm>
+            <a:off x="8093101" y="1503660"/>
+            <a:ext cx="7135658" cy="4265513"/>
+          </a:xfrm>
+          <a:prstGeom prst="rect">
+            <a:avLst/>
+          </a:prstGeom>
+        </p:spPr>
+      </p:pic>
+      <p:grpSp>
+        <p:nvGrpSpPr>
+          <p:cNvPr id="188" name="그룹 93"/>
+          <p:cNvGrpSpPr/>
+          <p:nvPr/>
+        </p:nvGrpSpPr>
+        <p:grpSpPr>
+          <a:xfrm rot="1936333">
+            <a:off x="13716529" y="5971429"/>
+            <a:ext cx="2052955" cy="765810"/>
+            <a:chOff x="1539923" y="6224792"/>
+            <a:chExt cx="2052955" cy="765810"/>
+          </a:xfrm>
+        </p:grpSpPr>
+        <p:pic>
+          <p:nvPicPr>
+            <p:cNvPr id="186" name="그림 91"/>
+            <p:cNvPicPr>
+              <a:picLocks/>
+            </p:cNvPicPr>
+            <p:nvPr/>
+          </p:nvPicPr>
+          <p:blipFill rotWithShape="1">
+            <a:blip r:embed="rId7" cstate="hqprint">
+              <a:extLst>
+                <a:ext uri="{28A0092B-C50C-407E-A947-70E740481C1C}">
+                  <a14:useLocalDpi xmlns:a14="http://schemas.microsoft.com/office/drawing/2010/main"/>
+                </a:ext>
+              </a:extLst>
+            </a:blip>
+            <a:stretch>
+              <a:fillRect/>
+            </a:stretch>
+          </p:blipFill>
+          <p:spPr>
+            <a:xfrm rot="21133294">
+              <a:off x="1674979" y="6224792"/>
+              <a:ext cx="1838325" cy="765810"/>
+            </a:xfrm>
+            <a:prstGeom prst="rect">
+              <a:avLst/>
+            </a:prstGeom>
+            <a:noFill/>
+            <a:ln w="0">
+              <a:noFill/>
+              <a:prstDash/>
+            </a:ln>
+          </p:spPr>
+        </p:pic>
+        <p:sp>
+          <p:nvSpPr>
+            <p:cNvPr id="187" name="텍스트 상자 92"/>
+            <p:cNvSpPr txBox="1">
+              <a:spLocks/>
+            </p:cNvSpPr>
+            <p:nvPr/>
+          </p:nvSpPr>
+          <p:spPr>
+            <a:xfrm rot="21133294">
+              <a:off x="1539923" y="6336969"/>
+              <a:ext cx="2052955" cy="523220"/>
+            </a:xfrm>
+            <a:prstGeom prst="rect">
+              <a:avLst/>
+            </a:prstGeom>
+            <a:noFill/>
+            <a:ln w="0">
+              <a:noFill/>
+              <a:prstDash/>
+            </a:ln>
+          </p:spPr>
+          <p:txBody>
+            <a:bodyPr vert="horz" wrap="square" lIns="91440" tIns="45720" rIns="91440" bIns="45720" numCol="1" anchor="ctr">
+              <a:spAutoFit/>
+            </a:bodyPr>
+            <a:lstStyle/>
+            <a:p>
+              <a:pPr marL="0" indent="0" algn="ctr" rtl="0" latinLnBrk="0">
+                <a:spcBef>
+                  <a:spcPts val="0"/>
+                </a:spcBef>
+                <a:spcAft>
+                  <a:spcPts val="0"/>
+                </a:spcAft>
+                <a:buFontTx/>
+                <a:buNone/>
+              </a:pPr>
+              <a:r>
+                <a:rPr lang="ko-KR" altLang="en-US" sz="1400" b="1" dirty="0" err="1">
+                  <a:solidFill>
+                    <a:srgbClr val="694680"/>
+                  </a:solidFill>
+                  <a:latin typeface="나눔바른고딕" charset="0"/>
+                  <a:ea typeface="나눔바른고딕" charset="0"/>
+                  <a:cs typeface="Arial" charset="0"/>
+                </a:rPr>
+                <a:t>데일리룩</a:t>
+              </a:r>
+              <a:r>
+                <a:rPr lang="ko-KR" altLang="en-US" sz="1400" b="1" dirty="0">
+                  <a:solidFill>
+                    <a:srgbClr val="694680"/>
+                  </a:solidFill>
+                  <a:latin typeface="나눔바른고딕" charset="0"/>
+                  <a:ea typeface="나눔바른고딕" charset="0"/>
+                  <a:cs typeface="Arial" charset="0"/>
+                </a:rPr>
+                <a:t> 검색 시</a:t>
+              </a:r>
+              <a:endParaRPr lang="en-US" altLang="ko-KR" sz="1400" b="1" dirty="0">
+                <a:solidFill>
+                  <a:srgbClr val="694680"/>
+                </a:solidFill>
+                <a:latin typeface="나눔바른고딕" charset="0"/>
+                <a:ea typeface="나눔바른고딕" charset="0"/>
+                <a:cs typeface="Arial" charset="0"/>
+              </a:endParaRPr>
+            </a:p>
+            <a:p>
+              <a:pPr marL="0" indent="0" algn="ctr" rtl="0" latinLnBrk="0">
+                <a:spcBef>
+                  <a:spcPts val="0"/>
+                </a:spcBef>
+                <a:spcAft>
+                  <a:spcPts val="0"/>
+                </a:spcAft>
+                <a:buFontTx/>
+                <a:buNone/>
+              </a:pPr>
+              <a:r>
+                <a:rPr lang="ko-KR" altLang="en-US" b="1" dirty="0">
+                  <a:solidFill>
+                    <a:srgbClr val="694680"/>
+                  </a:solidFill>
+                  <a:latin typeface="나눔바른고딕" charset="0"/>
+                  <a:ea typeface="나눔바른고딕" charset="0"/>
+                  <a:cs typeface="Arial" charset="0"/>
+                </a:rPr>
+                <a:t>나오는 결과물</a:t>
+              </a:r>
+              <a:endParaRPr lang="ko-KR" altLang="en-US" sz="1400" b="1" dirty="0">
+                <a:solidFill>
+                  <a:srgbClr val="694680"/>
+                </a:solidFill>
+                <a:latin typeface="나눔바른고딕" charset="0"/>
+                <a:ea typeface="나눔바른고딕" charset="0"/>
+                <a:cs typeface="Arial" charset="0"/>
+              </a:endParaRPr>
+            </a:p>
+          </p:txBody>
+        </p:sp>
+      </p:grpSp>
+      <p:grpSp>
+        <p:nvGrpSpPr>
+          <p:cNvPr id="33" name="그룹 93">
+            <a:extLst>
+              <a:ext uri="{FF2B5EF4-FFF2-40B4-BE49-F238E27FC236}">
+                <a16:creationId xmlns:a16="http://schemas.microsoft.com/office/drawing/2014/main" id="{3A952E17-1D6D-46A8-85EF-4719C7DD88D1}"/>
+              </a:ext>
+            </a:extLst>
+          </p:cNvPr>
+          <p:cNvGrpSpPr/>
+          <p:nvPr/>
+        </p:nvGrpSpPr>
+        <p:grpSpPr>
+          <a:xfrm rot="20735468">
+            <a:off x="7504649" y="1775922"/>
+            <a:ext cx="2052955" cy="765810"/>
+            <a:chOff x="1539923" y="6224792"/>
+            <a:chExt cx="2052955" cy="765810"/>
+          </a:xfrm>
+        </p:grpSpPr>
+        <p:pic>
+          <p:nvPicPr>
+            <p:cNvPr id="34" name="그림 91">
+              <a:extLst>
+                <a:ext uri="{FF2B5EF4-FFF2-40B4-BE49-F238E27FC236}">
+                  <a16:creationId xmlns:a16="http://schemas.microsoft.com/office/drawing/2014/main" id="{653553FA-753F-44EA-A6B2-44DCD63BDD6E}"/>
+                </a:ext>
+              </a:extLst>
+            </p:cNvPr>
+            <p:cNvPicPr>
+              <a:picLocks/>
+            </p:cNvPicPr>
+            <p:nvPr/>
+          </p:nvPicPr>
+          <p:blipFill rotWithShape="1">
+            <a:blip r:embed="rId7" cstate="hqprint">
+              <a:extLst>
+                <a:ext uri="{28A0092B-C50C-407E-A947-70E740481C1C}">
+                  <a14:useLocalDpi xmlns:a14="http://schemas.microsoft.com/office/drawing/2010/main"/>
+                </a:ext>
+              </a:extLst>
+            </a:blip>
+            <a:stretch>
+              <a:fillRect/>
+            </a:stretch>
+          </p:blipFill>
+          <p:spPr>
+            <a:xfrm rot="21133294">
+              <a:off x="1674979" y="6224792"/>
+              <a:ext cx="1838325" cy="765810"/>
+            </a:xfrm>
+            <a:prstGeom prst="rect">
+              <a:avLst/>
+            </a:prstGeom>
+            <a:noFill/>
+            <a:ln w="0">
+              <a:noFill/>
+              <a:prstDash/>
+            </a:ln>
+          </p:spPr>
+        </p:pic>
+        <p:sp>
+          <p:nvSpPr>
+            <p:cNvPr id="35" name="텍스트 상자 92">
+              <a:extLst>
+                <a:ext uri="{FF2B5EF4-FFF2-40B4-BE49-F238E27FC236}">
+                  <a16:creationId xmlns:a16="http://schemas.microsoft.com/office/drawing/2014/main" id="{17B120BE-E416-48A8-9360-8AB3D221F9AD}"/>
+                </a:ext>
+              </a:extLst>
+            </p:cNvPr>
+            <p:cNvSpPr txBox="1">
+              <a:spLocks/>
+            </p:cNvSpPr>
+            <p:nvPr/>
+          </p:nvSpPr>
+          <p:spPr>
+            <a:xfrm rot="21133294">
+              <a:off x="1539923" y="6444690"/>
+              <a:ext cx="2052955" cy="307777"/>
+            </a:xfrm>
+            <a:prstGeom prst="rect">
+              <a:avLst/>
+            </a:prstGeom>
+            <a:noFill/>
+            <a:ln w="0">
+              <a:noFill/>
+              <a:prstDash/>
+            </a:ln>
+          </p:spPr>
+          <p:txBody>
+            <a:bodyPr vert="horz" wrap="square" lIns="91440" tIns="45720" rIns="91440" bIns="45720" numCol="1" anchor="ctr">
+              <a:spAutoFit/>
+            </a:bodyPr>
+            <a:lstStyle/>
+            <a:p>
+              <a:pPr marL="0" indent="0" algn="ctr" rtl="0" latinLnBrk="0">
+                <a:spcBef>
+                  <a:spcPts val="0"/>
+                </a:spcBef>
+                <a:spcAft>
+                  <a:spcPts val="0"/>
+                </a:spcAft>
+                <a:buFontTx/>
+                <a:buNone/>
+              </a:pPr>
+              <a:r>
+                <a:rPr lang="ko-KR" altLang="en-US" sz="1400" b="1" dirty="0" err="1">
+                  <a:solidFill>
+                    <a:srgbClr val="694680"/>
+                  </a:solidFill>
+                  <a:latin typeface="나눔바른고딕" charset="0"/>
+                  <a:ea typeface="나눔바른고딕" charset="0"/>
+                  <a:cs typeface="Arial" charset="0"/>
+                </a:rPr>
+                <a:t>데일리룩</a:t>
+              </a:r>
+              <a:r>
+                <a:rPr lang="ko-KR" altLang="en-US" sz="1400" b="1" dirty="0">
+                  <a:solidFill>
+                    <a:srgbClr val="694680"/>
+                  </a:solidFill>
+                  <a:latin typeface="나눔바른고딕" charset="0"/>
+                  <a:ea typeface="나눔바른고딕" charset="0"/>
+                  <a:cs typeface="Arial" charset="0"/>
+                </a:rPr>
+                <a:t> 검색</a:t>
+              </a:r>
+              <a:r>
+                <a:rPr lang="en-US" altLang="ko-KR" sz="1400" b="1" dirty="0">
+                  <a:solidFill>
+                    <a:srgbClr val="694680"/>
+                  </a:solidFill>
+                  <a:latin typeface="나눔바른고딕" charset="0"/>
+                  <a:ea typeface="나눔바른고딕" charset="0"/>
+                  <a:cs typeface="Arial" charset="0"/>
+                </a:rPr>
+                <a:t> </a:t>
+              </a:r>
+              <a:r>
+                <a:rPr lang="ko-KR" altLang="en-US" sz="1400" b="1" dirty="0">
+                  <a:solidFill>
+                    <a:srgbClr val="694680"/>
+                  </a:solidFill>
+                  <a:latin typeface="나눔바른고딕" charset="0"/>
+                  <a:ea typeface="나눔바른고딕" charset="0"/>
+                  <a:cs typeface="Arial" charset="0"/>
+                </a:rPr>
+                <a:t>홈</a:t>
+              </a:r>
+            </a:p>
+          </p:txBody>
+        </p:sp>
+      </p:grpSp>
     </p:spTree>
+    <p:extLst>
+      <p:ext uri="{BB962C8B-B14F-4D97-AF65-F5344CB8AC3E}">
+        <p14:creationId xmlns:p14="http://schemas.microsoft.com/office/powerpoint/2010/main" val="2504713180"/>
+      </p:ext>
+    </p:extLst>
   </p:cSld>
   <p:clrMapOvr>
     <a:masterClrMapping/>

--- a/기획서/5조 Fit-back.pptx
+++ b/기획서/5조 Fit-back.pptx
@@ -2,36 +2,37 @@
 <file path=ppt/presentation.xml><?xml version="1.0" encoding="utf-8"?>
 <p:presentation xmlns:a="http://schemas.openxmlformats.org/drawingml/2006/main" xmlns:r="http://schemas.openxmlformats.org/officeDocument/2006/relationships" xmlns:p="http://schemas.openxmlformats.org/presentationml/2006/main" xmlns:p14="http://schemas.microsoft.com/office/powerpoint/2010/main" strictFirstAndLastChars="0" saveSubsetFonts="1" autoCompressPictures="0">
   <p:sldMasterIdLst>
-    <p:sldMasterId id="2147483781" r:id="rId32"/>
-    <p:sldMasterId id="2147483782" r:id="rId34"/>
-    <p:sldMasterId id="2147483783" r:id="rId36"/>
+    <p:sldMasterId id="2147483794" r:id="rId42"/>
+    <p:sldMasterId id="2147483795" r:id="rId44"/>
+    <p:sldMasterId id="2147483796" r:id="rId46"/>
+    <p:sldMasterId id="2147483797" r:id="rId48"/>
   </p:sldMasterIdLst>
   <p:notesMasterIdLst>
-    <p:notesMasterId r:id="rId38"/>
+    <p:notesMasterId r:id="rId50"/>
   </p:notesMasterIdLst>
   <p:sldIdLst>
-    <p:sldId id="256" r:id="rId40"/>
-    <p:sldId id="278" r:id="rId42"/>
-    <p:sldId id="286" r:id="rId44"/>
-    <p:sldId id="280" r:id="rId46"/>
-    <p:sldId id="287" r:id="rId48"/>
-    <p:sldId id="298" r:id="rId49"/>
-    <p:sldId id="295" r:id="rId50"/>
-    <p:sldId id="282" r:id="rId51"/>
-    <p:sldId id="294" r:id="rId53"/>
-    <p:sldId id="296" r:id="rId54"/>
-    <p:sldId id="297" r:id="rId55"/>
-    <p:sldId id="292" r:id="rId56"/>
-    <p:sldId id="284" r:id="rId58"/>
-    <p:sldId id="288" r:id="rId60"/>
-    <p:sldId id="293" r:id="rId62"/>
-    <p:sldId id="299" r:id="rId64"/>
-    <p:sldId id="300" r:id="rId65"/>
-    <p:sldId id="301" r:id="rId66"/>
-    <p:sldId id="290" r:id="rId67"/>
-    <p:sldId id="302" r:id="rId69"/>
-    <p:sldId id="279" r:id="rId70"/>
-    <p:sldId id="276" r:id="rId72"/>
+    <p:sldId id="256" r:id="rId52"/>
+    <p:sldId id="278" r:id="rId54"/>
+    <p:sldId id="286" r:id="rId56"/>
+    <p:sldId id="280" r:id="rId58"/>
+    <p:sldId id="287" r:id="rId60"/>
+    <p:sldId id="298" r:id="rId61"/>
+    <p:sldId id="295" r:id="rId63"/>
+    <p:sldId id="303" r:id="rId65"/>
+    <p:sldId id="294" r:id="rId66"/>
+    <p:sldId id="296" r:id="rId68"/>
+    <p:sldId id="297" r:id="rId70"/>
+    <p:sldId id="292" r:id="rId72"/>
+    <p:sldId id="284" r:id="rId74"/>
+    <p:sldId id="288" r:id="rId76"/>
+    <p:sldId id="293" r:id="rId78"/>
+    <p:sldId id="299" r:id="rId80"/>
+    <p:sldId id="300" r:id="rId82"/>
+    <p:sldId id="301" r:id="rId84"/>
+    <p:sldId id="290" r:id="rId86"/>
+    <p:sldId id="302" r:id="rId88"/>
+    <p:sldId id="279" r:id="rId90"/>
+    <p:sldId id="276" r:id="rId92"/>
   </p:sldIdLst>
   <p:sldSz cx="18288000" cy="10287000"/>
   <p:notesSz cx="10287000" cy="18288000"/>
@@ -3495,162 +3496,151 @@
 </file>
 
 <file path=ppt/notesSlides/notesSlide8.xml><?xml version="1.0" encoding="utf-8"?>
-<mc:AlternateContent xmlns:mc="http://schemas.openxmlformats.org/markup-compatibility/2006" xmlns:p14="http://schemas.microsoft.com/office/powerpoint/2010/main">
-  <mc:Choice Requires="p14">
-    <p:notes xmlns:a="http://schemas.openxmlformats.org/drawingml/2006/main" xmlns:r="http://schemas.openxmlformats.org/officeDocument/2006/relationships" xmlns:p="http://schemas.openxmlformats.org/presentationml/2006/main">
-      <p:cSld>
-        <p:spTree>
-          <p:nvGrpSpPr>
-            <p:cNvPr id="1" name=""/>
-            <p:cNvGrpSpPr/>
-            <p:nvPr/>
-          </p:nvGrpSpPr>
-          <p:grpSpPr>
-            <a:xfrm>
-              <a:off x="0" y="0"/>
-              <a:ext cx="0" cy="0"/>
-              <a:chOff x="0" y="0"/>
-              <a:chExt cx="0" cy="0"/>
-            </a:xfrm>
-          </p:grpSpPr>
-          <p:sp>
-            <p:nvSpPr>
-              <p:cNvPr id="129" name="Google Shape;129;p3:notes"/>
-              <p:cNvSpPr txBox="1">
-                <a:spLocks noGrp="1"/>
-              </p:cNvSpPr>
-              <p:nvPr>
-                <p:ph type="body" idx="1"/>
-              </p:nvPr>
-            </p:nvSpPr>
-            <p:spPr>
-              <a:xfrm>
-                <a:off x="1028700" y="8686800"/>
-                <a:ext cx="8230235" cy="8230235"/>
-              </a:xfrm>
-              <a:prstGeom prst="rect">
-                <a:avLst/>
-              </a:prstGeom>
-              <a:noFill/>
-              <a:ln w="0">
-                <a:noFill/>
-                <a:prstDash/>
-              </a:ln>
-            </p:spPr>
-            <p:txBody>
-              <a:bodyPr vert="horz" wrap="square" lIns="91440" tIns="91440" rIns="91440" bIns="91440" numCol="1" anchor="t">
-                <a:noAutofit/>
-              </a:bodyPr>
-              <a:lstStyle/>
-              <a:p>
-                <a:pPr marL="0" indent="0" algn="l" rtl="0" latinLnBrk="0">
-                  <a:spcBef>
-                    <a:spcPts val="0"/>
-                  </a:spcBef>
-                  <a:spcAft>
-                    <a:spcPts val="0"/>
-                  </a:spcAft>
-                  <a:buFontTx/>
-                  <a:buNone/>
-                </a:pPr>
-                <a:endParaRPr/>
-              </a:p>
-            </p:txBody>
-          </p:sp>
-          <p:sp>
-            <p:nvSpPr>
-              <p:cNvPr id="130" name="Google Shape;130;p3:notes"/>
-              <p:cNvSpPr>
-                <a:spLocks noGrp="1" noRot="1" noChangeAspect="1"/>
-              </p:cNvSpPr>
-              <p:nvPr>
-                <p:ph type="sldImg"/>
-              </p:nvPr>
-            </p:nvSpPr>
-            <p:spPr>
-              <a:xfrm>
-                <a:off x="-950913" y="1371600"/>
-                <a:ext cx="12190413" cy="6858000"/>
-              </a:xfrm>
-              <a:custGeom>
-                <a:avLst/>
-                <a:gdLst>
-                  <a:gd name="TX0" fmla="*/ 0 w 120001"/>
-                  <a:gd name="TY0" fmla="*/ 0 h 120001"/>
-                  <a:gd name="TX1" fmla="*/ 120000 w 120001"/>
-                  <a:gd name="TY1" fmla="*/ 0 h 120001"/>
-                  <a:gd name="TX2" fmla="*/ 120000 w 120001"/>
-                  <a:gd name="TY2" fmla="*/ 120000 h 120001"/>
-                  <a:gd name="TX3" fmla="*/ 0 w 120001"/>
-                  <a:gd name="TY3" fmla="*/ 120000 h 120001"/>
-                </a:gdLst>
-                <a:ahLst/>
-                <a:cxnLst>
-                  <a:cxn ang="0">
-                    <a:pos x="TX0" y="TY0"/>
-                  </a:cxn>
-                  <a:cxn ang="0">
-                    <a:pos x="TX1" y="TY1"/>
-                  </a:cxn>
-                  <a:cxn ang="0">
-                    <a:pos x="TX2" y="TY2"/>
-                  </a:cxn>
-                  <a:cxn ang="0">
-                    <a:pos x="TX3" y="TY3"/>
-                  </a:cxn>
-                </a:cxnLst>
-                <a:rect l="l" t="t" r="r" b="b"/>
-                <a:pathLst>
-                  <a:path w="120001" h="120001">
-                    <a:moveTo>
-                      <a:pt x="0" y="0"/>
-                    </a:moveTo>
-                    <a:lnTo>
-                      <a:pt x="120000" y="0"/>
-                    </a:lnTo>
-                    <a:lnTo>
-                      <a:pt x="120000" y="120000"/>
-                    </a:lnTo>
-                    <a:lnTo>
-                      <a:pt x="0" y="120000"/>
-                    </a:lnTo>
-                    <a:close/>
-                  </a:path>
-                </a:pathLst>
-              </a:custGeom>
-              <a:noFill/>
-              <a:ln w="9525" cap="flat" cmpd="sng">
-                <a:solidFill>
-                  <a:srgbClr val="000000">
-                    <a:alpha val="100000"/>
-                  </a:srgbClr>
-                </a:solidFill>
-                <a:prstDash val="solid"/>
-                <a:round/>
-              </a:ln>
-            </p:spPr>
-            <p:txBody>
-              <a:bodyPr vert="horz" wrap="square" lIns="0" tIns="0" rIns="0" bIns="0" anchor="t">
-                <a:noAutofit/>
-              </a:bodyPr>
-              <a:lstStyle/>
-              <a:p>
-                <a:pPr marL="0" indent="0"/>
-                <a:endParaRPr/>
-              </a:p>
-            </p:txBody>
-          </p:sp>
-        </p:spTree>
-      </p:cSld>
-      <p:clrMapOvr>
-        <a:masterClrMapping/>
-      </p:clrMapOvr>
-    </p:notes>
-  </mc:Choice>
-  <mc:Fallback xmlns:mc="http://schemas.openxmlformats.org/markup-compatibility/2006" xmlns:p="http://schemas.openxmlformats.org/presentationml/2006/main" xmlns:r="http://schemas.openxmlformats.org/officeDocument/2006/relationships" xmlns:a="http://schemas.openxmlformats.org/drawingml/2006/main" xmlns="" xmlns:p14="http://schemas.microsoft.com/office/powerpoint/2010/main">
-    <p:transition spd="slow"/>
-  </mc:Fallback>
-</mc:AlternateContent>
+<p:notes xmlns:a="http://schemas.openxmlformats.org/drawingml/2006/main" xmlns:r="http://schemas.openxmlformats.org/officeDocument/2006/relationships" xmlns:p="http://schemas.openxmlformats.org/presentationml/2006/main">
+  <p:cSld>
+    <p:spTree>
+      <p:nvGrpSpPr>
+        <p:cNvPr id="1" name=""/>
+        <p:cNvGrpSpPr/>
+        <p:nvPr/>
+      </p:nvGrpSpPr>
+      <p:grpSpPr>
+        <a:xfrm>
+          <a:off x="0" y="0"/>
+          <a:ext cx="0" cy="0"/>
+          <a:chOff x="0" y="0"/>
+          <a:chExt cx="0" cy="0"/>
+        </a:xfrm>
+      </p:grpSpPr>
+      <p:sp>
+        <p:nvSpPr>
+          <p:cNvPr id="129" name="Rect 0"/>
+          <p:cNvSpPr txBox="1">
+            <a:spLocks/>
+          </p:cNvSpPr>
+          <p:nvPr>
+            <p:ph type="body"/>
+          </p:nvPr>
+        </p:nvSpPr>
+        <p:spPr>
+          <a:xfrm rot="0">
+            <a:off x="1028700" y="8686800"/>
+            <a:ext cx="8230870" cy="8230870"/>
+          </a:xfrm>
+          <a:prstGeom prst="rect"/>
+          <a:noFill/>
+          <a:ln w="0">
+            <a:noFill/>
+            <a:prstDash/>
+          </a:ln>
+        </p:spPr>
+        <p:txBody>
+          <a:bodyPr wrap="square" lIns="91440" tIns="91440" rIns="91440" bIns="91440" vert="horz" anchor="t">
+            <a:noAutofit/>
+          </a:bodyPr>
+          <a:lstStyle/>
+          <a:p>
+            <a:pPr marL="0" indent="0" rtl="0" algn="l" latinLnBrk="0">
+              <a:buFontTx/>
+              <a:buNone/>
+            </a:pPr>
+          </a:p>
+        </p:txBody>
+      </p:sp>
+      <p:sp>
+        <p:nvSpPr>
+          <p:cNvPr id="130" name="Rect 0"/>
+          <p:cNvSpPr>
+            <a:spLocks noChangeAspect="1"/>
+          </p:cNvSpPr>
+          <p:nvPr>
+            <p:ph type="sldImg"/>
+          </p:nvPr>
+        </p:nvSpPr>
+        <p:spPr>
+          <a:xfrm rot="0">
+            <a:off x="-951230" y="1371600"/>
+            <a:ext cx="12191365" cy="6858635"/>
+          </a:xfrm>
+          <a:custGeom>
+            <a:gdLst>
+              <a:gd fmla="*/ 0 w 120002" name="TX0"/>
+              <a:gd fmla="*/ 0 h 120002" name="TY0"/>
+              <a:gd fmla="*/ 120000 w 120002" name="TX1"/>
+              <a:gd fmla="*/ 0 h 120002" name="TY1"/>
+              <a:gd fmla="*/ 120000 w 120002" name="TX2"/>
+              <a:gd fmla="*/ 120000 h 120002" name="TY2"/>
+              <a:gd fmla="*/ 0 w 120002" name="TX3"/>
+              <a:gd fmla="*/ 120000 h 120002" name="TY3"/>
+            </a:gdLst>
+            <a:cxnLst>
+              <a:cxn ang="0">
+                <a:pos x="TX0" y="TY0"/>
+              </a:cxn>
+              <a:cxn ang="0">
+                <a:pos x="TX1" y="TY1"/>
+              </a:cxn>
+              <a:cxn ang="0">
+                <a:pos x="TX2" y="TY2"/>
+              </a:cxn>
+              <a:cxn ang="0">
+                <a:pos x="TX3" y="TY3"/>
+              </a:cxn>
+            </a:cxnLst>
+            <a:rect l="l" t="t" r="r" b="b"/>
+            <a:pathLst>
+              <a:path w="120002" h="120002">
+                <a:moveTo>
+                  <a:pt x="0" y="0"/>
+                </a:moveTo>
+                <a:lnTo>
+                  <a:pt x="120000" y="0"/>
+                </a:lnTo>
+                <a:lnTo>
+                  <a:pt x="120000" y="120000"/>
+                </a:lnTo>
+                <a:lnTo>
+                  <a:pt x="0" y="120000"/>
+                </a:lnTo>
+                <a:close/>
+              </a:path>
+            </a:pathLst>
+          </a:custGeom>
+          <a:noFill/>
+          <a:ln w="9525" cap="flat" cmpd="sng">
+            <a:solidFill>
+              <a:srgbClr val="000000">
+                <a:alpha val="100000"/>
+              </a:srgbClr>
+            </a:solidFill>
+            <a:prstDash val="solid"/>
+            <a:round/>
+          </a:ln>
+        </p:spPr>
+        <p:txBody>
+          <a:bodyPr wrap="square" lIns="0" tIns="0" rIns="0" bIns="0" vert="horz" anchor="t">
+            <a:noAutofit/>
+          </a:bodyPr>
+          <a:lstStyle/>
+          <a:p>
+            <a:pPr marL="0" indent="0" latinLnBrk="0"/>
+          </a:p>
+        </p:txBody>
+      </p:sp>
+    </p:spTree>
+  </p:cSld>
+  <p:clrMapOvr>
+    <a:masterClrMapping/>
+  </p:clrMapOvr>
+  <mc:AlternateContent xmlns:mc="http://schemas.openxmlformats.org/markup-compatibility/2006">
+    <mc:Choice xmlns:p14="http://schemas.microsoft.com/office/powerpoint/2010/main" Requires="p14">
+      <p:transition spd="slow" p14:dur="0"/>
+    </mc:Choice>
+    <mc:Fallback>
+      <p:transition spd="slow"/>
+    </mc:Fallback>
+  </mc:AlternateContent>
+</p:notes>
 </file>
 
 <file path=ppt/notesSlides/notesSlide9.xml><?xml version="1.0" encoding="utf-8"?>
@@ -11487,6 +11477,2016 @@
 </p:sldLayout>
 </file>
 
+<file path=ppt/slideLayouts/slideLayout31.xml><?xml version="1.0" encoding="utf-8"?>
+<p:sldLayout xmlns:a="http://schemas.openxmlformats.org/drawingml/2006/main" xmlns:r="http://schemas.openxmlformats.org/officeDocument/2006/relationships" xmlns:p="http://schemas.openxmlformats.org/presentationml/2006/main" type="title">
+  <p:cSld name="TITLE">
+    <p:spTree>
+      <p:nvGrpSpPr>
+        <p:cNvPr id="1" name=""/>
+        <p:cNvGrpSpPr/>
+        <p:nvPr/>
+      </p:nvGrpSpPr>
+      <p:grpSpPr>
+        <a:xfrm>
+          <a:off x="0" y="0"/>
+          <a:ext cx="0" cy="0"/>
+          <a:chOff x="0" y="0"/>
+          <a:chExt cx="0" cy="0"/>
+        </a:xfrm>
+      </p:grpSpPr>
+      <p:sp>
+        <p:nvSpPr>
+          <p:cNvPr id="12" name="Rect 0"/>
+          <p:cNvSpPr txBox="1">
+            <a:spLocks/>
+          </p:cNvSpPr>
+          <p:nvPr>
+            <p:ph type="ctrTitle"/>
+          </p:nvPr>
+        </p:nvSpPr>
+        <p:spPr>
+          <a:xfrm rot="0">
+            <a:off x="685800" y="2130425"/>
+            <a:ext cx="7773035" cy="1470660"/>
+          </a:xfrm>
+          <a:prstGeom prst="rect"/>
+          <a:noFill/>
+          <a:ln w="0">
+            <a:noFill/>
+            <a:prstDash/>
+          </a:ln>
+        </p:spPr>
+        <p:txBody>
+          <a:bodyPr wrap="square" lIns="91440" tIns="45720" rIns="91440" bIns="45720" vert="horz" anchor="ctr">
+            <a:normAutofit fontScale="100000" lnSpcReduction="0"/>
+          </a:bodyPr>
+          <a:lstStyle/>
+          <a:p>
+            <a:pPr marL="0" indent="0" latinLnBrk="0">
+              <a:buFontTx/>
+              <a:buNone/>
+            </a:pPr>
+          </a:p>
+        </p:txBody>
+      </p:sp>
+      <p:sp>
+        <p:nvSpPr>
+          <p:cNvPr id="13" name="Rect 0"/>
+          <p:cNvSpPr txBox="1">
+            <a:spLocks/>
+          </p:cNvSpPr>
+          <p:nvPr>
+            <p:ph type="subTitle"/>
+          </p:nvPr>
+        </p:nvSpPr>
+        <p:spPr>
+          <a:xfrm rot="0">
+            <a:off x="1371600" y="3886200"/>
+            <a:ext cx="6401435" cy="1753235"/>
+          </a:xfrm>
+          <a:prstGeom prst="rect"/>
+          <a:noFill/>
+          <a:ln w="0">
+            <a:noFill/>
+            <a:prstDash/>
+          </a:ln>
+        </p:spPr>
+        <p:txBody>
+          <a:bodyPr wrap="square" lIns="91440" tIns="45720" rIns="91440" bIns="45720" vert="horz" anchor="t">
+            <a:normAutofit fontScale="100000" lnSpcReduction="0"/>
+          </a:bodyPr>
+          <a:lstStyle/>
+          <a:p>
+            <a:pPr marL="0" indent="0" latinLnBrk="0">
+              <a:buFontTx/>
+              <a:buNone/>
+            </a:pPr>
+          </a:p>
+        </p:txBody>
+      </p:sp>
+      <p:sp>
+        <p:nvSpPr>
+          <p:cNvPr id="14" name="Rect 0"/>
+          <p:cNvSpPr txBox="1">
+            <a:spLocks/>
+          </p:cNvSpPr>
+          <p:nvPr>
+            <p:ph type="dt"/>
+          </p:nvPr>
+        </p:nvSpPr>
+        <p:spPr>
+          <a:xfrm rot="0">
+            <a:off x="457200" y="6356350"/>
+            <a:ext cx="2134235" cy="365760"/>
+          </a:xfrm>
+          <a:prstGeom prst="rect"/>
+          <a:noFill/>
+          <a:ln w="0">
+            <a:noFill/>
+            <a:prstDash/>
+          </a:ln>
+        </p:spPr>
+        <p:txBody>
+          <a:bodyPr wrap="square" lIns="91440" tIns="45720" rIns="91440" bIns="45720" vert="horz" anchor="ctr">
+            <a:noAutofit/>
+          </a:bodyPr>
+          <a:lstStyle/>
+          <a:p>
+            <a:pPr marL="0" indent="0" latinLnBrk="0">
+              <a:buFontTx/>
+              <a:buNone/>
+            </a:pPr>
+          </a:p>
+        </p:txBody>
+      </p:sp>
+      <p:sp>
+        <p:nvSpPr>
+          <p:cNvPr id="15" name="Rect 0"/>
+          <p:cNvSpPr txBox="1">
+            <a:spLocks/>
+          </p:cNvSpPr>
+          <p:nvPr>
+            <p:ph type="ftr"/>
+          </p:nvPr>
+        </p:nvSpPr>
+        <p:spPr>
+          <a:xfrm rot="0">
+            <a:off x="3124200" y="6356350"/>
+            <a:ext cx="2896235" cy="365760"/>
+          </a:xfrm>
+          <a:prstGeom prst="rect"/>
+          <a:noFill/>
+          <a:ln w="0">
+            <a:noFill/>
+            <a:prstDash/>
+          </a:ln>
+        </p:spPr>
+        <p:txBody>
+          <a:bodyPr wrap="square" lIns="91440" tIns="45720" rIns="91440" bIns="45720" vert="horz" anchor="ctr">
+            <a:noAutofit/>
+          </a:bodyPr>
+          <a:lstStyle/>
+          <a:p>
+            <a:pPr marL="0" indent="0" latinLnBrk="0">
+              <a:buFontTx/>
+              <a:buNone/>
+            </a:pPr>
+          </a:p>
+        </p:txBody>
+      </p:sp>
+      <p:sp>
+        <p:nvSpPr>
+          <p:cNvPr id="16" name="Rect 0"/>
+          <p:cNvSpPr txBox="1">
+            <a:spLocks/>
+          </p:cNvSpPr>
+          <p:nvPr>
+            <p:ph type="sldNum"/>
+          </p:nvPr>
+        </p:nvSpPr>
+        <p:spPr>
+          <a:xfrm rot="0">
+            <a:off x="6553200" y="6356350"/>
+            <a:ext cx="2134235" cy="365760"/>
+          </a:xfrm>
+          <a:prstGeom prst="rect"/>
+          <a:noFill/>
+          <a:ln w="0">
+            <a:noFill/>
+            <a:prstDash/>
+          </a:ln>
+        </p:spPr>
+        <p:txBody>
+          <a:bodyPr wrap="square" lIns="91440" tIns="45720" rIns="91440" bIns="45720" vert="horz" anchor="ctr">
+            <a:noAutofit/>
+          </a:bodyPr>
+          <a:lstStyle/>
+          <a:p>
+            <a:pPr marL="0" indent="0" rtl="0" algn="r" latinLnBrk="0">
+              <a:buFontTx/>
+              <a:buNone/>
+            </a:pPr>
+            <a:fld id="{B9320F77-B9A0-41C5-862A-B4B631284C64}" type="slidenum">
+              <a:rPr>
+                <a:latin typeface="맑은 고딕" charset="0"/>
+                <a:ea typeface="맑은 고딕" charset="0"/>
+              </a:rPr>
+              <a:t>‹#›</a:t>
+            </a:fld>
+          </a:p>
+        </p:txBody>
+      </p:sp>
+    </p:spTree>
+  </p:cSld>
+  <p:clrMapOvr>
+    <a:overrideClrMapping bg1="lt1" tx1="dk1" bg2="lt2" tx2="dk2" accent1="accent1" accent2="accent2" accent3="accent3" accent4="accent4" accent5="accent5" accent6="accent6" hlink="hlink" folHlink="folHlink"/>
+  </p:clrMapOvr>
+  <mc:AlternateContent xmlns:mc="http://schemas.openxmlformats.org/markup-compatibility/2006">
+    <mc:Choice xmlns:p14="http://schemas.microsoft.com/office/powerpoint/2010/main" Requires="p14">
+      <p:transition spd="slow" p14:dur="2000"/>
+    </mc:Choice>
+    <mc:Fallback>
+      <p:transition spd="slow"/>
+    </mc:Fallback>
+  </mc:AlternateContent>
+</p:sldLayout>
+</file>
+
+<file path=ppt/slideLayouts/slideLayout32.xml><?xml version="1.0" encoding="utf-8"?>
+<p:sldLayout xmlns:a="http://schemas.openxmlformats.org/drawingml/2006/main" xmlns:r="http://schemas.openxmlformats.org/officeDocument/2006/relationships" xmlns:p="http://schemas.openxmlformats.org/presentationml/2006/main" type="secHead">
+  <p:cSld name="SECTION_HEADER">
+    <p:spTree>
+      <p:nvGrpSpPr>
+        <p:cNvPr id="1" name=""/>
+        <p:cNvGrpSpPr/>
+        <p:nvPr/>
+      </p:nvGrpSpPr>
+      <p:grpSpPr>
+        <a:xfrm>
+          <a:off x="0" y="0"/>
+          <a:ext cx="0" cy="0"/>
+          <a:chOff x="0" y="0"/>
+          <a:chExt cx="0" cy="0"/>
+        </a:xfrm>
+      </p:grpSpPr>
+      <p:sp>
+        <p:nvSpPr>
+          <p:cNvPr id="24" name="Rect 0"/>
+          <p:cNvSpPr txBox="1">
+            <a:spLocks/>
+          </p:cNvSpPr>
+          <p:nvPr>
+            <p:ph type="title"/>
+          </p:nvPr>
+        </p:nvSpPr>
+        <p:spPr>
+          <a:xfrm rot="0">
+            <a:off x="722630" y="4406900"/>
+            <a:ext cx="7773035" cy="1362710"/>
+          </a:xfrm>
+          <a:prstGeom prst="rect"/>
+          <a:noFill/>
+          <a:ln w="0">
+            <a:noFill/>
+            <a:prstDash/>
+          </a:ln>
+        </p:spPr>
+        <p:txBody>
+          <a:bodyPr wrap="square" lIns="91440" tIns="45720" rIns="91440" bIns="45720" vert="horz" anchor="t">
+            <a:normAutofit fontScale="100000" lnSpcReduction="0"/>
+          </a:bodyPr>
+          <a:lstStyle/>
+          <a:p>
+            <a:pPr marL="0" indent="0" latinLnBrk="0">
+              <a:buFontTx/>
+              <a:buNone/>
+            </a:pPr>
+          </a:p>
+        </p:txBody>
+      </p:sp>
+      <p:sp>
+        <p:nvSpPr>
+          <p:cNvPr id="25" name="Rect 0"/>
+          <p:cNvSpPr txBox="1">
+            <a:spLocks/>
+          </p:cNvSpPr>
+          <p:nvPr>
+            <p:ph type="body"/>
+          </p:nvPr>
+        </p:nvSpPr>
+        <p:spPr>
+          <a:xfrm rot="0">
+            <a:off x="722630" y="2907030"/>
+            <a:ext cx="7773035" cy="1500505"/>
+          </a:xfrm>
+          <a:prstGeom prst="rect"/>
+          <a:noFill/>
+          <a:ln w="0">
+            <a:noFill/>
+            <a:prstDash/>
+          </a:ln>
+        </p:spPr>
+        <p:txBody>
+          <a:bodyPr wrap="square" lIns="91440" tIns="45720" rIns="91440" bIns="45720" vert="horz" anchor="b">
+            <a:normAutofit fontScale="100000" lnSpcReduction="0"/>
+          </a:bodyPr>
+          <a:lstStyle/>
+          <a:p>
+            <a:pPr marL="457200" indent="-228600" latinLnBrk="0">
+              <a:buFontTx/>
+              <a:buNone/>
+            </a:pPr>
+          </a:p>
+        </p:txBody>
+      </p:sp>
+      <p:sp>
+        <p:nvSpPr>
+          <p:cNvPr id="26" name="Rect 0"/>
+          <p:cNvSpPr txBox="1">
+            <a:spLocks/>
+          </p:cNvSpPr>
+          <p:nvPr>
+            <p:ph type="dt"/>
+          </p:nvPr>
+        </p:nvSpPr>
+        <p:spPr>
+          <a:xfrm rot="0">
+            <a:off x="457200" y="6356350"/>
+            <a:ext cx="2134235" cy="365760"/>
+          </a:xfrm>
+          <a:prstGeom prst="rect"/>
+          <a:noFill/>
+          <a:ln w="0">
+            <a:noFill/>
+            <a:prstDash/>
+          </a:ln>
+        </p:spPr>
+        <p:txBody>
+          <a:bodyPr wrap="square" lIns="91440" tIns="45720" rIns="91440" bIns="45720" vert="horz" anchor="ctr">
+            <a:noAutofit/>
+          </a:bodyPr>
+          <a:lstStyle/>
+          <a:p>
+            <a:pPr marL="0" indent="0" latinLnBrk="0">
+              <a:buFontTx/>
+              <a:buNone/>
+            </a:pPr>
+          </a:p>
+        </p:txBody>
+      </p:sp>
+      <p:sp>
+        <p:nvSpPr>
+          <p:cNvPr id="27" name="Rect 0"/>
+          <p:cNvSpPr txBox="1">
+            <a:spLocks/>
+          </p:cNvSpPr>
+          <p:nvPr>
+            <p:ph type="ftr"/>
+          </p:nvPr>
+        </p:nvSpPr>
+        <p:spPr>
+          <a:xfrm rot="0">
+            <a:off x="3124200" y="6356350"/>
+            <a:ext cx="2896235" cy="365760"/>
+          </a:xfrm>
+          <a:prstGeom prst="rect"/>
+          <a:noFill/>
+          <a:ln w="0">
+            <a:noFill/>
+            <a:prstDash/>
+          </a:ln>
+        </p:spPr>
+        <p:txBody>
+          <a:bodyPr wrap="square" lIns="91440" tIns="45720" rIns="91440" bIns="45720" vert="horz" anchor="ctr">
+            <a:noAutofit/>
+          </a:bodyPr>
+          <a:lstStyle/>
+          <a:p>
+            <a:pPr marL="0" indent="0" latinLnBrk="0">
+              <a:buFontTx/>
+              <a:buNone/>
+            </a:pPr>
+          </a:p>
+        </p:txBody>
+      </p:sp>
+      <p:sp>
+        <p:nvSpPr>
+          <p:cNvPr id="28" name="Rect 0"/>
+          <p:cNvSpPr txBox="1">
+            <a:spLocks/>
+          </p:cNvSpPr>
+          <p:nvPr>
+            <p:ph type="sldNum"/>
+          </p:nvPr>
+        </p:nvSpPr>
+        <p:spPr>
+          <a:xfrm rot="0">
+            <a:off x="6553200" y="6356350"/>
+            <a:ext cx="2134235" cy="365760"/>
+          </a:xfrm>
+          <a:prstGeom prst="rect"/>
+          <a:noFill/>
+          <a:ln w="0">
+            <a:noFill/>
+            <a:prstDash/>
+          </a:ln>
+        </p:spPr>
+        <p:txBody>
+          <a:bodyPr wrap="square" lIns="91440" tIns="45720" rIns="91440" bIns="45720" vert="horz" anchor="ctr">
+            <a:noAutofit/>
+          </a:bodyPr>
+          <a:lstStyle/>
+          <a:p>
+            <a:pPr marL="0" indent="0" rtl="0" algn="r" latinLnBrk="0">
+              <a:buFontTx/>
+              <a:buNone/>
+            </a:pPr>
+            <a:fld id="{B9320F77-B9A0-41C5-862A-B4B631284C64}" type="slidenum">
+              <a:rPr>
+                <a:latin typeface="맑은 고딕" charset="0"/>
+                <a:ea typeface="맑은 고딕" charset="0"/>
+              </a:rPr>
+              <a:t>‹#›</a:t>
+            </a:fld>
+          </a:p>
+        </p:txBody>
+      </p:sp>
+    </p:spTree>
+  </p:cSld>
+  <p:clrMapOvr>
+    <a:overrideClrMapping bg1="lt1" tx1="dk1" bg2="lt2" tx2="dk2" accent1="accent1" accent2="accent2" accent3="accent3" accent4="accent4" accent5="accent5" accent6="accent6" hlink="hlink" folHlink="folHlink"/>
+  </p:clrMapOvr>
+  <mc:AlternateContent xmlns:mc="http://schemas.openxmlformats.org/markup-compatibility/2006">
+    <mc:Choice xmlns:p14="http://schemas.microsoft.com/office/powerpoint/2010/main" Requires="p14">
+      <p:transition spd="slow" p14:dur="2000"/>
+    </mc:Choice>
+    <mc:Fallback>
+      <p:transition spd="slow"/>
+    </mc:Fallback>
+  </mc:AlternateContent>
+</p:sldLayout>
+</file>
+
+<file path=ppt/slideLayouts/slideLayout33.xml><?xml version="1.0" encoding="utf-8"?>
+<p:sldLayout xmlns:a="http://schemas.openxmlformats.org/drawingml/2006/main" xmlns:r="http://schemas.openxmlformats.org/officeDocument/2006/relationships" xmlns:p="http://schemas.openxmlformats.org/presentationml/2006/main" type="twoObj">
+  <p:cSld name="TWO_OBJECTS">
+    <p:spTree>
+      <p:nvGrpSpPr>
+        <p:cNvPr id="1" name=""/>
+        <p:cNvGrpSpPr/>
+        <p:nvPr/>
+      </p:nvGrpSpPr>
+      <p:grpSpPr>
+        <a:xfrm>
+          <a:off x="0" y="0"/>
+          <a:ext cx="0" cy="0"/>
+          <a:chOff x="0" y="0"/>
+          <a:chExt cx="0" cy="0"/>
+        </a:xfrm>
+      </p:grpSpPr>
+      <p:sp>
+        <p:nvSpPr>
+          <p:cNvPr id="30" name="Rect 0"/>
+          <p:cNvSpPr txBox="1">
+            <a:spLocks/>
+          </p:cNvSpPr>
+          <p:nvPr>
+            <p:ph type="title"/>
+          </p:nvPr>
+        </p:nvSpPr>
+        <p:spPr>
+          <a:xfrm rot="0">
+            <a:off x="457200" y="274955"/>
+            <a:ext cx="8230235" cy="1143635"/>
+          </a:xfrm>
+          <a:prstGeom prst="rect"/>
+          <a:noFill/>
+          <a:ln w="0">
+            <a:noFill/>
+            <a:prstDash/>
+          </a:ln>
+        </p:spPr>
+        <p:txBody>
+          <a:bodyPr wrap="square" lIns="91440" tIns="45720" rIns="91440" bIns="45720" vert="horz" anchor="ctr">
+            <a:normAutofit fontScale="100000" lnSpcReduction="0"/>
+          </a:bodyPr>
+          <a:lstStyle/>
+          <a:p>
+            <a:pPr marL="0" indent="0" latinLnBrk="0">
+              <a:buFontTx/>
+              <a:buNone/>
+            </a:pPr>
+          </a:p>
+        </p:txBody>
+      </p:sp>
+      <p:sp>
+        <p:nvSpPr>
+          <p:cNvPr id="31" name="Rect 0"/>
+          <p:cNvSpPr txBox="1">
+            <a:spLocks/>
+          </p:cNvSpPr>
+          <p:nvPr>
+            <p:ph type="body"/>
+          </p:nvPr>
+        </p:nvSpPr>
+        <p:spPr>
+          <a:xfrm rot="0">
+            <a:off x="457200" y="1600200"/>
+            <a:ext cx="4039235" cy="4526915"/>
+          </a:xfrm>
+          <a:prstGeom prst="rect"/>
+          <a:noFill/>
+          <a:ln w="0">
+            <a:noFill/>
+            <a:prstDash/>
+          </a:ln>
+        </p:spPr>
+        <p:txBody>
+          <a:bodyPr wrap="square" lIns="91440" tIns="45720" rIns="91440" bIns="45720" vert="horz" anchor="t">
+            <a:normAutofit fontScale="100000" lnSpcReduction="0"/>
+          </a:bodyPr>
+          <a:lstStyle/>
+          <a:p>
+            <a:pPr marL="457200" indent="-406400" latinLnBrk="0"/>
+          </a:p>
+        </p:txBody>
+      </p:sp>
+      <p:sp>
+        <p:nvSpPr>
+          <p:cNvPr id="32" name="Rect 0"/>
+          <p:cNvSpPr txBox="1">
+            <a:spLocks/>
+          </p:cNvSpPr>
+          <p:nvPr>
+            <p:ph type="body"/>
+          </p:nvPr>
+        </p:nvSpPr>
+        <p:spPr>
+          <a:xfrm rot="0">
+            <a:off x="4648200" y="1600200"/>
+            <a:ext cx="4039235" cy="4526915"/>
+          </a:xfrm>
+          <a:prstGeom prst="rect"/>
+          <a:noFill/>
+          <a:ln w="0">
+            <a:noFill/>
+            <a:prstDash/>
+          </a:ln>
+        </p:spPr>
+        <p:txBody>
+          <a:bodyPr wrap="square" lIns="91440" tIns="45720" rIns="91440" bIns="45720" vert="horz" anchor="t">
+            <a:normAutofit fontScale="100000" lnSpcReduction="0"/>
+          </a:bodyPr>
+          <a:lstStyle/>
+          <a:p>
+            <a:pPr marL="457200" indent="-406400" latinLnBrk="0"/>
+          </a:p>
+        </p:txBody>
+      </p:sp>
+      <p:sp>
+        <p:nvSpPr>
+          <p:cNvPr id="33" name="Rect 0"/>
+          <p:cNvSpPr txBox="1">
+            <a:spLocks/>
+          </p:cNvSpPr>
+          <p:nvPr>
+            <p:ph type="dt"/>
+          </p:nvPr>
+        </p:nvSpPr>
+        <p:spPr>
+          <a:xfrm rot="0">
+            <a:off x="457200" y="6356350"/>
+            <a:ext cx="2134235" cy="365760"/>
+          </a:xfrm>
+          <a:prstGeom prst="rect"/>
+          <a:noFill/>
+          <a:ln w="0">
+            <a:noFill/>
+            <a:prstDash/>
+          </a:ln>
+        </p:spPr>
+        <p:txBody>
+          <a:bodyPr wrap="square" lIns="91440" tIns="45720" rIns="91440" bIns="45720" vert="horz" anchor="ctr">
+            <a:noAutofit/>
+          </a:bodyPr>
+          <a:lstStyle/>
+          <a:p>
+            <a:pPr marL="0" indent="0" latinLnBrk="0">
+              <a:buFontTx/>
+              <a:buNone/>
+            </a:pPr>
+          </a:p>
+        </p:txBody>
+      </p:sp>
+      <p:sp>
+        <p:nvSpPr>
+          <p:cNvPr id="34" name="Rect 0"/>
+          <p:cNvSpPr txBox="1">
+            <a:spLocks/>
+          </p:cNvSpPr>
+          <p:nvPr>
+            <p:ph type="ftr"/>
+          </p:nvPr>
+        </p:nvSpPr>
+        <p:spPr>
+          <a:xfrm rot="0">
+            <a:off x="3124200" y="6356350"/>
+            <a:ext cx="2896235" cy="365760"/>
+          </a:xfrm>
+          <a:prstGeom prst="rect"/>
+          <a:noFill/>
+          <a:ln w="0">
+            <a:noFill/>
+            <a:prstDash/>
+          </a:ln>
+        </p:spPr>
+        <p:txBody>
+          <a:bodyPr wrap="square" lIns="91440" tIns="45720" rIns="91440" bIns="45720" vert="horz" anchor="ctr">
+            <a:noAutofit/>
+          </a:bodyPr>
+          <a:lstStyle/>
+          <a:p>
+            <a:pPr marL="0" indent="0" latinLnBrk="0">
+              <a:buFontTx/>
+              <a:buNone/>
+            </a:pPr>
+          </a:p>
+        </p:txBody>
+      </p:sp>
+      <p:sp>
+        <p:nvSpPr>
+          <p:cNvPr id="35" name="Rect 0"/>
+          <p:cNvSpPr txBox="1">
+            <a:spLocks/>
+          </p:cNvSpPr>
+          <p:nvPr>
+            <p:ph type="sldNum"/>
+          </p:nvPr>
+        </p:nvSpPr>
+        <p:spPr>
+          <a:xfrm rot="0">
+            <a:off x="6553200" y="6356350"/>
+            <a:ext cx="2134235" cy="365760"/>
+          </a:xfrm>
+          <a:prstGeom prst="rect"/>
+          <a:noFill/>
+          <a:ln w="0">
+            <a:noFill/>
+            <a:prstDash/>
+          </a:ln>
+        </p:spPr>
+        <p:txBody>
+          <a:bodyPr wrap="square" lIns="91440" tIns="45720" rIns="91440" bIns="45720" vert="horz" anchor="ctr">
+            <a:noAutofit/>
+          </a:bodyPr>
+          <a:lstStyle/>
+          <a:p>
+            <a:pPr marL="0" indent="0" rtl="0" algn="r" latinLnBrk="0">
+              <a:buFontTx/>
+              <a:buNone/>
+            </a:pPr>
+            <a:fld id="{B9320F77-B9A0-41C5-862A-B4B631284C64}" type="slidenum">
+              <a:rPr>
+                <a:latin typeface="맑은 고딕" charset="0"/>
+                <a:ea typeface="맑은 고딕" charset="0"/>
+              </a:rPr>
+              <a:t>‹#›</a:t>
+            </a:fld>
+          </a:p>
+        </p:txBody>
+      </p:sp>
+    </p:spTree>
+  </p:cSld>
+  <p:clrMapOvr>
+    <a:overrideClrMapping bg1="lt1" tx1="dk1" bg2="lt2" tx2="dk2" accent1="accent1" accent2="accent2" accent3="accent3" accent4="accent4" accent5="accent5" accent6="accent6" hlink="hlink" folHlink="folHlink"/>
+  </p:clrMapOvr>
+  <mc:AlternateContent xmlns:mc="http://schemas.openxmlformats.org/markup-compatibility/2006">
+    <mc:Choice xmlns:p14="http://schemas.microsoft.com/office/powerpoint/2010/main" Requires="p14">
+      <p:transition spd="slow" p14:dur="2000"/>
+    </mc:Choice>
+    <mc:Fallback>
+      <p:transition spd="slow"/>
+    </mc:Fallback>
+  </mc:AlternateContent>
+</p:sldLayout>
+</file>
+
+<file path=ppt/slideLayouts/slideLayout34.xml><?xml version="1.0" encoding="utf-8"?>
+<p:sldLayout xmlns:a="http://schemas.openxmlformats.org/drawingml/2006/main" xmlns:r="http://schemas.openxmlformats.org/officeDocument/2006/relationships" xmlns:p="http://schemas.openxmlformats.org/presentationml/2006/main" type="twoTxTwoObj">
+  <p:cSld name="TWO_OBJECTS_WITH_TEXT">
+    <p:spTree>
+      <p:nvGrpSpPr>
+        <p:cNvPr id="1" name=""/>
+        <p:cNvGrpSpPr/>
+        <p:nvPr/>
+      </p:nvGrpSpPr>
+      <p:grpSpPr>
+        <a:xfrm>
+          <a:off x="0" y="0"/>
+          <a:ext cx="0" cy="0"/>
+          <a:chOff x="0" y="0"/>
+          <a:chExt cx="0" cy="0"/>
+        </a:xfrm>
+      </p:grpSpPr>
+      <p:sp>
+        <p:nvSpPr>
+          <p:cNvPr id="37" name="Rect 0"/>
+          <p:cNvSpPr txBox="1">
+            <a:spLocks/>
+          </p:cNvSpPr>
+          <p:nvPr>
+            <p:ph type="title"/>
+          </p:nvPr>
+        </p:nvSpPr>
+        <p:spPr>
+          <a:xfrm rot="0">
+            <a:off x="457200" y="274955"/>
+            <a:ext cx="8230235" cy="1143635"/>
+          </a:xfrm>
+          <a:prstGeom prst="rect"/>
+          <a:noFill/>
+          <a:ln w="0">
+            <a:noFill/>
+            <a:prstDash/>
+          </a:ln>
+        </p:spPr>
+        <p:txBody>
+          <a:bodyPr wrap="square" lIns="91440" tIns="45720" rIns="91440" bIns="45720" vert="horz" anchor="ctr">
+            <a:normAutofit fontScale="100000" lnSpcReduction="0"/>
+          </a:bodyPr>
+          <a:lstStyle/>
+          <a:p>
+            <a:pPr marL="0" indent="0" latinLnBrk="0">
+              <a:buFontTx/>
+              <a:buNone/>
+            </a:pPr>
+          </a:p>
+        </p:txBody>
+      </p:sp>
+      <p:sp>
+        <p:nvSpPr>
+          <p:cNvPr id="38" name="Rect 0"/>
+          <p:cNvSpPr txBox="1">
+            <a:spLocks/>
+          </p:cNvSpPr>
+          <p:nvPr>
+            <p:ph type="body"/>
+          </p:nvPr>
+        </p:nvSpPr>
+        <p:spPr>
+          <a:xfrm rot="0">
+            <a:off x="457200" y="1535430"/>
+            <a:ext cx="4041140" cy="640080"/>
+          </a:xfrm>
+          <a:prstGeom prst="rect"/>
+          <a:noFill/>
+          <a:ln w="0">
+            <a:noFill/>
+            <a:prstDash/>
+          </a:ln>
+        </p:spPr>
+        <p:txBody>
+          <a:bodyPr wrap="square" lIns="91440" tIns="45720" rIns="91440" bIns="45720" vert="horz" anchor="b">
+            <a:normAutofit fontScale="100000" lnSpcReduction="0"/>
+          </a:bodyPr>
+          <a:lstStyle/>
+          <a:p>
+            <a:pPr marL="457200" indent="-228600" latinLnBrk="0">
+              <a:buFontTx/>
+              <a:buNone/>
+            </a:pPr>
+          </a:p>
+        </p:txBody>
+      </p:sp>
+      <p:sp>
+        <p:nvSpPr>
+          <p:cNvPr id="39" name="Rect 0"/>
+          <p:cNvSpPr txBox="1">
+            <a:spLocks/>
+          </p:cNvSpPr>
+          <p:nvPr>
+            <p:ph type="body"/>
+          </p:nvPr>
+        </p:nvSpPr>
+        <p:spPr>
+          <a:xfrm rot="0">
+            <a:off x="457200" y="2174875"/>
+            <a:ext cx="4041140" cy="3952240"/>
+          </a:xfrm>
+          <a:prstGeom prst="rect"/>
+          <a:noFill/>
+          <a:ln w="0">
+            <a:noFill/>
+            <a:prstDash/>
+          </a:ln>
+        </p:spPr>
+        <p:txBody>
+          <a:bodyPr wrap="square" lIns="91440" tIns="45720" rIns="91440" bIns="45720" vert="horz" anchor="t">
+            <a:normAutofit fontScale="100000" lnSpcReduction="0"/>
+          </a:bodyPr>
+          <a:lstStyle/>
+          <a:p>
+            <a:pPr marL="457200" indent="-381000" latinLnBrk="0"/>
+          </a:p>
+        </p:txBody>
+      </p:sp>
+      <p:sp>
+        <p:nvSpPr>
+          <p:cNvPr id="40" name="Rect 0"/>
+          <p:cNvSpPr txBox="1">
+            <a:spLocks/>
+          </p:cNvSpPr>
+          <p:nvPr>
+            <p:ph type="body"/>
+          </p:nvPr>
+        </p:nvSpPr>
+        <p:spPr>
+          <a:xfrm rot="0">
+            <a:off x="4645025" y="1535430"/>
+            <a:ext cx="4042410" cy="640080"/>
+          </a:xfrm>
+          <a:prstGeom prst="rect"/>
+          <a:noFill/>
+          <a:ln w="0">
+            <a:noFill/>
+            <a:prstDash/>
+          </a:ln>
+        </p:spPr>
+        <p:txBody>
+          <a:bodyPr wrap="square" lIns="91440" tIns="45720" rIns="91440" bIns="45720" vert="horz" anchor="b">
+            <a:normAutofit fontScale="100000" lnSpcReduction="0"/>
+          </a:bodyPr>
+          <a:lstStyle/>
+          <a:p>
+            <a:pPr marL="457200" indent="-228600" latinLnBrk="0">
+              <a:buFontTx/>
+              <a:buNone/>
+            </a:pPr>
+          </a:p>
+        </p:txBody>
+      </p:sp>
+      <p:sp>
+        <p:nvSpPr>
+          <p:cNvPr id="41" name="Rect 0"/>
+          <p:cNvSpPr txBox="1">
+            <a:spLocks/>
+          </p:cNvSpPr>
+          <p:nvPr>
+            <p:ph type="body"/>
+          </p:nvPr>
+        </p:nvSpPr>
+        <p:spPr>
+          <a:xfrm rot="0">
+            <a:off x="4645025" y="2174875"/>
+            <a:ext cx="4042410" cy="3952240"/>
+          </a:xfrm>
+          <a:prstGeom prst="rect"/>
+          <a:noFill/>
+          <a:ln w="0">
+            <a:noFill/>
+            <a:prstDash/>
+          </a:ln>
+        </p:spPr>
+        <p:txBody>
+          <a:bodyPr wrap="square" lIns="91440" tIns="45720" rIns="91440" bIns="45720" vert="horz" anchor="t">
+            <a:normAutofit fontScale="100000" lnSpcReduction="0"/>
+          </a:bodyPr>
+          <a:lstStyle/>
+          <a:p>
+            <a:pPr marL="457200" indent="-381000" latinLnBrk="0"/>
+          </a:p>
+        </p:txBody>
+      </p:sp>
+      <p:sp>
+        <p:nvSpPr>
+          <p:cNvPr id="42" name="Rect 0"/>
+          <p:cNvSpPr txBox="1">
+            <a:spLocks/>
+          </p:cNvSpPr>
+          <p:nvPr>
+            <p:ph type="dt"/>
+          </p:nvPr>
+        </p:nvSpPr>
+        <p:spPr>
+          <a:xfrm rot="0">
+            <a:off x="457200" y="6356350"/>
+            <a:ext cx="2134235" cy="365760"/>
+          </a:xfrm>
+          <a:prstGeom prst="rect"/>
+          <a:noFill/>
+          <a:ln w="0">
+            <a:noFill/>
+            <a:prstDash/>
+          </a:ln>
+        </p:spPr>
+        <p:txBody>
+          <a:bodyPr wrap="square" lIns="91440" tIns="45720" rIns="91440" bIns="45720" vert="horz" anchor="ctr">
+            <a:noAutofit/>
+          </a:bodyPr>
+          <a:lstStyle/>
+          <a:p>
+            <a:pPr marL="0" indent="0" latinLnBrk="0">
+              <a:buFontTx/>
+              <a:buNone/>
+            </a:pPr>
+          </a:p>
+        </p:txBody>
+      </p:sp>
+      <p:sp>
+        <p:nvSpPr>
+          <p:cNvPr id="43" name="Rect 0"/>
+          <p:cNvSpPr txBox="1">
+            <a:spLocks/>
+          </p:cNvSpPr>
+          <p:nvPr>
+            <p:ph type="ftr"/>
+          </p:nvPr>
+        </p:nvSpPr>
+        <p:spPr>
+          <a:xfrm rot="0">
+            <a:off x="3124200" y="6356350"/>
+            <a:ext cx="2896235" cy="365760"/>
+          </a:xfrm>
+          <a:prstGeom prst="rect"/>
+          <a:noFill/>
+          <a:ln w="0">
+            <a:noFill/>
+            <a:prstDash/>
+          </a:ln>
+        </p:spPr>
+        <p:txBody>
+          <a:bodyPr wrap="square" lIns="91440" tIns="45720" rIns="91440" bIns="45720" vert="horz" anchor="ctr">
+            <a:noAutofit/>
+          </a:bodyPr>
+          <a:lstStyle/>
+          <a:p>
+            <a:pPr marL="0" indent="0" latinLnBrk="0">
+              <a:buFontTx/>
+              <a:buNone/>
+            </a:pPr>
+          </a:p>
+        </p:txBody>
+      </p:sp>
+      <p:sp>
+        <p:nvSpPr>
+          <p:cNvPr id="44" name="Rect 0"/>
+          <p:cNvSpPr txBox="1">
+            <a:spLocks/>
+          </p:cNvSpPr>
+          <p:nvPr>
+            <p:ph type="sldNum"/>
+          </p:nvPr>
+        </p:nvSpPr>
+        <p:spPr>
+          <a:xfrm rot="0">
+            <a:off x="6553200" y="6356350"/>
+            <a:ext cx="2134235" cy="365760"/>
+          </a:xfrm>
+          <a:prstGeom prst="rect"/>
+          <a:noFill/>
+          <a:ln w="0">
+            <a:noFill/>
+            <a:prstDash/>
+          </a:ln>
+        </p:spPr>
+        <p:txBody>
+          <a:bodyPr wrap="square" lIns="91440" tIns="45720" rIns="91440" bIns="45720" vert="horz" anchor="ctr">
+            <a:noAutofit/>
+          </a:bodyPr>
+          <a:lstStyle/>
+          <a:p>
+            <a:pPr marL="0" indent="0" rtl="0" algn="r" latinLnBrk="0">
+              <a:buFontTx/>
+              <a:buNone/>
+            </a:pPr>
+            <a:fld id="{B9320F77-B9A0-41C5-862A-B4B631284C64}" type="slidenum">
+              <a:rPr>
+                <a:latin typeface="맑은 고딕" charset="0"/>
+                <a:ea typeface="맑은 고딕" charset="0"/>
+              </a:rPr>
+              <a:t>‹#›</a:t>
+            </a:fld>
+          </a:p>
+        </p:txBody>
+      </p:sp>
+    </p:spTree>
+  </p:cSld>
+  <p:clrMapOvr>
+    <a:overrideClrMapping bg1="lt1" tx1="dk1" bg2="lt2" tx2="dk2" accent1="accent1" accent2="accent2" accent3="accent3" accent4="accent4" accent5="accent5" accent6="accent6" hlink="hlink" folHlink="folHlink"/>
+  </p:clrMapOvr>
+  <mc:AlternateContent xmlns:mc="http://schemas.openxmlformats.org/markup-compatibility/2006">
+    <mc:Choice xmlns:p14="http://schemas.microsoft.com/office/powerpoint/2010/main" Requires="p14">
+      <p:transition spd="slow" p14:dur="2000"/>
+    </mc:Choice>
+    <mc:Fallback>
+      <p:transition spd="slow"/>
+    </mc:Fallback>
+  </mc:AlternateContent>
+</p:sldLayout>
+</file>
+
+<file path=ppt/slideLayouts/slideLayout35.xml><?xml version="1.0" encoding="utf-8"?>
+<p:sldLayout xmlns:a="http://schemas.openxmlformats.org/drawingml/2006/main" xmlns:r="http://schemas.openxmlformats.org/officeDocument/2006/relationships" xmlns:p="http://schemas.openxmlformats.org/presentationml/2006/main" type="titleOnly">
+  <p:cSld name="TITLE_ONLY">
+    <p:spTree>
+      <p:nvGrpSpPr>
+        <p:cNvPr id="1" name=""/>
+        <p:cNvGrpSpPr/>
+        <p:nvPr/>
+      </p:nvGrpSpPr>
+      <p:grpSpPr>
+        <a:xfrm>
+          <a:off x="0" y="0"/>
+          <a:ext cx="0" cy="0"/>
+          <a:chOff x="0" y="0"/>
+          <a:chExt cx="0" cy="0"/>
+        </a:xfrm>
+      </p:grpSpPr>
+      <p:sp>
+        <p:nvSpPr>
+          <p:cNvPr id="46" name="Rect 0"/>
+          <p:cNvSpPr txBox="1">
+            <a:spLocks/>
+          </p:cNvSpPr>
+          <p:nvPr>
+            <p:ph type="title"/>
+          </p:nvPr>
+        </p:nvSpPr>
+        <p:spPr>
+          <a:xfrm rot="0">
+            <a:off x="457200" y="274955"/>
+            <a:ext cx="8230235" cy="1143635"/>
+          </a:xfrm>
+          <a:prstGeom prst="rect"/>
+          <a:noFill/>
+          <a:ln w="0">
+            <a:noFill/>
+            <a:prstDash/>
+          </a:ln>
+        </p:spPr>
+        <p:txBody>
+          <a:bodyPr wrap="square" lIns="91440" tIns="45720" rIns="91440" bIns="45720" vert="horz" anchor="ctr">
+            <a:normAutofit fontScale="100000" lnSpcReduction="0"/>
+          </a:bodyPr>
+          <a:lstStyle/>
+          <a:p>
+            <a:pPr marL="0" indent="0" latinLnBrk="0">
+              <a:buFontTx/>
+              <a:buNone/>
+            </a:pPr>
+          </a:p>
+        </p:txBody>
+      </p:sp>
+      <p:sp>
+        <p:nvSpPr>
+          <p:cNvPr id="47" name="Rect 0"/>
+          <p:cNvSpPr txBox="1">
+            <a:spLocks/>
+          </p:cNvSpPr>
+          <p:nvPr>
+            <p:ph type="dt"/>
+          </p:nvPr>
+        </p:nvSpPr>
+        <p:spPr>
+          <a:xfrm rot="0">
+            <a:off x="457200" y="6356350"/>
+            <a:ext cx="2134235" cy="365760"/>
+          </a:xfrm>
+          <a:prstGeom prst="rect"/>
+          <a:noFill/>
+          <a:ln w="0">
+            <a:noFill/>
+            <a:prstDash/>
+          </a:ln>
+        </p:spPr>
+        <p:txBody>
+          <a:bodyPr wrap="square" lIns="91440" tIns="45720" rIns="91440" bIns="45720" vert="horz" anchor="ctr">
+            <a:noAutofit/>
+          </a:bodyPr>
+          <a:lstStyle/>
+          <a:p>
+            <a:pPr marL="0" indent="0" latinLnBrk="0">
+              <a:buFontTx/>
+              <a:buNone/>
+            </a:pPr>
+          </a:p>
+        </p:txBody>
+      </p:sp>
+      <p:sp>
+        <p:nvSpPr>
+          <p:cNvPr id="48" name="Rect 0"/>
+          <p:cNvSpPr txBox="1">
+            <a:spLocks/>
+          </p:cNvSpPr>
+          <p:nvPr>
+            <p:ph type="ftr"/>
+          </p:nvPr>
+        </p:nvSpPr>
+        <p:spPr>
+          <a:xfrm rot="0">
+            <a:off x="3124200" y="6356350"/>
+            <a:ext cx="2896235" cy="365760"/>
+          </a:xfrm>
+          <a:prstGeom prst="rect"/>
+          <a:noFill/>
+          <a:ln w="0">
+            <a:noFill/>
+            <a:prstDash/>
+          </a:ln>
+        </p:spPr>
+        <p:txBody>
+          <a:bodyPr wrap="square" lIns="91440" tIns="45720" rIns="91440" bIns="45720" vert="horz" anchor="ctr">
+            <a:noAutofit/>
+          </a:bodyPr>
+          <a:lstStyle/>
+          <a:p>
+            <a:pPr marL="0" indent="0" latinLnBrk="0">
+              <a:buFontTx/>
+              <a:buNone/>
+            </a:pPr>
+          </a:p>
+        </p:txBody>
+      </p:sp>
+      <p:sp>
+        <p:nvSpPr>
+          <p:cNvPr id="49" name="Rect 0"/>
+          <p:cNvSpPr txBox="1">
+            <a:spLocks/>
+          </p:cNvSpPr>
+          <p:nvPr>
+            <p:ph type="sldNum"/>
+          </p:nvPr>
+        </p:nvSpPr>
+        <p:spPr>
+          <a:xfrm rot="0">
+            <a:off x="6553200" y="6356350"/>
+            <a:ext cx="2134235" cy="365760"/>
+          </a:xfrm>
+          <a:prstGeom prst="rect"/>
+          <a:noFill/>
+          <a:ln w="0">
+            <a:noFill/>
+            <a:prstDash/>
+          </a:ln>
+        </p:spPr>
+        <p:txBody>
+          <a:bodyPr wrap="square" lIns="91440" tIns="45720" rIns="91440" bIns="45720" vert="horz" anchor="ctr">
+            <a:noAutofit/>
+          </a:bodyPr>
+          <a:lstStyle/>
+          <a:p>
+            <a:pPr marL="0" indent="0" rtl="0" algn="r" latinLnBrk="0">
+              <a:buFontTx/>
+              <a:buNone/>
+            </a:pPr>
+            <a:fld id="{B9320F77-B9A0-41C5-862A-B4B631284C64}" type="slidenum">
+              <a:rPr>
+                <a:latin typeface="맑은 고딕" charset="0"/>
+                <a:ea typeface="맑은 고딕" charset="0"/>
+              </a:rPr>
+              <a:t>‹#›</a:t>
+            </a:fld>
+          </a:p>
+        </p:txBody>
+      </p:sp>
+    </p:spTree>
+  </p:cSld>
+  <p:clrMapOvr>
+    <a:overrideClrMapping bg1="lt1" tx1="dk1" bg2="lt2" tx2="dk2" accent1="accent1" accent2="accent2" accent3="accent3" accent4="accent4" accent5="accent5" accent6="accent6" hlink="hlink" folHlink="folHlink"/>
+  </p:clrMapOvr>
+  <mc:AlternateContent xmlns:mc="http://schemas.openxmlformats.org/markup-compatibility/2006">
+    <mc:Choice xmlns:p14="http://schemas.microsoft.com/office/powerpoint/2010/main" Requires="p14">
+      <p:transition spd="slow" p14:dur="2000"/>
+    </mc:Choice>
+    <mc:Fallback>
+      <p:transition spd="slow"/>
+    </mc:Fallback>
+  </mc:AlternateContent>
+</p:sldLayout>
+</file>
+
+<file path=ppt/slideLayouts/slideLayout36.xml><?xml version="1.0" encoding="utf-8"?>
+<p:sldLayout xmlns:a="http://schemas.openxmlformats.org/drawingml/2006/main" xmlns:r="http://schemas.openxmlformats.org/officeDocument/2006/relationships" xmlns:p="http://schemas.openxmlformats.org/presentationml/2006/main" type="blank">
+  <p:cSld name="BLANK">
+    <p:spTree>
+      <p:nvGrpSpPr>
+        <p:cNvPr id="1" name=""/>
+        <p:cNvGrpSpPr/>
+        <p:nvPr/>
+      </p:nvGrpSpPr>
+      <p:grpSpPr>
+        <a:xfrm>
+          <a:off x="0" y="0"/>
+          <a:ext cx="0" cy="0"/>
+          <a:chOff x="0" y="0"/>
+          <a:chExt cx="0" cy="0"/>
+        </a:xfrm>
+      </p:grpSpPr>
+      <p:sp>
+        <p:nvSpPr>
+          <p:cNvPr id="51" name="Rect 0"/>
+          <p:cNvSpPr txBox="1">
+            <a:spLocks/>
+          </p:cNvSpPr>
+          <p:nvPr>
+            <p:ph type="dt"/>
+          </p:nvPr>
+        </p:nvSpPr>
+        <p:spPr>
+          <a:xfrm rot="0">
+            <a:off x="457200" y="6356350"/>
+            <a:ext cx="2134235" cy="365760"/>
+          </a:xfrm>
+          <a:prstGeom prst="rect"/>
+          <a:noFill/>
+          <a:ln w="0">
+            <a:noFill/>
+            <a:prstDash/>
+          </a:ln>
+        </p:spPr>
+        <p:txBody>
+          <a:bodyPr wrap="square" lIns="91440" tIns="45720" rIns="91440" bIns="45720" vert="horz" anchor="ctr">
+            <a:noAutofit/>
+          </a:bodyPr>
+          <a:lstStyle/>
+          <a:p>
+            <a:pPr marL="0" indent="0" latinLnBrk="0">
+              <a:buFontTx/>
+              <a:buNone/>
+            </a:pPr>
+          </a:p>
+        </p:txBody>
+      </p:sp>
+      <p:sp>
+        <p:nvSpPr>
+          <p:cNvPr id="52" name="Rect 0"/>
+          <p:cNvSpPr txBox="1">
+            <a:spLocks/>
+          </p:cNvSpPr>
+          <p:nvPr>
+            <p:ph type="ftr"/>
+          </p:nvPr>
+        </p:nvSpPr>
+        <p:spPr>
+          <a:xfrm rot="0">
+            <a:off x="3124200" y="6356350"/>
+            <a:ext cx="2896235" cy="365760"/>
+          </a:xfrm>
+          <a:prstGeom prst="rect"/>
+          <a:noFill/>
+          <a:ln w="0">
+            <a:noFill/>
+            <a:prstDash/>
+          </a:ln>
+        </p:spPr>
+        <p:txBody>
+          <a:bodyPr wrap="square" lIns="91440" tIns="45720" rIns="91440" bIns="45720" vert="horz" anchor="ctr">
+            <a:noAutofit/>
+          </a:bodyPr>
+          <a:lstStyle/>
+          <a:p>
+            <a:pPr marL="0" indent="0" latinLnBrk="0">
+              <a:buFontTx/>
+              <a:buNone/>
+            </a:pPr>
+          </a:p>
+        </p:txBody>
+      </p:sp>
+      <p:sp>
+        <p:nvSpPr>
+          <p:cNvPr id="53" name="Rect 0"/>
+          <p:cNvSpPr txBox="1">
+            <a:spLocks/>
+          </p:cNvSpPr>
+          <p:nvPr>
+            <p:ph type="sldNum"/>
+          </p:nvPr>
+        </p:nvSpPr>
+        <p:spPr>
+          <a:xfrm rot="0">
+            <a:off x="6553200" y="6356350"/>
+            <a:ext cx="2134235" cy="365760"/>
+          </a:xfrm>
+          <a:prstGeom prst="rect"/>
+          <a:noFill/>
+          <a:ln w="0">
+            <a:noFill/>
+            <a:prstDash/>
+          </a:ln>
+        </p:spPr>
+        <p:txBody>
+          <a:bodyPr wrap="square" lIns="91440" tIns="45720" rIns="91440" bIns="45720" vert="horz" anchor="ctr">
+            <a:noAutofit/>
+          </a:bodyPr>
+          <a:lstStyle/>
+          <a:p>
+            <a:pPr marL="0" indent="0" rtl="0" algn="r" latinLnBrk="0">
+              <a:buFontTx/>
+              <a:buNone/>
+            </a:pPr>
+            <a:fld id="{B9320F77-B9A0-41C5-862A-B4B631284C64}" type="slidenum">
+              <a:rPr>
+                <a:latin typeface="맑은 고딕" charset="0"/>
+                <a:ea typeface="맑은 고딕" charset="0"/>
+              </a:rPr>
+              <a:t>‹#›</a:t>
+            </a:fld>
+          </a:p>
+        </p:txBody>
+      </p:sp>
+    </p:spTree>
+  </p:cSld>
+  <p:clrMapOvr>
+    <a:overrideClrMapping bg1="lt1" tx1="dk1" bg2="lt2" tx2="dk2" accent1="accent1" accent2="accent2" accent3="accent3" accent4="accent4" accent5="accent5" accent6="accent6" hlink="hlink" folHlink="folHlink"/>
+  </p:clrMapOvr>
+  <mc:AlternateContent xmlns:mc="http://schemas.openxmlformats.org/markup-compatibility/2006">
+    <mc:Choice xmlns:p14="http://schemas.microsoft.com/office/powerpoint/2010/main" Requires="p14">
+      <p:transition spd="slow" p14:dur="2000"/>
+    </mc:Choice>
+    <mc:Fallback>
+      <p:transition spd="slow"/>
+    </mc:Fallback>
+  </mc:AlternateContent>
+</p:sldLayout>
+</file>
+
+<file path=ppt/slideLayouts/slideLayout37.xml><?xml version="1.0" encoding="utf-8"?>
+<p:sldLayout xmlns:a="http://schemas.openxmlformats.org/drawingml/2006/main" xmlns:r="http://schemas.openxmlformats.org/officeDocument/2006/relationships" xmlns:p="http://schemas.openxmlformats.org/presentationml/2006/main" type="objTx">
+  <p:cSld name="OBJECT_WITH_CAPTION_TEXT">
+    <p:spTree>
+      <p:nvGrpSpPr>
+        <p:cNvPr id="1" name=""/>
+        <p:cNvGrpSpPr/>
+        <p:nvPr/>
+      </p:nvGrpSpPr>
+      <p:grpSpPr>
+        <a:xfrm>
+          <a:off x="0" y="0"/>
+          <a:ext cx="0" cy="0"/>
+          <a:chOff x="0" y="0"/>
+          <a:chExt cx="0" cy="0"/>
+        </a:xfrm>
+      </p:grpSpPr>
+      <p:sp>
+        <p:nvSpPr>
+          <p:cNvPr id="55" name="Rect 0"/>
+          <p:cNvSpPr txBox="1">
+            <a:spLocks/>
+          </p:cNvSpPr>
+          <p:nvPr>
+            <p:ph type="title"/>
+          </p:nvPr>
+        </p:nvSpPr>
+        <p:spPr>
+          <a:xfrm rot="0">
+            <a:off x="457200" y="273050"/>
+            <a:ext cx="3009265" cy="1162685"/>
+          </a:xfrm>
+          <a:prstGeom prst="rect"/>
+          <a:noFill/>
+          <a:ln w="0">
+            <a:noFill/>
+            <a:prstDash/>
+          </a:ln>
+        </p:spPr>
+        <p:txBody>
+          <a:bodyPr wrap="square" lIns="91440" tIns="45720" rIns="91440" bIns="45720" vert="horz" anchor="b">
+            <a:normAutofit fontScale="100000" lnSpcReduction="0"/>
+          </a:bodyPr>
+          <a:lstStyle/>
+          <a:p>
+            <a:pPr marL="0" indent="0" latinLnBrk="0">
+              <a:buFontTx/>
+              <a:buNone/>
+            </a:pPr>
+          </a:p>
+        </p:txBody>
+      </p:sp>
+      <p:sp>
+        <p:nvSpPr>
+          <p:cNvPr id="56" name="Rect 0"/>
+          <p:cNvSpPr txBox="1">
+            <a:spLocks/>
+          </p:cNvSpPr>
+          <p:nvPr>
+            <p:ph type="body"/>
+          </p:nvPr>
+        </p:nvSpPr>
+        <p:spPr>
+          <a:xfrm rot="0">
+            <a:off x="3575050" y="273050"/>
+            <a:ext cx="5112385" cy="5854065"/>
+          </a:xfrm>
+          <a:prstGeom prst="rect"/>
+          <a:noFill/>
+          <a:ln w="0">
+            <a:noFill/>
+            <a:prstDash/>
+          </a:ln>
+        </p:spPr>
+        <p:txBody>
+          <a:bodyPr wrap="square" lIns="91440" tIns="45720" rIns="91440" bIns="45720" vert="horz" anchor="t">
+            <a:normAutofit fontScale="100000" lnSpcReduction="0"/>
+          </a:bodyPr>
+          <a:lstStyle/>
+          <a:p>
+            <a:pPr marL="457200" indent="-431800" latinLnBrk="0"/>
+          </a:p>
+        </p:txBody>
+      </p:sp>
+      <p:sp>
+        <p:nvSpPr>
+          <p:cNvPr id="57" name="Rect 0"/>
+          <p:cNvSpPr txBox="1">
+            <a:spLocks/>
+          </p:cNvSpPr>
+          <p:nvPr>
+            <p:ph type="body"/>
+          </p:nvPr>
+        </p:nvSpPr>
+        <p:spPr>
+          <a:xfrm rot="0">
+            <a:off x="457200" y="1435100"/>
+            <a:ext cx="3009265" cy="4692015"/>
+          </a:xfrm>
+          <a:prstGeom prst="rect"/>
+          <a:noFill/>
+          <a:ln w="0">
+            <a:noFill/>
+            <a:prstDash/>
+          </a:ln>
+        </p:spPr>
+        <p:txBody>
+          <a:bodyPr wrap="square" lIns="91440" tIns="45720" rIns="91440" bIns="45720" vert="horz" anchor="t">
+            <a:normAutofit fontScale="100000" lnSpcReduction="0"/>
+          </a:bodyPr>
+          <a:lstStyle/>
+          <a:p>
+            <a:pPr marL="457200" indent="-228600" latinLnBrk="0">
+              <a:buFontTx/>
+              <a:buNone/>
+            </a:pPr>
+          </a:p>
+        </p:txBody>
+      </p:sp>
+      <p:sp>
+        <p:nvSpPr>
+          <p:cNvPr id="58" name="Rect 0"/>
+          <p:cNvSpPr txBox="1">
+            <a:spLocks/>
+          </p:cNvSpPr>
+          <p:nvPr>
+            <p:ph type="dt"/>
+          </p:nvPr>
+        </p:nvSpPr>
+        <p:spPr>
+          <a:xfrm rot="0">
+            <a:off x="457200" y="6356350"/>
+            <a:ext cx="2134235" cy="365760"/>
+          </a:xfrm>
+          <a:prstGeom prst="rect"/>
+          <a:noFill/>
+          <a:ln w="0">
+            <a:noFill/>
+            <a:prstDash/>
+          </a:ln>
+        </p:spPr>
+        <p:txBody>
+          <a:bodyPr wrap="square" lIns="91440" tIns="45720" rIns="91440" bIns="45720" vert="horz" anchor="ctr">
+            <a:noAutofit/>
+          </a:bodyPr>
+          <a:lstStyle/>
+          <a:p>
+            <a:pPr marL="0" indent="0" latinLnBrk="0">
+              <a:buFontTx/>
+              <a:buNone/>
+            </a:pPr>
+          </a:p>
+        </p:txBody>
+      </p:sp>
+      <p:sp>
+        <p:nvSpPr>
+          <p:cNvPr id="59" name="Rect 0"/>
+          <p:cNvSpPr txBox="1">
+            <a:spLocks/>
+          </p:cNvSpPr>
+          <p:nvPr>
+            <p:ph type="ftr"/>
+          </p:nvPr>
+        </p:nvSpPr>
+        <p:spPr>
+          <a:xfrm rot="0">
+            <a:off x="3124200" y="6356350"/>
+            <a:ext cx="2896235" cy="365760"/>
+          </a:xfrm>
+          <a:prstGeom prst="rect"/>
+          <a:noFill/>
+          <a:ln w="0">
+            <a:noFill/>
+            <a:prstDash/>
+          </a:ln>
+        </p:spPr>
+        <p:txBody>
+          <a:bodyPr wrap="square" lIns="91440" tIns="45720" rIns="91440" bIns="45720" vert="horz" anchor="ctr">
+            <a:noAutofit/>
+          </a:bodyPr>
+          <a:lstStyle/>
+          <a:p>
+            <a:pPr marL="0" indent="0" latinLnBrk="0">
+              <a:buFontTx/>
+              <a:buNone/>
+            </a:pPr>
+          </a:p>
+        </p:txBody>
+      </p:sp>
+      <p:sp>
+        <p:nvSpPr>
+          <p:cNvPr id="60" name="Rect 0"/>
+          <p:cNvSpPr txBox="1">
+            <a:spLocks/>
+          </p:cNvSpPr>
+          <p:nvPr>
+            <p:ph type="sldNum"/>
+          </p:nvPr>
+        </p:nvSpPr>
+        <p:spPr>
+          <a:xfrm rot="0">
+            <a:off x="6553200" y="6356350"/>
+            <a:ext cx="2134235" cy="365760"/>
+          </a:xfrm>
+          <a:prstGeom prst="rect"/>
+          <a:noFill/>
+          <a:ln w="0">
+            <a:noFill/>
+            <a:prstDash/>
+          </a:ln>
+        </p:spPr>
+        <p:txBody>
+          <a:bodyPr wrap="square" lIns="91440" tIns="45720" rIns="91440" bIns="45720" vert="horz" anchor="ctr">
+            <a:noAutofit/>
+          </a:bodyPr>
+          <a:lstStyle/>
+          <a:p>
+            <a:pPr marL="0" indent="0" rtl="0" algn="r" latinLnBrk="0">
+              <a:buFontTx/>
+              <a:buNone/>
+            </a:pPr>
+            <a:fld id="{B9320F77-B9A0-41C5-862A-B4B631284C64}" type="slidenum">
+              <a:rPr>
+                <a:latin typeface="맑은 고딕" charset="0"/>
+                <a:ea typeface="맑은 고딕" charset="0"/>
+              </a:rPr>
+              <a:t>‹#›</a:t>
+            </a:fld>
+          </a:p>
+        </p:txBody>
+      </p:sp>
+    </p:spTree>
+  </p:cSld>
+  <p:clrMapOvr>
+    <a:overrideClrMapping bg1="lt1" tx1="dk1" bg2="lt2" tx2="dk2" accent1="accent1" accent2="accent2" accent3="accent3" accent4="accent4" accent5="accent5" accent6="accent6" hlink="hlink" folHlink="folHlink"/>
+  </p:clrMapOvr>
+  <mc:AlternateContent xmlns:mc="http://schemas.openxmlformats.org/markup-compatibility/2006">
+    <mc:Choice xmlns:p14="http://schemas.microsoft.com/office/powerpoint/2010/main" Requires="p14">
+      <p:transition spd="slow" p14:dur="2000"/>
+    </mc:Choice>
+    <mc:Fallback>
+      <p:transition spd="slow"/>
+    </mc:Fallback>
+  </mc:AlternateContent>
+</p:sldLayout>
+</file>
+
+<file path=ppt/slideLayouts/slideLayout38.xml><?xml version="1.0" encoding="utf-8"?>
+<p:sldLayout xmlns:a="http://schemas.openxmlformats.org/drawingml/2006/main" xmlns:r="http://schemas.openxmlformats.org/officeDocument/2006/relationships" xmlns:p="http://schemas.openxmlformats.org/presentationml/2006/main" type="picTx">
+  <p:cSld name="PICTURE_WITH_CAPTION_TEXT">
+    <p:spTree>
+      <p:nvGrpSpPr>
+        <p:cNvPr id="1" name=""/>
+        <p:cNvGrpSpPr/>
+        <p:nvPr/>
+      </p:nvGrpSpPr>
+      <p:grpSpPr>
+        <a:xfrm>
+          <a:off x="0" y="0"/>
+          <a:ext cx="0" cy="0"/>
+          <a:chOff x="0" y="0"/>
+          <a:chExt cx="0" cy="0"/>
+        </a:xfrm>
+      </p:grpSpPr>
+      <p:sp>
+        <p:nvSpPr>
+          <p:cNvPr id="62" name="Rect 0"/>
+          <p:cNvSpPr txBox="1">
+            <a:spLocks/>
+          </p:cNvSpPr>
+          <p:nvPr>
+            <p:ph type="title"/>
+          </p:nvPr>
+        </p:nvSpPr>
+        <p:spPr>
+          <a:xfrm rot="0">
+            <a:off x="1792605" y="4800600"/>
+            <a:ext cx="5487035" cy="567690"/>
+          </a:xfrm>
+          <a:prstGeom prst="rect"/>
+          <a:noFill/>
+          <a:ln w="0">
+            <a:noFill/>
+            <a:prstDash/>
+          </a:ln>
+        </p:spPr>
+        <p:txBody>
+          <a:bodyPr wrap="square" lIns="91440" tIns="45720" rIns="91440" bIns="45720" vert="horz" anchor="b">
+            <a:normAutofit fontScale="100000" lnSpcReduction="0"/>
+          </a:bodyPr>
+          <a:lstStyle/>
+          <a:p>
+            <a:pPr marL="0" indent="0" latinLnBrk="0">
+              <a:buFontTx/>
+              <a:buNone/>
+            </a:pPr>
+          </a:p>
+        </p:txBody>
+      </p:sp>
+      <p:sp>
+        <p:nvSpPr>
+          <p:cNvPr id="63" name="Rect 0"/>
+          <p:cNvSpPr txBox="1">
+            <a:spLocks/>
+          </p:cNvSpPr>
+          <p:nvPr>
+            <p:ph type="pic"/>
+          </p:nvPr>
+        </p:nvSpPr>
+        <p:spPr>
+          <a:xfrm rot="0">
+            <a:off x="1792605" y="612775"/>
+            <a:ext cx="5487035" cy="4115435"/>
+          </a:xfrm>
+          <a:prstGeom prst="rect"/>
+          <a:noFill/>
+          <a:ln w="0">
+            <a:noFill/>
+            <a:prstDash/>
+          </a:ln>
+        </p:spPr>
+      </p:sp>
+      <p:sp>
+        <p:nvSpPr>
+          <p:cNvPr id="64" name="Rect 0"/>
+          <p:cNvSpPr txBox="1">
+            <a:spLocks/>
+          </p:cNvSpPr>
+          <p:nvPr>
+            <p:ph type="body"/>
+          </p:nvPr>
+        </p:nvSpPr>
+        <p:spPr>
+          <a:xfrm rot="0">
+            <a:off x="1792605" y="5367655"/>
+            <a:ext cx="5487035" cy="805180"/>
+          </a:xfrm>
+          <a:prstGeom prst="rect"/>
+          <a:noFill/>
+          <a:ln w="0">
+            <a:noFill/>
+            <a:prstDash/>
+          </a:ln>
+        </p:spPr>
+        <p:txBody>
+          <a:bodyPr wrap="square" lIns="91440" tIns="45720" rIns="91440" bIns="45720" vert="horz" anchor="t">
+            <a:normAutofit fontScale="100000" lnSpcReduction="0"/>
+          </a:bodyPr>
+          <a:lstStyle/>
+          <a:p>
+            <a:pPr marL="457200" indent="-228600" latinLnBrk="0">
+              <a:buFontTx/>
+              <a:buNone/>
+            </a:pPr>
+          </a:p>
+        </p:txBody>
+      </p:sp>
+      <p:sp>
+        <p:nvSpPr>
+          <p:cNvPr id="65" name="Rect 0"/>
+          <p:cNvSpPr txBox="1">
+            <a:spLocks/>
+          </p:cNvSpPr>
+          <p:nvPr>
+            <p:ph type="dt"/>
+          </p:nvPr>
+        </p:nvSpPr>
+        <p:spPr>
+          <a:xfrm rot="0">
+            <a:off x="457200" y="6356350"/>
+            <a:ext cx="2134235" cy="365760"/>
+          </a:xfrm>
+          <a:prstGeom prst="rect"/>
+          <a:noFill/>
+          <a:ln w="0">
+            <a:noFill/>
+            <a:prstDash/>
+          </a:ln>
+        </p:spPr>
+        <p:txBody>
+          <a:bodyPr wrap="square" lIns="91440" tIns="45720" rIns="91440" bIns="45720" vert="horz" anchor="ctr">
+            <a:noAutofit/>
+          </a:bodyPr>
+          <a:lstStyle/>
+          <a:p>
+            <a:pPr marL="0" indent="0" latinLnBrk="0">
+              <a:buFontTx/>
+              <a:buNone/>
+            </a:pPr>
+          </a:p>
+        </p:txBody>
+      </p:sp>
+      <p:sp>
+        <p:nvSpPr>
+          <p:cNvPr id="66" name="Rect 0"/>
+          <p:cNvSpPr txBox="1">
+            <a:spLocks/>
+          </p:cNvSpPr>
+          <p:nvPr>
+            <p:ph type="ftr"/>
+          </p:nvPr>
+        </p:nvSpPr>
+        <p:spPr>
+          <a:xfrm rot="0">
+            <a:off x="3124200" y="6356350"/>
+            <a:ext cx="2896235" cy="365760"/>
+          </a:xfrm>
+          <a:prstGeom prst="rect"/>
+          <a:noFill/>
+          <a:ln w="0">
+            <a:noFill/>
+            <a:prstDash/>
+          </a:ln>
+        </p:spPr>
+        <p:txBody>
+          <a:bodyPr wrap="square" lIns="91440" tIns="45720" rIns="91440" bIns="45720" vert="horz" anchor="ctr">
+            <a:noAutofit/>
+          </a:bodyPr>
+          <a:lstStyle/>
+          <a:p>
+            <a:pPr marL="0" indent="0" latinLnBrk="0">
+              <a:buFontTx/>
+              <a:buNone/>
+            </a:pPr>
+          </a:p>
+        </p:txBody>
+      </p:sp>
+      <p:sp>
+        <p:nvSpPr>
+          <p:cNvPr id="67" name="Rect 0"/>
+          <p:cNvSpPr txBox="1">
+            <a:spLocks/>
+          </p:cNvSpPr>
+          <p:nvPr>
+            <p:ph type="sldNum"/>
+          </p:nvPr>
+        </p:nvSpPr>
+        <p:spPr>
+          <a:xfrm rot="0">
+            <a:off x="6553200" y="6356350"/>
+            <a:ext cx="2134235" cy="365760"/>
+          </a:xfrm>
+          <a:prstGeom prst="rect"/>
+          <a:noFill/>
+          <a:ln w="0">
+            <a:noFill/>
+            <a:prstDash/>
+          </a:ln>
+        </p:spPr>
+        <p:txBody>
+          <a:bodyPr wrap="square" lIns="91440" tIns="45720" rIns="91440" bIns="45720" vert="horz" anchor="ctr">
+            <a:noAutofit/>
+          </a:bodyPr>
+          <a:lstStyle/>
+          <a:p>
+            <a:pPr marL="0" indent="0" rtl="0" algn="r" latinLnBrk="0">
+              <a:buFontTx/>
+              <a:buNone/>
+            </a:pPr>
+            <a:fld id="{B9320F77-B9A0-41C5-862A-B4B631284C64}" type="slidenum">
+              <a:rPr>
+                <a:latin typeface="맑은 고딕" charset="0"/>
+                <a:ea typeface="맑은 고딕" charset="0"/>
+              </a:rPr>
+              <a:t>‹#›</a:t>
+            </a:fld>
+          </a:p>
+        </p:txBody>
+      </p:sp>
+    </p:spTree>
+  </p:cSld>
+  <p:clrMapOvr>
+    <a:overrideClrMapping bg1="lt1" tx1="dk1" bg2="lt2" tx2="dk2" accent1="accent1" accent2="accent2" accent3="accent3" accent4="accent4" accent5="accent5" accent6="accent6" hlink="hlink" folHlink="folHlink"/>
+  </p:clrMapOvr>
+  <mc:AlternateContent xmlns:mc="http://schemas.openxmlformats.org/markup-compatibility/2006">
+    <mc:Choice xmlns:p14="http://schemas.microsoft.com/office/powerpoint/2010/main" Requires="p14">
+      <p:transition spd="slow" p14:dur="2000"/>
+    </mc:Choice>
+    <mc:Fallback>
+      <p:transition spd="slow"/>
+    </mc:Fallback>
+  </mc:AlternateContent>
+</p:sldLayout>
+</file>
+
+<file path=ppt/slideLayouts/slideLayout39.xml><?xml version="1.0" encoding="utf-8"?>
+<p:sldLayout xmlns:a="http://schemas.openxmlformats.org/drawingml/2006/main" xmlns:r="http://schemas.openxmlformats.org/officeDocument/2006/relationships" xmlns:p="http://schemas.openxmlformats.org/presentationml/2006/main" type="vertTx">
+  <p:cSld name="VERTICAL_TEXT">
+    <p:spTree>
+      <p:nvGrpSpPr>
+        <p:cNvPr id="1" name=""/>
+        <p:cNvGrpSpPr/>
+        <p:nvPr/>
+      </p:nvGrpSpPr>
+      <p:grpSpPr>
+        <a:xfrm>
+          <a:off x="0" y="0"/>
+          <a:ext cx="0" cy="0"/>
+          <a:chOff x="0" y="0"/>
+          <a:chExt cx="0" cy="0"/>
+        </a:xfrm>
+      </p:grpSpPr>
+      <p:sp>
+        <p:nvSpPr>
+          <p:cNvPr id="69" name="Rect 0"/>
+          <p:cNvSpPr txBox="1">
+            <a:spLocks/>
+          </p:cNvSpPr>
+          <p:nvPr>
+            <p:ph type="title"/>
+          </p:nvPr>
+        </p:nvSpPr>
+        <p:spPr>
+          <a:xfrm rot="0">
+            <a:off x="457200" y="274955"/>
+            <a:ext cx="8230235" cy="1143635"/>
+          </a:xfrm>
+          <a:prstGeom prst="rect"/>
+          <a:noFill/>
+          <a:ln w="0">
+            <a:noFill/>
+            <a:prstDash/>
+          </a:ln>
+        </p:spPr>
+        <p:txBody>
+          <a:bodyPr wrap="square" lIns="91440" tIns="45720" rIns="91440" bIns="45720" vert="horz" anchor="ctr">
+            <a:normAutofit fontScale="100000" lnSpcReduction="0"/>
+          </a:bodyPr>
+          <a:lstStyle/>
+          <a:p>
+            <a:pPr marL="0" indent="0" latinLnBrk="0">
+              <a:buFontTx/>
+              <a:buNone/>
+            </a:pPr>
+          </a:p>
+        </p:txBody>
+      </p:sp>
+      <p:sp>
+        <p:nvSpPr>
+          <p:cNvPr id="70" name="Rect 0"/>
+          <p:cNvSpPr txBox="1">
+            <a:spLocks/>
+          </p:cNvSpPr>
+          <p:nvPr>
+            <p:ph type="body"/>
+          </p:nvPr>
+        </p:nvSpPr>
+        <p:spPr>
+          <a:xfrm rot="5400000">
+            <a:off x="2308860" y="-251460"/>
+            <a:ext cx="4526915" cy="8230235"/>
+          </a:xfrm>
+          <a:prstGeom prst="rect"/>
+          <a:noFill/>
+          <a:ln w="0">
+            <a:noFill/>
+            <a:prstDash/>
+          </a:ln>
+        </p:spPr>
+        <p:txBody>
+          <a:bodyPr wrap="square" lIns="91440" tIns="45720" rIns="91440" bIns="45720" vert="horz" anchor="t">
+            <a:normAutofit fontScale="100000" lnSpcReduction="0"/>
+          </a:bodyPr>
+          <a:lstStyle/>
+          <a:p>
+            <a:pPr marL="457200" indent="-342900" latinLnBrk="0"/>
+          </a:p>
+        </p:txBody>
+      </p:sp>
+      <p:sp>
+        <p:nvSpPr>
+          <p:cNvPr id="71" name="Rect 0"/>
+          <p:cNvSpPr txBox="1">
+            <a:spLocks/>
+          </p:cNvSpPr>
+          <p:nvPr>
+            <p:ph type="dt"/>
+          </p:nvPr>
+        </p:nvSpPr>
+        <p:spPr>
+          <a:xfrm rot="0">
+            <a:off x="457200" y="6356350"/>
+            <a:ext cx="2134235" cy="365760"/>
+          </a:xfrm>
+          <a:prstGeom prst="rect"/>
+          <a:noFill/>
+          <a:ln w="0">
+            <a:noFill/>
+            <a:prstDash/>
+          </a:ln>
+        </p:spPr>
+        <p:txBody>
+          <a:bodyPr wrap="square" lIns="91440" tIns="45720" rIns="91440" bIns="45720" vert="horz" anchor="ctr">
+            <a:noAutofit/>
+          </a:bodyPr>
+          <a:lstStyle/>
+          <a:p>
+            <a:pPr marL="0" indent="0" latinLnBrk="0">
+              <a:buFontTx/>
+              <a:buNone/>
+            </a:pPr>
+          </a:p>
+        </p:txBody>
+      </p:sp>
+      <p:sp>
+        <p:nvSpPr>
+          <p:cNvPr id="72" name="Rect 0"/>
+          <p:cNvSpPr txBox="1">
+            <a:spLocks/>
+          </p:cNvSpPr>
+          <p:nvPr>
+            <p:ph type="ftr"/>
+          </p:nvPr>
+        </p:nvSpPr>
+        <p:spPr>
+          <a:xfrm rot="0">
+            <a:off x="3124200" y="6356350"/>
+            <a:ext cx="2896235" cy="365760"/>
+          </a:xfrm>
+          <a:prstGeom prst="rect"/>
+          <a:noFill/>
+          <a:ln w="0">
+            <a:noFill/>
+            <a:prstDash/>
+          </a:ln>
+        </p:spPr>
+        <p:txBody>
+          <a:bodyPr wrap="square" lIns="91440" tIns="45720" rIns="91440" bIns="45720" vert="horz" anchor="ctr">
+            <a:noAutofit/>
+          </a:bodyPr>
+          <a:lstStyle/>
+          <a:p>
+            <a:pPr marL="0" indent="0" latinLnBrk="0">
+              <a:buFontTx/>
+              <a:buNone/>
+            </a:pPr>
+          </a:p>
+        </p:txBody>
+      </p:sp>
+      <p:sp>
+        <p:nvSpPr>
+          <p:cNvPr id="73" name="Rect 0"/>
+          <p:cNvSpPr txBox="1">
+            <a:spLocks/>
+          </p:cNvSpPr>
+          <p:nvPr>
+            <p:ph type="sldNum"/>
+          </p:nvPr>
+        </p:nvSpPr>
+        <p:spPr>
+          <a:xfrm rot="0">
+            <a:off x="6553200" y="6356350"/>
+            <a:ext cx="2134235" cy="365760"/>
+          </a:xfrm>
+          <a:prstGeom prst="rect"/>
+          <a:noFill/>
+          <a:ln w="0">
+            <a:noFill/>
+            <a:prstDash/>
+          </a:ln>
+        </p:spPr>
+        <p:txBody>
+          <a:bodyPr wrap="square" lIns="91440" tIns="45720" rIns="91440" bIns="45720" vert="horz" anchor="ctr">
+            <a:noAutofit/>
+          </a:bodyPr>
+          <a:lstStyle/>
+          <a:p>
+            <a:pPr marL="0" indent="0" rtl="0" algn="r" latinLnBrk="0">
+              <a:buFontTx/>
+              <a:buNone/>
+            </a:pPr>
+            <a:fld id="{B9320F77-B9A0-41C5-862A-B4B631284C64}" type="slidenum">
+              <a:rPr>
+                <a:latin typeface="맑은 고딕" charset="0"/>
+                <a:ea typeface="맑은 고딕" charset="0"/>
+              </a:rPr>
+              <a:t>‹#›</a:t>
+            </a:fld>
+          </a:p>
+        </p:txBody>
+      </p:sp>
+    </p:spTree>
+  </p:cSld>
+  <p:clrMapOvr>
+    <a:overrideClrMapping bg1="lt1" tx1="dk1" bg2="lt2" tx2="dk2" accent1="accent1" accent2="accent2" accent3="accent3" accent4="accent4" accent5="accent5" accent6="accent6" hlink="hlink" folHlink="folHlink"/>
+  </p:clrMapOvr>
+  <mc:AlternateContent xmlns:mc="http://schemas.openxmlformats.org/markup-compatibility/2006">
+    <mc:Choice xmlns:p14="http://schemas.microsoft.com/office/powerpoint/2010/main" Requires="p14">
+      <p:transition spd="slow" p14:dur="2000"/>
+    </mc:Choice>
+    <mc:Fallback>
+      <p:transition spd="slow"/>
+    </mc:Fallback>
+  </mc:AlternateContent>
+</p:sldLayout>
+</file>
+
 <file path=ppt/slideLayouts/slideLayout4.xml><?xml version="1.0" encoding="utf-8"?>
 <p:sldLayout xmlns:a="http://schemas.openxmlformats.org/drawingml/2006/main" xmlns:r="http://schemas.openxmlformats.org/officeDocument/2006/relationships" xmlns:p="http://schemas.openxmlformats.org/presentationml/2006/main" matchingName="Comparison" type="twoTxTwoObj">
   <p:cSld name="TWO_OBJECTS_WITH_TEXT">
@@ -12662,6 +14662,218 @@
   <p:clrMapOvr>
     <a:masterClrMapping/>
   </p:clrMapOvr>
+</p:sldLayout>
+</file>
+
+<file path=ppt/slideLayouts/slideLayout40.xml><?xml version="1.0" encoding="utf-8"?>
+<p:sldLayout xmlns:a="http://schemas.openxmlformats.org/drawingml/2006/main" xmlns:r="http://schemas.openxmlformats.org/officeDocument/2006/relationships" xmlns:p="http://schemas.openxmlformats.org/presentationml/2006/main" type="vertTitleAndTx">
+  <p:cSld name="VERTICAL_TITLE_AND_VERTICAL_TEXT">
+    <p:spTree>
+      <p:nvGrpSpPr>
+        <p:cNvPr id="1" name=""/>
+        <p:cNvGrpSpPr/>
+        <p:nvPr/>
+      </p:nvGrpSpPr>
+      <p:grpSpPr>
+        <a:xfrm>
+          <a:off x="0" y="0"/>
+          <a:ext cx="0" cy="0"/>
+          <a:chOff x="0" y="0"/>
+          <a:chExt cx="0" cy="0"/>
+        </a:xfrm>
+      </p:grpSpPr>
+      <p:sp>
+        <p:nvSpPr>
+          <p:cNvPr id="75" name="Rect 0"/>
+          <p:cNvSpPr txBox="1">
+            <a:spLocks/>
+          </p:cNvSpPr>
+          <p:nvPr>
+            <p:ph type="title"/>
+          </p:nvPr>
+        </p:nvSpPr>
+        <p:spPr>
+          <a:xfrm rot="5400000">
+            <a:off x="4732655" y="2171700"/>
+            <a:ext cx="5852160" cy="2058035"/>
+          </a:xfrm>
+          <a:prstGeom prst="rect"/>
+          <a:noFill/>
+          <a:ln w="0">
+            <a:noFill/>
+            <a:prstDash/>
+          </a:ln>
+        </p:spPr>
+        <p:txBody>
+          <a:bodyPr wrap="square" lIns="91440" tIns="45720" rIns="91440" bIns="45720" vert="horz" anchor="ctr">
+            <a:normAutofit fontScale="100000" lnSpcReduction="0"/>
+          </a:bodyPr>
+          <a:lstStyle/>
+          <a:p>
+            <a:pPr marL="0" indent="0" latinLnBrk="0">
+              <a:buFontTx/>
+              <a:buNone/>
+            </a:pPr>
+          </a:p>
+        </p:txBody>
+      </p:sp>
+      <p:sp>
+        <p:nvSpPr>
+          <p:cNvPr id="76" name="Rect 0"/>
+          <p:cNvSpPr txBox="1">
+            <a:spLocks/>
+          </p:cNvSpPr>
+          <p:nvPr>
+            <p:ph type="body"/>
+          </p:nvPr>
+        </p:nvSpPr>
+        <p:spPr>
+          <a:xfrm rot="5400000">
+            <a:off x="541655" y="190500"/>
+            <a:ext cx="5852160" cy="6020435"/>
+          </a:xfrm>
+          <a:prstGeom prst="rect"/>
+          <a:noFill/>
+          <a:ln w="0">
+            <a:noFill/>
+            <a:prstDash/>
+          </a:ln>
+        </p:spPr>
+        <p:txBody>
+          <a:bodyPr wrap="square" lIns="91440" tIns="45720" rIns="91440" bIns="45720" vert="horz" anchor="t">
+            <a:normAutofit fontScale="100000" lnSpcReduction="0"/>
+          </a:bodyPr>
+          <a:lstStyle/>
+          <a:p>
+            <a:pPr marL="457200" indent="-342900" latinLnBrk="0"/>
+          </a:p>
+        </p:txBody>
+      </p:sp>
+      <p:sp>
+        <p:nvSpPr>
+          <p:cNvPr id="77" name="Rect 0"/>
+          <p:cNvSpPr txBox="1">
+            <a:spLocks/>
+          </p:cNvSpPr>
+          <p:nvPr>
+            <p:ph type="dt"/>
+          </p:nvPr>
+        </p:nvSpPr>
+        <p:spPr>
+          <a:xfrm rot="0">
+            <a:off x="457200" y="6356350"/>
+            <a:ext cx="2134235" cy="365760"/>
+          </a:xfrm>
+          <a:prstGeom prst="rect"/>
+          <a:noFill/>
+          <a:ln w="0">
+            <a:noFill/>
+            <a:prstDash/>
+          </a:ln>
+        </p:spPr>
+        <p:txBody>
+          <a:bodyPr wrap="square" lIns="91440" tIns="45720" rIns="91440" bIns="45720" vert="horz" anchor="ctr">
+            <a:noAutofit/>
+          </a:bodyPr>
+          <a:lstStyle/>
+          <a:p>
+            <a:pPr marL="0" indent="0" latinLnBrk="0">
+              <a:buFontTx/>
+              <a:buNone/>
+            </a:pPr>
+          </a:p>
+        </p:txBody>
+      </p:sp>
+      <p:sp>
+        <p:nvSpPr>
+          <p:cNvPr id="78" name="Rect 0"/>
+          <p:cNvSpPr txBox="1">
+            <a:spLocks/>
+          </p:cNvSpPr>
+          <p:nvPr>
+            <p:ph type="ftr"/>
+          </p:nvPr>
+        </p:nvSpPr>
+        <p:spPr>
+          <a:xfrm rot="0">
+            <a:off x="3124200" y="6356350"/>
+            <a:ext cx="2896235" cy="365760"/>
+          </a:xfrm>
+          <a:prstGeom prst="rect"/>
+          <a:noFill/>
+          <a:ln w="0">
+            <a:noFill/>
+            <a:prstDash/>
+          </a:ln>
+        </p:spPr>
+        <p:txBody>
+          <a:bodyPr wrap="square" lIns="91440" tIns="45720" rIns="91440" bIns="45720" vert="horz" anchor="ctr">
+            <a:noAutofit/>
+          </a:bodyPr>
+          <a:lstStyle/>
+          <a:p>
+            <a:pPr marL="0" indent="0" latinLnBrk="0">
+              <a:buFontTx/>
+              <a:buNone/>
+            </a:pPr>
+          </a:p>
+        </p:txBody>
+      </p:sp>
+      <p:sp>
+        <p:nvSpPr>
+          <p:cNvPr id="79" name="Rect 0"/>
+          <p:cNvSpPr txBox="1">
+            <a:spLocks/>
+          </p:cNvSpPr>
+          <p:nvPr>
+            <p:ph type="sldNum"/>
+          </p:nvPr>
+        </p:nvSpPr>
+        <p:spPr>
+          <a:xfrm rot="0">
+            <a:off x="6553200" y="6356350"/>
+            <a:ext cx="2134235" cy="365760"/>
+          </a:xfrm>
+          <a:prstGeom prst="rect"/>
+          <a:noFill/>
+          <a:ln w="0">
+            <a:noFill/>
+            <a:prstDash/>
+          </a:ln>
+        </p:spPr>
+        <p:txBody>
+          <a:bodyPr wrap="square" lIns="91440" tIns="45720" rIns="91440" bIns="45720" vert="horz" anchor="ctr">
+            <a:noAutofit/>
+          </a:bodyPr>
+          <a:lstStyle/>
+          <a:p>
+            <a:pPr marL="0" indent="0" rtl="0" algn="r" latinLnBrk="0">
+              <a:buFontTx/>
+              <a:buNone/>
+            </a:pPr>
+            <a:fld id="{B9320F77-B9A0-41C5-862A-B4B631284C64}" type="slidenum">
+              <a:rPr>
+                <a:latin typeface="맑은 고딕" charset="0"/>
+                <a:ea typeface="맑은 고딕" charset="0"/>
+              </a:rPr>
+              <a:t>‹#›</a:t>
+            </a:fld>
+          </a:p>
+        </p:txBody>
+      </p:sp>
+    </p:spTree>
+  </p:cSld>
+  <p:clrMapOvr>
+    <a:overrideClrMapping bg1="lt1" tx1="dk1" bg2="lt2" tx2="dk2" accent1="accent1" accent2="accent2" accent3="accent3" accent4="accent4" accent5="accent5" accent6="accent6" hlink="hlink" folHlink="folHlink"/>
+  </p:clrMapOvr>
+  <mc:AlternateContent xmlns:mc="http://schemas.openxmlformats.org/markup-compatibility/2006">
+    <mc:Choice xmlns:p14="http://schemas.microsoft.com/office/powerpoint/2010/main" Requires="p14">
+      <p:transition spd="slow" p14:dur="2000"/>
+    </mc:Choice>
+    <mc:Fallback>
+      <p:transition spd="slow"/>
+    </mc:Fallback>
+  </mc:AlternateContent>
 </p:sldLayout>
 </file>
 
@@ -18217,6 +20429,315 @@
 </p:sldMaster>
 </file>
 
+<file path=ppt/slideMasters/slideMaster4.xml><?xml version="1.0" encoding="utf-8"?>
+<p:sldMaster xmlns:a="http://schemas.openxmlformats.org/drawingml/2006/main" xmlns:r="http://schemas.openxmlformats.org/officeDocument/2006/relationships" xmlns:p="http://schemas.openxmlformats.org/presentationml/2006/main">
+  <p:cSld>
+    <p:bg>
+      <p:bgPr>
+        <a:solidFill>
+          <a:schemeClr val="lt1"/>
+        </a:solidFill>
+      </p:bgPr>
+    </p:bg>
+    <p:spTree>
+      <p:nvGrpSpPr>
+        <p:cNvPr id="1" name=""/>
+        <p:cNvGrpSpPr/>
+        <p:nvPr/>
+      </p:nvGrpSpPr>
+      <p:grpSpPr>
+        <a:xfrm>
+          <a:off x="0" y="0"/>
+          <a:ext cx="0" cy="0"/>
+          <a:chOff x="0" y="0"/>
+          <a:chExt cx="0" cy="0"/>
+        </a:xfrm>
+      </p:grpSpPr>
+      <p:sp>
+        <p:nvSpPr>
+          <p:cNvPr id="6" name="Rect 0"/>
+          <p:cNvSpPr txBox="1">
+            <a:spLocks/>
+          </p:cNvSpPr>
+          <p:nvPr>
+            <p:ph type="title"/>
+          </p:nvPr>
+        </p:nvSpPr>
+        <p:spPr>
+          <a:xfrm rot="0">
+            <a:off x="457200" y="274955"/>
+            <a:ext cx="8230235" cy="1143635"/>
+          </a:xfrm>
+          <a:prstGeom prst="rect"/>
+          <a:noFill/>
+          <a:ln w="0">
+            <a:noFill/>
+            <a:prstDash/>
+          </a:ln>
+        </p:spPr>
+        <p:txBody>
+          <a:bodyPr wrap="square" lIns="91440" tIns="45720" rIns="91440" bIns="45720" vert="horz" anchor="ctr">
+            <a:normAutofit fontScale="100000" lnSpcReduction="0"/>
+          </a:bodyPr>
+          <a:lstStyle/>
+          <a:p>
+            <a:pPr marL="0" indent="0" latinLnBrk="0">
+              <a:buFontTx/>
+              <a:buNone/>
+            </a:pPr>
+          </a:p>
+        </p:txBody>
+      </p:sp>
+      <p:sp>
+        <p:nvSpPr>
+          <p:cNvPr id="7" name="Rect 0"/>
+          <p:cNvSpPr txBox="1">
+            <a:spLocks/>
+          </p:cNvSpPr>
+          <p:nvPr>
+            <p:ph type="body"/>
+          </p:nvPr>
+        </p:nvSpPr>
+        <p:spPr>
+          <a:xfrm rot="0">
+            <a:off x="457200" y="1600200"/>
+            <a:ext cx="8230235" cy="4526915"/>
+          </a:xfrm>
+          <a:prstGeom prst="rect"/>
+          <a:noFill/>
+          <a:ln w="0">
+            <a:noFill/>
+            <a:prstDash/>
+          </a:ln>
+        </p:spPr>
+        <p:txBody>
+          <a:bodyPr wrap="square" lIns="91440" tIns="45720" rIns="91440" bIns="45720" vert="horz" anchor="t">
+            <a:normAutofit fontScale="100000" lnSpcReduction="0"/>
+          </a:bodyPr>
+          <a:lstStyle/>
+          <a:p>
+            <a:pPr marL="457200" indent="-431800" latinLnBrk="0"/>
+          </a:p>
+        </p:txBody>
+      </p:sp>
+      <p:sp>
+        <p:nvSpPr>
+          <p:cNvPr id="8" name="Rect 0"/>
+          <p:cNvSpPr txBox="1">
+            <a:spLocks/>
+          </p:cNvSpPr>
+          <p:nvPr>
+            <p:ph type="dt"/>
+          </p:nvPr>
+        </p:nvSpPr>
+        <p:spPr>
+          <a:xfrm rot="0">
+            <a:off x="457200" y="6356350"/>
+            <a:ext cx="2134235" cy="365760"/>
+          </a:xfrm>
+          <a:prstGeom prst="rect"/>
+          <a:noFill/>
+          <a:ln w="0">
+            <a:noFill/>
+            <a:prstDash/>
+          </a:ln>
+        </p:spPr>
+        <p:txBody>
+          <a:bodyPr wrap="square" lIns="91440" tIns="45720" rIns="91440" bIns="45720" vert="horz" anchor="ctr">
+            <a:noAutofit/>
+          </a:bodyPr>
+          <a:lstStyle/>
+          <a:p>
+            <a:pPr marL="0" indent="0" latinLnBrk="0">
+              <a:buFontTx/>
+              <a:buNone/>
+            </a:pPr>
+          </a:p>
+        </p:txBody>
+      </p:sp>
+      <p:sp>
+        <p:nvSpPr>
+          <p:cNvPr id="9" name="Rect 0"/>
+          <p:cNvSpPr txBox="1">
+            <a:spLocks/>
+          </p:cNvSpPr>
+          <p:nvPr>
+            <p:ph type="ftr"/>
+          </p:nvPr>
+        </p:nvSpPr>
+        <p:spPr>
+          <a:xfrm rot="0">
+            <a:off x="3124200" y="6356350"/>
+            <a:ext cx="2896235" cy="365760"/>
+          </a:xfrm>
+          <a:prstGeom prst="rect"/>
+          <a:noFill/>
+          <a:ln w="0">
+            <a:noFill/>
+            <a:prstDash/>
+          </a:ln>
+        </p:spPr>
+        <p:txBody>
+          <a:bodyPr wrap="square" lIns="91440" tIns="45720" rIns="91440" bIns="45720" vert="horz" anchor="ctr">
+            <a:noAutofit/>
+          </a:bodyPr>
+          <a:lstStyle/>
+          <a:p>
+            <a:pPr marL="0" indent="0" latinLnBrk="0">
+              <a:buFontTx/>
+              <a:buNone/>
+            </a:pPr>
+          </a:p>
+        </p:txBody>
+      </p:sp>
+      <p:sp>
+        <p:nvSpPr>
+          <p:cNvPr id="10" name="Rect 0"/>
+          <p:cNvSpPr txBox="1">
+            <a:spLocks/>
+          </p:cNvSpPr>
+          <p:nvPr>
+            <p:ph type="sldNum"/>
+          </p:nvPr>
+        </p:nvSpPr>
+        <p:spPr>
+          <a:xfrm rot="0">
+            <a:off x="6553200" y="6356350"/>
+            <a:ext cx="2134235" cy="365760"/>
+          </a:xfrm>
+          <a:prstGeom prst="rect"/>
+          <a:noFill/>
+          <a:ln w="0">
+            <a:noFill/>
+            <a:prstDash/>
+          </a:ln>
+        </p:spPr>
+        <p:txBody>
+          <a:bodyPr wrap="square" lIns="91440" tIns="45720" rIns="91440" bIns="45720" vert="horz" anchor="ctr">
+            <a:noAutofit/>
+          </a:bodyPr>
+          <a:lstStyle/>
+          <a:p>
+            <a:pPr marL="0" indent="0" rtl="0" algn="r" latinLnBrk="0">
+              <a:buFontTx/>
+              <a:buNone/>
+            </a:pPr>
+            <a:fld id="{B9320F77-B9A0-41C5-862A-B4B631284C64}" type="slidenum">
+              <a:rPr>
+                <a:latin typeface="맑은 고딕" charset="0"/>
+                <a:ea typeface="맑은 고딕" charset="0"/>
+              </a:rPr>
+              <a:t>‹#›</a:t>
+            </a:fld>
+          </a:p>
+        </p:txBody>
+      </p:sp>
+    </p:spTree>
+  </p:cSld>
+  <p:clrMap bg1="lt1" tx1="dk1" bg2="dk2" tx2="lt2" accent1="accent1" accent2="accent2" accent3="accent3" accent4="accent4" accent5="accent5" accent6="accent6" hlink="hlink" folHlink="folHlink"/>
+  <p:sldLayoutIdLst>
+    <p:sldLayoutId id="2147483784" r:id="rId1"/>
+    <p:sldLayoutId id="2147483785" r:id="rId2"/>
+    <p:sldLayoutId id="2147483786" r:id="rId3"/>
+    <p:sldLayoutId id="2147483787" r:id="rId4"/>
+    <p:sldLayoutId id="2147483788" r:id="rId5"/>
+    <p:sldLayoutId id="2147483789" r:id="rId6"/>
+    <p:sldLayoutId id="2147483790" r:id="rId7"/>
+    <p:sldLayoutId id="2147483791" r:id="rId8"/>
+    <p:sldLayoutId id="2147483792" r:id="rId9"/>
+    <p:sldLayoutId id="2147483793" r:id="rId10"/>
+  </p:sldLayoutIdLst>
+  <mc:AlternateContent xmlns:mc="http://schemas.openxmlformats.org/markup-compatibility/2006">
+    <mc:Choice xmlns:p14="http://schemas.microsoft.com/office/powerpoint/2010/main" Requires="p14">
+      <p:transition spd="slow" p14:dur="2000"/>
+    </mc:Choice>
+    <mc:Fallback>
+      <p:transition spd="slow"/>
+    </mc:Fallback>
+  </mc:AlternateContent>
+  <p:txStyles>
+    <p:titleStyle>
+      <a:lvl1pPr algn="ctr" marL="0" indent="0" defTabSz="914400" latinLnBrk="1">
+        <a:buNone/>
+        <a:defRPr lang="ko-KR" smtClean="0" sz="4400" baseline="0">
+          <a:solidFill>
+            <a:schemeClr val="tx1"/>
+          </a:solidFill>
+          <a:latin typeface="+mn-lt"/>
+          <a:ea typeface="+mn-ea"/>
+          <a:cs typeface="+mn-cs"/>
+        </a:defRPr>
+      </a:lvl1pPr>
+    </p:titleStyle>
+    <p:bodyStyle>
+      <a:lvl1pPr algn="l" marL="342900" indent="-342900" defTabSz="914400" latinLnBrk="1">
+        <a:spcBef>
+          <a:spcPct val="20000"/>
+        </a:spcBef>
+        <a:buFont typeface="Arial"/>
+        <a:buChar char="0"/>
+        <a:defRPr lang="ko-KR" smtClean="0" sz="2800" baseline="0">
+          <a:solidFill>
+            <a:schemeClr val="tx1"/>
+          </a:solidFill>
+          <a:latin typeface="+mn-lt"/>
+          <a:ea typeface="+mn-ea"/>
+          <a:cs typeface="+mn-cs"/>
+        </a:defRPr>
+      </a:lvl1pPr>
+      <a:lvl2pPr lvl="1" marL="742950" indent="-285750" defTabSz="914400" latinLnBrk="1">
+        <a:buChar char="-"/>
+        <a:defRPr lang="ko-KR" smtClean="0" sz="2400"/>
+      </a:lvl2pPr>
+      <a:lvl3pPr lvl="2" marL="1143000" indent="-228600" defTabSz="914400" latinLnBrk="1">
+        <a:buChar char="0"/>
+        <a:defRPr lang="ko-KR" smtClean="0" sz="2000"/>
+      </a:lvl3pPr>
+      <a:lvl4pPr lvl="3" marL="1600200" indent="-228600" defTabSz="914400" latinLnBrk="1">
+        <a:buChar char="-"/>
+        <a:defRPr lang="ko-KR" smtClean="0" sz="1800"/>
+      </a:lvl4pPr>
+      <a:lvl5pPr lvl="4" marL="2057400" indent="-228600" defTabSz="914400" latinLnBrk="1">
+        <a:buChar char="-69"/>
+        <a:defRPr lang="ko-KR" smtClean="0" sz="1800"/>
+      </a:lvl5pPr>
+    </p:bodyStyle>
+    <p:otherStyle>
+      <a:lvl1pPr algn="l" marL="0" indent="0" defTabSz="914400" latinLnBrk="1">
+        <a:buNone/>
+        <a:defRPr lang="ko-KR" smtClean="0" sz="1800" baseline="0">
+          <a:solidFill>
+            <a:schemeClr val="tx1"/>
+          </a:solidFill>
+          <a:latin typeface="+mn-lt"/>
+          <a:ea typeface="+mn-ea"/>
+          <a:cs typeface="+mn-cs"/>
+        </a:defRPr>
+      </a:lvl1pPr>
+      <a:lvl2pPr lvl="1" marL="457200" indent="0" defTabSz="914400" latinLnBrk="1">
+        <a:defRPr lang="ko-KR" smtClean="0"/>
+      </a:lvl2pPr>
+      <a:lvl3pPr lvl="2" marL="914400" indent="0" defTabSz="914400" latinLnBrk="1">
+        <a:defRPr lang="ko-KR" smtClean="0"/>
+      </a:lvl3pPr>
+      <a:lvl4pPr lvl="3" marL="1371600" indent="0" defTabSz="914400" latinLnBrk="1">
+        <a:defRPr lang="ko-KR" smtClean="0"/>
+      </a:lvl4pPr>
+      <a:lvl5pPr lvl="4" marL="1828800" indent="0" defTabSz="914400" latinLnBrk="1">
+        <a:defRPr lang="ko-KR" smtClean="0"/>
+      </a:lvl5pPr>
+    </p:otherStyle>
+  </p:txStyles>
+  <p:timing>
+    <p:tnLst>
+      <p:par>
+        <p:cTn id="1" dur="indefinite" restart="never" nodeType="tmRoot"/>
+      </p:par>
+    </p:tnLst>
+  </p:timing>
+</p:sldMaster>
+</file>
+
 <file path=ppt/slides/slide1.xml><?xml version="1.0" encoding="utf-8"?>
 <p:sld xmlns:a="http://schemas.openxmlformats.org/drawingml/2006/main" xmlns:r="http://schemas.openxmlformats.org/officeDocument/2006/relationships" xmlns:p="http://schemas.openxmlformats.org/presentationml/2006/main">
   <p:cSld>
@@ -33306,6 +35827,869 @@
         <p14:creationId xmlns:p14="http://schemas.microsoft.com/office/powerpoint/2010/main" val="1060464230"/>
       </p:ext>
     </p:extLst>
+  </p:cSld>
+  <p:clrMapOvr>
+    <a:masterClrMapping/>
+  </p:clrMapOvr>
+  <mc:AlternateContent xmlns:mc="http://schemas.openxmlformats.org/markup-compatibility/2006">
+    <mc:Choice xmlns:p14="http://schemas.microsoft.com/office/powerpoint/2010/main" Requires="p14">
+      <p:transition spd="slow" p14:dur="2000"/>
+    </mc:Choice>
+    <mc:Fallback>
+      <p:transition spd="slow"/>
+    </mc:Fallback>
+  </mc:AlternateContent>
+  <p:timing>
+    <p:tnLst>
+      <p:par>
+        <p:cTn id="1" dur="indefinite" restart="never" nodeType="tmRoot"/>
+      </p:par>
+    </p:tnLst>
+  </p:timing>
+</p:sld>
+</file>
+
+<file path=ppt/slides/slide8.xml><?xml version="1.0" encoding="utf-8"?>
+<p:sld xmlns:a="http://schemas.openxmlformats.org/drawingml/2006/main" xmlns:r="http://schemas.openxmlformats.org/officeDocument/2006/relationships" xmlns:p="http://schemas.openxmlformats.org/presentationml/2006/main">
+  <p:cSld>
+    <p:bg>
+      <p:bgPr>
+        <a:solidFill>
+          <a:srgbClr val="694680"/>
+        </a:solidFill>
+      </p:bgPr>
+    </p:bg>
+    <p:spTree>
+      <p:nvGrpSpPr>
+        <p:cNvPr id="1" name=""/>
+        <p:cNvGrpSpPr/>
+        <p:nvPr/>
+      </p:nvGrpSpPr>
+      <p:grpSpPr>
+        <a:xfrm>
+          <a:off x="0" y="0"/>
+          <a:ext cx="0" cy="0"/>
+          <a:chOff x="0" y="0"/>
+          <a:chExt cx="0" cy="0"/>
+        </a:xfrm>
+      </p:grpSpPr>
+      <p:sp>
+        <p:nvSpPr>
+          <p:cNvPr id="152" name="Rect 0"/>
+          <p:cNvSpPr txBox="1">
+            <a:spLocks/>
+          </p:cNvSpPr>
+          <p:nvPr/>
+        </p:nvSpPr>
+        <p:spPr>
+          <a:xfrm rot="0">
+            <a:off x="6015990" y="413385"/>
+            <a:ext cx="6256655" cy="862330"/>
+          </a:xfrm>
+          <a:prstGeom prst="rect"/>
+          <a:noFill/>
+          <a:ln w="0">
+            <a:noFill/>
+            <a:prstDash/>
+          </a:ln>
+        </p:spPr>
+        <p:txBody>
+          <a:bodyPr wrap="square" lIns="91440" tIns="45720" rIns="91440" bIns="45720" vert="horz" anchor="t">
+            <a:spAutoFit/>
+          </a:bodyPr>
+          <a:lstStyle/>
+          <a:p>
+            <a:pPr marL="0" indent="0" rtl="0" algn="ctr" latinLnBrk="0">
+              <a:buFontTx/>
+              <a:buNone/>
+            </a:pPr>
+            <a:r>
+              <a:rPr sz="5000" cap="none" i="0" b="1" strike="noStrike">
+                <a:solidFill>
+                  <a:schemeClr val="bg1"/>
+                </a:solidFill>
+                <a:latin typeface="나눔바른고딕" charset="0"/>
+                <a:ea typeface="나눔바른고딕" charset="0"/>
+              </a:rPr>
+              <a:t>서비스 구성</a:t>
+            </a:r>
+            <a:endParaRPr lang="ko-KR" altLang="en-US" sz="5000" cap="none" i="0" b="1" strike="noStrike">
+              <a:solidFill>
+                <a:schemeClr val="bg1"/>
+              </a:solidFill>
+              <a:latin typeface="나눔바른고딕" charset="0"/>
+              <a:ea typeface="나눔바른고딕" charset="0"/>
+            </a:endParaRPr>
+          </a:p>
+        </p:txBody>
+      </p:sp>
+      <p:sp>
+        <p:nvSpPr>
+          <p:cNvPr id="175" name="Rect 0"/>
+          <p:cNvSpPr>
+            <a:spLocks/>
+          </p:cNvSpPr>
+          <p:nvPr/>
+        </p:nvSpPr>
+        <p:spPr>
+          <a:xfrm rot="0">
+            <a:off x="349250" y="238125"/>
+            <a:ext cx="17623155" cy="9822815"/>
+          </a:xfrm>
+          <a:prstGeom prst="rect"/>
+          <a:noFill/>
+          <a:ln w="57150" cap="flat" cmpd="sng">
+            <a:solidFill>
+              <a:srgbClr val="694680">
+                <a:alpha val="100000"/>
+              </a:srgbClr>
+            </a:solidFill>
+            <a:prstDash val="solid"/>
+            <a:round/>
+          </a:ln>
+        </p:spPr>
+        <p:style>
+          <a:lnRef idx="2">
+            <a:schemeClr val="accent1">
+              <a:shade val="50000"/>
+            </a:schemeClr>
+          </a:lnRef>
+          <a:fillRef idx="1">
+            <a:schemeClr val="accent1"/>
+          </a:fillRef>
+          <a:effectRef idx="0">
+            <a:schemeClr val="accent1"/>
+          </a:effectRef>
+          <a:fontRef idx="minor">
+            <a:schemeClr val="lt1"/>
+          </a:fontRef>
+        </p:style>
+        <p:txBody>
+          <a:bodyPr wrap="square" lIns="91440" tIns="45720" rIns="91440" bIns="45720" vert="horz" anchor="ctr">
+            <a:noAutofit/>
+          </a:bodyPr>
+          <a:lstStyle/>
+          <a:p>
+            <a:pPr marL="0" indent="0" rtl="0" algn="ctr" latinLnBrk="0" hangingPunct="1"/>
+            <a:endParaRPr lang="ko-KR" altLang="en-US" sz="1800" cap="none" i="0" b="0" strike="noStrike">
+              <a:solidFill>
+                <a:schemeClr val="bg1"/>
+              </a:solidFill>
+              <a:latin typeface="맑은 고딕" charset="0"/>
+              <a:ea typeface="맑은 고딕" charset="0"/>
+            </a:endParaRPr>
+          </a:p>
+        </p:txBody>
+      </p:sp>
+      <p:sp>
+        <p:nvSpPr>
+          <p:cNvPr id="176" name="Rect 0"/>
+          <p:cNvSpPr txBox="1">
+            <a:spLocks/>
+          </p:cNvSpPr>
+          <p:nvPr/>
+        </p:nvSpPr>
+        <p:spPr>
+          <a:xfrm rot="0">
+            <a:off x="2900680" y="2467610"/>
+            <a:ext cx="5276215" cy="754380"/>
+          </a:xfrm>
+          <a:prstGeom prst="rect"/>
+          <a:noFill/>
+          <a:ln w="0">
+            <a:noFill/>
+            <a:prstDash/>
+          </a:ln>
+        </p:spPr>
+        <p:txBody>
+          <a:bodyPr wrap="square" lIns="91440" tIns="45720" rIns="91440" bIns="45720" vert="horz" anchor="t">
+            <a:spAutoFit/>
+          </a:bodyPr>
+          <a:lstStyle/>
+          <a:p>
+            <a:pPr marL="0" indent="0" rtl="0" algn="ctr" latinLnBrk="0">
+              <a:buFontTx/>
+              <a:buNone/>
+            </a:pPr>
+            <a:r>
+              <a:rPr sz="4300" cap="none" i="0" b="1" strike="noStrike">
+                <a:solidFill>
+                  <a:schemeClr val="bg1"/>
+                </a:solidFill>
+                <a:latin typeface="나눔바른고딕" charset="0"/>
+                <a:ea typeface="나눔바른고딕" charset="0"/>
+              </a:rPr>
+              <a:t>일별 데일리룩 관리</a:t>
+            </a:r>
+            <a:endParaRPr lang="ko-KR" altLang="en-US" sz="4300" cap="none" i="0" b="1" strike="noStrike">
+              <a:solidFill>
+                <a:schemeClr val="bg1"/>
+              </a:solidFill>
+              <a:latin typeface="나눔바른고딕" charset="0"/>
+              <a:ea typeface="나눔바른고딕" charset="0"/>
+            </a:endParaRPr>
+          </a:p>
+        </p:txBody>
+      </p:sp>
+      <p:sp>
+        <p:nvSpPr>
+          <p:cNvPr id="178" name="Rect 0"/>
+          <p:cNvSpPr txBox="1">
+            <a:spLocks/>
+          </p:cNvSpPr>
+          <p:nvPr/>
+        </p:nvSpPr>
+        <p:spPr>
+          <a:xfrm rot="0">
+            <a:off x="2431415" y="4554855"/>
+            <a:ext cx="5866130" cy="585470"/>
+          </a:xfrm>
+          <a:prstGeom prst="rect"/>
+          <a:noFill/>
+          <a:ln w="0">
+            <a:noFill/>
+            <a:prstDash/>
+          </a:ln>
+        </p:spPr>
+        <p:txBody>
+          <a:bodyPr wrap="square" lIns="91440" tIns="45720" rIns="91440" bIns="45720" vert="horz" anchor="t">
+            <a:spAutoFit/>
+          </a:bodyPr>
+          <a:lstStyle/>
+          <a:p>
+            <a:pPr marL="254000" indent="-254000" rtl="0" algn="l" latinLnBrk="0">
+              <a:buFont typeface="Wingdings"/>
+              <a:buChar char=""/>
+            </a:pPr>
+            <a:r>
+              <a:rPr sz="3200" cap="none" i="0" b="0" strike="noStrike">
+                <a:solidFill>
+                  <a:schemeClr val="bg1"/>
+                </a:solidFill>
+                <a:latin typeface="나눔바른고딕" charset="0"/>
+                <a:ea typeface="나눔바른고딕" charset="0"/>
+              </a:rPr>
+              <a:t>일별, 월별, 연별로 데일리룩 정렬</a:t>
+            </a:r>
+            <a:endParaRPr lang="ko-KR" altLang="en-US" sz="3200" cap="none" i="0" b="0" strike="noStrike">
+              <a:solidFill>
+                <a:schemeClr val="bg1"/>
+              </a:solidFill>
+              <a:latin typeface="나눔바른고딕" charset="0"/>
+              <a:ea typeface="나눔바른고딕" charset="0"/>
+            </a:endParaRPr>
+          </a:p>
+        </p:txBody>
+      </p:sp>
+      <p:sp>
+        <p:nvSpPr>
+          <p:cNvPr id="179" name="Rect 0"/>
+          <p:cNvSpPr txBox="1">
+            <a:spLocks/>
+          </p:cNvSpPr>
+          <p:nvPr/>
+        </p:nvSpPr>
+        <p:spPr>
+          <a:xfrm rot="0">
+            <a:off x="2431415" y="3453765"/>
+            <a:ext cx="6214745" cy="1077595"/>
+          </a:xfrm>
+          <a:prstGeom prst="rect"/>
+          <a:noFill/>
+          <a:ln w="0">
+            <a:noFill/>
+            <a:prstDash/>
+          </a:ln>
+        </p:spPr>
+        <p:txBody>
+          <a:bodyPr wrap="square" lIns="91440" tIns="45720" rIns="91440" bIns="45720" vert="horz" anchor="t">
+            <a:spAutoFit/>
+          </a:bodyPr>
+          <a:lstStyle/>
+          <a:p>
+            <a:pPr marL="254000" indent="-254000" rtl="0" algn="l" latinLnBrk="0">
+              <a:buFont typeface="Wingdings"/>
+              <a:buChar char=""/>
+            </a:pPr>
+            <a:r>
+              <a:rPr sz="3200" cap="none" i="0" b="0" strike="noStrike">
+                <a:solidFill>
+                  <a:schemeClr val="bg1"/>
+                </a:solidFill>
+                <a:latin typeface="나눔바른고딕" charset="0"/>
+                <a:ea typeface="나눔바른고딕" charset="0"/>
+              </a:rPr>
+              <a:t>하루에 하나의 데일리룩을 작성하여 그날의 착장과 감상을 기록</a:t>
+            </a:r>
+            <a:endParaRPr lang="ko-KR" altLang="en-US" sz="3200" cap="none" i="0" b="0" strike="noStrike">
+              <a:solidFill>
+                <a:schemeClr val="bg1"/>
+              </a:solidFill>
+              <a:latin typeface="나눔바른고딕" charset="0"/>
+              <a:ea typeface="나눔바른고딕" charset="0"/>
+            </a:endParaRPr>
+          </a:p>
+        </p:txBody>
+      </p:sp>
+      <p:pic>
+        <p:nvPicPr>
+          <p:cNvPr id="180" name="Picture " descr="C:/Users/admin/AppData/Roaming/PolarisOffice/ETemp/10604_9621416/fImage4779748241.png"/>
+          <p:cNvPicPr>
+            <a:picLocks noChangeAspect="1"/>
+          </p:cNvPicPr>
+          <p:nvPr/>
+        </p:nvPicPr>
+        <p:blipFill rotWithShape="1">
+          <a:blip r:embed="rId2" cstate="hqprint">
+            <a:extLst>
+              <a:ext uri="{28A0092B-C50C-407E-A947-70E740481C1C}">
+                <a14:useLocalDpi xmlns:a14="http://schemas.microsoft.com/office/drawing/2010/main"/>
+              </a:ext>
+            </a:extLst>
+          </a:blip>
+          <a:stretch>
+            <a:fillRect/>
+          </a:stretch>
+        </p:blipFill>
+        <p:spPr>
+          <a:xfrm rot="0">
+            <a:off x="9664065" y="1868170"/>
+            <a:ext cx="5922645" cy="4196080"/>
+          </a:xfrm>
+          <a:prstGeom prst="rect"/>
+          <a:noFill/>
+          <a:ln w="57150" cap="flat" cmpd="sng">
+            <a:solidFill>
+              <a:schemeClr val="bg1">
+                <a:alpha val="100000"/>
+              </a:schemeClr>
+            </a:solidFill>
+            <a:prstDash val="solid"/>
+            <a:round/>
+          </a:ln>
+        </p:spPr>
+      </p:pic>
+      <p:pic>
+        <p:nvPicPr>
+          <p:cNvPr id="181" name="Picture " descr="C:/Users/admin/AppData/Roaming/PolarisOffice/ETemp/10604_9621416/fImage414094838467.png"/>
+          <p:cNvPicPr>
+            <a:picLocks noChangeAspect="1"/>
+          </p:cNvPicPr>
+          <p:nvPr/>
+        </p:nvPicPr>
+        <p:blipFill rotWithShape="1">
+          <a:blip r:embed="rId3" cstate="hqprint">
+            <a:extLst>
+              <a:ext uri="{28A0092B-C50C-407E-A947-70E740481C1C}">
+                <a14:useLocalDpi xmlns:a14="http://schemas.microsoft.com/office/drawing/2010/main"/>
+              </a:ext>
+            </a:extLst>
+          </a:blip>
+          <a:stretch>
+            <a:fillRect/>
+          </a:stretch>
+        </p:blipFill>
+        <p:spPr>
+          <a:xfrm rot="0">
+            <a:off x="2744470" y="6741160"/>
+            <a:ext cx="3806190" cy="2797175"/>
+          </a:xfrm>
+          <a:prstGeom prst="rect"/>
+          <a:noFill/>
+          <a:ln w="57150" cap="flat" cmpd="sng">
+            <a:solidFill>
+              <a:schemeClr val="bg1">
+                <a:alpha val="100000"/>
+              </a:schemeClr>
+            </a:solidFill>
+            <a:prstDash val="solid"/>
+            <a:round/>
+          </a:ln>
+        </p:spPr>
+      </p:pic>
+      <p:pic>
+        <p:nvPicPr>
+          <p:cNvPr id="182" name="Picture " descr="C:/Users/admin/AppData/Roaming/PolarisOffice/ETemp/10604_9621416/fImage378134846334.png"/>
+          <p:cNvPicPr>
+            <a:picLocks noChangeAspect="1"/>
+          </p:cNvPicPr>
+          <p:nvPr/>
+        </p:nvPicPr>
+        <p:blipFill rotWithShape="1">
+          <a:blip r:embed="rId4" cstate="hqprint">
+            <a:extLst>
+              <a:ext uri="{28A0092B-C50C-407E-A947-70E740481C1C}">
+                <a14:useLocalDpi xmlns:a14="http://schemas.microsoft.com/office/drawing/2010/main"/>
+              </a:ext>
+            </a:extLst>
+          </a:blip>
+          <a:stretch>
+            <a:fillRect/>
+          </a:stretch>
+        </p:blipFill>
+        <p:spPr>
+          <a:xfrm rot="0">
+            <a:off x="7298055" y="6738620"/>
+            <a:ext cx="3724910" cy="2792730"/>
+          </a:xfrm>
+          <a:prstGeom prst="rect"/>
+          <a:noFill/>
+          <a:ln w="57150" cap="flat" cmpd="sng">
+            <a:solidFill>
+              <a:schemeClr val="bg1">
+                <a:alpha val="100000"/>
+              </a:schemeClr>
+            </a:solidFill>
+            <a:prstDash val="solid"/>
+            <a:round/>
+          </a:ln>
+        </p:spPr>
+      </p:pic>
+      <p:pic>
+        <p:nvPicPr>
+          <p:cNvPr id="183" name="Picture " descr="C:/Users/admin/AppData/Roaming/PolarisOffice/ETemp/10604_9621416/fImage229624856500.png"/>
+          <p:cNvPicPr>
+            <a:picLocks noChangeAspect="1"/>
+          </p:cNvPicPr>
+          <p:nvPr/>
+        </p:nvPicPr>
+        <p:blipFill rotWithShape="1">
+          <a:blip r:embed="rId5" cstate="hqprint">
+            <a:extLst>
+              <a:ext uri="{28A0092B-C50C-407E-A947-70E740481C1C}">
+                <a14:useLocalDpi xmlns:a14="http://schemas.microsoft.com/office/drawing/2010/main"/>
+              </a:ext>
+            </a:extLst>
+          </a:blip>
+          <a:stretch>
+            <a:fillRect/>
+          </a:stretch>
+        </p:blipFill>
+        <p:spPr>
+          <a:xfrm rot="0">
+            <a:off x="11737975" y="6741160"/>
+            <a:ext cx="4033520" cy="2821940"/>
+          </a:xfrm>
+          <a:prstGeom prst="rect"/>
+          <a:noFill/>
+          <a:ln w="57150" cap="flat" cmpd="sng">
+            <a:solidFill>
+              <a:schemeClr val="bg1">
+                <a:alpha val="100000"/>
+              </a:schemeClr>
+            </a:solidFill>
+            <a:prstDash val="solid"/>
+            <a:round/>
+          </a:ln>
+        </p:spPr>
+      </p:pic>
+      <p:grpSp>
+        <p:nvGrpSpPr>
+          <p:cNvPr id="189" name="Group 5"/>
+          <p:cNvGrpSpPr/>
+          <p:nvPr/>
+        </p:nvGrpSpPr>
+        <p:grpSpPr>
+          <a:xfrm rot="0">
+            <a:off x="14246225" y="5639435"/>
+            <a:ext cx="2053590" cy="766445"/>
+            <a:chOff x="14246225" y="5639435"/>
+            <a:chExt cx="2053590" cy="766445"/>
+          </a:xfrm>
+        </p:grpSpPr>
+        <p:pic>
+          <p:nvPicPr>
+            <p:cNvPr id="184" name="Picture " descr="C:/Users/admin/AppData/Roaming/PolarisOffice/ETemp/10604_9621416/fImage3944869169.png"/>
+            <p:cNvPicPr>
+              <a:picLocks/>
+            </p:cNvPicPr>
+            <p:nvPr/>
+          </p:nvPicPr>
+          <p:blipFill rotWithShape="1">
+            <a:blip r:embed="rId6" cstate="hqprint">
+              <a:extLst>
+                <a:ext uri="{28A0092B-C50C-407E-A947-70E740481C1C}">
+                  <a14:useLocalDpi xmlns:a14="http://schemas.microsoft.com/office/drawing/2010/main"/>
+                </a:ext>
+              </a:extLst>
+            </a:blip>
+            <a:stretch>
+              <a:fillRect/>
+            </a:stretch>
+          </p:blipFill>
+          <p:spPr>
+            <a:xfrm rot="21360000">
+              <a:off x="14378940" y="5639435"/>
+              <a:ext cx="1838960" cy="766445"/>
+            </a:xfrm>
+            <a:prstGeom prst="rect"/>
+            <a:noFill/>
+            <a:ln w="0">
+              <a:noFill/>
+              <a:prstDash/>
+            </a:ln>
+          </p:spPr>
+        </p:pic>
+        <p:sp>
+          <p:nvSpPr>
+            <p:cNvPr id="185" name="Rect 0"/>
+            <p:cNvSpPr txBox="1">
+              <a:spLocks/>
+            </p:cNvSpPr>
+            <p:nvPr/>
+          </p:nvSpPr>
+          <p:spPr>
+            <a:xfrm rot="21360000">
+              <a:off x="14246225" y="5722620"/>
+              <a:ext cx="2053590" cy="523875"/>
+            </a:xfrm>
+            <a:prstGeom prst="rect"/>
+            <a:noFill/>
+            <a:ln w="0">
+              <a:noFill/>
+              <a:prstDash/>
+            </a:ln>
+          </p:spPr>
+          <p:txBody>
+            <a:bodyPr wrap="square" lIns="91440" tIns="45720" rIns="91440" bIns="45720" vert="horz" anchor="ctr">
+              <a:spAutoFit/>
+            </a:bodyPr>
+            <a:lstStyle/>
+            <a:p>
+              <a:pPr marL="0" indent="0" rtl="0" algn="ctr" latinLnBrk="0">
+                <a:buFontTx/>
+                <a:buNone/>
+              </a:pPr>
+              <a:r>
+                <a:rPr sz="1400" cap="none" i="0" b="1" strike="noStrike">
+                  <a:solidFill>
+                    <a:srgbClr val="694680"/>
+                  </a:solidFill>
+                  <a:latin typeface="나눔바른고딕" charset="0"/>
+                  <a:ea typeface="나눔바른고딕" charset="0"/>
+                </a:rPr>
+                <a:t>데일리룩 신규 등록</a:t>
+              </a:r>
+              <a:endParaRPr lang="ko-KR" altLang="en-US" sz="1400" cap="none" i="0" b="1" strike="noStrike">
+                <a:solidFill>
+                  <a:srgbClr val="694680"/>
+                </a:solidFill>
+                <a:latin typeface="나눔바른고딕" charset="0"/>
+                <a:ea typeface="나눔바른고딕" charset="0"/>
+              </a:endParaRPr>
+            </a:p>
+            <a:p>
+              <a:pPr marL="0" indent="0" rtl="0" algn="ctr" latinLnBrk="0">
+                <a:buFontTx/>
+                <a:buNone/>
+              </a:pPr>
+              <a:r>
+                <a:rPr sz="1400" cap="none" i="0" b="1" strike="noStrike">
+                  <a:solidFill>
+                    <a:srgbClr val="694680"/>
+                  </a:solidFill>
+                  <a:latin typeface="나눔바른고딕" charset="0"/>
+                  <a:ea typeface="나눔바른고딕" charset="0"/>
+                </a:rPr>
+                <a:t>페이지의 일부</a:t>
+              </a:r>
+              <a:endParaRPr lang="ko-KR" altLang="en-US" sz="1400" cap="none" i="0" b="1" strike="noStrike">
+                <a:solidFill>
+                  <a:srgbClr val="694680"/>
+                </a:solidFill>
+                <a:latin typeface="나눔바른고딕" charset="0"/>
+                <a:ea typeface="나눔바른고딕" charset="0"/>
+              </a:endParaRPr>
+            </a:p>
+          </p:txBody>
+        </p:sp>
+      </p:grpSp>
+      <p:grpSp>
+        <p:nvGrpSpPr>
+          <p:cNvPr id="188" name="Group 5"/>
+          <p:cNvGrpSpPr/>
+          <p:nvPr/>
+        </p:nvGrpSpPr>
+        <p:grpSpPr>
+          <a:xfrm rot="0">
+            <a:off x="1542415" y="6224905"/>
+            <a:ext cx="2053590" cy="766445"/>
+            <a:chOff x="1542415" y="6224905"/>
+            <a:chExt cx="2053590" cy="766445"/>
+          </a:xfrm>
+        </p:grpSpPr>
+        <p:pic>
+          <p:nvPicPr>
+            <p:cNvPr id="186" name="Picture " descr="C:/Users/admin/AppData/Roaming/PolarisOffice/ETemp/10604_9621416/fImage3944895724.png"/>
+            <p:cNvPicPr>
+              <a:picLocks/>
+            </p:cNvPicPr>
+            <p:nvPr/>
+          </p:nvPicPr>
+          <p:blipFill rotWithShape="1">
+            <a:blip r:embed="rId7" cstate="hqprint">
+              <a:extLst>
+                <a:ext uri="{28A0092B-C50C-407E-A947-70E740481C1C}">
+                  <a14:useLocalDpi xmlns:a14="http://schemas.microsoft.com/office/drawing/2010/main"/>
+                </a:ext>
+              </a:extLst>
+            </a:blip>
+            <a:stretch>
+              <a:fillRect/>
+            </a:stretch>
+          </p:blipFill>
+          <p:spPr>
+            <a:xfrm rot="21120000">
+              <a:off x="1675130" y="6224905"/>
+              <a:ext cx="1838960" cy="766445"/>
+            </a:xfrm>
+            <a:prstGeom prst="rect"/>
+            <a:noFill/>
+            <a:ln w="0">
+              <a:noFill/>
+              <a:prstDash/>
+            </a:ln>
+          </p:spPr>
+        </p:pic>
+        <p:sp>
+          <p:nvSpPr>
+            <p:cNvPr id="187" name="Rect 0"/>
+            <p:cNvSpPr txBox="1">
+              <a:spLocks/>
+            </p:cNvSpPr>
+            <p:nvPr/>
+          </p:nvSpPr>
+          <p:spPr>
+            <a:xfrm rot="21120000">
+              <a:off x="1542415" y="6308090"/>
+              <a:ext cx="2053590" cy="523875"/>
+            </a:xfrm>
+            <a:prstGeom prst="rect"/>
+            <a:noFill/>
+            <a:ln w="0">
+              <a:noFill/>
+              <a:prstDash/>
+            </a:ln>
+          </p:spPr>
+          <p:txBody>
+            <a:bodyPr wrap="square" lIns="91440" tIns="45720" rIns="91440" bIns="45720" vert="horz" anchor="ctr">
+              <a:spAutoFit/>
+            </a:bodyPr>
+            <a:lstStyle/>
+            <a:p>
+              <a:pPr marL="0" indent="0" rtl="0" algn="ctr" latinLnBrk="0">
+                <a:buFontTx/>
+                <a:buNone/>
+              </a:pPr>
+              <a:r>
+                <a:rPr sz="1400" cap="none" i="0" b="1" strike="noStrike">
+                  <a:solidFill>
+                    <a:srgbClr val="694680"/>
+                  </a:solidFill>
+                  <a:latin typeface="나눔바른고딕" charset="0"/>
+                  <a:ea typeface="나눔바른고딕" charset="0"/>
+                </a:rPr>
+                <a:t>드롭 박스 선택에 따라</a:t>
+              </a:r>
+              <a:endParaRPr lang="ko-KR" altLang="en-US" sz="1400" cap="none" i="0" b="1" strike="noStrike">
+                <a:solidFill>
+                  <a:srgbClr val="694680"/>
+                </a:solidFill>
+                <a:latin typeface="나눔바른고딕" charset="0"/>
+                <a:ea typeface="나눔바른고딕" charset="0"/>
+              </a:endParaRPr>
+            </a:p>
+            <a:p>
+              <a:pPr marL="0" indent="0" rtl="0" algn="ctr" latinLnBrk="0">
+                <a:buFontTx/>
+                <a:buNone/>
+              </a:pPr>
+              <a:r>
+                <a:rPr sz="1400" cap="none" i="0" b="1" strike="noStrike">
+                  <a:solidFill>
+                    <a:srgbClr val="694680"/>
+                  </a:solidFill>
+                  <a:latin typeface="나눔바른고딕" charset="0"/>
+                  <a:ea typeface="나눔바른고딕" charset="0"/>
+                </a:rPr>
+                <a:t>바뀌는 달력 그리드</a:t>
+              </a:r>
+              <a:endParaRPr lang="ko-KR" altLang="en-US" sz="1400" cap="none" i="0" b="1" strike="noStrike">
+                <a:solidFill>
+                  <a:srgbClr val="694680"/>
+                </a:solidFill>
+                <a:latin typeface="나눔바른고딕" charset="0"/>
+                <a:ea typeface="나눔바른고딕" charset="0"/>
+              </a:endParaRPr>
+            </a:p>
+          </p:txBody>
+        </p:sp>
+      </p:grpSp>
+      <p:pic>
+        <p:nvPicPr>
+          <p:cNvPr id="190" name="Picture " descr="C:/Users/admin/AppData/Roaming/PolarisOffice/ETemp/10604_9621416/fImage1614921478.png"/>
+          <p:cNvPicPr>
+            <a:picLocks/>
+          </p:cNvPicPr>
+          <p:nvPr/>
+        </p:nvPicPr>
+        <p:blipFill rotWithShape="1">
+          <a:blip r:embed="rId8" cstate="hqprint">
+            <a:extLst>
+              <a:ext uri="{28A0092B-C50C-407E-A947-70E740481C1C}">
+                <a14:useLocalDpi xmlns:a14="http://schemas.microsoft.com/office/drawing/2010/main"/>
+              </a:ext>
+            </a:extLst>
+          </a:blip>
+          <a:stretch>
+            <a:fillRect/>
+          </a:stretch>
+        </p:blipFill>
+        <p:spPr>
+          <a:xfrm rot="0">
+            <a:off x="2022475" y="1362710"/>
+            <a:ext cx="13870305" cy="48895"/>
+          </a:xfrm>
+          <a:prstGeom prst="rect"/>
+          <a:noFill/>
+          <a:ln w="0">
+            <a:noFill/>
+            <a:prstDash/>
+          </a:ln>
+        </p:spPr>
+      </p:pic>
+      <p:pic>
+        <p:nvPicPr>
+          <p:cNvPr id="191" name="Picture " descr="C:/Users/admin/AppData/Roaming/PolarisOffice/ETemp/10604_9621416/fImage1614939358.png"/>
+          <p:cNvPicPr>
+            <a:picLocks/>
+          </p:cNvPicPr>
+          <p:nvPr/>
+        </p:nvPicPr>
+        <p:blipFill rotWithShape="1">
+          <a:blip r:embed="rId9" cstate="hqprint">
+            <a:extLst>
+              <a:ext uri="{28A0092B-C50C-407E-A947-70E740481C1C}">
+                <a14:useLocalDpi xmlns:a14="http://schemas.microsoft.com/office/drawing/2010/main"/>
+              </a:ext>
+            </a:extLst>
+          </a:blip>
+          <a:stretch>
+            <a:fillRect/>
+          </a:stretch>
+        </p:blipFill>
+        <p:spPr>
+          <a:xfrm rot="0">
+            <a:off x="3044825" y="3261995"/>
+            <a:ext cx="5031105" cy="48260"/>
+          </a:xfrm>
+          <a:prstGeom prst="rect"/>
+          <a:noFill/>
+          <a:ln w="0">
+            <a:noFill/>
+            <a:prstDash/>
+          </a:ln>
+        </p:spPr>
+      </p:pic>
+      <p:pic>
+        <p:nvPicPr>
+          <p:cNvPr id="192" name="Picture " descr="C:/Users/admin/AppData/Roaming/PolarisOffice/ETemp/10604_9621416/fImage29924946962.png"/>
+          <p:cNvPicPr>
+            <a:picLocks/>
+          </p:cNvPicPr>
+          <p:nvPr/>
+        </p:nvPicPr>
+        <p:blipFill rotWithShape="1">
+          <a:blip r:embed="rId10" cstate="hqprint">
+            <a:clrChange>
+              <a:clrFrom>
+                <a:srgbClr val="68457F"/>
+              </a:clrFrom>
+              <a:clrTo>
+                <a:srgbClr val="68457F">
+                  <a:alpha val="0"/>
+                </a:srgbClr>
+              </a:clrTo>
+            </a:clrChange>
+            <a:extLst>
+              <a:ext uri="{28A0092B-C50C-407E-A947-70E740481C1C}">
+                <a14:useLocalDpi xmlns:a14="http://schemas.microsoft.com/office/drawing/2010/main"/>
+              </a:ext>
+            </a:extLst>
+          </a:blip>
+          <a:stretch>
+            <a:fillRect/>
+          </a:stretch>
+        </p:blipFill>
+        <p:spPr>
+          <a:xfrm rot="0">
+            <a:off x="2098040" y="1792605"/>
+            <a:ext cx="6925945" cy="4340225"/>
+          </a:xfrm>
+          <a:prstGeom prst="rect"/>
+          <a:noFill/>
+          <a:ln w="19050" cap="flat" cmpd="sng">
+            <a:prstDash val="solid"/>
+            <a:round/>
+          </a:ln>
+        </p:spPr>
+      </p:pic>
+      <p:sp>
+        <p:nvSpPr>
+          <p:cNvPr id="193" name="Rect 0"/>
+          <p:cNvSpPr>
+            <a:spLocks/>
+          </p:cNvSpPr>
+          <p:nvPr/>
+        </p:nvSpPr>
+        <p:spPr>
+          <a:xfrm rot="0">
+            <a:off x="349250" y="238125"/>
+            <a:ext cx="17623790" cy="9763760"/>
+          </a:xfrm>
+          <a:prstGeom prst="rect"/>
+          <a:noFill/>
+          <a:ln w="57150" cap="flat" cmpd="sng">
+            <a:solidFill>
+              <a:schemeClr val="bg1">
+                <a:alpha val="100000"/>
+              </a:schemeClr>
+            </a:solidFill>
+            <a:prstDash val="solid"/>
+            <a:round/>
+          </a:ln>
+        </p:spPr>
+        <p:style>
+          <a:lnRef idx="2">
+            <a:schemeClr val="accent1">
+              <a:shade val="50000"/>
+            </a:schemeClr>
+          </a:lnRef>
+          <a:fillRef idx="1">
+            <a:schemeClr val="accent1"/>
+          </a:fillRef>
+          <a:effectRef idx="0">
+            <a:schemeClr val="accent1"/>
+          </a:effectRef>
+          <a:fontRef idx="minor">
+            <a:schemeClr val="lt1"/>
+          </a:fontRef>
+        </p:style>
+        <p:txBody>
+          <a:bodyPr wrap="square" lIns="91440" tIns="45720" rIns="91440" bIns="45720" vert="horz" anchor="ctr">
+            <a:noAutofit/>
+          </a:bodyPr>
+          <a:lstStyle/>
+          <a:p>
+            <a:pPr marL="0" indent="0" rtl="0" algn="ctr" latinLnBrk="0" hangingPunct="1"/>
+            <a:endParaRPr lang="ko-KR" altLang="en-US" sz="1800" cap="none" i="0" b="0" strike="noStrike">
+              <a:latin typeface="맑은 고딕" charset="0"/>
+              <a:ea typeface="맑은 고딕" charset="0"/>
+            </a:endParaRPr>
+          </a:p>
+        </p:txBody>
+      </p:sp>
+    </p:spTree>
   </p:cSld>
   <p:clrMapOvr>
     <a:masterClrMapping/>
@@ -35451,6 +38835,267 @@
 </file>
 
 <file path=ppt/theme/theme4.xml><?xml version="1.0" encoding="utf-8"?>
+<a:theme xmlns:a="http://schemas.openxmlformats.org/drawingml/2006/main" name="Office theme">
+  <a:themeElements>
+    <a:clrScheme name="Office">
+      <a:dk1>
+        <a:sysClr val="windowText" lastClr="000000"/>
+      </a:dk1>
+      <a:lt1>
+        <a:sysClr val="window" lastClr="FFFFFF"/>
+      </a:lt1>
+      <a:dk2>
+        <a:srgbClr val="44546A"/>
+      </a:dk2>
+      <a:lt2>
+        <a:srgbClr val="E7E6E6"/>
+      </a:lt2>
+      <a:accent1>
+        <a:srgbClr val="5B9BD5"/>
+      </a:accent1>
+      <a:accent2>
+        <a:srgbClr val="ED7D31"/>
+      </a:accent2>
+      <a:accent3>
+        <a:srgbClr val="A5A5A5"/>
+      </a:accent3>
+      <a:accent4>
+        <a:srgbClr val="FFC000"/>
+      </a:accent4>
+      <a:accent5>
+        <a:srgbClr val="4472C4"/>
+      </a:accent5>
+      <a:accent6>
+        <a:srgbClr val="70AD47"/>
+      </a:accent6>
+      <a:hlink>
+        <a:srgbClr val="0563C1"/>
+      </a:hlink>
+      <a:folHlink>
+        <a:srgbClr val="954F72"/>
+      </a:folHlink>
+    </a:clrScheme>
+    <a:fontScheme name="Office">
+      <a:majorFont>
+        <a:latin typeface="맑은 고딕" panose="020F0302020204030204"/>
+        <a:ea typeface=""/>
+        <a:cs typeface=""/>
+        <a:font script="Jpan" typeface="ＭＳ Ｐゴシック"/>
+        <a:font script="Hang" typeface="맑은 고딕"/>
+        <a:font script="Hans" typeface="宋体"/>
+        <a:font script="Hant" typeface="新細明體"/>
+        <a:font script="Arab" typeface="Times New Roman"/>
+        <a:font script="Hebr" typeface="Times New Roman"/>
+        <a:font script="Thai" typeface="Angsana New"/>
+        <a:font script="Ethi" typeface="Nyala"/>
+        <a:font script="Beng" typeface="Vrinda"/>
+        <a:font script="Gujr" typeface="Shruti"/>
+        <a:font script="Khmr" typeface="MoolBoran"/>
+        <a:font script="Knda" typeface="Tunga"/>
+        <a:font script="Guru" typeface="Raavi"/>
+        <a:font script="Cans" typeface="Euphemia"/>
+        <a:font script="Cher" typeface="Plantagenet Cherokee"/>
+        <a:font script="Yiii" typeface="Microsoft Yi Baiti"/>
+        <a:font script="Tibt" typeface="Microsoft Himalaya"/>
+        <a:font script="Thaa" typeface="MV Boli"/>
+        <a:font script="Deva" typeface="Mangal"/>
+        <a:font script="Telu" typeface="Gautami"/>
+        <a:font script="Taml" typeface="Latha"/>
+        <a:font script="Syrc" typeface="Estrangelo Edessa"/>
+        <a:font script="Orya" typeface="Kalinga"/>
+        <a:font script="Mlym" typeface="Kartika"/>
+        <a:font script="Laoo" typeface="DokChampa"/>
+        <a:font script="Sinh" typeface="Iskoola Pota"/>
+        <a:font script="Mong" typeface="Mongolian Baiti"/>
+        <a:font script="Viet" typeface="Times New Roman"/>
+        <a:font script="Uigh" typeface="Microsoft Uighur"/>
+        <a:font script="Geor" typeface="Sylfaen"/>
+      </a:majorFont>
+      <a:minorFont>
+        <a:latin typeface="맑은 고딕" panose="020F0502020204030204"/>
+        <a:ea typeface=""/>
+        <a:cs typeface=""/>
+        <a:font script="Jpan" typeface="ＭＳ Ｐゴシック"/>
+        <a:font script="Hang" typeface="맑은 고딕"/>
+        <a:font script="Hans" typeface="宋体"/>
+        <a:font script="Hant" typeface="新細明體"/>
+        <a:font script="Arab" typeface="Arial"/>
+        <a:font script="Hebr" typeface="Arial"/>
+        <a:font script="Thai" typeface="Cordia New"/>
+        <a:font script="Ethi" typeface="Nyala"/>
+        <a:font script="Beng" typeface="Vrinda"/>
+        <a:font script="Gujr" typeface="Shruti"/>
+        <a:font script="Khmr" typeface="DaunPenh"/>
+        <a:font script="Knda" typeface="Tunga"/>
+        <a:font script="Guru" typeface="Raavi"/>
+        <a:font script="Cans" typeface="Euphemia"/>
+        <a:font script="Cher" typeface="Plantagenet Cherokee"/>
+        <a:font script="Yiii" typeface="Microsoft Yi Baiti"/>
+        <a:font script="Tibt" typeface="Microsoft Himalaya"/>
+        <a:font script="Thaa" typeface="MV Boli"/>
+        <a:font script="Deva" typeface="Mangal"/>
+        <a:font script="Telu" typeface="Gautami"/>
+        <a:font script="Taml" typeface="Latha"/>
+        <a:font script="Syrc" typeface="Estrangelo Edessa"/>
+        <a:font script="Orya" typeface="Kalinga"/>
+        <a:font script="Mlym" typeface="Kartika"/>
+        <a:font script="Laoo" typeface="DokChampa"/>
+        <a:font script="Sinh" typeface="Iskoola Pota"/>
+        <a:font script="Mong" typeface="Mongolian Baiti"/>
+        <a:font script="Viet" typeface="Arial"/>
+        <a:font script="Uigh" typeface="Microsoft Uighur"/>
+        <a:font script="Geor" typeface="Sylfaen"/>
+      </a:minorFont>
+    </a:fontScheme>
+    <a:fmtScheme name="Office">
+      <a:fillStyleLst>
+        <a:solidFill>
+          <a:schemeClr val="phClr"/>
+        </a:solidFill>
+        <a:gradFill rotWithShape="1">
+          <a:gsLst>
+            <a:gs pos="0">
+              <a:schemeClr val="phClr">
+                <a:lumMod val="110000"/>
+                <a:satMod val="105000"/>
+                <a:tint val="67000"/>
+              </a:schemeClr>
+            </a:gs>
+            <a:gs pos="50000">
+              <a:schemeClr val="phClr">
+                <a:lumMod val="105000"/>
+                <a:satMod val="103000"/>
+                <a:tint val="73000"/>
+              </a:schemeClr>
+            </a:gs>
+            <a:gs pos="100000">
+              <a:schemeClr val="phClr">
+                <a:lumMod val="105000"/>
+                <a:satMod val="109000"/>
+                <a:tint val="81000"/>
+              </a:schemeClr>
+            </a:gs>
+          </a:gsLst>
+          <a:lin ang="5400000" scaled="0"/>
+        </a:gradFill>
+        <a:gradFill rotWithShape="1">
+          <a:gsLst>
+            <a:gs pos="0">
+              <a:schemeClr val="phClr">
+                <a:satMod val="103000"/>
+                <a:lumMod val="102000"/>
+                <a:tint val="94000"/>
+              </a:schemeClr>
+            </a:gs>
+            <a:gs pos="50000">
+              <a:schemeClr val="phClr">
+                <a:satMod val="110000"/>
+                <a:lumMod val="100000"/>
+                <a:shade val="100000"/>
+              </a:schemeClr>
+            </a:gs>
+            <a:gs pos="100000">
+              <a:schemeClr val="phClr">
+                <a:lumMod val="99000"/>
+                <a:satMod val="120000"/>
+                <a:shade val="78000"/>
+              </a:schemeClr>
+            </a:gs>
+          </a:gsLst>
+          <a:lin ang="5400000" scaled="0"/>
+        </a:gradFill>
+      </a:fillStyleLst>
+      <a:lnStyleLst>
+        <a:ln w="6350" cap="flat" cmpd="sng" algn="ctr">
+          <a:solidFill>
+            <a:schemeClr val="phClr"/>
+          </a:solidFill>
+          <a:prstDash val="solid"/>
+          <a:miter lim="800000"/>
+        </a:ln>
+        <a:ln w="12700" cap="flat" cmpd="sng" algn="ctr">
+          <a:solidFill>
+            <a:schemeClr val="phClr"/>
+          </a:solidFill>
+          <a:prstDash val="solid"/>
+          <a:miter lim="800000"/>
+        </a:ln>
+        <a:ln w="19050" cap="flat" cmpd="sng" algn="ctr">
+          <a:solidFill>
+            <a:schemeClr val="phClr"/>
+          </a:solidFill>
+          <a:prstDash val="solid"/>
+          <a:miter lim="800000"/>
+        </a:ln>
+      </a:lnStyleLst>
+      <a:effectStyleLst>
+        <a:effectStyle>
+          <a:effectLst/>
+        </a:effectStyle>
+        <a:effectStyle>
+          <a:effectLst/>
+        </a:effectStyle>
+        <a:effectStyle>
+          <a:effectLst>
+            <a:outerShdw blurRad="57150" dist="19050" dir="5400000" algn="ctr" rotWithShape="0">
+              <a:srgbClr val="000000">
+                <a:alpha val="63000"/>
+              </a:srgbClr>
+            </a:outerShdw>
+          </a:effectLst>
+        </a:effectStyle>
+      </a:effectStyleLst>
+      <a:bgFillStyleLst>
+        <a:solidFill>
+          <a:schemeClr val="phClr"/>
+        </a:solidFill>
+        <a:solidFill>
+          <a:schemeClr val="phClr">
+            <a:tint val="95000"/>
+            <a:satMod val="170000"/>
+          </a:schemeClr>
+        </a:solidFill>
+        <a:gradFill rotWithShape="1">
+          <a:gsLst>
+            <a:gs pos="0">
+              <a:schemeClr val="phClr">
+                <a:tint val="93000"/>
+                <a:satMod val="150000"/>
+                <a:shade val="98000"/>
+                <a:lumMod val="102000"/>
+              </a:schemeClr>
+            </a:gs>
+            <a:gs pos="50000">
+              <a:schemeClr val="phClr">
+                <a:tint val="98000"/>
+                <a:satMod val="130000"/>
+                <a:shade val="90000"/>
+                <a:lumMod val="103000"/>
+              </a:schemeClr>
+            </a:gs>
+            <a:gs pos="100000">
+              <a:schemeClr val="phClr">
+                <a:shade val="63000"/>
+                <a:satMod val="120000"/>
+              </a:schemeClr>
+            </a:gs>
+          </a:gsLst>
+          <a:lin ang="5400000" scaled="0"/>
+        </a:gradFill>
+      </a:bgFillStyleLst>
+    </a:fmtScheme>
+  </a:themeElements>
+  <a:objectDefaults/>
+  <a:extraClrSchemeLst/>
+  <a:extLst>
+    <a:ext uri="{05A4C25C-085E-4340-85A3-A5531E510DB2}">
+      <thm15:themeFamily xmlns:thm15="http://schemas.microsoft.com/office/thememl/2012/main" name="Office Theme" id="{62F939B6-93AF-4DB8-9C6B-D6C7DFDC589F}" vid="{4A3C46E8-61CC-4603-A589-7422A47A8E4A}"/>
+    </a:ext>
+  </a:extLst>
+</a:theme>
+</file>
+
+<file path=ppt/theme/theme5.xml><?xml version="1.0" encoding="utf-8"?>
 <a:theme xmlns:a="http://schemas.openxmlformats.org/drawingml/2006/main">
   <a:themeElements>
     <a:clrScheme name="Default">

--- a/기획서/5조 Fit-back.pptx
+++ b/기획서/5조 Fit-back.pptx
@@ -2,10 +2,10 @@
 <file path=ppt/presentation.xml><?xml version="1.0" encoding="utf-8"?>
 <p:presentation xmlns:a="http://schemas.openxmlformats.org/drawingml/2006/main" xmlns:r="http://schemas.openxmlformats.org/officeDocument/2006/relationships" xmlns:p="http://schemas.openxmlformats.org/presentationml/2006/main" xmlns:p14="http://schemas.microsoft.com/office/powerpoint/2010/main" strictFirstAndLastChars="0" saveSubsetFonts="1" autoCompressPictures="0">
   <p:sldMasterIdLst>
-    <p:sldMasterId id="2147483794" r:id="rId42"/>
-    <p:sldMasterId id="2147483795" r:id="rId44"/>
-    <p:sldMasterId id="2147483796" r:id="rId46"/>
-    <p:sldMasterId id="2147483797" r:id="rId48"/>
+    <p:sldMasterId id="2147483802" r:id="rId42"/>
+    <p:sldMasterId id="2147483803" r:id="rId44"/>
+    <p:sldMasterId id="2147483804" r:id="rId46"/>
+    <p:sldMasterId id="2147483805" r:id="rId48"/>
   </p:sldMasterIdLst>
   <p:notesMasterIdLst>
     <p:notesMasterId r:id="rId50"/>
@@ -19,20 +19,20 @@
     <p:sldId id="298" r:id="rId61"/>
     <p:sldId id="295" r:id="rId63"/>
     <p:sldId id="303" r:id="rId65"/>
-    <p:sldId id="294" r:id="rId66"/>
-    <p:sldId id="296" r:id="rId68"/>
-    <p:sldId id="297" r:id="rId70"/>
+    <p:sldId id="294" r:id="rId67"/>
+    <p:sldId id="296" r:id="rId69"/>
+    <p:sldId id="297" r:id="rId71"/>
     <p:sldId id="292" r:id="rId72"/>
-    <p:sldId id="284" r:id="rId74"/>
-    <p:sldId id="288" r:id="rId76"/>
-    <p:sldId id="293" r:id="rId78"/>
-    <p:sldId id="299" r:id="rId80"/>
-    <p:sldId id="300" r:id="rId82"/>
-    <p:sldId id="301" r:id="rId84"/>
-    <p:sldId id="290" r:id="rId86"/>
-    <p:sldId id="302" r:id="rId88"/>
-    <p:sldId id="279" r:id="rId90"/>
-    <p:sldId id="276" r:id="rId92"/>
+    <p:sldId id="284" r:id="rId73"/>
+    <p:sldId id="288" r:id="rId75"/>
+    <p:sldId id="293" r:id="rId77"/>
+    <p:sldId id="299" r:id="rId79"/>
+    <p:sldId id="300" r:id="rId81"/>
+    <p:sldId id="301" r:id="rId83"/>
+    <p:sldId id="290" r:id="rId85"/>
+    <p:sldId id="302" r:id="rId87"/>
+    <p:sldId id="279" r:id="rId88"/>
+    <p:sldId id="276" r:id="rId90"/>
   </p:sldIdLst>
   <p:sldSz cx="18288000" cy="10287000"/>
   <p:notesSz cx="10287000" cy="18288000"/>
@@ -22262,7 +22262,7 @@
 </file>
 
 <file path=ppt/slides/slide11.xml><?xml version="1.0" encoding="utf-8"?>
-<p:sld xmlns:a="http://schemas.openxmlformats.org/drawingml/2006/main" xmlns:r="http://schemas.openxmlformats.org/officeDocument/2006/relationships" xmlns:p="http://schemas.openxmlformats.org/presentationml/2006/main">
+<p:sld xmlns:a="http://schemas.openxmlformats.org/drawingml/2006/main" xmlns:r="http://schemas.openxmlformats.org/officeDocument/2006/relationships" xmlns:p="http://schemas.openxmlformats.org/presentationml/2006/main" xmlns:p14="http://schemas.microsoft.com/office/powerpoint/2010/main">
   <p:cSld>
     <p:bg>
       <p:bgPr>
@@ -22403,7 +22403,7 @@
       </p:sp>
       <p:pic>
         <p:nvPicPr>
-          <p:cNvPr id="190" name="Picture " descr="C:/Users/admin/AppData/Roaming/PolarisOffice/ETemp/896_7257752/image6.png"/>
+          <p:cNvPr id="190" name="Picture "/>
           <p:cNvPicPr>
             <a:picLocks/>
           </p:cNvPicPr>
@@ -22491,17 +22491,17 @@
       </p:sp>
       <p:pic>
         <p:nvPicPr>
-          <p:cNvPr id="194" name="그림 10" descr="C:/Users/admin/AppData/Roaming/PolarisOffice/ETemp/896_7257752/fImage910844068467.png"/>
+          <p:cNvPr id="194" name="그림 10" descr="C:/Users/admin/AppData/Roaming/PolarisOffice/ETemp/13692_22724144/fImage910844068467.png"/>
           <p:cNvPicPr>
             <a:picLocks noChangeAspect="1"/>
           </p:cNvPicPr>
           <p:nvPr/>
         </p:nvPicPr>
         <p:blipFill rotWithShape="1">
-          <a:blip r:embed="rId3" cstate="print">
+          <a:blip r:embed="rId3" cstate="hqprint">
             <a:extLst>
               <a:ext uri="{28A0092B-C50C-407E-A947-70E740481C1C}">
-                <a14:useLocalDpi xmlns:a14="http://schemas.microsoft.com/office/drawing/2010/main" val="0"/>
+                <a14:useLocalDpi xmlns:a14="http://schemas.microsoft.com/office/drawing/2010/main"/>
               </a:ext>
             </a:extLst>
           </a:blip>
@@ -22512,25 +22512,34 @@
         <p:spPr>
           <a:xfrm rot="0">
             <a:off x="1400175" y="2091055"/>
-            <a:ext cx="6704330" cy="6113780"/>
+            <a:ext cx="6704965" cy="6114415"/>
           </a:xfrm>
           <a:prstGeom prst="rect"/>
           <a:noFill/>
+          <a:ln w="57150" cap="flat" cmpd="sng">
+            <a:solidFill>
+              <a:schemeClr val="bg1">
+                <a:alpha val="100000"/>
+              </a:schemeClr>
+            </a:solidFill>
+            <a:prstDash val="solid"/>
+            <a:round/>
+          </a:ln>
         </p:spPr>
       </p:pic>
       <p:pic>
         <p:nvPicPr>
-          <p:cNvPr id="195" name="그림 13" descr="C:/Users/admin/AppData/Roaming/PolarisOffice/ETemp/896_7257752/fImage684474186334.png"/>
+          <p:cNvPr id="195" name="그림 13" descr="C:/Users/admin/AppData/Roaming/PolarisOffice/ETemp/13692_22724144/fImage684474186334.png"/>
           <p:cNvPicPr>
             <a:picLocks noChangeAspect="1"/>
           </p:cNvPicPr>
           <p:nvPr/>
         </p:nvPicPr>
         <p:blipFill rotWithShape="1">
-          <a:blip r:embed="rId4" cstate="print">
+          <a:blip r:embed="rId4" cstate="hqprint">
             <a:extLst>
               <a:ext uri="{28A0092B-C50C-407E-A947-70E740481C1C}">
-                <a14:useLocalDpi xmlns:a14="http://schemas.microsoft.com/office/drawing/2010/main" val="0"/>
+                <a14:useLocalDpi xmlns:a14="http://schemas.microsoft.com/office/drawing/2010/main"/>
               </a:ext>
             </a:extLst>
           </a:blip>
@@ -22541,10 +22550,19 @@
         <p:spPr>
           <a:xfrm rot="0">
             <a:off x="8458200" y="2066925"/>
-            <a:ext cx="8058785" cy="6125210"/>
+            <a:ext cx="8059420" cy="6125845"/>
           </a:xfrm>
           <a:prstGeom prst="rect"/>
           <a:noFill/>
+          <a:ln w="57150" cap="flat" cmpd="sng">
+            <a:solidFill>
+              <a:schemeClr val="bg1">
+                <a:alpha val="100000"/>
+              </a:schemeClr>
+            </a:solidFill>
+            <a:prstDash val="solid"/>
+            <a:round/>
+          </a:ln>
         </p:spPr>
       </p:pic>
     </p:spTree>
@@ -22571,14 +22589,13 @@
 </file>
 
 <file path=ppt/slides/slide12.xml><?xml version="1.0" encoding="utf-8"?>
-<p:sld xmlns:a="http://schemas.openxmlformats.org/drawingml/2006/main" xmlns:r="http://schemas.openxmlformats.org/officeDocument/2006/relationships" xmlns:p="http://schemas.openxmlformats.org/presentationml/2006/main">
+<p:sld xmlns:a="http://schemas.openxmlformats.org/drawingml/2006/main" xmlns:r="http://schemas.openxmlformats.org/officeDocument/2006/relationships" xmlns:p="http://schemas.openxmlformats.org/presentationml/2006/main" xmlns:p14="http://schemas.microsoft.com/office/powerpoint/2010/main">
   <p:cSld>
     <p:bg>
       <p:bgPr>
         <a:solidFill>
           <a:srgbClr val="694680"/>
         </a:solidFill>
-        <a:effectLst/>
       </p:bgPr>
     </p:bg>
     <p:spTree>
@@ -22714,7 +22731,7 @@
       </p:sp>
       <p:pic>
         <p:nvPicPr>
-          <p:cNvPr id="198" name="Picture " descr="C:/Users/admin/AppData/Roaming/PolarisOffice/ETemp/13944_14071096/image21.png"/>
+          <p:cNvPr id="198" name="Picture "/>
           <p:cNvPicPr>
             <a:picLocks/>
           </p:cNvPicPr>
@@ -22749,7 +22766,7 @@
       </p:pic>
       <p:pic>
         <p:nvPicPr>
-          <p:cNvPr id="199" name="Picture " descr="C:/Users/admin/AppData/Roaming/PolarisOffice/ETemp/13944_14071096/image6.png"/>
+          <p:cNvPr id="199" name="Picture "/>
           <p:cNvPicPr>
             <a:picLocks/>
           </p:cNvPicPr>
@@ -22901,17 +22918,17 @@
       </p:sp>
       <p:pic>
         <p:nvPicPr>
-          <p:cNvPr id="207" name="그림 8" descr="C:/Users/admin/AppData/Roaming/PolarisOffice/ETemp/13944_14071096/fImage10479935341.png"/>
+          <p:cNvPr id="207" name="그림 8" descr="C:/Users/admin/AppData/Roaming/PolarisOffice/ETemp/13692_22724144/image25.png"/>
           <p:cNvPicPr>
             <a:picLocks noChangeAspect="1"/>
           </p:cNvPicPr>
           <p:nvPr/>
         </p:nvPicPr>
         <p:blipFill rotWithShape="1">
-          <a:blip r:embed="rId5" cstate="print">
+          <a:blip r:embed="rId5" cstate="hqprint">
             <a:extLst>
               <a:ext uri="{28A0092B-C50C-407E-A947-70E740481C1C}">
-                <a14:useLocalDpi xmlns:a14="http://schemas.microsoft.com/office/drawing/2010/main" val="0"/>
+                <a14:useLocalDpi xmlns:a14="http://schemas.microsoft.com/office/drawing/2010/main"/>
               </a:ext>
             </a:extLst>
           </a:blip>
@@ -22920,19 +22937,17 @@
           </a:stretch>
         </p:blipFill>
         <p:spPr>
-          <a:xfrm>
+          <a:xfrm rot="0">
             <a:off x="4344670" y="1601470"/>
-            <a:ext cx="9610090" cy="8073390"/>
-          </a:xfrm>
-          <a:prstGeom prst="rect">
-            <a:avLst/>
-          </a:prstGeom>
+            <a:ext cx="9610725" cy="8074025"/>
+          </a:xfrm>
+          <a:prstGeom prst="rect"/>
           <a:noFill/>
           <a:ln w="57150" cap="flat" cmpd="sng">
             <a:solidFill>
-              <a:srgbClr val="AFAFAF">
+              <a:schemeClr val="bg1">
                 <a:alpha val="100000"/>
-              </a:srgbClr>
+              </a:schemeClr>
             </a:solidFill>
             <a:prstDash val="solid"/>
             <a:round/>
@@ -22944,6 +22959,21 @@
   <p:clrMapOvr>
     <a:masterClrMapping/>
   </p:clrMapOvr>
+  <mc:AlternateContent xmlns:mc="http://schemas.openxmlformats.org/markup-compatibility/2006">
+    <mc:Choice xmlns:p14="http://schemas.microsoft.com/office/powerpoint/2010/main" Requires="p14">
+      <p:transition spd="slow" p14:dur="2000"/>
+    </mc:Choice>
+    <mc:Fallback>
+      <p:transition spd="slow"/>
+    </mc:Fallback>
+  </mc:AlternateContent>
+  <p:timing>
+    <p:tnLst>
+      <p:par>
+        <p:cTn id="1" dur="indefinite" restart="never" nodeType="tmRoot"/>
+      </p:par>
+    </p:tnLst>
+  </p:timing>
 </p:sld>
 </file>
 
@@ -28559,7 +28589,7 @@
 </file>
 
 <file path=ppt/slides/slide20.xml><?xml version="1.0" encoding="utf-8"?>
-<p:sld xmlns:a="http://schemas.openxmlformats.org/drawingml/2006/main" xmlns:r="http://schemas.openxmlformats.org/officeDocument/2006/relationships" xmlns:p="http://schemas.openxmlformats.org/presentationml/2006/main">
+<p:sld xmlns:a="http://schemas.openxmlformats.org/drawingml/2006/main" xmlns:r="http://schemas.openxmlformats.org/officeDocument/2006/relationships" xmlns:p="http://schemas.openxmlformats.org/presentationml/2006/main" xmlns:p14="http://schemas.microsoft.com/office/powerpoint/2010/main">
   <p:cSld>
     <p:bg>
       <p:bgPr>
@@ -28711,7 +28741,7 @@
       </p:sp>
       <p:pic>
         <p:nvPicPr>
-          <p:cNvPr id="190" name="Picture " descr="C:/Users/admin/AppData/Roaming/PolarisOffice/ETemp/896_7257752/image6.png"/>
+          <p:cNvPr id="190" name="Picture "/>
           <p:cNvPicPr>
             <a:picLocks/>
           </p:cNvPicPr>
@@ -28799,7 +28829,7 @@
       </p:sp>
       <p:pic>
         <p:nvPicPr>
-          <p:cNvPr id="194" name="그림 23" descr="C:/Users/admin/AppData/Roaming/PolarisOffice/ETemp/896_7257752/fImage302035011478.png"/>
+          <p:cNvPr id="194" name="그림 23"/>
           <p:cNvPicPr>
             <a:picLocks noChangeAspect="1"/>
           </p:cNvPicPr>
@@ -28828,7 +28858,7 @@
       </p:pic>
       <p:pic>
         <p:nvPicPr>
-          <p:cNvPr id="195" name="그림 25" descr="C:/Users/admin/AppData/Roaming/PolarisOffice/ETemp/896_7257752/fImage297225039358.png"/>
+          <p:cNvPr id="195" name="그림 25"/>
           <p:cNvPicPr>
             <a:picLocks noChangeAspect="1"/>
           </p:cNvPicPr>
@@ -28857,17 +28887,17 @@
       </p:pic>
       <p:pic>
         <p:nvPicPr>
-          <p:cNvPr id="196" name="그림 35" descr="C:/Users/admin/AppData/Roaming/PolarisOffice/ETemp/896_7257752/fImage302035046962.png"/>
+          <p:cNvPr id="196" name="그림 35" descr="C:/Users/admin/AppData/Roaming/PolarisOffice/ETemp/13692_22724144/fImage302035046962.png"/>
           <p:cNvPicPr>
             <a:picLocks noChangeAspect="1"/>
           </p:cNvPicPr>
           <p:nvPr/>
         </p:nvPicPr>
         <p:blipFill rotWithShape="1">
-          <a:blip r:embed="rId5" cstate="print">
+          <a:blip r:embed="rId5" cstate="hqprint">
             <a:extLst>
               <a:ext uri="{28A0092B-C50C-407E-A947-70E740481C1C}">
-                <a14:useLocalDpi xmlns:a14="http://schemas.microsoft.com/office/drawing/2010/main" val="0"/>
+                <a14:useLocalDpi xmlns:a14="http://schemas.microsoft.com/office/drawing/2010/main"/>
               </a:ext>
             </a:extLst>
           </a:blip>
@@ -28878,25 +28908,34 @@
         <p:spPr>
           <a:xfrm rot="0">
             <a:off x="9744075" y="2338070"/>
-            <a:ext cx="7230110" cy="5606415"/>
+            <a:ext cx="7230745" cy="5607050"/>
           </a:xfrm>
           <a:prstGeom prst="rect"/>
           <a:noFill/>
+          <a:ln w="57150" cap="flat" cmpd="sng">
+            <a:solidFill>
+              <a:schemeClr val="bg1">
+                <a:alpha val="100000"/>
+              </a:schemeClr>
+            </a:solidFill>
+            <a:prstDash val="solid"/>
+            <a:round/>
+          </a:ln>
         </p:spPr>
       </p:pic>
       <p:pic>
         <p:nvPicPr>
-          <p:cNvPr id="197" name="그림 36" descr="C:/Users/admin/AppData/Roaming/PolarisOffice/ETemp/896_7257752/fImage297225054464.png"/>
+          <p:cNvPr id="197" name="그림 36" descr="C:/Users/admin/AppData/Roaming/PolarisOffice/ETemp/13692_22724144/fImage297225054464.png"/>
           <p:cNvPicPr>
             <a:picLocks noChangeAspect="1"/>
           </p:cNvPicPr>
           <p:nvPr/>
         </p:nvPicPr>
         <p:blipFill rotWithShape="1">
-          <a:blip r:embed="rId6" cstate="print">
+          <a:blip r:embed="rId6" cstate="hqprint">
             <a:extLst>
               <a:ext uri="{28A0092B-C50C-407E-A947-70E740481C1C}">
-                <a14:useLocalDpi xmlns:a14="http://schemas.microsoft.com/office/drawing/2010/main" val="0"/>
+                <a14:useLocalDpi xmlns:a14="http://schemas.microsoft.com/office/drawing/2010/main"/>
               </a:ext>
             </a:extLst>
           </a:blip>
@@ -28907,10 +28946,19 @@
         <p:spPr>
           <a:xfrm rot="0">
             <a:off x="1304925" y="2333625"/>
-            <a:ext cx="8020685" cy="5544185"/>
+            <a:ext cx="8021320" cy="5544820"/>
           </a:xfrm>
           <a:prstGeom prst="rect"/>
           <a:noFill/>
+          <a:ln w="57150" cap="flat" cmpd="sng">
+            <a:solidFill>
+              <a:schemeClr val="bg1">
+                <a:alpha val="100000"/>
+              </a:schemeClr>
+            </a:solidFill>
+            <a:prstDash val="solid"/>
+            <a:round/>
+          </a:ln>
         </p:spPr>
       </p:pic>
     </p:spTree>

--- a/기획서/5조 Fit-back.pptx
+++ b/기획서/5조 Fit-back.pptx
@@ -1,38 +1,38 @@
 
 <file path=ppt/presentation.xml><?xml version="1.0" encoding="utf-8"?>
-<p:presentation xmlns:a="http://schemas.openxmlformats.org/drawingml/2006/main" xmlns:r="http://schemas.openxmlformats.org/officeDocument/2006/relationships" xmlns:p="http://schemas.openxmlformats.org/presentationml/2006/main" xmlns:p14="http://schemas.microsoft.com/office/powerpoint/2010/main" strictFirstAndLastChars="0" saveSubsetFonts="1" autoCompressPictures="0">
+<p:presentation xmlns:a="http://schemas.openxmlformats.org/drawingml/2006/main" xmlns:r="http://schemas.openxmlformats.org/officeDocument/2006/relationships" xmlns:p="http://schemas.openxmlformats.org/presentationml/2006/main" strictFirstAndLastChars="0" saveSubsetFonts="1" autoCompressPictures="0">
   <p:sldMasterIdLst>
-    <p:sldMasterId id="2147483802" r:id="rId42"/>
-    <p:sldMasterId id="2147483803" r:id="rId44"/>
-    <p:sldMasterId id="2147483804" r:id="rId46"/>
-    <p:sldMasterId id="2147483805" r:id="rId48"/>
+    <p:sldMasterId id="2147483802" r:id="rId1"/>
+    <p:sldMasterId id="2147483803" r:id="rId2"/>
+    <p:sldMasterId id="2147483804" r:id="rId3"/>
+    <p:sldMasterId id="2147483805" r:id="rId4"/>
   </p:sldMasterIdLst>
   <p:notesMasterIdLst>
-    <p:notesMasterId r:id="rId50"/>
+    <p:notesMasterId r:id="rId27"/>
   </p:notesMasterIdLst>
   <p:sldIdLst>
-    <p:sldId id="256" r:id="rId52"/>
-    <p:sldId id="278" r:id="rId54"/>
-    <p:sldId id="286" r:id="rId56"/>
-    <p:sldId id="280" r:id="rId58"/>
-    <p:sldId id="287" r:id="rId60"/>
-    <p:sldId id="298" r:id="rId61"/>
-    <p:sldId id="295" r:id="rId63"/>
-    <p:sldId id="303" r:id="rId65"/>
-    <p:sldId id="294" r:id="rId67"/>
-    <p:sldId id="296" r:id="rId69"/>
-    <p:sldId id="297" r:id="rId71"/>
-    <p:sldId id="292" r:id="rId72"/>
-    <p:sldId id="284" r:id="rId73"/>
-    <p:sldId id="288" r:id="rId75"/>
-    <p:sldId id="293" r:id="rId77"/>
-    <p:sldId id="299" r:id="rId79"/>
-    <p:sldId id="300" r:id="rId81"/>
-    <p:sldId id="301" r:id="rId83"/>
-    <p:sldId id="290" r:id="rId85"/>
-    <p:sldId id="302" r:id="rId87"/>
-    <p:sldId id="279" r:id="rId88"/>
-    <p:sldId id="276" r:id="rId90"/>
+    <p:sldId id="256" r:id="rId5"/>
+    <p:sldId id="278" r:id="rId6"/>
+    <p:sldId id="286" r:id="rId7"/>
+    <p:sldId id="280" r:id="rId8"/>
+    <p:sldId id="287" r:id="rId9"/>
+    <p:sldId id="298" r:id="rId10"/>
+    <p:sldId id="295" r:id="rId11"/>
+    <p:sldId id="303" r:id="rId12"/>
+    <p:sldId id="294" r:id="rId13"/>
+    <p:sldId id="296" r:id="rId14"/>
+    <p:sldId id="297" r:id="rId15"/>
+    <p:sldId id="292" r:id="rId16"/>
+    <p:sldId id="284" r:id="rId17"/>
+    <p:sldId id="288" r:id="rId18"/>
+    <p:sldId id="293" r:id="rId19"/>
+    <p:sldId id="299" r:id="rId20"/>
+    <p:sldId id="300" r:id="rId21"/>
+    <p:sldId id="301" r:id="rId22"/>
+    <p:sldId id="290" r:id="rId23"/>
+    <p:sldId id="302" r:id="rId24"/>
+    <p:sldId id="279" r:id="rId25"/>
+    <p:sldId id="276" r:id="rId26"/>
   </p:sldIdLst>
   <p:sldSz cx="18288000" cy="10287000"/>
   <p:notesSz cx="10287000" cy="18288000"/>
@@ -265,7 +265,11 @@
       </a:defRPr>
     </a:lvl9pPr>
   </p:defaultTextStyle>
-  <p:extLst/>
+  <p:extLst>
+    <p:ext uri="{EFAFB233-063F-42B5-8137-9DF3F51BA10A}">
+      <p15:sldGuideLst xmlns:p15="http://schemas.microsoft.com/office/powerpoint/2012/main"/>
+    </p:ext>
+  </p:extLst>
 </p:presentation>
 </file>
 
@@ -846,7 +850,7 @@
             <p:spPr>
               <a:xfrm>
                 <a:off x="1028700" y="8686800"/>
-                <a:ext cx="8230235" cy="8230235"/>
+                <a:ext cx="8230870" cy="8230870"/>
               </a:xfrm>
               <a:prstGeom prst="rect">
                 <a:avLst/>
@@ -889,20 +893,20 @@
             </p:nvSpPr>
             <p:spPr>
               <a:xfrm>
-                <a:off x="-950913" y="1371600"/>
-                <a:ext cx="12190413" cy="6858000"/>
+                <a:off x="-951230" y="1371600"/>
+                <a:ext cx="12191365" cy="6858635"/>
               </a:xfrm>
               <a:custGeom>
                 <a:avLst/>
                 <a:gdLst>
-                  <a:gd name="TX0" fmla="*/ 0 w 120001"/>
-                  <a:gd name="TY0" fmla="*/ 0 h 120001"/>
-                  <a:gd name="TX1" fmla="*/ 120000 w 120001"/>
-                  <a:gd name="TY1" fmla="*/ 0 h 120001"/>
-                  <a:gd name="TX2" fmla="*/ 120000 w 120001"/>
-                  <a:gd name="TY2" fmla="*/ 120000 h 120001"/>
-                  <a:gd name="TX3" fmla="*/ 0 w 120001"/>
-                  <a:gd name="TY3" fmla="*/ 120000 h 120001"/>
+                  <a:gd name="TX0" fmla="*/ 0 w 120002"/>
+                  <a:gd name="TY0" fmla="*/ 0 h 120002"/>
+                  <a:gd name="TX1" fmla="*/ 120000 w 120002"/>
+                  <a:gd name="TY1" fmla="*/ 0 h 120002"/>
+                  <a:gd name="TX2" fmla="*/ 120000 w 120002"/>
+                  <a:gd name="TY2" fmla="*/ 120000 h 120002"/>
+                  <a:gd name="TX3" fmla="*/ 0 w 120002"/>
+                  <a:gd name="TY3" fmla="*/ 120000 h 120002"/>
                 </a:gdLst>
                 <a:ahLst/>
                 <a:cxnLst>
@@ -921,7 +925,7 @@
                 </a:cxnLst>
                 <a:rect l="l" t="t" r="r" b="b"/>
                 <a:pathLst>
-                  <a:path w="120001" h="120001">
+                  <a:path w="120002" h="120002">
                     <a:moveTo>
                       <a:pt x="0" y="0"/>
                     </a:moveTo>
@@ -950,189 +954,30 @@
               </a:ln>
             </p:spPr>
             <p:txBody>
-              <a:bodyPr vert="horz" wrap="square" lIns="0" tIns="0" rIns="0" bIns="0" anchor="t">
+              <a:bodyPr vert="horz" wrap="square" lIns="0" tIns="0" rIns="0" bIns="0" numCol="1" anchor="t">
                 <a:noAutofit/>
               </a:bodyPr>
               <a:lstStyle/>
               <a:p>
-                <a:pPr marL="0" indent="0"/>
+                <a:pPr marL="0" indent="0" latinLnBrk="0"/>
                 <a:endParaRPr/>
               </a:p>
             </p:txBody>
           </p:sp>
         </p:spTree>
-        <p:extLst>
-          <p:ext uri="{BB962C8B-B14F-4D97-AF65-F5344CB8AC3E}">
-            <p14:creationId val="3550845992"/>
-          </p:ext>
-        </p:extLst>
       </p:cSld>
       <p:clrMapOvr>
         <a:masterClrMapping/>
       </p:clrMapOvr>
     </p:notes>
   </mc:Choice>
-  <mc:Fallback xmlns:mc="http://schemas.openxmlformats.org/markup-compatibility/2006" xmlns:p="http://schemas.openxmlformats.org/presentationml/2006/main" xmlns:r="http://schemas.openxmlformats.org/officeDocument/2006/relationships" xmlns:a="http://schemas.openxmlformats.org/drawingml/2006/main" xmlns="" xmlns:p14="http://schemas.microsoft.com/office/powerpoint/2010/main">
+  <mc:Fallback xmlns:mc="http://schemas.openxmlformats.org/markup-compatibility/2006" xmlns:p="http://schemas.openxmlformats.org/presentationml/2006/main" xmlns:r="http://schemas.openxmlformats.org/officeDocument/2006/relationships" xmlns:a="http://schemas.openxmlformats.org/drawingml/2006/main" xmlns="">
     <p:transition spd="slow"/>
   </mc:Fallback>
 </mc:AlternateContent>
 </file>
 
 <file path=ppt/notesSlides/notesSlide11.xml><?xml version="1.0" encoding="utf-8"?>
-<p:notes xmlns:a="http://schemas.openxmlformats.org/drawingml/2006/main" xmlns:r="http://schemas.openxmlformats.org/officeDocument/2006/relationships" xmlns:p="http://schemas.openxmlformats.org/presentationml/2006/main">
-  <p:cSld>
-    <p:spTree>
-      <p:nvGrpSpPr>
-        <p:cNvPr id="1" name=""/>
-        <p:cNvGrpSpPr/>
-        <p:nvPr/>
-      </p:nvGrpSpPr>
-      <p:grpSpPr>
-        <a:xfrm>
-          <a:off x="0" y="0"/>
-          <a:ext cx="0" cy="0"/>
-          <a:chOff x="0" y="0"/>
-          <a:chExt cx="0" cy="0"/>
-        </a:xfrm>
-      </p:grpSpPr>
-      <p:sp>
-        <p:nvSpPr>
-          <p:cNvPr id="129" name="Google Shape;129;p3:notes"/>
-          <p:cNvSpPr txBox="1">
-            <a:spLocks/>
-          </p:cNvSpPr>
-          <p:nvPr>
-            <p:ph type="body" idx="1"/>
-          </p:nvPr>
-        </p:nvSpPr>
-        <p:spPr>
-          <a:xfrm rot="0">
-            <a:off x="1028700" y="8686800"/>
-            <a:ext cx="8230870" cy="8230870"/>
-          </a:xfrm>
-          <a:prstGeom prst="rect"/>
-          <a:noFill/>
-          <a:ln w="0">
-            <a:noFill/>
-            <a:prstDash/>
-          </a:ln>
-        </p:spPr>
-        <p:txBody>
-          <a:bodyPr wrap="square" lIns="91440" tIns="91440" rIns="91440" bIns="91440" numCol="1" vert="horz" anchor="t">
-            <a:noAutofit/>
-          </a:bodyPr>
-          <a:lstStyle/>
-          <a:p>
-            <a:pPr marL="0" indent="0" rtl="0" algn="l" latinLnBrk="0">
-              <a:spcBef>
-                <a:spcPts val="0"/>
-              </a:spcBef>
-              <a:spcAft>
-                <a:spcPts val="0"/>
-              </a:spcAft>
-              <a:buFontTx/>
-              <a:buNone/>
-            </a:pPr>
-          </a:p>
-        </p:txBody>
-      </p:sp>
-      <p:sp>
-        <p:nvSpPr>
-          <p:cNvPr id="130" name="Google Shape;130;p3:notes"/>
-          <p:cNvSpPr>
-            <a:spLocks noChangeAspect="1"/>
-          </p:cNvSpPr>
-          <p:nvPr>
-            <p:ph type="sldImg"/>
-          </p:nvPr>
-        </p:nvSpPr>
-        <p:spPr>
-          <a:xfrm rot="0">
-            <a:off x="-951230" y="1371600"/>
-            <a:ext cx="12191365" cy="6858635"/>
-          </a:xfrm>
-          <a:custGeom>
-            <a:gdLst>
-              <a:gd fmla="*/ 0 w 120002" name="TX0"/>
-              <a:gd fmla="*/ 0 h 120002" name="TY0"/>
-              <a:gd fmla="*/ 120000 w 120002" name="TX1"/>
-              <a:gd fmla="*/ 0 h 120002" name="TY1"/>
-              <a:gd fmla="*/ 120000 w 120002" name="TX2"/>
-              <a:gd fmla="*/ 120000 h 120002" name="TY2"/>
-              <a:gd fmla="*/ 0 w 120002" name="TX3"/>
-              <a:gd fmla="*/ 120000 h 120002" name="TY3"/>
-            </a:gdLst>
-            <a:cxnLst>
-              <a:cxn ang="0">
-                <a:pos x="TX0" y="TY0"/>
-              </a:cxn>
-              <a:cxn ang="0">
-                <a:pos x="TX1" y="TY1"/>
-              </a:cxn>
-              <a:cxn ang="0">
-                <a:pos x="TX2" y="TY2"/>
-              </a:cxn>
-              <a:cxn ang="0">
-                <a:pos x="TX3" y="TY3"/>
-              </a:cxn>
-            </a:cxnLst>
-            <a:rect l="l" t="t" r="r" b="b"/>
-            <a:pathLst>
-              <a:path w="120002" h="120002">
-                <a:moveTo>
-                  <a:pt x="0" y="0"/>
-                </a:moveTo>
-                <a:lnTo>
-                  <a:pt x="120000" y="0"/>
-                </a:lnTo>
-                <a:lnTo>
-                  <a:pt x="120000" y="120000"/>
-                </a:lnTo>
-                <a:lnTo>
-                  <a:pt x="0" y="120000"/>
-                </a:lnTo>
-                <a:close/>
-              </a:path>
-            </a:pathLst>
-          </a:custGeom>
-          <a:noFill/>
-          <a:ln w="9525" cap="flat" cmpd="sng">
-            <a:solidFill>
-              <a:srgbClr val="000000">
-                <a:alpha val="100000"/>
-              </a:srgbClr>
-            </a:solidFill>
-            <a:prstDash val="solid"/>
-            <a:round/>
-          </a:ln>
-        </p:spPr>
-        <p:txBody>
-          <a:bodyPr wrap="square" lIns="0" tIns="0" rIns="0" bIns="0" numCol="1" vert="horz" anchor="t">
-            <a:noAutofit/>
-          </a:bodyPr>
-          <a:lstStyle/>
-          <a:p>
-            <a:pPr marL="0" indent="0" latinLnBrk="0"/>
-          </a:p>
-        </p:txBody>
-      </p:sp>
-    </p:spTree>
-  </p:cSld>
-  <p:clrMapOvr>
-    <a:masterClrMapping/>
-  </p:clrMapOvr>
-  <mc:AlternateContent xmlns:mc="http://schemas.openxmlformats.org/markup-compatibility/2006">
-    <mc:Choice xmlns:p14="http://schemas.microsoft.com/office/powerpoint/2010/main" Requires="p14">
-      <p:transition spd="slow" p14:dur="0"/>
-    </mc:Choice>
-    <mc:Fallback>
-      <p:transition spd="slow"/>
-    </mc:Fallback>
-  </mc:AlternateContent>
-</p:notes>
-</file>
-
-<file path=ppt/notesSlides/notesSlide12.xml><?xml version="1.0" encoding="utf-8"?>
 <mc:AlternateContent xmlns:mc="http://schemas.openxmlformats.org/markup-compatibility/2006" xmlns:p14="http://schemas.microsoft.com/office/powerpoint/2010/main">
   <mc:Choice Requires="p14">
     <p:notes xmlns:a="http://schemas.openxmlformats.org/drawingml/2006/main" xmlns:r="http://schemas.openxmlformats.org/officeDocument/2006/relationships" xmlns:p="http://schemas.openxmlformats.org/presentationml/2006/main">
@@ -1285,13 +1130,13 @@
       </p:clrMapOvr>
     </p:notes>
   </mc:Choice>
-  <mc:Fallback xmlns:p14="http://schemas.microsoft.com/office/powerpoint/2010/main" xmlns="" xmlns:a="http://schemas.openxmlformats.org/drawingml/2006/main" xmlns:r="http://schemas.openxmlformats.org/officeDocument/2006/relationships" xmlns:p="http://schemas.openxmlformats.org/presentationml/2006/main" xmlns:mc="http://schemas.openxmlformats.org/markup-compatibility/2006">
+  <mc:Fallback xmlns:mc="http://schemas.openxmlformats.org/markup-compatibility/2006" xmlns:p="http://schemas.openxmlformats.org/presentationml/2006/main" xmlns:r="http://schemas.openxmlformats.org/officeDocument/2006/relationships" xmlns:a="http://schemas.openxmlformats.org/drawingml/2006/main" xmlns="" xmlns:p14="http://schemas.microsoft.com/office/powerpoint/2010/main">
     <p:transition spd="slow"/>
   </mc:Fallback>
 </mc:AlternateContent>
 </file>
 
-<file path=ppt/notesSlides/notesSlide13.xml><?xml version="1.0" encoding="utf-8"?>
+<file path=ppt/notesSlides/notesSlide12.xml><?xml version="1.0" encoding="utf-8"?>
 <mc:AlternateContent xmlns:mc="http://schemas.openxmlformats.org/markup-compatibility/2006" xmlns:p14="http://schemas.microsoft.com/office/powerpoint/2010/main">
   <mc:Choice Requires="p14">
     <p:notes xmlns:a="http://schemas.openxmlformats.org/drawingml/2006/main" xmlns:r="http://schemas.openxmlformats.org/officeDocument/2006/relationships" xmlns:p="http://schemas.openxmlformats.org/presentationml/2006/main">
@@ -1449,13 +1294,13 @@
       </p:clrMapOvr>
     </p:notes>
   </mc:Choice>
-  <mc:Fallback xmlns:p14="http://schemas.microsoft.com/office/powerpoint/2010/main" xmlns="" xmlns:a="http://schemas.openxmlformats.org/drawingml/2006/main" xmlns:r="http://schemas.openxmlformats.org/officeDocument/2006/relationships" xmlns:p="http://schemas.openxmlformats.org/presentationml/2006/main" xmlns:mc="http://schemas.openxmlformats.org/markup-compatibility/2006">
+  <mc:Fallback xmlns:mc="http://schemas.openxmlformats.org/markup-compatibility/2006" xmlns:p="http://schemas.openxmlformats.org/presentationml/2006/main" xmlns:r="http://schemas.openxmlformats.org/officeDocument/2006/relationships" xmlns:a="http://schemas.openxmlformats.org/drawingml/2006/main" xmlns="" xmlns:p14="http://schemas.microsoft.com/office/powerpoint/2010/main">
     <p:transition spd="slow"/>
   </mc:Fallback>
 </mc:AlternateContent>
 </file>
 
-<file path=ppt/notesSlides/notesSlide14.xml><?xml version="1.0" encoding="utf-8"?>
+<file path=ppt/notesSlides/notesSlide13.xml><?xml version="1.0" encoding="utf-8"?>
 <mc:AlternateContent xmlns:mc="http://schemas.openxmlformats.org/markup-compatibility/2006" xmlns:p14="http://schemas.microsoft.com/office/powerpoint/2010/main">
   <mc:Choice Requires="p14">
     <p:notes xmlns:a="http://schemas.openxmlformats.org/drawingml/2006/main" xmlns:r="http://schemas.openxmlformats.org/officeDocument/2006/relationships" xmlns:p="http://schemas.openxmlformats.org/presentationml/2006/main">
@@ -1608,13 +1453,13 @@
       </p:clrMapOvr>
     </p:notes>
   </mc:Choice>
-  <mc:Fallback xmlns:mc="http://schemas.openxmlformats.org/markup-compatibility/2006" xmlns:p="http://schemas.openxmlformats.org/presentationml/2006/main" xmlns:r="http://schemas.openxmlformats.org/officeDocument/2006/relationships" xmlns:a="http://schemas.openxmlformats.org/drawingml/2006/main" xmlns="" xmlns:p14="http://schemas.microsoft.com/office/powerpoint/2010/main">
+  <mc:Fallback xmlns:p14="http://schemas.microsoft.com/office/powerpoint/2010/main" xmlns="" xmlns:a="http://schemas.openxmlformats.org/drawingml/2006/main" xmlns:r="http://schemas.openxmlformats.org/officeDocument/2006/relationships" xmlns:p="http://schemas.openxmlformats.org/presentationml/2006/main" xmlns:mc="http://schemas.openxmlformats.org/markup-compatibility/2006">
     <p:transition spd="slow"/>
   </mc:Fallback>
 </mc:AlternateContent>
 </file>
 
-<file path=ppt/notesSlides/notesSlide15.xml><?xml version="1.0" encoding="utf-8"?>
+<file path=ppt/notesSlides/notesSlide14.xml><?xml version="1.0" encoding="utf-8"?>
 <mc:AlternateContent xmlns:mc="http://schemas.openxmlformats.org/markup-compatibility/2006" xmlns:p14="http://schemas.microsoft.com/office/powerpoint/2010/main">
   <mc:Choice Requires="p14">
     <p:notes xmlns:a="http://schemas.openxmlformats.org/drawingml/2006/main" xmlns:r="http://schemas.openxmlformats.org/officeDocument/2006/relationships" xmlns:p="http://schemas.openxmlformats.org/presentationml/2006/main">
@@ -1761,475 +1606,490 @@
       </p:clrMapOvr>
     </p:notes>
   </mc:Choice>
-  <mc:Fallback xmlns:p14="http://schemas.microsoft.com/office/powerpoint/2010/main" xmlns="" xmlns:a="http://schemas.openxmlformats.org/drawingml/2006/main" xmlns:r="http://schemas.openxmlformats.org/officeDocument/2006/relationships" xmlns:p="http://schemas.openxmlformats.org/presentationml/2006/main" xmlns:mc="http://schemas.openxmlformats.org/markup-compatibility/2006">
+  <mc:Fallback xmlns:mc="http://schemas.openxmlformats.org/markup-compatibility/2006" xmlns:p="http://schemas.openxmlformats.org/presentationml/2006/main" xmlns:r="http://schemas.openxmlformats.org/officeDocument/2006/relationships" xmlns:a="http://schemas.openxmlformats.org/drawingml/2006/main" xmlns="" xmlns:p14="http://schemas.microsoft.com/office/powerpoint/2010/main">
+    <p:transition spd="slow"/>
+  </mc:Fallback>
+</mc:AlternateContent>
+</file>
+
+<file path=ppt/notesSlides/notesSlide15.xml><?xml version="1.0" encoding="utf-8"?>
+<mc:AlternateContent xmlns:mc="http://schemas.openxmlformats.org/markup-compatibility/2006" xmlns:p14="http://schemas.microsoft.com/office/powerpoint/2010/main">
+  <mc:Choice Requires="p14">
+    <p:notes xmlns:a="http://schemas.openxmlformats.org/drawingml/2006/main" xmlns:r="http://schemas.openxmlformats.org/officeDocument/2006/relationships" xmlns:p="http://schemas.openxmlformats.org/presentationml/2006/main">
+      <p:cSld>
+        <p:spTree>
+          <p:nvGrpSpPr>
+            <p:cNvPr id="1" name=""/>
+            <p:cNvGrpSpPr/>
+            <p:nvPr/>
+          </p:nvGrpSpPr>
+          <p:grpSpPr>
+            <a:xfrm>
+              <a:off x="0" y="0"/>
+              <a:ext cx="0" cy="0"/>
+              <a:chOff x="0" y="0"/>
+              <a:chExt cx="0" cy="0"/>
+            </a:xfrm>
+          </p:grpSpPr>
+          <p:sp>
+            <p:nvSpPr>
+              <p:cNvPr id="129" name="Google Shape;129;p3:notes"/>
+              <p:cNvSpPr txBox="1">
+                <a:spLocks noGrp="1"/>
+              </p:cNvSpPr>
+              <p:nvPr>
+                <p:ph type="body" idx="1"/>
+              </p:nvPr>
+            </p:nvSpPr>
+            <p:spPr>
+              <a:xfrm>
+                <a:off x="1028700" y="8686800"/>
+                <a:ext cx="8230870" cy="8230870"/>
+              </a:xfrm>
+              <a:prstGeom prst="rect">
+                <a:avLst/>
+              </a:prstGeom>
+              <a:noFill/>
+              <a:ln w="0">
+                <a:noFill/>
+                <a:prstDash/>
+              </a:ln>
+            </p:spPr>
+            <p:txBody>
+              <a:bodyPr vert="horz" wrap="square" lIns="91440" tIns="91440" rIns="91440" bIns="91440" numCol="1" anchor="t">
+                <a:noAutofit/>
+              </a:bodyPr>
+              <a:lstStyle/>
+              <a:p>
+                <a:pPr marL="0" indent="0" algn="l" rtl="0" latinLnBrk="0">
+                  <a:spcBef>
+                    <a:spcPts val="0"/>
+                  </a:spcBef>
+                  <a:spcAft>
+                    <a:spcPts val="0"/>
+                  </a:spcAft>
+                  <a:buFontTx/>
+                  <a:buNone/>
+                </a:pPr>
+                <a:endParaRPr/>
+              </a:p>
+            </p:txBody>
+          </p:sp>
+          <p:sp>
+            <p:nvSpPr>
+              <p:cNvPr id="130" name="Google Shape;130;p3:notes"/>
+              <p:cNvSpPr>
+                <a:spLocks noGrp="1" noRot="1" noChangeAspect="1"/>
+              </p:cNvSpPr>
+              <p:nvPr>
+                <p:ph type="sldImg"/>
+              </p:nvPr>
+            </p:nvSpPr>
+            <p:spPr>
+              <a:xfrm>
+                <a:off x="-951230" y="1371600"/>
+                <a:ext cx="12191365" cy="6858635"/>
+              </a:xfrm>
+              <a:custGeom>
+                <a:avLst/>
+                <a:gdLst>
+                  <a:gd name="TX0" fmla="*/ 0 w 120002"/>
+                  <a:gd name="TY0" fmla="*/ 0 h 120002"/>
+                  <a:gd name="TX1" fmla="*/ 120000 w 120002"/>
+                  <a:gd name="TY1" fmla="*/ 0 h 120002"/>
+                  <a:gd name="TX2" fmla="*/ 120000 w 120002"/>
+                  <a:gd name="TY2" fmla="*/ 120000 h 120002"/>
+                  <a:gd name="TX3" fmla="*/ 0 w 120002"/>
+                  <a:gd name="TY3" fmla="*/ 120000 h 120002"/>
+                </a:gdLst>
+                <a:ahLst/>
+                <a:cxnLst>
+                  <a:cxn ang="0">
+                    <a:pos x="TX0" y="TY0"/>
+                  </a:cxn>
+                  <a:cxn ang="0">
+                    <a:pos x="TX1" y="TY1"/>
+                  </a:cxn>
+                  <a:cxn ang="0">
+                    <a:pos x="TX2" y="TY2"/>
+                  </a:cxn>
+                  <a:cxn ang="0">
+                    <a:pos x="TX3" y="TY3"/>
+                  </a:cxn>
+                </a:cxnLst>
+                <a:rect l="l" t="t" r="r" b="b"/>
+                <a:pathLst>
+                  <a:path w="120002" h="120002">
+                    <a:moveTo>
+                      <a:pt x="0" y="0"/>
+                    </a:moveTo>
+                    <a:lnTo>
+                      <a:pt x="120000" y="0"/>
+                    </a:lnTo>
+                    <a:lnTo>
+                      <a:pt x="120000" y="120000"/>
+                    </a:lnTo>
+                    <a:lnTo>
+                      <a:pt x="0" y="120000"/>
+                    </a:lnTo>
+                    <a:close/>
+                  </a:path>
+                </a:pathLst>
+              </a:custGeom>
+              <a:noFill/>
+              <a:ln w="9525" cap="flat" cmpd="sng">
+                <a:solidFill>
+                  <a:srgbClr val="000000">
+                    <a:alpha val="100000"/>
+                  </a:srgbClr>
+                </a:solidFill>
+                <a:prstDash val="solid"/>
+                <a:round/>
+              </a:ln>
+            </p:spPr>
+            <p:txBody>
+              <a:bodyPr vert="horz" wrap="square" lIns="0" tIns="0" rIns="0" bIns="0" numCol="1" anchor="t">
+                <a:noAutofit/>
+              </a:bodyPr>
+              <a:lstStyle/>
+              <a:p>
+                <a:pPr marL="0" indent="0" latinLnBrk="0"/>
+                <a:endParaRPr/>
+              </a:p>
+            </p:txBody>
+          </p:sp>
+        </p:spTree>
+      </p:cSld>
+      <p:clrMapOvr>
+        <a:masterClrMapping/>
+      </p:clrMapOvr>
+    </p:notes>
+  </mc:Choice>
+  <mc:Fallback xmlns:mc="http://schemas.openxmlformats.org/markup-compatibility/2006" xmlns:p="http://schemas.openxmlformats.org/presentationml/2006/main" xmlns:r="http://schemas.openxmlformats.org/officeDocument/2006/relationships" xmlns:a="http://schemas.openxmlformats.org/drawingml/2006/main" xmlns="">
     <p:transition spd="slow"/>
   </mc:Fallback>
 </mc:AlternateContent>
 </file>
 
 <file path=ppt/notesSlides/notesSlide16.xml><?xml version="1.0" encoding="utf-8"?>
-<p:notes xmlns:a="http://schemas.openxmlformats.org/drawingml/2006/main" xmlns:r="http://schemas.openxmlformats.org/officeDocument/2006/relationships" xmlns:p="http://schemas.openxmlformats.org/presentationml/2006/main">
-  <p:cSld>
-    <p:spTree>
-      <p:nvGrpSpPr>
-        <p:cNvPr id="1" name=""/>
-        <p:cNvGrpSpPr/>
-        <p:nvPr/>
-      </p:nvGrpSpPr>
-      <p:grpSpPr>
-        <a:xfrm>
-          <a:off x="0" y="0"/>
-          <a:ext cx="0" cy="0"/>
-          <a:chOff x="0" y="0"/>
-          <a:chExt cx="0" cy="0"/>
-        </a:xfrm>
-      </p:grpSpPr>
-      <p:sp>
-        <p:nvSpPr>
-          <p:cNvPr id="129" name="Google Shape;129;p3:notes"/>
-          <p:cNvSpPr txBox="1">
-            <a:spLocks/>
-          </p:cNvSpPr>
-          <p:nvPr>
-            <p:ph type="body" idx="1"/>
-          </p:nvPr>
-        </p:nvSpPr>
-        <p:spPr>
-          <a:xfrm rot="0">
-            <a:off x="1028700" y="8686800"/>
-            <a:ext cx="8230870" cy="8230870"/>
-          </a:xfrm>
-          <a:prstGeom prst="rect"/>
-          <a:noFill/>
-          <a:ln w="0">
-            <a:noFill/>
-            <a:prstDash/>
-          </a:ln>
-        </p:spPr>
-        <p:txBody>
-          <a:bodyPr wrap="square" lIns="91440" tIns="91440" rIns="91440" bIns="91440" numCol="1" vert="horz" anchor="t">
-            <a:noAutofit/>
-          </a:bodyPr>
-          <a:lstStyle/>
-          <a:p>
-            <a:pPr marL="0" indent="0" rtl="0" algn="l" latinLnBrk="0">
-              <a:spcBef>
-                <a:spcPts val="0"/>
-              </a:spcBef>
-              <a:spcAft>
-                <a:spcPts val="0"/>
-              </a:spcAft>
-              <a:buFontTx/>
-              <a:buNone/>
-            </a:pPr>
-          </a:p>
-        </p:txBody>
-      </p:sp>
-      <p:sp>
-        <p:nvSpPr>
-          <p:cNvPr id="130" name="Google Shape;130;p3:notes"/>
-          <p:cNvSpPr>
-            <a:spLocks noChangeAspect="1"/>
-          </p:cNvSpPr>
-          <p:nvPr>
-            <p:ph type="sldImg"/>
-          </p:nvPr>
-        </p:nvSpPr>
-        <p:spPr>
-          <a:xfrm rot="0">
-            <a:off x="-951230" y="1371600"/>
-            <a:ext cx="12191365" cy="6858635"/>
-          </a:xfrm>
-          <a:custGeom>
-            <a:gdLst>
-              <a:gd fmla="*/ 0 w 120002" name="TX0"/>
-              <a:gd fmla="*/ 0 h 120002" name="TY0"/>
-              <a:gd fmla="*/ 120000 w 120002" name="TX1"/>
-              <a:gd fmla="*/ 0 h 120002" name="TY1"/>
-              <a:gd fmla="*/ 120000 w 120002" name="TX2"/>
-              <a:gd fmla="*/ 120000 h 120002" name="TY2"/>
-              <a:gd fmla="*/ 0 w 120002" name="TX3"/>
-              <a:gd fmla="*/ 120000 h 120002" name="TY3"/>
-            </a:gdLst>
-            <a:cxnLst>
-              <a:cxn ang="0">
-                <a:pos x="TX0" y="TY0"/>
-              </a:cxn>
-              <a:cxn ang="0">
-                <a:pos x="TX1" y="TY1"/>
-              </a:cxn>
-              <a:cxn ang="0">
-                <a:pos x="TX2" y="TY2"/>
-              </a:cxn>
-              <a:cxn ang="0">
-                <a:pos x="TX3" y="TY3"/>
-              </a:cxn>
-            </a:cxnLst>
-            <a:rect l="l" t="t" r="r" b="b"/>
-            <a:pathLst>
-              <a:path w="120002" h="120002">
-                <a:moveTo>
-                  <a:pt x="0" y="0"/>
-                </a:moveTo>
-                <a:lnTo>
-                  <a:pt x="120000" y="0"/>
-                </a:lnTo>
-                <a:lnTo>
-                  <a:pt x="120000" y="120000"/>
-                </a:lnTo>
-                <a:lnTo>
-                  <a:pt x="0" y="120000"/>
-                </a:lnTo>
-                <a:close/>
-              </a:path>
-            </a:pathLst>
-          </a:custGeom>
-          <a:noFill/>
-          <a:ln w="9525" cap="flat" cmpd="sng">
-            <a:solidFill>
-              <a:srgbClr val="000000">
-                <a:alpha val="100000"/>
-              </a:srgbClr>
-            </a:solidFill>
-            <a:prstDash val="solid"/>
-            <a:round/>
-          </a:ln>
-        </p:spPr>
-        <p:txBody>
-          <a:bodyPr wrap="square" lIns="0" tIns="0" rIns="0" bIns="0" numCol="1" vert="horz" anchor="t">
-            <a:noAutofit/>
-          </a:bodyPr>
-          <a:lstStyle/>
-          <a:p>
-            <a:pPr marL="0" indent="0" latinLnBrk="0"/>
-          </a:p>
-        </p:txBody>
-      </p:sp>
-    </p:spTree>
-  </p:cSld>
-  <p:clrMapOvr>
-    <a:masterClrMapping/>
-  </p:clrMapOvr>
-  <mc:AlternateContent xmlns:mc="http://schemas.openxmlformats.org/markup-compatibility/2006">
-    <mc:Choice xmlns:p14="http://schemas.microsoft.com/office/powerpoint/2010/main" Requires="p14">
-      <p:transition spd="slow" p14:dur="0"/>
-    </mc:Choice>
-    <mc:Fallback>
-      <p:transition spd="slow"/>
-    </mc:Fallback>
-  </mc:AlternateContent>
-</p:notes>
+<mc:AlternateContent xmlns:mc="http://schemas.openxmlformats.org/markup-compatibility/2006" xmlns:p14="http://schemas.microsoft.com/office/powerpoint/2010/main">
+  <mc:Choice Requires="p14">
+    <p:notes xmlns:a="http://schemas.openxmlformats.org/drawingml/2006/main" xmlns:r="http://schemas.openxmlformats.org/officeDocument/2006/relationships" xmlns:p="http://schemas.openxmlformats.org/presentationml/2006/main">
+      <p:cSld>
+        <p:spTree>
+          <p:nvGrpSpPr>
+            <p:cNvPr id="1" name=""/>
+            <p:cNvGrpSpPr/>
+            <p:nvPr/>
+          </p:nvGrpSpPr>
+          <p:grpSpPr>
+            <a:xfrm>
+              <a:off x="0" y="0"/>
+              <a:ext cx="0" cy="0"/>
+              <a:chOff x="0" y="0"/>
+              <a:chExt cx="0" cy="0"/>
+            </a:xfrm>
+          </p:grpSpPr>
+          <p:sp>
+            <p:nvSpPr>
+              <p:cNvPr id="129" name="Google Shape;129;p3:notes"/>
+              <p:cNvSpPr txBox="1">
+                <a:spLocks noGrp="1"/>
+              </p:cNvSpPr>
+              <p:nvPr>
+                <p:ph type="body" idx="1"/>
+              </p:nvPr>
+            </p:nvSpPr>
+            <p:spPr>
+              <a:xfrm>
+                <a:off x="1028700" y="8686800"/>
+                <a:ext cx="8230870" cy="8230870"/>
+              </a:xfrm>
+              <a:prstGeom prst="rect">
+                <a:avLst/>
+              </a:prstGeom>
+              <a:noFill/>
+              <a:ln w="0">
+                <a:noFill/>
+                <a:prstDash/>
+              </a:ln>
+            </p:spPr>
+            <p:txBody>
+              <a:bodyPr vert="horz" wrap="square" lIns="91440" tIns="91440" rIns="91440" bIns="91440" numCol="1" anchor="t">
+                <a:noAutofit/>
+              </a:bodyPr>
+              <a:lstStyle/>
+              <a:p>
+                <a:pPr marL="0" indent="0" algn="l" rtl="0" latinLnBrk="0">
+                  <a:spcBef>
+                    <a:spcPts val="0"/>
+                  </a:spcBef>
+                  <a:spcAft>
+                    <a:spcPts val="0"/>
+                  </a:spcAft>
+                  <a:buFontTx/>
+                  <a:buNone/>
+                </a:pPr>
+                <a:endParaRPr/>
+              </a:p>
+            </p:txBody>
+          </p:sp>
+          <p:sp>
+            <p:nvSpPr>
+              <p:cNvPr id="130" name="Google Shape;130;p3:notes"/>
+              <p:cNvSpPr>
+                <a:spLocks noGrp="1" noRot="1" noChangeAspect="1"/>
+              </p:cNvSpPr>
+              <p:nvPr>
+                <p:ph type="sldImg"/>
+              </p:nvPr>
+            </p:nvSpPr>
+            <p:spPr>
+              <a:xfrm>
+                <a:off x="-951230" y="1371600"/>
+                <a:ext cx="12191365" cy="6858635"/>
+              </a:xfrm>
+              <a:custGeom>
+                <a:avLst/>
+                <a:gdLst>
+                  <a:gd name="TX0" fmla="*/ 0 w 120002"/>
+                  <a:gd name="TY0" fmla="*/ 0 h 120002"/>
+                  <a:gd name="TX1" fmla="*/ 120000 w 120002"/>
+                  <a:gd name="TY1" fmla="*/ 0 h 120002"/>
+                  <a:gd name="TX2" fmla="*/ 120000 w 120002"/>
+                  <a:gd name="TY2" fmla="*/ 120000 h 120002"/>
+                  <a:gd name="TX3" fmla="*/ 0 w 120002"/>
+                  <a:gd name="TY3" fmla="*/ 120000 h 120002"/>
+                </a:gdLst>
+                <a:ahLst/>
+                <a:cxnLst>
+                  <a:cxn ang="0">
+                    <a:pos x="TX0" y="TY0"/>
+                  </a:cxn>
+                  <a:cxn ang="0">
+                    <a:pos x="TX1" y="TY1"/>
+                  </a:cxn>
+                  <a:cxn ang="0">
+                    <a:pos x="TX2" y="TY2"/>
+                  </a:cxn>
+                  <a:cxn ang="0">
+                    <a:pos x="TX3" y="TY3"/>
+                  </a:cxn>
+                </a:cxnLst>
+                <a:rect l="l" t="t" r="r" b="b"/>
+                <a:pathLst>
+                  <a:path w="120002" h="120002">
+                    <a:moveTo>
+                      <a:pt x="0" y="0"/>
+                    </a:moveTo>
+                    <a:lnTo>
+                      <a:pt x="120000" y="0"/>
+                    </a:lnTo>
+                    <a:lnTo>
+                      <a:pt x="120000" y="120000"/>
+                    </a:lnTo>
+                    <a:lnTo>
+                      <a:pt x="0" y="120000"/>
+                    </a:lnTo>
+                    <a:close/>
+                  </a:path>
+                </a:pathLst>
+              </a:custGeom>
+              <a:noFill/>
+              <a:ln w="9525" cap="flat" cmpd="sng">
+                <a:solidFill>
+                  <a:srgbClr val="000000">
+                    <a:alpha val="100000"/>
+                  </a:srgbClr>
+                </a:solidFill>
+                <a:prstDash val="solid"/>
+                <a:round/>
+              </a:ln>
+            </p:spPr>
+            <p:txBody>
+              <a:bodyPr vert="horz" wrap="square" lIns="0" tIns="0" rIns="0" bIns="0" numCol="1" anchor="t">
+                <a:noAutofit/>
+              </a:bodyPr>
+              <a:lstStyle/>
+              <a:p>
+                <a:pPr marL="0" indent="0" latinLnBrk="0"/>
+                <a:endParaRPr/>
+              </a:p>
+            </p:txBody>
+          </p:sp>
+        </p:spTree>
+      </p:cSld>
+      <p:clrMapOvr>
+        <a:masterClrMapping/>
+      </p:clrMapOvr>
+    </p:notes>
+  </mc:Choice>
+  <mc:Fallback xmlns:mc="http://schemas.openxmlformats.org/markup-compatibility/2006" xmlns:p="http://schemas.openxmlformats.org/presentationml/2006/main" xmlns:r="http://schemas.openxmlformats.org/officeDocument/2006/relationships" xmlns:a="http://schemas.openxmlformats.org/drawingml/2006/main" xmlns="">
+    <p:transition spd="slow"/>
+  </mc:Fallback>
+</mc:AlternateContent>
 </file>
 
 <file path=ppt/notesSlides/notesSlide17.xml><?xml version="1.0" encoding="utf-8"?>
-<p:notes xmlns:a="http://schemas.openxmlformats.org/drawingml/2006/main" xmlns:r="http://schemas.openxmlformats.org/officeDocument/2006/relationships" xmlns:p="http://schemas.openxmlformats.org/presentationml/2006/main">
-  <p:cSld>
-    <p:spTree>
-      <p:nvGrpSpPr>
-        <p:cNvPr id="1" name=""/>
-        <p:cNvGrpSpPr/>
-        <p:nvPr/>
-      </p:nvGrpSpPr>
-      <p:grpSpPr>
-        <a:xfrm>
-          <a:off x="0" y="0"/>
-          <a:ext cx="0" cy="0"/>
-          <a:chOff x="0" y="0"/>
-          <a:chExt cx="0" cy="0"/>
-        </a:xfrm>
-      </p:grpSpPr>
-      <p:sp>
-        <p:nvSpPr>
-          <p:cNvPr id="129" name="Google Shape;129;p3:notes"/>
-          <p:cNvSpPr txBox="1">
-            <a:spLocks/>
-          </p:cNvSpPr>
-          <p:nvPr>
-            <p:ph type="body" idx="1"/>
-          </p:nvPr>
-        </p:nvSpPr>
-        <p:spPr>
-          <a:xfrm rot="0">
-            <a:off x="1028700" y="8686800"/>
-            <a:ext cx="8230870" cy="8230870"/>
-          </a:xfrm>
-          <a:prstGeom prst="rect"/>
-          <a:noFill/>
-          <a:ln w="0">
-            <a:noFill/>
-            <a:prstDash/>
-          </a:ln>
-        </p:spPr>
-        <p:txBody>
-          <a:bodyPr wrap="square" lIns="91440" tIns="91440" rIns="91440" bIns="91440" numCol="1" vert="horz" anchor="t">
-            <a:noAutofit/>
-          </a:bodyPr>
-          <a:lstStyle/>
-          <a:p>
-            <a:pPr marL="0" indent="0" rtl="0" algn="l" latinLnBrk="0">
-              <a:spcBef>
-                <a:spcPts val="0"/>
-              </a:spcBef>
-              <a:spcAft>
-                <a:spcPts val="0"/>
-              </a:spcAft>
-              <a:buFontTx/>
-              <a:buNone/>
-            </a:pPr>
-          </a:p>
-        </p:txBody>
-      </p:sp>
-      <p:sp>
-        <p:nvSpPr>
-          <p:cNvPr id="130" name="Google Shape;130;p3:notes"/>
-          <p:cNvSpPr>
-            <a:spLocks noChangeAspect="1"/>
-          </p:cNvSpPr>
-          <p:nvPr>
-            <p:ph type="sldImg"/>
-          </p:nvPr>
-        </p:nvSpPr>
-        <p:spPr>
-          <a:xfrm rot="0">
-            <a:off x="-951230" y="1371600"/>
-            <a:ext cx="12191365" cy="6858635"/>
-          </a:xfrm>
-          <a:custGeom>
-            <a:gdLst>
-              <a:gd fmla="*/ 0 w 120002" name="TX0"/>
-              <a:gd fmla="*/ 0 h 120002" name="TY0"/>
-              <a:gd fmla="*/ 120000 w 120002" name="TX1"/>
-              <a:gd fmla="*/ 0 h 120002" name="TY1"/>
-              <a:gd fmla="*/ 120000 w 120002" name="TX2"/>
-              <a:gd fmla="*/ 120000 h 120002" name="TY2"/>
-              <a:gd fmla="*/ 0 w 120002" name="TX3"/>
-              <a:gd fmla="*/ 120000 h 120002" name="TY3"/>
-            </a:gdLst>
-            <a:cxnLst>
-              <a:cxn ang="0">
-                <a:pos x="TX0" y="TY0"/>
-              </a:cxn>
-              <a:cxn ang="0">
-                <a:pos x="TX1" y="TY1"/>
-              </a:cxn>
-              <a:cxn ang="0">
-                <a:pos x="TX2" y="TY2"/>
-              </a:cxn>
-              <a:cxn ang="0">
-                <a:pos x="TX3" y="TY3"/>
-              </a:cxn>
-            </a:cxnLst>
-            <a:rect l="l" t="t" r="r" b="b"/>
-            <a:pathLst>
-              <a:path w="120002" h="120002">
-                <a:moveTo>
-                  <a:pt x="0" y="0"/>
-                </a:moveTo>
-                <a:lnTo>
-                  <a:pt x="120000" y="0"/>
-                </a:lnTo>
-                <a:lnTo>
-                  <a:pt x="120000" y="120000"/>
-                </a:lnTo>
-                <a:lnTo>
-                  <a:pt x="0" y="120000"/>
-                </a:lnTo>
-                <a:close/>
-              </a:path>
-            </a:pathLst>
-          </a:custGeom>
-          <a:noFill/>
-          <a:ln w="9525" cap="flat" cmpd="sng">
-            <a:solidFill>
-              <a:srgbClr val="000000">
-                <a:alpha val="100000"/>
-              </a:srgbClr>
-            </a:solidFill>
-            <a:prstDash val="solid"/>
-            <a:round/>
-          </a:ln>
-        </p:spPr>
-        <p:txBody>
-          <a:bodyPr wrap="square" lIns="0" tIns="0" rIns="0" bIns="0" numCol="1" vert="horz" anchor="t">
-            <a:noAutofit/>
-          </a:bodyPr>
-          <a:lstStyle/>
-          <a:p>
-            <a:pPr marL="0" indent="0" latinLnBrk="0"/>
-          </a:p>
-        </p:txBody>
-      </p:sp>
-    </p:spTree>
-  </p:cSld>
-  <p:clrMapOvr>
-    <a:masterClrMapping/>
-  </p:clrMapOvr>
-  <mc:AlternateContent xmlns:mc="http://schemas.openxmlformats.org/markup-compatibility/2006">
-    <mc:Choice xmlns:p14="http://schemas.microsoft.com/office/powerpoint/2010/main" Requires="p14">
-      <p:transition spd="slow" p14:dur="0"/>
-    </mc:Choice>
-    <mc:Fallback>
-      <p:transition spd="slow"/>
-    </mc:Fallback>
-  </mc:AlternateContent>
-</p:notes>
+<mc:AlternateContent xmlns:mc="http://schemas.openxmlformats.org/markup-compatibility/2006" xmlns:p14="http://schemas.microsoft.com/office/powerpoint/2010/main">
+  <mc:Choice Requires="p14">
+    <p:notes xmlns:a="http://schemas.openxmlformats.org/drawingml/2006/main" xmlns:r="http://schemas.openxmlformats.org/officeDocument/2006/relationships" xmlns:p="http://schemas.openxmlformats.org/presentationml/2006/main">
+      <p:cSld>
+        <p:spTree>
+          <p:nvGrpSpPr>
+            <p:cNvPr id="1" name=""/>
+            <p:cNvGrpSpPr/>
+            <p:nvPr/>
+          </p:nvGrpSpPr>
+          <p:grpSpPr>
+            <a:xfrm>
+              <a:off x="0" y="0"/>
+              <a:ext cx="0" cy="0"/>
+              <a:chOff x="0" y="0"/>
+              <a:chExt cx="0" cy="0"/>
+            </a:xfrm>
+          </p:grpSpPr>
+          <p:sp>
+            <p:nvSpPr>
+              <p:cNvPr id="129" name="Google Shape;129;p3:notes"/>
+              <p:cNvSpPr txBox="1">
+                <a:spLocks noGrp="1"/>
+              </p:cNvSpPr>
+              <p:nvPr>
+                <p:ph type="body" idx="1"/>
+              </p:nvPr>
+            </p:nvSpPr>
+            <p:spPr>
+              <a:xfrm>
+                <a:off x="1028700" y="8686800"/>
+                <a:ext cx="8230870" cy="8230870"/>
+              </a:xfrm>
+              <a:prstGeom prst="rect">
+                <a:avLst/>
+              </a:prstGeom>
+              <a:noFill/>
+              <a:ln w="0">
+                <a:noFill/>
+                <a:prstDash/>
+              </a:ln>
+            </p:spPr>
+            <p:txBody>
+              <a:bodyPr vert="horz" wrap="square" lIns="91440" tIns="91440" rIns="91440" bIns="91440" numCol="1" anchor="t">
+                <a:noAutofit/>
+              </a:bodyPr>
+              <a:lstStyle/>
+              <a:p>
+                <a:pPr marL="0" indent="0" algn="l" rtl="0" latinLnBrk="0">
+                  <a:spcBef>
+                    <a:spcPts val="0"/>
+                  </a:spcBef>
+                  <a:spcAft>
+                    <a:spcPts val="0"/>
+                  </a:spcAft>
+                  <a:buFontTx/>
+                  <a:buNone/>
+                </a:pPr>
+                <a:endParaRPr/>
+              </a:p>
+            </p:txBody>
+          </p:sp>
+          <p:sp>
+            <p:nvSpPr>
+              <p:cNvPr id="130" name="Google Shape;130;p3:notes"/>
+              <p:cNvSpPr>
+                <a:spLocks noGrp="1" noRot="1" noChangeAspect="1"/>
+              </p:cNvSpPr>
+              <p:nvPr>
+                <p:ph type="sldImg"/>
+              </p:nvPr>
+            </p:nvSpPr>
+            <p:spPr>
+              <a:xfrm>
+                <a:off x="-951230" y="1371600"/>
+                <a:ext cx="12191365" cy="6858635"/>
+              </a:xfrm>
+              <a:custGeom>
+                <a:avLst/>
+                <a:gdLst>
+                  <a:gd name="TX0" fmla="*/ 0 w 120002"/>
+                  <a:gd name="TY0" fmla="*/ 0 h 120002"/>
+                  <a:gd name="TX1" fmla="*/ 120000 w 120002"/>
+                  <a:gd name="TY1" fmla="*/ 0 h 120002"/>
+                  <a:gd name="TX2" fmla="*/ 120000 w 120002"/>
+                  <a:gd name="TY2" fmla="*/ 120000 h 120002"/>
+                  <a:gd name="TX3" fmla="*/ 0 w 120002"/>
+                  <a:gd name="TY3" fmla="*/ 120000 h 120002"/>
+                </a:gdLst>
+                <a:ahLst/>
+                <a:cxnLst>
+                  <a:cxn ang="0">
+                    <a:pos x="TX0" y="TY0"/>
+                  </a:cxn>
+                  <a:cxn ang="0">
+                    <a:pos x="TX1" y="TY1"/>
+                  </a:cxn>
+                  <a:cxn ang="0">
+                    <a:pos x="TX2" y="TY2"/>
+                  </a:cxn>
+                  <a:cxn ang="0">
+                    <a:pos x="TX3" y="TY3"/>
+                  </a:cxn>
+                </a:cxnLst>
+                <a:rect l="l" t="t" r="r" b="b"/>
+                <a:pathLst>
+                  <a:path w="120002" h="120002">
+                    <a:moveTo>
+                      <a:pt x="0" y="0"/>
+                    </a:moveTo>
+                    <a:lnTo>
+                      <a:pt x="120000" y="0"/>
+                    </a:lnTo>
+                    <a:lnTo>
+                      <a:pt x="120000" y="120000"/>
+                    </a:lnTo>
+                    <a:lnTo>
+                      <a:pt x="0" y="120000"/>
+                    </a:lnTo>
+                    <a:close/>
+                  </a:path>
+                </a:pathLst>
+              </a:custGeom>
+              <a:noFill/>
+              <a:ln w="9525" cap="flat" cmpd="sng">
+                <a:solidFill>
+                  <a:srgbClr val="000000">
+                    <a:alpha val="100000"/>
+                  </a:srgbClr>
+                </a:solidFill>
+                <a:prstDash val="solid"/>
+                <a:round/>
+              </a:ln>
+            </p:spPr>
+            <p:txBody>
+              <a:bodyPr vert="horz" wrap="square" lIns="0" tIns="0" rIns="0" bIns="0" numCol="1" anchor="t">
+                <a:noAutofit/>
+              </a:bodyPr>
+              <a:lstStyle/>
+              <a:p>
+                <a:pPr marL="0" indent="0" latinLnBrk="0"/>
+                <a:endParaRPr/>
+              </a:p>
+            </p:txBody>
+          </p:sp>
+        </p:spTree>
+      </p:cSld>
+      <p:clrMapOvr>
+        <a:masterClrMapping/>
+      </p:clrMapOvr>
+    </p:notes>
+  </mc:Choice>
+  <mc:Fallback xmlns:mc="http://schemas.openxmlformats.org/markup-compatibility/2006" xmlns:p="http://schemas.openxmlformats.org/presentationml/2006/main" xmlns:r="http://schemas.openxmlformats.org/officeDocument/2006/relationships" xmlns:a="http://schemas.openxmlformats.org/drawingml/2006/main" xmlns="">
+    <p:transition spd="slow"/>
+  </mc:Fallback>
+</mc:AlternateContent>
 </file>
 
 <file path=ppt/notesSlides/notesSlide18.xml><?xml version="1.0" encoding="utf-8"?>
-<p:notes xmlns:a="http://schemas.openxmlformats.org/drawingml/2006/main" xmlns:r="http://schemas.openxmlformats.org/officeDocument/2006/relationships" xmlns:p="http://schemas.openxmlformats.org/presentationml/2006/main">
-  <p:cSld>
-    <p:spTree>
-      <p:nvGrpSpPr>
-        <p:cNvPr id="1" name=""/>
-        <p:cNvGrpSpPr/>
-        <p:nvPr/>
-      </p:nvGrpSpPr>
-      <p:grpSpPr>
-        <a:xfrm>
-          <a:off x="0" y="0"/>
-          <a:ext cx="0" cy="0"/>
-          <a:chOff x="0" y="0"/>
-          <a:chExt cx="0" cy="0"/>
-        </a:xfrm>
-      </p:grpSpPr>
-      <p:sp>
-        <p:nvSpPr>
-          <p:cNvPr id="129" name="Google Shape;129;p3:notes"/>
-          <p:cNvSpPr txBox="1">
-            <a:spLocks/>
-          </p:cNvSpPr>
-          <p:nvPr>
-            <p:ph type="body" idx="1"/>
-          </p:nvPr>
-        </p:nvSpPr>
-        <p:spPr>
-          <a:xfrm rot="0">
-            <a:off x="1028700" y="8686800"/>
-            <a:ext cx="8230870" cy="8230870"/>
-          </a:xfrm>
-          <a:prstGeom prst="rect"/>
-          <a:noFill/>
-          <a:ln w="0">
-            <a:noFill/>
-            <a:prstDash/>
-          </a:ln>
-        </p:spPr>
-        <p:txBody>
-          <a:bodyPr wrap="square" lIns="91440" tIns="91440" rIns="91440" bIns="91440" numCol="1" vert="horz" anchor="t">
-            <a:noAutofit/>
-          </a:bodyPr>
-          <a:lstStyle/>
-          <a:p>
-            <a:pPr marL="0" indent="0" rtl="0" algn="l" latinLnBrk="0">
-              <a:spcBef>
-                <a:spcPts val="0"/>
-              </a:spcBef>
-              <a:spcAft>
-                <a:spcPts val="0"/>
-              </a:spcAft>
-              <a:buFontTx/>
-              <a:buNone/>
-            </a:pPr>
-          </a:p>
-        </p:txBody>
-      </p:sp>
-      <p:sp>
-        <p:nvSpPr>
-          <p:cNvPr id="130" name="Google Shape;130;p3:notes"/>
-          <p:cNvSpPr>
-            <a:spLocks noChangeAspect="1"/>
-          </p:cNvSpPr>
-          <p:nvPr>
-            <p:ph type="sldImg"/>
-          </p:nvPr>
-        </p:nvSpPr>
-        <p:spPr>
-          <a:xfrm rot="0">
-            <a:off x="-951230" y="1371600"/>
-            <a:ext cx="12191365" cy="6858635"/>
-          </a:xfrm>
-          <a:custGeom>
-            <a:gdLst>
-              <a:gd fmla="*/ 0 w 120002" name="TX0"/>
-              <a:gd fmla="*/ 0 h 120002" name="TY0"/>
-              <a:gd fmla="*/ 120000 w 120002" name="TX1"/>
-              <a:gd fmla="*/ 0 h 120002" name="TY1"/>
-              <a:gd fmla="*/ 120000 w 120002" name="TX2"/>
-              <a:gd fmla="*/ 120000 h 120002" name="TY2"/>
-              <a:gd fmla="*/ 0 w 120002" name="TX3"/>
-              <a:gd fmla="*/ 120000 h 120002" name="TY3"/>
-            </a:gdLst>
-            <a:cxnLst>
-              <a:cxn ang="0">
-                <a:pos x="TX0" y="TY0"/>
-              </a:cxn>
-              <a:cxn ang="0">
-                <a:pos x="TX1" y="TY1"/>
-              </a:cxn>
-              <a:cxn ang="0">
-                <a:pos x="TX2" y="TY2"/>
-              </a:cxn>
-              <a:cxn ang="0">
-                <a:pos x="TX3" y="TY3"/>
-              </a:cxn>
-            </a:cxnLst>
-            <a:rect l="l" t="t" r="r" b="b"/>
-            <a:pathLst>
-              <a:path w="120002" h="120002">
-                <a:moveTo>
-                  <a:pt x="0" y="0"/>
-                </a:moveTo>
-                <a:lnTo>
-                  <a:pt x="120000" y="0"/>
-                </a:lnTo>
-                <a:lnTo>
-                  <a:pt x="120000" y="120000"/>
-                </a:lnTo>
-                <a:lnTo>
-                  <a:pt x="0" y="120000"/>
-                </a:lnTo>
-                <a:close/>
-              </a:path>
-            </a:pathLst>
-          </a:custGeom>
-          <a:noFill/>
-          <a:ln w="9525" cap="flat" cmpd="sng">
-            <a:solidFill>
-              <a:srgbClr val="000000">
-                <a:alpha val="100000"/>
-              </a:srgbClr>
-            </a:solidFill>
-            <a:prstDash val="solid"/>
-            <a:round/>
-          </a:ln>
-        </p:spPr>
-        <p:txBody>
-          <a:bodyPr wrap="square" lIns="0" tIns="0" rIns="0" bIns="0" numCol="1" vert="horz" anchor="t">
-            <a:noAutofit/>
-          </a:bodyPr>
-          <a:lstStyle/>
-          <a:p>
-            <a:pPr marL="0" indent="0" latinLnBrk="0"/>
-          </a:p>
-        </p:txBody>
-      </p:sp>
-    </p:spTree>
-  </p:cSld>
-  <p:clrMapOvr>
-    <a:masterClrMapping/>
-  </p:clrMapOvr>
-  <mc:AlternateContent xmlns:mc="http://schemas.openxmlformats.org/markup-compatibility/2006">
-    <mc:Choice xmlns:p14="http://schemas.microsoft.com/office/powerpoint/2010/main" Requires="p14">
-      <p:transition spd="slow" p14:dur="0"/>
-    </mc:Choice>
-    <mc:Fallback>
-      <p:transition spd="slow"/>
-    </mc:Fallback>
-  </mc:AlternateContent>
-</p:notes>
-</file>
-
-<file path=ppt/notesSlides/notesSlide19.xml><?xml version="1.0" encoding="utf-8"?>
 <mc:AlternateContent xmlns:mc="http://schemas.openxmlformats.org/markup-compatibility/2006" xmlns:p14="http://schemas.microsoft.com/office/powerpoint/2010/main">
   <mc:Choice Requires="p14">
     <p:notes xmlns:a="http://schemas.openxmlformats.org/drawingml/2006/main" xmlns:r="http://schemas.openxmlformats.org/officeDocument/2006/relationships" xmlns:p="http://schemas.openxmlformats.org/presentationml/2006/main">
@@ -2382,7 +2242,166 @@
       </p:clrMapOvr>
     </p:notes>
   </mc:Choice>
-  <mc:Fallback xmlns:mc="http://schemas.openxmlformats.org/markup-compatibility/2006" xmlns:p="http://schemas.openxmlformats.org/presentationml/2006/main" xmlns:r="http://schemas.openxmlformats.org/officeDocument/2006/relationships" xmlns:a="http://schemas.openxmlformats.org/drawingml/2006/main" xmlns="" xmlns:p14="http://schemas.microsoft.com/office/powerpoint/2010/main">
+  <mc:Fallback xmlns:p14="http://schemas.microsoft.com/office/powerpoint/2010/main" xmlns="" xmlns:a="http://schemas.openxmlformats.org/drawingml/2006/main" xmlns:r="http://schemas.openxmlformats.org/officeDocument/2006/relationships" xmlns:p="http://schemas.openxmlformats.org/presentationml/2006/main" xmlns:mc="http://schemas.openxmlformats.org/markup-compatibility/2006">
+    <p:transition spd="slow"/>
+  </mc:Fallback>
+</mc:AlternateContent>
+</file>
+
+<file path=ppt/notesSlides/notesSlide19.xml><?xml version="1.0" encoding="utf-8"?>
+<mc:AlternateContent xmlns:mc="http://schemas.openxmlformats.org/markup-compatibility/2006" xmlns:p14="http://schemas.microsoft.com/office/powerpoint/2010/main">
+  <mc:Choice Requires="p14">
+    <p:notes xmlns:a="http://schemas.openxmlformats.org/drawingml/2006/main" xmlns:r="http://schemas.openxmlformats.org/officeDocument/2006/relationships" xmlns:p="http://schemas.openxmlformats.org/presentationml/2006/main">
+      <p:cSld>
+        <p:spTree>
+          <p:nvGrpSpPr>
+            <p:cNvPr id="1" name=""/>
+            <p:cNvGrpSpPr/>
+            <p:nvPr/>
+          </p:nvGrpSpPr>
+          <p:grpSpPr>
+            <a:xfrm>
+              <a:off x="0" y="0"/>
+              <a:ext cx="0" cy="0"/>
+              <a:chOff x="0" y="0"/>
+              <a:chExt cx="0" cy="0"/>
+            </a:xfrm>
+          </p:grpSpPr>
+          <p:sp>
+            <p:nvSpPr>
+              <p:cNvPr id="129" name="Google Shape;129;p3:notes"/>
+              <p:cNvSpPr txBox="1">
+                <a:spLocks noGrp="1"/>
+              </p:cNvSpPr>
+              <p:nvPr>
+                <p:ph type="body" idx="1"/>
+              </p:nvPr>
+            </p:nvSpPr>
+            <p:spPr>
+              <a:xfrm>
+                <a:off x="1028700" y="8686800"/>
+                <a:ext cx="8230870" cy="8230870"/>
+              </a:xfrm>
+              <a:prstGeom prst="rect">
+                <a:avLst/>
+              </a:prstGeom>
+              <a:noFill/>
+              <a:ln w="0">
+                <a:noFill/>
+                <a:prstDash/>
+              </a:ln>
+            </p:spPr>
+            <p:txBody>
+              <a:bodyPr vert="horz" wrap="square" lIns="91440" tIns="91440" rIns="91440" bIns="91440" numCol="1" anchor="t">
+                <a:noAutofit/>
+              </a:bodyPr>
+              <a:lstStyle/>
+              <a:p>
+                <a:pPr marL="0" indent="0" algn="l" rtl="0" latinLnBrk="0">
+                  <a:spcBef>
+                    <a:spcPts val="0"/>
+                  </a:spcBef>
+                  <a:spcAft>
+                    <a:spcPts val="0"/>
+                  </a:spcAft>
+                  <a:buFontTx/>
+                  <a:buNone/>
+                </a:pPr>
+                <a:endParaRPr/>
+              </a:p>
+            </p:txBody>
+          </p:sp>
+          <p:sp>
+            <p:nvSpPr>
+              <p:cNvPr id="130" name="Google Shape;130;p3:notes"/>
+              <p:cNvSpPr>
+                <a:spLocks noGrp="1" noRot="1" noChangeAspect="1"/>
+              </p:cNvSpPr>
+              <p:nvPr>
+                <p:ph type="sldImg"/>
+              </p:nvPr>
+            </p:nvSpPr>
+            <p:spPr>
+              <a:xfrm>
+                <a:off x="-951230" y="1371600"/>
+                <a:ext cx="12191365" cy="6858635"/>
+              </a:xfrm>
+              <a:custGeom>
+                <a:avLst/>
+                <a:gdLst>
+                  <a:gd name="TX0" fmla="*/ 0 w 120002"/>
+                  <a:gd name="TY0" fmla="*/ 0 h 120002"/>
+                  <a:gd name="TX1" fmla="*/ 120000 w 120002"/>
+                  <a:gd name="TY1" fmla="*/ 0 h 120002"/>
+                  <a:gd name="TX2" fmla="*/ 120000 w 120002"/>
+                  <a:gd name="TY2" fmla="*/ 120000 h 120002"/>
+                  <a:gd name="TX3" fmla="*/ 0 w 120002"/>
+                  <a:gd name="TY3" fmla="*/ 120000 h 120002"/>
+                </a:gdLst>
+                <a:ahLst/>
+                <a:cxnLst>
+                  <a:cxn ang="0">
+                    <a:pos x="TX0" y="TY0"/>
+                  </a:cxn>
+                  <a:cxn ang="0">
+                    <a:pos x="TX1" y="TY1"/>
+                  </a:cxn>
+                  <a:cxn ang="0">
+                    <a:pos x="TX2" y="TY2"/>
+                  </a:cxn>
+                  <a:cxn ang="0">
+                    <a:pos x="TX3" y="TY3"/>
+                  </a:cxn>
+                </a:cxnLst>
+                <a:rect l="l" t="t" r="r" b="b"/>
+                <a:pathLst>
+                  <a:path w="120002" h="120002">
+                    <a:moveTo>
+                      <a:pt x="0" y="0"/>
+                    </a:moveTo>
+                    <a:lnTo>
+                      <a:pt x="120000" y="0"/>
+                    </a:lnTo>
+                    <a:lnTo>
+                      <a:pt x="120000" y="120000"/>
+                    </a:lnTo>
+                    <a:lnTo>
+                      <a:pt x="0" y="120000"/>
+                    </a:lnTo>
+                    <a:close/>
+                  </a:path>
+                </a:pathLst>
+              </a:custGeom>
+              <a:noFill/>
+              <a:ln w="9525" cap="flat" cmpd="sng">
+                <a:solidFill>
+                  <a:srgbClr val="000000">
+                    <a:alpha val="100000"/>
+                  </a:srgbClr>
+                </a:solidFill>
+                <a:prstDash val="solid"/>
+                <a:round/>
+              </a:ln>
+            </p:spPr>
+            <p:txBody>
+              <a:bodyPr vert="horz" wrap="square" lIns="0" tIns="0" rIns="0" bIns="0" numCol="1" anchor="t">
+                <a:noAutofit/>
+              </a:bodyPr>
+              <a:lstStyle/>
+              <a:p>
+                <a:pPr marL="0" indent="0" latinLnBrk="0"/>
+                <a:endParaRPr/>
+              </a:p>
+            </p:txBody>
+          </p:sp>
+        </p:spTree>
+      </p:cSld>
+      <p:clrMapOvr>
+        <a:masterClrMapping/>
+      </p:clrMapOvr>
+    </p:notes>
+  </mc:Choice>
+  <mc:Fallback xmlns:mc="http://schemas.openxmlformats.org/markup-compatibility/2006" xmlns:p="http://schemas.openxmlformats.org/presentationml/2006/main" xmlns:r="http://schemas.openxmlformats.org/officeDocument/2006/relationships" xmlns:a="http://schemas.openxmlformats.org/drawingml/2006/main" xmlns="">
     <p:transition spd="slow"/>
   </mc:Fallback>
 </mc:AlternateContent>
@@ -2541,167 +2560,13 @@
       </p:clrMapOvr>
     </p:notes>
   </mc:Choice>
-  <mc:Fallback xmlns:mc="http://schemas.openxmlformats.org/markup-compatibility/2006" xmlns:p="http://schemas.openxmlformats.org/presentationml/2006/main" xmlns:r="http://schemas.openxmlformats.org/officeDocument/2006/relationships" xmlns:a="http://schemas.openxmlformats.org/drawingml/2006/main" xmlns="" xmlns:p14="http://schemas.microsoft.com/office/powerpoint/2010/main">
+  <mc:Fallback xmlns:p14="http://schemas.microsoft.com/office/powerpoint/2010/main" xmlns="" xmlns:a="http://schemas.openxmlformats.org/drawingml/2006/main" xmlns:r="http://schemas.openxmlformats.org/officeDocument/2006/relationships" xmlns:p="http://schemas.openxmlformats.org/presentationml/2006/main" xmlns:mc="http://schemas.openxmlformats.org/markup-compatibility/2006">
     <p:transition spd="slow"/>
   </mc:Fallback>
 </mc:AlternateContent>
 </file>
 
 <file path=ppt/notesSlides/notesSlide20.xml><?xml version="1.0" encoding="utf-8"?>
-<p:notes xmlns:a="http://schemas.openxmlformats.org/drawingml/2006/main" xmlns:r="http://schemas.openxmlformats.org/officeDocument/2006/relationships" xmlns:p="http://schemas.openxmlformats.org/presentationml/2006/main">
-  <p:cSld>
-    <p:spTree>
-      <p:nvGrpSpPr>
-        <p:cNvPr id="1" name=""/>
-        <p:cNvGrpSpPr/>
-        <p:nvPr/>
-      </p:nvGrpSpPr>
-      <p:grpSpPr>
-        <a:xfrm>
-          <a:off x="0" y="0"/>
-          <a:ext cx="0" cy="0"/>
-          <a:chOff x="0" y="0"/>
-          <a:chExt cx="0" cy="0"/>
-        </a:xfrm>
-      </p:grpSpPr>
-      <p:sp>
-        <p:nvSpPr>
-          <p:cNvPr id="129" name="Google Shape;129;p3:notes"/>
-          <p:cNvSpPr txBox="1">
-            <a:spLocks/>
-          </p:cNvSpPr>
-          <p:nvPr>
-            <p:ph type="body" idx="1"/>
-          </p:nvPr>
-        </p:nvSpPr>
-        <p:spPr>
-          <a:xfrm rot="0">
-            <a:off x="1028700" y="8686800"/>
-            <a:ext cx="8230870" cy="8230870"/>
-          </a:xfrm>
-          <a:prstGeom prst="rect"/>
-          <a:noFill/>
-          <a:ln w="0">
-            <a:noFill/>
-            <a:prstDash/>
-          </a:ln>
-        </p:spPr>
-        <p:txBody>
-          <a:bodyPr wrap="square" lIns="91440" tIns="91440" rIns="91440" bIns="91440" numCol="1" vert="horz" anchor="t">
-            <a:noAutofit/>
-          </a:bodyPr>
-          <a:lstStyle/>
-          <a:p>
-            <a:pPr marL="0" indent="0" rtl="0" algn="l" latinLnBrk="0">
-              <a:spcBef>
-                <a:spcPts val="0"/>
-              </a:spcBef>
-              <a:spcAft>
-                <a:spcPts val="0"/>
-              </a:spcAft>
-              <a:buFontTx/>
-              <a:buNone/>
-            </a:pPr>
-          </a:p>
-        </p:txBody>
-      </p:sp>
-      <p:sp>
-        <p:nvSpPr>
-          <p:cNvPr id="130" name="Google Shape;130;p3:notes"/>
-          <p:cNvSpPr>
-            <a:spLocks noChangeAspect="1"/>
-          </p:cNvSpPr>
-          <p:nvPr>
-            <p:ph type="sldImg"/>
-          </p:nvPr>
-        </p:nvSpPr>
-        <p:spPr>
-          <a:xfrm rot="0">
-            <a:off x="-951230" y="1371600"/>
-            <a:ext cx="12191365" cy="6858635"/>
-          </a:xfrm>
-          <a:custGeom>
-            <a:gdLst>
-              <a:gd fmla="*/ 0 w 120002" name="TX0"/>
-              <a:gd fmla="*/ 0 h 120002" name="TY0"/>
-              <a:gd fmla="*/ 120000 w 120002" name="TX1"/>
-              <a:gd fmla="*/ 0 h 120002" name="TY1"/>
-              <a:gd fmla="*/ 120000 w 120002" name="TX2"/>
-              <a:gd fmla="*/ 120000 h 120002" name="TY2"/>
-              <a:gd fmla="*/ 0 w 120002" name="TX3"/>
-              <a:gd fmla="*/ 120000 h 120002" name="TY3"/>
-            </a:gdLst>
-            <a:cxnLst>
-              <a:cxn ang="0">
-                <a:pos x="TX0" y="TY0"/>
-              </a:cxn>
-              <a:cxn ang="0">
-                <a:pos x="TX1" y="TY1"/>
-              </a:cxn>
-              <a:cxn ang="0">
-                <a:pos x="TX2" y="TY2"/>
-              </a:cxn>
-              <a:cxn ang="0">
-                <a:pos x="TX3" y="TY3"/>
-              </a:cxn>
-            </a:cxnLst>
-            <a:rect l="l" t="t" r="r" b="b"/>
-            <a:pathLst>
-              <a:path w="120002" h="120002">
-                <a:moveTo>
-                  <a:pt x="0" y="0"/>
-                </a:moveTo>
-                <a:lnTo>
-                  <a:pt x="120000" y="0"/>
-                </a:lnTo>
-                <a:lnTo>
-                  <a:pt x="120000" y="120000"/>
-                </a:lnTo>
-                <a:lnTo>
-                  <a:pt x="0" y="120000"/>
-                </a:lnTo>
-                <a:close/>
-              </a:path>
-            </a:pathLst>
-          </a:custGeom>
-          <a:noFill/>
-          <a:ln w="9525" cap="flat" cmpd="sng">
-            <a:solidFill>
-              <a:srgbClr val="000000">
-                <a:alpha val="100000"/>
-              </a:srgbClr>
-            </a:solidFill>
-            <a:prstDash val="solid"/>
-            <a:round/>
-          </a:ln>
-        </p:spPr>
-        <p:txBody>
-          <a:bodyPr wrap="square" lIns="0" tIns="0" rIns="0" bIns="0" numCol="1" vert="horz" anchor="t">
-            <a:noAutofit/>
-          </a:bodyPr>
-          <a:lstStyle/>
-          <a:p>
-            <a:pPr marL="0" indent="0" latinLnBrk="0"/>
-          </a:p>
-        </p:txBody>
-      </p:sp>
-    </p:spTree>
-  </p:cSld>
-  <p:clrMapOvr>
-    <a:masterClrMapping/>
-  </p:clrMapOvr>
-  <mc:AlternateContent xmlns:mc="http://schemas.openxmlformats.org/markup-compatibility/2006">
-    <mc:Choice xmlns:p14="http://schemas.microsoft.com/office/powerpoint/2010/main" Requires="p14">
-      <p:transition spd="slow" p14:dur="0"/>
-    </mc:Choice>
-    <mc:Fallback>
-      <p:transition spd="slow"/>
-    </mc:Fallback>
-  </mc:AlternateContent>
-</p:notes>
-</file>
-
-<file path=ppt/notesSlides/notesSlide21.xml><?xml version="1.0" encoding="utf-8"?>
 <mc:AlternateContent xmlns:mc="http://schemas.openxmlformats.org/markup-compatibility/2006" xmlns:p14="http://schemas.microsoft.com/office/powerpoint/2010/main">
   <mc:Choice Requires="p14">
     <p:notes xmlns:a="http://schemas.openxmlformats.org/drawingml/2006/main" xmlns:r="http://schemas.openxmlformats.org/officeDocument/2006/relationships" xmlns:p="http://schemas.openxmlformats.org/presentationml/2006/main">
@@ -2854,13 +2719,13 @@
       </p:clrMapOvr>
     </p:notes>
   </mc:Choice>
-  <mc:Fallback xmlns:mc="http://schemas.openxmlformats.org/markup-compatibility/2006" xmlns:p="http://schemas.openxmlformats.org/presentationml/2006/main" xmlns:r="http://schemas.openxmlformats.org/officeDocument/2006/relationships" xmlns:a="http://schemas.openxmlformats.org/drawingml/2006/main" xmlns="" xmlns:p14="http://schemas.microsoft.com/office/powerpoint/2010/main">
+  <mc:Fallback xmlns:p14="http://schemas.microsoft.com/office/powerpoint/2010/main" xmlns="" xmlns:a="http://schemas.openxmlformats.org/drawingml/2006/main" xmlns:r="http://schemas.openxmlformats.org/officeDocument/2006/relationships" xmlns:p="http://schemas.openxmlformats.org/presentationml/2006/main" xmlns:mc="http://schemas.openxmlformats.org/markup-compatibility/2006">
     <p:transition spd="slow"/>
   </mc:Fallback>
 </mc:AlternateContent>
 </file>
 
-<file path=ppt/notesSlides/notesSlide22.xml><?xml version="1.0" encoding="utf-8"?>
+<file path=ppt/notesSlides/notesSlide21.xml><?xml version="1.0" encoding="utf-8"?>
 <p:notes xmlns:a="http://schemas.openxmlformats.org/drawingml/2006/main" xmlns:r="http://schemas.openxmlformats.org/officeDocument/2006/relationships" xmlns:p="http://schemas.openxmlformats.org/presentationml/2006/main" showMasterSp="0" showMasterPhAnim="0">
   <p:cSld>
     <p:spTree>
@@ -3122,7 +2987,7 @@
       </p:clrMapOvr>
     </p:notes>
   </mc:Choice>
-  <mc:Fallback xmlns:mc="http://schemas.openxmlformats.org/markup-compatibility/2006" xmlns:p="http://schemas.openxmlformats.org/presentationml/2006/main" xmlns:r="http://schemas.openxmlformats.org/officeDocument/2006/relationships" xmlns:a="http://schemas.openxmlformats.org/drawingml/2006/main" xmlns="" xmlns:p14="http://schemas.microsoft.com/office/powerpoint/2010/main">
+  <mc:Fallback xmlns:p14="http://schemas.microsoft.com/office/powerpoint/2010/main" xmlns="" xmlns:a="http://schemas.openxmlformats.org/drawingml/2006/main" xmlns:r="http://schemas.openxmlformats.org/officeDocument/2006/relationships" xmlns:p="http://schemas.openxmlformats.org/presentationml/2006/main" xmlns:mc="http://schemas.openxmlformats.org/markup-compatibility/2006">
     <p:transition spd="slow"/>
   </mc:Fallback>
 </mc:AlternateContent>
@@ -3232,161 +3097,166 @@
 </p:notes>
 </file>
 
-<file path=ppt/notesSlides/notesSlide6.xml><?xml version="1.0" encoding="utf-8"?>
-<p:notes xmlns:a="http://schemas.openxmlformats.org/drawingml/2006/main" xmlns:r="http://schemas.openxmlformats.org/officeDocument/2006/relationships" xmlns:p="http://schemas.openxmlformats.org/presentationml/2006/main">
-  <p:cSld>
-    <p:spTree>
-      <p:nvGrpSpPr>
-        <p:cNvPr id="1" name=""/>
-        <p:cNvGrpSpPr/>
-        <p:nvPr/>
-      </p:nvGrpSpPr>
-      <p:grpSpPr>
-        <a:xfrm>
-          <a:off x="0" y="0"/>
-          <a:ext cx="0" cy="0"/>
-          <a:chOff x="0" y="0"/>
-          <a:chExt cx="0" cy="0"/>
-        </a:xfrm>
-      </p:grpSpPr>
-      <p:sp>
-        <p:nvSpPr>
-          <p:cNvPr id="129" name="Google Shape;129;p3:notes"/>
-          <p:cNvSpPr txBox="1">
-            <a:spLocks/>
-          </p:cNvSpPr>
-          <p:nvPr>
-            <p:ph type="body" idx="1"/>
-          </p:nvPr>
-        </p:nvSpPr>
-        <p:spPr>
-          <a:xfrm rot="0">
-            <a:off x="1028700" y="8686800"/>
-            <a:ext cx="8230870" cy="8230870"/>
-          </a:xfrm>
-          <a:prstGeom prst="rect"/>
-          <a:noFill/>
-          <a:ln w="0">
-            <a:noFill/>
-            <a:prstDash/>
-          </a:ln>
-        </p:spPr>
-        <p:txBody>
-          <a:bodyPr wrap="square" lIns="91440" tIns="91440" rIns="91440" bIns="91440" numCol="1" vert="horz" anchor="t">
-            <a:noAutofit/>
-          </a:bodyPr>
-          <a:lstStyle/>
-          <a:p>
-            <a:pPr marL="0" indent="0" rtl="0" algn="l" latinLnBrk="0">
-              <a:spcBef>
-                <a:spcPts val="0"/>
-              </a:spcBef>
-              <a:spcAft>
-                <a:spcPts val="0"/>
-              </a:spcAft>
-              <a:buFontTx/>
-              <a:buNone/>
-            </a:pPr>
-          </a:p>
-        </p:txBody>
-      </p:sp>
-      <p:sp>
-        <p:nvSpPr>
-          <p:cNvPr id="130" name="Google Shape;130;p3:notes"/>
-          <p:cNvSpPr>
-            <a:spLocks noChangeAspect="1"/>
-          </p:cNvSpPr>
-          <p:nvPr>
-            <p:ph type="sldImg"/>
-          </p:nvPr>
-        </p:nvSpPr>
-        <p:spPr>
-          <a:xfrm rot="0">
-            <a:off x="-951230" y="1371600"/>
-            <a:ext cx="12191365" cy="6858635"/>
-          </a:xfrm>
-          <a:custGeom>
-            <a:gdLst>
-              <a:gd fmla="*/ 0 w 120002" name="TX0"/>
-              <a:gd fmla="*/ 0 h 120002" name="TY0"/>
-              <a:gd fmla="*/ 120000 w 120002" name="TX1"/>
-              <a:gd fmla="*/ 0 h 120002" name="TY1"/>
-              <a:gd fmla="*/ 120000 w 120002" name="TX2"/>
-              <a:gd fmla="*/ 120000 h 120002" name="TY2"/>
-              <a:gd fmla="*/ 0 w 120002" name="TX3"/>
-              <a:gd fmla="*/ 120000 h 120002" name="TY3"/>
-            </a:gdLst>
-            <a:cxnLst>
-              <a:cxn ang="0">
-                <a:pos x="TX0" y="TY0"/>
-              </a:cxn>
-              <a:cxn ang="0">
-                <a:pos x="TX1" y="TY1"/>
-              </a:cxn>
-              <a:cxn ang="0">
-                <a:pos x="TX2" y="TY2"/>
-              </a:cxn>
-              <a:cxn ang="0">
-                <a:pos x="TX3" y="TY3"/>
-              </a:cxn>
-            </a:cxnLst>
-            <a:rect l="l" t="t" r="r" b="b"/>
-            <a:pathLst>
-              <a:path w="120002" h="120002">
-                <a:moveTo>
-                  <a:pt x="0" y="0"/>
-                </a:moveTo>
-                <a:lnTo>
-                  <a:pt x="120000" y="0"/>
-                </a:lnTo>
-                <a:lnTo>
-                  <a:pt x="120000" y="120000"/>
-                </a:lnTo>
-                <a:lnTo>
-                  <a:pt x="0" y="120000"/>
-                </a:lnTo>
-                <a:close/>
-              </a:path>
-            </a:pathLst>
-          </a:custGeom>
-          <a:noFill/>
-          <a:ln w="9525" cap="flat" cmpd="sng">
-            <a:solidFill>
-              <a:srgbClr val="000000">
-                <a:alpha val="100000"/>
-              </a:srgbClr>
-            </a:solidFill>
-            <a:prstDash val="solid"/>
-            <a:round/>
-          </a:ln>
-        </p:spPr>
-        <p:txBody>
-          <a:bodyPr wrap="square" lIns="0" tIns="0" rIns="0" bIns="0" numCol="1" vert="horz" anchor="t">
-            <a:noAutofit/>
-          </a:bodyPr>
-          <a:lstStyle/>
-          <a:p>
-            <a:pPr marL="0" indent="0" latinLnBrk="0"/>
-          </a:p>
-        </p:txBody>
-      </p:sp>
-    </p:spTree>
-  </p:cSld>
-  <p:clrMapOvr>
-    <a:masterClrMapping/>
-  </p:clrMapOvr>
-  <mc:AlternateContent xmlns:mc="http://schemas.openxmlformats.org/markup-compatibility/2006">
-    <mc:Choice xmlns:p14="http://schemas.microsoft.com/office/powerpoint/2010/main" Requires="p14">
-      <p:transition spd="slow" p14:dur="0"/>
-    </mc:Choice>
-    <mc:Fallback>
-      <p:transition spd="slow"/>
-    </mc:Fallback>
-  </mc:AlternateContent>
-</p:notes>
+<file path=ppt/notesSlides/notesSlide5.xml><?xml version="1.0" encoding="utf-8"?>
+<mc:AlternateContent xmlns:mc="http://schemas.openxmlformats.org/markup-compatibility/2006" xmlns:p14="http://schemas.microsoft.com/office/powerpoint/2010/main">
+  <mc:Choice Requires="p14">
+    <p:notes xmlns:a="http://schemas.openxmlformats.org/drawingml/2006/main" xmlns:r="http://schemas.openxmlformats.org/officeDocument/2006/relationships" xmlns:p="http://schemas.openxmlformats.org/presentationml/2006/main">
+      <p:cSld>
+        <p:spTree>
+          <p:nvGrpSpPr>
+            <p:cNvPr id="1" name=""/>
+            <p:cNvGrpSpPr/>
+            <p:nvPr/>
+          </p:nvGrpSpPr>
+          <p:grpSpPr>
+            <a:xfrm>
+              <a:off x="0" y="0"/>
+              <a:ext cx="0" cy="0"/>
+              <a:chOff x="0" y="0"/>
+              <a:chExt cx="0" cy="0"/>
+            </a:xfrm>
+          </p:grpSpPr>
+          <p:sp>
+            <p:nvSpPr>
+              <p:cNvPr id="129" name="Google Shape;129;p3:notes"/>
+              <p:cNvSpPr txBox="1">
+                <a:spLocks noGrp="1"/>
+              </p:cNvSpPr>
+              <p:nvPr>
+                <p:ph type="body" idx="1"/>
+              </p:nvPr>
+            </p:nvSpPr>
+            <p:spPr>
+              <a:xfrm>
+                <a:off x="1028700" y="8686800"/>
+                <a:ext cx="8230870" cy="8230870"/>
+              </a:xfrm>
+              <a:prstGeom prst="rect">
+                <a:avLst/>
+              </a:prstGeom>
+              <a:noFill/>
+              <a:ln w="0">
+                <a:noFill/>
+                <a:prstDash/>
+              </a:ln>
+            </p:spPr>
+            <p:txBody>
+              <a:bodyPr vert="horz" wrap="square" lIns="91440" tIns="91440" rIns="91440" bIns="91440" numCol="1" anchor="t">
+                <a:noAutofit/>
+              </a:bodyPr>
+              <a:lstStyle/>
+              <a:p>
+                <a:pPr marL="0" indent="0" algn="l" rtl="0" latinLnBrk="0">
+                  <a:spcBef>
+                    <a:spcPts val="0"/>
+                  </a:spcBef>
+                  <a:spcAft>
+                    <a:spcPts val="0"/>
+                  </a:spcAft>
+                  <a:buFontTx/>
+                  <a:buNone/>
+                </a:pPr>
+                <a:endParaRPr/>
+              </a:p>
+            </p:txBody>
+          </p:sp>
+          <p:sp>
+            <p:nvSpPr>
+              <p:cNvPr id="130" name="Google Shape;130;p3:notes"/>
+              <p:cNvSpPr>
+                <a:spLocks noGrp="1" noRot="1" noChangeAspect="1"/>
+              </p:cNvSpPr>
+              <p:nvPr>
+                <p:ph type="sldImg"/>
+              </p:nvPr>
+            </p:nvSpPr>
+            <p:spPr>
+              <a:xfrm>
+                <a:off x="-951230" y="1371600"/>
+                <a:ext cx="12191365" cy="6858635"/>
+              </a:xfrm>
+              <a:custGeom>
+                <a:avLst/>
+                <a:gdLst>
+                  <a:gd name="TX0" fmla="*/ 0 w 120002"/>
+                  <a:gd name="TY0" fmla="*/ 0 h 120002"/>
+                  <a:gd name="TX1" fmla="*/ 120000 w 120002"/>
+                  <a:gd name="TY1" fmla="*/ 0 h 120002"/>
+                  <a:gd name="TX2" fmla="*/ 120000 w 120002"/>
+                  <a:gd name="TY2" fmla="*/ 120000 h 120002"/>
+                  <a:gd name="TX3" fmla="*/ 0 w 120002"/>
+                  <a:gd name="TY3" fmla="*/ 120000 h 120002"/>
+                </a:gdLst>
+                <a:ahLst/>
+                <a:cxnLst>
+                  <a:cxn ang="0">
+                    <a:pos x="TX0" y="TY0"/>
+                  </a:cxn>
+                  <a:cxn ang="0">
+                    <a:pos x="TX1" y="TY1"/>
+                  </a:cxn>
+                  <a:cxn ang="0">
+                    <a:pos x="TX2" y="TY2"/>
+                  </a:cxn>
+                  <a:cxn ang="0">
+                    <a:pos x="TX3" y="TY3"/>
+                  </a:cxn>
+                </a:cxnLst>
+                <a:rect l="l" t="t" r="r" b="b"/>
+                <a:pathLst>
+                  <a:path w="120002" h="120002">
+                    <a:moveTo>
+                      <a:pt x="0" y="0"/>
+                    </a:moveTo>
+                    <a:lnTo>
+                      <a:pt x="120000" y="0"/>
+                    </a:lnTo>
+                    <a:lnTo>
+                      <a:pt x="120000" y="120000"/>
+                    </a:lnTo>
+                    <a:lnTo>
+                      <a:pt x="0" y="120000"/>
+                    </a:lnTo>
+                    <a:close/>
+                  </a:path>
+                </a:pathLst>
+              </a:custGeom>
+              <a:noFill/>
+              <a:ln w="9525" cap="flat" cmpd="sng">
+                <a:solidFill>
+                  <a:srgbClr val="000000">
+                    <a:alpha val="100000"/>
+                  </a:srgbClr>
+                </a:solidFill>
+                <a:prstDash val="solid"/>
+                <a:round/>
+              </a:ln>
+            </p:spPr>
+            <p:txBody>
+              <a:bodyPr vert="horz" wrap="square" lIns="0" tIns="0" rIns="0" bIns="0" numCol="1" anchor="t">
+                <a:noAutofit/>
+              </a:bodyPr>
+              <a:lstStyle/>
+              <a:p>
+                <a:pPr marL="0" indent="0" latinLnBrk="0"/>
+                <a:endParaRPr/>
+              </a:p>
+            </p:txBody>
+          </p:sp>
+        </p:spTree>
+      </p:cSld>
+      <p:clrMapOvr>
+        <a:masterClrMapping/>
+      </p:clrMapOvr>
+    </p:notes>
+  </mc:Choice>
+  <mc:Fallback xmlns:mc="http://schemas.openxmlformats.org/markup-compatibility/2006" xmlns:p="http://schemas.openxmlformats.org/presentationml/2006/main" xmlns:r="http://schemas.openxmlformats.org/officeDocument/2006/relationships" xmlns:a="http://schemas.openxmlformats.org/drawingml/2006/main" xmlns="">
+    <p:transition spd="slow"/>
+  </mc:Fallback>
+</mc:AlternateContent>
 </file>
 
-<file path=ppt/notesSlides/notesSlide7.xml><?xml version="1.0" encoding="utf-8"?>
+<file path=ppt/notesSlides/notesSlide6.xml><?xml version="1.0" encoding="utf-8"?>
 <p:notes xmlns:a="http://schemas.openxmlformats.org/drawingml/2006/main" xmlns:r="http://schemas.openxmlformats.org/officeDocument/2006/relationships" xmlns:p="http://schemas.openxmlformats.org/presentationml/2006/main" showMasterSp="0" showMasterPhAnim="0">
   <p:cSld>
     <p:spTree>
@@ -3495,155 +3365,7 @@
 </p:notes>
 </file>
 
-<file path=ppt/notesSlides/notesSlide8.xml><?xml version="1.0" encoding="utf-8"?>
-<p:notes xmlns:a="http://schemas.openxmlformats.org/drawingml/2006/main" xmlns:r="http://schemas.openxmlformats.org/officeDocument/2006/relationships" xmlns:p="http://schemas.openxmlformats.org/presentationml/2006/main">
-  <p:cSld>
-    <p:spTree>
-      <p:nvGrpSpPr>
-        <p:cNvPr id="1" name=""/>
-        <p:cNvGrpSpPr/>
-        <p:nvPr/>
-      </p:nvGrpSpPr>
-      <p:grpSpPr>
-        <a:xfrm>
-          <a:off x="0" y="0"/>
-          <a:ext cx="0" cy="0"/>
-          <a:chOff x="0" y="0"/>
-          <a:chExt cx="0" cy="0"/>
-        </a:xfrm>
-      </p:grpSpPr>
-      <p:sp>
-        <p:nvSpPr>
-          <p:cNvPr id="129" name="Rect 0"/>
-          <p:cNvSpPr txBox="1">
-            <a:spLocks/>
-          </p:cNvSpPr>
-          <p:nvPr>
-            <p:ph type="body"/>
-          </p:nvPr>
-        </p:nvSpPr>
-        <p:spPr>
-          <a:xfrm rot="0">
-            <a:off x="1028700" y="8686800"/>
-            <a:ext cx="8230870" cy="8230870"/>
-          </a:xfrm>
-          <a:prstGeom prst="rect"/>
-          <a:noFill/>
-          <a:ln w="0">
-            <a:noFill/>
-            <a:prstDash/>
-          </a:ln>
-        </p:spPr>
-        <p:txBody>
-          <a:bodyPr wrap="square" lIns="91440" tIns="91440" rIns="91440" bIns="91440" vert="horz" anchor="t">
-            <a:noAutofit/>
-          </a:bodyPr>
-          <a:lstStyle/>
-          <a:p>
-            <a:pPr marL="0" indent="0" rtl="0" algn="l" latinLnBrk="0">
-              <a:buFontTx/>
-              <a:buNone/>
-            </a:pPr>
-          </a:p>
-        </p:txBody>
-      </p:sp>
-      <p:sp>
-        <p:nvSpPr>
-          <p:cNvPr id="130" name="Rect 0"/>
-          <p:cNvSpPr>
-            <a:spLocks noChangeAspect="1"/>
-          </p:cNvSpPr>
-          <p:nvPr>
-            <p:ph type="sldImg"/>
-          </p:nvPr>
-        </p:nvSpPr>
-        <p:spPr>
-          <a:xfrm rot="0">
-            <a:off x="-951230" y="1371600"/>
-            <a:ext cx="12191365" cy="6858635"/>
-          </a:xfrm>
-          <a:custGeom>
-            <a:gdLst>
-              <a:gd fmla="*/ 0 w 120002" name="TX0"/>
-              <a:gd fmla="*/ 0 h 120002" name="TY0"/>
-              <a:gd fmla="*/ 120000 w 120002" name="TX1"/>
-              <a:gd fmla="*/ 0 h 120002" name="TY1"/>
-              <a:gd fmla="*/ 120000 w 120002" name="TX2"/>
-              <a:gd fmla="*/ 120000 h 120002" name="TY2"/>
-              <a:gd fmla="*/ 0 w 120002" name="TX3"/>
-              <a:gd fmla="*/ 120000 h 120002" name="TY3"/>
-            </a:gdLst>
-            <a:cxnLst>
-              <a:cxn ang="0">
-                <a:pos x="TX0" y="TY0"/>
-              </a:cxn>
-              <a:cxn ang="0">
-                <a:pos x="TX1" y="TY1"/>
-              </a:cxn>
-              <a:cxn ang="0">
-                <a:pos x="TX2" y="TY2"/>
-              </a:cxn>
-              <a:cxn ang="0">
-                <a:pos x="TX3" y="TY3"/>
-              </a:cxn>
-            </a:cxnLst>
-            <a:rect l="l" t="t" r="r" b="b"/>
-            <a:pathLst>
-              <a:path w="120002" h="120002">
-                <a:moveTo>
-                  <a:pt x="0" y="0"/>
-                </a:moveTo>
-                <a:lnTo>
-                  <a:pt x="120000" y="0"/>
-                </a:lnTo>
-                <a:lnTo>
-                  <a:pt x="120000" y="120000"/>
-                </a:lnTo>
-                <a:lnTo>
-                  <a:pt x="0" y="120000"/>
-                </a:lnTo>
-                <a:close/>
-              </a:path>
-            </a:pathLst>
-          </a:custGeom>
-          <a:noFill/>
-          <a:ln w="9525" cap="flat" cmpd="sng">
-            <a:solidFill>
-              <a:srgbClr val="000000">
-                <a:alpha val="100000"/>
-              </a:srgbClr>
-            </a:solidFill>
-            <a:prstDash val="solid"/>
-            <a:round/>
-          </a:ln>
-        </p:spPr>
-        <p:txBody>
-          <a:bodyPr wrap="square" lIns="0" tIns="0" rIns="0" bIns="0" vert="horz" anchor="t">
-            <a:noAutofit/>
-          </a:bodyPr>
-          <a:lstStyle/>
-          <a:p>
-            <a:pPr marL="0" indent="0" latinLnBrk="0"/>
-          </a:p>
-        </p:txBody>
-      </p:sp>
-    </p:spTree>
-  </p:cSld>
-  <p:clrMapOvr>
-    <a:masterClrMapping/>
-  </p:clrMapOvr>
-  <mc:AlternateContent xmlns:mc="http://schemas.openxmlformats.org/markup-compatibility/2006">
-    <mc:Choice xmlns:p14="http://schemas.microsoft.com/office/powerpoint/2010/main" Requires="p14">
-      <p:transition spd="slow" p14:dur="0"/>
-    </mc:Choice>
-    <mc:Fallback>
-      <p:transition spd="slow"/>
-    </mc:Fallback>
-  </mc:AlternateContent>
-</p:notes>
-</file>
-
-<file path=ppt/notesSlides/notesSlide9.xml><?xml version="1.0" encoding="utf-8"?>
+<file path=ppt/notesSlides/notesSlide7.xml><?xml version="1.0" encoding="utf-8"?>
 <mc:AlternateContent xmlns:mc="http://schemas.openxmlformats.org/markup-compatibility/2006" xmlns:p14="http://schemas.microsoft.com/office/powerpoint/2010/main">
   <mc:Choice Requires="p14">
     <p:notes xmlns:a="http://schemas.openxmlformats.org/drawingml/2006/main" xmlns:r="http://schemas.openxmlformats.org/officeDocument/2006/relationships" xmlns:p="http://schemas.openxmlformats.org/presentationml/2006/main">
@@ -3790,6 +3512,323 @@
       </p:clrMapOvr>
     </p:notes>
   </mc:Choice>
+  <mc:Fallback xmlns:mc="http://schemas.openxmlformats.org/markup-compatibility/2006" xmlns:p="http://schemas.openxmlformats.org/presentationml/2006/main" xmlns:r="http://schemas.openxmlformats.org/officeDocument/2006/relationships" xmlns:a="http://schemas.openxmlformats.org/drawingml/2006/main" xmlns="">
+    <p:transition spd="slow"/>
+  </mc:Fallback>
+</mc:AlternateContent>
+</file>
+
+<file path=ppt/notesSlides/notesSlide8.xml><?xml version="1.0" encoding="utf-8"?>
+<mc:AlternateContent xmlns:mc="http://schemas.openxmlformats.org/markup-compatibility/2006" xmlns:p14="http://schemas.microsoft.com/office/powerpoint/2010/main">
+  <mc:Choice Requires="p14">
+    <p:notes xmlns:a="http://schemas.openxmlformats.org/drawingml/2006/main" xmlns:r="http://schemas.openxmlformats.org/officeDocument/2006/relationships" xmlns:p="http://schemas.openxmlformats.org/presentationml/2006/main">
+      <p:cSld>
+        <p:spTree>
+          <p:nvGrpSpPr>
+            <p:cNvPr id="1" name=""/>
+            <p:cNvGrpSpPr/>
+            <p:nvPr/>
+          </p:nvGrpSpPr>
+          <p:grpSpPr>
+            <a:xfrm>
+              <a:off x="0" y="0"/>
+              <a:ext cx="0" cy="0"/>
+              <a:chOff x="0" y="0"/>
+              <a:chExt cx="0" cy="0"/>
+            </a:xfrm>
+          </p:grpSpPr>
+          <p:sp>
+            <p:nvSpPr>
+              <p:cNvPr id="129" name="Rect 0"/>
+              <p:cNvSpPr txBox="1">
+                <a:spLocks noGrp="1"/>
+              </p:cNvSpPr>
+              <p:nvPr>
+                <p:ph type="body"/>
+              </p:nvPr>
+            </p:nvSpPr>
+            <p:spPr>
+              <a:xfrm>
+                <a:off x="1028700" y="8686800"/>
+                <a:ext cx="8230870" cy="8230870"/>
+              </a:xfrm>
+              <a:prstGeom prst="rect">
+                <a:avLst/>
+              </a:prstGeom>
+              <a:noFill/>
+              <a:ln w="0">
+                <a:noFill/>
+                <a:prstDash/>
+              </a:ln>
+            </p:spPr>
+            <p:txBody>
+              <a:bodyPr vert="horz" wrap="square" lIns="91440" tIns="91440" rIns="91440" bIns="91440" anchor="t">
+                <a:noAutofit/>
+              </a:bodyPr>
+              <a:lstStyle/>
+              <a:p>
+                <a:pPr marL="0" indent="0" algn="l" rtl="0" latinLnBrk="0">
+                  <a:buFontTx/>
+                  <a:buNone/>
+                </a:pPr>
+                <a:endParaRPr/>
+              </a:p>
+            </p:txBody>
+          </p:sp>
+          <p:sp>
+            <p:nvSpPr>
+              <p:cNvPr id="130" name="Rect 0"/>
+              <p:cNvSpPr>
+                <a:spLocks noGrp="1" noRot="1" noChangeAspect="1"/>
+              </p:cNvSpPr>
+              <p:nvPr>
+                <p:ph type="sldImg"/>
+              </p:nvPr>
+            </p:nvSpPr>
+            <p:spPr>
+              <a:xfrm>
+                <a:off x="-950913" y="1371600"/>
+                <a:ext cx="12190413" cy="6858000"/>
+              </a:xfrm>
+              <a:custGeom>
+                <a:avLst/>
+                <a:gdLst>
+                  <a:gd name="TX0" fmla="*/ 0 w 120002"/>
+                  <a:gd name="TY0" fmla="*/ 0 h 120002"/>
+                  <a:gd name="TX1" fmla="*/ 120000 w 120002"/>
+                  <a:gd name="TY1" fmla="*/ 0 h 120002"/>
+                  <a:gd name="TX2" fmla="*/ 120000 w 120002"/>
+                  <a:gd name="TY2" fmla="*/ 120000 h 120002"/>
+                  <a:gd name="TX3" fmla="*/ 0 w 120002"/>
+                  <a:gd name="TY3" fmla="*/ 120000 h 120002"/>
+                </a:gdLst>
+                <a:ahLst/>
+                <a:cxnLst>
+                  <a:cxn ang="0">
+                    <a:pos x="TX0" y="TY0"/>
+                  </a:cxn>
+                  <a:cxn ang="0">
+                    <a:pos x="TX1" y="TY1"/>
+                  </a:cxn>
+                  <a:cxn ang="0">
+                    <a:pos x="TX2" y="TY2"/>
+                  </a:cxn>
+                  <a:cxn ang="0">
+                    <a:pos x="TX3" y="TY3"/>
+                  </a:cxn>
+                </a:cxnLst>
+                <a:rect l="l" t="t" r="r" b="b"/>
+                <a:pathLst>
+                  <a:path w="120002" h="120002">
+                    <a:moveTo>
+                      <a:pt x="0" y="0"/>
+                    </a:moveTo>
+                    <a:lnTo>
+                      <a:pt x="120000" y="0"/>
+                    </a:lnTo>
+                    <a:lnTo>
+                      <a:pt x="120000" y="120000"/>
+                    </a:lnTo>
+                    <a:lnTo>
+                      <a:pt x="0" y="120000"/>
+                    </a:lnTo>
+                    <a:close/>
+                  </a:path>
+                </a:pathLst>
+              </a:custGeom>
+              <a:noFill/>
+              <a:ln w="9525" cap="flat" cmpd="sng">
+                <a:solidFill>
+                  <a:srgbClr val="000000">
+                    <a:alpha val="100000"/>
+                  </a:srgbClr>
+                </a:solidFill>
+                <a:prstDash val="solid"/>
+                <a:round/>
+              </a:ln>
+            </p:spPr>
+            <p:txBody>
+              <a:bodyPr vert="horz" wrap="square" lIns="0" tIns="0" rIns="0" bIns="0" anchor="t">
+                <a:noAutofit/>
+              </a:bodyPr>
+              <a:lstStyle/>
+              <a:p>
+                <a:pPr marL="0" indent="0" latinLnBrk="0"/>
+                <a:endParaRPr/>
+              </a:p>
+            </p:txBody>
+          </p:sp>
+        </p:spTree>
+      </p:cSld>
+      <p:clrMapOvr>
+        <a:masterClrMapping/>
+      </p:clrMapOvr>
+    </p:notes>
+  </mc:Choice>
+  <mc:Fallback xmlns:mc="http://schemas.openxmlformats.org/markup-compatibility/2006" xmlns:p="http://schemas.openxmlformats.org/presentationml/2006/main" xmlns:r="http://schemas.openxmlformats.org/officeDocument/2006/relationships" xmlns:a="http://schemas.openxmlformats.org/drawingml/2006/main" xmlns="" xmlns:p14="http://schemas.microsoft.com/office/powerpoint/2010/main">
+    <p:transition spd="slow"/>
+  </mc:Fallback>
+</mc:AlternateContent>
+</file>
+
+<file path=ppt/notesSlides/notesSlide9.xml><?xml version="1.0" encoding="utf-8"?>
+<mc:AlternateContent xmlns:mc="http://schemas.openxmlformats.org/markup-compatibility/2006" xmlns:p14="http://schemas.microsoft.com/office/powerpoint/2010/main">
+  <mc:Choice Requires="p14">
+    <p:notes xmlns:a="http://schemas.openxmlformats.org/drawingml/2006/main" xmlns:r="http://schemas.openxmlformats.org/officeDocument/2006/relationships" xmlns:p="http://schemas.openxmlformats.org/presentationml/2006/main">
+      <p:cSld>
+        <p:spTree>
+          <p:nvGrpSpPr>
+            <p:cNvPr id="1" name=""/>
+            <p:cNvGrpSpPr/>
+            <p:nvPr/>
+          </p:nvGrpSpPr>
+          <p:grpSpPr>
+            <a:xfrm>
+              <a:off x="0" y="0"/>
+              <a:ext cx="0" cy="0"/>
+              <a:chOff x="0" y="0"/>
+              <a:chExt cx="0" cy="0"/>
+            </a:xfrm>
+          </p:grpSpPr>
+          <p:sp>
+            <p:nvSpPr>
+              <p:cNvPr id="129" name="Google Shape;129;p3:notes"/>
+              <p:cNvSpPr txBox="1">
+                <a:spLocks noGrp="1"/>
+              </p:cNvSpPr>
+              <p:nvPr>
+                <p:ph type="body" idx="1"/>
+              </p:nvPr>
+            </p:nvSpPr>
+            <p:spPr>
+              <a:xfrm>
+                <a:off x="1028700" y="8686800"/>
+                <a:ext cx="8230235" cy="8230235"/>
+              </a:xfrm>
+              <a:prstGeom prst="rect">
+                <a:avLst/>
+              </a:prstGeom>
+              <a:noFill/>
+              <a:ln w="0">
+                <a:noFill/>
+                <a:prstDash/>
+              </a:ln>
+            </p:spPr>
+            <p:txBody>
+              <a:bodyPr vert="horz" wrap="square" lIns="91440" tIns="91440" rIns="91440" bIns="91440" numCol="1" anchor="t">
+                <a:noAutofit/>
+              </a:bodyPr>
+              <a:lstStyle/>
+              <a:p>
+                <a:pPr marL="0" indent="0" algn="l" rtl="0" latinLnBrk="0">
+                  <a:spcBef>
+                    <a:spcPts val="0"/>
+                  </a:spcBef>
+                  <a:spcAft>
+                    <a:spcPts val="0"/>
+                  </a:spcAft>
+                  <a:buFontTx/>
+                  <a:buNone/>
+                </a:pPr>
+                <a:endParaRPr/>
+              </a:p>
+            </p:txBody>
+          </p:sp>
+          <p:sp>
+            <p:nvSpPr>
+              <p:cNvPr id="130" name="Google Shape;130;p3:notes"/>
+              <p:cNvSpPr>
+                <a:spLocks noGrp="1" noRot="1" noChangeAspect="1"/>
+              </p:cNvSpPr>
+              <p:nvPr>
+                <p:ph type="sldImg"/>
+              </p:nvPr>
+            </p:nvSpPr>
+            <p:spPr>
+              <a:xfrm>
+                <a:off x="-950913" y="1371600"/>
+                <a:ext cx="12190413" cy="6858000"/>
+              </a:xfrm>
+              <a:custGeom>
+                <a:avLst/>
+                <a:gdLst>
+                  <a:gd name="TX0" fmla="*/ 0 w 120001"/>
+                  <a:gd name="TY0" fmla="*/ 0 h 120001"/>
+                  <a:gd name="TX1" fmla="*/ 120000 w 120001"/>
+                  <a:gd name="TY1" fmla="*/ 0 h 120001"/>
+                  <a:gd name="TX2" fmla="*/ 120000 w 120001"/>
+                  <a:gd name="TY2" fmla="*/ 120000 h 120001"/>
+                  <a:gd name="TX3" fmla="*/ 0 w 120001"/>
+                  <a:gd name="TY3" fmla="*/ 120000 h 120001"/>
+                </a:gdLst>
+                <a:ahLst/>
+                <a:cxnLst>
+                  <a:cxn ang="0">
+                    <a:pos x="TX0" y="TY0"/>
+                  </a:cxn>
+                  <a:cxn ang="0">
+                    <a:pos x="TX1" y="TY1"/>
+                  </a:cxn>
+                  <a:cxn ang="0">
+                    <a:pos x="TX2" y="TY2"/>
+                  </a:cxn>
+                  <a:cxn ang="0">
+                    <a:pos x="TX3" y="TY3"/>
+                  </a:cxn>
+                </a:cxnLst>
+                <a:rect l="l" t="t" r="r" b="b"/>
+                <a:pathLst>
+                  <a:path w="120001" h="120001">
+                    <a:moveTo>
+                      <a:pt x="0" y="0"/>
+                    </a:moveTo>
+                    <a:lnTo>
+                      <a:pt x="120000" y="0"/>
+                    </a:lnTo>
+                    <a:lnTo>
+                      <a:pt x="120000" y="120000"/>
+                    </a:lnTo>
+                    <a:lnTo>
+                      <a:pt x="0" y="120000"/>
+                    </a:lnTo>
+                    <a:close/>
+                  </a:path>
+                </a:pathLst>
+              </a:custGeom>
+              <a:noFill/>
+              <a:ln w="9525" cap="flat" cmpd="sng">
+                <a:solidFill>
+                  <a:srgbClr val="000000">
+                    <a:alpha val="100000"/>
+                  </a:srgbClr>
+                </a:solidFill>
+                <a:prstDash val="solid"/>
+                <a:round/>
+              </a:ln>
+            </p:spPr>
+            <p:txBody>
+              <a:bodyPr vert="horz" wrap="square" lIns="0" tIns="0" rIns="0" bIns="0" anchor="t">
+                <a:noAutofit/>
+              </a:bodyPr>
+              <a:lstStyle/>
+              <a:p>
+                <a:pPr marL="0" indent="0"/>
+                <a:endParaRPr/>
+              </a:p>
+            </p:txBody>
+          </p:sp>
+        </p:spTree>
+        <p:extLst>
+          <p:ext uri="{BB962C8B-B14F-4D97-AF65-F5344CB8AC3E}">
+            <p14:creationId val="3550845992"/>
+          </p:ext>
+        </p:extLst>
+      </p:cSld>
+      <p:clrMapOvr>
+        <a:masterClrMapping/>
+      </p:clrMapOvr>
+    </p:notes>
+  </mc:Choice>
   <mc:Fallback xmlns:p14="http://schemas.microsoft.com/office/powerpoint/2010/main" xmlns="" xmlns:a="http://schemas.openxmlformats.org/drawingml/2006/main" xmlns:r="http://schemas.openxmlformats.org/officeDocument/2006/relationships" xmlns:p="http://schemas.openxmlformats.org/presentationml/2006/main" xmlns:mc="http://schemas.openxmlformats.org/markup-compatibility/2006">
     <p:transition spd="slow"/>
   </mc:Fallback>
@@ -11498,18 +11537,20 @@
         <p:nvSpPr>
           <p:cNvPr id="12" name="Rect 0"/>
           <p:cNvSpPr txBox="1">
-            <a:spLocks/>
+            <a:spLocks noGrp="1"/>
           </p:cNvSpPr>
           <p:nvPr>
             <p:ph type="ctrTitle"/>
           </p:nvPr>
         </p:nvSpPr>
         <p:spPr>
-          <a:xfrm rot="0">
+          <a:xfrm>
             <a:off x="685800" y="2130425"/>
             <a:ext cx="7773035" cy="1470660"/>
           </a:xfrm>
-          <a:prstGeom prst="rect"/>
+          <a:prstGeom prst="rect">
+            <a:avLst/>
+          </a:prstGeom>
           <a:noFill/>
           <a:ln w="0">
             <a:noFill/>
@@ -11517,8 +11558,8 @@
           </a:ln>
         </p:spPr>
         <p:txBody>
-          <a:bodyPr wrap="square" lIns="91440" tIns="45720" rIns="91440" bIns="45720" vert="horz" anchor="ctr">
-            <a:normAutofit fontScale="100000" lnSpcReduction="0"/>
+          <a:bodyPr vert="horz" wrap="square" lIns="91440" tIns="45720" rIns="91440" bIns="45720" anchor="ctr">
+            <a:normAutofit/>
           </a:bodyPr>
           <a:lstStyle/>
           <a:p>
@@ -11526,6 +11567,7 @@
               <a:buFontTx/>
               <a:buNone/>
             </a:pPr>
+            <a:endParaRPr/>
           </a:p>
         </p:txBody>
       </p:sp>
@@ -11533,18 +11575,20 @@
         <p:nvSpPr>
           <p:cNvPr id="13" name="Rect 0"/>
           <p:cNvSpPr txBox="1">
-            <a:spLocks/>
+            <a:spLocks noGrp="1"/>
           </p:cNvSpPr>
           <p:nvPr>
             <p:ph type="subTitle"/>
           </p:nvPr>
         </p:nvSpPr>
         <p:spPr>
-          <a:xfrm rot="0">
+          <a:xfrm>
             <a:off x="1371600" y="3886200"/>
             <a:ext cx="6401435" cy="1753235"/>
           </a:xfrm>
-          <a:prstGeom prst="rect"/>
+          <a:prstGeom prst="rect">
+            <a:avLst/>
+          </a:prstGeom>
           <a:noFill/>
           <a:ln w="0">
             <a:noFill/>
@@ -11552,8 +11596,8 @@
           </a:ln>
         </p:spPr>
         <p:txBody>
-          <a:bodyPr wrap="square" lIns="91440" tIns="45720" rIns="91440" bIns="45720" vert="horz" anchor="t">
-            <a:normAutofit fontScale="100000" lnSpcReduction="0"/>
+          <a:bodyPr vert="horz" wrap="square" lIns="91440" tIns="45720" rIns="91440" bIns="45720" anchor="t">
+            <a:normAutofit/>
           </a:bodyPr>
           <a:lstStyle/>
           <a:p>
@@ -11561,6 +11605,7 @@
               <a:buFontTx/>
               <a:buNone/>
             </a:pPr>
+            <a:endParaRPr/>
           </a:p>
         </p:txBody>
       </p:sp>
@@ -11568,18 +11613,20 @@
         <p:nvSpPr>
           <p:cNvPr id="14" name="Rect 0"/>
           <p:cNvSpPr txBox="1">
-            <a:spLocks/>
+            <a:spLocks noGrp="1"/>
           </p:cNvSpPr>
           <p:nvPr>
             <p:ph type="dt"/>
           </p:nvPr>
         </p:nvSpPr>
         <p:spPr>
-          <a:xfrm rot="0">
+          <a:xfrm>
             <a:off x="457200" y="6356350"/>
             <a:ext cx="2134235" cy="365760"/>
           </a:xfrm>
-          <a:prstGeom prst="rect"/>
+          <a:prstGeom prst="rect">
+            <a:avLst/>
+          </a:prstGeom>
           <a:noFill/>
           <a:ln w="0">
             <a:noFill/>
@@ -11587,7 +11634,7 @@
           </a:ln>
         </p:spPr>
         <p:txBody>
-          <a:bodyPr wrap="square" lIns="91440" tIns="45720" rIns="91440" bIns="45720" vert="horz" anchor="ctr">
+          <a:bodyPr vert="horz" wrap="square" lIns="91440" tIns="45720" rIns="91440" bIns="45720" anchor="ctr">
             <a:noAutofit/>
           </a:bodyPr>
           <a:lstStyle/>
@@ -11596,6 +11643,7 @@
               <a:buFontTx/>
               <a:buNone/>
             </a:pPr>
+            <a:endParaRPr/>
           </a:p>
         </p:txBody>
       </p:sp>
@@ -11603,18 +11651,20 @@
         <p:nvSpPr>
           <p:cNvPr id="15" name="Rect 0"/>
           <p:cNvSpPr txBox="1">
-            <a:spLocks/>
+            <a:spLocks noGrp="1"/>
           </p:cNvSpPr>
           <p:nvPr>
             <p:ph type="ftr"/>
           </p:nvPr>
         </p:nvSpPr>
         <p:spPr>
-          <a:xfrm rot="0">
+          <a:xfrm>
             <a:off x="3124200" y="6356350"/>
             <a:ext cx="2896235" cy="365760"/>
           </a:xfrm>
-          <a:prstGeom prst="rect"/>
+          <a:prstGeom prst="rect">
+            <a:avLst/>
+          </a:prstGeom>
           <a:noFill/>
           <a:ln w="0">
             <a:noFill/>
@@ -11622,7 +11672,7 @@
           </a:ln>
         </p:spPr>
         <p:txBody>
-          <a:bodyPr wrap="square" lIns="91440" tIns="45720" rIns="91440" bIns="45720" vert="horz" anchor="ctr">
+          <a:bodyPr vert="horz" wrap="square" lIns="91440" tIns="45720" rIns="91440" bIns="45720" anchor="ctr">
             <a:noAutofit/>
           </a:bodyPr>
           <a:lstStyle/>
@@ -11631,6 +11681,7 @@
               <a:buFontTx/>
               <a:buNone/>
             </a:pPr>
+            <a:endParaRPr/>
           </a:p>
         </p:txBody>
       </p:sp>
@@ -11638,18 +11689,20 @@
         <p:nvSpPr>
           <p:cNvPr id="16" name="Rect 0"/>
           <p:cNvSpPr txBox="1">
-            <a:spLocks/>
+            <a:spLocks noGrp="1"/>
           </p:cNvSpPr>
           <p:nvPr>
             <p:ph type="sldNum"/>
           </p:nvPr>
         </p:nvSpPr>
         <p:spPr>
-          <a:xfrm rot="0">
+          <a:xfrm>
             <a:off x="6553200" y="6356350"/>
             <a:ext cx="2134235" cy="365760"/>
           </a:xfrm>
-          <a:prstGeom prst="rect"/>
+          <a:prstGeom prst="rect">
+            <a:avLst/>
+          </a:prstGeom>
           <a:noFill/>
           <a:ln w="0">
             <a:noFill/>
@@ -11657,12 +11710,12 @@
           </a:ln>
         </p:spPr>
         <p:txBody>
-          <a:bodyPr wrap="square" lIns="91440" tIns="45720" rIns="91440" bIns="45720" vert="horz" anchor="ctr">
+          <a:bodyPr vert="horz" wrap="square" lIns="91440" tIns="45720" rIns="91440" bIns="45720" anchor="ctr">
             <a:noAutofit/>
           </a:bodyPr>
           <a:lstStyle/>
           <a:p>
-            <a:pPr marL="0" indent="0" rtl="0" algn="r" latinLnBrk="0">
+            <a:pPr marL="0" indent="0" algn="r" rtl="0" latinLnBrk="0">
               <a:buFontTx/>
               <a:buNone/>
             </a:pPr>
@@ -11673,6 +11726,10 @@
               </a:rPr>
               <a:t>‹#›</a:t>
             </a:fld>
+            <a:endParaRPr>
+              <a:latin typeface="맑은 고딕" charset="0"/>
+              <a:ea typeface="맑은 고딕" charset="0"/>
+            </a:endParaRPr>
           </a:p>
         </p:txBody>
       </p:sp>
@@ -11681,14 +11738,6 @@
   <p:clrMapOvr>
     <a:overrideClrMapping bg1="lt1" tx1="dk1" bg2="lt2" tx2="dk2" accent1="accent1" accent2="accent2" accent3="accent3" accent4="accent4" accent5="accent5" accent6="accent6" hlink="hlink" folHlink="folHlink"/>
   </p:clrMapOvr>
-  <mc:AlternateContent xmlns:mc="http://schemas.openxmlformats.org/markup-compatibility/2006">
-    <mc:Choice xmlns:p14="http://schemas.microsoft.com/office/powerpoint/2010/main" Requires="p14">
-      <p:transition spd="slow" p14:dur="2000"/>
-    </mc:Choice>
-    <mc:Fallback>
-      <p:transition spd="slow"/>
-    </mc:Fallback>
-  </mc:AlternateContent>
 </p:sldLayout>
 </file>
 
@@ -11713,18 +11762,20 @@
         <p:nvSpPr>
           <p:cNvPr id="24" name="Rect 0"/>
           <p:cNvSpPr txBox="1">
-            <a:spLocks/>
+            <a:spLocks noGrp="1"/>
           </p:cNvSpPr>
           <p:nvPr>
             <p:ph type="title"/>
           </p:nvPr>
         </p:nvSpPr>
         <p:spPr>
-          <a:xfrm rot="0">
+          <a:xfrm>
             <a:off x="722630" y="4406900"/>
             <a:ext cx="7773035" cy="1362710"/>
           </a:xfrm>
-          <a:prstGeom prst="rect"/>
+          <a:prstGeom prst="rect">
+            <a:avLst/>
+          </a:prstGeom>
           <a:noFill/>
           <a:ln w="0">
             <a:noFill/>
@@ -11732,8 +11783,8 @@
           </a:ln>
         </p:spPr>
         <p:txBody>
-          <a:bodyPr wrap="square" lIns="91440" tIns="45720" rIns="91440" bIns="45720" vert="horz" anchor="t">
-            <a:normAutofit fontScale="100000" lnSpcReduction="0"/>
+          <a:bodyPr vert="horz" wrap="square" lIns="91440" tIns="45720" rIns="91440" bIns="45720" anchor="t">
+            <a:normAutofit/>
           </a:bodyPr>
           <a:lstStyle/>
           <a:p>
@@ -11741,6 +11792,7 @@
               <a:buFontTx/>
               <a:buNone/>
             </a:pPr>
+            <a:endParaRPr/>
           </a:p>
         </p:txBody>
       </p:sp>
@@ -11748,18 +11800,20 @@
         <p:nvSpPr>
           <p:cNvPr id="25" name="Rect 0"/>
           <p:cNvSpPr txBox="1">
-            <a:spLocks/>
+            <a:spLocks noGrp="1"/>
           </p:cNvSpPr>
           <p:nvPr>
             <p:ph type="body"/>
           </p:nvPr>
         </p:nvSpPr>
         <p:spPr>
-          <a:xfrm rot="0">
+          <a:xfrm>
             <a:off x="722630" y="2907030"/>
             <a:ext cx="7773035" cy="1500505"/>
           </a:xfrm>
-          <a:prstGeom prst="rect"/>
+          <a:prstGeom prst="rect">
+            <a:avLst/>
+          </a:prstGeom>
           <a:noFill/>
           <a:ln w="0">
             <a:noFill/>
@@ -11767,8 +11821,8 @@
           </a:ln>
         </p:spPr>
         <p:txBody>
-          <a:bodyPr wrap="square" lIns="91440" tIns="45720" rIns="91440" bIns="45720" vert="horz" anchor="b">
-            <a:normAutofit fontScale="100000" lnSpcReduction="0"/>
+          <a:bodyPr vert="horz" wrap="square" lIns="91440" tIns="45720" rIns="91440" bIns="45720" anchor="b">
+            <a:normAutofit/>
           </a:bodyPr>
           <a:lstStyle/>
           <a:p>
@@ -11776,6 +11830,7 @@
               <a:buFontTx/>
               <a:buNone/>
             </a:pPr>
+            <a:endParaRPr/>
           </a:p>
         </p:txBody>
       </p:sp>
@@ -11783,18 +11838,20 @@
         <p:nvSpPr>
           <p:cNvPr id="26" name="Rect 0"/>
           <p:cNvSpPr txBox="1">
-            <a:spLocks/>
+            <a:spLocks noGrp="1"/>
           </p:cNvSpPr>
           <p:nvPr>
             <p:ph type="dt"/>
           </p:nvPr>
         </p:nvSpPr>
         <p:spPr>
-          <a:xfrm rot="0">
+          <a:xfrm>
             <a:off x="457200" y="6356350"/>
             <a:ext cx="2134235" cy="365760"/>
           </a:xfrm>
-          <a:prstGeom prst="rect"/>
+          <a:prstGeom prst="rect">
+            <a:avLst/>
+          </a:prstGeom>
           <a:noFill/>
           <a:ln w="0">
             <a:noFill/>
@@ -11802,7 +11859,7 @@
           </a:ln>
         </p:spPr>
         <p:txBody>
-          <a:bodyPr wrap="square" lIns="91440" tIns="45720" rIns="91440" bIns="45720" vert="horz" anchor="ctr">
+          <a:bodyPr vert="horz" wrap="square" lIns="91440" tIns="45720" rIns="91440" bIns="45720" anchor="ctr">
             <a:noAutofit/>
           </a:bodyPr>
           <a:lstStyle/>
@@ -11811,6 +11868,7 @@
               <a:buFontTx/>
               <a:buNone/>
             </a:pPr>
+            <a:endParaRPr/>
           </a:p>
         </p:txBody>
       </p:sp>
@@ -11818,18 +11876,20 @@
         <p:nvSpPr>
           <p:cNvPr id="27" name="Rect 0"/>
           <p:cNvSpPr txBox="1">
-            <a:spLocks/>
+            <a:spLocks noGrp="1"/>
           </p:cNvSpPr>
           <p:nvPr>
             <p:ph type="ftr"/>
           </p:nvPr>
         </p:nvSpPr>
         <p:spPr>
-          <a:xfrm rot="0">
+          <a:xfrm>
             <a:off x="3124200" y="6356350"/>
             <a:ext cx="2896235" cy="365760"/>
           </a:xfrm>
-          <a:prstGeom prst="rect"/>
+          <a:prstGeom prst="rect">
+            <a:avLst/>
+          </a:prstGeom>
           <a:noFill/>
           <a:ln w="0">
             <a:noFill/>
@@ -11837,7 +11897,7 @@
           </a:ln>
         </p:spPr>
         <p:txBody>
-          <a:bodyPr wrap="square" lIns="91440" tIns="45720" rIns="91440" bIns="45720" vert="horz" anchor="ctr">
+          <a:bodyPr vert="horz" wrap="square" lIns="91440" tIns="45720" rIns="91440" bIns="45720" anchor="ctr">
             <a:noAutofit/>
           </a:bodyPr>
           <a:lstStyle/>
@@ -11846,6 +11906,7 @@
               <a:buFontTx/>
               <a:buNone/>
             </a:pPr>
+            <a:endParaRPr/>
           </a:p>
         </p:txBody>
       </p:sp>
@@ -11853,18 +11914,20 @@
         <p:nvSpPr>
           <p:cNvPr id="28" name="Rect 0"/>
           <p:cNvSpPr txBox="1">
-            <a:spLocks/>
+            <a:spLocks noGrp="1"/>
           </p:cNvSpPr>
           <p:nvPr>
             <p:ph type="sldNum"/>
           </p:nvPr>
         </p:nvSpPr>
         <p:spPr>
-          <a:xfrm rot="0">
+          <a:xfrm>
             <a:off x="6553200" y="6356350"/>
             <a:ext cx="2134235" cy="365760"/>
           </a:xfrm>
-          <a:prstGeom prst="rect"/>
+          <a:prstGeom prst="rect">
+            <a:avLst/>
+          </a:prstGeom>
           <a:noFill/>
           <a:ln w="0">
             <a:noFill/>
@@ -11872,12 +11935,12 @@
           </a:ln>
         </p:spPr>
         <p:txBody>
-          <a:bodyPr wrap="square" lIns="91440" tIns="45720" rIns="91440" bIns="45720" vert="horz" anchor="ctr">
+          <a:bodyPr vert="horz" wrap="square" lIns="91440" tIns="45720" rIns="91440" bIns="45720" anchor="ctr">
             <a:noAutofit/>
           </a:bodyPr>
           <a:lstStyle/>
           <a:p>
-            <a:pPr marL="0" indent="0" rtl="0" algn="r" latinLnBrk="0">
+            <a:pPr marL="0" indent="0" algn="r" rtl="0" latinLnBrk="0">
               <a:buFontTx/>
               <a:buNone/>
             </a:pPr>
@@ -11888,6 +11951,10 @@
               </a:rPr>
               <a:t>‹#›</a:t>
             </a:fld>
+            <a:endParaRPr>
+              <a:latin typeface="맑은 고딕" charset="0"/>
+              <a:ea typeface="맑은 고딕" charset="0"/>
+            </a:endParaRPr>
           </a:p>
         </p:txBody>
       </p:sp>
@@ -11896,14 +11963,6 @@
   <p:clrMapOvr>
     <a:overrideClrMapping bg1="lt1" tx1="dk1" bg2="lt2" tx2="dk2" accent1="accent1" accent2="accent2" accent3="accent3" accent4="accent4" accent5="accent5" accent6="accent6" hlink="hlink" folHlink="folHlink"/>
   </p:clrMapOvr>
-  <mc:AlternateContent xmlns:mc="http://schemas.openxmlformats.org/markup-compatibility/2006">
-    <mc:Choice xmlns:p14="http://schemas.microsoft.com/office/powerpoint/2010/main" Requires="p14">
-      <p:transition spd="slow" p14:dur="2000"/>
-    </mc:Choice>
-    <mc:Fallback>
-      <p:transition spd="slow"/>
-    </mc:Fallback>
-  </mc:AlternateContent>
 </p:sldLayout>
 </file>
 
@@ -11928,18 +11987,20 @@
         <p:nvSpPr>
           <p:cNvPr id="30" name="Rect 0"/>
           <p:cNvSpPr txBox="1">
-            <a:spLocks/>
+            <a:spLocks noGrp="1"/>
           </p:cNvSpPr>
           <p:nvPr>
             <p:ph type="title"/>
           </p:nvPr>
         </p:nvSpPr>
         <p:spPr>
-          <a:xfrm rot="0">
+          <a:xfrm>
             <a:off x="457200" y="274955"/>
             <a:ext cx="8230235" cy="1143635"/>
           </a:xfrm>
-          <a:prstGeom prst="rect"/>
+          <a:prstGeom prst="rect">
+            <a:avLst/>
+          </a:prstGeom>
           <a:noFill/>
           <a:ln w="0">
             <a:noFill/>
@@ -11947,8 +12008,8 @@
           </a:ln>
         </p:spPr>
         <p:txBody>
-          <a:bodyPr wrap="square" lIns="91440" tIns="45720" rIns="91440" bIns="45720" vert="horz" anchor="ctr">
-            <a:normAutofit fontScale="100000" lnSpcReduction="0"/>
+          <a:bodyPr vert="horz" wrap="square" lIns="91440" tIns="45720" rIns="91440" bIns="45720" anchor="ctr">
+            <a:normAutofit/>
           </a:bodyPr>
           <a:lstStyle/>
           <a:p>
@@ -11956,6 +12017,7 @@
               <a:buFontTx/>
               <a:buNone/>
             </a:pPr>
+            <a:endParaRPr/>
           </a:p>
         </p:txBody>
       </p:sp>
@@ -11963,18 +12025,20 @@
         <p:nvSpPr>
           <p:cNvPr id="31" name="Rect 0"/>
           <p:cNvSpPr txBox="1">
-            <a:spLocks/>
+            <a:spLocks noGrp="1"/>
           </p:cNvSpPr>
           <p:nvPr>
             <p:ph type="body"/>
           </p:nvPr>
         </p:nvSpPr>
         <p:spPr>
-          <a:xfrm rot="0">
+          <a:xfrm>
             <a:off x="457200" y="1600200"/>
             <a:ext cx="4039235" cy="4526915"/>
           </a:xfrm>
-          <a:prstGeom prst="rect"/>
+          <a:prstGeom prst="rect">
+            <a:avLst/>
+          </a:prstGeom>
           <a:noFill/>
           <a:ln w="0">
             <a:noFill/>
@@ -11982,12 +12046,13 @@
           </a:ln>
         </p:spPr>
         <p:txBody>
-          <a:bodyPr wrap="square" lIns="91440" tIns="45720" rIns="91440" bIns="45720" vert="horz" anchor="t">
-            <a:normAutofit fontScale="100000" lnSpcReduction="0"/>
+          <a:bodyPr vert="horz" wrap="square" lIns="91440" tIns="45720" rIns="91440" bIns="45720" anchor="t">
+            <a:normAutofit/>
           </a:bodyPr>
           <a:lstStyle/>
           <a:p>
             <a:pPr marL="457200" indent="-406400" latinLnBrk="0"/>
+            <a:endParaRPr/>
           </a:p>
         </p:txBody>
       </p:sp>
@@ -11995,18 +12060,20 @@
         <p:nvSpPr>
           <p:cNvPr id="32" name="Rect 0"/>
           <p:cNvSpPr txBox="1">
-            <a:spLocks/>
+            <a:spLocks noGrp="1"/>
           </p:cNvSpPr>
           <p:nvPr>
             <p:ph type="body"/>
           </p:nvPr>
         </p:nvSpPr>
         <p:spPr>
-          <a:xfrm rot="0">
+          <a:xfrm>
             <a:off x="4648200" y="1600200"/>
             <a:ext cx="4039235" cy="4526915"/>
           </a:xfrm>
-          <a:prstGeom prst="rect"/>
+          <a:prstGeom prst="rect">
+            <a:avLst/>
+          </a:prstGeom>
           <a:noFill/>
           <a:ln w="0">
             <a:noFill/>
@@ -12014,12 +12081,13 @@
           </a:ln>
         </p:spPr>
         <p:txBody>
-          <a:bodyPr wrap="square" lIns="91440" tIns="45720" rIns="91440" bIns="45720" vert="horz" anchor="t">
-            <a:normAutofit fontScale="100000" lnSpcReduction="0"/>
+          <a:bodyPr vert="horz" wrap="square" lIns="91440" tIns="45720" rIns="91440" bIns="45720" anchor="t">
+            <a:normAutofit/>
           </a:bodyPr>
           <a:lstStyle/>
           <a:p>
             <a:pPr marL="457200" indent="-406400" latinLnBrk="0"/>
+            <a:endParaRPr/>
           </a:p>
         </p:txBody>
       </p:sp>
@@ -12027,18 +12095,20 @@
         <p:nvSpPr>
           <p:cNvPr id="33" name="Rect 0"/>
           <p:cNvSpPr txBox="1">
-            <a:spLocks/>
+            <a:spLocks noGrp="1"/>
           </p:cNvSpPr>
           <p:nvPr>
             <p:ph type="dt"/>
           </p:nvPr>
         </p:nvSpPr>
         <p:spPr>
-          <a:xfrm rot="0">
+          <a:xfrm>
             <a:off x="457200" y="6356350"/>
             <a:ext cx="2134235" cy="365760"/>
           </a:xfrm>
-          <a:prstGeom prst="rect"/>
+          <a:prstGeom prst="rect">
+            <a:avLst/>
+          </a:prstGeom>
           <a:noFill/>
           <a:ln w="0">
             <a:noFill/>
@@ -12046,7 +12116,7 @@
           </a:ln>
         </p:spPr>
         <p:txBody>
-          <a:bodyPr wrap="square" lIns="91440" tIns="45720" rIns="91440" bIns="45720" vert="horz" anchor="ctr">
+          <a:bodyPr vert="horz" wrap="square" lIns="91440" tIns="45720" rIns="91440" bIns="45720" anchor="ctr">
             <a:noAutofit/>
           </a:bodyPr>
           <a:lstStyle/>
@@ -12055,6 +12125,7 @@
               <a:buFontTx/>
               <a:buNone/>
             </a:pPr>
+            <a:endParaRPr/>
           </a:p>
         </p:txBody>
       </p:sp>
@@ -12062,18 +12133,20 @@
         <p:nvSpPr>
           <p:cNvPr id="34" name="Rect 0"/>
           <p:cNvSpPr txBox="1">
-            <a:spLocks/>
+            <a:spLocks noGrp="1"/>
           </p:cNvSpPr>
           <p:nvPr>
             <p:ph type="ftr"/>
           </p:nvPr>
         </p:nvSpPr>
         <p:spPr>
-          <a:xfrm rot="0">
+          <a:xfrm>
             <a:off x="3124200" y="6356350"/>
             <a:ext cx="2896235" cy="365760"/>
           </a:xfrm>
-          <a:prstGeom prst="rect"/>
+          <a:prstGeom prst="rect">
+            <a:avLst/>
+          </a:prstGeom>
           <a:noFill/>
           <a:ln w="0">
             <a:noFill/>
@@ -12081,7 +12154,7 @@
           </a:ln>
         </p:spPr>
         <p:txBody>
-          <a:bodyPr wrap="square" lIns="91440" tIns="45720" rIns="91440" bIns="45720" vert="horz" anchor="ctr">
+          <a:bodyPr vert="horz" wrap="square" lIns="91440" tIns="45720" rIns="91440" bIns="45720" anchor="ctr">
             <a:noAutofit/>
           </a:bodyPr>
           <a:lstStyle/>
@@ -12090,6 +12163,7 @@
               <a:buFontTx/>
               <a:buNone/>
             </a:pPr>
+            <a:endParaRPr/>
           </a:p>
         </p:txBody>
       </p:sp>
@@ -12097,18 +12171,20 @@
         <p:nvSpPr>
           <p:cNvPr id="35" name="Rect 0"/>
           <p:cNvSpPr txBox="1">
-            <a:spLocks/>
+            <a:spLocks noGrp="1"/>
           </p:cNvSpPr>
           <p:nvPr>
             <p:ph type="sldNum"/>
           </p:nvPr>
         </p:nvSpPr>
         <p:spPr>
-          <a:xfrm rot="0">
+          <a:xfrm>
             <a:off x="6553200" y="6356350"/>
             <a:ext cx="2134235" cy="365760"/>
           </a:xfrm>
-          <a:prstGeom prst="rect"/>
+          <a:prstGeom prst="rect">
+            <a:avLst/>
+          </a:prstGeom>
           <a:noFill/>
           <a:ln w="0">
             <a:noFill/>
@@ -12116,12 +12192,12 @@
           </a:ln>
         </p:spPr>
         <p:txBody>
-          <a:bodyPr wrap="square" lIns="91440" tIns="45720" rIns="91440" bIns="45720" vert="horz" anchor="ctr">
+          <a:bodyPr vert="horz" wrap="square" lIns="91440" tIns="45720" rIns="91440" bIns="45720" anchor="ctr">
             <a:noAutofit/>
           </a:bodyPr>
           <a:lstStyle/>
           <a:p>
-            <a:pPr marL="0" indent="0" rtl="0" algn="r" latinLnBrk="0">
+            <a:pPr marL="0" indent="0" algn="r" rtl="0" latinLnBrk="0">
               <a:buFontTx/>
               <a:buNone/>
             </a:pPr>
@@ -12132,6 +12208,10 @@
               </a:rPr>
               <a:t>‹#›</a:t>
             </a:fld>
+            <a:endParaRPr>
+              <a:latin typeface="맑은 고딕" charset="0"/>
+              <a:ea typeface="맑은 고딕" charset="0"/>
+            </a:endParaRPr>
           </a:p>
         </p:txBody>
       </p:sp>
@@ -12140,14 +12220,6 @@
   <p:clrMapOvr>
     <a:overrideClrMapping bg1="lt1" tx1="dk1" bg2="lt2" tx2="dk2" accent1="accent1" accent2="accent2" accent3="accent3" accent4="accent4" accent5="accent5" accent6="accent6" hlink="hlink" folHlink="folHlink"/>
   </p:clrMapOvr>
-  <mc:AlternateContent xmlns:mc="http://schemas.openxmlformats.org/markup-compatibility/2006">
-    <mc:Choice xmlns:p14="http://schemas.microsoft.com/office/powerpoint/2010/main" Requires="p14">
-      <p:transition spd="slow" p14:dur="2000"/>
-    </mc:Choice>
-    <mc:Fallback>
-      <p:transition spd="slow"/>
-    </mc:Fallback>
-  </mc:AlternateContent>
 </p:sldLayout>
 </file>
 
@@ -12172,18 +12244,20 @@
         <p:nvSpPr>
           <p:cNvPr id="37" name="Rect 0"/>
           <p:cNvSpPr txBox="1">
-            <a:spLocks/>
+            <a:spLocks noGrp="1"/>
           </p:cNvSpPr>
           <p:nvPr>
             <p:ph type="title"/>
           </p:nvPr>
         </p:nvSpPr>
         <p:spPr>
-          <a:xfrm rot="0">
+          <a:xfrm>
             <a:off x="457200" y="274955"/>
             <a:ext cx="8230235" cy="1143635"/>
           </a:xfrm>
-          <a:prstGeom prst="rect"/>
+          <a:prstGeom prst="rect">
+            <a:avLst/>
+          </a:prstGeom>
           <a:noFill/>
           <a:ln w="0">
             <a:noFill/>
@@ -12191,8 +12265,8 @@
           </a:ln>
         </p:spPr>
         <p:txBody>
-          <a:bodyPr wrap="square" lIns="91440" tIns="45720" rIns="91440" bIns="45720" vert="horz" anchor="ctr">
-            <a:normAutofit fontScale="100000" lnSpcReduction="0"/>
+          <a:bodyPr vert="horz" wrap="square" lIns="91440" tIns="45720" rIns="91440" bIns="45720" anchor="ctr">
+            <a:normAutofit/>
           </a:bodyPr>
           <a:lstStyle/>
           <a:p>
@@ -12200,6 +12274,7 @@
               <a:buFontTx/>
               <a:buNone/>
             </a:pPr>
+            <a:endParaRPr/>
           </a:p>
         </p:txBody>
       </p:sp>
@@ -12207,18 +12282,20 @@
         <p:nvSpPr>
           <p:cNvPr id="38" name="Rect 0"/>
           <p:cNvSpPr txBox="1">
-            <a:spLocks/>
+            <a:spLocks noGrp="1"/>
           </p:cNvSpPr>
           <p:nvPr>
             <p:ph type="body"/>
           </p:nvPr>
         </p:nvSpPr>
         <p:spPr>
-          <a:xfrm rot="0">
+          <a:xfrm>
             <a:off x="457200" y="1535430"/>
             <a:ext cx="4041140" cy="640080"/>
           </a:xfrm>
-          <a:prstGeom prst="rect"/>
+          <a:prstGeom prst="rect">
+            <a:avLst/>
+          </a:prstGeom>
           <a:noFill/>
           <a:ln w="0">
             <a:noFill/>
@@ -12226,8 +12303,8 @@
           </a:ln>
         </p:spPr>
         <p:txBody>
-          <a:bodyPr wrap="square" lIns="91440" tIns="45720" rIns="91440" bIns="45720" vert="horz" anchor="b">
-            <a:normAutofit fontScale="100000" lnSpcReduction="0"/>
+          <a:bodyPr vert="horz" wrap="square" lIns="91440" tIns="45720" rIns="91440" bIns="45720" anchor="b">
+            <a:normAutofit/>
           </a:bodyPr>
           <a:lstStyle/>
           <a:p>
@@ -12235,6 +12312,7 @@
               <a:buFontTx/>
               <a:buNone/>
             </a:pPr>
+            <a:endParaRPr/>
           </a:p>
         </p:txBody>
       </p:sp>
@@ -12242,18 +12320,20 @@
         <p:nvSpPr>
           <p:cNvPr id="39" name="Rect 0"/>
           <p:cNvSpPr txBox="1">
-            <a:spLocks/>
+            <a:spLocks noGrp="1"/>
           </p:cNvSpPr>
           <p:nvPr>
             <p:ph type="body"/>
           </p:nvPr>
         </p:nvSpPr>
         <p:spPr>
-          <a:xfrm rot="0">
+          <a:xfrm>
             <a:off x="457200" y="2174875"/>
             <a:ext cx="4041140" cy="3952240"/>
           </a:xfrm>
-          <a:prstGeom prst="rect"/>
+          <a:prstGeom prst="rect">
+            <a:avLst/>
+          </a:prstGeom>
           <a:noFill/>
           <a:ln w="0">
             <a:noFill/>
@@ -12261,12 +12341,13 @@
           </a:ln>
         </p:spPr>
         <p:txBody>
-          <a:bodyPr wrap="square" lIns="91440" tIns="45720" rIns="91440" bIns="45720" vert="horz" anchor="t">
-            <a:normAutofit fontScale="100000" lnSpcReduction="0"/>
+          <a:bodyPr vert="horz" wrap="square" lIns="91440" tIns="45720" rIns="91440" bIns="45720" anchor="t">
+            <a:normAutofit/>
           </a:bodyPr>
           <a:lstStyle/>
           <a:p>
             <a:pPr marL="457200" indent="-381000" latinLnBrk="0"/>
+            <a:endParaRPr/>
           </a:p>
         </p:txBody>
       </p:sp>
@@ -12274,18 +12355,20 @@
         <p:nvSpPr>
           <p:cNvPr id="40" name="Rect 0"/>
           <p:cNvSpPr txBox="1">
-            <a:spLocks/>
+            <a:spLocks noGrp="1"/>
           </p:cNvSpPr>
           <p:nvPr>
             <p:ph type="body"/>
           </p:nvPr>
         </p:nvSpPr>
         <p:spPr>
-          <a:xfrm rot="0">
+          <a:xfrm>
             <a:off x="4645025" y="1535430"/>
             <a:ext cx="4042410" cy="640080"/>
           </a:xfrm>
-          <a:prstGeom prst="rect"/>
+          <a:prstGeom prst="rect">
+            <a:avLst/>
+          </a:prstGeom>
           <a:noFill/>
           <a:ln w="0">
             <a:noFill/>
@@ -12293,8 +12376,8 @@
           </a:ln>
         </p:spPr>
         <p:txBody>
-          <a:bodyPr wrap="square" lIns="91440" tIns="45720" rIns="91440" bIns="45720" vert="horz" anchor="b">
-            <a:normAutofit fontScale="100000" lnSpcReduction="0"/>
+          <a:bodyPr vert="horz" wrap="square" lIns="91440" tIns="45720" rIns="91440" bIns="45720" anchor="b">
+            <a:normAutofit/>
           </a:bodyPr>
           <a:lstStyle/>
           <a:p>
@@ -12302,6 +12385,7 @@
               <a:buFontTx/>
               <a:buNone/>
             </a:pPr>
+            <a:endParaRPr/>
           </a:p>
         </p:txBody>
       </p:sp>
@@ -12309,18 +12393,20 @@
         <p:nvSpPr>
           <p:cNvPr id="41" name="Rect 0"/>
           <p:cNvSpPr txBox="1">
-            <a:spLocks/>
+            <a:spLocks noGrp="1"/>
           </p:cNvSpPr>
           <p:nvPr>
             <p:ph type="body"/>
           </p:nvPr>
         </p:nvSpPr>
         <p:spPr>
-          <a:xfrm rot="0">
+          <a:xfrm>
             <a:off x="4645025" y="2174875"/>
             <a:ext cx="4042410" cy="3952240"/>
           </a:xfrm>
-          <a:prstGeom prst="rect"/>
+          <a:prstGeom prst="rect">
+            <a:avLst/>
+          </a:prstGeom>
           <a:noFill/>
           <a:ln w="0">
             <a:noFill/>
@@ -12328,12 +12414,13 @@
           </a:ln>
         </p:spPr>
         <p:txBody>
-          <a:bodyPr wrap="square" lIns="91440" tIns="45720" rIns="91440" bIns="45720" vert="horz" anchor="t">
-            <a:normAutofit fontScale="100000" lnSpcReduction="0"/>
+          <a:bodyPr vert="horz" wrap="square" lIns="91440" tIns="45720" rIns="91440" bIns="45720" anchor="t">
+            <a:normAutofit/>
           </a:bodyPr>
           <a:lstStyle/>
           <a:p>
             <a:pPr marL="457200" indent="-381000" latinLnBrk="0"/>
+            <a:endParaRPr/>
           </a:p>
         </p:txBody>
       </p:sp>
@@ -12341,18 +12428,20 @@
         <p:nvSpPr>
           <p:cNvPr id="42" name="Rect 0"/>
           <p:cNvSpPr txBox="1">
-            <a:spLocks/>
+            <a:spLocks noGrp="1"/>
           </p:cNvSpPr>
           <p:nvPr>
             <p:ph type="dt"/>
           </p:nvPr>
         </p:nvSpPr>
         <p:spPr>
-          <a:xfrm rot="0">
+          <a:xfrm>
             <a:off x="457200" y="6356350"/>
             <a:ext cx="2134235" cy="365760"/>
           </a:xfrm>
-          <a:prstGeom prst="rect"/>
+          <a:prstGeom prst="rect">
+            <a:avLst/>
+          </a:prstGeom>
           <a:noFill/>
           <a:ln w="0">
             <a:noFill/>
@@ -12360,7 +12449,7 @@
           </a:ln>
         </p:spPr>
         <p:txBody>
-          <a:bodyPr wrap="square" lIns="91440" tIns="45720" rIns="91440" bIns="45720" vert="horz" anchor="ctr">
+          <a:bodyPr vert="horz" wrap="square" lIns="91440" tIns="45720" rIns="91440" bIns="45720" anchor="ctr">
             <a:noAutofit/>
           </a:bodyPr>
           <a:lstStyle/>
@@ -12369,6 +12458,7 @@
               <a:buFontTx/>
               <a:buNone/>
             </a:pPr>
+            <a:endParaRPr/>
           </a:p>
         </p:txBody>
       </p:sp>
@@ -12376,18 +12466,20 @@
         <p:nvSpPr>
           <p:cNvPr id="43" name="Rect 0"/>
           <p:cNvSpPr txBox="1">
-            <a:spLocks/>
+            <a:spLocks noGrp="1"/>
           </p:cNvSpPr>
           <p:nvPr>
             <p:ph type="ftr"/>
           </p:nvPr>
         </p:nvSpPr>
         <p:spPr>
-          <a:xfrm rot="0">
+          <a:xfrm>
             <a:off x="3124200" y="6356350"/>
             <a:ext cx="2896235" cy="365760"/>
           </a:xfrm>
-          <a:prstGeom prst="rect"/>
+          <a:prstGeom prst="rect">
+            <a:avLst/>
+          </a:prstGeom>
           <a:noFill/>
           <a:ln w="0">
             <a:noFill/>
@@ -12395,7 +12487,7 @@
           </a:ln>
         </p:spPr>
         <p:txBody>
-          <a:bodyPr wrap="square" lIns="91440" tIns="45720" rIns="91440" bIns="45720" vert="horz" anchor="ctr">
+          <a:bodyPr vert="horz" wrap="square" lIns="91440" tIns="45720" rIns="91440" bIns="45720" anchor="ctr">
             <a:noAutofit/>
           </a:bodyPr>
           <a:lstStyle/>
@@ -12404,6 +12496,7 @@
               <a:buFontTx/>
               <a:buNone/>
             </a:pPr>
+            <a:endParaRPr/>
           </a:p>
         </p:txBody>
       </p:sp>
@@ -12411,18 +12504,20 @@
         <p:nvSpPr>
           <p:cNvPr id="44" name="Rect 0"/>
           <p:cNvSpPr txBox="1">
-            <a:spLocks/>
+            <a:spLocks noGrp="1"/>
           </p:cNvSpPr>
           <p:nvPr>
             <p:ph type="sldNum"/>
           </p:nvPr>
         </p:nvSpPr>
         <p:spPr>
-          <a:xfrm rot="0">
+          <a:xfrm>
             <a:off x="6553200" y="6356350"/>
             <a:ext cx="2134235" cy="365760"/>
           </a:xfrm>
-          <a:prstGeom prst="rect"/>
+          <a:prstGeom prst="rect">
+            <a:avLst/>
+          </a:prstGeom>
           <a:noFill/>
           <a:ln w="0">
             <a:noFill/>
@@ -12430,12 +12525,12 @@
           </a:ln>
         </p:spPr>
         <p:txBody>
-          <a:bodyPr wrap="square" lIns="91440" tIns="45720" rIns="91440" bIns="45720" vert="horz" anchor="ctr">
+          <a:bodyPr vert="horz" wrap="square" lIns="91440" tIns="45720" rIns="91440" bIns="45720" anchor="ctr">
             <a:noAutofit/>
           </a:bodyPr>
           <a:lstStyle/>
           <a:p>
-            <a:pPr marL="0" indent="0" rtl="0" algn="r" latinLnBrk="0">
+            <a:pPr marL="0" indent="0" algn="r" rtl="0" latinLnBrk="0">
               <a:buFontTx/>
               <a:buNone/>
             </a:pPr>
@@ -12446,6 +12541,10 @@
               </a:rPr>
               <a:t>‹#›</a:t>
             </a:fld>
+            <a:endParaRPr>
+              <a:latin typeface="맑은 고딕" charset="0"/>
+              <a:ea typeface="맑은 고딕" charset="0"/>
+            </a:endParaRPr>
           </a:p>
         </p:txBody>
       </p:sp>
@@ -12454,14 +12553,6 @@
   <p:clrMapOvr>
     <a:overrideClrMapping bg1="lt1" tx1="dk1" bg2="lt2" tx2="dk2" accent1="accent1" accent2="accent2" accent3="accent3" accent4="accent4" accent5="accent5" accent6="accent6" hlink="hlink" folHlink="folHlink"/>
   </p:clrMapOvr>
-  <mc:AlternateContent xmlns:mc="http://schemas.openxmlformats.org/markup-compatibility/2006">
-    <mc:Choice xmlns:p14="http://schemas.microsoft.com/office/powerpoint/2010/main" Requires="p14">
-      <p:transition spd="slow" p14:dur="2000"/>
-    </mc:Choice>
-    <mc:Fallback>
-      <p:transition spd="slow"/>
-    </mc:Fallback>
-  </mc:AlternateContent>
 </p:sldLayout>
 </file>
 
@@ -12486,18 +12577,20 @@
         <p:nvSpPr>
           <p:cNvPr id="46" name="Rect 0"/>
           <p:cNvSpPr txBox="1">
-            <a:spLocks/>
+            <a:spLocks noGrp="1"/>
           </p:cNvSpPr>
           <p:nvPr>
             <p:ph type="title"/>
           </p:nvPr>
         </p:nvSpPr>
         <p:spPr>
-          <a:xfrm rot="0">
+          <a:xfrm>
             <a:off x="457200" y="274955"/>
             <a:ext cx="8230235" cy="1143635"/>
           </a:xfrm>
-          <a:prstGeom prst="rect"/>
+          <a:prstGeom prst="rect">
+            <a:avLst/>
+          </a:prstGeom>
           <a:noFill/>
           <a:ln w="0">
             <a:noFill/>
@@ -12505,8 +12598,8 @@
           </a:ln>
         </p:spPr>
         <p:txBody>
-          <a:bodyPr wrap="square" lIns="91440" tIns="45720" rIns="91440" bIns="45720" vert="horz" anchor="ctr">
-            <a:normAutofit fontScale="100000" lnSpcReduction="0"/>
+          <a:bodyPr vert="horz" wrap="square" lIns="91440" tIns="45720" rIns="91440" bIns="45720" anchor="ctr">
+            <a:normAutofit/>
           </a:bodyPr>
           <a:lstStyle/>
           <a:p>
@@ -12514,6 +12607,7 @@
               <a:buFontTx/>
               <a:buNone/>
             </a:pPr>
+            <a:endParaRPr/>
           </a:p>
         </p:txBody>
       </p:sp>
@@ -12521,18 +12615,20 @@
         <p:nvSpPr>
           <p:cNvPr id="47" name="Rect 0"/>
           <p:cNvSpPr txBox="1">
-            <a:spLocks/>
+            <a:spLocks noGrp="1"/>
           </p:cNvSpPr>
           <p:nvPr>
             <p:ph type="dt"/>
           </p:nvPr>
         </p:nvSpPr>
         <p:spPr>
-          <a:xfrm rot="0">
+          <a:xfrm>
             <a:off x="457200" y="6356350"/>
             <a:ext cx="2134235" cy="365760"/>
           </a:xfrm>
-          <a:prstGeom prst="rect"/>
+          <a:prstGeom prst="rect">
+            <a:avLst/>
+          </a:prstGeom>
           <a:noFill/>
           <a:ln w="0">
             <a:noFill/>
@@ -12540,7 +12636,7 @@
           </a:ln>
         </p:spPr>
         <p:txBody>
-          <a:bodyPr wrap="square" lIns="91440" tIns="45720" rIns="91440" bIns="45720" vert="horz" anchor="ctr">
+          <a:bodyPr vert="horz" wrap="square" lIns="91440" tIns="45720" rIns="91440" bIns="45720" anchor="ctr">
             <a:noAutofit/>
           </a:bodyPr>
           <a:lstStyle/>
@@ -12549,6 +12645,7 @@
               <a:buFontTx/>
               <a:buNone/>
             </a:pPr>
+            <a:endParaRPr/>
           </a:p>
         </p:txBody>
       </p:sp>
@@ -12556,18 +12653,20 @@
         <p:nvSpPr>
           <p:cNvPr id="48" name="Rect 0"/>
           <p:cNvSpPr txBox="1">
-            <a:spLocks/>
+            <a:spLocks noGrp="1"/>
           </p:cNvSpPr>
           <p:nvPr>
             <p:ph type="ftr"/>
           </p:nvPr>
         </p:nvSpPr>
         <p:spPr>
-          <a:xfrm rot="0">
+          <a:xfrm>
             <a:off x="3124200" y="6356350"/>
             <a:ext cx="2896235" cy="365760"/>
           </a:xfrm>
-          <a:prstGeom prst="rect"/>
+          <a:prstGeom prst="rect">
+            <a:avLst/>
+          </a:prstGeom>
           <a:noFill/>
           <a:ln w="0">
             <a:noFill/>
@@ -12575,7 +12674,7 @@
           </a:ln>
         </p:spPr>
         <p:txBody>
-          <a:bodyPr wrap="square" lIns="91440" tIns="45720" rIns="91440" bIns="45720" vert="horz" anchor="ctr">
+          <a:bodyPr vert="horz" wrap="square" lIns="91440" tIns="45720" rIns="91440" bIns="45720" anchor="ctr">
             <a:noAutofit/>
           </a:bodyPr>
           <a:lstStyle/>
@@ -12584,6 +12683,7 @@
               <a:buFontTx/>
               <a:buNone/>
             </a:pPr>
+            <a:endParaRPr/>
           </a:p>
         </p:txBody>
       </p:sp>
@@ -12591,18 +12691,20 @@
         <p:nvSpPr>
           <p:cNvPr id="49" name="Rect 0"/>
           <p:cNvSpPr txBox="1">
-            <a:spLocks/>
+            <a:spLocks noGrp="1"/>
           </p:cNvSpPr>
           <p:nvPr>
             <p:ph type="sldNum"/>
           </p:nvPr>
         </p:nvSpPr>
         <p:spPr>
-          <a:xfrm rot="0">
+          <a:xfrm>
             <a:off x="6553200" y="6356350"/>
             <a:ext cx="2134235" cy="365760"/>
           </a:xfrm>
-          <a:prstGeom prst="rect"/>
+          <a:prstGeom prst="rect">
+            <a:avLst/>
+          </a:prstGeom>
           <a:noFill/>
           <a:ln w="0">
             <a:noFill/>
@@ -12610,12 +12712,12 @@
           </a:ln>
         </p:spPr>
         <p:txBody>
-          <a:bodyPr wrap="square" lIns="91440" tIns="45720" rIns="91440" bIns="45720" vert="horz" anchor="ctr">
+          <a:bodyPr vert="horz" wrap="square" lIns="91440" tIns="45720" rIns="91440" bIns="45720" anchor="ctr">
             <a:noAutofit/>
           </a:bodyPr>
           <a:lstStyle/>
           <a:p>
-            <a:pPr marL="0" indent="0" rtl="0" algn="r" latinLnBrk="0">
+            <a:pPr marL="0" indent="0" algn="r" rtl="0" latinLnBrk="0">
               <a:buFontTx/>
               <a:buNone/>
             </a:pPr>
@@ -12626,6 +12728,10 @@
               </a:rPr>
               <a:t>‹#›</a:t>
             </a:fld>
+            <a:endParaRPr>
+              <a:latin typeface="맑은 고딕" charset="0"/>
+              <a:ea typeface="맑은 고딕" charset="0"/>
+            </a:endParaRPr>
           </a:p>
         </p:txBody>
       </p:sp>
@@ -12634,14 +12740,6 @@
   <p:clrMapOvr>
     <a:overrideClrMapping bg1="lt1" tx1="dk1" bg2="lt2" tx2="dk2" accent1="accent1" accent2="accent2" accent3="accent3" accent4="accent4" accent5="accent5" accent6="accent6" hlink="hlink" folHlink="folHlink"/>
   </p:clrMapOvr>
-  <mc:AlternateContent xmlns:mc="http://schemas.openxmlformats.org/markup-compatibility/2006">
-    <mc:Choice xmlns:p14="http://schemas.microsoft.com/office/powerpoint/2010/main" Requires="p14">
-      <p:transition spd="slow" p14:dur="2000"/>
-    </mc:Choice>
-    <mc:Fallback>
-      <p:transition spd="slow"/>
-    </mc:Fallback>
-  </mc:AlternateContent>
 </p:sldLayout>
 </file>
 
@@ -12666,18 +12764,20 @@
         <p:nvSpPr>
           <p:cNvPr id="51" name="Rect 0"/>
           <p:cNvSpPr txBox="1">
-            <a:spLocks/>
+            <a:spLocks noGrp="1"/>
           </p:cNvSpPr>
           <p:nvPr>
             <p:ph type="dt"/>
           </p:nvPr>
         </p:nvSpPr>
         <p:spPr>
-          <a:xfrm rot="0">
+          <a:xfrm>
             <a:off x="457200" y="6356350"/>
             <a:ext cx="2134235" cy="365760"/>
           </a:xfrm>
-          <a:prstGeom prst="rect"/>
+          <a:prstGeom prst="rect">
+            <a:avLst/>
+          </a:prstGeom>
           <a:noFill/>
           <a:ln w="0">
             <a:noFill/>
@@ -12685,7 +12785,7 @@
           </a:ln>
         </p:spPr>
         <p:txBody>
-          <a:bodyPr wrap="square" lIns="91440" tIns="45720" rIns="91440" bIns="45720" vert="horz" anchor="ctr">
+          <a:bodyPr vert="horz" wrap="square" lIns="91440" tIns="45720" rIns="91440" bIns="45720" anchor="ctr">
             <a:noAutofit/>
           </a:bodyPr>
           <a:lstStyle/>
@@ -12694,6 +12794,7 @@
               <a:buFontTx/>
               <a:buNone/>
             </a:pPr>
+            <a:endParaRPr/>
           </a:p>
         </p:txBody>
       </p:sp>
@@ -12701,18 +12802,20 @@
         <p:nvSpPr>
           <p:cNvPr id="52" name="Rect 0"/>
           <p:cNvSpPr txBox="1">
-            <a:spLocks/>
+            <a:spLocks noGrp="1"/>
           </p:cNvSpPr>
           <p:nvPr>
             <p:ph type="ftr"/>
           </p:nvPr>
         </p:nvSpPr>
         <p:spPr>
-          <a:xfrm rot="0">
+          <a:xfrm>
             <a:off x="3124200" y="6356350"/>
             <a:ext cx="2896235" cy="365760"/>
           </a:xfrm>
-          <a:prstGeom prst="rect"/>
+          <a:prstGeom prst="rect">
+            <a:avLst/>
+          </a:prstGeom>
           <a:noFill/>
           <a:ln w="0">
             <a:noFill/>
@@ -12720,7 +12823,7 @@
           </a:ln>
         </p:spPr>
         <p:txBody>
-          <a:bodyPr wrap="square" lIns="91440" tIns="45720" rIns="91440" bIns="45720" vert="horz" anchor="ctr">
+          <a:bodyPr vert="horz" wrap="square" lIns="91440" tIns="45720" rIns="91440" bIns="45720" anchor="ctr">
             <a:noAutofit/>
           </a:bodyPr>
           <a:lstStyle/>
@@ -12729,6 +12832,7 @@
               <a:buFontTx/>
               <a:buNone/>
             </a:pPr>
+            <a:endParaRPr/>
           </a:p>
         </p:txBody>
       </p:sp>
@@ -12736,18 +12840,20 @@
         <p:nvSpPr>
           <p:cNvPr id="53" name="Rect 0"/>
           <p:cNvSpPr txBox="1">
-            <a:spLocks/>
+            <a:spLocks noGrp="1"/>
           </p:cNvSpPr>
           <p:nvPr>
             <p:ph type="sldNum"/>
           </p:nvPr>
         </p:nvSpPr>
         <p:spPr>
-          <a:xfrm rot="0">
+          <a:xfrm>
             <a:off x="6553200" y="6356350"/>
             <a:ext cx="2134235" cy="365760"/>
           </a:xfrm>
-          <a:prstGeom prst="rect"/>
+          <a:prstGeom prst="rect">
+            <a:avLst/>
+          </a:prstGeom>
           <a:noFill/>
           <a:ln w="0">
             <a:noFill/>
@@ -12755,12 +12861,12 @@
           </a:ln>
         </p:spPr>
         <p:txBody>
-          <a:bodyPr wrap="square" lIns="91440" tIns="45720" rIns="91440" bIns="45720" vert="horz" anchor="ctr">
+          <a:bodyPr vert="horz" wrap="square" lIns="91440" tIns="45720" rIns="91440" bIns="45720" anchor="ctr">
             <a:noAutofit/>
           </a:bodyPr>
           <a:lstStyle/>
           <a:p>
-            <a:pPr marL="0" indent="0" rtl="0" algn="r" latinLnBrk="0">
+            <a:pPr marL="0" indent="0" algn="r" rtl="0" latinLnBrk="0">
               <a:buFontTx/>
               <a:buNone/>
             </a:pPr>
@@ -12771,6 +12877,10 @@
               </a:rPr>
               <a:t>‹#›</a:t>
             </a:fld>
+            <a:endParaRPr>
+              <a:latin typeface="맑은 고딕" charset="0"/>
+              <a:ea typeface="맑은 고딕" charset="0"/>
+            </a:endParaRPr>
           </a:p>
         </p:txBody>
       </p:sp>
@@ -12779,14 +12889,6 @@
   <p:clrMapOvr>
     <a:overrideClrMapping bg1="lt1" tx1="dk1" bg2="lt2" tx2="dk2" accent1="accent1" accent2="accent2" accent3="accent3" accent4="accent4" accent5="accent5" accent6="accent6" hlink="hlink" folHlink="folHlink"/>
   </p:clrMapOvr>
-  <mc:AlternateContent xmlns:mc="http://schemas.openxmlformats.org/markup-compatibility/2006">
-    <mc:Choice xmlns:p14="http://schemas.microsoft.com/office/powerpoint/2010/main" Requires="p14">
-      <p:transition spd="slow" p14:dur="2000"/>
-    </mc:Choice>
-    <mc:Fallback>
-      <p:transition spd="slow"/>
-    </mc:Fallback>
-  </mc:AlternateContent>
 </p:sldLayout>
 </file>
 
@@ -12811,18 +12913,20 @@
         <p:nvSpPr>
           <p:cNvPr id="55" name="Rect 0"/>
           <p:cNvSpPr txBox="1">
-            <a:spLocks/>
+            <a:spLocks noGrp="1"/>
           </p:cNvSpPr>
           <p:nvPr>
             <p:ph type="title"/>
           </p:nvPr>
         </p:nvSpPr>
         <p:spPr>
-          <a:xfrm rot="0">
+          <a:xfrm>
             <a:off x="457200" y="273050"/>
             <a:ext cx="3009265" cy="1162685"/>
           </a:xfrm>
-          <a:prstGeom prst="rect"/>
+          <a:prstGeom prst="rect">
+            <a:avLst/>
+          </a:prstGeom>
           <a:noFill/>
           <a:ln w="0">
             <a:noFill/>
@@ -12830,8 +12934,8 @@
           </a:ln>
         </p:spPr>
         <p:txBody>
-          <a:bodyPr wrap="square" lIns="91440" tIns="45720" rIns="91440" bIns="45720" vert="horz" anchor="b">
-            <a:normAutofit fontScale="100000" lnSpcReduction="0"/>
+          <a:bodyPr vert="horz" wrap="square" lIns="91440" tIns="45720" rIns="91440" bIns="45720" anchor="b">
+            <a:normAutofit/>
           </a:bodyPr>
           <a:lstStyle/>
           <a:p>
@@ -12839,6 +12943,7 @@
               <a:buFontTx/>
               <a:buNone/>
             </a:pPr>
+            <a:endParaRPr/>
           </a:p>
         </p:txBody>
       </p:sp>
@@ -12846,18 +12951,20 @@
         <p:nvSpPr>
           <p:cNvPr id="56" name="Rect 0"/>
           <p:cNvSpPr txBox="1">
-            <a:spLocks/>
+            <a:spLocks noGrp="1"/>
           </p:cNvSpPr>
           <p:nvPr>
             <p:ph type="body"/>
           </p:nvPr>
         </p:nvSpPr>
         <p:spPr>
-          <a:xfrm rot="0">
+          <a:xfrm>
             <a:off x="3575050" y="273050"/>
             <a:ext cx="5112385" cy="5854065"/>
           </a:xfrm>
-          <a:prstGeom prst="rect"/>
+          <a:prstGeom prst="rect">
+            <a:avLst/>
+          </a:prstGeom>
           <a:noFill/>
           <a:ln w="0">
             <a:noFill/>
@@ -12865,12 +12972,13 @@
           </a:ln>
         </p:spPr>
         <p:txBody>
-          <a:bodyPr wrap="square" lIns="91440" tIns="45720" rIns="91440" bIns="45720" vert="horz" anchor="t">
-            <a:normAutofit fontScale="100000" lnSpcReduction="0"/>
+          <a:bodyPr vert="horz" wrap="square" lIns="91440" tIns="45720" rIns="91440" bIns="45720" anchor="t">
+            <a:normAutofit/>
           </a:bodyPr>
           <a:lstStyle/>
           <a:p>
             <a:pPr marL="457200" indent="-431800" latinLnBrk="0"/>
+            <a:endParaRPr/>
           </a:p>
         </p:txBody>
       </p:sp>
@@ -12878,18 +12986,20 @@
         <p:nvSpPr>
           <p:cNvPr id="57" name="Rect 0"/>
           <p:cNvSpPr txBox="1">
-            <a:spLocks/>
+            <a:spLocks noGrp="1"/>
           </p:cNvSpPr>
           <p:nvPr>
             <p:ph type="body"/>
           </p:nvPr>
         </p:nvSpPr>
         <p:spPr>
-          <a:xfrm rot="0">
+          <a:xfrm>
             <a:off x="457200" y="1435100"/>
             <a:ext cx="3009265" cy="4692015"/>
           </a:xfrm>
-          <a:prstGeom prst="rect"/>
+          <a:prstGeom prst="rect">
+            <a:avLst/>
+          </a:prstGeom>
           <a:noFill/>
           <a:ln w="0">
             <a:noFill/>
@@ -12897,8 +13007,8 @@
           </a:ln>
         </p:spPr>
         <p:txBody>
-          <a:bodyPr wrap="square" lIns="91440" tIns="45720" rIns="91440" bIns="45720" vert="horz" anchor="t">
-            <a:normAutofit fontScale="100000" lnSpcReduction="0"/>
+          <a:bodyPr vert="horz" wrap="square" lIns="91440" tIns="45720" rIns="91440" bIns="45720" anchor="t">
+            <a:normAutofit/>
           </a:bodyPr>
           <a:lstStyle/>
           <a:p>
@@ -12906,6 +13016,7 @@
               <a:buFontTx/>
               <a:buNone/>
             </a:pPr>
+            <a:endParaRPr/>
           </a:p>
         </p:txBody>
       </p:sp>
@@ -12913,18 +13024,20 @@
         <p:nvSpPr>
           <p:cNvPr id="58" name="Rect 0"/>
           <p:cNvSpPr txBox="1">
-            <a:spLocks/>
+            <a:spLocks noGrp="1"/>
           </p:cNvSpPr>
           <p:nvPr>
             <p:ph type="dt"/>
           </p:nvPr>
         </p:nvSpPr>
         <p:spPr>
-          <a:xfrm rot="0">
+          <a:xfrm>
             <a:off x="457200" y="6356350"/>
             <a:ext cx="2134235" cy="365760"/>
           </a:xfrm>
-          <a:prstGeom prst="rect"/>
+          <a:prstGeom prst="rect">
+            <a:avLst/>
+          </a:prstGeom>
           <a:noFill/>
           <a:ln w="0">
             <a:noFill/>
@@ -12932,7 +13045,7 @@
           </a:ln>
         </p:spPr>
         <p:txBody>
-          <a:bodyPr wrap="square" lIns="91440" tIns="45720" rIns="91440" bIns="45720" vert="horz" anchor="ctr">
+          <a:bodyPr vert="horz" wrap="square" lIns="91440" tIns="45720" rIns="91440" bIns="45720" anchor="ctr">
             <a:noAutofit/>
           </a:bodyPr>
           <a:lstStyle/>
@@ -12941,6 +13054,7 @@
               <a:buFontTx/>
               <a:buNone/>
             </a:pPr>
+            <a:endParaRPr/>
           </a:p>
         </p:txBody>
       </p:sp>
@@ -12948,18 +13062,20 @@
         <p:nvSpPr>
           <p:cNvPr id="59" name="Rect 0"/>
           <p:cNvSpPr txBox="1">
-            <a:spLocks/>
+            <a:spLocks noGrp="1"/>
           </p:cNvSpPr>
           <p:nvPr>
             <p:ph type="ftr"/>
           </p:nvPr>
         </p:nvSpPr>
         <p:spPr>
-          <a:xfrm rot="0">
+          <a:xfrm>
             <a:off x="3124200" y="6356350"/>
             <a:ext cx="2896235" cy="365760"/>
           </a:xfrm>
-          <a:prstGeom prst="rect"/>
+          <a:prstGeom prst="rect">
+            <a:avLst/>
+          </a:prstGeom>
           <a:noFill/>
           <a:ln w="0">
             <a:noFill/>
@@ -12967,7 +13083,7 @@
           </a:ln>
         </p:spPr>
         <p:txBody>
-          <a:bodyPr wrap="square" lIns="91440" tIns="45720" rIns="91440" bIns="45720" vert="horz" anchor="ctr">
+          <a:bodyPr vert="horz" wrap="square" lIns="91440" tIns="45720" rIns="91440" bIns="45720" anchor="ctr">
             <a:noAutofit/>
           </a:bodyPr>
           <a:lstStyle/>
@@ -12976,6 +13092,7 @@
               <a:buFontTx/>
               <a:buNone/>
             </a:pPr>
+            <a:endParaRPr/>
           </a:p>
         </p:txBody>
       </p:sp>
@@ -12983,18 +13100,20 @@
         <p:nvSpPr>
           <p:cNvPr id="60" name="Rect 0"/>
           <p:cNvSpPr txBox="1">
-            <a:spLocks/>
+            <a:spLocks noGrp="1"/>
           </p:cNvSpPr>
           <p:nvPr>
             <p:ph type="sldNum"/>
           </p:nvPr>
         </p:nvSpPr>
         <p:spPr>
-          <a:xfrm rot="0">
+          <a:xfrm>
             <a:off x="6553200" y="6356350"/>
             <a:ext cx="2134235" cy="365760"/>
           </a:xfrm>
-          <a:prstGeom prst="rect"/>
+          <a:prstGeom prst="rect">
+            <a:avLst/>
+          </a:prstGeom>
           <a:noFill/>
           <a:ln w="0">
             <a:noFill/>
@@ -13002,12 +13121,12 @@
           </a:ln>
         </p:spPr>
         <p:txBody>
-          <a:bodyPr wrap="square" lIns="91440" tIns="45720" rIns="91440" bIns="45720" vert="horz" anchor="ctr">
+          <a:bodyPr vert="horz" wrap="square" lIns="91440" tIns="45720" rIns="91440" bIns="45720" anchor="ctr">
             <a:noAutofit/>
           </a:bodyPr>
           <a:lstStyle/>
           <a:p>
-            <a:pPr marL="0" indent="0" rtl="0" algn="r" latinLnBrk="0">
+            <a:pPr marL="0" indent="0" algn="r" rtl="0" latinLnBrk="0">
               <a:buFontTx/>
               <a:buNone/>
             </a:pPr>
@@ -13018,6 +13137,10 @@
               </a:rPr>
               <a:t>‹#›</a:t>
             </a:fld>
+            <a:endParaRPr>
+              <a:latin typeface="맑은 고딕" charset="0"/>
+              <a:ea typeface="맑은 고딕" charset="0"/>
+            </a:endParaRPr>
           </a:p>
         </p:txBody>
       </p:sp>
@@ -13026,14 +13149,6 @@
   <p:clrMapOvr>
     <a:overrideClrMapping bg1="lt1" tx1="dk1" bg2="lt2" tx2="dk2" accent1="accent1" accent2="accent2" accent3="accent3" accent4="accent4" accent5="accent5" accent6="accent6" hlink="hlink" folHlink="folHlink"/>
   </p:clrMapOvr>
-  <mc:AlternateContent xmlns:mc="http://schemas.openxmlformats.org/markup-compatibility/2006">
-    <mc:Choice xmlns:p14="http://schemas.microsoft.com/office/powerpoint/2010/main" Requires="p14">
-      <p:transition spd="slow" p14:dur="2000"/>
-    </mc:Choice>
-    <mc:Fallback>
-      <p:transition spd="slow"/>
-    </mc:Fallback>
-  </mc:AlternateContent>
 </p:sldLayout>
 </file>
 
@@ -13058,18 +13173,20 @@
         <p:nvSpPr>
           <p:cNvPr id="62" name="Rect 0"/>
           <p:cNvSpPr txBox="1">
-            <a:spLocks/>
+            <a:spLocks noGrp="1"/>
           </p:cNvSpPr>
           <p:nvPr>
             <p:ph type="title"/>
           </p:nvPr>
         </p:nvSpPr>
         <p:spPr>
-          <a:xfrm rot="0">
+          <a:xfrm>
             <a:off x="1792605" y="4800600"/>
             <a:ext cx="5487035" cy="567690"/>
           </a:xfrm>
-          <a:prstGeom prst="rect"/>
+          <a:prstGeom prst="rect">
+            <a:avLst/>
+          </a:prstGeom>
           <a:noFill/>
           <a:ln w="0">
             <a:noFill/>
@@ -13077,8 +13194,8 @@
           </a:ln>
         </p:spPr>
         <p:txBody>
-          <a:bodyPr wrap="square" lIns="91440" tIns="45720" rIns="91440" bIns="45720" vert="horz" anchor="b">
-            <a:normAutofit fontScale="100000" lnSpcReduction="0"/>
+          <a:bodyPr vert="horz" wrap="square" lIns="91440" tIns="45720" rIns="91440" bIns="45720" anchor="b">
+            <a:normAutofit/>
           </a:bodyPr>
           <a:lstStyle/>
           <a:p>
@@ -13086,6 +13203,7 @@
               <a:buFontTx/>
               <a:buNone/>
             </a:pPr>
+            <a:endParaRPr/>
           </a:p>
         </p:txBody>
       </p:sp>
@@ -13093,18 +13211,20 @@
         <p:nvSpPr>
           <p:cNvPr id="63" name="Rect 0"/>
           <p:cNvSpPr txBox="1">
-            <a:spLocks/>
+            <a:spLocks noGrp="1"/>
           </p:cNvSpPr>
           <p:nvPr>
             <p:ph type="pic"/>
           </p:nvPr>
         </p:nvSpPr>
         <p:spPr>
-          <a:xfrm rot="0">
+          <a:xfrm>
             <a:off x="1792605" y="612775"/>
             <a:ext cx="5487035" cy="4115435"/>
           </a:xfrm>
-          <a:prstGeom prst="rect"/>
+          <a:prstGeom prst="rect">
+            <a:avLst/>
+          </a:prstGeom>
           <a:noFill/>
           <a:ln w="0">
             <a:noFill/>
@@ -13116,18 +13236,20 @@
         <p:nvSpPr>
           <p:cNvPr id="64" name="Rect 0"/>
           <p:cNvSpPr txBox="1">
-            <a:spLocks/>
+            <a:spLocks noGrp="1"/>
           </p:cNvSpPr>
           <p:nvPr>
             <p:ph type="body"/>
           </p:nvPr>
         </p:nvSpPr>
         <p:spPr>
-          <a:xfrm rot="0">
+          <a:xfrm>
             <a:off x="1792605" y="5367655"/>
             <a:ext cx="5487035" cy="805180"/>
           </a:xfrm>
-          <a:prstGeom prst="rect"/>
+          <a:prstGeom prst="rect">
+            <a:avLst/>
+          </a:prstGeom>
           <a:noFill/>
           <a:ln w="0">
             <a:noFill/>
@@ -13135,8 +13257,8 @@
           </a:ln>
         </p:spPr>
         <p:txBody>
-          <a:bodyPr wrap="square" lIns="91440" tIns="45720" rIns="91440" bIns="45720" vert="horz" anchor="t">
-            <a:normAutofit fontScale="100000" lnSpcReduction="0"/>
+          <a:bodyPr vert="horz" wrap="square" lIns="91440" tIns="45720" rIns="91440" bIns="45720" anchor="t">
+            <a:normAutofit/>
           </a:bodyPr>
           <a:lstStyle/>
           <a:p>
@@ -13144,6 +13266,7 @@
               <a:buFontTx/>
               <a:buNone/>
             </a:pPr>
+            <a:endParaRPr/>
           </a:p>
         </p:txBody>
       </p:sp>
@@ -13151,18 +13274,20 @@
         <p:nvSpPr>
           <p:cNvPr id="65" name="Rect 0"/>
           <p:cNvSpPr txBox="1">
-            <a:spLocks/>
+            <a:spLocks noGrp="1"/>
           </p:cNvSpPr>
           <p:nvPr>
             <p:ph type="dt"/>
           </p:nvPr>
         </p:nvSpPr>
         <p:spPr>
-          <a:xfrm rot="0">
+          <a:xfrm>
             <a:off x="457200" y="6356350"/>
             <a:ext cx="2134235" cy="365760"/>
           </a:xfrm>
-          <a:prstGeom prst="rect"/>
+          <a:prstGeom prst="rect">
+            <a:avLst/>
+          </a:prstGeom>
           <a:noFill/>
           <a:ln w="0">
             <a:noFill/>
@@ -13170,7 +13295,7 @@
           </a:ln>
         </p:spPr>
         <p:txBody>
-          <a:bodyPr wrap="square" lIns="91440" tIns="45720" rIns="91440" bIns="45720" vert="horz" anchor="ctr">
+          <a:bodyPr vert="horz" wrap="square" lIns="91440" tIns="45720" rIns="91440" bIns="45720" anchor="ctr">
             <a:noAutofit/>
           </a:bodyPr>
           <a:lstStyle/>
@@ -13179,6 +13304,7 @@
               <a:buFontTx/>
               <a:buNone/>
             </a:pPr>
+            <a:endParaRPr/>
           </a:p>
         </p:txBody>
       </p:sp>
@@ -13186,18 +13312,20 @@
         <p:nvSpPr>
           <p:cNvPr id="66" name="Rect 0"/>
           <p:cNvSpPr txBox="1">
-            <a:spLocks/>
+            <a:spLocks noGrp="1"/>
           </p:cNvSpPr>
           <p:nvPr>
             <p:ph type="ftr"/>
           </p:nvPr>
         </p:nvSpPr>
         <p:spPr>
-          <a:xfrm rot="0">
+          <a:xfrm>
             <a:off x="3124200" y="6356350"/>
             <a:ext cx="2896235" cy="365760"/>
           </a:xfrm>
-          <a:prstGeom prst="rect"/>
+          <a:prstGeom prst="rect">
+            <a:avLst/>
+          </a:prstGeom>
           <a:noFill/>
           <a:ln w="0">
             <a:noFill/>
@@ -13205,7 +13333,7 @@
           </a:ln>
         </p:spPr>
         <p:txBody>
-          <a:bodyPr wrap="square" lIns="91440" tIns="45720" rIns="91440" bIns="45720" vert="horz" anchor="ctr">
+          <a:bodyPr vert="horz" wrap="square" lIns="91440" tIns="45720" rIns="91440" bIns="45720" anchor="ctr">
             <a:noAutofit/>
           </a:bodyPr>
           <a:lstStyle/>
@@ -13214,6 +13342,7 @@
               <a:buFontTx/>
               <a:buNone/>
             </a:pPr>
+            <a:endParaRPr/>
           </a:p>
         </p:txBody>
       </p:sp>
@@ -13221,18 +13350,20 @@
         <p:nvSpPr>
           <p:cNvPr id="67" name="Rect 0"/>
           <p:cNvSpPr txBox="1">
-            <a:spLocks/>
+            <a:spLocks noGrp="1"/>
           </p:cNvSpPr>
           <p:nvPr>
             <p:ph type="sldNum"/>
           </p:nvPr>
         </p:nvSpPr>
         <p:spPr>
-          <a:xfrm rot="0">
+          <a:xfrm>
             <a:off x="6553200" y="6356350"/>
             <a:ext cx="2134235" cy="365760"/>
           </a:xfrm>
-          <a:prstGeom prst="rect"/>
+          <a:prstGeom prst="rect">
+            <a:avLst/>
+          </a:prstGeom>
           <a:noFill/>
           <a:ln w="0">
             <a:noFill/>
@@ -13240,12 +13371,12 @@
           </a:ln>
         </p:spPr>
         <p:txBody>
-          <a:bodyPr wrap="square" lIns="91440" tIns="45720" rIns="91440" bIns="45720" vert="horz" anchor="ctr">
+          <a:bodyPr vert="horz" wrap="square" lIns="91440" tIns="45720" rIns="91440" bIns="45720" anchor="ctr">
             <a:noAutofit/>
           </a:bodyPr>
           <a:lstStyle/>
           <a:p>
-            <a:pPr marL="0" indent="0" rtl="0" algn="r" latinLnBrk="0">
+            <a:pPr marL="0" indent="0" algn="r" rtl="0" latinLnBrk="0">
               <a:buFontTx/>
               <a:buNone/>
             </a:pPr>
@@ -13256,6 +13387,10 @@
               </a:rPr>
               <a:t>‹#›</a:t>
             </a:fld>
+            <a:endParaRPr>
+              <a:latin typeface="맑은 고딕" charset="0"/>
+              <a:ea typeface="맑은 고딕" charset="0"/>
+            </a:endParaRPr>
           </a:p>
         </p:txBody>
       </p:sp>
@@ -13264,14 +13399,6 @@
   <p:clrMapOvr>
     <a:overrideClrMapping bg1="lt1" tx1="dk1" bg2="lt2" tx2="dk2" accent1="accent1" accent2="accent2" accent3="accent3" accent4="accent4" accent5="accent5" accent6="accent6" hlink="hlink" folHlink="folHlink"/>
   </p:clrMapOvr>
-  <mc:AlternateContent xmlns:mc="http://schemas.openxmlformats.org/markup-compatibility/2006">
-    <mc:Choice xmlns:p14="http://schemas.microsoft.com/office/powerpoint/2010/main" Requires="p14">
-      <p:transition spd="slow" p14:dur="2000"/>
-    </mc:Choice>
-    <mc:Fallback>
-      <p:transition spd="slow"/>
-    </mc:Fallback>
-  </mc:AlternateContent>
 </p:sldLayout>
 </file>
 
@@ -13296,18 +13423,20 @@
         <p:nvSpPr>
           <p:cNvPr id="69" name="Rect 0"/>
           <p:cNvSpPr txBox="1">
-            <a:spLocks/>
+            <a:spLocks noGrp="1"/>
           </p:cNvSpPr>
           <p:nvPr>
             <p:ph type="title"/>
           </p:nvPr>
         </p:nvSpPr>
         <p:spPr>
-          <a:xfrm rot="0">
+          <a:xfrm>
             <a:off x="457200" y="274955"/>
             <a:ext cx="8230235" cy="1143635"/>
           </a:xfrm>
-          <a:prstGeom prst="rect"/>
+          <a:prstGeom prst="rect">
+            <a:avLst/>
+          </a:prstGeom>
           <a:noFill/>
           <a:ln w="0">
             <a:noFill/>
@@ -13315,8 +13444,8 @@
           </a:ln>
         </p:spPr>
         <p:txBody>
-          <a:bodyPr wrap="square" lIns="91440" tIns="45720" rIns="91440" bIns="45720" vert="horz" anchor="ctr">
-            <a:normAutofit fontScale="100000" lnSpcReduction="0"/>
+          <a:bodyPr vert="horz" wrap="square" lIns="91440" tIns="45720" rIns="91440" bIns="45720" anchor="ctr">
+            <a:normAutofit/>
           </a:bodyPr>
           <a:lstStyle/>
           <a:p>
@@ -13324,6 +13453,7 @@
               <a:buFontTx/>
               <a:buNone/>
             </a:pPr>
+            <a:endParaRPr/>
           </a:p>
         </p:txBody>
       </p:sp>
@@ -13331,7 +13461,7 @@
         <p:nvSpPr>
           <p:cNvPr id="70" name="Rect 0"/>
           <p:cNvSpPr txBox="1">
-            <a:spLocks/>
+            <a:spLocks noGrp="1"/>
           </p:cNvSpPr>
           <p:nvPr>
             <p:ph type="body"/>
@@ -13342,7 +13472,9 @@
             <a:off x="2308860" y="-251460"/>
             <a:ext cx="4526915" cy="8230235"/>
           </a:xfrm>
-          <a:prstGeom prst="rect"/>
+          <a:prstGeom prst="rect">
+            <a:avLst/>
+          </a:prstGeom>
           <a:noFill/>
           <a:ln w="0">
             <a:noFill/>
@@ -13350,12 +13482,13 @@
           </a:ln>
         </p:spPr>
         <p:txBody>
-          <a:bodyPr wrap="square" lIns="91440" tIns="45720" rIns="91440" bIns="45720" vert="horz" anchor="t">
-            <a:normAutofit fontScale="100000" lnSpcReduction="0"/>
+          <a:bodyPr vert="horz" wrap="square" lIns="91440" tIns="45720" rIns="91440" bIns="45720" anchor="t">
+            <a:normAutofit/>
           </a:bodyPr>
           <a:lstStyle/>
           <a:p>
             <a:pPr marL="457200" indent="-342900" latinLnBrk="0"/>
+            <a:endParaRPr/>
           </a:p>
         </p:txBody>
       </p:sp>
@@ -13363,18 +13496,20 @@
         <p:nvSpPr>
           <p:cNvPr id="71" name="Rect 0"/>
           <p:cNvSpPr txBox="1">
-            <a:spLocks/>
+            <a:spLocks noGrp="1"/>
           </p:cNvSpPr>
           <p:nvPr>
             <p:ph type="dt"/>
           </p:nvPr>
         </p:nvSpPr>
         <p:spPr>
-          <a:xfrm rot="0">
+          <a:xfrm>
             <a:off x="457200" y="6356350"/>
             <a:ext cx="2134235" cy="365760"/>
           </a:xfrm>
-          <a:prstGeom prst="rect"/>
+          <a:prstGeom prst="rect">
+            <a:avLst/>
+          </a:prstGeom>
           <a:noFill/>
           <a:ln w="0">
             <a:noFill/>
@@ -13382,7 +13517,7 @@
           </a:ln>
         </p:spPr>
         <p:txBody>
-          <a:bodyPr wrap="square" lIns="91440" tIns="45720" rIns="91440" bIns="45720" vert="horz" anchor="ctr">
+          <a:bodyPr vert="horz" wrap="square" lIns="91440" tIns="45720" rIns="91440" bIns="45720" anchor="ctr">
             <a:noAutofit/>
           </a:bodyPr>
           <a:lstStyle/>
@@ -13391,6 +13526,7 @@
               <a:buFontTx/>
               <a:buNone/>
             </a:pPr>
+            <a:endParaRPr/>
           </a:p>
         </p:txBody>
       </p:sp>
@@ -13398,18 +13534,20 @@
         <p:nvSpPr>
           <p:cNvPr id="72" name="Rect 0"/>
           <p:cNvSpPr txBox="1">
-            <a:spLocks/>
+            <a:spLocks noGrp="1"/>
           </p:cNvSpPr>
           <p:nvPr>
             <p:ph type="ftr"/>
           </p:nvPr>
         </p:nvSpPr>
         <p:spPr>
-          <a:xfrm rot="0">
+          <a:xfrm>
             <a:off x="3124200" y="6356350"/>
             <a:ext cx="2896235" cy="365760"/>
           </a:xfrm>
-          <a:prstGeom prst="rect"/>
+          <a:prstGeom prst="rect">
+            <a:avLst/>
+          </a:prstGeom>
           <a:noFill/>
           <a:ln w="0">
             <a:noFill/>
@@ -13417,7 +13555,7 @@
           </a:ln>
         </p:spPr>
         <p:txBody>
-          <a:bodyPr wrap="square" lIns="91440" tIns="45720" rIns="91440" bIns="45720" vert="horz" anchor="ctr">
+          <a:bodyPr vert="horz" wrap="square" lIns="91440" tIns="45720" rIns="91440" bIns="45720" anchor="ctr">
             <a:noAutofit/>
           </a:bodyPr>
           <a:lstStyle/>
@@ -13426,6 +13564,7 @@
               <a:buFontTx/>
               <a:buNone/>
             </a:pPr>
+            <a:endParaRPr/>
           </a:p>
         </p:txBody>
       </p:sp>
@@ -13433,18 +13572,20 @@
         <p:nvSpPr>
           <p:cNvPr id="73" name="Rect 0"/>
           <p:cNvSpPr txBox="1">
-            <a:spLocks/>
+            <a:spLocks noGrp="1"/>
           </p:cNvSpPr>
           <p:nvPr>
             <p:ph type="sldNum"/>
           </p:nvPr>
         </p:nvSpPr>
         <p:spPr>
-          <a:xfrm rot="0">
+          <a:xfrm>
             <a:off x="6553200" y="6356350"/>
             <a:ext cx="2134235" cy="365760"/>
           </a:xfrm>
-          <a:prstGeom prst="rect"/>
+          <a:prstGeom prst="rect">
+            <a:avLst/>
+          </a:prstGeom>
           <a:noFill/>
           <a:ln w="0">
             <a:noFill/>
@@ -13452,12 +13593,12 @@
           </a:ln>
         </p:spPr>
         <p:txBody>
-          <a:bodyPr wrap="square" lIns="91440" tIns="45720" rIns="91440" bIns="45720" vert="horz" anchor="ctr">
+          <a:bodyPr vert="horz" wrap="square" lIns="91440" tIns="45720" rIns="91440" bIns="45720" anchor="ctr">
             <a:noAutofit/>
           </a:bodyPr>
           <a:lstStyle/>
           <a:p>
-            <a:pPr marL="0" indent="0" rtl="0" algn="r" latinLnBrk="0">
+            <a:pPr marL="0" indent="0" algn="r" rtl="0" latinLnBrk="0">
               <a:buFontTx/>
               <a:buNone/>
             </a:pPr>
@@ -13468,6 +13609,10 @@
               </a:rPr>
               <a:t>‹#›</a:t>
             </a:fld>
+            <a:endParaRPr>
+              <a:latin typeface="맑은 고딕" charset="0"/>
+              <a:ea typeface="맑은 고딕" charset="0"/>
+            </a:endParaRPr>
           </a:p>
         </p:txBody>
       </p:sp>
@@ -13476,14 +13621,6 @@
   <p:clrMapOvr>
     <a:overrideClrMapping bg1="lt1" tx1="dk1" bg2="lt2" tx2="dk2" accent1="accent1" accent2="accent2" accent3="accent3" accent4="accent4" accent5="accent5" accent6="accent6" hlink="hlink" folHlink="folHlink"/>
   </p:clrMapOvr>
-  <mc:AlternateContent xmlns:mc="http://schemas.openxmlformats.org/markup-compatibility/2006">
-    <mc:Choice xmlns:p14="http://schemas.microsoft.com/office/powerpoint/2010/main" Requires="p14">
-      <p:transition spd="slow" p14:dur="2000"/>
-    </mc:Choice>
-    <mc:Fallback>
-      <p:transition spd="slow"/>
-    </mc:Fallback>
-  </mc:AlternateContent>
 </p:sldLayout>
 </file>
 
@@ -14686,7 +14823,7 @@
         <p:nvSpPr>
           <p:cNvPr id="75" name="Rect 0"/>
           <p:cNvSpPr txBox="1">
-            <a:spLocks/>
+            <a:spLocks noGrp="1"/>
           </p:cNvSpPr>
           <p:nvPr>
             <p:ph type="title"/>
@@ -14697,7 +14834,9 @@
             <a:off x="4732655" y="2171700"/>
             <a:ext cx="5852160" cy="2058035"/>
           </a:xfrm>
-          <a:prstGeom prst="rect"/>
+          <a:prstGeom prst="rect">
+            <a:avLst/>
+          </a:prstGeom>
           <a:noFill/>
           <a:ln w="0">
             <a:noFill/>
@@ -14705,8 +14844,8 @@
           </a:ln>
         </p:spPr>
         <p:txBody>
-          <a:bodyPr wrap="square" lIns="91440" tIns="45720" rIns="91440" bIns="45720" vert="horz" anchor="ctr">
-            <a:normAutofit fontScale="100000" lnSpcReduction="0"/>
+          <a:bodyPr vert="horz" wrap="square" lIns="91440" tIns="45720" rIns="91440" bIns="45720" anchor="ctr">
+            <a:normAutofit/>
           </a:bodyPr>
           <a:lstStyle/>
           <a:p>
@@ -14714,6 +14853,7 @@
               <a:buFontTx/>
               <a:buNone/>
             </a:pPr>
+            <a:endParaRPr/>
           </a:p>
         </p:txBody>
       </p:sp>
@@ -14721,7 +14861,7 @@
         <p:nvSpPr>
           <p:cNvPr id="76" name="Rect 0"/>
           <p:cNvSpPr txBox="1">
-            <a:spLocks/>
+            <a:spLocks noGrp="1"/>
           </p:cNvSpPr>
           <p:nvPr>
             <p:ph type="body"/>
@@ -14732,7 +14872,9 @@
             <a:off x="541655" y="190500"/>
             <a:ext cx="5852160" cy="6020435"/>
           </a:xfrm>
-          <a:prstGeom prst="rect"/>
+          <a:prstGeom prst="rect">
+            <a:avLst/>
+          </a:prstGeom>
           <a:noFill/>
           <a:ln w="0">
             <a:noFill/>
@@ -14740,12 +14882,13 @@
           </a:ln>
         </p:spPr>
         <p:txBody>
-          <a:bodyPr wrap="square" lIns="91440" tIns="45720" rIns="91440" bIns="45720" vert="horz" anchor="t">
-            <a:normAutofit fontScale="100000" lnSpcReduction="0"/>
+          <a:bodyPr vert="horz" wrap="square" lIns="91440" tIns="45720" rIns="91440" bIns="45720" anchor="t">
+            <a:normAutofit/>
           </a:bodyPr>
           <a:lstStyle/>
           <a:p>
             <a:pPr marL="457200" indent="-342900" latinLnBrk="0"/>
+            <a:endParaRPr/>
           </a:p>
         </p:txBody>
       </p:sp>
@@ -14753,18 +14896,20 @@
         <p:nvSpPr>
           <p:cNvPr id="77" name="Rect 0"/>
           <p:cNvSpPr txBox="1">
-            <a:spLocks/>
+            <a:spLocks noGrp="1"/>
           </p:cNvSpPr>
           <p:nvPr>
             <p:ph type="dt"/>
           </p:nvPr>
         </p:nvSpPr>
         <p:spPr>
-          <a:xfrm rot="0">
+          <a:xfrm>
             <a:off x="457200" y="6356350"/>
             <a:ext cx="2134235" cy="365760"/>
           </a:xfrm>
-          <a:prstGeom prst="rect"/>
+          <a:prstGeom prst="rect">
+            <a:avLst/>
+          </a:prstGeom>
           <a:noFill/>
           <a:ln w="0">
             <a:noFill/>
@@ -14772,7 +14917,7 @@
           </a:ln>
         </p:spPr>
         <p:txBody>
-          <a:bodyPr wrap="square" lIns="91440" tIns="45720" rIns="91440" bIns="45720" vert="horz" anchor="ctr">
+          <a:bodyPr vert="horz" wrap="square" lIns="91440" tIns="45720" rIns="91440" bIns="45720" anchor="ctr">
             <a:noAutofit/>
           </a:bodyPr>
           <a:lstStyle/>
@@ -14781,6 +14926,7 @@
               <a:buFontTx/>
               <a:buNone/>
             </a:pPr>
+            <a:endParaRPr/>
           </a:p>
         </p:txBody>
       </p:sp>
@@ -14788,18 +14934,20 @@
         <p:nvSpPr>
           <p:cNvPr id="78" name="Rect 0"/>
           <p:cNvSpPr txBox="1">
-            <a:spLocks/>
+            <a:spLocks noGrp="1"/>
           </p:cNvSpPr>
           <p:nvPr>
             <p:ph type="ftr"/>
           </p:nvPr>
         </p:nvSpPr>
         <p:spPr>
-          <a:xfrm rot="0">
+          <a:xfrm>
             <a:off x="3124200" y="6356350"/>
             <a:ext cx="2896235" cy="365760"/>
           </a:xfrm>
-          <a:prstGeom prst="rect"/>
+          <a:prstGeom prst="rect">
+            <a:avLst/>
+          </a:prstGeom>
           <a:noFill/>
           <a:ln w="0">
             <a:noFill/>
@@ -14807,7 +14955,7 @@
           </a:ln>
         </p:spPr>
         <p:txBody>
-          <a:bodyPr wrap="square" lIns="91440" tIns="45720" rIns="91440" bIns="45720" vert="horz" anchor="ctr">
+          <a:bodyPr vert="horz" wrap="square" lIns="91440" tIns="45720" rIns="91440" bIns="45720" anchor="ctr">
             <a:noAutofit/>
           </a:bodyPr>
           <a:lstStyle/>
@@ -14816,6 +14964,7 @@
               <a:buFontTx/>
               <a:buNone/>
             </a:pPr>
+            <a:endParaRPr/>
           </a:p>
         </p:txBody>
       </p:sp>
@@ -14823,18 +14972,20 @@
         <p:nvSpPr>
           <p:cNvPr id="79" name="Rect 0"/>
           <p:cNvSpPr txBox="1">
-            <a:spLocks/>
+            <a:spLocks noGrp="1"/>
           </p:cNvSpPr>
           <p:nvPr>
             <p:ph type="sldNum"/>
           </p:nvPr>
         </p:nvSpPr>
         <p:spPr>
-          <a:xfrm rot="0">
+          <a:xfrm>
             <a:off x="6553200" y="6356350"/>
             <a:ext cx="2134235" cy="365760"/>
           </a:xfrm>
-          <a:prstGeom prst="rect"/>
+          <a:prstGeom prst="rect">
+            <a:avLst/>
+          </a:prstGeom>
           <a:noFill/>
           <a:ln w="0">
             <a:noFill/>
@@ -14842,12 +14993,12 @@
           </a:ln>
         </p:spPr>
         <p:txBody>
-          <a:bodyPr wrap="square" lIns="91440" tIns="45720" rIns="91440" bIns="45720" vert="horz" anchor="ctr">
+          <a:bodyPr vert="horz" wrap="square" lIns="91440" tIns="45720" rIns="91440" bIns="45720" anchor="ctr">
             <a:noAutofit/>
           </a:bodyPr>
           <a:lstStyle/>
           <a:p>
-            <a:pPr marL="0" indent="0" rtl="0" algn="r" latinLnBrk="0">
+            <a:pPr marL="0" indent="0" algn="r" rtl="0" latinLnBrk="0">
               <a:buFontTx/>
               <a:buNone/>
             </a:pPr>
@@ -14858,6 +15009,10 @@
               </a:rPr>
               <a:t>‹#›</a:t>
             </a:fld>
+            <a:endParaRPr>
+              <a:latin typeface="맑은 고딕" charset="0"/>
+              <a:ea typeface="맑은 고딕" charset="0"/>
+            </a:endParaRPr>
           </a:p>
         </p:txBody>
       </p:sp>
@@ -14866,14 +15021,6 @@
   <p:clrMapOvr>
     <a:overrideClrMapping bg1="lt1" tx1="dk1" bg2="lt2" tx2="dk2" accent1="accent1" accent2="accent2" accent3="accent3" accent4="accent4" accent5="accent5" accent6="accent6" hlink="hlink" folHlink="folHlink"/>
   </p:clrMapOvr>
-  <mc:AlternateContent xmlns:mc="http://schemas.openxmlformats.org/markup-compatibility/2006">
-    <mc:Choice xmlns:p14="http://schemas.microsoft.com/office/powerpoint/2010/main" Requires="p14">
-      <p:transition spd="slow" p14:dur="2000"/>
-    </mc:Choice>
-    <mc:Fallback>
-      <p:transition spd="slow"/>
-    </mc:Fallback>
-  </mc:AlternateContent>
 </p:sldLayout>
 </file>
 
@@ -20437,6 +20584,7 @@
         <a:solidFill>
           <a:schemeClr val="lt1"/>
         </a:solidFill>
+        <a:effectLst/>
       </p:bgPr>
     </p:bg>
     <p:spTree>
@@ -20457,18 +20605,20 @@
         <p:nvSpPr>
           <p:cNvPr id="6" name="Rect 0"/>
           <p:cNvSpPr txBox="1">
-            <a:spLocks/>
+            <a:spLocks noGrp="1"/>
           </p:cNvSpPr>
           <p:nvPr>
             <p:ph type="title"/>
           </p:nvPr>
         </p:nvSpPr>
         <p:spPr>
-          <a:xfrm rot="0">
+          <a:xfrm>
             <a:off x="457200" y="274955"/>
             <a:ext cx="8230235" cy="1143635"/>
           </a:xfrm>
-          <a:prstGeom prst="rect"/>
+          <a:prstGeom prst="rect">
+            <a:avLst/>
+          </a:prstGeom>
           <a:noFill/>
           <a:ln w="0">
             <a:noFill/>
@@ -20476,8 +20626,8 @@
           </a:ln>
         </p:spPr>
         <p:txBody>
-          <a:bodyPr wrap="square" lIns="91440" tIns="45720" rIns="91440" bIns="45720" vert="horz" anchor="ctr">
-            <a:normAutofit fontScale="100000" lnSpcReduction="0"/>
+          <a:bodyPr vert="horz" wrap="square" lIns="91440" tIns="45720" rIns="91440" bIns="45720" anchor="ctr">
+            <a:normAutofit/>
           </a:bodyPr>
           <a:lstStyle/>
           <a:p>
@@ -20485,6 +20635,7 @@
               <a:buFontTx/>
               <a:buNone/>
             </a:pPr>
+            <a:endParaRPr/>
           </a:p>
         </p:txBody>
       </p:sp>
@@ -20492,18 +20643,20 @@
         <p:nvSpPr>
           <p:cNvPr id="7" name="Rect 0"/>
           <p:cNvSpPr txBox="1">
-            <a:spLocks/>
+            <a:spLocks noGrp="1"/>
           </p:cNvSpPr>
           <p:nvPr>
             <p:ph type="body"/>
           </p:nvPr>
         </p:nvSpPr>
         <p:spPr>
-          <a:xfrm rot="0">
+          <a:xfrm>
             <a:off x="457200" y="1600200"/>
             <a:ext cx="8230235" cy="4526915"/>
           </a:xfrm>
-          <a:prstGeom prst="rect"/>
+          <a:prstGeom prst="rect">
+            <a:avLst/>
+          </a:prstGeom>
           <a:noFill/>
           <a:ln w="0">
             <a:noFill/>
@@ -20511,12 +20664,13 @@
           </a:ln>
         </p:spPr>
         <p:txBody>
-          <a:bodyPr wrap="square" lIns="91440" tIns="45720" rIns="91440" bIns="45720" vert="horz" anchor="t">
-            <a:normAutofit fontScale="100000" lnSpcReduction="0"/>
+          <a:bodyPr vert="horz" wrap="square" lIns="91440" tIns="45720" rIns="91440" bIns="45720" anchor="t">
+            <a:normAutofit/>
           </a:bodyPr>
           <a:lstStyle/>
           <a:p>
             <a:pPr marL="457200" indent="-431800" latinLnBrk="0"/>
+            <a:endParaRPr/>
           </a:p>
         </p:txBody>
       </p:sp>
@@ -20524,18 +20678,20 @@
         <p:nvSpPr>
           <p:cNvPr id="8" name="Rect 0"/>
           <p:cNvSpPr txBox="1">
-            <a:spLocks/>
+            <a:spLocks noGrp="1"/>
           </p:cNvSpPr>
           <p:nvPr>
             <p:ph type="dt"/>
           </p:nvPr>
         </p:nvSpPr>
         <p:spPr>
-          <a:xfrm rot="0">
+          <a:xfrm>
             <a:off x="457200" y="6356350"/>
             <a:ext cx="2134235" cy="365760"/>
           </a:xfrm>
-          <a:prstGeom prst="rect"/>
+          <a:prstGeom prst="rect">
+            <a:avLst/>
+          </a:prstGeom>
           <a:noFill/>
           <a:ln w="0">
             <a:noFill/>
@@ -20543,7 +20699,7 @@
           </a:ln>
         </p:spPr>
         <p:txBody>
-          <a:bodyPr wrap="square" lIns="91440" tIns="45720" rIns="91440" bIns="45720" vert="horz" anchor="ctr">
+          <a:bodyPr vert="horz" wrap="square" lIns="91440" tIns="45720" rIns="91440" bIns="45720" anchor="ctr">
             <a:noAutofit/>
           </a:bodyPr>
           <a:lstStyle/>
@@ -20552,6 +20708,7 @@
               <a:buFontTx/>
               <a:buNone/>
             </a:pPr>
+            <a:endParaRPr/>
           </a:p>
         </p:txBody>
       </p:sp>
@@ -20559,18 +20716,20 @@
         <p:nvSpPr>
           <p:cNvPr id="9" name="Rect 0"/>
           <p:cNvSpPr txBox="1">
-            <a:spLocks/>
+            <a:spLocks noGrp="1"/>
           </p:cNvSpPr>
           <p:nvPr>
             <p:ph type="ftr"/>
           </p:nvPr>
         </p:nvSpPr>
         <p:spPr>
-          <a:xfrm rot="0">
+          <a:xfrm>
             <a:off x="3124200" y="6356350"/>
             <a:ext cx="2896235" cy="365760"/>
           </a:xfrm>
-          <a:prstGeom prst="rect"/>
+          <a:prstGeom prst="rect">
+            <a:avLst/>
+          </a:prstGeom>
           <a:noFill/>
           <a:ln w="0">
             <a:noFill/>
@@ -20578,7 +20737,7 @@
           </a:ln>
         </p:spPr>
         <p:txBody>
-          <a:bodyPr wrap="square" lIns="91440" tIns="45720" rIns="91440" bIns="45720" vert="horz" anchor="ctr">
+          <a:bodyPr vert="horz" wrap="square" lIns="91440" tIns="45720" rIns="91440" bIns="45720" anchor="ctr">
             <a:noAutofit/>
           </a:bodyPr>
           <a:lstStyle/>
@@ -20587,6 +20746,7 @@
               <a:buFontTx/>
               <a:buNone/>
             </a:pPr>
+            <a:endParaRPr/>
           </a:p>
         </p:txBody>
       </p:sp>
@@ -20594,18 +20754,20 @@
         <p:nvSpPr>
           <p:cNvPr id="10" name="Rect 0"/>
           <p:cNvSpPr txBox="1">
-            <a:spLocks/>
+            <a:spLocks noGrp="1"/>
           </p:cNvSpPr>
           <p:nvPr>
             <p:ph type="sldNum"/>
           </p:nvPr>
         </p:nvSpPr>
         <p:spPr>
-          <a:xfrm rot="0">
+          <a:xfrm>
             <a:off x="6553200" y="6356350"/>
             <a:ext cx="2134235" cy="365760"/>
           </a:xfrm>
-          <a:prstGeom prst="rect"/>
+          <a:prstGeom prst="rect">
+            <a:avLst/>
+          </a:prstGeom>
           <a:noFill/>
           <a:ln w="0">
             <a:noFill/>
@@ -20613,12 +20775,12 @@
           </a:ln>
         </p:spPr>
         <p:txBody>
-          <a:bodyPr wrap="square" lIns="91440" tIns="45720" rIns="91440" bIns="45720" vert="horz" anchor="ctr">
+          <a:bodyPr vert="horz" wrap="square" lIns="91440" tIns="45720" rIns="91440" bIns="45720" anchor="ctr">
             <a:noAutofit/>
           </a:bodyPr>
           <a:lstStyle/>
           <a:p>
-            <a:pPr marL="0" indent="0" rtl="0" algn="r" latinLnBrk="0">
+            <a:pPr marL="0" indent="0" algn="r" rtl="0" latinLnBrk="0">
               <a:buFontTx/>
               <a:buNone/>
             </a:pPr>
@@ -20629,6 +20791,10 @@
               </a:rPr>
               <a:t>‹#›</a:t>
             </a:fld>
+            <a:endParaRPr>
+              <a:latin typeface="맑은 고딕" charset="0"/>
+              <a:ea typeface="맑은 고딕" charset="0"/>
+            </a:endParaRPr>
           </a:p>
         </p:txBody>
       </p:sp>
@@ -20647,19 +20813,11 @@
     <p:sldLayoutId id="2147483792" r:id="rId9"/>
     <p:sldLayoutId id="2147483793" r:id="rId10"/>
   </p:sldLayoutIdLst>
-  <mc:AlternateContent xmlns:mc="http://schemas.openxmlformats.org/markup-compatibility/2006">
-    <mc:Choice xmlns:p14="http://schemas.microsoft.com/office/powerpoint/2010/main" Requires="p14">
-      <p:transition spd="slow" p14:dur="2000"/>
-    </mc:Choice>
-    <mc:Fallback>
-      <p:transition spd="slow"/>
-    </mc:Fallback>
-  </mc:AlternateContent>
   <p:txStyles>
     <p:titleStyle>
-      <a:lvl1pPr algn="ctr" marL="0" indent="0" defTabSz="914400" latinLnBrk="1">
+      <a:lvl1pPr marL="0" indent="0" algn="ctr" defTabSz="914400" latinLnBrk="1">
         <a:buNone/>
-        <a:defRPr lang="ko-KR" smtClean="0" sz="4400" baseline="0">
+        <a:defRPr lang="ko-KR" sz="4400" baseline="0" smtClean="0">
           <a:solidFill>
             <a:schemeClr val="tx1"/>
           </a:solidFill>
@@ -20670,13 +20828,13 @@
       </a:lvl1pPr>
     </p:titleStyle>
     <p:bodyStyle>
-      <a:lvl1pPr algn="l" marL="342900" indent="-342900" defTabSz="914400" latinLnBrk="1">
+      <a:lvl1pPr marL="342900" indent="-342900" algn="l" defTabSz="914400" latinLnBrk="1">
         <a:spcBef>
           <a:spcPct val="20000"/>
         </a:spcBef>
         <a:buFont typeface="Arial"/>
         <a:buChar char="0"/>
-        <a:defRPr lang="ko-KR" smtClean="0" sz="2800" baseline="0">
+        <a:defRPr lang="ko-KR" sz="2800" baseline="0" smtClean="0">
           <a:solidFill>
             <a:schemeClr val="tx1"/>
           </a:solidFill>
@@ -20685,27 +20843,27 @@
           <a:cs typeface="+mn-cs"/>
         </a:defRPr>
       </a:lvl1pPr>
-      <a:lvl2pPr lvl="1" marL="742950" indent="-285750" defTabSz="914400" latinLnBrk="1">
+      <a:lvl2pPr marL="742950" lvl="1" indent="-285750" defTabSz="914400" latinLnBrk="1">
         <a:buChar char="-"/>
-        <a:defRPr lang="ko-KR" smtClean="0" sz="2400"/>
+        <a:defRPr lang="ko-KR" sz="2400" smtClean="0"/>
       </a:lvl2pPr>
-      <a:lvl3pPr lvl="2" marL="1143000" indent="-228600" defTabSz="914400" latinLnBrk="1">
+      <a:lvl3pPr marL="1143000" lvl="2" indent="-228600" defTabSz="914400" latinLnBrk="1">
         <a:buChar char="0"/>
-        <a:defRPr lang="ko-KR" smtClean="0" sz="2000"/>
+        <a:defRPr lang="ko-KR" sz="2000" smtClean="0"/>
       </a:lvl3pPr>
-      <a:lvl4pPr lvl="3" marL="1600200" indent="-228600" defTabSz="914400" latinLnBrk="1">
+      <a:lvl4pPr marL="1600200" lvl="3" indent="-228600" defTabSz="914400" latinLnBrk="1">
         <a:buChar char="-"/>
-        <a:defRPr lang="ko-KR" smtClean="0" sz="1800"/>
+        <a:defRPr lang="ko-KR" sz="1800" smtClean="0"/>
       </a:lvl4pPr>
-      <a:lvl5pPr lvl="4" marL="2057400" indent="-228600" defTabSz="914400" latinLnBrk="1">
+      <a:lvl5pPr marL="2057400" lvl="4" indent="-228600" defTabSz="914400" latinLnBrk="1">
         <a:buChar char="-69"/>
-        <a:defRPr lang="ko-KR" smtClean="0" sz="1800"/>
+        <a:defRPr lang="ko-KR" sz="1800" smtClean="0"/>
       </a:lvl5pPr>
     </p:bodyStyle>
     <p:otherStyle>
-      <a:lvl1pPr algn="l" marL="0" indent="0" defTabSz="914400" latinLnBrk="1">
+      <a:lvl1pPr marL="0" indent="0" algn="l" defTabSz="914400" latinLnBrk="1">
         <a:buNone/>
-        <a:defRPr lang="ko-KR" smtClean="0" sz="1800" baseline="0">
+        <a:defRPr lang="ko-KR" sz="1800" baseline="0" smtClean="0">
           <a:solidFill>
             <a:schemeClr val="tx1"/>
           </a:solidFill>
@@ -20714,27 +20872,20 @@
           <a:cs typeface="+mn-cs"/>
         </a:defRPr>
       </a:lvl1pPr>
-      <a:lvl2pPr lvl="1" marL="457200" indent="0" defTabSz="914400" latinLnBrk="1">
+      <a:lvl2pPr marL="457200" lvl="1" indent="0" defTabSz="914400" latinLnBrk="1">
         <a:defRPr lang="ko-KR" smtClean="0"/>
       </a:lvl2pPr>
-      <a:lvl3pPr lvl="2" marL="914400" indent="0" defTabSz="914400" latinLnBrk="1">
+      <a:lvl3pPr marL="914400" lvl="2" indent="0" defTabSz="914400" latinLnBrk="1">
         <a:defRPr lang="ko-KR" smtClean="0"/>
       </a:lvl3pPr>
-      <a:lvl4pPr lvl="3" marL="1371600" indent="0" defTabSz="914400" latinLnBrk="1">
+      <a:lvl4pPr marL="1371600" lvl="3" indent="0" defTabSz="914400" latinLnBrk="1">
         <a:defRPr lang="ko-KR" smtClean="0"/>
       </a:lvl4pPr>
-      <a:lvl5pPr lvl="4" marL="1828800" indent="0" defTabSz="914400" latinLnBrk="1">
+      <a:lvl5pPr marL="1828800" lvl="4" indent="0" defTabSz="914400" latinLnBrk="1">
         <a:defRPr lang="ko-KR" smtClean="0"/>
       </a:lvl5pPr>
     </p:otherStyle>
   </p:txStyles>
-  <p:timing>
-    <p:tnLst>
-      <p:par>
-        <p:cTn id="1" dur="indefinite" restart="never" nodeType="tmRoot"/>
-      </p:par>
-    </p:tnLst>
-  </p:timing>
 </p:sldMaster>
 </file>
 
@@ -21218,13 +21369,14 @@
 </file>
 
 <file path=ppt/slides/slide10.xml><?xml version="1.0" encoding="utf-8"?>
-<p:sld xmlns:a="http://schemas.openxmlformats.org/drawingml/2006/main" xmlns:r="http://schemas.openxmlformats.org/officeDocument/2006/relationships" xmlns:p="http://schemas.openxmlformats.org/presentationml/2006/main" xmlns:p14="http://schemas.microsoft.com/office/powerpoint/2010/main">
+<p:sld xmlns:a="http://schemas.openxmlformats.org/drawingml/2006/main" xmlns:r="http://schemas.openxmlformats.org/officeDocument/2006/relationships" xmlns:p="http://schemas.openxmlformats.org/presentationml/2006/main">
   <p:cSld>
     <p:bg>
       <p:bgPr>
         <a:solidFill>
           <a:srgbClr val="694680"/>
         </a:solidFill>
+        <a:effectLst/>
       </p:bgPr>
     </p:bg>
     <p:spTree>
@@ -21250,7 +21402,7 @@
           <p:nvPr/>
         </p:nvPicPr>
         <p:blipFill rotWithShape="1">
-          <a:blip r:embed="rId5" cstate="print">
+          <a:blip r:embed="rId3" cstate="print">
             <a:extLst>
               <a:ext uri="{28A0092B-C50C-407E-A947-70E740481C1C}">
                 <a14:useLocalDpi xmlns:a14="http://schemas.microsoft.com/office/drawing/2010/main" val="0"/>
@@ -21262,11 +21414,13 @@
           </a:stretch>
         </p:blipFill>
         <p:spPr>
-          <a:xfrm rot="0">
+          <a:xfrm>
             <a:off x="8361045" y="6009005"/>
             <a:ext cx="6734810" cy="3813810"/>
           </a:xfrm>
-          <a:prstGeom prst="rect"/>
+          <a:prstGeom prst="rect">
+            <a:avLst/>
+          </a:prstGeom>
           <a:noFill/>
           <a:ln w="57150" cap="flat" cmpd="sng">
             <a:solidFill>
@@ -21288,7 +21442,7 @@
           <p:nvPr/>
         </p:nvPicPr>
         <p:blipFill rotWithShape="1">
-          <a:blip r:embed="rId6" cstate="print">
+          <a:blip r:embed="rId4" cstate="print">
             <a:extLst>
               <a:ext uri="{28A0092B-C50C-407E-A947-70E740481C1C}">
                 <a14:useLocalDpi xmlns:a14="http://schemas.microsoft.com/office/drawing/2010/main" val="0"/>
@@ -21300,11 +21454,13 @@
           </a:stretch>
         </p:blipFill>
         <p:spPr>
-          <a:xfrm rot="0">
+          <a:xfrm>
             <a:off x="8313420" y="1705610"/>
             <a:ext cx="6804025" cy="4095115"/>
           </a:xfrm>
-          <a:prstGeom prst="rect"/>
+          <a:prstGeom prst="rect">
+            <a:avLst/>
+          </a:prstGeom>
           <a:noFill/>
           <a:ln w="57150" cap="flat" cmpd="sng">
             <a:solidFill>
@@ -21326,7 +21482,7 @@
           <p:nvPr/>
         </p:nvPicPr>
         <p:blipFill rotWithShape="1">
-          <a:blip r:embed="rId3" cstate="hqprint">
+          <a:blip r:embed="rId5" cstate="hqprint">
             <a:clrChange>
               <a:clrFrom>
                 <a:srgbClr val="68457F"/>
@@ -21348,11 +21504,13 @@
           </a:stretch>
         </p:blipFill>
         <p:spPr>
-          <a:xfrm rot="0">
+          <a:xfrm>
             <a:off x="2310765" y="1619885"/>
             <a:ext cx="4714240" cy="6562090"/>
           </a:xfrm>
-          <a:prstGeom prst="rect"/>
+          <a:prstGeom prst="rect">
+            <a:avLst/>
+          </a:prstGeom>
           <a:noFill/>
           <a:ln w="19050" cap="flat" cmpd="sng">
             <a:prstDash val="solid"/>
@@ -21574,11 +21732,13 @@
           <p:nvPr/>
         </p:nvSpPr>
         <p:spPr>
-          <a:xfrm rot="0">
+          <a:xfrm>
             <a:off x="2644775" y="3251200"/>
             <a:ext cx="4137660" cy="3658235"/>
           </a:xfrm>
-          <a:prstGeom prst="rect"/>
+          <a:prstGeom prst="rect">
+            <a:avLst/>
+          </a:prstGeom>
           <a:noFill/>
           <a:ln w="0">
             <a:noFill/>
@@ -21586,12 +21746,12 @@
           </a:ln>
         </p:spPr>
         <p:txBody>
-          <a:bodyPr wrap="square" lIns="91440" tIns="45720" rIns="91440" bIns="45720" numCol="1" vert="horz" anchor="t">
+          <a:bodyPr vert="horz" wrap="square" lIns="91440" tIns="45720" rIns="91440" bIns="45720" numCol="1" anchor="t">
             <a:spAutoFit/>
           </a:bodyPr>
           <a:lstStyle/>
           <a:p>
-            <a:pPr marL="254000" indent="-254000" rtl="0" algn="l" latinLnBrk="0">
+            <a:pPr marL="254000" indent="-254000" algn="l" rtl="0" latinLnBrk="0">
               <a:spcBef>
                 <a:spcPts val="0"/>
               </a:spcBef>
@@ -21610,73 +21770,7 @@
                 <a:ea typeface="나눔바른고딕" charset="0"/>
                 <a:cs typeface="Impact" charset="0"/>
               </a:rPr>
-              <a:t>검색</a:t>
-            </a:r>
-            <a:r>
-              <a:rPr lang="ko-KR" altLang="en-US" sz="2900">
-                <a:solidFill>
-                  <a:schemeClr val="bg1"/>
-                </a:solidFill>
-                <a:latin typeface="나눔바른고딕" charset="0"/>
-                <a:ea typeface="나눔바른고딕" charset="0"/>
-                <a:cs typeface="Impact" charset="0"/>
-              </a:rPr>
-              <a:t> </a:t>
-            </a:r>
-            <a:r>
-              <a:rPr lang="ko-KR" altLang="en-US" sz="2900">
-                <a:solidFill>
-                  <a:schemeClr val="bg1"/>
-                </a:solidFill>
-                <a:latin typeface="나눔바른고딕" charset="0"/>
-                <a:ea typeface="나눔바른고딕" charset="0"/>
-                <a:cs typeface="Impact" charset="0"/>
-              </a:rPr>
-              <a:t>메인</a:t>
-            </a:r>
-            <a:r>
-              <a:rPr lang="ko-KR" altLang="en-US" sz="2900">
-                <a:solidFill>
-                  <a:schemeClr val="bg1"/>
-                </a:solidFill>
-                <a:latin typeface="나눔바른고딕" charset="0"/>
-                <a:ea typeface="나눔바른고딕" charset="0"/>
-                <a:cs typeface="Impact" charset="0"/>
-              </a:rPr>
-              <a:t> </a:t>
-            </a:r>
-            <a:r>
-              <a:rPr lang="ko-KR" altLang="en-US" sz="2900">
-                <a:solidFill>
-                  <a:schemeClr val="bg1"/>
-                </a:solidFill>
-                <a:latin typeface="나눔바른고딕" charset="0"/>
-                <a:ea typeface="나눔바른고딕" charset="0"/>
-                <a:cs typeface="Impact" charset="0"/>
-              </a:rPr>
-              <a:t>화면에는</a:t>
-            </a:r>
-            <a:r>
-              <a:rPr lang="ko-KR" altLang="en-US" sz="2900">
-                <a:solidFill>
-                  <a:schemeClr val="bg1"/>
-                </a:solidFill>
-                <a:latin typeface="나눔바른고딕" charset="0"/>
-                <a:ea typeface="나눔바른고딕" charset="0"/>
-                <a:cs typeface="Impact" charset="0"/>
-              </a:rPr>
-              <a:t> </a:t>
-            </a:r>
-            <a:r>
-              <a:rPr lang="ko-KR" altLang="en-US" sz="2900">
-                <a:solidFill>
-                  <a:schemeClr val="bg1"/>
-                </a:solidFill>
-                <a:latin typeface="나눔바른고딕" charset="0"/>
-                <a:ea typeface="나눔바른고딕" charset="0"/>
-                <a:cs typeface="Impact" charset="0"/>
-              </a:rPr>
-              <a:t>최신글</a:t>
+              <a:t>검색 메인 화면에는 최신글</a:t>
             </a:r>
             <a:r>
               <a:rPr lang="en-US" altLang="ko-KR" sz="2900">
@@ -21700,17 +21794,9 @@
               </a:rPr>
               <a:t>인기글 순 조회 </a:t>
             </a:r>
-            <a:endParaRPr lang="ko-KR" altLang="en-US" sz="2900">
-              <a:solidFill>
-                <a:schemeClr val="bg1"/>
-              </a:solidFill>
-              <a:latin typeface="나눔바른고딕" charset="0"/>
-              <a:ea typeface="나눔바른고딕" charset="0"/>
-              <a:cs typeface="Impact" charset="0"/>
-            </a:endParaRPr>
-          </a:p>
-          <a:p>
-            <a:pPr marL="0" indent="0" rtl="0" algn="l" latinLnBrk="0">
+          </a:p>
+          <a:p>
+            <a:pPr marL="0" indent="0" algn="l" rtl="0" latinLnBrk="0">
               <a:spcBef>
                 <a:spcPts val="0"/>
               </a:spcBef>
@@ -21730,7 +21816,7 @@
             </a:endParaRPr>
           </a:p>
           <a:p>
-            <a:pPr marL="254000" indent="-254000" rtl="0" algn="l" latinLnBrk="0">
+            <a:pPr marL="254000" indent="-254000" algn="l" rtl="0" latinLnBrk="0">
               <a:spcBef>
                 <a:spcPts val="0"/>
               </a:spcBef>
@@ -21751,17 +21837,9 @@
               </a:rPr>
               <a:t>검색을 통해 데일리룩 감상 </a:t>
             </a:r>
-            <a:endParaRPr lang="ko-KR" altLang="en-US" sz="2900">
-              <a:solidFill>
-                <a:schemeClr val="bg1"/>
-              </a:solidFill>
-              <a:latin typeface="나눔바른고딕" charset="0"/>
-              <a:ea typeface="나눔바른고딕" charset="0"/>
-              <a:cs typeface="Impact" charset="0"/>
-            </a:endParaRPr>
-          </a:p>
-          <a:p>
-            <a:pPr marL="0" indent="0" rtl="0" algn="l" latinLnBrk="0">
+          </a:p>
+          <a:p>
+            <a:pPr marL="0" indent="0" algn="l" rtl="0" latinLnBrk="0">
               <a:spcBef>
                 <a:spcPts val="0"/>
               </a:spcBef>
@@ -21781,7 +21859,7 @@
             </a:endParaRPr>
           </a:p>
           <a:p>
-            <a:pPr marL="254000" indent="-254000" rtl="0" algn="l" latinLnBrk="0">
+            <a:pPr marL="254000" indent="-254000" algn="l" rtl="0" latinLnBrk="0">
               <a:spcBef>
                 <a:spcPts val="0"/>
               </a:spcBef>
@@ -21802,14 +21880,6 @@
               </a:rPr>
               <a:t>검색 결과로 나온 데일리룩에 대한 피드백</a:t>
             </a:r>
-            <a:endParaRPr lang="ko-KR" altLang="en-US" sz="2900">
-              <a:solidFill>
-                <a:schemeClr val="bg1"/>
-              </a:solidFill>
-              <a:latin typeface="나눔바른고딕" charset="0"/>
-              <a:ea typeface="나눔바른고딕" charset="0"/>
-              <a:cs typeface="Impact" charset="0"/>
-            </a:endParaRPr>
           </a:p>
         </p:txBody>
       </p:sp>
@@ -21822,7 +21892,7 @@
           <p:nvPr/>
         </p:nvPicPr>
         <p:blipFill rotWithShape="1">
-          <a:blip r:embed="rId4" cstate="hqprint">
+          <a:blip r:embed="rId6" cstate="hqprint">
             <a:extLst>
               <a:ext uri="{28A0092B-C50C-407E-A947-70E740481C1C}">
                 <a14:useLocalDpi xmlns:a14="http://schemas.microsoft.com/office/drawing/2010/main"/>
@@ -21857,7 +21927,7 @@
           <p:nvPr/>
         </p:nvPicPr>
         <p:blipFill rotWithShape="1">
-          <a:blip r:embed="rId4" cstate="hqprint">
+          <a:blip r:embed="rId6" cstate="hqprint">
             <a:extLst>
               <a:ext uri="{28A0092B-C50C-407E-A947-70E740481C1C}">
                 <a14:useLocalDpi xmlns:a14="http://schemas.microsoft.com/office/drawing/2010/main"/>
@@ -21979,7 +22049,9 @@
               <a:off x="14047470" y="6124575"/>
               <a:ext cx="1839595" cy="765810"/>
             </a:xfrm>
-            <a:prstGeom prst="rect"/>
+            <a:prstGeom prst="rect">
+              <a:avLst/>
+            </a:prstGeom>
             <a:noFill/>
             <a:ln w="0">
               <a:noFill/>
@@ -22000,7 +22072,9 @@
               <a:off x="13912850" y="6236970"/>
               <a:ext cx="2054225" cy="522605"/>
             </a:xfrm>
-            <a:prstGeom prst="rect"/>
+            <a:prstGeom prst="rect">
+              <a:avLst/>
+            </a:prstGeom>
             <a:noFill/>
             <a:ln w="0">
               <a:noFill/>
@@ -22008,12 +22082,12 @@
             </a:ln>
           </p:spPr>
           <p:txBody>
-            <a:bodyPr wrap="square" lIns="91440" tIns="45720" rIns="91440" bIns="45720" numCol="1" vert="horz" anchor="ctr">
+            <a:bodyPr vert="horz" wrap="square" lIns="91440" tIns="45720" rIns="91440" bIns="45720" numCol="1" anchor="ctr">
               <a:spAutoFit/>
             </a:bodyPr>
             <a:lstStyle/>
             <a:p>
-              <a:pPr marL="0" indent="0" rtl="0" algn="ctr" latinLnBrk="0">
+              <a:pPr marL="0" indent="0" algn="ctr" rtl="0" latinLnBrk="0">
                 <a:spcBef>
                   <a:spcPts val="0"/>
                 </a:spcBef>
@@ -22034,17 +22108,9 @@
                 </a:rPr>
                 <a:t>데일리룩 검색 시</a:t>
               </a:r>
-              <a:endParaRPr lang="ko-KR" altLang="en-US" sz="1400" b="1">
-                <a:solidFill>
-                  <a:srgbClr val="694680"/>
-                </a:solidFill>
-                <a:latin typeface="나눔바른고딕" charset="0"/>
-                <a:ea typeface="나눔바른고딕" charset="0"/>
-                <a:cs typeface="Arial" charset="0"/>
-              </a:endParaRPr>
             </a:p>
             <a:p>
-              <a:pPr marL="0" indent="0" rtl="0" algn="ctr" latinLnBrk="0">
+              <a:pPr marL="0" indent="0" algn="ctr" rtl="0" latinLnBrk="0">
                 <a:spcBef>
                   <a:spcPts val="0"/>
                 </a:spcBef>
@@ -22063,38 +22129,8 @@
                   <a:ea typeface="나눔바른고딕" charset="0"/>
                   <a:cs typeface="Arial" charset="0"/>
                 </a:rPr>
-                <a:t>나오는</a:t>
+                <a:t>나오는 결과물</a:t>
               </a:r>
-              <a:r>
-                <a:rPr lang="ko-KR" altLang="en-US" b="1">
-                  <a:solidFill>
-                    <a:srgbClr val="694680"/>
-                  </a:solidFill>
-                  <a:latin typeface="나눔바른고딕" charset="0"/>
-                  <a:ea typeface="나눔바른고딕" charset="0"/>
-                  <a:cs typeface="Arial" charset="0"/>
-                </a:rPr>
-                <a:t> </a:t>
-              </a:r>
-              <a:r>
-                <a:rPr lang="ko-KR" altLang="en-US" b="1">
-                  <a:solidFill>
-                    <a:srgbClr val="694680"/>
-                  </a:solidFill>
-                  <a:latin typeface="나눔바른고딕" charset="0"/>
-                  <a:ea typeface="나눔바른고딕" charset="0"/>
-                  <a:cs typeface="Arial" charset="0"/>
-                </a:rPr>
-                <a:t>결과물</a:t>
-              </a:r>
-              <a:endParaRPr lang="ko-KR" altLang="en-US" b="1">
-                <a:solidFill>
-                  <a:srgbClr val="694680"/>
-                </a:solidFill>
-                <a:latin typeface="나눔바른고딕" charset="0"/>
-                <a:ea typeface="나눔바른고딕" charset="0"/>
-                <a:cs typeface="Arial" charset="0"/>
-              </a:endParaRPr>
             </a:p>
           </p:txBody>
         </p:sp>
@@ -22144,7 +22180,9 @@
               <a:off x="7623175" y="1804035"/>
               <a:ext cx="1838960" cy="769620"/>
             </a:xfrm>
-            <a:prstGeom prst="rect"/>
+            <a:prstGeom prst="rect">
+              <a:avLst/>
+            </a:prstGeom>
             <a:noFill/>
             <a:ln w="0">
               <a:noFill/>
@@ -22165,7 +22203,9 @@
               <a:off x="7487285" y="2023745"/>
               <a:ext cx="2054860" cy="307340"/>
             </a:xfrm>
-            <a:prstGeom prst="rect"/>
+            <a:prstGeom prst="rect">
+              <a:avLst/>
+            </a:prstGeom>
             <a:noFill/>
             <a:ln w="0">
               <a:noFill/>
@@ -22173,12 +22213,12 @@
             </a:ln>
           </p:spPr>
           <p:txBody>
-            <a:bodyPr wrap="square" lIns="91440" tIns="45720" rIns="91440" bIns="45720" numCol="1" vert="horz" anchor="ctr">
+            <a:bodyPr vert="horz" wrap="square" lIns="91440" tIns="45720" rIns="91440" bIns="45720" numCol="1" anchor="ctr">
               <a:spAutoFit/>
             </a:bodyPr>
             <a:lstStyle/>
             <a:p>
-              <a:pPr marL="0" indent="0" rtl="0" algn="ctr" latinLnBrk="0">
+              <a:pPr marL="0" indent="0" algn="ctr" rtl="0" latinLnBrk="0">
                 <a:spcBef>
                   <a:spcPts val="0"/>
                 </a:spcBef>
@@ -22221,14 +22261,6 @@
                 </a:rPr>
                 <a:t>홈</a:t>
               </a:r>
-              <a:endParaRPr lang="ko-KR" altLang="en-US" sz="1400" b="1">
-                <a:solidFill>
-                  <a:srgbClr val="694680"/>
-                </a:solidFill>
-                <a:latin typeface="나눔바른고딕" charset="0"/>
-                <a:ea typeface="나눔바른고딕" charset="0"/>
-                <a:cs typeface="Arial" charset="0"/>
-              </a:endParaRPr>
             </a:p>
           </p:txBody>
         </p:sp>
@@ -22243,32 +22275,18 @@
   <p:clrMapOvr>
     <a:masterClrMapping/>
   </p:clrMapOvr>
-  <mc:AlternateContent xmlns:mc="http://schemas.openxmlformats.org/markup-compatibility/2006">
-    <mc:Choice xmlns:p14="http://schemas.microsoft.com/office/powerpoint/2010/main" Requires="p14">
-      <p:transition spd="slow" p14:dur="2000"/>
-    </mc:Choice>
-    <mc:Fallback>
-      <p:transition spd="slow"/>
-    </mc:Fallback>
-  </mc:AlternateContent>
-  <p:timing>
-    <p:tnLst>
-      <p:par>
-        <p:cTn id="1" dur="indefinite" restart="never" nodeType="tmRoot"/>
-      </p:par>
-    </p:tnLst>
-  </p:timing>
 </p:sld>
 </file>
 
 <file path=ppt/slides/slide11.xml><?xml version="1.0" encoding="utf-8"?>
-<p:sld xmlns:a="http://schemas.openxmlformats.org/drawingml/2006/main" xmlns:r="http://schemas.openxmlformats.org/officeDocument/2006/relationships" xmlns:p="http://schemas.openxmlformats.org/presentationml/2006/main" xmlns:p14="http://schemas.microsoft.com/office/powerpoint/2010/main">
+<p:sld xmlns:a="http://schemas.openxmlformats.org/drawingml/2006/main" xmlns:r="http://schemas.openxmlformats.org/officeDocument/2006/relationships" xmlns:p="http://schemas.openxmlformats.org/presentationml/2006/main">
   <p:cSld>
     <p:bg>
       <p:bgPr>
         <a:solidFill>
           <a:srgbClr val="694680"/>
         </a:solidFill>
+        <a:effectLst/>
       </p:bgPr>
     </p:bg>
     <p:spTree>
@@ -22294,11 +22312,13 @@
           <p:nvPr/>
         </p:nvSpPr>
         <p:spPr>
-          <a:xfrm rot="0">
+          <a:xfrm>
             <a:off x="6015990" y="413385"/>
             <a:ext cx="6256655" cy="861060"/>
           </a:xfrm>
-          <a:prstGeom prst="rect"/>
+          <a:prstGeom prst="rect">
+            <a:avLst/>
+          </a:prstGeom>
           <a:noFill/>
           <a:ln w="0">
             <a:noFill/>
@@ -22306,12 +22326,12 @@
           </a:ln>
         </p:spPr>
         <p:txBody>
-          <a:bodyPr wrap="square" lIns="91440" tIns="45720" rIns="91440" bIns="45720" numCol="1" vert="horz" anchor="t">
+          <a:bodyPr vert="horz" wrap="square" lIns="91440" tIns="45720" rIns="91440" bIns="45720" numCol="1" anchor="t">
             <a:spAutoFit/>
           </a:bodyPr>
           <a:lstStyle/>
           <a:p>
-            <a:pPr marL="0" indent="0" rtl="0" algn="ctr" latinLnBrk="0">
+            <a:pPr marL="0" indent="0" algn="ctr" rtl="0" latinLnBrk="0">
               <a:spcBef>
                 <a:spcPts val="0"/>
               </a:spcBef>
@@ -22352,11 +22372,13 @@
           <p:nvPr/>
         </p:nvSpPr>
         <p:spPr>
-          <a:xfrm rot="0">
+          <a:xfrm>
             <a:off x="349250" y="238125"/>
             <a:ext cx="17623155" cy="9822815"/>
           </a:xfrm>
-          <a:prstGeom prst="rect"/>
+          <a:prstGeom prst="rect">
+            <a:avLst/>
+          </a:prstGeom>
           <a:noFill/>
           <a:ln w="57150" cap="flat" cmpd="sng">
             <a:solidFill>
@@ -22385,7 +22407,7 @@
           </a:fontRef>
         </p:style>
         <p:txBody>
-          <a:bodyPr wrap="square" lIns="91440" tIns="45720" rIns="91440" bIns="45720" numCol="1" vert="horz" anchor="ctr">
+          <a:bodyPr vert="horz" wrap="square" lIns="91440" tIns="45720" rIns="91440" bIns="45720" numCol="1" anchor="ctr">
             <a:noAutofit/>
           </a:bodyPr>
           <a:lstStyle/>
@@ -22410,7 +22432,7 @@
           <p:nvPr/>
         </p:nvPicPr>
         <p:blipFill rotWithShape="1">
-          <a:blip r:embed="rId2" cstate="hqprint">
+          <a:blip r:embed="rId3" cstate="hqprint">
             <a:extLst>
               <a:ext uri="{28A0092B-C50C-407E-A947-70E740481C1C}">
                 <a14:useLocalDpi xmlns:a14="http://schemas.microsoft.com/office/drawing/2010/main"/>
@@ -22422,11 +22444,13 @@
           </a:stretch>
         </p:blipFill>
         <p:spPr>
-          <a:xfrm rot="0">
+          <a:xfrm>
             <a:off x="2022475" y="1362710"/>
             <a:ext cx="13870305" cy="48895"/>
           </a:xfrm>
-          <a:prstGeom prst="rect"/>
+          <a:prstGeom prst="rect">
+            <a:avLst/>
+          </a:prstGeom>
           <a:noFill/>
           <a:ln w="0">
             <a:noFill/>
@@ -22443,11 +22467,13 @@
           <p:nvPr/>
         </p:nvSpPr>
         <p:spPr>
-          <a:xfrm rot="0">
+          <a:xfrm>
             <a:off x="349250" y="238125"/>
             <a:ext cx="17623790" cy="9763760"/>
           </a:xfrm>
-          <a:prstGeom prst="rect"/>
+          <a:prstGeom prst="rect">
+            <a:avLst/>
+          </a:prstGeom>
           <a:noFill/>
           <a:ln w="57150" cap="flat" cmpd="sng">
             <a:solidFill>
@@ -22476,7 +22502,7 @@
           </a:fontRef>
         </p:style>
         <p:txBody>
-          <a:bodyPr wrap="square" lIns="91440" tIns="45720" rIns="91440" bIns="45720" numCol="1" vert="horz" anchor="ctr">
+          <a:bodyPr vert="horz" wrap="square" lIns="91440" tIns="45720" rIns="91440" bIns="45720" numCol="1" anchor="ctr">
             <a:noAutofit/>
           </a:bodyPr>
           <a:lstStyle/>
@@ -22492,44 +22518,6 @@
       <p:pic>
         <p:nvPicPr>
           <p:cNvPr id="194" name="그림 10" descr="C:/Users/admin/AppData/Roaming/PolarisOffice/ETemp/13692_22724144/fImage910844068467.png"/>
-          <p:cNvPicPr>
-            <a:picLocks noChangeAspect="1"/>
-          </p:cNvPicPr>
-          <p:nvPr/>
-        </p:nvPicPr>
-        <p:blipFill rotWithShape="1">
-          <a:blip r:embed="rId3" cstate="hqprint">
-            <a:extLst>
-              <a:ext uri="{28A0092B-C50C-407E-A947-70E740481C1C}">
-                <a14:useLocalDpi xmlns:a14="http://schemas.microsoft.com/office/drawing/2010/main"/>
-              </a:ext>
-            </a:extLst>
-          </a:blip>
-          <a:stretch>
-            <a:fillRect/>
-          </a:stretch>
-        </p:blipFill>
-        <p:spPr>
-          <a:xfrm rot="0">
-            <a:off x="1400175" y="2091055"/>
-            <a:ext cx="6704965" cy="6114415"/>
-          </a:xfrm>
-          <a:prstGeom prst="rect"/>
-          <a:noFill/>
-          <a:ln w="57150" cap="flat" cmpd="sng">
-            <a:solidFill>
-              <a:schemeClr val="bg1">
-                <a:alpha val="100000"/>
-              </a:schemeClr>
-            </a:solidFill>
-            <a:prstDash val="solid"/>
-            <a:round/>
-          </a:ln>
-        </p:spPr>
-      </p:pic>
-      <p:pic>
-        <p:nvPicPr>
-          <p:cNvPr id="195" name="그림 13" descr="C:/Users/admin/AppData/Roaming/PolarisOffice/ETemp/13692_22724144/fImage684474186334.png"/>
           <p:cNvPicPr>
             <a:picLocks noChangeAspect="1"/>
           </p:cNvPicPr>
@@ -22548,11 +22536,13 @@
           </a:stretch>
         </p:blipFill>
         <p:spPr>
-          <a:xfrm rot="0">
-            <a:off x="8458200" y="2066925"/>
-            <a:ext cx="8059420" cy="6125845"/>
-          </a:xfrm>
-          <a:prstGeom prst="rect"/>
+          <a:xfrm>
+            <a:off x="1400175" y="2091055"/>
+            <a:ext cx="6704965" cy="6114415"/>
+          </a:xfrm>
+          <a:prstGeom prst="rect">
+            <a:avLst/>
+          </a:prstGeom>
           <a:noFill/>
           <a:ln w="57150" cap="flat" cmpd="sng">
             <a:solidFill>
@@ -22565,37 +22555,63 @@
           </a:ln>
         </p:spPr>
       </p:pic>
+      <p:pic>
+        <p:nvPicPr>
+          <p:cNvPr id="195" name="그림 13" descr="C:/Users/admin/AppData/Roaming/PolarisOffice/ETemp/13692_22724144/fImage684474186334.png"/>
+          <p:cNvPicPr>
+            <a:picLocks noChangeAspect="1"/>
+          </p:cNvPicPr>
+          <p:nvPr/>
+        </p:nvPicPr>
+        <p:blipFill rotWithShape="1">
+          <a:blip r:embed="rId5" cstate="hqprint">
+            <a:extLst>
+              <a:ext uri="{28A0092B-C50C-407E-A947-70E740481C1C}">
+                <a14:useLocalDpi xmlns:a14="http://schemas.microsoft.com/office/drawing/2010/main"/>
+              </a:ext>
+            </a:extLst>
+          </a:blip>
+          <a:stretch>
+            <a:fillRect/>
+          </a:stretch>
+        </p:blipFill>
+        <p:spPr>
+          <a:xfrm>
+            <a:off x="8458200" y="2066925"/>
+            <a:ext cx="8059420" cy="6125845"/>
+          </a:xfrm>
+          <a:prstGeom prst="rect">
+            <a:avLst/>
+          </a:prstGeom>
+          <a:noFill/>
+          <a:ln w="57150" cap="flat" cmpd="sng">
+            <a:solidFill>
+              <a:schemeClr val="bg1">
+                <a:alpha val="100000"/>
+              </a:schemeClr>
+            </a:solidFill>
+            <a:prstDash val="solid"/>
+            <a:round/>
+          </a:ln>
+        </p:spPr>
+      </p:pic>
     </p:spTree>
   </p:cSld>
   <p:clrMapOvr>
     <a:masterClrMapping/>
   </p:clrMapOvr>
-  <mc:AlternateContent xmlns:mc="http://schemas.openxmlformats.org/markup-compatibility/2006">
-    <mc:Choice xmlns:p14="http://schemas.microsoft.com/office/powerpoint/2010/main" Requires="p14">
-      <p:transition spd="slow" p14:dur="2000"/>
-    </mc:Choice>
-    <mc:Fallback>
-      <p:transition spd="slow"/>
-    </mc:Fallback>
-  </mc:AlternateContent>
-  <p:timing>
-    <p:tnLst>
-      <p:par>
-        <p:cTn id="1" dur="indefinite" restart="never" nodeType="tmRoot"/>
-      </p:par>
-    </p:tnLst>
-  </p:timing>
 </p:sld>
 </file>
 
 <file path=ppt/slides/slide12.xml><?xml version="1.0" encoding="utf-8"?>
-<p:sld xmlns:a="http://schemas.openxmlformats.org/drawingml/2006/main" xmlns:r="http://schemas.openxmlformats.org/officeDocument/2006/relationships" xmlns:p="http://schemas.openxmlformats.org/presentationml/2006/main" xmlns:p14="http://schemas.microsoft.com/office/powerpoint/2010/main">
+<p:sld xmlns:a="http://schemas.openxmlformats.org/drawingml/2006/main" xmlns:r="http://schemas.openxmlformats.org/officeDocument/2006/relationships" xmlns:p="http://schemas.openxmlformats.org/presentationml/2006/main">
   <p:cSld>
     <p:bg>
       <p:bgPr>
         <a:solidFill>
           <a:srgbClr val="694680"/>
         </a:solidFill>
+        <a:effectLst/>
       </p:bgPr>
     </p:bg>
     <p:spTree>
@@ -22937,11 +22953,13 @@
           </a:stretch>
         </p:blipFill>
         <p:spPr>
-          <a:xfrm rot="0">
+          <a:xfrm>
             <a:off x="4344670" y="1601470"/>
             <a:ext cx="9610725" cy="8074025"/>
           </a:xfrm>
-          <a:prstGeom prst="rect"/>
+          <a:prstGeom prst="rect">
+            <a:avLst/>
+          </a:prstGeom>
           <a:noFill/>
           <a:ln w="57150" cap="flat" cmpd="sng">
             <a:solidFill>
@@ -22959,21 +22977,6 @@
   <p:clrMapOvr>
     <a:masterClrMapping/>
   </p:clrMapOvr>
-  <mc:AlternateContent xmlns:mc="http://schemas.openxmlformats.org/markup-compatibility/2006">
-    <mc:Choice xmlns:p14="http://schemas.microsoft.com/office/powerpoint/2010/main" Requires="p14">
-      <p:transition spd="slow" p14:dur="2000"/>
-    </mc:Choice>
-    <mc:Fallback>
-      <p:transition spd="slow"/>
-    </mc:Fallback>
-  </mc:AlternateContent>
-  <p:timing>
-    <p:tnLst>
-      <p:par>
-        <p:cTn id="1" dur="indefinite" restart="never" nodeType="tmRoot"/>
-      </p:par>
-    </p:tnLst>
-  </p:timing>
 </p:sld>
 </file>
 
@@ -25948,6 +25951,7 @@
         <a:solidFill>
           <a:srgbClr val="694680"/>
         </a:solidFill>
+        <a:effectLst/>
       </p:bgPr>
     </p:bg>
     <p:spTree>
@@ -25973,11 +25977,13 @@
           <p:nvPr/>
         </p:nvSpPr>
         <p:spPr>
-          <a:xfrm rot="0">
+          <a:xfrm>
             <a:off x="6015990" y="413385"/>
             <a:ext cx="6256655" cy="861060"/>
           </a:xfrm>
-          <a:prstGeom prst="rect"/>
+          <a:prstGeom prst="rect">
+            <a:avLst/>
+          </a:prstGeom>
           <a:noFill/>
           <a:ln w="0">
             <a:noFill/>
@@ -25985,12 +25991,12 @@
           </a:ln>
         </p:spPr>
         <p:txBody>
-          <a:bodyPr wrap="square" lIns="91440" tIns="45720" rIns="91440" bIns="45720" numCol="1" vert="horz" anchor="t">
+          <a:bodyPr vert="horz" wrap="square" lIns="91440" tIns="45720" rIns="91440" bIns="45720" numCol="1" anchor="t">
             <a:spAutoFit/>
           </a:bodyPr>
           <a:lstStyle/>
           <a:p>
-            <a:pPr marL="0" indent="0" rtl="0" algn="ctr" latinLnBrk="0">
+            <a:pPr marL="0" indent="0" algn="ctr" rtl="0" latinLnBrk="0">
               <a:spcBef>
                 <a:spcPts val="0"/>
               </a:spcBef>
@@ -26031,11 +26037,13 @@
           <p:nvPr/>
         </p:nvSpPr>
         <p:spPr>
-          <a:xfrm rot="0">
+          <a:xfrm>
             <a:off x="349250" y="238125"/>
             <a:ext cx="17623155" cy="9822815"/>
           </a:xfrm>
-          <a:prstGeom prst="rect"/>
+          <a:prstGeom prst="rect">
+            <a:avLst/>
+          </a:prstGeom>
           <a:noFill/>
           <a:ln w="57150" cap="flat" cmpd="sng">
             <a:solidFill>
@@ -26064,7 +26072,7 @@
           </a:fontRef>
         </p:style>
         <p:txBody>
-          <a:bodyPr wrap="square" lIns="91440" tIns="45720" rIns="91440" bIns="45720" numCol="1" vert="horz" anchor="ctr">
+          <a:bodyPr vert="horz" wrap="square" lIns="91440" tIns="45720" rIns="91440" bIns="45720" numCol="1" anchor="ctr">
             <a:noAutofit/>
           </a:bodyPr>
           <a:lstStyle/>
@@ -26089,7 +26097,7 @@
           <p:nvPr/>
         </p:nvPicPr>
         <p:blipFill rotWithShape="1">
-          <a:blip r:embed="rId2" cstate="hqprint">
+          <a:blip r:embed="rId3" cstate="hqprint">
             <a:extLst>
               <a:ext uri="{28A0092B-C50C-407E-A947-70E740481C1C}">
                 <a14:useLocalDpi xmlns:a14="http://schemas.microsoft.com/office/drawing/2010/main"/>
@@ -26101,11 +26109,13 @@
           </a:stretch>
         </p:blipFill>
         <p:spPr>
-          <a:xfrm rot="0">
+          <a:xfrm>
             <a:off x="2022475" y="1362710"/>
             <a:ext cx="13870305" cy="48895"/>
           </a:xfrm>
-          <a:prstGeom prst="rect"/>
+          <a:prstGeom prst="rect">
+            <a:avLst/>
+          </a:prstGeom>
           <a:noFill/>
           <a:ln w="0">
             <a:noFill/>
@@ -26122,11 +26132,13 @@
           <p:nvPr/>
         </p:nvSpPr>
         <p:spPr>
-          <a:xfrm rot="0">
+          <a:xfrm>
             <a:off x="349250" y="238125"/>
             <a:ext cx="17623790" cy="9763760"/>
           </a:xfrm>
-          <a:prstGeom prst="rect"/>
+          <a:prstGeom prst="rect">
+            <a:avLst/>
+          </a:prstGeom>
           <a:noFill/>
           <a:ln w="57150" cap="flat" cmpd="sng">
             <a:solidFill>
@@ -26155,7 +26167,7 @@
           </a:fontRef>
         </p:style>
         <p:txBody>
-          <a:bodyPr wrap="square" lIns="91440" tIns="45720" rIns="91440" bIns="45720" numCol="1" vert="horz" anchor="ctr">
+          <a:bodyPr vert="horz" wrap="square" lIns="91440" tIns="45720" rIns="91440" bIns="45720" numCol="1" anchor="ctr">
             <a:noAutofit/>
           </a:bodyPr>
           <a:lstStyle/>
@@ -26177,7 +26189,7 @@
           <p:nvPr/>
         </p:nvPicPr>
         <p:blipFill rotWithShape="1">
-          <a:blip r:embed="rId3" cstate="print">
+          <a:blip r:embed="rId4" cstate="print">
             <a:extLst>
               <a:ext uri="{28A0092B-C50C-407E-A947-70E740481C1C}">
                 <a14:useLocalDpi xmlns:a14="http://schemas.microsoft.com/office/drawing/2010/main" val="0"/>
@@ -26190,11 +26202,13 @@
           </a:stretch>
         </p:blipFill>
         <p:spPr>
-          <a:xfrm rot="0">
+          <a:xfrm>
             <a:off x="2393950" y="1918970"/>
             <a:ext cx="13133070" cy="7106285"/>
           </a:xfrm>
-          <a:prstGeom prst="rect"/>
+          <a:prstGeom prst="rect">
+            <a:avLst/>
+          </a:prstGeom>
           <a:noFill/>
           <a:ln w="57150" cap="flat" cmpd="sng">
             <a:solidFill>
@@ -26212,21 +26226,6 @@
   <p:clrMapOvr>
     <a:masterClrMapping/>
   </p:clrMapOvr>
-  <mc:AlternateContent xmlns:mc="http://schemas.openxmlformats.org/markup-compatibility/2006">
-    <mc:Choice xmlns:p14="http://schemas.microsoft.com/office/powerpoint/2010/main" Requires="p14">
-      <p:transition spd="slow" p14:dur="2000"/>
-    </mc:Choice>
-    <mc:Fallback>
-      <p:transition spd="slow"/>
-    </mc:Fallback>
-  </mc:AlternateContent>
-  <p:timing>
-    <p:tnLst>
-      <p:par>
-        <p:cTn id="1" dur="indefinite" restart="never" nodeType="tmRoot"/>
-      </p:par>
-    </p:tnLst>
-  </p:timing>
 </p:sld>
 </file>
 
@@ -26238,6 +26237,7 @@
         <a:solidFill>
           <a:srgbClr val="694680"/>
         </a:solidFill>
+        <a:effectLst/>
       </p:bgPr>
     </p:bg>
     <p:spTree>
@@ -26263,11 +26263,13 @@
           <p:nvPr/>
         </p:nvSpPr>
         <p:spPr>
-          <a:xfrm rot="0">
+          <a:xfrm>
             <a:off x="4655185" y="372745"/>
             <a:ext cx="8993505" cy="861060"/>
           </a:xfrm>
-          <a:prstGeom prst="rect"/>
+          <a:prstGeom prst="rect">
+            <a:avLst/>
+          </a:prstGeom>
           <a:noFill/>
           <a:ln w="0">
             <a:noFill/>
@@ -26275,12 +26277,12 @@
           </a:ln>
         </p:spPr>
         <p:txBody>
-          <a:bodyPr wrap="square" lIns="91440" tIns="45720" rIns="91440" bIns="45720" numCol="1" vert="horz" anchor="t">
+          <a:bodyPr vert="horz" wrap="square" lIns="91440" tIns="45720" rIns="91440" bIns="45720" numCol="1" anchor="t">
             <a:spAutoFit/>
           </a:bodyPr>
           <a:lstStyle/>
           <a:p>
-            <a:pPr marL="0" indent="0" rtl="0" algn="ctr" latinLnBrk="0">
+            <a:pPr marL="0" indent="0" algn="ctr" rtl="0" latinLnBrk="0">
               <a:spcBef>
                 <a:spcPts val="0"/>
               </a:spcBef>
@@ -26321,11 +26323,13 @@
           <p:nvPr/>
         </p:nvSpPr>
         <p:spPr>
-          <a:xfrm rot="0">
+          <a:xfrm>
             <a:off x="349250" y="238125"/>
             <a:ext cx="17623155" cy="9822815"/>
           </a:xfrm>
-          <a:prstGeom prst="rect"/>
+          <a:prstGeom prst="rect">
+            <a:avLst/>
+          </a:prstGeom>
           <a:noFill/>
           <a:ln w="57150" cap="flat" cmpd="sng">
             <a:solidFill>
@@ -26354,7 +26358,7 @@
           </a:fontRef>
         </p:style>
         <p:txBody>
-          <a:bodyPr wrap="square" lIns="91440" tIns="45720" rIns="91440" bIns="45720" numCol="1" vert="horz" anchor="ctr">
+          <a:bodyPr vert="horz" wrap="square" lIns="91440" tIns="45720" rIns="91440" bIns="45720" numCol="1" anchor="ctr">
             <a:noAutofit/>
           </a:bodyPr>
           <a:lstStyle/>
@@ -26379,7 +26383,7 @@
           <p:nvPr/>
         </p:nvPicPr>
         <p:blipFill rotWithShape="1">
-          <a:blip r:embed="rId2" cstate="hqprint">
+          <a:blip r:embed="rId3" cstate="hqprint">
             <a:extLst>
               <a:ext uri="{28A0092B-C50C-407E-A947-70E740481C1C}">
                 <a14:useLocalDpi xmlns:a14="http://schemas.microsoft.com/office/drawing/2010/main"/>
@@ -26391,11 +26395,13 @@
           </a:stretch>
         </p:blipFill>
         <p:spPr>
-          <a:xfrm rot="0">
+          <a:xfrm>
             <a:off x="2022475" y="1362710"/>
             <a:ext cx="13870305" cy="48895"/>
           </a:xfrm>
-          <a:prstGeom prst="rect"/>
+          <a:prstGeom prst="rect">
+            <a:avLst/>
+          </a:prstGeom>
           <a:noFill/>
           <a:ln w="0">
             <a:noFill/>
@@ -26412,11 +26418,13 @@
           <p:nvPr/>
         </p:nvSpPr>
         <p:spPr>
-          <a:xfrm rot="0">
+          <a:xfrm>
             <a:off x="349250" y="238125"/>
             <a:ext cx="17623790" cy="9763760"/>
           </a:xfrm>
-          <a:prstGeom prst="rect"/>
+          <a:prstGeom prst="rect">
+            <a:avLst/>
+          </a:prstGeom>
           <a:noFill/>
           <a:ln w="57150" cap="flat" cmpd="sng">
             <a:solidFill>
@@ -26445,7 +26453,7 @@
           </a:fontRef>
         </p:style>
         <p:txBody>
-          <a:bodyPr wrap="square" lIns="91440" tIns="45720" rIns="91440" bIns="45720" numCol="1" vert="horz" anchor="ctr">
+          <a:bodyPr vert="horz" wrap="square" lIns="91440" tIns="45720" rIns="91440" bIns="45720" numCol="1" anchor="ctr">
             <a:noAutofit/>
           </a:bodyPr>
           <a:lstStyle/>
@@ -26467,7 +26475,7 @@
           <p:nvPr/>
         </p:nvPicPr>
         <p:blipFill rotWithShape="1">
-          <a:blip r:embed="rId3" cstate="print">
+          <a:blip r:embed="rId4" cstate="print">
             <a:extLst>
               <a:ext uri="{28A0092B-C50C-407E-A947-70E740481C1C}">
                 <a14:useLocalDpi xmlns:a14="http://schemas.microsoft.com/office/drawing/2010/main" val="0"/>
@@ -26479,11 +26487,13 @@
           </a:stretch>
         </p:blipFill>
         <p:spPr>
-          <a:xfrm rot="0">
+          <a:xfrm>
             <a:off x="4537075" y="1637030"/>
             <a:ext cx="9106535" cy="7787640"/>
           </a:xfrm>
-          <a:prstGeom prst="rect"/>
+          <a:prstGeom prst="rect">
+            <a:avLst/>
+          </a:prstGeom>
           <a:noFill/>
           <a:ln w="57150" cap="flat" cmpd="sng">
             <a:solidFill>
@@ -26501,21 +26511,6 @@
   <p:clrMapOvr>
     <a:masterClrMapping/>
   </p:clrMapOvr>
-  <mc:AlternateContent xmlns:mc="http://schemas.openxmlformats.org/markup-compatibility/2006">
-    <mc:Choice xmlns:p14="http://schemas.microsoft.com/office/powerpoint/2010/main" Requires="p14">
-      <p:transition spd="slow" p14:dur="2000"/>
-    </mc:Choice>
-    <mc:Fallback>
-      <p:transition spd="slow"/>
-    </mc:Fallback>
-  </mc:AlternateContent>
-  <p:timing>
-    <p:tnLst>
-      <p:par>
-        <p:cTn id="1" dur="indefinite" restart="never" nodeType="tmRoot"/>
-      </p:par>
-    </p:tnLst>
-  </p:timing>
 </p:sld>
 </file>
 
@@ -26527,6 +26522,7 @@
         <a:solidFill>
           <a:srgbClr val="694680"/>
         </a:solidFill>
+        <a:effectLst/>
       </p:bgPr>
     </p:bg>
     <p:spTree>
@@ -26552,11 +26548,13 @@
           <p:nvPr/>
         </p:nvSpPr>
         <p:spPr>
-          <a:xfrm rot="0">
+          <a:xfrm>
             <a:off x="6015990" y="413385"/>
             <a:ext cx="6256655" cy="861060"/>
           </a:xfrm>
-          <a:prstGeom prst="rect"/>
+          <a:prstGeom prst="rect">
+            <a:avLst/>
+          </a:prstGeom>
           <a:noFill/>
           <a:ln w="0">
             <a:noFill/>
@@ -26564,12 +26562,12 @@
           </a:ln>
         </p:spPr>
         <p:txBody>
-          <a:bodyPr wrap="square" lIns="91440" tIns="45720" rIns="91440" bIns="45720" numCol="1" vert="horz" anchor="t">
+          <a:bodyPr vert="horz" wrap="square" lIns="91440" tIns="45720" rIns="91440" bIns="45720" numCol="1" anchor="t">
             <a:spAutoFit/>
           </a:bodyPr>
           <a:lstStyle/>
           <a:p>
-            <a:pPr marL="0" indent="0" rtl="0" algn="ctr" latinLnBrk="0">
+            <a:pPr marL="0" indent="0" algn="ctr" rtl="0" latinLnBrk="0">
               <a:spcBef>
                 <a:spcPts val="0"/>
               </a:spcBef>
@@ -26610,11 +26608,13 @@
           <p:nvPr/>
         </p:nvSpPr>
         <p:spPr>
-          <a:xfrm rot="0">
+          <a:xfrm>
             <a:off x="349250" y="238125"/>
             <a:ext cx="17623155" cy="9822815"/>
           </a:xfrm>
-          <a:prstGeom prst="rect"/>
+          <a:prstGeom prst="rect">
+            <a:avLst/>
+          </a:prstGeom>
           <a:noFill/>
           <a:ln w="57150" cap="flat" cmpd="sng">
             <a:solidFill>
@@ -26643,7 +26643,7 @@
           </a:fontRef>
         </p:style>
         <p:txBody>
-          <a:bodyPr wrap="square" lIns="91440" tIns="45720" rIns="91440" bIns="45720" numCol="1" vert="horz" anchor="ctr">
+          <a:bodyPr vert="horz" wrap="square" lIns="91440" tIns="45720" rIns="91440" bIns="45720" numCol="1" anchor="ctr">
             <a:noAutofit/>
           </a:bodyPr>
           <a:lstStyle/>
@@ -26668,7 +26668,7 @@
           <p:nvPr/>
         </p:nvPicPr>
         <p:blipFill rotWithShape="1">
-          <a:blip r:embed="rId2" cstate="hqprint">
+          <a:blip r:embed="rId3" cstate="hqprint">
             <a:extLst>
               <a:ext uri="{28A0092B-C50C-407E-A947-70E740481C1C}">
                 <a14:useLocalDpi xmlns:a14="http://schemas.microsoft.com/office/drawing/2010/main"/>
@@ -26680,11 +26680,13 @@
           </a:stretch>
         </p:blipFill>
         <p:spPr>
-          <a:xfrm rot="0">
+          <a:xfrm>
             <a:off x="2022475" y="1362710"/>
             <a:ext cx="13870305" cy="48895"/>
           </a:xfrm>
-          <a:prstGeom prst="rect"/>
+          <a:prstGeom prst="rect">
+            <a:avLst/>
+          </a:prstGeom>
           <a:noFill/>
           <a:ln w="0">
             <a:noFill/>
@@ -26701,11 +26703,13 @@
           <p:nvPr/>
         </p:nvSpPr>
         <p:spPr>
-          <a:xfrm rot="0">
+          <a:xfrm>
             <a:off x="349250" y="238125"/>
             <a:ext cx="17623790" cy="9763760"/>
           </a:xfrm>
-          <a:prstGeom prst="rect"/>
+          <a:prstGeom prst="rect">
+            <a:avLst/>
+          </a:prstGeom>
           <a:noFill/>
           <a:ln w="57150" cap="flat" cmpd="sng">
             <a:solidFill>
@@ -26734,7 +26738,7 @@
           </a:fontRef>
         </p:style>
         <p:txBody>
-          <a:bodyPr wrap="square" lIns="91440" tIns="45720" rIns="91440" bIns="45720" numCol="1" vert="horz" anchor="ctr">
+          <a:bodyPr vert="horz" wrap="square" lIns="91440" tIns="45720" rIns="91440" bIns="45720" numCol="1" anchor="ctr">
             <a:noAutofit/>
           </a:bodyPr>
           <a:lstStyle/>
@@ -26756,7 +26760,7 @@
           <p:nvPr/>
         </p:nvPicPr>
         <p:blipFill rotWithShape="1">
-          <a:blip r:embed="rId3" cstate="print">
+          <a:blip r:embed="rId4" cstate="print">
             <a:extLst>
               <a:ext uri="{28A0092B-C50C-407E-A947-70E740481C1C}">
                 <a14:useLocalDpi xmlns:a14="http://schemas.microsoft.com/office/drawing/2010/main" val="0"/>
@@ -26768,11 +26772,13 @@
           </a:stretch>
         </p:blipFill>
         <p:spPr>
-          <a:xfrm rot="0">
+          <a:xfrm>
             <a:off x="3467100" y="1690370"/>
             <a:ext cx="11373485" cy="7644765"/>
           </a:xfrm>
-          <a:prstGeom prst="rect"/>
+          <a:prstGeom prst="rect">
+            <a:avLst/>
+          </a:prstGeom>
           <a:noFill/>
           <a:ln w="57150" cap="flat" cmpd="sng">
             <a:solidFill>
@@ -26790,21 +26796,6 @@
   <p:clrMapOvr>
     <a:masterClrMapping/>
   </p:clrMapOvr>
-  <mc:AlternateContent xmlns:mc="http://schemas.openxmlformats.org/markup-compatibility/2006">
-    <mc:Choice xmlns:p14="http://schemas.microsoft.com/office/powerpoint/2010/main" Requires="p14">
-      <p:transition spd="slow" p14:dur="2000"/>
-    </mc:Choice>
-    <mc:Fallback>
-      <p:transition spd="slow"/>
-    </mc:Fallback>
-  </mc:AlternateContent>
-  <p:timing>
-    <p:tnLst>
-      <p:par>
-        <p:cTn id="1" dur="indefinite" restart="never" nodeType="tmRoot"/>
-      </p:par>
-    </p:tnLst>
-  </p:timing>
 </p:sld>
 </file>
 
@@ -28589,13 +28580,14 @@
 </file>
 
 <file path=ppt/slides/slide20.xml><?xml version="1.0" encoding="utf-8"?>
-<p:sld xmlns:a="http://schemas.openxmlformats.org/drawingml/2006/main" xmlns:r="http://schemas.openxmlformats.org/officeDocument/2006/relationships" xmlns:p="http://schemas.openxmlformats.org/presentationml/2006/main" xmlns:p14="http://schemas.microsoft.com/office/powerpoint/2010/main">
+<p:sld xmlns:a="http://schemas.openxmlformats.org/drawingml/2006/main" xmlns:r="http://schemas.openxmlformats.org/officeDocument/2006/relationships" xmlns:p="http://schemas.openxmlformats.org/presentationml/2006/main">
   <p:cSld>
     <p:bg>
       <p:bgPr>
         <a:solidFill>
           <a:srgbClr val="694680"/>
         </a:solidFill>
+        <a:effectLst/>
       </p:bgPr>
     </p:bg>
     <p:spTree>
@@ -28621,11 +28613,13 @@
           <p:nvPr/>
         </p:nvSpPr>
         <p:spPr>
-          <a:xfrm rot="0">
+          <a:xfrm>
             <a:off x="6029325" y="400050"/>
             <a:ext cx="6256655" cy="861060"/>
           </a:xfrm>
-          <a:prstGeom prst="rect"/>
+          <a:prstGeom prst="rect">
+            <a:avLst/>
+          </a:prstGeom>
           <a:noFill/>
           <a:ln w="0">
             <a:noFill/>
@@ -28633,12 +28627,12 @@
           </a:ln>
         </p:spPr>
         <p:txBody>
-          <a:bodyPr wrap="square" lIns="91440" tIns="45720" rIns="91440" bIns="45720" numCol="1" vert="horz" anchor="t">
+          <a:bodyPr vert="horz" wrap="square" lIns="91440" tIns="45720" rIns="91440" bIns="45720" numCol="1" anchor="t">
             <a:spAutoFit/>
           </a:bodyPr>
           <a:lstStyle/>
           <a:p>
-            <a:pPr marL="0" indent="0" rtl="0" algn="ctr" latinLnBrk="0">
+            <a:pPr marL="0" indent="0" algn="ctr" rtl="0" latinLnBrk="0">
               <a:spcBef>
                 <a:spcPts val="0"/>
               </a:spcBef>
@@ -28690,11 +28684,13 @@
           <p:nvPr/>
         </p:nvSpPr>
         <p:spPr>
-          <a:xfrm rot="0">
+          <a:xfrm>
             <a:off x="349250" y="238125"/>
             <a:ext cx="17623155" cy="9822815"/>
           </a:xfrm>
-          <a:prstGeom prst="rect"/>
+          <a:prstGeom prst="rect">
+            <a:avLst/>
+          </a:prstGeom>
           <a:noFill/>
           <a:ln w="57150" cap="flat" cmpd="sng">
             <a:solidFill>
@@ -28723,7 +28719,7 @@
           </a:fontRef>
         </p:style>
         <p:txBody>
-          <a:bodyPr wrap="square" lIns="91440" tIns="45720" rIns="91440" bIns="45720" numCol="1" vert="horz" anchor="ctr">
+          <a:bodyPr vert="horz" wrap="square" lIns="91440" tIns="45720" rIns="91440" bIns="45720" numCol="1" anchor="ctr">
             <a:noAutofit/>
           </a:bodyPr>
           <a:lstStyle/>
@@ -28748,7 +28744,7 @@
           <p:nvPr/>
         </p:nvPicPr>
         <p:blipFill rotWithShape="1">
-          <a:blip r:embed="rId2" cstate="hqprint">
+          <a:blip r:embed="rId3" cstate="hqprint">
             <a:extLst>
               <a:ext uri="{28A0092B-C50C-407E-A947-70E740481C1C}">
                 <a14:useLocalDpi xmlns:a14="http://schemas.microsoft.com/office/drawing/2010/main"/>
@@ -28760,11 +28756,13 @@
           </a:stretch>
         </p:blipFill>
         <p:spPr>
-          <a:xfrm rot="0">
+          <a:xfrm>
             <a:off x="2022475" y="1362710"/>
             <a:ext cx="13870305" cy="48895"/>
           </a:xfrm>
-          <a:prstGeom prst="rect"/>
+          <a:prstGeom prst="rect">
+            <a:avLst/>
+          </a:prstGeom>
           <a:noFill/>
           <a:ln w="0">
             <a:noFill/>
@@ -28781,11 +28779,13 @@
           <p:nvPr/>
         </p:nvSpPr>
         <p:spPr>
-          <a:xfrm rot="0">
+          <a:xfrm>
             <a:off x="349250" y="238125"/>
             <a:ext cx="17623790" cy="9763760"/>
           </a:xfrm>
-          <a:prstGeom prst="rect"/>
+          <a:prstGeom prst="rect">
+            <a:avLst/>
+          </a:prstGeom>
           <a:noFill/>
           <a:ln w="57150" cap="flat" cmpd="sng">
             <a:solidFill>
@@ -28814,7 +28814,7 @@
           </a:fontRef>
         </p:style>
         <p:txBody>
-          <a:bodyPr wrap="square" lIns="91440" tIns="45720" rIns="91440" bIns="45720" numCol="1" vert="horz" anchor="ctr">
+          <a:bodyPr vert="horz" wrap="square" lIns="91440" tIns="45720" rIns="91440" bIns="45720" numCol="1" anchor="ctr">
             <a:noAutofit/>
           </a:bodyPr>
           <a:lstStyle/>
@@ -28830,35 +28830,6 @@
       <p:pic>
         <p:nvPicPr>
           <p:cNvPr id="194" name="그림 23"/>
-          <p:cNvPicPr>
-            <a:picLocks noChangeAspect="1"/>
-          </p:cNvPicPr>
-          <p:nvPr/>
-        </p:nvPicPr>
-        <p:blipFill rotWithShape="1">
-          <a:blip r:embed="rId3" cstate="print">
-            <a:extLst>
-              <a:ext uri="{28A0092B-C50C-407E-A947-70E740481C1C}">
-                <a14:useLocalDpi xmlns:a14="http://schemas.microsoft.com/office/drawing/2010/main" val="0"/>
-              </a:ext>
-            </a:extLst>
-          </a:blip>
-          <a:stretch>
-            <a:fillRect/>
-          </a:stretch>
-        </p:blipFill>
-        <p:spPr>
-          <a:xfrm rot="0">
-            <a:off x="9763125" y="2338070"/>
-            <a:ext cx="7230110" cy="5606415"/>
-          </a:xfrm>
-          <a:prstGeom prst="rect"/>
-          <a:noFill/>
-        </p:spPr>
-      </p:pic>
-      <p:pic>
-        <p:nvPicPr>
-          <p:cNvPr id="195" name="그림 25"/>
           <p:cNvPicPr>
             <a:picLocks noChangeAspect="1"/>
           </p:cNvPicPr>
@@ -28877,17 +28848,90 @@
           </a:stretch>
         </p:blipFill>
         <p:spPr>
-          <a:xfrm rot="0">
+          <a:xfrm>
+            <a:off x="9763125" y="2338070"/>
+            <a:ext cx="7230110" cy="5606415"/>
+          </a:xfrm>
+          <a:prstGeom prst="rect">
+            <a:avLst/>
+          </a:prstGeom>
+          <a:noFill/>
+        </p:spPr>
+      </p:pic>
+      <p:pic>
+        <p:nvPicPr>
+          <p:cNvPr id="195" name="그림 25"/>
+          <p:cNvPicPr>
+            <a:picLocks noChangeAspect="1"/>
+          </p:cNvPicPr>
+          <p:nvPr/>
+        </p:nvPicPr>
+        <p:blipFill rotWithShape="1">
+          <a:blip r:embed="rId5" cstate="print">
+            <a:extLst>
+              <a:ext uri="{28A0092B-C50C-407E-A947-70E740481C1C}">
+                <a14:useLocalDpi xmlns:a14="http://schemas.microsoft.com/office/drawing/2010/main" val="0"/>
+              </a:ext>
+            </a:extLst>
+          </a:blip>
+          <a:stretch>
+            <a:fillRect/>
+          </a:stretch>
+        </p:blipFill>
+        <p:spPr>
+          <a:xfrm>
             <a:off x="1323975" y="2333625"/>
             <a:ext cx="8020685" cy="5544185"/>
           </a:xfrm>
-          <a:prstGeom prst="rect"/>
+          <a:prstGeom prst="rect">
+            <a:avLst/>
+          </a:prstGeom>
           <a:noFill/>
         </p:spPr>
       </p:pic>
       <p:pic>
         <p:nvPicPr>
           <p:cNvPr id="196" name="그림 35" descr="C:/Users/admin/AppData/Roaming/PolarisOffice/ETemp/13692_22724144/fImage302035046962.png"/>
+          <p:cNvPicPr>
+            <a:picLocks noChangeAspect="1"/>
+          </p:cNvPicPr>
+          <p:nvPr/>
+        </p:nvPicPr>
+        <p:blipFill rotWithShape="1">
+          <a:blip r:embed="rId4" cstate="hqprint">
+            <a:extLst>
+              <a:ext uri="{28A0092B-C50C-407E-A947-70E740481C1C}">
+                <a14:useLocalDpi xmlns:a14="http://schemas.microsoft.com/office/drawing/2010/main"/>
+              </a:ext>
+            </a:extLst>
+          </a:blip>
+          <a:stretch>
+            <a:fillRect/>
+          </a:stretch>
+        </p:blipFill>
+        <p:spPr>
+          <a:xfrm>
+            <a:off x="9744075" y="2338070"/>
+            <a:ext cx="7230745" cy="5607050"/>
+          </a:xfrm>
+          <a:prstGeom prst="rect">
+            <a:avLst/>
+          </a:prstGeom>
+          <a:noFill/>
+          <a:ln w="57150" cap="flat" cmpd="sng">
+            <a:solidFill>
+              <a:schemeClr val="bg1">
+                <a:alpha val="100000"/>
+              </a:schemeClr>
+            </a:solidFill>
+            <a:prstDash val="solid"/>
+            <a:round/>
+          </a:ln>
+        </p:spPr>
+      </p:pic>
+      <p:pic>
+        <p:nvPicPr>
+          <p:cNvPr id="197" name="그림 36" descr="C:/Users/admin/AppData/Roaming/PolarisOffice/ETemp/13692_22724144/fImage297225054464.png"/>
           <p:cNvPicPr>
             <a:picLocks noChangeAspect="1"/>
           </p:cNvPicPr>
@@ -28906,11 +28950,13 @@
           </a:stretch>
         </p:blipFill>
         <p:spPr>
-          <a:xfrm rot="0">
-            <a:off x="9744075" y="2338070"/>
-            <a:ext cx="7230745" cy="5607050"/>
-          </a:xfrm>
-          <a:prstGeom prst="rect"/>
+          <a:xfrm>
+            <a:off x="1304925" y="2333625"/>
+            <a:ext cx="8021320" cy="5544820"/>
+          </a:xfrm>
+          <a:prstGeom prst="rect">
+            <a:avLst/>
+          </a:prstGeom>
           <a:noFill/>
           <a:ln w="57150" cap="flat" cmpd="sng">
             <a:solidFill>
@@ -28923,64 +28969,11 @@
           </a:ln>
         </p:spPr>
       </p:pic>
-      <p:pic>
-        <p:nvPicPr>
-          <p:cNvPr id="197" name="그림 36" descr="C:/Users/admin/AppData/Roaming/PolarisOffice/ETemp/13692_22724144/fImage297225054464.png"/>
-          <p:cNvPicPr>
-            <a:picLocks noChangeAspect="1"/>
-          </p:cNvPicPr>
-          <p:nvPr/>
-        </p:nvPicPr>
-        <p:blipFill rotWithShape="1">
-          <a:blip r:embed="rId6" cstate="hqprint">
-            <a:extLst>
-              <a:ext uri="{28A0092B-C50C-407E-A947-70E740481C1C}">
-                <a14:useLocalDpi xmlns:a14="http://schemas.microsoft.com/office/drawing/2010/main"/>
-              </a:ext>
-            </a:extLst>
-          </a:blip>
-          <a:stretch>
-            <a:fillRect/>
-          </a:stretch>
-        </p:blipFill>
-        <p:spPr>
-          <a:xfrm rot="0">
-            <a:off x="1304925" y="2333625"/>
-            <a:ext cx="8021320" cy="5544820"/>
-          </a:xfrm>
-          <a:prstGeom prst="rect"/>
-          <a:noFill/>
-          <a:ln w="57150" cap="flat" cmpd="sng">
-            <a:solidFill>
-              <a:schemeClr val="bg1">
-                <a:alpha val="100000"/>
-              </a:schemeClr>
-            </a:solidFill>
-            <a:prstDash val="solid"/>
-            <a:round/>
-          </a:ln>
-        </p:spPr>
-      </p:pic>
     </p:spTree>
   </p:cSld>
   <p:clrMapOvr>
     <a:masterClrMapping/>
   </p:clrMapOvr>
-  <mc:AlternateContent xmlns:mc="http://schemas.openxmlformats.org/markup-compatibility/2006">
-    <mc:Choice xmlns:p14="http://schemas.microsoft.com/office/powerpoint/2010/main" Requires="p14">
-      <p:transition spd="slow" p14:dur="2000"/>
-    </mc:Choice>
-    <mc:Fallback>
-      <p:transition spd="slow"/>
-    </mc:Fallback>
-  </mc:AlternateContent>
-  <p:timing>
-    <p:tnLst>
-      <p:par>
-        <p:cTn id="1" dur="indefinite" restart="never" nodeType="tmRoot"/>
-      </p:par>
-    </p:tnLst>
-  </p:timing>
 </p:sld>
 </file>
 
@@ -33041,6 +33034,7 @@
         <a:solidFill>
           <a:srgbClr val="694680"/>
         </a:solidFill>
+        <a:effectLst/>
       </p:bgPr>
     </p:bg>
     <p:spTree>
@@ -33066,11 +33060,13 @@
           <p:nvPr/>
         </p:nvSpPr>
         <p:spPr>
-          <a:xfrm rot="0">
+          <a:xfrm>
             <a:off x="6015990" y="413385"/>
             <a:ext cx="6256655" cy="861060"/>
           </a:xfrm>
-          <a:prstGeom prst="rect"/>
+          <a:prstGeom prst="rect">
+            <a:avLst/>
+          </a:prstGeom>
           <a:noFill/>
           <a:ln w="0">
             <a:noFill/>
@@ -33078,12 +33074,12 @@
           </a:ln>
         </p:spPr>
         <p:txBody>
-          <a:bodyPr wrap="square" lIns="91440" tIns="45720" rIns="91440" bIns="45720" numCol="1" vert="horz" anchor="t">
+          <a:bodyPr vert="horz" wrap="square" lIns="91440" tIns="45720" rIns="91440" bIns="45720" numCol="1" anchor="t">
             <a:spAutoFit/>
           </a:bodyPr>
           <a:lstStyle/>
           <a:p>
-            <a:pPr marL="0" indent="0" rtl="0" algn="ctr" latinLnBrk="0">
+            <a:pPr marL="0" indent="0" algn="ctr" rtl="0" latinLnBrk="0">
               <a:spcBef>
                 <a:spcPts val="0"/>
               </a:spcBef>
@@ -33124,11 +33120,13 @@
           <p:nvPr/>
         </p:nvSpPr>
         <p:spPr>
-          <a:xfrm rot="0">
+          <a:xfrm>
             <a:off x="349250" y="238125"/>
             <a:ext cx="17623155" cy="9822815"/>
           </a:xfrm>
-          <a:prstGeom prst="rect"/>
+          <a:prstGeom prst="rect">
+            <a:avLst/>
+          </a:prstGeom>
           <a:noFill/>
           <a:ln w="57150" cap="flat" cmpd="sng">
             <a:solidFill>
@@ -33157,7 +33155,7 @@
           </a:fontRef>
         </p:style>
         <p:txBody>
-          <a:bodyPr wrap="square" lIns="91440" tIns="45720" rIns="91440" bIns="45720" numCol="1" vert="horz" anchor="ctr">
+          <a:bodyPr vert="horz" wrap="square" lIns="91440" tIns="45720" rIns="91440" bIns="45720" numCol="1" anchor="ctr">
             <a:noAutofit/>
           </a:bodyPr>
           <a:lstStyle/>
@@ -33182,7 +33180,7 @@
           <p:nvPr/>
         </p:nvPicPr>
         <p:blipFill rotWithShape="1">
-          <a:blip r:embed="rId2" cstate="hqprint">
+          <a:blip r:embed="rId3" cstate="hqprint">
             <a:extLst>
               <a:ext uri="{28A0092B-C50C-407E-A947-70E740481C1C}">
                 <a14:useLocalDpi xmlns:a14="http://schemas.microsoft.com/office/drawing/2010/main"/>
@@ -33194,11 +33192,13 @@
           </a:stretch>
         </p:blipFill>
         <p:spPr>
-          <a:xfrm rot="0">
+          <a:xfrm>
             <a:off x="2022475" y="1362710"/>
             <a:ext cx="13870305" cy="48895"/>
           </a:xfrm>
-          <a:prstGeom prst="rect"/>
+          <a:prstGeom prst="rect">
+            <a:avLst/>
+          </a:prstGeom>
           <a:noFill/>
           <a:ln w="0">
             <a:noFill/>
@@ -33215,11 +33215,13 @@
           <p:nvPr/>
         </p:nvSpPr>
         <p:spPr>
-          <a:xfrm rot="0">
+          <a:xfrm>
             <a:off x="349250" y="238125"/>
             <a:ext cx="17623790" cy="9763760"/>
           </a:xfrm>
-          <a:prstGeom prst="rect"/>
+          <a:prstGeom prst="rect">
+            <a:avLst/>
+          </a:prstGeom>
           <a:noFill/>
           <a:ln w="57150" cap="flat" cmpd="sng">
             <a:solidFill>
@@ -33248,7 +33250,7 @@
           </a:fontRef>
         </p:style>
         <p:txBody>
-          <a:bodyPr wrap="square" lIns="91440" tIns="45720" rIns="91440" bIns="45720" numCol="1" vert="horz" anchor="ctr">
+          <a:bodyPr vert="horz" wrap="square" lIns="91440" tIns="45720" rIns="91440" bIns="45720" numCol="1" anchor="ctr">
             <a:noAutofit/>
           </a:bodyPr>
           <a:lstStyle/>
@@ -33270,7 +33272,7 @@
           <p:nvPr/>
         </p:nvPicPr>
         <p:blipFill rotWithShape="1">
-          <a:blip r:embed="rId3" cstate="print">
+          <a:blip r:embed="rId4" cstate="print">
             <a:extLst>
               <a:ext uri="{28A0092B-C50C-407E-A947-70E740481C1C}">
                 <a14:useLocalDpi xmlns:a14="http://schemas.microsoft.com/office/drawing/2010/main" val="0"/>
@@ -33282,11 +33284,13 @@
           </a:stretch>
         </p:blipFill>
         <p:spPr>
-          <a:xfrm rot="0">
+          <a:xfrm>
             <a:off x="5526405" y="1409700"/>
             <a:ext cx="7256780" cy="8458835"/>
           </a:xfrm>
-          <a:prstGeom prst="rect"/>
+          <a:prstGeom prst="rect">
+            <a:avLst/>
+          </a:prstGeom>
           <a:noFill/>
         </p:spPr>
       </p:pic>
@@ -33295,26 +33299,11 @@
   <p:clrMapOvr>
     <a:masterClrMapping/>
   </p:clrMapOvr>
-  <mc:AlternateContent xmlns:mc="http://schemas.openxmlformats.org/markup-compatibility/2006">
-    <mc:Choice xmlns:p14="http://schemas.microsoft.com/office/powerpoint/2010/main" Requires="p14">
-      <p:transition spd="slow" p14:dur="2000"/>
-    </mc:Choice>
-    <mc:Fallback>
-      <p:transition spd="slow"/>
-    </mc:Fallback>
-  </mc:AlternateContent>
-  <p:timing>
-    <p:tnLst>
-      <p:par>
-        <p:cTn id="1" dur="indefinite" restart="never" nodeType="tmRoot"/>
-      </p:par>
-    </p:tnLst>
-  </p:timing>
 </p:sld>
 </file>
 
 <file path=ppt/slides/slide7.xml><?xml version="1.0" encoding="utf-8"?>
-<p:sld xmlns:a="http://schemas.openxmlformats.org/drawingml/2006/main" xmlns:r="http://schemas.openxmlformats.org/officeDocument/2006/relationships" xmlns:p="http://schemas.openxmlformats.org/presentationml/2006/main" xmlns:p14="http://schemas.microsoft.com/office/powerpoint/2010/main">
+<p:sld xmlns:a="http://schemas.openxmlformats.org/drawingml/2006/main" xmlns:r="http://schemas.openxmlformats.org/officeDocument/2006/relationships" xmlns:p="http://schemas.openxmlformats.org/presentationml/2006/main">
   <p:cSld>
     <p:spTree>
       <p:nvGrpSpPr>
@@ -34885,11 +34874,13 @@
           </a:stretch>
         </p:blipFill>
         <p:spPr>
-          <a:xfrm rot="0">
+          <a:xfrm>
             <a:off x="14246225" y="2731135"/>
             <a:ext cx="1052830" cy="1052830"/>
           </a:xfrm>
-          <a:prstGeom prst="rect"/>
+          <a:prstGeom prst="rect">
+            <a:avLst/>
+          </a:prstGeom>
           <a:noFill/>
           <a:ln w="0">
             <a:noFill/>
@@ -35879,21 +35870,6 @@
   <p:clrMapOvr>
     <a:masterClrMapping/>
   </p:clrMapOvr>
-  <mc:AlternateContent xmlns:mc="http://schemas.openxmlformats.org/markup-compatibility/2006">
-    <mc:Choice xmlns:p14="http://schemas.microsoft.com/office/powerpoint/2010/main" Requires="p14">
-      <p:transition spd="slow" p14:dur="2000"/>
-    </mc:Choice>
-    <mc:Fallback>
-      <p:transition spd="slow"/>
-    </mc:Fallback>
-  </mc:AlternateContent>
-  <p:timing>
-    <p:tnLst>
-      <p:par>
-        <p:cTn id="1" dur="indefinite" restart="never" nodeType="tmRoot"/>
-      </p:par>
-    </p:tnLst>
-  </p:timing>
 </p:sld>
 </file>
 
@@ -35905,6 +35881,7 @@
         <a:solidFill>
           <a:srgbClr val="694680"/>
         </a:solidFill>
+        <a:effectLst/>
       </p:bgPr>
     </p:bg>
     <p:spTree>
@@ -35921,6 +35898,51 @@
           <a:chExt cx="0" cy="0"/>
         </a:xfrm>
       </p:grpSpPr>
+      <p:pic>
+        <p:nvPicPr>
+          <p:cNvPr id="192" name="Picture " descr="C:/Users/admin/AppData/Roaming/PolarisOffice/ETemp/10604_9621416/fImage29924946962.png"/>
+          <p:cNvPicPr>
+            <a:picLocks/>
+          </p:cNvPicPr>
+          <p:nvPr/>
+        </p:nvPicPr>
+        <p:blipFill rotWithShape="1">
+          <a:blip r:embed="rId3" cstate="hqprint">
+            <a:clrChange>
+              <a:clrFrom>
+                <a:srgbClr val="68457F"/>
+              </a:clrFrom>
+              <a:clrTo>
+                <a:srgbClr val="68457F">
+                  <a:alpha val="0"/>
+                </a:srgbClr>
+              </a:clrTo>
+            </a:clrChange>
+            <a:extLst>
+              <a:ext uri="{28A0092B-C50C-407E-A947-70E740481C1C}">
+                <a14:useLocalDpi xmlns:a14="http://schemas.microsoft.com/office/drawing/2010/main"/>
+              </a:ext>
+            </a:extLst>
+          </a:blip>
+          <a:stretch>
+            <a:fillRect/>
+          </a:stretch>
+        </p:blipFill>
+        <p:spPr>
+          <a:xfrm>
+            <a:off x="2098040" y="1792605"/>
+            <a:ext cx="6925945" cy="4340225"/>
+          </a:xfrm>
+          <a:prstGeom prst="rect">
+            <a:avLst/>
+          </a:prstGeom>
+          <a:noFill/>
+          <a:ln w="19050" cap="flat" cmpd="sng">
+            <a:prstDash val="solid"/>
+            <a:round/>
+          </a:ln>
+        </p:spPr>
+      </p:pic>
       <p:sp>
         <p:nvSpPr>
           <p:cNvPr id="152" name="Rect 0"/>
@@ -35930,11 +35952,13 @@
           <p:nvPr/>
         </p:nvSpPr>
         <p:spPr>
-          <a:xfrm rot="0">
+          <a:xfrm>
             <a:off x="6015990" y="413385"/>
             <a:ext cx="6256655" cy="862330"/>
           </a:xfrm>
-          <a:prstGeom prst="rect"/>
+          <a:prstGeom prst="rect">
+            <a:avLst/>
+          </a:prstGeom>
           <a:noFill/>
           <a:ln w="0">
             <a:noFill/>
@@ -35942,17 +35966,17 @@
           </a:ln>
         </p:spPr>
         <p:txBody>
-          <a:bodyPr wrap="square" lIns="91440" tIns="45720" rIns="91440" bIns="45720" vert="horz" anchor="t">
+          <a:bodyPr vert="horz" wrap="square" lIns="91440" tIns="45720" rIns="91440" bIns="45720" anchor="t">
             <a:spAutoFit/>
           </a:bodyPr>
           <a:lstStyle/>
           <a:p>
-            <a:pPr marL="0" indent="0" rtl="0" algn="ctr" latinLnBrk="0">
+            <a:pPr marL="0" indent="0" algn="ctr" rtl="0" latinLnBrk="0">
               <a:buFontTx/>
               <a:buNone/>
             </a:pPr>
             <a:r>
-              <a:rPr sz="5000" cap="none" i="0" b="1" strike="noStrike">
+              <a:rPr sz="5000" b="1" i="0" strike="noStrike" cap="none">
                 <a:solidFill>
                   <a:schemeClr val="bg1"/>
                 </a:solidFill>
@@ -35961,7 +35985,7 @@
               </a:rPr>
               <a:t>서비스 구성</a:t>
             </a:r>
-            <a:endParaRPr lang="ko-KR" altLang="en-US" sz="5000" cap="none" i="0" b="1" strike="noStrike">
+            <a:endParaRPr lang="ko-KR" altLang="en-US" sz="5000" b="1" i="0" strike="noStrike" cap="none">
               <a:solidFill>
                 <a:schemeClr val="bg1"/>
               </a:solidFill>
@@ -35980,11 +36004,13 @@
           <p:nvPr/>
         </p:nvSpPr>
         <p:spPr>
-          <a:xfrm rot="0">
+          <a:xfrm>
             <a:off x="349250" y="238125"/>
             <a:ext cx="17623155" cy="9822815"/>
           </a:xfrm>
-          <a:prstGeom prst="rect"/>
+          <a:prstGeom prst="rect">
+            <a:avLst/>
+          </a:prstGeom>
           <a:noFill/>
           <a:ln w="57150" cap="flat" cmpd="sng">
             <a:solidFill>
@@ -36013,13 +36039,13 @@
           </a:fontRef>
         </p:style>
         <p:txBody>
-          <a:bodyPr wrap="square" lIns="91440" tIns="45720" rIns="91440" bIns="45720" vert="horz" anchor="ctr">
+          <a:bodyPr vert="horz" wrap="square" lIns="91440" tIns="45720" rIns="91440" bIns="45720" anchor="ctr">
             <a:noAutofit/>
           </a:bodyPr>
           <a:lstStyle/>
           <a:p>
-            <a:pPr marL="0" indent="0" rtl="0" algn="ctr" latinLnBrk="0" hangingPunct="1"/>
-            <a:endParaRPr lang="ko-KR" altLang="en-US" sz="1800" cap="none" i="0" b="0" strike="noStrike">
+            <a:pPr marL="0" indent="0" algn="ctr" rtl="0" latinLnBrk="0" hangingPunct="1"/>
+            <a:endParaRPr lang="ko-KR" altLang="en-US" sz="1800" b="0" i="0" strike="noStrike" cap="none">
               <a:solidFill>
                 <a:schemeClr val="bg1"/>
               </a:solidFill>
@@ -36038,11 +36064,13 @@
           <p:nvPr/>
         </p:nvSpPr>
         <p:spPr>
-          <a:xfrm rot="0">
+          <a:xfrm>
             <a:off x="2900680" y="2467610"/>
             <a:ext cx="5276215" cy="754380"/>
           </a:xfrm>
-          <a:prstGeom prst="rect"/>
+          <a:prstGeom prst="rect">
+            <a:avLst/>
+          </a:prstGeom>
           <a:noFill/>
           <a:ln w="0">
             <a:noFill/>
@@ -36050,17 +36078,17 @@
           </a:ln>
         </p:spPr>
         <p:txBody>
-          <a:bodyPr wrap="square" lIns="91440" tIns="45720" rIns="91440" bIns="45720" vert="horz" anchor="t">
+          <a:bodyPr vert="horz" wrap="square" lIns="91440" tIns="45720" rIns="91440" bIns="45720" anchor="t">
             <a:spAutoFit/>
           </a:bodyPr>
           <a:lstStyle/>
           <a:p>
-            <a:pPr marL="0" indent="0" rtl="0" algn="ctr" latinLnBrk="0">
+            <a:pPr marL="0" indent="0" algn="ctr" rtl="0" latinLnBrk="0">
               <a:buFontTx/>
               <a:buNone/>
             </a:pPr>
             <a:r>
-              <a:rPr sz="4300" cap="none" i="0" b="1" strike="noStrike">
+              <a:rPr sz="4300" b="1" i="0" strike="noStrike" cap="none">
                 <a:solidFill>
                   <a:schemeClr val="bg1"/>
                 </a:solidFill>
@@ -36069,7 +36097,7 @@
               </a:rPr>
               <a:t>일별 데일리룩 관리</a:t>
             </a:r>
-            <a:endParaRPr lang="ko-KR" altLang="en-US" sz="4300" cap="none" i="0" b="1" strike="noStrike">
+            <a:endParaRPr lang="ko-KR" altLang="en-US" sz="4300" b="1" i="0" strike="noStrike" cap="none">
               <a:solidFill>
                 <a:schemeClr val="bg1"/>
               </a:solidFill>
@@ -36088,11 +36116,13 @@
           <p:nvPr/>
         </p:nvSpPr>
         <p:spPr>
-          <a:xfrm rot="0">
+          <a:xfrm>
             <a:off x="2431415" y="4554855"/>
             <a:ext cx="5866130" cy="585470"/>
           </a:xfrm>
-          <a:prstGeom prst="rect"/>
+          <a:prstGeom prst="rect">
+            <a:avLst/>
+          </a:prstGeom>
           <a:noFill/>
           <a:ln w="0">
             <a:noFill/>
@@ -36100,17 +36130,17 @@
           </a:ln>
         </p:spPr>
         <p:txBody>
-          <a:bodyPr wrap="square" lIns="91440" tIns="45720" rIns="91440" bIns="45720" vert="horz" anchor="t">
+          <a:bodyPr vert="horz" wrap="square" lIns="91440" tIns="45720" rIns="91440" bIns="45720" anchor="t">
             <a:spAutoFit/>
           </a:bodyPr>
           <a:lstStyle/>
           <a:p>
-            <a:pPr marL="254000" indent="-254000" rtl="0" algn="l" latinLnBrk="0">
+            <a:pPr marL="254000" indent="-254000" algn="l" rtl="0" latinLnBrk="0">
               <a:buFont typeface="Wingdings"/>
               <a:buChar char=""/>
             </a:pPr>
             <a:r>
-              <a:rPr sz="3200" cap="none" i="0" b="0" strike="noStrike">
+              <a:rPr sz="3200" b="0" i="0" strike="noStrike" cap="none">
                 <a:solidFill>
                   <a:schemeClr val="bg1"/>
                 </a:solidFill>
@@ -36119,7 +36149,7 @@
               </a:rPr>
               <a:t>일별, 월별, 연별로 데일리룩 정렬</a:t>
             </a:r>
-            <a:endParaRPr lang="ko-KR" altLang="en-US" sz="3200" cap="none" i="0" b="0" strike="noStrike">
+            <a:endParaRPr lang="ko-KR" altLang="en-US" sz="3200" b="0" i="0" strike="noStrike" cap="none">
               <a:solidFill>
                 <a:schemeClr val="bg1"/>
               </a:solidFill>
@@ -36138,11 +36168,13 @@
           <p:nvPr/>
         </p:nvSpPr>
         <p:spPr>
-          <a:xfrm rot="0">
+          <a:xfrm>
             <a:off x="2431415" y="3453765"/>
             <a:ext cx="6214745" cy="1077595"/>
           </a:xfrm>
-          <a:prstGeom prst="rect"/>
+          <a:prstGeom prst="rect">
+            <a:avLst/>
+          </a:prstGeom>
           <a:noFill/>
           <a:ln w="0">
             <a:noFill/>
@@ -36150,17 +36182,17 @@
           </a:ln>
         </p:spPr>
         <p:txBody>
-          <a:bodyPr wrap="square" lIns="91440" tIns="45720" rIns="91440" bIns="45720" vert="horz" anchor="t">
+          <a:bodyPr vert="horz" wrap="square" lIns="91440" tIns="45720" rIns="91440" bIns="45720" anchor="t">
             <a:spAutoFit/>
           </a:bodyPr>
           <a:lstStyle/>
           <a:p>
-            <a:pPr marL="254000" indent="-254000" rtl="0" algn="l" latinLnBrk="0">
+            <a:pPr marL="254000" indent="-254000" algn="l" rtl="0" latinLnBrk="0">
               <a:buFont typeface="Wingdings"/>
               <a:buChar char=""/>
             </a:pPr>
             <a:r>
-              <a:rPr sz="3200" cap="none" i="0" b="0" strike="noStrike">
+              <a:rPr sz="3200" b="0" i="0" strike="noStrike" cap="none">
                 <a:solidFill>
                   <a:schemeClr val="bg1"/>
                 </a:solidFill>
@@ -36169,7 +36201,7 @@
               </a:rPr>
               <a:t>하루에 하나의 데일리룩을 작성하여 그날의 착장과 감상을 기록</a:t>
             </a:r>
-            <a:endParaRPr lang="ko-KR" altLang="en-US" sz="3200" cap="none" i="0" b="0" strike="noStrike">
+            <a:endParaRPr lang="ko-KR" altLang="en-US" sz="3200" b="0" i="0" strike="noStrike" cap="none">
               <a:solidFill>
                 <a:schemeClr val="bg1"/>
               </a:solidFill>
@@ -36182,82 +36214,6 @@
       <p:pic>
         <p:nvPicPr>
           <p:cNvPr id="180" name="Picture " descr="C:/Users/admin/AppData/Roaming/PolarisOffice/ETemp/10604_9621416/fImage4779748241.png"/>
-          <p:cNvPicPr>
-            <a:picLocks noChangeAspect="1"/>
-          </p:cNvPicPr>
-          <p:nvPr/>
-        </p:nvPicPr>
-        <p:blipFill rotWithShape="1">
-          <a:blip r:embed="rId2" cstate="hqprint">
-            <a:extLst>
-              <a:ext uri="{28A0092B-C50C-407E-A947-70E740481C1C}">
-                <a14:useLocalDpi xmlns:a14="http://schemas.microsoft.com/office/drawing/2010/main"/>
-              </a:ext>
-            </a:extLst>
-          </a:blip>
-          <a:stretch>
-            <a:fillRect/>
-          </a:stretch>
-        </p:blipFill>
-        <p:spPr>
-          <a:xfrm rot="0">
-            <a:off x="9664065" y="1868170"/>
-            <a:ext cx="5922645" cy="4196080"/>
-          </a:xfrm>
-          <a:prstGeom prst="rect"/>
-          <a:noFill/>
-          <a:ln w="57150" cap="flat" cmpd="sng">
-            <a:solidFill>
-              <a:schemeClr val="bg1">
-                <a:alpha val="100000"/>
-              </a:schemeClr>
-            </a:solidFill>
-            <a:prstDash val="solid"/>
-            <a:round/>
-          </a:ln>
-        </p:spPr>
-      </p:pic>
-      <p:pic>
-        <p:nvPicPr>
-          <p:cNvPr id="181" name="Picture " descr="C:/Users/admin/AppData/Roaming/PolarisOffice/ETemp/10604_9621416/fImage414094838467.png"/>
-          <p:cNvPicPr>
-            <a:picLocks noChangeAspect="1"/>
-          </p:cNvPicPr>
-          <p:nvPr/>
-        </p:nvPicPr>
-        <p:blipFill rotWithShape="1">
-          <a:blip r:embed="rId3" cstate="hqprint">
-            <a:extLst>
-              <a:ext uri="{28A0092B-C50C-407E-A947-70E740481C1C}">
-                <a14:useLocalDpi xmlns:a14="http://schemas.microsoft.com/office/drawing/2010/main"/>
-              </a:ext>
-            </a:extLst>
-          </a:blip>
-          <a:stretch>
-            <a:fillRect/>
-          </a:stretch>
-        </p:blipFill>
-        <p:spPr>
-          <a:xfrm rot="0">
-            <a:off x="2744470" y="6741160"/>
-            <a:ext cx="3806190" cy="2797175"/>
-          </a:xfrm>
-          <a:prstGeom prst="rect"/>
-          <a:noFill/>
-          <a:ln w="57150" cap="flat" cmpd="sng">
-            <a:solidFill>
-              <a:schemeClr val="bg1">
-                <a:alpha val="100000"/>
-              </a:schemeClr>
-            </a:solidFill>
-            <a:prstDash val="solid"/>
-            <a:round/>
-          </a:ln>
-        </p:spPr>
-      </p:pic>
-      <p:pic>
-        <p:nvPicPr>
-          <p:cNvPr id="182" name="Picture " descr="C:/Users/admin/AppData/Roaming/PolarisOffice/ETemp/10604_9621416/fImage378134846334.png"/>
           <p:cNvPicPr>
             <a:picLocks noChangeAspect="1"/>
           </p:cNvPicPr>
@@ -36276,11 +36232,13 @@
           </a:stretch>
         </p:blipFill>
         <p:spPr>
-          <a:xfrm rot="0">
-            <a:off x="7298055" y="6738620"/>
-            <a:ext cx="3724910" cy="2792730"/>
-          </a:xfrm>
-          <a:prstGeom prst="rect"/>
+          <a:xfrm>
+            <a:off x="9664065" y="1868170"/>
+            <a:ext cx="5922645" cy="4196080"/>
+          </a:xfrm>
+          <a:prstGeom prst="rect">
+            <a:avLst/>
+          </a:prstGeom>
           <a:noFill/>
           <a:ln w="57150" cap="flat" cmpd="sng">
             <a:solidFill>
@@ -36295,7 +36253,7 @@
       </p:pic>
       <p:pic>
         <p:nvPicPr>
-          <p:cNvPr id="183" name="Picture " descr="C:/Users/admin/AppData/Roaming/PolarisOffice/ETemp/10604_9621416/fImage229624856500.png"/>
+          <p:cNvPr id="181" name="Picture " descr="C:/Users/admin/AppData/Roaming/PolarisOffice/ETemp/10604_9621416/fImage414094838467.png"/>
           <p:cNvPicPr>
             <a:picLocks noChangeAspect="1"/>
           </p:cNvPicPr>
@@ -36314,11 +36272,13 @@
           </a:stretch>
         </p:blipFill>
         <p:spPr>
-          <a:xfrm rot="0">
-            <a:off x="11737975" y="6741160"/>
-            <a:ext cx="4033520" cy="2821940"/>
-          </a:xfrm>
-          <a:prstGeom prst="rect"/>
+          <a:xfrm>
+            <a:off x="2744470" y="6741160"/>
+            <a:ext cx="3806190" cy="2797175"/>
+          </a:xfrm>
+          <a:prstGeom prst="rect">
+            <a:avLst/>
+          </a:prstGeom>
           <a:noFill/>
           <a:ln w="57150" cap="flat" cmpd="sng">
             <a:solidFill>
@@ -36331,6 +36291,86 @@
           </a:ln>
         </p:spPr>
       </p:pic>
+      <p:pic>
+        <p:nvPicPr>
+          <p:cNvPr id="182" name="Picture " descr="C:/Users/admin/AppData/Roaming/PolarisOffice/ETemp/10604_9621416/fImage378134846334.png"/>
+          <p:cNvPicPr>
+            <a:picLocks noChangeAspect="1"/>
+          </p:cNvPicPr>
+          <p:nvPr/>
+        </p:nvPicPr>
+        <p:blipFill rotWithShape="1">
+          <a:blip r:embed="rId6" cstate="hqprint">
+            <a:extLst>
+              <a:ext uri="{28A0092B-C50C-407E-A947-70E740481C1C}">
+                <a14:useLocalDpi xmlns:a14="http://schemas.microsoft.com/office/drawing/2010/main"/>
+              </a:ext>
+            </a:extLst>
+          </a:blip>
+          <a:stretch>
+            <a:fillRect/>
+          </a:stretch>
+        </p:blipFill>
+        <p:spPr>
+          <a:xfrm>
+            <a:off x="7298055" y="6738620"/>
+            <a:ext cx="3724910" cy="2792730"/>
+          </a:xfrm>
+          <a:prstGeom prst="rect">
+            <a:avLst/>
+          </a:prstGeom>
+          <a:noFill/>
+          <a:ln w="57150" cap="flat" cmpd="sng">
+            <a:solidFill>
+              <a:schemeClr val="bg1">
+                <a:alpha val="100000"/>
+              </a:schemeClr>
+            </a:solidFill>
+            <a:prstDash val="solid"/>
+            <a:round/>
+          </a:ln>
+        </p:spPr>
+      </p:pic>
+      <p:pic>
+        <p:nvPicPr>
+          <p:cNvPr id="183" name="Picture " descr="C:/Users/admin/AppData/Roaming/PolarisOffice/ETemp/10604_9621416/fImage229624856500.png"/>
+          <p:cNvPicPr>
+            <a:picLocks noChangeAspect="1"/>
+          </p:cNvPicPr>
+          <p:nvPr/>
+        </p:nvPicPr>
+        <p:blipFill rotWithShape="1">
+          <a:blip r:embed="rId7" cstate="hqprint">
+            <a:extLst>
+              <a:ext uri="{28A0092B-C50C-407E-A947-70E740481C1C}">
+                <a14:useLocalDpi xmlns:a14="http://schemas.microsoft.com/office/drawing/2010/main"/>
+              </a:ext>
+            </a:extLst>
+          </a:blip>
+          <a:stretch>
+            <a:fillRect/>
+          </a:stretch>
+        </p:blipFill>
+        <p:spPr>
+          <a:xfrm>
+            <a:off x="11737975" y="6741160"/>
+            <a:ext cx="4033520" cy="2821940"/>
+          </a:xfrm>
+          <a:prstGeom prst="rect">
+            <a:avLst/>
+          </a:prstGeom>
+          <a:noFill/>
+          <a:ln w="57150" cap="flat" cmpd="sng">
+            <a:solidFill>
+              <a:schemeClr val="bg1">
+                <a:alpha val="100000"/>
+              </a:schemeClr>
+            </a:solidFill>
+            <a:prstDash val="solid"/>
+            <a:round/>
+          </a:ln>
+        </p:spPr>
+      </p:pic>
       <p:grpSp>
         <p:nvGrpSpPr>
           <p:cNvPr id="189" name="Group 5"/>
@@ -36338,7 +36378,7 @@
           <p:nvPr/>
         </p:nvGrpSpPr>
         <p:grpSpPr>
-          <a:xfrm rot="0">
+          <a:xfrm>
             <a:off x="14246225" y="5639435"/>
             <a:ext cx="2053590" cy="766445"/>
             <a:chOff x="14246225" y="5639435"/>
@@ -36354,7 +36394,7 @@
             <p:nvPr/>
           </p:nvPicPr>
           <p:blipFill rotWithShape="1">
-            <a:blip r:embed="rId6" cstate="hqprint">
+            <a:blip r:embed="rId8" cstate="hqprint">
               <a:extLst>
                 <a:ext uri="{28A0092B-C50C-407E-A947-70E740481C1C}">
                   <a14:useLocalDpi xmlns:a14="http://schemas.microsoft.com/office/drawing/2010/main"/>
@@ -36370,7 +36410,9 @@
               <a:off x="14378940" y="5639435"/>
               <a:ext cx="1838960" cy="766445"/>
             </a:xfrm>
-            <a:prstGeom prst="rect"/>
+            <a:prstGeom prst="rect">
+              <a:avLst/>
+            </a:prstGeom>
             <a:noFill/>
             <a:ln w="0">
               <a:noFill/>
@@ -36391,7 +36433,9 @@
               <a:off x="14246225" y="5722620"/>
               <a:ext cx="2053590" cy="523875"/>
             </a:xfrm>
-            <a:prstGeom prst="rect"/>
+            <a:prstGeom prst="rect">
+              <a:avLst/>
+            </a:prstGeom>
             <a:noFill/>
             <a:ln w="0">
               <a:noFill/>
@@ -36399,17 +36443,17 @@
             </a:ln>
           </p:spPr>
           <p:txBody>
-            <a:bodyPr wrap="square" lIns="91440" tIns="45720" rIns="91440" bIns="45720" vert="horz" anchor="ctr">
+            <a:bodyPr vert="horz" wrap="square" lIns="91440" tIns="45720" rIns="91440" bIns="45720" anchor="ctr">
               <a:spAutoFit/>
             </a:bodyPr>
             <a:lstStyle/>
             <a:p>
-              <a:pPr marL="0" indent="0" rtl="0" algn="ctr" latinLnBrk="0">
+              <a:pPr marL="0" indent="0" algn="ctr" rtl="0" latinLnBrk="0">
                 <a:buFontTx/>
                 <a:buNone/>
               </a:pPr>
               <a:r>
-                <a:rPr sz="1400" cap="none" i="0" b="1" strike="noStrike">
+                <a:rPr sz="1400" b="1" i="0" strike="noStrike" cap="none">
                   <a:solidFill>
                     <a:srgbClr val="694680"/>
                   </a:solidFill>
@@ -36418,7 +36462,7 @@
                 </a:rPr>
                 <a:t>데일리룩 신규 등록</a:t>
               </a:r>
-              <a:endParaRPr lang="ko-KR" altLang="en-US" sz="1400" cap="none" i="0" b="1" strike="noStrike">
+              <a:endParaRPr lang="ko-KR" altLang="en-US" sz="1400" b="1" i="0" strike="noStrike" cap="none">
                 <a:solidFill>
                   <a:srgbClr val="694680"/>
                 </a:solidFill>
@@ -36427,12 +36471,12 @@
               </a:endParaRPr>
             </a:p>
             <a:p>
-              <a:pPr marL="0" indent="0" rtl="0" algn="ctr" latinLnBrk="0">
+              <a:pPr marL="0" indent="0" algn="ctr" rtl="0" latinLnBrk="0">
                 <a:buFontTx/>
                 <a:buNone/>
               </a:pPr>
               <a:r>
-                <a:rPr sz="1400" cap="none" i="0" b="1" strike="noStrike">
+                <a:rPr sz="1400" b="1" i="0" strike="noStrike" cap="none">
                   <a:solidFill>
                     <a:srgbClr val="694680"/>
                   </a:solidFill>
@@ -36441,7 +36485,7 @@
                 </a:rPr>
                 <a:t>페이지의 일부</a:t>
               </a:r>
-              <a:endParaRPr lang="ko-KR" altLang="en-US" sz="1400" cap="none" i="0" b="1" strike="noStrike">
+              <a:endParaRPr lang="ko-KR" altLang="en-US" sz="1400" b="1" i="0" strike="noStrike" cap="none">
                 <a:solidFill>
                   <a:srgbClr val="694680"/>
                 </a:solidFill>
@@ -36459,7 +36503,7 @@
           <p:nvPr/>
         </p:nvGrpSpPr>
         <p:grpSpPr>
-          <a:xfrm rot="0">
+          <a:xfrm>
             <a:off x="1542415" y="6224905"/>
             <a:ext cx="2053590" cy="766445"/>
             <a:chOff x="1542415" y="6224905"/>
@@ -36475,7 +36519,7 @@
             <p:nvPr/>
           </p:nvPicPr>
           <p:blipFill rotWithShape="1">
-            <a:blip r:embed="rId7" cstate="hqprint">
+            <a:blip r:embed="rId8" cstate="hqprint">
               <a:extLst>
                 <a:ext uri="{28A0092B-C50C-407E-A947-70E740481C1C}">
                   <a14:useLocalDpi xmlns:a14="http://schemas.microsoft.com/office/drawing/2010/main"/>
@@ -36491,7 +36535,9 @@
               <a:off x="1675130" y="6224905"/>
               <a:ext cx="1838960" cy="766445"/>
             </a:xfrm>
-            <a:prstGeom prst="rect"/>
+            <a:prstGeom prst="rect">
+              <a:avLst/>
+            </a:prstGeom>
             <a:noFill/>
             <a:ln w="0">
               <a:noFill/>
@@ -36512,7 +36558,9 @@
               <a:off x="1542415" y="6308090"/>
               <a:ext cx="2053590" cy="523875"/>
             </a:xfrm>
-            <a:prstGeom prst="rect"/>
+            <a:prstGeom prst="rect">
+              <a:avLst/>
+            </a:prstGeom>
             <a:noFill/>
             <a:ln w="0">
               <a:noFill/>
@@ -36520,17 +36568,17 @@
             </a:ln>
           </p:spPr>
           <p:txBody>
-            <a:bodyPr wrap="square" lIns="91440" tIns="45720" rIns="91440" bIns="45720" vert="horz" anchor="ctr">
+            <a:bodyPr vert="horz" wrap="square" lIns="91440" tIns="45720" rIns="91440" bIns="45720" anchor="ctr">
               <a:spAutoFit/>
             </a:bodyPr>
             <a:lstStyle/>
             <a:p>
-              <a:pPr marL="0" indent="0" rtl="0" algn="ctr" latinLnBrk="0">
+              <a:pPr marL="0" indent="0" algn="ctr" rtl="0" latinLnBrk="0">
                 <a:buFontTx/>
                 <a:buNone/>
               </a:pPr>
               <a:r>
-                <a:rPr sz="1400" cap="none" i="0" b="1" strike="noStrike">
+                <a:rPr sz="1400" b="1" i="0" strike="noStrike" cap="none">
                   <a:solidFill>
                     <a:srgbClr val="694680"/>
                   </a:solidFill>
@@ -36539,7 +36587,7 @@
                 </a:rPr>
                 <a:t>드롭 박스 선택에 따라</a:t>
               </a:r>
-              <a:endParaRPr lang="ko-KR" altLang="en-US" sz="1400" cap="none" i="0" b="1" strike="noStrike">
+              <a:endParaRPr lang="ko-KR" altLang="en-US" sz="1400" b="1" i="0" strike="noStrike" cap="none">
                 <a:solidFill>
                   <a:srgbClr val="694680"/>
                 </a:solidFill>
@@ -36548,12 +36596,12 @@
               </a:endParaRPr>
             </a:p>
             <a:p>
-              <a:pPr marL="0" indent="0" rtl="0" algn="ctr" latinLnBrk="0">
+              <a:pPr marL="0" indent="0" algn="ctr" rtl="0" latinLnBrk="0">
                 <a:buFontTx/>
                 <a:buNone/>
               </a:pPr>
               <a:r>
-                <a:rPr sz="1400" cap="none" i="0" b="1" strike="noStrike">
+                <a:rPr sz="1400" b="1" i="0" strike="noStrike" cap="none">
                   <a:solidFill>
                     <a:srgbClr val="694680"/>
                   </a:solidFill>
@@ -36562,7 +36610,7 @@
                 </a:rPr>
                 <a:t>바뀌는 달력 그리드</a:t>
               </a:r>
-              <a:endParaRPr lang="ko-KR" altLang="en-US" sz="1400" cap="none" i="0" b="1" strike="noStrike">
+              <a:endParaRPr lang="ko-KR" altLang="en-US" sz="1400" b="1" i="0" strike="noStrike" cap="none">
                 <a:solidFill>
                   <a:srgbClr val="694680"/>
                 </a:solidFill>
@@ -36582,7 +36630,7 @@
           <p:nvPr/>
         </p:nvPicPr>
         <p:blipFill rotWithShape="1">
-          <a:blip r:embed="rId8" cstate="hqprint">
+          <a:blip r:embed="rId9" cstate="hqprint">
             <a:extLst>
               <a:ext uri="{28A0092B-C50C-407E-A947-70E740481C1C}">
                 <a14:useLocalDpi xmlns:a14="http://schemas.microsoft.com/office/drawing/2010/main"/>
@@ -36594,11 +36642,13 @@
           </a:stretch>
         </p:blipFill>
         <p:spPr>
-          <a:xfrm rot="0">
+          <a:xfrm>
             <a:off x="2022475" y="1362710"/>
             <a:ext cx="13870305" cy="48895"/>
           </a:xfrm>
-          <a:prstGeom prst="rect"/>
+          <a:prstGeom prst="rect">
+            <a:avLst/>
+          </a:prstGeom>
           <a:noFill/>
           <a:ln w="0">
             <a:noFill/>
@@ -36627,58 +36677,17 @@
           </a:stretch>
         </p:blipFill>
         <p:spPr>
-          <a:xfrm rot="0">
+          <a:xfrm>
             <a:off x="3044825" y="3261995"/>
             <a:ext cx="5031105" cy="48260"/>
           </a:xfrm>
-          <a:prstGeom prst="rect"/>
+          <a:prstGeom prst="rect">
+            <a:avLst/>
+          </a:prstGeom>
           <a:noFill/>
           <a:ln w="0">
             <a:noFill/>
             <a:prstDash/>
-          </a:ln>
-        </p:spPr>
-      </p:pic>
-      <p:pic>
-        <p:nvPicPr>
-          <p:cNvPr id="192" name="Picture " descr="C:/Users/admin/AppData/Roaming/PolarisOffice/ETemp/10604_9621416/fImage29924946962.png"/>
-          <p:cNvPicPr>
-            <a:picLocks/>
-          </p:cNvPicPr>
-          <p:nvPr/>
-        </p:nvPicPr>
-        <p:blipFill rotWithShape="1">
-          <a:blip r:embed="rId10" cstate="hqprint">
-            <a:clrChange>
-              <a:clrFrom>
-                <a:srgbClr val="68457F"/>
-              </a:clrFrom>
-              <a:clrTo>
-                <a:srgbClr val="68457F">
-                  <a:alpha val="0"/>
-                </a:srgbClr>
-              </a:clrTo>
-            </a:clrChange>
-            <a:extLst>
-              <a:ext uri="{28A0092B-C50C-407E-A947-70E740481C1C}">
-                <a14:useLocalDpi xmlns:a14="http://schemas.microsoft.com/office/drawing/2010/main"/>
-              </a:ext>
-            </a:extLst>
-          </a:blip>
-          <a:stretch>
-            <a:fillRect/>
-          </a:stretch>
-        </p:blipFill>
-        <p:spPr>
-          <a:xfrm rot="0">
-            <a:off x="2098040" y="1792605"/>
-            <a:ext cx="6925945" cy="4340225"/>
-          </a:xfrm>
-          <a:prstGeom prst="rect"/>
-          <a:noFill/>
-          <a:ln w="19050" cap="flat" cmpd="sng">
-            <a:prstDash val="solid"/>
-            <a:round/>
           </a:ln>
         </p:spPr>
       </p:pic>
@@ -36691,11 +36700,13 @@
           <p:nvPr/>
         </p:nvSpPr>
         <p:spPr>
-          <a:xfrm rot="0">
+          <a:xfrm>
             <a:off x="349250" y="238125"/>
             <a:ext cx="17623790" cy="9763760"/>
           </a:xfrm>
-          <a:prstGeom prst="rect"/>
+          <a:prstGeom prst="rect">
+            <a:avLst/>
+          </a:prstGeom>
           <a:noFill/>
           <a:ln w="57150" cap="flat" cmpd="sng">
             <a:solidFill>
@@ -36724,13 +36735,13 @@
           </a:fontRef>
         </p:style>
         <p:txBody>
-          <a:bodyPr wrap="square" lIns="91440" tIns="45720" rIns="91440" bIns="45720" vert="horz" anchor="ctr">
+          <a:bodyPr vert="horz" wrap="square" lIns="91440" tIns="45720" rIns="91440" bIns="45720" anchor="ctr">
             <a:noAutofit/>
           </a:bodyPr>
           <a:lstStyle/>
           <a:p>
-            <a:pPr marL="0" indent="0" rtl="0" algn="ctr" latinLnBrk="0" hangingPunct="1"/>
-            <a:endParaRPr lang="ko-KR" altLang="en-US" sz="1800" cap="none" i="0" b="0" strike="noStrike">
+            <a:pPr marL="0" indent="0" algn="ctr" rtl="0" latinLnBrk="0" hangingPunct="1"/>
+            <a:endParaRPr lang="ko-KR" altLang="en-US" sz="1800" b="0" i="0" strike="noStrike" cap="none">
               <a:latin typeface="맑은 고딕" charset="0"/>
               <a:ea typeface="맑은 고딕" charset="0"/>
             </a:endParaRPr>
@@ -36742,32 +36753,18 @@
   <p:clrMapOvr>
     <a:masterClrMapping/>
   </p:clrMapOvr>
-  <mc:AlternateContent xmlns:mc="http://schemas.openxmlformats.org/markup-compatibility/2006">
-    <mc:Choice xmlns:p14="http://schemas.microsoft.com/office/powerpoint/2010/main" Requires="p14">
-      <p:transition spd="slow" p14:dur="2000"/>
-    </mc:Choice>
-    <mc:Fallback>
-      <p:transition spd="slow"/>
-    </mc:Fallback>
-  </mc:AlternateContent>
-  <p:timing>
-    <p:tnLst>
-      <p:par>
-        <p:cTn id="1" dur="indefinite" restart="never" nodeType="tmRoot"/>
-      </p:par>
-    </p:tnLst>
-  </p:timing>
 </p:sld>
 </file>
 
 <file path=ppt/slides/slide9.xml><?xml version="1.0" encoding="utf-8"?>
-<p:sld xmlns:a="http://schemas.openxmlformats.org/drawingml/2006/main" xmlns:r="http://schemas.openxmlformats.org/officeDocument/2006/relationships" xmlns:p="http://schemas.openxmlformats.org/presentationml/2006/main" xmlns:p14="http://schemas.microsoft.com/office/powerpoint/2010/main">
+<p:sld xmlns:a="http://schemas.openxmlformats.org/drawingml/2006/main" xmlns:r="http://schemas.openxmlformats.org/officeDocument/2006/relationships" xmlns:p="http://schemas.openxmlformats.org/presentationml/2006/main">
   <p:cSld>
     <p:bg>
       <p:bgPr>
         <a:solidFill>
           <a:srgbClr val="694680"/>
         </a:solidFill>
+        <a:effectLst/>
       </p:bgPr>
     </p:bg>
     <p:spTree>
@@ -37676,7 +37673,7 @@
           <p:nvPr/>
         </p:nvPicPr>
         <p:blipFill rotWithShape="1">
-          <a:blip r:embed="rId7" cstate="hqprint">
+          <a:blip r:embed="rId6" cstate="hqprint">
             <a:extLst>
               <a:ext uri="{28A0092B-C50C-407E-A947-70E740481C1C}">
                 <a14:useLocalDpi xmlns:a14="http://schemas.microsoft.com/office/drawing/2010/main"/>
@@ -37711,7 +37708,7 @@
           <p:nvPr/>
         </p:nvPicPr>
         <p:blipFill rotWithShape="1">
-          <a:blip r:embed="rId7" cstate="hqprint">
+          <a:blip r:embed="rId6" cstate="hqprint">
             <a:extLst>
               <a:ext uri="{28A0092B-C50C-407E-A947-70E740481C1C}">
                 <a14:useLocalDpi xmlns:a14="http://schemas.microsoft.com/office/drawing/2010/main"/>
@@ -37760,7 +37757,7 @@
             <p:nvPr/>
           </p:nvPicPr>
           <p:blipFill rotWithShape="1">
-            <a:blip r:embed="rId8" cstate="hqprint">
+            <a:blip r:embed="rId7" cstate="hqprint">
               <a:extLst>
                 <a:ext uri="{28A0092B-C50C-407E-A947-70E740481C1C}">
                   <a14:useLocalDpi xmlns:a14="http://schemas.microsoft.com/office/drawing/2010/main"/>
@@ -37862,7 +37859,7 @@
             <p:nvPr/>
           </p:nvPicPr>
           <p:blipFill rotWithShape="1">
-            <a:blip r:embed="rId8" cstate="hqprint">
+            <a:blip r:embed="rId7" cstate="hqprint">
               <a:extLst>
                 <a:ext uri="{28A0092B-C50C-407E-A947-70E740481C1C}">
                   <a14:useLocalDpi xmlns:a14="http://schemas.microsoft.com/office/drawing/2010/main"/>
@@ -38030,7 +38027,7 @@
           <p:nvPr/>
         </p:nvPicPr>
         <p:blipFill rotWithShape="1">
-          <a:blip r:embed="rId7" cstate="hqprint">
+          <a:blip r:embed="rId6" cstate="hqprint">
             <a:extLst>
               <a:ext uri="{28A0092B-C50C-407E-A947-70E740481C1C}">
                 <a14:useLocalDpi xmlns:a14="http://schemas.microsoft.com/office/drawing/2010/main"/>
@@ -38061,21 +38058,6 @@
   <p:clrMapOvr>
     <a:masterClrMapping/>
   </p:clrMapOvr>
-  <mc:AlternateContent xmlns:mc="http://schemas.openxmlformats.org/markup-compatibility/2006">
-    <mc:Choice xmlns:p14="http://schemas.microsoft.com/office/powerpoint/2010/main" Requires="p14">
-      <p:transition spd="slow" p14:dur="2000"/>
-    </mc:Choice>
-    <mc:Fallback>
-      <p:transition spd="slow"/>
-    </mc:Fallback>
-  </mc:AlternateContent>
-  <p:timing>
-    <p:tnLst>
-      <p:par>
-        <p:cTn id="1" dur="indefinite" restart="never" nodeType="tmRoot"/>
-      </p:par>
-    </p:tnLst>
-  </p:timing>
 </p:sld>
 </file>
 

--- a/기획서/5조 Fit-back.pptx
+++ b/기획서/5조 Fit-back.pptx
@@ -1,38 +1,38 @@
 
 <file path=ppt/presentation.xml><?xml version="1.0" encoding="utf-8"?>
-<p:presentation xmlns:a="http://schemas.openxmlformats.org/drawingml/2006/main" xmlns:r="http://schemas.openxmlformats.org/officeDocument/2006/relationships" xmlns:p="http://schemas.openxmlformats.org/presentationml/2006/main" strictFirstAndLastChars="0" saveSubsetFonts="1" autoCompressPictures="0">
+<p:presentation xmlns:a="http://schemas.openxmlformats.org/drawingml/2006/main" xmlns:r="http://schemas.openxmlformats.org/officeDocument/2006/relationships" xmlns:p="http://schemas.openxmlformats.org/presentationml/2006/main" xmlns:p14="http://schemas.microsoft.com/office/powerpoint/2010/main" strictFirstAndLastChars="0" saveSubsetFonts="1" autoCompressPictures="0">
   <p:sldMasterIdLst>
-    <p:sldMasterId id="2147483802" r:id="rId1"/>
-    <p:sldMasterId id="2147483803" r:id="rId2"/>
-    <p:sldMasterId id="2147483804" r:id="rId3"/>
-    <p:sldMasterId id="2147483805" r:id="rId4"/>
+    <p:sldMasterId id="2147483806" r:id="rId42"/>
+    <p:sldMasterId id="2147483807" r:id="rId44"/>
+    <p:sldMasterId id="2147483808" r:id="rId46"/>
+    <p:sldMasterId id="2147483809" r:id="rId48"/>
   </p:sldMasterIdLst>
   <p:notesMasterIdLst>
-    <p:notesMasterId r:id="rId27"/>
+    <p:notesMasterId r:id="rId50"/>
   </p:notesMasterIdLst>
   <p:sldIdLst>
-    <p:sldId id="256" r:id="rId5"/>
-    <p:sldId id="278" r:id="rId6"/>
-    <p:sldId id="286" r:id="rId7"/>
-    <p:sldId id="280" r:id="rId8"/>
-    <p:sldId id="287" r:id="rId9"/>
-    <p:sldId id="298" r:id="rId10"/>
-    <p:sldId id="295" r:id="rId11"/>
-    <p:sldId id="303" r:id="rId12"/>
-    <p:sldId id="294" r:id="rId13"/>
-    <p:sldId id="296" r:id="rId14"/>
-    <p:sldId id="297" r:id="rId15"/>
-    <p:sldId id="292" r:id="rId16"/>
-    <p:sldId id="284" r:id="rId17"/>
-    <p:sldId id="288" r:id="rId18"/>
-    <p:sldId id="293" r:id="rId19"/>
-    <p:sldId id="299" r:id="rId20"/>
-    <p:sldId id="300" r:id="rId21"/>
-    <p:sldId id="301" r:id="rId22"/>
-    <p:sldId id="290" r:id="rId23"/>
-    <p:sldId id="302" r:id="rId24"/>
-    <p:sldId id="279" r:id="rId25"/>
-    <p:sldId id="276" r:id="rId26"/>
+    <p:sldId id="256" r:id="rId52"/>
+    <p:sldId id="278" r:id="rId54"/>
+    <p:sldId id="286" r:id="rId56"/>
+    <p:sldId id="280" r:id="rId57"/>
+    <p:sldId id="287" r:id="rId59"/>
+    <p:sldId id="298" r:id="rId60"/>
+    <p:sldId id="295" r:id="rId62"/>
+    <p:sldId id="303" r:id="rId64"/>
+    <p:sldId id="294" r:id="rId66"/>
+    <p:sldId id="296" r:id="rId68"/>
+    <p:sldId id="297" r:id="rId70"/>
+    <p:sldId id="292" r:id="rId72"/>
+    <p:sldId id="284" r:id="rId74"/>
+    <p:sldId id="288" r:id="rId76"/>
+    <p:sldId id="293" r:id="rId78"/>
+    <p:sldId id="299" r:id="rId80"/>
+    <p:sldId id="300" r:id="rId82"/>
+    <p:sldId id="301" r:id="rId84"/>
+    <p:sldId id="290" r:id="rId86"/>
+    <p:sldId id="302" r:id="rId88"/>
+    <p:sldId id="279" r:id="rId90"/>
+    <p:sldId id="276" r:id="rId91"/>
   </p:sldIdLst>
   <p:sldSz cx="18288000" cy="10287000"/>
   <p:notesSz cx="10287000" cy="18288000"/>
@@ -265,11 +265,7 @@
       </a:defRPr>
     </a:lvl9pPr>
   </p:defaultTextStyle>
-  <p:extLst>
-    <p:ext uri="{EFAFB233-063F-42B5-8137-9DF3F51BA10A}">
-      <p15:sldGuideLst xmlns:p15="http://schemas.microsoft.com/office/powerpoint/2012/main"/>
-    </p:ext>
-  </p:extLst>
+  <p:extLst/>
 </p:presentation>
 </file>
 
@@ -850,7 +846,7 @@
             <p:spPr>
               <a:xfrm>
                 <a:off x="1028700" y="8686800"/>
-                <a:ext cx="8230870" cy="8230870"/>
+                <a:ext cx="8230235" cy="8230235"/>
               </a:xfrm>
               <a:prstGeom prst="rect">
                 <a:avLst/>
@@ -893,20 +889,20 @@
             </p:nvSpPr>
             <p:spPr>
               <a:xfrm>
-                <a:off x="-951230" y="1371600"/>
-                <a:ext cx="12191365" cy="6858635"/>
+                <a:off x="-950913" y="1371600"/>
+                <a:ext cx="12190413" cy="6858000"/>
               </a:xfrm>
               <a:custGeom>
                 <a:avLst/>
                 <a:gdLst>
-                  <a:gd name="TX0" fmla="*/ 0 w 120002"/>
-                  <a:gd name="TY0" fmla="*/ 0 h 120002"/>
-                  <a:gd name="TX1" fmla="*/ 120000 w 120002"/>
-                  <a:gd name="TY1" fmla="*/ 0 h 120002"/>
-                  <a:gd name="TX2" fmla="*/ 120000 w 120002"/>
-                  <a:gd name="TY2" fmla="*/ 120000 h 120002"/>
-                  <a:gd name="TX3" fmla="*/ 0 w 120002"/>
-                  <a:gd name="TY3" fmla="*/ 120000 h 120002"/>
+                  <a:gd name="TX0" fmla="*/ 0 w 120001"/>
+                  <a:gd name="TY0" fmla="*/ 0 h 120001"/>
+                  <a:gd name="TX1" fmla="*/ 120000 w 120001"/>
+                  <a:gd name="TY1" fmla="*/ 0 h 120001"/>
+                  <a:gd name="TX2" fmla="*/ 120000 w 120001"/>
+                  <a:gd name="TY2" fmla="*/ 120000 h 120001"/>
+                  <a:gd name="TX3" fmla="*/ 0 w 120001"/>
+                  <a:gd name="TY3" fmla="*/ 120000 h 120001"/>
                 </a:gdLst>
                 <a:ahLst/>
                 <a:cxnLst>
@@ -925,7 +921,7 @@
                 </a:cxnLst>
                 <a:rect l="l" t="t" r="r" b="b"/>
                 <a:pathLst>
-                  <a:path w="120002" h="120002">
+                  <a:path w="120001" h="120001">
                     <a:moveTo>
                       <a:pt x="0" y="0"/>
                     </a:moveTo>
@@ -954,24 +950,29 @@
               </a:ln>
             </p:spPr>
             <p:txBody>
-              <a:bodyPr vert="horz" wrap="square" lIns="0" tIns="0" rIns="0" bIns="0" numCol="1" anchor="t">
+              <a:bodyPr vert="horz" wrap="square" lIns="0" tIns="0" rIns="0" bIns="0" anchor="t">
                 <a:noAutofit/>
               </a:bodyPr>
               <a:lstStyle/>
               <a:p>
-                <a:pPr marL="0" indent="0" latinLnBrk="0"/>
+                <a:pPr marL="0" indent="0"/>
                 <a:endParaRPr/>
               </a:p>
             </p:txBody>
           </p:sp>
         </p:spTree>
+        <p:extLst>
+          <p:ext uri="{BB962C8B-B14F-4D97-AF65-F5344CB8AC3E}">
+            <p14:creationId val="3550845992"/>
+          </p:ext>
+        </p:extLst>
       </p:cSld>
       <p:clrMapOvr>
         <a:masterClrMapping/>
       </p:clrMapOvr>
     </p:notes>
   </mc:Choice>
-  <mc:Fallback xmlns:mc="http://schemas.openxmlformats.org/markup-compatibility/2006" xmlns:p="http://schemas.openxmlformats.org/presentationml/2006/main" xmlns:r="http://schemas.openxmlformats.org/officeDocument/2006/relationships" xmlns:a="http://schemas.openxmlformats.org/drawingml/2006/main" xmlns="">
+  <mc:Fallback xmlns:p14="http://schemas.microsoft.com/office/powerpoint/2010/main" xmlns="" xmlns:a="http://schemas.openxmlformats.org/drawingml/2006/main" xmlns:r="http://schemas.openxmlformats.org/officeDocument/2006/relationships" xmlns:p="http://schemas.openxmlformats.org/presentationml/2006/main" xmlns:mc="http://schemas.openxmlformats.org/markup-compatibility/2006">
     <p:transition spd="slow"/>
   </mc:Fallback>
 </mc:AlternateContent>
@@ -1130,13 +1131,172 @@
       </p:clrMapOvr>
     </p:notes>
   </mc:Choice>
+  <mc:Fallback xmlns:mc="http://schemas.openxmlformats.org/markup-compatibility/2006" xmlns:p="http://schemas.openxmlformats.org/presentationml/2006/main" xmlns:r="http://schemas.openxmlformats.org/officeDocument/2006/relationships" xmlns:a="http://schemas.openxmlformats.org/drawingml/2006/main" xmlns="">
+    <p:transition spd="slow"/>
+  </mc:Fallback>
+</mc:AlternateContent>
+</file>
+
+<file path=ppt/notesSlides/notesSlide12.xml><?xml version="1.0" encoding="utf-8"?>
+<mc:AlternateContent xmlns:mc="http://schemas.openxmlformats.org/markup-compatibility/2006" xmlns:p14="http://schemas.microsoft.com/office/powerpoint/2010/main">
+  <mc:Choice Requires="p14">
+    <p:notes xmlns:a="http://schemas.openxmlformats.org/drawingml/2006/main" xmlns:r="http://schemas.openxmlformats.org/officeDocument/2006/relationships" xmlns:p="http://schemas.openxmlformats.org/presentationml/2006/main">
+      <p:cSld>
+        <p:spTree>
+          <p:nvGrpSpPr>
+            <p:cNvPr id="1" name=""/>
+            <p:cNvGrpSpPr/>
+            <p:nvPr/>
+          </p:nvGrpSpPr>
+          <p:grpSpPr>
+            <a:xfrm>
+              <a:off x="0" y="0"/>
+              <a:ext cx="0" cy="0"/>
+              <a:chOff x="0" y="0"/>
+              <a:chExt cx="0" cy="0"/>
+            </a:xfrm>
+          </p:grpSpPr>
+          <p:sp>
+            <p:nvSpPr>
+              <p:cNvPr id="129" name="Google Shape;129;p3:notes"/>
+              <p:cNvSpPr txBox="1">
+                <a:spLocks noGrp="1"/>
+              </p:cNvSpPr>
+              <p:nvPr>
+                <p:ph type="body" idx="1"/>
+              </p:nvPr>
+            </p:nvSpPr>
+            <p:spPr>
+              <a:xfrm>
+                <a:off x="1028700" y="8686800"/>
+                <a:ext cx="8230870" cy="8230870"/>
+              </a:xfrm>
+              <a:prstGeom prst="rect">
+                <a:avLst/>
+              </a:prstGeom>
+              <a:noFill/>
+              <a:ln w="0">
+                <a:noFill/>
+                <a:prstDash/>
+              </a:ln>
+            </p:spPr>
+            <p:txBody>
+              <a:bodyPr vert="horz" wrap="square" lIns="91440" tIns="91440" rIns="91440" bIns="91440" numCol="1" anchor="t">
+                <a:noAutofit/>
+              </a:bodyPr>
+              <a:lstStyle/>
+              <a:p>
+                <a:pPr marL="0" indent="0" algn="l" rtl="0" latinLnBrk="0">
+                  <a:spcBef>
+                    <a:spcPts val="0"/>
+                  </a:spcBef>
+                  <a:spcAft>
+                    <a:spcPts val="0"/>
+                  </a:spcAft>
+                  <a:buFontTx/>
+                  <a:buNone/>
+                </a:pPr>
+                <a:endParaRPr/>
+              </a:p>
+            </p:txBody>
+          </p:sp>
+          <p:sp>
+            <p:nvSpPr>
+              <p:cNvPr id="130" name="Google Shape;130;p3:notes"/>
+              <p:cNvSpPr>
+                <a:spLocks noGrp="1" noRot="1" noChangeAspect="1"/>
+              </p:cNvSpPr>
+              <p:nvPr>
+                <p:ph type="sldImg"/>
+              </p:nvPr>
+            </p:nvSpPr>
+            <p:spPr>
+              <a:xfrm>
+                <a:off x="-951230" y="1371600"/>
+                <a:ext cx="12191365" cy="6858635"/>
+              </a:xfrm>
+              <a:custGeom>
+                <a:avLst/>
+                <a:gdLst>
+                  <a:gd name="TX0" fmla="*/ 0 w 120002"/>
+                  <a:gd name="TY0" fmla="*/ 0 h 120002"/>
+                  <a:gd name="TX1" fmla="*/ 120000 w 120002"/>
+                  <a:gd name="TY1" fmla="*/ 0 h 120002"/>
+                  <a:gd name="TX2" fmla="*/ 120000 w 120002"/>
+                  <a:gd name="TY2" fmla="*/ 120000 h 120002"/>
+                  <a:gd name="TX3" fmla="*/ 0 w 120002"/>
+                  <a:gd name="TY3" fmla="*/ 120000 h 120002"/>
+                </a:gdLst>
+                <a:ahLst/>
+                <a:cxnLst>
+                  <a:cxn ang="0">
+                    <a:pos x="TX0" y="TY0"/>
+                  </a:cxn>
+                  <a:cxn ang="0">
+                    <a:pos x="TX1" y="TY1"/>
+                  </a:cxn>
+                  <a:cxn ang="0">
+                    <a:pos x="TX2" y="TY2"/>
+                  </a:cxn>
+                  <a:cxn ang="0">
+                    <a:pos x="TX3" y="TY3"/>
+                  </a:cxn>
+                </a:cxnLst>
+                <a:rect l="l" t="t" r="r" b="b"/>
+                <a:pathLst>
+                  <a:path w="120002" h="120002">
+                    <a:moveTo>
+                      <a:pt x="0" y="0"/>
+                    </a:moveTo>
+                    <a:lnTo>
+                      <a:pt x="120000" y="0"/>
+                    </a:lnTo>
+                    <a:lnTo>
+                      <a:pt x="120000" y="120000"/>
+                    </a:lnTo>
+                    <a:lnTo>
+                      <a:pt x="0" y="120000"/>
+                    </a:lnTo>
+                    <a:close/>
+                  </a:path>
+                </a:pathLst>
+              </a:custGeom>
+              <a:noFill/>
+              <a:ln w="9525" cap="flat" cmpd="sng">
+                <a:solidFill>
+                  <a:srgbClr val="000000">
+                    <a:alpha val="100000"/>
+                  </a:srgbClr>
+                </a:solidFill>
+                <a:prstDash val="solid"/>
+                <a:round/>
+              </a:ln>
+            </p:spPr>
+            <p:txBody>
+              <a:bodyPr vert="horz" wrap="square" lIns="0" tIns="0" rIns="0" bIns="0" numCol="1" anchor="t">
+                <a:noAutofit/>
+              </a:bodyPr>
+              <a:lstStyle/>
+              <a:p>
+                <a:pPr marL="0" indent="0" latinLnBrk="0"/>
+                <a:endParaRPr/>
+              </a:p>
+            </p:txBody>
+          </p:sp>
+        </p:spTree>
+      </p:cSld>
+      <p:clrMapOvr>
+        <a:masterClrMapping/>
+      </p:clrMapOvr>
+    </p:notes>
+  </mc:Choice>
   <mc:Fallback xmlns:mc="http://schemas.openxmlformats.org/markup-compatibility/2006" xmlns:p="http://schemas.openxmlformats.org/presentationml/2006/main" xmlns:r="http://schemas.openxmlformats.org/officeDocument/2006/relationships" xmlns:a="http://schemas.openxmlformats.org/drawingml/2006/main" xmlns="" xmlns:p14="http://schemas.microsoft.com/office/powerpoint/2010/main">
     <p:transition spd="slow"/>
   </mc:Fallback>
 </mc:AlternateContent>
 </file>
 
-<file path=ppt/notesSlides/notesSlide12.xml><?xml version="1.0" encoding="utf-8"?>
+<file path=ppt/notesSlides/notesSlide13.xml><?xml version="1.0" encoding="utf-8"?>
 <mc:AlternateContent xmlns:mc="http://schemas.openxmlformats.org/markup-compatibility/2006" xmlns:p14="http://schemas.microsoft.com/office/powerpoint/2010/main">
   <mc:Choice Requires="p14">
     <p:notes xmlns:a="http://schemas.openxmlformats.org/drawingml/2006/main" xmlns:r="http://schemas.openxmlformats.org/officeDocument/2006/relationships" xmlns:p="http://schemas.openxmlformats.org/presentationml/2006/main">
@@ -1300,7 +1460,7 @@
 </mc:AlternateContent>
 </file>
 
-<file path=ppt/notesSlides/notesSlide13.xml><?xml version="1.0" encoding="utf-8"?>
+<file path=ppt/notesSlides/notesSlide14.xml><?xml version="1.0" encoding="utf-8"?>
 <mc:AlternateContent xmlns:mc="http://schemas.openxmlformats.org/markup-compatibility/2006" xmlns:p14="http://schemas.microsoft.com/office/powerpoint/2010/main">
   <mc:Choice Requires="p14">
     <p:notes xmlns:a="http://schemas.openxmlformats.org/drawingml/2006/main" xmlns:r="http://schemas.openxmlformats.org/officeDocument/2006/relationships" xmlns:p="http://schemas.openxmlformats.org/presentationml/2006/main">
@@ -1459,7 +1619,7 @@
 </mc:AlternateContent>
 </file>
 
-<file path=ppt/notesSlides/notesSlide14.xml><?xml version="1.0" encoding="utf-8"?>
+<file path=ppt/notesSlides/notesSlide15.xml><?xml version="1.0" encoding="utf-8"?>
 <mc:AlternateContent xmlns:mc="http://schemas.openxmlformats.org/markup-compatibility/2006" xmlns:p14="http://schemas.microsoft.com/office/powerpoint/2010/main">
   <mc:Choice Requires="p14">
     <p:notes xmlns:a="http://schemas.openxmlformats.org/drawingml/2006/main" xmlns:r="http://schemas.openxmlformats.org/officeDocument/2006/relationships" xmlns:p="http://schemas.openxmlformats.org/presentationml/2006/main">
@@ -1607,165 +1767,6 @@
     </p:notes>
   </mc:Choice>
   <mc:Fallback xmlns:mc="http://schemas.openxmlformats.org/markup-compatibility/2006" xmlns:p="http://schemas.openxmlformats.org/presentationml/2006/main" xmlns:r="http://schemas.openxmlformats.org/officeDocument/2006/relationships" xmlns:a="http://schemas.openxmlformats.org/drawingml/2006/main" xmlns="" xmlns:p14="http://schemas.microsoft.com/office/powerpoint/2010/main">
-    <p:transition spd="slow"/>
-  </mc:Fallback>
-</mc:AlternateContent>
-</file>
-
-<file path=ppt/notesSlides/notesSlide15.xml><?xml version="1.0" encoding="utf-8"?>
-<mc:AlternateContent xmlns:mc="http://schemas.openxmlformats.org/markup-compatibility/2006" xmlns:p14="http://schemas.microsoft.com/office/powerpoint/2010/main">
-  <mc:Choice Requires="p14">
-    <p:notes xmlns:a="http://schemas.openxmlformats.org/drawingml/2006/main" xmlns:r="http://schemas.openxmlformats.org/officeDocument/2006/relationships" xmlns:p="http://schemas.openxmlformats.org/presentationml/2006/main">
-      <p:cSld>
-        <p:spTree>
-          <p:nvGrpSpPr>
-            <p:cNvPr id="1" name=""/>
-            <p:cNvGrpSpPr/>
-            <p:nvPr/>
-          </p:nvGrpSpPr>
-          <p:grpSpPr>
-            <a:xfrm>
-              <a:off x="0" y="0"/>
-              <a:ext cx="0" cy="0"/>
-              <a:chOff x="0" y="0"/>
-              <a:chExt cx="0" cy="0"/>
-            </a:xfrm>
-          </p:grpSpPr>
-          <p:sp>
-            <p:nvSpPr>
-              <p:cNvPr id="129" name="Google Shape;129;p3:notes"/>
-              <p:cNvSpPr txBox="1">
-                <a:spLocks noGrp="1"/>
-              </p:cNvSpPr>
-              <p:nvPr>
-                <p:ph type="body" idx="1"/>
-              </p:nvPr>
-            </p:nvSpPr>
-            <p:spPr>
-              <a:xfrm>
-                <a:off x="1028700" y="8686800"/>
-                <a:ext cx="8230870" cy="8230870"/>
-              </a:xfrm>
-              <a:prstGeom prst="rect">
-                <a:avLst/>
-              </a:prstGeom>
-              <a:noFill/>
-              <a:ln w="0">
-                <a:noFill/>
-                <a:prstDash/>
-              </a:ln>
-            </p:spPr>
-            <p:txBody>
-              <a:bodyPr vert="horz" wrap="square" lIns="91440" tIns="91440" rIns="91440" bIns="91440" numCol="1" anchor="t">
-                <a:noAutofit/>
-              </a:bodyPr>
-              <a:lstStyle/>
-              <a:p>
-                <a:pPr marL="0" indent="0" algn="l" rtl="0" latinLnBrk="0">
-                  <a:spcBef>
-                    <a:spcPts val="0"/>
-                  </a:spcBef>
-                  <a:spcAft>
-                    <a:spcPts val="0"/>
-                  </a:spcAft>
-                  <a:buFontTx/>
-                  <a:buNone/>
-                </a:pPr>
-                <a:endParaRPr/>
-              </a:p>
-            </p:txBody>
-          </p:sp>
-          <p:sp>
-            <p:nvSpPr>
-              <p:cNvPr id="130" name="Google Shape;130;p3:notes"/>
-              <p:cNvSpPr>
-                <a:spLocks noGrp="1" noRot="1" noChangeAspect="1"/>
-              </p:cNvSpPr>
-              <p:nvPr>
-                <p:ph type="sldImg"/>
-              </p:nvPr>
-            </p:nvSpPr>
-            <p:spPr>
-              <a:xfrm>
-                <a:off x="-951230" y="1371600"/>
-                <a:ext cx="12191365" cy="6858635"/>
-              </a:xfrm>
-              <a:custGeom>
-                <a:avLst/>
-                <a:gdLst>
-                  <a:gd name="TX0" fmla="*/ 0 w 120002"/>
-                  <a:gd name="TY0" fmla="*/ 0 h 120002"/>
-                  <a:gd name="TX1" fmla="*/ 120000 w 120002"/>
-                  <a:gd name="TY1" fmla="*/ 0 h 120002"/>
-                  <a:gd name="TX2" fmla="*/ 120000 w 120002"/>
-                  <a:gd name="TY2" fmla="*/ 120000 h 120002"/>
-                  <a:gd name="TX3" fmla="*/ 0 w 120002"/>
-                  <a:gd name="TY3" fmla="*/ 120000 h 120002"/>
-                </a:gdLst>
-                <a:ahLst/>
-                <a:cxnLst>
-                  <a:cxn ang="0">
-                    <a:pos x="TX0" y="TY0"/>
-                  </a:cxn>
-                  <a:cxn ang="0">
-                    <a:pos x="TX1" y="TY1"/>
-                  </a:cxn>
-                  <a:cxn ang="0">
-                    <a:pos x="TX2" y="TY2"/>
-                  </a:cxn>
-                  <a:cxn ang="0">
-                    <a:pos x="TX3" y="TY3"/>
-                  </a:cxn>
-                </a:cxnLst>
-                <a:rect l="l" t="t" r="r" b="b"/>
-                <a:pathLst>
-                  <a:path w="120002" h="120002">
-                    <a:moveTo>
-                      <a:pt x="0" y="0"/>
-                    </a:moveTo>
-                    <a:lnTo>
-                      <a:pt x="120000" y="0"/>
-                    </a:lnTo>
-                    <a:lnTo>
-                      <a:pt x="120000" y="120000"/>
-                    </a:lnTo>
-                    <a:lnTo>
-                      <a:pt x="0" y="120000"/>
-                    </a:lnTo>
-                    <a:close/>
-                  </a:path>
-                </a:pathLst>
-              </a:custGeom>
-              <a:noFill/>
-              <a:ln w="9525" cap="flat" cmpd="sng">
-                <a:solidFill>
-                  <a:srgbClr val="000000">
-                    <a:alpha val="100000"/>
-                  </a:srgbClr>
-                </a:solidFill>
-                <a:prstDash val="solid"/>
-                <a:round/>
-              </a:ln>
-            </p:spPr>
-            <p:txBody>
-              <a:bodyPr vert="horz" wrap="square" lIns="0" tIns="0" rIns="0" bIns="0" numCol="1" anchor="t">
-                <a:noAutofit/>
-              </a:bodyPr>
-              <a:lstStyle/>
-              <a:p>
-                <a:pPr marL="0" indent="0" latinLnBrk="0"/>
-                <a:endParaRPr/>
-              </a:p>
-            </p:txBody>
-          </p:sp>
-        </p:spTree>
-      </p:cSld>
-      <p:clrMapOvr>
-        <a:masterClrMapping/>
-      </p:clrMapOvr>
-    </p:notes>
-  </mc:Choice>
-  <mc:Fallback xmlns:mc="http://schemas.openxmlformats.org/markup-compatibility/2006" xmlns:p="http://schemas.openxmlformats.org/presentationml/2006/main" xmlns:r="http://schemas.openxmlformats.org/officeDocument/2006/relationships" xmlns:a="http://schemas.openxmlformats.org/drawingml/2006/main" xmlns="">
     <p:transition spd="slow"/>
   </mc:Fallback>
 </mc:AlternateContent>
@@ -2121,6 +2122,165 @@
             <p:spPr>
               <a:xfrm>
                 <a:off x="1028700" y="8686800"/>
+                <a:ext cx="8230870" cy="8230870"/>
+              </a:xfrm>
+              <a:prstGeom prst="rect">
+                <a:avLst/>
+              </a:prstGeom>
+              <a:noFill/>
+              <a:ln w="0">
+                <a:noFill/>
+                <a:prstDash/>
+              </a:ln>
+            </p:spPr>
+            <p:txBody>
+              <a:bodyPr vert="horz" wrap="square" lIns="91440" tIns="91440" rIns="91440" bIns="91440" numCol="1" anchor="t">
+                <a:noAutofit/>
+              </a:bodyPr>
+              <a:lstStyle/>
+              <a:p>
+                <a:pPr marL="0" indent="0" algn="l" rtl="0" latinLnBrk="0">
+                  <a:spcBef>
+                    <a:spcPts val="0"/>
+                  </a:spcBef>
+                  <a:spcAft>
+                    <a:spcPts val="0"/>
+                  </a:spcAft>
+                  <a:buFontTx/>
+                  <a:buNone/>
+                </a:pPr>
+                <a:endParaRPr/>
+              </a:p>
+            </p:txBody>
+          </p:sp>
+          <p:sp>
+            <p:nvSpPr>
+              <p:cNvPr id="130" name="Google Shape;130;p3:notes"/>
+              <p:cNvSpPr>
+                <a:spLocks noGrp="1" noRot="1" noChangeAspect="1"/>
+              </p:cNvSpPr>
+              <p:nvPr>
+                <p:ph type="sldImg"/>
+              </p:nvPr>
+            </p:nvSpPr>
+            <p:spPr>
+              <a:xfrm>
+                <a:off x="-951230" y="1371600"/>
+                <a:ext cx="12191365" cy="6858635"/>
+              </a:xfrm>
+              <a:custGeom>
+                <a:avLst/>
+                <a:gdLst>
+                  <a:gd name="TX0" fmla="*/ 0 w 120002"/>
+                  <a:gd name="TY0" fmla="*/ 0 h 120002"/>
+                  <a:gd name="TX1" fmla="*/ 120000 w 120002"/>
+                  <a:gd name="TY1" fmla="*/ 0 h 120002"/>
+                  <a:gd name="TX2" fmla="*/ 120000 w 120002"/>
+                  <a:gd name="TY2" fmla="*/ 120000 h 120002"/>
+                  <a:gd name="TX3" fmla="*/ 0 w 120002"/>
+                  <a:gd name="TY3" fmla="*/ 120000 h 120002"/>
+                </a:gdLst>
+                <a:ahLst/>
+                <a:cxnLst>
+                  <a:cxn ang="0">
+                    <a:pos x="TX0" y="TY0"/>
+                  </a:cxn>
+                  <a:cxn ang="0">
+                    <a:pos x="TX1" y="TY1"/>
+                  </a:cxn>
+                  <a:cxn ang="0">
+                    <a:pos x="TX2" y="TY2"/>
+                  </a:cxn>
+                  <a:cxn ang="0">
+                    <a:pos x="TX3" y="TY3"/>
+                  </a:cxn>
+                </a:cxnLst>
+                <a:rect l="l" t="t" r="r" b="b"/>
+                <a:pathLst>
+                  <a:path w="120002" h="120002">
+                    <a:moveTo>
+                      <a:pt x="0" y="0"/>
+                    </a:moveTo>
+                    <a:lnTo>
+                      <a:pt x="120000" y="0"/>
+                    </a:lnTo>
+                    <a:lnTo>
+                      <a:pt x="120000" y="120000"/>
+                    </a:lnTo>
+                    <a:lnTo>
+                      <a:pt x="0" y="120000"/>
+                    </a:lnTo>
+                    <a:close/>
+                  </a:path>
+                </a:pathLst>
+              </a:custGeom>
+              <a:noFill/>
+              <a:ln w="9525" cap="flat" cmpd="sng">
+                <a:solidFill>
+                  <a:srgbClr val="000000">
+                    <a:alpha val="100000"/>
+                  </a:srgbClr>
+                </a:solidFill>
+                <a:prstDash val="solid"/>
+                <a:round/>
+              </a:ln>
+            </p:spPr>
+            <p:txBody>
+              <a:bodyPr vert="horz" wrap="square" lIns="0" tIns="0" rIns="0" bIns="0" numCol="1" anchor="t">
+                <a:noAutofit/>
+              </a:bodyPr>
+              <a:lstStyle/>
+              <a:p>
+                <a:pPr marL="0" indent="0" latinLnBrk="0"/>
+                <a:endParaRPr/>
+              </a:p>
+            </p:txBody>
+          </p:sp>
+        </p:spTree>
+      </p:cSld>
+      <p:clrMapOvr>
+        <a:masterClrMapping/>
+      </p:clrMapOvr>
+    </p:notes>
+  </mc:Choice>
+  <mc:Fallback xmlns:mc="http://schemas.openxmlformats.org/markup-compatibility/2006" xmlns:p="http://schemas.openxmlformats.org/presentationml/2006/main" xmlns:r="http://schemas.openxmlformats.org/officeDocument/2006/relationships" xmlns:a="http://schemas.openxmlformats.org/drawingml/2006/main" xmlns="">
+    <p:transition spd="slow"/>
+  </mc:Fallback>
+</mc:AlternateContent>
+</file>
+
+<file path=ppt/notesSlides/notesSlide19.xml><?xml version="1.0" encoding="utf-8"?>
+<mc:AlternateContent xmlns:mc="http://schemas.openxmlformats.org/markup-compatibility/2006" xmlns:p14="http://schemas.microsoft.com/office/powerpoint/2010/main">
+  <mc:Choice Requires="p14">
+    <p:notes xmlns:a="http://schemas.openxmlformats.org/drawingml/2006/main" xmlns:r="http://schemas.openxmlformats.org/officeDocument/2006/relationships" xmlns:p="http://schemas.openxmlformats.org/presentationml/2006/main">
+      <p:cSld>
+        <p:spTree>
+          <p:nvGrpSpPr>
+            <p:cNvPr id="1" name=""/>
+            <p:cNvGrpSpPr/>
+            <p:nvPr/>
+          </p:nvGrpSpPr>
+          <p:grpSpPr>
+            <a:xfrm>
+              <a:off x="0" y="0"/>
+              <a:ext cx="0" cy="0"/>
+              <a:chOff x="0" y="0"/>
+              <a:chExt cx="0" cy="0"/>
+            </a:xfrm>
+          </p:grpSpPr>
+          <p:sp>
+            <p:nvSpPr>
+              <p:cNvPr id="129" name="Google Shape;129;p3:notes"/>
+              <p:cNvSpPr txBox="1">
+                <a:spLocks noGrp="1"/>
+              </p:cNvSpPr>
+              <p:nvPr>
+                <p:ph type="body" idx="1"/>
+              </p:nvPr>
+            </p:nvSpPr>
+            <p:spPr>
+              <a:xfrm>
+                <a:off x="1028700" y="8686800"/>
                 <a:ext cx="8230235" cy="8230235"/>
               </a:xfrm>
               <a:prstGeom prst="rect">
@@ -2243,165 +2403,6 @@
     </p:notes>
   </mc:Choice>
   <mc:Fallback xmlns:p14="http://schemas.microsoft.com/office/powerpoint/2010/main" xmlns="" xmlns:a="http://schemas.openxmlformats.org/drawingml/2006/main" xmlns:r="http://schemas.openxmlformats.org/officeDocument/2006/relationships" xmlns:p="http://schemas.openxmlformats.org/presentationml/2006/main" xmlns:mc="http://schemas.openxmlformats.org/markup-compatibility/2006">
-    <p:transition spd="slow"/>
-  </mc:Fallback>
-</mc:AlternateContent>
-</file>
-
-<file path=ppt/notesSlides/notesSlide19.xml><?xml version="1.0" encoding="utf-8"?>
-<mc:AlternateContent xmlns:mc="http://schemas.openxmlformats.org/markup-compatibility/2006" xmlns:p14="http://schemas.microsoft.com/office/powerpoint/2010/main">
-  <mc:Choice Requires="p14">
-    <p:notes xmlns:a="http://schemas.openxmlformats.org/drawingml/2006/main" xmlns:r="http://schemas.openxmlformats.org/officeDocument/2006/relationships" xmlns:p="http://schemas.openxmlformats.org/presentationml/2006/main">
-      <p:cSld>
-        <p:spTree>
-          <p:nvGrpSpPr>
-            <p:cNvPr id="1" name=""/>
-            <p:cNvGrpSpPr/>
-            <p:nvPr/>
-          </p:nvGrpSpPr>
-          <p:grpSpPr>
-            <a:xfrm>
-              <a:off x="0" y="0"/>
-              <a:ext cx="0" cy="0"/>
-              <a:chOff x="0" y="0"/>
-              <a:chExt cx="0" cy="0"/>
-            </a:xfrm>
-          </p:grpSpPr>
-          <p:sp>
-            <p:nvSpPr>
-              <p:cNvPr id="129" name="Google Shape;129;p3:notes"/>
-              <p:cNvSpPr txBox="1">
-                <a:spLocks noGrp="1"/>
-              </p:cNvSpPr>
-              <p:nvPr>
-                <p:ph type="body" idx="1"/>
-              </p:nvPr>
-            </p:nvSpPr>
-            <p:spPr>
-              <a:xfrm>
-                <a:off x="1028700" y="8686800"/>
-                <a:ext cx="8230870" cy="8230870"/>
-              </a:xfrm>
-              <a:prstGeom prst="rect">
-                <a:avLst/>
-              </a:prstGeom>
-              <a:noFill/>
-              <a:ln w="0">
-                <a:noFill/>
-                <a:prstDash/>
-              </a:ln>
-            </p:spPr>
-            <p:txBody>
-              <a:bodyPr vert="horz" wrap="square" lIns="91440" tIns="91440" rIns="91440" bIns="91440" numCol="1" anchor="t">
-                <a:noAutofit/>
-              </a:bodyPr>
-              <a:lstStyle/>
-              <a:p>
-                <a:pPr marL="0" indent="0" algn="l" rtl="0" latinLnBrk="0">
-                  <a:spcBef>
-                    <a:spcPts val="0"/>
-                  </a:spcBef>
-                  <a:spcAft>
-                    <a:spcPts val="0"/>
-                  </a:spcAft>
-                  <a:buFontTx/>
-                  <a:buNone/>
-                </a:pPr>
-                <a:endParaRPr/>
-              </a:p>
-            </p:txBody>
-          </p:sp>
-          <p:sp>
-            <p:nvSpPr>
-              <p:cNvPr id="130" name="Google Shape;130;p3:notes"/>
-              <p:cNvSpPr>
-                <a:spLocks noGrp="1" noRot="1" noChangeAspect="1"/>
-              </p:cNvSpPr>
-              <p:nvPr>
-                <p:ph type="sldImg"/>
-              </p:nvPr>
-            </p:nvSpPr>
-            <p:spPr>
-              <a:xfrm>
-                <a:off x="-951230" y="1371600"/>
-                <a:ext cx="12191365" cy="6858635"/>
-              </a:xfrm>
-              <a:custGeom>
-                <a:avLst/>
-                <a:gdLst>
-                  <a:gd name="TX0" fmla="*/ 0 w 120002"/>
-                  <a:gd name="TY0" fmla="*/ 0 h 120002"/>
-                  <a:gd name="TX1" fmla="*/ 120000 w 120002"/>
-                  <a:gd name="TY1" fmla="*/ 0 h 120002"/>
-                  <a:gd name="TX2" fmla="*/ 120000 w 120002"/>
-                  <a:gd name="TY2" fmla="*/ 120000 h 120002"/>
-                  <a:gd name="TX3" fmla="*/ 0 w 120002"/>
-                  <a:gd name="TY3" fmla="*/ 120000 h 120002"/>
-                </a:gdLst>
-                <a:ahLst/>
-                <a:cxnLst>
-                  <a:cxn ang="0">
-                    <a:pos x="TX0" y="TY0"/>
-                  </a:cxn>
-                  <a:cxn ang="0">
-                    <a:pos x="TX1" y="TY1"/>
-                  </a:cxn>
-                  <a:cxn ang="0">
-                    <a:pos x="TX2" y="TY2"/>
-                  </a:cxn>
-                  <a:cxn ang="0">
-                    <a:pos x="TX3" y="TY3"/>
-                  </a:cxn>
-                </a:cxnLst>
-                <a:rect l="l" t="t" r="r" b="b"/>
-                <a:pathLst>
-                  <a:path w="120002" h="120002">
-                    <a:moveTo>
-                      <a:pt x="0" y="0"/>
-                    </a:moveTo>
-                    <a:lnTo>
-                      <a:pt x="120000" y="0"/>
-                    </a:lnTo>
-                    <a:lnTo>
-                      <a:pt x="120000" y="120000"/>
-                    </a:lnTo>
-                    <a:lnTo>
-                      <a:pt x="0" y="120000"/>
-                    </a:lnTo>
-                    <a:close/>
-                  </a:path>
-                </a:pathLst>
-              </a:custGeom>
-              <a:noFill/>
-              <a:ln w="9525" cap="flat" cmpd="sng">
-                <a:solidFill>
-                  <a:srgbClr val="000000">
-                    <a:alpha val="100000"/>
-                  </a:srgbClr>
-                </a:solidFill>
-                <a:prstDash val="solid"/>
-                <a:round/>
-              </a:ln>
-            </p:spPr>
-            <p:txBody>
-              <a:bodyPr vert="horz" wrap="square" lIns="0" tIns="0" rIns="0" bIns="0" numCol="1" anchor="t">
-                <a:noAutofit/>
-              </a:bodyPr>
-              <a:lstStyle/>
-              <a:p>
-                <a:pPr marL="0" indent="0" latinLnBrk="0"/>
-                <a:endParaRPr/>
-              </a:p>
-            </p:txBody>
-          </p:sp>
-        </p:spTree>
-      </p:cSld>
-      <p:clrMapOvr>
-        <a:masterClrMapping/>
-      </p:clrMapOvr>
-    </p:notes>
-  </mc:Choice>
-  <mc:Fallback xmlns:mc="http://schemas.openxmlformats.org/markup-compatibility/2006" xmlns:p="http://schemas.openxmlformats.org/presentationml/2006/main" xmlns:r="http://schemas.openxmlformats.org/officeDocument/2006/relationships" xmlns:a="http://schemas.openxmlformats.org/drawingml/2006/main" xmlns="">
     <p:transition spd="slow"/>
   </mc:Fallback>
 </mc:AlternateContent>
@@ -2641,6 +2642,165 @@
             </p:nvSpPr>
             <p:spPr>
               <a:xfrm>
+                <a:off x="-951230" y="1371600"/>
+                <a:ext cx="12191365" cy="6858635"/>
+              </a:xfrm>
+              <a:custGeom>
+                <a:avLst/>
+                <a:gdLst>
+                  <a:gd name="TX0" fmla="*/ 0 w 120002"/>
+                  <a:gd name="TY0" fmla="*/ 0 h 120002"/>
+                  <a:gd name="TX1" fmla="*/ 120000 w 120002"/>
+                  <a:gd name="TY1" fmla="*/ 0 h 120002"/>
+                  <a:gd name="TX2" fmla="*/ 120000 w 120002"/>
+                  <a:gd name="TY2" fmla="*/ 120000 h 120002"/>
+                  <a:gd name="TX3" fmla="*/ 0 w 120002"/>
+                  <a:gd name="TY3" fmla="*/ 120000 h 120002"/>
+                </a:gdLst>
+                <a:ahLst/>
+                <a:cxnLst>
+                  <a:cxn ang="0">
+                    <a:pos x="TX0" y="TY0"/>
+                  </a:cxn>
+                  <a:cxn ang="0">
+                    <a:pos x="TX1" y="TY1"/>
+                  </a:cxn>
+                  <a:cxn ang="0">
+                    <a:pos x="TX2" y="TY2"/>
+                  </a:cxn>
+                  <a:cxn ang="0">
+                    <a:pos x="TX3" y="TY3"/>
+                  </a:cxn>
+                </a:cxnLst>
+                <a:rect l="l" t="t" r="r" b="b"/>
+                <a:pathLst>
+                  <a:path w="120002" h="120002">
+                    <a:moveTo>
+                      <a:pt x="0" y="0"/>
+                    </a:moveTo>
+                    <a:lnTo>
+                      <a:pt x="120000" y="0"/>
+                    </a:lnTo>
+                    <a:lnTo>
+                      <a:pt x="120000" y="120000"/>
+                    </a:lnTo>
+                    <a:lnTo>
+                      <a:pt x="0" y="120000"/>
+                    </a:lnTo>
+                    <a:close/>
+                  </a:path>
+                </a:pathLst>
+              </a:custGeom>
+              <a:noFill/>
+              <a:ln w="9525" cap="flat" cmpd="sng">
+                <a:solidFill>
+                  <a:srgbClr val="000000">
+                    <a:alpha val="100000"/>
+                  </a:srgbClr>
+                </a:solidFill>
+                <a:prstDash val="solid"/>
+                <a:round/>
+              </a:ln>
+            </p:spPr>
+            <p:txBody>
+              <a:bodyPr vert="horz" wrap="square" lIns="0" tIns="0" rIns="0" bIns="0" numCol="1" anchor="t">
+                <a:noAutofit/>
+              </a:bodyPr>
+              <a:lstStyle/>
+              <a:p>
+                <a:pPr marL="0" indent="0" latinLnBrk="0"/>
+                <a:endParaRPr/>
+              </a:p>
+            </p:txBody>
+          </p:sp>
+        </p:spTree>
+      </p:cSld>
+      <p:clrMapOvr>
+        <a:masterClrMapping/>
+      </p:clrMapOvr>
+    </p:notes>
+  </mc:Choice>
+  <mc:Fallback xmlns:mc="http://schemas.openxmlformats.org/markup-compatibility/2006" xmlns:p="http://schemas.openxmlformats.org/presentationml/2006/main" xmlns:r="http://schemas.openxmlformats.org/officeDocument/2006/relationships" xmlns:a="http://schemas.openxmlformats.org/drawingml/2006/main" xmlns="">
+    <p:transition spd="slow"/>
+  </mc:Fallback>
+</mc:AlternateContent>
+</file>
+
+<file path=ppt/notesSlides/notesSlide21.xml><?xml version="1.0" encoding="utf-8"?>
+<mc:AlternateContent xmlns:mc="http://schemas.openxmlformats.org/markup-compatibility/2006" xmlns:p14="http://schemas.microsoft.com/office/powerpoint/2010/main">
+  <mc:Choice Requires="p14">
+    <p:notes xmlns:a="http://schemas.openxmlformats.org/drawingml/2006/main" xmlns:r="http://schemas.openxmlformats.org/officeDocument/2006/relationships" xmlns:p="http://schemas.openxmlformats.org/presentationml/2006/main">
+      <p:cSld>
+        <p:spTree>
+          <p:nvGrpSpPr>
+            <p:cNvPr id="1" name=""/>
+            <p:cNvGrpSpPr/>
+            <p:nvPr/>
+          </p:nvGrpSpPr>
+          <p:grpSpPr>
+            <a:xfrm>
+              <a:off x="0" y="0"/>
+              <a:ext cx="0" cy="0"/>
+              <a:chOff x="0" y="0"/>
+              <a:chExt cx="0" cy="0"/>
+            </a:xfrm>
+          </p:grpSpPr>
+          <p:sp>
+            <p:nvSpPr>
+              <p:cNvPr id="129" name="Google Shape;129;p3:notes"/>
+              <p:cNvSpPr txBox="1">
+                <a:spLocks noGrp="1"/>
+              </p:cNvSpPr>
+              <p:nvPr>
+                <p:ph type="body" idx="1"/>
+              </p:nvPr>
+            </p:nvSpPr>
+            <p:spPr>
+              <a:xfrm>
+                <a:off x="1028700" y="8686800"/>
+                <a:ext cx="8230870" cy="8230870"/>
+              </a:xfrm>
+              <a:prstGeom prst="rect">
+                <a:avLst/>
+              </a:prstGeom>
+              <a:noFill/>
+              <a:ln w="0">
+                <a:noFill/>
+                <a:prstDash/>
+              </a:ln>
+            </p:spPr>
+            <p:txBody>
+              <a:bodyPr vert="horz" wrap="square" lIns="91440" tIns="91440" rIns="91440" bIns="91440" numCol="1" anchor="t">
+                <a:noAutofit/>
+              </a:bodyPr>
+              <a:lstStyle/>
+              <a:p>
+                <a:pPr marL="0" indent="0" algn="l" rtl="0" latinLnBrk="0">
+                  <a:spcBef>
+                    <a:spcPts val="0"/>
+                  </a:spcBef>
+                  <a:spcAft>
+                    <a:spcPts val="0"/>
+                  </a:spcAft>
+                  <a:buFontTx/>
+                  <a:buNone/>
+                </a:pPr>
+                <a:endParaRPr/>
+              </a:p>
+            </p:txBody>
+          </p:sp>
+          <p:sp>
+            <p:nvSpPr>
+              <p:cNvPr id="130" name="Google Shape;130;p3:notes"/>
+              <p:cNvSpPr>
+                <a:spLocks noGrp="1" noRot="1" noChangeAspect="1"/>
+              </p:cNvSpPr>
+              <p:nvPr>
+                <p:ph type="sldImg"/>
+              </p:nvPr>
+            </p:nvSpPr>
+            <p:spPr>
+              <a:xfrm>
                 <a:off x="-950913" y="1371600"/>
                 <a:ext cx="12192001" cy="6859588"/>
               </a:xfrm>
@@ -2725,7 +2885,7 @@
 </mc:AlternateContent>
 </file>
 
-<file path=ppt/notesSlides/notesSlide21.xml><?xml version="1.0" encoding="utf-8"?>
+<file path=ppt/notesSlides/notesSlide22.xml><?xml version="1.0" encoding="utf-8"?>
 <p:notes xmlns:a="http://schemas.openxmlformats.org/drawingml/2006/main" xmlns:r="http://schemas.openxmlformats.org/officeDocument/2006/relationships" xmlns:p="http://schemas.openxmlformats.org/presentationml/2006/main" showMasterSp="0" showMasterPhAnim="0">
   <p:cSld>
     <p:spTree>
@@ -3097,7 +3257,7 @@
 </p:notes>
 </file>
 
-<file path=ppt/notesSlides/notesSlide5.xml><?xml version="1.0" encoding="utf-8"?>
+<file path=ppt/notesSlides/notesSlide6.xml><?xml version="1.0" encoding="utf-8"?>
 <mc:AlternateContent xmlns:mc="http://schemas.openxmlformats.org/markup-compatibility/2006" xmlns:p14="http://schemas.microsoft.com/office/powerpoint/2010/main">
   <mc:Choice Requires="p14">
     <p:notes xmlns:a="http://schemas.openxmlformats.org/drawingml/2006/main" xmlns:r="http://schemas.openxmlformats.org/officeDocument/2006/relationships" xmlns:p="http://schemas.openxmlformats.org/presentationml/2006/main">
@@ -3256,7 +3416,7 @@
 </mc:AlternateContent>
 </file>
 
-<file path=ppt/notesSlides/notesSlide6.xml><?xml version="1.0" encoding="utf-8"?>
+<file path=ppt/notesSlides/notesSlide7.xml><?xml version="1.0" encoding="utf-8"?>
 <p:notes xmlns:a="http://schemas.openxmlformats.org/drawingml/2006/main" xmlns:r="http://schemas.openxmlformats.org/officeDocument/2006/relationships" xmlns:p="http://schemas.openxmlformats.org/presentationml/2006/main" showMasterSp="0" showMasterPhAnim="0">
   <p:cSld>
     <p:spTree>
@@ -3365,7 +3525,7 @@
 </p:notes>
 </file>
 
-<file path=ppt/notesSlides/notesSlide7.xml><?xml version="1.0" encoding="utf-8"?>
+<file path=ppt/notesSlides/notesSlide8.xml><?xml version="1.0" encoding="utf-8"?>
 <mc:AlternateContent xmlns:mc="http://schemas.openxmlformats.org/markup-compatibility/2006" xmlns:p14="http://schemas.microsoft.com/office/powerpoint/2010/main">
   <mc:Choice Requires="p14">
     <p:notes xmlns:a="http://schemas.openxmlformats.org/drawingml/2006/main" xmlns:r="http://schemas.openxmlformats.org/officeDocument/2006/relationships" xmlns:p="http://schemas.openxmlformats.org/presentationml/2006/main">
@@ -3518,7 +3678,7 @@
 </mc:AlternateContent>
 </file>
 
-<file path=ppt/notesSlides/notesSlide8.xml><?xml version="1.0" encoding="utf-8"?>
+<file path=ppt/notesSlides/notesSlide9.xml><?xml version="1.0" encoding="utf-8"?>
 <mc:AlternateContent xmlns:mc="http://schemas.openxmlformats.org/markup-compatibility/2006" xmlns:p14="http://schemas.microsoft.com/office/powerpoint/2010/main">
   <mc:Choice Requires="p14">
     <p:notes xmlns:a="http://schemas.openxmlformats.org/drawingml/2006/main" xmlns:r="http://schemas.openxmlformats.org/officeDocument/2006/relationships" xmlns:p="http://schemas.openxmlformats.org/presentationml/2006/main">
@@ -3666,170 +3826,6 @@
     </p:notes>
   </mc:Choice>
   <mc:Fallback xmlns:mc="http://schemas.openxmlformats.org/markup-compatibility/2006" xmlns:p="http://schemas.openxmlformats.org/presentationml/2006/main" xmlns:r="http://schemas.openxmlformats.org/officeDocument/2006/relationships" xmlns:a="http://schemas.openxmlformats.org/drawingml/2006/main" xmlns="" xmlns:p14="http://schemas.microsoft.com/office/powerpoint/2010/main">
-    <p:transition spd="slow"/>
-  </mc:Fallback>
-</mc:AlternateContent>
-</file>
-
-<file path=ppt/notesSlides/notesSlide9.xml><?xml version="1.0" encoding="utf-8"?>
-<mc:AlternateContent xmlns:mc="http://schemas.openxmlformats.org/markup-compatibility/2006" xmlns:p14="http://schemas.microsoft.com/office/powerpoint/2010/main">
-  <mc:Choice Requires="p14">
-    <p:notes xmlns:a="http://schemas.openxmlformats.org/drawingml/2006/main" xmlns:r="http://schemas.openxmlformats.org/officeDocument/2006/relationships" xmlns:p="http://schemas.openxmlformats.org/presentationml/2006/main">
-      <p:cSld>
-        <p:spTree>
-          <p:nvGrpSpPr>
-            <p:cNvPr id="1" name=""/>
-            <p:cNvGrpSpPr/>
-            <p:nvPr/>
-          </p:nvGrpSpPr>
-          <p:grpSpPr>
-            <a:xfrm>
-              <a:off x="0" y="0"/>
-              <a:ext cx="0" cy="0"/>
-              <a:chOff x="0" y="0"/>
-              <a:chExt cx="0" cy="0"/>
-            </a:xfrm>
-          </p:grpSpPr>
-          <p:sp>
-            <p:nvSpPr>
-              <p:cNvPr id="129" name="Google Shape;129;p3:notes"/>
-              <p:cNvSpPr txBox="1">
-                <a:spLocks noGrp="1"/>
-              </p:cNvSpPr>
-              <p:nvPr>
-                <p:ph type="body" idx="1"/>
-              </p:nvPr>
-            </p:nvSpPr>
-            <p:spPr>
-              <a:xfrm>
-                <a:off x="1028700" y="8686800"/>
-                <a:ext cx="8230235" cy="8230235"/>
-              </a:xfrm>
-              <a:prstGeom prst="rect">
-                <a:avLst/>
-              </a:prstGeom>
-              <a:noFill/>
-              <a:ln w="0">
-                <a:noFill/>
-                <a:prstDash/>
-              </a:ln>
-            </p:spPr>
-            <p:txBody>
-              <a:bodyPr vert="horz" wrap="square" lIns="91440" tIns="91440" rIns="91440" bIns="91440" numCol="1" anchor="t">
-                <a:noAutofit/>
-              </a:bodyPr>
-              <a:lstStyle/>
-              <a:p>
-                <a:pPr marL="0" indent="0" algn="l" rtl="0" latinLnBrk="0">
-                  <a:spcBef>
-                    <a:spcPts val="0"/>
-                  </a:spcBef>
-                  <a:spcAft>
-                    <a:spcPts val="0"/>
-                  </a:spcAft>
-                  <a:buFontTx/>
-                  <a:buNone/>
-                </a:pPr>
-                <a:endParaRPr/>
-              </a:p>
-            </p:txBody>
-          </p:sp>
-          <p:sp>
-            <p:nvSpPr>
-              <p:cNvPr id="130" name="Google Shape;130;p3:notes"/>
-              <p:cNvSpPr>
-                <a:spLocks noGrp="1" noRot="1" noChangeAspect="1"/>
-              </p:cNvSpPr>
-              <p:nvPr>
-                <p:ph type="sldImg"/>
-              </p:nvPr>
-            </p:nvSpPr>
-            <p:spPr>
-              <a:xfrm>
-                <a:off x="-950913" y="1371600"/>
-                <a:ext cx="12190413" cy="6858000"/>
-              </a:xfrm>
-              <a:custGeom>
-                <a:avLst/>
-                <a:gdLst>
-                  <a:gd name="TX0" fmla="*/ 0 w 120001"/>
-                  <a:gd name="TY0" fmla="*/ 0 h 120001"/>
-                  <a:gd name="TX1" fmla="*/ 120000 w 120001"/>
-                  <a:gd name="TY1" fmla="*/ 0 h 120001"/>
-                  <a:gd name="TX2" fmla="*/ 120000 w 120001"/>
-                  <a:gd name="TY2" fmla="*/ 120000 h 120001"/>
-                  <a:gd name="TX3" fmla="*/ 0 w 120001"/>
-                  <a:gd name="TY3" fmla="*/ 120000 h 120001"/>
-                </a:gdLst>
-                <a:ahLst/>
-                <a:cxnLst>
-                  <a:cxn ang="0">
-                    <a:pos x="TX0" y="TY0"/>
-                  </a:cxn>
-                  <a:cxn ang="0">
-                    <a:pos x="TX1" y="TY1"/>
-                  </a:cxn>
-                  <a:cxn ang="0">
-                    <a:pos x="TX2" y="TY2"/>
-                  </a:cxn>
-                  <a:cxn ang="0">
-                    <a:pos x="TX3" y="TY3"/>
-                  </a:cxn>
-                </a:cxnLst>
-                <a:rect l="l" t="t" r="r" b="b"/>
-                <a:pathLst>
-                  <a:path w="120001" h="120001">
-                    <a:moveTo>
-                      <a:pt x="0" y="0"/>
-                    </a:moveTo>
-                    <a:lnTo>
-                      <a:pt x="120000" y="0"/>
-                    </a:lnTo>
-                    <a:lnTo>
-                      <a:pt x="120000" y="120000"/>
-                    </a:lnTo>
-                    <a:lnTo>
-                      <a:pt x="0" y="120000"/>
-                    </a:lnTo>
-                    <a:close/>
-                  </a:path>
-                </a:pathLst>
-              </a:custGeom>
-              <a:noFill/>
-              <a:ln w="9525" cap="flat" cmpd="sng">
-                <a:solidFill>
-                  <a:srgbClr val="000000">
-                    <a:alpha val="100000"/>
-                  </a:srgbClr>
-                </a:solidFill>
-                <a:prstDash val="solid"/>
-                <a:round/>
-              </a:ln>
-            </p:spPr>
-            <p:txBody>
-              <a:bodyPr vert="horz" wrap="square" lIns="0" tIns="0" rIns="0" bIns="0" anchor="t">
-                <a:noAutofit/>
-              </a:bodyPr>
-              <a:lstStyle/>
-              <a:p>
-                <a:pPr marL="0" indent="0"/>
-                <a:endParaRPr/>
-              </a:p>
-            </p:txBody>
-          </p:sp>
-        </p:spTree>
-        <p:extLst>
-          <p:ext uri="{BB962C8B-B14F-4D97-AF65-F5344CB8AC3E}">
-            <p14:creationId val="3550845992"/>
-          </p:ext>
-        </p:extLst>
-      </p:cSld>
-      <p:clrMapOvr>
-        <a:masterClrMapping/>
-      </p:clrMapOvr>
-    </p:notes>
-  </mc:Choice>
-  <mc:Fallback xmlns:p14="http://schemas.microsoft.com/office/powerpoint/2010/main" xmlns="" xmlns:a="http://schemas.openxmlformats.org/drawingml/2006/main" xmlns:r="http://schemas.openxmlformats.org/officeDocument/2006/relationships" xmlns:p="http://schemas.openxmlformats.org/presentationml/2006/main" xmlns:mc="http://schemas.openxmlformats.org/markup-compatibility/2006">
     <p:transition spd="slow"/>
   </mc:Fallback>
 </mc:AlternateContent>
@@ -28978,7 +28974,7 @@
 </file>
 
 <file path=ppt/slides/slide21.xml><?xml version="1.0" encoding="utf-8"?>
-<p:sld xmlns:a="http://schemas.openxmlformats.org/drawingml/2006/main" xmlns:r="http://schemas.openxmlformats.org/officeDocument/2006/relationships" xmlns:p="http://schemas.openxmlformats.org/presentationml/2006/main">
+<p:sld xmlns:a="http://schemas.openxmlformats.org/drawingml/2006/main" xmlns:r="http://schemas.openxmlformats.org/officeDocument/2006/relationships" xmlns:p="http://schemas.openxmlformats.org/presentationml/2006/main" xmlns:p14="http://schemas.microsoft.com/office/powerpoint/2010/main">
   <p:cSld>
     <p:spTree>
       <p:nvGrpSpPr>
@@ -29165,46 +29161,6 @@
           </a:p>
         </p:txBody>
       </p:sp>
-      <p:pic>
-        <p:nvPicPr>
-          <p:cNvPr id="205" name="그림 1"/>
-          <p:cNvPicPr>
-            <a:picLocks noChangeAspect="1"/>
-          </p:cNvPicPr>
-          <p:nvPr/>
-        </p:nvPicPr>
-        <p:blipFill rotWithShape="1">
-          <a:blip r:embed="rId3" cstate="hqprint">
-            <a:extLst>
-              <a:ext uri="{28A0092B-C50C-407E-A947-70E740481C1C}">
-                <a14:useLocalDpi xmlns:a14="http://schemas.microsoft.com/office/drawing/2010/main"/>
-              </a:ext>
-            </a:extLst>
-          </a:blip>
-          <a:stretch>
-            <a:fillRect/>
-          </a:stretch>
-        </p:blipFill>
-        <p:spPr>
-          <a:xfrm>
-            <a:off x="1440180" y="1842770"/>
-            <a:ext cx="15387320" cy="7529830"/>
-          </a:xfrm>
-          <a:prstGeom prst="rect">
-            <a:avLst/>
-          </a:prstGeom>
-          <a:noFill/>
-          <a:ln w="57150" cap="flat" cmpd="sng">
-            <a:solidFill>
-              <a:srgbClr val="8E799B">
-                <a:alpha val="100000"/>
-              </a:srgbClr>
-            </a:solidFill>
-            <a:prstDash val="solid"/>
-            <a:round/>
-          </a:ln>
-        </p:spPr>
-      </p:pic>
       <p:sp>
         <p:nvSpPr>
           <p:cNvPr id="206" name="텍스트 상자 1"/>
@@ -29265,11 +29221,55 @@
           </a:p>
         </p:txBody>
       </p:sp>
+      <p:pic>
+        <p:nvPicPr>
+          <p:cNvPr id="207" name="그림 2" descr="C:/Users/admin/AppData/Roaming/PolarisOffice/ETemp/15880_7707200/fImage5385640041.png"/>
+          <p:cNvPicPr>
+            <a:picLocks noChangeAspect="1"/>
+          </p:cNvPicPr>
+          <p:nvPr/>
+        </p:nvPicPr>
+        <p:blipFill rotWithShape="1">
+          <a:blip r:embed="rId4" cstate="print">
+            <a:extLst>
+              <a:ext uri="{28A0092B-C50C-407E-A947-70E740481C1C}">
+                <a14:useLocalDpi xmlns:a14="http://schemas.microsoft.com/office/drawing/2010/main" val="0"/>
+              </a:ext>
+            </a:extLst>
+          </a:blip>
+          <a:stretch>
+            <a:fillRect/>
+          </a:stretch>
+        </p:blipFill>
+        <p:spPr>
+          <a:xfrm rot="0">
+            <a:off x="1779270" y="1914525"/>
+            <a:ext cx="14740890" cy="7219950"/>
+          </a:xfrm>
+          <a:prstGeom prst="rect"/>
+          <a:noFill/>
+        </p:spPr>
+      </p:pic>
     </p:spTree>
   </p:cSld>
   <p:clrMapOvr>
     <a:masterClrMapping/>
   </p:clrMapOvr>
+  <mc:AlternateContent xmlns:mc="http://schemas.openxmlformats.org/markup-compatibility/2006">
+    <mc:Choice xmlns:p14="http://schemas.microsoft.com/office/powerpoint/2010/main" Requires="p14">
+      <p:transition spd="slow" p14:dur="2000"/>
+    </mc:Choice>
+    <mc:Fallback>
+      <p:transition spd="slow"/>
+    </mc:Fallback>
+  </mc:AlternateContent>
+  <p:timing>
+    <p:tnLst>
+      <p:par>
+        <p:cTn id="1" dur="indefinite" restart="never" nodeType="tmRoot"/>
+      </p:par>
+    </p:tnLst>
+  </p:timing>
 </p:sld>
 </file>
 
@@ -29398,7 +29398,7 @@
 </file>
 
 <file path=ppt/slides/slide3.xml><?xml version="1.0" encoding="utf-8"?>
-<p:sld xmlns:a="http://schemas.openxmlformats.org/drawingml/2006/main" xmlns:r="http://schemas.openxmlformats.org/officeDocument/2006/relationships" xmlns:p="http://schemas.openxmlformats.org/presentationml/2006/main">
+<p:sld xmlns:a="http://schemas.openxmlformats.org/drawingml/2006/main" xmlns:r="http://schemas.openxmlformats.org/officeDocument/2006/relationships" xmlns:p="http://schemas.openxmlformats.org/presentationml/2006/main" xmlns:p14="http://schemas.microsoft.com/office/powerpoint/2010/main">
   <p:cSld>
     <p:spTree>
       <p:nvGrpSpPr>
@@ -29423,13 +29423,11 @@
           <p:nvPr/>
         </p:nvSpPr>
         <p:spPr>
-          <a:xfrm>
-            <a:off x="8315960" y="1604010"/>
-            <a:ext cx="2337435" cy="8674100"/>
-          </a:xfrm>
-          <a:prstGeom prst="rect">
-            <a:avLst/>
-          </a:prstGeom>
+          <a:xfrm rot="0">
+            <a:off x="8603615" y="2798445"/>
+            <a:ext cx="2338070" cy="5075555"/>
+          </a:xfrm>
+          <a:prstGeom prst="rect"/>
           <a:noFill/>
           <a:ln w="0">
             <a:noFill/>
@@ -29437,7 +29435,7 @@
           </a:ln>
         </p:spPr>
         <p:txBody>
-          <a:bodyPr vert="horz" wrap="square" lIns="91440" tIns="45720" rIns="91440" bIns="45720" numCol="1" anchor="ctr">
+          <a:bodyPr wrap="square" lIns="91440" tIns="45720" rIns="91440" bIns="45720" numCol="1" vert="horz" anchor="ctr">
             <a:spAutoFit/>
           </a:bodyPr>
           <a:lstStyle/>
@@ -29589,136 +29587,6 @@
               </a:rPr>
               <a:t>진행상황</a:t>
             </a:r>
-            <a:endParaRPr lang="ko-KR" altLang="en-US" sz="3600" b="1">
-              <a:solidFill>
-                <a:srgbClr val="694680"/>
-              </a:solidFill>
-              <a:latin typeface="나눔바른고딕" charset="0"/>
-              <a:ea typeface="나눔바른고딕" charset="0"/>
-            </a:endParaRPr>
-          </a:p>
-          <a:p>
-            <a:pPr marL="0" indent="0" latinLnBrk="0">
-              <a:lnSpc>
-                <a:spcPct val="150000"/>
-              </a:lnSpc>
-              <a:buFontTx/>
-              <a:buNone/>
-            </a:pPr>
-            <a:r>
-              <a:rPr lang="en-US" sz="3600" b="1">
-                <a:solidFill>
-                  <a:srgbClr val="694680"/>
-                </a:solidFill>
-                <a:latin typeface="나눔바른고딕" charset="0"/>
-                <a:ea typeface="나눔바른고딕" charset="0"/>
-              </a:rPr>
-              <a:t>   </a:t>
-            </a:r>
-            <a:r>
-              <a:rPr lang="en-US" sz="2800" b="1">
-                <a:solidFill>
-                  <a:srgbClr val="694680"/>
-                </a:solidFill>
-                <a:latin typeface="나눔바른고딕" charset="0"/>
-                <a:ea typeface="나눔바른고딕" charset="0"/>
-              </a:rPr>
-              <a:t>-협업 방식</a:t>
-            </a:r>
-            <a:endParaRPr lang="ko-KR" altLang="en-US" sz="2800" b="1">
-              <a:solidFill>
-                <a:srgbClr val="694680"/>
-              </a:solidFill>
-              <a:latin typeface="나눔바른고딕" charset="0"/>
-              <a:ea typeface="나눔바른고딕" charset="0"/>
-            </a:endParaRPr>
-          </a:p>
-          <a:p>
-            <a:pPr marL="0" indent="0" latinLnBrk="0">
-              <a:lnSpc>
-                <a:spcPct val="150000"/>
-              </a:lnSpc>
-              <a:buFontTx/>
-              <a:buNone/>
-            </a:pPr>
-            <a:r>
-              <a:rPr lang="en-US" sz="2800" b="1">
-                <a:solidFill>
-                  <a:srgbClr val="694680"/>
-                </a:solidFill>
-                <a:latin typeface="나눔바른고딕" charset="0"/>
-                <a:ea typeface="나눔바른고딕" charset="0"/>
-              </a:rPr>
-              <a:t>    -ERD</a:t>
-            </a:r>
-            <a:endParaRPr lang="ko-KR" altLang="en-US" sz="2800" b="1">
-              <a:solidFill>
-                <a:srgbClr val="694680"/>
-              </a:solidFill>
-              <a:latin typeface="나눔바른고딕" charset="0"/>
-              <a:ea typeface="나눔바른고딕" charset="0"/>
-            </a:endParaRPr>
-          </a:p>
-          <a:p>
-            <a:pPr marL="0" indent="0" latinLnBrk="0">
-              <a:lnSpc>
-                <a:spcPct val="150000"/>
-              </a:lnSpc>
-              <a:buFontTx/>
-              <a:buNone/>
-            </a:pPr>
-            <a:r>
-              <a:rPr lang="en-US" sz="2800" b="1">
-                <a:solidFill>
-                  <a:srgbClr val="694680"/>
-                </a:solidFill>
-                <a:latin typeface="나눔바른고딕" charset="0"/>
-                <a:ea typeface="나눔바른고딕" charset="0"/>
-              </a:rPr>
-              <a:t>    -SPM</a:t>
-            </a:r>
-            <a:endParaRPr lang="ko-KR" altLang="en-US" sz="2800" b="1">
-              <a:solidFill>
-                <a:srgbClr val="694680"/>
-              </a:solidFill>
-              <a:latin typeface="나눔바른고딕" charset="0"/>
-              <a:ea typeface="나눔바른고딕" charset="0"/>
-            </a:endParaRPr>
-          </a:p>
-          <a:p>
-            <a:pPr marL="0" indent="0" latinLnBrk="0">
-              <a:lnSpc>
-                <a:spcPct val="150000"/>
-              </a:lnSpc>
-              <a:buFontTx/>
-              <a:buNone/>
-            </a:pPr>
-            <a:r>
-              <a:rPr lang="en-US" sz="2800" b="1">
-                <a:solidFill>
-                  <a:srgbClr val="694680"/>
-                </a:solidFill>
-                <a:latin typeface="나눔바른고딕" charset="0"/>
-                <a:ea typeface="나눔바른고딕" charset="0"/>
-              </a:rPr>
-              <a:t>    -WBS</a:t>
-            </a:r>
-            <a:endParaRPr lang="ko-KR" altLang="en-US" sz="2800" b="1">
-              <a:solidFill>
-                <a:srgbClr val="694680"/>
-              </a:solidFill>
-              <a:latin typeface="나눔바른고딕" charset="0"/>
-              <a:ea typeface="나눔바른고딕" charset="0"/>
-            </a:endParaRPr>
-          </a:p>
-          <a:p>
-            <a:pPr marL="0" indent="0" latinLnBrk="0">
-              <a:lnSpc>
-                <a:spcPct val="150000"/>
-              </a:lnSpc>
-              <a:buFontTx/>
-              <a:buNone/>
-            </a:pPr>
             <a:endParaRPr lang="ko-KR" altLang="en-US" sz="3600" b="1">
               <a:solidFill>
                 <a:srgbClr val="694680"/>
@@ -29964,6 +29832,21 @@
   <p:clrMapOvr>
     <a:masterClrMapping/>
   </p:clrMapOvr>
+  <mc:AlternateContent xmlns:mc="http://schemas.openxmlformats.org/markup-compatibility/2006">
+    <mc:Choice xmlns:p14="http://schemas.microsoft.com/office/powerpoint/2010/main" Requires="p14">
+      <p:transition spd="slow" p14:dur="2000"/>
+    </mc:Choice>
+    <mc:Fallback>
+      <p:transition spd="slow"/>
+    </mc:Fallback>
+  </mc:AlternateContent>
+  <p:timing>
+    <p:tnLst>
+      <p:par>
+        <p:cTn id="1" dur="indefinite" restart="never" nodeType="tmRoot"/>
+      </p:par>
+    </p:tnLst>
+  </p:timing>
 </p:sld>
 </file>
 
